--- a/docs/diagrams/ModelComponentClassDiagram.pptx
+++ b/docs/diagrams/ModelComponentClassDiagram.pptx
@@ -208,7 +208,7 @@
           <a:p>
             <a:fld id="{F5CC4B3F-88C1-4FFA-B1B6-F41C21DC6924}" type="datetimeFigureOut">
               <a:rPr lang="en-US" smtClean="0"/>
-              <a:t>6/27/2018</a:t>
+              <a:t>23-Sep-18</a:t>
             </a:fld>
             <a:endParaRPr lang="en-US"/>
           </a:p>
@@ -654,7 +654,7 @@
           <a:p>
             <a:fld id="{78C97017-6FC3-485B-9764-EAC9E56C1D49}" type="datetimeFigureOut">
               <a:rPr lang="en-US" smtClean="0"/>
-              <a:t>6/27/2018</a:t>
+              <a:t>23-Sep-18</a:t>
             </a:fld>
             <a:endParaRPr lang="en-US"/>
           </a:p>
@@ -822,7 +822,7 @@
           <a:p>
             <a:fld id="{78C97017-6FC3-485B-9764-EAC9E56C1D49}" type="datetimeFigureOut">
               <a:rPr lang="en-US" smtClean="0"/>
-              <a:t>6/27/2018</a:t>
+              <a:t>23-Sep-18</a:t>
             </a:fld>
             <a:endParaRPr lang="en-US"/>
           </a:p>
@@ -1000,7 +1000,7 @@
           <a:p>
             <a:fld id="{78C97017-6FC3-485B-9764-EAC9E56C1D49}" type="datetimeFigureOut">
               <a:rPr lang="en-US" smtClean="0"/>
-              <a:t>6/27/2018</a:t>
+              <a:t>23-Sep-18</a:t>
             </a:fld>
             <a:endParaRPr lang="en-US"/>
           </a:p>
@@ -1168,7 +1168,7 @@
           <a:p>
             <a:fld id="{78C97017-6FC3-485B-9764-EAC9E56C1D49}" type="datetimeFigureOut">
               <a:rPr lang="en-US" smtClean="0"/>
-              <a:t>6/27/2018</a:t>
+              <a:t>23-Sep-18</a:t>
             </a:fld>
             <a:endParaRPr lang="en-US"/>
           </a:p>
@@ -1413,7 +1413,7 @@
           <a:p>
             <a:fld id="{78C97017-6FC3-485B-9764-EAC9E56C1D49}" type="datetimeFigureOut">
               <a:rPr lang="en-US" smtClean="0"/>
-              <a:t>6/27/2018</a:t>
+              <a:t>23-Sep-18</a:t>
             </a:fld>
             <a:endParaRPr lang="en-US"/>
           </a:p>
@@ -1698,7 +1698,7 @@
           <a:p>
             <a:fld id="{78C97017-6FC3-485B-9764-EAC9E56C1D49}" type="datetimeFigureOut">
               <a:rPr lang="en-US" smtClean="0"/>
-              <a:t>6/27/2018</a:t>
+              <a:t>23-Sep-18</a:t>
             </a:fld>
             <a:endParaRPr lang="en-US"/>
           </a:p>
@@ -2117,7 +2117,7 @@
           <a:p>
             <a:fld id="{78C97017-6FC3-485B-9764-EAC9E56C1D49}" type="datetimeFigureOut">
               <a:rPr lang="en-US" smtClean="0"/>
-              <a:t>6/27/2018</a:t>
+              <a:t>23-Sep-18</a:t>
             </a:fld>
             <a:endParaRPr lang="en-US"/>
           </a:p>
@@ -2234,7 +2234,7 @@
           <a:p>
             <a:fld id="{78C97017-6FC3-485B-9764-EAC9E56C1D49}" type="datetimeFigureOut">
               <a:rPr lang="en-US" smtClean="0"/>
-              <a:t>6/27/2018</a:t>
+              <a:t>23-Sep-18</a:t>
             </a:fld>
             <a:endParaRPr lang="en-US"/>
           </a:p>
@@ -2329,7 +2329,7 @@
           <a:p>
             <a:fld id="{78C97017-6FC3-485B-9764-EAC9E56C1D49}" type="datetimeFigureOut">
               <a:rPr lang="en-US" smtClean="0"/>
-              <a:t>6/27/2018</a:t>
+              <a:t>23-Sep-18</a:t>
             </a:fld>
             <a:endParaRPr lang="en-US"/>
           </a:p>
@@ -2604,7 +2604,7 @@
           <a:p>
             <a:fld id="{78C97017-6FC3-485B-9764-EAC9E56C1D49}" type="datetimeFigureOut">
               <a:rPr lang="en-US" smtClean="0"/>
-              <a:t>6/27/2018</a:t>
+              <a:t>23-Sep-18</a:t>
             </a:fld>
             <a:endParaRPr lang="en-US"/>
           </a:p>
@@ -2856,7 +2856,7 @@
           <a:p>
             <a:fld id="{78C97017-6FC3-485B-9764-EAC9E56C1D49}" type="datetimeFigureOut">
               <a:rPr lang="en-US" smtClean="0"/>
-              <a:t>6/27/2018</a:t>
+              <a:t>23-Sep-18</a:t>
             </a:fld>
             <a:endParaRPr lang="en-US"/>
           </a:p>
@@ -3067,7 +3067,7 @@
           <a:p>
             <a:fld id="{78C97017-6FC3-485B-9764-EAC9E56C1D49}" type="datetimeFigureOut">
               <a:rPr lang="en-US" smtClean="0"/>
-              <a:t>6/27/2018</a:t>
+              <a:t>23-Sep-18</a:t>
             </a:fld>
             <a:endParaRPr lang="en-US"/>
           </a:p>
@@ -3994,12 +3994,12 @@
           <a:p>
             <a:pPr algn="ctr"/>
             <a:r>
-              <a:rPr lang="en-US" sz="1050" dirty="0" err="1" smtClean="0">
+              <a:rPr lang="en-US" sz="1050" dirty="0" err="1">
                 <a:solidFill>
                   <a:srgbClr val="7030A0"/>
                 </a:solidFill>
               </a:rPr>
-              <a:t>VersionedAddressBook</a:t>
+              <a:t>VersionedSavedBook</a:t>
             </a:r>
             <a:endParaRPr lang="en-SG" sz="1050" dirty="0">
               <a:solidFill>
@@ -4524,12 +4524,12 @@
           <a:p>
             <a:pPr algn="ctr"/>
             <a:r>
-              <a:rPr lang="en-US" sz="1050" dirty="0">
+              <a:rPr lang="en-US" sz="1050" dirty="0" err="1">
                 <a:solidFill>
                   <a:srgbClr val="7030A0"/>
                 </a:solidFill>
               </a:rPr>
-              <a:t>Phone</a:t>
+              <a:t>SavedAmount</a:t>
             </a:r>
             <a:endParaRPr lang="en-SG" sz="1050" dirty="0">
               <a:solidFill>
@@ -4626,7 +4626,7 @@
                   <a:srgbClr val="7030A0"/>
                 </a:solidFill>
               </a:rPr>
-              <a:t>Email</a:t>
+              <a:t>Cost</a:t>
             </a:r>
             <a:endParaRPr lang="en-SG" sz="1050" dirty="0">
               <a:solidFill>
@@ -4723,7 +4723,7 @@
                   <a:srgbClr val="7030A0"/>
                 </a:solidFill>
               </a:rPr>
-              <a:t>Address</a:t>
+              <a:t>URL</a:t>
             </a:r>
             <a:endParaRPr lang="en-SG" sz="1050" dirty="0">
               <a:solidFill>
@@ -4921,12 +4921,12 @@
               </a:rPr>
             </a:br>
             <a:r>
-              <a:rPr lang="en-US" sz="1050" dirty="0" err="1">
+              <a:rPr lang="en-US" sz="1050">
                 <a:solidFill>
                   <a:srgbClr val="7030A0"/>
                 </a:solidFill>
               </a:rPr>
-              <a:t>ReadOnlyAddressBook</a:t>
+              <a:t>ReadOnlySaveBook</a:t>
             </a:r>
             <a:endParaRPr lang="en-SG" sz="1050" dirty="0">
               <a:solidFill>
@@ -5023,16 +5023,8 @@
               </a:rPr>
               <a:t>&lt;&lt;interface&gt;&gt;</a:t>
             </a:r>
-            <a:r>
-              <a:rPr lang="en-US" sz="1050">
-                <a:solidFill>
-                  <a:srgbClr val="7030A0"/>
-                </a:solidFill>
-              </a:rPr>
-              <a:t/>
-            </a:r>
             <a:br>
-              <a:rPr lang="en-US" sz="1050">
+              <a:rPr lang="en-US" sz="1050" dirty="0">
                 <a:solidFill>
                   <a:srgbClr val="7030A0"/>
                 </a:solidFill>
@@ -5489,12 +5481,12 @@
           <a:p>
             <a:pPr algn="ctr"/>
             <a:r>
-              <a:rPr lang="en-US" sz="1050" dirty="0" err="1">
+              <a:rPr lang="en-SG" sz="1050" dirty="0" err="1">
                 <a:solidFill>
                   <a:srgbClr val="7030A0"/>
                 </a:solidFill>
               </a:rPr>
-              <a:t>AddressBook</a:t>
+              <a:t>SaveBook</a:t>
             </a:r>
             <a:endParaRPr lang="en-SG" sz="1050" dirty="0">
               <a:solidFill>

--- a/docs/diagrams/ModelComponentClassDiagram.pptx
+++ b/docs/diagrams/ModelComponentClassDiagram.pptx
@@ -208,7 +208,7 @@
           <a:p>
             <a:fld id="{F5CC4B3F-88C1-4FFA-B1B6-F41C21DC6924}" type="datetimeFigureOut">
               <a:rPr lang="en-US" smtClean="0"/>
-              <a:t>23-Sep-18</a:t>
+              <a:t>25-Sep-18</a:t>
             </a:fld>
             <a:endParaRPr lang="en-US"/>
           </a:p>
@@ -654,7 +654,7 @@
           <a:p>
             <a:fld id="{78C97017-6FC3-485B-9764-EAC9E56C1D49}" type="datetimeFigureOut">
               <a:rPr lang="en-US" smtClean="0"/>
-              <a:t>23-Sep-18</a:t>
+              <a:t>25-Sep-18</a:t>
             </a:fld>
             <a:endParaRPr lang="en-US"/>
           </a:p>
@@ -822,7 +822,7 @@
           <a:p>
             <a:fld id="{78C97017-6FC3-485B-9764-EAC9E56C1D49}" type="datetimeFigureOut">
               <a:rPr lang="en-US" smtClean="0"/>
-              <a:t>23-Sep-18</a:t>
+              <a:t>25-Sep-18</a:t>
             </a:fld>
             <a:endParaRPr lang="en-US"/>
           </a:p>
@@ -1000,7 +1000,7 @@
           <a:p>
             <a:fld id="{78C97017-6FC3-485B-9764-EAC9E56C1D49}" type="datetimeFigureOut">
               <a:rPr lang="en-US" smtClean="0"/>
-              <a:t>23-Sep-18</a:t>
+              <a:t>25-Sep-18</a:t>
             </a:fld>
             <a:endParaRPr lang="en-US"/>
           </a:p>
@@ -1168,7 +1168,7 @@
           <a:p>
             <a:fld id="{78C97017-6FC3-485B-9764-EAC9E56C1D49}" type="datetimeFigureOut">
               <a:rPr lang="en-US" smtClean="0"/>
-              <a:t>23-Sep-18</a:t>
+              <a:t>25-Sep-18</a:t>
             </a:fld>
             <a:endParaRPr lang="en-US"/>
           </a:p>
@@ -1413,7 +1413,7 @@
           <a:p>
             <a:fld id="{78C97017-6FC3-485B-9764-EAC9E56C1D49}" type="datetimeFigureOut">
               <a:rPr lang="en-US" smtClean="0"/>
-              <a:t>23-Sep-18</a:t>
+              <a:t>25-Sep-18</a:t>
             </a:fld>
             <a:endParaRPr lang="en-US"/>
           </a:p>
@@ -1698,7 +1698,7 @@
           <a:p>
             <a:fld id="{78C97017-6FC3-485B-9764-EAC9E56C1D49}" type="datetimeFigureOut">
               <a:rPr lang="en-US" smtClean="0"/>
-              <a:t>23-Sep-18</a:t>
+              <a:t>25-Sep-18</a:t>
             </a:fld>
             <a:endParaRPr lang="en-US"/>
           </a:p>
@@ -2117,7 +2117,7 @@
           <a:p>
             <a:fld id="{78C97017-6FC3-485B-9764-EAC9E56C1D49}" type="datetimeFigureOut">
               <a:rPr lang="en-US" smtClean="0"/>
-              <a:t>23-Sep-18</a:t>
+              <a:t>25-Sep-18</a:t>
             </a:fld>
             <a:endParaRPr lang="en-US"/>
           </a:p>
@@ -2234,7 +2234,7 @@
           <a:p>
             <a:fld id="{78C97017-6FC3-485B-9764-EAC9E56C1D49}" type="datetimeFigureOut">
               <a:rPr lang="en-US" smtClean="0"/>
-              <a:t>23-Sep-18</a:t>
+              <a:t>25-Sep-18</a:t>
             </a:fld>
             <a:endParaRPr lang="en-US"/>
           </a:p>
@@ -2329,7 +2329,7 @@
           <a:p>
             <a:fld id="{78C97017-6FC3-485B-9764-EAC9E56C1D49}" type="datetimeFigureOut">
               <a:rPr lang="en-US" smtClean="0"/>
-              <a:t>23-Sep-18</a:t>
+              <a:t>25-Sep-18</a:t>
             </a:fld>
             <a:endParaRPr lang="en-US"/>
           </a:p>
@@ -2604,7 +2604,7 @@
           <a:p>
             <a:fld id="{78C97017-6FC3-485B-9764-EAC9E56C1D49}" type="datetimeFigureOut">
               <a:rPr lang="en-US" smtClean="0"/>
-              <a:t>23-Sep-18</a:t>
+              <a:t>25-Sep-18</a:t>
             </a:fld>
             <a:endParaRPr lang="en-US"/>
           </a:p>
@@ -2856,7 +2856,7 @@
           <a:p>
             <a:fld id="{78C97017-6FC3-485B-9764-EAC9E56C1D49}" type="datetimeFigureOut">
               <a:rPr lang="en-US" smtClean="0"/>
-              <a:t>23-Sep-18</a:t>
+              <a:t>25-Sep-18</a:t>
             </a:fld>
             <a:endParaRPr lang="en-US"/>
           </a:p>
@@ -3067,7 +3067,7 @@
           <a:p>
             <a:fld id="{78C97017-6FC3-485B-9764-EAC9E56C1D49}" type="datetimeFigureOut">
               <a:rPr lang="en-US" smtClean="0"/>
-              <a:t>23-Sep-18</a:t>
+              <a:t>25-Sep-18</a:t>
             </a:fld>
             <a:endParaRPr lang="en-US"/>
           </a:p>
@@ -3994,12 +3994,12 @@
           <a:p>
             <a:pPr algn="ctr"/>
             <a:r>
-              <a:rPr lang="en-US" sz="1050" dirty="0" err="1">
+              <a:rPr lang="en-US" sz="1050">
                 <a:solidFill>
                   <a:srgbClr val="7030A0"/>
                 </a:solidFill>
               </a:rPr>
-              <a:t>VersionedSavedBook</a:t>
+              <a:t>VersionedSaveBook</a:t>
             </a:r>
             <a:endParaRPr lang="en-SG" sz="1050" dirty="0">
               <a:solidFill>

--- a/docs/diagrams/ModelComponentClassDiagram.pptx
+++ b/docs/diagrams/ModelComponentClassDiagram.pptx
@@ -3994,12 +3994,12 @@
           <a:p>
             <a:pPr algn="ctr"/>
             <a:r>
-              <a:rPr lang="en-US" sz="1050">
+              <a:rPr lang="en-US" sz="1050" dirty="0" err="1">
                 <a:solidFill>
                   <a:srgbClr val="7030A0"/>
                 </a:solidFill>
               </a:rPr>
-              <a:t>VersionedSaveBook</a:t>
+              <a:t>VersionedWishBook</a:t>
             </a:r>
             <a:endParaRPr lang="en-SG" sz="1050" dirty="0">
               <a:solidFill>
@@ -4141,7 +4141,7 @@
                   <a:srgbClr val="7030A0"/>
                 </a:solidFill>
               </a:rPr>
-              <a:t>UniquePersonList</a:t>
+              <a:t>UniqueWishList</a:t>
             </a:r>
             <a:endParaRPr lang="en-SG" sz="1050" dirty="0">
               <a:solidFill>
@@ -4244,7 +4244,7 @@
                   <a:srgbClr val="7030A0"/>
                 </a:solidFill>
               </a:rPr>
-              <a:t>Person</a:t>
+              <a:t>Wish</a:t>
             </a:r>
             <a:endParaRPr lang="en-SG" sz="1050" dirty="0">
               <a:solidFill>
@@ -4921,12 +4921,12 @@
               </a:rPr>
             </a:br>
             <a:r>
-              <a:rPr lang="en-US" sz="1050">
+              <a:rPr lang="en-US" sz="1050" dirty="0" err="1">
                 <a:solidFill>
                   <a:srgbClr val="7030A0"/>
                 </a:solidFill>
               </a:rPr>
-              <a:t>ReadOnlySaveBook</a:t>
+              <a:t>ReadOnlyWishBook</a:t>
             </a:r>
             <a:endParaRPr lang="en-SG" sz="1050" dirty="0">
               <a:solidFill>
@@ -5486,7 +5486,7 @@
                   <a:srgbClr val="7030A0"/>
                 </a:solidFill>
               </a:rPr>
-              <a:t>SaveBook</a:t>
+              <a:t>WishBook</a:t>
             </a:r>
             <a:endParaRPr lang="en-SG" sz="1050" dirty="0">
               <a:solidFill>

--- a/docs/diagrams/ModelComponentClassDiagram.pptx
+++ b/docs/diagrams/ModelComponentClassDiagram.pptx
@@ -208,7 +208,7 @@
           <a:p>
             <a:fld id="{F5CC4B3F-88C1-4FFA-B1B6-F41C21DC6924}" type="datetimeFigureOut">
               <a:rPr lang="en-US" smtClean="0"/>
-              <a:t>6/27/2018</a:t>
+              <a:t>9/28/2018</a:t>
             </a:fld>
             <a:endParaRPr lang="en-US"/>
           </a:p>
@@ -654,7 +654,7 @@
           <a:p>
             <a:fld id="{78C97017-6FC3-485B-9764-EAC9E56C1D49}" type="datetimeFigureOut">
               <a:rPr lang="en-US" smtClean="0"/>
-              <a:t>6/27/2018</a:t>
+              <a:t>9/28/2018</a:t>
             </a:fld>
             <a:endParaRPr lang="en-US"/>
           </a:p>
@@ -822,7 +822,7 @@
           <a:p>
             <a:fld id="{78C97017-6FC3-485B-9764-EAC9E56C1D49}" type="datetimeFigureOut">
               <a:rPr lang="en-US" smtClean="0"/>
-              <a:t>6/27/2018</a:t>
+              <a:t>9/28/2018</a:t>
             </a:fld>
             <a:endParaRPr lang="en-US"/>
           </a:p>
@@ -1000,7 +1000,7 @@
           <a:p>
             <a:fld id="{78C97017-6FC3-485B-9764-EAC9E56C1D49}" type="datetimeFigureOut">
               <a:rPr lang="en-US" smtClean="0"/>
-              <a:t>6/27/2018</a:t>
+              <a:t>9/28/2018</a:t>
             </a:fld>
             <a:endParaRPr lang="en-US"/>
           </a:p>
@@ -1168,7 +1168,7 @@
           <a:p>
             <a:fld id="{78C97017-6FC3-485B-9764-EAC9E56C1D49}" type="datetimeFigureOut">
               <a:rPr lang="en-US" smtClean="0"/>
-              <a:t>6/27/2018</a:t>
+              <a:t>9/28/2018</a:t>
             </a:fld>
             <a:endParaRPr lang="en-US"/>
           </a:p>
@@ -1413,7 +1413,7 @@
           <a:p>
             <a:fld id="{78C97017-6FC3-485B-9764-EAC9E56C1D49}" type="datetimeFigureOut">
               <a:rPr lang="en-US" smtClean="0"/>
-              <a:t>6/27/2018</a:t>
+              <a:t>9/28/2018</a:t>
             </a:fld>
             <a:endParaRPr lang="en-US"/>
           </a:p>
@@ -1698,7 +1698,7 @@
           <a:p>
             <a:fld id="{78C97017-6FC3-485B-9764-EAC9E56C1D49}" type="datetimeFigureOut">
               <a:rPr lang="en-US" smtClean="0"/>
-              <a:t>6/27/2018</a:t>
+              <a:t>9/28/2018</a:t>
             </a:fld>
             <a:endParaRPr lang="en-US"/>
           </a:p>
@@ -2117,7 +2117,7 @@
           <a:p>
             <a:fld id="{78C97017-6FC3-485B-9764-EAC9E56C1D49}" type="datetimeFigureOut">
               <a:rPr lang="en-US" smtClean="0"/>
-              <a:t>6/27/2018</a:t>
+              <a:t>9/28/2018</a:t>
             </a:fld>
             <a:endParaRPr lang="en-US"/>
           </a:p>
@@ -2234,7 +2234,7 @@
           <a:p>
             <a:fld id="{78C97017-6FC3-485B-9764-EAC9E56C1D49}" type="datetimeFigureOut">
               <a:rPr lang="en-US" smtClean="0"/>
-              <a:t>6/27/2018</a:t>
+              <a:t>9/28/2018</a:t>
             </a:fld>
             <a:endParaRPr lang="en-US"/>
           </a:p>
@@ -2329,7 +2329,7 @@
           <a:p>
             <a:fld id="{78C97017-6FC3-485B-9764-EAC9E56C1D49}" type="datetimeFigureOut">
               <a:rPr lang="en-US" smtClean="0"/>
-              <a:t>6/27/2018</a:t>
+              <a:t>9/28/2018</a:t>
             </a:fld>
             <a:endParaRPr lang="en-US"/>
           </a:p>
@@ -2604,7 +2604,7 @@
           <a:p>
             <a:fld id="{78C97017-6FC3-485B-9764-EAC9E56C1D49}" type="datetimeFigureOut">
               <a:rPr lang="en-US" smtClean="0"/>
-              <a:t>6/27/2018</a:t>
+              <a:t>9/28/2018</a:t>
             </a:fld>
             <a:endParaRPr lang="en-US"/>
           </a:p>
@@ -2856,7 +2856,7 @@
           <a:p>
             <a:fld id="{78C97017-6FC3-485B-9764-EAC9E56C1D49}" type="datetimeFigureOut">
               <a:rPr lang="en-US" smtClean="0"/>
-              <a:t>6/27/2018</a:t>
+              <a:t>9/28/2018</a:t>
             </a:fld>
             <a:endParaRPr lang="en-US"/>
           </a:p>
@@ -3067,7 +3067,7 @@
           <a:p>
             <a:fld id="{78C97017-6FC3-485B-9764-EAC9E56C1D49}" type="datetimeFigureOut">
               <a:rPr lang="en-US" smtClean="0"/>
-              <a:t>6/27/2018</a:t>
+              <a:t>9/28/2018</a:t>
             </a:fld>
             <a:endParaRPr lang="en-US"/>
           </a:p>
@@ -3450,8 +3450,8 @@
         </p:nvSpPr>
         <p:spPr>
           <a:xfrm>
-            <a:off x="1119865" y="1600200"/>
-            <a:ext cx="7490735" cy="3124200"/>
+            <a:off x="439552" y="294650"/>
+            <a:ext cx="8164830" cy="6248401"/>
           </a:xfrm>
           <a:prstGeom prst="roundRect">
             <a:avLst>
@@ -3505,14 +3505,14 @@
       </p:sp>
       <p:sp>
         <p:nvSpPr>
-          <p:cNvPr id="2" name="Rectangle 8"/>
+          <p:cNvPr id="9" name="Rectangle 62"/>
           <p:cNvSpPr/>
           <p:nvPr/>
         </p:nvSpPr>
         <p:spPr>
-          <a:xfrm>
-            <a:off x="2877180" y="3463240"/>
-            <a:ext cx="1093635" cy="346760"/>
+          <a:xfrm rot="16200000">
+            <a:off x="836133" y="3322769"/>
+            <a:ext cx="1543674" cy="346760"/>
           </a:xfrm>
           <a:prstGeom prst="rect">
             <a:avLst/>
@@ -3552,7 +3552,7 @@
                   <a:schemeClr val="bg1"/>
                 </a:solidFill>
               </a:rPr>
-              <a:t>UserPref</a:t>
+              <a:t>ModelManager</a:t>
             </a:r>
             <a:endParaRPr lang="en-SG" sz="1050" dirty="0">
               <a:solidFill>
@@ -3564,13 +3564,13 @@
       </p:sp>
       <p:sp>
         <p:nvSpPr>
-          <p:cNvPr id="9" name="Rectangle 62"/>
+          <p:cNvPr id="119" name="Rectangle 62"/>
           <p:cNvSpPr/>
           <p:nvPr/>
         </p:nvSpPr>
         <p:spPr>
           <a:xfrm rot="16200000">
-            <a:off x="1661548" y="3097750"/>
+            <a:off x="355806" y="2861202"/>
             <a:ext cx="1093635" cy="346760"/>
           </a:xfrm>
           <a:prstGeom prst="rect">
@@ -3606,110 +3606,6 @@
           <a:p>
             <a:pPr algn="ctr"/>
             <a:r>
-              <a:rPr lang="en-US" sz="1050" dirty="0" err="1">
-                <a:solidFill>
-                  <a:schemeClr val="bg1"/>
-                </a:solidFill>
-              </a:rPr>
-              <a:t>ModelManager</a:t>
-            </a:r>
-            <a:endParaRPr lang="en-SG" sz="1050" dirty="0">
-              <a:solidFill>
-                <a:schemeClr val="bg1"/>
-              </a:solidFill>
-            </a:endParaRPr>
-          </a:p>
-        </p:txBody>
-      </p:sp>
-      <p:cxnSp>
-        <p:nvCxnSpPr>
-          <p:cNvPr id="107" name="Elbow Connector 106"/>
-          <p:cNvCxnSpPr>
-            <a:cxnSpLocks/>
-            <a:stCxn id="9" idx="1"/>
-            <a:endCxn id="62" idx="2"/>
-          </p:cNvCxnSpPr>
-          <p:nvPr/>
-        </p:nvCxnSpPr>
-        <p:spPr>
-          <a:xfrm rot="5400000" flipH="1" flipV="1">
-            <a:off x="4131507" y="1281685"/>
-            <a:ext cx="613122" cy="4459404"/>
-          </a:xfrm>
-          <a:prstGeom prst="bentConnector3">
-            <a:avLst>
-              <a:gd name="adj1" fmla="val -26668"/>
-            </a:avLst>
-          </a:prstGeom>
-          <a:ln w="19050">
-            <a:solidFill>
-              <a:srgbClr val="7030A0"/>
-            </a:solidFill>
-            <a:prstDash val="solid"/>
-            <a:headEnd type="none" w="med" len="med"/>
-            <a:tailEnd type="arrow" w="med" len="med"/>
-          </a:ln>
-          <a:effectLst/>
-        </p:spPr>
-        <p:style>
-          <a:lnRef idx="1">
-            <a:schemeClr val="accent2"/>
-          </a:lnRef>
-          <a:fillRef idx="2">
-            <a:schemeClr val="accent2"/>
-          </a:fillRef>
-          <a:effectRef idx="1">
-            <a:schemeClr val="accent2"/>
-          </a:effectRef>
-          <a:fontRef idx="minor">
-            <a:schemeClr val="dk1"/>
-          </a:fontRef>
-        </p:style>
-      </p:cxnSp>
-      <p:sp>
-        <p:nvSpPr>
-          <p:cNvPr id="119" name="Rectangle 62"/>
-          <p:cNvSpPr/>
-          <p:nvPr/>
-        </p:nvSpPr>
-        <p:spPr>
-          <a:xfrm rot="16200000">
-            <a:off x="956202" y="2861202"/>
-            <a:ext cx="1093635" cy="346760"/>
-          </a:xfrm>
-          <a:prstGeom prst="rect">
-            <a:avLst/>
-          </a:prstGeom>
-          <a:solidFill>
-            <a:srgbClr val="7030A0"/>
-          </a:solidFill>
-          <a:ln w="19050">
-            <a:solidFill>
-              <a:srgbClr val="7030A0"/>
-            </a:solidFill>
-          </a:ln>
-          <a:effectLst/>
-        </p:spPr>
-        <p:style>
-          <a:lnRef idx="1">
-            <a:schemeClr val="accent2"/>
-          </a:lnRef>
-          <a:fillRef idx="2">
-            <a:schemeClr val="accent2"/>
-          </a:fillRef>
-          <a:effectRef idx="1">
-            <a:schemeClr val="accent2"/>
-          </a:effectRef>
-          <a:fontRef idx="minor">
-            <a:schemeClr val="dk1"/>
-          </a:fontRef>
-        </p:style>
-        <p:txBody>
-          <a:bodyPr rtlCol="0" anchor="ctr"/>
-          <a:lstStyle/>
-          <a:p>
-            <a:pPr algn="ctr"/>
-            <a:r>
               <a:rPr lang="en-US" sz="1050" dirty="0">
                 <a:solidFill>
                   <a:schemeClr val="bg1"/>
@@ -3744,7 +3640,7 @@
         </p:nvSpPr>
         <p:spPr>
           <a:xfrm rot="16200000">
-            <a:off x="1626910" y="2952291"/>
+            <a:off x="1026514" y="2952291"/>
             <a:ext cx="270504" cy="175523"/>
           </a:xfrm>
           <a:prstGeom prst="triangle">
@@ -3785,55 +3681,17 @@
       </p:sp>
       <p:cxnSp>
         <p:nvCxnSpPr>
-          <p:cNvPr id="58" name="Straight Arrow Connector 57"/>
+          <p:cNvPr id="75" name="Elbow Connector 122"/>
           <p:cNvCxnSpPr>
-            <a:stCxn id="42" idx="3"/>
-            <a:endCxn id="2" idx="1"/>
+            <a:cxnSpLocks/>
+            <a:endCxn id="119" idx="0"/>
           </p:cNvCxnSpPr>
           <p:nvPr/>
         </p:nvCxnSpPr>
         <p:spPr>
           <a:xfrm>
-            <a:off x="2609828" y="3636620"/>
-            <a:ext cx="267352" cy="0"/>
-          </a:xfrm>
-          <a:prstGeom prst="straightConnector1">
-            <a:avLst/>
-          </a:prstGeom>
-          <a:ln w="19050">
-            <a:solidFill>
-              <a:srgbClr val="7030A0"/>
-            </a:solidFill>
-            <a:headEnd type="none" w="med" len="med"/>
-            <a:tailEnd type="arrow" w="med" len="med"/>
-          </a:ln>
-          <a:effectLst/>
-        </p:spPr>
-        <p:style>
-          <a:lnRef idx="1">
-            <a:schemeClr val="accent2"/>
-          </a:lnRef>
-          <a:fillRef idx="2">
-            <a:schemeClr val="accent2"/>
-          </a:fillRef>
-          <a:effectRef idx="1">
-            <a:schemeClr val="accent2"/>
-          </a:effectRef>
-          <a:fontRef idx="minor">
-            <a:schemeClr val="dk1"/>
-          </a:fontRef>
-        </p:style>
-      </p:cxnSp>
-      <p:cxnSp>
-        <p:nvCxnSpPr>
-          <p:cNvPr id="75" name="Elbow Connector 122"/>
-          <p:cNvCxnSpPr/>
-          <p:nvPr/>
-        </p:nvCxnSpPr>
-        <p:spPr>
-          <a:xfrm>
-            <a:off x="910091" y="3040053"/>
-            <a:ext cx="419548" cy="2860"/>
+            <a:off x="272140" y="3028366"/>
+            <a:ext cx="457104" cy="6216"/>
           </a:xfrm>
           <a:prstGeom prst="bentConnector3">
             <a:avLst>
@@ -3877,7 +3735,7 @@
         </p:nvCxnSpPr>
         <p:spPr>
           <a:xfrm flipV="1">
-            <a:off x="1849924" y="3040052"/>
+            <a:off x="1249528" y="3040052"/>
             <a:ext cx="216105" cy="1"/>
           </a:xfrm>
           <a:prstGeom prst="line">
@@ -3910,13 +3768,110 @@
       </p:cxnSp>
       <p:sp>
         <p:nvSpPr>
-          <p:cNvPr id="42" name="Flowchart: Decision 96"/>
+          <p:cNvPr id="46" name="Rectangle 8"/>
           <p:cNvSpPr/>
           <p:nvPr/>
         </p:nvSpPr>
         <p:spPr>
           <a:xfrm>
-            <a:off x="2373780" y="3549930"/>
+            <a:off x="2217248" y="2749537"/>
+            <a:ext cx="1490560" cy="334856"/>
+          </a:xfrm>
+          <a:prstGeom prst="rect">
+            <a:avLst/>
+          </a:prstGeom>
+          <a:ln w="19050">
+            <a:solidFill>
+              <a:srgbClr val="7030A0"/>
+            </a:solidFill>
+          </a:ln>
+          <a:effectLst/>
+        </p:spPr>
+        <p:style>
+          <a:lnRef idx="1">
+            <a:schemeClr val="accent4"/>
+          </a:lnRef>
+          <a:fillRef idx="2">
+            <a:schemeClr val="accent4"/>
+          </a:fillRef>
+          <a:effectRef idx="1">
+            <a:schemeClr val="accent4"/>
+          </a:effectRef>
+          <a:fontRef idx="minor">
+            <a:schemeClr val="dk1"/>
+          </a:fontRef>
+        </p:style>
+        <p:txBody>
+          <a:bodyPr rtlCol="0" anchor="ctr"/>
+          <a:lstStyle/>
+          <a:p>
+            <a:pPr algn="ctr"/>
+            <a:r>
+              <a:rPr lang="en-US" sz="1050" dirty="0" err="1">
+                <a:solidFill>
+                  <a:srgbClr val="7030A0"/>
+                </a:solidFill>
+              </a:rPr>
+              <a:t>VersionedClinicRecord</a:t>
+            </a:r>
+            <a:endParaRPr lang="en-SG" sz="1050" dirty="0">
+              <a:solidFill>
+                <a:srgbClr val="7030A0"/>
+              </a:solidFill>
+            </a:endParaRPr>
+          </a:p>
+        </p:txBody>
+      </p:sp>
+      <p:cxnSp>
+        <p:nvCxnSpPr>
+          <p:cNvPr id="47" name="Straight Arrow Connector 46"/>
+          <p:cNvCxnSpPr>
+            <a:stCxn id="48" idx="3"/>
+            <a:endCxn id="46" idx="1"/>
+          </p:cNvCxnSpPr>
+          <p:nvPr/>
+        </p:nvCxnSpPr>
+        <p:spPr>
+          <a:xfrm flipV="1">
+            <a:off x="2027651" y="2916965"/>
+            <a:ext cx="189597" cy="1009"/>
+          </a:xfrm>
+          <a:prstGeom prst="straightConnector1">
+            <a:avLst/>
+          </a:prstGeom>
+          <a:ln w="19050">
+            <a:solidFill>
+              <a:srgbClr val="7030A0"/>
+            </a:solidFill>
+            <a:headEnd type="none" w="med" len="med"/>
+            <a:tailEnd type="arrow" w="med" len="med"/>
+          </a:ln>
+          <a:effectLst/>
+        </p:spPr>
+        <p:style>
+          <a:lnRef idx="1">
+            <a:schemeClr val="accent2"/>
+          </a:lnRef>
+          <a:fillRef idx="2">
+            <a:schemeClr val="accent2"/>
+          </a:fillRef>
+          <a:effectRef idx="1">
+            <a:schemeClr val="accent2"/>
+          </a:effectRef>
+          <a:fontRef idx="minor">
+            <a:schemeClr val="dk1"/>
+          </a:fontRef>
+        </p:style>
+      </p:cxnSp>
+      <p:sp>
+        <p:nvSpPr>
+          <p:cNvPr id="48" name="Flowchart: Decision 96"/>
+          <p:cNvSpPr/>
+          <p:nvPr/>
+        </p:nvSpPr>
+        <p:spPr>
+          <a:xfrm>
+            <a:off x="1791603" y="2831284"/>
             <a:ext cx="236048" cy="173380"/>
           </a:xfrm>
           <a:prstGeom prst="flowChartDecision">
@@ -3955,14 +3910,14 @@
       </p:sp>
       <p:sp>
         <p:nvSpPr>
-          <p:cNvPr id="46" name="Rectangle 8"/>
+          <p:cNvPr id="49" name="Rectangle 8"/>
           <p:cNvSpPr/>
           <p:nvPr/>
         </p:nvSpPr>
         <p:spPr>
           <a:xfrm>
-            <a:off x="2825280" y="2846162"/>
-            <a:ext cx="1490560" cy="334856"/>
+            <a:off x="2226227" y="3148030"/>
+            <a:ext cx="1167205" cy="334856"/>
           </a:xfrm>
           <a:prstGeom prst="rect">
             <a:avLst/>
@@ -3994,12 +3949,12 @@
           <a:p>
             <a:pPr algn="ctr"/>
             <a:r>
-              <a:rPr lang="en-US" sz="1050" dirty="0" err="1" smtClean="0">
+              <a:rPr lang="en-US" sz="1050" dirty="0" err="1">
                 <a:solidFill>
                   <a:srgbClr val="7030A0"/>
                 </a:solidFill>
               </a:rPr>
-              <a:t>VersionedAddressBook</a:t>
+              <a:t>MainQueue</a:t>
             </a:r>
             <a:endParaRPr lang="en-SG" sz="1050" dirty="0">
               <a:solidFill>
@@ -4009,62 +3964,23 @@
           </a:p>
         </p:txBody>
       </p:sp>
-      <p:cxnSp>
-        <p:nvCxnSpPr>
-          <p:cNvPr id="47" name="Straight Arrow Connector 46"/>
-          <p:cNvCxnSpPr>
-            <a:stCxn id="48" idx="3"/>
-            <a:endCxn id="46" idx="1"/>
-          </p:cNvCxnSpPr>
-          <p:nvPr/>
-        </p:nvCxnSpPr>
-        <p:spPr>
-          <a:xfrm>
-            <a:off x="2624360" y="3003033"/>
-            <a:ext cx="200920" cy="10557"/>
-          </a:xfrm>
-          <a:prstGeom prst="straightConnector1">
-            <a:avLst/>
-          </a:prstGeom>
-          <a:ln w="19050">
-            <a:solidFill>
-              <a:srgbClr val="7030A0"/>
-            </a:solidFill>
-            <a:headEnd type="none" w="med" len="med"/>
-            <a:tailEnd type="arrow" w="med" len="med"/>
-          </a:ln>
-          <a:effectLst/>
-        </p:spPr>
-        <p:style>
-          <a:lnRef idx="1">
-            <a:schemeClr val="accent2"/>
-          </a:lnRef>
-          <a:fillRef idx="2">
-            <a:schemeClr val="accent2"/>
-          </a:fillRef>
-          <a:effectRef idx="1">
-            <a:schemeClr val="accent2"/>
-          </a:effectRef>
-          <a:fontRef idx="minor">
-            <a:schemeClr val="dk1"/>
-          </a:fontRef>
-        </p:style>
-      </p:cxnSp>
-      <p:sp>
-        <p:nvSpPr>
-          <p:cNvPr id="48" name="Flowchart: Decision 96"/>
+      <p:sp>
+        <p:nvSpPr>
+          <p:cNvPr id="51" name="Flowchart: Decision 96"/>
           <p:cNvSpPr/>
           <p:nvPr/>
         </p:nvSpPr>
         <p:spPr>
           <a:xfrm>
-            <a:off x="2388312" y="2916343"/>
+            <a:off x="3728010" y="2825486"/>
             <a:ext cx="236048" cy="173380"/>
           </a:xfrm>
           <a:prstGeom prst="flowChartDecision">
             <a:avLst/>
           </a:prstGeom>
-          <a:noFill/>
+          <a:solidFill>
+            <a:srgbClr val="7030A0"/>
+          </a:solidFill>
           <a:ln w="19050">
             <a:solidFill>
               <a:srgbClr val="7030A0"/>
@@ -4097,14 +4013,14 @@
       </p:sp>
       <p:sp>
         <p:nvSpPr>
-          <p:cNvPr id="49" name="Rectangle 8"/>
+          <p:cNvPr id="62" name="Rectangle 8"/>
           <p:cNvSpPr/>
           <p:nvPr/>
         </p:nvSpPr>
         <p:spPr>
           <a:xfrm>
-            <a:off x="4692650" y="2846162"/>
-            <a:ext cx="1156969" cy="346760"/>
+            <a:off x="5789168" y="3282997"/>
+            <a:ext cx="708186" cy="346760"/>
           </a:xfrm>
           <a:prstGeom prst="rect">
             <a:avLst/>
@@ -4136,12 +4052,12 @@
           <a:p>
             <a:pPr algn="ctr"/>
             <a:r>
-              <a:rPr lang="en-US" sz="1050" dirty="0" err="1">
+              <a:rPr lang="en-US" sz="1050" dirty="0">
                 <a:solidFill>
                   <a:srgbClr val="7030A0"/>
                 </a:solidFill>
               </a:rPr>
-              <a:t>UniquePersonList</a:t>
+              <a:t>Patient</a:t>
             </a:r>
             <a:endParaRPr lang="en-SG" sz="1050" dirty="0">
               <a:solidFill>
@@ -4153,13 +4069,69 @@
       </p:sp>
       <p:sp>
         <p:nvSpPr>
-          <p:cNvPr id="51" name="Flowchart: Decision 96"/>
+          <p:cNvPr id="76" name="Rectangle 8"/>
           <p:cNvSpPr/>
           <p:nvPr/>
         </p:nvSpPr>
         <p:spPr>
           <a:xfrm>
-            <a:off x="4324972" y="2920532"/>
+            <a:off x="7750014" y="2564238"/>
+            <a:ext cx="708186" cy="285783"/>
+          </a:xfrm>
+          <a:prstGeom prst="rect">
+            <a:avLst/>
+          </a:prstGeom>
+          <a:ln w="19050">
+            <a:solidFill>
+              <a:srgbClr val="7030A0"/>
+            </a:solidFill>
+          </a:ln>
+          <a:effectLst/>
+        </p:spPr>
+        <p:style>
+          <a:lnRef idx="1">
+            <a:schemeClr val="accent4"/>
+          </a:lnRef>
+          <a:fillRef idx="2">
+            <a:schemeClr val="accent4"/>
+          </a:fillRef>
+          <a:effectRef idx="1">
+            <a:schemeClr val="accent4"/>
+          </a:effectRef>
+          <a:fontRef idx="minor">
+            <a:schemeClr val="dk1"/>
+          </a:fontRef>
+        </p:style>
+        <p:txBody>
+          <a:bodyPr rtlCol="0" anchor="ctr"/>
+          <a:lstStyle/>
+          <a:p>
+            <a:pPr algn="ctr"/>
+            <a:r>
+              <a:rPr lang="en-US" sz="1050" dirty="0">
+                <a:solidFill>
+                  <a:srgbClr val="7030A0"/>
+                </a:solidFill>
+              </a:rPr>
+              <a:t>Name</a:t>
+            </a:r>
+            <a:endParaRPr lang="en-SG" sz="1050" dirty="0">
+              <a:solidFill>
+                <a:srgbClr val="7030A0"/>
+              </a:solidFill>
+            </a:endParaRPr>
+          </a:p>
+        </p:txBody>
+      </p:sp>
+      <p:sp>
+        <p:nvSpPr>
+          <p:cNvPr id="78" name="Flowchart: Decision 96"/>
+          <p:cNvSpPr/>
+          <p:nvPr/>
+        </p:nvSpPr>
+        <p:spPr>
+          <a:xfrm>
+            <a:off x="6511125" y="3362006"/>
             <a:ext cx="236048" cy="173380"/>
           </a:xfrm>
           <a:prstGeom prst="flowChartDecision">
@@ -4198,16 +4170,59 @@
           </a:p>
         </p:txBody>
       </p:sp>
-      <p:sp>
-        <p:nvSpPr>
-          <p:cNvPr id="62" name="Rectangle 8"/>
+      <p:cxnSp>
+        <p:nvCxnSpPr>
+          <p:cNvPr id="79" name="Elbow Connector 78"/>
+          <p:cNvCxnSpPr>
+            <a:cxnSpLocks/>
+            <a:endCxn id="76" idx="1"/>
+          </p:cNvCxnSpPr>
+          <p:nvPr/>
+        </p:nvCxnSpPr>
+        <p:spPr>
+          <a:xfrm flipV="1">
+            <a:off x="6723813" y="2707130"/>
+            <a:ext cx="1026201" cy="728304"/>
+          </a:xfrm>
+          <a:prstGeom prst="bentConnector3">
+            <a:avLst>
+              <a:gd name="adj1" fmla="val 50000"/>
+            </a:avLst>
+          </a:prstGeom>
+          <a:ln w="19050">
+            <a:solidFill>
+              <a:srgbClr val="7030A0"/>
+            </a:solidFill>
+            <a:headEnd type="none" w="med" len="med"/>
+            <a:tailEnd type="arrow" w="med" len="med"/>
+          </a:ln>
+          <a:effectLst/>
+        </p:spPr>
+        <p:style>
+          <a:lnRef idx="1">
+            <a:schemeClr val="accent2"/>
+          </a:lnRef>
+          <a:fillRef idx="2">
+            <a:schemeClr val="accent2"/>
+          </a:fillRef>
+          <a:effectRef idx="1">
+            <a:schemeClr val="accent2"/>
+          </a:effectRef>
+          <a:fontRef idx="minor">
+            <a:schemeClr val="dk1"/>
+          </a:fontRef>
+        </p:style>
+      </p:cxnSp>
+      <p:sp>
+        <p:nvSpPr>
+          <p:cNvPr id="80" name="Rectangle 8"/>
           <p:cNvSpPr/>
           <p:nvPr/>
         </p:nvSpPr>
         <p:spPr>
           <a:xfrm>
-            <a:off x="6313677" y="2858066"/>
-            <a:ext cx="708186" cy="346760"/>
+            <a:off x="7750014" y="2887216"/>
+            <a:ext cx="708186" cy="285783"/>
           </a:xfrm>
           <a:prstGeom prst="rect">
             <a:avLst/>
@@ -4244,7 +4259,7 @@
                   <a:srgbClr val="7030A0"/>
                 </a:solidFill>
               </a:rPr>
-              <a:t>Person</a:t>
+              <a:t>Phone</a:t>
             </a:r>
             <a:endParaRPr lang="en-SG" sz="1050" dirty="0">
               <a:solidFill>
@@ -4254,21 +4269,681 @@
           </a:p>
         </p:txBody>
       </p:sp>
-      <p:sp>
-        <p:nvSpPr>
-          <p:cNvPr id="63" name="Flowchart: Decision 96"/>
+      <p:cxnSp>
+        <p:nvCxnSpPr>
+          <p:cNvPr id="81" name="Elbow Connector 80"/>
+          <p:cNvCxnSpPr>
+            <a:stCxn id="78" idx="3"/>
+            <a:endCxn id="80" idx="1"/>
+          </p:cNvCxnSpPr>
+          <p:nvPr/>
+        </p:nvCxnSpPr>
+        <p:spPr>
+          <a:xfrm flipV="1">
+            <a:off x="6747173" y="3030108"/>
+            <a:ext cx="1002841" cy="418588"/>
+          </a:xfrm>
+          <a:prstGeom prst="bentConnector3">
+            <a:avLst/>
+          </a:prstGeom>
+          <a:ln w="19050">
+            <a:solidFill>
+              <a:srgbClr val="7030A0"/>
+            </a:solidFill>
+            <a:headEnd type="none" w="med" len="med"/>
+            <a:tailEnd type="arrow" w="med" len="med"/>
+          </a:ln>
+          <a:effectLst/>
+        </p:spPr>
+        <p:style>
+          <a:lnRef idx="1">
+            <a:schemeClr val="accent2"/>
+          </a:lnRef>
+          <a:fillRef idx="2">
+            <a:schemeClr val="accent2"/>
+          </a:fillRef>
+          <a:effectRef idx="1">
+            <a:schemeClr val="accent2"/>
+          </a:effectRef>
+          <a:fontRef idx="minor">
+            <a:schemeClr val="dk1"/>
+          </a:fontRef>
+        </p:style>
+      </p:cxnSp>
+      <p:sp>
+        <p:nvSpPr>
+          <p:cNvPr id="83" name="Rectangle 8"/>
           <p:cNvSpPr/>
           <p:nvPr/>
         </p:nvSpPr>
         <p:spPr>
           <a:xfrm>
-            <a:off x="5858751" y="2941676"/>
-            <a:ext cx="236048" cy="173380"/>
-          </a:xfrm>
-          <a:prstGeom prst="flowChartDecision">
+            <a:off x="7750014" y="3210194"/>
+            <a:ext cx="708186" cy="285783"/>
+          </a:xfrm>
+          <a:prstGeom prst="rect">
+            <a:avLst/>
+          </a:prstGeom>
+          <a:ln w="19050">
+            <a:solidFill>
+              <a:srgbClr val="7030A0"/>
+            </a:solidFill>
+          </a:ln>
+          <a:effectLst/>
+        </p:spPr>
+        <p:style>
+          <a:lnRef idx="1">
+            <a:schemeClr val="accent4"/>
+          </a:lnRef>
+          <a:fillRef idx="2">
+            <a:schemeClr val="accent4"/>
+          </a:fillRef>
+          <a:effectRef idx="1">
+            <a:schemeClr val="accent4"/>
+          </a:effectRef>
+          <a:fontRef idx="minor">
+            <a:schemeClr val="dk1"/>
+          </a:fontRef>
+        </p:style>
+        <p:txBody>
+          <a:bodyPr rtlCol="0" anchor="ctr"/>
+          <a:lstStyle/>
+          <a:p>
+            <a:pPr algn="ctr"/>
+            <a:r>
+              <a:rPr lang="en-US" sz="1050" dirty="0">
+                <a:solidFill>
+                  <a:srgbClr val="7030A0"/>
+                </a:solidFill>
+              </a:rPr>
+              <a:t>Address</a:t>
+            </a:r>
+            <a:endParaRPr lang="en-SG" sz="1050" dirty="0">
+              <a:solidFill>
+                <a:srgbClr val="7030A0"/>
+              </a:solidFill>
+            </a:endParaRPr>
+          </a:p>
+        </p:txBody>
+      </p:sp>
+      <p:cxnSp>
+        <p:nvCxnSpPr>
+          <p:cNvPr id="84" name="Elbow Connector 83"/>
+          <p:cNvCxnSpPr>
+            <a:stCxn id="78" idx="3"/>
+            <a:endCxn id="83" idx="1"/>
+          </p:cNvCxnSpPr>
+          <p:nvPr/>
+        </p:nvCxnSpPr>
+        <p:spPr>
+          <a:xfrm flipV="1">
+            <a:off x="6747173" y="3353086"/>
+            <a:ext cx="1002841" cy="95610"/>
+          </a:xfrm>
+          <a:prstGeom prst="bentConnector3">
+            <a:avLst/>
+          </a:prstGeom>
+          <a:ln w="19050">
+            <a:solidFill>
+              <a:srgbClr val="7030A0"/>
+            </a:solidFill>
+            <a:headEnd type="none" w="med" len="med"/>
+            <a:tailEnd type="arrow" w="med" len="med"/>
+          </a:ln>
+          <a:effectLst/>
+        </p:spPr>
+        <p:style>
+          <a:lnRef idx="1">
+            <a:schemeClr val="accent2"/>
+          </a:lnRef>
+          <a:fillRef idx="2">
+            <a:schemeClr val="accent2"/>
+          </a:fillRef>
+          <a:effectRef idx="1">
+            <a:schemeClr val="accent2"/>
+          </a:effectRef>
+          <a:fontRef idx="minor">
+            <a:schemeClr val="dk1"/>
+          </a:fontRef>
+        </p:style>
+      </p:cxnSp>
+      <p:sp>
+        <p:nvSpPr>
+          <p:cNvPr id="85" name="Rectangle 8"/>
+          <p:cNvSpPr/>
+          <p:nvPr/>
+        </p:nvSpPr>
+        <p:spPr>
+          <a:xfrm>
+            <a:off x="7750014" y="3533171"/>
+            <a:ext cx="708186" cy="285783"/>
+          </a:xfrm>
+          <a:prstGeom prst="rect">
+            <a:avLst/>
+          </a:prstGeom>
+          <a:ln w="19050">
+            <a:solidFill>
+              <a:srgbClr val="7030A0"/>
+            </a:solidFill>
+          </a:ln>
+          <a:effectLst/>
+        </p:spPr>
+        <p:style>
+          <a:lnRef idx="1">
+            <a:schemeClr val="accent4"/>
+          </a:lnRef>
+          <a:fillRef idx="2">
+            <a:schemeClr val="accent4"/>
+          </a:fillRef>
+          <a:effectRef idx="1">
+            <a:schemeClr val="accent4"/>
+          </a:effectRef>
+          <a:fontRef idx="minor">
+            <a:schemeClr val="dk1"/>
+          </a:fontRef>
+        </p:style>
+        <p:txBody>
+          <a:bodyPr rtlCol="0" anchor="ctr"/>
+          <a:lstStyle/>
+          <a:p>
+            <a:pPr algn="ctr"/>
+            <a:r>
+              <a:rPr lang="en-US" sz="1050" dirty="0">
+                <a:solidFill>
+                  <a:srgbClr val="7030A0"/>
+                </a:solidFill>
+              </a:rPr>
+              <a:t>Allergy</a:t>
+            </a:r>
+            <a:endParaRPr lang="en-SG" sz="1050" dirty="0">
+              <a:solidFill>
+                <a:srgbClr val="7030A0"/>
+              </a:solidFill>
+            </a:endParaRPr>
+          </a:p>
+        </p:txBody>
+      </p:sp>
+      <p:cxnSp>
+        <p:nvCxnSpPr>
+          <p:cNvPr id="86" name="Elbow Connector 85"/>
+          <p:cNvCxnSpPr>
+            <a:cxnSpLocks/>
+            <a:stCxn id="78" idx="3"/>
+          </p:cNvCxnSpPr>
+          <p:nvPr/>
+        </p:nvCxnSpPr>
+        <p:spPr>
+          <a:xfrm>
+            <a:off x="6747173" y="3448696"/>
+            <a:ext cx="1026201" cy="205424"/>
+          </a:xfrm>
+          <a:prstGeom prst="bentConnector3">
+            <a:avLst>
+              <a:gd name="adj1" fmla="val 50000"/>
+            </a:avLst>
+          </a:prstGeom>
+          <a:ln w="19050">
+            <a:solidFill>
+              <a:srgbClr val="7030A0"/>
+            </a:solidFill>
+            <a:headEnd type="none" w="med" len="med"/>
+            <a:tailEnd type="arrow" w="med" len="med"/>
+          </a:ln>
+          <a:effectLst/>
+        </p:spPr>
+        <p:style>
+          <a:lnRef idx="1">
+            <a:schemeClr val="accent2"/>
+          </a:lnRef>
+          <a:fillRef idx="2">
+            <a:schemeClr val="accent2"/>
+          </a:fillRef>
+          <a:effectRef idx="1">
+            <a:schemeClr val="accent2"/>
+          </a:effectRef>
+          <a:fontRef idx="minor">
+            <a:schemeClr val="dk1"/>
+          </a:fontRef>
+        </p:style>
+      </p:cxnSp>
+      <p:cxnSp>
+        <p:nvCxnSpPr>
+          <p:cNvPr id="97" name="Elbow Connector 63"/>
+          <p:cNvCxnSpPr>
+            <a:cxnSpLocks/>
+            <a:stCxn id="99" idx="3"/>
+            <a:endCxn id="46" idx="0"/>
+          </p:cNvCxnSpPr>
+          <p:nvPr/>
+        </p:nvCxnSpPr>
+        <p:spPr>
+          <a:xfrm rot="16200000" flipH="1">
+            <a:off x="2858601" y="2645609"/>
+            <a:ext cx="205921" cy="1934"/>
+          </a:xfrm>
+          <a:prstGeom prst="bentConnector3">
+            <a:avLst>
+              <a:gd name="adj1" fmla="val 50000"/>
+            </a:avLst>
+          </a:prstGeom>
+          <a:ln w="19050">
+            <a:solidFill>
+              <a:srgbClr val="7030A0"/>
+            </a:solidFill>
+            <a:prstDash val="sysDot"/>
+            <a:headEnd type="none" w="med" len="med"/>
+            <a:tailEnd type="none" w="med" len="med"/>
+          </a:ln>
+          <a:effectLst/>
+        </p:spPr>
+        <p:style>
+          <a:lnRef idx="1">
+            <a:schemeClr val="accent2"/>
+          </a:lnRef>
+          <a:fillRef idx="2">
+            <a:schemeClr val="accent2"/>
+          </a:fillRef>
+          <a:effectRef idx="1">
+            <a:schemeClr val="accent2"/>
+          </a:effectRef>
+          <a:fontRef idx="minor">
+            <a:schemeClr val="dk1"/>
+          </a:fontRef>
+        </p:style>
+      </p:cxnSp>
+      <p:sp>
+        <p:nvSpPr>
+          <p:cNvPr id="99" name="Isosceles Triangle 102"/>
+          <p:cNvSpPr/>
+          <p:nvPr/>
+        </p:nvSpPr>
+        <p:spPr>
+          <a:xfrm rot="10800000" flipV="1">
+            <a:off x="2819401" y="2386554"/>
+            <a:ext cx="282387" cy="157062"/>
+          </a:xfrm>
+          <a:prstGeom prst="triangle">
+            <a:avLst/>
+          </a:prstGeom>
+          <a:ln w="19050">
+            <a:solidFill>
+              <a:srgbClr val="7030A0"/>
+            </a:solidFill>
+          </a:ln>
+          <a:effectLst/>
+        </p:spPr>
+        <p:style>
+          <a:lnRef idx="1">
+            <a:schemeClr val="accent4"/>
+          </a:lnRef>
+          <a:fillRef idx="2">
+            <a:schemeClr val="accent4"/>
+          </a:fillRef>
+          <a:effectRef idx="1">
+            <a:schemeClr val="accent4"/>
+          </a:effectRef>
+          <a:fontRef idx="minor">
+            <a:schemeClr val="dk1"/>
+          </a:fontRef>
+        </p:style>
+        <p:txBody>
+          <a:bodyPr rtlCol="0" anchor="ctr"/>
+          <a:lstStyle/>
+          <a:p>
+            <a:pPr algn="ctr"/>
+            <a:endParaRPr lang="en-SG" sz="1050" b="1">
+              <a:solidFill>
+                <a:srgbClr val="92D050"/>
+              </a:solidFill>
+            </a:endParaRPr>
+          </a:p>
+        </p:txBody>
+      </p:sp>
+      <p:sp>
+        <p:nvSpPr>
+          <p:cNvPr id="100" name="Rectangle 8"/>
+          <p:cNvSpPr/>
+          <p:nvPr/>
+        </p:nvSpPr>
+        <p:spPr>
+          <a:xfrm>
+            <a:off x="660526" y="1998350"/>
+            <a:ext cx="1443661" cy="364396"/>
+          </a:xfrm>
+          <a:prstGeom prst="rect">
+            <a:avLst/>
+          </a:prstGeom>
+          <a:ln w="19050">
+            <a:solidFill>
+              <a:srgbClr val="7030A0"/>
+            </a:solidFill>
+          </a:ln>
+          <a:effectLst/>
+        </p:spPr>
+        <p:style>
+          <a:lnRef idx="1">
+            <a:schemeClr val="accent4"/>
+          </a:lnRef>
+          <a:fillRef idx="2">
+            <a:schemeClr val="accent4"/>
+          </a:fillRef>
+          <a:effectRef idx="1">
+            <a:schemeClr val="accent4"/>
+          </a:effectRef>
+          <a:fontRef idx="minor">
+            <a:schemeClr val="dk1"/>
+          </a:fontRef>
+        </p:style>
+        <p:txBody>
+          <a:bodyPr rtlCol="0" anchor="ctr"/>
+          <a:lstStyle/>
+          <a:p>
+            <a:pPr algn="ctr"/>
+            <a:r>
+              <a:rPr lang="en-US" sz="1050" dirty="0">
+                <a:solidFill>
+                  <a:srgbClr val="7030A0"/>
+                </a:solidFill>
+              </a:rPr>
+              <a:t>&lt;&lt;interface&gt;&gt;</a:t>
+            </a:r>
+            <a:br>
+              <a:rPr lang="en-US" sz="1050" dirty="0">
+                <a:solidFill>
+                  <a:srgbClr val="7030A0"/>
+                </a:solidFill>
+              </a:rPr>
+            </a:br>
+            <a:r>
+              <a:rPr lang="en-US" sz="1050" dirty="0" err="1">
+                <a:solidFill>
+                  <a:srgbClr val="7030A0"/>
+                </a:solidFill>
+              </a:rPr>
+              <a:t>ReadOnlyClinicRecord</a:t>
+            </a:r>
+            <a:endParaRPr lang="en-SG" sz="1050" dirty="0">
+              <a:solidFill>
+                <a:srgbClr val="7030A0"/>
+              </a:solidFill>
+            </a:endParaRPr>
+          </a:p>
+        </p:txBody>
+      </p:sp>
+      <p:sp>
+        <p:nvSpPr>
+          <p:cNvPr id="65" name="TextBox 64"/>
+          <p:cNvSpPr txBox="1"/>
+          <p:nvPr/>
+        </p:nvSpPr>
+        <p:spPr>
+          <a:xfrm>
+            <a:off x="1972998" y="2756715"/>
+            <a:ext cx="170110" cy="137542"/>
+          </a:xfrm>
+          <a:prstGeom prst="rect">
             <a:avLst/>
           </a:prstGeom>
           <a:noFill/>
+        </p:spPr>
+        <p:txBody>
+          <a:bodyPr wrap="square" lIns="0" tIns="0" rIns="0" bIns="0" rtlCol="0">
+            <a:noAutofit/>
+          </a:bodyPr>
+          <a:lstStyle/>
+          <a:p>
+            <a:pPr algn="ctr"/>
+            <a:r>
+              <a:rPr lang="en-US" sz="1100" dirty="0">
+                <a:solidFill>
+                  <a:srgbClr val="7030A0"/>
+                </a:solidFill>
+              </a:rPr>
+              <a:t>1</a:t>
+            </a:r>
+            <a:endParaRPr lang="en-SG" sz="1100" dirty="0">
+              <a:solidFill>
+                <a:srgbClr val="7030A0"/>
+              </a:solidFill>
+            </a:endParaRPr>
+          </a:p>
+        </p:txBody>
+      </p:sp>
+      <p:sp>
+        <p:nvSpPr>
+          <p:cNvPr id="52" name="Rectangle 8">
+            <a:extLst>
+              <a:ext uri="{FF2B5EF4-FFF2-40B4-BE49-F238E27FC236}">
+                <a16:creationId xmlns:a16="http://schemas.microsoft.com/office/drawing/2014/main" id="{ABDCDBD2-131A-4B66-A2F2-43BBEE82C773}"/>
+              </a:ext>
+            </a:extLst>
+          </p:cNvPr>
+          <p:cNvSpPr/>
+          <p:nvPr/>
+        </p:nvSpPr>
+        <p:spPr>
+          <a:xfrm>
+            <a:off x="7750014" y="2228817"/>
+            <a:ext cx="708186" cy="285783"/>
+          </a:xfrm>
+          <a:prstGeom prst="rect">
+            <a:avLst/>
+          </a:prstGeom>
+          <a:ln w="19050">
+            <a:solidFill>
+              <a:srgbClr val="7030A0"/>
+            </a:solidFill>
+          </a:ln>
+          <a:effectLst/>
+        </p:spPr>
+        <p:style>
+          <a:lnRef idx="1">
+            <a:schemeClr val="accent4"/>
+          </a:lnRef>
+          <a:fillRef idx="2">
+            <a:schemeClr val="accent4"/>
+          </a:fillRef>
+          <a:effectRef idx="1">
+            <a:schemeClr val="accent4"/>
+          </a:effectRef>
+          <a:fontRef idx="minor">
+            <a:schemeClr val="dk1"/>
+          </a:fontRef>
+        </p:style>
+        <p:txBody>
+          <a:bodyPr rtlCol="0" anchor="ctr"/>
+          <a:lstStyle/>
+          <a:p>
+            <a:pPr algn="ctr"/>
+            <a:r>
+              <a:rPr lang="en-US" sz="1050" dirty="0">
+                <a:solidFill>
+                  <a:srgbClr val="7030A0"/>
+                </a:solidFill>
+              </a:rPr>
+              <a:t>Tag</a:t>
+            </a:r>
+            <a:endParaRPr lang="en-SG" sz="1050" dirty="0">
+              <a:solidFill>
+                <a:srgbClr val="7030A0"/>
+              </a:solidFill>
+            </a:endParaRPr>
+          </a:p>
+        </p:txBody>
+      </p:sp>
+      <p:cxnSp>
+        <p:nvCxnSpPr>
+          <p:cNvPr id="53" name="Elbow Connector 78">
+            <a:extLst>
+              <a:ext uri="{FF2B5EF4-FFF2-40B4-BE49-F238E27FC236}">
+                <a16:creationId xmlns:a16="http://schemas.microsoft.com/office/drawing/2014/main" id="{B97967F8-618A-448B-81FD-CDFD4AF0EC64}"/>
+              </a:ext>
+            </a:extLst>
+          </p:cNvPr>
+          <p:cNvCxnSpPr>
+            <a:cxnSpLocks/>
+            <a:stCxn id="78" idx="3"/>
+            <a:endCxn id="52" idx="1"/>
+          </p:cNvCxnSpPr>
+          <p:nvPr/>
+        </p:nvCxnSpPr>
+        <p:spPr>
+          <a:xfrm flipV="1">
+            <a:off x="6747173" y="2371709"/>
+            <a:ext cx="1002841" cy="1076987"/>
+          </a:xfrm>
+          <a:prstGeom prst="bentConnector3">
+            <a:avLst>
+              <a:gd name="adj1" fmla="val 50000"/>
+            </a:avLst>
+          </a:prstGeom>
+          <a:ln w="19050">
+            <a:solidFill>
+              <a:srgbClr val="7030A0"/>
+            </a:solidFill>
+            <a:headEnd type="none" w="med" len="med"/>
+            <a:tailEnd type="arrow" w="med" len="med"/>
+          </a:ln>
+          <a:effectLst/>
+        </p:spPr>
+        <p:style>
+          <a:lnRef idx="1">
+            <a:schemeClr val="accent2"/>
+          </a:lnRef>
+          <a:fillRef idx="2">
+            <a:schemeClr val="accent2"/>
+          </a:fillRef>
+          <a:effectRef idx="1">
+            <a:schemeClr val="accent2"/>
+          </a:effectRef>
+          <a:fontRef idx="minor">
+            <a:schemeClr val="dk1"/>
+          </a:fontRef>
+        </p:style>
+      </p:cxnSp>
+      <p:sp>
+        <p:nvSpPr>
+          <p:cNvPr id="50" name="TextBox 49">
+            <a:extLst>
+              <a:ext uri="{FF2B5EF4-FFF2-40B4-BE49-F238E27FC236}">
+                <a16:creationId xmlns:a16="http://schemas.microsoft.com/office/drawing/2014/main" id="{B3FA9D57-880F-49C4-AD0B-A64E30D6F403}"/>
+              </a:ext>
+            </a:extLst>
+          </p:cNvPr>
+          <p:cNvSpPr txBox="1"/>
+          <p:nvPr/>
+        </p:nvSpPr>
+        <p:spPr>
+          <a:xfrm>
+            <a:off x="7503860" y="2255711"/>
+            <a:ext cx="189257" cy="178683"/>
+          </a:xfrm>
+          <a:prstGeom prst="rect">
+            <a:avLst/>
+          </a:prstGeom>
+          <a:noFill/>
+        </p:spPr>
+        <p:txBody>
+          <a:bodyPr wrap="square" lIns="0" tIns="0" rIns="0" bIns="0" rtlCol="0">
+            <a:noAutofit/>
+          </a:bodyPr>
+          <a:lstStyle/>
+          <a:p>
+            <a:pPr algn="ctr"/>
+            <a:r>
+              <a:rPr lang="en-US" sz="1100" dirty="0">
+                <a:solidFill>
+                  <a:srgbClr val="7030A0"/>
+                </a:solidFill>
+              </a:rPr>
+              <a:t>*</a:t>
+            </a:r>
+            <a:endParaRPr lang="en-SG" sz="1100" dirty="0">
+              <a:solidFill>
+                <a:srgbClr val="7030A0"/>
+              </a:solidFill>
+            </a:endParaRPr>
+          </a:p>
+        </p:txBody>
+      </p:sp>
+      <p:sp>
+        <p:nvSpPr>
+          <p:cNvPr id="55" name="Rectangle 8"/>
+          <p:cNvSpPr/>
+          <p:nvPr/>
+        </p:nvSpPr>
+        <p:spPr>
+          <a:xfrm>
+            <a:off x="2569785" y="1998350"/>
+            <a:ext cx="1060683" cy="364396"/>
+          </a:xfrm>
+          <a:prstGeom prst="rect">
+            <a:avLst/>
+          </a:prstGeom>
+          <a:ln w="19050">
+            <a:solidFill>
+              <a:srgbClr val="7030A0"/>
+            </a:solidFill>
+          </a:ln>
+          <a:effectLst/>
+        </p:spPr>
+        <p:style>
+          <a:lnRef idx="1">
+            <a:schemeClr val="accent4"/>
+          </a:lnRef>
+          <a:fillRef idx="2">
+            <a:schemeClr val="accent4"/>
+          </a:fillRef>
+          <a:effectRef idx="1">
+            <a:schemeClr val="accent4"/>
+          </a:effectRef>
+          <a:fontRef idx="minor">
+            <a:schemeClr val="dk1"/>
+          </a:fontRef>
+        </p:style>
+        <p:txBody>
+          <a:bodyPr rtlCol="0" anchor="ctr"/>
+          <a:lstStyle/>
+          <a:p>
+            <a:pPr algn="ctr"/>
+            <a:r>
+              <a:rPr lang="en-US" sz="1050" dirty="0" err="1">
+                <a:solidFill>
+                  <a:srgbClr val="7030A0"/>
+                </a:solidFill>
+              </a:rPr>
+              <a:t>ClinicRecord</a:t>
+            </a:r>
+            <a:endParaRPr lang="en-SG" sz="1050" dirty="0">
+              <a:solidFill>
+                <a:srgbClr val="7030A0"/>
+              </a:solidFill>
+            </a:endParaRPr>
+          </a:p>
+        </p:txBody>
+      </p:sp>
+      <p:sp>
+        <p:nvSpPr>
+          <p:cNvPr id="68" name="Isosceles Triangle 102"/>
+          <p:cNvSpPr/>
+          <p:nvPr/>
+        </p:nvSpPr>
+        <p:spPr>
+          <a:xfrm rot="16200000">
+            <a:off x="2068677" y="2069158"/>
+            <a:ext cx="271014" cy="187417"/>
+          </a:xfrm>
+          <a:prstGeom prst="triangle">
+            <a:avLst>
+              <a:gd name="adj" fmla="val 44517"/>
+            </a:avLst>
+          </a:prstGeom>
+          <a:solidFill>
+            <a:schemeClr val="accent4">
+              <a:lumMod val="20000"/>
+              <a:lumOff val="80000"/>
+            </a:schemeClr>
+          </a:solidFill>
           <a:ln w="19050">
             <a:solidFill>
               <a:srgbClr val="7030A0"/>
@@ -4295,26 +4970,141 @@
           <a:lstStyle/>
           <a:p>
             <a:pPr algn="ctr"/>
-            <a:endParaRPr lang="en-US" sz="1050"/>
+            <a:endParaRPr lang="en-SG" sz="1050"/>
           </a:p>
         </p:txBody>
       </p:sp>
       <p:cxnSp>
         <p:nvCxnSpPr>
-          <p:cNvPr id="64" name="Elbow Connector 63"/>
+          <p:cNvPr id="69" name="Elbow Connector 63"/>
           <p:cNvCxnSpPr>
-            <a:stCxn id="63" idx="3"/>
-            <a:endCxn id="62" idx="1"/>
+            <a:stCxn id="68" idx="3"/>
+            <a:endCxn id="55" idx="1"/>
           </p:cNvCxnSpPr>
           <p:nvPr/>
         </p:nvCxnSpPr>
         <p:spPr>
           <a:xfrm>
-            <a:off x="6094799" y="3028366"/>
-            <a:ext cx="218878" cy="3080"/>
+            <a:off x="2297893" y="2177727"/>
+            <a:ext cx="271892" cy="2821"/>
           </a:xfrm>
           <a:prstGeom prst="bentConnector3">
-            <a:avLst/>
+            <a:avLst>
+              <a:gd name="adj1" fmla="val 50000"/>
+            </a:avLst>
+          </a:prstGeom>
+          <a:ln w="19050">
+            <a:solidFill>
+              <a:srgbClr val="7030A0"/>
+            </a:solidFill>
+            <a:prstDash val="sysDot"/>
+            <a:headEnd type="none" w="med" len="med"/>
+            <a:tailEnd type="none" w="med" len="med"/>
+          </a:ln>
+          <a:effectLst/>
+        </p:spPr>
+        <p:style>
+          <a:lnRef idx="1">
+            <a:schemeClr val="accent2"/>
+          </a:lnRef>
+          <a:fillRef idx="2">
+            <a:schemeClr val="accent2"/>
+          </a:fillRef>
+          <a:effectRef idx="1">
+            <a:schemeClr val="accent2"/>
+          </a:effectRef>
+          <a:fontRef idx="minor">
+            <a:schemeClr val="dk1"/>
+          </a:fontRef>
+        </p:style>
+      </p:cxnSp>
+      <p:sp>
+        <p:nvSpPr>
+          <p:cNvPr id="56" name="Rectangle 8">
+            <a:extLst>
+              <a:ext uri="{FF2B5EF4-FFF2-40B4-BE49-F238E27FC236}">
+                <a16:creationId xmlns:a16="http://schemas.microsoft.com/office/drawing/2014/main" id="{FF07C0CC-42CF-4643-803B-3DEDA71CF3F3}"/>
+              </a:ext>
+            </a:extLst>
+          </p:cNvPr>
+          <p:cNvSpPr/>
+          <p:nvPr/>
+        </p:nvSpPr>
+        <p:spPr>
+          <a:xfrm>
+            <a:off x="7750014" y="1912117"/>
+            <a:ext cx="708186" cy="285783"/>
+          </a:xfrm>
+          <a:prstGeom prst="rect">
+            <a:avLst/>
+          </a:prstGeom>
+          <a:ln w="19050">
+            <a:solidFill>
+              <a:srgbClr val="7030A0"/>
+            </a:solidFill>
+          </a:ln>
+          <a:effectLst/>
+        </p:spPr>
+        <p:style>
+          <a:lnRef idx="1">
+            <a:schemeClr val="accent4"/>
+          </a:lnRef>
+          <a:fillRef idx="2">
+            <a:schemeClr val="accent4"/>
+          </a:fillRef>
+          <a:effectRef idx="1">
+            <a:schemeClr val="accent4"/>
+          </a:effectRef>
+          <a:fontRef idx="minor">
+            <a:schemeClr val="dk1"/>
+          </a:fontRef>
+        </p:style>
+        <p:txBody>
+          <a:bodyPr rtlCol="0" anchor="ctr"/>
+          <a:lstStyle/>
+          <a:p>
+            <a:pPr algn="ctr"/>
+            <a:r>
+              <a:rPr lang="en-US" sz="1050" dirty="0" err="1">
+                <a:solidFill>
+                  <a:srgbClr val="7030A0"/>
+                </a:solidFill>
+              </a:rPr>
+              <a:t>PreferredDoctor</a:t>
+            </a:r>
+            <a:endParaRPr lang="en-SG" sz="1050" dirty="0">
+              <a:solidFill>
+                <a:srgbClr val="7030A0"/>
+              </a:solidFill>
+            </a:endParaRPr>
+          </a:p>
+        </p:txBody>
+      </p:sp>
+      <p:cxnSp>
+        <p:nvCxnSpPr>
+          <p:cNvPr id="57" name="Elbow Connector 78">
+            <a:extLst>
+              <a:ext uri="{FF2B5EF4-FFF2-40B4-BE49-F238E27FC236}">
+                <a16:creationId xmlns:a16="http://schemas.microsoft.com/office/drawing/2014/main" id="{0A7A1EE4-9BF5-406D-B754-29B42C47F8DE}"/>
+              </a:ext>
+            </a:extLst>
+          </p:cNvPr>
+          <p:cNvCxnSpPr>
+            <a:cxnSpLocks/>
+            <a:stCxn id="78" idx="3"/>
+            <a:endCxn id="56" idx="1"/>
+          </p:cNvCxnSpPr>
+          <p:nvPr/>
+        </p:nvCxnSpPr>
+        <p:spPr>
+          <a:xfrm flipV="1">
+            <a:off x="6747173" y="2055009"/>
+            <a:ext cx="1002841" cy="1393687"/>
+          </a:xfrm>
+          <a:prstGeom prst="bentConnector3">
+            <a:avLst>
+              <a:gd name="adj1" fmla="val 50000"/>
+            </a:avLst>
           </a:prstGeom>
           <a:ln w="19050">
             <a:solidFill>
@@ -4342,13 +5132,64 @@
       </p:cxnSp>
       <p:sp>
         <p:nvSpPr>
-          <p:cNvPr id="76" name="Rectangle 8"/>
+          <p:cNvPr id="59" name="TextBox 58">
+            <a:extLst>
+              <a:ext uri="{FF2B5EF4-FFF2-40B4-BE49-F238E27FC236}">
+                <a16:creationId xmlns:a16="http://schemas.microsoft.com/office/drawing/2014/main" id="{026DB8B8-6818-485E-A9E6-4A5773D3EFD2}"/>
+              </a:ext>
+            </a:extLst>
+          </p:cNvPr>
+          <p:cNvSpPr txBox="1"/>
+          <p:nvPr/>
+        </p:nvSpPr>
+        <p:spPr>
+          <a:xfrm>
+            <a:off x="7490151" y="1936129"/>
+            <a:ext cx="189257" cy="178683"/>
+          </a:xfrm>
+          <a:prstGeom prst="rect">
+            <a:avLst/>
+          </a:prstGeom>
+          <a:noFill/>
+        </p:spPr>
+        <p:txBody>
+          <a:bodyPr wrap="square" lIns="0" tIns="0" rIns="0" bIns="0" rtlCol="0">
+            <a:noAutofit/>
+          </a:bodyPr>
+          <a:lstStyle/>
+          <a:p>
+            <a:pPr algn="ctr"/>
+            <a:r>
+              <a:rPr lang="en-US" sz="1100" dirty="0">
+                <a:solidFill>
+                  <a:srgbClr val="7030A0"/>
+                </a:solidFill>
+              </a:rPr>
+              <a:t>*</a:t>
+            </a:r>
+            <a:endParaRPr lang="en-SG" sz="1100" dirty="0">
+              <a:solidFill>
+                <a:srgbClr val="7030A0"/>
+              </a:solidFill>
+            </a:endParaRPr>
+          </a:p>
+        </p:txBody>
+      </p:sp>
+      <p:sp>
+        <p:nvSpPr>
+          <p:cNvPr id="67" name="Rectangle 8">
+            <a:extLst>
+              <a:ext uri="{FF2B5EF4-FFF2-40B4-BE49-F238E27FC236}">
+                <a16:creationId xmlns:a16="http://schemas.microsoft.com/office/drawing/2014/main" id="{B5ADD2CD-2458-4114-BB55-CAF169974354}"/>
+              </a:ext>
+            </a:extLst>
+          </p:cNvPr>
           <p:cNvSpPr/>
           <p:nvPr/>
         </p:nvSpPr>
         <p:spPr>
           <a:xfrm>
-            <a:off x="7712397" y="2564238"/>
+            <a:off x="7750014" y="1576696"/>
             <a:ext cx="708186" cy="285783"/>
           </a:xfrm>
           <a:prstGeom prst="rect">
@@ -4381,12 +5222,12 @@
           <a:p>
             <a:pPr algn="ctr"/>
             <a:r>
-              <a:rPr lang="en-US" sz="1050" dirty="0">
+              <a:rPr lang="en-US" sz="1050" dirty="0" err="1">
                 <a:solidFill>
                   <a:srgbClr val="7030A0"/>
                 </a:solidFill>
               </a:rPr>
-              <a:t>Name</a:t>
+              <a:t>EmailAddress</a:t>
             </a:r>
             <a:endParaRPr lang="en-SG" sz="1050" dirty="0">
               <a:solidFill>
@@ -4396,23 +5237,758 @@
           </a:p>
         </p:txBody>
       </p:sp>
-      <p:sp>
-        <p:nvSpPr>
-          <p:cNvPr id="78" name="Flowchart: Decision 96"/>
+      <p:cxnSp>
+        <p:nvCxnSpPr>
+          <p:cNvPr id="71" name="Elbow Connector 78">
+            <a:extLst>
+              <a:ext uri="{FF2B5EF4-FFF2-40B4-BE49-F238E27FC236}">
+                <a16:creationId xmlns:a16="http://schemas.microsoft.com/office/drawing/2014/main" id="{123116FF-12EB-43C3-9B2B-2F375F663582}"/>
+              </a:ext>
+            </a:extLst>
+          </p:cNvPr>
+          <p:cNvCxnSpPr>
+            <a:cxnSpLocks/>
+            <a:stCxn id="78" idx="3"/>
+            <a:endCxn id="67" idx="1"/>
+          </p:cNvCxnSpPr>
+          <p:nvPr/>
+        </p:nvCxnSpPr>
+        <p:spPr>
+          <a:xfrm flipV="1">
+            <a:off x="6747173" y="1719588"/>
+            <a:ext cx="1002841" cy="1729108"/>
+          </a:xfrm>
+          <a:prstGeom prst="bentConnector3">
+            <a:avLst>
+              <a:gd name="adj1" fmla="val 50000"/>
+            </a:avLst>
+          </a:prstGeom>
+          <a:ln w="19050">
+            <a:solidFill>
+              <a:srgbClr val="7030A0"/>
+            </a:solidFill>
+            <a:headEnd type="none" w="med" len="med"/>
+            <a:tailEnd type="arrow" w="med" len="med"/>
+          </a:ln>
+          <a:effectLst/>
+        </p:spPr>
+        <p:style>
+          <a:lnRef idx="1">
+            <a:schemeClr val="accent2"/>
+          </a:lnRef>
+          <a:fillRef idx="2">
+            <a:schemeClr val="accent2"/>
+          </a:fillRef>
+          <a:effectRef idx="1">
+            <a:schemeClr val="accent2"/>
+          </a:effectRef>
+          <a:fontRef idx="minor">
+            <a:schemeClr val="dk1"/>
+          </a:fontRef>
+        </p:style>
+      </p:cxnSp>
+      <p:sp>
+        <p:nvSpPr>
+          <p:cNvPr id="72" name="Rectangle 8">
+            <a:extLst>
+              <a:ext uri="{FF2B5EF4-FFF2-40B4-BE49-F238E27FC236}">
+                <a16:creationId xmlns:a16="http://schemas.microsoft.com/office/drawing/2014/main" id="{7A53DF52-4274-426A-99B4-0388C2F509E0}"/>
+              </a:ext>
+            </a:extLst>
+          </p:cNvPr>
           <p:cNvSpPr/>
           <p:nvPr/>
         </p:nvSpPr>
         <p:spPr>
           <a:xfrm>
-            <a:off x="7041947" y="2948201"/>
+            <a:off x="7739835" y="1228381"/>
+            <a:ext cx="708186" cy="285783"/>
+          </a:xfrm>
+          <a:prstGeom prst="rect">
+            <a:avLst/>
+          </a:prstGeom>
+          <a:ln w="19050">
+            <a:solidFill>
+              <a:srgbClr val="7030A0"/>
+            </a:solidFill>
+          </a:ln>
+          <a:effectLst/>
+        </p:spPr>
+        <p:style>
+          <a:lnRef idx="1">
+            <a:schemeClr val="accent4"/>
+          </a:lnRef>
+          <a:fillRef idx="2">
+            <a:schemeClr val="accent4"/>
+          </a:fillRef>
+          <a:effectRef idx="1">
+            <a:schemeClr val="accent4"/>
+          </a:effectRef>
+          <a:fontRef idx="minor">
+            <a:schemeClr val="dk1"/>
+          </a:fontRef>
+        </p:style>
+        <p:txBody>
+          <a:bodyPr rtlCol="0" anchor="ctr"/>
+          <a:lstStyle/>
+          <a:p>
+            <a:pPr algn="ctr"/>
+            <a:r>
+              <a:rPr lang="en-US" sz="1050" dirty="0" err="1">
+                <a:solidFill>
+                  <a:srgbClr val="7030A0"/>
+                </a:solidFill>
+              </a:rPr>
+              <a:t>Nric</a:t>
+            </a:r>
+            <a:endParaRPr lang="en-SG" sz="1050" dirty="0">
+              <a:solidFill>
+                <a:srgbClr val="7030A0"/>
+              </a:solidFill>
+            </a:endParaRPr>
+          </a:p>
+        </p:txBody>
+      </p:sp>
+      <p:cxnSp>
+        <p:nvCxnSpPr>
+          <p:cNvPr id="73" name="Elbow Connector 78">
+            <a:extLst>
+              <a:ext uri="{FF2B5EF4-FFF2-40B4-BE49-F238E27FC236}">
+                <a16:creationId xmlns:a16="http://schemas.microsoft.com/office/drawing/2014/main" id="{01151243-C770-48E5-99E8-1778530E84DB}"/>
+              </a:ext>
+            </a:extLst>
+          </p:cNvPr>
+          <p:cNvCxnSpPr>
+            <a:cxnSpLocks/>
+            <a:stCxn id="78" idx="3"/>
+            <a:endCxn id="72" idx="1"/>
+          </p:cNvCxnSpPr>
+          <p:nvPr/>
+        </p:nvCxnSpPr>
+        <p:spPr>
+          <a:xfrm flipV="1">
+            <a:off x="6747173" y="1371273"/>
+            <a:ext cx="992662" cy="2077423"/>
+          </a:xfrm>
+          <a:prstGeom prst="bentConnector3">
+            <a:avLst>
+              <a:gd name="adj1" fmla="val 50000"/>
+            </a:avLst>
+          </a:prstGeom>
+          <a:ln w="19050">
+            <a:solidFill>
+              <a:srgbClr val="7030A0"/>
+            </a:solidFill>
+            <a:headEnd type="none" w="med" len="med"/>
+            <a:tailEnd type="arrow" w="med" len="med"/>
+          </a:ln>
+          <a:effectLst/>
+        </p:spPr>
+        <p:style>
+          <a:lnRef idx="1">
+            <a:schemeClr val="accent2"/>
+          </a:lnRef>
+          <a:fillRef idx="2">
+            <a:schemeClr val="accent2"/>
+          </a:fillRef>
+          <a:effectRef idx="1">
+            <a:schemeClr val="accent2"/>
+          </a:effectRef>
+          <a:fontRef idx="minor">
+            <a:schemeClr val="dk1"/>
+          </a:fontRef>
+        </p:style>
+      </p:cxnSp>
+      <p:sp>
+        <p:nvSpPr>
+          <p:cNvPr id="74" name="Rectangle 8">
+            <a:extLst>
+              <a:ext uri="{FF2B5EF4-FFF2-40B4-BE49-F238E27FC236}">
+                <a16:creationId xmlns:a16="http://schemas.microsoft.com/office/drawing/2014/main" id="{BFE74F2F-378A-4CFC-9F9B-5988C547A492}"/>
+              </a:ext>
+            </a:extLst>
+          </p:cNvPr>
+          <p:cNvSpPr/>
+          <p:nvPr/>
+        </p:nvSpPr>
+        <p:spPr>
+          <a:xfrm>
+            <a:off x="7744357" y="888608"/>
+            <a:ext cx="708186" cy="285783"/>
+          </a:xfrm>
+          <a:prstGeom prst="rect">
+            <a:avLst/>
+          </a:prstGeom>
+          <a:ln w="19050">
+            <a:solidFill>
+              <a:srgbClr val="7030A0"/>
+            </a:solidFill>
+          </a:ln>
+          <a:effectLst/>
+        </p:spPr>
+        <p:style>
+          <a:lnRef idx="1">
+            <a:schemeClr val="accent4"/>
+          </a:lnRef>
+          <a:fillRef idx="2">
+            <a:schemeClr val="accent4"/>
+          </a:fillRef>
+          <a:effectRef idx="1">
+            <a:schemeClr val="accent4"/>
+          </a:effectRef>
+          <a:fontRef idx="minor">
+            <a:schemeClr val="dk1"/>
+          </a:fontRef>
+        </p:style>
+        <p:txBody>
+          <a:bodyPr rtlCol="0" anchor="ctr"/>
+          <a:lstStyle/>
+          <a:p>
+            <a:pPr algn="ctr"/>
+            <a:r>
+              <a:rPr lang="en-US" sz="1050" dirty="0" err="1">
+                <a:solidFill>
+                  <a:srgbClr val="7030A0"/>
+                </a:solidFill>
+              </a:rPr>
+              <a:t>MedicalHistory</a:t>
+            </a:r>
+            <a:endParaRPr lang="en-SG" sz="1050" dirty="0">
+              <a:solidFill>
+                <a:srgbClr val="7030A0"/>
+              </a:solidFill>
+            </a:endParaRPr>
+          </a:p>
+        </p:txBody>
+      </p:sp>
+      <p:cxnSp>
+        <p:nvCxnSpPr>
+          <p:cNvPr id="77" name="Elbow Connector 78">
+            <a:extLst>
+              <a:ext uri="{FF2B5EF4-FFF2-40B4-BE49-F238E27FC236}">
+                <a16:creationId xmlns:a16="http://schemas.microsoft.com/office/drawing/2014/main" id="{7BA0281A-AE19-4619-9D79-A4D3B0866265}"/>
+              </a:ext>
+            </a:extLst>
+          </p:cNvPr>
+          <p:cNvCxnSpPr>
+            <a:cxnSpLocks/>
+          </p:cNvCxnSpPr>
+          <p:nvPr/>
+        </p:nvCxnSpPr>
+        <p:spPr>
+          <a:xfrm rot="5400000" flipH="1" flipV="1">
+            <a:off x="6303262" y="1954600"/>
+            <a:ext cx="2375731" cy="529538"/>
+          </a:xfrm>
+          <a:prstGeom prst="bentConnector3">
+            <a:avLst>
+              <a:gd name="adj1" fmla="val 100036"/>
+            </a:avLst>
+          </a:prstGeom>
+          <a:ln w="19050">
+            <a:solidFill>
+              <a:srgbClr val="7030A0"/>
+            </a:solidFill>
+            <a:headEnd type="none" w="med" len="med"/>
+            <a:tailEnd type="arrow" w="med" len="med"/>
+          </a:ln>
+          <a:effectLst/>
+        </p:spPr>
+        <p:style>
+          <a:lnRef idx="1">
+            <a:schemeClr val="accent2"/>
+          </a:lnRef>
+          <a:fillRef idx="2">
+            <a:schemeClr val="accent2"/>
+          </a:fillRef>
+          <a:effectRef idx="1">
+            <a:schemeClr val="accent2"/>
+          </a:effectRef>
+          <a:fontRef idx="minor">
+            <a:schemeClr val="dk1"/>
+          </a:fontRef>
+        </p:style>
+      </p:cxnSp>
+      <p:sp>
+        <p:nvSpPr>
+          <p:cNvPr id="82" name="Rectangle 8">
+            <a:extLst>
+              <a:ext uri="{FF2B5EF4-FFF2-40B4-BE49-F238E27FC236}">
+                <a16:creationId xmlns:a16="http://schemas.microsoft.com/office/drawing/2014/main" id="{D57B38DC-5A09-49BD-A8B1-CA7494717FEB}"/>
+              </a:ext>
+            </a:extLst>
+          </p:cNvPr>
+          <p:cNvSpPr/>
+          <p:nvPr/>
+        </p:nvSpPr>
+        <p:spPr>
+          <a:xfrm>
+            <a:off x="7750014" y="3846420"/>
+            <a:ext cx="708186" cy="285783"/>
+          </a:xfrm>
+          <a:prstGeom prst="rect">
+            <a:avLst/>
+          </a:prstGeom>
+          <a:ln w="19050">
+            <a:solidFill>
+              <a:srgbClr val="7030A0"/>
+            </a:solidFill>
+          </a:ln>
+          <a:effectLst/>
+        </p:spPr>
+        <p:style>
+          <a:lnRef idx="1">
+            <a:schemeClr val="accent4"/>
+          </a:lnRef>
+          <a:fillRef idx="2">
+            <a:schemeClr val="accent4"/>
+          </a:fillRef>
+          <a:effectRef idx="1">
+            <a:schemeClr val="accent4"/>
+          </a:effectRef>
+          <a:fontRef idx="minor">
+            <a:schemeClr val="dk1"/>
+          </a:fontRef>
+        </p:style>
+        <p:txBody>
+          <a:bodyPr rtlCol="0" anchor="ctr"/>
+          <a:lstStyle/>
+          <a:p>
+            <a:pPr algn="ctr"/>
+            <a:r>
+              <a:rPr lang="en-US" sz="1000" dirty="0" err="1">
+                <a:solidFill>
+                  <a:srgbClr val="7030A0"/>
+                </a:solidFill>
+              </a:rPr>
+              <a:t>ConsultationHistory</a:t>
+            </a:r>
+            <a:endParaRPr lang="en-SG" sz="1050" dirty="0">
+              <a:solidFill>
+                <a:srgbClr val="7030A0"/>
+              </a:solidFill>
+            </a:endParaRPr>
+          </a:p>
+        </p:txBody>
+      </p:sp>
+      <p:cxnSp>
+        <p:nvCxnSpPr>
+          <p:cNvPr id="87" name="Elbow Connector 78">
+            <a:extLst>
+              <a:ext uri="{FF2B5EF4-FFF2-40B4-BE49-F238E27FC236}">
+                <a16:creationId xmlns:a16="http://schemas.microsoft.com/office/drawing/2014/main" id="{A27CEC2D-FC48-4C0F-A22A-5E64B41E3074}"/>
+              </a:ext>
+            </a:extLst>
+          </p:cNvPr>
+          <p:cNvCxnSpPr>
+            <a:cxnSpLocks/>
+            <a:endCxn id="82" idx="1"/>
+          </p:cNvCxnSpPr>
+          <p:nvPr/>
+        </p:nvCxnSpPr>
+        <p:spPr>
+          <a:xfrm>
+            <a:off x="6781800" y="3444428"/>
+            <a:ext cx="968214" cy="544884"/>
+          </a:xfrm>
+          <a:prstGeom prst="bentConnector3">
+            <a:avLst>
+              <a:gd name="adj1" fmla="val 46852"/>
+            </a:avLst>
+          </a:prstGeom>
+          <a:ln w="19050">
+            <a:solidFill>
+              <a:srgbClr val="7030A0"/>
+            </a:solidFill>
+            <a:headEnd type="none" w="med" len="med"/>
+            <a:tailEnd type="arrow" w="med" len="med"/>
+          </a:ln>
+          <a:effectLst/>
+        </p:spPr>
+        <p:style>
+          <a:lnRef idx="1">
+            <a:schemeClr val="accent2"/>
+          </a:lnRef>
+          <a:fillRef idx="2">
+            <a:schemeClr val="accent2"/>
+          </a:fillRef>
+          <a:effectRef idx="1">
+            <a:schemeClr val="accent2"/>
+          </a:effectRef>
+          <a:fontRef idx="minor">
+            <a:schemeClr val="dk1"/>
+          </a:fontRef>
+        </p:style>
+      </p:cxnSp>
+      <p:sp>
+        <p:nvSpPr>
+          <p:cNvPr id="88" name="Rectangle 8">
+            <a:extLst>
+              <a:ext uri="{FF2B5EF4-FFF2-40B4-BE49-F238E27FC236}">
+                <a16:creationId xmlns:a16="http://schemas.microsoft.com/office/drawing/2014/main" id="{A50D5261-6A3D-452B-9989-8854CBD0723F}"/>
+              </a:ext>
+            </a:extLst>
+          </p:cNvPr>
+          <p:cNvSpPr/>
+          <p:nvPr/>
+        </p:nvSpPr>
+        <p:spPr>
+          <a:xfrm>
+            <a:off x="7750014" y="4197310"/>
+            <a:ext cx="708186" cy="285783"/>
+          </a:xfrm>
+          <a:prstGeom prst="rect">
+            <a:avLst/>
+          </a:prstGeom>
+          <a:ln w="19050">
+            <a:solidFill>
+              <a:srgbClr val="7030A0"/>
+            </a:solidFill>
+          </a:ln>
+          <a:effectLst/>
+        </p:spPr>
+        <p:style>
+          <a:lnRef idx="1">
+            <a:schemeClr val="accent4"/>
+          </a:lnRef>
+          <a:fillRef idx="2">
+            <a:schemeClr val="accent4"/>
+          </a:fillRef>
+          <a:effectRef idx="1">
+            <a:schemeClr val="accent4"/>
+          </a:effectRef>
+          <a:fontRef idx="minor">
+            <a:schemeClr val="dk1"/>
+          </a:fontRef>
+        </p:style>
+        <p:txBody>
+          <a:bodyPr rtlCol="0" anchor="ctr"/>
+          <a:lstStyle/>
+          <a:p>
+            <a:pPr algn="ctr"/>
+            <a:r>
+              <a:rPr lang="en-US" sz="900" dirty="0" err="1">
+                <a:solidFill>
+                  <a:srgbClr val="7030A0"/>
+                </a:solidFill>
+              </a:rPr>
+              <a:t>CurrentConsultation</a:t>
+            </a:r>
+            <a:endParaRPr lang="en-SG" sz="900" dirty="0">
+              <a:solidFill>
+                <a:srgbClr val="7030A0"/>
+              </a:solidFill>
+            </a:endParaRPr>
+          </a:p>
+        </p:txBody>
+      </p:sp>
+      <p:cxnSp>
+        <p:nvCxnSpPr>
+          <p:cNvPr id="89" name="Elbow Connector 78">
+            <a:extLst>
+              <a:ext uri="{FF2B5EF4-FFF2-40B4-BE49-F238E27FC236}">
+                <a16:creationId xmlns:a16="http://schemas.microsoft.com/office/drawing/2014/main" id="{ADC4CDB5-46B9-475E-9498-ADB484540BAD}"/>
+              </a:ext>
+            </a:extLst>
+          </p:cNvPr>
+          <p:cNvCxnSpPr>
+            <a:cxnSpLocks/>
+            <a:stCxn id="78" idx="3"/>
+            <a:endCxn id="88" idx="1"/>
+          </p:cNvCxnSpPr>
+          <p:nvPr/>
+        </p:nvCxnSpPr>
+        <p:spPr>
+          <a:xfrm>
+            <a:off x="6747173" y="3448696"/>
+            <a:ext cx="1002841" cy="891506"/>
+          </a:xfrm>
+          <a:prstGeom prst="bentConnector3">
+            <a:avLst>
+              <a:gd name="adj1" fmla="val 50000"/>
+            </a:avLst>
+          </a:prstGeom>
+          <a:ln w="19050">
+            <a:solidFill>
+              <a:srgbClr val="7030A0"/>
+            </a:solidFill>
+            <a:headEnd type="none" w="med" len="med"/>
+            <a:tailEnd type="arrow" w="med" len="med"/>
+          </a:ln>
+          <a:effectLst/>
+        </p:spPr>
+        <p:style>
+          <a:lnRef idx="1">
+            <a:schemeClr val="accent2"/>
+          </a:lnRef>
+          <a:fillRef idx="2">
+            <a:schemeClr val="accent2"/>
+          </a:fillRef>
+          <a:effectRef idx="1">
+            <a:schemeClr val="accent2"/>
+          </a:effectRef>
+          <a:fontRef idx="minor">
+            <a:schemeClr val="dk1"/>
+          </a:fontRef>
+        </p:style>
+      </p:cxnSp>
+      <p:sp>
+        <p:nvSpPr>
+          <p:cNvPr id="90" name="Rectangle 8">
+            <a:extLst>
+              <a:ext uri="{FF2B5EF4-FFF2-40B4-BE49-F238E27FC236}">
+                <a16:creationId xmlns:a16="http://schemas.microsoft.com/office/drawing/2014/main" id="{CF049C44-8A77-4D11-97B0-2E390213424C}"/>
+              </a:ext>
+            </a:extLst>
+          </p:cNvPr>
+          <p:cNvSpPr/>
+          <p:nvPr/>
+        </p:nvSpPr>
+        <p:spPr>
+          <a:xfrm>
+            <a:off x="4345900" y="1830967"/>
+            <a:ext cx="1156969" cy="346760"/>
+          </a:xfrm>
+          <a:prstGeom prst="rect">
+            <a:avLst/>
+          </a:prstGeom>
+          <a:ln w="19050">
+            <a:solidFill>
+              <a:srgbClr val="7030A0"/>
+            </a:solidFill>
+          </a:ln>
+          <a:effectLst/>
+        </p:spPr>
+        <p:style>
+          <a:lnRef idx="1">
+            <a:schemeClr val="accent4"/>
+          </a:lnRef>
+          <a:fillRef idx="2">
+            <a:schemeClr val="accent4"/>
+          </a:fillRef>
+          <a:effectRef idx="1">
+            <a:schemeClr val="accent4"/>
+          </a:effectRef>
+          <a:fontRef idx="minor">
+            <a:schemeClr val="dk1"/>
+          </a:fontRef>
+        </p:style>
+        <p:txBody>
+          <a:bodyPr rtlCol="0" anchor="ctr"/>
+          <a:lstStyle/>
+          <a:p>
+            <a:pPr algn="ctr"/>
+            <a:r>
+              <a:rPr lang="en-US" sz="1050" dirty="0" err="1">
+                <a:solidFill>
+                  <a:srgbClr val="7030A0"/>
+                </a:solidFill>
+              </a:rPr>
+              <a:t>DoctorList</a:t>
+            </a:r>
+            <a:endParaRPr lang="en-SG" sz="1050" dirty="0">
+              <a:solidFill>
+                <a:srgbClr val="7030A0"/>
+              </a:solidFill>
+            </a:endParaRPr>
+          </a:p>
+        </p:txBody>
+      </p:sp>
+      <p:cxnSp>
+        <p:nvCxnSpPr>
+          <p:cNvPr id="91" name="Elbow Connector 78">
+            <a:extLst>
+              <a:ext uri="{FF2B5EF4-FFF2-40B4-BE49-F238E27FC236}">
+                <a16:creationId xmlns:a16="http://schemas.microsoft.com/office/drawing/2014/main" id="{C0076EFB-5E38-47FF-9E76-859DB082C3FF}"/>
+              </a:ext>
+            </a:extLst>
+          </p:cNvPr>
+          <p:cNvCxnSpPr>
+            <a:cxnSpLocks/>
+            <a:stCxn id="51" idx="3"/>
+            <a:endCxn id="90" idx="1"/>
+          </p:cNvCxnSpPr>
+          <p:nvPr/>
+        </p:nvCxnSpPr>
+        <p:spPr>
+          <a:xfrm flipV="1">
+            <a:off x="3964058" y="2004347"/>
+            <a:ext cx="381842" cy="907829"/>
+          </a:xfrm>
+          <a:prstGeom prst="bentConnector3">
+            <a:avLst>
+              <a:gd name="adj1" fmla="val 10088"/>
+            </a:avLst>
+          </a:prstGeom>
+          <a:ln w="19050">
+            <a:solidFill>
+              <a:srgbClr val="7030A0"/>
+            </a:solidFill>
+            <a:headEnd type="none" w="med" len="med"/>
+            <a:tailEnd type="arrow" w="med" len="med"/>
+          </a:ln>
+          <a:effectLst/>
+        </p:spPr>
+        <p:style>
+          <a:lnRef idx="1">
+            <a:schemeClr val="accent2"/>
+          </a:lnRef>
+          <a:fillRef idx="2">
+            <a:schemeClr val="accent2"/>
+          </a:fillRef>
+          <a:effectRef idx="1">
+            <a:schemeClr val="accent2"/>
+          </a:effectRef>
+          <a:fontRef idx="minor">
+            <a:schemeClr val="dk1"/>
+          </a:fontRef>
+        </p:style>
+      </p:cxnSp>
+      <p:sp>
+        <p:nvSpPr>
+          <p:cNvPr id="92" name="Rectangle 8">
+            <a:extLst>
+              <a:ext uri="{FF2B5EF4-FFF2-40B4-BE49-F238E27FC236}">
+                <a16:creationId xmlns:a16="http://schemas.microsoft.com/office/drawing/2014/main" id="{DF2F1BAF-18CA-4356-A752-C3CDB5480F3F}"/>
+              </a:ext>
+            </a:extLst>
+          </p:cNvPr>
+          <p:cNvSpPr/>
+          <p:nvPr/>
+        </p:nvSpPr>
+        <p:spPr>
+          <a:xfrm>
+            <a:off x="4372178" y="1381059"/>
+            <a:ext cx="1098160" cy="346760"/>
+          </a:xfrm>
+          <a:prstGeom prst="rect">
+            <a:avLst/>
+          </a:prstGeom>
+          <a:ln w="19050">
+            <a:solidFill>
+              <a:srgbClr val="7030A0"/>
+            </a:solidFill>
+          </a:ln>
+          <a:effectLst/>
+        </p:spPr>
+        <p:style>
+          <a:lnRef idx="1">
+            <a:schemeClr val="accent4"/>
+          </a:lnRef>
+          <a:fillRef idx="2">
+            <a:schemeClr val="accent4"/>
+          </a:fillRef>
+          <a:effectRef idx="1">
+            <a:schemeClr val="accent4"/>
+          </a:effectRef>
+          <a:fontRef idx="minor">
+            <a:schemeClr val="dk1"/>
+          </a:fontRef>
+        </p:style>
+        <p:txBody>
+          <a:bodyPr rtlCol="0" anchor="ctr"/>
+          <a:lstStyle/>
+          <a:p>
+            <a:pPr algn="ctr"/>
+            <a:r>
+              <a:rPr lang="en-US" sz="1050" dirty="0" err="1">
+                <a:solidFill>
+                  <a:srgbClr val="7030A0"/>
+                </a:solidFill>
+              </a:rPr>
+              <a:t>AppointmentList</a:t>
+            </a:r>
+            <a:endParaRPr lang="en-SG" sz="1050" dirty="0">
+              <a:solidFill>
+                <a:srgbClr val="7030A0"/>
+              </a:solidFill>
+            </a:endParaRPr>
+          </a:p>
+        </p:txBody>
+      </p:sp>
+      <p:sp>
+        <p:nvSpPr>
+          <p:cNvPr id="95" name="Rectangle 8">
+            <a:extLst>
+              <a:ext uri="{FF2B5EF4-FFF2-40B4-BE49-F238E27FC236}">
+                <a16:creationId xmlns:a16="http://schemas.microsoft.com/office/drawing/2014/main" id="{D070B5E1-055C-4F09-9D7E-37F1C44F2D53}"/>
+              </a:ext>
+            </a:extLst>
+          </p:cNvPr>
+          <p:cNvSpPr/>
+          <p:nvPr/>
+        </p:nvSpPr>
+        <p:spPr>
+          <a:xfrm>
+            <a:off x="2218867" y="3548029"/>
+            <a:ext cx="1167666" cy="331844"/>
+          </a:xfrm>
+          <a:prstGeom prst="rect">
+            <a:avLst/>
+          </a:prstGeom>
+          <a:ln w="19050">
+            <a:solidFill>
+              <a:srgbClr val="7030A0"/>
+            </a:solidFill>
+          </a:ln>
+          <a:effectLst/>
+        </p:spPr>
+        <p:style>
+          <a:lnRef idx="1">
+            <a:schemeClr val="accent4"/>
+          </a:lnRef>
+          <a:fillRef idx="2">
+            <a:schemeClr val="accent4"/>
+          </a:fillRef>
+          <a:effectRef idx="1">
+            <a:schemeClr val="accent4"/>
+          </a:effectRef>
+          <a:fontRef idx="minor">
+            <a:schemeClr val="dk1"/>
+          </a:fontRef>
+        </p:style>
+        <p:txBody>
+          <a:bodyPr rtlCol="0" anchor="ctr"/>
+          <a:lstStyle/>
+          <a:p>
+            <a:pPr algn="ctr"/>
+            <a:r>
+              <a:rPr lang="en-US" sz="1050" dirty="0" err="1">
+                <a:solidFill>
+                  <a:srgbClr val="7030A0"/>
+                </a:solidFill>
+              </a:rPr>
+              <a:t>PreferenceQueue</a:t>
+            </a:r>
+            <a:endParaRPr lang="en-SG" sz="1050" dirty="0">
+              <a:solidFill>
+                <a:srgbClr val="7030A0"/>
+              </a:solidFill>
+            </a:endParaRPr>
+          </a:p>
+        </p:txBody>
+      </p:sp>
+      <p:sp>
+        <p:nvSpPr>
+          <p:cNvPr id="98" name="Flowchart: Decision 96">
+            <a:extLst>
+              <a:ext uri="{FF2B5EF4-FFF2-40B4-BE49-F238E27FC236}">
+                <a16:creationId xmlns:a16="http://schemas.microsoft.com/office/drawing/2014/main" id="{310DE8E7-55AA-41C6-B738-5E853DAC49BD}"/>
+              </a:ext>
+            </a:extLst>
+          </p:cNvPr>
+          <p:cNvSpPr/>
+          <p:nvPr/>
+        </p:nvSpPr>
+        <p:spPr>
+          <a:xfrm>
+            <a:off x="3382190" y="3650314"/>
             <a:ext cx="236048" cy="173380"/>
           </a:xfrm>
           <a:prstGeom prst="flowChartDecision">
             <a:avLst/>
           </a:prstGeom>
-          <a:solidFill>
-            <a:srgbClr val="7030A0"/>
-          </a:solidFill>
+          <a:noFill/>
           <a:ln w="19050">
             <a:solidFill>
               <a:srgbClr val="7030A0"/>
@@ -4445,19 +6021,29 @@
       </p:sp>
       <p:cxnSp>
         <p:nvCxnSpPr>
-          <p:cNvPr id="79" name="Elbow Connector 78"/>
+          <p:cNvPr id="101" name="Elbow Connector 63">
+            <a:extLst>
+              <a:ext uri="{FF2B5EF4-FFF2-40B4-BE49-F238E27FC236}">
+                <a16:creationId xmlns:a16="http://schemas.microsoft.com/office/drawing/2014/main" id="{31DC67E9-29F9-4E4D-A2B8-3C4C7564B2DE}"/>
+              </a:ext>
+            </a:extLst>
+          </p:cNvPr>
           <p:cNvCxnSpPr>
             <a:cxnSpLocks/>
+            <a:stCxn id="98" idx="3"/>
+            <a:endCxn id="62" idx="1"/>
           </p:cNvCxnSpPr>
           <p:nvPr/>
         </p:nvCxnSpPr>
         <p:spPr>
           <a:xfrm flipV="1">
-            <a:off x="7277995" y="2706821"/>
-            <a:ext cx="434402" cy="327761"/>
+            <a:off x="3618238" y="3456377"/>
+            <a:ext cx="2170930" cy="280627"/>
           </a:xfrm>
           <a:prstGeom prst="bentConnector3">
-            <a:avLst/>
+            <a:avLst>
+              <a:gd name="adj1" fmla="val 50000"/>
+            </a:avLst>
           </a:prstGeom>
           <a:ln w="19050">
             <a:solidFill>
@@ -4485,665 +6071,19 @@
       </p:cxnSp>
       <p:sp>
         <p:nvSpPr>
-          <p:cNvPr id="80" name="Rectangle 8"/>
-          <p:cNvSpPr/>
-          <p:nvPr/>
-        </p:nvSpPr>
-        <p:spPr>
-          <a:xfrm>
-            <a:off x="7712397" y="2887216"/>
-            <a:ext cx="708186" cy="285783"/>
-          </a:xfrm>
-          <a:prstGeom prst="rect">
-            <a:avLst/>
-          </a:prstGeom>
-          <a:ln w="19050">
-            <a:solidFill>
-              <a:srgbClr val="7030A0"/>
-            </a:solidFill>
-          </a:ln>
-          <a:effectLst/>
-        </p:spPr>
-        <p:style>
-          <a:lnRef idx="1">
-            <a:schemeClr val="accent4"/>
-          </a:lnRef>
-          <a:fillRef idx="2">
-            <a:schemeClr val="accent4"/>
-          </a:fillRef>
-          <a:effectRef idx="1">
-            <a:schemeClr val="accent4"/>
-          </a:effectRef>
-          <a:fontRef idx="minor">
-            <a:schemeClr val="dk1"/>
-          </a:fontRef>
-        </p:style>
-        <p:txBody>
-          <a:bodyPr rtlCol="0" anchor="ctr"/>
-          <a:lstStyle/>
-          <a:p>
-            <a:pPr algn="ctr"/>
-            <a:r>
-              <a:rPr lang="en-US" sz="1050" dirty="0">
-                <a:solidFill>
-                  <a:srgbClr val="7030A0"/>
-                </a:solidFill>
-              </a:rPr>
-              <a:t>Phone</a:t>
-            </a:r>
-            <a:endParaRPr lang="en-SG" sz="1050" dirty="0">
-              <a:solidFill>
-                <a:srgbClr val="7030A0"/>
-              </a:solidFill>
-            </a:endParaRPr>
-          </a:p>
-        </p:txBody>
-      </p:sp>
-      <p:cxnSp>
-        <p:nvCxnSpPr>
-          <p:cNvPr id="81" name="Elbow Connector 80"/>
-          <p:cNvCxnSpPr>
-            <a:stCxn id="78" idx="3"/>
-            <a:endCxn id="80" idx="1"/>
-          </p:cNvCxnSpPr>
-          <p:nvPr/>
-        </p:nvCxnSpPr>
-        <p:spPr>
-          <a:xfrm flipV="1">
-            <a:off x="7277995" y="3030108"/>
-            <a:ext cx="434402" cy="4783"/>
-          </a:xfrm>
-          <a:prstGeom prst="bentConnector3">
-            <a:avLst/>
-          </a:prstGeom>
-          <a:ln w="19050">
-            <a:solidFill>
-              <a:srgbClr val="7030A0"/>
-            </a:solidFill>
-            <a:headEnd type="none" w="med" len="med"/>
-            <a:tailEnd type="arrow" w="med" len="med"/>
-          </a:ln>
-          <a:effectLst/>
-        </p:spPr>
-        <p:style>
-          <a:lnRef idx="1">
-            <a:schemeClr val="accent2"/>
-          </a:lnRef>
-          <a:fillRef idx="2">
-            <a:schemeClr val="accent2"/>
-          </a:fillRef>
-          <a:effectRef idx="1">
-            <a:schemeClr val="accent2"/>
-          </a:effectRef>
-          <a:fontRef idx="minor">
-            <a:schemeClr val="dk1"/>
-          </a:fontRef>
-        </p:style>
-      </p:cxnSp>
-      <p:sp>
-        <p:nvSpPr>
-          <p:cNvPr id="83" name="Rectangle 8"/>
-          <p:cNvSpPr/>
-          <p:nvPr/>
-        </p:nvSpPr>
-        <p:spPr>
-          <a:xfrm>
-            <a:off x="7712397" y="3210194"/>
-            <a:ext cx="708186" cy="285783"/>
-          </a:xfrm>
-          <a:prstGeom prst="rect">
-            <a:avLst/>
-          </a:prstGeom>
-          <a:ln w="19050">
-            <a:solidFill>
-              <a:srgbClr val="7030A0"/>
-            </a:solidFill>
-          </a:ln>
-          <a:effectLst/>
-        </p:spPr>
-        <p:style>
-          <a:lnRef idx="1">
-            <a:schemeClr val="accent4"/>
-          </a:lnRef>
-          <a:fillRef idx="2">
-            <a:schemeClr val="accent4"/>
-          </a:fillRef>
-          <a:effectRef idx="1">
-            <a:schemeClr val="accent4"/>
-          </a:effectRef>
-          <a:fontRef idx="minor">
-            <a:schemeClr val="dk1"/>
-          </a:fontRef>
-        </p:style>
-        <p:txBody>
-          <a:bodyPr rtlCol="0" anchor="ctr"/>
-          <a:lstStyle/>
-          <a:p>
-            <a:pPr algn="ctr"/>
-            <a:r>
-              <a:rPr lang="en-US" sz="1050" dirty="0">
-                <a:solidFill>
-                  <a:srgbClr val="7030A0"/>
-                </a:solidFill>
-              </a:rPr>
-              <a:t>Email</a:t>
-            </a:r>
-            <a:endParaRPr lang="en-SG" sz="1050" dirty="0">
-              <a:solidFill>
-                <a:srgbClr val="7030A0"/>
-              </a:solidFill>
-            </a:endParaRPr>
-          </a:p>
-        </p:txBody>
-      </p:sp>
-      <p:cxnSp>
-        <p:nvCxnSpPr>
-          <p:cNvPr id="84" name="Elbow Connector 83"/>
-          <p:cNvCxnSpPr>
-            <a:stCxn id="78" idx="3"/>
-            <a:endCxn id="83" idx="1"/>
-          </p:cNvCxnSpPr>
-          <p:nvPr/>
-        </p:nvCxnSpPr>
-        <p:spPr>
-          <a:xfrm>
-            <a:off x="7277995" y="3034891"/>
-            <a:ext cx="434402" cy="318195"/>
-          </a:xfrm>
-          <a:prstGeom prst="bentConnector3">
-            <a:avLst/>
-          </a:prstGeom>
-          <a:ln w="19050">
-            <a:solidFill>
-              <a:srgbClr val="7030A0"/>
-            </a:solidFill>
-            <a:headEnd type="none" w="med" len="med"/>
-            <a:tailEnd type="arrow" w="med" len="med"/>
-          </a:ln>
-          <a:effectLst/>
-        </p:spPr>
-        <p:style>
-          <a:lnRef idx="1">
-            <a:schemeClr val="accent2"/>
-          </a:lnRef>
-          <a:fillRef idx="2">
-            <a:schemeClr val="accent2"/>
-          </a:fillRef>
-          <a:effectRef idx="1">
-            <a:schemeClr val="accent2"/>
-          </a:effectRef>
-          <a:fontRef idx="minor">
-            <a:schemeClr val="dk1"/>
-          </a:fontRef>
-        </p:style>
-      </p:cxnSp>
-      <p:sp>
-        <p:nvSpPr>
-          <p:cNvPr id="85" name="Rectangle 8"/>
-          <p:cNvSpPr/>
-          <p:nvPr/>
-        </p:nvSpPr>
-        <p:spPr>
-          <a:xfrm>
-            <a:off x="7712397" y="3533171"/>
-            <a:ext cx="708186" cy="285783"/>
-          </a:xfrm>
-          <a:prstGeom prst="rect">
-            <a:avLst/>
-          </a:prstGeom>
-          <a:ln w="19050">
-            <a:solidFill>
-              <a:srgbClr val="7030A0"/>
-            </a:solidFill>
-          </a:ln>
-          <a:effectLst/>
-        </p:spPr>
-        <p:style>
-          <a:lnRef idx="1">
-            <a:schemeClr val="accent4"/>
-          </a:lnRef>
-          <a:fillRef idx="2">
-            <a:schemeClr val="accent4"/>
-          </a:fillRef>
-          <a:effectRef idx="1">
-            <a:schemeClr val="accent4"/>
-          </a:effectRef>
-          <a:fontRef idx="minor">
-            <a:schemeClr val="dk1"/>
-          </a:fontRef>
-        </p:style>
-        <p:txBody>
-          <a:bodyPr rtlCol="0" anchor="ctr"/>
-          <a:lstStyle/>
-          <a:p>
-            <a:pPr algn="ctr"/>
-            <a:r>
-              <a:rPr lang="en-US" sz="1050" dirty="0">
-                <a:solidFill>
-                  <a:srgbClr val="7030A0"/>
-                </a:solidFill>
-              </a:rPr>
-              <a:t>Address</a:t>
-            </a:r>
-            <a:endParaRPr lang="en-SG" sz="1050" dirty="0">
-              <a:solidFill>
-                <a:srgbClr val="7030A0"/>
-              </a:solidFill>
-            </a:endParaRPr>
-          </a:p>
-        </p:txBody>
-      </p:sp>
-      <p:cxnSp>
-        <p:nvCxnSpPr>
-          <p:cNvPr id="86" name="Elbow Connector 85"/>
-          <p:cNvCxnSpPr>
-            <a:stCxn id="78" idx="3"/>
-            <a:endCxn id="85" idx="1"/>
-          </p:cNvCxnSpPr>
-          <p:nvPr/>
-        </p:nvCxnSpPr>
-        <p:spPr>
-          <a:xfrm>
-            <a:off x="7277995" y="3034891"/>
-            <a:ext cx="434402" cy="641172"/>
-          </a:xfrm>
-          <a:prstGeom prst="bentConnector3">
-            <a:avLst/>
-          </a:prstGeom>
-          <a:ln w="19050">
-            <a:solidFill>
-              <a:srgbClr val="7030A0"/>
-            </a:solidFill>
-            <a:headEnd type="none" w="med" len="med"/>
-            <a:tailEnd type="arrow" w="med" len="med"/>
-          </a:ln>
-          <a:effectLst/>
-        </p:spPr>
-        <p:style>
-          <a:lnRef idx="1">
-            <a:schemeClr val="accent2"/>
-          </a:lnRef>
-          <a:fillRef idx="2">
-            <a:schemeClr val="accent2"/>
-          </a:fillRef>
-          <a:effectRef idx="1">
-            <a:schemeClr val="accent2"/>
-          </a:effectRef>
-          <a:fontRef idx="minor">
-            <a:schemeClr val="dk1"/>
-          </a:fontRef>
-        </p:style>
-      </p:cxnSp>
-      <p:cxnSp>
-        <p:nvCxnSpPr>
-          <p:cNvPr id="97" name="Elbow Connector 63"/>
-          <p:cNvCxnSpPr>
-            <a:stCxn id="99" idx="3"/>
-          </p:cNvCxnSpPr>
-          <p:nvPr/>
-        </p:nvCxnSpPr>
-        <p:spPr>
-          <a:xfrm rot="5400000">
-            <a:off x="3553611" y="2687559"/>
-            <a:ext cx="293825" cy="5938"/>
-          </a:xfrm>
-          <a:prstGeom prst="bentConnector3">
-            <a:avLst>
-              <a:gd name="adj1" fmla="val 50000"/>
-            </a:avLst>
-          </a:prstGeom>
-          <a:ln w="19050">
-            <a:solidFill>
-              <a:srgbClr val="7030A0"/>
-            </a:solidFill>
-            <a:prstDash val="sysDot"/>
-            <a:headEnd type="none" w="med" len="med"/>
-            <a:tailEnd type="none" w="med" len="med"/>
-          </a:ln>
-          <a:effectLst/>
-        </p:spPr>
-        <p:style>
-          <a:lnRef idx="1">
-            <a:schemeClr val="accent2"/>
-          </a:lnRef>
-          <a:fillRef idx="2">
-            <a:schemeClr val="accent2"/>
-          </a:fillRef>
-          <a:effectRef idx="1">
-            <a:schemeClr val="accent2"/>
-          </a:effectRef>
-          <a:fontRef idx="minor">
-            <a:schemeClr val="dk1"/>
-          </a:fontRef>
-        </p:style>
-      </p:cxnSp>
-      <p:sp>
-        <p:nvSpPr>
-          <p:cNvPr id="99" name="Isosceles Triangle 102"/>
-          <p:cNvSpPr/>
-          <p:nvPr/>
-        </p:nvSpPr>
-        <p:spPr>
-          <a:xfrm rot="10800000" flipV="1">
-            <a:off x="3562299" y="2386554"/>
-            <a:ext cx="282387" cy="157062"/>
-          </a:xfrm>
-          <a:prstGeom prst="triangle">
-            <a:avLst/>
-          </a:prstGeom>
-          <a:ln w="19050">
-            <a:solidFill>
-              <a:srgbClr val="7030A0"/>
-            </a:solidFill>
-          </a:ln>
-          <a:effectLst/>
-        </p:spPr>
-        <p:style>
-          <a:lnRef idx="1">
-            <a:schemeClr val="accent4"/>
-          </a:lnRef>
-          <a:fillRef idx="2">
-            <a:schemeClr val="accent4"/>
-          </a:fillRef>
-          <a:effectRef idx="1">
-            <a:schemeClr val="accent4"/>
-          </a:effectRef>
-          <a:fontRef idx="minor">
-            <a:schemeClr val="dk1"/>
-          </a:fontRef>
-        </p:style>
-        <p:txBody>
-          <a:bodyPr rtlCol="0" anchor="ctr"/>
-          <a:lstStyle/>
-          <a:p>
-            <a:pPr algn="ctr"/>
-            <a:endParaRPr lang="en-SG" sz="1050" b="1">
-              <a:solidFill>
-                <a:srgbClr val="92D050"/>
-              </a:solidFill>
-            </a:endParaRPr>
-          </a:p>
-        </p:txBody>
-      </p:sp>
-      <p:sp>
-        <p:nvSpPr>
-          <p:cNvPr id="100" name="Rectangle 8"/>
-          <p:cNvSpPr/>
-          <p:nvPr/>
-        </p:nvSpPr>
-        <p:spPr>
-          <a:xfrm>
-            <a:off x="1260922" y="1998350"/>
-            <a:ext cx="1443661" cy="364396"/>
-          </a:xfrm>
-          <a:prstGeom prst="rect">
-            <a:avLst/>
-          </a:prstGeom>
-          <a:ln w="19050">
-            <a:solidFill>
-              <a:srgbClr val="7030A0"/>
-            </a:solidFill>
-          </a:ln>
-          <a:effectLst/>
-        </p:spPr>
-        <p:style>
-          <a:lnRef idx="1">
-            <a:schemeClr val="accent4"/>
-          </a:lnRef>
-          <a:fillRef idx="2">
-            <a:schemeClr val="accent4"/>
-          </a:fillRef>
-          <a:effectRef idx="1">
-            <a:schemeClr val="accent4"/>
-          </a:effectRef>
-          <a:fontRef idx="minor">
-            <a:schemeClr val="dk1"/>
-          </a:fontRef>
-        </p:style>
-        <p:txBody>
-          <a:bodyPr rtlCol="0" anchor="ctr"/>
-          <a:lstStyle/>
-          <a:p>
-            <a:pPr algn="ctr"/>
-            <a:r>
-              <a:rPr lang="en-US" sz="1050" dirty="0">
-                <a:solidFill>
-                  <a:srgbClr val="7030A0"/>
-                </a:solidFill>
-              </a:rPr>
-              <a:t>&lt;&lt;interface&gt;&gt;</a:t>
-            </a:r>
-            <a:br>
-              <a:rPr lang="en-US" sz="1050" dirty="0">
-                <a:solidFill>
-                  <a:srgbClr val="7030A0"/>
-                </a:solidFill>
-              </a:rPr>
-            </a:br>
-            <a:r>
-              <a:rPr lang="en-US" sz="1050" dirty="0" err="1">
-                <a:solidFill>
-                  <a:srgbClr val="7030A0"/>
-                </a:solidFill>
-              </a:rPr>
-              <a:t>ReadOnlyAddressBook</a:t>
-            </a:r>
-            <a:endParaRPr lang="en-SG" sz="1050" dirty="0">
-              <a:solidFill>
-                <a:srgbClr val="7030A0"/>
-              </a:solidFill>
-            </a:endParaRPr>
-          </a:p>
-        </p:txBody>
-      </p:sp>
-      <p:sp>
-        <p:nvSpPr>
-          <p:cNvPr id="114" name="TextBox 113"/>
+          <p:cNvPr id="102" name="TextBox 101">
+            <a:extLst>
+              <a:ext uri="{FF2B5EF4-FFF2-40B4-BE49-F238E27FC236}">
+                <a16:creationId xmlns:a16="http://schemas.microsoft.com/office/drawing/2014/main" id="{FCD24769-9ABF-4A33-BF7E-BF13E92A904F}"/>
+              </a:ext>
+            </a:extLst>
+          </p:cNvPr>
           <p:cNvSpPr txBox="1"/>
           <p:nvPr/>
         </p:nvSpPr>
         <p:spPr>
-          <a:xfrm rot="16200000">
-            <a:off x="6362886" y="3586305"/>
-            <a:ext cx="881018" cy="261610"/>
-          </a:xfrm>
-          <a:prstGeom prst="rect">
-            <a:avLst/>
-          </a:prstGeom>
-          <a:noFill/>
-        </p:spPr>
-        <p:txBody>
-          <a:bodyPr wrap="square" rtlCol="0">
-            <a:spAutoFit/>
-          </a:bodyPr>
-          <a:lstStyle/>
-          <a:p>
-            <a:pPr algn="r"/>
-            <a:r>
-              <a:rPr lang="en-US" sz="1100" dirty="0">
-                <a:solidFill>
-                  <a:srgbClr val="7030A0"/>
-                </a:solidFill>
-              </a:rPr>
-              <a:t>filtered list</a:t>
-            </a:r>
-            <a:endParaRPr lang="en-SG" sz="1100" dirty="0">
-              <a:solidFill>
-                <a:srgbClr val="7030A0"/>
-              </a:solidFill>
-            </a:endParaRPr>
-          </a:p>
-        </p:txBody>
-      </p:sp>
-      <p:sp>
-        <p:nvSpPr>
-          <p:cNvPr id="122" name="Rectangle 8"/>
-          <p:cNvSpPr/>
-          <p:nvPr/>
-        </p:nvSpPr>
-        <p:spPr>
-          <a:xfrm>
-            <a:off x="2057401" y="4239491"/>
-            <a:ext cx="1066800" cy="346760"/>
-          </a:xfrm>
-          <a:prstGeom prst="rect">
-            <a:avLst/>
-          </a:prstGeom>
-          <a:ln w="19050">
-            <a:solidFill>
-              <a:srgbClr val="7030A0"/>
-            </a:solidFill>
-          </a:ln>
-          <a:effectLst/>
-        </p:spPr>
-        <p:style>
-          <a:lnRef idx="1">
-            <a:schemeClr val="accent4"/>
-          </a:lnRef>
-          <a:fillRef idx="2">
-            <a:schemeClr val="accent4"/>
-          </a:fillRef>
-          <a:effectRef idx="1">
-            <a:schemeClr val="accent4"/>
-          </a:effectRef>
-          <a:fontRef idx="minor">
-            <a:schemeClr val="dk1"/>
-          </a:fontRef>
-        </p:style>
-        <p:txBody>
-          <a:bodyPr rtlCol="0" anchor="ctr"/>
-          <a:lstStyle/>
-          <a:p>
-            <a:pPr algn="ctr"/>
-            <a:r>
-              <a:rPr lang="en-US" sz="1050" dirty="0">
-                <a:solidFill>
-                  <a:srgbClr val="7030A0"/>
-                </a:solidFill>
-              </a:rPr>
-              <a:t>&lt;&lt;interface&gt;&gt;</a:t>
-            </a:r>
-            <a:r>
-              <a:rPr lang="en-US" sz="1050">
-                <a:solidFill>
-                  <a:srgbClr val="7030A0"/>
-                </a:solidFill>
-              </a:rPr>
-              <a:t/>
-            </a:r>
-            <a:br>
-              <a:rPr lang="en-US" sz="1050">
-                <a:solidFill>
-                  <a:srgbClr val="7030A0"/>
-                </a:solidFill>
-              </a:rPr>
-            </a:br>
-            <a:r>
-              <a:rPr lang="en-US" sz="1050" dirty="0" err="1">
-                <a:solidFill>
-                  <a:srgbClr val="7030A0"/>
-                </a:solidFill>
-              </a:rPr>
-              <a:t>ObservableList</a:t>
-            </a:r>
-            <a:endParaRPr lang="en-SG" sz="1050" dirty="0">
-              <a:solidFill>
-                <a:srgbClr val="7030A0"/>
-              </a:solidFill>
-            </a:endParaRPr>
-          </a:p>
-        </p:txBody>
-      </p:sp>
-      <p:cxnSp>
-        <p:nvCxnSpPr>
-          <p:cNvPr id="124" name="Elbow Connector 122"/>
-          <p:cNvCxnSpPr>
-            <a:stCxn id="119" idx="1"/>
-            <a:endCxn id="122" idx="1"/>
-          </p:cNvCxnSpPr>
-          <p:nvPr/>
-        </p:nvCxnSpPr>
-        <p:spPr>
-          <a:xfrm rot="16200000" flipH="1">
-            <a:off x="1364475" y="3719944"/>
-            <a:ext cx="831471" cy="554381"/>
-          </a:xfrm>
-          <a:prstGeom prst="bentConnector2">
-            <a:avLst/>
-          </a:prstGeom>
-          <a:ln w="19050">
-            <a:solidFill>
-              <a:srgbClr val="7030A0"/>
-            </a:solidFill>
-            <a:prstDash val="sysDot"/>
-            <a:headEnd type="none" w="med" len="med"/>
-            <a:tailEnd type="arrow" w="med" len="med"/>
-          </a:ln>
-          <a:effectLst/>
-        </p:spPr>
-        <p:style>
-          <a:lnRef idx="1">
-            <a:schemeClr val="accent2"/>
-          </a:lnRef>
-          <a:fillRef idx="2">
-            <a:schemeClr val="accent2"/>
-          </a:fillRef>
-          <a:effectRef idx="1">
-            <a:schemeClr val="accent2"/>
-          </a:effectRef>
-          <a:fontRef idx="minor">
-            <a:schemeClr val="dk1"/>
-          </a:fontRef>
-        </p:style>
-      </p:cxnSp>
-      <p:sp>
-        <p:nvSpPr>
-          <p:cNvPr id="54" name="TextBox 53"/>
-          <p:cNvSpPr txBox="1"/>
-          <p:nvPr/>
-        </p:nvSpPr>
-        <p:spPr>
-          <a:xfrm>
-            <a:off x="4429979" y="3111479"/>
-            <a:ext cx="189257" cy="178683"/>
-          </a:xfrm>
-          <a:prstGeom prst="rect">
-            <a:avLst/>
-          </a:prstGeom>
-          <a:noFill/>
-        </p:spPr>
-        <p:txBody>
-          <a:bodyPr wrap="square" lIns="0" tIns="0" rIns="0" bIns="0" rtlCol="0">
-            <a:noAutofit/>
-          </a:bodyPr>
-          <a:lstStyle/>
-          <a:p>
-            <a:pPr algn="ctr"/>
-            <a:r>
-              <a:rPr lang="en-US" sz="1100" dirty="0">
-                <a:solidFill>
-                  <a:srgbClr val="7030A0"/>
-                </a:solidFill>
-              </a:rPr>
-              <a:t>1</a:t>
-            </a:r>
-            <a:endParaRPr lang="en-SG" sz="1100" dirty="0">
-              <a:solidFill>
-                <a:srgbClr val="7030A0"/>
-              </a:solidFill>
-            </a:endParaRPr>
-          </a:p>
-        </p:txBody>
-      </p:sp>
-      <p:sp>
-        <p:nvSpPr>
-          <p:cNvPr id="61" name="TextBox 60"/>
-          <p:cNvSpPr txBox="1"/>
-          <p:nvPr/>
-        </p:nvSpPr>
-        <p:spPr>
-          <a:xfrm>
-            <a:off x="6135256" y="3097917"/>
+          <a:xfrm>
+            <a:off x="4342683" y="3258332"/>
             <a:ext cx="189257" cy="178683"/>
           </a:xfrm>
           <a:prstGeom prst="rect">
@@ -5176,239 +6116,10 @@
       </p:sp>
       <p:sp>
         <p:nvSpPr>
-          <p:cNvPr id="65" name="TextBox 64"/>
-          <p:cNvSpPr txBox="1"/>
-          <p:nvPr/>
-        </p:nvSpPr>
-        <p:spPr>
-          <a:xfrm>
-            <a:off x="2573394" y="2756715"/>
-            <a:ext cx="170110" cy="137542"/>
-          </a:xfrm>
-          <a:prstGeom prst="rect">
-            <a:avLst/>
-          </a:prstGeom>
-          <a:noFill/>
-        </p:spPr>
-        <p:txBody>
-          <a:bodyPr wrap="square" lIns="0" tIns="0" rIns="0" bIns="0" rtlCol="0">
-            <a:noAutofit/>
-          </a:bodyPr>
-          <a:lstStyle/>
-          <a:p>
-            <a:pPr algn="ctr"/>
-            <a:r>
-              <a:rPr lang="en-US" sz="1100" dirty="0">
-                <a:solidFill>
-                  <a:srgbClr val="7030A0"/>
-                </a:solidFill>
-              </a:rPr>
-              <a:t>1</a:t>
-            </a:r>
-            <a:endParaRPr lang="en-SG" sz="1100" dirty="0">
-              <a:solidFill>
-                <a:srgbClr val="7030A0"/>
-              </a:solidFill>
-            </a:endParaRPr>
-          </a:p>
-        </p:txBody>
-      </p:sp>
-      <p:sp>
-        <p:nvSpPr>
-          <p:cNvPr id="66" name="TextBox 65"/>
-          <p:cNvSpPr txBox="1"/>
-          <p:nvPr/>
-        </p:nvSpPr>
-        <p:spPr>
-          <a:xfrm>
-            <a:off x="2707070" y="3667737"/>
-            <a:ext cx="189257" cy="178683"/>
-          </a:xfrm>
-          <a:prstGeom prst="rect">
-            <a:avLst/>
-          </a:prstGeom>
-          <a:noFill/>
-        </p:spPr>
-        <p:txBody>
-          <a:bodyPr wrap="square" lIns="0" tIns="0" rIns="0" bIns="0" rtlCol="0">
-            <a:noAutofit/>
-          </a:bodyPr>
-          <a:lstStyle/>
-          <a:p>
-            <a:pPr algn="ctr"/>
-            <a:r>
-              <a:rPr lang="en-US" sz="1100" dirty="0">
-                <a:solidFill>
-                  <a:srgbClr val="7030A0"/>
-                </a:solidFill>
-              </a:rPr>
-              <a:t>1</a:t>
-            </a:r>
-            <a:endParaRPr lang="en-SG" sz="1100" dirty="0">
-              <a:solidFill>
-                <a:srgbClr val="7030A0"/>
-              </a:solidFill>
-            </a:endParaRPr>
-          </a:p>
-        </p:txBody>
-      </p:sp>
-      <p:sp>
-        <p:nvSpPr>
-          <p:cNvPr id="70" name="TextBox 69"/>
-          <p:cNvSpPr txBox="1"/>
-          <p:nvPr/>
-        </p:nvSpPr>
-        <p:spPr>
-          <a:xfrm>
-            <a:off x="6449896" y="3204826"/>
-            <a:ext cx="189257" cy="178683"/>
-          </a:xfrm>
-          <a:prstGeom prst="rect">
-            <a:avLst/>
-          </a:prstGeom>
-          <a:noFill/>
-        </p:spPr>
-        <p:txBody>
-          <a:bodyPr wrap="square" lIns="0" tIns="0" rIns="0" bIns="0" rtlCol="0">
-            <a:noAutofit/>
-          </a:bodyPr>
-          <a:lstStyle/>
-          <a:p>
-            <a:pPr algn="ctr"/>
-            <a:r>
-              <a:rPr lang="en-US" sz="1100" dirty="0">
-                <a:solidFill>
-                  <a:srgbClr val="7030A0"/>
-                </a:solidFill>
-              </a:rPr>
-              <a:t>1</a:t>
-            </a:r>
-            <a:endParaRPr lang="en-SG" sz="1100" dirty="0">
-              <a:solidFill>
-                <a:srgbClr val="7030A0"/>
-              </a:solidFill>
-            </a:endParaRPr>
-          </a:p>
-        </p:txBody>
-      </p:sp>
-      <p:sp>
-        <p:nvSpPr>
-          <p:cNvPr id="52" name="Rectangle 8">
+          <p:cNvPr id="103" name="TextBox 102">
             <a:extLst>
               <a:ext uri="{FF2B5EF4-FFF2-40B4-BE49-F238E27FC236}">
-                <a16:creationId xmlns:a16="http://schemas.microsoft.com/office/drawing/2014/main" id="{ABDCDBD2-131A-4B66-A2F2-43BBEE82C773}"/>
-              </a:ext>
-            </a:extLst>
-          </p:cNvPr>
-          <p:cNvSpPr/>
-          <p:nvPr/>
-        </p:nvSpPr>
-        <p:spPr>
-          <a:xfrm>
-            <a:off x="7712397" y="2228817"/>
-            <a:ext cx="708186" cy="285783"/>
-          </a:xfrm>
-          <a:prstGeom prst="rect">
-            <a:avLst/>
-          </a:prstGeom>
-          <a:ln w="19050">
-            <a:solidFill>
-              <a:srgbClr val="7030A0"/>
-            </a:solidFill>
-          </a:ln>
-          <a:effectLst/>
-        </p:spPr>
-        <p:style>
-          <a:lnRef idx="1">
-            <a:schemeClr val="accent4"/>
-          </a:lnRef>
-          <a:fillRef idx="2">
-            <a:schemeClr val="accent4"/>
-          </a:fillRef>
-          <a:effectRef idx="1">
-            <a:schemeClr val="accent4"/>
-          </a:effectRef>
-          <a:fontRef idx="minor">
-            <a:schemeClr val="dk1"/>
-          </a:fontRef>
-        </p:style>
-        <p:txBody>
-          <a:bodyPr rtlCol="0" anchor="ctr"/>
-          <a:lstStyle/>
-          <a:p>
-            <a:pPr algn="ctr"/>
-            <a:r>
-              <a:rPr lang="en-US" sz="1050" dirty="0">
-                <a:solidFill>
-                  <a:srgbClr val="7030A0"/>
-                </a:solidFill>
-              </a:rPr>
-              <a:t>Tag</a:t>
-            </a:r>
-            <a:endParaRPr lang="en-SG" sz="1050" dirty="0">
-              <a:solidFill>
-                <a:srgbClr val="7030A0"/>
-              </a:solidFill>
-            </a:endParaRPr>
-          </a:p>
-        </p:txBody>
-      </p:sp>
-      <p:cxnSp>
-        <p:nvCxnSpPr>
-          <p:cNvPr id="53" name="Elbow Connector 78">
-            <a:extLst>
-              <a:ext uri="{FF2B5EF4-FFF2-40B4-BE49-F238E27FC236}">
-                <a16:creationId xmlns:a16="http://schemas.microsoft.com/office/drawing/2014/main" id="{B97967F8-618A-448B-81FD-CDFD4AF0EC64}"/>
-              </a:ext>
-            </a:extLst>
-          </p:cNvPr>
-          <p:cNvCxnSpPr>
-            <a:cxnSpLocks/>
-            <a:stCxn id="78" idx="3"/>
-            <a:endCxn id="52" idx="1"/>
-          </p:cNvCxnSpPr>
-          <p:nvPr/>
-        </p:nvCxnSpPr>
-        <p:spPr>
-          <a:xfrm flipV="1">
-            <a:off x="7277995" y="2371709"/>
-            <a:ext cx="434402" cy="663182"/>
-          </a:xfrm>
-          <a:prstGeom prst="bentConnector3">
-            <a:avLst>
-              <a:gd name="adj1" fmla="val 50000"/>
-            </a:avLst>
-          </a:prstGeom>
-          <a:ln w="19050">
-            <a:solidFill>
-              <a:srgbClr val="7030A0"/>
-            </a:solidFill>
-            <a:headEnd type="none" w="med" len="med"/>
-            <a:tailEnd type="arrow" w="med" len="med"/>
-          </a:ln>
-          <a:effectLst/>
-        </p:spPr>
-        <p:style>
-          <a:lnRef idx="1">
-            <a:schemeClr val="accent2"/>
-          </a:lnRef>
-          <a:fillRef idx="2">
-            <a:schemeClr val="accent2"/>
-          </a:fillRef>
-          <a:effectRef idx="1">
-            <a:schemeClr val="accent2"/>
-          </a:effectRef>
-          <a:fontRef idx="minor">
-            <a:schemeClr val="dk1"/>
-          </a:fontRef>
-        </p:style>
-      </p:cxnSp>
-      <p:sp>
-        <p:nvSpPr>
-          <p:cNvPr id="50" name="TextBox 49">
-            <a:extLst>
-              <a:ext uri="{FF2B5EF4-FFF2-40B4-BE49-F238E27FC236}">
-                <a16:creationId xmlns:a16="http://schemas.microsoft.com/office/drawing/2014/main" id="{B3FA9D57-880F-49C4-AD0B-A64E30D6F403}"/>
+                <a16:creationId xmlns:a16="http://schemas.microsoft.com/office/drawing/2014/main" id="{976075AE-9869-460C-80F2-E1F2139E73E9}"/>
               </a:ext>
             </a:extLst>
           </p:cNvPr>
@@ -5417,7 +6128,7 @@
         </p:nvSpPr>
         <p:spPr>
           <a:xfrm>
-            <a:off x="7466243" y="2255711"/>
+            <a:off x="4332710" y="3627377"/>
             <a:ext cx="189257" cy="178683"/>
           </a:xfrm>
           <a:prstGeom prst="rect">
@@ -5450,123 +6161,25 @@
       </p:sp>
       <p:sp>
         <p:nvSpPr>
-          <p:cNvPr id="55" name="Rectangle 8"/>
+          <p:cNvPr id="108" name="Flowchart: Decision 96">
+            <a:extLst>
+              <a:ext uri="{FF2B5EF4-FFF2-40B4-BE49-F238E27FC236}">
+                <a16:creationId xmlns:a16="http://schemas.microsoft.com/office/drawing/2014/main" id="{1267D6AD-AF1F-4C12-8F2B-31724B91C4AE}"/>
+              </a:ext>
+            </a:extLst>
+          </p:cNvPr>
           <p:cNvSpPr/>
           <p:nvPr/>
         </p:nvSpPr>
         <p:spPr>
           <a:xfrm>
-            <a:off x="3170181" y="1998350"/>
-            <a:ext cx="1060683" cy="364396"/>
-          </a:xfrm>
-          <a:prstGeom prst="rect">
-            <a:avLst/>
-          </a:prstGeom>
-          <a:ln w="19050">
-            <a:solidFill>
-              <a:srgbClr val="7030A0"/>
-            </a:solidFill>
-          </a:ln>
-          <a:effectLst/>
-        </p:spPr>
-        <p:style>
-          <a:lnRef idx="1">
-            <a:schemeClr val="accent4"/>
-          </a:lnRef>
-          <a:fillRef idx="2">
-            <a:schemeClr val="accent4"/>
-          </a:fillRef>
-          <a:effectRef idx="1">
-            <a:schemeClr val="accent4"/>
-          </a:effectRef>
-          <a:fontRef idx="minor">
-            <a:schemeClr val="dk1"/>
-          </a:fontRef>
-        </p:style>
-        <p:txBody>
-          <a:bodyPr rtlCol="0" anchor="ctr"/>
-          <a:lstStyle/>
-          <a:p>
-            <a:pPr algn="ctr"/>
-            <a:r>
-              <a:rPr lang="en-US" sz="1050" dirty="0" err="1">
-                <a:solidFill>
-                  <a:srgbClr val="7030A0"/>
-                </a:solidFill>
-              </a:rPr>
-              <a:t>AddressBook</a:t>
-            </a:r>
-            <a:endParaRPr lang="en-SG" sz="1050" dirty="0">
-              <a:solidFill>
-                <a:srgbClr val="7030A0"/>
-              </a:solidFill>
-            </a:endParaRPr>
-          </a:p>
-        </p:txBody>
-      </p:sp>
-      <p:cxnSp>
-        <p:nvCxnSpPr>
-          <p:cNvPr id="60" name="Straight Arrow Connector 59"/>
-          <p:cNvCxnSpPr>
-            <a:stCxn id="51" idx="1"/>
-            <a:endCxn id="49" idx="1"/>
-          </p:cNvCxnSpPr>
-          <p:nvPr/>
-        </p:nvCxnSpPr>
-        <p:spPr>
-          <a:xfrm>
-            <a:off x="4324972" y="3007222"/>
-            <a:ext cx="367678" cy="12320"/>
-          </a:xfrm>
-          <a:prstGeom prst="straightConnector1">
-            <a:avLst/>
-          </a:prstGeom>
-          <a:ln w="19050">
-            <a:solidFill>
-              <a:srgbClr val="7030A0"/>
-            </a:solidFill>
-            <a:headEnd type="none" w="med" len="med"/>
-            <a:tailEnd type="arrow" w="med" len="med"/>
-          </a:ln>
-          <a:effectLst/>
-        </p:spPr>
-        <p:style>
-          <a:lnRef idx="1">
-            <a:schemeClr val="accent2"/>
-          </a:lnRef>
-          <a:fillRef idx="2">
-            <a:schemeClr val="accent2"/>
-          </a:fillRef>
-          <a:effectRef idx="1">
-            <a:schemeClr val="accent2"/>
-          </a:effectRef>
-          <a:fontRef idx="minor">
-            <a:schemeClr val="dk1"/>
-          </a:fontRef>
-        </p:style>
-      </p:cxnSp>
-      <p:sp>
-        <p:nvSpPr>
-          <p:cNvPr id="68" name="Isosceles Triangle 102"/>
-          <p:cNvSpPr/>
-          <p:nvPr/>
-        </p:nvSpPr>
-        <p:spPr>
-          <a:xfrm rot="16200000">
-            <a:off x="2669073" y="2069158"/>
-            <a:ext cx="271014" cy="187417"/>
-          </a:xfrm>
-          <a:prstGeom prst="triangle">
-            <a:avLst>
-              <a:gd name="adj" fmla="val 44517"/>
-            </a:avLst>
-          </a:prstGeom>
-          <a:solidFill>
-            <a:schemeClr val="accent4">
-              <a:lumMod val="20000"/>
-              <a:lumOff val="80000"/>
-            </a:schemeClr>
-          </a:solidFill>
+            <a:off x="1788709" y="3234586"/>
+            <a:ext cx="236048" cy="173380"/>
+          </a:xfrm>
+          <a:prstGeom prst="flowChartDecision">
+            <a:avLst/>
+          </a:prstGeom>
+          <a:noFill/>
           <a:ln w="19050">
             <a:solidFill>
               <a:srgbClr val="7030A0"/>
@@ -5593,28 +6206,2205 @@
           <a:lstStyle/>
           <a:p>
             <a:pPr algn="ctr"/>
-            <a:endParaRPr lang="en-SG" sz="1050"/>
+            <a:endParaRPr lang="en-US" sz="1050"/>
+          </a:p>
+        </p:txBody>
+      </p:sp>
+      <p:sp>
+        <p:nvSpPr>
+          <p:cNvPr id="109" name="Flowchart: Decision 96">
+            <a:extLst>
+              <a:ext uri="{FF2B5EF4-FFF2-40B4-BE49-F238E27FC236}">
+                <a16:creationId xmlns:a16="http://schemas.microsoft.com/office/drawing/2014/main" id="{EA1F15FF-1BCD-4E19-AC2D-77927FF181E6}"/>
+              </a:ext>
+            </a:extLst>
+          </p:cNvPr>
+          <p:cNvSpPr/>
+          <p:nvPr/>
+        </p:nvSpPr>
+        <p:spPr>
+          <a:xfrm>
+            <a:off x="1786831" y="3636620"/>
+            <a:ext cx="236048" cy="173380"/>
+          </a:xfrm>
+          <a:prstGeom prst="flowChartDecision">
+            <a:avLst/>
+          </a:prstGeom>
+          <a:noFill/>
+          <a:ln w="19050">
+            <a:solidFill>
+              <a:srgbClr val="7030A0"/>
+            </a:solidFill>
+          </a:ln>
+          <a:effectLst/>
+        </p:spPr>
+        <p:style>
+          <a:lnRef idx="1">
+            <a:schemeClr val="accent6"/>
+          </a:lnRef>
+          <a:fillRef idx="2">
+            <a:schemeClr val="accent6"/>
+          </a:fillRef>
+          <a:effectRef idx="1">
+            <a:schemeClr val="accent6"/>
+          </a:effectRef>
+          <a:fontRef idx="minor">
+            <a:schemeClr val="dk1"/>
+          </a:fontRef>
+        </p:style>
+        <p:txBody>
+          <a:bodyPr rtlCol="0" anchor="ctr"/>
+          <a:lstStyle/>
+          <a:p>
+            <a:pPr algn="ctr"/>
+            <a:endParaRPr lang="en-US" sz="1050"/>
+          </a:p>
+        </p:txBody>
+      </p:sp>
+      <p:sp>
+        <p:nvSpPr>
+          <p:cNvPr id="112" name="TextBox 111">
+            <a:extLst>
+              <a:ext uri="{FF2B5EF4-FFF2-40B4-BE49-F238E27FC236}">
+                <a16:creationId xmlns:a16="http://schemas.microsoft.com/office/drawing/2014/main" id="{FC88922F-2C85-4725-BDE7-31A3267762E7}"/>
+              </a:ext>
+            </a:extLst>
+          </p:cNvPr>
+          <p:cNvSpPr txBox="1"/>
+          <p:nvPr/>
+        </p:nvSpPr>
+        <p:spPr>
+          <a:xfrm>
+            <a:off x="1961234" y="3130483"/>
+            <a:ext cx="170110" cy="137542"/>
+          </a:xfrm>
+          <a:prstGeom prst="rect">
+            <a:avLst/>
+          </a:prstGeom>
+          <a:noFill/>
+        </p:spPr>
+        <p:txBody>
+          <a:bodyPr wrap="square" lIns="0" tIns="0" rIns="0" bIns="0" rtlCol="0">
+            <a:noAutofit/>
+          </a:bodyPr>
+          <a:lstStyle/>
+          <a:p>
+            <a:pPr algn="ctr"/>
+            <a:r>
+              <a:rPr lang="en-US" sz="1100" dirty="0">
+                <a:solidFill>
+                  <a:srgbClr val="7030A0"/>
+                </a:solidFill>
+              </a:rPr>
+              <a:t>1</a:t>
+            </a:r>
+            <a:endParaRPr lang="en-SG" sz="1100" dirty="0">
+              <a:solidFill>
+                <a:srgbClr val="7030A0"/>
+              </a:solidFill>
+            </a:endParaRPr>
+          </a:p>
+        </p:txBody>
+      </p:sp>
+      <p:sp>
+        <p:nvSpPr>
+          <p:cNvPr id="113" name="TextBox 112">
+            <a:extLst>
+              <a:ext uri="{FF2B5EF4-FFF2-40B4-BE49-F238E27FC236}">
+                <a16:creationId xmlns:a16="http://schemas.microsoft.com/office/drawing/2014/main" id="{4FB2E9F6-D214-48FB-90A4-F4D366298468}"/>
+              </a:ext>
+            </a:extLst>
+          </p:cNvPr>
+          <p:cNvSpPr txBox="1"/>
+          <p:nvPr/>
+        </p:nvSpPr>
+        <p:spPr>
+          <a:xfrm>
+            <a:off x="1968621" y="3546248"/>
+            <a:ext cx="170110" cy="137542"/>
+          </a:xfrm>
+          <a:prstGeom prst="rect">
+            <a:avLst/>
+          </a:prstGeom>
+          <a:noFill/>
+        </p:spPr>
+        <p:txBody>
+          <a:bodyPr wrap="square" lIns="0" tIns="0" rIns="0" bIns="0" rtlCol="0">
+            <a:noAutofit/>
+          </a:bodyPr>
+          <a:lstStyle/>
+          <a:p>
+            <a:pPr algn="ctr"/>
+            <a:r>
+              <a:rPr lang="en-US" sz="1100" dirty="0">
+                <a:solidFill>
+                  <a:srgbClr val="7030A0"/>
+                </a:solidFill>
+              </a:rPr>
+              <a:t>1</a:t>
+            </a:r>
+            <a:endParaRPr lang="en-SG" sz="1100" dirty="0">
+              <a:solidFill>
+                <a:srgbClr val="7030A0"/>
+              </a:solidFill>
+            </a:endParaRPr>
           </a:p>
         </p:txBody>
       </p:sp>
       <p:cxnSp>
         <p:nvCxnSpPr>
-          <p:cNvPr id="69" name="Elbow Connector 63"/>
+          <p:cNvPr id="115" name="Elbow Connector 78">
+            <a:extLst>
+              <a:ext uri="{FF2B5EF4-FFF2-40B4-BE49-F238E27FC236}">
+                <a16:creationId xmlns:a16="http://schemas.microsoft.com/office/drawing/2014/main" id="{A923A9B2-381D-40CB-933E-EB7C99F8D560}"/>
+              </a:ext>
+            </a:extLst>
+          </p:cNvPr>
           <p:cNvCxnSpPr>
-            <a:stCxn id="68" idx="3"/>
-            <a:endCxn id="55" idx="1"/>
+            <a:cxnSpLocks/>
+            <a:endCxn id="62" idx="1"/>
           </p:cNvCxnSpPr>
           <p:nvPr/>
         </p:nvCxnSpPr>
         <p:spPr>
           <a:xfrm>
-            <a:off x="2898289" y="2177727"/>
-            <a:ext cx="271892" cy="2821"/>
+            <a:off x="3622614" y="3381326"/>
+            <a:ext cx="2166554" cy="75051"/>
+          </a:xfrm>
+          <a:prstGeom prst="bentConnector3">
+            <a:avLst>
+              <a:gd name="adj1" fmla="val 50879"/>
+            </a:avLst>
+          </a:prstGeom>
+          <a:ln w="19050">
+            <a:solidFill>
+              <a:srgbClr val="7030A0"/>
+            </a:solidFill>
+            <a:headEnd type="none" w="med" len="med"/>
+            <a:tailEnd type="arrow" w="med" len="med"/>
+          </a:ln>
+          <a:effectLst/>
+        </p:spPr>
+        <p:style>
+          <a:lnRef idx="1">
+            <a:schemeClr val="accent2"/>
+          </a:lnRef>
+          <a:fillRef idx="2">
+            <a:schemeClr val="accent2"/>
+          </a:fillRef>
+          <a:effectRef idx="1">
+            <a:schemeClr val="accent2"/>
+          </a:effectRef>
+          <a:fontRef idx="minor">
+            <a:schemeClr val="dk1"/>
+          </a:fontRef>
+        </p:style>
+      </p:cxnSp>
+      <p:sp>
+        <p:nvSpPr>
+          <p:cNvPr id="125" name="Flowchart: Decision 96">
+            <a:extLst>
+              <a:ext uri="{FF2B5EF4-FFF2-40B4-BE49-F238E27FC236}">
+                <a16:creationId xmlns:a16="http://schemas.microsoft.com/office/drawing/2014/main" id="{E7B42189-2F95-4CA0-8BC0-A254766757FA}"/>
+              </a:ext>
+            </a:extLst>
+          </p:cNvPr>
+          <p:cNvSpPr/>
+          <p:nvPr/>
+        </p:nvSpPr>
+        <p:spPr>
+          <a:xfrm>
+            <a:off x="3393954" y="3285394"/>
+            <a:ext cx="236048" cy="173380"/>
+          </a:xfrm>
+          <a:prstGeom prst="flowChartDecision">
+            <a:avLst/>
+          </a:prstGeom>
+          <a:noFill/>
+          <a:ln w="19050">
+            <a:solidFill>
+              <a:srgbClr val="7030A0"/>
+            </a:solidFill>
+          </a:ln>
+          <a:effectLst/>
+        </p:spPr>
+        <p:style>
+          <a:lnRef idx="1">
+            <a:schemeClr val="accent6"/>
+          </a:lnRef>
+          <a:fillRef idx="2">
+            <a:schemeClr val="accent6"/>
+          </a:fillRef>
+          <a:effectRef idx="1">
+            <a:schemeClr val="accent6"/>
+          </a:effectRef>
+          <a:fontRef idx="minor">
+            <a:schemeClr val="dk1"/>
+          </a:fontRef>
+        </p:style>
+        <p:txBody>
+          <a:bodyPr rtlCol="0" anchor="ctr"/>
+          <a:lstStyle/>
+          <a:p>
+            <a:pPr algn="ctr"/>
+            <a:endParaRPr lang="en-US" sz="1050"/>
+          </a:p>
+        </p:txBody>
+      </p:sp>
+      <p:sp>
+        <p:nvSpPr>
+          <p:cNvPr id="127" name="Rectangle 8">
+            <a:extLst>
+              <a:ext uri="{FF2B5EF4-FFF2-40B4-BE49-F238E27FC236}">
+                <a16:creationId xmlns:a16="http://schemas.microsoft.com/office/drawing/2014/main" id="{AB78B351-E7FC-4074-BFE3-E86A2B4654D9}"/>
+              </a:ext>
+            </a:extLst>
+          </p:cNvPr>
+          <p:cNvSpPr/>
+          <p:nvPr/>
+        </p:nvSpPr>
+        <p:spPr>
+          <a:xfrm>
+            <a:off x="4357934" y="2264417"/>
+            <a:ext cx="1156969" cy="346760"/>
+          </a:xfrm>
+          <a:prstGeom prst="rect">
+            <a:avLst/>
+          </a:prstGeom>
+          <a:ln w="19050">
+            <a:solidFill>
+              <a:srgbClr val="7030A0"/>
+            </a:solidFill>
+          </a:ln>
+          <a:effectLst/>
+        </p:spPr>
+        <p:style>
+          <a:lnRef idx="1">
+            <a:schemeClr val="accent4"/>
+          </a:lnRef>
+          <a:fillRef idx="2">
+            <a:schemeClr val="accent4"/>
+          </a:fillRef>
+          <a:effectRef idx="1">
+            <a:schemeClr val="accent4"/>
+          </a:effectRef>
+          <a:fontRef idx="minor">
+            <a:schemeClr val="dk1"/>
+          </a:fontRef>
+        </p:style>
+        <p:txBody>
+          <a:bodyPr rtlCol="0" anchor="ctr"/>
+          <a:lstStyle/>
+          <a:p>
+            <a:pPr algn="ctr"/>
+            <a:r>
+              <a:rPr lang="en-US" sz="1050" dirty="0" err="1">
+                <a:solidFill>
+                  <a:srgbClr val="7030A0"/>
+                </a:solidFill>
+              </a:rPr>
+              <a:t>PatientList</a:t>
+            </a:r>
+            <a:endParaRPr lang="en-SG" sz="1050" dirty="0">
+              <a:solidFill>
+                <a:srgbClr val="7030A0"/>
+              </a:solidFill>
+            </a:endParaRPr>
+          </a:p>
+        </p:txBody>
+      </p:sp>
+      <p:cxnSp>
+        <p:nvCxnSpPr>
+          <p:cNvPr id="128" name="Elbow Connector 78">
+            <a:extLst>
+              <a:ext uri="{FF2B5EF4-FFF2-40B4-BE49-F238E27FC236}">
+                <a16:creationId xmlns:a16="http://schemas.microsoft.com/office/drawing/2014/main" id="{AC6260C2-EDE3-4B4F-9F94-CC5D4B96EDBC}"/>
+              </a:ext>
+            </a:extLst>
+          </p:cNvPr>
+          <p:cNvCxnSpPr>
+            <a:cxnSpLocks/>
+            <a:endCxn id="127" idx="1"/>
+          </p:cNvCxnSpPr>
+          <p:nvPr/>
+        </p:nvCxnSpPr>
+        <p:spPr>
+          <a:xfrm rot="5400000" flipH="1" flipV="1">
+            <a:off x="3941534" y="2497608"/>
+            <a:ext cx="476211" cy="356590"/>
+          </a:xfrm>
+          <a:prstGeom prst="bentConnector2">
+            <a:avLst/>
+          </a:prstGeom>
+          <a:ln w="19050">
+            <a:solidFill>
+              <a:srgbClr val="7030A0"/>
+            </a:solidFill>
+            <a:headEnd type="none" w="med" len="med"/>
+            <a:tailEnd type="arrow" w="med" len="med"/>
+          </a:ln>
+          <a:effectLst/>
+        </p:spPr>
+        <p:style>
+          <a:lnRef idx="1">
+            <a:schemeClr val="accent2"/>
+          </a:lnRef>
+          <a:fillRef idx="2">
+            <a:schemeClr val="accent2"/>
+          </a:fillRef>
+          <a:effectRef idx="1">
+            <a:schemeClr val="accent2"/>
+          </a:effectRef>
+          <a:fontRef idx="minor">
+            <a:schemeClr val="dk1"/>
+          </a:fontRef>
+        </p:style>
+      </p:cxnSp>
+      <p:cxnSp>
+        <p:nvCxnSpPr>
+          <p:cNvPr id="147" name="Straight Arrow Connector 146">
+            <a:extLst>
+              <a:ext uri="{FF2B5EF4-FFF2-40B4-BE49-F238E27FC236}">
+                <a16:creationId xmlns:a16="http://schemas.microsoft.com/office/drawing/2014/main" id="{0B11933D-D195-4641-B7C8-D813BD21D2F6}"/>
+              </a:ext>
+            </a:extLst>
+          </p:cNvPr>
+          <p:cNvCxnSpPr>
+            <a:cxnSpLocks/>
+            <a:stCxn id="108" idx="3"/>
+            <a:endCxn id="49" idx="1"/>
+          </p:cNvCxnSpPr>
+          <p:nvPr/>
+        </p:nvCxnSpPr>
+        <p:spPr>
+          <a:xfrm flipV="1">
+            <a:off x="2024757" y="3315458"/>
+            <a:ext cx="201470" cy="5818"/>
+          </a:xfrm>
+          <a:prstGeom prst="straightConnector1">
+            <a:avLst/>
+          </a:prstGeom>
+          <a:ln w="19050">
+            <a:solidFill>
+              <a:srgbClr val="7030A0"/>
+            </a:solidFill>
+            <a:headEnd type="none" w="med" len="med"/>
+            <a:tailEnd type="arrow" w="med" len="med"/>
+          </a:ln>
+          <a:effectLst/>
+        </p:spPr>
+        <p:style>
+          <a:lnRef idx="1">
+            <a:schemeClr val="accent2"/>
+          </a:lnRef>
+          <a:fillRef idx="2">
+            <a:schemeClr val="accent2"/>
+          </a:fillRef>
+          <a:effectRef idx="1">
+            <a:schemeClr val="accent2"/>
+          </a:effectRef>
+          <a:fontRef idx="minor">
+            <a:schemeClr val="dk1"/>
+          </a:fontRef>
+        </p:style>
+      </p:cxnSp>
+      <p:cxnSp>
+        <p:nvCxnSpPr>
+          <p:cNvPr id="152" name="Straight Arrow Connector 151">
+            <a:extLst>
+              <a:ext uri="{FF2B5EF4-FFF2-40B4-BE49-F238E27FC236}">
+                <a16:creationId xmlns:a16="http://schemas.microsoft.com/office/drawing/2014/main" id="{DA772207-BF53-4C4D-BF5D-5E3258EED93A}"/>
+              </a:ext>
+            </a:extLst>
+          </p:cNvPr>
+          <p:cNvCxnSpPr>
+            <a:cxnSpLocks/>
+          </p:cNvCxnSpPr>
+          <p:nvPr/>
+        </p:nvCxnSpPr>
+        <p:spPr>
+          <a:xfrm flipV="1">
+            <a:off x="2022879" y="3724441"/>
+            <a:ext cx="195988" cy="9359"/>
+          </a:xfrm>
+          <a:prstGeom prst="straightConnector1">
+            <a:avLst/>
+          </a:prstGeom>
+          <a:ln w="19050">
+            <a:solidFill>
+              <a:srgbClr val="7030A0"/>
+            </a:solidFill>
+            <a:headEnd type="none" w="med" len="med"/>
+            <a:tailEnd type="arrow" w="med" len="med"/>
+          </a:ln>
+          <a:effectLst/>
+        </p:spPr>
+        <p:style>
+          <a:lnRef idx="1">
+            <a:schemeClr val="accent2"/>
+          </a:lnRef>
+          <a:fillRef idx="2">
+            <a:schemeClr val="accent2"/>
+          </a:fillRef>
+          <a:effectRef idx="1">
+            <a:schemeClr val="accent2"/>
+          </a:effectRef>
+          <a:fontRef idx="minor">
+            <a:schemeClr val="dk1"/>
+          </a:fontRef>
+        </p:style>
+      </p:cxnSp>
+      <p:sp>
+        <p:nvSpPr>
+          <p:cNvPr id="154" name="Flowchart: Decision 96">
+            <a:extLst>
+              <a:ext uri="{FF2B5EF4-FFF2-40B4-BE49-F238E27FC236}">
+                <a16:creationId xmlns:a16="http://schemas.microsoft.com/office/drawing/2014/main" id="{9018B64A-5D8F-46B1-A200-1803F534866C}"/>
+              </a:ext>
+            </a:extLst>
+          </p:cNvPr>
+          <p:cNvSpPr/>
+          <p:nvPr/>
+        </p:nvSpPr>
+        <p:spPr>
+          <a:xfrm>
+            <a:off x="5502869" y="1950980"/>
+            <a:ext cx="236048" cy="173380"/>
+          </a:xfrm>
+          <a:prstGeom prst="flowChartDecision">
+            <a:avLst/>
+          </a:prstGeom>
+          <a:solidFill>
+            <a:srgbClr val="7030A0"/>
+          </a:solidFill>
+          <a:ln w="19050">
+            <a:solidFill>
+              <a:srgbClr val="7030A0"/>
+            </a:solidFill>
+          </a:ln>
+          <a:effectLst/>
+        </p:spPr>
+        <p:style>
+          <a:lnRef idx="1">
+            <a:schemeClr val="accent6"/>
+          </a:lnRef>
+          <a:fillRef idx="2">
+            <a:schemeClr val="accent6"/>
+          </a:fillRef>
+          <a:effectRef idx="1">
+            <a:schemeClr val="accent6"/>
+          </a:effectRef>
+          <a:fontRef idx="minor">
+            <a:schemeClr val="dk1"/>
+          </a:fontRef>
+        </p:style>
+        <p:txBody>
+          <a:bodyPr rtlCol="0" anchor="ctr"/>
+          <a:lstStyle/>
+          <a:p>
+            <a:pPr algn="ctr"/>
+            <a:endParaRPr lang="en-US" sz="1050"/>
+          </a:p>
+        </p:txBody>
+      </p:sp>
+      <p:cxnSp>
+        <p:nvCxnSpPr>
+          <p:cNvPr id="155" name="Elbow Connector 78">
+            <a:extLst>
+              <a:ext uri="{FF2B5EF4-FFF2-40B4-BE49-F238E27FC236}">
+                <a16:creationId xmlns:a16="http://schemas.microsoft.com/office/drawing/2014/main" id="{DB7C5D77-6866-49B6-9257-0162E31348F7}"/>
+              </a:ext>
+            </a:extLst>
+          </p:cNvPr>
+          <p:cNvCxnSpPr>
+            <a:cxnSpLocks/>
+            <a:stCxn id="154" idx="3"/>
+            <a:endCxn id="192" idx="1"/>
+          </p:cNvCxnSpPr>
+          <p:nvPr/>
+        </p:nvCxnSpPr>
+        <p:spPr>
+          <a:xfrm flipV="1">
+            <a:off x="5738917" y="1956546"/>
+            <a:ext cx="563297" cy="81124"/>
           </a:xfrm>
           <a:prstGeom prst="bentConnector3">
             <a:avLst>
               <a:gd name="adj1" fmla="val 50000"/>
             </a:avLst>
+          </a:prstGeom>
+          <a:ln w="19050">
+            <a:solidFill>
+              <a:srgbClr val="7030A0"/>
+            </a:solidFill>
+            <a:headEnd type="none" w="med" len="med"/>
+            <a:tailEnd type="arrow" w="med" len="med"/>
+          </a:ln>
+          <a:effectLst/>
+        </p:spPr>
+        <p:style>
+          <a:lnRef idx="1">
+            <a:schemeClr val="accent2"/>
+          </a:lnRef>
+          <a:fillRef idx="2">
+            <a:schemeClr val="accent2"/>
+          </a:fillRef>
+          <a:effectRef idx="1">
+            <a:schemeClr val="accent2"/>
+          </a:effectRef>
+          <a:fontRef idx="minor">
+            <a:schemeClr val="dk1"/>
+          </a:fontRef>
+        </p:style>
+      </p:cxnSp>
+      <p:sp>
+        <p:nvSpPr>
+          <p:cNvPr id="181" name="Flowchart: Decision 96">
+            <a:extLst>
+              <a:ext uri="{FF2B5EF4-FFF2-40B4-BE49-F238E27FC236}">
+                <a16:creationId xmlns:a16="http://schemas.microsoft.com/office/drawing/2014/main" id="{4B5108ED-96BD-491B-913B-5B375DD54292}"/>
+              </a:ext>
+            </a:extLst>
+          </p:cNvPr>
+          <p:cNvSpPr/>
+          <p:nvPr/>
+        </p:nvSpPr>
+        <p:spPr>
+          <a:xfrm>
+            <a:off x="5530124" y="2362746"/>
+            <a:ext cx="236048" cy="173380"/>
+          </a:xfrm>
+          <a:prstGeom prst="flowChartDecision">
+            <a:avLst/>
+          </a:prstGeom>
+          <a:solidFill>
+            <a:srgbClr val="7030A0"/>
+          </a:solidFill>
+          <a:ln w="19050">
+            <a:solidFill>
+              <a:srgbClr val="7030A0"/>
+            </a:solidFill>
+          </a:ln>
+          <a:effectLst/>
+        </p:spPr>
+        <p:style>
+          <a:lnRef idx="1">
+            <a:schemeClr val="accent6"/>
+          </a:lnRef>
+          <a:fillRef idx="2">
+            <a:schemeClr val="accent6"/>
+          </a:fillRef>
+          <a:effectRef idx="1">
+            <a:schemeClr val="accent6"/>
+          </a:effectRef>
+          <a:fontRef idx="minor">
+            <a:schemeClr val="dk1"/>
+          </a:fontRef>
+        </p:style>
+        <p:txBody>
+          <a:bodyPr rtlCol="0" anchor="ctr"/>
+          <a:lstStyle/>
+          <a:p>
+            <a:pPr algn="ctr"/>
+            <a:endParaRPr lang="en-US" sz="1050"/>
+          </a:p>
+        </p:txBody>
+      </p:sp>
+      <p:cxnSp>
+        <p:nvCxnSpPr>
+          <p:cNvPr id="182" name="Elbow Connector 78">
+            <a:extLst>
+              <a:ext uri="{FF2B5EF4-FFF2-40B4-BE49-F238E27FC236}">
+                <a16:creationId xmlns:a16="http://schemas.microsoft.com/office/drawing/2014/main" id="{7B3CB8AB-52B8-48BA-9856-4B0CC576A1C4}"/>
+              </a:ext>
+            </a:extLst>
+          </p:cNvPr>
+          <p:cNvCxnSpPr>
+            <a:cxnSpLocks/>
+          </p:cNvCxnSpPr>
+          <p:nvPr/>
+        </p:nvCxnSpPr>
+        <p:spPr>
+          <a:xfrm rot="16200000" flipH="1">
+            <a:off x="5529194" y="2685559"/>
+            <a:ext cx="837720" cy="343404"/>
+          </a:xfrm>
+          <a:prstGeom prst="bentConnector3">
+            <a:avLst>
+              <a:gd name="adj1" fmla="val 881"/>
+            </a:avLst>
+          </a:prstGeom>
+          <a:ln w="19050">
+            <a:solidFill>
+              <a:srgbClr val="7030A0"/>
+            </a:solidFill>
+            <a:headEnd type="none" w="med" len="med"/>
+            <a:tailEnd type="arrow" w="med" len="med"/>
+          </a:ln>
+          <a:effectLst/>
+        </p:spPr>
+        <p:style>
+          <a:lnRef idx="1">
+            <a:schemeClr val="accent2"/>
+          </a:lnRef>
+          <a:fillRef idx="2">
+            <a:schemeClr val="accent2"/>
+          </a:fillRef>
+          <a:effectRef idx="1">
+            <a:schemeClr val="accent2"/>
+          </a:effectRef>
+          <a:fontRef idx="minor">
+            <a:schemeClr val="dk1"/>
+          </a:fontRef>
+        </p:style>
+      </p:cxnSp>
+      <p:sp>
+        <p:nvSpPr>
+          <p:cNvPr id="192" name="Rectangle 8">
+            <a:extLst>
+              <a:ext uri="{FF2B5EF4-FFF2-40B4-BE49-F238E27FC236}">
+                <a16:creationId xmlns:a16="http://schemas.microsoft.com/office/drawing/2014/main" id="{521F3200-AD4C-4589-B260-5E78C6E6114E}"/>
+              </a:ext>
+            </a:extLst>
+          </p:cNvPr>
+          <p:cNvSpPr/>
+          <p:nvPr/>
+        </p:nvSpPr>
+        <p:spPr>
+          <a:xfrm>
+            <a:off x="6302214" y="1783166"/>
+            <a:ext cx="708186" cy="346760"/>
+          </a:xfrm>
+          <a:prstGeom prst="rect">
+            <a:avLst/>
+          </a:prstGeom>
+          <a:ln w="19050">
+            <a:solidFill>
+              <a:srgbClr val="7030A0"/>
+            </a:solidFill>
+          </a:ln>
+          <a:effectLst/>
+        </p:spPr>
+        <p:style>
+          <a:lnRef idx="1">
+            <a:schemeClr val="accent4"/>
+          </a:lnRef>
+          <a:fillRef idx="2">
+            <a:schemeClr val="accent4"/>
+          </a:fillRef>
+          <a:effectRef idx="1">
+            <a:schemeClr val="accent4"/>
+          </a:effectRef>
+          <a:fontRef idx="minor">
+            <a:schemeClr val="dk1"/>
+          </a:fontRef>
+        </p:style>
+        <p:txBody>
+          <a:bodyPr rtlCol="0" anchor="ctr"/>
+          <a:lstStyle/>
+          <a:p>
+            <a:pPr algn="ctr"/>
+            <a:r>
+              <a:rPr lang="en-US" sz="1050" dirty="0">
+                <a:solidFill>
+                  <a:srgbClr val="7030A0"/>
+                </a:solidFill>
+              </a:rPr>
+              <a:t>Doctor</a:t>
+            </a:r>
+            <a:endParaRPr lang="en-SG" sz="1050" dirty="0">
+              <a:solidFill>
+                <a:srgbClr val="7030A0"/>
+              </a:solidFill>
+            </a:endParaRPr>
+          </a:p>
+        </p:txBody>
+      </p:sp>
+      <p:sp>
+        <p:nvSpPr>
+          <p:cNvPr id="194" name="Rectangle 8">
+            <a:extLst>
+              <a:ext uri="{FF2B5EF4-FFF2-40B4-BE49-F238E27FC236}">
+                <a16:creationId xmlns:a16="http://schemas.microsoft.com/office/drawing/2014/main" id="{C22B7A68-EABA-442A-9CEF-5EA0A3F4616F}"/>
+              </a:ext>
+            </a:extLst>
+          </p:cNvPr>
+          <p:cNvSpPr/>
+          <p:nvPr/>
+        </p:nvSpPr>
+        <p:spPr>
+          <a:xfrm>
+            <a:off x="4379798" y="952976"/>
+            <a:ext cx="1106602" cy="346760"/>
+          </a:xfrm>
+          <a:prstGeom prst="rect">
+            <a:avLst/>
+          </a:prstGeom>
+          <a:ln w="19050">
+            <a:solidFill>
+              <a:srgbClr val="7030A0"/>
+            </a:solidFill>
+          </a:ln>
+          <a:effectLst/>
+        </p:spPr>
+        <p:style>
+          <a:lnRef idx="1">
+            <a:schemeClr val="accent4"/>
+          </a:lnRef>
+          <a:fillRef idx="2">
+            <a:schemeClr val="accent4"/>
+          </a:fillRef>
+          <a:effectRef idx="1">
+            <a:schemeClr val="accent4"/>
+          </a:effectRef>
+          <a:fontRef idx="minor">
+            <a:schemeClr val="dk1"/>
+          </a:fontRef>
+        </p:style>
+        <p:txBody>
+          <a:bodyPr rtlCol="0" anchor="ctr"/>
+          <a:lstStyle/>
+          <a:p>
+            <a:pPr algn="ctr"/>
+            <a:r>
+              <a:rPr lang="en-US" sz="1050" dirty="0" err="1">
+                <a:solidFill>
+                  <a:srgbClr val="7030A0"/>
+                </a:solidFill>
+              </a:rPr>
+              <a:t>ConsultationList</a:t>
+            </a:r>
+            <a:endParaRPr lang="en-SG" sz="1050" dirty="0">
+              <a:solidFill>
+                <a:srgbClr val="7030A0"/>
+              </a:solidFill>
+            </a:endParaRPr>
+          </a:p>
+        </p:txBody>
+      </p:sp>
+      <p:cxnSp>
+        <p:nvCxnSpPr>
+          <p:cNvPr id="195" name="Elbow Connector 78">
+            <a:extLst>
+              <a:ext uri="{FF2B5EF4-FFF2-40B4-BE49-F238E27FC236}">
+                <a16:creationId xmlns:a16="http://schemas.microsoft.com/office/drawing/2014/main" id="{0E9A400E-272D-4960-BE0D-FEBBF4453F55}"/>
+              </a:ext>
+            </a:extLst>
+          </p:cNvPr>
+          <p:cNvCxnSpPr>
+            <a:cxnSpLocks/>
+            <a:endCxn id="92" idx="1"/>
+          </p:cNvCxnSpPr>
+          <p:nvPr/>
+        </p:nvCxnSpPr>
+        <p:spPr>
+          <a:xfrm rot="5400000" flipH="1" flipV="1">
+            <a:off x="3502738" y="2042320"/>
+            <a:ext cx="1357320" cy="381559"/>
+          </a:xfrm>
+          <a:prstGeom prst="bentConnector2">
+            <a:avLst/>
+          </a:prstGeom>
+          <a:ln w="19050">
+            <a:solidFill>
+              <a:srgbClr val="7030A0"/>
+            </a:solidFill>
+            <a:headEnd type="none" w="med" len="med"/>
+            <a:tailEnd type="arrow" w="med" len="med"/>
+          </a:ln>
+          <a:effectLst/>
+        </p:spPr>
+        <p:style>
+          <a:lnRef idx="1">
+            <a:schemeClr val="accent2"/>
+          </a:lnRef>
+          <a:fillRef idx="2">
+            <a:schemeClr val="accent2"/>
+          </a:fillRef>
+          <a:effectRef idx="1">
+            <a:schemeClr val="accent2"/>
+          </a:effectRef>
+          <a:fontRef idx="minor">
+            <a:schemeClr val="dk1"/>
+          </a:fontRef>
+        </p:style>
+      </p:cxnSp>
+      <p:cxnSp>
+        <p:nvCxnSpPr>
+          <p:cNvPr id="199" name="Elbow Connector 78">
+            <a:extLst>
+              <a:ext uri="{FF2B5EF4-FFF2-40B4-BE49-F238E27FC236}">
+                <a16:creationId xmlns:a16="http://schemas.microsoft.com/office/drawing/2014/main" id="{6B1FE8C5-A9AA-489C-A6A0-A0404FBF5C35}"/>
+              </a:ext>
+            </a:extLst>
+          </p:cNvPr>
+          <p:cNvCxnSpPr>
+            <a:cxnSpLocks/>
+            <a:endCxn id="194" idx="1"/>
+          </p:cNvCxnSpPr>
+          <p:nvPr/>
+        </p:nvCxnSpPr>
+        <p:spPr>
+          <a:xfrm rot="5400000" flipH="1" flipV="1">
+            <a:off x="3284196" y="1830362"/>
+            <a:ext cx="1799608" cy="391596"/>
+          </a:xfrm>
+          <a:prstGeom prst="bentConnector2">
+            <a:avLst/>
+          </a:prstGeom>
+          <a:ln w="19050">
+            <a:solidFill>
+              <a:srgbClr val="7030A0"/>
+            </a:solidFill>
+            <a:headEnd type="none" w="med" len="med"/>
+            <a:tailEnd type="arrow" w="med" len="med"/>
+          </a:ln>
+          <a:effectLst/>
+        </p:spPr>
+        <p:style>
+          <a:lnRef idx="1">
+            <a:schemeClr val="accent2"/>
+          </a:lnRef>
+          <a:fillRef idx="2">
+            <a:schemeClr val="accent2"/>
+          </a:fillRef>
+          <a:effectRef idx="1">
+            <a:schemeClr val="accent2"/>
+          </a:effectRef>
+          <a:fontRef idx="minor">
+            <a:schemeClr val="dk1"/>
+          </a:fontRef>
+        </p:style>
+      </p:cxnSp>
+      <p:sp>
+        <p:nvSpPr>
+          <p:cNvPr id="202" name="Rectangle 8">
+            <a:extLst>
+              <a:ext uri="{FF2B5EF4-FFF2-40B4-BE49-F238E27FC236}">
+                <a16:creationId xmlns:a16="http://schemas.microsoft.com/office/drawing/2014/main" id="{208CA26C-2BD0-42A0-AB4D-02F5B0DB2761}"/>
+              </a:ext>
+            </a:extLst>
+          </p:cNvPr>
+          <p:cNvSpPr/>
+          <p:nvPr/>
+        </p:nvSpPr>
+        <p:spPr>
+          <a:xfrm>
+            <a:off x="2213115" y="3979421"/>
+            <a:ext cx="1180317" cy="346760"/>
+          </a:xfrm>
+          <a:prstGeom prst="rect">
+            <a:avLst/>
+          </a:prstGeom>
+          <a:ln w="19050">
+            <a:solidFill>
+              <a:srgbClr val="7030A0"/>
+            </a:solidFill>
+          </a:ln>
+          <a:effectLst/>
+        </p:spPr>
+        <p:style>
+          <a:lnRef idx="1">
+            <a:schemeClr val="accent4"/>
+          </a:lnRef>
+          <a:fillRef idx="2">
+            <a:schemeClr val="accent4"/>
+          </a:fillRef>
+          <a:effectRef idx="1">
+            <a:schemeClr val="accent4"/>
+          </a:effectRef>
+          <a:fontRef idx="minor">
+            <a:schemeClr val="dk1"/>
+          </a:fontRef>
+        </p:style>
+        <p:txBody>
+          <a:bodyPr rtlCol="0" anchor="ctr"/>
+          <a:lstStyle/>
+          <a:p>
+            <a:pPr algn="ctr"/>
+            <a:r>
+              <a:rPr lang="en-US" sz="1050" dirty="0">
+                <a:solidFill>
+                  <a:srgbClr val="7030A0"/>
+                </a:solidFill>
+              </a:rPr>
+              <a:t>Shift</a:t>
+            </a:r>
+            <a:endParaRPr lang="en-SG" sz="1050" dirty="0">
+              <a:solidFill>
+                <a:srgbClr val="7030A0"/>
+              </a:solidFill>
+            </a:endParaRPr>
+          </a:p>
+        </p:txBody>
+      </p:sp>
+      <p:sp>
+        <p:nvSpPr>
+          <p:cNvPr id="204" name="Flowchart: Decision 96">
+            <a:extLst>
+              <a:ext uri="{FF2B5EF4-FFF2-40B4-BE49-F238E27FC236}">
+                <a16:creationId xmlns:a16="http://schemas.microsoft.com/office/drawing/2014/main" id="{A426B520-764B-4BD1-9C6D-0DC7B1DCA620}"/>
+              </a:ext>
+            </a:extLst>
+          </p:cNvPr>
+          <p:cNvSpPr/>
+          <p:nvPr/>
+        </p:nvSpPr>
+        <p:spPr>
+          <a:xfrm>
+            <a:off x="1794003" y="4038600"/>
+            <a:ext cx="236048" cy="173380"/>
+          </a:xfrm>
+          <a:prstGeom prst="flowChartDecision">
+            <a:avLst/>
+          </a:prstGeom>
+          <a:noFill/>
+          <a:ln w="19050">
+            <a:solidFill>
+              <a:srgbClr val="7030A0"/>
+            </a:solidFill>
+          </a:ln>
+          <a:effectLst/>
+        </p:spPr>
+        <p:style>
+          <a:lnRef idx="1">
+            <a:schemeClr val="accent6"/>
+          </a:lnRef>
+          <a:fillRef idx="2">
+            <a:schemeClr val="accent6"/>
+          </a:fillRef>
+          <a:effectRef idx="1">
+            <a:schemeClr val="accent6"/>
+          </a:effectRef>
+          <a:fontRef idx="minor">
+            <a:schemeClr val="dk1"/>
+          </a:fontRef>
+        </p:style>
+        <p:txBody>
+          <a:bodyPr rtlCol="0" anchor="ctr"/>
+          <a:lstStyle/>
+          <a:p>
+            <a:pPr algn="ctr"/>
+            <a:endParaRPr lang="en-US" sz="1050"/>
+          </a:p>
+        </p:txBody>
+      </p:sp>
+      <p:sp>
+        <p:nvSpPr>
+          <p:cNvPr id="207" name="Rectangle 8">
+            <a:extLst>
+              <a:ext uri="{FF2B5EF4-FFF2-40B4-BE49-F238E27FC236}">
+                <a16:creationId xmlns:a16="http://schemas.microsoft.com/office/drawing/2014/main" id="{4C9623BB-9736-422F-AA1C-51D14D4BFEB6}"/>
+              </a:ext>
+            </a:extLst>
+          </p:cNvPr>
+          <p:cNvSpPr/>
+          <p:nvPr/>
+        </p:nvSpPr>
+        <p:spPr>
+          <a:xfrm>
+            <a:off x="6048386" y="1297437"/>
+            <a:ext cx="956203" cy="346760"/>
+          </a:xfrm>
+          <a:prstGeom prst="rect">
+            <a:avLst/>
+          </a:prstGeom>
+          <a:ln w="19050">
+            <a:solidFill>
+              <a:srgbClr val="7030A0"/>
+            </a:solidFill>
+          </a:ln>
+          <a:effectLst/>
+        </p:spPr>
+        <p:style>
+          <a:lnRef idx="1">
+            <a:schemeClr val="accent4"/>
+          </a:lnRef>
+          <a:fillRef idx="2">
+            <a:schemeClr val="accent4"/>
+          </a:fillRef>
+          <a:effectRef idx="1">
+            <a:schemeClr val="accent4"/>
+          </a:effectRef>
+          <a:fontRef idx="minor">
+            <a:schemeClr val="dk1"/>
+          </a:fontRef>
+        </p:style>
+        <p:txBody>
+          <a:bodyPr rtlCol="0" anchor="ctr"/>
+          <a:lstStyle/>
+          <a:p>
+            <a:pPr algn="ctr"/>
+            <a:r>
+              <a:rPr lang="en-US" sz="1050" dirty="0">
+                <a:solidFill>
+                  <a:srgbClr val="7030A0"/>
+                </a:solidFill>
+              </a:rPr>
+              <a:t>Appointment</a:t>
+            </a:r>
+            <a:endParaRPr lang="en-SG" sz="1050" dirty="0">
+              <a:solidFill>
+                <a:srgbClr val="7030A0"/>
+              </a:solidFill>
+            </a:endParaRPr>
+          </a:p>
+        </p:txBody>
+      </p:sp>
+      <p:sp>
+        <p:nvSpPr>
+          <p:cNvPr id="209" name="Flowchart: Decision 96">
+            <a:extLst>
+              <a:ext uri="{FF2B5EF4-FFF2-40B4-BE49-F238E27FC236}">
+                <a16:creationId xmlns:a16="http://schemas.microsoft.com/office/drawing/2014/main" id="{27657C4F-E6E5-4B86-94C1-4AFA3C971371}"/>
+              </a:ext>
+            </a:extLst>
+          </p:cNvPr>
+          <p:cNvSpPr/>
+          <p:nvPr/>
+        </p:nvSpPr>
+        <p:spPr>
+          <a:xfrm>
+            <a:off x="5486400" y="1474638"/>
+            <a:ext cx="236048" cy="173380"/>
+          </a:xfrm>
+          <a:prstGeom prst="flowChartDecision">
+            <a:avLst/>
+          </a:prstGeom>
+          <a:solidFill>
+            <a:srgbClr val="7030A0"/>
+          </a:solidFill>
+          <a:ln w="19050">
+            <a:solidFill>
+              <a:srgbClr val="7030A0"/>
+            </a:solidFill>
+          </a:ln>
+          <a:effectLst/>
+        </p:spPr>
+        <p:style>
+          <a:lnRef idx="1">
+            <a:schemeClr val="accent6"/>
+          </a:lnRef>
+          <a:fillRef idx="2">
+            <a:schemeClr val="accent6"/>
+          </a:fillRef>
+          <a:effectRef idx="1">
+            <a:schemeClr val="accent6"/>
+          </a:effectRef>
+          <a:fontRef idx="minor">
+            <a:schemeClr val="dk1"/>
+          </a:fontRef>
+        </p:style>
+        <p:txBody>
+          <a:bodyPr rtlCol="0" anchor="ctr"/>
+          <a:lstStyle/>
+          <a:p>
+            <a:pPr algn="ctr"/>
+            <a:endParaRPr lang="en-US" sz="1050"/>
+          </a:p>
+        </p:txBody>
+      </p:sp>
+      <p:cxnSp>
+        <p:nvCxnSpPr>
+          <p:cNvPr id="210" name="Elbow Connector 78">
+            <a:extLst>
+              <a:ext uri="{FF2B5EF4-FFF2-40B4-BE49-F238E27FC236}">
+                <a16:creationId xmlns:a16="http://schemas.microsoft.com/office/drawing/2014/main" id="{116B59B5-AE3E-4CBB-8BA3-F5057E079D3D}"/>
+              </a:ext>
+            </a:extLst>
+          </p:cNvPr>
+          <p:cNvCxnSpPr>
+            <a:cxnSpLocks/>
+            <a:stCxn id="209" idx="3"/>
+            <a:endCxn id="207" idx="1"/>
+          </p:cNvCxnSpPr>
+          <p:nvPr/>
+        </p:nvCxnSpPr>
+        <p:spPr>
+          <a:xfrm flipV="1">
+            <a:off x="5722448" y="1470817"/>
+            <a:ext cx="325938" cy="90511"/>
+          </a:xfrm>
+          <a:prstGeom prst="bentConnector3">
+            <a:avLst>
+              <a:gd name="adj1" fmla="val 50000"/>
+            </a:avLst>
+          </a:prstGeom>
+          <a:ln w="19050">
+            <a:solidFill>
+              <a:srgbClr val="7030A0"/>
+            </a:solidFill>
+            <a:headEnd type="none" w="med" len="med"/>
+            <a:tailEnd type="arrow" w="med" len="med"/>
+          </a:ln>
+          <a:effectLst/>
+        </p:spPr>
+        <p:style>
+          <a:lnRef idx="1">
+            <a:schemeClr val="accent2"/>
+          </a:lnRef>
+          <a:fillRef idx="2">
+            <a:schemeClr val="accent2"/>
+          </a:fillRef>
+          <a:effectRef idx="1">
+            <a:schemeClr val="accent2"/>
+          </a:effectRef>
+          <a:fontRef idx="minor">
+            <a:schemeClr val="dk1"/>
+          </a:fontRef>
+        </p:style>
+      </p:cxnSp>
+      <p:sp>
+        <p:nvSpPr>
+          <p:cNvPr id="214" name="Rectangle 8">
+            <a:extLst>
+              <a:ext uri="{FF2B5EF4-FFF2-40B4-BE49-F238E27FC236}">
+                <a16:creationId xmlns:a16="http://schemas.microsoft.com/office/drawing/2014/main" id="{CFCE2C90-31A5-47BE-91E3-E05658C566FF}"/>
+              </a:ext>
+            </a:extLst>
+          </p:cNvPr>
+          <p:cNvSpPr/>
+          <p:nvPr/>
+        </p:nvSpPr>
+        <p:spPr>
+          <a:xfrm>
+            <a:off x="6051610" y="807785"/>
+            <a:ext cx="956203" cy="346760"/>
+          </a:xfrm>
+          <a:prstGeom prst="rect">
+            <a:avLst/>
+          </a:prstGeom>
+          <a:ln w="19050">
+            <a:solidFill>
+              <a:srgbClr val="7030A0"/>
+            </a:solidFill>
+          </a:ln>
+          <a:effectLst/>
+        </p:spPr>
+        <p:style>
+          <a:lnRef idx="1">
+            <a:schemeClr val="accent4"/>
+          </a:lnRef>
+          <a:fillRef idx="2">
+            <a:schemeClr val="accent4"/>
+          </a:fillRef>
+          <a:effectRef idx="1">
+            <a:schemeClr val="accent4"/>
+          </a:effectRef>
+          <a:fontRef idx="minor">
+            <a:schemeClr val="dk1"/>
+          </a:fontRef>
+        </p:style>
+        <p:txBody>
+          <a:bodyPr rtlCol="0" anchor="ctr"/>
+          <a:lstStyle/>
+          <a:p>
+            <a:pPr algn="ctr"/>
+            <a:r>
+              <a:rPr lang="en-US" sz="1050" dirty="0">
+                <a:solidFill>
+                  <a:srgbClr val="7030A0"/>
+                </a:solidFill>
+              </a:rPr>
+              <a:t>Consultation</a:t>
+            </a:r>
+            <a:endParaRPr lang="en-SG" sz="1050" dirty="0">
+              <a:solidFill>
+                <a:srgbClr val="7030A0"/>
+              </a:solidFill>
+            </a:endParaRPr>
+          </a:p>
+        </p:txBody>
+      </p:sp>
+      <p:sp>
+        <p:nvSpPr>
+          <p:cNvPr id="215" name="Flowchart: Decision 96">
+            <a:extLst>
+              <a:ext uri="{FF2B5EF4-FFF2-40B4-BE49-F238E27FC236}">
+                <a16:creationId xmlns:a16="http://schemas.microsoft.com/office/drawing/2014/main" id="{51E11EEB-0965-4D85-AF02-8474C8547693}"/>
+              </a:ext>
+            </a:extLst>
+          </p:cNvPr>
+          <p:cNvSpPr/>
+          <p:nvPr/>
+        </p:nvSpPr>
+        <p:spPr>
+          <a:xfrm>
+            <a:off x="5486400" y="1042237"/>
+            <a:ext cx="236048" cy="173380"/>
+          </a:xfrm>
+          <a:prstGeom prst="flowChartDecision">
+            <a:avLst/>
+          </a:prstGeom>
+          <a:solidFill>
+            <a:srgbClr val="7030A0"/>
+          </a:solidFill>
+          <a:ln w="19050">
+            <a:solidFill>
+              <a:srgbClr val="7030A0"/>
+            </a:solidFill>
+          </a:ln>
+          <a:effectLst/>
+        </p:spPr>
+        <p:style>
+          <a:lnRef idx="1">
+            <a:schemeClr val="accent6"/>
+          </a:lnRef>
+          <a:fillRef idx="2">
+            <a:schemeClr val="accent6"/>
+          </a:fillRef>
+          <a:effectRef idx="1">
+            <a:schemeClr val="accent6"/>
+          </a:effectRef>
+          <a:fontRef idx="minor">
+            <a:schemeClr val="dk1"/>
+          </a:fontRef>
+        </p:style>
+        <p:txBody>
+          <a:bodyPr rtlCol="0" anchor="ctr"/>
+          <a:lstStyle/>
+          <a:p>
+            <a:pPr algn="ctr"/>
+            <a:endParaRPr lang="en-US" sz="1050"/>
+          </a:p>
+        </p:txBody>
+      </p:sp>
+      <p:cxnSp>
+        <p:nvCxnSpPr>
+          <p:cNvPr id="216" name="Elbow Connector 78">
+            <a:extLst>
+              <a:ext uri="{FF2B5EF4-FFF2-40B4-BE49-F238E27FC236}">
+                <a16:creationId xmlns:a16="http://schemas.microsoft.com/office/drawing/2014/main" id="{14905730-3B72-4080-A3F0-683496D26EEA}"/>
+              </a:ext>
+            </a:extLst>
+          </p:cNvPr>
+          <p:cNvCxnSpPr>
+            <a:cxnSpLocks/>
+            <a:endCxn id="214" idx="1"/>
+          </p:cNvCxnSpPr>
+          <p:nvPr/>
+        </p:nvCxnSpPr>
+        <p:spPr>
+          <a:xfrm flipV="1">
+            <a:off x="5653812" y="981165"/>
+            <a:ext cx="397798" cy="145191"/>
+          </a:xfrm>
+          <a:prstGeom prst="bentConnector3">
+            <a:avLst>
+              <a:gd name="adj1" fmla="val 50000"/>
+            </a:avLst>
+          </a:prstGeom>
+          <a:ln w="19050">
+            <a:solidFill>
+              <a:srgbClr val="7030A0"/>
+            </a:solidFill>
+            <a:headEnd type="none" w="med" len="med"/>
+            <a:tailEnd type="arrow" w="med" len="med"/>
+          </a:ln>
+          <a:effectLst/>
+        </p:spPr>
+        <p:style>
+          <a:lnRef idx="1">
+            <a:schemeClr val="accent2"/>
+          </a:lnRef>
+          <a:fillRef idx="2">
+            <a:schemeClr val="accent2"/>
+          </a:fillRef>
+          <a:effectRef idx="1">
+            <a:schemeClr val="accent2"/>
+          </a:effectRef>
+          <a:fontRef idx="minor">
+            <a:schemeClr val="dk1"/>
+          </a:fontRef>
+        </p:style>
+      </p:cxnSp>
+      <p:sp>
+        <p:nvSpPr>
+          <p:cNvPr id="233" name="TextBox 232">
+            <a:extLst>
+              <a:ext uri="{FF2B5EF4-FFF2-40B4-BE49-F238E27FC236}">
+                <a16:creationId xmlns:a16="http://schemas.microsoft.com/office/drawing/2014/main" id="{E4A5A685-9083-453E-BA8D-80733EF26484}"/>
+              </a:ext>
+            </a:extLst>
+          </p:cNvPr>
+          <p:cNvSpPr txBox="1"/>
+          <p:nvPr/>
+        </p:nvSpPr>
+        <p:spPr>
+          <a:xfrm>
+            <a:off x="1981878" y="3937646"/>
+            <a:ext cx="170110" cy="137542"/>
+          </a:xfrm>
+          <a:prstGeom prst="rect">
+            <a:avLst/>
+          </a:prstGeom>
+          <a:noFill/>
+        </p:spPr>
+        <p:txBody>
+          <a:bodyPr wrap="square" lIns="0" tIns="0" rIns="0" bIns="0" rtlCol="0">
+            <a:noAutofit/>
+          </a:bodyPr>
+          <a:lstStyle/>
+          <a:p>
+            <a:pPr algn="ctr"/>
+            <a:r>
+              <a:rPr lang="en-US" sz="1100" dirty="0">
+                <a:solidFill>
+                  <a:srgbClr val="7030A0"/>
+                </a:solidFill>
+              </a:rPr>
+              <a:t>1</a:t>
+            </a:r>
+            <a:endParaRPr lang="en-SG" sz="1100" dirty="0">
+              <a:solidFill>
+                <a:srgbClr val="7030A0"/>
+              </a:solidFill>
+            </a:endParaRPr>
+          </a:p>
+        </p:txBody>
+      </p:sp>
+      <p:cxnSp>
+        <p:nvCxnSpPr>
+          <p:cNvPr id="234" name="Straight Arrow Connector 233">
+            <a:extLst>
+              <a:ext uri="{FF2B5EF4-FFF2-40B4-BE49-F238E27FC236}">
+                <a16:creationId xmlns:a16="http://schemas.microsoft.com/office/drawing/2014/main" id="{A4D9D4DB-2645-4D08-A239-2F8AD8334B30}"/>
+              </a:ext>
+            </a:extLst>
+          </p:cNvPr>
+          <p:cNvCxnSpPr>
+            <a:cxnSpLocks/>
+          </p:cNvCxnSpPr>
+          <p:nvPr/>
+        </p:nvCxnSpPr>
+        <p:spPr>
+          <a:xfrm>
+            <a:off x="2042776" y="4126509"/>
+            <a:ext cx="191318" cy="0"/>
+          </a:xfrm>
+          <a:prstGeom prst="straightConnector1">
+            <a:avLst/>
+          </a:prstGeom>
+          <a:ln w="19050">
+            <a:solidFill>
+              <a:srgbClr val="7030A0"/>
+            </a:solidFill>
+            <a:headEnd type="none" w="med" len="med"/>
+            <a:tailEnd type="arrow" w="med" len="med"/>
+          </a:ln>
+          <a:effectLst/>
+        </p:spPr>
+        <p:style>
+          <a:lnRef idx="1">
+            <a:schemeClr val="accent2"/>
+          </a:lnRef>
+          <a:fillRef idx="2">
+            <a:schemeClr val="accent2"/>
+          </a:fillRef>
+          <a:effectRef idx="1">
+            <a:schemeClr val="accent2"/>
+          </a:effectRef>
+          <a:fontRef idx="minor">
+            <a:schemeClr val="dk1"/>
+          </a:fontRef>
+        </p:style>
+      </p:cxnSp>
+      <p:sp>
+        <p:nvSpPr>
+          <p:cNvPr id="235" name="TextBox 234">
+            <a:extLst>
+              <a:ext uri="{FF2B5EF4-FFF2-40B4-BE49-F238E27FC236}">
+                <a16:creationId xmlns:a16="http://schemas.microsoft.com/office/drawing/2014/main" id="{F8D03F23-0B2D-4FBC-942B-F5738129A2F6}"/>
+              </a:ext>
+            </a:extLst>
+          </p:cNvPr>
+          <p:cNvSpPr txBox="1"/>
+          <p:nvPr/>
+        </p:nvSpPr>
+        <p:spPr>
+          <a:xfrm>
+            <a:off x="4027378" y="903796"/>
+            <a:ext cx="170110" cy="137542"/>
+          </a:xfrm>
+          <a:prstGeom prst="rect">
+            <a:avLst/>
+          </a:prstGeom>
+          <a:noFill/>
+        </p:spPr>
+        <p:txBody>
+          <a:bodyPr wrap="square" lIns="0" tIns="0" rIns="0" bIns="0" rtlCol="0">
+            <a:noAutofit/>
+          </a:bodyPr>
+          <a:lstStyle/>
+          <a:p>
+            <a:pPr algn="ctr"/>
+            <a:r>
+              <a:rPr lang="en-US" sz="1100" dirty="0">
+                <a:solidFill>
+                  <a:srgbClr val="7030A0"/>
+                </a:solidFill>
+              </a:rPr>
+              <a:t>1</a:t>
+            </a:r>
+            <a:endParaRPr lang="en-SG" sz="1100" dirty="0">
+              <a:solidFill>
+                <a:srgbClr val="7030A0"/>
+              </a:solidFill>
+            </a:endParaRPr>
+          </a:p>
+        </p:txBody>
+      </p:sp>
+      <p:sp>
+        <p:nvSpPr>
+          <p:cNvPr id="241" name="TextBox 240">
+            <a:extLst>
+              <a:ext uri="{FF2B5EF4-FFF2-40B4-BE49-F238E27FC236}">
+                <a16:creationId xmlns:a16="http://schemas.microsoft.com/office/drawing/2014/main" id="{DA465349-A9A9-4875-AEC5-45D7FE827CE8}"/>
+              </a:ext>
+            </a:extLst>
+          </p:cNvPr>
+          <p:cNvSpPr txBox="1"/>
+          <p:nvPr/>
+        </p:nvSpPr>
+        <p:spPr>
+          <a:xfrm>
+            <a:off x="4046240" y="1362077"/>
+            <a:ext cx="170110" cy="137542"/>
+          </a:xfrm>
+          <a:prstGeom prst="rect">
+            <a:avLst/>
+          </a:prstGeom>
+          <a:noFill/>
+        </p:spPr>
+        <p:txBody>
+          <a:bodyPr wrap="square" lIns="0" tIns="0" rIns="0" bIns="0" rtlCol="0">
+            <a:noAutofit/>
+          </a:bodyPr>
+          <a:lstStyle/>
+          <a:p>
+            <a:pPr algn="ctr"/>
+            <a:r>
+              <a:rPr lang="en-US" sz="1100" dirty="0">
+                <a:solidFill>
+                  <a:srgbClr val="7030A0"/>
+                </a:solidFill>
+              </a:rPr>
+              <a:t>1</a:t>
+            </a:r>
+            <a:endParaRPr lang="en-SG" sz="1100" dirty="0">
+              <a:solidFill>
+                <a:srgbClr val="7030A0"/>
+              </a:solidFill>
+            </a:endParaRPr>
+          </a:p>
+        </p:txBody>
+      </p:sp>
+      <p:sp>
+        <p:nvSpPr>
+          <p:cNvPr id="242" name="TextBox 241">
+            <a:extLst>
+              <a:ext uri="{FF2B5EF4-FFF2-40B4-BE49-F238E27FC236}">
+                <a16:creationId xmlns:a16="http://schemas.microsoft.com/office/drawing/2014/main" id="{DB10B5D0-2408-408B-A6C0-1F16550E2897}"/>
+              </a:ext>
+            </a:extLst>
+          </p:cNvPr>
+          <p:cNvSpPr txBox="1"/>
+          <p:nvPr/>
+        </p:nvSpPr>
+        <p:spPr>
+          <a:xfrm>
+            <a:off x="4046240" y="1806516"/>
+            <a:ext cx="170110" cy="137542"/>
+          </a:xfrm>
+          <a:prstGeom prst="rect">
+            <a:avLst/>
+          </a:prstGeom>
+          <a:noFill/>
+        </p:spPr>
+        <p:txBody>
+          <a:bodyPr wrap="square" lIns="0" tIns="0" rIns="0" bIns="0" rtlCol="0">
+            <a:noAutofit/>
+          </a:bodyPr>
+          <a:lstStyle/>
+          <a:p>
+            <a:pPr algn="ctr"/>
+            <a:r>
+              <a:rPr lang="en-US" sz="1100" dirty="0">
+                <a:solidFill>
+                  <a:srgbClr val="7030A0"/>
+                </a:solidFill>
+              </a:rPr>
+              <a:t>1</a:t>
+            </a:r>
+            <a:endParaRPr lang="en-SG" sz="1100" dirty="0">
+              <a:solidFill>
+                <a:srgbClr val="7030A0"/>
+              </a:solidFill>
+            </a:endParaRPr>
+          </a:p>
+        </p:txBody>
+      </p:sp>
+      <p:sp>
+        <p:nvSpPr>
+          <p:cNvPr id="243" name="TextBox 242">
+            <a:extLst>
+              <a:ext uri="{FF2B5EF4-FFF2-40B4-BE49-F238E27FC236}">
+                <a16:creationId xmlns:a16="http://schemas.microsoft.com/office/drawing/2014/main" id="{1893FF03-751E-49B9-B9E5-270DAC6DB3BB}"/>
+              </a:ext>
+            </a:extLst>
+          </p:cNvPr>
+          <p:cNvSpPr txBox="1"/>
+          <p:nvPr/>
+        </p:nvSpPr>
+        <p:spPr>
+          <a:xfrm>
+            <a:off x="4046240" y="2263094"/>
+            <a:ext cx="170110" cy="137542"/>
+          </a:xfrm>
+          <a:prstGeom prst="rect">
+            <a:avLst/>
+          </a:prstGeom>
+          <a:noFill/>
+        </p:spPr>
+        <p:txBody>
+          <a:bodyPr wrap="square" lIns="0" tIns="0" rIns="0" bIns="0" rtlCol="0">
+            <a:noAutofit/>
+          </a:bodyPr>
+          <a:lstStyle/>
+          <a:p>
+            <a:pPr algn="ctr"/>
+            <a:r>
+              <a:rPr lang="en-US" sz="1100" dirty="0">
+                <a:solidFill>
+                  <a:srgbClr val="7030A0"/>
+                </a:solidFill>
+              </a:rPr>
+              <a:t>1</a:t>
+            </a:r>
+            <a:endParaRPr lang="en-SG" sz="1100" dirty="0">
+              <a:solidFill>
+                <a:srgbClr val="7030A0"/>
+              </a:solidFill>
+            </a:endParaRPr>
+          </a:p>
+        </p:txBody>
+      </p:sp>
+      <p:sp>
+        <p:nvSpPr>
+          <p:cNvPr id="244" name="TextBox 243">
+            <a:extLst>
+              <a:ext uri="{FF2B5EF4-FFF2-40B4-BE49-F238E27FC236}">
+                <a16:creationId xmlns:a16="http://schemas.microsoft.com/office/drawing/2014/main" id="{6C5ECD63-D2B2-49FB-9BC6-C0B2CB7BFD18}"/>
+              </a:ext>
+            </a:extLst>
+          </p:cNvPr>
+          <p:cNvSpPr txBox="1"/>
+          <p:nvPr/>
+        </p:nvSpPr>
+        <p:spPr>
+          <a:xfrm>
+            <a:off x="5716579" y="1864231"/>
+            <a:ext cx="286131" cy="140510"/>
+          </a:xfrm>
+          <a:prstGeom prst="rect">
+            <a:avLst/>
+          </a:prstGeom>
+          <a:noFill/>
+        </p:spPr>
+        <p:txBody>
+          <a:bodyPr wrap="square" lIns="0" tIns="0" rIns="0" bIns="0" rtlCol="0">
+            <a:noAutofit/>
+          </a:bodyPr>
+          <a:lstStyle/>
+          <a:p>
+            <a:pPr algn="ctr"/>
+            <a:r>
+              <a:rPr lang="en-US" sz="1100" dirty="0">
+                <a:solidFill>
+                  <a:srgbClr val="7030A0"/>
+                </a:solidFill>
+              </a:rPr>
+              <a:t>1..*</a:t>
+            </a:r>
+            <a:endParaRPr lang="en-SG" sz="1100" dirty="0">
+              <a:solidFill>
+                <a:srgbClr val="7030A0"/>
+              </a:solidFill>
+            </a:endParaRPr>
+          </a:p>
+        </p:txBody>
+      </p:sp>
+      <p:sp>
+        <p:nvSpPr>
+          <p:cNvPr id="245" name="TextBox 244">
+            <a:extLst>
+              <a:ext uri="{FF2B5EF4-FFF2-40B4-BE49-F238E27FC236}">
+                <a16:creationId xmlns:a16="http://schemas.microsoft.com/office/drawing/2014/main" id="{E3660165-0F59-412E-BB28-91838B82C7B3}"/>
+              </a:ext>
+            </a:extLst>
+          </p:cNvPr>
+          <p:cNvSpPr txBox="1"/>
+          <p:nvPr/>
+        </p:nvSpPr>
+        <p:spPr>
+          <a:xfrm>
+            <a:off x="5731685" y="2225322"/>
+            <a:ext cx="170110" cy="137542"/>
+          </a:xfrm>
+          <a:prstGeom prst="rect">
+            <a:avLst/>
+          </a:prstGeom>
+          <a:noFill/>
+        </p:spPr>
+        <p:txBody>
+          <a:bodyPr wrap="square" lIns="0" tIns="0" rIns="0" bIns="0" rtlCol="0">
+            <a:noAutofit/>
+          </a:bodyPr>
+          <a:lstStyle/>
+          <a:p>
+            <a:pPr algn="ctr"/>
+            <a:r>
+              <a:rPr lang="en-US" sz="1100" dirty="0">
+                <a:solidFill>
+                  <a:srgbClr val="7030A0"/>
+                </a:solidFill>
+              </a:rPr>
+              <a:t>*</a:t>
+            </a:r>
+            <a:endParaRPr lang="en-SG" sz="1100" dirty="0">
+              <a:solidFill>
+                <a:srgbClr val="7030A0"/>
+              </a:solidFill>
+            </a:endParaRPr>
+          </a:p>
+        </p:txBody>
+      </p:sp>
+      <p:sp>
+        <p:nvSpPr>
+          <p:cNvPr id="246" name="TextBox 245">
+            <a:extLst>
+              <a:ext uri="{FF2B5EF4-FFF2-40B4-BE49-F238E27FC236}">
+                <a16:creationId xmlns:a16="http://schemas.microsoft.com/office/drawing/2014/main" id="{8E6EA7D8-AE7D-4EF6-B103-982DF44D2719}"/>
+              </a:ext>
+            </a:extLst>
+          </p:cNvPr>
+          <p:cNvSpPr txBox="1"/>
+          <p:nvPr/>
+        </p:nvSpPr>
+        <p:spPr>
+          <a:xfrm>
+            <a:off x="5692672" y="1405496"/>
+            <a:ext cx="170110" cy="137542"/>
+          </a:xfrm>
+          <a:prstGeom prst="rect">
+            <a:avLst/>
+          </a:prstGeom>
+          <a:noFill/>
+        </p:spPr>
+        <p:txBody>
+          <a:bodyPr wrap="square" lIns="0" tIns="0" rIns="0" bIns="0" rtlCol="0">
+            <a:noAutofit/>
+          </a:bodyPr>
+          <a:lstStyle/>
+          <a:p>
+            <a:pPr algn="ctr"/>
+            <a:r>
+              <a:rPr lang="en-US" sz="1100" dirty="0">
+                <a:solidFill>
+                  <a:srgbClr val="7030A0"/>
+                </a:solidFill>
+              </a:rPr>
+              <a:t>*</a:t>
+            </a:r>
+            <a:endParaRPr lang="en-SG" sz="1100" dirty="0">
+              <a:solidFill>
+                <a:srgbClr val="7030A0"/>
+              </a:solidFill>
+            </a:endParaRPr>
+          </a:p>
+        </p:txBody>
+      </p:sp>
+      <p:sp>
+        <p:nvSpPr>
+          <p:cNvPr id="247" name="TextBox 246">
+            <a:extLst>
+              <a:ext uri="{FF2B5EF4-FFF2-40B4-BE49-F238E27FC236}">
+                <a16:creationId xmlns:a16="http://schemas.microsoft.com/office/drawing/2014/main" id="{0D21E7B6-54C4-4640-BB33-52045FA83071}"/>
+              </a:ext>
+            </a:extLst>
+          </p:cNvPr>
+          <p:cNvSpPr txBox="1"/>
+          <p:nvPr/>
+        </p:nvSpPr>
+        <p:spPr>
+          <a:xfrm>
+            <a:off x="5668710" y="979591"/>
+            <a:ext cx="170110" cy="137542"/>
+          </a:xfrm>
+          <a:prstGeom prst="rect">
+            <a:avLst/>
+          </a:prstGeom>
+          <a:noFill/>
+        </p:spPr>
+        <p:txBody>
+          <a:bodyPr wrap="square" lIns="0" tIns="0" rIns="0" bIns="0" rtlCol="0">
+            <a:noAutofit/>
+          </a:bodyPr>
+          <a:lstStyle/>
+          <a:p>
+            <a:pPr algn="ctr"/>
+            <a:r>
+              <a:rPr lang="en-US" sz="1100" dirty="0">
+                <a:solidFill>
+                  <a:srgbClr val="7030A0"/>
+                </a:solidFill>
+              </a:rPr>
+              <a:t>*</a:t>
+            </a:r>
+            <a:endParaRPr lang="en-SG" sz="1100" dirty="0">
+              <a:solidFill>
+                <a:srgbClr val="7030A0"/>
+              </a:solidFill>
+            </a:endParaRPr>
+          </a:p>
+        </p:txBody>
+      </p:sp>
+      <p:sp>
+        <p:nvSpPr>
+          <p:cNvPr id="248" name="Flowchart: Decision 96">
+            <a:extLst>
+              <a:ext uri="{FF2B5EF4-FFF2-40B4-BE49-F238E27FC236}">
+                <a16:creationId xmlns:a16="http://schemas.microsoft.com/office/drawing/2014/main" id="{C7F8A09C-F212-4096-9561-762E7BA1A76D}"/>
+              </a:ext>
+            </a:extLst>
+          </p:cNvPr>
+          <p:cNvSpPr/>
+          <p:nvPr/>
+        </p:nvSpPr>
+        <p:spPr>
+          <a:xfrm>
+            <a:off x="3415063" y="4094606"/>
+            <a:ext cx="236048" cy="173380"/>
+          </a:xfrm>
+          <a:prstGeom prst="flowChartDecision">
+            <a:avLst/>
+          </a:prstGeom>
+          <a:noFill/>
+          <a:ln w="19050">
+            <a:solidFill>
+              <a:srgbClr val="7030A0"/>
+            </a:solidFill>
+          </a:ln>
+          <a:effectLst/>
+        </p:spPr>
+        <p:style>
+          <a:lnRef idx="1">
+            <a:schemeClr val="accent6"/>
+          </a:lnRef>
+          <a:fillRef idx="2">
+            <a:schemeClr val="accent6"/>
+          </a:fillRef>
+          <a:effectRef idx="1">
+            <a:schemeClr val="accent6"/>
+          </a:effectRef>
+          <a:fontRef idx="minor">
+            <a:schemeClr val="dk1"/>
+          </a:fontRef>
+        </p:style>
+        <p:txBody>
+          <a:bodyPr rtlCol="0" anchor="ctr"/>
+          <a:lstStyle/>
+          <a:p>
+            <a:pPr algn="ctr"/>
+            <a:endParaRPr lang="en-US" sz="1050"/>
+          </a:p>
+        </p:txBody>
+      </p:sp>
+      <p:cxnSp>
+        <p:nvCxnSpPr>
+          <p:cNvPr id="250" name="Elbow Connector 78">
+            <a:extLst>
+              <a:ext uri="{FF2B5EF4-FFF2-40B4-BE49-F238E27FC236}">
+                <a16:creationId xmlns:a16="http://schemas.microsoft.com/office/drawing/2014/main" id="{6B6C79F8-5B5D-4250-B663-EFA47C53F6BD}"/>
+              </a:ext>
+            </a:extLst>
+          </p:cNvPr>
+          <p:cNvCxnSpPr>
+            <a:cxnSpLocks/>
+            <a:endCxn id="192" idx="2"/>
+          </p:cNvCxnSpPr>
+          <p:nvPr/>
+        </p:nvCxnSpPr>
+        <p:spPr>
+          <a:xfrm flipV="1">
+            <a:off x="3651111" y="2129926"/>
+            <a:ext cx="3005196" cy="2052976"/>
+          </a:xfrm>
+          <a:prstGeom prst="bentConnector2">
+            <a:avLst/>
+          </a:prstGeom>
+          <a:ln w="19050">
+            <a:solidFill>
+              <a:srgbClr val="7030A0"/>
+            </a:solidFill>
+            <a:headEnd type="none" w="med" len="med"/>
+            <a:tailEnd type="arrow" w="med" len="med"/>
+          </a:ln>
+          <a:effectLst/>
+        </p:spPr>
+        <p:style>
+          <a:lnRef idx="1">
+            <a:schemeClr val="accent2"/>
+          </a:lnRef>
+          <a:fillRef idx="2">
+            <a:schemeClr val="accent2"/>
+          </a:fillRef>
+          <a:effectRef idx="1">
+            <a:schemeClr val="accent2"/>
+          </a:effectRef>
+          <a:fontRef idx="minor">
+            <a:schemeClr val="dk1"/>
+          </a:fontRef>
+        </p:style>
+      </p:cxnSp>
+      <p:sp>
+        <p:nvSpPr>
+          <p:cNvPr id="257" name="Rectangle 8">
+            <a:extLst>
+              <a:ext uri="{FF2B5EF4-FFF2-40B4-BE49-F238E27FC236}">
+                <a16:creationId xmlns:a16="http://schemas.microsoft.com/office/drawing/2014/main" id="{0E738AF7-9F68-40A8-8713-E9EBBBAA97E5}"/>
+              </a:ext>
+            </a:extLst>
+          </p:cNvPr>
+          <p:cNvSpPr/>
+          <p:nvPr/>
+        </p:nvSpPr>
+        <p:spPr>
+          <a:xfrm>
+            <a:off x="3063012" y="5357082"/>
+            <a:ext cx="1060683" cy="364396"/>
+          </a:xfrm>
+          <a:prstGeom prst="rect">
+            <a:avLst/>
+          </a:prstGeom>
+          <a:ln w="19050">
+            <a:solidFill>
+              <a:srgbClr val="7030A0"/>
+            </a:solidFill>
+          </a:ln>
+          <a:effectLst/>
+        </p:spPr>
+        <p:style>
+          <a:lnRef idx="1">
+            <a:schemeClr val="accent4"/>
+          </a:lnRef>
+          <a:fillRef idx="2">
+            <a:schemeClr val="accent4"/>
+          </a:fillRef>
+          <a:effectRef idx="1">
+            <a:schemeClr val="accent4"/>
+          </a:effectRef>
+          <a:fontRef idx="minor">
+            <a:schemeClr val="dk1"/>
+          </a:fontRef>
+        </p:style>
+        <p:txBody>
+          <a:bodyPr rtlCol="0" anchor="ctr"/>
+          <a:lstStyle/>
+          <a:p>
+            <a:pPr algn="ctr"/>
+            <a:r>
+              <a:rPr lang="en-US" sz="1050" dirty="0">
+                <a:solidFill>
+                  <a:srgbClr val="7030A0"/>
+                </a:solidFill>
+              </a:rPr>
+              <a:t>Prescription</a:t>
+            </a:r>
+            <a:endParaRPr lang="en-SG" sz="1050" dirty="0">
+              <a:solidFill>
+                <a:srgbClr val="7030A0"/>
+              </a:solidFill>
+            </a:endParaRPr>
+          </a:p>
+        </p:txBody>
+      </p:sp>
+      <p:sp>
+        <p:nvSpPr>
+          <p:cNvPr id="258" name="Rectangle 8">
+            <a:extLst>
+              <a:ext uri="{FF2B5EF4-FFF2-40B4-BE49-F238E27FC236}">
+                <a16:creationId xmlns:a16="http://schemas.microsoft.com/office/drawing/2014/main" id="{668FE6FB-37B4-4995-9DFD-20B00C9C651D}"/>
+              </a:ext>
+            </a:extLst>
+          </p:cNvPr>
+          <p:cNvSpPr/>
+          <p:nvPr/>
+        </p:nvSpPr>
+        <p:spPr>
+          <a:xfrm>
+            <a:off x="4998058" y="5980941"/>
+            <a:ext cx="1212731" cy="364396"/>
+          </a:xfrm>
+          <a:prstGeom prst="rect">
+            <a:avLst/>
+          </a:prstGeom>
+          <a:ln w="19050">
+            <a:solidFill>
+              <a:srgbClr val="7030A0"/>
+            </a:solidFill>
+          </a:ln>
+          <a:effectLst/>
+        </p:spPr>
+        <p:style>
+          <a:lnRef idx="1">
+            <a:schemeClr val="accent4"/>
+          </a:lnRef>
+          <a:fillRef idx="2">
+            <a:schemeClr val="accent4"/>
+          </a:fillRef>
+          <a:effectRef idx="1">
+            <a:schemeClr val="accent4"/>
+          </a:effectRef>
+          <a:fontRef idx="minor">
+            <a:schemeClr val="dk1"/>
+          </a:fontRef>
+        </p:style>
+        <p:txBody>
+          <a:bodyPr rtlCol="0" anchor="ctr"/>
+          <a:lstStyle/>
+          <a:p>
+            <a:pPr algn="ctr"/>
+            <a:r>
+              <a:rPr lang="en-US" sz="1050" dirty="0" err="1">
+                <a:solidFill>
+                  <a:srgbClr val="7030A0"/>
+                </a:solidFill>
+              </a:rPr>
+              <a:t>PillMedicineStock</a:t>
+            </a:r>
+            <a:endParaRPr lang="en-SG" sz="1050" dirty="0">
+              <a:solidFill>
+                <a:srgbClr val="7030A0"/>
+              </a:solidFill>
+            </a:endParaRPr>
+          </a:p>
+        </p:txBody>
+      </p:sp>
+      <p:sp>
+        <p:nvSpPr>
+          <p:cNvPr id="259" name="Rectangle 8">
+            <a:extLst>
+              <a:ext uri="{FF2B5EF4-FFF2-40B4-BE49-F238E27FC236}">
+                <a16:creationId xmlns:a16="http://schemas.microsoft.com/office/drawing/2014/main" id="{369A677E-160B-42E8-9386-0DACCF400039}"/>
+              </a:ext>
+            </a:extLst>
+          </p:cNvPr>
+          <p:cNvSpPr/>
+          <p:nvPr/>
+        </p:nvSpPr>
+        <p:spPr>
+          <a:xfrm>
+            <a:off x="6380799" y="5980941"/>
+            <a:ext cx="1534216" cy="364396"/>
+          </a:xfrm>
+          <a:prstGeom prst="rect">
+            <a:avLst/>
+          </a:prstGeom>
+          <a:ln w="19050">
+            <a:solidFill>
+              <a:srgbClr val="7030A0"/>
+            </a:solidFill>
+          </a:ln>
+          <a:effectLst/>
+        </p:spPr>
+        <p:style>
+          <a:lnRef idx="1">
+            <a:schemeClr val="accent4"/>
+          </a:lnRef>
+          <a:fillRef idx="2">
+            <a:schemeClr val="accent4"/>
+          </a:fillRef>
+          <a:effectRef idx="1">
+            <a:schemeClr val="accent4"/>
+          </a:effectRef>
+          <a:fontRef idx="minor">
+            <a:schemeClr val="dk1"/>
+          </a:fontRef>
+        </p:style>
+        <p:txBody>
+          <a:bodyPr rtlCol="0" anchor="ctr"/>
+          <a:lstStyle/>
+          <a:p>
+            <a:pPr algn="ctr"/>
+            <a:r>
+              <a:rPr lang="en-US" sz="1050" dirty="0" err="1">
+                <a:solidFill>
+                  <a:srgbClr val="7030A0"/>
+                </a:solidFill>
+              </a:rPr>
+              <a:t>LiquidMedicineStock</a:t>
+            </a:r>
+            <a:endParaRPr lang="en-SG" sz="1050" dirty="0">
+              <a:solidFill>
+                <a:srgbClr val="7030A0"/>
+              </a:solidFill>
+            </a:endParaRPr>
+          </a:p>
+        </p:txBody>
+      </p:sp>
+      <p:sp>
+        <p:nvSpPr>
+          <p:cNvPr id="260" name="Rectangle 62">
+            <a:extLst>
+              <a:ext uri="{FF2B5EF4-FFF2-40B4-BE49-F238E27FC236}">
+                <a16:creationId xmlns:a16="http://schemas.microsoft.com/office/drawing/2014/main" id="{841084D1-BF61-46C5-924F-3E68298645E3}"/>
+              </a:ext>
+            </a:extLst>
+          </p:cNvPr>
+          <p:cNvSpPr/>
+          <p:nvPr/>
+        </p:nvSpPr>
+        <p:spPr>
+          <a:xfrm>
+            <a:off x="5794878" y="5290591"/>
+            <a:ext cx="1093635" cy="346760"/>
+          </a:xfrm>
+          <a:prstGeom prst="rect">
+            <a:avLst/>
+          </a:prstGeom>
+          <a:solidFill>
+            <a:srgbClr val="7030A0"/>
+          </a:solidFill>
+          <a:ln w="19050">
+            <a:solidFill>
+              <a:srgbClr val="7030A0"/>
+            </a:solidFill>
+          </a:ln>
+          <a:effectLst/>
+        </p:spPr>
+        <p:style>
+          <a:lnRef idx="1">
+            <a:schemeClr val="accent2"/>
+          </a:lnRef>
+          <a:fillRef idx="2">
+            <a:schemeClr val="accent2"/>
+          </a:fillRef>
+          <a:effectRef idx="1">
+            <a:schemeClr val="accent2"/>
+          </a:effectRef>
+          <a:fontRef idx="minor">
+            <a:schemeClr val="dk1"/>
+          </a:fontRef>
+        </p:style>
+        <p:txBody>
+          <a:bodyPr rtlCol="0" anchor="ctr"/>
+          <a:lstStyle/>
+          <a:p>
+            <a:pPr algn="ctr"/>
+            <a:r>
+              <a:rPr lang="en-US" sz="1050" dirty="0">
+                <a:solidFill>
+                  <a:schemeClr val="bg1"/>
+                </a:solidFill>
+              </a:rPr>
+              <a:t>&lt;&lt;interface&gt;&gt;</a:t>
+            </a:r>
+          </a:p>
+          <a:p>
+            <a:pPr algn="ctr"/>
+            <a:r>
+              <a:rPr lang="en-US" sz="1050" dirty="0">
+                <a:solidFill>
+                  <a:schemeClr val="bg1"/>
+                </a:solidFill>
+              </a:rPr>
+              <a:t>Inventory</a:t>
+            </a:r>
+            <a:endParaRPr lang="en-SG" sz="1050" dirty="0">
+              <a:solidFill>
+                <a:schemeClr val="bg1"/>
+              </a:solidFill>
+            </a:endParaRPr>
+          </a:p>
+        </p:txBody>
+      </p:sp>
+      <p:sp>
+        <p:nvSpPr>
+          <p:cNvPr id="262" name="Isosceles Triangle 102">
+            <a:extLst>
+              <a:ext uri="{FF2B5EF4-FFF2-40B4-BE49-F238E27FC236}">
+                <a16:creationId xmlns:a16="http://schemas.microsoft.com/office/drawing/2014/main" id="{478CA9C0-20BD-40BF-83E9-F1B32C30C92B}"/>
+              </a:ext>
+            </a:extLst>
+          </p:cNvPr>
+          <p:cNvSpPr/>
+          <p:nvPr/>
+        </p:nvSpPr>
+        <p:spPr>
+          <a:xfrm>
+            <a:off x="6143261" y="5657890"/>
+            <a:ext cx="270504" cy="175523"/>
+          </a:xfrm>
+          <a:prstGeom prst="triangle">
+            <a:avLst/>
+          </a:prstGeom>
+          <a:solidFill>
+            <a:srgbClr val="7030A0"/>
+          </a:solidFill>
+          <a:ln w="19050">
+            <a:solidFill>
+              <a:srgbClr val="7030A0"/>
+            </a:solidFill>
+          </a:ln>
+          <a:effectLst/>
+        </p:spPr>
+        <p:style>
+          <a:lnRef idx="1">
+            <a:schemeClr val="accent6"/>
+          </a:lnRef>
+          <a:fillRef idx="2">
+            <a:schemeClr val="accent6"/>
+          </a:fillRef>
+          <a:effectRef idx="1">
+            <a:schemeClr val="accent6"/>
+          </a:effectRef>
+          <a:fontRef idx="minor">
+            <a:schemeClr val="dk1"/>
+          </a:fontRef>
+        </p:style>
+        <p:txBody>
+          <a:bodyPr rtlCol="0" anchor="ctr"/>
+          <a:lstStyle/>
+          <a:p>
+            <a:pPr algn="ctr"/>
+            <a:endParaRPr lang="en-SG" sz="1050"/>
+          </a:p>
+        </p:txBody>
+      </p:sp>
+      <p:cxnSp>
+        <p:nvCxnSpPr>
+          <p:cNvPr id="263" name="Straight Connector 262">
+            <a:extLst>
+              <a:ext uri="{FF2B5EF4-FFF2-40B4-BE49-F238E27FC236}">
+                <a16:creationId xmlns:a16="http://schemas.microsoft.com/office/drawing/2014/main" id="{F889147E-17DB-413E-9533-CE851BFCAAE2}"/>
+              </a:ext>
+            </a:extLst>
+          </p:cNvPr>
+          <p:cNvCxnSpPr>
+            <a:cxnSpLocks/>
+            <a:stCxn id="262" idx="3"/>
+            <a:endCxn id="258" idx="0"/>
+          </p:cNvCxnSpPr>
+          <p:nvPr/>
+        </p:nvCxnSpPr>
+        <p:spPr>
+          <a:xfrm flipH="1">
+            <a:off x="5604424" y="5833413"/>
+            <a:ext cx="674089" cy="147528"/>
+          </a:xfrm>
+          <a:prstGeom prst="line">
+            <a:avLst/>
           </a:prstGeom>
           <a:ln w="19050">
             <a:solidFill>
@@ -5641,6 +8431,867 @@
           </a:fontRef>
         </p:style>
       </p:cxnSp>
+      <p:cxnSp>
+        <p:nvCxnSpPr>
+          <p:cNvPr id="266" name="Straight Connector 265">
+            <a:extLst>
+              <a:ext uri="{FF2B5EF4-FFF2-40B4-BE49-F238E27FC236}">
+                <a16:creationId xmlns:a16="http://schemas.microsoft.com/office/drawing/2014/main" id="{711B321B-7F69-44BB-B6CA-B16CA50FB4A8}"/>
+              </a:ext>
+            </a:extLst>
+          </p:cNvPr>
+          <p:cNvCxnSpPr>
+            <a:cxnSpLocks/>
+            <a:stCxn id="262" idx="3"/>
+            <a:endCxn id="259" idx="0"/>
+          </p:cNvCxnSpPr>
+          <p:nvPr/>
+        </p:nvCxnSpPr>
+        <p:spPr>
+          <a:xfrm>
+            <a:off x="6278513" y="5833413"/>
+            <a:ext cx="869394" cy="147528"/>
+          </a:xfrm>
+          <a:prstGeom prst="line">
+            <a:avLst/>
+          </a:prstGeom>
+          <a:ln w="19050">
+            <a:solidFill>
+              <a:srgbClr val="7030A0"/>
+            </a:solidFill>
+            <a:prstDash val="sysDot"/>
+            <a:headEnd type="none" w="med" len="med"/>
+            <a:tailEnd type="none" w="med" len="med"/>
+          </a:ln>
+          <a:effectLst/>
+        </p:spPr>
+        <p:style>
+          <a:lnRef idx="1">
+            <a:schemeClr val="accent2"/>
+          </a:lnRef>
+          <a:fillRef idx="2">
+            <a:schemeClr val="accent2"/>
+          </a:fillRef>
+          <a:effectRef idx="1">
+            <a:schemeClr val="accent2"/>
+          </a:effectRef>
+          <a:fontRef idx="minor">
+            <a:schemeClr val="dk1"/>
+          </a:fontRef>
+        </p:style>
+      </p:cxnSp>
+      <p:sp>
+        <p:nvSpPr>
+          <p:cNvPr id="280" name="Rectangle 8">
+            <a:extLst>
+              <a:ext uri="{FF2B5EF4-FFF2-40B4-BE49-F238E27FC236}">
+                <a16:creationId xmlns:a16="http://schemas.microsoft.com/office/drawing/2014/main" id="{69431FB3-1A02-452F-9897-A31A5D277EA9}"/>
+              </a:ext>
+            </a:extLst>
+          </p:cNvPr>
+          <p:cNvSpPr/>
+          <p:nvPr/>
+        </p:nvSpPr>
+        <p:spPr>
+          <a:xfrm>
+            <a:off x="4378553" y="489806"/>
+            <a:ext cx="1091786" cy="346760"/>
+          </a:xfrm>
+          <a:prstGeom prst="rect">
+            <a:avLst/>
+          </a:prstGeom>
+          <a:ln w="19050">
+            <a:solidFill>
+              <a:srgbClr val="7030A0"/>
+            </a:solidFill>
+          </a:ln>
+          <a:effectLst/>
+        </p:spPr>
+        <p:style>
+          <a:lnRef idx="1">
+            <a:schemeClr val="accent4"/>
+          </a:lnRef>
+          <a:fillRef idx="2">
+            <a:schemeClr val="accent4"/>
+          </a:fillRef>
+          <a:effectRef idx="1">
+            <a:schemeClr val="accent4"/>
+          </a:effectRef>
+          <a:fontRef idx="minor">
+            <a:schemeClr val="dk1"/>
+          </a:fontRef>
+        </p:style>
+        <p:txBody>
+          <a:bodyPr rtlCol="0" anchor="ctr"/>
+          <a:lstStyle/>
+          <a:p>
+            <a:pPr algn="ctr"/>
+            <a:r>
+              <a:rPr lang="en-US" sz="1050" dirty="0" err="1">
+                <a:solidFill>
+                  <a:srgbClr val="7030A0"/>
+                </a:solidFill>
+              </a:rPr>
+              <a:t>ReceptionistList</a:t>
+            </a:r>
+            <a:endParaRPr lang="en-SG" sz="1050" dirty="0">
+              <a:solidFill>
+                <a:srgbClr val="7030A0"/>
+              </a:solidFill>
+            </a:endParaRPr>
+          </a:p>
+        </p:txBody>
+      </p:sp>
+      <p:cxnSp>
+        <p:nvCxnSpPr>
+          <p:cNvPr id="281" name="Elbow Connector 78">
+            <a:extLst>
+              <a:ext uri="{FF2B5EF4-FFF2-40B4-BE49-F238E27FC236}">
+                <a16:creationId xmlns:a16="http://schemas.microsoft.com/office/drawing/2014/main" id="{3B9C9805-E77E-4251-B6F8-B899EF3AB43C}"/>
+              </a:ext>
+            </a:extLst>
+          </p:cNvPr>
+          <p:cNvCxnSpPr>
+            <a:cxnSpLocks/>
+            <a:stCxn id="51" idx="3"/>
+            <a:endCxn id="280" idx="1"/>
+          </p:cNvCxnSpPr>
+          <p:nvPr/>
+        </p:nvCxnSpPr>
+        <p:spPr>
+          <a:xfrm flipV="1">
+            <a:off x="3964058" y="663186"/>
+            <a:ext cx="414495" cy="2248990"/>
+          </a:xfrm>
+          <a:prstGeom prst="bentConnector3">
+            <a:avLst>
+              <a:gd name="adj1" fmla="val 6798"/>
+            </a:avLst>
+          </a:prstGeom>
+          <a:ln w="19050">
+            <a:solidFill>
+              <a:srgbClr val="7030A0"/>
+            </a:solidFill>
+            <a:headEnd type="none" w="med" len="med"/>
+            <a:tailEnd type="arrow" w="med" len="med"/>
+          </a:ln>
+          <a:effectLst/>
+        </p:spPr>
+        <p:style>
+          <a:lnRef idx="1">
+            <a:schemeClr val="accent2"/>
+          </a:lnRef>
+          <a:fillRef idx="2">
+            <a:schemeClr val="accent2"/>
+          </a:fillRef>
+          <a:effectRef idx="1">
+            <a:schemeClr val="accent2"/>
+          </a:effectRef>
+          <a:fontRef idx="minor">
+            <a:schemeClr val="dk1"/>
+          </a:fontRef>
+        </p:style>
+      </p:cxnSp>
+      <p:sp>
+        <p:nvSpPr>
+          <p:cNvPr id="285" name="TextBox 284">
+            <a:extLst>
+              <a:ext uri="{FF2B5EF4-FFF2-40B4-BE49-F238E27FC236}">
+                <a16:creationId xmlns:a16="http://schemas.microsoft.com/office/drawing/2014/main" id="{E895DD73-D159-48F3-B73B-3FFD1C904993}"/>
+              </a:ext>
+            </a:extLst>
+          </p:cNvPr>
+          <p:cNvSpPr txBox="1"/>
+          <p:nvPr/>
+        </p:nvSpPr>
+        <p:spPr>
+          <a:xfrm>
+            <a:off x="3984869" y="473042"/>
+            <a:ext cx="170110" cy="137542"/>
+          </a:xfrm>
+          <a:prstGeom prst="rect">
+            <a:avLst/>
+          </a:prstGeom>
+          <a:noFill/>
+        </p:spPr>
+        <p:txBody>
+          <a:bodyPr wrap="square" lIns="0" tIns="0" rIns="0" bIns="0" rtlCol="0">
+            <a:noAutofit/>
+          </a:bodyPr>
+          <a:lstStyle/>
+          <a:p>
+            <a:pPr algn="ctr"/>
+            <a:r>
+              <a:rPr lang="en-US" sz="1100" dirty="0">
+                <a:solidFill>
+                  <a:srgbClr val="7030A0"/>
+                </a:solidFill>
+              </a:rPr>
+              <a:t>1</a:t>
+            </a:r>
+            <a:endParaRPr lang="en-SG" sz="1100" dirty="0">
+              <a:solidFill>
+                <a:srgbClr val="7030A0"/>
+              </a:solidFill>
+            </a:endParaRPr>
+          </a:p>
+        </p:txBody>
+      </p:sp>
+      <p:sp>
+        <p:nvSpPr>
+          <p:cNvPr id="286" name="Flowchart: Decision 96">
+            <a:extLst>
+              <a:ext uri="{FF2B5EF4-FFF2-40B4-BE49-F238E27FC236}">
+                <a16:creationId xmlns:a16="http://schemas.microsoft.com/office/drawing/2014/main" id="{4BE1D215-AD45-4170-8C07-F55BB57540F4}"/>
+              </a:ext>
+            </a:extLst>
+          </p:cNvPr>
+          <p:cNvSpPr/>
+          <p:nvPr/>
+        </p:nvSpPr>
+        <p:spPr>
+          <a:xfrm>
+            <a:off x="5472921" y="576496"/>
+            <a:ext cx="236048" cy="173380"/>
+          </a:xfrm>
+          <a:prstGeom prst="flowChartDecision">
+            <a:avLst/>
+          </a:prstGeom>
+          <a:solidFill>
+            <a:srgbClr val="7030A0"/>
+          </a:solidFill>
+          <a:ln w="19050">
+            <a:solidFill>
+              <a:srgbClr val="7030A0"/>
+            </a:solidFill>
+          </a:ln>
+          <a:effectLst/>
+        </p:spPr>
+        <p:style>
+          <a:lnRef idx="1">
+            <a:schemeClr val="accent6"/>
+          </a:lnRef>
+          <a:fillRef idx="2">
+            <a:schemeClr val="accent6"/>
+          </a:fillRef>
+          <a:effectRef idx="1">
+            <a:schemeClr val="accent6"/>
+          </a:effectRef>
+          <a:fontRef idx="minor">
+            <a:schemeClr val="dk1"/>
+          </a:fontRef>
+        </p:style>
+        <p:txBody>
+          <a:bodyPr rtlCol="0" anchor="ctr"/>
+          <a:lstStyle/>
+          <a:p>
+            <a:pPr algn="ctr"/>
+            <a:endParaRPr lang="en-US" sz="1050"/>
+          </a:p>
+        </p:txBody>
+      </p:sp>
+      <p:cxnSp>
+        <p:nvCxnSpPr>
+          <p:cNvPr id="287" name="Elbow Connector 78">
+            <a:extLst>
+              <a:ext uri="{FF2B5EF4-FFF2-40B4-BE49-F238E27FC236}">
+                <a16:creationId xmlns:a16="http://schemas.microsoft.com/office/drawing/2014/main" id="{6AE1C0A0-5797-47C9-86FE-3955C646D444}"/>
+              </a:ext>
+            </a:extLst>
+          </p:cNvPr>
+          <p:cNvCxnSpPr>
+            <a:cxnSpLocks/>
+            <a:stCxn id="286" idx="3"/>
+            <a:endCxn id="288" idx="1"/>
+          </p:cNvCxnSpPr>
+          <p:nvPr/>
+        </p:nvCxnSpPr>
+        <p:spPr>
+          <a:xfrm flipV="1">
+            <a:off x="5708969" y="570042"/>
+            <a:ext cx="339417" cy="93144"/>
+          </a:xfrm>
+          <a:prstGeom prst="bentConnector3">
+            <a:avLst>
+              <a:gd name="adj1" fmla="val 50000"/>
+            </a:avLst>
+          </a:prstGeom>
+          <a:ln w="19050">
+            <a:solidFill>
+              <a:srgbClr val="7030A0"/>
+            </a:solidFill>
+            <a:headEnd type="none" w="med" len="med"/>
+            <a:tailEnd type="arrow" w="med" len="med"/>
+          </a:ln>
+          <a:effectLst/>
+        </p:spPr>
+        <p:style>
+          <a:lnRef idx="1">
+            <a:schemeClr val="accent2"/>
+          </a:lnRef>
+          <a:fillRef idx="2">
+            <a:schemeClr val="accent2"/>
+          </a:fillRef>
+          <a:effectRef idx="1">
+            <a:schemeClr val="accent2"/>
+          </a:effectRef>
+          <a:fontRef idx="minor">
+            <a:schemeClr val="dk1"/>
+          </a:fontRef>
+        </p:style>
+      </p:cxnSp>
+      <p:sp>
+        <p:nvSpPr>
+          <p:cNvPr id="288" name="Rectangle 8">
+            <a:extLst>
+              <a:ext uri="{FF2B5EF4-FFF2-40B4-BE49-F238E27FC236}">
+                <a16:creationId xmlns:a16="http://schemas.microsoft.com/office/drawing/2014/main" id="{071FA0A7-BE5F-483C-930B-C6534F507202}"/>
+              </a:ext>
+            </a:extLst>
+          </p:cNvPr>
+          <p:cNvSpPr/>
+          <p:nvPr/>
+        </p:nvSpPr>
+        <p:spPr>
+          <a:xfrm>
+            <a:off x="6048386" y="396662"/>
+            <a:ext cx="956203" cy="346760"/>
+          </a:xfrm>
+          <a:prstGeom prst="rect">
+            <a:avLst/>
+          </a:prstGeom>
+          <a:ln w="19050">
+            <a:solidFill>
+              <a:srgbClr val="7030A0"/>
+            </a:solidFill>
+          </a:ln>
+          <a:effectLst/>
+        </p:spPr>
+        <p:style>
+          <a:lnRef idx="1">
+            <a:schemeClr val="accent4"/>
+          </a:lnRef>
+          <a:fillRef idx="2">
+            <a:schemeClr val="accent4"/>
+          </a:fillRef>
+          <a:effectRef idx="1">
+            <a:schemeClr val="accent4"/>
+          </a:effectRef>
+          <a:fontRef idx="minor">
+            <a:schemeClr val="dk1"/>
+          </a:fontRef>
+        </p:style>
+        <p:txBody>
+          <a:bodyPr rtlCol="0" anchor="ctr"/>
+          <a:lstStyle/>
+          <a:p>
+            <a:pPr algn="ctr"/>
+            <a:r>
+              <a:rPr lang="en-US" sz="1050" dirty="0">
+                <a:solidFill>
+                  <a:srgbClr val="7030A0"/>
+                </a:solidFill>
+              </a:rPr>
+              <a:t>Receptionist</a:t>
+            </a:r>
+            <a:endParaRPr lang="en-SG" sz="1050" dirty="0">
+              <a:solidFill>
+                <a:srgbClr val="7030A0"/>
+              </a:solidFill>
+            </a:endParaRPr>
+          </a:p>
+        </p:txBody>
+      </p:sp>
+      <p:sp>
+        <p:nvSpPr>
+          <p:cNvPr id="289" name="TextBox 288">
+            <a:extLst>
+              <a:ext uri="{FF2B5EF4-FFF2-40B4-BE49-F238E27FC236}">
+                <a16:creationId xmlns:a16="http://schemas.microsoft.com/office/drawing/2014/main" id="{C9CC718C-A680-4C2D-B63C-2B808F2C1887}"/>
+              </a:ext>
+            </a:extLst>
+          </p:cNvPr>
+          <p:cNvSpPr txBox="1"/>
+          <p:nvPr/>
+        </p:nvSpPr>
+        <p:spPr>
+          <a:xfrm>
+            <a:off x="5673674" y="416481"/>
+            <a:ext cx="286131" cy="140510"/>
+          </a:xfrm>
+          <a:prstGeom prst="rect">
+            <a:avLst/>
+          </a:prstGeom>
+          <a:noFill/>
+        </p:spPr>
+        <p:txBody>
+          <a:bodyPr wrap="square" lIns="0" tIns="0" rIns="0" bIns="0" rtlCol="0">
+            <a:noAutofit/>
+          </a:bodyPr>
+          <a:lstStyle/>
+          <a:p>
+            <a:pPr algn="ctr"/>
+            <a:r>
+              <a:rPr lang="en-US" sz="1100" dirty="0">
+                <a:solidFill>
+                  <a:srgbClr val="7030A0"/>
+                </a:solidFill>
+              </a:rPr>
+              <a:t>1..*</a:t>
+            </a:r>
+            <a:endParaRPr lang="en-SG" sz="1100" dirty="0">
+              <a:solidFill>
+                <a:srgbClr val="7030A0"/>
+              </a:solidFill>
+            </a:endParaRPr>
+          </a:p>
+        </p:txBody>
+      </p:sp>
+      <p:sp>
+        <p:nvSpPr>
+          <p:cNvPr id="297" name="Rectangle 8">
+            <a:extLst>
+              <a:ext uri="{FF2B5EF4-FFF2-40B4-BE49-F238E27FC236}">
+                <a16:creationId xmlns:a16="http://schemas.microsoft.com/office/drawing/2014/main" id="{F733C275-6C4B-4651-A7FD-921216528424}"/>
+              </a:ext>
+            </a:extLst>
+          </p:cNvPr>
+          <p:cNvSpPr/>
+          <p:nvPr/>
+        </p:nvSpPr>
+        <p:spPr>
+          <a:xfrm>
+            <a:off x="2855902" y="6046231"/>
+            <a:ext cx="724495" cy="364396"/>
+          </a:xfrm>
+          <a:prstGeom prst="rect">
+            <a:avLst/>
+          </a:prstGeom>
+          <a:ln w="19050">
+            <a:solidFill>
+              <a:srgbClr val="7030A0"/>
+            </a:solidFill>
+          </a:ln>
+          <a:effectLst/>
+        </p:spPr>
+        <p:style>
+          <a:lnRef idx="1">
+            <a:schemeClr val="accent4"/>
+          </a:lnRef>
+          <a:fillRef idx="2">
+            <a:schemeClr val="accent4"/>
+          </a:fillRef>
+          <a:effectRef idx="1">
+            <a:schemeClr val="accent4"/>
+          </a:effectRef>
+          <a:fontRef idx="minor">
+            <a:schemeClr val="dk1"/>
+          </a:fontRef>
+        </p:style>
+        <p:txBody>
+          <a:bodyPr rtlCol="0" anchor="ctr"/>
+          <a:lstStyle/>
+          <a:p>
+            <a:pPr algn="ctr"/>
+            <a:r>
+              <a:rPr lang="en-US" sz="1050" dirty="0">
+                <a:solidFill>
+                  <a:srgbClr val="7030A0"/>
+                </a:solidFill>
+              </a:rPr>
+              <a:t>Medicine</a:t>
+            </a:r>
+            <a:endParaRPr lang="en-SG" sz="1050" dirty="0">
+              <a:solidFill>
+                <a:srgbClr val="7030A0"/>
+              </a:solidFill>
+            </a:endParaRPr>
+          </a:p>
+        </p:txBody>
+      </p:sp>
+      <p:sp>
+        <p:nvSpPr>
+          <p:cNvPr id="298" name="Rectangle 8">
+            <a:extLst>
+              <a:ext uri="{FF2B5EF4-FFF2-40B4-BE49-F238E27FC236}">
+                <a16:creationId xmlns:a16="http://schemas.microsoft.com/office/drawing/2014/main" id="{7A1B9086-2C16-423B-BE72-1528D2A91177}"/>
+              </a:ext>
+            </a:extLst>
+          </p:cNvPr>
+          <p:cNvSpPr/>
+          <p:nvPr/>
+        </p:nvSpPr>
+        <p:spPr>
+          <a:xfrm>
+            <a:off x="3720053" y="6046231"/>
+            <a:ext cx="869851" cy="364396"/>
+          </a:xfrm>
+          <a:prstGeom prst="rect">
+            <a:avLst/>
+          </a:prstGeom>
+          <a:ln w="19050">
+            <a:solidFill>
+              <a:srgbClr val="7030A0"/>
+            </a:solidFill>
+          </a:ln>
+          <a:effectLst/>
+        </p:spPr>
+        <p:style>
+          <a:lnRef idx="1">
+            <a:schemeClr val="accent4"/>
+          </a:lnRef>
+          <a:fillRef idx="2">
+            <a:schemeClr val="accent4"/>
+          </a:fillRef>
+          <a:effectRef idx="1">
+            <a:schemeClr val="accent4"/>
+          </a:effectRef>
+          <a:fontRef idx="minor">
+            <a:schemeClr val="dk1"/>
+          </a:fontRef>
+        </p:style>
+        <p:txBody>
+          <a:bodyPr rtlCol="0" anchor="ctr"/>
+          <a:lstStyle/>
+          <a:p>
+            <a:pPr algn="ctr"/>
+            <a:r>
+              <a:rPr lang="en-US" sz="1050" dirty="0">
+                <a:solidFill>
+                  <a:srgbClr val="7030A0"/>
+                </a:solidFill>
+              </a:rPr>
+              <a:t>Instruction</a:t>
+            </a:r>
+            <a:endParaRPr lang="en-SG" sz="1050" dirty="0">
+              <a:solidFill>
+                <a:srgbClr val="7030A0"/>
+              </a:solidFill>
+            </a:endParaRPr>
+          </a:p>
+        </p:txBody>
+      </p:sp>
+      <p:sp>
+        <p:nvSpPr>
+          <p:cNvPr id="299" name="Flowchart: Decision 96">
+            <a:extLst>
+              <a:ext uri="{FF2B5EF4-FFF2-40B4-BE49-F238E27FC236}">
+                <a16:creationId xmlns:a16="http://schemas.microsoft.com/office/drawing/2014/main" id="{E30FB576-17B0-4D49-B4F1-7F9760BC6AEE}"/>
+              </a:ext>
+            </a:extLst>
+          </p:cNvPr>
+          <p:cNvSpPr/>
+          <p:nvPr/>
+        </p:nvSpPr>
+        <p:spPr>
+          <a:xfrm>
+            <a:off x="3100126" y="5720855"/>
+            <a:ext cx="236048" cy="173380"/>
+          </a:xfrm>
+          <a:prstGeom prst="flowChartDecision">
+            <a:avLst/>
+          </a:prstGeom>
+          <a:noFill/>
+          <a:ln w="19050">
+            <a:solidFill>
+              <a:srgbClr val="7030A0"/>
+            </a:solidFill>
+          </a:ln>
+          <a:effectLst/>
+        </p:spPr>
+        <p:style>
+          <a:lnRef idx="1">
+            <a:schemeClr val="accent6"/>
+          </a:lnRef>
+          <a:fillRef idx="2">
+            <a:schemeClr val="accent6"/>
+          </a:fillRef>
+          <a:effectRef idx="1">
+            <a:schemeClr val="accent6"/>
+          </a:effectRef>
+          <a:fontRef idx="minor">
+            <a:schemeClr val="dk1"/>
+          </a:fontRef>
+        </p:style>
+        <p:txBody>
+          <a:bodyPr rtlCol="0" anchor="ctr"/>
+          <a:lstStyle/>
+          <a:p>
+            <a:pPr algn="ctr"/>
+            <a:endParaRPr lang="en-US" sz="1050"/>
+          </a:p>
+        </p:txBody>
+      </p:sp>
+      <p:sp>
+        <p:nvSpPr>
+          <p:cNvPr id="300" name="Flowchart: Decision 96">
+            <a:extLst>
+              <a:ext uri="{FF2B5EF4-FFF2-40B4-BE49-F238E27FC236}">
+                <a16:creationId xmlns:a16="http://schemas.microsoft.com/office/drawing/2014/main" id="{4ABFB825-0B3D-4B91-ADD1-180ECECDEEA0}"/>
+              </a:ext>
+            </a:extLst>
+          </p:cNvPr>
+          <p:cNvSpPr/>
+          <p:nvPr/>
+        </p:nvSpPr>
+        <p:spPr>
+          <a:xfrm>
+            <a:off x="3847050" y="5716290"/>
+            <a:ext cx="236048" cy="173380"/>
+          </a:xfrm>
+          <a:prstGeom prst="flowChartDecision">
+            <a:avLst/>
+          </a:prstGeom>
+          <a:noFill/>
+          <a:ln w="19050">
+            <a:solidFill>
+              <a:srgbClr val="7030A0"/>
+            </a:solidFill>
+          </a:ln>
+          <a:effectLst/>
+        </p:spPr>
+        <p:style>
+          <a:lnRef idx="1">
+            <a:schemeClr val="accent6"/>
+          </a:lnRef>
+          <a:fillRef idx="2">
+            <a:schemeClr val="accent6"/>
+          </a:fillRef>
+          <a:effectRef idx="1">
+            <a:schemeClr val="accent6"/>
+          </a:effectRef>
+          <a:fontRef idx="minor">
+            <a:schemeClr val="dk1"/>
+          </a:fontRef>
+        </p:style>
+        <p:txBody>
+          <a:bodyPr rtlCol="0" anchor="ctr"/>
+          <a:lstStyle/>
+          <a:p>
+            <a:pPr algn="ctr"/>
+            <a:endParaRPr lang="en-US" sz="1050" dirty="0"/>
+          </a:p>
+        </p:txBody>
+      </p:sp>
+      <p:cxnSp>
+        <p:nvCxnSpPr>
+          <p:cNvPr id="301" name="Straight Arrow Connector 300">
+            <a:extLst>
+              <a:ext uri="{FF2B5EF4-FFF2-40B4-BE49-F238E27FC236}">
+                <a16:creationId xmlns:a16="http://schemas.microsoft.com/office/drawing/2014/main" id="{E9D5F452-42A9-4B91-8BF4-ACF976916AC1}"/>
+              </a:ext>
+            </a:extLst>
+          </p:cNvPr>
+          <p:cNvCxnSpPr>
+            <a:cxnSpLocks/>
+            <a:stCxn id="299" idx="2"/>
+            <a:endCxn id="297" idx="0"/>
+          </p:cNvCxnSpPr>
+          <p:nvPr/>
+        </p:nvCxnSpPr>
+        <p:spPr>
+          <a:xfrm>
+            <a:off x="3218150" y="5894235"/>
+            <a:ext cx="0" cy="151996"/>
+          </a:xfrm>
+          <a:prstGeom prst="straightConnector1">
+            <a:avLst/>
+          </a:prstGeom>
+          <a:ln w="19050">
+            <a:solidFill>
+              <a:srgbClr val="7030A0"/>
+            </a:solidFill>
+            <a:headEnd type="none" w="med" len="med"/>
+            <a:tailEnd type="arrow" w="med" len="med"/>
+          </a:ln>
+          <a:effectLst/>
+        </p:spPr>
+        <p:style>
+          <a:lnRef idx="1">
+            <a:schemeClr val="accent2"/>
+          </a:lnRef>
+          <a:fillRef idx="2">
+            <a:schemeClr val="accent2"/>
+          </a:fillRef>
+          <a:effectRef idx="1">
+            <a:schemeClr val="accent2"/>
+          </a:effectRef>
+          <a:fontRef idx="minor">
+            <a:schemeClr val="dk1"/>
+          </a:fontRef>
+        </p:style>
+      </p:cxnSp>
+      <p:cxnSp>
+        <p:nvCxnSpPr>
+          <p:cNvPr id="308" name="Straight Arrow Connector 307">
+            <a:extLst>
+              <a:ext uri="{FF2B5EF4-FFF2-40B4-BE49-F238E27FC236}">
+                <a16:creationId xmlns:a16="http://schemas.microsoft.com/office/drawing/2014/main" id="{904F0FD2-BB87-46B1-9136-7B3697FAB441}"/>
+              </a:ext>
+            </a:extLst>
+          </p:cNvPr>
+          <p:cNvCxnSpPr>
+            <a:cxnSpLocks/>
+            <a:stCxn id="300" idx="2"/>
+          </p:cNvCxnSpPr>
+          <p:nvPr/>
+        </p:nvCxnSpPr>
+        <p:spPr>
+          <a:xfrm>
+            <a:off x="3965074" y="5889670"/>
+            <a:ext cx="0" cy="191016"/>
+          </a:xfrm>
+          <a:prstGeom prst="straightConnector1">
+            <a:avLst/>
+          </a:prstGeom>
+          <a:ln w="19050">
+            <a:solidFill>
+              <a:srgbClr val="7030A0"/>
+            </a:solidFill>
+            <a:headEnd type="none" w="med" len="med"/>
+            <a:tailEnd type="arrow" w="med" len="med"/>
+          </a:ln>
+          <a:effectLst/>
+        </p:spPr>
+        <p:style>
+          <a:lnRef idx="1">
+            <a:schemeClr val="accent2"/>
+          </a:lnRef>
+          <a:fillRef idx="2">
+            <a:schemeClr val="accent2"/>
+          </a:fillRef>
+          <a:effectRef idx="1">
+            <a:schemeClr val="accent2"/>
+          </a:effectRef>
+          <a:fontRef idx="minor">
+            <a:schemeClr val="dk1"/>
+          </a:fontRef>
+        </p:style>
+      </p:cxnSp>
+      <p:sp>
+        <p:nvSpPr>
+          <p:cNvPr id="312" name="Rectangle 8">
+            <a:extLst>
+              <a:ext uri="{FF2B5EF4-FFF2-40B4-BE49-F238E27FC236}">
+                <a16:creationId xmlns:a16="http://schemas.microsoft.com/office/drawing/2014/main" id="{5DFF7B7D-9C31-496B-9E22-E9B3288BD882}"/>
+              </a:ext>
+            </a:extLst>
+          </p:cNvPr>
+          <p:cNvSpPr/>
+          <p:nvPr/>
+        </p:nvSpPr>
+        <p:spPr>
+          <a:xfrm>
+            <a:off x="615873" y="5357082"/>
+            <a:ext cx="1091786" cy="346760"/>
+          </a:xfrm>
+          <a:prstGeom prst="rect">
+            <a:avLst/>
+          </a:prstGeom>
+          <a:ln w="19050">
+            <a:solidFill>
+              <a:srgbClr val="7030A0"/>
+            </a:solidFill>
+          </a:ln>
+          <a:effectLst/>
+        </p:spPr>
+        <p:style>
+          <a:lnRef idx="1">
+            <a:schemeClr val="accent4"/>
+          </a:lnRef>
+          <a:fillRef idx="2">
+            <a:schemeClr val="accent4"/>
+          </a:fillRef>
+          <a:effectRef idx="1">
+            <a:schemeClr val="accent4"/>
+          </a:effectRef>
+          <a:fontRef idx="minor">
+            <a:schemeClr val="dk1"/>
+          </a:fontRef>
+        </p:style>
+        <p:txBody>
+          <a:bodyPr rtlCol="0" anchor="ctr"/>
+          <a:lstStyle/>
+          <a:p>
+            <a:pPr algn="ctr"/>
+            <a:r>
+              <a:rPr lang="en-US" sz="1050" dirty="0">
+                <a:solidFill>
+                  <a:srgbClr val="7030A0"/>
+                </a:solidFill>
+              </a:rPr>
+              <a:t>Analytics</a:t>
+            </a:r>
+            <a:endParaRPr lang="en-SG" sz="1050" dirty="0">
+              <a:solidFill>
+                <a:srgbClr val="7030A0"/>
+              </a:solidFill>
+            </a:endParaRPr>
+          </a:p>
+        </p:txBody>
+      </p:sp>
+      <p:sp>
+        <p:nvSpPr>
+          <p:cNvPr id="315" name="Rectangle 8">
+            <a:extLst>
+              <a:ext uri="{FF2B5EF4-FFF2-40B4-BE49-F238E27FC236}">
+                <a16:creationId xmlns:a16="http://schemas.microsoft.com/office/drawing/2014/main" id="{AA228570-2E51-4C6F-B919-BAAF2E1018D8}"/>
+              </a:ext>
+            </a:extLst>
+          </p:cNvPr>
+          <p:cNvSpPr/>
+          <p:nvPr/>
+        </p:nvSpPr>
+        <p:spPr>
+          <a:xfrm>
+            <a:off x="1839442" y="5365900"/>
+            <a:ext cx="1091786" cy="346760"/>
+          </a:xfrm>
+          <a:prstGeom prst="rect">
+            <a:avLst/>
+          </a:prstGeom>
+          <a:ln w="19050">
+            <a:solidFill>
+              <a:srgbClr val="7030A0"/>
+            </a:solidFill>
+          </a:ln>
+          <a:effectLst/>
+        </p:spPr>
+        <p:style>
+          <a:lnRef idx="1">
+            <a:schemeClr val="accent4"/>
+          </a:lnRef>
+          <a:fillRef idx="2">
+            <a:schemeClr val="accent4"/>
+          </a:fillRef>
+          <a:effectRef idx="1">
+            <a:schemeClr val="accent4"/>
+          </a:effectRef>
+          <a:fontRef idx="minor">
+            <a:schemeClr val="dk1"/>
+          </a:fontRef>
+        </p:style>
+        <p:txBody>
+          <a:bodyPr rtlCol="0" anchor="ctr"/>
+          <a:lstStyle/>
+          <a:p>
+            <a:pPr algn="ctr"/>
+            <a:r>
+              <a:rPr lang="en-US" sz="1050" dirty="0">
+                <a:solidFill>
+                  <a:srgbClr val="7030A0"/>
+                </a:solidFill>
+              </a:rPr>
+              <a:t>Stats</a:t>
+            </a:r>
+            <a:endParaRPr lang="en-SG" sz="1050" dirty="0">
+              <a:solidFill>
+                <a:srgbClr val="7030A0"/>
+              </a:solidFill>
+            </a:endParaRPr>
+          </a:p>
+        </p:txBody>
+      </p:sp>
     </p:spTree>
     <p:extLst>
       <p:ext uri="{BB962C8B-B14F-4D97-AF65-F5344CB8AC3E}">

--- a/docs/diagrams/ModelComponentClassDiagram.pptx
+++ b/docs/diagrams/ModelComponentClassDiagram.pptx
@@ -126,6 +126,539 @@
 </p:presentation>
 </file>
 
+<file path=ppt/changesInfos/changesInfo1.xml><?xml version="1.0" encoding="utf-8"?>
+<pc:chgInfo xmlns:a="http://schemas.openxmlformats.org/drawingml/2006/main" xmlns:r="http://schemas.openxmlformats.org/officeDocument/2006/relationships" xmlns:ac="http://schemas.microsoft.com/office/drawing/2013/main/command" xmlns:pc="http://schemas.microsoft.com/office/powerpoint/2013/main/command">
+  <pc:docChgLst>
+    <pc:chgData name="Shengmin Leong" userId="075411cc4697ef0d" providerId="LiveId" clId="{CC3032D4-0828-4756-9212-7143605D2EB9}"/>
+    <pc:docChg chg="undo redo custSel modSld">
+      <pc:chgData name="Shengmin Leong" userId="075411cc4697ef0d" providerId="LiveId" clId="{CC3032D4-0828-4756-9212-7143605D2EB9}" dt="2018-10-01T05:07:59.488" v="1129" actId="478"/>
+      <pc:docMkLst>
+        <pc:docMk/>
+      </pc:docMkLst>
+      <pc:sldChg chg="addSp delSp modSp">
+        <pc:chgData name="Shengmin Leong" userId="075411cc4697ef0d" providerId="LiveId" clId="{CC3032D4-0828-4756-9212-7143605D2EB9}" dt="2018-10-01T05:07:59.488" v="1129" actId="478"/>
+        <pc:sldMkLst>
+          <pc:docMk/>
+          <pc:sldMk cId="2396968029" sldId="263"/>
+        </pc:sldMkLst>
+        <pc:spChg chg="mod">
+          <ac:chgData name="Shengmin Leong" userId="075411cc4697ef0d" providerId="LiveId" clId="{CC3032D4-0828-4756-9212-7143605D2EB9}" dt="2018-10-01T04:50:05.834" v="814" actId="1076"/>
+          <ac:spMkLst>
+            <pc:docMk/>
+            <pc:sldMk cId="2396968029" sldId="263"/>
+            <ac:spMk id="2" creationId="{00000000-0000-0000-0000-000000000000}"/>
+          </ac:spMkLst>
+        </pc:spChg>
+        <pc:spChg chg="mod">
+          <ac:chgData name="Shengmin Leong" userId="075411cc4697ef0d" providerId="LiveId" clId="{CC3032D4-0828-4756-9212-7143605D2EB9}" dt="2018-10-01T03:20:36.515" v="18" actId="1076"/>
+          <ac:spMkLst>
+            <pc:docMk/>
+            <pc:sldMk cId="2396968029" sldId="263"/>
+            <ac:spMk id="42" creationId="{00000000-0000-0000-0000-000000000000}"/>
+          </ac:spMkLst>
+        </pc:spChg>
+        <pc:spChg chg="mod ord">
+          <ac:chgData name="Shengmin Leong" userId="075411cc4697ef0d" providerId="LiveId" clId="{CC3032D4-0828-4756-9212-7143605D2EB9}" dt="2018-10-01T04:40:20.987" v="575" actId="166"/>
+          <ac:spMkLst>
+            <pc:docMk/>
+            <pc:sldMk cId="2396968029" sldId="263"/>
+            <ac:spMk id="46" creationId="{00000000-0000-0000-0000-000000000000}"/>
+          </ac:spMkLst>
+        </pc:spChg>
+        <pc:spChg chg="mod">
+          <ac:chgData name="Shengmin Leong" userId="075411cc4697ef0d" providerId="LiveId" clId="{CC3032D4-0828-4756-9212-7143605D2EB9}" dt="2018-10-01T03:19:58.184" v="1" actId="1076"/>
+          <ac:spMkLst>
+            <pc:docMk/>
+            <pc:sldMk cId="2396968029" sldId="263"/>
+            <ac:spMk id="48" creationId="{00000000-0000-0000-0000-000000000000}"/>
+          </ac:spMkLst>
+        </pc:spChg>
+        <pc:spChg chg="mod">
+          <ac:chgData name="Shengmin Leong" userId="075411cc4697ef0d" providerId="LiveId" clId="{CC3032D4-0828-4756-9212-7143605D2EB9}" dt="2018-10-01T03:25:36.179" v="72" actId="1076"/>
+          <ac:spMkLst>
+            <pc:docMk/>
+            <pc:sldMk cId="2396968029" sldId="263"/>
+            <ac:spMk id="49" creationId="{00000000-0000-0000-0000-000000000000}"/>
+          </ac:spMkLst>
+        </pc:spChg>
+        <pc:spChg chg="mod">
+          <ac:chgData name="Shengmin Leong" userId="075411cc4697ef0d" providerId="LiveId" clId="{CC3032D4-0828-4756-9212-7143605D2EB9}" dt="2018-10-01T03:25:39.355" v="73" actId="1076"/>
+          <ac:spMkLst>
+            <pc:docMk/>
+            <pc:sldMk cId="2396968029" sldId="263"/>
+            <ac:spMk id="51" creationId="{00000000-0000-0000-0000-000000000000}"/>
+          </ac:spMkLst>
+        </pc:spChg>
+        <pc:spChg chg="mod ord">
+          <ac:chgData name="Shengmin Leong" userId="075411cc4697ef0d" providerId="LiveId" clId="{CC3032D4-0828-4756-9212-7143605D2EB9}" dt="2018-10-01T04:39:22.927" v="568" actId="166"/>
+          <ac:spMkLst>
+            <pc:docMk/>
+            <pc:sldMk cId="2396968029" sldId="263"/>
+            <ac:spMk id="55" creationId="{00000000-0000-0000-0000-000000000000}"/>
+          </ac:spMkLst>
+        </pc:spChg>
+        <pc:spChg chg="add mod">
+          <ac:chgData name="Shengmin Leong" userId="075411cc4697ef0d" providerId="LiveId" clId="{CC3032D4-0828-4756-9212-7143605D2EB9}" dt="2018-10-01T03:21:58.360" v="38" actId="1076"/>
+          <ac:spMkLst>
+            <pc:docMk/>
+            <pc:sldMk cId="2396968029" sldId="263"/>
+            <ac:spMk id="56" creationId="{249D00E4-5904-42A5-820F-DAA30DF03A0F}"/>
+          </ac:spMkLst>
+        </pc:spChg>
+        <pc:spChg chg="add mod">
+          <ac:chgData name="Shengmin Leong" userId="075411cc4697ef0d" providerId="LiveId" clId="{CC3032D4-0828-4756-9212-7143605D2EB9}" dt="2018-10-01T03:24:21.773" v="55" actId="1076"/>
+          <ac:spMkLst>
+            <pc:docMk/>
+            <pc:sldMk cId="2396968029" sldId="263"/>
+            <ac:spMk id="57" creationId="{6DB0FF8F-D1E6-4C03-9A19-F389789BC40B}"/>
+          </ac:spMkLst>
+        </pc:spChg>
+        <pc:spChg chg="mod">
+          <ac:chgData name="Shengmin Leong" userId="075411cc4697ef0d" providerId="LiveId" clId="{CC3032D4-0828-4756-9212-7143605D2EB9}" dt="2018-10-01T04:46:57.114" v="769" actId="1035"/>
+          <ac:spMkLst>
+            <pc:docMk/>
+            <pc:sldMk cId="2396968029" sldId="263"/>
+            <ac:spMk id="61" creationId="{00000000-0000-0000-0000-000000000000}"/>
+          </ac:spMkLst>
+        </pc:spChg>
+        <pc:spChg chg="mod">
+          <ac:chgData name="Shengmin Leong" userId="075411cc4697ef0d" providerId="LiveId" clId="{CC3032D4-0828-4756-9212-7143605D2EB9}" dt="2018-10-01T04:46:03.066" v="758" actId="1076"/>
+          <ac:spMkLst>
+            <pc:docMk/>
+            <pc:sldMk cId="2396968029" sldId="263"/>
+            <ac:spMk id="62" creationId="{00000000-0000-0000-0000-000000000000}"/>
+          </ac:spMkLst>
+        </pc:spChg>
+        <pc:spChg chg="mod">
+          <ac:chgData name="Shengmin Leong" userId="075411cc4697ef0d" providerId="LiveId" clId="{CC3032D4-0828-4756-9212-7143605D2EB9}" dt="2018-10-01T03:26:33.497" v="92" actId="1035"/>
+          <ac:spMkLst>
+            <pc:docMk/>
+            <pc:sldMk cId="2396968029" sldId="263"/>
+            <ac:spMk id="63" creationId="{00000000-0000-0000-0000-000000000000}"/>
+          </ac:spMkLst>
+        </pc:spChg>
+        <pc:spChg chg="mod">
+          <ac:chgData name="Shengmin Leong" userId="075411cc4697ef0d" providerId="LiveId" clId="{CC3032D4-0828-4756-9212-7143605D2EB9}" dt="2018-10-01T03:25:01.346" v="66" actId="1035"/>
+          <ac:spMkLst>
+            <pc:docMk/>
+            <pc:sldMk cId="2396968029" sldId="263"/>
+            <ac:spMk id="65" creationId="{00000000-0000-0000-0000-000000000000}"/>
+          </ac:spMkLst>
+        </pc:spChg>
+        <pc:spChg chg="mod">
+          <ac:chgData name="Shengmin Leong" userId="075411cc4697ef0d" providerId="LiveId" clId="{CC3032D4-0828-4756-9212-7143605D2EB9}" dt="2018-10-01T04:51:39.868" v="826" actId="1076"/>
+          <ac:spMkLst>
+            <pc:docMk/>
+            <pc:sldMk cId="2396968029" sldId="263"/>
+            <ac:spMk id="66" creationId="{00000000-0000-0000-0000-000000000000}"/>
+          </ac:spMkLst>
+        </pc:spChg>
+        <pc:spChg chg="mod">
+          <ac:chgData name="Shengmin Leong" userId="075411cc4697ef0d" providerId="LiveId" clId="{CC3032D4-0828-4756-9212-7143605D2EB9}" dt="2018-10-01T04:29:15.290" v="283" actId="1076"/>
+          <ac:spMkLst>
+            <pc:docMk/>
+            <pc:sldMk cId="2396968029" sldId="263"/>
+            <ac:spMk id="68" creationId="{00000000-0000-0000-0000-000000000000}"/>
+          </ac:spMkLst>
+        </pc:spChg>
+        <pc:spChg chg="mod">
+          <ac:chgData name="Shengmin Leong" userId="075411cc4697ef0d" providerId="LiveId" clId="{CC3032D4-0828-4756-9212-7143605D2EB9}" dt="2018-10-01T05:03:12.764" v="1045" actId="1076"/>
+          <ac:spMkLst>
+            <pc:docMk/>
+            <pc:sldMk cId="2396968029" sldId="263"/>
+            <ac:spMk id="70" creationId="{00000000-0000-0000-0000-000000000000}"/>
+          </ac:spMkLst>
+        </pc:spChg>
+        <pc:spChg chg="mod">
+          <ac:chgData name="Shengmin Leong" userId="075411cc4697ef0d" providerId="LiveId" clId="{CC3032D4-0828-4756-9212-7143605D2EB9}" dt="2018-10-01T03:26:42.249" v="98" actId="1038"/>
+          <ac:spMkLst>
+            <pc:docMk/>
+            <pc:sldMk cId="2396968029" sldId="263"/>
+            <ac:spMk id="78" creationId="{00000000-0000-0000-0000-000000000000}"/>
+          </ac:spMkLst>
+        </pc:spChg>
+        <pc:spChg chg="mod">
+          <ac:chgData name="Shengmin Leong" userId="075411cc4697ef0d" providerId="LiveId" clId="{CC3032D4-0828-4756-9212-7143605D2EB9}" dt="2018-10-01T05:03:41.130" v="1047" actId="14100"/>
+          <ac:spMkLst>
+            <pc:docMk/>
+            <pc:sldMk cId="2396968029" sldId="263"/>
+            <ac:spMk id="80" creationId="{00000000-0000-0000-0000-000000000000}"/>
+          </ac:spMkLst>
+        </pc:spChg>
+        <pc:spChg chg="mod">
+          <ac:chgData name="Shengmin Leong" userId="075411cc4697ef0d" providerId="LiveId" clId="{CC3032D4-0828-4756-9212-7143605D2EB9}" dt="2018-10-01T03:25:46.846" v="84" actId="20577"/>
+          <ac:spMkLst>
+            <pc:docMk/>
+            <pc:sldMk cId="2396968029" sldId="263"/>
+            <ac:spMk id="83" creationId="{00000000-0000-0000-0000-000000000000}"/>
+          </ac:spMkLst>
+        </pc:spChg>
+        <pc:spChg chg="add del mod">
+          <ac:chgData name="Shengmin Leong" userId="075411cc4697ef0d" providerId="LiveId" clId="{CC3032D4-0828-4756-9212-7143605D2EB9}" dt="2018-10-01T04:28:59.472" v="244" actId="478"/>
+          <ac:spMkLst>
+            <pc:docMk/>
+            <pc:sldMk cId="2396968029" sldId="263"/>
+            <ac:spMk id="87" creationId="{797DB465-9617-4324-B257-F5419F478A06}"/>
+          </ac:spMkLst>
+        </pc:spChg>
+        <pc:spChg chg="mod">
+          <ac:chgData name="Shengmin Leong" userId="075411cc4697ef0d" providerId="LiveId" clId="{CC3032D4-0828-4756-9212-7143605D2EB9}" dt="2018-10-01T03:29:30.954" v="125" actId="1076"/>
+          <ac:spMkLst>
+            <pc:docMk/>
+            <pc:sldMk cId="2396968029" sldId="263"/>
+            <ac:spMk id="99" creationId="{00000000-0000-0000-0000-000000000000}"/>
+          </ac:spMkLst>
+        </pc:spChg>
+        <pc:spChg chg="mod">
+          <ac:chgData name="Shengmin Leong" userId="075411cc4697ef0d" providerId="LiveId" clId="{CC3032D4-0828-4756-9212-7143605D2EB9}" dt="2018-10-01T05:02:27.598" v="1036" actId="1037"/>
+          <ac:spMkLst>
+            <pc:docMk/>
+            <pc:sldMk cId="2396968029" sldId="263"/>
+            <ac:spMk id="114" creationId="{00000000-0000-0000-0000-000000000000}"/>
+          </ac:spMkLst>
+        </pc:spChg>
+        <pc:spChg chg="add mod">
+          <ac:chgData name="Shengmin Leong" userId="075411cc4697ef0d" providerId="LiveId" clId="{CC3032D4-0828-4756-9212-7143605D2EB9}" dt="2018-10-01T04:45:08.592" v="754" actId="1076"/>
+          <ac:spMkLst>
+            <pc:docMk/>
+            <pc:sldMk cId="2396968029" sldId="263"/>
+            <ac:spMk id="115" creationId="{94659E10-A783-46D3-A463-E36EE140CF45}"/>
+          </ac:spMkLst>
+        </pc:spChg>
+        <pc:spChg chg="add mod">
+          <ac:chgData name="Shengmin Leong" userId="075411cc4697ef0d" providerId="LiveId" clId="{CC3032D4-0828-4756-9212-7143605D2EB9}" dt="2018-10-01T04:45:02.288" v="753" actId="1076"/>
+          <ac:spMkLst>
+            <pc:docMk/>
+            <pc:sldMk cId="2396968029" sldId="263"/>
+            <ac:spMk id="116" creationId="{29AD12B8-209F-47FE-B0CD-DCCFA345E5D2}"/>
+          </ac:spMkLst>
+        </pc:spChg>
+        <pc:spChg chg="add del mod">
+          <ac:chgData name="Shengmin Leong" userId="075411cc4697ef0d" providerId="LiveId" clId="{CC3032D4-0828-4756-9212-7143605D2EB9}" dt="2018-10-01T05:07:51.900" v="1126" actId="478"/>
+          <ac:spMkLst>
+            <pc:docMk/>
+            <pc:sldMk cId="2396968029" sldId="263"/>
+            <ac:spMk id="118" creationId="{00000000-0000-0000-0000-000000000000}"/>
+          </ac:spMkLst>
+        </pc:spChg>
+        <pc:spChg chg="add mod">
+          <ac:chgData name="Shengmin Leong" userId="075411cc4697ef0d" providerId="LiveId" clId="{CC3032D4-0828-4756-9212-7143605D2EB9}" dt="2018-10-01T04:30:06.516" v="333" actId="1076"/>
+          <ac:spMkLst>
+            <pc:docMk/>
+            <pc:sldMk cId="2396968029" sldId="263"/>
+            <ac:spMk id="123" creationId="{4A3B3FDB-CB1B-4CD6-8885-0DA7CE1D3816}"/>
+          </ac:spMkLst>
+        </pc:spChg>
+        <pc:spChg chg="add mod">
+          <ac:chgData name="Shengmin Leong" userId="075411cc4697ef0d" providerId="LiveId" clId="{CC3032D4-0828-4756-9212-7143605D2EB9}" dt="2018-10-01T04:46:09.303" v="759" actId="14100"/>
+          <ac:spMkLst>
+            <pc:docMk/>
+            <pc:sldMk cId="2396968029" sldId="263"/>
+            <ac:spMk id="125" creationId="{69DA47F3-AE27-45E8-A5EC-22B609C9702A}"/>
+          </ac:spMkLst>
+        </pc:spChg>
+        <pc:spChg chg="add mod">
+          <ac:chgData name="Shengmin Leong" userId="075411cc4697ef0d" providerId="LiveId" clId="{CC3032D4-0828-4756-9212-7143605D2EB9}" dt="2018-10-01T04:32:31.533" v="519" actId="1037"/>
+          <ac:spMkLst>
+            <pc:docMk/>
+            <pc:sldMk cId="2396968029" sldId="263"/>
+            <ac:spMk id="129" creationId="{2B9F9408-7B4D-4B99-8EA6-98DC7E99F514}"/>
+          </ac:spMkLst>
+        </pc:spChg>
+        <pc:spChg chg="add mod">
+          <ac:chgData name="Shengmin Leong" userId="075411cc4697ef0d" providerId="LiveId" clId="{CC3032D4-0828-4756-9212-7143605D2EB9}" dt="2018-10-01T04:32:22.507" v="513" actId="1076"/>
+          <ac:spMkLst>
+            <pc:docMk/>
+            <pc:sldMk cId="2396968029" sldId="263"/>
+            <ac:spMk id="130" creationId="{04A2AE4D-CF61-40C2-8824-CB599E0A01D6}"/>
+          </ac:spMkLst>
+        </pc:spChg>
+        <pc:spChg chg="add del">
+          <ac:chgData name="Shengmin Leong" userId="075411cc4697ef0d" providerId="LiveId" clId="{CC3032D4-0828-4756-9212-7143605D2EB9}" dt="2018-10-01T04:33:11.238" v="523"/>
+          <ac:spMkLst>
+            <pc:docMk/>
+            <pc:sldMk cId="2396968029" sldId="263"/>
+            <ac:spMk id="132" creationId="{27D3C707-1451-48A0-812B-158B1992D4E7}"/>
+          </ac:spMkLst>
+        </pc:spChg>
+        <pc:spChg chg="add mod">
+          <ac:chgData name="Shengmin Leong" userId="075411cc4697ef0d" providerId="LiveId" clId="{CC3032D4-0828-4756-9212-7143605D2EB9}" dt="2018-10-01T04:33:21.322" v="537" actId="1037"/>
+          <ac:spMkLst>
+            <pc:docMk/>
+            <pc:sldMk cId="2396968029" sldId="263"/>
+            <ac:spMk id="133" creationId="{39F1FCCD-6F25-4012-87DE-CB61D0C63909}"/>
+          </ac:spMkLst>
+        </pc:spChg>
+        <pc:spChg chg="add mod">
+          <ac:chgData name="Shengmin Leong" userId="075411cc4697ef0d" providerId="LiveId" clId="{CC3032D4-0828-4756-9212-7143605D2EB9}" dt="2018-10-01T04:41:34.380" v="682" actId="1076"/>
+          <ac:spMkLst>
+            <pc:docMk/>
+            <pc:sldMk cId="2396968029" sldId="263"/>
+            <ac:spMk id="150" creationId="{37CB3289-B6F0-4BCC-A79D-2787CC6F5FC7}"/>
+          </ac:spMkLst>
+        </pc:spChg>
+        <pc:spChg chg="add mod">
+          <ac:chgData name="Shengmin Leong" userId="075411cc4697ef0d" providerId="LiveId" clId="{CC3032D4-0828-4756-9212-7143605D2EB9}" dt="2018-10-01T04:42:29.714" v="723" actId="14100"/>
+          <ac:spMkLst>
+            <pc:docMk/>
+            <pc:sldMk cId="2396968029" sldId="263"/>
+            <ac:spMk id="151" creationId="{4BB8CCFF-A934-4801-A564-4C0CE890AAEA}"/>
+          </ac:spMkLst>
+        </pc:spChg>
+        <pc:spChg chg="add mod">
+          <ac:chgData name="Shengmin Leong" userId="075411cc4697ef0d" providerId="LiveId" clId="{CC3032D4-0828-4756-9212-7143605D2EB9}" dt="2018-10-01T04:56:11.104" v="854" actId="207"/>
+          <ac:spMkLst>
+            <pc:docMk/>
+            <pc:sldMk cId="2396968029" sldId="263"/>
+            <ac:spMk id="155" creationId="{F1259AC5-BAD4-48FC-8E26-E04E075B7D59}"/>
+          </ac:spMkLst>
+        </pc:spChg>
+        <pc:spChg chg="add del mod">
+          <ac:chgData name="Shengmin Leong" userId="075411cc4697ef0d" providerId="LiveId" clId="{CC3032D4-0828-4756-9212-7143605D2EB9}" dt="2018-10-01T05:07:59.488" v="1129" actId="478"/>
+          <ac:spMkLst>
+            <pc:docMk/>
+            <pc:sldMk cId="2396968029" sldId="263"/>
+            <ac:spMk id="182" creationId="{9C258726-294C-4D2D-856F-53C2C2AC5C15}"/>
+          </ac:spMkLst>
+        </pc:spChg>
+        <pc:spChg chg="add mod">
+          <ac:chgData name="Shengmin Leong" userId="075411cc4697ef0d" providerId="LiveId" clId="{CC3032D4-0828-4756-9212-7143605D2EB9}" dt="2018-10-01T05:04:23.091" v="1063" actId="1076"/>
+          <ac:spMkLst>
+            <pc:docMk/>
+            <pc:sldMk cId="2396968029" sldId="263"/>
+            <ac:spMk id="185" creationId="{B02ACAFF-C41D-44DC-B8A8-9FC647DEA733}"/>
+          </ac:spMkLst>
+        </pc:spChg>
+        <pc:spChg chg="add mod">
+          <ac:chgData name="Shengmin Leong" userId="075411cc4697ef0d" providerId="LiveId" clId="{CC3032D4-0828-4756-9212-7143605D2EB9}" dt="2018-10-01T05:04:17.578" v="1062" actId="1038"/>
+          <ac:spMkLst>
+            <pc:docMk/>
+            <pc:sldMk cId="2396968029" sldId="263"/>
+            <ac:spMk id="188" creationId="{33156D98-CE4D-4CE3-8FA9-594C95B327B0}"/>
+          </ac:spMkLst>
+        </pc:spChg>
+        <pc:spChg chg="add mod">
+          <ac:chgData name="Shengmin Leong" userId="075411cc4697ef0d" providerId="LiveId" clId="{CC3032D4-0828-4756-9212-7143605D2EB9}" dt="2018-10-01T04:58:46.952" v="947" actId="1076"/>
+          <ac:spMkLst>
+            <pc:docMk/>
+            <pc:sldMk cId="2396968029" sldId="263"/>
+            <ac:spMk id="189" creationId="{B52DF044-2580-4806-B84E-5EB53CC7FDF6}"/>
+          </ac:spMkLst>
+        </pc:spChg>
+        <pc:spChg chg="add mod">
+          <ac:chgData name="Shengmin Leong" userId="075411cc4697ef0d" providerId="LiveId" clId="{CC3032D4-0828-4756-9212-7143605D2EB9}" dt="2018-10-01T05:03:18.807" v="1046" actId="1076"/>
+          <ac:spMkLst>
+            <pc:docMk/>
+            <pc:sldMk cId="2396968029" sldId="263"/>
+            <ac:spMk id="206" creationId="{8404FA0A-01D0-4363-BB9D-C4A7524856CE}"/>
+          </ac:spMkLst>
+        </pc:spChg>
+        <pc:spChg chg="add mod">
+          <ac:chgData name="Shengmin Leong" userId="075411cc4697ef0d" providerId="LiveId" clId="{CC3032D4-0828-4756-9212-7143605D2EB9}" dt="2018-10-01T05:04:56.135" v="1123" actId="20577"/>
+          <ac:spMkLst>
+            <pc:docMk/>
+            <pc:sldMk cId="2396968029" sldId="263"/>
+            <ac:spMk id="210" creationId="{F25BEFE1-10D3-4A97-95F1-5D49922D8BD6}"/>
+          </ac:spMkLst>
+        </pc:spChg>
+        <pc:cxnChg chg="add del mod">
+          <ac:chgData name="Shengmin Leong" userId="075411cc4697ef0d" providerId="LiveId" clId="{CC3032D4-0828-4756-9212-7143605D2EB9}" dt="2018-10-01T03:22:46.924" v="46" actId="11529"/>
+          <ac:cxnSpMkLst>
+            <pc:docMk/>
+            <pc:sldMk cId="2396968029" sldId="263"/>
+            <ac:cxnSpMk id="14" creationId="{F276A6E5-4F58-4FA0-8E63-A69AB7B5364F}"/>
+          </ac:cxnSpMkLst>
+        </pc:cxnChg>
+        <pc:cxnChg chg="mod">
+          <ac:chgData name="Shengmin Leong" userId="075411cc4697ef0d" providerId="LiveId" clId="{CC3032D4-0828-4756-9212-7143605D2EB9}" dt="2018-10-01T03:19:58.184" v="1" actId="1076"/>
+          <ac:cxnSpMkLst>
+            <pc:docMk/>
+            <pc:sldMk cId="2396968029" sldId="263"/>
+            <ac:cxnSpMk id="47" creationId="{00000000-0000-0000-0000-000000000000}"/>
+          </ac:cxnSpMkLst>
+        </pc:cxnChg>
+        <pc:cxnChg chg="mod">
+          <ac:chgData name="Shengmin Leong" userId="075411cc4697ef0d" providerId="LiveId" clId="{CC3032D4-0828-4756-9212-7143605D2EB9}" dt="2018-10-01T03:26:42.249" v="98" actId="1038"/>
+          <ac:cxnSpMkLst>
+            <pc:docMk/>
+            <pc:sldMk cId="2396968029" sldId="263"/>
+            <ac:cxnSpMk id="53" creationId="{B97967F8-618A-448B-81FD-CDFD4AF0EC64}"/>
+          </ac:cxnSpMkLst>
+        </pc:cxnChg>
+        <pc:cxnChg chg="del mod">
+          <ac:chgData name="Shengmin Leong" userId="075411cc4697ef0d" providerId="LiveId" clId="{CC3032D4-0828-4756-9212-7143605D2EB9}" dt="2018-10-01T04:50:41.177" v="819" actId="478"/>
+          <ac:cxnSpMkLst>
+            <pc:docMk/>
+            <pc:sldMk cId="2396968029" sldId="263"/>
+            <ac:cxnSpMk id="58" creationId="{00000000-0000-0000-0000-000000000000}"/>
+          </ac:cxnSpMkLst>
+        </pc:cxnChg>
+        <pc:cxnChg chg="mod">
+          <ac:chgData name="Shengmin Leong" userId="075411cc4697ef0d" providerId="LiveId" clId="{CC3032D4-0828-4756-9212-7143605D2EB9}" dt="2018-10-01T03:25:36.179" v="72" actId="1076"/>
+          <ac:cxnSpMkLst>
+            <pc:docMk/>
+            <pc:sldMk cId="2396968029" sldId="263"/>
+            <ac:cxnSpMk id="60" creationId="{00000000-0000-0000-0000-000000000000}"/>
+          </ac:cxnSpMkLst>
+        </pc:cxnChg>
+        <pc:cxnChg chg="mod">
+          <ac:chgData name="Shengmin Leong" userId="075411cc4697ef0d" providerId="LiveId" clId="{CC3032D4-0828-4756-9212-7143605D2EB9}" dt="2018-10-01T04:46:03.066" v="758" actId="1076"/>
+          <ac:cxnSpMkLst>
+            <pc:docMk/>
+            <pc:sldMk cId="2396968029" sldId="263"/>
+            <ac:cxnSpMk id="64" creationId="{00000000-0000-0000-0000-000000000000}"/>
+          </ac:cxnSpMkLst>
+        </pc:cxnChg>
+        <pc:cxnChg chg="add mod">
+          <ac:chgData name="Shengmin Leong" userId="075411cc4697ef0d" providerId="LiveId" clId="{CC3032D4-0828-4756-9212-7143605D2EB9}" dt="2018-10-01T03:24:21.773" v="55" actId="1076"/>
+          <ac:cxnSpMkLst>
+            <pc:docMk/>
+            <pc:sldMk cId="2396968029" sldId="263"/>
+            <ac:cxnSpMk id="67" creationId="{A36B6FA4-B0C5-457E-A5AA-242DB847DB70}"/>
+          </ac:cxnSpMkLst>
+        </pc:cxnChg>
+        <pc:cxnChg chg="mod">
+          <ac:chgData name="Shengmin Leong" userId="075411cc4697ef0d" providerId="LiveId" clId="{CC3032D4-0828-4756-9212-7143605D2EB9}" dt="2018-10-01T04:29:15.290" v="283" actId="1076"/>
+          <ac:cxnSpMkLst>
+            <pc:docMk/>
+            <pc:sldMk cId="2396968029" sldId="263"/>
+            <ac:cxnSpMk id="69" creationId="{00000000-0000-0000-0000-000000000000}"/>
+          </ac:cxnSpMkLst>
+        </pc:cxnChg>
+        <pc:cxnChg chg="mod">
+          <ac:chgData name="Shengmin Leong" userId="075411cc4697ef0d" providerId="LiveId" clId="{CC3032D4-0828-4756-9212-7143605D2EB9}" dt="2018-10-01T03:26:53.236" v="99" actId="14100"/>
+          <ac:cxnSpMkLst>
+            <pc:docMk/>
+            <pc:sldMk cId="2396968029" sldId="263"/>
+            <ac:cxnSpMk id="79" creationId="{00000000-0000-0000-0000-000000000000}"/>
+          </ac:cxnSpMkLst>
+        </pc:cxnChg>
+        <pc:cxnChg chg="mod">
+          <ac:chgData name="Shengmin Leong" userId="075411cc4697ef0d" providerId="LiveId" clId="{CC3032D4-0828-4756-9212-7143605D2EB9}" dt="2018-10-01T05:03:41.130" v="1047" actId="14100"/>
+          <ac:cxnSpMkLst>
+            <pc:docMk/>
+            <pc:sldMk cId="2396968029" sldId="263"/>
+            <ac:cxnSpMk id="81" creationId="{00000000-0000-0000-0000-000000000000}"/>
+          </ac:cxnSpMkLst>
+        </pc:cxnChg>
+        <pc:cxnChg chg="mod">
+          <ac:chgData name="Shengmin Leong" userId="075411cc4697ef0d" providerId="LiveId" clId="{CC3032D4-0828-4756-9212-7143605D2EB9}" dt="2018-10-01T03:26:42.249" v="98" actId="1038"/>
+          <ac:cxnSpMkLst>
+            <pc:docMk/>
+            <pc:sldMk cId="2396968029" sldId="263"/>
+            <ac:cxnSpMk id="84" creationId="{00000000-0000-0000-0000-000000000000}"/>
+          </ac:cxnSpMkLst>
+        </pc:cxnChg>
+        <pc:cxnChg chg="mod">
+          <ac:chgData name="Shengmin Leong" userId="075411cc4697ef0d" providerId="LiveId" clId="{CC3032D4-0828-4756-9212-7143605D2EB9}" dt="2018-10-01T03:26:42.249" v="98" actId="1038"/>
+          <ac:cxnSpMkLst>
+            <pc:docMk/>
+            <pc:sldMk cId="2396968029" sldId="263"/>
+            <ac:cxnSpMk id="86" creationId="{00000000-0000-0000-0000-000000000000}"/>
+          </ac:cxnSpMkLst>
+        </pc:cxnChg>
+        <pc:cxnChg chg="add del mod">
+          <ac:chgData name="Shengmin Leong" userId="075411cc4697ef0d" providerId="LiveId" clId="{CC3032D4-0828-4756-9212-7143605D2EB9}" dt="2018-10-01T04:29:01.514" v="245" actId="478"/>
+          <ac:cxnSpMkLst>
+            <pc:docMk/>
+            <pc:sldMk cId="2396968029" sldId="263"/>
+            <ac:cxnSpMk id="88" creationId="{B139AC2E-4D75-4594-B30C-D03BD83CAD5C}"/>
+          </ac:cxnSpMkLst>
+        </pc:cxnChg>
+        <pc:cxnChg chg="mod">
+          <ac:chgData name="Shengmin Leong" userId="075411cc4697ef0d" providerId="LiveId" clId="{CC3032D4-0828-4756-9212-7143605D2EB9}" dt="2018-10-01T03:29:36.382" v="127" actId="14100"/>
+          <ac:cxnSpMkLst>
+            <pc:docMk/>
+            <pc:sldMk cId="2396968029" sldId="263"/>
+            <ac:cxnSpMk id="97" creationId="{00000000-0000-0000-0000-000000000000}"/>
+          </ac:cxnSpMkLst>
+        </pc:cxnChg>
+        <pc:cxnChg chg="mod">
+          <ac:chgData name="Shengmin Leong" userId="075411cc4697ef0d" providerId="LiveId" clId="{CC3032D4-0828-4756-9212-7143605D2EB9}" dt="2018-10-01T04:57:27.246" v="913" actId="1076"/>
+          <ac:cxnSpMkLst>
+            <pc:docMk/>
+            <pc:sldMk cId="2396968029" sldId="263"/>
+            <ac:cxnSpMk id="107" creationId="{00000000-0000-0000-0000-000000000000}"/>
+          </ac:cxnSpMkLst>
+        </pc:cxnChg>
+        <pc:cxnChg chg="add del mod">
+          <ac:chgData name="Shengmin Leong" userId="075411cc4697ef0d" providerId="LiveId" clId="{CC3032D4-0828-4756-9212-7143605D2EB9}" dt="2018-10-01T03:31:04.090" v="137"/>
+          <ac:cxnSpMkLst>
+            <pc:docMk/>
+            <pc:sldMk cId="2396968029" sldId="263"/>
+            <ac:cxnSpMk id="110" creationId="{272D07CD-F73E-4202-8ED6-ABE8D927F4F7}"/>
+          </ac:cxnSpMkLst>
+        </pc:cxnChg>
+        <pc:cxnChg chg="add mod ord">
+          <ac:chgData name="Shengmin Leong" userId="075411cc4697ef0d" providerId="LiveId" clId="{CC3032D4-0828-4756-9212-7143605D2EB9}" dt="2018-10-01T04:45:08.592" v="754" actId="1076"/>
+          <ac:cxnSpMkLst>
+            <pc:docMk/>
+            <pc:sldMk cId="2396968029" sldId="263"/>
+            <ac:cxnSpMk id="113" creationId="{83BB9E20-B28A-4410-8557-5E2EAB264CD1}"/>
+          </ac:cxnSpMkLst>
+        </pc:cxnChg>
+        <pc:cxnChg chg="add mod">
+          <ac:chgData name="Shengmin Leong" userId="075411cc4697ef0d" providerId="LiveId" clId="{CC3032D4-0828-4756-9212-7143605D2EB9}" dt="2018-10-01T04:33:30.653" v="538" actId="14100"/>
+          <ac:cxnSpMkLst>
+            <pc:docMk/>
+            <pc:sldMk cId="2396968029" sldId="263"/>
+            <ac:cxnSpMk id="121" creationId="{6FB528F8-969B-4B8F-8A8E-941418D6DAE7}"/>
+          </ac:cxnSpMkLst>
+        </pc:cxnChg>
+        <pc:cxnChg chg="add mod">
+          <ac:chgData name="Shengmin Leong" userId="075411cc4697ef0d" providerId="LiveId" clId="{CC3032D4-0828-4756-9212-7143605D2EB9}" dt="2018-10-01T04:47:05.517" v="770" actId="14100"/>
+          <ac:cxnSpMkLst>
+            <pc:docMk/>
+            <pc:sldMk cId="2396968029" sldId="263"/>
+            <ac:cxnSpMk id="126" creationId="{0605F226-205E-4044-818A-EE7BC6E35A20}"/>
+          </ac:cxnSpMkLst>
+        </pc:cxnChg>
+        <pc:cxnChg chg="add mod">
+          <ac:chgData name="Shengmin Leong" userId="075411cc4697ef0d" providerId="LiveId" clId="{CC3032D4-0828-4756-9212-7143605D2EB9}" dt="2018-10-01T04:45:02.288" v="753" actId="1076"/>
+          <ac:cxnSpMkLst>
+            <pc:docMk/>
+            <pc:sldMk cId="2396968029" sldId="263"/>
+            <ac:cxnSpMk id="147" creationId="{3972BE1B-2F47-4F76-8A91-7AFF1410B553}"/>
+          </ac:cxnSpMkLst>
+        </pc:cxnChg>
+        <pc:cxnChg chg="add mod">
+          <ac:chgData name="Shengmin Leong" userId="075411cc4697ef0d" providerId="LiveId" clId="{CC3032D4-0828-4756-9212-7143605D2EB9}" dt="2018-10-01T05:04:23.091" v="1063" actId="1076"/>
+          <ac:cxnSpMkLst>
+            <pc:docMk/>
+            <pc:sldMk cId="2396968029" sldId="263"/>
+            <ac:cxnSpMk id="156" creationId="{0C0C2313-9732-430D-90E5-2CABB627099D}"/>
+          </ac:cxnSpMkLst>
+        </pc:cxnChg>
+        <pc:cxnChg chg="add mod">
+          <ac:chgData name="Shengmin Leong" userId="075411cc4697ef0d" providerId="LiveId" clId="{CC3032D4-0828-4756-9212-7143605D2EB9}" dt="2018-10-01T04:51:29.564" v="825" actId="1582"/>
+          <ac:cxnSpMkLst>
+            <pc:docMk/>
+            <pc:sldMk cId="2396968029" sldId="263"/>
+            <ac:cxnSpMk id="176" creationId="{E41A1B6F-26D0-484A-950A-09FDC007C73B}"/>
+          </ac:cxnSpMkLst>
+        </pc:cxnChg>
+        <pc:cxnChg chg="add del mod">
+          <ac:chgData name="Shengmin Leong" userId="075411cc4697ef0d" providerId="LiveId" clId="{CC3032D4-0828-4756-9212-7143605D2EB9}" dt="2018-10-01T05:07:54.971" v="1128" actId="478"/>
+          <ac:cxnSpMkLst>
+            <pc:docMk/>
+            <pc:sldMk cId="2396968029" sldId="263"/>
+            <ac:cxnSpMk id="180" creationId="{43631884-7983-4B5C-BA16-F10A4CF159D8}"/>
+          </ac:cxnSpMkLst>
+        </pc:cxnChg>
+        <pc:cxnChg chg="add mod">
+          <ac:chgData name="Shengmin Leong" userId="075411cc4697ef0d" providerId="LiveId" clId="{CC3032D4-0828-4756-9212-7143605D2EB9}" dt="2018-10-01T05:04:17.578" v="1062" actId="1038"/>
+          <ac:cxnSpMkLst>
+            <pc:docMk/>
+            <pc:sldMk cId="2396968029" sldId="263"/>
+            <ac:cxnSpMk id="190" creationId="{83CFC997-08BA-4C57-A0A0-D8F253BB2C54}"/>
+          </ac:cxnSpMkLst>
+        </pc:cxnChg>
+      </pc:sldChg>
+    </pc:docChg>
+  </pc:docChgLst>
+</pc:chgInfo>
+</file>
+
 <file path=ppt/notesMasters/notesMaster1.xml><?xml version="1.0" encoding="utf-8"?>
 <p:notesMaster xmlns:a="http://schemas.openxmlformats.org/drawingml/2006/main" xmlns:r="http://schemas.openxmlformats.org/officeDocument/2006/relationships" xmlns:p="http://schemas.openxmlformats.org/presentationml/2006/main">
   <p:cSld>
@@ -208,7 +741,7 @@
           <a:p>
             <a:fld id="{F5CC4B3F-88C1-4FFA-B1B6-F41C21DC6924}" type="datetimeFigureOut">
               <a:rPr lang="en-US" smtClean="0"/>
-              <a:t>25-Sep-18</a:t>
+              <a:t>10/1/2018</a:t>
             </a:fld>
             <a:endParaRPr lang="en-US"/>
           </a:p>
@@ -654,7 +1187,7 @@
           <a:p>
             <a:fld id="{78C97017-6FC3-485B-9764-EAC9E56C1D49}" type="datetimeFigureOut">
               <a:rPr lang="en-US" smtClean="0"/>
-              <a:t>25-Sep-18</a:t>
+              <a:t>10/1/2018</a:t>
             </a:fld>
             <a:endParaRPr lang="en-US"/>
           </a:p>
@@ -822,7 +1355,7 @@
           <a:p>
             <a:fld id="{78C97017-6FC3-485B-9764-EAC9E56C1D49}" type="datetimeFigureOut">
               <a:rPr lang="en-US" smtClean="0"/>
-              <a:t>25-Sep-18</a:t>
+              <a:t>10/1/2018</a:t>
             </a:fld>
             <a:endParaRPr lang="en-US"/>
           </a:p>
@@ -1000,7 +1533,7 @@
           <a:p>
             <a:fld id="{78C97017-6FC3-485B-9764-EAC9E56C1D49}" type="datetimeFigureOut">
               <a:rPr lang="en-US" smtClean="0"/>
-              <a:t>25-Sep-18</a:t>
+              <a:t>10/1/2018</a:t>
             </a:fld>
             <a:endParaRPr lang="en-US"/>
           </a:p>
@@ -1168,7 +1701,7 @@
           <a:p>
             <a:fld id="{78C97017-6FC3-485B-9764-EAC9E56C1D49}" type="datetimeFigureOut">
               <a:rPr lang="en-US" smtClean="0"/>
-              <a:t>25-Sep-18</a:t>
+              <a:t>10/1/2018</a:t>
             </a:fld>
             <a:endParaRPr lang="en-US"/>
           </a:p>
@@ -1413,7 +1946,7 @@
           <a:p>
             <a:fld id="{78C97017-6FC3-485B-9764-EAC9E56C1D49}" type="datetimeFigureOut">
               <a:rPr lang="en-US" smtClean="0"/>
-              <a:t>25-Sep-18</a:t>
+              <a:t>10/1/2018</a:t>
             </a:fld>
             <a:endParaRPr lang="en-US"/>
           </a:p>
@@ -1698,7 +2231,7 @@
           <a:p>
             <a:fld id="{78C97017-6FC3-485B-9764-EAC9E56C1D49}" type="datetimeFigureOut">
               <a:rPr lang="en-US" smtClean="0"/>
-              <a:t>25-Sep-18</a:t>
+              <a:t>10/1/2018</a:t>
             </a:fld>
             <a:endParaRPr lang="en-US"/>
           </a:p>
@@ -2117,7 +2650,7 @@
           <a:p>
             <a:fld id="{78C97017-6FC3-485B-9764-EAC9E56C1D49}" type="datetimeFigureOut">
               <a:rPr lang="en-US" smtClean="0"/>
-              <a:t>25-Sep-18</a:t>
+              <a:t>10/1/2018</a:t>
             </a:fld>
             <a:endParaRPr lang="en-US"/>
           </a:p>
@@ -2234,7 +2767,7 @@
           <a:p>
             <a:fld id="{78C97017-6FC3-485B-9764-EAC9E56C1D49}" type="datetimeFigureOut">
               <a:rPr lang="en-US" smtClean="0"/>
-              <a:t>25-Sep-18</a:t>
+              <a:t>10/1/2018</a:t>
             </a:fld>
             <a:endParaRPr lang="en-US"/>
           </a:p>
@@ -2329,7 +2862,7 @@
           <a:p>
             <a:fld id="{78C97017-6FC3-485B-9764-EAC9E56C1D49}" type="datetimeFigureOut">
               <a:rPr lang="en-US" smtClean="0"/>
-              <a:t>25-Sep-18</a:t>
+              <a:t>10/1/2018</a:t>
             </a:fld>
             <a:endParaRPr lang="en-US"/>
           </a:p>
@@ -2604,7 +3137,7 @@
           <a:p>
             <a:fld id="{78C97017-6FC3-485B-9764-EAC9E56C1D49}" type="datetimeFigureOut">
               <a:rPr lang="en-US" smtClean="0"/>
-              <a:t>25-Sep-18</a:t>
+              <a:t>10/1/2018</a:t>
             </a:fld>
             <a:endParaRPr lang="en-US"/>
           </a:p>
@@ -2856,7 +3389,7 @@
           <a:p>
             <a:fld id="{78C97017-6FC3-485B-9764-EAC9E56C1D49}" type="datetimeFigureOut">
               <a:rPr lang="en-US" smtClean="0"/>
-              <a:t>25-Sep-18</a:t>
+              <a:t>10/1/2018</a:t>
             </a:fld>
             <a:endParaRPr lang="en-US"/>
           </a:p>
@@ -3067,7 +3600,7 @@
           <a:p>
             <a:fld id="{78C97017-6FC3-485B-9764-EAC9E56C1D49}" type="datetimeFigureOut">
               <a:rPr lang="en-US" smtClean="0"/>
-              <a:t>25-Sep-18</a:t>
+              <a:t>10/1/2018</a:t>
             </a:fld>
             <a:endParaRPr lang="en-US"/>
           </a:p>
@@ -3450,8 +3983,8 @@
         </p:nvSpPr>
         <p:spPr>
           <a:xfrm>
-            <a:off x="1119865" y="1600200"/>
-            <a:ext cx="7490735" cy="3124200"/>
+            <a:off x="1080770" y="1203694"/>
+            <a:ext cx="7758430" cy="3506496"/>
           </a:xfrm>
           <a:prstGeom prst="roundRect">
             <a:avLst>
@@ -3511,7 +4044,7 @@
         </p:nvSpPr>
         <p:spPr>
           <a:xfrm>
-            <a:off x="2877180" y="3463240"/>
+            <a:off x="3416472" y="4248629"/>
             <a:ext cx="1093635" cy="346760"/>
           </a:xfrm>
           <a:prstGeom prst="rect">
@@ -3626,19 +4159,17 @@
           <p:cNvPr id="107" name="Elbow Connector 106"/>
           <p:cNvCxnSpPr>
             <a:cxnSpLocks/>
-            <a:stCxn id="9" idx="1"/>
-            <a:endCxn id="62" idx="2"/>
           </p:cNvCxnSpPr>
           <p:nvPr/>
         </p:nvCxnSpPr>
         <p:spPr>
           <a:xfrm rot="5400000" flipH="1" flipV="1">
-            <a:off x="4131507" y="1281685"/>
-            <a:ext cx="613122" cy="4459404"/>
+            <a:off x="4014225" y="1193013"/>
+            <a:ext cx="819082" cy="4430787"/>
           </a:xfrm>
           <a:prstGeom prst="bentConnector3">
             <a:avLst>
-              <a:gd name="adj1" fmla="val -26668"/>
+              <a:gd name="adj1" fmla="val 17683"/>
             </a:avLst>
           </a:prstGeom>
           <a:ln w="19050">
@@ -3783,47 +4314,6 @@
           </a:p>
         </p:txBody>
       </p:sp>
-      <p:cxnSp>
-        <p:nvCxnSpPr>
-          <p:cNvPr id="58" name="Straight Arrow Connector 57"/>
-          <p:cNvCxnSpPr>
-            <a:stCxn id="42" idx="3"/>
-            <a:endCxn id="2" idx="1"/>
-          </p:cNvCxnSpPr>
-          <p:nvPr/>
-        </p:nvCxnSpPr>
-        <p:spPr>
-          <a:xfrm>
-            <a:off x="2609828" y="3636620"/>
-            <a:ext cx="267352" cy="0"/>
-          </a:xfrm>
-          <a:prstGeom prst="straightConnector1">
-            <a:avLst/>
-          </a:prstGeom>
-          <a:ln w="19050">
-            <a:solidFill>
-              <a:srgbClr val="7030A0"/>
-            </a:solidFill>
-            <a:headEnd type="none" w="med" len="med"/>
-            <a:tailEnd type="arrow" w="med" len="med"/>
-          </a:ln>
-          <a:effectLst/>
-        </p:spPr>
-        <p:style>
-          <a:lnRef idx="1">
-            <a:schemeClr val="accent2"/>
-          </a:lnRef>
-          <a:fillRef idx="2">
-            <a:schemeClr val="accent2"/>
-          </a:fillRef>
-          <a:effectRef idx="1">
-            <a:schemeClr val="accent2"/>
-          </a:effectRef>
-          <a:fontRef idx="minor">
-            <a:schemeClr val="dk1"/>
-          </a:fontRef>
-        </p:style>
-      </p:cxnSp>
       <p:cxnSp>
         <p:nvCxnSpPr>
           <p:cNvPr id="75" name="Elbow Connector 122"/>
@@ -3916,7 +4406,7 @@
         </p:nvSpPr>
         <p:spPr>
           <a:xfrm>
-            <a:off x="2373780" y="3549930"/>
+            <a:off x="2366135" y="3629020"/>
             <a:ext cx="236048" cy="173380"/>
           </a:xfrm>
           <a:prstGeom prst="flowChartDecision">
@@ -3953,62 +4443,6 @@
           </a:p>
         </p:txBody>
       </p:sp>
-      <p:sp>
-        <p:nvSpPr>
-          <p:cNvPr id="46" name="Rectangle 8"/>
-          <p:cNvSpPr/>
-          <p:nvPr/>
-        </p:nvSpPr>
-        <p:spPr>
-          <a:xfrm>
-            <a:off x="2825280" y="2846162"/>
-            <a:ext cx="1490560" cy="334856"/>
-          </a:xfrm>
-          <a:prstGeom prst="rect">
-            <a:avLst/>
-          </a:prstGeom>
-          <a:ln w="19050">
-            <a:solidFill>
-              <a:srgbClr val="7030A0"/>
-            </a:solidFill>
-          </a:ln>
-          <a:effectLst/>
-        </p:spPr>
-        <p:style>
-          <a:lnRef idx="1">
-            <a:schemeClr val="accent4"/>
-          </a:lnRef>
-          <a:fillRef idx="2">
-            <a:schemeClr val="accent4"/>
-          </a:fillRef>
-          <a:effectRef idx="1">
-            <a:schemeClr val="accent4"/>
-          </a:effectRef>
-          <a:fontRef idx="minor">
-            <a:schemeClr val="dk1"/>
-          </a:fontRef>
-        </p:style>
-        <p:txBody>
-          <a:bodyPr rtlCol="0" anchor="ctr"/>
-          <a:lstStyle/>
-          <a:p>
-            <a:pPr algn="ctr"/>
-            <a:r>
-              <a:rPr lang="en-US" sz="1050" dirty="0" err="1">
-                <a:solidFill>
-                  <a:srgbClr val="7030A0"/>
-                </a:solidFill>
-              </a:rPr>
-              <a:t>VersionedWishBook</a:t>
-            </a:r>
-            <a:endParaRPr lang="en-SG" sz="1050" dirty="0">
-              <a:solidFill>
-                <a:srgbClr val="7030A0"/>
-              </a:solidFill>
-            </a:endParaRPr>
-          </a:p>
-        </p:txBody>
-      </p:sp>
       <p:cxnSp>
         <p:nvCxnSpPr>
           <p:cNvPr id="47" name="Straight Arrow Connector 46"/>
@@ -4020,8 +4454,8 @@
         </p:nvCxnSpPr>
         <p:spPr>
           <a:xfrm>
-            <a:off x="2624360" y="3003033"/>
-            <a:ext cx="200920" cy="10557"/>
+            <a:off x="2642588" y="2825486"/>
+            <a:ext cx="237678" cy="2119"/>
           </a:xfrm>
           <a:prstGeom prst="straightConnector1">
             <a:avLst/>
@@ -4058,7 +4492,7 @@
         </p:nvSpPr>
         <p:spPr>
           <a:xfrm>
-            <a:off x="2388312" y="2916343"/>
+            <a:off x="2406540" y="2738796"/>
             <a:ext cx="236048" cy="173380"/>
           </a:xfrm>
           <a:prstGeom prst="flowChartDecision">
@@ -4103,7 +4537,7 @@
         </p:nvSpPr>
         <p:spPr>
           <a:xfrm>
-            <a:off x="4692650" y="2846162"/>
+            <a:off x="4733355" y="2644354"/>
             <a:ext cx="1156969" cy="346760"/>
           </a:xfrm>
           <a:prstGeom prst="rect">
@@ -4159,7 +4593,7 @@
         </p:nvSpPr>
         <p:spPr>
           <a:xfrm>
-            <a:off x="4324972" y="2920532"/>
+            <a:off x="4332828" y="2731044"/>
             <a:ext cx="236048" cy="173380"/>
           </a:xfrm>
           <a:prstGeom prst="flowChartDecision">
@@ -4206,7 +4640,7 @@
         </p:nvSpPr>
         <p:spPr>
           <a:xfrm>
-            <a:off x="6313677" y="2858066"/>
+            <a:off x="6299271" y="2652105"/>
             <a:ext cx="708186" cy="346760"/>
           </a:xfrm>
           <a:prstGeom prst="rect">
@@ -4262,7 +4696,7 @@
         </p:nvSpPr>
         <p:spPr>
           <a:xfrm>
-            <a:off x="5858751" y="2941676"/>
+            <a:off x="5858751" y="2743200"/>
             <a:ext cx="236048" cy="173380"/>
           </a:xfrm>
           <a:prstGeom prst="flowChartDecision">
@@ -4309,9 +4743,9 @@
           <p:nvPr/>
         </p:nvCxnSpPr>
         <p:spPr>
-          <a:xfrm>
-            <a:off x="6094799" y="3028366"/>
-            <a:ext cx="218878" cy="3080"/>
+          <a:xfrm flipV="1">
+            <a:off x="6094799" y="2825485"/>
+            <a:ext cx="204472" cy="4405"/>
           </a:xfrm>
           <a:prstGeom prst="bentConnector3">
             <a:avLst/>
@@ -4404,7 +4838,7 @@
         </p:nvSpPr>
         <p:spPr>
           <a:xfrm>
-            <a:off x="7041947" y="2948201"/>
+            <a:off x="7002952" y="2743200"/>
             <a:ext cx="236048" cy="173380"/>
           </a:xfrm>
           <a:prstGeom prst="flowChartDecision">
@@ -4452,9 +4886,9 @@
           <p:nvPr/>
         </p:nvCxnSpPr>
         <p:spPr>
-          <a:xfrm flipV="1">
-            <a:off x="7277995" y="2706821"/>
-            <a:ext cx="434402" cy="327761"/>
+          <a:xfrm>
+            <a:off x="7466243" y="2704738"/>
+            <a:ext cx="246154" cy="2084"/>
           </a:xfrm>
           <a:prstGeom prst="bentConnector3">
             <a:avLst/>
@@ -4492,7 +4926,7 @@
         <p:spPr>
           <a:xfrm>
             <a:off x="7712397" y="2887216"/>
-            <a:ext cx="708186" cy="285783"/>
+            <a:ext cx="974490" cy="285783"/>
           </a:xfrm>
           <a:prstGeom prst="rect">
             <a:avLst/>
@@ -4543,15 +4977,16 @@
         <p:nvCxnSpPr>
           <p:cNvPr id="81" name="Elbow Connector 80"/>
           <p:cNvCxnSpPr>
+            <a:cxnSpLocks/>
             <a:stCxn id="78" idx="3"/>
             <a:endCxn id="80" idx="1"/>
           </p:cNvCxnSpPr>
           <p:nvPr/>
         </p:nvCxnSpPr>
         <p:spPr>
-          <a:xfrm flipV="1">
-            <a:off x="7277995" y="3030108"/>
-            <a:ext cx="434402" cy="4783"/>
+          <a:xfrm>
+            <a:off x="7239000" y="2829890"/>
+            <a:ext cx="473397" cy="200218"/>
           </a:xfrm>
           <a:prstGeom prst="bentConnector3">
             <a:avLst/>
@@ -4621,18 +5056,13 @@
           <a:p>
             <a:pPr algn="ctr"/>
             <a:r>
-              <a:rPr lang="en-US" sz="1050" dirty="0">
+              <a:rPr lang="en-SG" sz="1050" dirty="0">
                 <a:solidFill>
                   <a:srgbClr val="7030A0"/>
                 </a:solidFill>
               </a:rPr>
-              <a:t>Cost</a:t>
-            </a:r>
-            <a:endParaRPr lang="en-SG" sz="1050" dirty="0">
-              <a:solidFill>
-                <a:srgbClr val="7030A0"/>
-              </a:solidFill>
-            </a:endParaRPr>
+              <a:t>Price</a:t>
+            </a:r>
           </a:p>
         </p:txBody>
       </p:sp>
@@ -4647,8 +5077,8 @@
         </p:nvCxnSpPr>
         <p:spPr>
           <a:xfrm>
-            <a:off x="7277995" y="3034891"/>
-            <a:ext cx="434402" cy="318195"/>
+            <a:off x="7239000" y="2829890"/>
+            <a:ext cx="473397" cy="523196"/>
           </a:xfrm>
           <a:prstGeom prst="bentConnector3">
             <a:avLst/>
@@ -4744,8 +5174,8 @@
         </p:nvCxnSpPr>
         <p:spPr>
           <a:xfrm>
-            <a:off x="7277995" y="3034891"/>
-            <a:ext cx="434402" cy="641172"/>
+            <a:off x="7239000" y="2829890"/>
+            <a:ext cx="473397" cy="846173"/>
           </a:xfrm>
           <a:prstGeom prst="bentConnector3">
             <a:avLst/>
@@ -4778,14 +5208,15 @@
         <p:nvCxnSpPr>
           <p:cNvPr id="97" name="Elbow Connector 63"/>
           <p:cNvCxnSpPr>
+            <a:cxnSpLocks/>
             <a:stCxn id="99" idx="3"/>
           </p:cNvCxnSpPr>
           <p:nvPr/>
         </p:nvCxnSpPr>
         <p:spPr>
-          <a:xfrm rot="5400000">
-            <a:off x="3553611" y="2687559"/>
-            <a:ext cx="293825" cy="5938"/>
+          <a:xfrm rot="16200000" flipH="1">
+            <a:off x="3558296" y="2592927"/>
+            <a:ext cx="134498" cy="2"/>
           </a:xfrm>
           <a:prstGeom prst="bentConnector3">
             <a:avLst>
@@ -4825,7 +5256,7 @@
         </p:nvSpPr>
         <p:spPr>
           <a:xfrm rot="10800000" flipV="1">
-            <a:off x="3562299" y="2386554"/>
+            <a:off x="3484351" y="2368617"/>
             <a:ext cx="282387" cy="157062"/>
           </a:xfrm>
           <a:prstGeom prst="triangle">
@@ -4943,8 +5374,8 @@
           <p:nvPr/>
         </p:nvSpPr>
         <p:spPr>
-          <a:xfrm rot="16200000">
-            <a:off x="6362886" y="3586305"/>
+          <a:xfrm>
+            <a:off x="5638800" y="3472190"/>
             <a:ext cx="881018" cy="261610"/>
           </a:xfrm>
           <a:prstGeom prst="rect">
@@ -5135,7 +5566,7 @@
         </p:nvSpPr>
         <p:spPr>
           <a:xfrm>
-            <a:off x="6135256" y="3097917"/>
+            <a:off x="6160278" y="2667000"/>
             <a:ext cx="189257" cy="178683"/>
           </a:xfrm>
           <a:prstGeom prst="rect">
@@ -5174,7 +5605,7 @@
         </p:nvSpPr>
         <p:spPr>
           <a:xfrm>
-            <a:off x="2573394" y="2756715"/>
+            <a:off x="2573090" y="2819400"/>
             <a:ext cx="170110" cy="137542"/>
           </a:xfrm>
           <a:prstGeom prst="rect">
@@ -5213,7 +5644,7 @@
         </p:nvSpPr>
         <p:spPr>
           <a:xfrm>
-            <a:off x="2707070" y="3667737"/>
+            <a:off x="2566807" y="3705838"/>
             <a:ext cx="189257" cy="178683"/>
           </a:xfrm>
           <a:prstGeom prst="rect">
@@ -5252,7 +5683,7 @@
         </p:nvSpPr>
         <p:spPr>
           <a:xfrm>
-            <a:off x="6449896" y="3204826"/>
+            <a:off x="6437349" y="3032678"/>
             <a:ext cx="189257" cy="178683"/>
           </a:xfrm>
           <a:prstGeom prst="rect">
@@ -5363,8 +5794,8 @@
         </p:nvCxnSpPr>
         <p:spPr>
           <a:xfrm flipV="1">
-            <a:off x="7277995" y="2371709"/>
-            <a:ext cx="434402" cy="663182"/>
+            <a:off x="7239000" y="2371709"/>
+            <a:ext cx="473397" cy="458181"/>
           </a:xfrm>
           <a:prstGeom prst="bentConnector3">
             <a:avLst>
@@ -5440,75 +5871,20 @@
           </a:p>
         </p:txBody>
       </p:sp>
-      <p:sp>
-        <p:nvSpPr>
-          <p:cNvPr id="55" name="Rectangle 8"/>
-          <p:cNvSpPr/>
-          <p:nvPr/>
-        </p:nvSpPr>
-        <p:spPr>
-          <a:xfrm>
-            <a:off x="3170181" y="1998350"/>
-            <a:ext cx="1060683" cy="364396"/>
-          </a:xfrm>
-          <a:prstGeom prst="rect">
-            <a:avLst/>
-          </a:prstGeom>
-          <a:ln w="19050">
-            <a:solidFill>
-              <a:srgbClr val="7030A0"/>
-            </a:solidFill>
-          </a:ln>
-          <a:effectLst/>
-        </p:spPr>
-        <p:style>
-          <a:lnRef idx="1">
-            <a:schemeClr val="accent4"/>
-          </a:lnRef>
-          <a:fillRef idx="2">
-            <a:schemeClr val="accent4"/>
-          </a:fillRef>
-          <a:effectRef idx="1">
-            <a:schemeClr val="accent4"/>
-          </a:effectRef>
-          <a:fontRef idx="minor">
-            <a:schemeClr val="dk1"/>
-          </a:fontRef>
-        </p:style>
-        <p:txBody>
-          <a:bodyPr rtlCol="0" anchor="ctr"/>
-          <a:lstStyle/>
-          <a:p>
-            <a:pPr algn="ctr"/>
-            <a:r>
-              <a:rPr lang="en-SG" sz="1050" dirty="0" err="1">
-                <a:solidFill>
-                  <a:srgbClr val="7030A0"/>
-                </a:solidFill>
-              </a:rPr>
-              <a:t>WishBook</a:t>
-            </a:r>
-            <a:endParaRPr lang="en-SG" sz="1050" dirty="0">
-              <a:solidFill>
-                <a:srgbClr val="7030A0"/>
-              </a:solidFill>
-            </a:endParaRPr>
-          </a:p>
-        </p:txBody>
-      </p:sp>
       <p:cxnSp>
         <p:nvCxnSpPr>
           <p:cNvPr id="60" name="Straight Arrow Connector 59"/>
           <p:cNvCxnSpPr>
-            <a:stCxn id="51" idx="1"/>
+            <a:cxnSpLocks/>
+            <a:stCxn id="46" idx="3"/>
             <a:endCxn id="49" idx="1"/>
           </p:cNvCxnSpPr>
           <p:nvPr/>
         </p:nvCxnSpPr>
         <p:spPr>
-          <a:xfrm>
-            <a:off x="4324972" y="3007222"/>
-            <a:ext cx="367678" cy="12320"/>
+          <a:xfrm flipV="1">
+            <a:off x="4370826" y="2817734"/>
+            <a:ext cx="362529" cy="9871"/>
           </a:xfrm>
           <a:prstGeom prst="straightConnector1">
             <a:avLst/>
@@ -5545,7 +5921,7 @@
         </p:nvSpPr>
         <p:spPr>
           <a:xfrm rot="16200000">
-            <a:off x="2669073" y="2069158"/>
+            <a:off x="2669074" y="2069158"/>
             <a:ext cx="271014" cy="187417"/>
           </a:xfrm>
           <a:prstGeom prst="triangle">
@@ -5591,17 +5967,24 @@
       </p:sp>
       <p:cxnSp>
         <p:nvCxnSpPr>
-          <p:cNvPr id="69" name="Elbow Connector 63"/>
+          <p:cNvPr id="113" name="Elbow Connector 63">
+            <a:extLst>
+              <a:ext uri="{FF2B5EF4-FFF2-40B4-BE49-F238E27FC236}">
+                <a16:creationId xmlns:a16="http://schemas.microsoft.com/office/drawing/2014/main" id="{83BB9E20-B28A-4410-8557-5E2EAB264CD1}"/>
+              </a:ext>
+            </a:extLst>
+          </p:cNvPr>
           <p:cNvCxnSpPr>
-            <a:stCxn id="68" idx="3"/>
-            <a:endCxn id="55" idx="1"/>
+            <a:cxnSpLocks/>
+            <a:stCxn id="56" idx="0"/>
+            <a:endCxn id="115" idx="3"/>
           </p:cNvCxnSpPr>
           <p:nvPr/>
         </p:nvCxnSpPr>
         <p:spPr>
-          <a:xfrm>
-            <a:off x="2898289" y="2177727"/>
-            <a:ext cx="271892" cy="2821"/>
+          <a:xfrm rot="16200000" flipV="1">
+            <a:off x="3088710" y="2457895"/>
+            <a:ext cx="1246900" cy="731"/>
           </a:xfrm>
           <a:prstGeom prst="bentConnector3">
             <a:avLst>
@@ -5633,6 +6016,1482 @@
           </a:fontRef>
         </p:style>
       </p:cxnSp>
+      <p:cxnSp>
+        <p:nvCxnSpPr>
+          <p:cNvPr id="69" name="Elbow Connector 63"/>
+          <p:cNvCxnSpPr>
+            <a:stCxn id="68" idx="3"/>
+            <a:endCxn id="55" idx="1"/>
+          </p:cNvCxnSpPr>
+          <p:nvPr/>
+        </p:nvCxnSpPr>
+        <p:spPr>
+          <a:xfrm flipV="1">
+            <a:off x="2898290" y="2175346"/>
+            <a:ext cx="196914" cy="2381"/>
+          </a:xfrm>
+          <a:prstGeom prst="bentConnector3">
+            <a:avLst>
+              <a:gd name="adj1" fmla="val 50000"/>
+            </a:avLst>
+          </a:prstGeom>
+          <a:ln w="19050">
+            <a:solidFill>
+              <a:srgbClr val="7030A0"/>
+            </a:solidFill>
+            <a:prstDash val="sysDot"/>
+            <a:headEnd type="none" w="med" len="med"/>
+            <a:tailEnd type="none" w="med" len="med"/>
+          </a:ln>
+          <a:effectLst/>
+        </p:spPr>
+        <p:style>
+          <a:lnRef idx="1">
+            <a:schemeClr val="accent2"/>
+          </a:lnRef>
+          <a:fillRef idx="2">
+            <a:schemeClr val="accent2"/>
+          </a:fillRef>
+          <a:effectRef idx="1">
+            <a:schemeClr val="accent2"/>
+          </a:effectRef>
+          <a:fontRef idx="minor">
+            <a:schemeClr val="dk1"/>
+          </a:fontRef>
+        </p:style>
+      </p:cxnSp>
+      <p:sp>
+        <p:nvSpPr>
+          <p:cNvPr id="56" name="Rectangle 8">
+            <a:extLst>
+              <a:ext uri="{FF2B5EF4-FFF2-40B4-BE49-F238E27FC236}">
+                <a16:creationId xmlns:a16="http://schemas.microsoft.com/office/drawing/2014/main" id="{249D00E4-5904-42A5-820F-DAA30DF03A0F}"/>
+              </a:ext>
+            </a:extLst>
+          </p:cNvPr>
+          <p:cNvSpPr/>
+          <p:nvPr/>
+        </p:nvSpPr>
+        <p:spPr>
+          <a:xfrm>
+            <a:off x="2873351" y="3081711"/>
+            <a:ext cx="1678348" cy="310450"/>
+          </a:xfrm>
+          <a:prstGeom prst="rect">
+            <a:avLst/>
+          </a:prstGeom>
+          <a:ln w="19050">
+            <a:solidFill>
+              <a:srgbClr val="7030A0"/>
+            </a:solidFill>
+          </a:ln>
+          <a:effectLst/>
+        </p:spPr>
+        <p:style>
+          <a:lnRef idx="1">
+            <a:schemeClr val="accent4"/>
+          </a:lnRef>
+          <a:fillRef idx="2">
+            <a:schemeClr val="accent4"/>
+          </a:fillRef>
+          <a:effectRef idx="1">
+            <a:schemeClr val="accent4"/>
+          </a:effectRef>
+          <a:fontRef idx="minor">
+            <a:schemeClr val="dk1"/>
+          </a:fontRef>
+        </p:style>
+        <p:txBody>
+          <a:bodyPr rtlCol="0" anchor="ctr"/>
+          <a:lstStyle/>
+          <a:p>
+            <a:pPr algn="ctr"/>
+            <a:r>
+              <a:rPr lang="en-US" sz="1050" dirty="0" err="1">
+                <a:solidFill>
+                  <a:srgbClr val="7030A0"/>
+                </a:solidFill>
+              </a:rPr>
+              <a:t>VersionedWishTransaction</a:t>
+            </a:r>
+            <a:endParaRPr lang="en-SG" sz="1050" dirty="0">
+              <a:solidFill>
+                <a:srgbClr val="7030A0"/>
+              </a:solidFill>
+            </a:endParaRPr>
+          </a:p>
+        </p:txBody>
+      </p:sp>
+      <p:sp>
+        <p:nvSpPr>
+          <p:cNvPr id="57" name="Flowchart: Decision 96">
+            <a:extLst>
+              <a:ext uri="{FF2B5EF4-FFF2-40B4-BE49-F238E27FC236}">
+                <a16:creationId xmlns:a16="http://schemas.microsoft.com/office/drawing/2014/main" id="{6DB0FF8F-D1E6-4C03-9A19-F389789BC40B}"/>
+              </a:ext>
+            </a:extLst>
+          </p:cNvPr>
+          <p:cNvSpPr/>
+          <p:nvPr/>
+        </p:nvSpPr>
+        <p:spPr>
+          <a:xfrm>
+            <a:off x="2401255" y="3159947"/>
+            <a:ext cx="236048" cy="173380"/>
+          </a:xfrm>
+          <a:prstGeom prst="flowChartDecision">
+            <a:avLst/>
+          </a:prstGeom>
+          <a:noFill/>
+          <a:ln w="19050">
+            <a:solidFill>
+              <a:srgbClr val="7030A0"/>
+            </a:solidFill>
+          </a:ln>
+          <a:effectLst/>
+        </p:spPr>
+        <p:style>
+          <a:lnRef idx="1">
+            <a:schemeClr val="accent6"/>
+          </a:lnRef>
+          <a:fillRef idx="2">
+            <a:schemeClr val="accent6"/>
+          </a:fillRef>
+          <a:effectRef idx="1">
+            <a:schemeClr val="accent6"/>
+          </a:effectRef>
+          <a:fontRef idx="minor">
+            <a:schemeClr val="dk1"/>
+          </a:fontRef>
+        </p:style>
+        <p:txBody>
+          <a:bodyPr rtlCol="0" anchor="ctr"/>
+          <a:lstStyle/>
+          <a:p>
+            <a:pPr algn="ctr"/>
+            <a:endParaRPr lang="en-US" sz="1050"/>
+          </a:p>
+        </p:txBody>
+      </p:sp>
+      <p:cxnSp>
+        <p:nvCxnSpPr>
+          <p:cNvPr id="67" name="Straight Arrow Connector 66">
+            <a:extLst>
+              <a:ext uri="{FF2B5EF4-FFF2-40B4-BE49-F238E27FC236}">
+                <a16:creationId xmlns:a16="http://schemas.microsoft.com/office/drawing/2014/main" id="{A36B6FA4-B0C5-457E-A5AA-242DB847DB70}"/>
+              </a:ext>
+            </a:extLst>
+          </p:cNvPr>
+          <p:cNvCxnSpPr>
+            <a:cxnSpLocks/>
+            <a:stCxn id="57" idx="3"/>
+            <a:endCxn id="56" idx="1"/>
+          </p:cNvCxnSpPr>
+          <p:nvPr/>
+        </p:nvCxnSpPr>
+        <p:spPr>
+          <a:xfrm flipV="1">
+            <a:off x="2637303" y="3236936"/>
+            <a:ext cx="236048" cy="9701"/>
+          </a:xfrm>
+          <a:prstGeom prst="straightConnector1">
+            <a:avLst/>
+          </a:prstGeom>
+          <a:ln w="19050">
+            <a:solidFill>
+              <a:srgbClr val="7030A0"/>
+            </a:solidFill>
+            <a:headEnd type="none" w="med" len="med"/>
+            <a:tailEnd type="arrow" w="med" len="med"/>
+          </a:ln>
+          <a:effectLst/>
+        </p:spPr>
+        <p:style>
+          <a:lnRef idx="1">
+            <a:schemeClr val="accent2"/>
+          </a:lnRef>
+          <a:fillRef idx="2">
+            <a:schemeClr val="accent2"/>
+          </a:fillRef>
+          <a:effectRef idx="1">
+            <a:schemeClr val="accent2"/>
+          </a:effectRef>
+          <a:fontRef idx="minor">
+            <a:schemeClr val="dk1"/>
+          </a:fontRef>
+        </p:style>
+      </p:cxnSp>
+      <p:sp>
+        <p:nvSpPr>
+          <p:cNvPr id="115" name="Isosceles Triangle 102">
+            <a:extLst>
+              <a:ext uri="{FF2B5EF4-FFF2-40B4-BE49-F238E27FC236}">
+                <a16:creationId xmlns:a16="http://schemas.microsoft.com/office/drawing/2014/main" id="{94659E10-A783-46D3-A463-E36EE140CF45}"/>
+              </a:ext>
+            </a:extLst>
+          </p:cNvPr>
+          <p:cNvSpPr/>
+          <p:nvPr/>
+        </p:nvSpPr>
+        <p:spPr>
+          <a:xfrm rot="10835961" flipV="1">
+            <a:off x="3571331" y="1695302"/>
+            <a:ext cx="282387" cy="139513"/>
+          </a:xfrm>
+          <a:prstGeom prst="triangle">
+            <a:avLst/>
+          </a:prstGeom>
+          <a:ln w="19050">
+            <a:solidFill>
+              <a:srgbClr val="7030A0"/>
+            </a:solidFill>
+          </a:ln>
+          <a:effectLst/>
+        </p:spPr>
+        <p:style>
+          <a:lnRef idx="1">
+            <a:schemeClr val="accent4"/>
+          </a:lnRef>
+          <a:fillRef idx="2">
+            <a:schemeClr val="accent4"/>
+          </a:fillRef>
+          <a:effectRef idx="1">
+            <a:schemeClr val="accent4"/>
+          </a:effectRef>
+          <a:fontRef idx="minor">
+            <a:schemeClr val="dk1"/>
+          </a:fontRef>
+        </p:style>
+        <p:txBody>
+          <a:bodyPr rtlCol="0" anchor="ctr"/>
+          <a:lstStyle/>
+          <a:p>
+            <a:pPr algn="ctr"/>
+            <a:endParaRPr lang="en-SG" sz="1050" b="1">
+              <a:solidFill>
+                <a:srgbClr val="92D050"/>
+              </a:solidFill>
+            </a:endParaRPr>
+          </a:p>
+        </p:txBody>
+      </p:sp>
+      <p:sp>
+        <p:nvSpPr>
+          <p:cNvPr id="116" name="Rectangle 8">
+            <a:extLst>
+              <a:ext uri="{FF2B5EF4-FFF2-40B4-BE49-F238E27FC236}">
+                <a16:creationId xmlns:a16="http://schemas.microsoft.com/office/drawing/2014/main" id="{29AD12B8-209F-47FE-B0CD-DCCFA345E5D2}"/>
+              </a:ext>
+            </a:extLst>
+          </p:cNvPr>
+          <p:cNvSpPr/>
+          <p:nvPr/>
+        </p:nvSpPr>
+        <p:spPr>
+          <a:xfrm>
+            <a:off x="3207829" y="1303613"/>
+            <a:ext cx="1113813" cy="364396"/>
+          </a:xfrm>
+          <a:prstGeom prst="rect">
+            <a:avLst/>
+          </a:prstGeom>
+          <a:ln w="19050">
+            <a:solidFill>
+              <a:srgbClr val="7030A0"/>
+            </a:solidFill>
+          </a:ln>
+          <a:effectLst/>
+        </p:spPr>
+        <p:style>
+          <a:lnRef idx="1">
+            <a:schemeClr val="accent4"/>
+          </a:lnRef>
+          <a:fillRef idx="2">
+            <a:schemeClr val="accent4"/>
+          </a:fillRef>
+          <a:effectRef idx="1">
+            <a:schemeClr val="accent4"/>
+          </a:effectRef>
+          <a:fontRef idx="minor">
+            <a:schemeClr val="dk1"/>
+          </a:fontRef>
+        </p:style>
+        <p:txBody>
+          <a:bodyPr rtlCol="0" anchor="ctr"/>
+          <a:lstStyle/>
+          <a:p>
+            <a:pPr algn="ctr"/>
+            <a:r>
+              <a:rPr lang="en-SG" sz="1050" dirty="0" err="1">
+                <a:solidFill>
+                  <a:srgbClr val="7030A0"/>
+                </a:solidFill>
+              </a:rPr>
+              <a:t>WishTransaction</a:t>
+            </a:r>
+            <a:endParaRPr lang="en-SG" sz="1050" dirty="0">
+              <a:solidFill>
+                <a:srgbClr val="7030A0"/>
+              </a:solidFill>
+            </a:endParaRPr>
+          </a:p>
+        </p:txBody>
+      </p:sp>
+      <p:cxnSp>
+        <p:nvCxnSpPr>
+          <p:cNvPr id="121" name="Elbow Connector 63">
+            <a:extLst>
+              <a:ext uri="{FF2B5EF4-FFF2-40B4-BE49-F238E27FC236}">
+                <a16:creationId xmlns:a16="http://schemas.microsoft.com/office/drawing/2014/main" id="{6FB528F8-969B-4B8F-8A8E-941418D6DAE7}"/>
+              </a:ext>
+            </a:extLst>
+          </p:cNvPr>
+          <p:cNvCxnSpPr>
+            <a:cxnSpLocks/>
+            <a:stCxn id="56" idx="3"/>
+            <a:endCxn id="123" idx="3"/>
+          </p:cNvCxnSpPr>
+          <p:nvPr/>
+        </p:nvCxnSpPr>
+        <p:spPr>
+          <a:xfrm>
+            <a:off x="4551699" y="3236936"/>
+            <a:ext cx="195064" cy="1180"/>
+          </a:xfrm>
+          <a:prstGeom prst="bentConnector3">
+            <a:avLst>
+              <a:gd name="adj1" fmla="val 50000"/>
+            </a:avLst>
+          </a:prstGeom>
+          <a:ln w="19050">
+            <a:solidFill>
+              <a:srgbClr val="7030A0"/>
+            </a:solidFill>
+            <a:prstDash val="sysDot"/>
+            <a:headEnd type="none" w="med" len="med"/>
+            <a:tailEnd type="none" w="med" len="med"/>
+          </a:ln>
+          <a:effectLst/>
+        </p:spPr>
+        <p:style>
+          <a:lnRef idx="1">
+            <a:schemeClr val="accent2"/>
+          </a:lnRef>
+          <a:fillRef idx="2">
+            <a:schemeClr val="accent2"/>
+          </a:fillRef>
+          <a:effectRef idx="1">
+            <a:schemeClr val="accent2"/>
+          </a:effectRef>
+          <a:fontRef idx="minor">
+            <a:schemeClr val="dk1"/>
+          </a:fontRef>
+        </p:style>
+      </p:cxnSp>
+      <p:sp>
+        <p:nvSpPr>
+          <p:cNvPr id="123" name="Isosceles Triangle 102">
+            <a:extLst>
+              <a:ext uri="{FF2B5EF4-FFF2-40B4-BE49-F238E27FC236}">
+                <a16:creationId xmlns:a16="http://schemas.microsoft.com/office/drawing/2014/main" id="{4A3B3FDB-CB1B-4CD6-8885-0DA7CE1D3816}"/>
+              </a:ext>
+            </a:extLst>
+          </p:cNvPr>
+          <p:cNvSpPr/>
+          <p:nvPr/>
+        </p:nvSpPr>
+        <p:spPr>
+          <a:xfrm rot="5400000">
+            <a:off x="4690631" y="3173601"/>
+            <a:ext cx="271014" cy="158750"/>
+          </a:xfrm>
+          <a:prstGeom prst="triangle">
+            <a:avLst>
+              <a:gd name="adj" fmla="val 44517"/>
+            </a:avLst>
+          </a:prstGeom>
+          <a:solidFill>
+            <a:schemeClr val="accent4">
+              <a:lumMod val="20000"/>
+              <a:lumOff val="80000"/>
+            </a:schemeClr>
+          </a:solidFill>
+          <a:ln w="19050">
+            <a:solidFill>
+              <a:srgbClr val="7030A0"/>
+            </a:solidFill>
+          </a:ln>
+          <a:effectLst/>
+        </p:spPr>
+        <p:style>
+          <a:lnRef idx="1">
+            <a:schemeClr val="accent6"/>
+          </a:lnRef>
+          <a:fillRef idx="2">
+            <a:schemeClr val="accent6"/>
+          </a:fillRef>
+          <a:effectRef idx="1">
+            <a:schemeClr val="accent6"/>
+          </a:effectRef>
+          <a:fontRef idx="minor">
+            <a:schemeClr val="dk1"/>
+          </a:fontRef>
+        </p:style>
+        <p:txBody>
+          <a:bodyPr rtlCol="0" anchor="ctr"/>
+          <a:lstStyle/>
+          <a:p>
+            <a:pPr algn="ctr"/>
+            <a:endParaRPr lang="en-SG" sz="1050"/>
+          </a:p>
+        </p:txBody>
+      </p:sp>
+      <p:sp>
+        <p:nvSpPr>
+          <p:cNvPr id="125" name="Rectangle 8">
+            <a:extLst>
+              <a:ext uri="{FF2B5EF4-FFF2-40B4-BE49-F238E27FC236}">
+                <a16:creationId xmlns:a16="http://schemas.microsoft.com/office/drawing/2014/main" id="{69DA47F3-AE27-45E8-A5EC-22B609C9702A}"/>
+              </a:ext>
+            </a:extLst>
+          </p:cNvPr>
+          <p:cNvSpPr/>
+          <p:nvPr/>
+        </p:nvSpPr>
+        <p:spPr>
+          <a:xfrm>
+            <a:off x="4915982" y="3047688"/>
+            <a:ext cx="1240563" cy="364396"/>
+          </a:xfrm>
+          <a:prstGeom prst="rect">
+            <a:avLst/>
+          </a:prstGeom>
+          <a:ln w="19050">
+            <a:solidFill>
+              <a:srgbClr val="7030A0"/>
+            </a:solidFill>
+          </a:ln>
+          <a:effectLst/>
+        </p:spPr>
+        <p:style>
+          <a:lnRef idx="1">
+            <a:schemeClr val="accent4"/>
+          </a:lnRef>
+          <a:fillRef idx="2">
+            <a:schemeClr val="accent4"/>
+          </a:fillRef>
+          <a:effectRef idx="1">
+            <a:schemeClr val="accent4"/>
+          </a:effectRef>
+          <a:fontRef idx="minor">
+            <a:schemeClr val="dk1"/>
+          </a:fontRef>
+        </p:style>
+        <p:txBody>
+          <a:bodyPr rtlCol="0" anchor="ctr"/>
+          <a:lstStyle/>
+          <a:p>
+            <a:pPr algn="ctr"/>
+            <a:r>
+              <a:rPr lang="en-US" sz="1050" dirty="0">
+                <a:solidFill>
+                  <a:srgbClr val="7030A0"/>
+                </a:solidFill>
+              </a:rPr>
+              <a:t>&lt;&lt;interface&gt;&gt;</a:t>
+            </a:r>
+            <a:br>
+              <a:rPr lang="en-US" sz="1050" dirty="0">
+                <a:solidFill>
+                  <a:srgbClr val="7030A0"/>
+                </a:solidFill>
+              </a:rPr>
+            </a:br>
+            <a:r>
+              <a:rPr lang="en-US" sz="1050" dirty="0" err="1">
+                <a:solidFill>
+                  <a:srgbClr val="7030A0"/>
+                </a:solidFill>
+              </a:rPr>
+              <a:t>VersionedModel</a:t>
+            </a:r>
+            <a:endParaRPr lang="en-SG" sz="1050" dirty="0">
+              <a:solidFill>
+                <a:srgbClr val="7030A0"/>
+              </a:solidFill>
+            </a:endParaRPr>
+          </a:p>
+        </p:txBody>
+      </p:sp>
+      <p:cxnSp>
+        <p:nvCxnSpPr>
+          <p:cNvPr id="126" name="Elbow Connector 63">
+            <a:extLst>
+              <a:ext uri="{FF2B5EF4-FFF2-40B4-BE49-F238E27FC236}">
+                <a16:creationId xmlns:a16="http://schemas.microsoft.com/office/drawing/2014/main" id="{0605F226-205E-4044-818A-EE7BC6E35A20}"/>
+              </a:ext>
+            </a:extLst>
+          </p:cNvPr>
+          <p:cNvCxnSpPr>
+            <a:cxnSpLocks/>
+            <a:stCxn id="129" idx="3"/>
+            <a:endCxn id="46" idx="0"/>
+          </p:cNvCxnSpPr>
+          <p:nvPr/>
+        </p:nvCxnSpPr>
+        <p:spPr>
+          <a:xfrm rot="10800000" flipV="1">
+            <a:off x="3625546" y="2192139"/>
+            <a:ext cx="794054" cy="468037"/>
+          </a:xfrm>
+          <a:prstGeom prst="bentConnector2">
+            <a:avLst/>
+          </a:prstGeom>
+          <a:ln w="19050">
+            <a:solidFill>
+              <a:srgbClr val="7030A0"/>
+            </a:solidFill>
+            <a:prstDash val="sysDot"/>
+            <a:headEnd type="none" w="med" len="med"/>
+            <a:tailEnd type="none" w="med" len="med"/>
+          </a:ln>
+          <a:effectLst/>
+        </p:spPr>
+        <p:style>
+          <a:lnRef idx="1">
+            <a:schemeClr val="accent2"/>
+          </a:lnRef>
+          <a:fillRef idx="2">
+            <a:schemeClr val="accent2"/>
+          </a:fillRef>
+          <a:effectRef idx="1">
+            <a:schemeClr val="accent2"/>
+          </a:effectRef>
+          <a:fontRef idx="minor">
+            <a:schemeClr val="dk1"/>
+          </a:fontRef>
+        </p:style>
+      </p:cxnSp>
+      <p:sp>
+        <p:nvSpPr>
+          <p:cNvPr id="129" name="Isosceles Triangle 102">
+            <a:extLst>
+              <a:ext uri="{FF2B5EF4-FFF2-40B4-BE49-F238E27FC236}">
+                <a16:creationId xmlns:a16="http://schemas.microsoft.com/office/drawing/2014/main" id="{2B9F9408-7B4D-4B99-8EA6-98DC7E99F514}"/>
+              </a:ext>
+            </a:extLst>
+          </p:cNvPr>
+          <p:cNvSpPr/>
+          <p:nvPr/>
+        </p:nvSpPr>
+        <p:spPr>
+          <a:xfrm rot="5400000">
+            <a:off x="4363468" y="2127625"/>
+            <a:ext cx="271014" cy="158750"/>
+          </a:xfrm>
+          <a:prstGeom prst="triangle">
+            <a:avLst>
+              <a:gd name="adj" fmla="val 44517"/>
+            </a:avLst>
+          </a:prstGeom>
+          <a:solidFill>
+            <a:schemeClr val="accent4">
+              <a:lumMod val="20000"/>
+              <a:lumOff val="80000"/>
+            </a:schemeClr>
+          </a:solidFill>
+          <a:ln w="19050">
+            <a:solidFill>
+              <a:srgbClr val="7030A0"/>
+            </a:solidFill>
+          </a:ln>
+          <a:effectLst/>
+        </p:spPr>
+        <p:style>
+          <a:lnRef idx="1">
+            <a:schemeClr val="accent6"/>
+          </a:lnRef>
+          <a:fillRef idx="2">
+            <a:schemeClr val="accent6"/>
+          </a:fillRef>
+          <a:effectRef idx="1">
+            <a:schemeClr val="accent6"/>
+          </a:effectRef>
+          <a:fontRef idx="minor">
+            <a:schemeClr val="dk1"/>
+          </a:fontRef>
+        </p:style>
+        <p:txBody>
+          <a:bodyPr rtlCol="0" anchor="ctr"/>
+          <a:lstStyle/>
+          <a:p>
+            <a:pPr algn="ctr"/>
+            <a:endParaRPr lang="en-SG" sz="1050"/>
+          </a:p>
+        </p:txBody>
+      </p:sp>
+      <p:sp>
+        <p:nvSpPr>
+          <p:cNvPr id="130" name="Rectangle 8">
+            <a:extLst>
+              <a:ext uri="{FF2B5EF4-FFF2-40B4-BE49-F238E27FC236}">
+                <a16:creationId xmlns:a16="http://schemas.microsoft.com/office/drawing/2014/main" id="{04A2AE4D-CF61-40C2-8824-CB599E0A01D6}"/>
+              </a:ext>
+            </a:extLst>
+          </p:cNvPr>
+          <p:cNvSpPr/>
+          <p:nvPr/>
+        </p:nvSpPr>
+        <p:spPr>
+          <a:xfrm>
+            <a:off x="4568876" y="1993148"/>
+            <a:ext cx="1443661" cy="364396"/>
+          </a:xfrm>
+          <a:prstGeom prst="rect">
+            <a:avLst/>
+          </a:prstGeom>
+          <a:ln w="19050">
+            <a:solidFill>
+              <a:srgbClr val="7030A0"/>
+            </a:solidFill>
+          </a:ln>
+          <a:effectLst/>
+        </p:spPr>
+        <p:style>
+          <a:lnRef idx="1">
+            <a:schemeClr val="accent4"/>
+          </a:lnRef>
+          <a:fillRef idx="2">
+            <a:schemeClr val="accent4"/>
+          </a:fillRef>
+          <a:effectRef idx="1">
+            <a:schemeClr val="accent4"/>
+          </a:effectRef>
+          <a:fontRef idx="minor">
+            <a:schemeClr val="dk1"/>
+          </a:fontRef>
+        </p:style>
+        <p:txBody>
+          <a:bodyPr rtlCol="0" anchor="ctr"/>
+          <a:lstStyle/>
+          <a:p>
+            <a:pPr algn="ctr"/>
+            <a:r>
+              <a:rPr lang="en-US" sz="1050" dirty="0">
+                <a:solidFill>
+                  <a:srgbClr val="7030A0"/>
+                </a:solidFill>
+              </a:rPr>
+              <a:t>&lt;&lt;interface&gt;&gt;</a:t>
+            </a:r>
+            <a:br>
+              <a:rPr lang="en-US" sz="1050" dirty="0">
+                <a:solidFill>
+                  <a:srgbClr val="7030A0"/>
+                </a:solidFill>
+              </a:rPr>
+            </a:br>
+            <a:r>
+              <a:rPr lang="en-US" sz="1050" dirty="0" err="1">
+                <a:solidFill>
+                  <a:srgbClr val="7030A0"/>
+                </a:solidFill>
+              </a:rPr>
+              <a:t>VersionedModel</a:t>
+            </a:r>
+            <a:endParaRPr lang="en-SG" sz="1050" dirty="0">
+              <a:solidFill>
+                <a:srgbClr val="7030A0"/>
+              </a:solidFill>
+            </a:endParaRPr>
+          </a:p>
+        </p:txBody>
+      </p:sp>
+      <p:sp>
+        <p:nvSpPr>
+          <p:cNvPr id="133" name="TextBox 132">
+            <a:extLst>
+              <a:ext uri="{FF2B5EF4-FFF2-40B4-BE49-F238E27FC236}">
+                <a16:creationId xmlns:a16="http://schemas.microsoft.com/office/drawing/2014/main" id="{39F1FCCD-6F25-4012-87DE-CB61D0C63909}"/>
+              </a:ext>
+            </a:extLst>
+          </p:cNvPr>
+          <p:cNvSpPr txBox="1"/>
+          <p:nvPr/>
+        </p:nvSpPr>
+        <p:spPr>
+          <a:xfrm>
+            <a:off x="2514600" y="3276600"/>
+            <a:ext cx="170110" cy="137542"/>
+          </a:xfrm>
+          <a:prstGeom prst="rect">
+            <a:avLst/>
+          </a:prstGeom>
+          <a:noFill/>
+        </p:spPr>
+        <p:txBody>
+          <a:bodyPr wrap="square" lIns="0" tIns="0" rIns="0" bIns="0" rtlCol="0">
+            <a:noAutofit/>
+          </a:bodyPr>
+          <a:lstStyle/>
+          <a:p>
+            <a:pPr algn="ctr"/>
+            <a:r>
+              <a:rPr lang="en-US" sz="1100" dirty="0">
+                <a:solidFill>
+                  <a:srgbClr val="7030A0"/>
+                </a:solidFill>
+              </a:rPr>
+              <a:t>1</a:t>
+            </a:r>
+            <a:endParaRPr lang="en-SG" sz="1100" dirty="0">
+              <a:solidFill>
+                <a:srgbClr val="7030A0"/>
+              </a:solidFill>
+            </a:endParaRPr>
+          </a:p>
+        </p:txBody>
+      </p:sp>
+      <p:sp>
+        <p:nvSpPr>
+          <p:cNvPr id="55" name="Rectangle 8"/>
+          <p:cNvSpPr/>
+          <p:nvPr/>
+        </p:nvSpPr>
+        <p:spPr>
+          <a:xfrm>
+            <a:off x="3095204" y="1993148"/>
+            <a:ext cx="1060683" cy="364396"/>
+          </a:xfrm>
+          <a:prstGeom prst="rect">
+            <a:avLst/>
+          </a:prstGeom>
+          <a:ln w="19050">
+            <a:solidFill>
+              <a:srgbClr val="7030A0"/>
+            </a:solidFill>
+          </a:ln>
+          <a:effectLst/>
+        </p:spPr>
+        <p:style>
+          <a:lnRef idx="1">
+            <a:schemeClr val="accent4"/>
+          </a:lnRef>
+          <a:fillRef idx="2">
+            <a:schemeClr val="accent4"/>
+          </a:fillRef>
+          <a:effectRef idx="1">
+            <a:schemeClr val="accent4"/>
+          </a:effectRef>
+          <a:fontRef idx="minor">
+            <a:schemeClr val="dk1"/>
+          </a:fontRef>
+        </p:style>
+        <p:txBody>
+          <a:bodyPr rtlCol="0" anchor="ctr"/>
+          <a:lstStyle/>
+          <a:p>
+            <a:pPr algn="ctr"/>
+            <a:r>
+              <a:rPr lang="en-SG" sz="1050" dirty="0" err="1">
+                <a:solidFill>
+                  <a:srgbClr val="7030A0"/>
+                </a:solidFill>
+              </a:rPr>
+              <a:t>WishBook</a:t>
+            </a:r>
+            <a:endParaRPr lang="en-SG" sz="1050" dirty="0">
+              <a:solidFill>
+                <a:srgbClr val="7030A0"/>
+              </a:solidFill>
+            </a:endParaRPr>
+          </a:p>
+        </p:txBody>
+      </p:sp>
+      <p:sp>
+        <p:nvSpPr>
+          <p:cNvPr id="46" name="Rectangle 8"/>
+          <p:cNvSpPr/>
+          <p:nvPr/>
+        </p:nvSpPr>
+        <p:spPr>
+          <a:xfrm>
+            <a:off x="2880266" y="2660177"/>
+            <a:ext cx="1490560" cy="334856"/>
+          </a:xfrm>
+          <a:prstGeom prst="rect">
+            <a:avLst/>
+          </a:prstGeom>
+          <a:ln w="19050">
+            <a:solidFill>
+              <a:srgbClr val="7030A0"/>
+            </a:solidFill>
+          </a:ln>
+          <a:effectLst/>
+        </p:spPr>
+        <p:style>
+          <a:lnRef idx="1">
+            <a:schemeClr val="accent4"/>
+          </a:lnRef>
+          <a:fillRef idx="2">
+            <a:schemeClr val="accent4"/>
+          </a:fillRef>
+          <a:effectRef idx="1">
+            <a:schemeClr val="accent4"/>
+          </a:effectRef>
+          <a:fontRef idx="minor">
+            <a:schemeClr val="dk1"/>
+          </a:fontRef>
+        </p:style>
+        <p:txBody>
+          <a:bodyPr rtlCol="0" anchor="ctr"/>
+          <a:lstStyle/>
+          <a:p>
+            <a:pPr algn="ctr"/>
+            <a:r>
+              <a:rPr lang="en-US" sz="1050" dirty="0" err="1">
+                <a:solidFill>
+                  <a:srgbClr val="7030A0"/>
+                </a:solidFill>
+              </a:rPr>
+              <a:t>VersionedWishBook</a:t>
+            </a:r>
+            <a:endParaRPr lang="en-SG" sz="1050" dirty="0">
+              <a:solidFill>
+                <a:srgbClr val="7030A0"/>
+              </a:solidFill>
+            </a:endParaRPr>
+          </a:p>
+        </p:txBody>
+      </p:sp>
+      <p:cxnSp>
+        <p:nvCxnSpPr>
+          <p:cNvPr id="147" name="Elbow Connector 63">
+            <a:extLst>
+              <a:ext uri="{FF2B5EF4-FFF2-40B4-BE49-F238E27FC236}">
+                <a16:creationId xmlns:a16="http://schemas.microsoft.com/office/drawing/2014/main" id="{3972BE1B-2F47-4F76-8A91-7AFF1410B553}"/>
+              </a:ext>
+            </a:extLst>
+          </p:cNvPr>
+          <p:cNvCxnSpPr>
+            <a:cxnSpLocks/>
+            <a:stCxn id="116" idx="3"/>
+            <a:endCxn id="150" idx="3"/>
+          </p:cNvCxnSpPr>
+          <p:nvPr/>
+        </p:nvCxnSpPr>
+        <p:spPr>
+          <a:xfrm>
+            <a:off x="4321642" y="1485811"/>
+            <a:ext cx="177333" cy="12136"/>
+          </a:xfrm>
+          <a:prstGeom prst="bentConnector3">
+            <a:avLst>
+              <a:gd name="adj1" fmla="val 50000"/>
+            </a:avLst>
+          </a:prstGeom>
+          <a:ln w="19050">
+            <a:solidFill>
+              <a:srgbClr val="7030A0"/>
+            </a:solidFill>
+            <a:prstDash val="sysDot"/>
+            <a:headEnd type="none" w="med" len="med"/>
+            <a:tailEnd type="none" w="med" len="med"/>
+          </a:ln>
+          <a:effectLst/>
+        </p:spPr>
+        <p:style>
+          <a:lnRef idx="1">
+            <a:schemeClr val="accent2"/>
+          </a:lnRef>
+          <a:fillRef idx="2">
+            <a:schemeClr val="accent2"/>
+          </a:fillRef>
+          <a:effectRef idx="1">
+            <a:schemeClr val="accent2"/>
+          </a:effectRef>
+          <a:fontRef idx="minor">
+            <a:schemeClr val="dk1"/>
+          </a:fontRef>
+        </p:style>
+      </p:cxnSp>
+      <p:sp>
+        <p:nvSpPr>
+          <p:cNvPr id="150" name="Isosceles Triangle 102">
+            <a:extLst>
+              <a:ext uri="{FF2B5EF4-FFF2-40B4-BE49-F238E27FC236}">
+                <a16:creationId xmlns:a16="http://schemas.microsoft.com/office/drawing/2014/main" id="{37CB3289-B6F0-4BCC-A79D-2787CC6F5FC7}"/>
+              </a:ext>
+            </a:extLst>
+          </p:cNvPr>
+          <p:cNvSpPr/>
+          <p:nvPr/>
+        </p:nvSpPr>
+        <p:spPr>
+          <a:xfrm rot="5400000">
+            <a:off x="4442843" y="1433432"/>
+            <a:ext cx="271014" cy="158750"/>
+          </a:xfrm>
+          <a:prstGeom prst="triangle">
+            <a:avLst>
+              <a:gd name="adj" fmla="val 44517"/>
+            </a:avLst>
+          </a:prstGeom>
+          <a:solidFill>
+            <a:schemeClr val="accent4">
+              <a:lumMod val="20000"/>
+              <a:lumOff val="80000"/>
+            </a:schemeClr>
+          </a:solidFill>
+          <a:ln w="19050">
+            <a:solidFill>
+              <a:srgbClr val="7030A0"/>
+            </a:solidFill>
+          </a:ln>
+          <a:effectLst/>
+        </p:spPr>
+        <p:style>
+          <a:lnRef idx="1">
+            <a:schemeClr val="accent6"/>
+          </a:lnRef>
+          <a:fillRef idx="2">
+            <a:schemeClr val="accent6"/>
+          </a:fillRef>
+          <a:effectRef idx="1">
+            <a:schemeClr val="accent6"/>
+          </a:effectRef>
+          <a:fontRef idx="minor">
+            <a:schemeClr val="dk1"/>
+          </a:fontRef>
+        </p:style>
+        <p:txBody>
+          <a:bodyPr rtlCol="0" anchor="ctr"/>
+          <a:lstStyle/>
+          <a:p>
+            <a:pPr algn="ctr"/>
+            <a:endParaRPr lang="en-SG" sz="1050"/>
+          </a:p>
+        </p:txBody>
+      </p:sp>
+      <p:sp>
+        <p:nvSpPr>
+          <p:cNvPr id="151" name="Rectangle 8">
+            <a:extLst>
+              <a:ext uri="{FF2B5EF4-FFF2-40B4-BE49-F238E27FC236}">
+                <a16:creationId xmlns:a16="http://schemas.microsoft.com/office/drawing/2014/main" id="{4BB8CCFF-A934-4801-A564-4C0CE890AAEA}"/>
+              </a:ext>
+            </a:extLst>
+          </p:cNvPr>
+          <p:cNvSpPr/>
+          <p:nvPr/>
+        </p:nvSpPr>
+        <p:spPr>
+          <a:xfrm>
+            <a:off x="4680589" y="1312004"/>
+            <a:ext cx="1604471" cy="364396"/>
+          </a:xfrm>
+          <a:prstGeom prst="rect">
+            <a:avLst/>
+          </a:prstGeom>
+          <a:ln w="19050">
+            <a:solidFill>
+              <a:srgbClr val="7030A0"/>
+            </a:solidFill>
+          </a:ln>
+          <a:effectLst/>
+        </p:spPr>
+        <p:style>
+          <a:lnRef idx="1">
+            <a:schemeClr val="accent4"/>
+          </a:lnRef>
+          <a:fillRef idx="2">
+            <a:schemeClr val="accent4"/>
+          </a:fillRef>
+          <a:effectRef idx="1">
+            <a:schemeClr val="accent4"/>
+          </a:effectRef>
+          <a:fontRef idx="minor">
+            <a:schemeClr val="dk1"/>
+          </a:fontRef>
+        </p:style>
+        <p:txBody>
+          <a:bodyPr rtlCol="0" anchor="ctr"/>
+          <a:lstStyle/>
+          <a:p>
+            <a:pPr algn="ctr"/>
+            <a:r>
+              <a:rPr lang="en-US" sz="1050" dirty="0">
+                <a:solidFill>
+                  <a:srgbClr val="7030A0"/>
+                </a:solidFill>
+              </a:rPr>
+              <a:t>&lt;&lt;interface&gt;&gt;</a:t>
+            </a:r>
+            <a:br>
+              <a:rPr lang="en-US" sz="1050" dirty="0">
+                <a:solidFill>
+                  <a:srgbClr val="7030A0"/>
+                </a:solidFill>
+              </a:rPr>
+            </a:br>
+            <a:r>
+              <a:rPr lang="en-US" sz="1050" dirty="0" err="1">
+                <a:solidFill>
+                  <a:srgbClr val="7030A0"/>
+                </a:solidFill>
+              </a:rPr>
+              <a:t>ActionCommandListener</a:t>
+            </a:r>
+            <a:endParaRPr lang="en-SG" sz="1050" dirty="0">
+              <a:solidFill>
+                <a:srgbClr val="7030A0"/>
+              </a:solidFill>
+            </a:endParaRPr>
+          </a:p>
+        </p:txBody>
+      </p:sp>
+      <p:sp>
+        <p:nvSpPr>
+          <p:cNvPr id="155" name="Flowchart: Decision 96">
+            <a:extLst>
+              <a:ext uri="{FF2B5EF4-FFF2-40B4-BE49-F238E27FC236}">
+                <a16:creationId xmlns:a16="http://schemas.microsoft.com/office/drawing/2014/main" id="{F1259AC5-BAD4-48FC-8E26-E04E075B7D59}"/>
+              </a:ext>
+            </a:extLst>
+          </p:cNvPr>
+          <p:cNvSpPr/>
+          <p:nvPr/>
+        </p:nvSpPr>
+        <p:spPr>
+          <a:xfrm rot="5400000">
+            <a:off x="3562626" y="3446481"/>
+            <a:ext cx="236048" cy="173380"/>
+          </a:xfrm>
+          <a:prstGeom prst="flowChartDecision">
+            <a:avLst/>
+          </a:prstGeom>
+          <a:solidFill>
+            <a:srgbClr val="7030A0"/>
+          </a:solidFill>
+          <a:ln w="19050">
+            <a:solidFill>
+              <a:srgbClr val="7030A0"/>
+            </a:solidFill>
+          </a:ln>
+          <a:effectLst/>
+        </p:spPr>
+        <p:style>
+          <a:lnRef idx="1">
+            <a:schemeClr val="accent6"/>
+          </a:lnRef>
+          <a:fillRef idx="2">
+            <a:schemeClr val="accent6"/>
+          </a:fillRef>
+          <a:effectRef idx="1">
+            <a:schemeClr val="accent6"/>
+          </a:effectRef>
+          <a:fontRef idx="minor">
+            <a:schemeClr val="dk1"/>
+          </a:fontRef>
+        </p:style>
+        <p:txBody>
+          <a:bodyPr rtlCol="0" anchor="ctr"/>
+          <a:lstStyle/>
+          <a:p>
+            <a:pPr algn="ctr"/>
+            <a:endParaRPr lang="en-US" sz="1050">
+              <a:solidFill>
+                <a:srgbClr val="7030A0"/>
+              </a:solidFill>
+            </a:endParaRPr>
+          </a:p>
+        </p:txBody>
+      </p:sp>
+      <p:cxnSp>
+        <p:nvCxnSpPr>
+          <p:cNvPr id="156" name="Elbow Connector 63">
+            <a:extLst>
+              <a:ext uri="{FF2B5EF4-FFF2-40B4-BE49-F238E27FC236}">
+                <a16:creationId xmlns:a16="http://schemas.microsoft.com/office/drawing/2014/main" id="{0C0C2313-9732-430D-90E5-2CABB627099D}"/>
+              </a:ext>
+            </a:extLst>
+          </p:cNvPr>
+          <p:cNvCxnSpPr>
+            <a:cxnSpLocks/>
+            <a:stCxn id="155" idx="3"/>
+            <a:endCxn id="185" idx="1"/>
+          </p:cNvCxnSpPr>
+          <p:nvPr/>
+        </p:nvCxnSpPr>
+        <p:spPr>
+          <a:xfrm rot="16200000" flipH="1">
+            <a:off x="4204149" y="3127696"/>
+            <a:ext cx="249038" cy="1296036"/>
+          </a:xfrm>
+          <a:prstGeom prst="bentConnector2">
+            <a:avLst/>
+          </a:prstGeom>
+          <a:ln w="19050">
+            <a:solidFill>
+              <a:srgbClr val="7030A0"/>
+            </a:solidFill>
+            <a:headEnd type="none" w="med" len="med"/>
+            <a:tailEnd type="arrow" w="med" len="med"/>
+          </a:ln>
+          <a:effectLst/>
+        </p:spPr>
+        <p:style>
+          <a:lnRef idx="1">
+            <a:schemeClr val="accent2"/>
+          </a:lnRef>
+          <a:fillRef idx="2">
+            <a:schemeClr val="accent2"/>
+          </a:fillRef>
+          <a:effectRef idx="1">
+            <a:schemeClr val="accent2"/>
+          </a:effectRef>
+          <a:fontRef idx="minor">
+            <a:schemeClr val="dk1"/>
+          </a:fontRef>
+        </p:style>
+      </p:cxnSp>
+      <p:cxnSp>
+        <p:nvCxnSpPr>
+          <p:cNvPr id="176" name="Connector: Elbow 175">
+            <a:extLst>
+              <a:ext uri="{FF2B5EF4-FFF2-40B4-BE49-F238E27FC236}">
+                <a16:creationId xmlns:a16="http://schemas.microsoft.com/office/drawing/2014/main" id="{E41A1B6F-26D0-484A-950A-09FDC007C73B}"/>
+              </a:ext>
+            </a:extLst>
+          </p:cNvPr>
+          <p:cNvCxnSpPr>
+            <a:cxnSpLocks/>
+            <a:stCxn id="42" idx="3"/>
+            <a:endCxn id="2" idx="1"/>
+          </p:cNvCxnSpPr>
+          <p:nvPr/>
+        </p:nvCxnSpPr>
+        <p:spPr>
+          <a:xfrm>
+            <a:off x="2602183" y="3715710"/>
+            <a:ext cx="814289" cy="706299"/>
+          </a:xfrm>
+          <a:prstGeom prst="bentConnector3">
+            <a:avLst>
+              <a:gd name="adj1" fmla="val 78853"/>
+            </a:avLst>
+          </a:prstGeom>
+          <a:ln w="19050">
+            <a:headEnd type="none" w="med" len="med"/>
+            <a:tailEnd type="arrow" w="med" len="med"/>
+          </a:ln>
+        </p:spPr>
+        <p:style>
+          <a:lnRef idx="1">
+            <a:schemeClr val="accent4"/>
+          </a:lnRef>
+          <a:fillRef idx="0">
+            <a:schemeClr val="accent4"/>
+          </a:fillRef>
+          <a:effectRef idx="0">
+            <a:schemeClr val="accent4"/>
+          </a:effectRef>
+          <a:fontRef idx="minor">
+            <a:schemeClr val="tx1"/>
+          </a:fontRef>
+        </p:style>
+      </p:cxnSp>
+      <p:sp>
+        <p:nvSpPr>
+          <p:cNvPr id="185" name="Rectangle 8">
+            <a:extLst>
+              <a:ext uri="{FF2B5EF4-FFF2-40B4-BE49-F238E27FC236}">
+                <a16:creationId xmlns:a16="http://schemas.microsoft.com/office/drawing/2014/main" id="{B02ACAFF-C41D-44DC-B8A8-9FC647DEA733}"/>
+              </a:ext>
+            </a:extLst>
+          </p:cNvPr>
+          <p:cNvSpPr/>
+          <p:nvPr/>
+        </p:nvSpPr>
+        <p:spPr>
+          <a:xfrm>
+            <a:off x="4976686" y="3738012"/>
+            <a:ext cx="569995" cy="324441"/>
+          </a:xfrm>
+          <a:prstGeom prst="rect">
+            <a:avLst/>
+          </a:prstGeom>
+          <a:ln w="19050">
+            <a:solidFill>
+              <a:srgbClr val="7030A0"/>
+            </a:solidFill>
+          </a:ln>
+          <a:effectLst/>
+        </p:spPr>
+        <p:style>
+          <a:lnRef idx="1">
+            <a:schemeClr val="accent4"/>
+          </a:lnRef>
+          <a:fillRef idx="2">
+            <a:schemeClr val="accent4"/>
+          </a:fillRef>
+          <a:effectRef idx="1">
+            <a:schemeClr val="accent4"/>
+          </a:effectRef>
+          <a:fontRef idx="minor">
+            <a:schemeClr val="dk1"/>
+          </a:fontRef>
+        </p:style>
+        <p:txBody>
+          <a:bodyPr rtlCol="0" anchor="ctr"/>
+          <a:lstStyle/>
+          <a:p>
+            <a:pPr algn="ctr"/>
+            <a:r>
+              <a:rPr lang="en-US" sz="1050" dirty="0">
+                <a:solidFill>
+                  <a:srgbClr val="7030A0"/>
+                </a:solidFill>
+              </a:rPr>
+              <a:t>List</a:t>
+            </a:r>
+            <a:endParaRPr lang="en-SG" sz="1050" dirty="0">
+              <a:solidFill>
+                <a:srgbClr val="7030A0"/>
+              </a:solidFill>
+            </a:endParaRPr>
+          </a:p>
+        </p:txBody>
+      </p:sp>
+      <p:sp>
+        <p:nvSpPr>
+          <p:cNvPr id="188" name="Flowchart: Decision 96">
+            <a:extLst>
+              <a:ext uri="{FF2B5EF4-FFF2-40B4-BE49-F238E27FC236}">
+                <a16:creationId xmlns:a16="http://schemas.microsoft.com/office/drawing/2014/main" id="{33156D98-CE4D-4CE3-8FA9-594C95B327B0}"/>
+              </a:ext>
+            </a:extLst>
+          </p:cNvPr>
+          <p:cNvSpPr/>
+          <p:nvPr/>
+        </p:nvSpPr>
+        <p:spPr>
+          <a:xfrm>
+            <a:off x="5555152" y="3789020"/>
+            <a:ext cx="236048" cy="173380"/>
+          </a:xfrm>
+          <a:prstGeom prst="flowChartDecision">
+            <a:avLst/>
+          </a:prstGeom>
+          <a:noFill/>
+          <a:ln w="19050">
+            <a:solidFill>
+              <a:srgbClr val="7030A0"/>
+            </a:solidFill>
+          </a:ln>
+          <a:effectLst/>
+        </p:spPr>
+        <p:style>
+          <a:lnRef idx="1">
+            <a:schemeClr val="accent6"/>
+          </a:lnRef>
+          <a:fillRef idx="2">
+            <a:schemeClr val="accent6"/>
+          </a:fillRef>
+          <a:effectRef idx="1">
+            <a:schemeClr val="accent6"/>
+          </a:effectRef>
+          <a:fontRef idx="minor">
+            <a:schemeClr val="dk1"/>
+          </a:fontRef>
+        </p:style>
+        <p:txBody>
+          <a:bodyPr rtlCol="0" anchor="ctr"/>
+          <a:lstStyle/>
+          <a:p>
+            <a:pPr algn="ctr"/>
+            <a:endParaRPr lang="en-US" sz="1050"/>
+          </a:p>
+        </p:txBody>
+      </p:sp>
+      <p:sp>
+        <p:nvSpPr>
+          <p:cNvPr id="189" name="TextBox 188">
+            <a:extLst>
+              <a:ext uri="{FF2B5EF4-FFF2-40B4-BE49-F238E27FC236}">
+                <a16:creationId xmlns:a16="http://schemas.microsoft.com/office/drawing/2014/main" id="{B52DF044-2580-4806-B84E-5EB53CC7FDF6}"/>
+              </a:ext>
+            </a:extLst>
+          </p:cNvPr>
+          <p:cNvSpPr txBox="1"/>
+          <p:nvPr/>
+        </p:nvSpPr>
+        <p:spPr>
+          <a:xfrm>
+            <a:off x="6151583" y="2884187"/>
+            <a:ext cx="189257" cy="178683"/>
+          </a:xfrm>
+          <a:prstGeom prst="rect">
+            <a:avLst/>
+          </a:prstGeom>
+          <a:noFill/>
+        </p:spPr>
+        <p:txBody>
+          <a:bodyPr wrap="square" lIns="0" tIns="0" rIns="0" bIns="0" rtlCol="0">
+            <a:noAutofit/>
+          </a:bodyPr>
+          <a:lstStyle/>
+          <a:p>
+            <a:pPr algn="ctr"/>
+            <a:r>
+              <a:rPr lang="en-US" sz="1100" dirty="0">
+                <a:solidFill>
+                  <a:srgbClr val="7030A0"/>
+                </a:solidFill>
+              </a:rPr>
+              <a:t>*</a:t>
+            </a:r>
+            <a:endParaRPr lang="en-SG" sz="1100" dirty="0">
+              <a:solidFill>
+                <a:srgbClr val="7030A0"/>
+              </a:solidFill>
+            </a:endParaRPr>
+          </a:p>
+        </p:txBody>
+      </p:sp>
+      <p:cxnSp>
+        <p:nvCxnSpPr>
+          <p:cNvPr id="190" name="Elbow Connector 63">
+            <a:extLst>
+              <a:ext uri="{FF2B5EF4-FFF2-40B4-BE49-F238E27FC236}">
+                <a16:creationId xmlns:a16="http://schemas.microsoft.com/office/drawing/2014/main" id="{83CFC997-08BA-4C57-A0A0-D8F253BB2C54}"/>
+              </a:ext>
+            </a:extLst>
+          </p:cNvPr>
+          <p:cNvCxnSpPr>
+            <a:cxnSpLocks/>
+            <a:stCxn id="188" idx="3"/>
+            <a:endCxn id="62" idx="2"/>
+          </p:cNvCxnSpPr>
+          <p:nvPr/>
+        </p:nvCxnSpPr>
+        <p:spPr>
+          <a:xfrm flipV="1">
+            <a:off x="5791200" y="2998865"/>
+            <a:ext cx="862164" cy="876845"/>
+          </a:xfrm>
+          <a:prstGeom prst="bentConnector2">
+            <a:avLst/>
+          </a:prstGeom>
+          <a:ln w="19050">
+            <a:solidFill>
+              <a:srgbClr val="7030A0"/>
+            </a:solidFill>
+            <a:headEnd type="none" w="med" len="med"/>
+            <a:tailEnd type="arrow" w="med" len="med"/>
+          </a:ln>
+          <a:effectLst/>
+        </p:spPr>
+        <p:style>
+          <a:lnRef idx="1">
+            <a:schemeClr val="accent2"/>
+          </a:lnRef>
+          <a:fillRef idx="2">
+            <a:schemeClr val="accent2"/>
+          </a:fillRef>
+          <a:effectRef idx="1">
+            <a:schemeClr val="accent2"/>
+          </a:effectRef>
+          <a:fontRef idx="minor">
+            <a:schemeClr val="dk1"/>
+          </a:fontRef>
+        </p:style>
+      </p:cxnSp>
+      <p:sp>
+        <p:nvSpPr>
+          <p:cNvPr id="206" name="TextBox 205">
+            <a:extLst>
+              <a:ext uri="{FF2B5EF4-FFF2-40B4-BE49-F238E27FC236}">
+                <a16:creationId xmlns:a16="http://schemas.microsoft.com/office/drawing/2014/main" id="{8404FA0A-01D0-4363-BB9D-C4A7524856CE}"/>
+              </a:ext>
+            </a:extLst>
+          </p:cNvPr>
+          <p:cNvSpPr txBox="1"/>
+          <p:nvPr/>
+        </p:nvSpPr>
+        <p:spPr>
+          <a:xfrm>
+            <a:off x="6679273" y="3040052"/>
+            <a:ext cx="189257" cy="178683"/>
+          </a:xfrm>
+          <a:prstGeom prst="rect">
+            <a:avLst/>
+          </a:prstGeom>
+          <a:noFill/>
+        </p:spPr>
+        <p:txBody>
+          <a:bodyPr wrap="square" lIns="0" tIns="0" rIns="0" bIns="0" rtlCol="0">
+            <a:noAutofit/>
+          </a:bodyPr>
+          <a:lstStyle/>
+          <a:p>
+            <a:pPr algn="ctr"/>
+            <a:r>
+              <a:rPr lang="en-SG" sz="1100" dirty="0">
+                <a:solidFill>
+                  <a:srgbClr val="7030A0"/>
+                </a:solidFill>
+              </a:rPr>
+              <a:t>*</a:t>
+            </a:r>
+          </a:p>
+        </p:txBody>
+      </p:sp>
+      <p:sp>
+        <p:nvSpPr>
+          <p:cNvPr id="210" name="TextBox 209">
+            <a:extLst>
+              <a:ext uri="{FF2B5EF4-FFF2-40B4-BE49-F238E27FC236}">
+                <a16:creationId xmlns:a16="http://schemas.microsoft.com/office/drawing/2014/main" id="{F25BEFE1-10D3-4A97-95F1-5D49922D8BD6}"/>
+              </a:ext>
+            </a:extLst>
+          </p:cNvPr>
+          <p:cNvSpPr txBox="1"/>
+          <p:nvPr/>
+        </p:nvSpPr>
+        <p:spPr>
+          <a:xfrm>
+            <a:off x="3815097" y="3700790"/>
+            <a:ext cx="1028321" cy="261610"/>
+          </a:xfrm>
+          <a:prstGeom prst="rect">
+            <a:avLst/>
+          </a:prstGeom>
+          <a:noFill/>
+        </p:spPr>
+        <p:txBody>
+          <a:bodyPr wrap="square" rtlCol="0">
+            <a:spAutoFit/>
+          </a:bodyPr>
+          <a:lstStyle/>
+          <a:p>
+            <a:pPr algn="r"/>
+            <a:r>
+              <a:rPr lang="en-US" sz="1100" dirty="0">
+                <a:solidFill>
+                  <a:srgbClr val="7030A0"/>
+                </a:solidFill>
+              </a:rPr>
+              <a:t> wish state list</a:t>
+            </a:r>
+            <a:endParaRPr lang="en-SG" sz="1100" dirty="0">
+              <a:solidFill>
+                <a:srgbClr val="7030A0"/>
+              </a:solidFill>
+            </a:endParaRPr>
+          </a:p>
+        </p:txBody>
+      </p:sp>
     </p:spTree>
     <p:extLst>
       <p:ext uri="{BB962C8B-B14F-4D97-AF65-F5344CB8AC3E}">

--- a/docs/diagrams/ModelComponentClassDiagram.pptx
+++ b/docs/diagrams/ModelComponentClassDiagram.pptx
@@ -208,7 +208,7 @@
           <a:p>
             <a:fld id="{F5CC4B3F-88C1-4FFA-B1B6-F41C21DC6924}" type="datetimeFigureOut">
               <a:rPr lang="en-US" smtClean="0"/>
-              <a:t>6/27/2018</a:t>
+              <a:t>10/14/2018</a:t>
             </a:fld>
             <a:endParaRPr lang="en-US"/>
           </a:p>
@@ -654,7 +654,7 @@
           <a:p>
             <a:fld id="{78C97017-6FC3-485B-9764-EAC9E56C1D49}" type="datetimeFigureOut">
               <a:rPr lang="en-US" smtClean="0"/>
-              <a:t>6/27/2018</a:t>
+              <a:t>10/14/2018</a:t>
             </a:fld>
             <a:endParaRPr lang="en-US"/>
           </a:p>
@@ -822,7 +822,7 @@
           <a:p>
             <a:fld id="{78C97017-6FC3-485B-9764-EAC9E56C1D49}" type="datetimeFigureOut">
               <a:rPr lang="en-US" smtClean="0"/>
-              <a:t>6/27/2018</a:t>
+              <a:t>10/14/2018</a:t>
             </a:fld>
             <a:endParaRPr lang="en-US"/>
           </a:p>
@@ -1000,7 +1000,7 @@
           <a:p>
             <a:fld id="{78C97017-6FC3-485B-9764-EAC9E56C1D49}" type="datetimeFigureOut">
               <a:rPr lang="en-US" smtClean="0"/>
-              <a:t>6/27/2018</a:t>
+              <a:t>10/14/2018</a:t>
             </a:fld>
             <a:endParaRPr lang="en-US"/>
           </a:p>
@@ -1168,7 +1168,7 @@
           <a:p>
             <a:fld id="{78C97017-6FC3-485B-9764-EAC9E56C1D49}" type="datetimeFigureOut">
               <a:rPr lang="en-US" smtClean="0"/>
-              <a:t>6/27/2018</a:t>
+              <a:t>10/14/2018</a:t>
             </a:fld>
             <a:endParaRPr lang="en-US"/>
           </a:p>
@@ -1413,7 +1413,7 @@
           <a:p>
             <a:fld id="{78C97017-6FC3-485B-9764-EAC9E56C1D49}" type="datetimeFigureOut">
               <a:rPr lang="en-US" smtClean="0"/>
-              <a:t>6/27/2018</a:t>
+              <a:t>10/14/2018</a:t>
             </a:fld>
             <a:endParaRPr lang="en-US"/>
           </a:p>
@@ -1698,7 +1698,7 @@
           <a:p>
             <a:fld id="{78C97017-6FC3-485B-9764-EAC9E56C1D49}" type="datetimeFigureOut">
               <a:rPr lang="en-US" smtClean="0"/>
-              <a:t>6/27/2018</a:t>
+              <a:t>10/14/2018</a:t>
             </a:fld>
             <a:endParaRPr lang="en-US"/>
           </a:p>
@@ -2117,7 +2117,7 @@
           <a:p>
             <a:fld id="{78C97017-6FC3-485B-9764-EAC9E56C1D49}" type="datetimeFigureOut">
               <a:rPr lang="en-US" smtClean="0"/>
-              <a:t>6/27/2018</a:t>
+              <a:t>10/14/2018</a:t>
             </a:fld>
             <a:endParaRPr lang="en-US"/>
           </a:p>
@@ -2234,7 +2234,7 @@
           <a:p>
             <a:fld id="{78C97017-6FC3-485B-9764-EAC9E56C1D49}" type="datetimeFigureOut">
               <a:rPr lang="en-US" smtClean="0"/>
-              <a:t>6/27/2018</a:t>
+              <a:t>10/14/2018</a:t>
             </a:fld>
             <a:endParaRPr lang="en-US"/>
           </a:p>
@@ -2329,7 +2329,7 @@
           <a:p>
             <a:fld id="{78C97017-6FC3-485B-9764-EAC9E56C1D49}" type="datetimeFigureOut">
               <a:rPr lang="en-US" smtClean="0"/>
-              <a:t>6/27/2018</a:t>
+              <a:t>10/14/2018</a:t>
             </a:fld>
             <a:endParaRPr lang="en-US"/>
           </a:p>
@@ -2604,7 +2604,7 @@
           <a:p>
             <a:fld id="{78C97017-6FC3-485B-9764-EAC9E56C1D49}" type="datetimeFigureOut">
               <a:rPr lang="en-US" smtClean="0"/>
-              <a:t>6/27/2018</a:t>
+              <a:t>10/14/2018</a:t>
             </a:fld>
             <a:endParaRPr lang="en-US"/>
           </a:p>
@@ -2856,7 +2856,7 @@
           <a:p>
             <a:fld id="{78C97017-6FC3-485B-9764-EAC9E56C1D49}" type="datetimeFigureOut">
               <a:rPr lang="en-US" smtClean="0"/>
-              <a:t>6/27/2018</a:t>
+              <a:t>10/14/2018</a:t>
             </a:fld>
             <a:endParaRPr lang="en-US"/>
           </a:p>
@@ -3067,7 +3067,7 @@
           <a:p>
             <a:fld id="{78C97017-6FC3-485B-9764-EAC9E56C1D49}" type="datetimeFigureOut">
               <a:rPr lang="en-US" smtClean="0"/>
-              <a:t>6/27/2018</a:t>
+              <a:t>10/14/2018</a:t>
             </a:fld>
             <a:endParaRPr lang="en-US"/>
           </a:p>
@@ -3450,8 +3450,8 @@
         </p:nvSpPr>
         <p:spPr>
           <a:xfrm>
-            <a:off x="1119865" y="1600200"/>
-            <a:ext cx="7490735" cy="3124200"/>
+            <a:off x="1124363" y="987463"/>
+            <a:ext cx="7719335" cy="3725497"/>
           </a:xfrm>
           <a:prstGeom prst="roundRect">
             <a:avLst>
@@ -3994,7 +3994,7 @@
           <a:p>
             <a:pPr algn="ctr"/>
             <a:r>
-              <a:rPr lang="en-US" sz="1050" dirty="0" err="1" smtClean="0">
+              <a:rPr lang="en-US" sz="1050" dirty="0" err="1">
                 <a:solidFill>
                   <a:srgbClr val="7030A0"/>
                 </a:solidFill>
@@ -4103,7 +4103,7 @@
         </p:nvSpPr>
         <p:spPr>
           <a:xfrm>
-            <a:off x="4692650" y="2846162"/>
+            <a:off x="4707612" y="2839259"/>
             <a:ext cx="1156969" cy="346760"/>
           </a:xfrm>
           <a:prstGeom prst="rect">
@@ -4778,14 +4778,16 @@
         <p:nvCxnSpPr>
           <p:cNvPr id="97" name="Elbow Connector 63"/>
           <p:cNvCxnSpPr>
+            <a:cxnSpLocks/>
             <a:stCxn id="99" idx="3"/>
+            <a:endCxn id="46" idx="0"/>
           </p:cNvCxnSpPr>
           <p:nvPr/>
         </p:nvCxnSpPr>
         <p:spPr>
           <a:xfrm rot="5400000">
-            <a:off x="3553611" y="2687559"/>
-            <a:ext cx="293825" cy="5938"/>
+            <a:off x="3485753" y="2628423"/>
+            <a:ext cx="302546" cy="132932"/>
           </a:xfrm>
           <a:prstGeom prst="bentConnector3">
             <a:avLst>
@@ -4873,7 +4875,7 @@
         </p:nvSpPr>
         <p:spPr>
           <a:xfrm>
-            <a:off x="1260922" y="1998350"/>
+            <a:off x="2402370" y="1427686"/>
             <a:ext cx="1443661" cy="364396"/>
           </a:xfrm>
           <a:prstGeom prst="rect">
@@ -5022,14 +5024,6 @@
                 </a:solidFill>
               </a:rPr>
               <a:t>&lt;&lt;interface&gt;&gt;</a:t>
-            </a:r>
-            <a:r>
-              <a:rPr lang="en-US" sz="1050">
-                <a:solidFill>
-                  <a:srgbClr val="7030A0"/>
-                </a:solidFill>
-              </a:rPr>
-              <a:t/>
             </a:r>
             <a:br>
               <a:rPr lang="en-US" sz="1050">
@@ -5457,7 +5451,7 @@
         <p:spPr>
           <a:xfrm>
             <a:off x="3170181" y="1998350"/>
-            <a:ext cx="1060683" cy="364396"/>
+            <a:ext cx="944619" cy="364396"/>
           </a:xfrm>
           <a:prstGeom prst="rect">
             <a:avLst/>
@@ -5516,7 +5510,7 @@
         <p:spPr>
           <a:xfrm>
             <a:off x="4324972" y="3007222"/>
-            <a:ext cx="367678" cy="12320"/>
+            <a:ext cx="382640" cy="5417"/>
           </a:xfrm>
           <a:prstGeom prst="straightConnector1">
             <a:avLst/>
@@ -5552,13 +5546,13 @@
           <p:nvPr/>
         </p:nvSpPr>
         <p:spPr>
-          <a:xfrm rot="16200000">
-            <a:off x="2669073" y="2069158"/>
+          <a:xfrm>
+            <a:off x="2699663" y="1815890"/>
             <a:ext cx="271014" cy="187417"/>
           </a:xfrm>
           <a:prstGeom prst="triangle">
             <a:avLst>
-              <a:gd name="adj" fmla="val 44517"/>
+              <a:gd name="adj" fmla="val 55764"/>
             </a:avLst>
           </a:prstGeom>
           <a:solidFill>
@@ -5601,20 +5595,19 @@
         <p:nvCxnSpPr>
           <p:cNvPr id="69" name="Elbow Connector 63"/>
           <p:cNvCxnSpPr>
+            <a:cxnSpLocks/>
             <a:stCxn id="68" idx="3"/>
             <a:endCxn id="55" idx="1"/>
           </p:cNvCxnSpPr>
           <p:nvPr/>
         </p:nvCxnSpPr>
         <p:spPr>
-          <a:xfrm>
-            <a:off x="2898289" y="2177727"/>
-            <a:ext cx="271892" cy="2821"/>
-          </a:xfrm>
-          <a:prstGeom prst="bentConnector3">
-            <a:avLst>
-              <a:gd name="adj1" fmla="val 50000"/>
-            </a:avLst>
+          <a:xfrm rot="16200000" flipH="1">
+            <a:off x="2921866" y="1932232"/>
+            <a:ext cx="177241" cy="319390"/>
+          </a:xfrm>
+          <a:prstGeom prst="bentConnector2">
+            <a:avLst/>
           </a:prstGeom>
           <a:ln w="19050">
             <a:solidFill>
@@ -5641,6 +5634,1299 @@
           </a:fontRef>
         </p:style>
       </p:cxnSp>
+      <p:sp>
+        <p:nvSpPr>
+          <p:cNvPr id="57" name="Flowchart: Decision 96">
+            <a:extLst>
+              <a:ext uri="{FF2B5EF4-FFF2-40B4-BE49-F238E27FC236}">
+                <a16:creationId xmlns:a16="http://schemas.microsoft.com/office/drawing/2014/main" id="{0BF267DC-9109-41CA-8983-385A7F41840F}"/>
+              </a:ext>
+            </a:extLst>
+          </p:cNvPr>
+          <p:cNvSpPr/>
+          <p:nvPr/>
+        </p:nvSpPr>
+        <p:spPr>
+          <a:xfrm rot="16200000">
+            <a:off x="4124771" y="2615511"/>
+            <a:ext cx="236048" cy="173380"/>
+          </a:xfrm>
+          <a:prstGeom prst="flowChartDecision">
+            <a:avLst/>
+          </a:prstGeom>
+          <a:solidFill>
+            <a:srgbClr val="7030A0"/>
+          </a:solidFill>
+          <a:ln w="19050">
+            <a:solidFill>
+              <a:srgbClr val="7030A0"/>
+            </a:solidFill>
+          </a:ln>
+          <a:effectLst/>
+        </p:spPr>
+        <p:style>
+          <a:lnRef idx="1">
+            <a:schemeClr val="accent6"/>
+          </a:lnRef>
+          <a:fillRef idx="2">
+            <a:schemeClr val="accent6"/>
+          </a:fillRef>
+          <a:effectRef idx="1">
+            <a:schemeClr val="accent6"/>
+          </a:effectRef>
+          <a:fontRef idx="minor">
+            <a:schemeClr val="dk1"/>
+          </a:fontRef>
+        </p:style>
+        <p:txBody>
+          <a:bodyPr rtlCol="0" anchor="ctr"/>
+          <a:lstStyle/>
+          <a:p>
+            <a:pPr algn="ctr"/>
+            <a:endParaRPr lang="en-US" sz="1050"/>
+          </a:p>
+        </p:txBody>
+      </p:sp>
+      <p:sp>
+        <p:nvSpPr>
+          <p:cNvPr id="59" name="Rectangle 8">
+            <a:extLst>
+              <a:ext uri="{FF2B5EF4-FFF2-40B4-BE49-F238E27FC236}">
+                <a16:creationId xmlns:a16="http://schemas.microsoft.com/office/drawing/2014/main" id="{C6DBC71E-68B3-45A7-BE58-61DD39BCCACF}"/>
+              </a:ext>
+            </a:extLst>
+          </p:cNvPr>
+          <p:cNvSpPr/>
+          <p:nvPr/>
+        </p:nvSpPr>
+        <p:spPr>
+          <a:xfrm>
+            <a:off x="4168378" y="1443519"/>
+            <a:ext cx="1156969" cy="346760"/>
+          </a:xfrm>
+          <a:prstGeom prst="rect">
+            <a:avLst/>
+          </a:prstGeom>
+          <a:ln w="19050">
+            <a:solidFill>
+              <a:srgbClr val="7030A0"/>
+            </a:solidFill>
+          </a:ln>
+          <a:effectLst/>
+        </p:spPr>
+        <p:style>
+          <a:lnRef idx="1">
+            <a:schemeClr val="accent4"/>
+          </a:lnRef>
+          <a:fillRef idx="2">
+            <a:schemeClr val="accent4"/>
+          </a:fillRef>
+          <a:effectRef idx="1">
+            <a:schemeClr val="accent4"/>
+          </a:effectRef>
+          <a:fontRef idx="minor">
+            <a:schemeClr val="dk1"/>
+          </a:fontRef>
+        </p:style>
+        <p:txBody>
+          <a:bodyPr rtlCol="0" anchor="ctr"/>
+          <a:lstStyle/>
+          <a:p>
+            <a:pPr algn="ctr"/>
+            <a:r>
+              <a:rPr lang="en-US" sz="1050" dirty="0" err="1">
+                <a:solidFill>
+                  <a:srgbClr val="7030A0"/>
+                </a:solidFill>
+              </a:rPr>
+              <a:t>UniqueEventList</a:t>
+            </a:r>
+            <a:endParaRPr lang="en-SG" sz="1050" dirty="0">
+              <a:solidFill>
+                <a:srgbClr val="7030A0"/>
+              </a:solidFill>
+            </a:endParaRPr>
+          </a:p>
+        </p:txBody>
+      </p:sp>
+      <p:sp>
+        <p:nvSpPr>
+          <p:cNvPr id="67" name="Flowchart: Decision 96">
+            <a:extLst>
+              <a:ext uri="{FF2B5EF4-FFF2-40B4-BE49-F238E27FC236}">
+                <a16:creationId xmlns:a16="http://schemas.microsoft.com/office/drawing/2014/main" id="{7EF7F42C-5AA1-4D64-833F-258EBD39E07B}"/>
+              </a:ext>
+            </a:extLst>
+          </p:cNvPr>
+          <p:cNvSpPr/>
+          <p:nvPr/>
+        </p:nvSpPr>
+        <p:spPr>
+          <a:xfrm>
+            <a:off x="5334000" y="1524000"/>
+            <a:ext cx="236048" cy="173380"/>
+          </a:xfrm>
+          <a:prstGeom prst="flowChartDecision">
+            <a:avLst/>
+          </a:prstGeom>
+          <a:noFill/>
+          <a:ln w="19050">
+            <a:solidFill>
+              <a:srgbClr val="7030A0"/>
+            </a:solidFill>
+          </a:ln>
+          <a:effectLst/>
+        </p:spPr>
+        <p:style>
+          <a:lnRef idx="1">
+            <a:schemeClr val="accent6"/>
+          </a:lnRef>
+          <a:fillRef idx="2">
+            <a:schemeClr val="accent6"/>
+          </a:fillRef>
+          <a:effectRef idx="1">
+            <a:schemeClr val="accent6"/>
+          </a:effectRef>
+          <a:fontRef idx="minor">
+            <a:schemeClr val="dk1"/>
+          </a:fontRef>
+        </p:style>
+        <p:txBody>
+          <a:bodyPr rtlCol="0" anchor="ctr"/>
+          <a:lstStyle/>
+          <a:p>
+            <a:pPr algn="ctr"/>
+            <a:endParaRPr lang="en-US" sz="1050"/>
+          </a:p>
+        </p:txBody>
+      </p:sp>
+      <p:sp>
+        <p:nvSpPr>
+          <p:cNvPr id="74" name="Rectangle 8">
+            <a:extLst>
+              <a:ext uri="{FF2B5EF4-FFF2-40B4-BE49-F238E27FC236}">
+                <a16:creationId xmlns:a16="http://schemas.microsoft.com/office/drawing/2014/main" id="{F30064A9-569F-4038-B8A0-3AABD5329043}"/>
+              </a:ext>
+            </a:extLst>
+          </p:cNvPr>
+          <p:cNvSpPr/>
+          <p:nvPr/>
+        </p:nvSpPr>
+        <p:spPr>
+          <a:xfrm>
+            <a:off x="5934452" y="1437430"/>
+            <a:ext cx="708186" cy="346760"/>
+          </a:xfrm>
+          <a:prstGeom prst="rect">
+            <a:avLst/>
+          </a:prstGeom>
+          <a:ln w="19050">
+            <a:solidFill>
+              <a:srgbClr val="7030A0"/>
+            </a:solidFill>
+          </a:ln>
+          <a:effectLst/>
+        </p:spPr>
+        <p:style>
+          <a:lnRef idx="1">
+            <a:schemeClr val="accent4"/>
+          </a:lnRef>
+          <a:fillRef idx="2">
+            <a:schemeClr val="accent4"/>
+          </a:fillRef>
+          <a:effectRef idx="1">
+            <a:schemeClr val="accent4"/>
+          </a:effectRef>
+          <a:fontRef idx="minor">
+            <a:schemeClr val="dk1"/>
+          </a:fontRef>
+        </p:style>
+        <p:txBody>
+          <a:bodyPr rtlCol="0" anchor="ctr"/>
+          <a:lstStyle/>
+          <a:p>
+            <a:pPr algn="ctr"/>
+            <a:r>
+              <a:rPr lang="en-US" sz="1050" dirty="0">
+                <a:solidFill>
+                  <a:srgbClr val="7030A0"/>
+                </a:solidFill>
+              </a:rPr>
+              <a:t>Event</a:t>
+            </a:r>
+            <a:endParaRPr lang="en-SG" sz="1050" dirty="0">
+              <a:solidFill>
+                <a:srgbClr val="7030A0"/>
+              </a:solidFill>
+            </a:endParaRPr>
+          </a:p>
+        </p:txBody>
+      </p:sp>
+      <p:sp>
+        <p:nvSpPr>
+          <p:cNvPr id="77" name="TextBox 76">
+            <a:extLst>
+              <a:ext uri="{FF2B5EF4-FFF2-40B4-BE49-F238E27FC236}">
+                <a16:creationId xmlns:a16="http://schemas.microsoft.com/office/drawing/2014/main" id="{92CDF464-5803-4DE8-948D-6B3CC58FB94F}"/>
+              </a:ext>
+            </a:extLst>
+          </p:cNvPr>
+          <p:cNvSpPr txBox="1"/>
+          <p:nvPr/>
+        </p:nvSpPr>
+        <p:spPr>
+          <a:xfrm>
+            <a:off x="4230343" y="2488317"/>
+            <a:ext cx="189257" cy="178683"/>
+          </a:xfrm>
+          <a:prstGeom prst="rect">
+            <a:avLst/>
+          </a:prstGeom>
+          <a:noFill/>
+        </p:spPr>
+        <p:txBody>
+          <a:bodyPr wrap="square" lIns="0" tIns="0" rIns="0" bIns="0" rtlCol="0">
+            <a:noAutofit/>
+          </a:bodyPr>
+          <a:lstStyle/>
+          <a:p>
+            <a:pPr algn="ctr"/>
+            <a:r>
+              <a:rPr lang="en-US" sz="1100" dirty="0">
+                <a:solidFill>
+                  <a:srgbClr val="7030A0"/>
+                </a:solidFill>
+              </a:rPr>
+              <a:t>1</a:t>
+            </a:r>
+            <a:endParaRPr lang="en-SG" sz="1100" dirty="0">
+              <a:solidFill>
+                <a:srgbClr val="7030A0"/>
+              </a:solidFill>
+            </a:endParaRPr>
+          </a:p>
+        </p:txBody>
+      </p:sp>
+      <p:sp>
+        <p:nvSpPr>
+          <p:cNvPr id="82" name="TextBox 81">
+            <a:extLst>
+              <a:ext uri="{FF2B5EF4-FFF2-40B4-BE49-F238E27FC236}">
+                <a16:creationId xmlns:a16="http://schemas.microsoft.com/office/drawing/2014/main" id="{23072898-D4E7-4D7D-B111-BBF253A4B918}"/>
+              </a:ext>
+            </a:extLst>
+          </p:cNvPr>
+          <p:cNvSpPr txBox="1"/>
+          <p:nvPr/>
+        </p:nvSpPr>
+        <p:spPr>
+          <a:xfrm>
+            <a:off x="6248400" y="2209800"/>
+            <a:ext cx="189257" cy="178683"/>
+          </a:xfrm>
+          <a:prstGeom prst="rect">
+            <a:avLst/>
+          </a:prstGeom>
+          <a:noFill/>
+        </p:spPr>
+        <p:txBody>
+          <a:bodyPr wrap="square" lIns="0" tIns="0" rIns="0" bIns="0" rtlCol="0">
+            <a:noAutofit/>
+          </a:bodyPr>
+          <a:lstStyle/>
+          <a:p>
+            <a:pPr algn="ctr"/>
+            <a:r>
+              <a:rPr lang="en-US" sz="1100" dirty="0">
+                <a:solidFill>
+                  <a:srgbClr val="7030A0"/>
+                </a:solidFill>
+              </a:rPr>
+              <a:t>*</a:t>
+            </a:r>
+            <a:endParaRPr lang="en-SG" sz="1100" dirty="0">
+              <a:solidFill>
+                <a:srgbClr val="7030A0"/>
+              </a:solidFill>
+            </a:endParaRPr>
+          </a:p>
+        </p:txBody>
+      </p:sp>
+      <p:sp>
+        <p:nvSpPr>
+          <p:cNvPr id="87" name="Flowchart: Decision 96">
+            <a:extLst>
+              <a:ext uri="{FF2B5EF4-FFF2-40B4-BE49-F238E27FC236}">
+                <a16:creationId xmlns:a16="http://schemas.microsoft.com/office/drawing/2014/main" id="{3FB91537-7120-4B28-9ECF-CCBD67B38AE5}"/>
+              </a:ext>
+            </a:extLst>
+          </p:cNvPr>
+          <p:cNvSpPr/>
+          <p:nvPr/>
+        </p:nvSpPr>
+        <p:spPr>
+          <a:xfrm>
+            <a:off x="6662191" y="1626650"/>
+            <a:ext cx="236048" cy="173380"/>
+          </a:xfrm>
+          <a:prstGeom prst="flowChartDecision">
+            <a:avLst/>
+          </a:prstGeom>
+          <a:solidFill>
+            <a:srgbClr val="7030A0"/>
+          </a:solidFill>
+          <a:ln w="19050">
+            <a:solidFill>
+              <a:srgbClr val="7030A0"/>
+            </a:solidFill>
+          </a:ln>
+          <a:effectLst/>
+        </p:spPr>
+        <p:style>
+          <a:lnRef idx="1">
+            <a:schemeClr val="accent6"/>
+          </a:lnRef>
+          <a:fillRef idx="2">
+            <a:schemeClr val="accent6"/>
+          </a:fillRef>
+          <a:effectRef idx="1">
+            <a:schemeClr val="accent6"/>
+          </a:effectRef>
+          <a:fontRef idx="minor">
+            <a:schemeClr val="dk1"/>
+          </a:fontRef>
+        </p:style>
+        <p:txBody>
+          <a:bodyPr rtlCol="0" anchor="ctr"/>
+          <a:lstStyle/>
+          <a:p>
+            <a:pPr algn="ctr"/>
+            <a:endParaRPr lang="en-US" sz="1050"/>
+          </a:p>
+        </p:txBody>
+      </p:sp>
+      <p:cxnSp>
+        <p:nvCxnSpPr>
+          <p:cNvPr id="88" name="Elbow Connector 78">
+            <a:extLst>
+              <a:ext uri="{FF2B5EF4-FFF2-40B4-BE49-F238E27FC236}">
+                <a16:creationId xmlns:a16="http://schemas.microsoft.com/office/drawing/2014/main" id="{01AEEF0B-5D20-4D47-BCF1-08EAE6BC5E80}"/>
+              </a:ext>
+            </a:extLst>
+          </p:cNvPr>
+          <p:cNvCxnSpPr>
+            <a:cxnSpLocks/>
+            <a:stCxn id="87" idx="3"/>
+            <a:endCxn id="52" idx="3"/>
+          </p:cNvCxnSpPr>
+          <p:nvPr/>
+        </p:nvCxnSpPr>
+        <p:spPr>
+          <a:xfrm>
+            <a:off x="6898239" y="1713340"/>
+            <a:ext cx="1522344" cy="658369"/>
+          </a:xfrm>
+          <a:prstGeom prst="bentConnector3">
+            <a:avLst>
+              <a:gd name="adj1" fmla="val 115016"/>
+            </a:avLst>
+          </a:prstGeom>
+          <a:ln w="19050">
+            <a:solidFill>
+              <a:srgbClr val="7030A0"/>
+            </a:solidFill>
+            <a:headEnd type="none" w="med" len="med"/>
+            <a:tailEnd type="arrow" w="med" len="med"/>
+          </a:ln>
+          <a:effectLst/>
+        </p:spPr>
+        <p:style>
+          <a:lnRef idx="1">
+            <a:schemeClr val="accent2"/>
+          </a:lnRef>
+          <a:fillRef idx="2">
+            <a:schemeClr val="accent2"/>
+          </a:fillRef>
+          <a:effectRef idx="1">
+            <a:schemeClr val="accent2"/>
+          </a:effectRef>
+          <a:fontRef idx="minor">
+            <a:schemeClr val="dk1"/>
+          </a:fontRef>
+        </p:style>
+      </p:cxnSp>
+      <p:cxnSp>
+        <p:nvCxnSpPr>
+          <p:cNvPr id="89" name="Elbow Connector 78">
+            <a:extLst>
+              <a:ext uri="{FF2B5EF4-FFF2-40B4-BE49-F238E27FC236}">
+                <a16:creationId xmlns:a16="http://schemas.microsoft.com/office/drawing/2014/main" id="{27464ABD-A090-4BED-8FF0-D390BBD08D53}"/>
+              </a:ext>
+            </a:extLst>
+          </p:cNvPr>
+          <p:cNvCxnSpPr>
+            <a:cxnSpLocks/>
+            <a:stCxn id="87" idx="3"/>
+            <a:endCxn id="85" idx="3"/>
+          </p:cNvCxnSpPr>
+          <p:nvPr/>
+        </p:nvCxnSpPr>
+        <p:spPr>
+          <a:xfrm>
+            <a:off x="6898239" y="1713340"/>
+            <a:ext cx="1522344" cy="1962723"/>
+          </a:xfrm>
+          <a:prstGeom prst="bentConnector3">
+            <a:avLst>
+              <a:gd name="adj1" fmla="val 115016"/>
+            </a:avLst>
+          </a:prstGeom>
+          <a:ln w="19050">
+            <a:solidFill>
+              <a:srgbClr val="7030A0"/>
+            </a:solidFill>
+            <a:headEnd type="none" w="med" len="med"/>
+            <a:tailEnd type="arrow" w="med" len="med"/>
+          </a:ln>
+          <a:effectLst/>
+        </p:spPr>
+        <p:style>
+          <a:lnRef idx="1">
+            <a:schemeClr val="accent2"/>
+          </a:lnRef>
+          <a:fillRef idx="2">
+            <a:schemeClr val="accent2"/>
+          </a:fillRef>
+          <a:effectRef idx="1">
+            <a:schemeClr val="accent2"/>
+          </a:effectRef>
+          <a:fontRef idx="minor">
+            <a:schemeClr val="dk1"/>
+          </a:fontRef>
+        </p:style>
+      </p:cxnSp>
+      <p:cxnSp>
+        <p:nvCxnSpPr>
+          <p:cNvPr id="90" name="Elbow Connector 78">
+            <a:extLst>
+              <a:ext uri="{FF2B5EF4-FFF2-40B4-BE49-F238E27FC236}">
+                <a16:creationId xmlns:a16="http://schemas.microsoft.com/office/drawing/2014/main" id="{B87C7BE0-A2AA-49B6-9AED-FDD12C526700}"/>
+              </a:ext>
+            </a:extLst>
+          </p:cNvPr>
+          <p:cNvCxnSpPr>
+            <a:cxnSpLocks/>
+            <a:stCxn id="87" idx="3"/>
+            <a:endCxn id="76" idx="3"/>
+          </p:cNvCxnSpPr>
+          <p:nvPr/>
+        </p:nvCxnSpPr>
+        <p:spPr>
+          <a:xfrm>
+            <a:off x="6898239" y="1713340"/>
+            <a:ext cx="1522344" cy="993790"/>
+          </a:xfrm>
+          <a:prstGeom prst="bentConnector3">
+            <a:avLst>
+              <a:gd name="adj1" fmla="val 115016"/>
+            </a:avLst>
+          </a:prstGeom>
+          <a:ln w="19050">
+            <a:solidFill>
+              <a:srgbClr val="7030A0"/>
+            </a:solidFill>
+            <a:headEnd type="none" w="med" len="med"/>
+            <a:tailEnd type="arrow" w="med" len="med"/>
+          </a:ln>
+          <a:effectLst/>
+        </p:spPr>
+        <p:style>
+          <a:lnRef idx="1">
+            <a:schemeClr val="accent2"/>
+          </a:lnRef>
+          <a:fillRef idx="2">
+            <a:schemeClr val="accent2"/>
+          </a:fillRef>
+          <a:effectRef idx="1">
+            <a:schemeClr val="accent2"/>
+          </a:effectRef>
+          <a:fontRef idx="minor">
+            <a:schemeClr val="dk1"/>
+          </a:fontRef>
+        </p:style>
+      </p:cxnSp>
+      <p:sp>
+        <p:nvSpPr>
+          <p:cNvPr id="91" name="TextBox 90">
+            <a:extLst>
+              <a:ext uri="{FF2B5EF4-FFF2-40B4-BE49-F238E27FC236}">
+                <a16:creationId xmlns:a16="http://schemas.microsoft.com/office/drawing/2014/main" id="{A1CE1F18-C939-485B-974C-6D036E9A75EA}"/>
+              </a:ext>
+            </a:extLst>
+          </p:cNvPr>
+          <p:cNvSpPr txBox="1"/>
+          <p:nvPr/>
+        </p:nvSpPr>
+        <p:spPr>
+          <a:xfrm>
+            <a:off x="8396393" y="2224675"/>
+            <a:ext cx="189257" cy="178683"/>
+          </a:xfrm>
+          <a:prstGeom prst="rect">
+            <a:avLst/>
+          </a:prstGeom>
+          <a:noFill/>
+        </p:spPr>
+        <p:txBody>
+          <a:bodyPr wrap="square" lIns="0" tIns="0" rIns="0" bIns="0" rtlCol="0">
+            <a:noAutofit/>
+          </a:bodyPr>
+          <a:lstStyle/>
+          <a:p>
+            <a:pPr algn="ctr"/>
+            <a:r>
+              <a:rPr lang="en-US" sz="1100" dirty="0">
+                <a:solidFill>
+                  <a:srgbClr val="7030A0"/>
+                </a:solidFill>
+              </a:rPr>
+              <a:t>*</a:t>
+            </a:r>
+            <a:endParaRPr lang="en-SG" sz="1100" dirty="0">
+              <a:solidFill>
+                <a:srgbClr val="7030A0"/>
+              </a:solidFill>
+            </a:endParaRPr>
+          </a:p>
+        </p:txBody>
+      </p:sp>
+      <p:cxnSp>
+        <p:nvCxnSpPr>
+          <p:cNvPr id="92" name="Elbow Connector 78">
+            <a:extLst>
+              <a:ext uri="{FF2B5EF4-FFF2-40B4-BE49-F238E27FC236}">
+                <a16:creationId xmlns:a16="http://schemas.microsoft.com/office/drawing/2014/main" id="{2D4B856F-16E5-4870-9160-9AA330EBB9D6}"/>
+              </a:ext>
+            </a:extLst>
+          </p:cNvPr>
+          <p:cNvCxnSpPr>
+            <a:cxnSpLocks/>
+            <a:stCxn id="134" idx="2"/>
+            <a:endCxn id="49" idx="0"/>
+          </p:cNvCxnSpPr>
+          <p:nvPr/>
+        </p:nvCxnSpPr>
+        <p:spPr>
+          <a:xfrm rot="5400000">
+            <a:off x="5236978" y="2060890"/>
+            <a:ext cx="827489" cy="729249"/>
+          </a:xfrm>
+          <a:prstGeom prst="bentConnector3">
+            <a:avLst>
+              <a:gd name="adj1" fmla="val 50000"/>
+            </a:avLst>
+          </a:prstGeom>
+          <a:ln w="19050">
+            <a:solidFill>
+              <a:srgbClr val="7030A0"/>
+            </a:solidFill>
+            <a:headEnd type="none" w="med" len="med"/>
+            <a:tailEnd type="arrow" w="med" len="med"/>
+          </a:ln>
+          <a:effectLst/>
+        </p:spPr>
+        <p:style>
+          <a:lnRef idx="1">
+            <a:schemeClr val="accent2"/>
+          </a:lnRef>
+          <a:fillRef idx="2">
+            <a:schemeClr val="accent2"/>
+          </a:fillRef>
+          <a:effectRef idx="1">
+            <a:schemeClr val="accent2"/>
+          </a:effectRef>
+          <a:fontRef idx="minor">
+            <a:schemeClr val="dk1"/>
+          </a:fontRef>
+        </p:style>
+      </p:cxnSp>
+      <p:sp>
+        <p:nvSpPr>
+          <p:cNvPr id="94" name="Rectangle 8">
+            <a:extLst>
+              <a:ext uri="{FF2B5EF4-FFF2-40B4-BE49-F238E27FC236}">
+                <a16:creationId xmlns:a16="http://schemas.microsoft.com/office/drawing/2014/main" id="{2DB65AB3-A092-40E3-901D-BB15E2348F5F}"/>
+              </a:ext>
+            </a:extLst>
+          </p:cNvPr>
+          <p:cNvSpPr/>
+          <p:nvPr/>
+        </p:nvSpPr>
+        <p:spPr>
+          <a:xfrm>
+            <a:off x="6078908" y="2347620"/>
+            <a:ext cx="708186" cy="346760"/>
+          </a:xfrm>
+          <a:prstGeom prst="rect">
+            <a:avLst/>
+          </a:prstGeom>
+          <a:ln w="19050">
+            <a:solidFill>
+              <a:srgbClr val="7030A0"/>
+            </a:solidFill>
+          </a:ln>
+          <a:effectLst/>
+        </p:spPr>
+        <p:style>
+          <a:lnRef idx="1">
+            <a:schemeClr val="accent4"/>
+          </a:lnRef>
+          <a:fillRef idx="2">
+            <a:schemeClr val="accent4"/>
+          </a:fillRef>
+          <a:effectRef idx="1">
+            <a:schemeClr val="accent4"/>
+          </a:effectRef>
+          <a:fontRef idx="minor">
+            <a:schemeClr val="dk1"/>
+          </a:fontRef>
+        </p:style>
+        <p:txBody>
+          <a:bodyPr rtlCol="0" anchor="ctr"/>
+          <a:lstStyle/>
+          <a:p>
+            <a:pPr algn="ctr"/>
+            <a:r>
+              <a:rPr lang="en-US" sz="1050" dirty="0">
+                <a:solidFill>
+                  <a:srgbClr val="7030A0"/>
+                </a:solidFill>
+              </a:rPr>
+              <a:t>Poll</a:t>
+            </a:r>
+            <a:endParaRPr lang="en-SG" sz="1050" dirty="0">
+              <a:solidFill>
+                <a:srgbClr val="7030A0"/>
+              </a:solidFill>
+            </a:endParaRPr>
+          </a:p>
+        </p:txBody>
+      </p:sp>
+      <p:cxnSp>
+        <p:nvCxnSpPr>
+          <p:cNvPr id="96" name="Elbow Connector 63">
+            <a:extLst>
+              <a:ext uri="{FF2B5EF4-FFF2-40B4-BE49-F238E27FC236}">
+                <a16:creationId xmlns:a16="http://schemas.microsoft.com/office/drawing/2014/main" id="{2A373F2C-5170-4F1B-A30B-D69384CB4C52}"/>
+              </a:ext>
+            </a:extLst>
+          </p:cNvPr>
+          <p:cNvCxnSpPr>
+            <a:cxnSpLocks/>
+            <a:stCxn id="67" idx="3"/>
+            <a:endCxn id="74" idx="1"/>
+          </p:cNvCxnSpPr>
+          <p:nvPr/>
+        </p:nvCxnSpPr>
+        <p:spPr>
+          <a:xfrm>
+            <a:off x="5570048" y="1610690"/>
+            <a:ext cx="364404" cy="120"/>
+          </a:xfrm>
+          <a:prstGeom prst="bentConnector3">
+            <a:avLst>
+              <a:gd name="adj1" fmla="val 50000"/>
+            </a:avLst>
+          </a:prstGeom>
+          <a:ln w="19050">
+            <a:solidFill>
+              <a:srgbClr val="7030A0"/>
+            </a:solidFill>
+            <a:headEnd type="none" w="med" len="med"/>
+            <a:tailEnd type="arrow" w="med" len="med"/>
+          </a:ln>
+          <a:effectLst/>
+        </p:spPr>
+        <p:style>
+          <a:lnRef idx="1">
+            <a:schemeClr val="accent2"/>
+          </a:lnRef>
+          <a:fillRef idx="2">
+            <a:schemeClr val="accent2"/>
+          </a:fillRef>
+          <a:effectRef idx="1">
+            <a:schemeClr val="accent2"/>
+          </a:effectRef>
+          <a:fontRef idx="minor">
+            <a:schemeClr val="dk1"/>
+          </a:fontRef>
+        </p:style>
+      </p:cxnSp>
+      <p:cxnSp>
+        <p:nvCxnSpPr>
+          <p:cNvPr id="98" name="Elbow Connector 63">
+            <a:extLst>
+              <a:ext uri="{FF2B5EF4-FFF2-40B4-BE49-F238E27FC236}">
+                <a16:creationId xmlns:a16="http://schemas.microsoft.com/office/drawing/2014/main" id="{0FA04F10-68A6-4C8B-95CD-3375B3ECEAD5}"/>
+              </a:ext>
+            </a:extLst>
+          </p:cNvPr>
+          <p:cNvCxnSpPr>
+            <a:cxnSpLocks/>
+            <a:stCxn id="87" idx="3"/>
+            <a:endCxn id="94" idx="0"/>
+          </p:cNvCxnSpPr>
+          <p:nvPr/>
+        </p:nvCxnSpPr>
+        <p:spPr>
+          <a:xfrm flipH="1">
+            <a:off x="6433001" y="1713340"/>
+            <a:ext cx="465238" cy="634280"/>
+          </a:xfrm>
+          <a:prstGeom prst="bentConnector4">
+            <a:avLst>
+              <a:gd name="adj1" fmla="val -49136"/>
+              <a:gd name="adj2" fmla="val 56834"/>
+            </a:avLst>
+          </a:prstGeom>
+          <a:ln w="19050">
+            <a:solidFill>
+              <a:srgbClr val="7030A0"/>
+            </a:solidFill>
+            <a:headEnd type="none" w="med" len="med"/>
+            <a:tailEnd type="arrow" w="med" len="med"/>
+          </a:ln>
+          <a:effectLst/>
+        </p:spPr>
+        <p:style>
+          <a:lnRef idx="1">
+            <a:schemeClr val="accent2"/>
+          </a:lnRef>
+          <a:fillRef idx="2">
+            <a:schemeClr val="accent2"/>
+          </a:fillRef>
+          <a:effectRef idx="1">
+            <a:schemeClr val="accent2"/>
+          </a:effectRef>
+          <a:fontRef idx="minor">
+            <a:schemeClr val="dk1"/>
+          </a:fontRef>
+        </p:style>
+      </p:cxnSp>
+      <p:sp>
+        <p:nvSpPr>
+          <p:cNvPr id="102" name="TextBox 101">
+            <a:extLst>
+              <a:ext uri="{FF2B5EF4-FFF2-40B4-BE49-F238E27FC236}">
+                <a16:creationId xmlns:a16="http://schemas.microsoft.com/office/drawing/2014/main" id="{0B4CF4D0-DC1F-42A7-8C03-09DE1FB7463F}"/>
+              </a:ext>
+            </a:extLst>
+          </p:cNvPr>
+          <p:cNvSpPr txBox="1"/>
+          <p:nvPr/>
+        </p:nvSpPr>
+        <p:spPr>
+          <a:xfrm>
+            <a:off x="5715000" y="1650117"/>
+            <a:ext cx="189257" cy="178683"/>
+          </a:xfrm>
+          <a:prstGeom prst="rect">
+            <a:avLst/>
+          </a:prstGeom>
+          <a:noFill/>
+        </p:spPr>
+        <p:txBody>
+          <a:bodyPr wrap="square" lIns="0" tIns="0" rIns="0" bIns="0" rtlCol="0">
+            <a:noAutofit/>
+          </a:bodyPr>
+          <a:lstStyle/>
+          <a:p>
+            <a:pPr algn="ctr"/>
+            <a:r>
+              <a:rPr lang="en-US" sz="1100" dirty="0">
+                <a:solidFill>
+                  <a:srgbClr val="7030A0"/>
+                </a:solidFill>
+              </a:rPr>
+              <a:t>*</a:t>
+            </a:r>
+            <a:endParaRPr lang="en-SG" sz="1100" dirty="0">
+              <a:solidFill>
+                <a:srgbClr val="7030A0"/>
+              </a:solidFill>
+            </a:endParaRPr>
+          </a:p>
+        </p:txBody>
+      </p:sp>
+      <p:cxnSp>
+        <p:nvCxnSpPr>
+          <p:cNvPr id="106" name="Elbow Connector 78">
+            <a:extLst>
+              <a:ext uri="{FF2B5EF4-FFF2-40B4-BE49-F238E27FC236}">
+                <a16:creationId xmlns:a16="http://schemas.microsoft.com/office/drawing/2014/main" id="{8611AD2B-00B2-480B-BEC0-792473F29B52}"/>
+              </a:ext>
+            </a:extLst>
+          </p:cNvPr>
+          <p:cNvCxnSpPr>
+            <a:cxnSpLocks/>
+            <a:stCxn id="57" idx="3"/>
+            <a:endCxn id="59" idx="2"/>
+          </p:cNvCxnSpPr>
+          <p:nvPr/>
+        </p:nvCxnSpPr>
+        <p:spPr>
+          <a:xfrm rot="5400000" flipH="1" flipV="1">
+            <a:off x="4097880" y="1935194"/>
+            <a:ext cx="793898" cy="504068"/>
+          </a:xfrm>
+          <a:prstGeom prst="bentConnector3">
+            <a:avLst>
+              <a:gd name="adj1" fmla="val 50000"/>
+            </a:avLst>
+          </a:prstGeom>
+          <a:ln w="19050">
+            <a:solidFill>
+              <a:srgbClr val="7030A0"/>
+            </a:solidFill>
+            <a:headEnd type="none" w="med" len="med"/>
+            <a:tailEnd type="arrow" w="med" len="med"/>
+          </a:ln>
+          <a:effectLst/>
+        </p:spPr>
+        <p:style>
+          <a:lnRef idx="1">
+            <a:schemeClr val="accent2"/>
+          </a:lnRef>
+          <a:fillRef idx="2">
+            <a:schemeClr val="accent2"/>
+          </a:fillRef>
+          <a:effectRef idx="1">
+            <a:schemeClr val="accent2"/>
+          </a:effectRef>
+          <a:fontRef idx="minor">
+            <a:schemeClr val="dk1"/>
+          </a:fontRef>
+        </p:style>
+      </p:cxnSp>
+      <p:cxnSp>
+        <p:nvCxnSpPr>
+          <p:cNvPr id="121" name="Elbow Connector 78">
+            <a:extLst>
+              <a:ext uri="{FF2B5EF4-FFF2-40B4-BE49-F238E27FC236}">
+                <a16:creationId xmlns:a16="http://schemas.microsoft.com/office/drawing/2014/main" id="{24854726-3F62-4C33-AA28-14F1D5712C0A}"/>
+              </a:ext>
+            </a:extLst>
+          </p:cNvPr>
+          <p:cNvCxnSpPr>
+            <a:cxnSpLocks/>
+            <a:stCxn id="94" idx="1"/>
+          </p:cNvCxnSpPr>
+          <p:nvPr/>
+        </p:nvCxnSpPr>
+        <p:spPr>
+          <a:xfrm rot="10800000" flipV="1">
+            <a:off x="5802718" y="2521000"/>
+            <a:ext cx="276191" cy="318258"/>
+          </a:xfrm>
+          <a:prstGeom prst="bentConnector2">
+            <a:avLst/>
+          </a:prstGeom>
+          <a:ln w="19050">
+            <a:solidFill>
+              <a:srgbClr val="7030A0"/>
+            </a:solidFill>
+            <a:headEnd type="none" w="med" len="med"/>
+            <a:tailEnd type="arrow" w="med" len="med"/>
+          </a:ln>
+          <a:effectLst/>
+        </p:spPr>
+        <p:style>
+          <a:lnRef idx="1">
+            <a:schemeClr val="accent2"/>
+          </a:lnRef>
+          <a:fillRef idx="2">
+            <a:schemeClr val="accent2"/>
+          </a:fillRef>
+          <a:effectRef idx="1">
+            <a:schemeClr val="accent2"/>
+          </a:effectRef>
+          <a:fontRef idx="minor">
+            <a:schemeClr val="dk1"/>
+          </a:fontRef>
+        </p:style>
+      </p:cxnSp>
+      <p:sp>
+        <p:nvSpPr>
+          <p:cNvPr id="130" name="TextBox 129">
+            <a:extLst>
+              <a:ext uri="{FF2B5EF4-FFF2-40B4-BE49-F238E27FC236}">
+                <a16:creationId xmlns:a16="http://schemas.microsoft.com/office/drawing/2014/main" id="{A99CB9DD-2A15-44DD-A825-91E515DAE204}"/>
+              </a:ext>
+            </a:extLst>
+          </p:cNvPr>
+          <p:cNvSpPr txBox="1"/>
+          <p:nvPr/>
+        </p:nvSpPr>
+        <p:spPr>
+          <a:xfrm>
+            <a:off x="5830543" y="2667000"/>
+            <a:ext cx="189257" cy="178683"/>
+          </a:xfrm>
+          <a:prstGeom prst="rect">
+            <a:avLst/>
+          </a:prstGeom>
+          <a:noFill/>
+        </p:spPr>
+        <p:txBody>
+          <a:bodyPr wrap="square" lIns="0" tIns="0" rIns="0" bIns="0" rtlCol="0">
+            <a:noAutofit/>
+          </a:bodyPr>
+          <a:lstStyle/>
+          <a:p>
+            <a:pPr algn="ctr"/>
+            <a:r>
+              <a:rPr lang="en-US" sz="1100" dirty="0">
+                <a:solidFill>
+                  <a:srgbClr val="7030A0"/>
+                </a:solidFill>
+              </a:rPr>
+              <a:t>*</a:t>
+            </a:r>
+            <a:endParaRPr lang="en-SG" sz="1100" dirty="0">
+              <a:solidFill>
+                <a:srgbClr val="7030A0"/>
+              </a:solidFill>
+            </a:endParaRPr>
+          </a:p>
+        </p:txBody>
+      </p:sp>
+      <p:sp>
+        <p:nvSpPr>
+          <p:cNvPr id="134" name="Flowchart: Decision 96">
+            <a:extLst>
+              <a:ext uri="{FF2B5EF4-FFF2-40B4-BE49-F238E27FC236}">
+                <a16:creationId xmlns:a16="http://schemas.microsoft.com/office/drawing/2014/main" id="{ED012079-D17B-476E-AC66-B3581506F70D}"/>
+              </a:ext>
+            </a:extLst>
+          </p:cNvPr>
+          <p:cNvSpPr/>
+          <p:nvPr/>
+        </p:nvSpPr>
+        <p:spPr>
+          <a:xfrm>
+            <a:off x="5929527" y="1793768"/>
+            <a:ext cx="171637" cy="218002"/>
+          </a:xfrm>
+          <a:prstGeom prst="flowChartDecision">
+            <a:avLst/>
+          </a:prstGeom>
+          <a:solidFill>
+            <a:srgbClr val="7030A0"/>
+          </a:solidFill>
+          <a:ln w="19050">
+            <a:solidFill>
+              <a:srgbClr val="7030A0"/>
+            </a:solidFill>
+          </a:ln>
+          <a:effectLst/>
+        </p:spPr>
+        <p:style>
+          <a:lnRef idx="1">
+            <a:schemeClr val="accent6"/>
+          </a:lnRef>
+          <a:fillRef idx="2">
+            <a:schemeClr val="accent6"/>
+          </a:fillRef>
+          <a:effectRef idx="1">
+            <a:schemeClr val="accent6"/>
+          </a:effectRef>
+          <a:fontRef idx="minor">
+            <a:schemeClr val="dk1"/>
+          </a:fontRef>
+        </p:style>
+        <p:txBody>
+          <a:bodyPr rtlCol="0" anchor="ctr"/>
+          <a:lstStyle/>
+          <a:p>
+            <a:pPr algn="ctr"/>
+            <a:endParaRPr lang="en-US" sz="1050"/>
+          </a:p>
+        </p:txBody>
+      </p:sp>
+      <p:sp>
+        <p:nvSpPr>
+          <p:cNvPr id="138" name="TextBox 137">
+            <a:extLst>
+              <a:ext uri="{FF2B5EF4-FFF2-40B4-BE49-F238E27FC236}">
+                <a16:creationId xmlns:a16="http://schemas.microsoft.com/office/drawing/2014/main" id="{3BB5DC5B-9EF2-41F7-8676-FD80EA9BEF59}"/>
+              </a:ext>
+            </a:extLst>
+          </p:cNvPr>
+          <p:cNvSpPr txBox="1"/>
+          <p:nvPr/>
+        </p:nvSpPr>
+        <p:spPr>
+          <a:xfrm>
+            <a:off x="6096000" y="1802517"/>
+            <a:ext cx="189257" cy="178683"/>
+          </a:xfrm>
+          <a:prstGeom prst="rect">
+            <a:avLst/>
+          </a:prstGeom>
+          <a:noFill/>
+        </p:spPr>
+        <p:txBody>
+          <a:bodyPr wrap="square" lIns="0" tIns="0" rIns="0" bIns="0" rtlCol="0">
+            <a:noAutofit/>
+          </a:bodyPr>
+          <a:lstStyle/>
+          <a:p>
+            <a:pPr algn="ctr"/>
+            <a:r>
+              <a:rPr lang="en-US" sz="1100" dirty="0">
+                <a:solidFill>
+                  <a:srgbClr val="7030A0"/>
+                </a:solidFill>
+              </a:rPr>
+              <a:t>1</a:t>
+            </a:r>
+            <a:endParaRPr lang="en-SG" sz="1100" dirty="0">
+              <a:solidFill>
+                <a:srgbClr val="7030A0"/>
+              </a:solidFill>
+            </a:endParaRPr>
+          </a:p>
+        </p:txBody>
+      </p:sp>
+      <p:sp>
+        <p:nvSpPr>
+          <p:cNvPr id="139" name="Rectangle 138">
+            <a:extLst>
+              <a:ext uri="{FF2B5EF4-FFF2-40B4-BE49-F238E27FC236}">
+                <a16:creationId xmlns:a16="http://schemas.microsoft.com/office/drawing/2014/main" id="{9DB19205-7422-4C6E-B938-80B607F33F10}"/>
+              </a:ext>
+            </a:extLst>
+          </p:cNvPr>
+          <p:cNvSpPr/>
+          <p:nvPr/>
+        </p:nvSpPr>
+        <p:spPr>
+          <a:xfrm>
+            <a:off x="4644034" y="2667000"/>
+            <a:ext cx="679994" cy="215444"/>
+          </a:xfrm>
+          <a:prstGeom prst="rect">
+            <a:avLst/>
+          </a:prstGeom>
+        </p:spPr>
+        <p:txBody>
+          <a:bodyPr wrap="none">
+            <a:spAutoFit/>
+          </a:bodyPr>
+          <a:lstStyle/>
+          <a:p>
+            <a:pPr algn="ctr"/>
+            <a:r>
+              <a:rPr lang="en-US" sz="800" dirty="0">
+                <a:solidFill>
+                  <a:srgbClr val="7030A0"/>
+                </a:solidFill>
+              </a:rPr>
+              <a:t>Participants</a:t>
+            </a:r>
+            <a:endParaRPr lang="en-SG" sz="800" dirty="0">
+              <a:solidFill>
+                <a:srgbClr val="7030A0"/>
+              </a:solidFill>
+            </a:endParaRPr>
+          </a:p>
+        </p:txBody>
+      </p:sp>
+      <p:sp>
+        <p:nvSpPr>
+          <p:cNvPr id="140" name="Rectangle 139">
+            <a:extLst>
+              <a:ext uri="{FF2B5EF4-FFF2-40B4-BE49-F238E27FC236}">
+                <a16:creationId xmlns:a16="http://schemas.microsoft.com/office/drawing/2014/main" id="{BC03E0AB-9C0C-42DD-B339-B2B8E5C266CB}"/>
+              </a:ext>
+            </a:extLst>
+          </p:cNvPr>
+          <p:cNvSpPr/>
+          <p:nvPr/>
+        </p:nvSpPr>
+        <p:spPr>
+          <a:xfrm>
+            <a:off x="5257800" y="2590800"/>
+            <a:ext cx="620684" cy="215444"/>
+          </a:xfrm>
+          <a:prstGeom prst="rect">
+            <a:avLst/>
+          </a:prstGeom>
+        </p:spPr>
+        <p:txBody>
+          <a:bodyPr wrap="none">
+            <a:spAutoFit/>
+          </a:bodyPr>
+          <a:lstStyle/>
+          <a:p>
+            <a:pPr algn="ctr"/>
+            <a:r>
+              <a:rPr lang="en-US" sz="800" dirty="0">
+                <a:solidFill>
+                  <a:srgbClr val="7030A0"/>
+                </a:solidFill>
+              </a:rPr>
+              <a:t>Voter Lists</a:t>
+            </a:r>
+            <a:endParaRPr lang="en-SG" sz="800" dirty="0">
+              <a:solidFill>
+                <a:srgbClr val="7030A0"/>
+              </a:solidFill>
+            </a:endParaRPr>
+          </a:p>
+        </p:txBody>
+      </p:sp>
+      <p:cxnSp>
+        <p:nvCxnSpPr>
+          <p:cNvPr id="166" name="Elbow Connector 106">
+            <a:extLst>
+              <a:ext uri="{FF2B5EF4-FFF2-40B4-BE49-F238E27FC236}">
+                <a16:creationId xmlns:a16="http://schemas.microsoft.com/office/drawing/2014/main" id="{A4BDBC12-ADFB-4153-A1B7-EA92736EE571}"/>
+              </a:ext>
+            </a:extLst>
+          </p:cNvPr>
+          <p:cNvCxnSpPr>
+            <a:cxnSpLocks/>
+            <a:stCxn id="9" idx="3"/>
+            <a:endCxn id="74" idx="0"/>
+          </p:cNvCxnSpPr>
+          <p:nvPr/>
+        </p:nvCxnSpPr>
+        <p:spPr>
+          <a:xfrm rot="5400000" flipH="1" flipV="1">
+            <a:off x="3605014" y="40783"/>
+            <a:ext cx="1286883" cy="4080179"/>
+          </a:xfrm>
+          <a:prstGeom prst="bentConnector3">
+            <a:avLst>
+              <a:gd name="adj1" fmla="val 117764"/>
+            </a:avLst>
+          </a:prstGeom>
+          <a:ln w="19050">
+            <a:solidFill>
+              <a:srgbClr val="7030A0"/>
+            </a:solidFill>
+            <a:prstDash val="solid"/>
+            <a:headEnd type="none" w="med" len="med"/>
+            <a:tailEnd type="arrow" w="med" len="med"/>
+          </a:ln>
+          <a:effectLst/>
+        </p:spPr>
+        <p:style>
+          <a:lnRef idx="1">
+            <a:schemeClr val="accent2"/>
+          </a:lnRef>
+          <a:fillRef idx="2">
+            <a:schemeClr val="accent2"/>
+          </a:fillRef>
+          <a:effectRef idx="1">
+            <a:schemeClr val="accent2"/>
+          </a:effectRef>
+          <a:fontRef idx="minor">
+            <a:schemeClr val="dk1"/>
+          </a:fontRef>
+        </p:style>
+      </p:cxnSp>
+      <p:sp>
+        <p:nvSpPr>
+          <p:cNvPr id="169" name="TextBox 168">
+            <a:extLst>
+              <a:ext uri="{FF2B5EF4-FFF2-40B4-BE49-F238E27FC236}">
+                <a16:creationId xmlns:a16="http://schemas.microsoft.com/office/drawing/2014/main" id="{5F779E65-9D78-4AFE-A98D-9D23384FA9DD}"/>
+              </a:ext>
+            </a:extLst>
+          </p:cNvPr>
+          <p:cNvSpPr txBox="1"/>
+          <p:nvPr/>
+        </p:nvSpPr>
+        <p:spPr>
+          <a:xfrm>
+            <a:off x="5410223" y="987464"/>
+            <a:ext cx="833003" cy="261610"/>
+          </a:xfrm>
+          <a:prstGeom prst="rect">
+            <a:avLst/>
+          </a:prstGeom>
+          <a:noFill/>
+        </p:spPr>
+        <p:txBody>
+          <a:bodyPr wrap="square" rtlCol="0">
+            <a:spAutoFit/>
+          </a:bodyPr>
+          <a:lstStyle/>
+          <a:p>
+            <a:pPr algn="r"/>
+            <a:r>
+              <a:rPr lang="en-US" sz="1100" dirty="0">
+                <a:solidFill>
+                  <a:srgbClr val="7030A0"/>
+                </a:solidFill>
+              </a:rPr>
+              <a:t>filtered list</a:t>
+            </a:r>
+            <a:endParaRPr lang="en-SG" sz="1100" dirty="0">
+              <a:solidFill>
+                <a:srgbClr val="7030A0"/>
+              </a:solidFill>
+            </a:endParaRPr>
+          </a:p>
+        </p:txBody>
+      </p:sp>
+      <p:sp>
+        <p:nvSpPr>
+          <p:cNvPr id="170" name="TextBox 169">
+            <a:extLst>
+              <a:ext uri="{FF2B5EF4-FFF2-40B4-BE49-F238E27FC236}">
+                <a16:creationId xmlns:a16="http://schemas.microsoft.com/office/drawing/2014/main" id="{D15454CE-97C0-43D6-9436-087DC37C67A2}"/>
+              </a:ext>
+            </a:extLst>
+          </p:cNvPr>
+          <p:cNvSpPr txBox="1"/>
+          <p:nvPr/>
+        </p:nvSpPr>
+        <p:spPr>
+          <a:xfrm>
+            <a:off x="6363943" y="1219200"/>
+            <a:ext cx="189257" cy="178683"/>
+          </a:xfrm>
+          <a:prstGeom prst="rect">
+            <a:avLst/>
+          </a:prstGeom>
+          <a:noFill/>
+        </p:spPr>
+        <p:txBody>
+          <a:bodyPr wrap="square" lIns="0" tIns="0" rIns="0" bIns="0" rtlCol="0">
+            <a:noAutofit/>
+          </a:bodyPr>
+          <a:lstStyle/>
+          <a:p>
+            <a:pPr algn="ctr"/>
+            <a:r>
+              <a:rPr lang="en-US" sz="1100" dirty="0">
+                <a:solidFill>
+                  <a:srgbClr val="7030A0"/>
+                </a:solidFill>
+              </a:rPr>
+              <a:t>1</a:t>
+            </a:r>
+            <a:endParaRPr lang="en-SG" sz="1100" dirty="0">
+              <a:solidFill>
+                <a:srgbClr val="7030A0"/>
+              </a:solidFill>
+            </a:endParaRPr>
+          </a:p>
+        </p:txBody>
+      </p:sp>
     </p:spTree>
     <p:extLst>
       <p:ext uri="{BB962C8B-B14F-4D97-AF65-F5344CB8AC3E}">

--- a/docs/diagrams/ModelComponentClassDiagram.pptx
+++ b/docs/diagrams/ModelComponentClassDiagram.pptx
@@ -126,6 +126,35 @@
 </p:presentation>
 </file>
 
+<file path=ppt/changesInfos/changesInfo1.xml><?xml version="1.0" encoding="utf-8"?>
+<pc:chgInfo xmlns:a="http://schemas.openxmlformats.org/drawingml/2006/main" xmlns:r="http://schemas.openxmlformats.org/officeDocument/2006/relationships" xmlns:ac="http://schemas.microsoft.com/office/drawing/2013/main/command" xmlns:pc="http://schemas.microsoft.com/office/powerpoint/2013/main/command">
+  <pc:docChgLst>
+    <pc:chgData name="Lionel Tan Junzer" userId="04b849c6f1991e6b" providerId="LiveId" clId="{32AC4DC2-D8E3-4BEF-8B2D-59700D6CE4F2}"/>
+    <pc:docChg chg="modSld">
+      <pc:chgData name="Lionel Tan Junzer" userId="04b849c6f1991e6b" providerId="LiveId" clId="{32AC4DC2-D8E3-4BEF-8B2D-59700D6CE4F2}" dt="2018-10-15T06:14:04.208" v="8" actId="20577"/>
+      <pc:docMkLst>
+        <pc:docMk/>
+      </pc:docMkLst>
+      <pc:sldChg chg="modSp">
+        <pc:chgData name="Lionel Tan Junzer" userId="04b849c6f1991e6b" providerId="LiveId" clId="{32AC4DC2-D8E3-4BEF-8B2D-59700D6CE4F2}" dt="2018-10-15T06:14:04.208" v="8" actId="20577"/>
+        <pc:sldMkLst>
+          <pc:docMk/>
+          <pc:sldMk cId="2396968029" sldId="263"/>
+        </pc:sldMkLst>
+        <pc:spChg chg="mod">
+          <ac:chgData name="Lionel Tan Junzer" userId="04b849c6f1991e6b" providerId="LiveId" clId="{32AC4DC2-D8E3-4BEF-8B2D-59700D6CE4F2}" dt="2018-10-15T06:14:04.208" v="8" actId="20577"/>
+          <ac:spMkLst>
+            <pc:docMk/>
+            <pc:sldMk cId="2396968029" sldId="263"/>
+            <ac:spMk id="83" creationId="{00000000-0000-0000-0000-000000000000}"/>
+          </ac:spMkLst>
+        </pc:spChg>
+      </pc:sldChg>
+    </pc:docChg>
+  </pc:docChgLst>
+</pc:chgInfo>
+</file>
+
 <file path=ppt/notesMasters/notesMaster1.xml><?xml version="1.0" encoding="utf-8"?>
 <p:notesMaster xmlns:a="http://schemas.openxmlformats.org/drawingml/2006/main" xmlns:r="http://schemas.openxmlformats.org/officeDocument/2006/relationships" xmlns:p="http://schemas.openxmlformats.org/presentationml/2006/main">
   <p:cSld>
@@ -208,7 +237,7 @@
           <a:p>
             <a:fld id="{F5CC4B3F-88C1-4FFA-B1B6-F41C21DC6924}" type="datetimeFigureOut">
               <a:rPr lang="en-US" smtClean="0"/>
-              <a:t>25-Sep-18</a:t>
+              <a:t>10/15/2018</a:t>
             </a:fld>
             <a:endParaRPr lang="en-US"/>
           </a:p>
@@ -654,7 +683,7 @@
           <a:p>
             <a:fld id="{78C97017-6FC3-485B-9764-EAC9E56C1D49}" type="datetimeFigureOut">
               <a:rPr lang="en-US" smtClean="0"/>
-              <a:t>25-Sep-18</a:t>
+              <a:t>10/15/2018</a:t>
             </a:fld>
             <a:endParaRPr lang="en-US"/>
           </a:p>
@@ -822,7 +851,7 @@
           <a:p>
             <a:fld id="{78C97017-6FC3-485B-9764-EAC9E56C1D49}" type="datetimeFigureOut">
               <a:rPr lang="en-US" smtClean="0"/>
-              <a:t>25-Sep-18</a:t>
+              <a:t>10/15/2018</a:t>
             </a:fld>
             <a:endParaRPr lang="en-US"/>
           </a:p>
@@ -1000,7 +1029,7 @@
           <a:p>
             <a:fld id="{78C97017-6FC3-485B-9764-EAC9E56C1D49}" type="datetimeFigureOut">
               <a:rPr lang="en-US" smtClean="0"/>
-              <a:t>25-Sep-18</a:t>
+              <a:t>10/15/2018</a:t>
             </a:fld>
             <a:endParaRPr lang="en-US"/>
           </a:p>
@@ -1168,7 +1197,7 @@
           <a:p>
             <a:fld id="{78C97017-6FC3-485B-9764-EAC9E56C1D49}" type="datetimeFigureOut">
               <a:rPr lang="en-US" smtClean="0"/>
-              <a:t>25-Sep-18</a:t>
+              <a:t>10/15/2018</a:t>
             </a:fld>
             <a:endParaRPr lang="en-US"/>
           </a:p>
@@ -1413,7 +1442,7 @@
           <a:p>
             <a:fld id="{78C97017-6FC3-485B-9764-EAC9E56C1D49}" type="datetimeFigureOut">
               <a:rPr lang="en-US" smtClean="0"/>
-              <a:t>25-Sep-18</a:t>
+              <a:t>10/15/2018</a:t>
             </a:fld>
             <a:endParaRPr lang="en-US"/>
           </a:p>
@@ -1698,7 +1727,7 @@
           <a:p>
             <a:fld id="{78C97017-6FC3-485B-9764-EAC9E56C1D49}" type="datetimeFigureOut">
               <a:rPr lang="en-US" smtClean="0"/>
-              <a:t>25-Sep-18</a:t>
+              <a:t>10/15/2018</a:t>
             </a:fld>
             <a:endParaRPr lang="en-US"/>
           </a:p>
@@ -2117,7 +2146,7 @@
           <a:p>
             <a:fld id="{78C97017-6FC3-485B-9764-EAC9E56C1D49}" type="datetimeFigureOut">
               <a:rPr lang="en-US" smtClean="0"/>
-              <a:t>25-Sep-18</a:t>
+              <a:t>10/15/2018</a:t>
             </a:fld>
             <a:endParaRPr lang="en-US"/>
           </a:p>
@@ -2234,7 +2263,7 @@
           <a:p>
             <a:fld id="{78C97017-6FC3-485B-9764-EAC9E56C1D49}" type="datetimeFigureOut">
               <a:rPr lang="en-US" smtClean="0"/>
-              <a:t>25-Sep-18</a:t>
+              <a:t>10/15/2018</a:t>
             </a:fld>
             <a:endParaRPr lang="en-US"/>
           </a:p>
@@ -2329,7 +2358,7 @@
           <a:p>
             <a:fld id="{78C97017-6FC3-485B-9764-EAC9E56C1D49}" type="datetimeFigureOut">
               <a:rPr lang="en-US" smtClean="0"/>
-              <a:t>25-Sep-18</a:t>
+              <a:t>10/15/2018</a:t>
             </a:fld>
             <a:endParaRPr lang="en-US"/>
           </a:p>
@@ -2604,7 +2633,7 @@
           <a:p>
             <a:fld id="{78C97017-6FC3-485B-9764-EAC9E56C1D49}" type="datetimeFigureOut">
               <a:rPr lang="en-US" smtClean="0"/>
-              <a:t>25-Sep-18</a:t>
+              <a:t>10/15/2018</a:t>
             </a:fld>
             <a:endParaRPr lang="en-US"/>
           </a:p>
@@ -2856,7 +2885,7 @@
           <a:p>
             <a:fld id="{78C97017-6FC3-485B-9764-EAC9E56C1D49}" type="datetimeFigureOut">
               <a:rPr lang="en-US" smtClean="0"/>
-              <a:t>25-Sep-18</a:t>
+              <a:t>10/15/2018</a:t>
             </a:fld>
             <a:endParaRPr lang="en-US"/>
           </a:p>
@@ -3067,7 +3096,7 @@
           <a:p>
             <a:fld id="{78C97017-6FC3-485B-9764-EAC9E56C1D49}" type="datetimeFigureOut">
               <a:rPr lang="en-US" smtClean="0"/>
-              <a:t>25-Sep-18</a:t>
+              <a:t>10/15/2018</a:t>
             </a:fld>
             <a:endParaRPr lang="en-US"/>
           </a:p>
@@ -4621,12 +4650,12 @@
           <a:p>
             <a:pPr algn="ctr"/>
             <a:r>
-              <a:rPr lang="en-US" sz="1050" dirty="0">
+              <a:rPr lang="en-US" sz="1050">
                 <a:solidFill>
                   <a:srgbClr val="7030A0"/>
                 </a:solidFill>
               </a:rPr>
-              <a:t>Cost</a:t>
+              <a:t>Price</a:t>
             </a:r>
             <a:endParaRPr lang="en-SG" sz="1050" dirty="0">
               <a:solidFill>

--- a/docs/diagrams/ModelComponentClassDiagram.pptx
+++ b/docs/diagrams/ModelComponentClassDiagram.pptx
@@ -208,7 +208,7 @@
           <a:p>
             <a:fld id="{F5CC4B3F-88C1-4FFA-B1B6-F41C21DC6924}" type="datetimeFigureOut">
               <a:rPr lang="en-US" smtClean="0"/>
-              <a:t>9/28/2018</a:t>
+              <a:t>10/16/2018</a:t>
             </a:fld>
             <a:endParaRPr lang="en-US"/>
           </a:p>
@@ -654,7 +654,7 @@
           <a:p>
             <a:fld id="{78C97017-6FC3-485B-9764-EAC9E56C1D49}" type="datetimeFigureOut">
               <a:rPr lang="en-US" smtClean="0"/>
-              <a:t>9/28/2018</a:t>
+              <a:t>10/16/2018</a:t>
             </a:fld>
             <a:endParaRPr lang="en-US"/>
           </a:p>
@@ -822,7 +822,7 @@
           <a:p>
             <a:fld id="{78C97017-6FC3-485B-9764-EAC9E56C1D49}" type="datetimeFigureOut">
               <a:rPr lang="en-US" smtClean="0"/>
-              <a:t>9/28/2018</a:t>
+              <a:t>10/16/2018</a:t>
             </a:fld>
             <a:endParaRPr lang="en-US"/>
           </a:p>
@@ -1000,7 +1000,7 @@
           <a:p>
             <a:fld id="{78C97017-6FC3-485B-9764-EAC9E56C1D49}" type="datetimeFigureOut">
               <a:rPr lang="en-US" smtClean="0"/>
-              <a:t>9/28/2018</a:t>
+              <a:t>10/16/2018</a:t>
             </a:fld>
             <a:endParaRPr lang="en-US"/>
           </a:p>
@@ -1168,7 +1168,7 @@
           <a:p>
             <a:fld id="{78C97017-6FC3-485B-9764-EAC9E56C1D49}" type="datetimeFigureOut">
               <a:rPr lang="en-US" smtClean="0"/>
-              <a:t>9/28/2018</a:t>
+              <a:t>10/16/2018</a:t>
             </a:fld>
             <a:endParaRPr lang="en-US"/>
           </a:p>
@@ -1413,7 +1413,7 @@
           <a:p>
             <a:fld id="{78C97017-6FC3-485B-9764-EAC9E56C1D49}" type="datetimeFigureOut">
               <a:rPr lang="en-US" smtClean="0"/>
-              <a:t>9/28/2018</a:t>
+              <a:t>10/16/2018</a:t>
             </a:fld>
             <a:endParaRPr lang="en-US"/>
           </a:p>
@@ -1698,7 +1698,7 @@
           <a:p>
             <a:fld id="{78C97017-6FC3-485B-9764-EAC9E56C1D49}" type="datetimeFigureOut">
               <a:rPr lang="en-US" smtClean="0"/>
-              <a:t>9/28/2018</a:t>
+              <a:t>10/16/2018</a:t>
             </a:fld>
             <a:endParaRPr lang="en-US"/>
           </a:p>
@@ -2117,7 +2117,7 @@
           <a:p>
             <a:fld id="{78C97017-6FC3-485B-9764-EAC9E56C1D49}" type="datetimeFigureOut">
               <a:rPr lang="en-US" smtClean="0"/>
-              <a:t>9/28/2018</a:t>
+              <a:t>10/16/2018</a:t>
             </a:fld>
             <a:endParaRPr lang="en-US"/>
           </a:p>
@@ -2234,7 +2234,7 @@
           <a:p>
             <a:fld id="{78C97017-6FC3-485B-9764-EAC9E56C1D49}" type="datetimeFigureOut">
               <a:rPr lang="en-US" smtClean="0"/>
-              <a:t>9/28/2018</a:t>
+              <a:t>10/16/2018</a:t>
             </a:fld>
             <a:endParaRPr lang="en-US"/>
           </a:p>
@@ -2329,7 +2329,7 @@
           <a:p>
             <a:fld id="{78C97017-6FC3-485B-9764-EAC9E56C1D49}" type="datetimeFigureOut">
               <a:rPr lang="en-US" smtClean="0"/>
-              <a:t>9/28/2018</a:t>
+              <a:t>10/16/2018</a:t>
             </a:fld>
             <a:endParaRPr lang="en-US"/>
           </a:p>
@@ -2604,7 +2604,7 @@
           <a:p>
             <a:fld id="{78C97017-6FC3-485B-9764-EAC9E56C1D49}" type="datetimeFigureOut">
               <a:rPr lang="en-US" smtClean="0"/>
-              <a:t>9/28/2018</a:t>
+              <a:t>10/16/2018</a:t>
             </a:fld>
             <a:endParaRPr lang="en-US"/>
           </a:p>
@@ -2856,7 +2856,7 @@
           <a:p>
             <a:fld id="{78C97017-6FC3-485B-9764-EAC9E56C1D49}" type="datetimeFigureOut">
               <a:rPr lang="en-US" smtClean="0"/>
-              <a:t>9/28/2018</a:t>
+              <a:t>10/16/2018</a:t>
             </a:fld>
             <a:endParaRPr lang="en-US"/>
           </a:p>
@@ -3067,7 +3067,7 @@
           <a:p>
             <a:fld id="{78C97017-6FC3-485B-9764-EAC9E56C1D49}" type="datetimeFigureOut">
               <a:rPr lang="en-US" smtClean="0"/>
-              <a:t>9/28/2018</a:t>
+              <a:t>10/16/2018</a:t>
             </a:fld>
             <a:endParaRPr lang="en-US"/>
           </a:p>
@@ -3826,7 +3826,7 @@
         <p:nvCxnSpPr>
           <p:cNvPr id="47" name="Straight Arrow Connector 46"/>
           <p:cNvCxnSpPr>
-            <a:stCxn id="48" idx="3"/>
+            <a:cxnSpLocks/>
             <a:endCxn id="46" idx="1"/>
           </p:cNvCxnSpPr>
           <p:nvPr/>
@@ -3865,19 +3865,77 @@
       </p:cxnSp>
       <p:sp>
         <p:nvSpPr>
-          <p:cNvPr id="48" name="Flowchart: Decision 96"/>
+          <p:cNvPr id="49" name="Rectangle 8"/>
           <p:cNvSpPr/>
           <p:nvPr/>
         </p:nvSpPr>
         <p:spPr>
           <a:xfrm>
-            <a:off x="1791603" y="2831284"/>
+            <a:off x="2226227" y="3148030"/>
+            <a:ext cx="1167205" cy="334856"/>
+          </a:xfrm>
+          <a:prstGeom prst="rect">
+            <a:avLst/>
+          </a:prstGeom>
+          <a:ln w="19050">
+            <a:solidFill>
+              <a:srgbClr val="7030A0"/>
+            </a:solidFill>
+          </a:ln>
+          <a:effectLst/>
+        </p:spPr>
+        <p:style>
+          <a:lnRef idx="1">
+            <a:schemeClr val="accent4"/>
+          </a:lnRef>
+          <a:fillRef idx="2">
+            <a:schemeClr val="accent4"/>
+          </a:fillRef>
+          <a:effectRef idx="1">
+            <a:schemeClr val="accent4"/>
+          </a:effectRef>
+          <a:fontRef idx="minor">
+            <a:schemeClr val="dk1"/>
+          </a:fontRef>
+        </p:style>
+        <p:txBody>
+          <a:bodyPr rtlCol="0" anchor="ctr"/>
+          <a:lstStyle/>
+          <a:p>
+            <a:pPr algn="ctr"/>
+            <a:r>
+              <a:rPr lang="en-US" sz="1050" dirty="0" err="1">
+                <a:solidFill>
+                  <a:srgbClr val="7030A0"/>
+                </a:solidFill>
+              </a:rPr>
+              <a:t>MainQueue</a:t>
+            </a:r>
+            <a:endParaRPr lang="en-SG" sz="1050" dirty="0">
+              <a:solidFill>
+                <a:srgbClr val="7030A0"/>
+              </a:solidFill>
+            </a:endParaRPr>
+          </a:p>
+        </p:txBody>
+      </p:sp>
+      <p:sp>
+        <p:nvSpPr>
+          <p:cNvPr id="51" name="Flowchart: Decision 96"/>
+          <p:cNvSpPr/>
+          <p:nvPr/>
+        </p:nvSpPr>
+        <p:spPr>
+          <a:xfrm>
+            <a:off x="3728010" y="2825486"/>
             <a:ext cx="236048" cy="173380"/>
           </a:xfrm>
           <a:prstGeom prst="flowChartDecision">
             <a:avLst/>
           </a:prstGeom>
-          <a:noFill/>
+          <a:solidFill>
+            <a:srgbClr val="7030A0"/>
+          </a:solidFill>
           <a:ln w="19050">
             <a:solidFill>
               <a:srgbClr val="7030A0"/>
@@ -3910,14 +3968,14 @@
       </p:sp>
       <p:sp>
         <p:nvSpPr>
-          <p:cNvPr id="49" name="Rectangle 8"/>
+          <p:cNvPr id="62" name="Rectangle 8"/>
           <p:cNvSpPr/>
           <p:nvPr/>
         </p:nvSpPr>
         <p:spPr>
           <a:xfrm>
-            <a:off x="2226227" y="3148030"/>
-            <a:ext cx="1167205" cy="334856"/>
+            <a:off x="5789168" y="3282997"/>
+            <a:ext cx="708186" cy="346760"/>
           </a:xfrm>
           <a:prstGeom prst="rect">
             <a:avLst/>
@@ -3949,12 +4007,12 @@
           <a:p>
             <a:pPr algn="ctr"/>
             <a:r>
-              <a:rPr lang="en-US" sz="1050" dirty="0" err="1">
+              <a:rPr lang="en-US" sz="1050" dirty="0">
                 <a:solidFill>
                   <a:srgbClr val="7030A0"/>
                 </a:solidFill>
               </a:rPr>
-              <a:t>MainQueue</a:t>
+              <a:t>Patient</a:t>
             </a:r>
             <a:endParaRPr lang="en-SG" sz="1050" dirty="0">
               <a:solidFill>
@@ -3966,13 +4024,69 @@
       </p:sp>
       <p:sp>
         <p:nvSpPr>
-          <p:cNvPr id="51" name="Flowchart: Decision 96"/>
+          <p:cNvPr id="76" name="Rectangle 8"/>
           <p:cNvSpPr/>
           <p:nvPr/>
         </p:nvSpPr>
         <p:spPr>
           <a:xfrm>
-            <a:off x="3728010" y="2825486"/>
+            <a:off x="7750014" y="2564238"/>
+            <a:ext cx="708186" cy="285783"/>
+          </a:xfrm>
+          <a:prstGeom prst="rect">
+            <a:avLst/>
+          </a:prstGeom>
+          <a:ln w="19050">
+            <a:solidFill>
+              <a:srgbClr val="7030A0"/>
+            </a:solidFill>
+          </a:ln>
+          <a:effectLst/>
+        </p:spPr>
+        <p:style>
+          <a:lnRef idx="1">
+            <a:schemeClr val="accent4"/>
+          </a:lnRef>
+          <a:fillRef idx="2">
+            <a:schemeClr val="accent4"/>
+          </a:fillRef>
+          <a:effectRef idx="1">
+            <a:schemeClr val="accent4"/>
+          </a:effectRef>
+          <a:fontRef idx="minor">
+            <a:schemeClr val="dk1"/>
+          </a:fontRef>
+        </p:style>
+        <p:txBody>
+          <a:bodyPr rtlCol="0" anchor="ctr"/>
+          <a:lstStyle/>
+          <a:p>
+            <a:pPr algn="ctr"/>
+            <a:r>
+              <a:rPr lang="en-US" sz="1050" dirty="0">
+                <a:solidFill>
+                  <a:srgbClr val="7030A0"/>
+                </a:solidFill>
+              </a:rPr>
+              <a:t>Name</a:t>
+            </a:r>
+            <a:endParaRPr lang="en-SG" sz="1050" dirty="0">
+              <a:solidFill>
+                <a:srgbClr val="7030A0"/>
+              </a:solidFill>
+            </a:endParaRPr>
+          </a:p>
+        </p:txBody>
+      </p:sp>
+      <p:sp>
+        <p:nvSpPr>
+          <p:cNvPr id="78" name="Flowchart: Decision 96"/>
+          <p:cNvSpPr/>
+          <p:nvPr/>
+        </p:nvSpPr>
+        <p:spPr>
+          <a:xfrm>
+            <a:off x="6511125" y="3362006"/>
             <a:ext cx="236048" cy="173380"/>
           </a:xfrm>
           <a:prstGeom prst="flowChartDecision">
@@ -4011,16 +4125,59 @@
           </a:p>
         </p:txBody>
       </p:sp>
-      <p:sp>
-        <p:nvSpPr>
-          <p:cNvPr id="62" name="Rectangle 8"/>
+      <p:cxnSp>
+        <p:nvCxnSpPr>
+          <p:cNvPr id="79" name="Elbow Connector 78"/>
+          <p:cNvCxnSpPr>
+            <a:cxnSpLocks/>
+            <a:endCxn id="76" idx="1"/>
+          </p:cNvCxnSpPr>
+          <p:nvPr/>
+        </p:nvCxnSpPr>
+        <p:spPr>
+          <a:xfrm flipV="1">
+            <a:off x="6723813" y="2707130"/>
+            <a:ext cx="1026201" cy="728304"/>
+          </a:xfrm>
+          <a:prstGeom prst="bentConnector3">
+            <a:avLst>
+              <a:gd name="adj1" fmla="val 50000"/>
+            </a:avLst>
+          </a:prstGeom>
+          <a:ln w="19050">
+            <a:solidFill>
+              <a:srgbClr val="7030A0"/>
+            </a:solidFill>
+            <a:headEnd type="none" w="med" len="med"/>
+            <a:tailEnd type="arrow" w="med" len="med"/>
+          </a:ln>
+          <a:effectLst/>
+        </p:spPr>
+        <p:style>
+          <a:lnRef idx="1">
+            <a:schemeClr val="accent2"/>
+          </a:lnRef>
+          <a:fillRef idx="2">
+            <a:schemeClr val="accent2"/>
+          </a:fillRef>
+          <a:effectRef idx="1">
+            <a:schemeClr val="accent2"/>
+          </a:effectRef>
+          <a:fontRef idx="minor">
+            <a:schemeClr val="dk1"/>
+          </a:fontRef>
+        </p:style>
+      </p:cxnSp>
+      <p:sp>
+        <p:nvSpPr>
+          <p:cNvPr id="80" name="Rectangle 8"/>
           <p:cNvSpPr/>
           <p:nvPr/>
         </p:nvSpPr>
         <p:spPr>
           <a:xfrm>
-            <a:off x="5789168" y="3282997"/>
-            <a:ext cx="708186" cy="346760"/>
+            <a:off x="7750014" y="2887216"/>
+            <a:ext cx="708186" cy="285783"/>
           </a:xfrm>
           <a:prstGeom prst="rect">
             <a:avLst/>
@@ -4057,7 +4214,7 @@
                   <a:srgbClr val="7030A0"/>
                 </a:solidFill>
               </a:rPr>
-              <a:t>Patient</a:t>
+              <a:t>Phone</a:t>
             </a:r>
             <a:endParaRPr lang="en-SG" sz="1050" dirty="0">
               <a:solidFill>
@@ -4067,15 +4224,56 @@
           </a:p>
         </p:txBody>
       </p:sp>
-      <p:sp>
-        <p:nvSpPr>
-          <p:cNvPr id="76" name="Rectangle 8"/>
+      <p:cxnSp>
+        <p:nvCxnSpPr>
+          <p:cNvPr id="81" name="Elbow Connector 80"/>
+          <p:cNvCxnSpPr>
+            <a:stCxn id="78" idx="3"/>
+            <a:endCxn id="80" idx="1"/>
+          </p:cNvCxnSpPr>
+          <p:nvPr/>
+        </p:nvCxnSpPr>
+        <p:spPr>
+          <a:xfrm flipV="1">
+            <a:off x="6747173" y="3030108"/>
+            <a:ext cx="1002841" cy="418588"/>
+          </a:xfrm>
+          <a:prstGeom prst="bentConnector3">
+            <a:avLst/>
+          </a:prstGeom>
+          <a:ln w="19050">
+            <a:solidFill>
+              <a:srgbClr val="7030A0"/>
+            </a:solidFill>
+            <a:headEnd type="none" w="med" len="med"/>
+            <a:tailEnd type="arrow" w="med" len="med"/>
+          </a:ln>
+          <a:effectLst/>
+        </p:spPr>
+        <p:style>
+          <a:lnRef idx="1">
+            <a:schemeClr val="accent2"/>
+          </a:lnRef>
+          <a:fillRef idx="2">
+            <a:schemeClr val="accent2"/>
+          </a:fillRef>
+          <a:effectRef idx="1">
+            <a:schemeClr val="accent2"/>
+          </a:effectRef>
+          <a:fontRef idx="minor">
+            <a:schemeClr val="dk1"/>
+          </a:fontRef>
+        </p:style>
+      </p:cxnSp>
+      <p:sp>
+        <p:nvSpPr>
+          <p:cNvPr id="83" name="Rectangle 8"/>
           <p:cNvSpPr/>
           <p:nvPr/>
         </p:nvSpPr>
         <p:spPr>
           <a:xfrm>
-            <a:off x="7750014" y="2564238"/>
+            <a:off x="7750014" y="3210194"/>
             <a:ext cx="708186" cy="285783"/>
           </a:xfrm>
           <a:prstGeom prst="rect">
@@ -4113,7 +4311,7 @@
                   <a:srgbClr val="7030A0"/>
                 </a:solidFill>
               </a:rPr>
-              <a:t>Name</a:t>
+              <a:t>Address</a:t>
             </a:r>
             <a:endParaRPr lang="en-SG" sz="1050" dirty="0">
               <a:solidFill>
@@ -4123,22 +4321,578 @@
           </a:p>
         </p:txBody>
       </p:sp>
-      <p:sp>
-        <p:nvSpPr>
-          <p:cNvPr id="78" name="Flowchart: Decision 96"/>
+      <p:cxnSp>
+        <p:nvCxnSpPr>
+          <p:cNvPr id="84" name="Elbow Connector 83"/>
+          <p:cNvCxnSpPr>
+            <a:stCxn id="78" idx="3"/>
+            <a:endCxn id="83" idx="1"/>
+          </p:cNvCxnSpPr>
+          <p:nvPr/>
+        </p:nvCxnSpPr>
+        <p:spPr>
+          <a:xfrm flipV="1">
+            <a:off x="6747173" y="3353086"/>
+            <a:ext cx="1002841" cy="95610"/>
+          </a:xfrm>
+          <a:prstGeom prst="bentConnector3">
+            <a:avLst/>
+          </a:prstGeom>
+          <a:ln w="19050">
+            <a:solidFill>
+              <a:srgbClr val="7030A0"/>
+            </a:solidFill>
+            <a:headEnd type="none" w="med" len="med"/>
+            <a:tailEnd type="arrow" w="med" len="med"/>
+          </a:ln>
+          <a:effectLst/>
+        </p:spPr>
+        <p:style>
+          <a:lnRef idx="1">
+            <a:schemeClr val="accent2"/>
+          </a:lnRef>
+          <a:fillRef idx="2">
+            <a:schemeClr val="accent2"/>
+          </a:fillRef>
+          <a:effectRef idx="1">
+            <a:schemeClr val="accent2"/>
+          </a:effectRef>
+          <a:fontRef idx="minor">
+            <a:schemeClr val="dk1"/>
+          </a:fontRef>
+        </p:style>
+      </p:cxnSp>
+      <p:sp>
+        <p:nvSpPr>
+          <p:cNvPr id="85" name="Rectangle 8"/>
           <p:cNvSpPr/>
           <p:nvPr/>
         </p:nvSpPr>
         <p:spPr>
           <a:xfrm>
-            <a:off x="6511125" y="3362006"/>
-            <a:ext cx="236048" cy="173380"/>
-          </a:xfrm>
-          <a:prstGeom prst="flowChartDecision">
-            <a:avLst/>
+            <a:off x="7750014" y="3533171"/>
+            <a:ext cx="708186" cy="285783"/>
+          </a:xfrm>
+          <a:prstGeom prst="rect">
+            <a:avLst/>
+          </a:prstGeom>
+          <a:ln w="19050">
+            <a:solidFill>
+              <a:srgbClr val="7030A0"/>
+            </a:solidFill>
+          </a:ln>
+          <a:effectLst/>
+        </p:spPr>
+        <p:style>
+          <a:lnRef idx="1">
+            <a:schemeClr val="accent4"/>
+          </a:lnRef>
+          <a:fillRef idx="2">
+            <a:schemeClr val="accent4"/>
+          </a:fillRef>
+          <a:effectRef idx="1">
+            <a:schemeClr val="accent4"/>
+          </a:effectRef>
+          <a:fontRef idx="minor">
+            <a:schemeClr val="dk1"/>
+          </a:fontRef>
+        </p:style>
+        <p:txBody>
+          <a:bodyPr rtlCol="0" anchor="ctr"/>
+          <a:lstStyle/>
+          <a:p>
+            <a:pPr algn="ctr"/>
+            <a:r>
+              <a:rPr lang="en-US" sz="1050" dirty="0">
+                <a:solidFill>
+                  <a:srgbClr val="7030A0"/>
+                </a:solidFill>
+              </a:rPr>
+              <a:t>Allergy</a:t>
+            </a:r>
+            <a:endParaRPr lang="en-SG" sz="1050" dirty="0">
+              <a:solidFill>
+                <a:srgbClr val="7030A0"/>
+              </a:solidFill>
+            </a:endParaRPr>
+          </a:p>
+        </p:txBody>
+      </p:sp>
+      <p:cxnSp>
+        <p:nvCxnSpPr>
+          <p:cNvPr id="86" name="Elbow Connector 85"/>
+          <p:cNvCxnSpPr>
+            <a:cxnSpLocks/>
+            <a:stCxn id="78" idx="3"/>
+          </p:cNvCxnSpPr>
+          <p:nvPr/>
+        </p:nvCxnSpPr>
+        <p:spPr>
+          <a:xfrm>
+            <a:off x="6747173" y="3448696"/>
+            <a:ext cx="1026201" cy="205424"/>
+          </a:xfrm>
+          <a:prstGeom prst="bentConnector3">
+            <a:avLst>
+              <a:gd name="adj1" fmla="val 50000"/>
+            </a:avLst>
+          </a:prstGeom>
+          <a:ln w="19050">
+            <a:solidFill>
+              <a:srgbClr val="7030A0"/>
+            </a:solidFill>
+            <a:headEnd type="none" w="med" len="med"/>
+            <a:tailEnd type="arrow" w="med" len="med"/>
+          </a:ln>
+          <a:effectLst/>
+        </p:spPr>
+        <p:style>
+          <a:lnRef idx="1">
+            <a:schemeClr val="accent2"/>
+          </a:lnRef>
+          <a:fillRef idx="2">
+            <a:schemeClr val="accent2"/>
+          </a:fillRef>
+          <a:effectRef idx="1">
+            <a:schemeClr val="accent2"/>
+          </a:effectRef>
+          <a:fontRef idx="minor">
+            <a:schemeClr val="dk1"/>
+          </a:fontRef>
+        </p:style>
+      </p:cxnSp>
+      <p:cxnSp>
+        <p:nvCxnSpPr>
+          <p:cNvPr id="97" name="Elbow Connector 63"/>
+          <p:cNvCxnSpPr>
+            <a:cxnSpLocks/>
+            <a:stCxn id="99" idx="3"/>
+            <a:endCxn id="46" idx="0"/>
+          </p:cNvCxnSpPr>
+          <p:nvPr/>
+        </p:nvCxnSpPr>
+        <p:spPr>
+          <a:xfrm rot="16200000" flipH="1">
+            <a:off x="2858601" y="2645609"/>
+            <a:ext cx="205921" cy="1934"/>
+          </a:xfrm>
+          <a:prstGeom prst="bentConnector3">
+            <a:avLst>
+              <a:gd name="adj1" fmla="val 50000"/>
+            </a:avLst>
+          </a:prstGeom>
+          <a:ln w="19050">
+            <a:headEnd type="none" w="med" len="med"/>
+            <a:tailEnd type="none" w="med" len="med"/>
+          </a:ln>
+        </p:spPr>
+        <p:style>
+          <a:lnRef idx="1">
+            <a:schemeClr val="accent4"/>
+          </a:lnRef>
+          <a:fillRef idx="0">
+            <a:schemeClr val="accent4"/>
+          </a:fillRef>
+          <a:effectRef idx="0">
+            <a:schemeClr val="accent4"/>
+          </a:effectRef>
+          <a:fontRef idx="minor">
+            <a:schemeClr val="tx1"/>
+          </a:fontRef>
+        </p:style>
+      </p:cxnSp>
+      <p:sp>
+        <p:nvSpPr>
+          <p:cNvPr id="99" name="Isosceles Triangle 102"/>
+          <p:cNvSpPr/>
+          <p:nvPr/>
+        </p:nvSpPr>
+        <p:spPr>
+          <a:xfrm rot="10800000" flipV="1">
+            <a:off x="2819401" y="2386554"/>
+            <a:ext cx="282387" cy="157062"/>
+          </a:xfrm>
+          <a:prstGeom prst="triangle">
+            <a:avLst/>
+          </a:prstGeom>
+          <a:ln w="19050">
+            <a:solidFill>
+              <a:srgbClr val="7030A0"/>
+            </a:solidFill>
+          </a:ln>
+          <a:effectLst/>
+        </p:spPr>
+        <p:style>
+          <a:lnRef idx="1">
+            <a:schemeClr val="accent4"/>
+          </a:lnRef>
+          <a:fillRef idx="2">
+            <a:schemeClr val="accent4"/>
+          </a:fillRef>
+          <a:effectRef idx="1">
+            <a:schemeClr val="accent4"/>
+          </a:effectRef>
+          <a:fontRef idx="minor">
+            <a:schemeClr val="dk1"/>
+          </a:fontRef>
+        </p:style>
+        <p:txBody>
+          <a:bodyPr rtlCol="0" anchor="ctr"/>
+          <a:lstStyle/>
+          <a:p>
+            <a:pPr algn="ctr"/>
+            <a:endParaRPr lang="en-SG" sz="1050" b="1">
+              <a:solidFill>
+                <a:srgbClr val="92D050"/>
+              </a:solidFill>
+            </a:endParaRPr>
+          </a:p>
+        </p:txBody>
+      </p:sp>
+      <p:sp>
+        <p:nvSpPr>
+          <p:cNvPr id="100" name="Rectangle 8"/>
+          <p:cNvSpPr/>
+          <p:nvPr/>
+        </p:nvSpPr>
+        <p:spPr>
+          <a:xfrm>
+            <a:off x="660526" y="1998350"/>
+            <a:ext cx="1443661" cy="364396"/>
+          </a:xfrm>
+          <a:prstGeom prst="rect">
+            <a:avLst/>
+          </a:prstGeom>
+          <a:ln w="19050">
+            <a:solidFill>
+              <a:srgbClr val="7030A0"/>
+            </a:solidFill>
+          </a:ln>
+          <a:effectLst/>
+        </p:spPr>
+        <p:style>
+          <a:lnRef idx="1">
+            <a:schemeClr val="accent4"/>
+          </a:lnRef>
+          <a:fillRef idx="2">
+            <a:schemeClr val="accent4"/>
+          </a:fillRef>
+          <a:effectRef idx="1">
+            <a:schemeClr val="accent4"/>
+          </a:effectRef>
+          <a:fontRef idx="minor">
+            <a:schemeClr val="dk1"/>
+          </a:fontRef>
+        </p:style>
+        <p:txBody>
+          <a:bodyPr rtlCol="0" anchor="ctr"/>
+          <a:lstStyle/>
+          <a:p>
+            <a:pPr algn="ctr"/>
+            <a:r>
+              <a:rPr lang="en-US" sz="1050" dirty="0">
+                <a:solidFill>
+                  <a:srgbClr val="7030A0"/>
+                </a:solidFill>
+              </a:rPr>
+              <a:t>&lt;&lt;interface&gt;&gt;</a:t>
+            </a:r>
+            <a:br>
+              <a:rPr lang="en-US" sz="1050" dirty="0">
+                <a:solidFill>
+                  <a:srgbClr val="7030A0"/>
+                </a:solidFill>
+              </a:rPr>
+            </a:br>
+            <a:r>
+              <a:rPr lang="en-US" sz="1050" dirty="0" err="1">
+                <a:solidFill>
+                  <a:srgbClr val="7030A0"/>
+                </a:solidFill>
+              </a:rPr>
+              <a:t>ReadOnlyClinicRecord</a:t>
+            </a:r>
+            <a:endParaRPr lang="en-SG" sz="1050" dirty="0">
+              <a:solidFill>
+                <a:srgbClr val="7030A0"/>
+              </a:solidFill>
+            </a:endParaRPr>
+          </a:p>
+        </p:txBody>
+      </p:sp>
+      <p:sp>
+        <p:nvSpPr>
+          <p:cNvPr id="65" name="TextBox 64"/>
+          <p:cNvSpPr txBox="1"/>
+          <p:nvPr/>
+        </p:nvSpPr>
+        <p:spPr>
+          <a:xfrm>
+            <a:off x="1972998" y="2756715"/>
+            <a:ext cx="170110" cy="137542"/>
+          </a:xfrm>
+          <a:prstGeom prst="rect">
+            <a:avLst/>
+          </a:prstGeom>
+          <a:noFill/>
+        </p:spPr>
+        <p:txBody>
+          <a:bodyPr wrap="square" lIns="0" tIns="0" rIns="0" bIns="0" rtlCol="0">
+            <a:noAutofit/>
+          </a:bodyPr>
+          <a:lstStyle/>
+          <a:p>
+            <a:pPr algn="ctr"/>
+            <a:r>
+              <a:rPr lang="en-US" sz="1100" dirty="0">
+                <a:solidFill>
+                  <a:srgbClr val="7030A0"/>
+                </a:solidFill>
+              </a:rPr>
+              <a:t>1</a:t>
+            </a:r>
+            <a:endParaRPr lang="en-SG" sz="1100" dirty="0">
+              <a:solidFill>
+                <a:srgbClr val="7030A0"/>
+              </a:solidFill>
+            </a:endParaRPr>
+          </a:p>
+        </p:txBody>
+      </p:sp>
+      <p:sp>
+        <p:nvSpPr>
+          <p:cNvPr id="52" name="Rectangle 8">
+            <a:extLst>
+              <a:ext uri="{FF2B5EF4-FFF2-40B4-BE49-F238E27FC236}">
+                <a16:creationId xmlns:a16="http://schemas.microsoft.com/office/drawing/2014/main" id="{ABDCDBD2-131A-4B66-A2F2-43BBEE82C773}"/>
+              </a:ext>
+            </a:extLst>
+          </p:cNvPr>
+          <p:cNvSpPr/>
+          <p:nvPr/>
+        </p:nvSpPr>
+        <p:spPr>
+          <a:xfrm>
+            <a:off x="7750014" y="2228817"/>
+            <a:ext cx="708186" cy="285783"/>
+          </a:xfrm>
+          <a:prstGeom prst="rect">
+            <a:avLst/>
+          </a:prstGeom>
+          <a:ln w="19050">
+            <a:solidFill>
+              <a:srgbClr val="7030A0"/>
+            </a:solidFill>
+          </a:ln>
+          <a:effectLst/>
+        </p:spPr>
+        <p:style>
+          <a:lnRef idx="1">
+            <a:schemeClr val="accent4"/>
+          </a:lnRef>
+          <a:fillRef idx="2">
+            <a:schemeClr val="accent4"/>
+          </a:fillRef>
+          <a:effectRef idx="1">
+            <a:schemeClr val="accent4"/>
+          </a:effectRef>
+          <a:fontRef idx="minor">
+            <a:schemeClr val="dk1"/>
+          </a:fontRef>
+        </p:style>
+        <p:txBody>
+          <a:bodyPr rtlCol="0" anchor="ctr"/>
+          <a:lstStyle/>
+          <a:p>
+            <a:pPr algn="ctr"/>
+            <a:r>
+              <a:rPr lang="en-US" sz="1050" dirty="0">
+                <a:solidFill>
+                  <a:srgbClr val="7030A0"/>
+                </a:solidFill>
+              </a:rPr>
+              <a:t>Tag</a:t>
+            </a:r>
+            <a:endParaRPr lang="en-SG" sz="1050" dirty="0">
+              <a:solidFill>
+                <a:srgbClr val="7030A0"/>
+              </a:solidFill>
+            </a:endParaRPr>
+          </a:p>
+        </p:txBody>
+      </p:sp>
+      <p:cxnSp>
+        <p:nvCxnSpPr>
+          <p:cNvPr id="53" name="Elbow Connector 78">
+            <a:extLst>
+              <a:ext uri="{FF2B5EF4-FFF2-40B4-BE49-F238E27FC236}">
+                <a16:creationId xmlns:a16="http://schemas.microsoft.com/office/drawing/2014/main" id="{B97967F8-618A-448B-81FD-CDFD4AF0EC64}"/>
+              </a:ext>
+            </a:extLst>
+          </p:cNvPr>
+          <p:cNvCxnSpPr>
+            <a:cxnSpLocks/>
+            <a:stCxn id="78" idx="3"/>
+            <a:endCxn id="52" idx="1"/>
+          </p:cNvCxnSpPr>
+          <p:nvPr/>
+        </p:nvCxnSpPr>
+        <p:spPr>
+          <a:xfrm flipV="1">
+            <a:off x="6747173" y="2371709"/>
+            <a:ext cx="1002841" cy="1076987"/>
+          </a:xfrm>
+          <a:prstGeom prst="bentConnector3">
+            <a:avLst>
+              <a:gd name="adj1" fmla="val 50000"/>
+            </a:avLst>
+          </a:prstGeom>
+          <a:ln w="19050">
+            <a:solidFill>
+              <a:srgbClr val="7030A0"/>
+            </a:solidFill>
+            <a:headEnd type="none" w="med" len="med"/>
+            <a:tailEnd type="arrow" w="med" len="med"/>
+          </a:ln>
+          <a:effectLst/>
+        </p:spPr>
+        <p:style>
+          <a:lnRef idx="1">
+            <a:schemeClr val="accent2"/>
+          </a:lnRef>
+          <a:fillRef idx="2">
+            <a:schemeClr val="accent2"/>
+          </a:fillRef>
+          <a:effectRef idx="1">
+            <a:schemeClr val="accent2"/>
+          </a:effectRef>
+          <a:fontRef idx="minor">
+            <a:schemeClr val="dk1"/>
+          </a:fontRef>
+        </p:style>
+      </p:cxnSp>
+      <p:sp>
+        <p:nvSpPr>
+          <p:cNvPr id="50" name="TextBox 49">
+            <a:extLst>
+              <a:ext uri="{FF2B5EF4-FFF2-40B4-BE49-F238E27FC236}">
+                <a16:creationId xmlns:a16="http://schemas.microsoft.com/office/drawing/2014/main" id="{B3FA9D57-880F-49C4-AD0B-A64E30D6F403}"/>
+              </a:ext>
+            </a:extLst>
+          </p:cNvPr>
+          <p:cNvSpPr txBox="1"/>
+          <p:nvPr/>
+        </p:nvSpPr>
+        <p:spPr>
+          <a:xfrm>
+            <a:off x="7503860" y="2255711"/>
+            <a:ext cx="189257" cy="178683"/>
+          </a:xfrm>
+          <a:prstGeom prst="rect">
+            <a:avLst/>
+          </a:prstGeom>
+          <a:noFill/>
+        </p:spPr>
+        <p:txBody>
+          <a:bodyPr wrap="square" lIns="0" tIns="0" rIns="0" bIns="0" rtlCol="0">
+            <a:noAutofit/>
+          </a:bodyPr>
+          <a:lstStyle/>
+          <a:p>
+            <a:pPr algn="ctr"/>
+            <a:r>
+              <a:rPr lang="en-US" sz="1100" dirty="0">
+                <a:solidFill>
+                  <a:srgbClr val="7030A0"/>
+                </a:solidFill>
+              </a:rPr>
+              <a:t>*</a:t>
+            </a:r>
+            <a:endParaRPr lang="en-SG" sz="1100" dirty="0">
+              <a:solidFill>
+                <a:srgbClr val="7030A0"/>
+              </a:solidFill>
+            </a:endParaRPr>
+          </a:p>
+        </p:txBody>
+      </p:sp>
+      <p:sp>
+        <p:nvSpPr>
+          <p:cNvPr id="55" name="Rectangle 8"/>
+          <p:cNvSpPr/>
+          <p:nvPr/>
+        </p:nvSpPr>
+        <p:spPr>
+          <a:xfrm>
+            <a:off x="2569785" y="1998350"/>
+            <a:ext cx="1060683" cy="364396"/>
+          </a:xfrm>
+          <a:prstGeom prst="rect">
+            <a:avLst/>
+          </a:prstGeom>
+          <a:ln w="19050">
+            <a:solidFill>
+              <a:srgbClr val="7030A0"/>
+            </a:solidFill>
+          </a:ln>
+          <a:effectLst/>
+        </p:spPr>
+        <p:style>
+          <a:lnRef idx="1">
+            <a:schemeClr val="accent4"/>
+          </a:lnRef>
+          <a:fillRef idx="2">
+            <a:schemeClr val="accent4"/>
+          </a:fillRef>
+          <a:effectRef idx="1">
+            <a:schemeClr val="accent4"/>
+          </a:effectRef>
+          <a:fontRef idx="minor">
+            <a:schemeClr val="dk1"/>
+          </a:fontRef>
+        </p:style>
+        <p:txBody>
+          <a:bodyPr rtlCol="0" anchor="ctr"/>
+          <a:lstStyle/>
+          <a:p>
+            <a:pPr algn="ctr"/>
+            <a:r>
+              <a:rPr lang="en-US" sz="1050" dirty="0" err="1">
+                <a:solidFill>
+                  <a:srgbClr val="7030A0"/>
+                </a:solidFill>
+              </a:rPr>
+              <a:t>ClinicRecord</a:t>
+            </a:r>
+            <a:endParaRPr lang="en-SG" sz="1050" dirty="0">
+              <a:solidFill>
+                <a:srgbClr val="7030A0"/>
+              </a:solidFill>
+            </a:endParaRPr>
+          </a:p>
+        </p:txBody>
+      </p:sp>
+      <p:sp>
+        <p:nvSpPr>
+          <p:cNvPr id="68" name="Isosceles Triangle 102"/>
+          <p:cNvSpPr/>
+          <p:nvPr/>
+        </p:nvSpPr>
+        <p:spPr>
+          <a:xfrm rot="16200000">
+            <a:off x="2068677" y="2069158"/>
+            <a:ext cx="271014" cy="187417"/>
+          </a:xfrm>
+          <a:prstGeom prst="triangle">
+            <a:avLst>
+              <a:gd name="adj" fmla="val 44517"/>
+            </a:avLst>
           </a:prstGeom>
           <a:solidFill>
-            <a:srgbClr val="7030A0"/>
+            <a:schemeClr val="accent4">
+              <a:lumMod val="20000"/>
+              <a:lumOff val="80000"/>
+            </a:schemeClr>
           </a:solidFill>
           <a:ln w="19050">
             <a:solidFill>
@@ -4166,360 +4920,23 @@
           <a:lstStyle/>
           <a:p>
             <a:pPr algn="ctr"/>
-            <a:endParaRPr lang="en-US" sz="1050"/>
+            <a:endParaRPr lang="en-SG" sz="1050"/>
           </a:p>
         </p:txBody>
       </p:sp>
       <p:cxnSp>
         <p:nvCxnSpPr>
-          <p:cNvPr id="79" name="Elbow Connector 78"/>
+          <p:cNvPr id="69" name="Elbow Connector 63"/>
           <p:cNvCxnSpPr>
-            <a:cxnSpLocks/>
-            <a:endCxn id="76" idx="1"/>
+            <a:stCxn id="68" idx="3"/>
+            <a:endCxn id="55" idx="1"/>
           </p:cNvCxnSpPr>
           <p:nvPr/>
         </p:nvCxnSpPr>
         <p:spPr>
-          <a:xfrm flipV="1">
-            <a:off x="6723813" y="2707130"/>
-            <a:ext cx="1026201" cy="728304"/>
-          </a:xfrm>
-          <a:prstGeom prst="bentConnector3">
-            <a:avLst>
-              <a:gd name="adj1" fmla="val 50000"/>
-            </a:avLst>
-          </a:prstGeom>
-          <a:ln w="19050">
-            <a:solidFill>
-              <a:srgbClr val="7030A0"/>
-            </a:solidFill>
-            <a:headEnd type="none" w="med" len="med"/>
-            <a:tailEnd type="arrow" w="med" len="med"/>
-          </a:ln>
-          <a:effectLst/>
-        </p:spPr>
-        <p:style>
-          <a:lnRef idx="1">
-            <a:schemeClr val="accent2"/>
-          </a:lnRef>
-          <a:fillRef idx="2">
-            <a:schemeClr val="accent2"/>
-          </a:fillRef>
-          <a:effectRef idx="1">
-            <a:schemeClr val="accent2"/>
-          </a:effectRef>
-          <a:fontRef idx="minor">
-            <a:schemeClr val="dk1"/>
-          </a:fontRef>
-        </p:style>
-      </p:cxnSp>
-      <p:sp>
-        <p:nvSpPr>
-          <p:cNvPr id="80" name="Rectangle 8"/>
-          <p:cNvSpPr/>
-          <p:nvPr/>
-        </p:nvSpPr>
-        <p:spPr>
-          <a:xfrm>
-            <a:off x="7750014" y="2887216"/>
-            <a:ext cx="708186" cy="285783"/>
-          </a:xfrm>
-          <a:prstGeom prst="rect">
-            <a:avLst/>
-          </a:prstGeom>
-          <a:ln w="19050">
-            <a:solidFill>
-              <a:srgbClr val="7030A0"/>
-            </a:solidFill>
-          </a:ln>
-          <a:effectLst/>
-        </p:spPr>
-        <p:style>
-          <a:lnRef idx="1">
-            <a:schemeClr val="accent4"/>
-          </a:lnRef>
-          <a:fillRef idx="2">
-            <a:schemeClr val="accent4"/>
-          </a:fillRef>
-          <a:effectRef idx="1">
-            <a:schemeClr val="accent4"/>
-          </a:effectRef>
-          <a:fontRef idx="minor">
-            <a:schemeClr val="dk1"/>
-          </a:fontRef>
-        </p:style>
-        <p:txBody>
-          <a:bodyPr rtlCol="0" anchor="ctr"/>
-          <a:lstStyle/>
-          <a:p>
-            <a:pPr algn="ctr"/>
-            <a:r>
-              <a:rPr lang="en-US" sz="1050" dirty="0">
-                <a:solidFill>
-                  <a:srgbClr val="7030A0"/>
-                </a:solidFill>
-              </a:rPr>
-              <a:t>Phone</a:t>
-            </a:r>
-            <a:endParaRPr lang="en-SG" sz="1050" dirty="0">
-              <a:solidFill>
-                <a:srgbClr val="7030A0"/>
-              </a:solidFill>
-            </a:endParaRPr>
-          </a:p>
-        </p:txBody>
-      </p:sp>
-      <p:cxnSp>
-        <p:nvCxnSpPr>
-          <p:cNvPr id="81" name="Elbow Connector 80"/>
-          <p:cNvCxnSpPr>
-            <a:stCxn id="78" idx="3"/>
-            <a:endCxn id="80" idx="1"/>
-          </p:cNvCxnSpPr>
-          <p:nvPr/>
-        </p:nvCxnSpPr>
-        <p:spPr>
-          <a:xfrm flipV="1">
-            <a:off x="6747173" y="3030108"/>
-            <a:ext cx="1002841" cy="418588"/>
-          </a:xfrm>
-          <a:prstGeom prst="bentConnector3">
-            <a:avLst/>
-          </a:prstGeom>
-          <a:ln w="19050">
-            <a:solidFill>
-              <a:srgbClr val="7030A0"/>
-            </a:solidFill>
-            <a:headEnd type="none" w="med" len="med"/>
-            <a:tailEnd type="arrow" w="med" len="med"/>
-          </a:ln>
-          <a:effectLst/>
-        </p:spPr>
-        <p:style>
-          <a:lnRef idx="1">
-            <a:schemeClr val="accent2"/>
-          </a:lnRef>
-          <a:fillRef idx="2">
-            <a:schemeClr val="accent2"/>
-          </a:fillRef>
-          <a:effectRef idx="1">
-            <a:schemeClr val="accent2"/>
-          </a:effectRef>
-          <a:fontRef idx="minor">
-            <a:schemeClr val="dk1"/>
-          </a:fontRef>
-        </p:style>
-      </p:cxnSp>
-      <p:sp>
-        <p:nvSpPr>
-          <p:cNvPr id="83" name="Rectangle 8"/>
-          <p:cNvSpPr/>
-          <p:nvPr/>
-        </p:nvSpPr>
-        <p:spPr>
-          <a:xfrm>
-            <a:off x="7750014" y="3210194"/>
-            <a:ext cx="708186" cy="285783"/>
-          </a:xfrm>
-          <a:prstGeom prst="rect">
-            <a:avLst/>
-          </a:prstGeom>
-          <a:ln w="19050">
-            <a:solidFill>
-              <a:srgbClr val="7030A0"/>
-            </a:solidFill>
-          </a:ln>
-          <a:effectLst/>
-        </p:spPr>
-        <p:style>
-          <a:lnRef idx="1">
-            <a:schemeClr val="accent4"/>
-          </a:lnRef>
-          <a:fillRef idx="2">
-            <a:schemeClr val="accent4"/>
-          </a:fillRef>
-          <a:effectRef idx="1">
-            <a:schemeClr val="accent4"/>
-          </a:effectRef>
-          <a:fontRef idx="minor">
-            <a:schemeClr val="dk1"/>
-          </a:fontRef>
-        </p:style>
-        <p:txBody>
-          <a:bodyPr rtlCol="0" anchor="ctr"/>
-          <a:lstStyle/>
-          <a:p>
-            <a:pPr algn="ctr"/>
-            <a:r>
-              <a:rPr lang="en-US" sz="1050" dirty="0">
-                <a:solidFill>
-                  <a:srgbClr val="7030A0"/>
-                </a:solidFill>
-              </a:rPr>
-              <a:t>Address</a:t>
-            </a:r>
-            <a:endParaRPr lang="en-SG" sz="1050" dirty="0">
-              <a:solidFill>
-                <a:srgbClr val="7030A0"/>
-              </a:solidFill>
-            </a:endParaRPr>
-          </a:p>
-        </p:txBody>
-      </p:sp>
-      <p:cxnSp>
-        <p:nvCxnSpPr>
-          <p:cNvPr id="84" name="Elbow Connector 83"/>
-          <p:cNvCxnSpPr>
-            <a:stCxn id="78" idx="3"/>
-            <a:endCxn id="83" idx="1"/>
-          </p:cNvCxnSpPr>
-          <p:nvPr/>
-        </p:nvCxnSpPr>
-        <p:spPr>
-          <a:xfrm flipV="1">
-            <a:off x="6747173" y="3353086"/>
-            <a:ext cx="1002841" cy="95610"/>
-          </a:xfrm>
-          <a:prstGeom prst="bentConnector3">
-            <a:avLst/>
-          </a:prstGeom>
-          <a:ln w="19050">
-            <a:solidFill>
-              <a:srgbClr val="7030A0"/>
-            </a:solidFill>
-            <a:headEnd type="none" w="med" len="med"/>
-            <a:tailEnd type="arrow" w="med" len="med"/>
-          </a:ln>
-          <a:effectLst/>
-        </p:spPr>
-        <p:style>
-          <a:lnRef idx="1">
-            <a:schemeClr val="accent2"/>
-          </a:lnRef>
-          <a:fillRef idx="2">
-            <a:schemeClr val="accent2"/>
-          </a:fillRef>
-          <a:effectRef idx="1">
-            <a:schemeClr val="accent2"/>
-          </a:effectRef>
-          <a:fontRef idx="minor">
-            <a:schemeClr val="dk1"/>
-          </a:fontRef>
-        </p:style>
-      </p:cxnSp>
-      <p:sp>
-        <p:nvSpPr>
-          <p:cNvPr id="85" name="Rectangle 8"/>
-          <p:cNvSpPr/>
-          <p:nvPr/>
-        </p:nvSpPr>
-        <p:spPr>
-          <a:xfrm>
-            <a:off x="7750014" y="3533171"/>
-            <a:ext cx="708186" cy="285783"/>
-          </a:xfrm>
-          <a:prstGeom prst="rect">
-            <a:avLst/>
-          </a:prstGeom>
-          <a:ln w="19050">
-            <a:solidFill>
-              <a:srgbClr val="7030A0"/>
-            </a:solidFill>
-          </a:ln>
-          <a:effectLst/>
-        </p:spPr>
-        <p:style>
-          <a:lnRef idx="1">
-            <a:schemeClr val="accent4"/>
-          </a:lnRef>
-          <a:fillRef idx="2">
-            <a:schemeClr val="accent4"/>
-          </a:fillRef>
-          <a:effectRef idx="1">
-            <a:schemeClr val="accent4"/>
-          </a:effectRef>
-          <a:fontRef idx="minor">
-            <a:schemeClr val="dk1"/>
-          </a:fontRef>
-        </p:style>
-        <p:txBody>
-          <a:bodyPr rtlCol="0" anchor="ctr"/>
-          <a:lstStyle/>
-          <a:p>
-            <a:pPr algn="ctr"/>
-            <a:r>
-              <a:rPr lang="en-US" sz="1050" dirty="0">
-                <a:solidFill>
-                  <a:srgbClr val="7030A0"/>
-                </a:solidFill>
-              </a:rPr>
-              <a:t>Allergy</a:t>
-            </a:r>
-            <a:endParaRPr lang="en-SG" sz="1050" dirty="0">
-              <a:solidFill>
-                <a:srgbClr val="7030A0"/>
-              </a:solidFill>
-            </a:endParaRPr>
-          </a:p>
-        </p:txBody>
-      </p:sp>
-      <p:cxnSp>
-        <p:nvCxnSpPr>
-          <p:cNvPr id="86" name="Elbow Connector 85"/>
-          <p:cNvCxnSpPr>
-            <a:cxnSpLocks/>
-            <a:stCxn id="78" idx="3"/>
-          </p:cNvCxnSpPr>
-          <p:nvPr/>
-        </p:nvCxnSpPr>
-        <p:spPr>
-          <a:xfrm>
-            <a:off x="6747173" y="3448696"/>
-            <a:ext cx="1026201" cy="205424"/>
-          </a:xfrm>
-          <a:prstGeom prst="bentConnector3">
-            <a:avLst>
-              <a:gd name="adj1" fmla="val 50000"/>
-            </a:avLst>
-          </a:prstGeom>
-          <a:ln w="19050">
-            <a:solidFill>
-              <a:srgbClr val="7030A0"/>
-            </a:solidFill>
-            <a:headEnd type="none" w="med" len="med"/>
-            <a:tailEnd type="arrow" w="med" len="med"/>
-          </a:ln>
-          <a:effectLst/>
-        </p:spPr>
-        <p:style>
-          <a:lnRef idx="1">
-            <a:schemeClr val="accent2"/>
-          </a:lnRef>
-          <a:fillRef idx="2">
-            <a:schemeClr val="accent2"/>
-          </a:fillRef>
-          <a:effectRef idx="1">
-            <a:schemeClr val="accent2"/>
-          </a:effectRef>
-          <a:fontRef idx="minor">
-            <a:schemeClr val="dk1"/>
-          </a:fontRef>
-        </p:style>
-      </p:cxnSp>
-      <p:cxnSp>
-        <p:nvCxnSpPr>
-          <p:cNvPr id="97" name="Elbow Connector 63"/>
-          <p:cNvCxnSpPr>
-            <a:cxnSpLocks/>
-            <a:stCxn id="99" idx="3"/>
-            <a:endCxn id="46" idx="0"/>
-          </p:cNvCxnSpPr>
-          <p:nvPr/>
-        </p:nvCxnSpPr>
-        <p:spPr>
-          <a:xfrm rot="16200000" flipH="1">
-            <a:off x="2858601" y="2645609"/>
-            <a:ext cx="205921" cy="1934"/>
+          <a:xfrm>
+            <a:off x="2297893" y="2177727"/>
+            <a:ext cx="271892" cy="2821"/>
           </a:xfrm>
           <a:prstGeom prst="bentConnector3">
             <a:avLst>
@@ -4553,16 +4970,22 @@
       </p:cxnSp>
       <p:sp>
         <p:nvSpPr>
-          <p:cNvPr id="99" name="Isosceles Triangle 102"/>
+          <p:cNvPr id="56" name="Rectangle 8">
+            <a:extLst>
+              <a:ext uri="{FF2B5EF4-FFF2-40B4-BE49-F238E27FC236}">
+                <a16:creationId xmlns:a16="http://schemas.microsoft.com/office/drawing/2014/main" id="{FF07C0CC-42CF-4643-803B-3DEDA71CF3F3}"/>
+              </a:ext>
+            </a:extLst>
+          </p:cNvPr>
           <p:cNvSpPr/>
           <p:nvPr/>
         </p:nvSpPr>
         <p:spPr>
-          <a:xfrm rot="10800000" flipV="1">
-            <a:off x="2819401" y="2386554"/>
-            <a:ext cx="282387" cy="157062"/>
-          </a:xfrm>
-          <a:prstGeom prst="triangle">
+          <a:xfrm>
+            <a:off x="7750014" y="1912117"/>
+            <a:ext cx="708186" cy="285783"/>
+          </a:xfrm>
+          <a:prstGeom prst="rect">
             <a:avLst/>
           </a:prstGeom>
           <a:ln w="19050">
@@ -4591,76 +5014,13 @@
           <a:lstStyle/>
           <a:p>
             <a:pPr algn="ctr"/>
-            <a:endParaRPr lang="en-SG" sz="1050" b="1">
-              <a:solidFill>
-                <a:srgbClr val="92D050"/>
-              </a:solidFill>
-            </a:endParaRPr>
-          </a:p>
-        </p:txBody>
-      </p:sp>
-      <p:sp>
-        <p:nvSpPr>
-          <p:cNvPr id="100" name="Rectangle 8"/>
-          <p:cNvSpPr/>
-          <p:nvPr/>
-        </p:nvSpPr>
-        <p:spPr>
-          <a:xfrm>
-            <a:off x="660526" y="1998350"/>
-            <a:ext cx="1443661" cy="364396"/>
-          </a:xfrm>
-          <a:prstGeom prst="rect">
-            <a:avLst/>
-          </a:prstGeom>
-          <a:ln w="19050">
-            <a:solidFill>
-              <a:srgbClr val="7030A0"/>
-            </a:solidFill>
-          </a:ln>
-          <a:effectLst/>
-        </p:spPr>
-        <p:style>
-          <a:lnRef idx="1">
-            <a:schemeClr val="accent4"/>
-          </a:lnRef>
-          <a:fillRef idx="2">
-            <a:schemeClr val="accent4"/>
-          </a:fillRef>
-          <a:effectRef idx="1">
-            <a:schemeClr val="accent4"/>
-          </a:effectRef>
-          <a:fontRef idx="minor">
-            <a:schemeClr val="dk1"/>
-          </a:fontRef>
-        </p:style>
-        <p:txBody>
-          <a:bodyPr rtlCol="0" anchor="ctr"/>
-          <a:lstStyle/>
-          <a:p>
-            <a:pPr algn="ctr"/>
-            <a:r>
-              <a:rPr lang="en-US" sz="1050" dirty="0">
-                <a:solidFill>
-                  <a:srgbClr val="7030A0"/>
-                </a:solidFill>
-              </a:rPr>
-              <a:t>&lt;&lt;interface&gt;&gt;</a:t>
-            </a:r>
-            <a:br>
-              <a:rPr lang="en-US" sz="1050" dirty="0">
-                <a:solidFill>
-                  <a:srgbClr val="7030A0"/>
-                </a:solidFill>
-              </a:rPr>
-            </a:br>
             <a:r>
               <a:rPr lang="en-US" sz="1050" dirty="0" err="1">
                 <a:solidFill>
                   <a:srgbClr val="7030A0"/>
                 </a:solidFill>
               </a:rPr>
-              <a:t>ReadOnlyClinicRecord</a:t>
+              <a:t>PreferredDoctor</a:t>
             </a:r>
             <a:endParaRPr lang="en-SG" sz="1050" dirty="0">
               <a:solidFill>
@@ -4670,127 +5030,26 @@
           </a:p>
         </p:txBody>
       </p:sp>
-      <p:sp>
-        <p:nvSpPr>
-          <p:cNvPr id="65" name="TextBox 64"/>
-          <p:cNvSpPr txBox="1"/>
-          <p:nvPr/>
-        </p:nvSpPr>
-        <p:spPr>
-          <a:xfrm>
-            <a:off x="1972998" y="2756715"/>
-            <a:ext cx="170110" cy="137542"/>
-          </a:xfrm>
-          <a:prstGeom prst="rect">
-            <a:avLst/>
-          </a:prstGeom>
-          <a:noFill/>
-        </p:spPr>
-        <p:txBody>
-          <a:bodyPr wrap="square" lIns="0" tIns="0" rIns="0" bIns="0" rtlCol="0">
-            <a:noAutofit/>
-          </a:bodyPr>
-          <a:lstStyle/>
-          <a:p>
-            <a:pPr algn="ctr"/>
-            <a:r>
-              <a:rPr lang="en-US" sz="1100" dirty="0">
-                <a:solidFill>
-                  <a:srgbClr val="7030A0"/>
-                </a:solidFill>
-              </a:rPr>
-              <a:t>1</a:t>
-            </a:r>
-            <a:endParaRPr lang="en-SG" sz="1100" dirty="0">
-              <a:solidFill>
-                <a:srgbClr val="7030A0"/>
-              </a:solidFill>
-            </a:endParaRPr>
-          </a:p>
-        </p:txBody>
-      </p:sp>
-      <p:sp>
-        <p:nvSpPr>
-          <p:cNvPr id="52" name="Rectangle 8">
+      <p:cxnSp>
+        <p:nvCxnSpPr>
+          <p:cNvPr id="57" name="Elbow Connector 78">
             <a:extLst>
               <a:ext uri="{FF2B5EF4-FFF2-40B4-BE49-F238E27FC236}">
-                <a16:creationId xmlns:a16="http://schemas.microsoft.com/office/drawing/2014/main" id="{ABDCDBD2-131A-4B66-A2F2-43BBEE82C773}"/>
-              </a:ext>
-            </a:extLst>
-          </p:cNvPr>
-          <p:cNvSpPr/>
-          <p:nvPr/>
-        </p:nvSpPr>
-        <p:spPr>
-          <a:xfrm>
-            <a:off x="7750014" y="2228817"/>
-            <a:ext cx="708186" cy="285783"/>
-          </a:xfrm>
-          <a:prstGeom prst="rect">
-            <a:avLst/>
-          </a:prstGeom>
-          <a:ln w="19050">
-            <a:solidFill>
-              <a:srgbClr val="7030A0"/>
-            </a:solidFill>
-          </a:ln>
-          <a:effectLst/>
-        </p:spPr>
-        <p:style>
-          <a:lnRef idx="1">
-            <a:schemeClr val="accent4"/>
-          </a:lnRef>
-          <a:fillRef idx="2">
-            <a:schemeClr val="accent4"/>
-          </a:fillRef>
-          <a:effectRef idx="1">
-            <a:schemeClr val="accent4"/>
-          </a:effectRef>
-          <a:fontRef idx="minor">
-            <a:schemeClr val="dk1"/>
-          </a:fontRef>
-        </p:style>
-        <p:txBody>
-          <a:bodyPr rtlCol="0" anchor="ctr"/>
-          <a:lstStyle/>
-          <a:p>
-            <a:pPr algn="ctr"/>
-            <a:r>
-              <a:rPr lang="en-US" sz="1050" dirty="0">
-                <a:solidFill>
-                  <a:srgbClr val="7030A0"/>
-                </a:solidFill>
-              </a:rPr>
-              <a:t>Tag</a:t>
-            </a:r>
-            <a:endParaRPr lang="en-SG" sz="1050" dirty="0">
-              <a:solidFill>
-                <a:srgbClr val="7030A0"/>
-              </a:solidFill>
-            </a:endParaRPr>
-          </a:p>
-        </p:txBody>
-      </p:sp>
-      <p:cxnSp>
-        <p:nvCxnSpPr>
-          <p:cNvPr id="53" name="Elbow Connector 78">
-            <a:extLst>
-              <a:ext uri="{FF2B5EF4-FFF2-40B4-BE49-F238E27FC236}">
-                <a16:creationId xmlns:a16="http://schemas.microsoft.com/office/drawing/2014/main" id="{B97967F8-618A-448B-81FD-CDFD4AF0EC64}"/>
+                <a16:creationId xmlns:a16="http://schemas.microsoft.com/office/drawing/2014/main" id="{0A7A1EE4-9BF5-406D-B754-29B42C47F8DE}"/>
               </a:ext>
             </a:extLst>
           </p:cNvPr>
           <p:cNvCxnSpPr>
             <a:cxnSpLocks/>
             <a:stCxn id="78" idx="3"/>
-            <a:endCxn id="52" idx="1"/>
+            <a:endCxn id="56" idx="1"/>
           </p:cNvCxnSpPr>
           <p:nvPr/>
         </p:nvCxnSpPr>
         <p:spPr>
           <a:xfrm flipV="1">
-            <a:off x="6747173" y="2371709"/>
-            <a:ext cx="1002841" cy="1076987"/>
+            <a:off x="6747173" y="2055009"/>
+            <a:ext cx="1002841" cy="1393687"/>
           </a:xfrm>
           <a:prstGeom prst="bentConnector3">
             <a:avLst>
@@ -4823,10 +5082,10 @@
       </p:cxnSp>
       <p:sp>
         <p:nvSpPr>
-          <p:cNvPr id="50" name="TextBox 49">
+          <p:cNvPr id="59" name="TextBox 58">
             <a:extLst>
               <a:ext uri="{FF2B5EF4-FFF2-40B4-BE49-F238E27FC236}">
-                <a16:creationId xmlns:a16="http://schemas.microsoft.com/office/drawing/2014/main" id="{B3FA9D57-880F-49C4-AD0B-A64E30D6F403}"/>
+                <a16:creationId xmlns:a16="http://schemas.microsoft.com/office/drawing/2014/main" id="{026DB8B8-6818-485E-A9E6-4A5773D3EFD2}"/>
               </a:ext>
             </a:extLst>
           </p:cNvPr>
@@ -4835,7 +5094,7 @@
         </p:nvSpPr>
         <p:spPr>
           <a:xfrm>
-            <a:off x="7503860" y="2255711"/>
+            <a:off x="7490151" y="1936129"/>
             <a:ext cx="189257" cy="178683"/>
           </a:xfrm>
           <a:prstGeom prst="rect">
@@ -4868,14 +5127,20 @@
       </p:sp>
       <p:sp>
         <p:nvSpPr>
-          <p:cNvPr id="55" name="Rectangle 8"/>
+          <p:cNvPr id="67" name="Rectangle 8">
+            <a:extLst>
+              <a:ext uri="{FF2B5EF4-FFF2-40B4-BE49-F238E27FC236}">
+                <a16:creationId xmlns:a16="http://schemas.microsoft.com/office/drawing/2014/main" id="{B5ADD2CD-2458-4114-BB55-CAF169974354}"/>
+              </a:ext>
+            </a:extLst>
+          </p:cNvPr>
           <p:cNvSpPr/>
           <p:nvPr/>
         </p:nvSpPr>
         <p:spPr>
           <a:xfrm>
-            <a:off x="2569785" y="1998350"/>
-            <a:ext cx="1060683" cy="364396"/>
+            <a:off x="7750014" y="1576696"/>
+            <a:ext cx="708186" cy="285783"/>
           </a:xfrm>
           <a:prstGeom prst="rect">
             <a:avLst/>
@@ -4912,7 +5177,7 @@
                   <a:srgbClr val="7030A0"/>
                 </a:solidFill>
               </a:rPr>
-              <a:t>ClinicRecord</a:t>
+              <a:t>EmailAddress</a:t>
             </a:r>
             <a:endParaRPr lang="en-SG" sz="1050" dirty="0">
               <a:solidFill>
@@ -4922,28 +5187,758 @@
           </a:p>
         </p:txBody>
       </p:sp>
-      <p:sp>
-        <p:nvSpPr>
-          <p:cNvPr id="68" name="Isosceles Triangle 102"/>
+      <p:cxnSp>
+        <p:nvCxnSpPr>
+          <p:cNvPr id="71" name="Elbow Connector 78">
+            <a:extLst>
+              <a:ext uri="{FF2B5EF4-FFF2-40B4-BE49-F238E27FC236}">
+                <a16:creationId xmlns:a16="http://schemas.microsoft.com/office/drawing/2014/main" id="{123116FF-12EB-43C3-9B2B-2F375F663582}"/>
+              </a:ext>
+            </a:extLst>
+          </p:cNvPr>
+          <p:cNvCxnSpPr>
+            <a:cxnSpLocks/>
+            <a:stCxn id="78" idx="3"/>
+            <a:endCxn id="67" idx="1"/>
+          </p:cNvCxnSpPr>
+          <p:nvPr/>
+        </p:nvCxnSpPr>
+        <p:spPr>
+          <a:xfrm flipV="1">
+            <a:off x="6747173" y="1719588"/>
+            <a:ext cx="1002841" cy="1729108"/>
+          </a:xfrm>
+          <a:prstGeom prst="bentConnector3">
+            <a:avLst>
+              <a:gd name="adj1" fmla="val 50000"/>
+            </a:avLst>
+          </a:prstGeom>
+          <a:ln w="19050">
+            <a:solidFill>
+              <a:srgbClr val="7030A0"/>
+            </a:solidFill>
+            <a:headEnd type="none" w="med" len="med"/>
+            <a:tailEnd type="arrow" w="med" len="med"/>
+          </a:ln>
+          <a:effectLst/>
+        </p:spPr>
+        <p:style>
+          <a:lnRef idx="1">
+            <a:schemeClr val="accent2"/>
+          </a:lnRef>
+          <a:fillRef idx="2">
+            <a:schemeClr val="accent2"/>
+          </a:fillRef>
+          <a:effectRef idx="1">
+            <a:schemeClr val="accent2"/>
+          </a:effectRef>
+          <a:fontRef idx="minor">
+            <a:schemeClr val="dk1"/>
+          </a:fontRef>
+        </p:style>
+      </p:cxnSp>
+      <p:sp>
+        <p:nvSpPr>
+          <p:cNvPr id="72" name="Rectangle 8">
+            <a:extLst>
+              <a:ext uri="{FF2B5EF4-FFF2-40B4-BE49-F238E27FC236}">
+                <a16:creationId xmlns:a16="http://schemas.microsoft.com/office/drawing/2014/main" id="{7A53DF52-4274-426A-99B4-0388C2F509E0}"/>
+              </a:ext>
+            </a:extLst>
+          </p:cNvPr>
           <p:cNvSpPr/>
           <p:nvPr/>
         </p:nvSpPr>
         <p:spPr>
-          <a:xfrm rot="16200000">
-            <a:off x="2068677" y="2069158"/>
-            <a:ext cx="271014" cy="187417"/>
-          </a:xfrm>
-          <a:prstGeom prst="triangle">
+          <a:xfrm>
+            <a:off x="7739835" y="1228381"/>
+            <a:ext cx="708186" cy="285783"/>
+          </a:xfrm>
+          <a:prstGeom prst="rect">
+            <a:avLst/>
+          </a:prstGeom>
+          <a:ln w="19050">
+            <a:solidFill>
+              <a:srgbClr val="7030A0"/>
+            </a:solidFill>
+          </a:ln>
+          <a:effectLst/>
+        </p:spPr>
+        <p:style>
+          <a:lnRef idx="1">
+            <a:schemeClr val="accent4"/>
+          </a:lnRef>
+          <a:fillRef idx="2">
+            <a:schemeClr val="accent4"/>
+          </a:fillRef>
+          <a:effectRef idx="1">
+            <a:schemeClr val="accent4"/>
+          </a:effectRef>
+          <a:fontRef idx="minor">
+            <a:schemeClr val="dk1"/>
+          </a:fontRef>
+        </p:style>
+        <p:txBody>
+          <a:bodyPr rtlCol="0" anchor="ctr"/>
+          <a:lstStyle/>
+          <a:p>
+            <a:pPr algn="ctr"/>
+            <a:r>
+              <a:rPr lang="en-US" sz="1050" dirty="0" err="1">
+                <a:solidFill>
+                  <a:srgbClr val="7030A0"/>
+                </a:solidFill>
+              </a:rPr>
+              <a:t>Nric</a:t>
+            </a:r>
+            <a:endParaRPr lang="en-SG" sz="1050" dirty="0">
+              <a:solidFill>
+                <a:srgbClr val="7030A0"/>
+              </a:solidFill>
+            </a:endParaRPr>
+          </a:p>
+        </p:txBody>
+      </p:sp>
+      <p:cxnSp>
+        <p:nvCxnSpPr>
+          <p:cNvPr id="73" name="Elbow Connector 78">
+            <a:extLst>
+              <a:ext uri="{FF2B5EF4-FFF2-40B4-BE49-F238E27FC236}">
+                <a16:creationId xmlns:a16="http://schemas.microsoft.com/office/drawing/2014/main" id="{01151243-C770-48E5-99E8-1778530E84DB}"/>
+              </a:ext>
+            </a:extLst>
+          </p:cNvPr>
+          <p:cNvCxnSpPr>
+            <a:cxnSpLocks/>
+            <a:stCxn id="78" idx="3"/>
+            <a:endCxn id="72" idx="1"/>
+          </p:cNvCxnSpPr>
+          <p:nvPr/>
+        </p:nvCxnSpPr>
+        <p:spPr>
+          <a:xfrm flipV="1">
+            <a:off x="6747173" y="1371273"/>
+            <a:ext cx="992662" cy="2077423"/>
+          </a:xfrm>
+          <a:prstGeom prst="bentConnector3">
             <a:avLst>
-              <a:gd name="adj" fmla="val 44517"/>
+              <a:gd name="adj1" fmla="val 50000"/>
             </a:avLst>
           </a:prstGeom>
-          <a:solidFill>
-            <a:schemeClr val="accent4">
-              <a:lumMod val="20000"/>
-              <a:lumOff val="80000"/>
-            </a:schemeClr>
-          </a:solidFill>
+          <a:ln w="19050">
+            <a:solidFill>
+              <a:srgbClr val="7030A0"/>
+            </a:solidFill>
+            <a:headEnd type="none" w="med" len="med"/>
+            <a:tailEnd type="arrow" w="med" len="med"/>
+          </a:ln>
+          <a:effectLst/>
+        </p:spPr>
+        <p:style>
+          <a:lnRef idx="1">
+            <a:schemeClr val="accent2"/>
+          </a:lnRef>
+          <a:fillRef idx="2">
+            <a:schemeClr val="accent2"/>
+          </a:fillRef>
+          <a:effectRef idx="1">
+            <a:schemeClr val="accent2"/>
+          </a:effectRef>
+          <a:fontRef idx="minor">
+            <a:schemeClr val="dk1"/>
+          </a:fontRef>
+        </p:style>
+      </p:cxnSp>
+      <p:sp>
+        <p:nvSpPr>
+          <p:cNvPr id="74" name="Rectangle 8">
+            <a:extLst>
+              <a:ext uri="{FF2B5EF4-FFF2-40B4-BE49-F238E27FC236}">
+                <a16:creationId xmlns:a16="http://schemas.microsoft.com/office/drawing/2014/main" id="{BFE74F2F-378A-4CFC-9F9B-5988C547A492}"/>
+              </a:ext>
+            </a:extLst>
+          </p:cNvPr>
+          <p:cNvSpPr/>
+          <p:nvPr/>
+        </p:nvSpPr>
+        <p:spPr>
+          <a:xfrm>
+            <a:off x="7744357" y="888608"/>
+            <a:ext cx="708186" cy="285783"/>
+          </a:xfrm>
+          <a:prstGeom prst="rect">
+            <a:avLst/>
+          </a:prstGeom>
+          <a:ln w="19050">
+            <a:solidFill>
+              <a:srgbClr val="7030A0"/>
+            </a:solidFill>
+          </a:ln>
+          <a:effectLst/>
+        </p:spPr>
+        <p:style>
+          <a:lnRef idx="1">
+            <a:schemeClr val="accent4"/>
+          </a:lnRef>
+          <a:fillRef idx="2">
+            <a:schemeClr val="accent4"/>
+          </a:fillRef>
+          <a:effectRef idx="1">
+            <a:schemeClr val="accent4"/>
+          </a:effectRef>
+          <a:fontRef idx="minor">
+            <a:schemeClr val="dk1"/>
+          </a:fontRef>
+        </p:style>
+        <p:txBody>
+          <a:bodyPr rtlCol="0" anchor="ctr"/>
+          <a:lstStyle/>
+          <a:p>
+            <a:pPr algn="ctr"/>
+            <a:r>
+              <a:rPr lang="en-US" sz="1050" dirty="0" err="1">
+                <a:solidFill>
+                  <a:srgbClr val="7030A0"/>
+                </a:solidFill>
+              </a:rPr>
+              <a:t>MedicalHistory</a:t>
+            </a:r>
+            <a:endParaRPr lang="en-SG" sz="1050" dirty="0">
+              <a:solidFill>
+                <a:srgbClr val="7030A0"/>
+              </a:solidFill>
+            </a:endParaRPr>
+          </a:p>
+        </p:txBody>
+      </p:sp>
+      <p:cxnSp>
+        <p:nvCxnSpPr>
+          <p:cNvPr id="77" name="Elbow Connector 78">
+            <a:extLst>
+              <a:ext uri="{FF2B5EF4-FFF2-40B4-BE49-F238E27FC236}">
+                <a16:creationId xmlns:a16="http://schemas.microsoft.com/office/drawing/2014/main" id="{7BA0281A-AE19-4619-9D79-A4D3B0866265}"/>
+              </a:ext>
+            </a:extLst>
+          </p:cNvPr>
+          <p:cNvCxnSpPr>
+            <a:cxnSpLocks/>
+          </p:cNvCxnSpPr>
+          <p:nvPr/>
+        </p:nvCxnSpPr>
+        <p:spPr>
+          <a:xfrm rot="5400000" flipH="1" flipV="1">
+            <a:off x="6303262" y="1954600"/>
+            <a:ext cx="2375731" cy="529538"/>
+          </a:xfrm>
+          <a:prstGeom prst="bentConnector3">
+            <a:avLst>
+              <a:gd name="adj1" fmla="val 100036"/>
+            </a:avLst>
+          </a:prstGeom>
+          <a:ln w="19050">
+            <a:solidFill>
+              <a:srgbClr val="7030A0"/>
+            </a:solidFill>
+            <a:headEnd type="none" w="med" len="med"/>
+            <a:tailEnd type="arrow" w="med" len="med"/>
+          </a:ln>
+          <a:effectLst/>
+        </p:spPr>
+        <p:style>
+          <a:lnRef idx="1">
+            <a:schemeClr val="accent2"/>
+          </a:lnRef>
+          <a:fillRef idx="2">
+            <a:schemeClr val="accent2"/>
+          </a:fillRef>
+          <a:effectRef idx="1">
+            <a:schemeClr val="accent2"/>
+          </a:effectRef>
+          <a:fontRef idx="minor">
+            <a:schemeClr val="dk1"/>
+          </a:fontRef>
+        </p:style>
+      </p:cxnSp>
+      <p:sp>
+        <p:nvSpPr>
+          <p:cNvPr id="82" name="Rectangle 8">
+            <a:extLst>
+              <a:ext uri="{FF2B5EF4-FFF2-40B4-BE49-F238E27FC236}">
+                <a16:creationId xmlns:a16="http://schemas.microsoft.com/office/drawing/2014/main" id="{D57B38DC-5A09-49BD-A8B1-CA7494717FEB}"/>
+              </a:ext>
+            </a:extLst>
+          </p:cNvPr>
+          <p:cNvSpPr/>
+          <p:nvPr/>
+        </p:nvSpPr>
+        <p:spPr>
+          <a:xfrm>
+            <a:off x="7750014" y="3846420"/>
+            <a:ext cx="708186" cy="285783"/>
+          </a:xfrm>
+          <a:prstGeom prst="rect">
+            <a:avLst/>
+          </a:prstGeom>
+          <a:ln w="19050">
+            <a:solidFill>
+              <a:srgbClr val="7030A0"/>
+            </a:solidFill>
+          </a:ln>
+          <a:effectLst/>
+        </p:spPr>
+        <p:style>
+          <a:lnRef idx="1">
+            <a:schemeClr val="accent4"/>
+          </a:lnRef>
+          <a:fillRef idx="2">
+            <a:schemeClr val="accent4"/>
+          </a:fillRef>
+          <a:effectRef idx="1">
+            <a:schemeClr val="accent4"/>
+          </a:effectRef>
+          <a:fontRef idx="minor">
+            <a:schemeClr val="dk1"/>
+          </a:fontRef>
+        </p:style>
+        <p:txBody>
+          <a:bodyPr rtlCol="0" anchor="ctr"/>
+          <a:lstStyle/>
+          <a:p>
+            <a:pPr algn="ctr"/>
+            <a:r>
+              <a:rPr lang="en-US" sz="1000" dirty="0" err="1">
+                <a:solidFill>
+                  <a:srgbClr val="7030A0"/>
+                </a:solidFill>
+              </a:rPr>
+              <a:t>ConsultationHistory</a:t>
+            </a:r>
+            <a:endParaRPr lang="en-SG" sz="1050" dirty="0">
+              <a:solidFill>
+                <a:srgbClr val="7030A0"/>
+              </a:solidFill>
+            </a:endParaRPr>
+          </a:p>
+        </p:txBody>
+      </p:sp>
+      <p:cxnSp>
+        <p:nvCxnSpPr>
+          <p:cNvPr id="87" name="Elbow Connector 78">
+            <a:extLst>
+              <a:ext uri="{FF2B5EF4-FFF2-40B4-BE49-F238E27FC236}">
+                <a16:creationId xmlns:a16="http://schemas.microsoft.com/office/drawing/2014/main" id="{A27CEC2D-FC48-4C0F-A22A-5E64B41E3074}"/>
+              </a:ext>
+            </a:extLst>
+          </p:cNvPr>
+          <p:cNvCxnSpPr>
+            <a:cxnSpLocks/>
+            <a:endCxn id="82" idx="1"/>
+          </p:cNvCxnSpPr>
+          <p:nvPr/>
+        </p:nvCxnSpPr>
+        <p:spPr>
+          <a:xfrm>
+            <a:off x="6781800" y="3444428"/>
+            <a:ext cx="968214" cy="544884"/>
+          </a:xfrm>
+          <a:prstGeom prst="bentConnector3">
+            <a:avLst>
+              <a:gd name="adj1" fmla="val 46852"/>
+            </a:avLst>
+          </a:prstGeom>
+          <a:ln w="19050">
+            <a:solidFill>
+              <a:srgbClr val="7030A0"/>
+            </a:solidFill>
+            <a:headEnd type="none" w="med" len="med"/>
+            <a:tailEnd type="arrow" w="med" len="med"/>
+          </a:ln>
+          <a:effectLst/>
+        </p:spPr>
+        <p:style>
+          <a:lnRef idx="1">
+            <a:schemeClr val="accent2"/>
+          </a:lnRef>
+          <a:fillRef idx="2">
+            <a:schemeClr val="accent2"/>
+          </a:fillRef>
+          <a:effectRef idx="1">
+            <a:schemeClr val="accent2"/>
+          </a:effectRef>
+          <a:fontRef idx="minor">
+            <a:schemeClr val="dk1"/>
+          </a:fontRef>
+        </p:style>
+      </p:cxnSp>
+      <p:sp>
+        <p:nvSpPr>
+          <p:cNvPr id="88" name="Rectangle 8">
+            <a:extLst>
+              <a:ext uri="{FF2B5EF4-FFF2-40B4-BE49-F238E27FC236}">
+                <a16:creationId xmlns:a16="http://schemas.microsoft.com/office/drawing/2014/main" id="{A50D5261-6A3D-452B-9989-8854CBD0723F}"/>
+              </a:ext>
+            </a:extLst>
+          </p:cNvPr>
+          <p:cNvSpPr/>
+          <p:nvPr/>
+        </p:nvSpPr>
+        <p:spPr>
+          <a:xfrm>
+            <a:off x="7750014" y="4197310"/>
+            <a:ext cx="708186" cy="285783"/>
+          </a:xfrm>
+          <a:prstGeom prst="rect">
+            <a:avLst/>
+          </a:prstGeom>
+          <a:ln w="19050">
+            <a:solidFill>
+              <a:srgbClr val="7030A0"/>
+            </a:solidFill>
+          </a:ln>
+          <a:effectLst/>
+        </p:spPr>
+        <p:style>
+          <a:lnRef idx="1">
+            <a:schemeClr val="accent4"/>
+          </a:lnRef>
+          <a:fillRef idx="2">
+            <a:schemeClr val="accent4"/>
+          </a:fillRef>
+          <a:effectRef idx="1">
+            <a:schemeClr val="accent4"/>
+          </a:effectRef>
+          <a:fontRef idx="minor">
+            <a:schemeClr val="dk1"/>
+          </a:fontRef>
+        </p:style>
+        <p:txBody>
+          <a:bodyPr rtlCol="0" anchor="ctr"/>
+          <a:lstStyle/>
+          <a:p>
+            <a:pPr algn="ctr"/>
+            <a:r>
+              <a:rPr lang="en-US" sz="900" dirty="0" err="1">
+                <a:solidFill>
+                  <a:srgbClr val="7030A0"/>
+                </a:solidFill>
+              </a:rPr>
+              <a:t>CurrentConsultation</a:t>
+            </a:r>
+            <a:endParaRPr lang="en-SG" sz="900" dirty="0">
+              <a:solidFill>
+                <a:srgbClr val="7030A0"/>
+              </a:solidFill>
+            </a:endParaRPr>
+          </a:p>
+        </p:txBody>
+      </p:sp>
+      <p:cxnSp>
+        <p:nvCxnSpPr>
+          <p:cNvPr id="89" name="Elbow Connector 78">
+            <a:extLst>
+              <a:ext uri="{FF2B5EF4-FFF2-40B4-BE49-F238E27FC236}">
+                <a16:creationId xmlns:a16="http://schemas.microsoft.com/office/drawing/2014/main" id="{ADC4CDB5-46B9-475E-9498-ADB484540BAD}"/>
+              </a:ext>
+            </a:extLst>
+          </p:cNvPr>
+          <p:cNvCxnSpPr>
+            <a:cxnSpLocks/>
+            <a:stCxn id="78" idx="3"/>
+            <a:endCxn id="88" idx="1"/>
+          </p:cNvCxnSpPr>
+          <p:nvPr/>
+        </p:nvCxnSpPr>
+        <p:spPr>
+          <a:xfrm>
+            <a:off x="6747173" y="3448696"/>
+            <a:ext cx="1002841" cy="891506"/>
+          </a:xfrm>
+          <a:prstGeom prst="bentConnector3">
+            <a:avLst>
+              <a:gd name="adj1" fmla="val 50000"/>
+            </a:avLst>
+          </a:prstGeom>
+          <a:ln w="19050">
+            <a:solidFill>
+              <a:srgbClr val="7030A0"/>
+            </a:solidFill>
+            <a:headEnd type="none" w="med" len="med"/>
+            <a:tailEnd type="arrow" w="med" len="med"/>
+          </a:ln>
+          <a:effectLst/>
+        </p:spPr>
+        <p:style>
+          <a:lnRef idx="1">
+            <a:schemeClr val="accent2"/>
+          </a:lnRef>
+          <a:fillRef idx="2">
+            <a:schemeClr val="accent2"/>
+          </a:fillRef>
+          <a:effectRef idx="1">
+            <a:schemeClr val="accent2"/>
+          </a:effectRef>
+          <a:fontRef idx="minor">
+            <a:schemeClr val="dk1"/>
+          </a:fontRef>
+        </p:style>
+      </p:cxnSp>
+      <p:sp>
+        <p:nvSpPr>
+          <p:cNvPr id="90" name="Rectangle 8">
+            <a:extLst>
+              <a:ext uri="{FF2B5EF4-FFF2-40B4-BE49-F238E27FC236}">
+                <a16:creationId xmlns:a16="http://schemas.microsoft.com/office/drawing/2014/main" id="{CF049C44-8A77-4D11-97B0-2E390213424C}"/>
+              </a:ext>
+            </a:extLst>
+          </p:cNvPr>
+          <p:cNvSpPr/>
+          <p:nvPr/>
+        </p:nvSpPr>
+        <p:spPr>
+          <a:xfrm>
+            <a:off x="4345900" y="1830967"/>
+            <a:ext cx="1156969" cy="346760"/>
+          </a:xfrm>
+          <a:prstGeom prst="rect">
+            <a:avLst/>
+          </a:prstGeom>
+          <a:ln w="19050">
+            <a:solidFill>
+              <a:srgbClr val="7030A0"/>
+            </a:solidFill>
+          </a:ln>
+          <a:effectLst/>
+        </p:spPr>
+        <p:style>
+          <a:lnRef idx="1">
+            <a:schemeClr val="accent4"/>
+          </a:lnRef>
+          <a:fillRef idx="2">
+            <a:schemeClr val="accent4"/>
+          </a:fillRef>
+          <a:effectRef idx="1">
+            <a:schemeClr val="accent4"/>
+          </a:effectRef>
+          <a:fontRef idx="minor">
+            <a:schemeClr val="dk1"/>
+          </a:fontRef>
+        </p:style>
+        <p:txBody>
+          <a:bodyPr rtlCol="0" anchor="ctr"/>
+          <a:lstStyle/>
+          <a:p>
+            <a:pPr algn="ctr"/>
+            <a:r>
+              <a:rPr lang="en-US" sz="1050" dirty="0" err="1">
+                <a:solidFill>
+                  <a:srgbClr val="7030A0"/>
+                </a:solidFill>
+              </a:rPr>
+              <a:t>DoctorList</a:t>
+            </a:r>
+            <a:endParaRPr lang="en-SG" sz="1050" dirty="0">
+              <a:solidFill>
+                <a:srgbClr val="7030A0"/>
+              </a:solidFill>
+            </a:endParaRPr>
+          </a:p>
+        </p:txBody>
+      </p:sp>
+      <p:cxnSp>
+        <p:nvCxnSpPr>
+          <p:cNvPr id="91" name="Elbow Connector 78">
+            <a:extLst>
+              <a:ext uri="{FF2B5EF4-FFF2-40B4-BE49-F238E27FC236}">
+                <a16:creationId xmlns:a16="http://schemas.microsoft.com/office/drawing/2014/main" id="{C0076EFB-5E38-47FF-9E76-859DB082C3FF}"/>
+              </a:ext>
+            </a:extLst>
+          </p:cNvPr>
+          <p:cNvCxnSpPr>
+            <a:cxnSpLocks/>
+            <a:stCxn id="51" idx="3"/>
+            <a:endCxn id="90" idx="1"/>
+          </p:cNvCxnSpPr>
+          <p:nvPr/>
+        </p:nvCxnSpPr>
+        <p:spPr>
+          <a:xfrm flipV="1">
+            <a:off x="3964058" y="2004347"/>
+            <a:ext cx="381842" cy="907829"/>
+          </a:xfrm>
+          <a:prstGeom prst="bentConnector3">
+            <a:avLst>
+              <a:gd name="adj1" fmla="val 10088"/>
+            </a:avLst>
+          </a:prstGeom>
+          <a:ln w="19050">
+            <a:solidFill>
+              <a:srgbClr val="7030A0"/>
+            </a:solidFill>
+            <a:headEnd type="none" w="med" len="med"/>
+            <a:tailEnd type="arrow" w="med" len="med"/>
+          </a:ln>
+          <a:effectLst/>
+        </p:spPr>
+        <p:style>
+          <a:lnRef idx="1">
+            <a:schemeClr val="accent2"/>
+          </a:lnRef>
+          <a:fillRef idx="2">
+            <a:schemeClr val="accent2"/>
+          </a:fillRef>
+          <a:effectRef idx="1">
+            <a:schemeClr val="accent2"/>
+          </a:effectRef>
+          <a:fontRef idx="minor">
+            <a:schemeClr val="dk1"/>
+          </a:fontRef>
+        </p:style>
+      </p:cxnSp>
+      <p:sp>
+        <p:nvSpPr>
+          <p:cNvPr id="92" name="Rectangle 8">
+            <a:extLst>
+              <a:ext uri="{FF2B5EF4-FFF2-40B4-BE49-F238E27FC236}">
+                <a16:creationId xmlns:a16="http://schemas.microsoft.com/office/drawing/2014/main" id="{DF2F1BAF-18CA-4356-A752-C3CDB5480F3F}"/>
+              </a:ext>
+            </a:extLst>
+          </p:cNvPr>
+          <p:cNvSpPr/>
+          <p:nvPr/>
+        </p:nvSpPr>
+        <p:spPr>
+          <a:xfrm>
+            <a:off x="4372178" y="1381059"/>
+            <a:ext cx="1098160" cy="346760"/>
+          </a:xfrm>
+          <a:prstGeom prst="rect">
+            <a:avLst/>
+          </a:prstGeom>
+          <a:ln w="19050">
+            <a:solidFill>
+              <a:srgbClr val="7030A0"/>
+            </a:solidFill>
+          </a:ln>
+          <a:effectLst/>
+        </p:spPr>
+        <p:style>
+          <a:lnRef idx="1">
+            <a:schemeClr val="accent4"/>
+          </a:lnRef>
+          <a:fillRef idx="2">
+            <a:schemeClr val="accent4"/>
+          </a:fillRef>
+          <a:effectRef idx="1">
+            <a:schemeClr val="accent4"/>
+          </a:effectRef>
+          <a:fontRef idx="minor">
+            <a:schemeClr val="dk1"/>
+          </a:fontRef>
+        </p:style>
+        <p:txBody>
+          <a:bodyPr rtlCol="0" anchor="ctr"/>
+          <a:lstStyle/>
+          <a:p>
+            <a:pPr algn="ctr"/>
+            <a:r>
+              <a:rPr lang="en-US" sz="1050" dirty="0" err="1">
+                <a:solidFill>
+                  <a:srgbClr val="7030A0"/>
+                </a:solidFill>
+              </a:rPr>
+              <a:t>AppointmentList</a:t>
+            </a:r>
+            <a:endParaRPr lang="en-SG" sz="1050" dirty="0">
+              <a:solidFill>
+                <a:srgbClr val="7030A0"/>
+              </a:solidFill>
+            </a:endParaRPr>
+          </a:p>
+        </p:txBody>
+      </p:sp>
+      <p:sp>
+        <p:nvSpPr>
+          <p:cNvPr id="95" name="Rectangle 8">
+            <a:extLst>
+              <a:ext uri="{FF2B5EF4-FFF2-40B4-BE49-F238E27FC236}">
+                <a16:creationId xmlns:a16="http://schemas.microsoft.com/office/drawing/2014/main" id="{D070B5E1-055C-4F09-9D7E-37F1C44F2D53}"/>
+              </a:ext>
+            </a:extLst>
+          </p:cNvPr>
+          <p:cNvSpPr/>
+          <p:nvPr/>
+        </p:nvSpPr>
+        <p:spPr>
+          <a:xfrm>
+            <a:off x="2218867" y="3548029"/>
+            <a:ext cx="1167666" cy="331844"/>
+          </a:xfrm>
+          <a:prstGeom prst="rect">
+            <a:avLst/>
+          </a:prstGeom>
+          <a:ln w="19050">
+            <a:solidFill>
+              <a:srgbClr val="7030A0"/>
+            </a:solidFill>
+          </a:ln>
+          <a:effectLst/>
+        </p:spPr>
+        <p:style>
+          <a:lnRef idx="1">
+            <a:schemeClr val="accent4"/>
+          </a:lnRef>
+          <a:fillRef idx="2">
+            <a:schemeClr val="accent4"/>
+          </a:fillRef>
+          <a:effectRef idx="1">
+            <a:schemeClr val="accent4"/>
+          </a:effectRef>
+          <a:fontRef idx="minor">
+            <a:schemeClr val="dk1"/>
+          </a:fontRef>
+        </p:style>
+        <p:txBody>
+          <a:bodyPr rtlCol="0" anchor="ctr"/>
+          <a:lstStyle/>
+          <a:p>
+            <a:pPr algn="ctr"/>
+            <a:r>
+              <a:rPr lang="en-US" sz="1050" dirty="0" err="1">
+                <a:solidFill>
+                  <a:srgbClr val="7030A0"/>
+                </a:solidFill>
+              </a:rPr>
+              <a:t>PreferenceQueue</a:t>
+            </a:r>
+            <a:endParaRPr lang="en-SG" sz="1050" dirty="0">
+              <a:solidFill>
+                <a:srgbClr val="7030A0"/>
+              </a:solidFill>
+            </a:endParaRPr>
+          </a:p>
+        </p:txBody>
+      </p:sp>
+      <p:sp>
+        <p:nvSpPr>
+          <p:cNvPr id="98" name="Flowchart: Decision 96">
+            <a:extLst>
+              <a:ext uri="{FF2B5EF4-FFF2-40B4-BE49-F238E27FC236}">
+                <a16:creationId xmlns:a16="http://schemas.microsoft.com/office/drawing/2014/main" id="{310DE8E7-55AA-41C6-B738-5E853DAC49BD}"/>
+              </a:ext>
+            </a:extLst>
+          </p:cNvPr>
+          <p:cNvSpPr/>
+          <p:nvPr/>
+        </p:nvSpPr>
+        <p:spPr>
+          <a:xfrm>
+            <a:off x="3382190" y="3650314"/>
+            <a:ext cx="236048" cy="173380"/>
+          </a:xfrm>
+          <a:prstGeom prst="flowChartDecision">
+            <a:avLst/>
+          </a:prstGeom>
+          <a:noFill/>
           <a:ln w="19050">
             <a:solidFill>
               <a:srgbClr val="7030A0"/>
@@ -4970,1051 +5965,6 @@
           <a:lstStyle/>
           <a:p>
             <a:pPr algn="ctr"/>
-            <a:endParaRPr lang="en-SG" sz="1050"/>
-          </a:p>
-        </p:txBody>
-      </p:sp>
-      <p:cxnSp>
-        <p:nvCxnSpPr>
-          <p:cNvPr id="69" name="Elbow Connector 63"/>
-          <p:cNvCxnSpPr>
-            <a:stCxn id="68" idx="3"/>
-            <a:endCxn id="55" idx="1"/>
-          </p:cNvCxnSpPr>
-          <p:nvPr/>
-        </p:nvCxnSpPr>
-        <p:spPr>
-          <a:xfrm>
-            <a:off x="2297893" y="2177727"/>
-            <a:ext cx="271892" cy="2821"/>
-          </a:xfrm>
-          <a:prstGeom prst="bentConnector3">
-            <a:avLst>
-              <a:gd name="adj1" fmla="val 50000"/>
-            </a:avLst>
-          </a:prstGeom>
-          <a:ln w="19050">
-            <a:solidFill>
-              <a:srgbClr val="7030A0"/>
-            </a:solidFill>
-            <a:prstDash val="sysDot"/>
-            <a:headEnd type="none" w="med" len="med"/>
-            <a:tailEnd type="none" w="med" len="med"/>
-          </a:ln>
-          <a:effectLst/>
-        </p:spPr>
-        <p:style>
-          <a:lnRef idx="1">
-            <a:schemeClr val="accent2"/>
-          </a:lnRef>
-          <a:fillRef idx="2">
-            <a:schemeClr val="accent2"/>
-          </a:fillRef>
-          <a:effectRef idx="1">
-            <a:schemeClr val="accent2"/>
-          </a:effectRef>
-          <a:fontRef idx="minor">
-            <a:schemeClr val="dk1"/>
-          </a:fontRef>
-        </p:style>
-      </p:cxnSp>
-      <p:sp>
-        <p:nvSpPr>
-          <p:cNvPr id="56" name="Rectangle 8">
-            <a:extLst>
-              <a:ext uri="{FF2B5EF4-FFF2-40B4-BE49-F238E27FC236}">
-                <a16:creationId xmlns:a16="http://schemas.microsoft.com/office/drawing/2014/main" id="{FF07C0CC-42CF-4643-803B-3DEDA71CF3F3}"/>
-              </a:ext>
-            </a:extLst>
-          </p:cNvPr>
-          <p:cNvSpPr/>
-          <p:nvPr/>
-        </p:nvSpPr>
-        <p:spPr>
-          <a:xfrm>
-            <a:off x="7750014" y="1912117"/>
-            <a:ext cx="708186" cy="285783"/>
-          </a:xfrm>
-          <a:prstGeom prst="rect">
-            <a:avLst/>
-          </a:prstGeom>
-          <a:ln w="19050">
-            <a:solidFill>
-              <a:srgbClr val="7030A0"/>
-            </a:solidFill>
-          </a:ln>
-          <a:effectLst/>
-        </p:spPr>
-        <p:style>
-          <a:lnRef idx="1">
-            <a:schemeClr val="accent4"/>
-          </a:lnRef>
-          <a:fillRef idx="2">
-            <a:schemeClr val="accent4"/>
-          </a:fillRef>
-          <a:effectRef idx="1">
-            <a:schemeClr val="accent4"/>
-          </a:effectRef>
-          <a:fontRef idx="minor">
-            <a:schemeClr val="dk1"/>
-          </a:fontRef>
-        </p:style>
-        <p:txBody>
-          <a:bodyPr rtlCol="0" anchor="ctr"/>
-          <a:lstStyle/>
-          <a:p>
-            <a:pPr algn="ctr"/>
-            <a:r>
-              <a:rPr lang="en-US" sz="1050" dirty="0" err="1">
-                <a:solidFill>
-                  <a:srgbClr val="7030A0"/>
-                </a:solidFill>
-              </a:rPr>
-              <a:t>PreferredDoctor</a:t>
-            </a:r>
-            <a:endParaRPr lang="en-SG" sz="1050" dirty="0">
-              <a:solidFill>
-                <a:srgbClr val="7030A0"/>
-              </a:solidFill>
-            </a:endParaRPr>
-          </a:p>
-        </p:txBody>
-      </p:sp>
-      <p:cxnSp>
-        <p:nvCxnSpPr>
-          <p:cNvPr id="57" name="Elbow Connector 78">
-            <a:extLst>
-              <a:ext uri="{FF2B5EF4-FFF2-40B4-BE49-F238E27FC236}">
-                <a16:creationId xmlns:a16="http://schemas.microsoft.com/office/drawing/2014/main" id="{0A7A1EE4-9BF5-406D-B754-29B42C47F8DE}"/>
-              </a:ext>
-            </a:extLst>
-          </p:cNvPr>
-          <p:cNvCxnSpPr>
-            <a:cxnSpLocks/>
-            <a:stCxn id="78" idx="3"/>
-            <a:endCxn id="56" idx="1"/>
-          </p:cNvCxnSpPr>
-          <p:nvPr/>
-        </p:nvCxnSpPr>
-        <p:spPr>
-          <a:xfrm flipV="1">
-            <a:off x="6747173" y="2055009"/>
-            <a:ext cx="1002841" cy="1393687"/>
-          </a:xfrm>
-          <a:prstGeom prst="bentConnector3">
-            <a:avLst>
-              <a:gd name="adj1" fmla="val 50000"/>
-            </a:avLst>
-          </a:prstGeom>
-          <a:ln w="19050">
-            <a:solidFill>
-              <a:srgbClr val="7030A0"/>
-            </a:solidFill>
-            <a:headEnd type="none" w="med" len="med"/>
-            <a:tailEnd type="arrow" w="med" len="med"/>
-          </a:ln>
-          <a:effectLst/>
-        </p:spPr>
-        <p:style>
-          <a:lnRef idx="1">
-            <a:schemeClr val="accent2"/>
-          </a:lnRef>
-          <a:fillRef idx="2">
-            <a:schemeClr val="accent2"/>
-          </a:fillRef>
-          <a:effectRef idx="1">
-            <a:schemeClr val="accent2"/>
-          </a:effectRef>
-          <a:fontRef idx="minor">
-            <a:schemeClr val="dk1"/>
-          </a:fontRef>
-        </p:style>
-      </p:cxnSp>
-      <p:sp>
-        <p:nvSpPr>
-          <p:cNvPr id="59" name="TextBox 58">
-            <a:extLst>
-              <a:ext uri="{FF2B5EF4-FFF2-40B4-BE49-F238E27FC236}">
-                <a16:creationId xmlns:a16="http://schemas.microsoft.com/office/drawing/2014/main" id="{026DB8B8-6818-485E-A9E6-4A5773D3EFD2}"/>
-              </a:ext>
-            </a:extLst>
-          </p:cNvPr>
-          <p:cNvSpPr txBox="1"/>
-          <p:nvPr/>
-        </p:nvSpPr>
-        <p:spPr>
-          <a:xfrm>
-            <a:off x="7490151" y="1936129"/>
-            <a:ext cx="189257" cy="178683"/>
-          </a:xfrm>
-          <a:prstGeom prst="rect">
-            <a:avLst/>
-          </a:prstGeom>
-          <a:noFill/>
-        </p:spPr>
-        <p:txBody>
-          <a:bodyPr wrap="square" lIns="0" tIns="0" rIns="0" bIns="0" rtlCol="0">
-            <a:noAutofit/>
-          </a:bodyPr>
-          <a:lstStyle/>
-          <a:p>
-            <a:pPr algn="ctr"/>
-            <a:r>
-              <a:rPr lang="en-US" sz="1100" dirty="0">
-                <a:solidFill>
-                  <a:srgbClr val="7030A0"/>
-                </a:solidFill>
-              </a:rPr>
-              <a:t>*</a:t>
-            </a:r>
-            <a:endParaRPr lang="en-SG" sz="1100" dirty="0">
-              <a:solidFill>
-                <a:srgbClr val="7030A0"/>
-              </a:solidFill>
-            </a:endParaRPr>
-          </a:p>
-        </p:txBody>
-      </p:sp>
-      <p:sp>
-        <p:nvSpPr>
-          <p:cNvPr id="67" name="Rectangle 8">
-            <a:extLst>
-              <a:ext uri="{FF2B5EF4-FFF2-40B4-BE49-F238E27FC236}">
-                <a16:creationId xmlns:a16="http://schemas.microsoft.com/office/drawing/2014/main" id="{B5ADD2CD-2458-4114-BB55-CAF169974354}"/>
-              </a:ext>
-            </a:extLst>
-          </p:cNvPr>
-          <p:cNvSpPr/>
-          <p:nvPr/>
-        </p:nvSpPr>
-        <p:spPr>
-          <a:xfrm>
-            <a:off x="7750014" y="1576696"/>
-            <a:ext cx="708186" cy="285783"/>
-          </a:xfrm>
-          <a:prstGeom prst="rect">
-            <a:avLst/>
-          </a:prstGeom>
-          <a:ln w="19050">
-            <a:solidFill>
-              <a:srgbClr val="7030A0"/>
-            </a:solidFill>
-          </a:ln>
-          <a:effectLst/>
-        </p:spPr>
-        <p:style>
-          <a:lnRef idx="1">
-            <a:schemeClr val="accent4"/>
-          </a:lnRef>
-          <a:fillRef idx="2">
-            <a:schemeClr val="accent4"/>
-          </a:fillRef>
-          <a:effectRef idx="1">
-            <a:schemeClr val="accent4"/>
-          </a:effectRef>
-          <a:fontRef idx="minor">
-            <a:schemeClr val="dk1"/>
-          </a:fontRef>
-        </p:style>
-        <p:txBody>
-          <a:bodyPr rtlCol="0" anchor="ctr"/>
-          <a:lstStyle/>
-          <a:p>
-            <a:pPr algn="ctr"/>
-            <a:r>
-              <a:rPr lang="en-US" sz="1050" dirty="0" err="1">
-                <a:solidFill>
-                  <a:srgbClr val="7030A0"/>
-                </a:solidFill>
-              </a:rPr>
-              <a:t>EmailAddress</a:t>
-            </a:r>
-            <a:endParaRPr lang="en-SG" sz="1050" dirty="0">
-              <a:solidFill>
-                <a:srgbClr val="7030A0"/>
-              </a:solidFill>
-            </a:endParaRPr>
-          </a:p>
-        </p:txBody>
-      </p:sp>
-      <p:cxnSp>
-        <p:nvCxnSpPr>
-          <p:cNvPr id="71" name="Elbow Connector 78">
-            <a:extLst>
-              <a:ext uri="{FF2B5EF4-FFF2-40B4-BE49-F238E27FC236}">
-                <a16:creationId xmlns:a16="http://schemas.microsoft.com/office/drawing/2014/main" id="{123116FF-12EB-43C3-9B2B-2F375F663582}"/>
-              </a:ext>
-            </a:extLst>
-          </p:cNvPr>
-          <p:cNvCxnSpPr>
-            <a:cxnSpLocks/>
-            <a:stCxn id="78" idx="3"/>
-            <a:endCxn id="67" idx="1"/>
-          </p:cNvCxnSpPr>
-          <p:nvPr/>
-        </p:nvCxnSpPr>
-        <p:spPr>
-          <a:xfrm flipV="1">
-            <a:off x="6747173" y="1719588"/>
-            <a:ext cx="1002841" cy="1729108"/>
-          </a:xfrm>
-          <a:prstGeom prst="bentConnector3">
-            <a:avLst>
-              <a:gd name="adj1" fmla="val 50000"/>
-            </a:avLst>
-          </a:prstGeom>
-          <a:ln w="19050">
-            <a:solidFill>
-              <a:srgbClr val="7030A0"/>
-            </a:solidFill>
-            <a:headEnd type="none" w="med" len="med"/>
-            <a:tailEnd type="arrow" w="med" len="med"/>
-          </a:ln>
-          <a:effectLst/>
-        </p:spPr>
-        <p:style>
-          <a:lnRef idx="1">
-            <a:schemeClr val="accent2"/>
-          </a:lnRef>
-          <a:fillRef idx="2">
-            <a:schemeClr val="accent2"/>
-          </a:fillRef>
-          <a:effectRef idx="1">
-            <a:schemeClr val="accent2"/>
-          </a:effectRef>
-          <a:fontRef idx="minor">
-            <a:schemeClr val="dk1"/>
-          </a:fontRef>
-        </p:style>
-      </p:cxnSp>
-      <p:sp>
-        <p:nvSpPr>
-          <p:cNvPr id="72" name="Rectangle 8">
-            <a:extLst>
-              <a:ext uri="{FF2B5EF4-FFF2-40B4-BE49-F238E27FC236}">
-                <a16:creationId xmlns:a16="http://schemas.microsoft.com/office/drawing/2014/main" id="{7A53DF52-4274-426A-99B4-0388C2F509E0}"/>
-              </a:ext>
-            </a:extLst>
-          </p:cNvPr>
-          <p:cNvSpPr/>
-          <p:nvPr/>
-        </p:nvSpPr>
-        <p:spPr>
-          <a:xfrm>
-            <a:off x="7739835" y="1228381"/>
-            <a:ext cx="708186" cy="285783"/>
-          </a:xfrm>
-          <a:prstGeom prst="rect">
-            <a:avLst/>
-          </a:prstGeom>
-          <a:ln w="19050">
-            <a:solidFill>
-              <a:srgbClr val="7030A0"/>
-            </a:solidFill>
-          </a:ln>
-          <a:effectLst/>
-        </p:spPr>
-        <p:style>
-          <a:lnRef idx="1">
-            <a:schemeClr val="accent4"/>
-          </a:lnRef>
-          <a:fillRef idx="2">
-            <a:schemeClr val="accent4"/>
-          </a:fillRef>
-          <a:effectRef idx="1">
-            <a:schemeClr val="accent4"/>
-          </a:effectRef>
-          <a:fontRef idx="minor">
-            <a:schemeClr val="dk1"/>
-          </a:fontRef>
-        </p:style>
-        <p:txBody>
-          <a:bodyPr rtlCol="0" anchor="ctr"/>
-          <a:lstStyle/>
-          <a:p>
-            <a:pPr algn="ctr"/>
-            <a:r>
-              <a:rPr lang="en-US" sz="1050" dirty="0" err="1">
-                <a:solidFill>
-                  <a:srgbClr val="7030A0"/>
-                </a:solidFill>
-              </a:rPr>
-              <a:t>Nric</a:t>
-            </a:r>
-            <a:endParaRPr lang="en-SG" sz="1050" dirty="0">
-              <a:solidFill>
-                <a:srgbClr val="7030A0"/>
-              </a:solidFill>
-            </a:endParaRPr>
-          </a:p>
-        </p:txBody>
-      </p:sp>
-      <p:cxnSp>
-        <p:nvCxnSpPr>
-          <p:cNvPr id="73" name="Elbow Connector 78">
-            <a:extLst>
-              <a:ext uri="{FF2B5EF4-FFF2-40B4-BE49-F238E27FC236}">
-                <a16:creationId xmlns:a16="http://schemas.microsoft.com/office/drawing/2014/main" id="{01151243-C770-48E5-99E8-1778530E84DB}"/>
-              </a:ext>
-            </a:extLst>
-          </p:cNvPr>
-          <p:cNvCxnSpPr>
-            <a:cxnSpLocks/>
-            <a:stCxn id="78" idx="3"/>
-            <a:endCxn id="72" idx="1"/>
-          </p:cNvCxnSpPr>
-          <p:nvPr/>
-        </p:nvCxnSpPr>
-        <p:spPr>
-          <a:xfrm flipV="1">
-            <a:off x="6747173" y="1371273"/>
-            <a:ext cx="992662" cy="2077423"/>
-          </a:xfrm>
-          <a:prstGeom prst="bentConnector3">
-            <a:avLst>
-              <a:gd name="adj1" fmla="val 50000"/>
-            </a:avLst>
-          </a:prstGeom>
-          <a:ln w="19050">
-            <a:solidFill>
-              <a:srgbClr val="7030A0"/>
-            </a:solidFill>
-            <a:headEnd type="none" w="med" len="med"/>
-            <a:tailEnd type="arrow" w="med" len="med"/>
-          </a:ln>
-          <a:effectLst/>
-        </p:spPr>
-        <p:style>
-          <a:lnRef idx="1">
-            <a:schemeClr val="accent2"/>
-          </a:lnRef>
-          <a:fillRef idx="2">
-            <a:schemeClr val="accent2"/>
-          </a:fillRef>
-          <a:effectRef idx="1">
-            <a:schemeClr val="accent2"/>
-          </a:effectRef>
-          <a:fontRef idx="minor">
-            <a:schemeClr val="dk1"/>
-          </a:fontRef>
-        </p:style>
-      </p:cxnSp>
-      <p:sp>
-        <p:nvSpPr>
-          <p:cNvPr id="74" name="Rectangle 8">
-            <a:extLst>
-              <a:ext uri="{FF2B5EF4-FFF2-40B4-BE49-F238E27FC236}">
-                <a16:creationId xmlns:a16="http://schemas.microsoft.com/office/drawing/2014/main" id="{BFE74F2F-378A-4CFC-9F9B-5988C547A492}"/>
-              </a:ext>
-            </a:extLst>
-          </p:cNvPr>
-          <p:cNvSpPr/>
-          <p:nvPr/>
-        </p:nvSpPr>
-        <p:spPr>
-          <a:xfrm>
-            <a:off x="7744357" y="888608"/>
-            <a:ext cx="708186" cy="285783"/>
-          </a:xfrm>
-          <a:prstGeom prst="rect">
-            <a:avLst/>
-          </a:prstGeom>
-          <a:ln w="19050">
-            <a:solidFill>
-              <a:srgbClr val="7030A0"/>
-            </a:solidFill>
-          </a:ln>
-          <a:effectLst/>
-        </p:spPr>
-        <p:style>
-          <a:lnRef idx="1">
-            <a:schemeClr val="accent4"/>
-          </a:lnRef>
-          <a:fillRef idx="2">
-            <a:schemeClr val="accent4"/>
-          </a:fillRef>
-          <a:effectRef idx="1">
-            <a:schemeClr val="accent4"/>
-          </a:effectRef>
-          <a:fontRef idx="minor">
-            <a:schemeClr val="dk1"/>
-          </a:fontRef>
-        </p:style>
-        <p:txBody>
-          <a:bodyPr rtlCol="0" anchor="ctr"/>
-          <a:lstStyle/>
-          <a:p>
-            <a:pPr algn="ctr"/>
-            <a:r>
-              <a:rPr lang="en-US" sz="1050" dirty="0" err="1">
-                <a:solidFill>
-                  <a:srgbClr val="7030A0"/>
-                </a:solidFill>
-              </a:rPr>
-              <a:t>MedicalHistory</a:t>
-            </a:r>
-            <a:endParaRPr lang="en-SG" sz="1050" dirty="0">
-              <a:solidFill>
-                <a:srgbClr val="7030A0"/>
-              </a:solidFill>
-            </a:endParaRPr>
-          </a:p>
-        </p:txBody>
-      </p:sp>
-      <p:cxnSp>
-        <p:nvCxnSpPr>
-          <p:cNvPr id="77" name="Elbow Connector 78">
-            <a:extLst>
-              <a:ext uri="{FF2B5EF4-FFF2-40B4-BE49-F238E27FC236}">
-                <a16:creationId xmlns:a16="http://schemas.microsoft.com/office/drawing/2014/main" id="{7BA0281A-AE19-4619-9D79-A4D3B0866265}"/>
-              </a:ext>
-            </a:extLst>
-          </p:cNvPr>
-          <p:cNvCxnSpPr>
-            <a:cxnSpLocks/>
-          </p:cNvCxnSpPr>
-          <p:nvPr/>
-        </p:nvCxnSpPr>
-        <p:spPr>
-          <a:xfrm rot="5400000" flipH="1" flipV="1">
-            <a:off x="6303262" y="1954600"/>
-            <a:ext cx="2375731" cy="529538"/>
-          </a:xfrm>
-          <a:prstGeom prst="bentConnector3">
-            <a:avLst>
-              <a:gd name="adj1" fmla="val 100036"/>
-            </a:avLst>
-          </a:prstGeom>
-          <a:ln w="19050">
-            <a:solidFill>
-              <a:srgbClr val="7030A0"/>
-            </a:solidFill>
-            <a:headEnd type="none" w="med" len="med"/>
-            <a:tailEnd type="arrow" w="med" len="med"/>
-          </a:ln>
-          <a:effectLst/>
-        </p:spPr>
-        <p:style>
-          <a:lnRef idx="1">
-            <a:schemeClr val="accent2"/>
-          </a:lnRef>
-          <a:fillRef idx="2">
-            <a:schemeClr val="accent2"/>
-          </a:fillRef>
-          <a:effectRef idx="1">
-            <a:schemeClr val="accent2"/>
-          </a:effectRef>
-          <a:fontRef idx="minor">
-            <a:schemeClr val="dk1"/>
-          </a:fontRef>
-        </p:style>
-      </p:cxnSp>
-      <p:sp>
-        <p:nvSpPr>
-          <p:cNvPr id="82" name="Rectangle 8">
-            <a:extLst>
-              <a:ext uri="{FF2B5EF4-FFF2-40B4-BE49-F238E27FC236}">
-                <a16:creationId xmlns:a16="http://schemas.microsoft.com/office/drawing/2014/main" id="{D57B38DC-5A09-49BD-A8B1-CA7494717FEB}"/>
-              </a:ext>
-            </a:extLst>
-          </p:cNvPr>
-          <p:cNvSpPr/>
-          <p:nvPr/>
-        </p:nvSpPr>
-        <p:spPr>
-          <a:xfrm>
-            <a:off x="7750014" y="3846420"/>
-            <a:ext cx="708186" cy="285783"/>
-          </a:xfrm>
-          <a:prstGeom prst="rect">
-            <a:avLst/>
-          </a:prstGeom>
-          <a:ln w="19050">
-            <a:solidFill>
-              <a:srgbClr val="7030A0"/>
-            </a:solidFill>
-          </a:ln>
-          <a:effectLst/>
-        </p:spPr>
-        <p:style>
-          <a:lnRef idx="1">
-            <a:schemeClr val="accent4"/>
-          </a:lnRef>
-          <a:fillRef idx="2">
-            <a:schemeClr val="accent4"/>
-          </a:fillRef>
-          <a:effectRef idx="1">
-            <a:schemeClr val="accent4"/>
-          </a:effectRef>
-          <a:fontRef idx="minor">
-            <a:schemeClr val="dk1"/>
-          </a:fontRef>
-        </p:style>
-        <p:txBody>
-          <a:bodyPr rtlCol="0" anchor="ctr"/>
-          <a:lstStyle/>
-          <a:p>
-            <a:pPr algn="ctr"/>
-            <a:r>
-              <a:rPr lang="en-US" sz="1000" dirty="0" err="1">
-                <a:solidFill>
-                  <a:srgbClr val="7030A0"/>
-                </a:solidFill>
-              </a:rPr>
-              <a:t>ConsultationHistory</a:t>
-            </a:r>
-            <a:endParaRPr lang="en-SG" sz="1050" dirty="0">
-              <a:solidFill>
-                <a:srgbClr val="7030A0"/>
-              </a:solidFill>
-            </a:endParaRPr>
-          </a:p>
-        </p:txBody>
-      </p:sp>
-      <p:cxnSp>
-        <p:nvCxnSpPr>
-          <p:cNvPr id="87" name="Elbow Connector 78">
-            <a:extLst>
-              <a:ext uri="{FF2B5EF4-FFF2-40B4-BE49-F238E27FC236}">
-                <a16:creationId xmlns:a16="http://schemas.microsoft.com/office/drawing/2014/main" id="{A27CEC2D-FC48-4C0F-A22A-5E64B41E3074}"/>
-              </a:ext>
-            </a:extLst>
-          </p:cNvPr>
-          <p:cNvCxnSpPr>
-            <a:cxnSpLocks/>
-            <a:endCxn id="82" idx="1"/>
-          </p:cNvCxnSpPr>
-          <p:nvPr/>
-        </p:nvCxnSpPr>
-        <p:spPr>
-          <a:xfrm>
-            <a:off x="6781800" y="3444428"/>
-            <a:ext cx="968214" cy="544884"/>
-          </a:xfrm>
-          <a:prstGeom prst="bentConnector3">
-            <a:avLst>
-              <a:gd name="adj1" fmla="val 46852"/>
-            </a:avLst>
-          </a:prstGeom>
-          <a:ln w="19050">
-            <a:solidFill>
-              <a:srgbClr val="7030A0"/>
-            </a:solidFill>
-            <a:headEnd type="none" w="med" len="med"/>
-            <a:tailEnd type="arrow" w="med" len="med"/>
-          </a:ln>
-          <a:effectLst/>
-        </p:spPr>
-        <p:style>
-          <a:lnRef idx="1">
-            <a:schemeClr val="accent2"/>
-          </a:lnRef>
-          <a:fillRef idx="2">
-            <a:schemeClr val="accent2"/>
-          </a:fillRef>
-          <a:effectRef idx="1">
-            <a:schemeClr val="accent2"/>
-          </a:effectRef>
-          <a:fontRef idx="minor">
-            <a:schemeClr val="dk1"/>
-          </a:fontRef>
-        </p:style>
-      </p:cxnSp>
-      <p:sp>
-        <p:nvSpPr>
-          <p:cNvPr id="88" name="Rectangle 8">
-            <a:extLst>
-              <a:ext uri="{FF2B5EF4-FFF2-40B4-BE49-F238E27FC236}">
-                <a16:creationId xmlns:a16="http://schemas.microsoft.com/office/drawing/2014/main" id="{A50D5261-6A3D-452B-9989-8854CBD0723F}"/>
-              </a:ext>
-            </a:extLst>
-          </p:cNvPr>
-          <p:cNvSpPr/>
-          <p:nvPr/>
-        </p:nvSpPr>
-        <p:spPr>
-          <a:xfrm>
-            <a:off x="7750014" y="4197310"/>
-            <a:ext cx="708186" cy="285783"/>
-          </a:xfrm>
-          <a:prstGeom prst="rect">
-            <a:avLst/>
-          </a:prstGeom>
-          <a:ln w="19050">
-            <a:solidFill>
-              <a:srgbClr val="7030A0"/>
-            </a:solidFill>
-          </a:ln>
-          <a:effectLst/>
-        </p:spPr>
-        <p:style>
-          <a:lnRef idx="1">
-            <a:schemeClr val="accent4"/>
-          </a:lnRef>
-          <a:fillRef idx="2">
-            <a:schemeClr val="accent4"/>
-          </a:fillRef>
-          <a:effectRef idx="1">
-            <a:schemeClr val="accent4"/>
-          </a:effectRef>
-          <a:fontRef idx="minor">
-            <a:schemeClr val="dk1"/>
-          </a:fontRef>
-        </p:style>
-        <p:txBody>
-          <a:bodyPr rtlCol="0" anchor="ctr"/>
-          <a:lstStyle/>
-          <a:p>
-            <a:pPr algn="ctr"/>
-            <a:r>
-              <a:rPr lang="en-US" sz="900" dirty="0" err="1">
-                <a:solidFill>
-                  <a:srgbClr val="7030A0"/>
-                </a:solidFill>
-              </a:rPr>
-              <a:t>CurrentConsultation</a:t>
-            </a:r>
-            <a:endParaRPr lang="en-SG" sz="900" dirty="0">
-              <a:solidFill>
-                <a:srgbClr val="7030A0"/>
-              </a:solidFill>
-            </a:endParaRPr>
-          </a:p>
-        </p:txBody>
-      </p:sp>
-      <p:cxnSp>
-        <p:nvCxnSpPr>
-          <p:cNvPr id="89" name="Elbow Connector 78">
-            <a:extLst>
-              <a:ext uri="{FF2B5EF4-FFF2-40B4-BE49-F238E27FC236}">
-                <a16:creationId xmlns:a16="http://schemas.microsoft.com/office/drawing/2014/main" id="{ADC4CDB5-46B9-475E-9498-ADB484540BAD}"/>
-              </a:ext>
-            </a:extLst>
-          </p:cNvPr>
-          <p:cNvCxnSpPr>
-            <a:cxnSpLocks/>
-            <a:stCxn id="78" idx="3"/>
-            <a:endCxn id="88" idx="1"/>
-          </p:cNvCxnSpPr>
-          <p:nvPr/>
-        </p:nvCxnSpPr>
-        <p:spPr>
-          <a:xfrm>
-            <a:off x="6747173" y="3448696"/>
-            <a:ext cx="1002841" cy="891506"/>
-          </a:xfrm>
-          <a:prstGeom prst="bentConnector3">
-            <a:avLst>
-              <a:gd name="adj1" fmla="val 50000"/>
-            </a:avLst>
-          </a:prstGeom>
-          <a:ln w="19050">
-            <a:solidFill>
-              <a:srgbClr val="7030A0"/>
-            </a:solidFill>
-            <a:headEnd type="none" w="med" len="med"/>
-            <a:tailEnd type="arrow" w="med" len="med"/>
-          </a:ln>
-          <a:effectLst/>
-        </p:spPr>
-        <p:style>
-          <a:lnRef idx="1">
-            <a:schemeClr val="accent2"/>
-          </a:lnRef>
-          <a:fillRef idx="2">
-            <a:schemeClr val="accent2"/>
-          </a:fillRef>
-          <a:effectRef idx="1">
-            <a:schemeClr val="accent2"/>
-          </a:effectRef>
-          <a:fontRef idx="minor">
-            <a:schemeClr val="dk1"/>
-          </a:fontRef>
-        </p:style>
-      </p:cxnSp>
-      <p:sp>
-        <p:nvSpPr>
-          <p:cNvPr id="90" name="Rectangle 8">
-            <a:extLst>
-              <a:ext uri="{FF2B5EF4-FFF2-40B4-BE49-F238E27FC236}">
-                <a16:creationId xmlns:a16="http://schemas.microsoft.com/office/drawing/2014/main" id="{CF049C44-8A77-4D11-97B0-2E390213424C}"/>
-              </a:ext>
-            </a:extLst>
-          </p:cNvPr>
-          <p:cNvSpPr/>
-          <p:nvPr/>
-        </p:nvSpPr>
-        <p:spPr>
-          <a:xfrm>
-            <a:off x="4345900" y="1830967"/>
-            <a:ext cx="1156969" cy="346760"/>
-          </a:xfrm>
-          <a:prstGeom prst="rect">
-            <a:avLst/>
-          </a:prstGeom>
-          <a:ln w="19050">
-            <a:solidFill>
-              <a:srgbClr val="7030A0"/>
-            </a:solidFill>
-          </a:ln>
-          <a:effectLst/>
-        </p:spPr>
-        <p:style>
-          <a:lnRef idx="1">
-            <a:schemeClr val="accent4"/>
-          </a:lnRef>
-          <a:fillRef idx="2">
-            <a:schemeClr val="accent4"/>
-          </a:fillRef>
-          <a:effectRef idx="1">
-            <a:schemeClr val="accent4"/>
-          </a:effectRef>
-          <a:fontRef idx="minor">
-            <a:schemeClr val="dk1"/>
-          </a:fontRef>
-        </p:style>
-        <p:txBody>
-          <a:bodyPr rtlCol="0" anchor="ctr"/>
-          <a:lstStyle/>
-          <a:p>
-            <a:pPr algn="ctr"/>
-            <a:r>
-              <a:rPr lang="en-US" sz="1050" dirty="0" err="1">
-                <a:solidFill>
-                  <a:srgbClr val="7030A0"/>
-                </a:solidFill>
-              </a:rPr>
-              <a:t>DoctorList</a:t>
-            </a:r>
-            <a:endParaRPr lang="en-SG" sz="1050" dirty="0">
-              <a:solidFill>
-                <a:srgbClr val="7030A0"/>
-              </a:solidFill>
-            </a:endParaRPr>
-          </a:p>
-        </p:txBody>
-      </p:sp>
-      <p:cxnSp>
-        <p:nvCxnSpPr>
-          <p:cNvPr id="91" name="Elbow Connector 78">
-            <a:extLst>
-              <a:ext uri="{FF2B5EF4-FFF2-40B4-BE49-F238E27FC236}">
-                <a16:creationId xmlns:a16="http://schemas.microsoft.com/office/drawing/2014/main" id="{C0076EFB-5E38-47FF-9E76-859DB082C3FF}"/>
-              </a:ext>
-            </a:extLst>
-          </p:cNvPr>
-          <p:cNvCxnSpPr>
-            <a:cxnSpLocks/>
-            <a:stCxn id="51" idx="3"/>
-            <a:endCxn id="90" idx="1"/>
-          </p:cNvCxnSpPr>
-          <p:nvPr/>
-        </p:nvCxnSpPr>
-        <p:spPr>
-          <a:xfrm flipV="1">
-            <a:off x="3964058" y="2004347"/>
-            <a:ext cx="381842" cy="907829"/>
-          </a:xfrm>
-          <a:prstGeom prst="bentConnector3">
-            <a:avLst>
-              <a:gd name="adj1" fmla="val 10088"/>
-            </a:avLst>
-          </a:prstGeom>
-          <a:ln w="19050">
-            <a:solidFill>
-              <a:srgbClr val="7030A0"/>
-            </a:solidFill>
-            <a:headEnd type="none" w="med" len="med"/>
-            <a:tailEnd type="arrow" w="med" len="med"/>
-          </a:ln>
-          <a:effectLst/>
-        </p:spPr>
-        <p:style>
-          <a:lnRef idx="1">
-            <a:schemeClr val="accent2"/>
-          </a:lnRef>
-          <a:fillRef idx="2">
-            <a:schemeClr val="accent2"/>
-          </a:fillRef>
-          <a:effectRef idx="1">
-            <a:schemeClr val="accent2"/>
-          </a:effectRef>
-          <a:fontRef idx="minor">
-            <a:schemeClr val="dk1"/>
-          </a:fontRef>
-        </p:style>
-      </p:cxnSp>
-      <p:sp>
-        <p:nvSpPr>
-          <p:cNvPr id="92" name="Rectangle 8">
-            <a:extLst>
-              <a:ext uri="{FF2B5EF4-FFF2-40B4-BE49-F238E27FC236}">
-                <a16:creationId xmlns:a16="http://schemas.microsoft.com/office/drawing/2014/main" id="{DF2F1BAF-18CA-4356-A752-C3CDB5480F3F}"/>
-              </a:ext>
-            </a:extLst>
-          </p:cNvPr>
-          <p:cNvSpPr/>
-          <p:nvPr/>
-        </p:nvSpPr>
-        <p:spPr>
-          <a:xfrm>
-            <a:off x="4372178" y="1381059"/>
-            <a:ext cx="1098160" cy="346760"/>
-          </a:xfrm>
-          <a:prstGeom prst="rect">
-            <a:avLst/>
-          </a:prstGeom>
-          <a:ln w="19050">
-            <a:solidFill>
-              <a:srgbClr val="7030A0"/>
-            </a:solidFill>
-          </a:ln>
-          <a:effectLst/>
-        </p:spPr>
-        <p:style>
-          <a:lnRef idx="1">
-            <a:schemeClr val="accent4"/>
-          </a:lnRef>
-          <a:fillRef idx="2">
-            <a:schemeClr val="accent4"/>
-          </a:fillRef>
-          <a:effectRef idx="1">
-            <a:schemeClr val="accent4"/>
-          </a:effectRef>
-          <a:fontRef idx="minor">
-            <a:schemeClr val="dk1"/>
-          </a:fontRef>
-        </p:style>
-        <p:txBody>
-          <a:bodyPr rtlCol="0" anchor="ctr"/>
-          <a:lstStyle/>
-          <a:p>
-            <a:pPr algn="ctr"/>
-            <a:r>
-              <a:rPr lang="en-US" sz="1050" dirty="0" err="1">
-                <a:solidFill>
-                  <a:srgbClr val="7030A0"/>
-                </a:solidFill>
-              </a:rPr>
-              <a:t>AppointmentList</a:t>
-            </a:r>
-            <a:endParaRPr lang="en-SG" sz="1050" dirty="0">
-              <a:solidFill>
-                <a:srgbClr val="7030A0"/>
-              </a:solidFill>
-            </a:endParaRPr>
-          </a:p>
-        </p:txBody>
-      </p:sp>
-      <p:sp>
-        <p:nvSpPr>
-          <p:cNvPr id="95" name="Rectangle 8">
-            <a:extLst>
-              <a:ext uri="{FF2B5EF4-FFF2-40B4-BE49-F238E27FC236}">
-                <a16:creationId xmlns:a16="http://schemas.microsoft.com/office/drawing/2014/main" id="{D070B5E1-055C-4F09-9D7E-37F1C44F2D53}"/>
-              </a:ext>
-            </a:extLst>
-          </p:cNvPr>
-          <p:cNvSpPr/>
-          <p:nvPr/>
-        </p:nvSpPr>
-        <p:spPr>
-          <a:xfrm>
-            <a:off x="2218867" y="3548029"/>
-            <a:ext cx="1167666" cy="331844"/>
-          </a:xfrm>
-          <a:prstGeom prst="rect">
-            <a:avLst/>
-          </a:prstGeom>
-          <a:ln w="19050">
-            <a:solidFill>
-              <a:srgbClr val="7030A0"/>
-            </a:solidFill>
-          </a:ln>
-          <a:effectLst/>
-        </p:spPr>
-        <p:style>
-          <a:lnRef idx="1">
-            <a:schemeClr val="accent4"/>
-          </a:lnRef>
-          <a:fillRef idx="2">
-            <a:schemeClr val="accent4"/>
-          </a:fillRef>
-          <a:effectRef idx="1">
-            <a:schemeClr val="accent4"/>
-          </a:effectRef>
-          <a:fontRef idx="minor">
-            <a:schemeClr val="dk1"/>
-          </a:fontRef>
-        </p:style>
-        <p:txBody>
-          <a:bodyPr rtlCol="0" anchor="ctr"/>
-          <a:lstStyle/>
-          <a:p>
-            <a:pPr algn="ctr"/>
-            <a:r>
-              <a:rPr lang="en-US" sz="1050" dirty="0" err="1">
-                <a:solidFill>
-                  <a:srgbClr val="7030A0"/>
-                </a:solidFill>
-              </a:rPr>
-              <a:t>PreferenceQueue</a:t>
-            </a:r>
-            <a:endParaRPr lang="en-SG" sz="1050" dirty="0">
-              <a:solidFill>
-                <a:srgbClr val="7030A0"/>
-              </a:solidFill>
-            </a:endParaRPr>
-          </a:p>
-        </p:txBody>
-      </p:sp>
-      <p:sp>
-        <p:nvSpPr>
-          <p:cNvPr id="98" name="Flowchart: Decision 96">
-            <a:extLst>
-              <a:ext uri="{FF2B5EF4-FFF2-40B4-BE49-F238E27FC236}">
-                <a16:creationId xmlns:a16="http://schemas.microsoft.com/office/drawing/2014/main" id="{310DE8E7-55AA-41C6-B738-5E853DAC49BD}"/>
-              </a:ext>
-            </a:extLst>
-          </p:cNvPr>
-          <p:cNvSpPr/>
-          <p:nvPr/>
-        </p:nvSpPr>
-        <p:spPr>
-          <a:xfrm>
-            <a:off x="3382190" y="3650314"/>
-            <a:ext cx="236048" cy="173380"/>
-          </a:xfrm>
-          <a:prstGeom prst="flowChartDecision">
-            <a:avLst/>
-          </a:prstGeom>
-          <a:noFill/>
-          <a:ln w="19050">
-            <a:solidFill>
-              <a:srgbClr val="7030A0"/>
-            </a:solidFill>
-          </a:ln>
-          <a:effectLst/>
-        </p:spPr>
-        <p:style>
-          <a:lnRef idx="1">
-            <a:schemeClr val="accent6"/>
-          </a:lnRef>
-          <a:fillRef idx="2">
-            <a:schemeClr val="accent6"/>
-          </a:fillRef>
-          <a:effectRef idx="1">
-            <a:schemeClr val="accent6"/>
-          </a:effectRef>
-          <a:fontRef idx="minor">
-            <a:schemeClr val="dk1"/>
-          </a:fontRef>
-        </p:style>
-        <p:txBody>
-          <a:bodyPr rtlCol="0" anchor="ctr"/>
-          <a:lstStyle/>
-          <a:p>
-            <a:pPr algn="ctr"/>
             <a:endParaRPr lang="en-US" sz="1050"/>
           </a:p>
         </p:txBody>
@@ -6156,108 +6106,6 @@
                 <a:srgbClr val="7030A0"/>
               </a:solidFill>
             </a:endParaRPr>
-          </a:p>
-        </p:txBody>
-      </p:sp>
-      <p:sp>
-        <p:nvSpPr>
-          <p:cNvPr id="108" name="Flowchart: Decision 96">
-            <a:extLst>
-              <a:ext uri="{FF2B5EF4-FFF2-40B4-BE49-F238E27FC236}">
-                <a16:creationId xmlns:a16="http://schemas.microsoft.com/office/drawing/2014/main" id="{1267D6AD-AF1F-4C12-8F2B-31724B91C4AE}"/>
-              </a:ext>
-            </a:extLst>
-          </p:cNvPr>
-          <p:cNvSpPr/>
-          <p:nvPr/>
-        </p:nvSpPr>
-        <p:spPr>
-          <a:xfrm>
-            <a:off x="1788709" y="3234586"/>
-            <a:ext cx="236048" cy="173380"/>
-          </a:xfrm>
-          <a:prstGeom prst="flowChartDecision">
-            <a:avLst/>
-          </a:prstGeom>
-          <a:noFill/>
-          <a:ln w="19050">
-            <a:solidFill>
-              <a:srgbClr val="7030A0"/>
-            </a:solidFill>
-          </a:ln>
-          <a:effectLst/>
-        </p:spPr>
-        <p:style>
-          <a:lnRef idx="1">
-            <a:schemeClr val="accent6"/>
-          </a:lnRef>
-          <a:fillRef idx="2">
-            <a:schemeClr val="accent6"/>
-          </a:fillRef>
-          <a:effectRef idx="1">
-            <a:schemeClr val="accent6"/>
-          </a:effectRef>
-          <a:fontRef idx="minor">
-            <a:schemeClr val="dk1"/>
-          </a:fontRef>
-        </p:style>
-        <p:txBody>
-          <a:bodyPr rtlCol="0" anchor="ctr"/>
-          <a:lstStyle/>
-          <a:p>
-            <a:pPr algn="ctr"/>
-            <a:endParaRPr lang="en-US" sz="1050"/>
-          </a:p>
-        </p:txBody>
-      </p:sp>
-      <p:sp>
-        <p:nvSpPr>
-          <p:cNvPr id="109" name="Flowchart: Decision 96">
-            <a:extLst>
-              <a:ext uri="{FF2B5EF4-FFF2-40B4-BE49-F238E27FC236}">
-                <a16:creationId xmlns:a16="http://schemas.microsoft.com/office/drawing/2014/main" id="{EA1F15FF-1BCD-4E19-AC2D-77927FF181E6}"/>
-              </a:ext>
-            </a:extLst>
-          </p:cNvPr>
-          <p:cNvSpPr/>
-          <p:nvPr/>
-        </p:nvSpPr>
-        <p:spPr>
-          <a:xfrm>
-            <a:off x="1786831" y="3636620"/>
-            <a:ext cx="236048" cy="173380"/>
-          </a:xfrm>
-          <a:prstGeom prst="flowChartDecision">
-            <a:avLst/>
-          </a:prstGeom>
-          <a:noFill/>
-          <a:ln w="19050">
-            <a:solidFill>
-              <a:srgbClr val="7030A0"/>
-            </a:solidFill>
-          </a:ln>
-          <a:effectLst/>
-        </p:spPr>
-        <p:style>
-          <a:lnRef idx="1">
-            <a:schemeClr val="accent6"/>
-          </a:lnRef>
-          <a:fillRef idx="2">
-            <a:schemeClr val="accent6"/>
-          </a:fillRef>
-          <a:effectRef idx="1">
-            <a:schemeClr val="accent6"/>
-          </a:effectRef>
-          <a:fontRef idx="minor">
-            <a:schemeClr val="dk1"/>
-          </a:fontRef>
-        </p:style>
-        <p:txBody>
-          <a:bodyPr rtlCol="0" anchor="ctr"/>
-          <a:lstStyle/>
-          <a:p>
-            <a:pPr algn="ctr"/>
-            <a:endParaRPr lang="en-US" sz="1050"/>
           </a:p>
         </p:txBody>
       </p:sp>
@@ -6571,7 +6419,6 @@
           </p:cNvPr>
           <p:cNvCxnSpPr>
             <a:cxnSpLocks/>
-            <a:stCxn id="108" idx="3"/>
             <a:endCxn id="49" idx="1"/>
           </p:cNvCxnSpPr>
           <p:nvPr/>
@@ -7135,57 +6982,6 @@
                 <a:srgbClr val="7030A0"/>
               </a:solidFill>
             </a:endParaRPr>
-          </a:p>
-        </p:txBody>
-      </p:sp>
-      <p:sp>
-        <p:nvSpPr>
-          <p:cNvPr id="204" name="Flowchart: Decision 96">
-            <a:extLst>
-              <a:ext uri="{FF2B5EF4-FFF2-40B4-BE49-F238E27FC236}">
-                <a16:creationId xmlns:a16="http://schemas.microsoft.com/office/drawing/2014/main" id="{A426B520-764B-4BD1-9C6D-0DC7B1DCA620}"/>
-              </a:ext>
-            </a:extLst>
-          </p:cNvPr>
-          <p:cNvSpPr/>
-          <p:nvPr/>
-        </p:nvSpPr>
-        <p:spPr>
-          <a:xfrm>
-            <a:off x="1794003" y="4038600"/>
-            <a:ext cx="236048" cy="173380"/>
-          </a:xfrm>
-          <a:prstGeom prst="flowChartDecision">
-            <a:avLst/>
-          </a:prstGeom>
-          <a:noFill/>
-          <a:ln w="19050">
-            <a:solidFill>
-              <a:srgbClr val="7030A0"/>
-            </a:solidFill>
-          </a:ln>
-          <a:effectLst/>
-        </p:spPr>
-        <p:style>
-          <a:lnRef idx="1">
-            <a:schemeClr val="accent6"/>
-          </a:lnRef>
-          <a:fillRef idx="2">
-            <a:schemeClr val="accent6"/>
-          </a:fillRef>
-          <a:effectRef idx="1">
-            <a:schemeClr val="accent6"/>
-          </a:effectRef>
-          <a:fontRef idx="minor">
-            <a:schemeClr val="dk1"/>
-          </a:fontRef>
-        </p:style>
-        <p:txBody>
-          <a:bodyPr rtlCol="0" anchor="ctr"/>
-          <a:lstStyle/>
-          <a:p>
-            <a:pPr algn="ctr"/>
-            <a:endParaRPr lang="en-US" sz="1050"/>
           </a:p>
         </p:txBody>
       </p:sp>
@@ -9289,6 +9085,758 @@
                 <a:srgbClr val="7030A0"/>
               </a:solidFill>
             </a:endParaRPr>
+          </a:p>
+        </p:txBody>
+      </p:sp>
+      <p:sp>
+        <p:nvSpPr>
+          <p:cNvPr id="114" name="TextBox 113">
+            <a:extLst>
+              <a:ext uri="{FF2B5EF4-FFF2-40B4-BE49-F238E27FC236}">
+                <a16:creationId xmlns:a16="http://schemas.microsoft.com/office/drawing/2014/main" id="{804D8F55-CE09-4A6A-8E93-EACBA2586E05}"/>
+              </a:ext>
+            </a:extLst>
+          </p:cNvPr>
+          <p:cNvSpPr txBox="1"/>
+          <p:nvPr/>
+        </p:nvSpPr>
+        <p:spPr>
+          <a:xfrm>
+            <a:off x="7488008" y="1567754"/>
+            <a:ext cx="189257" cy="178683"/>
+          </a:xfrm>
+          <a:prstGeom prst="rect">
+            <a:avLst/>
+          </a:prstGeom>
+          <a:noFill/>
+        </p:spPr>
+        <p:txBody>
+          <a:bodyPr wrap="square" lIns="0" tIns="0" rIns="0" bIns="0" rtlCol="0">
+            <a:noAutofit/>
+          </a:bodyPr>
+          <a:lstStyle/>
+          <a:p>
+            <a:pPr algn="ctr"/>
+            <a:r>
+              <a:rPr lang="en-US" sz="1100" dirty="0">
+                <a:solidFill>
+                  <a:srgbClr val="7030A0"/>
+                </a:solidFill>
+              </a:rPr>
+              <a:t>*</a:t>
+            </a:r>
+            <a:endParaRPr lang="en-SG" sz="1100" dirty="0">
+              <a:solidFill>
+                <a:srgbClr val="7030A0"/>
+              </a:solidFill>
+            </a:endParaRPr>
+          </a:p>
+        </p:txBody>
+      </p:sp>
+      <p:sp>
+        <p:nvSpPr>
+          <p:cNvPr id="116" name="TextBox 115">
+            <a:extLst>
+              <a:ext uri="{FF2B5EF4-FFF2-40B4-BE49-F238E27FC236}">
+                <a16:creationId xmlns:a16="http://schemas.microsoft.com/office/drawing/2014/main" id="{617851B9-E2E4-4AC5-AEBC-38B4B182F73D}"/>
+              </a:ext>
+            </a:extLst>
+          </p:cNvPr>
+          <p:cNvSpPr txBox="1"/>
+          <p:nvPr/>
+        </p:nvSpPr>
+        <p:spPr>
+          <a:xfrm>
+            <a:off x="7535312" y="2881211"/>
+            <a:ext cx="189257" cy="178683"/>
+          </a:xfrm>
+          <a:prstGeom prst="rect">
+            <a:avLst/>
+          </a:prstGeom>
+          <a:noFill/>
+        </p:spPr>
+        <p:txBody>
+          <a:bodyPr wrap="square" lIns="0" tIns="0" rIns="0" bIns="0" rtlCol="0">
+            <a:noAutofit/>
+          </a:bodyPr>
+          <a:lstStyle/>
+          <a:p>
+            <a:pPr algn="ctr"/>
+            <a:r>
+              <a:rPr lang="en-US" sz="1100" dirty="0">
+                <a:solidFill>
+                  <a:srgbClr val="7030A0"/>
+                </a:solidFill>
+              </a:rPr>
+              <a:t>*</a:t>
+            </a:r>
+            <a:endParaRPr lang="en-SG" sz="1100" dirty="0">
+              <a:solidFill>
+                <a:srgbClr val="7030A0"/>
+              </a:solidFill>
+            </a:endParaRPr>
+          </a:p>
+        </p:txBody>
+      </p:sp>
+      <p:sp>
+        <p:nvSpPr>
+          <p:cNvPr id="117" name="TextBox 116">
+            <a:extLst>
+              <a:ext uri="{FF2B5EF4-FFF2-40B4-BE49-F238E27FC236}">
+                <a16:creationId xmlns:a16="http://schemas.microsoft.com/office/drawing/2014/main" id="{2CF08392-6027-409C-8B5E-F505555A6886}"/>
+              </a:ext>
+            </a:extLst>
+          </p:cNvPr>
+          <p:cNvSpPr txBox="1"/>
+          <p:nvPr/>
+        </p:nvSpPr>
+        <p:spPr>
+          <a:xfrm>
+            <a:off x="7544501" y="3189828"/>
+            <a:ext cx="189257" cy="178683"/>
+          </a:xfrm>
+          <a:prstGeom prst="rect">
+            <a:avLst/>
+          </a:prstGeom>
+          <a:noFill/>
+        </p:spPr>
+        <p:txBody>
+          <a:bodyPr wrap="square" lIns="0" tIns="0" rIns="0" bIns="0" rtlCol="0">
+            <a:noAutofit/>
+          </a:bodyPr>
+          <a:lstStyle/>
+          <a:p>
+            <a:pPr algn="ctr"/>
+            <a:r>
+              <a:rPr lang="en-US" sz="1100" dirty="0">
+                <a:solidFill>
+                  <a:srgbClr val="7030A0"/>
+                </a:solidFill>
+              </a:rPr>
+              <a:t>*</a:t>
+            </a:r>
+            <a:endParaRPr lang="en-SG" sz="1100" dirty="0">
+              <a:solidFill>
+                <a:srgbClr val="7030A0"/>
+              </a:solidFill>
+            </a:endParaRPr>
+          </a:p>
+        </p:txBody>
+      </p:sp>
+      <p:sp>
+        <p:nvSpPr>
+          <p:cNvPr id="121" name="TextBox 120">
+            <a:extLst>
+              <a:ext uri="{FF2B5EF4-FFF2-40B4-BE49-F238E27FC236}">
+                <a16:creationId xmlns:a16="http://schemas.microsoft.com/office/drawing/2014/main" id="{2A4099BD-1BDA-4412-840F-2996129209F1}"/>
+              </a:ext>
+            </a:extLst>
+          </p:cNvPr>
+          <p:cNvSpPr txBox="1"/>
+          <p:nvPr/>
+        </p:nvSpPr>
+        <p:spPr>
+          <a:xfrm>
+            <a:off x="7524683" y="2548220"/>
+            <a:ext cx="189257" cy="178683"/>
+          </a:xfrm>
+          <a:prstGeom prst="rect">
+            <a:avLst/>
+          </a:prstGeom>
+          <a:noFill/>
+        </p:spPr>
+        <p:txBody>
+          <a:bodyPr wrap="square" lIns="0" tIns="0" rIns="0" bIns="0" rtlCol="0">
+            <a:noAutofit/>
+          </a:bodyPr>
+          <a:lstStyle/>
+          <a:p>
+            <a:pPr algn="ctr"/>
+            <a:r>
+              <a:rPr lang="en-US" sz="1100" dirty="0">
+                <a:solidFill>
+                  <a:srgbClr val="7030A0"/>
+                </a:solidFill>
+              </a:rPr>
+              <a:t>1</a:t>
+            </a:r>
+            <a:endParaRPr lang="en-SG" sz="1100" dirty="0">
+              <a:solidFill>
+                <a:srgbClr val="7030A0"/>
+              </a:solidFill>
+            </a:endParaRPr>
+          </a:p>
+        </p:txBody>
+      </p:sp>
+      <p:sp>
+        <p:nvSpPr>
+          <p:cNvPr id="122" name="TextBox 121">
+            <a:extLst>
+              <a:ext uri="{FF2B5EF4-FFF2-40B4-BE49-F238E27FC236}">
+                <a16:creationId xmlns:a16="http://schemas.microsoft.com/office/drawing/2014/main" id="{355C5B16-E65D-446E-9638-E99E19CD43B8}"/>
+              </a:ext>
+            </a:extLst>
+          </p:cNvPr>
+          <p:cNvSpPr txBox="1"/>
+          <p:nvPr/>
+        </p:nvSpPr>
+        <p:spPr>
+          <a:xfrm>
+            <a:off x="7475035" y="1248172"/>
+            <a:ext cx="189257" cy="178683"/>
+          </a:xfrm>
+          <a:prstGeom prst="rect">
+            <a:avLst/>
+          </a:prstGeom>
+          <a:noFill/>
+        </p:spPr>
+        <p:txBody>
+          <a:bodyPr wrap="square" lIns="0" tIns="0" rIns="0" bIns="0" rtlCol="0">
+            <a:noAutofit/>
+          </a:bodyPr>
+          <a:lstStyle/>
+          <a:p>
+            <a:pPr algn="ctr"/>
+            <a:r>
+              <a:rPr lang="en-US" sz="1100" dirty="0">
+                <a:solidFill>
+                  <a:srgbClr val="7030A0"/>
+                </a:solidFill>
+              </a:rPr>
+              <a:t>1</a:t>
+            </a:r>
+            <a:endParaRPr lang="en-SG" sz="1100" dirty="0">
+              <a:solidFill>
+                <a:srgbClr val="7030A0"/>
+              </a:solidFill>
+            </a:endParaRPr>
+          </a:p>
+        </p:txBody>
+      </p:sp>
+      <p:sp>
+        <p:nvSpPr>
+          <p:cNvPr id="123" name="TextBox 122">
+            <a:extLst>
+              <a:ext uri="{FF2B5EF4-FFF2-40B4-BE49-F238E27FC236}">
+                <a16:creationId xmlns:a16="http://schemas.microsoft.com/office/drawing/2014/main" id="{84682327-C505-447C-BC7F-1406CDF2F094}"/>
+              </a:ext>
+            </a:extLst>
+          </p:cNvPr>
+          <p:cNvSpPr txBox="1"/>
+          <p:nvPr/>
+        </p:nvSpPr>
+        <p:spPr>
+          <a:xfrm>
+            <a:off x="7505657" y="905699"/>
+            <a:ext cx="189257" cy="178683"/>
+          </a:xfrm>
+          <a:prstGeom prst="rect">
+            <a:avLst/>
+          </a:prstGeom>
+          <a:noFill/>
+        </p:spPr>
+        <p:txBody>
+          <a:bodyPr wrap="square" lIns="0" tIns="0" rIns="0" bIns="0" rtlCol="0">
+            <a:noAutofit/>
+          </a:bodyPr>
+          <a:lstStyle/>
+          <a:p>
+            <a:pPr algn="ctr"/>
+            <a:r>
+              <a:rPr lang="en-US" sz="1100" dirty="0">
+                <a:solidFill>
+                  <a:srgbClr val="7030A0"/>
+                </a:solidFill>
+              </a:rPr>
+              <a:t>*</a:t>
+            </a:r>
+            <a:endParaRPr lang="en-SG" sz="1100" dirty="0">
+              <a:solidFill>
+                <a:srgbClr val="7030A0"/>
+              </a:solidFill>
+            </a:endParaRPr>
+          </a:p>
+        </p:txBody>
+      </p:sp>
+      <p:sp>
+        <p:nvSpPr>
+          <p:cNvPr id="124" name="TextBox 123">
+            <a:extLst>
+              <a:ext uri="{FF2B5EF4-FFF2-40B4-BE49-F238E27FC236}">
+                <a16:creationId xmlns:a16="http://schemas.microsoft.com/office/drawing/2014/main" id="{39F5790F-E2CF-45FE-ADEA-B3131B8821CA}"/>
+              </a:ext>
+            </a:extLst>
+          </p:cNvPr>
+          <p:cNvSpPr txBox="1"/>
+          <p:nvPr/>
+        </p:nvSpPr>
+        <p:spPr>
+          <a:xfrm>
+            <a:off x="7556897" y="3519333"/>
+            <a:ext cx="189257" cy="178683"/>
+          </a:xfrm>
+          <a:prstGeom prst="rect">
+            <a:avLst/>
+          </a:prstGeom>
+          <a:noFill/>
+        </p:spPr>
+        <p:txBody>
+          <a:bodyPr wrap="square" lIns="0" tIns="0" rIns="0" bIns="0" rtlCol="0">
+            <a:noAutofit/>
+          </a:bodyPr>
+          <a:lstStyle/>
+          <a:p>
+            <a:pPr algn="ctr"/>
+            <a:r>
+              <a:rPr lang="en-US" sz="1100" dirty="0">
+                <a:solidFill>
+                  <a:srgbClr val="7030A0"/>
+                </a:solidFill>
+              </a:rPr>
+              <a:t>*</a:t>
+            </a:r>
+            <a:endParaRPr lang="en-SG" sz="1100" dirty="0">
+              <a:solidFill>
+                <a:srgbClr val="7030A0"/>
+              </a:solidFill>
+            </a:endParaRPr>
+          </a:p>
+        </p:txBody>
+      </p:sp>
+      <p:sp>
+        <p:nvSpPr>
+          <p:cNvPr id="126" name="TextBox 125">
+            <a:extLst>
+              <a:ext uri="{FF2B5EF4-FFF2-40B4-BE49-F238E27FC236}">
+                <a16:creationId xmlns:a16="http://schemas.microsoft.com/office/drawing/2014/main" id="{3A34E7B2-6A13-48B5-8A98-77CFDF43F0E9}"/>
+              </a:ext>
+            </a:extLst>
+          </p:cNvPr>
+          <p:cNvSpPr txBox="1"/>
+          <p:nvPr/>
+        </p:nvSpPr>
+        <p:spPr>
+          <a:xfrm>
+            <a:off x="7561215" y="4135409"/>
+            <a:ext cx="189257" cy="178683"/>
+          </a:xfrm>
+          <a:prstGeom prst="rect">
+            <a:avLst/>
+          </a:prstGeom>
+          <a:noFill/>
+        </p:spPr>
+        <p:txBody>
+          <a:bodyPr wrap="square" lIns="0" tIns="0" rIns="0" bIns="0" rtlCol="0">
+            <a:noAutofit/>
+          </a:bodyPr>
+          <a:lstStyle/>
+          <a:p>
+            <a:pPr algn="ctr"/>
+            <a:r>
+              <a:rPr lang="en-US" sz="1100" dirty="0">
+                <a:solidFill>
+                  <a:srgbClr val="7030A0"/>
+                </a:solidFill>
+              </a:rPr>
+              <a:t>1</a:t>
+            </a:r>
+            <a:endParaRPr lang="en-SG" sz="1100" dirty="0">
+              <a:solidFill>
+                <a:srgbClr val="7030A0"/>
+              </a:solidFill>
+            </a:endParaRPr>
+          </a:p>
+        </p:txBody>
+      </p:sp>
+      <p:sp>
+        <p:nvSpPr>
+          <p:cNvPr id="129" name="TextBox 128">
+            <a:extLst>
+              <a:ext uri="{FF2B5EF4-FFF2-40B4-BE49-F238E27FC236}">
+                <a16:creationId xmlns:a16="http://schemas.microsoft.com/office/drawing/2014/main" id="{A4625213-67E2-401C-BF4F-64542F65DC10}"/>
+              </a:ext>
+            </a:extLst>
+          </p:cNvPr>
+          <p:cNvSpPr txBox="1"/>
+          <p:nvPr/>
+        </p:nvSpPr>
+        <p:spPr>
+          <a:xfrm>
+            <a:off x="7572437" y="3796846"/>
+            <a:ext cx="189257" cy="178683"/>
+          </a:xfrm>
+          <a:prstGeom prst="rect">
+            <a:avLst/>
+          </a:prstGeom>
+          <a:noFill/>
+        </p:spPr>
+        <p:txBody>
+          <a:bodyPr wrap="square" lIns="0" tIns="0" rIns="0" bIns="0" rtlCol="0">
+            <a:noAutofit/>
+          </a:bodyPr>
+          <a:lstStyle/>
+          <a:p>
+            <a:pPr algn="ctr"/>
+            <a:r>
+              <a:rPr lang="en-US" sz="1100" dirty="0">
+                <a:solidFill>
+                  <a:srgbClr val="7030A0"/>
+                </a:solidFill>
+              </a:rPr>
+              <a:t>*</a:t>
+            </a:r>
+            <a:endParaRPr lang="en-SG" sz="1100" dirty="0">
+              <a:solidFill>
+                <a:srgbClr val="7030A0"/>
+              </a:solidFill>
+            </a:endParaRPr>
+          </a:p>
+        </p:txBody>
+      </p:sp>
+      <p:sp>
+        <p:nvSpPr>
+          <p:cNvPr id="130" name="TextBox 129">
+            <a:extLst>
+              <a:ext uri="{FF2B5EF4-FFF2-40B4-BE49-F238E27FC236}">
+                <a16:creationId xmlns:a16="http://schemas.microsoft.com/office/drawing/2014/main" id="{03623819-89CE-4C5B-B470-2DAC08EB1D51}"/>
+              </a:ext>
+            </a:extLst>
+          </p:cNvPr>
+          <p:cNvSpPr txBox="1"/>
+          <p:nvPr/>
+        </p:nvSpPr>
+        <p:spPr>
+          <a:xfrm>
+            <a:off x="6679330" y="2244672"/>
+            <a:ext cx="189257" cy="178683"/>
+          </a:xfrm>
+          <a:prstGeom prst="rect">
+            <a:avLst/>
+          </a:prstGeom>
+          <a:noFill/>
+        </p:spPr>
+        <p:txBody>
+          <a:bodyPr wrap="square" lIns="0" tIns="0" rIns="0" bIns="0" rtlCol="0">
+            <a:noAutofit/>
+          </a:bodyPr>
+          <a:lstStyle/>
+          <a:p>
+            <a:pPr algn="ctr"/>
+            <a:r>
+              <a:rPr lang="en-US" sz="1100" dirty="0">
+                <a:solidFill>
+                  <a:srgbClr val="7030A0"/>
+                </a:solidFill>
+              </a:rPr>
+              <a:t>1</a:t>
+            </a:r>
+            <a:endParaRPr lang="en-SG" sz="1100" dirty="0">
+              <a:solidFill>
+                <a:srgbClr val="7030A0"/>
+              </a:solidFill>
+            </a:endParaRPr>
+          </a:p>
+        </p:txBody>
+      </p:sp>
+      <p:sp>
+        <p:nvSpPr>
+          <p:cNvPr id="131" name="TextBox 130">
+            <a:extLst>
+              <a:ext uri="{FF2B5EF4-FFF2-40B4-BE49-F238E27FC236}">
+                <a16:creationId xmlns:a16="http://schemas.microsoft.com/office/drawing/2014/main" id="{41A20F54-AF27-456C-BEFC-1C33C9DE38F0}"/>
+              </a:ext>
+            </a:extLst>
+          </p:cNvPr>
+          <p:cNvSpPr txBox="1"/>
+          <p:nvPr/>
+        </p:nvSpPr>
+        <p:spPr>
+          <a:xfrm>
+            <a:off x="3259982" y="5859569"/>
+            <a:ext cx="189257" cy="178683"/>
+          </a:xfrm>
+          <a:prstGeom prst="rect">
+            <a:avLst/>
+          </a:prstGeom>
+          <a:noFill/>
+        </p:spPr>
+        <p:txBody>
+          <a:bodyPr wrap="square" lIns="0" tIns="0" rIns="0" bIns="0" rtlCol="0">
+            <a:noAutofit/>
+          </a:bodyPr>
+          <a:lstStyle/>
+          <a:p>
+            <a:pPr algn="ctr"/>
+            <a:r>
+              <a:rPr lang="en-US" sz="1100" dirty="0">
+                <a:solidFill>
+                  <a:srgbClr val="7030A0"/>
+                </a:solidFill>
+              </a:rPr>
+              <a:t>*</a:t>
+            </a:r>
+            <a:endParaRPr lang="en-SG" sz="1100" dirty="0">
+              <a:solidFill>
+                <a:srgbClr val="7030A0"/>
+              </a:solidFill>
+            </a:endParaRPr>
+          </a:p>
+        </p:txBody>
+      </p:sp>
+      <p:sp>
+        <p:nvSpPr>
+          <p:cNvPr id="132" name="TextBox 131">
+            <a:extLst>
+              <a:ext uri="{FF2B5EF4-FFF2-40B4-BE49-F238E27FC236}">
+                <a16:creationId xmlns:a16="http://schemas.microsoft.com/office/drawing/2014/main" id="{A1F071C9-85A3-49C9-B223-8A05550C705A}"/>
+              </a:ext>
+            </a:extLst>
+          </p:cNvPr>
+          <p:cNvSpPr txBox="1"/>
+          <p:nvPr/>
+        </p:nvSpPr>
+        <p:spPr>
+          <a:xfrm>
+            <a:off x="4035225" y="5859569"/>
+            <a:ext cx="189257" cy="178683"/>
+          </a:xfrm>
+          <a:prstGeom prst="rect">
+            <a:avLst/>
+          </a:prstGeom>
+          <a:noFill/>
+        </p:spPr>
+        <p:txBody>
+          <a:bodyPr wrap="square" lIns="0" tIns="0" rIns="0" bIns="0" rtlCol="0">
+            <a:noAutofit/>
+          </a:bodyPr>
+          <a:lstStyle/>
+          <a:p>
+            <a:pPr algn="ctr"/>
+            <a:r>
+              <a:rPr lang="en-US" sz="1100" dirty="0">
+                <a:solidFill>
+                  <a:srgbClr val="7030A0"/>
+                </a:solidFill>
+              </a:rPr>
+              <a:t>*</a:t>
+            </a:r>
+            <a:endParaRPr lang="en-SG" sz="1100" dirty="0">
+              <a:solidFill>
+                <a:srgbClr val="7030A0"/>
+              </a:solidFill>
+            </a:endParaRPr>
+          </a:p>
+        </p:txBody>
+      </p:sp>
+      <p:sp>
+        <p:nvSpPr>
+          <p:cNvPr id="133" name="Flowchart: Decision 96">
+            <a:extLst>
+              <a:ext uri="{FF2B5EF4-FFF2-40B4-BE49-F238E27FC236}">
+                <a16:creationId xmlns:a16="http://schemas.microsoft.com/office/drawing/2014/main" id="{BA6EFDCE-ED71-44CB-B3D2-23A970371FF6}"/>
+              </a:ext>
+            </a:extLst>
+          </p:cNvPr>
+          <p:cNvSpPr/>
+          <p:nvPr/>
+        </p:nvSpPr>
+        <p:spPr>
+          <a:xfrm>
+            <a:off x="1792166" y="4045908"/>
+            <a:ext cx="236048" cy="173380"/>
+          </a:xfrm>
+          <a:prstGeom prst="flowChartDecision">
+            <a:avLst/>
+          </a:prstGeom>
+          <a:solidFill>
+            <a:srgbClr val="7030A0"/>
+          </a:solidFill>
+          <a:ln w="19050">
+            <a:solidFill>
+              <a:srgbClr val="7030A0"/>
+            </a:solidFill>
+          </a:ln>
+          <a:effectLst/>
+        </p:spPr>
+        <p:style>
+          <a:lnRef idx="1">
+            <a:schemeClr val="accent6"/>
+          </a:lnRef>
+          <a:fillRef idx="2">
+            <a:schemeClr val="accent6"/>
+          </a:fillRef>
+          <a:effectRef idx="1">
+            <a:schemeClr val="accent6"/>
+          </a:effectRef>
+          <a:fontRef idx="minor">
+            <a:schemeClr val="dk1"/>
+          </a:fontRef>
+        </p:style>
+        <p:txBody>
+          <a:bodyPr rtlCol="0" anchor="ctr"/>
+          <a:lstStyle/>
+          <a:p>
+            <a:pPr algn="ctr"/>
+            <a:endParaRPr lang="en-US" sz="1050"/>
+          </a:p>
+        </p:txBody>
+      </p:sp>
+      <p:sp>
+        <p:nvSpPr>
+          <p:cNvPr id="134" name="Flowchart: Decision 96">
+            <a:extLst>
+              <a:ext uri="{FF2B5EF4-FFF2-40B4-BE49-F238E27FC236}">
+                <a16:creationId xmlns:a16="http://schemas.microsoft.com/office/drawing/2014/main" id="{C4232BD1-FE3B-4CBD-9E10-D0CE790BCE3C}"/>
+              </a:ext>
+            </a:extLst>
+          </p:cNvPr>
+          <p:cNvSpPr/>
+          <p:nvPr/>
+        </p:nvSpPr>
+        <p:spPr>
+          <a:xfrm>
+            <a:off x="1777008" y="3637338"/>
+            <a:ext cx="236048" cy="173380"/>
+          </a:xfrm>
+          <a:prstGeom prst="flowChartDecision">
+            <a:avLst/>
+          </a:prstGeom>
+          <a:solidFill>
+            <a:srgbClr val="7030A0"/>
+          </a:solidFill>
+          <a:ln w="19050">
+            <a:solidFill>
+              <a:srgbClr val="7030A0"/>
+            </a:solidFill>
+          </a:ln>
+          <a:effectLst/>
+        </p:spPr>
+        <p:style>
+          <a:lnRef idx="1">
+            <a:schemeClr val="accent6"/>
+          </a:lnRef>
+          <a:fillRef idx="2">
+            <a:schemeClr val="accent6"/>
+          </a:fillRef>
+          <a:effectRef idx="1">
+            <a:schemeClr val="accent6"/>
+          </a:effectRef>
+          <a:fontRef idx="minor">
+            <a:schemeClr val="dk1"/>
+          </a:fontRef>
+        </p:style>
+        <p:txBody>
+          <a:bodyPr rtlCol="0" anchor="ctr"/>
+          <a:lstStyle/>
+          <a:p>
+            <a:pPr algn="ctr"/>
+            <a:endParaRPr lang="en-US" sz="1050"/>
+          </a:p>
+        </p:txBody>
+      </p:sp>
+      <p:sp>
+        <p:nvSpPr>
+          <p:cNvPr id="135" name="Flowchart: Decision 96">
+            <a:extLst>
+              <a:ext uri="{FF2B5EF4-FFF2-40B4-BE49-F238E27FC236}">
+                <a16:creationId xmlns:a16="http://schemas.microsoft.com/office/drawing/2014/main" id="{CEC00A17-1FCA-4839-9C51-020084ADDE62}"/>
+              </a:ext>
+            </a:extLst>
+          </p:cNvPr>
+          <p:cNvSpPr/>
+          <p:nvPr/>
+        </p:nvSpPr>
+        <p:spPr>
+          <a:xfrm>
+            <a:off x="1795241" y="2833228"/>
+            <a:ext cx="236048" cy="173380"/>
+          </a:xfrm>
+          <a:prstGeom prst="flowChartDecision">
+            <a:avLst/>
+          </a:prstGeom>
+          <a:solidFill>
+            <a:srgbClr val="7030A0"/>
+          </a:solidFill>
+          <a:ln w="19050">
+            <a:solidFill>
+              <a:srgbClr val="7030A0"/>
+            </a:solidFill>
+          </a:ln>
+          <a:effectLst/>
+        </p:spPr>
+        <p:style>
+          <a:lnRef idx="1">
+            <a:schemeClr val="accent6"/>
+          </a:lnRef>
+          <a:fillRef idx="2">
+            <a:schemeClr val="accent6"/>
+          </a:fillRef>
+          <a:effectRef idx="1">
+            <a:schemeClr val="accent6"/>
+          </a:effectRef>
+          <a:fontRef idx="minor">
+            <a:schemeClr val="dk1"/>
+          </a:fontRef>
+        </p:style>
+        <p:txBody>
+          <a:bodyPr rtlCol="0" anchor="ctr"/>
+          <a:lstStyle/>
+          <a:p>
+            <a:pPr algn="ctr"/>
+            <a:endParaRPr lang="en-US" sz="1050"/>
+          </a:p>
+        </p:txBody>
+      </p:sp>
+      <p:sp>
+        <p:nvSpPr>
+          <p:cNvPr id="136" name="Flowchart: Decision 96">
+            <a:extLst>
+              <a:ext uri="{FF2B5EF4-FFF2-40B4-BE49-F238E27FC236}">
+                <a16:creationId xmlns:a16="http://schemas.microsoft.com/office/drawing/2014/main" id="{568FAC05-BC6C-43C2-A3DE-7E9322672A8B}"/>
+              </a:ext>
+            </a:extLst>
+          </p:cNvPr>
+          <p:cNvSpPr/>
+          <p:nvPr/>
+        </p:nvSpPr>
+        <p:spPr>
+          <a:xfrm>
+            <a:off x="1778430" y="3228768"/>
+            <a:ext cx="236048" cy="173380"/>
+          </a:xfrm>
+          <a:prstGeom prst="flowChartDecision">
+            <a:avLst/>
+          </a:prstGeom>
+          <a:solidFill>
+            <a:srgbClr val="7030A0"/>
+          </a:solidFill>
+          <a:ln w="19050">
+            <a:solidFill>
+              <a:srgbClr val="7030A0"/>
+            </a:solidFill>
+          </a:ln>
+          <a:effectLst/>
+        </p:spPr>
+        <p:style>
+          <a:lnRef idx="1">
+            <a:schemeClr val="accent6"/>
+          </a:lnRef>
+          <a:fillRef idx="2">
+            <a:schemeClr val="accent6"/>
+          </a:fillRef>
+          <a:effectRef idx="1">
+            <a:schemeClr val="accent6"/>
+          </a:effectRef>
+          <a:fontRef idx="minor">
+            <a:schemeClr val="dk1"/>
+          </a:fontRef>
+        </p:style>
+        <p:txBody>
+          <a:bodyPr rtlCol="0" anchor="ctr"/>
+          <a:lstStyle/>
+          <a:p>
+            <a:pPr algn="ctr"/>
+            <a:endParaRPr lang="en-US" sz="1050"/>
           </a:p>
         </p:txBody>
       </p:sp>

--- a/docs/diagrams/ModelComponentClassDiagram.pptx
+++ b/docs/diagrams/ModelComponentClassDiagram.pptx
@@ -208,7 +208,7 @@
           <a:p>
             <a:fld id="{F5CC4B3F-88C1-4FFA-B1B6-F41C21DC6924}" type="datetimeFigureOut">
               <a:rPr lang="en-US" smtClean="0"/>
-              <a:t>6/27/2018</a:t>
+              <a:t>17-Oct-18</a:t>
             </a:fld>
             <a:endParaRPr lang="en-US"/>
           </a:p>
@@ -654,7 +654,7 @@
           <a:p>
             <a:fld id="{78C97017-6FC3-485B-9764-EAC9E56C1D49}" type="datetimeFigureOut">
               <a:rPr lang="en-US" smtClean="0"/>
-              <a:t>6/27/2018</a:t>
+              <a:t>17-Oct-18</a:t>
             </a:fld>
             <a:endParaRPr lang="en-US"/>
           </a:p>
@@ -822,7 +822,7 @@
           <a:p>
             <a:fld id="{78C97017-6FC3-485B-9764-EAC9E56C1D49}" type="datetimeFigureOut">
               <a:rPr lang="en-US" smtClean="0"/>
-              <a:t>6/27/2018</a:t>
+              <a:t>17-Oct-18</a:t>
             </a:fld>
             <a:endParaRPr lang="en-US"/>
           </a:p>
@@ -1000,7 +1000,7 @@
           <a:p>
             <a:fld id="{78C97017-6FC3-485B-9764-EAC9E56C1D49}" type="datetimeFigureOut">
               <a:rPr lang="en-US" smtClean="0"/>
-              <a:t>6/27/2018</a:t>
+              <a:t>17-Oct-18</a:t>
             </a:fld>
             <a:endParaRPr lang="en-US"/>
           </a:p>
@@ -1168,7 +1168,7 @@
           <a:p>
             <a:fld id="{78C97017-6FC3-485B-9764-EAC9E56C1D49}" type="datetimeFigureOut">
               <a:rPr lang="en-US" smtClean="0"/>
-              <a:t>6/27/2018</a:t>
+              <a:t>17-Oct-18</a:t>
             </a:fld>
             <a:endParaRPr lang="en-US"/>
           </a:p>
@@ -1413,7 +1413,7 @@
           <a:p>
             <a:fld id="{78C97017-6FC3-485B-9764-EAC9E56C1D49}" type="datetimeFigureOut">
               <a:rPr lang="en-US" smtClean="0"/>
-              <a:t>6/27/2018</a:t>
+              <a:t>17-Oct-18</a:t>
             </a:fld>
             <a:endParaRPr lang="en-US"/>
           </a:p>
@@ -1698,7 +1698,7 @@
           <a:p>
             <a:fld id="{78C97017-6FC3-485B-9764-EAC9E56C1D49}" type="datetimeFigureOut">
               <a:rPr lang="en-US" smtClean="0"/>
-              <a:t>6/27/2018</a:t>
+              <a:t>17-Oct-18</a:t>
             </a:fld>
             <a:endParaRPr lang="en-US"/>
           </a:p>
@@ -2117,7 +2117,7 @@
           <a:p>
             <a:fld id="{78C97017-6FC3-485B-9764-EAC9E56C1D49}" type="datetimeFigureOut">
               <a:rPr lang="en-US" smtClean="0"/>
-              <a:t>6/27/2018</a:t>
+              <a:t>17-Oct-18</a:t>
             </a:fld>
             <a:endParaRPr lang="en-US"/>
           </a:p>
@@ -2234,7 +2234,7 @@
           <a:p>
             <a:fld id="{78C97017-6FC3-485B-9764-EAC9E56C1D49}" type="datetimeFigureOut">
               <a:rPr lang="en-US" smtClean="0"/>
-              <a:t>6/27/2018</a:t>
+              <a:t>17-Oct-18</a:t>
             </a:fld>
             <a:endParaRPr lang="en-US"/>
           </a:p>
@@ -2329,7 +2329,7 @@
           <a:p>
             <a:fld id="{78C97017-6FC3-485B-9764-EAC9E56C1D49}" type="datetimeFigureOut">
               <a:rPr lang="en-US" smtClean="0"/>
-              <a:t>6/27/2018</a:t>
+              <a:t>17-Oct-18</a:t>
             </a:fld>
             <a:endParaRPr lang="en-US"/>
           </a:p>
@@ -2604,7 +2604,7 @@
           <a:p>
             <a:fld id="{78C97017-6FC3-485B-9764-EAC9E56C1D49}" type="datetimeFigureOut">
               <a:rPr lang="en-US" smtClean="0"/>
-              <a:t>6/27/2018</a:t>
+              <a:t>17-Oct-18</a:t>
             </a:fld>
             <a:endParaRPr lang="en-US"/>
           </a:p>
@@ -2856,7 +2856,7 @@
           <a:p>
             <a:fld id="{78C97017-6FC3-485B-9764-EAC9E56C1D49}" type="datetimeFigureOut">
               <a:rPr lang="en-US" smtClean="0"/>
-              <a:t>6/27/2018</a:t>
+              <a:t>17-Oct-18</a:t>
             </a:fld>
             <a:endParaRPr lang="en-US"/>
           </a:p>
@@ -3067,7 +3067,7 @@
           <a:p>
             <a:fld id="{78C97017-6FC3-485B-9764-EAC9E56C1D49}" type="datetimeFigureOut">
               <a:rPr lang="en-US" smtClean="0"/>
-              <a:t>6/27/2018</a:t>
+              <a:t>17-Oct-18</a:t>
             </a:fld>
             <a:endParaRPr lang="en-US"/>
           </a:p>
@@ -3994,12 +3994,12 @@
           <a:p>
             <a:pPr algn="ctr"/>
             <a:r>
-              <a:rPr lang="en-US" sz="1050" dirty="0" err="1" smtClean="0">
+              <a:rPr lang="en-US" sz="1050" dirty="0" err="1">
                 <a:solidFill>
                   <a:srgbClr val="7030A0"/>
                 </a:solidFill>
               </a:rPr>
-              <a:t>VersionedAddressBook</a:t>
+              <a:t>VersionedExpenseList</a:t>
             </a:r>
             <a:endParaRPr lang="en-SG" sz="1050" dirty="0">
               <a:solidFill>
@@ -4141,7 +4141,7 @@
                   <a:srgbClr val="7030A0"/>
                 </a:solidFill>
               </a:rPr>
-              <a:t>UniquePersonList</a:t>
+              <a:t>UniqueExpenseList</a:t>
             </a:r>
             <a:endParaRPr lang="en-SG" sz="1050" dirty="0">
               <a:solidFill>
@@ -4244,7 +4244,7 @@
                   <a:srgbClr val="7030A0"/>
                 </a:solidFill>
               </a:rPr>
-              <a:t>Person</a:t>
+              <a:t>Expense</a:t>
             </a:r>
             <a:endParaRPr lang="en-SG" sz="1050" dirty="0">
               <a:solidFill>
@@ -4529,7 +4529,7 @@
                   <a:srgbClr val="7030A0"/>
                 </a:solidFill>
               </a:rPr>
-              <a:t>Phone</a:t>
+              <a:t>Date</a:t>
             </a:r>
             <a:endParaRPr lang="en-SG" sz="1050" dirty="0">
               <a:solidFill>
@@ -4626,7 +4626,7 @@
                   <a:srgbClr val="7030A0"/>
                 </a:solidFill>
               </a:rPr>
-              <a:t>Email</a:t>
+              <a:t>Category</a:t>
             </a:r>
             <a:endParaRPr lang="en-SG" sz="1050" dirty="0">
               <a:solidFill>
@@ -4723,7 +4723,7 @@
                   <a:srgbClr val="7030A0"/>
                 </a:solidFill>
               </a:rPr>
-              <a:t>Address</a:t>
+              <a:t>Cost</a:t>
             </a:r>
             <a:endParaRPr lang="en-SG" sz="1050" dirty="0">
               <a:solidFill>
@@ -4778,14 +4778,15 @@
         <p:nvCxnSpPr>
           <p:cNvPr id="97" name="Elbow Connector 63"/>
           <p:cNvCxnSpPr>
+            <a:cxnSpLocks/>
             <a:stCxn id="99" idx="3"/>
           </p:cNvCxnSpPr>
           <p:nvPr/>
         </p:nvCxnSpPr>
         <p:spPr>
           <a:xfrm rot="5400000">
-            <a:off x="3553611" y="2687559"/>
-            <a:ext cx="293825" cy="5938"/>
+            <a:off x="3436063" y="2595635"/>
+            <a:ext cx="453787" cy="5934"/>
           </a:xfrm>
           <a:prstGeom prst="bentConnector3">
             <a:avLst>
@@ -4825,8 +4826,8 @@
         </p:nvSpPr>
         <p:spPr>
           <a:xfrm rot="10800000" flipV="1">
-            <a:off x="3562299" y="2386554"/>
-            <a:ext cx="282387" cy="157062"/>
+            <a:off x="3524730" y="2136919"/>
+            <a:ext cx="282387" cy="234790"/>
           </a:xfrm>
           <a:prstGeom prst="triangle">
             <a:avLst/>
@@ -4926,7 +4927,7 @@
                   <a:srgbClr val="7030A0"/>
                 </a:solidFill>
               </a:rPr>
-              <a:t>ReadOnlyAddressBook</a:t>
+              <a:t>ReadOnlyExpenseList</a:t>
             </a:r>
             <a:endParaRPr lang="en-SG" sz="1050" dirty="0">
               <a:solidFill>
@@ -5022,14 +5023,6 @@
                 </a:solidFill>
               </a:rPr>
               <a:t>&lt;&lt;interface&gt;&gt;</a:t>
-            </a:r>
-            <a:r>
-              <a:rPr lang="en-US" sz="1050">
-                <a:solidFill>
-                  <a:srgbClr val="7030A0"/>
-                </a:solidFill>
-              </a:rPr>
-              <a:t/>
             </a:r>
             <a:br>
               <a:rPr lang="en-US" sz="1050">
@@ -5456,7 +5449,7 @@
         </p:nvSpPr>
         <p:spPr>
           <a:xfrm>
-            <a:off x="3170181" y="1998350"/>
+            <a:off x="3188676" y="1772523"/>
             <a:ext cx="1060683" cy="364396"/>
           </a:xfrm>
           <a:prstGeom prst="rect">
@@ -5494,7 +5487,7 @@
                   <a:srgbClr val="7030A0"/>
                 </a:solidFill>
               </a:rPr>
-              <a:t>AddressBook</a:t>
+              <a:t>ExpenseList</a:t>
             </a:r>
             <a:endParaRPr lang="en-SG" sz="1050" dirty="0">
               <a:solidFill>
@@ -5607,9 +5600,9 @@
           <p:nvPr/>
         </p:nvCxnSpPr>
         <p:spPr>
-          <a:xfrm>
-            <a:off x="2898289" y="2177727"/>
-            <a:ext cx="271892" cy="2821"/>
+          <a:xfrm flipV="1">
+            <a:off x="2898289" y="1954721"/>
+            <a:ext cx="290387" cy="223006"/>
           </a:xfrm>
           <a:prstGeom prst="bentConnector3">
             <a:avLst>
@@ -5641,6 +5634,328 @@
           </a:fontRef>
         </p:style>
       </p:cxnSp>
+      <p:sp>
+        <p:nvSpPr>
+          <p:cNvPr id="57" name="Flowchart: Decision 96">
+            <a:extLst>
+              <a:ext uri="{FF2B5EF4-FFF2-40B4-BE49-F238E27FC236}">
+                <a16:creationId xmlns:a16="http://schemas.microsoft.com/office/drawing/2014/main" id="{9241C989-C446-4022-B1D6-BE372FCB4B17}"/>
+              </a:ext>
+            </a:extLst>
+          </p:cNvPr>
+          <p:cNvSpPr/>
+          <p:nvPr/>
+        </p:nvSpPr>
+        <p:spPr>
+          <a:xfrm rot="19275448">
+            <a:off x="4018543" y="2671914"/>
+            <a:ext cx="236048" cy="173380"/>
+          </a:xfrm>
+          <a:prstGeom prst="flowChartDecision">
+            <a:avLst/>
+          </a:prstGeom>
+          <a:solidFill>
+            <a:srgbClr val="7030A0"/>
+          </a:solidFill>
+          <a:ln w="19050">
+            <a:solidFill>
+              <a:srgbClr val="7030A0"/>
+            </a:solidFill>
+          </a:ln>
+          <a:effectLst/>
+        </p:spPr>
+        <p:style>
+          <a:lnRef idx="1">
+            <a:schemeClr val="accent6"/>
+          </a:lnRef>
+          <a:fillRef idx="2">
+            <a:schemeClr val="accent6"/>
+          </a:fillRef>
+          <a:effectRef idx="1">
+            <a:schemeClr val="accent6"/>
+          </a:effectRef>
+          <a:fontRef idx="minor">
+            <a:schemeClr val="dk1"/>
+          </a:fontRef>
+        </p:style>
+        <p:txBody>
+          <a:bodyPr rtlCol="0" anchor="ctr"/>
+          <a:lstStyle/>
+          <a:p>
+            <a:pPr algn="ctr"/>
+            <a:endParaRPr lang="en-US" sz="1050"/>
+          </a:p>
+        </p:txBody>
+      </p:sp>
+      <p:cxnSp>
+        <p:nvCxnSpPr>
+          <p:cNvPr id="59" name="Straight Arrow Connector 58">
+            <a:extLst>
+              <a:ext uri="{FF2B5EF4-FFF2-40B4-BE49-F238E27FC236}">
+                <a16:creationId xmlns:a16="http://schemas.microsoft.com/office/drawing/2014/main" id="{42B4C1A2-2EC5-466A-BF33-9DE4C4BBAF61}"/>
+              </a:ext>
+            </a:extLst>
+          </p:cNvPr>
+          <p:cNvCxnSpPr>
+            <a:cxnSpLocks/>
+          </p:cNvCxnSpPr>
+          <p:nvPr/>
+        </p:nvCxnSpPr>
+        <p:spPr>
+          <a:xfrm flipV="1">
+            <a:off x="4067285" y="2543335"/>
+            <a:ext cx="330451" cy="286754"/>
+          </a:xfrm>
+          <a:prstGeom prst="straightConnector1">
+            <a:avLst/>
+          </a:prstGeom>
+          <a:ln w="19050">
+            <a:solidFill>
+              <a:srgbClr val="7030A0"/>
+            </a:solidFill>
+            <a:headEnd type="none" w="med" len="med"/>
+            <a:tailEnd type="arrow" w="med" len="med"/>
+          </a:ln>
+          <a:effectLst/>
+        </p:spPr>
+        <p:style>
+          <a:lnRef idx="1">
+            <a:schemeClr val="accent2"/>
+          </a:lnRef>
+          <a:fillRef idx="2">
+            <a:schemeClr val="accent2"/>
+          </a:fillRef>
+          <a:effectRef idx="1">
+            <a:schemeClr val="accent2"/>
+          </a:effectRef>
+          <a:fontRef idx="minor">
+            <a:schemeClr val="dk1"/>
+          </a:fontRef>
+        </p:style>
+      </p:cxnSp>
+      <p:sp>
+        <p:nvSpPr>
+          <p:cNvPr id="67" name="Rectangle 8">
+            <a:extLst>
+              <a:ext uri="{FF2B5EF4-FFF2-40B4-BE49-F238E27FC236}">
+                <a16:creationId xmlns:a16="http://schemas.microsoft.com/office/drawing/2014/main" id="{EB6BD525-82EB-4837-B112-2FB548EC0625}"/>
+              </a:ext>
+            </a:extLst>
+          </p:cNvPr>
+          <p:cNvSpPr/>
+          <p:nvPr/>
+        </p:nvSpPr>
+        <p:spPr>
+          <a:xfrm>
+            <a:off x="4397736" y="2162866"/>
+            <a:ext cx="1060683" cy="364396"/>
+          </a:xfrm>
+          <a:prstGeom prst="rect">
+            <a:avLst/>
+          </a:prstGeom>
+          <a:ln w="19050">
+            <a:solidFill>
+              <a:srgbClr val="7030A0"/>
+            </a:solidFill>
+          </a:ln>
+          <a:effectLst/>
+        </p:spPr>
+        <p:style>
+          <a:lnRef idx="1">
+            <a:schemeClr val="accent4"/>
+          </a:lnRef>
+          <a:fillRef idx="2">
+            <a:schemeClr val="accent4"/>
+          </a:fillRef>
+          <a:effectRef idx="1">
+            <a:schemeClr val="accent4"/>
+          </a:effectRef>
+          <a:fontRef idx="minor">
+            <a:schemeClr val="dk1"/>
+          </a:fontRef>
+        </p:style>
+        <p:txBody>
+          <a:bodyPr rtlCol="0" anchor="ctr"/>
+          <a:lstStyle/>
+          <a:p>
+            <a:pPr algn="ctr"/>
+            <a:r>
+              <a:rPr lang="en-US" sz="1050" dirty="0">
+                <a:solidFill>
+                  <a:srgbClr val="7030A0"/>
+                </a:solidFill>
+              </a:rPr>
+              <a:t>Username</a:t>
+            </a:r>
+            <a:endParaRPr lang="en-SG" sz="1050" dirty="0">
+              <a:solidFill>
+                <a:srgbClr val="7030A0"/>
+              </a:solidFill>
+            </a:endParaRPr>
+          </a:p>
+        </p:txBody>
+      </p:sp>
+      <p:sp>
+        <p:nvSpPr>
+          <p:cNvPr id="71" name="Flowchart: Decision 96">
+            <a:extLst>
+              <a:ext uri="{FF2B5EF4-FFF2-40B4-BE49-F238E27FC236}">
+                <a16:creationId xmlns:a16="http://schemas.microsoft.com/office/drawing/2014/main" id="{4EA3F6E2-EF59-4697-A044-C3CF0E50C0DB}"/>
+              </a:ext>
+            </a:extLst>
+          </p:cNvPr>
+          <p:cNvSpPr/>
+          <p:nvPr/>
+        </p:nvSpPr>
+        <p:spPr>
+          <a:xfrm rot="2951580">
+            <a:off x="4155346" y="3205241"/>
+            <a:ext cx="236048" cy="173380"/>
+          </a:xfrm>
+          <a:prstGeom prst="flowChartDecision">
+            <a:avLst/>
+          </a:prstGeom>
+          <a:solidFill>
+            <a:srgbClr val="7030A0"/>
+          </a:solidFill>
+          <a:ln w="19050">
+            <a:solidFill>
+              <a:srgbClr val="7030A0"/>
+            </a:solidFill>
+          </a:ln>
+          <a:effectLst/>
+        </p:spPr>
+        <p:style>
+          <a:lnRef idx="1">
+            <a:schemeClr val="accent6"/>
+          </a:lnRef>
+          <a:fillRef idx="2">
+            <a:schemeClr val="accent6"/>
+          </a:fillRef>
+          <a:effectRef idx="1">
+            <a:schemeClr val="accent6"/>
+          </a:effectRef>
+          <a:fontRef idx="minor">
+            <a:schemeClr val="dk1"/>
+          </a:fontRef>
+        </p:style>
+        <p:txBody>
+          <a:bodyPr rtlCol="0" anchor="ctr"/>
+          <a:lstStyle/>
+          <a:p>
+            <a:pPr algn="ctr"/>
+            <a:endParaRPr lang="en-US" sz="1050"/>
+          </a:p>
+        </p:txBody>
+      </p:sp>
+      <p:cxnSp>
+        <p:nvCxnSpPr>
+          <p:cNvPr id="72" name="Straight Arrow Connector 71">
+            <a:extLst>
+              <a:ext uri="{FF2B5EF4-FFF2-40B4-BE49-F238E27FC236}">
+                <a16:creationId xmlns:a16="http://schemas.microsoft.com/office/drawing/2014/main" id="{56DD3681-EA0C-4CFC-ACB8-127AF46BFF7C}"/>
+              </a:ext>
+            </a:extLst>
+          </p:cNvPr>
+          <p:cNvCxnSpPr>
+            <a:cxnSpLocks/>
+          </p:cNvCxnSpPr>
+          <p:nvPr/>
+        </p:nvCxnSpPr>
+        <p:spPr>
+          <a:xfrm>
+            <a:off x="4184054" y="3190030"/>
+            <a:ext cx="259852" cy="345993"/>
+          </a:xfrm>
+          <a:prstGeom prst="straightConnector1">
+            <a:avLst/>
+          </a:prstGeom>
+          <a:ln w="19050">
+            <a:solidFill>
+              <a:srgbClr val="7030A0"/>
+            </a:solidFill>
+            <a:headEnd type="none" w="med" len="med"/>
+            <a:tailEnd type="arrow" w="med" len="med"/>
+          </a:ln>
+          <a:effectLst/>
+        </p:spPr>
+        <p:style>
+          <a:lnRef idx="1">
+            <a:schemeClr val="accent2"/>
+          </a:lnRef>
+          <a:fillRef idx="2">
+            <a:schemeClr val="accent2"/>
+          </a:fillRef>
+          <a:effectRef idx="1">
+            <a:schemeClr val="accent2"/>
+          </a:effectRef>
+          <a:fontRef idx="minor">
+            <a:schemeClr val="dk1"/>
+          </a:fontRef>
+        </p:style>
+      </p:cxnSp>
+      <p:sp>
+        <p:nvSpPr>
+          <p:cNvPr id="73" name="Rectangle 8">
+            <a:extLst>
+              <a:ext uri="{FF2B5EF4-FFF2-40B4-BE49-F238E27FC236}">
+                <a16:creationId xmlns:a16="http://schemas.microsoft.com/office/drawing/2014/main" id="{7AF1E458-09B0-4AFA-A202-744F87B8568E}"/>
+              </a:ext>
+            </a:extLst>
+          </p:cNvPr>
+          <p:cNvSpPr/>
+          <p:nvPr/>
+        </p:nvSpPr>
+        <p:spPr>
+          <a:xfrm>
+            <a:off x="4347966" y="3540856"/>
+            <a:ext cx="1060683" cy="364396"/>
+          </a:xfrm>
+          <a:prstGeom prst="rect">
+            <a:avLst/>
+          </a:prstGeom>
+          <a:ln w="19050">
+            <a:solidFill>
+              <a:srgbClr val="7030A0"/>
+            </a:solidFill>
+          </a:ln>
+          <a:effectLst/>
+        </p:spPr>
+        <p:style>
+          <a:lnRef idx="1">
+            <a:schemeClr val="accent4"/>
+          </a:lnRef>
+          <a:fillRef idx="2">
+            <a:schemeClr val="accent4"/>
+          </a:fillRef>
+          <a:effectRef idx="1">
+            <a:schemeClr val="accent4"/>
+          </a:effectRef>
+          <a:fontRef idx="minor">
+            <a:schemeClr val="dk1"/>
+          </a:fontRef>
+        </p:style>
+        <p:txBody>
+          <a:bodyPr rtlCol="0" anchor="ctr"/>
+          <a:lstStyle/>
+          <a:p>
+            <a:pPr algn="ctr"/>
+            <a:r>
+              <a:rPr lang="en-US" sz="1050" dirty="0">
+                <a:solidFill>
+                  <a:srgbClr val="7030A0"/>
+                </a:solidFill>
+              </a:rPr>
+              <a:t>Budget</a:t>
+            </a:r>
+            <a:endParaRPr lang="en-SG" sz="1050" dirty="0">
+              <a:solidFill>
+                <a:srgbClr val="7030A0"/>
+              </a:solidFill>
+            </a:endParaRPr>
+          </a:p>
+        </p:txBody>
+      </p:sp>
     </p:spTree>
     <p:extLst>
       <p:ext uri="{BB962C8B-B14F-4D97-AF65-F5344CB8AC3E}">

--- a/docs/diagrams/ModelComponentClassDiagram.pptx
+++ b/docs/diagrams/ModelComponentClassDiagram.pptx
@@ -208,7 +208,7 @@
           <a:p>
             <a:fld id="{F5CC4B3F-88C1-4FFA-B1B6-F41C21DC6924}" type="datetimeFigureOut">
               <a:rPr lang="en-US" smtClean="0"/>
-              <a:t>6/27/2018</a:t>
+              <a:t>21-Oct-18</a:t>
             </a:fld>
             <a:endParaRPr lang="en-US"/>
           </a:p>
@@ -654,7 +654,7 @@
           <a:p>
             <a:fld id="{78C97017-6FC3-485B-9764-EAC9E56C1D49}" type="datetimeFigureOut">
               <a:rPr lang="en-US" smtClean="0"/>
-              <a:t>6/27/2018</a:t>
+              <a:t>21-Oct-18</a:t>
             </a:fld>
             <a:endParaRPr lang="en-US"/>
           </a:p>
@@ -822,7 +822,7 @@
           <a:p>
             <a:fld id="{78C97017-6FC3-485B-9764-EAC9E56C1D49}" type="datetimeFigureOut">
               <a:rPr lang="en-US" smtClean="0"/>
-              <a:t>6/27/2018</a:t>
+              <a:t>21-Oct-18</a:t>
             </a:fld>
             <a:endParaRPr lang="en-US"/>
           </a:p>
@@ -1000,7 +1000,7 @@
           <a:p>
             <a:fld id="{78C97017-6FC3-485B-9764-EAC9E56C1D49}" type="datetimeFigureOut">
               <a:rPr lang="en-US" smtClean="0"/>
-              <a:t>6/27/2018</a:t>
+              <a:t>21-Oct-18</a:t>
             </a:fld>
             <a:endParaRPr lang="en-US"/>
           </a:p>
@@ -1168,7 +1168,7 @@
           <a:p>
             <a:fld id="{78C97017-6FC3-485B-9764-EAC9E56C1D49}" type="datetimeFigureOut">
               <a:rPr lang="en-US" smtClean="0"/>
-              <a:t>6/27/2018</a:t>
+              <a:t>21-Oct-18</a:t>
             </a:fld>
             <a:endParaRPr lang="en-US"/>
           </a:p>
@@ -1413,7 +1413,7 @@
           <a:p>
             <a:fld id="{78C97017-6FC3-485B-9764-EAC9E56C1D49}" type="datetimeFigureOut">
               <a:rPr lang="en-US" smtClean="0"/>
-              <a:t>6/27/2018</a:t>
+              <a:t>21-Oct-18</a:t>
             </a:fld>
             <a:endParaRPr lang="en-US"/>
           </a:p>
@@ -1698,7 +1698,7 @@
           <a:p>
             <a:fld id="{78C97017-6FC3-485B-9764-EAC9E56C1D49}" type="datetimeFigureOut">
               <a:rPr lang="en-US" smtClean="0"/>
-              <a:t>6/27/2018</a:t>
+              <a:t>21-Oct-18</a:t>
             </a:fld>
             <a:endParaRPr lang="en-US"/>
           </a:p>
@@ -2117,7 +2117,7 @@
           <a:p>
             <a:fld id="{78C97017-6FC3-485B-9764-EAC9E56C1D49}" type="datetimeFigureOut">
               <a:rPr lang="en-US" smtClean="0"/>
-              <a:t>6/27/2018</a:t>
+              <a:t>21-Oct-18</a:t>
             </a:fld>
             <a:endParaRPr lang="en-US"/>
           </a:p>
@@ -2234,7 +2234,7 @@
           <a:p>
             <a:fld id="{78C97017-6FC3-485B-9764-EAC9E56C1D49}" type="datetimeFigureOut">
               <a:rPr lang="en-US" smtClean="0"/>
-              <a:t>6/27/2018</a:t>
+              <a:t>21-Oct-18</a:t>
             </a:fld>
             <a:endParaRPr lang="en-US"/>
           </a:p>
@@ -2329,7 +2329,7 @@
           <a:p>
             <a:fld id="{78C97017-6FC3-485B-9764-EAC9E56C1D49}" type="datetimeFigureOut">
               <a:rPr lang="en-US" smtClean="0"/>
-              <a:t>6/27/2018</a:t>
+              <a:t>21-Oct-18</a:t>
             </a:fld>
             <a:endParaRPr lang="en-US"/>
           </a:p>
@@ -2604,7 +2604,7 @@
           <a:p>
             <a:fld id="{78C97017-6FC3-485B-9764-EAC9E56C1D49}" type="datetimeFigureOut">
               <a:rPr lang="en-US" smtClean="0"/>
-              <a:t>6/27/2018</a:t>
+              <a:t>21-Oct-18</a:t>
             </a:fld>
             <a:endParaRPr lang="en-US"/>
           </a:p>
@@ -2856,7 +2856,7 @@
           <a:p>
             <a:fld id="{78C97017-6FC3-485B-9764-EAC9E56C1D49}" type="datetimeFigureOut">
               <a:rPr lang="en-US" smtClean="0"/>
-              <a:t>6/27/2018</a:t>
+              <a:t>21-Oct-18</a:t>
             </a:fld>
             <a:endParaRPr lang="en-US"/>
           </a:p>
@@ -3067,7 +3067,7 @@
           <a:p>
             <a:fld id="{78C97017-6FC3-485B-9764-EAC9E56C1D49}" type="datetimeFigureOut">
               <a:rPr lang="en-US" smtClean="0"/>
-              <a:t>6/27/2018</a:t>
+              <a:t>21-Oct-18</a:t>
             </a:fld>
             <a:endParaRPr lang="en-US"/>
           </a:p>
@@ -3451,7 +3451,7 @@
         <p:spPr>
           <a:xfrm>
             <a:off x="1119865" y="1600200"/>
-            <a:ext cx="7490735" cy="3124200"/>
+            <a:ext cx="7490735" cy="3352800"/>
           </a:xfrm>
           <a:prstGeom prst="roundRect">
             <a:avLst>
@@ -3994,7 +3994,7 @@
           <a:p>
             <a:pPr algn="ctr"/>
             <a:r>
-              <a:rPr lang="en-US" sz="1050" dirty="0" err="1" smtClean="0">
+              <a:rPr lang="en-US" sz="1050" dirty="0" err="1">
                 <a:solidFill>
                   <a:srgbClr val="7030A0"/>
                 </a:solidFill>
@@ -5023,14 +5023,6 @@
               </a:rPr>
               <a:t>&lt;&lt;interface&gt;&gt;</a:t>
             </a:r>
-            <a:r>
-              <a:rPr lang="en-US" sz="1050">
-                <a:solidFill>
-                  <a:srgbClr val="7030A0"/>
-                </a:solidFill>
-              </a:rPr>
-              <a:t/>
-            </a:r>
             <a:br>
               <a:rPr lang="en-US" sz="1050">
                 <a:solidFill>
@@ -5623,6 +5615,345 @@
             <a:prstDash val="sysDot"/>
             <a:headEnd type="none" w="med" len="med"/>
             <a:tailEnd type="none" w="med" len="med"/>
+          </a:ln>
+          <a:effectLst/>
+        </p:spPr>
+        <p:style>
+          <a:lnRef idx="1">
+            <a:schemeClr val="accent2"/>
+          </a:lnRef>
+          <a:fillRef idx="2">
+            <a:schemeClr val="accent2"/>
+          </a:fillRef>
+          <a:effectRef idx="1">
+            <a:schemeClr val="accent2"/>
+          </a:effectRef>
+          <a:fontRef idx="minor">
+            <a:schemeClr val="dk1"/>
+          </a:fontRef>
+        </p:style>
+      </p:cxnSp>
+      <p:sp>
+        <p:nvSpPr>
+          <p:cNvPr id="56" name="Rectangle 8">
+            <a:extLst>
+              <a:ext uri="{FF2B5EF4-FFF2-40B4-BE49-F238E27FC236}">
+                <a16:creationId xmlns:a16="http://schemas.microsoft.com/office/drawing/2014/main" id="{426DAC2B-FDD5-494F-92B7-B52161E4A441}"/>
+              </a:ext>
+            </a:extLst>
+          </p:cNvPr>
+          <p:cNvSpPr/>
+          <p:nvPr/>
+        </p:nvSpPr>
+        <p:spPr>
+          <a:xfrm>
+            <a:off x="7712397" y="3856148"/>
+            <a:ext cx="708186" cy="285783"/>
+          </a:xfrm>
+          <a:prstGeom prst="rect">
+            <a:avLst/>
+          </a:prstGeom>
+          <a:ln w="19050">
+            <a:solidFill>
+              <a:srgbClr val="7030A0"/>
+            </a:solidFill>
+          </a:ln>
+          <a:effectLst/>
+        </p:spPr>
+        <p:style>
+          <a:lnRef idx="1">
+            <a:schemeClr val="accent4"/>
+          </a:lnRef>
+          <a:fillRef idx="2">
+            <a:schemeClr val="accent4"/>
+          </a:fillRef>
+          <a:effectRef idx="1">
+            <a:schemeClr val="accent4"/>
+          </a:effectRef>
+          <a:fontRef idx="minor">
+            <a:schemeClr val="dk1"/>
+          </a:fontRef>
+        </p:style>
+        <p:txBody>
+          <a:bodyPr rtlCol="0" anchor="ctr"/>
+          <a:lstStyle/>
+          <a:p>
+            <a:pPr algn="ctr"/>
+            <a:r>
+              <a:rPr lang="en-US" sz="800" dirty="0" err="1">
+                <a:solidFill>
+                  <a:srgbClr val="7030A0"/>
+                </a:solidFill>
+              </a:rPr>
+              <a:t>PrescriptionList</a:t>
+            </a:r>
+            <a:endParaRPr lang="en-SG" sz="800" dirty="0">
+              <a:solidFill>
+                <a:srgbClr val="7030A0"/>
+              </a:solidFill>
+            </a:endParaRPr>
+          </a:p>
+        </p:txBody>
+      </p:sp>
+      <p:cxnSp>
+        <p:nvCxnSpPr>
+          <p:cNvPr id="67" name="Elbow Connector 80">
+            <a:extLst>
+              <a:ext uri="{FF2B5EF4-FFF2-40B4-BE49-F238E27FC236}">
+                <a16:creationId xmlns:a16="http://schemas.microsoft.com/office/drawing/2014/main" id="{222BC6DE-5B98-431B-A516-64E97F32C3EA}"/>
+              </a:ext>
+            </a:extLst>
+          </p:cNvPr>
+          <p:cNvCxnSpPr>
+            <a:cxnSpLocks/>
+          </p:cNvCxnSpPr>
+          <p:nvPr/>
+        </p:nvCxnSpPr>
+        <p:spPr>
+          <a:xfrm rot="16200000" flipH="1">
+            <a:off x="7452559" y="3728165"/>
+            <a:ext cx="302475" cy="217201"/>
+          </a:xfrm>
+          <a:prstGeom prst="bentConnector3">
+            <a:avLst>
+              <a:gd name="adj1" fmla="val 100384"/>
+            </a:avLst>
+          </a:prstGeom>
+          <a:ln w="19050">
+            <a:solidFill>
+              <a:srgbClr val="7030A0"/>
+            </a:solidFill>
+            <a:headEnd type="none" w="med" len="med"/>
+            <a:tailEnd type="arrow" w="med" len="med"/>
+          </a:ln>
+          <a:effectLst/>
+        </p:spPr>
+        <p:style>
+          <a:lnRef idx="1">
+            <a:schemeClr val="accent2"/>
+          </a:lnRef>
+          <a:fillRef idx="2">
+            <a:schemeClr val="accent2"/>
+          </a:fillRef>
+          <a:effectRef idx="1">
+            <a:schemeClr val="accent2"/>
+          </a:effectRef>
+          <a:fontRef idx="minor">
+            <a:schemeClr val="dk1"/>
+          </a:fontRef>
+        </p:style>
+      </p:cxnSp>
+      <p:sp>
+        <p:nvSpPr>
+          <p:cNvPr id="71" name="Rectangle 8">
+            <a:extLst>
+              <a:ext uri="{FF2B5EF4-FFF2-40B4-BE49-F238E27FC236}">
+                <a16:creationId xmlns:a16="http://schemas.microsoft.com/office/drawing/2014/main" id="{14E206F9-776D-4EE2-B2D3-6E91A1C10D1E}"/>
+              </a:ext>
+            </a:extLst>
+          </p:cNvPr>
+          <p:cNvSpPr/>
+          <p:nvPr/>
+        </p:nvSpPr>
+        <p:spPr>
+          <a:xfrm>
+            <a:off x="7712397" y="4179125"/>
+            <a:ext cx="708186" cy="285783"/>
+          </a:xfrm>
+          <a:prstGeom prst="rect">
+            <a:avLst/>
+          </a:prstGeom>
+          <a:ln w="19050">
+            <a:solidFill>
+              <a:srgbClr val="7030A0"/>
+            </a:solidFill>
+          </a:ln>
+          <a:effectLst/>
+        </p:spPr>
+        <p:style>
+          <a:lnRef idx="1">
+            <a:schemeClr val="accent4"/>
+          </a:lnRef>
+          <a:fillRef idx="2">
+            <a:schemeClr val="accent4"/>
+          </a:fillRef>
+          <a:effectRef idx="1">
+            <a:schemeClr val="accent4"/>
+          </a:effectRef>
+          <a:fontRef idx="minor">
+            <a:schemeClr val="dk1"/>
+          </a:fontRef>
+        </p:style>
+        <p:txBody>
+          <a:bodyPr rtlCol="0" anchor="ctr"/>
+          <a:lstStyle/>
+          <a:p>
+            <a:pPr algn="ctr"/>
+            <a:r>
+              <a:rPr lang="en-US" sz="700" dirty="0" err="1">
+                <a:solidFill>
+                  <a:srgbClr val="7030A0"/>
+                </a:solidFill>
+              </a:rPr>
+              <a:t>AppointmentsList</a:t>
+            </a:r>
+            <a:endParaRPr lang="en-SG" sz="700" dirty="0">
+              <a:solidFill>
+                <a:srgbClr val="7030A0"/>
+              </a:solidFill>
+            </a:endParaRPr>
+          </a:p>
+        </p:txBody>
+      </p:sp>
+      <p:sp>
+        <p:nvSpPr>
+          <p:cNvPr id="72" name="Rectangle 8">
+            <a:extLst>
+              <a:ext uri="{FF2B5EF4-FFF2-40B4-BE49-F238E27FC236}">
+                <a16:creationId xmlns:a16="http://schemas.microsoft.com/office/drawing/2014/main" id="{8B6B15CB-522B-4472-BBD5-226E58CDE975}"/>
+              </a:ext>
+            </a:extLst>
+          </p:cNvPr>
+          <p:cNvSpPr/>
+          <p:nvPr/>
+        </p:nvSpPr>
+        <p:spPr>
+          <a:xfrm>
+            <a:off x="7712397" y="4504839"/>
+            <a:ext cx="708186" cy="285783"/>
+          </a:xfrm>
+          <a:prstGeom prst="rect">
+            <a:avLst/>
+          </a:prstGeom>
+          <a:ln w="19050">
+            <a:solidFill>
+              <a:srgbClr val="7030A0"/>
+            </a:solidFill>
+          </a:ln>
+          <a:effectLst/>
+        </p:spPr>
+        <p:style>
+          <a:lnRef idx="1">
+            <a:schemeClr val="accent4"/>
+          </a:lnRef>
+          <a:fillRef idx="2">
+            <a:schemeClr val="accent4"/>
+          </a:fillRef>
+          <a:effectRef idx="1">
+            <a:schemeClr val="accent4"/>
+          </a:effectRef>
+          <a:fontRef idx="minor">
+            <a:schemeClr val="dk1"/>
+          </a:fontRef>
+        </p:style>
+        <p:txBody>
+          <a:bodyPr rtlCol="0" anchor="ctr"/>
+          <a:lstStyle/>
+          <a:p>
+            <a:pPr algn="ctr"/>
+            <a:r>
+              <a:rPr lang="en-US" sz="900" dirty="0">
+                <a:solidFill>
+                  <a:srgbClr val="7030A0"/>
+                </a:solidFill>
+              </a:rPr>
+              <a:t>Medical</a:t>
+            </a:r>
+          </a:p>
+          <a:p>
+            <a:pPr algn="ctr"/>
+            <a:r>
+              <a:rPr lang="en-US" sz="900" dirty="0">
+                <a:solidFill>
+                  <a:srgbClr val="7030A0"/>
+                </a:solidFill>
+              </a:rPr>
+              <a:t>History</a:t>
+            </a:r>
+            <a:endParaRPr lang="en-SG" sz="900" dirty="0">
+              <a:solidFill>
+                <a:srgbClr val="7030A0"/>
+              </a:solidFill>
+            </a:endParaRPr>
+          </a:p>
+        </p:txBody>
+      </p:sp>
+      <p:cxnSp>
+        <p:nvCxnSpPr>
+          <p:cNvPr id="73" name="Elbow Connector 80">
+            <a:extLst>
+              <a:ext uri="{FF2B5EF4-FFF2-40B4-BE49-F238E27FC236}">
+                <a16:creationId xmlns:a16="http://schemas.microsoft.com/office/drawing/2014/main" id="{CD6C7BA7-1DF9-418D-854F-B81B84A2C913}"/>
+              </a:ext>
+            </a:extLst>
+          </p:cNvPr>
+          <p:cNvCxnSpPr>
+            <a:cxnSpLocks/>
+            <a:endCxn id="71" idx="1"/>
+          </p:cNvCxnSpPr>
+          <p:nvPr/>
+        </p:nvCxnSpPr>
+        <p:spPr>
+          <a:xfrm rot="16200000" flipH="1">
+            <a:off x="7436791" y="4046411"/>
+            <a:ext cx="334012" cy="217200"/>
+          </a:xfrm>
+          <a:prstGeom prst="bentConnector2">
+            <a:avLst/>
+          </a:prstGeom>
+          <a:ln w="19050">
+            <a:solidFill>
+              <a:srgbClr val="7030A0"/>
+            </a:solidFill>
+            <a:headEnd type="none" w="med" len="med"/>
+            <a:tailEnd type="arrow" w="med" len="med"/>
+          </a:ln>
+          <a:effectLst/>
+        </p:spPr>
+        <p:style>
+          <a:lnRef idx="1">
+            <a:schemeClr val="accent2"/>
+          </a:lnRef>
+          <a:fillRef idx="2">
+            <a:schemeClr val="accent2"/>
+          </a:fillRef>
+          <a:effectRef idx="1">
+            <a:schemeClr val="accent2"/>
+          </a:effectRef>
+          <a:fontRef idx="minor">
+            <a:schemeClr val="dk1"/>
+          </a:fontRef>
+        </p:style>
+      </p:cxnSp>
+      <p:cxnSp>
+        <p:nvCxnSpPr>
+          <p:cNvPr id="74" name="Elbow Connector 80">
+            <a:extLst>
+              <a:ext uri="{FF2B5EF4-FFF2-40B4-BE49-F238E27FC236}">
+                <a16:creationId xmlns:a16="http://schemas.microsoft.com/office/drawing/2014/main" id="{2A7E005B-4900-47C0-AF7F-C00F841DE534}"/>
+              </a:ext>
+            </a:extLst>
+          </p:cNvPr>
+          <p:cNvCxnSpPr>
+            <a:cxnSpLocks/>
+            <a:endCxn id="72" idx="1"/>
+          </p:cNvCxnSpPr>
+          <p:nvPr/>
+        </p:nvCxnSpPr>
+        <p:spPr>
+          <a:xfrm rot="16200000" flipH="1">
+            <a:off x="7416800" y="4352133"/>
+            <a:ext cx="373993" cy="217201"/>
+          </a:xfrm>
+          <a:prstGeom prst="bentConnector2">
+            <a:avLst/>
+          </a:prstGeom>
+          <a:ln w="19050">
+            <a:solidFill>
+              <a:srgbClr val="7030A0"/>
+            </a:solidFill>
+            <a:headEnd type="none" w="med" len="med"/>
+            <a:tailEnd type="arrow" w="med" len="med"/>
           </a:ln>
           <a:effectLst/>
         </p:spPr>

--- a/docs/diagrams/ModelComponentClassDiagram.pptx
+++ b/docs/diagrams/ModelComponentClassDiagram.pptx
@@ -208,7 +208,7 @@
           <a:p>
             <a:fld id="{F5CC4B3F-88C1-4FFA-B1B6-F41C21DC6924}" type="datetimeFigureOut">
               <a:rPr lang="en-US" smtClean="0"/>
-              <a:t>6/27/2018</a:t>
+              <a:t>10/22/2018</a:t>
             </a:fld>
             <a:endParaRPr lang="en-US"/>
           </a:p>
@@ -654,7 +654,7 @@
           <a:p>
             <a:fld id="{78C97017-6FC3-485B-9764-EAC9E56C1D49}" type="datetimeFigureOut">
               <a:rPr lang="en-US" smtClean="0"/>
-              <a:t>6/27/2018</a:t>
+              <a:t>10/22/2018</a:t>
             </a:fld>
             <a:endParaRPr lang="en-US"/>
           </a:p>
@@ -822,7 +822,7 @@
           <a:p>
             <a:fld id="{78C97017-6FC3-485B-9764-EAC9E56C1D49}" type="datetimeFigureOut">
               <a:rPr lang="en-US" smtClean="0"/>
-              <a:t>6/27/2018</a:t>
+              <a:t>10/22/2018</a:t>
             </a:fld>
             <a:endParaRPr lang="en-US"/>
           </a:p>
@@ -1000,7 +1000,7 @@
           <a:p>
             <a:fld id="{78C97017-6FC3-485B-9764-EAC9E56C1D49}" type="datetimeFigureOut">
               <a:rPr lang="en-US" smtClean="0"/>
-              <a:t>6/27/2018</a:t>
+              <a:t>10/22/2018</a:t>
             </a:fld>
             <a:endParaRPr lang="en-US"/>
           </a:p>
@@ -1168,7 +1168,7 @@
           <a:p>
             <a:fld id="{78C97017-6FC3-485B-9764-EAC9E56C1D49}" type="datetimeFigureOut">
               <a:rPr lang="en-US" smtClean="0"/>
-              <a:t>6/27/2018</a:t>
+              <a:t>10/22/2018</a:t>
             </a:fld>
             <a:endParaRPr lang="en-US"/>
           </a:p>
@@ -1413,7 +1413,7 @@
           <a:p>
             <a:fld id="{78C97017-6FC3-485B-9764-EAC9E56C1D49}" type="datetimeFigureOut">
               <a:rPr lang="en-US" smtClean="0"/>
-              <a:t>6/27/2018</a:t>
+              <a:t>10/22/2018</a:t>
             </a:fld>
             <a:endParaRPr lang="en-US"/>
           </a:p>
@@ -1698,7 +1698,7 @@
           <a:p>
             <a:fld id="{78C97017-6FC3-485B-9764-EAC9E56C1D49}" type="datetimeFigureOut">
               <a:rPr lang="en-US" smtClean="0"/>
-              <a:t>6/27/2018</a:t>
+              <a:t>10/22/2018</a:t>
             </a:fld>
             <a:endParaRPr lang="en-US"/>
           </a:p>
@@ -2117,7 +2117,7 @@
           <a:p>
             <a:fld id="{78C97017-6FC3-485B-9764-EAC9E56C1D49}" type="datetimeFigureOut">
               <a:rPr lang="en-US" smtClean="0"/>
-              <a:t>6/27/2018</a:t>
+              <a:t>10/22/2018</a:t>
             </a:fld>
             <a:endParaRPr lang="en-US"/>
           </a:p>
@@ -2234,7 +2234,7 @@
           <a:p>
             <a:fld id="{78C97017-6FC3-485B-9764-EAC9E56C1D49}" type="datetimeFigureOut">
               <a:rPr lang="en-US" smtClean="0"/>
-              <a:t>6/27/2018</a:t>
+              <a:t>10/22/2018</a:t>
             </a:fld>
             <a:endParaRPr lang="en-US"/>
           </a:p>
@@ -2329,7 +2329,7 @@
           <a:p>
             <a:fld id="{78C97017-6FC3-485B-9764-EAC9E56C1D49}" type="datetimeFigureOut">
               <a:rPr lang="en-US" smtClean="0"/>
-              <a:t>6/27/2018</a:t>
+              <a:t>10/22/2018</a:t>
             </a:fld>
             <a:endParaRPr lang="en-US"/>
           </a:p>
@@ -2604,7 +2604,7 @@
           <a:p>
             <a:fld id="{78C97017-6FC3-485B-9764-EAC9E56C1D49}" type="datetimeFigureOut">
               <a:rPr lang="en-US" smtClean="0"/>
-              <a:t>6/27/2018</a:t>
+              <a:t>10/22/2018</a:t>
             </a:fld>
             <a:endParaRPr lang="en-US"/>
           </a:p>
@@ -2856,7 +2856,7 @@
           <a:p>
             <a:fld id="{78C97017-6FC3-485B-9764-EAC9E56C1D49}" type="datetimeFigureOut">
               <a:rPr lang="en-US" smtClean="0"/>
-              <a:t>6/27/2018</a:t>
+              <a:t>10/22/2018</a:t>
             </a:fld>
             <a:endParaRPr lang="en-US"/>
           </a:p>
@@ -3067,7 +3067,7 @@
           <a:p>
             <a:fld id="{78C97017-6FC3-485B-9764-EAC9E56C1D49}" type="datetimeFigureOut">
               <a:rPr lang="en-US" smtClean="0"/>
-              <a:t>6/27/2018</a:t>
+              <a:t>10/22/2018</a:t>
             </a:fld>
             <a:endParaRPr lang="en-US"/>
           </a:p>
@@ -3961,8 +3961,8 @@
         </p:nvSpPr>
         <p:spPr>
           <a:xfrm>
-            <a:off x="2825280" y="2846162"/>
-            <a:ext cx="1490560" cy="334856"/>
+            <a:off x="2825279" y="2846162"/>
+            <a:ext cx="1669578" cy="334856"/>
           </a:xfrm>
           <a:prstGeom prst="rect">
             <a:avLst/>
@@ -3994,12 +3994,12 @@
           <a:p>
             <a:pPr algn="ctr"/>
             <a:r>
-              <a:rPr lang="en-US" sz="1050" dirty="0" err="1" smtClean="0">
+              <a:rPr lang="en-US" sz="1050" dirty="0" err="1">
                 <a:solidFill>
                   <a:srgbClr val="7030A0"/>
                 </a:solidFill>
               </a:rPr>
-              <a:t>VersionedAddressBook</a:t>
+              <a:t>VersionedSchedulePlanner</a:t>
             </a:r>
             <a:endParaRPr lang="en-SG" sz="1050" dirty="0">
               <a:solidFill>
@@ -4013,6 +4013,7 @@
         <p:nvCxnSpPr>
           <p:cNvPr id="47" name="Straight Arrow Connector 46"/>
           <p:cNvCxnSpPr>
+            <a:cxnSpLocks/>
             <a:stCxn id="48" idx="3"/>
             <a:endCxn id="46" idx="1"/>
           </p:cNvCxnSpPr>
@@ -4021,7 +4022,7 @@
         <p:spPr>
           <a:xfrm>
             <a:off x="2624360" y="3003033"/>
-            <a:ext cx="200920" cy="10557"/>
+            <a:ext cx="200919" cy="10557"/>
           </a:xfrm>
           <a:prstGeom prst="straightConnector1">
             <a:avLst/>
@@ -4103,8 +4104,8 @@
         </p:nvSpPr>
         <p:spPr>
           <a:xfrm>
-            <a:off x="4692650" y="2846162"/>
-            <a:ext cx="1156969" cy="346760"/>
+            <a:off x="4838114" y="2846162"/>
+            <a:ext cx="1011505" cy="346760"/>
           </a:xfrm>
           <a:prstGeom prst="rect">
             <a:avLst/>
@@ -4141,7 +4142,7 @@
                   <a:srgbClr val="7030A0"/>
                 </a:solidFill>
               </a:rPr>
-              <a:t>UniquePersonList</a:t>
+              <a:t>UniqueTaskList</a:t>
             </a:r>
             <a:endParaRPr lang="en-SG" sz="1050" dirty="0">
               <a:solidFill>
@@ -4159,7 +4160,7 @@
         </p:nvSpPr>
         <p:spPr>
           <a:xfrm>
-            <a:off x="4324972" y="2920532"/>
+            <a:off x="4487504" y="2938099"/>
             <a:ext cx="236048" cy="173380"/>
           </a:xfrm>
           <a:prstGeom prst="flowChartDecision">
@@ -4244,7 +4245,7 @@
                   <a:srgbClr val="7030A0"/>
                 </a:solidFill>
               </a:rPr>
-              <a:t>Person</a:t>
+              <a:t>Task</a:t>
             </a:r>
             <a:endParaRPr lang="en-SG" sz="1050" dirty="0">
               <a:solidFill>
@@ -4529,7 +4530,7 @@
                   <a:srgbClr val="7030A0"/>
                 </a:solidFill>
               </a:rPr>
-              <a:t>Phone</a:t>
+              <a:t>Date</a:t>
             </a:r>
             <a:endParaRPr lang="en-SG" sz="1050" dirty="0">
               <a:solidFill>
@@ -4626,7 +4627,7 @@
                   <a:srgbClr val="7030A0"/>
                 </a:solidFill>
               </a:rPr>
-              <a:t>Email</a:t>
+              <a:t>Priority</a:t>
             </a:r>
             <a:endParaRPr lang="en-SG" sz="1050" dirty="0">
               <a:solidFill>
@@ -4723,7 +4724,7 @@
                   <a:srgbClr val="7030A0"/>
                 </a:solidFill>
               </a:rPr>
-              <a:t>Address</a:t>
+              <a:t>Venue</a:t>
             </a:r>
             <a:endParaRPr lang="en-SG" sz="1050" dirty="0">
               <a:solidFill>
@@ -4784,7 +4785,7 @@
         </p:nvCxnSpPr>
         <p:spPr>
           <a:xfrm rot="5400000">
-            <a:off x="3553611" y="2687559"/>
+            <a:off x="3671325" y="2687559"/>
             <a:ext cx="293825" cy="5938"/>
           </a:xfrm>
           <a:prstGeom prst="bentConnector3">
@@ -4825,7 +4826,7 @@
         </p:nvSpPr>
         <p:spPr>
           <a:xfrm rot="10800000" flipV="1">
-            <a:off x="3562299" y="2386554"/>
+            <a:off x="3680013" y="2386554"/>
             <a:ext cx="282387" cy="157062"/>
           </a:xfrm>
           <a:prstGeom prst="triangle">
@@ -4874,7 +4875,7 @@
         <p:spPr>
           <a:xfrm>
             <a:off x="1260922" y="1998350"/>
-            <a:ext cx="1443661" cy="364396"/>
+            <a:ext cx="1635405" cy="364396"/>
           </a:xfrm>
           <a:prstGeom prst="rect">
             <a:avLst/>
@@ -4926,7 +4927,7 @@
                   <a:srgbClr val="7030A0"/>
                 </a:solidFill>
               </a:rPr>
-              <a:t>ReadOnlyAddressBook</a:t>
+              <a:t>ReadOnlySchedulePlanner</a:t>
             </a:r>
             <a:endParaRPr lang="en-SG" sz="1050" dirty="0">
               <a:solidFill>
@@ -5022,14 +5023,6 @@
                 </a:solidFill>
               </a:rPr>
               <a:t>&lt;&lt;interface&gt;&gt;</a:t>
-            </a:r>
-            <a:r>
-              <a:rPr lang="en-US" sz="1050">
-                <a:solidFill>
-                  <a:srgbClr val="7030A0"/>
-                </a:solidFill>
-              </a:rPr>
-              <a:t/>
             </a:r>
             <a:br>
               <a:rPr lang="en-US" sz="1050">
@@ -5456,8 +5449,8 @@
         </p:nvSpPr>
         <p:spPr>
           <a:xfrm>
-            <a:off x="3170181" y="1998350"/>
-            <a:ext cx="1060683" cy="364396"/>
+            <a:off x="3358917" y="1998350"/>
+            <a:ext cx="1135940" cy="364396"/>
           </a:xfrm>
           <a:prstGeom prst="rect">
             <a:avLst/>
@@ -5494,7 +5487,7 @@
                   <a:srgbClr val="7030A0"/>
                 </a:solidFill>
               </a:rPr>
-              <a:t>AddressBook</a:t>
+              <a:t>SchedulePlanner</a:t>
             </a:r>
             <a:endParaRPr lang="en-SG" sz="1050" dirty="0">
               <a:solidFill>
@@ -5508,15 +5501,15 @@
         <p:nvCxnSpPr>
           <p:cNvPr id="60" name="Straight Arrow Connector 59"/>
           <p:cNvCxnSpPr>
-            <a:stCxn id="51" idx="1"/>
+            <a:cxnSpLocks/>
             <a:endCxn id="49" idx="1"/>
           </p:cNvCxnSpPr>
           <p:nvPr/>
         </p:nvCxnSpPr>
         <p:spPr>
           <a:xfrm>
-            <a:off x="4324972" y="3007222"/>
-            <a:ext cx="367678" cy="12320"/>
+            <a:off x="4571972" y="3019542"/>
+            <a:ext cx="266142" cy="0"/>
           </a:xfrm>
           <a:prstGeom prst="straightConnector1">
             <a:avLst/>
@@ -5553,7 +5546,7 @@
         </p:nvSpPr>
         <p:spPr>
           <a:xfrm rot="16200000">
-            <a:off x="2669073" y="2069158"/>
+            <a:off x="2818784" y="2069158"/>
             <a:ext cx="271014" cy="187417"/>
           </a:xfrm>
           <a:prstGeom prst="triangle">
@@ -5601,6 +5594,7 @@
         <p:nvCxnSpPr>
           <p:cNvPr id="69" name="Elbow Connector 63"/>
           <p:cNvCxnSpPr>
+            <a:cxnSpLocks/>
             <a:stCxn id="68" idx="3"/>
             <a:endCxn id="55" idx="1"/>
           </p:cNvCxnSpPr>
@@ -5608,8 +5602,8 @@
         </p:nvCxnSpPr>
         <p:spPr>
           <a:xfrm>
-            <a:off x="2898289" y="2177727"/>
-            <a:ext cx="271892" cy="2821"/>
+            <a:off x="3048000" y="2177727"/>
+            <a:ext cx="310917" cy="2821"/>
           </a:xfrm>
           <a:prstGeom prst="bentConnector3">
             <a:avLst>

--- a/docs/diagrams/ModelComponentClassDiagram.pptx
+++ b/docs/diagrams/ModelComponentClassDiagram.pptx
@@ -208,7 +208,7 @@
           <a:p>
             <a:fld id="{F5CC4B3F-88C1-4FFA-B1B6-F41C21DC6924}" type="datetimeFigureOut">
               <a:rPr lang="en-US" smtClean="0"/>
-              <a:t>6/27/2018</a:t>
+              <a:t>10/24/2018</a:t>
             </a:fld>
             <a:endParaRPr lang="en-US"/>
           </a:p>
@@ -654,7 +654,7 @@
           <a:p>
             <a:fld id="{78C97017-6FC3-485B-9764-EAC9E56C1D49}" type="datetimeFigureOut">
               <a:rPr lang="en-US" smtClean="0"/>
-              <a:t>6/27/2018</a:t>
+              <a:t>10/24/2018</a:t>
             </a:fld>
             <a:endParaRPr lang="en-US"/>
           </a:p>
@@ -822,7 +822,7 @@
           <a:p>
             <a:fld id="{78C97017-6FC3-485B-9764-EAC9E56C1D49}" type="datetimeFigureOut">
               <a:rPr lang="en-US" smtClean="0"/>
-              <a:t>6/27/2018</a:t>
+              <a:t>10/24/2018</a:t>
             </a:fld>
             <a:endParaRPr lang="en-US"/>
           </a:p>
@@ -1000,7 +1000,7 @@
           <a:p>
             <a:fld id="{78C97017-6FC3-485B-9764-EAC9E56C1D49}" type="datetimeFigureOut">
               <a:rPr lang="en-US" smtClean="0"/>
-              <a:t>6/27/2018</a:t>
+              <a:t>10/24/2018</a:t>
             </a:fld>
             <a:endParaRPr lang="en-US"/>
           </a:p>
@@ -1168,7 +1168,7 @@
           <a:p>
             <a:fld id="{78C97017-6FC3-485B-9764-EAC9E56C1D49}" type="datetimeFigureOut">
               <a:rPr lang="en-US" smtClean="0"/>
-              <a:t>6/27/2018</a:t>
+              <a:t>10/24/2018</a:t>
             </a:fld>
             <a:endParaRPr lang="en-US"/>
           </a:p>
@@ -1413,7 +1413,7 @@
           <a:p>
             <a:fld id="{78C97017-6FC3-485B-9764-EAC9E56C1D49}" type="datetimeFigureOut">
               <a:rPr lang="en-US" smtClean="0"/>
-              <a:t>6/27/2018</a:t>
+              <a:t>10/24/2018</a:t>
             </a:fld>
             <a:endParaRPr lang="en-US"/>
           </a:p>
@@ -1698,7 +1698,7 @@
           <a:p>
             <a:fld id="{78C97017-6FC3-485B-9764-EAC9E56C1D49}" type="datetimeFigureOut">
               <a:rPr lang="en-US" smtClean="0"/>
-              <a:t>6/27/2018</a:t>
+              <a:t>10/24/2018</a:t>
             </a:fld>
             <a:endParaRPr lang="en-US"/>
           </a:p>
@@ -2117,7 +2117,7 @@
           <a:p>
             <a:fld id="{78C97017-6FC3-485B-9764-EAC9E56C1D49}" type="datetimeFigureOut">
               <a:rPr lang="en-US" smtClean="0"/>
-              <a:t>6/27/2018</a:t>
+              <a:t>10/24/2018</a:t>
             </a:fld>
             <a:endParaRPr lang="en-US"/>
           </a:p>
@@ -2234,7 +2234,7 @@
           <a:p>
             <a:fld id="{78C97017-6FC3-485B-9764-EAC9E56C1D49}" type="datetimeFigureOut">
               <a:rPr lang="en-US" smtClean="0"/>
-              <a:t>6/27/2018</a:t>
+              <a:t>10/24/2018</a:t>
             </a:fld>
             <a:endParaRPr lang="en-US"/>
           </a:p>
@@ -2329,7 +2329,7 @@
           <a:p>
             <a:fld id="{78C97017-6FC3-485B-9764-EAC9E56C1D49}" type="datetimeFigureOut">
               <a:rPr lang="en-US" smtClean="0"/>
-              <a:t>6/27/2018</a:t>
+              <a:t>10/24/2018</a:t>
             </a:fld>
             <a:endParaRPr lang="en-US"/>
           </a:p>
@@ -2604,7 +2604,7 @@
           <a:p>
             <a:fld id="{78C97017-6FC3-485B-9764-EAC9E56C1D49}" type="datetimeFigureOut">
               <a:rPr lang="en-US" smtClean="0"/>
-              <a:t>6/27/2018</a:t>
+              <a:t>10/24/2018</a:t>
             </a:fld>
             <a:endParaRPr lang="en-US"/>
           </a:p>
@@ -2856,7 +2856,7 @@
           <a:p>
             <a:fld id="{78C97017-6FC3-485B-9764-EAC9E56C1D49}" type="datetimeFigureOut">
               <a:rPr lang="en-US" smtClean="0"/>
-              <a:t>6/27/2018</a:t>
+              <a:t>10/24/2018</a:t>
             </a:fld>
             <a:endParaRPr lang="en-US"/>
           </a:p>
@@ -3067,7 +3067,7 @@
           <a:p>
             <a:fld id="{78C97017-6FC3-485B-9764-EAC9E56C1D49}" type="datetimeFigureOut">
               <a:rPr lang="en-US" smtClean="0"/>
-              <a:t>6/27/2018</a:t>
+              <a:t>10/24/2018</a:t>
             </a:fld>
             <a:endParaRPr lang="en-US"/>
           </a:p>
@@ -3450,8 +3450,8 @@
         </p:nvSpPr>
         <p:spPr>
           <a:xfrm>
-            <a:off x="1119865" y="1600200"/>
-            <a:ext cx="7490735" cy="3124200"/>
+            <a:off x="304800" y="160980"/>
+            <a:ext cx="8744174" cy="7298040"/>
           </a:xfrm>
           <a:prstGeom prst="roundRect">
             <a:avLst>
@@ -3511,7 +3511,7 @@
         </p:nvSpPr>
         <p:spPr>
           <a:xfrm>
-            <a:off x="2877180" y="3463240"/>
+            <a:off x="2062115" y="5217322"/>
             <a:ext cx="1093635" cy="346760"/>
           </a:xfrm>
           <a:prstGeom prst="rect">
@@ -3570,7 +3570,7 @@
         </p:nvSpPr>
         <p:spPr>
           <a:xfrm rot="16200000">
-            <a:off x="1661548" y="3097750"/>
+            <a:off x="846483" y="4851832"/>
             <a:ext cx="1093635" cy="346760"/>
           </a:xfrm>
           <a:prstGeom prst="rect">
@@ -3633,7 +3633,7 @@
         </p:nvCxnSpPr>
         <p:spPr>
           <a:xfrm rot="5400000" flipH="1" flipV="1">
-            <a:off x="4131507" y="1281685"/>
+            <a:off x="3316442" y="3035767"/>
             <a:ext cx="613122" cy="4459404"/>
           </a:xfrm>
           <a:prstGeom prst="bentConnector3">
@@ -3674,7 +3674,7 @@
         </p:nvSpPr>
         <p:spPr>
           <a:xfrm rot="16200000">
-            <a:off x="956202" y="2861202"/>
+            <a:off x="141137" y="4615284"/>
             <a:ext cx="1093635" cy="346760"/>
           </a:xfrm>
           <a:prstGeom prst="rect">
@@ -3744,7 +3744,7 @@
         </p:nvSpPr>
         <p:spPr>
           <a:xfrm rot="16200000">
-            <a:off x="1626910" y="2952291"/>
+            <a:off x="811845" y="4706373"/>
             <a:ext cx="270504" cy="175523"/>
           </a:xfrm>
           <a:prstGeom prst="triangle">
@@ -3794,7 +3794,7 @@
         </p:nvCxnSpPr>
         <p:spPr>
           <a:xfrm>
-            <a:off x="2609828" y="3636620"/>
+            <a:off x="1794763" y="5390702"/>
             <a:ext cx="267352" cy="0"/>
           </a:xfrm>
           <a:prstGeom prst="straightConnector1">
@@ -3832,7 +3832,7 @@
         </p:nvCxnSpPr>
         <p:spPr>
           <a:xfrm>
-            <a:off x="910091" y="3040053"/>
+            <a:off x="95026" y="4794135"/>
             <a:ext cx="419548" cy="2860"/>
           </a:xfrm>
           <a:prstGeom prst="bentConnector3">
@@ -3877,7 +3877,7 @@
         </p:nvCxnSpPr>
         <p:spPr>
           <a:xfrm flipV="1">
-            <a:off x="1849924" y="3040052"/>
+            <a:off x="1034859" y="4794134"/>
             <a:ext cx="216105" cy="1"/>
           </a:xfrm>
           <a:prstGeom prst="line">
@@ -3916,7 +3916,7 @@
         </p:nvSpPr>
         <p:spPr>
           <a:xfrm>
-            <a:off x="2373780" y="3549930"/>
+            <a:off x="1558715" y="5304012"/>
             <a:ext cx="236048" cy="173380"/>
           </a:xfrm>
           <a:prstGeom prst="flowChartDecision">
@@ -3961,7 +3961,7 @@
         </p:nvSpPr>
         <p:spPr>
           <a:xfrm>
-            <a:off x="2825280" y="2846162"/>
+            <a:off x="2010215" y="4600244"/>
             <a:ext cx="1490560" cy="334856"/>
           </a:xfrm>
           <a:prstGeom prst="rect">
@@ -3994,12 +3994,12 @@
           <a:p>
             <a:pPr algn="ctr"/>
             <a:r>
-              <a:rPr lang="en-US" sz="1050" dirty="0" err="1" smtClean="0">
+              <a:rPr lang="en-US" sz="1050" dirty="0" err="1">
                 <a:solidFill>
                   <a:srgbClr val="7030A0"/>
                 </a:solidFill>
               </a:rPr>
-              <a:t>VersionedAddressBook</a:t>
+              <a:t>VersionedHealthBook</a:t>
             </a:r>
             <a:endParaRPr lang="en-SG" sz="1050" dirty="0">
               <a:solidFill>
@@ -4020,7 +4020,7 @@
         </p:nvCxnSpPr>
         <p:spPr>
           <a:xfrm>
-            <a:off x="2624360" y="3003033"/>
+            <a:off x="1809295" y="4757115"/>
             <a:ext cx="200920" cy="10557"/>
           </a:xfrm>
           <a:prstGeom prst="straightConnector1">
@@ -4058,7 +4058,7 @@
         </p:nvSpPr>
         <p:spPr>
           <a:xfrm>
-            <a:off x="2388312" y="2916343"/>
+            <a:off x="1573247" y="4670425"/>
             <a:ext cx="236048" cy="173380"/>
           </a:xfrm>
           <a:prstGeom prst="flowChartDecision">
@@ -4103,7 +4103,7 @@
         </p:nvSpPr>
         <p:spPr>
           <a:xfrm>
-            <a:off x="4692650" y="2846162"/>
+            <a:off x="3877585" y="4600244"/>
             <a:ext cx="1156969" cy="346760"/>
           </a:xfrm>
           <a:prstGeom prst="rect">
@@ -4159,7 +4159,7 @@
         </p:nvSpPr>
         <p:spPr>
           <a:xfrm>
-            <a:off x="4324972" y="2920532"/>
+            <a:off x="3509907" y="4674614"/>
             <a:ext cx="236048" cy="173380"/>
           </a:xfrm>
           <a:prstGeom prst="flowChartDecision">
@@ -4206,7 +4206,7 @@
         </p:nvSpPr>
         <p:spPr>
           <a:xfrm>
-            <a:off x="6313677" y="2858066"/>
+            <a:off x="5498612" y="4612148"/>
             <a:ext cx="708186" cy="346760"/>
           </a:xfrm>
           <a:prstGeom prst="rect">
@@ -4262,7 +4262,7 @@
         </p:nvSpPr>
         <p:spPr>
           <a:xfrm>
-            <a:off x="5858751" y="2941676"/>
+            <a:off x="5043686" y="4695758"/>
             <a:ext cx="236048" cy="173380"/>
           </a:xfrm>
           <a:prstGeom prst="flowChartDecision">
@@ -4310,7 +4310,7 @@
         </p:nvCxnSpPr>
         <p:spPr>
           <a:xfrm>
-            <a:off x="6094799" y="3028366"/>
+            <a:off x="5279734" y="4782448"/>
             <a:ext cx="218878" cy="3080"/>
           </a:xfrm>
           <a:prstGeom prst="bentConnector3">
@@ -4348,7 +4348,7 @@
         </p:nvSpPr>
         <p:spPr>
           <a:xfrm>
-            <a:off x="7712397" y="2564238"/>
+            <a:off x="7949549" y="3469684"/>
             <a:ext cx="708186" cy="285783"/>
           </a:xfrm>
           <a:prstGeom prst="rect">
@@ -4404,7 +4404,7 @@
         </p:nvSpPr>
         <p:spPr>
           <a:xfrm>
-            <a:off x="7041947" y="2948201"/>
+            <a:off x="7279099" y="3853647"/>
             <a:ext cx="236048" cy="173380"/>
           </a:xfrm>
           <a:prstGeom prst="flowChartDecision">
@@ -4453,7 +4453,7 @@
         </p:nvCxnSpPr>
         <p:spPr>
           <a:xfrm flipV="1">
-            <a:off x="7277995" y="2706821"/>
+            <a:off x="7515147" y="3612267"/>
             <a:ext cx="434402" cy="327761"/>
           </a:xfrm>
           <a:prstGeom prst="bentConnector3">
@@ -4491,7 +4491,7 @@
         </p:nvSpPr>
         <p:spPr>
           <a:xfrm>
-            <a:off x="7712397" y="2887216"/>
+            <a:off x="7949549" y="3792662"/>
             <a:ext cx="708186" cy="285783"/>
           </a:xfrm>
           <a:prstGeom prst="rect">
@@ -4550,7 +4550,7 @@
         </p:nvCxnSpPr>
         <p:spPr>
           <a:xfrm flipV="1">
-            <a:off x="7277995" y="3030108"/>
+            <a:off x="7515147" y="3935554"/>
             <a:ext cx="434402" cy="4783"/>
           </a:xfrm>
           <a:prstGeom prst="bentConnector3">
@@ -4588,7 +4588,7 @@
         </p:nvSpPr>
         <p:spPr>
           <a:xfrm>
-            <a:off x="7712397" y="3210194"/>
+            <a:off x="7949549" y="4115640"/>
             <a:ext cx="708186" cy="285783"/>
           </a:xfrm>
           <a:prstGeom prst="rect">
@@ -4647,7 +4647,7 @@
         </p:nvCxnSpPr>
         <p:spPr>
           <a:xfrm>
-            <a:off x="7277995" y="3034891"/>
+            <a:off x="7515147" y="3940337"/>
             <a:ext cx="434402" cy="318195"/>
           </a:xfrm>
           <a:prstGeom prst="bentConnector3">
@@ -4685,7 +4685,7 @@
         </p:nvSpPr>
         <p:spPr>
           <a:xfrm>
-            <a:off x="7712397" y="3533171"/>
+            <a:off x="7949549" y="4438617"/>
             <a:ext cx="708186" cy="285783"/>
           </a:xfrm>
           <a:prstGeom prst="rect">
@@ -4744,7 +4744,7 @@
         </p:nvCxnSpPr>
         <p:spPr>
           <a:xfrm>
-            <a:off x="7277995" y="3034891"/>
+            <a:off x="7515147" y="3940337"/>
             <a:ext cx="434402" cy="641172"/>
           </a:xfrm>
           <a:prstGeom prst="bentConnector3">
@@ -4784,7 +4784,7 @@
         </p:nvCxnSpPr>
         <p:spPr>
           <a:xfrm rot="5400000">
-            <a:off x="3553611" y="2687559"/>
+            <a:off x="2738546" y="4441641"/>
             <a:ext cx="293825" cy="5938"/>
           </a:xfrm>
           <a:prstGeom prst="bentConnector3">
@@ -4825,7 +4825,7 @@
         </p:nvSpPr>
         <p:spPr>
           <a:xfrm rot="10800000" flipV="1">
-            <a:off x="3562299" y="2386554"/>
+            <a:off x="2747234" y="4140636"/>
             <a:ext cx="282387" cy="157062"/>
           </a:xfrm>
           <a:prstGeom prst="triangle">
@@ -4873,7 +4873,7 @@
         </p:nvSpPr>
         <p:spPr>
           <a:xfrm>
-            <a:off x="1260922" y="1998350"/>
+            <a:off x="2183070" y="3018071"/>
             <a:ext cx="1443661" cy="364396"/>
           </a:xfrm>
           <a:prstGeom prst="rect">
@@ -4926,7 +4926,7 @@
                   <a:srgbClr val="7030A0"/>
                 </a:solidFill>
               </a:rPr>
-              <a:t>ReadOnlyAddressBook</a:t>
+              <a:t>ReadOnlyHealthBook</a:t>
             </a:r>
             <a:endParaRPr lang="en-SG" sz="1050" dirty="0">
               <a:solidFill>
@@ -4944,7 +4944,7 @@
         </p:nvSpPr>
         <p:spPr>
           <a:xfrm rot="16200000">
-            <a:off x="6362886" y="3586305"/>
+            <a:off x="5547821" y="5340387"/>
             <a:ext cx="881018" cy="261610"/>
           </a:xfrm>
           <a:prstGeom prst="rect">
@@ -4983,7 +4983,7 @@
         </p:nvSpPr>
         <p:spPr>
           <a:xfrm>
-            <a:off x="2057401" y="4239491"/>
+            <a:off x="1242336" y="5993573"/>
             <a:ext cx="1066800" cy="346760"/>
           </a:xfrm>
           <a:prstGeom prst="rect">
@@ -5023,14 +5023,6 @@
               </a:rPr>
               <a:t>&lt;&lt;interface&gt;&gt;</a:t>
             </a:r>
-            <a:r>
-              <a:rPr lang="en-US" sz="1050">
-                <a:solidFill>
-                  <a:srgbClr val="7030A0"/>
-                </a:solidFill>
-              </a:rPr>
-              <a:t/>
-            </a:r>
             <a:br>
               <a:rPr lang="en-US" sz="1050">
                 <a:solidFill>
@@ -5065,7 +5057,7 @@
         </p:nvCxnSpPr>
         <p:spPr>
           <a:xfrm rot="16200000" flipH="1">
-            <a:off x="1364475" y="3719944"/>
+            <a:off x="549410" y="5474026"/>
             <a:ext cx="831471" cy="554381"/>
           </a:xfrm>
           <a:prstGeom prst="bentConnector2">
@@ -5104,7 +5096,7 @@
         </p:nvSpPr>
         <p:spPr>
           <a:xfrm>
-            <a:off x="4429979" y="3111479"/>
+            <a:off x="3614914" y="4865561"/>
             <a:ext cx="189257" cy="178683"/>
           </a:xfrm>
           <a:prstGeom prst="rect">
@@ -5143,7 +5135,7 @@
         </p:nvSpPr>
         <p:spPr>
           <a:xfrm>
-            <a:off x="6135256" y="3097917"/>
+            <a:off x="5320191" y="4851999"/>
             <a:ext cx="189257" cy="178683"/>
           </a:xfrm>
           <a:prstGeom prst="rect">
@@ -5182,7 +5174,7 @@
         </p:nvSpPr>
         <p:spPr>
           <a:xfrm>
-            <a:off x="2573394" y="2756715"/>
+            <a:off x="1758329" y="4510797"/>
             <a:ext cx="170110" cy="137542"/>
           </a:xfrm>
           <a:prstGeom prst="rect">
@@ -5221,7 +5213,7 @@
         </p:nvSpPr>
         <p:spPr>
           <a:xfrm>
-            <a:off x="2707070" y="3667737"/>
+            <a:off x="1892005" y="5421819"/>
             <a:ext cx="189257" cy="178683"/>
           </a:xfrm>
           <a:prstGeom prst="rect">
@@ -5260,7 +5252,7 @@
         </p:nvSpPr>
         <p:spPr>
           <a:xfrm>
-            <a:off x="6449896" y="3204826"/>
+            <a:off x="5634831" y="4958908"/>
             <a:ext cx="189257" cy="178683"/>
           </a:xfrm>
           <a:prstGeom prst="rect">
@@ -5305,7 +5297,7 @@
         </p:nvSpPr>
         <p:spPr>
           <a:xfrm>
-            <a:off x="7712397" y="2228817"/>
+            <a:off x="7949549" y="3134263"/>
             <a:ext cx="708186" cy="285783"/>
           </a:xfrm>
           <a:prstGeom prst="rect">
@@ -5371,7 +5363,7 @@
         </p:nvCxnSpPr>
         <p:spPr>
           <a:xfrm flipV="1">
-            <a:off x="7277995" y="2371709"/>
+            <a:off x="7515147" y="3277155"/>
             <a:ext cx="434402" cy="663182"/>
           </a:xfrm>
           <a:prstGeom prst="bentConnector3">
@@ -5417,7 +5409,7 @@
         </p:nvSpPr>
         <p:spPr>
           <a:xfrm>
-            <a:off x="7466243" y="2255711"/>
+            <a:off x="7703395" y="3161157"/>
             <a:ext cx="189257" cy="178683"/>
           </a:xfrm>
           <a:prstGeom prst="rect">
@@ -5456,7 +5448,7 @@
         </p:nvSpPr>
         <p:spPr>
           <a:xfrm>
-            <a:off x="3170181" y="1998350"/>
+            <a:off x="2355116" y="3752432"/>
             <a:ext cx="1060683" cy="364396"/>
           </a:xfrm>
           <a:prstGeom prst="rect">
@@ -5494,7 +5486,7 @@
                   <a:srgbClr val="7030A0"/>
                 </a:solidFill>
               </a:rPr>
-              <a:t>AddressBook</a:t>
+              <a:t>HealthBook</a:t>
             </a:r>
             <a:endParaRPr lang="en-SG" sz="1050" dirty="0">
               <a:solidFill>
@@ -5508,6 +5500,7 @@
         <p:nvCxnSpPr>
           <p:cNvPr id="60" name="Straight Arrow Connector 59"/>
           <p:cNvCxnSpPr>
+            <a:cxnSpLocks/>
             <a:stCxn id="51" idx="1"/>
             <a:endCxn id="49" idx="1"/>
           </p:cNvCxnSpPr>
@@ -5515,7 +5508,7 @@
         </p:nvCxnSpPr>
         <p:spPr>
           <a:xfrm>
-            <a:off x="4324972" y="3007222"/>
+            <a:off x="3509907" y="4761304"/>
             <a:ext cx="367678" cy="12320"/>
           </a:xfrm>
           <a:prstGeom prst="straightConnector1">
@@ -5552,8 +5545,8 @@
           <p:nvPr/>
         </p:nvSpPr>
         <p:spPr>
-          <a:xfrm rot="16200000">
-            <a:off x="2669073" y="2069158"/>
+          <a:xfrm>
+            <a:off x="2769394" y="3394371"/>
             <a:ext cx="271014" cy="187417"/>
           </a:xfrm>
           <a:prstGeom prst="triangle">
@@ -5601,15 +5594,16 @@
         <p:nvCxnSpPr>
           <p:cNvPr id="69" name="Elbow Connector 63"/>
           <p:cNvCxnSpPr>
+            <a:cxnSpLocks/>
             <a:stCxn id="68" idx="3"/>
-            <a:endCxn id="55" idx="1"/>
+            <a:endCxn id="55" idx="0"/>
           </p:cNvCxnSpPr>
           <p:nvPr/>
         </p:nvCxnSpPr>
         <p:spPr>
-          <a:xfrm>
-            <a:off x="2898289" y="2177727"/>
-            <a:ext cx="271892" cy="2821"/>
+          <a:xfrm rot="5400000">
+            <a:off x="2802428" y="3664819"/>
+            <a:ext cx="170644" cy="4583"/>
           </a:xfrm>
           <a:prstGeom prst="bentConnector3">
             <a:avLst>
@@ -5641,6 +5635,2646 @@
           </a:fontRef>
         </p:style>
       </p:cxnSp>
+      <p:sp>
+        <p:nvSpPr>
+          <p:cNvPr id="57" name="Rectangle 8">
+            <a:extLst>
+              <a:ext uri="{FF2B5EF4-FFF2-40B4-BE49-F238E27FC236}">
+                <a16:creationId xmlns:a16="http://schemas.microsoft.com/office/drawing/2014/main" id="{3059D949-CC96-4FED-A47C-7830A2003B6D}"/>
+              </a:ext>
+            </a:extLst>
+          </p:cNvPr>
+          <p:cNvSpPr/>
+          <p:nvPr/>
+        </p:nvSpPr>
+        <p:spPr>
+          <a:xfrm>
+            <a:off x="6553200" y="3782818"/>
+            <a:ext cx="708186" cy="346760"/>
+          </a:xfrm>
+          <a:prstGeom prst="rect">
+            <a:avLst/>
+          </a:prstGeom>
+          <a:ln w="19050">
+            <a:solidFill>
+              <a:srgbClr val="7030A0"/>
+            </a:solidFill>
+          </a:ln>
+          <a:effectLst/>
+        </p:spPr>
+        <p:style>
+          <a:lnRef idx="1">
+            <a:schemeClr val="accent4"/>
+          </a:lnRef>
+          <a:fillRef idx="2">
+            <a:schemeClr val="accent4"/>
+          </a:fillRef>
+          <a:effectRef idx="1">
+            <a:schemeClr val="accent4"/>
+          </a:effectRef>
+          <a:fontRef idx="minor">
+            <a:schemeClr val="dk1"/>
+          </a:fontRef>
+        </p:style>
+        <p:txBody>
+          <a:bodyPr rtlCol="0" anchor="ctr"/>
+          <a:lstStyle/>
+          <a:p>
+            <a:pPr algn="ctr"/>
+            <a:r>
+              <a:rPr lang="en-US" sz="1050" dirty="0">
+                <a:solidFill>
+                  <a:srgbClr val="7030A0"/>
+                </a:solidFill>
+              </a:rPr>
+              <a:t>Patient</a:t>
+            </a:r>
+            <a:endParaRPr lang="en-SG" sz="1050" dirty="0">
+              <a:solidFill>
+                <a:srgbClr val="7030A0"/>
+              </a:solidFill>
+            </a:endParaRPr>
+          </a:p>
+        </p:txBody>
+      </p:sp>
+      <p:sp>
+        <p:nvSpPr>
+          <p:cNvPr id="109" name="Rectangle 8">
+            <a:extLst>
+              <a:ext uri="{FF2B5EF4-FFF2-40B4-BE49-F238E27FC236}">
+                <a16:creationId xmlns:a16="http://schemas.microsoft.com/office/drawing/2014/main" id="{2DB71A28-FCD6-4FA6-98AC-9ED5094FF47C}"/>
+              </a:ext>
+            </a:extLst>
+          </p:cNvPr>
+          <p:cNvSpPr/>
+          <p:nvPr/>
+        </p:nvSpPr>
+        <p:spPr>
+          <a:xfrm>
+            <a:off x="7949549" y="5679483"/>
+            <a:ext cx="708186" cy="285784"/>
+          </a:xfrm>
+          <a:prstGeom prst="rect">
+            <a:avLst/>
+          </a:prstGeom>
+          <a:ln w="19050">
+            <a:solidFill>
+              <a:srgbClr val="7030A0"/>
+            </a:solidFill>
+          </a:ln>
+          <a:effectLst/>
+        </p:spPr>
+        <p:style>
+          <a:lnRef idx="1">
+            <a:schemeClr val="accent4"/>
+          </a:lnRef>
+          <a:fillRef idx="2">
+            <a:schemeClr val="accent4"/>
+          </a:fillRef>
+          <a:effectRef idx="1">
+            <a:schemeClr val="accent4"/>
+          </a:effectRef>
+          <a:fontRef idx="minor">
+            <a:schemeClr val="dk1"/>
+          </a:fontRef>
+        </p:style>
+        <p:txBody>
+          <a:bodyPr rtlCol="0" anchor="ctr"/>
+          <a:lstStyle/>
+          <a:p>
+            <a:pPr algn="ctr"/>
+            <a:r>
+              <a:rPr lang="en-US" sz="1050" dirty="0">
+                <a:solidFill>
+                  <a:srgbClr val="7030A0"/>
+                </a:solidFill>
+              </a:rPr>
+              <a:t>Name</a:t>
+            </a:r>
+            <a:endParaRPr lang="en-SG" sz="1050" dirty="0">
+              <a:solidFill>
+                <a:srgbClr val="7030A0"/>
+              </a:solidFill>
+            </a:endParaRPr>
+          </a:p>
+        </p:txBody>
+      </p:sp>
+      <p:sp>
+        <p:nvSpPr>
+          <p:cNvPr id="110" name="Flowchart: Decision 96">
+            <a:extLst>
+              <a:ext uri="{FF2B5EF4-FFF2-40B4-BE49-F238E27FC236}">
+                <a16:creationId xmlns:a16="http://schemas.microsoft.com/office/drawing/2014/main" id="{94848745-BB09-4F56-A9FA-414F601E3837}"/>
+              </a:ext>
+            </a:extLst>
+          </p:cNvPr>
+          <p:cNvSpPr/>
+          <p:nvPr/>
+        </p:nvSpPr>
+        <p:spPr>
+          <a:xfrm>
+            <a:off x="7279099" y="6063447"/>
+            <a:ext cx="236048" cy="173380"/>
+          </a:xfrm>
+          <a:prstGeom prst="flowChartDecision">
+            <a:avLst/>
+          </a:prstGeom>
+          <a:solidFill>
+            <a:srgbClr val="7030A0"/>
+          </a:solidFill>
+          <a:ln w="19050">
+            <a:solidFill>
+              <a:srgbClr val="7030A0"/>
+            </a:solidFill>
+          </a:ln>
+          <a:effectLst/>
+        </p:spPr>
+        <p:style>
+          <a:lnRef idx="1">
+            <a:schemeClr val="accent6"/>
+          </a:lnRef>
+          <a:fillRef idx="2">
+            <a:schemeClr val="accent6"/>
+          </a:fillRef>
+          <a:effectRef idx="1">
+            <a:schemeClr val="accent6"/>
+          </a:effectRef>
+          <a:fontRef idx="minor">
+            <a:schemeClr val="dk1"/>
+          </a:fontRef>
+        </p:style>
+        <p:txBody>
+          <a:bodyPr rtlCol="0" anchor="ctr"/>
+          <a:lstStyle/>
+          <a:p>
+            <a:pPr algn="ctr"/>
+            <a:endParaRPr lang="en-US" sz="1050"/>
+          </a:p>
+        </p:txBody>
+      </p:sp>
+      <p:cxnSp>
+        <p:nvCxnSpPr>
+          <p:cNvPr id="111" name="Elbow Connector 78">
+            <a:extLst>
+              <a:ext uri="{FF2B5EF4-FFF2-40B4-BE49-F238E27FC236}">
+                <a16:creationId xmlns:a16="http://schemas.microsoft.com/office/drawing/2014/main" id="{FA7AAD68-1112-4500-A2BB-AB6FD204B50E}"/>
+              </a:ext>
+            </a:extLst>
+          </p:cNvPr>
+          <p:cNvCxnSpPr>
+            <a:cxnSpLocks/>
+          </p:cNvCxnSpPr>
+          <p:nvPr/>
+        </p:nvCxnSpPr>
+        <p:spPr>
+          <a:xfrm flipV="1">
+            <a:off x="7515147" y="5822066"/>
+            <a:ext cx="434402" cy="327762"/>
+          </a:xfrm>
+          <a:prstGeom prst="bentConnector3">
+            <a:avLst/>
+          </a:prstGeom>
+          <a:ln w="19050">
+            <a:solidFill>
+              <a:srgbClr val="7030A0"/>
+            </a:solidFill>
+            <a:headEnd type="none" w="med" len="med"/>
+            <a:tailEnd type="arrow" w="med" len="med"/>
+          </a:ln>
+          <a:effectLst/>
+        </p:spPr>
+        <p:style>
+          <a:lnRef idx="1">
+            <a:schemeClr val="accent2"/>
+          </a:lnRef>
+          <a:fillRef idx="2">
+            <a:schemeClr val="accent2"/>
+          </a:fillRef>
+          <a:effectRef idx="1">
+            <a:schemeClr val="accent2"/>
+          </a:effectRef>
+          <a:fontRef idx="minor">
+            <a:schemeClr val="dk1"/>
+          </a:fontRef>
+        </p:style>
+      </p:cxnSp>
+      <p:sp>
+        <p:nvSpPr>
+          <p:cNvPr id="112" name="Rectangle 8">
+            <a:extLst>
+              <a:ext uri="{FF2B5EF4-FFF2-40B4-BE49-F238E27FC236}">
+                <a16:creationId xmlns:a16="http://schemas.microsoft.com/office/drawing/2014/main" id="{0DA02086-8594-4950-941F-F5548FF0E5BE}"/>
+              </a:ext>
+            </a:extLst>
+          </p:cNvPr>
+          <p:cNvSpPr/>
+          <p:nvPr/>
+        </p:nvSpPr>
+        <p:spPr>
+          <a:xfrm>
+            <a:off x="7949549" y="6002461"/>
+            <a:ext cx="708186" cy="285784"/>
+          </a:xfrm>
+          <a:prstGeom prst="rect">
+            <a:avLst/>
+          </a:prstGeom>
+          <a:ln w="19050">
+            <a:solidFill>
+              <a:srgbClr val="7030A0"/>
+            </a:solidFill>
+          </a:ln>
+          <a:effectLst/>
+        </p:spPr>
+        <p:style>
+          <a:lnRef idx="1">
+            <a:schemeClr val="accent4"/>
+          </a:lnRef>
+          <a:fillRef idx="2">
+            <a:schemeClr val="accent4"/>
+          </a:fillRef>
+          <a:effectRef idx="1">
+            <a:schemeClr val="accent4"/>
+          </a:effectRef>
+          <a:fontRef idx="minor">
+            <a:schemeClr val="dk1"/>
+          </a:fontRef>
+        </p:style>
+        <p:txBody>
+          <a:bodyPr rtlCol="0" anchor="ctr"/>
+          <a:lstStyle/>
+          <a:p>
+            <a:pPr algn="ctr"/>
+            <a:r>
+              <a:rPr lang="en-US" sz="1050" dirty="0">
+                <a:solidFill>
+                  <a:srgbClr val="7030A0"/>
+                </a:solidFill>
+              </a:rPr>
+              <a:t>Phone</a:t>
+            </a:r>
+            <a:endParaRPr lang="en-SG" sz="1050" dirty="0">
+              <a:solidFill>
+                <a:srgbClr val="7030A0"/>
+              </a:solidFill>
+            </a:endParaRPr>
+          </a:p>
+        </p:txBody>
+      </p:sp>
+      <p:cxnSp>
+        <p:nvCxnSpPr>
+          <p:cNvPr id="113" name="Elbow Connector 80">
+            <a:extLst>
+              <a:ext uri="{FF2B5EF4-FFF2-40B4-BE49-F238E27FC236}">
+                <a16:creationId xmlns:a16="http://schemas.microsoft.com/office/drawing/2014/main" id="{C78DE098-CCB2-4DD5-9673-6A4368D53D6D}"/>
+              </a:ext>
+            </a:extLst>
+          </p:cNvPr>
+          <p:cNvCxnSpPr>
+            <a:stCxn id="110" idx="3"/>
+            <a:endCxn id="112" idx="1"/>
+          </p:cNvCxnSpPr>
+          <p:nvPr/>
+        </p:nvCxnSpPr>
+        <p:spPr>
+          <a:xfrm flipV="1">
+            <a:off x="7515147" y="6145353"/>
+            <a:ext cx="434402" cy="4784"/>
+          </a:xfrm>
+          <a:prstGeom prst="bentConnector3">
+            <a:avLst/>
+          </a:prstGeom>
+          <a:ln w="19050">
+            <a:solidFill>
+              <a:srgbClr val="7030A0"/>
+            </a:solidFill>
+            <a:headEnd type="none" w="med" len="med"/>
+            <a:tailEnd type="arrow" w="med" len="med"/>
+          </a:ln>
+          <a:effectLst/>
+        </p:spPr>
+        <p:style>
+          <a:lnRef idx="1">
+            <a:schemeClr val="accent2"/>
+          </a:lnRef>
+          <a:fillRef idx="2">
+            <a:schemeClr val="accent2"/>
+          </a:fillRef>
+          <a:effectRef idx="1">
+            <a:schemeClr val="accent2"/>
+          </a:effectRef>
+          <a:fontRef idx="minor">
+            <a:schemeClr val="dk1"/>
+          </a:fontRef>
+        </p:style>
+      </p:cxnSp>
+      <p:sp>
+        <p:nvSpPr>
+          <p:cNvPr id="115" name="Rectangle 8">
+            <a:extLst>
+              <a:ext uri="{FF2B5EF4-FFF2-40B4-BE49-F238E27FC236}">
+                <a16:creationId xmlns:a16="http://schemas.microsoft.com/office/drawing/2014/main" id="{8F98D23D-C2B9-4874-A06D-6D867E5DD6D1}"/>
+              </a:ext>
+            </a:extLst>
+          </p:cNvPr>
+          <p:cNvSpPr/>
+          <p:nvPr/>
+        </p:nvSpPr>
+        <p:spPr>
+          <a:xfrm>
+            <a:off x="7949549" y="6325439"/>
+            <a:ext cx="708186" cy="285784"/>
+          </a:xfrm>
+          <a:prstGeom prst="rect">
+            <a:avLst/>
+          </a:prstGeom>
+          <a:ln w="19050">
+            <a:solidFill>
+              <a:srgbClr val="7030A0"/>
+            </a:solidFill>
+          </a:ln>
+          <a:effectLst/>
+        </p:spPr>
+        <p:style>
+          <a:lnRef idx="1">
+            <a:schemeClr val="accent4"/>
+          </a:lnRef>
+          <a:fillRef idx="2">
+            <a:schemeClr val="accent4"/>
+          </a:fillRef>
+          <a:effectRef idx="1">
+            <a:schemeClr val="accent4"/>
+          </a:effectRef>
+          <a:fontRef idx="minor">
+            <a:schemeClr val="dk1"/>
+          </a:fontRef>
+        </p:style>
+        <p:txBody>
+          <a:bodyPr rtlCol="0" anchor="ctr"/>
+          <a:lstStyle/>
+          <a:p>
+            <a:pPr algn="ctr"/>
+            <a:r>
+              <a:rPr lang="en-US" sz="1050" dirty="0">
+                <a:solidFill>
+                  <a:srgbClr val="7030A0"/>
+                </a:solidFill>
+              </a:rPr>
+              <a:t>Email</a:t>
+            </a:r>
+            <a:endParaRPr lang="en-SG" sz="1050" dirty="0">
+              <a:solidFill>
+                <a:srgbClr val="7030A0"/>
+              </a:solidFill>
+            </a:endParaRPr>
+          </a:p>
+        </p:txBody>
+      </p:sp>
+      <p:cxnSp>
+        <p:nvCxnSpPr>
+          <p:cNvPr id="116" name="Elbow Connector 83">
+            <a:extLst>
+              <a:ext uri="{FF2B5EF4-FFF2-40B4-BE49-F238E27FC236}">
+                <a16:creationId xmlns:a16="http://schemas.microsoft.com/office/drawing/2014/main" id="{109669FD-D784-4476-8E8F-74C86C98FBD2}"/>
+              </a:ext>
+            </a:extLst>
+          </p:cNvPr>
+          <p:cNvCxnSpPr>
+            <a:stCxn id="110" idx="3"/>
+            <a:endCxn id="115" idx="1"/>
+          </p:cNvCxnSpPr>
+          <p:nvPr/>
+        </p:nvCxnSpPr>
+        <p:spPr>
+          <a:xfrm>
+            <a:off x="7515147" y="6150137"/>
+            <a:ext cx="434402" cy="318194"/>
+          </a:xfrm>
+          <a:prstGeom prst="bentConnector3">
+            <a:avLst/>
+          </a:prstGeom>
+          <a:ln w="19050">
+            <a:solidFill>
+              <a:srgbClr val="7030A0"/>
+            </a:solidFill>
+            <a:headEnd type="none" w="med" len="med"/>
+            <a:tailEnd type="arrow" w="med" len="med"/>
+          </a:ln>
+          <a:effectLst/>
+        </p:spPr>
+        <p:style>
+          <a:lnRef idx="1">
+            <a:schemeClr val="accent2"/>
+          </a:lnRef>
+          <a:fillRef idx="2">
+            <a:schemeClr val="accent2"/>
+          </a:fillRef>
+          <a:effectRef idx="1">
+            <a:schemeClr val="accent2"/>
+          </a:effectRef>
+          <a:fontRef idx="minor">
+            <a:schemeClr val="dk1"/>
+          </a:fontRef>
+        </p:style>
+      </p:cxnSp>
+      <p:sp>
+        <p:nvSpPr>
+          <p:cNvPr id="117" name="Rectangle 8">
+            <a:extLst>
+              <a:ext uri="{FF2B5EF4-FFF2-40B4-BE49-F238E27FC236}">
+                <a16:creationId xmlns:a16="http://schemas.microsoft.com/office/drawing/2014/main" id="{AFD8897B-888D-46A2-960E-6E05DCE157DE}"/>
+              </a:ext>
+            </a:extLst>
+          </p:cNvPr>
+          <p:cNvSpPr/>
+          <p:nvPr/>
+        </p:nvSpPr>
+        <p:spPr>
+          <a:xfrm>
+            <a:off x="7949549" y="6648416"/>
+            <a:ext cx="708186" cy="285784"/>
+          </a:xfrm>
+          <a:prstGeom prst="rect">
+            <a:avLst/>
+          </a:prstGeom>
+          <a:ln w="19050">
+            <a:solidFill>
+              <a:srgbClr val="7030A0"/>
+            </a:solidFill>
+          </a:ln>
+          <a:effectLst/>
+        </p:spPr>
+        <p:style>
+          <a:lnRef idx="1">
+            <a:schemeClr val="accent4"/>
+          </a:lnRef>
+          <a:fillRef idx="2">
+            <a:schemeClr val="accent4"/>
+          </a:fillRef>
+          <a:effectRef idx="1">
+            <a:schemeClr val="accent4"/>
+          </a:effectRef>
+          <a:fontRef idx="minor">
+            <a:schemeClr val="dk1"/>
+          </a:fontRef>
+        </p:style>
+        <p:txBody>
+          <a:bodyPr rtlCol="0" anchor="ctr"/>
+          <a:lstStyle/>
+          <a:p>
+            <a:pPr algn="ctr"/>
+            <a:r>
+              <a:rPr lang="en-US" sz="1050" dirty="0">
+                <a:solidFill>
+                  <a:srgbClr val="7030A0"/>
+                </a:solidFill>
+              </a:rPr>
+              <a:t>Address</a:t>
+            </a:r>
+            <a:endParaRPr lang="en-SG" sz="1050" dirty="0">
+              <a:solidFill>
+                <a:srgbClr val="7030A0"/>
+              </a:solidFill>
+            </a:endParaRPr>
+          </a:p>
+        </p:txBody>
+      </p:sp>
+      <p:cxnSp>
+        <p:nvCxnSpPr>
+          <p:cNvPr id="121" name="Elbow Connector 85">
+            <a:extLst>
+              <a:ext uri="{FF2B5EF4-FFF2-40B4-BE49-F238E27FC236}">
+                <a16:creationId xmlns:a16="http://schemas.microsoft.com/office/drawing/2014/main" id="{5DF40A76-C47D-4D84-B1BF-3E5B2E83032B}"/>
+              </a:ext>
+            </a:extLst>
+          </p:cNvPr>
+          <p:cNvCxnSpPr>
+            <a:stCxn id="110" idx="3"/>
+            <a:endCxn id="117" idx="1"/>
+          </p:cNvCxnSpPr>
+          <p:nvPr/>
+        </p:nvCxnSpPr>
+        <p:spPr>
+          <a:xfrm>
+            <a:off x="7515147" y="6150137"/>
+            <a:ext cx="434402" cy="641171"/>
+          </a:xfrm>
+          <a:prstGeom prst="bentConnector3">
+            <a:avLst/>
+          </a:prstGeom>
+          <a:ln w="19050">
+            <a:solidFill>
+              <a:srgbClr val="7030A0"/>
+            </a:solidFill>
+            <a:headEnd type="none" w="med" len="med"/>
+            <a:tailEnd type="arrow" w="med" len="med"/>
+          </a:ln>
+          <a:effectLst/>
+        </p:spPr>
+        <p:style>
+          <a:lnRef idx="1">
+            <a:schemeClr val="accent2"/>
+          </a:lnRef>
+          <a:fillRef idx="2">
+            <a:schemeClr val="accent2"/>
+          </a:fillRef>
+          <a:effectRef idx="1">
+            <a:schemeClr val="accent2"/>
+          </a:effectRef>
+          <a:fontRef idx="minor">
+            <a:schemeClr val="dk1"/>
+          </a:fontRef>
+        </p:style>
+      </p:cxnSp>
+      <p:sp>
+        <p:nvSpPr>
+          <p:cNvPr id="123" name="Rectangle 8">
+            <a:extLst>
+              <a:ext uri="{FF2B5EF4-FFF2-40B4-BE49-F238E27FC236}">
+                <a16:creationId xmlns:a16="http://schemas.microsoft.com/office/drawing/2014/main" id="{FA281F3B-A835-44BE-A349-302547248A68}"/>
+              </a:ext>
+            </a:extLst>
+          </p:cNvPr>
+          <p:cNvSpPr/>
+          <p:nvPr/>
+        </p:nvSpPr>
+        <p:spPr>
+          <a:xfrm>
+            <a:off x="7949549" y="5344062"/>
+            <a:ext cx="708186" cy="285784"/>
+          </a:xfrm>
+          <a:prstGeom prst="rect">
+            <a:avLst/>
+          </a:prstGeom>
+          <a:ln w="19050">
+            <a:solidFill>
+              <a:srgbClr val="7030A0"/>
+            </a:solidFill>
+          </a:ln>
+          <a:effectLst/>
+        </p:spPr>
+        <p:style>
+          <a:lnRef idx="1">
+            <a:schemeClr val="accent4"/>
+          </a:lnRef>
+          <a:fillRef idx="2">
+            <a:schemeClr val="accent4"/>
+          </a:fillRef>
+          <a:effectRef idx="1">
+            <a:schemeClr val="accent4"/>
+          </a:effectRef>
+          <a:fontRef idx="minor">
+            <a:schemeClr val="dk1"/>
+          </a:fontRef>
+        </p:style>
+        <p:txBody>
+          <a:bodyPr rtlCol="0" anchor="ctr"/>
+          <a:lstStyle/>
+          <a:p>
+            <a:pPr algn="ctr"/>
+            <a:r>
+              <a:rPr lang="en-US" sz="1050" dirty="0">
+                <a:solidFill>
+                  <a:srgbClr val="7030A0"/>
+                </a:solidFill>
+              </a:rPr>
+              <a:t>Tag</a:t>
+            </a:r>
+            <a:endParaRPr lang="en-SG" sz="1050" dirty="0">
+              <a:solidFill>
+                <a:srgbClr val="7030A0"/>
+              </a:solidFill>
+            </a:endParaRPr>
+          </a:p>
+        </p:txBody>
+      </p:sp>
+      <p:cxnSp>
+        <p:nvCxnSpPr>
+          <p:cNvPr id="125" name="Elbow Connector 78">
+            <a:extLst>
+              <a:ext uri="{FF2B5EF4-FFF2-40B4-BE49-F238E27FC236}">
+                <a16:creationId xmlns:a16="http://schemas.microsoft.com/office/drawing/2014/main" id="{E108EE52-E69E-4593-B147-ABD62FFFE9E5}"/>
+              </a:ext>
+            </a:extLst>
+          </p:cNvPr>
+          <p:cNvCxnSpPr>
+            <a:cxnSpLocks/>
+            <a:stCxn id="110" idx="3"/>
+            <a:endCxn id="123" idx="1"/>
+          </p:cNvCxnSpPr>
+          <p:nvPr/>
+        </p:nvCxnSpPr>
+        <p:spPr>
+          <a:xfrm flipV="1">
+            <a:off x="7515147" y="5486954"/>
+            <a:ext cx="434402" cy="663183"/>
+          </a:xfrm>
+          <a:prstGeom prst="bentConnector3">
+            <a:avLst>
+              <a:gd name="adj1" fmla="val 50000"/>
+            </a:avLst>
+          </a:prstGeom>
+          <a:ln w="19050">
+            <a:solidFill>
+              <a:srgbClr val="7030A0"/>
+            </a:solidFill>
+            <a:headEnd type="none" w="med" len="med"/>
+            <a:tailEnd type="arrow" w="med" len="med"/>
+          </a:ln>
+          <a:effectLst/>
+        </p:spPr>
+        <p:style>
+          <a:lnRef idx="1">
+            <a:schemeClr val="accent2"/>
+          </a:lnRef>
+          <a:fillRef idx="2">
+            <a:schemeClr val="accent2"/>
+          </a:fillRef>
+          <a:effectRef idx="1">
+            <a:schemeClr val="accent2"/>
+          </a:effectRef>
+          <a:fontRef idx="minor">
+            <a:schemeClr val="dk1"/>
+          </a:fontRef>
+        </p:style>
+      </p:cxnSp>
+      <p:sp>
+        <p:nvSpPr>
+          <p:cNvPr id="126" name="TextBox 125">
+            <a:extLst>
+              <a:ext uri="{FF2B5EF4-FFF2-40B4-BE49-F238E27FC236}">
+                <a16:creationId xmlns:a16="http://schemas.microsoft.com/office/drawing/2014/main" id="{3A51F863-17EC-4BBD-AB93-C89C820E0850}"/>
+              </a:ext>
+            </a:extLst>
+          </p:cNvPr>
+          <p:cNvSpPr txBox="1"/>
+          <p:nvPr/>
+        </p:nvSpPr>
+        <p:spPr>
+          <a:xfrm>
+            <a:off x="7703395" y="5370957"/>
+            <a:ext cx="189257" cy="178683"/>
+          </a:xfrm>
+          <a:prstGeom prst="rect">
+            <a:avLst/>
+          </a:prstGeom>
+          <a:noFill/>
+        </p:spPr>
+        <p:txBody>
+          <a:bodyPr wrap="square" lIns="0" tIns="0" rIns="0" bIns="0" rtlCol="0">
+            <a:noAutofit/>
+          </a:bodyPr>
+          <a:lstStyle/>
+          <a:p>
+            <a:pPr algn="ctr"/>
+            <a:r>
+              <a:rPr lang="en-US" sz="1100" dirty="0">
+                <a:solidFill>
+                  <a:srgbClr val="7030A0"/>
+                </a:solidFill>
+              </a:rPr>
+              <a:t>*</a:t>
+            </a:r>
+            <a:endParaRPr lang="en-SG" sz="1100" dirty="0">
+              <a:solidFill>
+                <a:srgbClr val="7030A0"/>
+              </a:solidFill>
+            </a:endParaRPr>
+          </a:p>
+        </p:txBody>
+      </p:sp>
+      <p:sp>
+        <p:nvSpPr>
+          <p:cNvPr id="127" name="Rectangle 8">
+            <a:extLst>
+              <a:ext uri="{FF2B5EF4-FFF2-40B4-BE49-F238E27FC236}">
+                <a16:creationId xmlns:a16="http://schemas.microsoft.com/office/drawing/2014/main" id="{123C690D-C34F-4FE0-93E9-5CF115D8A55C}"/>
+              </a:ext>
+            </a:extLst>
+          </p:cNvPr>
+          <p:cNvSpPr/>
+          <p:nvPr/>
+        </p:nvSpPr>
+        <p:spPr>
+          <a:xfrm>
+            <a:off x="6553200" y="5992618"/>
+            <a:ext cx="708186" cy="346760"/>
+          </a:xfrm>
+          <a:prstGeom prst="rect">
+            <a:avLst/>
+          </a:prstGeom>
+          <a:ln w="19050">
+            <a:solidFill>
+              <a:srgbClr val="7030A0"/>
+            </a:solidFill>
+          </a:ln>
+          <a:effectLst/>
+        </p:spPr>
+        <p:style>
+          <a:lnRef idx="1">
+            <a:schemeClr val="accent4"/>
+          </a:lnRef>
+          <a:fillRef idx="2">
+            <a:schemeClr val="accent4"/>
+          </a:fillRef>
+          <a:effectRef idx="1">
+            <a:schemeClr val="accent4"/>
+          </a:effectRef>
+          <a:fontRef idx="minor">
+            <a:schemeClr val="dk1"/>
+          </a:fontRef>
+        </p:style>
+        <p:txBody>
+          <a:bodyPr rtlCol="0" anchor="ctr"/>
+          <a:lstStyle/>
+          <a:p>
+            <a:pPr algn="ctr"/>
+            <a:r>
+              <a:rPr lang="en-US" sz="1050" dirty="0">
+                <a:solidFill>
+                  <a:srgbClr val="7030A0"/>
+                </a:solidFill>
+              </a:rPr>
+              <a:t>Doctor</a:t>
+            </a:r>
+            <a:endParaRPr lang="en-SG" sz="1050" dirty="0">
+              <a:solidFill>
+                <a:srgbClr val="7030A0"/>
+              </a:solidFill>
+            </a:endParaRPr>
+          </a:p>
+        </p:txBody>
+      </p:sp>
+      <p:cxnSp>
+        <p:nvCxnSpPr>
+          <p:cNvPr id="130" name="Elbow Connector 63">
+            <a:extLst>
+              <a:ext uri="{FF2B5EF4-FFF2-40B4-BE49-F238E27FC236}">
+                <a16:creationId xmlns:a16="http://schemas.microsoft.com/office/drawing/2014/main" id="{F0212A80-9AAE-43EE-AF02-193F845A932A}"/>
+              </a:ext>
+            </a:extLst>
+          </p:cNvPr>
+          <p:cNvCxnSpPr>
+            <a:cxnSpLocks/>
+            <a:stCxn id="131" idx="3"/>
+            <a:endCxn id="57" idx="1"/>
+          </p:cNvCxnSpPr>
+          <p:nvPr/>
+        </p:nvCxnSpPr>
+        <p:spPr>
+          <a:xfrm rot="5400000" flipH="1" flipV="1">
+            <a:off x="6126559" y="4031424"/>
+            <a:ext cx="501866" cy="351415"/>
+          </a:xfrm>
+          <a:prstGeom prst="bentConnector2">
+            <a:avLst/>
+          </a:prstGeom>
+          <a:ln w="19050">
+            <a:solidFill>
+              <a:srgbClr val="7030A0"/>
+            </a:solidFill>
+            <a:prstDash val="solid"/>
+            <a:headEnd type="none" w="med" len="med"/>
+            <a:tailEnd type="none" w="med" len="med"/>
+          </a:ln>
+          <a:effectLst/>
+        </p:spPr>
+        <p:style>
+          <a:lnRef idx="1">
+            <a:schemeClr val="accent2"/>
+          </a:lnRef>
+          <a:fillRef idx="2">
+            <a:schemeClr val="accent2"/>
+          </a:fillRef>
+          <a:effectRef idx="1">
+            <a:schemeClr val="accent2"/>
+          </a:effectRef>
+          <a:fontRef idx="minor">
+            <a:schemeClr val="dk1"/>
+          </a:fontRef>
+        </p:style>
+      </p:cxnSp>
+      <p:sp>
+        <p:nvSpPr>
+          <p:cNvPr id="131" name="Isosceles Triangle 102">
+            <a:extLst>
+              <a:ext uri="{FF2B5EF4-FFF2-40B4-BE49-F238E27FC236}">
+                <a16:creationId xmlns:a16="http://schemas.microsoft.com/office/drawing/2014/main" id="{2CD1C0C5-001D-4E58-8CCD-A3DA50804D34}"/>
+              </a:ext>
+            </a:extLst>
+          </p:cNvPr>
+          <p:cNvSpPr/>
+          <p:nvPr/>
+        </p:nvSpPr>
+        <p:spPr>
+          <a:xfrm rot="10800000">
+            <a:off x="6060592" y="4458064"/>
+            <a:ext cx="282387" cy="142035"/>
+          </a:xfrm>
+          <a:prstGeom prst="triangle">
+            <a:avLst/>
+          </a:prstGeom>
+          <a:ln w="19050">
+            <a:solidFill>
+              <a:srgbClr val="7030A0"/>
+            </a:solidFill>
+            <a:prstDash val="solid"/>
+          </a:ln>
+          <a:effectLst/>
+        </p:spPr>
+        <p:style>
+          <a:lnRef idx="1">
+            <a:schemeClr val="accent4"/>
+          </a:lnRef>
+          <a:fillRef idx="2">
+            <a:schemeClr val="accent4"/>
+          </a:fillRef>
+          <a:effectRef idx="1">
+            <a:schemeClr val="accent4"/>
+          </a:effectRef>
+          <a:fontRef idx="minor">
+            <a:schemeClr val="dk1"/>
+          </a:fontRef>
+        </p:style>
+        <p:txBody>
+          <a:bodyPr rtlCol="0" anchor="ctr"/>
+          <a:lstStyle/>
+          <a:p>
+            <a:pPr algn="ctr"/>
+            <a:endParaRPr lang="en-SG" sz="1050" b="1">
+              <a:solidFill>
+                <a:srgbClr val="92D050"/>
+              </a:solidFill>
+            </a:endParaRPr>
+          </a:p>
+        </p:txBody>
+      </p:sp>
+      <p:cxnSp>
+        <p:nvCxnSpPr>
+          <p:cNvPr id="134" name="Elbow Connector 63">
+            <a:extLst>
+              <a:ext uri="{FF2B5EF4-FFF2-40B4-BE49-F238E27FC236}">
+                <a16:creationId xmlns:a16="http://schemas.microsoft.com/office/drawing/2014/main" id="{DFCDA6A1-3C97-452E-9D2B-1A1AE2D296D3}"/>
+              </a:ext>
+            </a:extLst>
+          </p:cNvPr>
+          <p:cNvCxnSpPr>
+            <a:cxnSpLocks/>
+            <a:stCxn id="135" idx="3"/>
+            <a:endCxn id="127" idx="1"/>
+          </p:cNvCxnSpPr>
+          <p:nvPr/>
+        </p:nvCxnSpPr>
+        <p:spPr>
+          <a:xfrm rot="16200000" flipH="1">
+            <a:off x="5863061" y="5475858"/>
+            <a:ext cx="1028407" cy="351871"/>
+          </a:xfrm>
+          <a:prstGeom prst="bentConnector2">
+            <a:avLst/>
+          </a:prstGeom>
+          <a:ln w="19050">
+            <a:solidFill>
+              <a:srgbClr val="7030A0"/>
+            </a:solidFill>
+            <a:prstDash val="solid"/>
+            <a:headEnd type="none" w="med" len="med"/>
+            <a:tailEnd type="none" w="med" len="med"/>
+          </a:ln>
+          <a:effectLst/>
+        </p:spPr>
+        <p:style>
+          <a:lnRef idx="1">
+            <a:schemeClr val="accent2"/>
+          </a:lnRef>
+          <a:fillRef idx="2">
+            <a:schemeClr val="accent2"/>
+          </a:fillRef>
+          <a:effectRef idx="1">
+            <a:schemeClr val="accent2"/>
+          </a:effectRef>
+          <a:fontRef idx="minor">
+            <a:schemeClr val="dk1"/>
+          </a:fontRef>
+        </p:style>
+      </p:cxnSp>
+      <p:sp>
+        <p:nvSpPr>
+          <p:cNvPr id="135" name="Isosceles Triangle 102">
+            <a:extLst>
+              <a:ext uri="{FF2B5EF4-FFF2-40B4-BE49-F238E27FC236}">
+                <a16:creationId xmlns:a16="http://schemas.microsoft.com/office/drawing/2014/main" id="{06D695AF-462E-42D2-81D2-35AF6347371E}"/>
+              </a:ext>
+            </a:extLst>
+          </p:cNvPr>
+          <p:cNvSpPr/>
+          <p:nvPr/>
+        </p:nvSpPr>
+        <p:spPr>
+          <a:xfrm rot="10800000" flipV="1">
+            <a:off x="6060136" y="4979047"/>
+            <a:ext cx="282387" cy="158544"/>
+          </a:xfrm>
+          <a:prstGeom prst="triangle">
+            <a:avLst/>
+          </a:prstGeom>
+          <a:ln w="19050">
+            <a:solidFill>
+              <a:srgbClr val="7030A0"/>
+            </a:solidFill>
+            <a:prstDash val="solid"/>
+          </a:ln>
+          <a:effectLst/>
+        </p:spPr>
+        <p:style>
+          <a:lnRef idx="1">
+            <a:schemeClr val="accent4"/>
+          </a:lnRef>
+          <a:fillRef idx="2">
+            <a:schemeClr val="accent4"/>
+          </a:fillRef>
+          <a:effectRef idx="1">
+            <a:schemeClr val="accent4"/>
+          </a:effectRef>
+          <a:fontRef idx="minor">
+            <a:schemeClr val="dk1"/>
+          </a:fontRef>
+        </p:style>
+        <p:txBody>
+          <a:bodyPr rtlCol="0" anchor="ctr"/>
+          <a:lstStyle/>
+          <a:p>
+            <a:pPr algn="ctr"/>
+            <a:endParaRPr lang="en-SG" sz="1050" b="1">
+              <a:solidFill>
+                <a:srgbClr val="92D050"/>
+              </a:solidFill>
+            </a:endParaRPr>
+          </a:p>
+        </p:txBody>
+      </p:sp>
+      <p:cxnSp>
+        <p:nvCxnSpPr>
+          <p:cNvPr id="136" name="Elbow Connector 106">
+            <a:extLst>
+              <a:ext uri="{FF2B5EF4-FFF2-40B4-BE49-F238E27FC236}">
+                <a16:creationId xmlns:a16="http://schemas.microsoft.com/office/drawing/2014/main" id="{65AD5A0C-AEDB-48CA-BA3A-D6F6F04B4A40}"/>
+              </a:ext>
+            </a:extLst>
+          </p:cNvPr>
+          <p:cNvCxnSpPr>
+            <a:cxnSpLocks/>
+            <a:stCxn id="9" idx="3"/>
+            <a:endCxn id="145" idx="0"/>
+          </p:cNvCxnSpPr>
+          <p:nvPr/>
+        </p:nvCxnSpPr>
+        <p:spPr>
+          <a:xfrm rot="5400000" flipH="1" flipV="1">
+            <a:off x="2577387" y="706046"/>
+            <a:ext cx="2588262" cy="4956437"/>
+          </a:xfrm>
+          <a:prstGeom prst="bentConnector3">
+            <a:avLst>
+              <a:gd name="adj1" fmla="val 108832"/>
+            </a:avLst>
+          </a:prstGeom>
+          <a:ln w="19050">
+            <a:solidFill>
+              <a:srgbClr val="7030A0"/>
+            </a:solidFill>
+            <a:prstDash val="solid"/>
+            <a:headEnd type="none" w="med" len="med"/>
+            <a:tailEnd type="arrow" w="med" len="med"/>
+          </a:ln>
+          <a:effectLst/>
+        </p:spPr>
+        <p:style>
+          <a:lnRef idx="1">
+            <a:schemeClr val="accent2"/>
+          </a:lnRef>
+          <a:fillRef idx="2">
+            <a:schemeClr val="accent2"/>
+          </a:fillRef>
+          <a:effectRef idx="1">
+            <a:schemeClr val="accent2"/>
+          </a:effectRef>
+          <a:fontRef idx="minor">
+            <a:schemeClr val="dk1"/>
+          </a:fontRef>
+        </p:style>
+      </p:cxnSp>
+      <p:sp>
+        <p:nvSpPr>
+          <p:cNvPr id="137" name="Rectangle 8">
+            <a:extLst>
+              <a:ext uri="{FF2B5EF4-FFF2-40B4-BE49-F238E27FC236}">
+                <a16:creationId xmlns:a16="http://schemas.microsoft.com/office/drawing/2014/main" id="{550BF85E-0A48-4073-B029-25FBB37DF5E5}"/>
+              </a:ext>
+            </a:extLst>
+          </p:cNvPr>
+          <p:cNvSpPr/>
+          <p:nvPr/>
+        </p:nvSpPr>
+        <p:spPr>
+          <a:xfrm>
+            <a:off x="3858954" y="1890133"/>
+            <a:ext cx="1492825" cy="346760"/>
+          </a:xfrm>
+          <a:prstGeom prst="rect">
+            <a:avLst/>
+          </a:prstGeom>
+          <a:ln w="19050">
+            <a:solidFill>
+              <a:srgbClr val="7030A0"/>
+            </a:solidFill>
+          </a:ln>
+          <a:effectLst/>
+        </p:spPr>
+        <p:style>
+          <a:lnRef idx="1">
+            <a:schemeClr val="accent4"/>
+          </a:lnRef>
+          <a:fillRef idx="2">
+            <a:schemeClr val="accent4"/>
+          </a:fillRef>
+          <a:effectRef idx="1">
+            <a:schemeClr val="accent4"/>
+          </a:effectRef>
+          <a:fontRef idx="minor">
+            <a:schemeClr val="dk1"/>
+          </a:fontRef>
+        </p:style>
+        <p:txBody>
+          <a:bodyPr rtlCol="0" anchor="ctr"/>
+          <a:lstStyle/>
+          <a:p>
+            <a:pPr algn="ctr"/>
+            <a:r>
+              <a:rPr lang="en-US" sz="1050" dirty="0" err="1">
+                <a:solidFill>
+                  <a:srgbClr val="7030A0"/>
+                </a:solidFill>
+              </a:rPr>
+              <a:t>UniqueAppointmentList</a:t>
+            </a:r>
+            <a:endParaRPr lang="en-SG" sz="1050" dirty="0">
+              <a:solidFill>
+                <a:srgbClr val="7030A0"/>
+              </a:solidFill>
+            </a:endParaRPr>
+          </a:p>
+        </p:txBody>
+      </p:sp>
+      <p:cxnSp>
+        <p:nvCxnSpPr>
+          <p:cNvPr id="140" name="Straight Arrow Connector 139">
+            <a:extLst>
+              <a:ext uri="{FF2B5EF4-FFF2-40B4-BE49-F238E27FC236}">
+                <a16:creationId xmlns:a16="http://schemas.microsoft.com/office/drawing/2014/main" id="{93206877-17B3-4D75-838A-A73AA4323FCD}"/>
+              </a:ext>
+            </a:extLst>
+          </p:cNvPr>
+          <p:cNvCxnSpPr>
+            <a:cxnSpLocks/>
+            <a:stCxn id="141" idx="1"/>
+            <a:endCxn id="137" idx="2"/>
+          </p:cNvCxnSpPr>
+          <p:nvPr/>
+        </p:nvCxnSpPr>
+        <p:spPr>
+          <a:xfrm rot="5400000" flipH="1" flipV="1">
+            <a:off x="2925817" y="2688502"/>
+            <a:ext cx="2131158" cy="1227941"/>
+          </a:xfrm>
+          <a:prstGeom prst="bentConnector3">
+            <a:avLst>
+              <a:gd name="adj1" fmla="val 7094"/>
+            </a:avLst>
+          </a:prstGeom>
+          <a:ln w="19050">
+            <a:solidFill>
+              <a:srgbClr val="7030A0"/>
+            </a:solidFill>
+            <a:headEnd type="none" w="med" len="med"/>
+            <a:tailEnd type="arrow" w="med" len="med"/>
+          </a:ln>
+          <a:effectLst/>
+        </p:spPr>
+        <p:style>
+          <a:lnRef idx="1">
+            <a:schemeClr val="accent2"/>
+          </a:lnRef>
+          <a:fillRef idx="2">
+            <a:schemeClr val="accent2"/>
+          </a:fillRef>
+          <a:effectRef idx="1">
+            <a:schemeClr val="accent2"/>
+          </a:effectRef>
+          <a:fontRef idx="minor">
+            <a:schemeClr val="dk1"/>
+          </a:fontRef>
+        </p:style>
+      </p:cxnSp>
+      <p:sp>
+        <p:nvSpPr>
+          <p:cNvPr id="141" name="Flowchart: Decision 96">
+            <a:extLst>
+              <a:ext uri="{FF2B5EF4-FFF2-40B4-BE49-F238E27FC236}">
+                <a16:creationId xmlns:a16="http://schemas.microsoft.com/office/drawing/2014/main" id="{4A783A9F-18AA-4E29-AEAD-782F53477D94}"/>
+              </a:ext>
+            </a:extLst>
+          </p:cNvPr>
+          <p:cNvSpPr/>
+          <p:nvPr/>
+        </p:nvSpPr>
+        <p:spPr>
+          <a:xfrm rot="5400000">
+            <a:off x="3259402" y="4399385"/>
+            <a:ext cx="236048" cy="173380"/>
+          </a:xfrm>
+          <a:prstGeom prst="flowChartDecision">
+            <a:avLst/>
+          </a:prstGeom>
+          <a:solidFill>
+            <a:srgbClr val="7030A0"/>
+          </a:solidFill>
+          <a:ln w="19050">
+            <a:solidFill>
+              <a:srgbClr val="7030A0"/>
+            </a:solidFill>
+          </a:ln>
+          <a:effectLst/>
+        </p:spPr>
+        <p:style>
+          <a:lnRef idx="1">
+            <a:schemeClr val="accent6"/>
+          </a:lnRef>
+          <a:fillRef idx="2">
+            <a:schemeClr val="accent6"/>
+          </a:fillRef>
+          <a:effectRef idx="1">
+            <a:schemeClr val="accent6"/>
+          </a:effectRef>
+          <a:fontRef idx="minor">
+            <a:schemeClr val="dk1"/>
+          </a:fontRef>
+        </p:style>
+        <p:txBody>
+          <a:bodyPr rtlCol="0" anchor="ctr"/>
+          <a:lstStyle/>
+          <a:p>
+            <a:pPr algn="ctr"/>
+            <a:endParaRPr lang="en-US" sz="1050"/>
+          </a:p>
+        </p:txBody>
+      </p:sp>
+      <p:sp>
+        <p:nvSpPr>
+          <p:cNvPr id="142" name="TextBox 141">
+            <a:extLst>
+              <a:ext uri="{FF2B5EF4-FFF2-40B4-BE49-F238E27FC236}">
+                <a16:creationId xmlns:a16="http://schemas.microsoft.com/office/drawing/2014/main" id="{4C238231-4A84-4489-9250-60E7BED620E2}"/>
+              </a:ext>
+            </a:extLst>
+          </p:cNvPr>
+          <p:cNvSpPr txBox="1"/>
+          <p:nvPr/>
+        </p:nvSpPr>
+        <p:spPr>
+          <a:xfrm>
+            <a:off x="4384288" y="3045102"/>
+            <a:ext cx="189257" cy="178683"/>
+          </a:xfrm>
+          <a:prstGeom prst="rect">
+            <a:avLst/>
+          </a:prstGeom>
+          <a:noFill/>
+        </p:spPr>
+        <p:txBody>
+          <a:bodyPr wrap="square" lIns="0" tIns="0" rIns="0" bIns="0" rtlCol="0">
+            <a:noAutofit/>
+          </a:bodyPr>
+          <a:lstStyle/>
+          <a:p>
+            <a:pPr algn="ctr"/>
+            <a:r>
+              <a:rPr lang="en-US" sz="1100" dirty="0">
+                <a:solidFill>
+                  <a:srgbClr val="7030A0"/>
+                </a:solidFill>
+              </a:rPr>
+              <a:t>1</a:t>
+            </a:r>
+            <a:endParaRPr lang="en-SG" sz="1100" dirty="0">
+              <a:solidFill>
+                <a:srgbClr val="7030A0"/>
+              </a:solidFill>
+            </a:endParaRPr>
+          </a:p>
+        </p:txBody>
+      </p:sp>
+      <p:sp>
+        <p:nvSpPr>
+          <p:cNvPr id="144" name="TextBox 143">
+            <a:extLst>
+              <a:ext uri="{FF2B5EF4-FFF2-40B4-BE49-F238E27FC236}">
+                <a16:creationId xmlns:a16="http://schemas.microsoft.com/office/drawing/2014/main" id="{3CA308CC-ED22-436F-A10A-D08024712CF0}"/>
+              </a:ext>
+            </a:extLst>
+          </p:cNvPr>
+          <p:cNvSpPr txBox="1"/>
+          <p:nvPr/>
+        </p:nvSpPr>
+        <p:spPr>
+          <a:xfrm>
+            <a:off x="5495300" y="1471959"/>
+            <a:ext cx="693863" cy="178683"/>
+          </a:xfrm>
+          <a:prstGeom prst="rect">
+            <a:avLst/>
+          </a:prstGeom>
+          <a:noFill/>
+        </p:spPr>
+        <p:txBody>
+          <a:bodyPr wrap="square" lIns="0" tIns="0" rIns="0" bIns="0" rtlCol="0">
+            <a:noAutofit/>
+          </a:bodyPr>
+          <a:lstStyle/>
+          <a:p>
+            <a:pPr algn="ctr"/>
+            <a:r>
+              <a:rPr lang="en-US" sz="1100" dirty="0">
+                <a:solidFill>
+                  <a:srgbClr val="7030A0"/>
+                </a:solidFill>
+              </a:rPr>
+              <a:t>filtered list</a:t>
+            </a:r>
+            <a:endParaRPr lang="en-SG" sz="1100" dirty="0">
+              <a:solidFill>
+                <a:srgbClr val="7030A0"/>
+              </a:solidFill>
+            </a:endParaRPr>
+          </a:p>
+        </p:txBody>
+      </p:sp>
+      <p:sp>
+        <p:nvSpPr>
+          <p:cNvPr id="145" name="Rectangle 8">
+            <a:extLst>
+              <a:ext uri="{FF2B5EF4-FFF2-40B4-BE49-F238E27FC236}">
+                <a16:creationId xmlns:a16="http://schemas.microsoft.com/office/drawing/2014/main" id="{226911CC-6B83-4037-A8D4-B17AFE69D33B}"/>
+              </a:ext>
+            </a:extLst>
+          </p:cNvPr>
+          <p:cNvSpPr/>
+          <p:nvPr/>
+        </p:nvSpPr>
+        <p:spPr>
+          <a:xfrm>
+            <a:off x="5824088" y="1890133"/>
+            <a:ext cx="1051298" cy="346760"/>
+          </a:xfrm>
+          <a:prstGeom prst="rect">
+            <a:avLst/>
+          </a:prstGeom>
+          <a:ln w="19050">
+            <a:solidFill>
+              <a:srgbClr val="7030A0"/>
+            </a:solidFill>
+          </a:ln>
+          <a:effectLst/>
+        </p:spPr>
+        <p:style>
+          <a:lnRef idx="1">
+            <a:schemeClr val="accent4"/>
+          </a:lnRef>
+          <a:fillRef idx="2">
+            <a:schemeClr val="accent4"/>
+          </a:fillRef>
+          <a:effectRef idx="1">
+            <a:schemeClr val="accent4"/>
+          </a:effectRef>
+          <a:fontRef idx="minor">
+            <a:schemeClr val="dk1"/>
+          </a:fontRef>
+        </p:style>
+        <p:txBody>
+          <a:bodyPr rtlCol="0" anchor="ctr"/>
+          <a:lstStyle/>
+          <a:p>
+            <a:pPr algn="ctr"/>
+            <a:r>
+              <a:rPr lang="en-US" sz="1050" dirty="0">
+                <a:solidFill>
+                  <a:srgbClr val="7030A0"/>
+                </a:solidFill>
+              </a:rPr>
+              <a:t>Appointment</a:t>
+            </a:r>
+            <a:endParaRPr lang="en-SG" sz="1050" dirty="0">
+              <a:solidFill>
+                <a:srgbClr val="7030A0"/>
+              </a:solidFill>
+            </a:endParaRPr>
+          </a:p>
+        </p:txBody>
+      </p:sp>
+      <p:sp>
+        <p:nvSpPr>
+          <p:cNvPr id="146" name="Flowchart: Decision 96">
+            <a:extLst>
+              <a:ext uri="{FF2B5EF4-FFF2-40B4-BE49-F238E27FC236}">
+                <a16:creationId xmlns:a16="http://schemas.microsoft.com/office/drawing/2014/main" id="{4926C865-AC1E-4089-989C-839BBCF6156A}"/>
+              </a:ext>
+            </a:extLst>
+          </p:cNvPr>
+          <p:cNvSpPr/>
+          <p:nvPr/>
+        </p:nvSpPr>
+        <p:spPr>
+          <a:xfrm>
+            <a:off x="5365129" y="1981200"/>
+            <a:ext cx="236048" cy="173380"/>
+          </a:xfrm>
+          <a:prstGeom prst="flowChartDecision">
+            <a:avLst/>
+          </a:prstGeom>
+          <a:noFill/>
+          <a:ln w="19050">
+            <a:solidFill>
+              <a:srgbClr val="7030A0"/>
+            </a:solidFill>
+          </a:ln>
+          <a:effectLst/>
+        </p:spPr>
+        <p:style>
+          <a:lnRef idx="1">
+            <a:schemeClr val="accent6"/>
+          </a:lnRef>
+          <a:fillRef idx="2">
+            <a:schemeClr val="accent6"/>
+          </a:fillRef>
+          <a:effectRef idx="1">
+            <a:schemeClr val="accent6"/>
+          </a:effectRef>
+          <a:fontRef idx="minor">
+            <a:schemeClr val="dk1"/>
+          </a:fontRef>
+        </p:style>
+        <p:txBody>
+          <a:bodyPr rtlCol="0" anchor="ctr"/>
+          <a:lstStyle/>
+          <a:p>
+            <a:pPr algn="ctr"/>
+            <a:endParaRPr lang="en-US" sz="1050"/>
+          </a:p>
+        </p:txBody>
+      </p:sp>
+      <p:cxnSp>
+        <p:nvCxnSpPr>
+          <p:cNvPr id="147" name="Elbow Connector 63">
+            <a:extLst>
+              <a:ext uri="{FF2B5EF4-FFF2-40B4-BE49-F238E27FC236}">
+                <a16:creationId xmlns:a16="http://schemas.microsoft.com/office/drawing/2014/main" id="{62B51E84-4472-437F-93EE-9BA9ECD6F519}"/>
+              </a:ext>
+            </a:extLst>
+          </p:cNvPr>
+          <p:cNvCxnSpPr>
+            <a:cxnSpLocks/>
+            <a:stCxn id="146" idx="3"/>
+            <a:endCxn id="145" idx="1"/>
+          </p:cNvCxnSpPr>
+          <p:nvPr/>
+        </p:nvCxnSpPr>
+        <p:spPr>
+          <a:xfrm flipV="1">
+            <a:off x="5601177" y="2063513"/>
+            <a:ext cx="222911" cy="4377"/>
+          </a:xfrm>
+          <a:prstGeom prst="bentConnector3">
+            <a:avLst/>
+          </a:prstGeom>
+          <a:ln w="19050">
+            <a:solidFill>
+              <a:srgbClr val="7030A0"/>
+            </a:solidFill>
+            <a:headEnd type="none" w="med" len="med"/>
+            <a:tailEnd type="arrow" w="med" len="med"/>
+          </a:ln>
+          <a:effectLst/>
+        </p:spPr>
+        <p:style>
+          <a:lnRef idx="1">
+            <a:schemeClr val="accent2"/>
+          </a:lnRef>
+          <a:fillRef idx="2">
+            <a:schemeClr val="accent2"/>
+          </a:fillRef>
+          <a:effectRef idx="1">
+            <a:schemeClr val="accent2"/>
+          </a:effectRef>
+          <a:fontRef idx="minor">
+            <a:schemeClr val="dk1"/>
+          </a:fontRef>
+        </p:style>
+      </p:cxnSp>
+      <p:sp>
+        <p:nvSpPr>
+          <p:cNvPr id="151" name="TextBox 150">
+            <a:extLst>
+              <a:ext uri="{FF2B5EF4-FFF2-40B4-BE49-F238E27FC236}">
+                <a16:creationId xmlns:a16="http://schemas.microsoft.com/office/drawing/2014/main" id="{A5783A89-1E87-4577-A660-DF343064BCF9}"/>
+              </a:ext>
+            </a:extLst>
+          </p:cNvPr>
+          <p:cNvSpPr txBox="1"/>
+          <p:nvPr/>
+        </p:nvSpPr>
+        <p:spPr>
+          <a:xfrm>
+            <a:off x="6045267" y="1708528"/>
+            <a:ext cx="161816" cy="152516"/>
+          </a:xfrm>
+          <a:prstGeom prst="rect">
+            <a:avLst/>
+          </a:prstGeom>
+          <a:noFill/>
+        </p:spPr>
+        <p:txBody>
+          <a:bodyPr wrap="square" lIns="0" tIns="0" rIns="0" bIns="0" rtlCol="0">
+            <a:noAutofit/>
+          </a:bodyPr>
+          <a:lstStyle/>
+          <a:p>
+            <a:pPr algn="ctr"/>
+            <a:r>
+              <a:rPr lang="en-US" sz="1100" dirty="0">
+                <a:solidFill>
+                  <a:srgbClr val="7030A0"/>
+                </a:solidFill>
+              </a:rPr>
+              <a:t>1</a:t>
+            </a:r>
+            <a:endParaRPr lang="en-SG" sz="1100" dirty="0">
+              <a:solidFill>
+                <a:srgbClr val="7030A0"/>
+              </a:solidFill>
+            </a:endParaRPr>
+          </a:p>
+        </p:txBody>
+      </p:sp>
+      <p:sp>
+        <p:nvSpPr>
+          <p:cNvPr id="152" name="TextBox 151">
+            <a:extLst>
+              <a:ext uri="{FF2B5EF4-FFF2-40B4-BE49-F238E27FC236}">
+                <a16:creationId xmlns:a16="http://schemas.microsoft.com/office/drawing/2014/main" id="{604362F4-2582-45BB-99AA-F9C1268FD48F}"/>
+              </a:ext>
+            </a:extLst>
+          </p:cNvPr>
+          <p:cNvSpPr txBox="1"/>
+          <p:nvPr/>
+        </p:nvSpPr>
+        <p:spPr>
+          <a:xfrm>
+            <a:off x="5637974" y="2133600"/>
+            <a:ext cx="189257" cy="178683"/>
+          </a:xfrm>
+          <a:prstGeom prst="rect">
+            <a:avLst/>
+          </a:prstGeom>
+          <a:noFill/>
+        </p:spPr>
+        <p:txBody>
+          <a:bodyPr wrap="square" lIns="0" tIns="0" rIns="0" bIns="0" rtlCol="0">
+            <a:noAutofit/>
+          </a:bodyPr>
+          <a:lstStyle/>
+          <a:p>
+            <a:pPr algn="ctr"/>
+            <a:r>
+              <a:rPr lang="en-US" sz="1100" dirty="0">
+                <a:solidFill>
+                  <a:srgbClr val="7030A0"/>
+                </a:solidFill>
+              </a:rPr>
+              <a:t>*</a:t>
+            </a:r>
+            <a:endParaRPr lang="en-SG" sz="1100" dirty="0">
+              <a:solidFill>
+                <a:srgbClr val="7030A0"/>
+              </a:solidFill>
+            </a:endParaRPr>
+          </a:p>
+        </p:txBody>
+      </p:sp>
+      <p:sp>
+        <p:nvSpPr>
+          <p:cNvPr id="161" name="Rectangle 8">
+            <a:extLst>
+              <a:ext uri="{FF2B5EF4-FFF2-40B4-BE49-F238E27FC236}">
+                <a16:creationId xmlns:a16="http://schemas.microsoft.com/office/drawing/2014/main" id="{242CE7B4-C040-48CD-B7CE-C67A364B8224}"/>
+              </a:ext>
+            </a:extLst>
+          </p:cNvPr>
+          <p:cNvSpPr/>
+          <p:nvPr/>
+        </p:nvSpPr>
+        <p:spPr>
+          <a:xfrm>
+            <a:off x="7560475" y="1565449"/>
+            <a:ext cx="1097260" cy="285783"/>
+          </a:xfrm>
+          <a:prstGeom prst="rect">
+            <a:avLst/>
+          </a:prstGeom>
+          <a:ln w="19050">
+            <a:solidFill>
+              <a:srgbClr val="7030A0"/>
+            </a:solidFill>
+          </a:ln>
+          <a:effectLst/>
+        </p:spPr>
+        <p:style>
+          <a:lnRef idx="1">
+            <a:schemeClr val="accent4"/>
+          </a:lnRef>
+          <a:fillRef idx="2">
+            <a:schemeClr val="accent4"/>
+          </a:fillRef>
+          <a:effectRef idx="1">
+            <a:schemeClr val="accent4"/>
+          </a:effectRef>
+          <a:fontRef idx="minor">
+            <a:schemeClr val="dk1"/>
+          </a:fontRef>
+        </p:style>
+        <p:txBody>
+          <a:bodyPr rtlCol="0" anchor="ctr"/>
+          <a:lstStyle/>
+          <a:p>
+            <a:pPr algn="ctr"/>
+            <a:r>
+              <a:rPr lang="en-US" sz="1050" dirty="0">
+                <a:solidFill>
+                  <a:srgbClr val="7030A0"/>
+                </a:solidFill>
+              </a:rPr>
+              <a:t>Doctor Name</a:t>
+            </a:r>
+            <a:endParaRPr lang="en-SG" sz="1050" dirty="0">
+              <a:solidFill>
+                <a:srgbClr val="7030A0"/>
+              </a:solidFill>
+            </a:endParaRPr>
+          </a:p>
+        </p:txBody>
+      </p:sp>
+      <p:sp>
+        <p:nvSpPr>
+          <p:cNvPr id="162" name="Flowchart: Decision 96">
+            <a:extLst>
+              <a:ext uri="{FF2B5EF4-FFF2-40B4-BE49-F238E27FC236}">
+                <a16:creationId xmlns:a16="http://schemas.microsoft.com/office/drawing/2014/main" id="{94A2285F-2FA3-4B28-B80D-7D91B4CE2636}"/>
+              </a:ext>
+            </a:extLst>
+          </p:cNvPr>
+          <p:cNvSpPr/>
+          <p:nvPr/>
+        </p:nvSpPr>
+        <p:spPr>
+          <a:xfrm>
+            <a:off x="6890025" y="1949412"/>
+            <a:ext cx="236048" cy="173380"/>
+          </a:xfrm>
+          <a:prstGeom prst="flowChartDecision">
+            <a:avLst/>
+          </a:prstGeom>
+          <a:solidFill>
+            <a:srgbClr val="7030A0"/>
+          </a:solidFill>
+          <a:ln w="19050">
+            <a:solidFill>
+              <a:srgbClr val="7030A0"/>
+            </a:solidFill>
+          </a:ln>
+          <a:effectLst/>
+        </p:spPr>
+        <p:style>
+          <a:lnRef idx="1">
+            <a:schemeClr val="accent6"/>
+          </a:lnRef>
+          <a:fillRef idx="2">
+            <a:schemeClr val="accent6"/>
+          </a:fillRef>
+          <a:effectRef idx="1">
+            <a:schemeClr val="accent6"/>
+          </a:effectRef>
+          <a:fontRef idx="minor">
+            <a:schemeClr val="dk1"/>
+          </a:fontRef>
+        </p:style>
+        <p:txBody>
+          <a:bodyPr rtlCol="0" anchor="ctr"/>
+          <a:lstStyle/>
+          <a:p>
+            <a:pPr algn="ctr"/>
+            <a:endParaRPr lang="en-US" sz="1050"/>
+          </a:p>
+        </p:txBody>
+      </p:sp>
+      <p:cxnSp>
+        <p:nvCxnSpPr>
+          <p:cNvPr id="163" name="Elbow Connector 78">
+            <a:extLst>
+              <a:ext uri="{FF2B5EF4-FFF2-40B4-BE49-F238E27FC236}">
+                <a16:creationId xmlns:a16="http://schemas.microsoft.com/office/drawing/2014/main" id="{82B9DA8C-E5FF-4520-8AE5-31087A1E9725}"/>
+              </a:ext>
+            </a:extLst>
+          </p:cNvPr>
+          <p:cNvCxnSpPr>
+            <a:cxnSpLocks/>
+          </p:cNvCxnSpPr>
+          <p:nvPr/>
+        </p:nvCxnSpPr>
+        <p:spPr>
+          <a:xfrm flipV="1">
+            <a:off x="7126073" y="1708032"/>
+            <a:ext cx="434402" cy="327761"/>
+          </a:xfrm>
+          <a:prstGeom prst="bentConnector3">
+            <a:avLst/>
+          </a:prstGeom>
+          <a:ln w="19050">
+            <a:solidFill>
+              <a:srgbClr val="7030A0"/>
+            </a:solidFill>
+            <a:headEnd type="none" w="med" len="med"/>
+            <a:tailEnd type="arrow" w="med" len="med"/>
+          </a:ln>
+          <a:effectLst/>
+        </p:spPr>
+        <p:style>
+          <a:lnRef idx="1">
+            <a:schemeClr val="accent2"/>
+          </a:lnRef>
+          <a:fillRef idx="2">
+            <a:schemeClr val="accent2"/>
+          </a:fillRef>
+          <a:effectRef idx="1">
+            <a:schemeClr val="accent2"/>
+          </a:effectRef>
+          <a:fontRef idx="minor">
+            <a:schemeClr val="dk1"/>
+          </a:fontRef>
+        </p:style>
+      </p:cxnSp>
+      <p:sp>
+        <p:nvSpPr>
+          <p:cNvPr id="164" name="Rectangle 8">
+            <a:extLst>
+              <a:ext uri="{FF2B5EF4-FFF2-40B4-BE49-F238E27FC236}">
+                <a16:creationId xmlns:a16="http://schemas.microsoft.com/office/drawing/2014/main" id="{30A10C8A-3F5D-45E5-B86B-7D23E88CB6D0}"/>
+              </a:ext>
+            </a:extLst>
+          </p:cNvPr>
+          <p:cNvSpPr/>
+          <p:nvPr/>
+        </p:nvSpPr>
+        <p:spPr>
+          <a:xfrm>
+            <a:off x="7560474" y="1888427"/>
+            <a:ext cx="1097259" cy="285783"/>
+          </a:xfrm>
+          <a:prstGeom prst="rect">
+            <a:avLst/>
+          </a:prstGeom>
+          <a:ln w="19050">
+            <a:solidFill>
+              <a:srgbClr val="7030A0"/>
+            </a:solidFill>
+          </a:ln>
+          <a:effectLst/>
+        </p:spPr>
+        <p:style>
+          <a:lnRef idx="1">
+            <a:schemeClr val="accent4"/>
+          </a:lnRef>
+          <a:fillRef idx="2">
+            <a:schemeClr val="accent4"/>
+          </a:fillRef>
+          <a:effectRef idx="1">
+            <a:schemeClr val="accent4"/>
+          </a:effectRef>
+          <a:fontRef idx="minor">
+            <a:schemeClr val="dk1"/>
+          </a:fontRef>
+        </p:style>
+        <p:txBody>
+          <a:bodyPr rtlCol="0" anchor="ctr"/>
+          <a:lstStyle/>
+          <a:p>
+            <a:pPr algn="ctr"/>
+            <a:r>
+              <a:rPr lang="en-US" sz="1050" dirty="0">
+                <a:solidFill>
+                  <a:srgbClr val="7030A0"/>
+                </a:solidFill>
+              </a:rPr>
+              <a:t>Date Time</a:t>
+            </a:r>
+            <a:endParaRPr lang="en-SG" sz="1050" dirty="0">
+              <a:solidFill>
+                <a:srgbClr val="7030A0"/>
+              </a:solidFill>
+            </a:endParaRPr>
+          </a:p>
+        </p:txBody>
+      </p:sp>
+      <p:cxnSp>
+        <p:nvCxnSpPr>
+          <p:cNvPr id="165" name="Elbow Connector 80">
+            <a:extLst>
+              <a:ext uri="{FF2B5EF4-FFF2-40B4-BE49-F238E27FC236}">
+                <a16:creationId xmlns:a16="http://schemas.microsoft.com/office/drawing/2014/main" id="{90D60060-187D-4256-9490-6C13E01F9120}"/>
+              </a:ext>
+            </a:extLst>
+          </p:cNvPr>
+          <p:cNvCxnSpPr>
+            <a:cxnSpLocks/>
+            <a:stCxn id="162" idx="3"/>
+            <a:endCxn id="164" idx="1"/>
+          </p:cNvCxnSpPr>
+          <p:nvPr/>
+        </p:nvCxnSpPr>
+        <p:spPr>
+          <a:xfrm flipV="1">
+            <a:off x="7126073" y="2031319"/>
+            <a:ext cx="434401" cy="4783"/>
+          </a:xfrm>
+          <a:prstGeom prst="bentConnector3">
+            <a:avLst/>
+          </a:prstGeom>
+          <a:ln w="19050">
+            <a:solidFill>
+              <a:srgbClr val="7030A0"/>
+            </a:solidFill>
+            <a:headEnd type="none" w="med" len="med"/>
+            <a:tailEnd type="arrow" w="med" len="med"/>
+          </a:ln>
+          <a:effectLst/>
+        </p:spPr>
+        <p:style>
+          <a:lnRef idx="1">
+            <a:schemeClr val="accent2"/>
+          </a:lnRef>
+          <a:fillRef idx="2">
+            <a:schemeClr val="accent2"/>
+          </a:fillRef>
+          <a:effectRef idx="1">
+            <a:schemeClr val="accent2"/>
+          </a:effectRef>
+          <a:fontRef idx="minor">
+            <a:schemeClr val="dk1"/>
+          </a:fontRef>
+        </p:style>
+      </p:cxnSp>
+      <p:sp>
+        <p:nvSpPr>
+          <p:cNvPr id="166" name="Rectangle 8">
+            <a:extLst>
+              <a:ext uri="{FF2B5EF4-FFF2-40B4-BE49-F238E27FC236}">
+                <a16:creationId xmlns:a16="http://schemas.microsoft.com/office/drawing/2014/main" id="{65B03723-581A-44F6-8E15-DB57A7EE2614}"/>
+              </a:ext>
+            </a:extLst>
+          </p:cNvPr>
+          <p:cNvSpPr/>
+          <p:nvPr/>
+        </p:nvSpPr>
+        <p:spPr>
+          <a:xfrm>
+            <a:off x="7560475" y="2211405"/>
+            <a:ext cx="1097258" cy="285783"/>
+          </a:xfrm>
+          <a:prstGeom prst="rect">
+            <a:avLst/>
+          </a:prstGeom>
+          <a:ln w="19050">
+            <a:solidFill>
+              <a:srgbClr val="7030A0"/>
+            </a:solidFill>
+          </a:ln>
+          <a:effectLst/>
+        </p:spPr>
+        <p:style>
+          <a:lnRef idx="1">
+            <a:schemeClr val="accent4"/>
+          </a:lnRef>
+          <a:fillRef idx="2">
+            <a:schemeClr val="accent4"/>
+          </a:fillRef>
+          <a:effectRef idx="1">
+            <a:schemeClr val="accent4"/>
+          </a:effectRef>
+          <a:fontRef idx="minor">
+            <a:schemeClr val="dk1"/>
+          </a:fontRef>
+        </p:style>
+        <p:txBody>
+          <a:bodyPr rtlCol="0" anchor="ctr"/>
+          <a:lstStyle/>
+          <a:p>
+            <a:pPr algn="ctr"/>
+            <a:r>
+              <a:rPr lang="en-US" sz="1050" dirty="0">
+                <a:solidFill>
+                  <a:srgbClr val="7030A0"/>
+                </a:solidFill>
+              </a:rPr>
+              <a:t>Status</a:t>
+            </a:r>
+            <a:endParaRPr lang="en-SG" sz="1050" dirty="0">
+              <a:solidFill>
+                <a:srgbClr val="7030A0"/>
+              </a:solidFill>
+            </a:endParaRPr>
+          </a:p>
+        </p:txBody>
+      </p:sp>
+      <p:cxnSp>
+        <p:nvCxnSpPr>
+          <p:cNvPr id="167" name="Elbow Connector 83">
+            <a:extLst>
+              <a:ext uri="{FF2B5EF4-FFF2-40B4-BE49-F238E27FC236}">
+                <a16:creationId xmlns:a16="http://schemas.microsoft.com/office/drawing/2014/main" id="{083239F7-9D6D-44CF-9D91-009DA09F5C93}"/>
+              </a:ext>
+            </a:extLst>
+          </p:cNvPr>
+          <p:cNvCxnSpPr>
+            <a:cxnSpLocks/>
+            <a:stCxn id="162" idx="3"/>
+            <a:endCxn id="166" idx="1"/>
+          </p:cNvCxnSpPr>
+          <p:nvPr/>
+        </p:nvCxnSpPr>
+        <p:spPr>
+          <a:xfrm>
+            <a:off x="7126073" y="2036102"/>
+            <a:ext cx="434402" cy="318195"/>
+          </a:xfrm>
+          <a:prstGeom prst="bentConnector3">
+            <a:avLst/>
+          </a:prstGeom>
+          <a:ln w="19050">
+            <a:solidFill>
+              <a:srgbClr val="7030A0"/>
+            </a:solidFill>
+            <a:headEnd type="none" w="med" len="med"/>
+            <a:tailEnd type="arrow" w="med" len="med"/>
+          </a:ln>
+          <a:effectLst/>
+        </p:spPr>
+        <p:style>
+          <a:lnRef idx="1">
+            <a:schemeClr val="accent2"/>
+          </a:lnRef>
+          <a:fillRef idx="2">
+            <a:schemeClr val="accent2"/>
+          </a:fillRef>
+          <a:effectRef idx="1">
+            <a:schemeClr val="accent2"/>
+          </a:effectRef>
+          <a:fontRef idx="minor">
+            <a:schemeClr val="dk1"/>
+          </a:fontRef>
+        </p:style>
+      </p:cxnSp>
+      <p:sp>
+        <p:nvSpPr>
+          <p:cNvPr id="168" name="Rectangle 8">
+            <a:extLst>
+              <a:ext uri="{FF2B5EF4-FFF2-40B4-BE49-F238E27FC236}">
+                <a16:creationId xmlns:a16="http://schemas.microsoft.com/office/drawing/2014/main" id="{EE2BC965-26BD-4F47-B7A0-30F7B9AD4720}"/>
+              </a:ext>
+            </a:extLst>
+          </p:cNvPr>
+          <p:cNvSpPr/>
+          <p:nvPr/>
+        </p:nvSpPr>
+        <p:spPr>
+          <a:xfrm>
+            <a:off x="7560474" y="2534382"/>
+            <a:ext cx="1097257" cy="285783"/>
+          </a:xfrm>
+          <a:prstGeom prst="rect">
+            <a:avLst/>
+          </a:prstGeom>
+          <a:ln w="19050">
+            <a:solidFill>
+              <a:srgbClr val="7030A0"/>
+            </a:solidFill>
+          </a:ln>
+          <a:effectLst/>
+        </p:spPr>
+        <p:style>
+          <a:lnRef idx="1">
+            <a:schemeClr val="accent4"/>
+          </a:lnRef>
+          <a:fillRef idx="2">
+            <a:schemeClr val="accent4"/>
+          </a:fillRef>
+          <a:effectRef idx="1">
+            <a:schemeClr val="accent4"/>
+          </a:effectRef>
+          <a:fontRef idx="minor">
+            <a:schemeClr val="dk1"/>
+          </a:fontRef>
+        </p:style>
+        <p:txBody>
+          <a:bodyPr rtlCol="0" anchor="ctr"/>
+          <a:lstStyle/>
+          <a:p>
+            <a:pPr algn="ctr"/>
+            <a:r>
+              <a:rPr lang="en-US" sz="1050" dirty="0">
+                <a:solidFill>
+                  <a:srgbClr val="7030A0"/>
+                </a:solidFill>
+              </a:rPr>
+              <a:t>Comments</a:t>
+            </a:r>
+            <a:endParaRPr lang="en-SG" sz="1050" dirty="0">
+              <a:solidFill>
+                <a:srgbClr val="7030A0"/>
+              </a:solidFill>
+            </a:endParaRPr>
+          </a:p>
+        </p:txBody>
+      </p:sp>
+      <p:cxnSp>
+        <p:nvCxnSpPr>
+          <p:cNvPr id="169" name="Elbow Connector 85">
+            <a:extLst>
+              <a:ext uri="{FF2B5EF4-FFF2-40B4-BE49-F238E27FC236}">
+                <a16:creationId xmlns:a16="http://schemas.microsoft.com/office/drawing/2014/main" id="{20DF58A2-FDFD-4B51-BF84-8B61C82D1EB9}"/>
+              </a:ext>
+            </a:extLst>
+          </p:cNvPr>
+          <p:cNvCxnSpPr>
+            <a:cxnSpLocks/>
+            <a:stCxn id="162" idx="3"/>
+            <a:endCxn id="168" idx="1"/>
+          </p:cNvCxnSpPr>
+          <p:nvPr/>
+        </p:nvCxnSpPr>
+        <p:spPr>
+          <a:xfrm>
+            <a:off x="7126073" y="2036102"/>
+            <a:ext cx="434401" cy="641172"/>
+          </a:xfrm>
+          <a:prstGeom prst="bentConnector3">
+            <a:avLst/>
+          </a:prstGeom>
+          <a:ln w="19050">
+            <a:solidFill>
+              <a:srgbClr val="7030A0"/>
+            </a:solidFill>
+            <a:headEnd type="none" w="med" len="med"/>
+            <a:tailEnd type="arrow" w="med" len="med"/>
+          </a:ln>
+          <a:effectLst/>
+        </p:spPr>
+        <p:style>
+          <a:lnRef idx="1">
+            <a:schemeClr val="accent2"/>
+          </a:lnRef>
+          <a:fillRef idx="2">
+            <a:schemeClr val="accent2"/>
+          </a:fillRef>
+          <a:effectRef idx="1">
+            <a:schemeClr val="accent2"/>
+          </a:effectRef>
+          <a:fontRef idx="minor">
+            <a:schemeClr val="dk1"/>
+          </a:fontRef>
+        </p:style>
+      </p:cxnSp>
+      <p:sp>
+        <p:nvSpPr>
+          <p:cNvPr id="170" name="Rectangle 8">
+            <a:extLst>
+              <a:ext uri="{FF2B5EF4-FFF2-40B4-BE49-F238E27FC236}">
+                <a16:creationId xmlns:a16="http://schemas.microsoft.com/office/drawing/2014/main" id="{A98E8FE3-245F-404B-BB58-B0EEC9EA8706}"/>
+              </a:ext>
+            </a:extLst>
+          </p:cNvPr>
+          <p:cNvSpPr/>
+          <p:nvPr/>
+        </p:nvSpPr>
+        <p:spPr>
+          <a:xfrm>
+            <a:off x="7560474" y="1230028"/>
+            <a:ext cx="1097261" cy="285783"/>
+          </a:xfrm>
+          <a:prstGeom prst="rect">
+            <a:avLst/>
+          </a:prstGeom>
+          <a:ln w="19050">
+            <a:solidFill>
+              <a:srgbClr val="7030A0"/>
+            </a:solidFill>
+          </a:ln>
+          <a:effectLst/>
+        </p:spPr>
+        <p:style>
+          <a:lnRef idx="1">
+            <a:schemeClr val="accent4"/>
+          </a:lnRef>
+          <a:fillRef idx="2">
+            <a:schemeClr val="accent4"/>
+          </a:fillRef>
+          <a:effectRef idx="1">
+            <a:schemeClr val="accent4"/>
+          </a:effectRef>
+          <a:fontRef idx="minor">
+            <a:schemeClr val="dk1"/>
+          </a:fontRef>
+        </p:style>
+        <p:txBody>
+          <a:bodyPr rtlCol="0" anchor="ctr"/>
+          <a:lstStyle/>
+          <a:p>
+            <a:pPr algn="ctr"/>
+            <a:r>
+              <a:rPr lang="en-US" sz="1050" dirty="0">
+                <a:solidFill>
+                  <a:srgbClr val="7030A0"/>
+                </a:solidFill>
+              </a:rPr>
+              <a:t>Appointment</a:t>
+            </a:r>
+            <a:endParaRPr lang="en-SG" sz="1050" dirty="0">
+              <a:solidFill>
+                <a:srgbClr val="7030A0"/>
+              </a:solidFill>
+            </a:endParaRPr>
+          </a:p>
+        </p:txBody>
+      </p:sp>
+      <p:cxnSp>
+        <p:nvCxnSpPr>
+          <p:cNvPr id="171" name="Elbow Connector 78">
+            <a:extLst>
+              <a:ext uri="{FF2B5EF4-FFF2-40B4-BE49-F238E27FC236}">
+                <a16:creationId xmlns:a16="http://schemas.microsoft.com/office/drawing/2014/main" id="{CAAA7D81-8C94-46E8-96A9-4DDB3315D151}"/>
+              </a:ext>
+            </a:extLst>
+          </p:cNvPr>
+          <p:cNvCxnSpPr>
+            <a:cxnSpLocks/>
+            <a:stCxn id="162" idx="3"/>
+            <a:endCxn id="170" idx="1"/>
+          </p:cNvCxnSpPr>
+          <p:nvPr/>
+        </p:nvCxnSpPr>
+        <p:spPr>
+          <a:xfrm flipV="1">
+            <a:off x="7126073" y="1372920"/>
+            <a:ext cx="434401" cy="663182"/>
+          </a:xfrm>
+          <a:prstGeom prst="bentConnector3">
+            <a:avLst>
+              <a:gd name="adj1" fmla="val 50000"/>
+            </a:avLst>
+          </a:prstGeom>
+          <a:ln w="19050">
+            <a:solidFill>
+              <a:srgbClr val="7030A0"/>
+            </a:solidFill>
+            <a:headEnd type="none" w="med" len="med"/>
+            <a:tailEnd type="arrow" w="med" len="med"/>
+          </a:ln>
+          <a:effectLst/>
+        </p:spPr>
+        <p:style>
+          <a:lnRef idx="1">
+            <a:schemeClr val="accent2"/>
+          </a:lnRef>
+          <a:fillRef idx="2">
+            <a:schemeClr val="accent2"/>
+          </a:fillRef>
+          <a:effectRef idx="1">
+            <a:schemeClr val="accent2"/>
+          </a:effectRef>
+          <a:fontRef idx="minor">
+            <a:schemeClr val="dk1"/>
+          </a:fontRef>
+        </p:style>
+      </p:cxnSp>
+      <p:sp>
+        <p:nvSpPr>
+          <p:cNvPr id="172" name="TextBox 171">
+            <a:extLst>
+              <a:ext uri="{FF2B5EF4-FFF2-40B4-BE49-F238E27FC236}">
+                <a16:creationId xmlns:a16="http://schemas.microsoft.com/office/drawing/2014/main" id="{8DBF8281-AF1E-4EC6-8B79-5BAB14CC4213}"/>
+              </a:ext>
+            </a:extLst>
+          </p:cNvPr>
+          <p:cNvSpPr txBox="1"/>
+          <p:nvPr/>
+        </p:nvSpPr>
+        <p:spPr>
+          <a:xfrm>
+            <a:off x="7314321" y="1256922"/>
+            <a:ext cx="189257" cy="178683"/>
+          </a:xfrm>
+          <a:prstGeom prst="rect">
+            <a:avLst/>
+          </a:prstGeom>
+          <a:noFill/>
+        </p:spPr>
+        <p:txBody>
+          <a:bodyPr wrap="square" lIns="0" tIns="0" rIns="0" bIns="0" rtlCol="0">
+            <a:noAutofit/>
+          </a:bodyPr>
+          <a:lstStyle/>
+          <a:p>
+            <a:pPr algn="ctr"/>
+            <a:r>
+              <a:rPr lang="en-US" sz="1100" dirty="0">
+                <a:solidFill>
+                  <a:srgbClr val="7030A0"/>
+                </a:solidFill>
+              </a:rPr>
+              <a:t>*</a:t>
+            </a:r>
+            <a:endParaRPr lang="en-SG" sz="1100" dirty="0">
+              <a:solidFill>
+                <a:srgbClr val="7030A0"/>
+              </a:solidFill>
+            </a:endParaRPr>
+          </a:p>
+        </p:txBody>
+      </p:sp>
+      <p:sp>
+        <p:nvSpPr>
+          <p:cNvPr id="179" name="Flowchart: Decision 96">
+            <a:extLst>
+              <a:ext uri="{FF2B5EF4-FFF2-40B4-BE49-F238E27FC236}">
+                <a16:creationId xmlns:a16="http://schemas.microsoft.com/office/drawing/2014/main" id="{6B69EDF3-7332-4D4C-BE56-2126F69576EE}"/>
+              </a:ext>
+            </a:extLst>
+          </p:cNvPr>
+          <p:cNvSpPr/>
+          <p:nvPr/>
+        </p:nvSpPr>
+        <p:spPr>
+          <a:xfrm rot="16200000">
+            <a:off x="6787574" y="5781233"/>
+            <a:ext cx="236048" cy="173380"/>
+          </a:xfrm>
+          <a:prstGeom prst="flowChartDecision">
+            <a:avLst/>
+          </a:prstGeom>
+          <a:solidFill>
+            <a:srgbClr val="7030A0"/>
+          </a:solidFill>
+          <a:ln w="19050">
+            <a:solidFill>
+              <a:srgbClr val="7030A0"/>
+            </a:solidFill>
+          </a:ln>
+          <a:effectLst/>
+        </p:spPr>
+        <p:style>
+          <a:lnRef idx="1">
+            <a:schemeClr val="accent6"/>
+          </a:lnRef>
+          <a:fillRef idx="2">
+            <a:schemeClr val="accent6"/>
+          </a:fillRef>
+          <a:effectRef idx="1">
+            <a:schemeClr val="accent6"/>
+          </a:effectRef>
+          <a:fontRef idx="minor">
+            <a:schemeClr val="dk1"/>
+          </a:fontRef>
+        </p:style>
+        <p:txBody>
+          <a:bodyPr rtlCol="0" anchor="ctr"/>
+          <a:lstStyle/>
+          <a:p>
+            <a:pPr algn="ctr"/>
+            <a:endParaRPr lang="en-US" sz="1050"/>
+          </a:p>
+        </p:txBody>
+      </p:sp>
+      <p:cxnSp>
+        <p:nvCxnSpPr>
+          <p:cNvPr id="180" name="Elbow Connector 78">
+            <a:extLst>
+              <a:ext uri="{FF2B5EF4-FFF2-40B4-BE49-F238E27FC236}">
+                <a16:creationId xmlns:a16="http://schemas.microsoft.com/office/drawing/2014/main" id="{71020846-5938-4122-9190-3905D28A0C7B}"/>
+              </a:ext>
+            </a:extLst>
+          </p:cNvPr>
+          <p:cNvCxnSpPr>
+            <a:cxnSpLocks/>
+            <a:stCxn id="179" idx="3"/>
+            <a:endCxn id="145" idx="2"/>
+          </p:cNvCxnSpPr>
+          <p:nvPr/>
+        </p:nvCxnSpPr>
+        <p:spPr>
+          <a:xfrm rot="16200000" flipV="1">
+            <a:off x="4871165" y="3715465"/>
+            <a:ext cx="3513006" cy="555861"/>
+          </a:xfrm>
+          <a:prstGeom prst="bentConnector3">
+            <a:avLst>
+              <a:gd name="adj1" fmla="val 41685"/>
+            </a:avLst>
+          </a:prstGeom>
+          <a:ln w="19050">
+            <a:solidFill>
+              <a:srgbClr val="7030A0"/>
+            </a:solidFill>
+            <a:headEnd type="none" w="med" len="med"/>
+            <a:tailEnd type="arrow" w="med" len="med"/>
+          </a:ln>
+          <a:effectLst/>
+        </p:spPr>
+        <p:style>
+          <a:lnRef idx="1">
+            <a:schemeClr val="accent2"/>
+          </a:lnRef>
+          <a:fillRef idx="2">
+            <a:schemeClr val="accent2"/>
+          </a:fillRef>
+          <a:effectRef idx="1">
+            <a:schemeClr val="accent2"/>
+          </a:effectRef>
+          <a:fontRef idx="minor">
+            <a:schemeClr val="dk1"/>
+          </a:fontRef>
+        </p:style>
+      </p:cxnSp>
+      <p:sp>
+        <p:nvSpPr>
+          <p:cNvPr id="185" name="Flowchart: Decision 96">
+            <a:extLst>
+              <a:ext uri="{FF2B5EF4-FFF2-40B4-BE49-F238E27FC236}">
+                <a16:creationId xmlns:a16="http://schemas.microsoft.com/office/drawing/2014/main" id="{22244D53-6F0B-468E-8CC5-F7584C4678E8}"/>
+              </a:ext>
+            </a:extLst>
+          </p:cNvPr>
+          <p:cNvSpPr/>
+          <p:nvPr/>
+        </p:nvSpPr>
+        <p:spPr>
+          <a:xfrm rot="16200000">
+            <a:off x="6798247" y="3563098"/>
+            <a:ext cx="236048" cy="173380"/>
+          </a:xfrm>
+          <a:prstGeom prst="flowChartDecision">
+            <a:avLst/>
+          </a:prstGeom>
+          <a:solidFill>
+            <a:srgbClr val="7030A0"/>
+          </a:solidFill>
+          <a:ln w="19050">
+            <a:solidFill>
+              <a:srgbClr val="7030A0"/>
+            </a:solidFill>
+          </a:ln>
+          <a:effectLst/>
+        </p:spPr>
+        <p:style>
+          <a:lnRef idx="1">
+            <a:schemeClr val="accent6"/>
+          </a:lnRef>
+          <a:fillRef idx="2">
+            <a:schemeClr val="accent6"/>
+          </a:fillRef>
+          <a:effectRef idx="1">
+            <a:schemeClr val="accent6"/>
+          </a:effectRef>
+          <a:fontRef idx="minor">
+            <a:schemeClr val="dk1"/>
+          </a:fontRef>
+        </p:style>
+        <p:txBody>
+          <a:bodyPr rtlCol="0" anchor="ctr"/>
+          <a:lstStyle/>
+          <a:p>
+            <a:pPr algn="ctr"/>
+            <a:endParaRPr lang="en-US" sz="1050" dirty="0"/>
+          </a:p>
+        </p:txBody>
+      </p:sp>
+      <p:cxnSp>
+        <p:nvCxnSpPr>
+          <p:cNvPr id="186" name="Elbow Connector 78">
+            <a:extLst>
+              <a:ext uri="{FF2B5EF4-FFF2-40B4-BE49-F238E27FC236}">
+                <a16:creationId xmlns:a16="http://schemas.microsoft.com/office/drawing/2014/main" id="{710BF6C4-2871-4F81-9C8D-3FE634EFD097}"/>
+              </a:ext>
+            </a:extLst>
+          </p:cNvPr>
+          <p:cNvCxnSpPr>
+            <a:cxnSpLocks/>
+            <a:stCxn id="185" idx="3"/>
+          </p:cNvCxnSpPr>
+          <p:nvPr/>
+        </p:nvCxnSpPr>
+        <p:spPr>
+          <a:xfrm rot="16200000" flipV="1">
+            <a:off x="6106320" y="2721812"/>
+            <a:ext cx="1288200" cy="331703"/>
+          </a:xfrm>
+          <a:prstGeom prst="bentConnector3">
+            <a:avLst>
+              <a:gd name="adj1" fmla="val 50000"/>
+            </a:avLst>
+          </a:prstGeom>
+          <a:ln w="19050">
+            <a:solidFill>
+              <a:srgbClr val="7030A0"/>
+            </a:solidFill>
+            <a:headEnd type="none" w="med" len="med"/>
+            <a:tailEnd type="arrow" w="med" len="med"/>
+          </a:ln>
+          <a:effectLst/>
+        </p:spPr>
+        <p:style>
+          <a:lnRef idx="1">
+            <a:schemeClr val="accent2"/>
+          </a:lnRef>
+          <a:fillRef idx="2">
+            <a:schemeClr val="accent2"/>
+          </a:fillRef>
+          <a:effectRef idx="1">
+            <a:schemeClr val="accent2"/>
+          </a:effectRef>
+          <a:fontRef idx="minor">
+            <a:schemeClr val="dk1"/>
+          </a:fontRef>
+        </p:style>
+      </p:cxnSp>
+      <p:sp>
+        <p:nvSpPr>
+          <p:cNvPr id="190" name="TextBox 189">
+            <a:extLst>
+              <a:ext uri="{FF2B5EF4-FFF2-40B4-BE49-F238E27FC236}">
+                <a16:creationId xmlns:a16="http://schemas.microsoft.com/office/drawing/2014/main" id="{0058E59E-D9C3-4C4D-B6B3-7AE008569F45}"/>
+              </a:ext>
+            </a:extLst>
+          </p:cNvPr>
+          <p:cNvSpPr txBox="1"/>
+          <p:nvPr/>
+        </p:nvSpPr>
+        <p:spPr>
+          <a:xfrm>
+            <a:off x="6126429" y="2254596"/>
+            <a:ext cx="189257" cy="178683"/>
+          </a:xfrm>
+          <a:prstGeom prst="rect">
+            <a:avLst/>
+          </a:prstGeom>
+          <a:noFill/>
+        </p:spPr>
+        <p:txBody>
+          <a:bodyPr wrap="square" lIns="0" tIns="0" rIns="0" bIns="0" rtlCol="0">
+            <a:noAutofit/>
+          </a:bodyPr>
+          <a:lstStyle/>
+          <a:p>
+            <a:pPr algn="ctr"/>
+            <a:r>
+              <a:rPr lang="en-US" sz="1100" dirty="0">
+                <a:solidFill>
+                  <a:srgbClr val="7030A0"/>
+                </a:solidFill>
+              </a:rPr>
+              <a:t>*</a:t>
+            </a:r>
+            <a:endParaRPr lang="en-SG" sz="1100" dirty="0">
+              <a:solidFill>
+                <a:srgbClr val="7030A0"/>
+              </a:solidFill>
+            </a:endParaRPr>
+          </a:p>
+        </p:txBody>
+      </p:sp>
+      <p:sp>
+        <p:nvSpPr>
+          <p:cNvPr id="191" name="TextBox 190">
+            <a:extLst>
+              <a:ext uri="{FF2B5EF4-FFF2-40B4-BE49-F238E27FC236}">
+                <a16:creationId xmlns:a16="http://schemas.microsoft.com/office/drawing/2014/main" id="{432F1FAF-676A-40A1-9FB4-F0FEE442D3E7}"/>
+              </a:ext>
+            </a:extLst>
+          </p:cNvPr>
+          <p:cNvSpPr txBox="1"/>
+          <p:nvPr/>
+        </p:nvSpPr>
+        <p:spPr>
+          <a:xfrm>
+            <a:off x="6379703" y="2254596"/>
+            <a:ext cx="189257" cy="178683"/>
+          </a:xfrm>
+          <a:prstGeom prst="rect">
+            <a:avLst/>
+          </a:prstGeom>
+          <a:noFill/>
+        </p:spPr>
+        <p:txBody>
+          <a:bodyPr wrap="square" lIns="0" tIns="0" rIns="0" bIns="0" rtlCol="0">
+            <a:noAutofit/>
+          </a:bodyPr>
+          <a:lstStyle/>
+          <a:p>
+            <a:pPr algn="ctr"/>
+            <a:r>
+              <a:rPr lang="en-US" sz="1100" dirty="0">
+                <a:solidFill>
+                  <a:srgbClr val="7030A0"/>
+                </a:solidFill>
+              </a:rPr>
+              <a:t>*</a:t>
+            </a:r>
+            <a:endParaRPr lang="en-SG" sz="1100" dirty="0">
+              <a:solidFill>
+                <a:srgbClr val="7030A0"/>
+              </a:solidFill>
+            </a:endParaRPr>
+          </a:p>
+        </p:txBody>
+      </p:sp>
+      <p:cxnSp>
+        <p:nvCxnSpPr>
+          <p:cNvPr id="207" name="Straight Arrow Connector 139">
+            <a:extLst>
+              <a:ext uri="{FF2B5EF4-FFF2-40B4-BE49-F238E27FC236}">
+                <a16:creationId xmlns:a16="http://schemas.microsoft.com/office/drawing/2014/main" id="{6FBB2234-D0F9-4FC3-9BF6-BB9EB2E4E8DB}"/>
+              </a:ext>
+            </a:extLst>
+          </p:cNvPr>
+          <p:cNvCxnSpPr>
+            <a:cxnSpLocks/>
+            <a:stCxn id="215" idx="3"/>
+            <a:endCxn id="218" idx="1"/>
+          </p:cNvCxnSpPr>
+          <p:nvPr/>
+        </p:nvCxnSpPr>
+        <p:spPr>
+          <a:xfrm rot="16200000" flipH="1">
+            <a:off x="3528897" y="5025439"/>
+            <a:ext cx="190118" cy="499722"/>
+          </a:xfrm>
+          <a:prstGeom prst="bentConnector2">
+            <a:avLst/>
+          </a:prstGeom>
+          <a:ln w="19050">
+            <a:solidFill>
+              <a:srgbClr val="7030A0"/>
+            </a:solidFill>
+            <a:headEnd type="none" w="med" len="med"/>
+            <a:tailEnd type="arrow" w="med" len="med"/>
+          </a:ln>
+          <a:effectLst/>
+        </p:spPr>
+        <p:style>
+          <a:lnRef idx="1">
+            <a:schemeClr val="accent2"/>
+          </a:lnRef>
+          <a:fillRef idx="2">
+            <a:schemeClr val="accent2"/>
+          </a:fillRef>
+          <a:effectRef idx="1">
+            <a:schemeClr val="accent2"/>
+          </a:effectRef>
+          <a:fontRef idx="minor">
+            <a:schemeClr val="dk1"/>
+          </a:fontRef>
+        </p:style>
+      </p:cxnSp>
+      <p:sp>
+        <p:nvSpPr>
+          <p:cNvPr id="215" name="Flowchart: Decision 96">
+            <a:extLst>
+              <a:ext uri="{FF2B5EF4-FFF2-40B4-BE49-F238E27FC236}">
+                <a16:creationId xmlns:a16="http://schemas.microsoft.com/office/drawing/2014/main" id="{A3D7E423-85A9-4E36-9284-0E7364A7D3AE}"/>
+              </a:ext>
+            </a:extLst>
+          </p:cNvPr>
+          <p:cNvSpPr/>
+          <p:nvPr/>
+        </p:nvSpPr>
+        <p:spPr>
+          <a:xfrm rot="5400000">
+            <a:off x="3256071" y="4975527"/>
+            <a:ext cx="236048" cy="173380"/>
+          </a:xfrm>
+          <a:prstGeom prst="flowChartDecision">
+            <a:avLst/>
+          </a:prstGeom>
+          <a:solidFill>
+            <a:srgbClr val="7030A0"/>
+          </a:solidFill>
+          <a:ln w="19050">
+            <a:solidFill>
+              <a:srgbClr val="7030A0"/>
+            </a:solidFill>
+          </a:ln>
+          <a:effectLst/>
+        </p:spPr>
+        <p:style>
+          <a:lnRef idx="1">
+            <a:schemeClr val="accent6"/>
+          </a:lnRef>
+          <a:fillRef idx="2">
+            <a:schemeClr val="accent6"/>
+          </a:fillRef>
+          <a:effectRef idx="1">
+            <a:schemeClr val="accent6"/>
+          </a:effectRef>
+          <a:fontRef idx="minor">
+            <a:schemeClr val="dk1"/>
+          </a:fontRef>
+        </p:style>
+        <p:txBody>
+          <a:bodyPr rtlCol="0" anchor="ctr"/>
+          <a:lstStyle/>
+          <a:p>
+            <a:pPr algn="ctr"/>
+            <a:endParaRPr lang="en-US" sz="1050"/>
+          </a:p>
+        </p:txBody>
+      </p:sp>
+      <p:sp>
+        <p:nvSpPr>
+          <p:cNvPr id="218" name="Rectangle 8">
+            <a:extLst>
+              <a:ext uri="{FF2B5EF4-FFF2-40B4-BE49-F238E27FC236}">
+                <a16:creationId xmlns:a16="http://schemas.microsoft.com/office/drawing/2014/main" id="{7718C1E3-3863-46AF-915E-284C3D3DCF0F}"/>
+              </a:ext>
+            </a:extLst>
+          </p:cNvPr>
+          <p:cNvSpPr/>
+          <p:nvPr/>
+        </p:nvSpPr>
+        <p:spPr>
+          <a:xfrm>
+            <a:off x="3873817" y="5196979"/>
+            <a:ext cx="1491312" cy="346760"/>
+          </a:xfrm>
+          <a:prstGeom prst="rect">
+            <a:avLst/>
+          </a:prstGeom>
+          <a:ln w="19050">
+            <a:solidFill>
+              <a:srgbClr val="7030A0"/>
+            </a:solidFill>
+          </a:ln>
+          <a:effectLst/>
+        </p:spPr>
+        <p:style>
+          <a:lnRef idx="1">
+            <a:schemeClr val="accent4"/>
+          </a:lnRef>
+          <a:fillRef idx="2">
+            <a:schemeClr val="accent4"/>
+          </a:fillRef>
+          <a:effectRef idx="1">
+            <a:schemeClr val="accent4"/>
+          </a:effectRef>
+          <a:fontRef idx="minor">
+            <a:schemeClr val="dk1"/>
+          </a:fontRef>
+        </p:style>
+        <p:txBody>
+          <a:bodyPr rtlCol="0" anchor="ctr"/>
+          <a:lstStyle/>
+          <a:p>
+            <a:pPr algn="ctr"/>
+            <a:r>
+              <a:rPr lang="en-US" sz="1050" dirty="0" err="1">
+                <a:solidFill>
+                  <a:srgbClr val="7030A0"/>
+                </a:solidFill>
+              </a:rPr>
+              <a:t>AppointmentCounter</a:t>
+            </a:r>
+            <a:endParaRPr lang="en-SG" sz="1050" dirty="0">
+              <a:solidFill>
+                <a:srgbClr val="7030A0"/>
+              </a:solidFill>
+            </a:endParaRPr>
+          </a:p>
+        </p:txBody>
+      </p:sp>
     </p:spTree>
     <p:extLst>
       <p:ext uri="{BB962C8B-B14F-4D97-AF65-F5344CB8AC3E}">

--- a/docs/diagrams/ModelComponentClassDiagram.pptx
+++ b/docs/diagrams/ModelComponentClassDiagram.pptx
@@ -208,7 +208,7 @@
           <a:p>
             <a:fld id="{F5CC4B3F-88C1-4FFA-B1B6-F41C21DC6924}" type="datetimeFigureOut">
               <a:rPr lang="en-US" smtClean="0"/>
-              <a:t>6/27/2018</a:t>
+              <a:t>10/25/2018</a:t>
             </a:fld>
             <a:endParaRPr lang="en-US"/>
           </a:p>
@@ -654,7 +654,7 @@
           <a:p>
             <a:fld id="{78C97017-6FC3-485B-9764-EAC9E56C1D49}" type="datetimeFigureOut">
               <a:rPr lang="en-US" smtClean="0"/>
-              <a:t>6/27/2018</a:t>
+              <a:t>10/25/2018</a:t>
             </a:fld>
             <a:endParaRPr lang="en-US"/>
           </a:p>
@@ -822,7 +822,7 @@
           <a:p>
             <a:fld id="{78C97017-6FC3-485B-9764-EAC9E56C1D49}" type="datetimeFigureOut">
               <a:rPr lang="en-US" smtClean="0"/>
-              <a:t>6/27/2018</a:t>
+              <a:t>10/25/2018</a:t>
             </a:fld>
             <a:endParaRPr lang="en-US"/>
           </a:p>
@@ -1000,7 +1000,7 @@
           <a:p>
             <a:fld id="{78C97017-6FC3-485B-9764-EAC9E56C1D49}" type="datetimeFigureOut">
               <a:rPr lang="en-US" smtClean="0"/>
-              <a:t>6/27/2018</a:t>
+              <a:t>10/25/2018</a:t>
             </a:fld>
             <a:endParaRPr lang="en-US"/>
           </a:p>
@@ -1168,7 +1168,7 @@
           <a:p>
             <a:fld id="{78C97017-6FC3-485B-9764-EAC9E56C1D49}" type="datetimeFigureOut">
               <a:rPr lang="en-US" smtClean="0"/>
-              <a:t>6/27/2018</a:t>
+              <a:t>10/25/2018</a:t>
             </a:fld>
             <a:endParaRPr lang="en-US"/>
           </a:p>
@@ -1413,7 +1413,7 @@
           <a:p>
             <a:fld id="{78C97017-6FC3-485B-9764-EAC9E56C1D49}" type="datetimeFigureOut">
               <a:rPr lang="en-US" smtClean="0"/>
-              <a:t>6/27/2018</a:t>
+              <a:t>10/25/2018</a:t>
             </a:fld>
             <a:endParaRPr lang="en-US"/>
           </a:p>
@@ -1698,7 +1698,7 @@
           <a:p>
             <a:fld id="{78C97017-6FC3-485B-9764-EAC9E56C1D49}" type="datetimeFigureOut">
               <a:rPr lang="en-US" smtClean="0"/>
-              <a:t>6/27/2018</a:t>
+              <a:t>10/25/2018</a:t>
             </a:fld>
             <a:endParaRPr lang="en-US"/>
           </a:p>
@@ -2117,7 +2117,7 @@
           <a:p>
             <a:fld id="{78C97017-6FC3-485B-9764-EAC9E56C1D49}" type="datetimeFigureOut">
               <a:rPr lang="en-US" smtClean="0"/>
-              <a:t>6/27/2018</a:t>
+              <a:t>10/25/2018</a:t>
             </a:fld>
             <a:endParaRPr lang="en-US"/>
           </a:p>
@@ -2234,7 +2234,7 @@
           <a:p>
             <a:fld id="{78C97017-6FC3-485B-9764-EAC9E56C1D49}" type="datetimeFigureOut">
               <a:rPr lang="en-US" smtClean="0"/>
-              <a:t>6/27/2018</a:t>
+              <a:t>10/25/2018</a:t>
             </a:fld>
             <a:endParaRPr lang="en-US"/>
           </a:p>
@@ -2329,7 +2329,7 @@
           <a:p>
             <a:fld id="{78C97017-6FC3-485B-9764-EAC9E56C1D49}" type="datetimeFigureOut">
               <a:rPr lang="en-US" smtClean="0"/>
-              <a:t>6/27/2018</a:t>
+              <a:t>10/25/2018</a:t>
             </a:fld>
             <a:endParaRPr lang="en-US"/>
           </a:p>
@@ -2604,7 +2604,7 @@
           <a:p>
             <a:fld id="{78C97017-6FC3-485B-9764-EAC9E56C1D49}" type="datetimeFigureOut">
               <a:rPr lang="en-US" smtClean="0"/>
-              <a:t>6/27/2018</a:t>
+              <a:t>10/25/2018</a:t>
             </a:fld>
             <a:endParaRPr lang="en-US"/>
           </a:p>
@@ -2856,7 +2856,7 @@
           <a:p>
             <a:fld id="{78C97017-6FC3-485B-9764-EAC9E56C1D49}" type="datetimeFigureOut">
               <a:rPr lang="en-US" smtClean="0"/>
-              <a:t>6/27/2018</a:t>
+              <a:t>10/25/2018</a:t>
             </a:fld>
             <a:endParaRPr lang="en-US"/>
           </a:p>
@@ -3067,7 +3067,7 @@
           <a:p>
             <a:fld id="{78C97017-6FC3-485B-9764-EAC9E56C1D49}" type="datetimeFigureOut">
               <a:rPr lang="en-US" smtClean="0"/>
-              <a:t>6/27/2018</a:t>
+              <a:t>10/25/2018</a:t>
             </a:fld>
             <a:endParaRPr lang="en-US"/>
           </a:p>
@@ -3451,7 +3451,7 @@
         <p:spPr>
           <a:xfrm>
             <a:off x="1119865" y="1600200"/>
-            <a:ext cx="7490735" cy="3124200"/>
+            <a:ext cx="7490735" cy="3649020"/>
           </a:xfrm>
           <a:prstGeom prst="roundRect">
             <a:avLst>
@@ -3552,7 +3552,7 @@
                   <a:schemeClr val="bg1"/>
                 </a:solidFill>
               </a:rPr>
-              <a:t>UserPref</a:t>
+              <a:t>UserPrefs</a:t>
             </a:r>
             <a:endParaRPr lang="en-SG" sz="1050" dirty="0">
               <a:solidFill>
@@ -3994,12 +3994,12 @@
           <a:p>
             <a:pPr algn="ctr"/>
             <a:r>
-              <a:rPr lang="en-US" sz="1050" dirty="0" err="1" smtClean="0">
+              <a:rPr lang="en-US" sz="1050" dirty="0" err="1">
                 <a:solidFill>
                   <a:srgbClr val="7030A0"/>
                 </a:solidFill>
               </a:rPr>
-              <a:t>VersionedAddressBook</a:t>
+              <a:t>VersionedScheduler</a:t>
             </a:r>
             <a:endParaRPr lang="en-SG" sz="1050" dirty="0">
               <a:solidFill>
@@ -4141,7 +4141,7 @@
                   <a:srgbClr val="7030A0"/>
                 </a:solidFill>
               </a:rPr>
-              <a:t>UniquePersonList</a:t>
+              <a:t>UniqueEventList</a:t>
             </a:r>
             <a:endParaRPr lang="en-SG" sz="1050" dirty="0">
               <a:solidFill>
@@ -4244,7 +4244,7 @@
                   <a:srgbClr val="7030A0"/>
                 </a:solidFill>
               </a:rPr>
-              <a:t>Person</a:t>
+              <a:t>Event</a:t>
             </a:r>
             <a:endParaRPr lang="en-SG" sz="1050" dirty="0">
               <a:solidFill>
@@ -4348,8 +4348,8 @@
         </p:nvSpPr>
         <p:spPr>
           <a:xfrm>
-            <a:off x="7712397" y="2564238"/>
-            <a:ext cx="708186" cy="285783"/>
+            <a:off x="7653592" y="1999377"/>
+            <a:ext cx="884377" cy="285783"/>
           </a:xfrm>
           <a:prstGeom prst="rect">
             <a:avLst/>
@@ -4386,7 +4386,7 @@
                   <a:srgbClr val="7030A0"/>
                 </a:solidFill>
               </a:rPr>
-              <a:t>Name</a:t>
+              <a:t>UUID</a:t>
             </a:r>
             <a:endParaRPr lang="en-SG" sz="1050" dirty="0">
               <a:solidFill>
@@ -4404,7 +4404,7 @@
         </p:nvSpPr>
         <p:spPr>
           <a:xfrm>
-            <a:off x="7041947" y="2948201"/>
+            <a:off x="7031905" y="2941676"/>
             <a:ext cx="236048" cy="173380"/>
           </a:xfrm>
           <a:prstGeom prst="flowChartDecision">
@@ -4448,16 +4448,19 @@
           <p:cNvPr id="79" name="Elbow Connector 78"/>
           <p:cNvCxnSpPr>
             <a:cxnSpLocks/>
+            <a:endCxn id="76" idx="1"/>
           </p:cNvCxnSpPr>
           <p:nvPr/>
         </p:nvCxnSpPr>
         <p:spPr>
-          <a:xfrm flipV="1">
-            <a:off x="7277995" y="2706821"/>
-            <a:ext cx="434402" cy="327761"/>
+          <a:xfrm>
+            <a:off x="7431508" y="2142269"/>
+            <a:ext cx="222084" cy="12700"/>
           </a:xfrm>
           <a:prstGeom prst="bentConnector3">
-            <a:avLst/>
+            <a:avLst>
+              <a:gd name="adj1" fmla="val 439"/>
+            </a:avLst>
           </a:prstGeom>
           <a:ln w="19050">
             <a:solidFill>
@@ -4491,8 +4494,8 @@
         </p:nvSpPr>
         <p:spPr>
           <a:xfrm>
-            <a:off x="7712397" y="2887216"/>
-            <a:ext cx="708186" cy="285783"/>
+            <a:off x="7655498" y="2322355"/>
+            <a:ext cx="884378" cy="285783"/>
           </a:xfrm>
           <a:prstGeom prst="rect">
             <a:avLst/>
@@ -4524,12 +4527,12 @@
           <a:p>
             <a:pPr algn="ctr"/>
             <a:r>
-              <a:rPr lang="en-US" sz="1050" dirty="0">
+              <a:rPr lang="en-SG" sz="1050" dirty="0" err="1">
                 <a:solidFill>
                   <a:srgbClr val="7030A0"/>
                 </a:solidFill>
               </a:rPr>
-              <a:t>Phone</a:t>
+              <a:t>EventName</a:t>
             </a:r>
             <a:endParaRPr lang="en-SG" sz="1050" dirty="0">
               <a:solidFill>
@@ -4543,18 +4546,20 @@
         <p:nvCxnSpPr>
           <p:cNvPr id="81" name="Elbow Connector 80"/>
           <p:cNvCxnSpPr>
-            <a:stCxn id="78" idx="3"/>
+            <a:cxnSpLocks/>
             <a:endCxn id="80" idx="1"/>
           </p:cNvCxnSpPr>
           <p:nvPr/>
         </p:nvCxnSpPr>
         <p:spPr>
           <a:xfrm flipV="1">
-            <a:off x="7277995" y="3030108"/>
-            <a:ext cx="434402" cy="4783"/>
+            <a:off x="7429602" y="2465247"/>
+            <a:ext cx="225896" cy="11517"/>
           </a:xfrm>
           <a:prstGeom prst="bentConnector3">
-            <a:avLst/>
+            <a:avLst>
+              <a:gd name="adj1" fmla="val 1275"/>
+            </a:avLst>
           </a:prstGeom>
           <a:ln w="19050">
             <a:solidFill>
@@ -4588,8 +4593,8 @@
         </p:nvSpPr>
         <p:spPr>
           <a:xfrm>
-            <a:off x="7712397" y="3210194"/>
-            <a:ext cx="708186" cy="285783"/>
+            <a:off x="7655498" y="2645333"/>
+            <a:ext cx="884377" cy="285783"/>
           </a:xfrm>
           <a:prstGeom prst="rect">
             <a:avLst/>
@@ -4621,12 +4626,12 @@
           <a:p>
             <a:pPr algn="ctr"/>
             <a:r>
-              <a:rPr lang="en-US" sz="1050" dirty="0">
+              <a:rPr lang="en-US" sz="1050" dirty="0" err="1">
                 <a:solidFill>
                   <a:srgbClr val="7030A0"/>
                 </a:solidFill>
               </a:rPr>
-              <a:t>Email</a:t>
+              <a:t>DateTime</a:t>
             </a:r>
             <a:endParaRPr lang="en-SG" sz="1050" dirty="0">
               <a:solidFill>
@@ -4640,18 +4645,20 @@
         <p:nvCxnSpPr>
           <p:cNvPr id="84" name="Elbow Connector 83"/>
           <p:cNvCxnSpPr>
-            <a:stCxn id="78" idx="3"/>
-            <a:endCxn id="83" idx="1"/>
+            <a:cxnSpLocks/>
+            <a:endCxn id="85" idx="1"/>
           </p:cNvCxnSpPr>
           <p:nvPr/>
         </p:nvCxnSpPr>
         <p:spPr>
           <a:xfrm>
-            <a:off x="7277995" y="3034891"/>
-            <a:ext cx="434402" cy="318195"/>
+            <a:off x="7429602" y="3106619"/>
+            <a:ext cx="225896" cy="4583"/>
           </a:xfrm>
           <a:prstGeom prst="bentConnector3">
-            <a:avLst/>
+            <a:avLst>
+              <a:gd name="adj1" fmla="val 5024"/>
+            </a:avLst>
           </a:prstGeom>
           <a:ln w="19050">
             <a:solidFill>
@@ -4685,8 +4692,8 @@
         </p:nvSpPr>
         <p:spPr>
           <a:xfrm>
-            <a:off x="7712397" y="3533171"/>
-            <a:ext cx="708186" cy="285783"/>
+            <a:off x="7655498" y="2968310"/>
+            <a:ext cx="884377" cy="285783"/>
           </a:xfrm>
           <a:prstGeom prst="rect">
             <a:avLst/>
@@ -4718,12 +4725,12 @@
           <a:p>
             <a:pPr algn="ctr"/>
             <a:r>
-              <a:rPr lang="en-US" sz="1050" dirty="0">
+              <a:rPr lang="en-US" sz="1050" dirty="0" err="1">
                 <a:solidFill>
                   <a:srgbClr val="7030A0"/>
                 </a:solidFill>
               </a:rPr>
-              <a:t>Address</a:t>
+              <a:t>DateTime</a:t>
             </a:r>
             <a:endParaRPr lang="en-SG" sz="1050" dirty="0">
               <a:solidFill>
@@ -4737,18 +4744,20 @@
         <p:nvCxnSpPr>
           <p:cNvPr id="86" name="Elbow Connector 85"/>
           <p:cNvCxnSpPr>
-            <a:stCxn id="78" idx="3"/>
-            <a:endCxn id="85" idx="1"/>
+            <a:cxnSpLocks/>
+            <a:endCxn id="59" idx="1"/>
           </p:cNvCxnSpPr>
           <p:nvPr/>
         </p:nvCxnSpPr>
         <p:spPr>
-          <a:xfrm>
-            <a:off x="7277995" y="3034891"/>
-            <a:ext cx="434402" cy="641172"/>
+          <a:xfrm flipV="1">
+            <a:off x="7428651" y="3434179"/>
+            <a:ext cx="226847" cy="1"/>
           </a:xfrm>
           <a:prstGeom prst="bentConnector3">
-            <a:avLst/>
+            <a:avLst>
+              <a:gd name="adj1" fmla="val 50000"/>
+            </a:avLst>
           </a:prstGeom>
           <a:ln w="19050">
             <a:solidFill>
@@ -4926,7 +4935,7 @@
                   <a:srgbClr val="7030A0"/>
                 </a:solidFill>
               </a:rPr>
-              <a:t>ReadOnlyAddressBook</a:t>
+              <a:t>ReadOnlyScheduler</a:t>
             </a:r>
             <a:endParaRPr lang="en-SG" sz="1050" dirty="0">
               <a:solidFill>
@@ -5023,14 +5032,6 @@
               </a:rPr>
               <a:t>&lt;&lt;interface&gt;&gt;</a:t>
             </a:r>
-            <a:r>
-              <a:rPr lang="en-US" sz="1050">
-                <a:solidFill>
-                  <a:srgbClr val="7030A0"/>
-                </a:solidFill>
-              </a:rPr>
-              <a:t/>
-            </a:r>
             <a:br>
               <a:rPr lang="en-US" sz="1050">
                 <a:solidFill>
@@ -5305,8 +5306,8 @@
         </p:nvSpPr>
         <p:spPr>
           <a:xfrm>
-            <a:off x="7712397" y="2228817"/>
-            <a:ext cx="708186" cy="285783"/>
+            <a:off x="7653592" y="1676400"/>
+            <a:ext cx="884377" cy="285783"/>
           </a:xfrm>
           <a:prstGeom prst="rect">
             <a:avLst/>
@@ -5343,7 +5344,7 @@
                   <a:srgbClr val="7030A0"/>
                 </a:solidFill>
               </a:rPr>
-              <a:t>Tag</a:t>
+              <a:t>UUID</a:t>
             </a:r>
             <a:endParaRPr lang="en-SG" sz="1050" dirty="0">
               <a:solidFill>
@@ -5364,20 +5365,17 @@
           </p:cNvPr>
           <p:cNvCxnSpPr>
             <a:cxnSpLocks/>
-            <a:stCxn id="78" idx="3"/>
             <a:endCxn id="52" idx="1"/>
           </p:cNvCxnSpPr>
           <p:nvPr/>
         </p:nvCxnSpPr>
         <p:spPr>
-          <a:xfrm flipV="1">
-            <a:off x="7277995" y="2371709"/>
-            <a:ext cx="434402" cy="663182"/>
-          </a:xfrm>
-          <a:prstGeom prst="bentConnector3">
-            <a:avLst>
-              <a:gd name="adj1" fmla="val 50000"/>
-            </a:avLst>
+          <a:xfrm rot="5400000" flipH="1" flipV="1">
+            <a:off x="6937060" y="2311834"/>
+            <a:ext cx="1209074" cy="223990"/>
+          </a:xfrm>
+          <a:prstGeom prst="bentConnector2">
+            <a:avLst/>
           </a:prstGeom>
           <a:ln w="19050">
             <a:solidFill>
@@ -5403,51 +5401,6 @@
           </a:fontRef>
         </p:style>
       </p:cxnSp>
-      <p:sp>
-        <p:nvSpPr>
-          <p:cNvPr id="50" name="TextBox 49">
-            <a:extLst>
-              <a:ext uri="{FF2B5EF4-FFF2-40B4-BE49-F238E27FC236}">
-                <a16:creationId xmlns:a16="http://schemas.microsoft.com/office/drawing/2014/main" id="{B3FA9D57-880F-49C4-AD0B-A64E30D6F403}"/>
-              </a:ext>
-            </a:extLst>
-          </p:cNvPr>
-          <p:cNvSpPr txBox="1"/>
-          <p:nvPr/>
-        </p:nvSpPr>
-        <p:spPr>
-          <a:xfrm>
-            <a:off x="7466243" y="2255711"/>
-            <a:ext cx="189257" cy="178683"/>
-          </a:xfrm>
-          <a:prstGeom prst="rect">
-            <a:avLst/>
-          </a:prstGeom>
-          <a:noFill/>
-        </p:spPr>
-        <p:txBody>
-          <a:bodyPr wrap="square" lIns="0" tIns="0" rIns="0" bIns="0" rtlCol="0">
-            <a:noAutofit/>
-          </a:bodyPr>
-          <a:lstStyle/>
-          <a:p>
-            <a:pPr algn="ctr"/>
-            <a:r>
-              <a:rPr lang="en-US" sz="1100" dirty="0">
-                <a:solidFill>
-                  <a:srgbClr val="7030A0"/>
-                </a:solidFill>
-              </a:rPr>
-              <a:t>*</a:t>
-            </a:r>
-            <a:endParaRPr lang="en-SG" sz="1100" dirty="0">
-              <a:solidFill>
-                <a:srgbClr val="7030A0"/>
-              </a:solidFill>
-            </a:endParaRPr>
-          </a:p>
-        </p:txBody>
-      </p:sp>
       <p:sp>
         <p:nvSpPr>
           <p:cNvPr id="55" name="Rectangle 8"/>
@@ -5489,12 +5442,12 @@
           <a:p>
             <a:pPr algn="ctr"/>
             <a:r>
-              <a:rPr lang="en-US" sz="1050" dirty="0" err="1">
+              <a:rPr lang="en-US" sz="1050" dirty="0">
                 <a:solidFill>
                   <a:srgbClr val="7030A0"/>
                 </a:solidFill>
               </a:rPr>
-              <a:t>AddressBook</a:t>
+              <a:t>Scheduler</a:t>
             </a:r>
             <a:endParaRPr lang="en-SG" sz="1050" dirty="0">
               <a:solidFill>
@@ -5623,6 +5576,878 @@
             <a:prstDash val="sysDot"/>
             <a:headEnd type="none" w="med" len="med"/>
             <a:tailEnd type="none" w="med" len="med"/>
+          </a:ln>
+          <a:effectLst/>
+        </p:spPr>
+        <p:style>
+          <a:lnRef idx="1">
+            <a:schemeClr val="accent2"/>
+          </a:lnRef>
+          <a:fillRef idx="2">
+            <a:schemeClr val="accent2"/>
+          </a:fillRef>
+          <a:effectRef idx="1">
+            <a:schemeClr val="accent2"/>
+          </a:effectRef>
+          <a:fontRef idx="minor">
+            <a:schemeClr val="dk1"/>
+          </a:fontRef>
+        </p:style>
+      </p:cxnSp>
+      <p:cxnSp>
+        <p:nvCxnSpPr>
+          <p:cNvPr id="4" name="Straight Connector 3">
+            <a:extLst>
+              <a:ext uri="{FF2B5EF4-FFF2-40B4-BE49-F238E27FC236}">
+                <a16:creationId xmlns:a16="http://schemas.microsoft.com/office/drawing/2014/main" id="{BAF0E4D7-A325-414C-8649-6100C4B45263}"/>
+              </a:ext>
+            </a:extLst>
+          </p:cNvPr>
+          <p:cNvCxnSpPr>
+            <a:endCxn id="61" idx="2"/>
+          </p:cNvCxnSpPr>
+          <p:nvPr/>
+        </p:nvCxnSpPr>
+        <p:spPr>
+          <a:xfrm>
+            <a:off x="4315840" y="2724312"/>
+            <a:ext cx="1914045" cy="552288"/>
+          </a:xfrm>
+          <a:prstGeom prst="line">
+            <a:avLst/>
+          </a:prstGeom>
+          <a:ln>
+            <a:solidFill>
+              <a:srgbClr val="FF0000"/>
+            </a:solidFill>
+          </a:ln>
+        </p:spPr>
+        <p:style>
+          <a:lnRef idx="1">
+            <a:schemeClr val="accent1"/>
+          </a:lnRef>
+          <a:fillRef idx="0">
+            <a:schemeClr val="accent1"/>
+          </a:fillRef>
+          <a:effectRef idx="0">
+            <a:schemeClr val="accent1"/>
+          </a:effectRef>
+          <a:fontRef idx="minor">
+            <a:schemeClr val="tx1"/>
+          </a:fontRef>
+        </p:style>
+      </p:cxnSp>
+      <p:cxnSp>
+        <p:nvCxnSpPr>
+          <p:cNvPr id="6" name="Straight Connector 5">
+            <a:extLst>
+              <a:ext uri="{FF2B5EF4-FFF2-40B4-BE49-F238E27FC236}">
+                <a16:creationId xmlns:a16="http://schemas.microsoft.com/office/drawing/2014/main" id="{93C46B44-ECDF-4E08-8AE2-D31AA64FC8B8}"/>
+              </a:ext>
+            </a:extLst>
+          </p:cNvPr>
+          <p:cNvCxnSpPr/>
+          <p:nvPr/>
+        </p:nvCxnSpPr>
+        <p:spPr>
+          <a:xfrm flipV="1">
+            <a:off x="4324972" y="2706821"/>
+            <a:ext cx="1923428" cy="569779"/>
+          </a:xfrm>
+          <a:prstGeom prst="line">
+            <a:avLst/>
+          </a:prstGeom>
+          <a:ln>
+            <a:solidFill>
+              <a:srgbClr val="FF0000"/>
+            </a:solidFill>
+          </a:ln>
+        </p:spPr>
+        <p:style>
+          <a:lnRef idx="1">
+            <a:schemeClr val="accent1"/>
+          </a:lnRef>
+          <a:fillRef idx="0">
+            <a:schemeClr val="accent1"/>
+          </a:fillRef>
+          <a:effectRef idx="0">
+            <a:schemeClr val="accent1"/>
+          </a:effectRef>
+          <a:fontRef idx="minor">
+            <a:schemeClr val="tx1"/>
+          </a:fontRef>
+        </p:style>
+      </p:cxnSp>
+      <p:cxnSp>
+        <p:nvCxnSpPr>
+          <p:cNvPr id="13" name="Straight Connector 12">
+            <a:extLst>
+              <a:ext uri="{FF2B5EF4-FFF2-40B4-BE49-F238E27FC236}">
+                <a16:creationId xmlns:a16="http://schemas.microsoft.com/office/drawing/2014/main" id="{33689476-9609-444A-A7B6-8D5C6DA9080C}"/>
+              </a:ext>
+            </a:extLst>
+          </p:cNvPr>
+          <p:cNvCxnSpPr/>
+          <p:nvPr/>
+        </p:nvCxnSpPr>
+        <p:spPr>
+          <a:xfrm>
+            <a:off x="1260922" y="3723310"/>
+            <a:ext cx="2091878" cy="924890"/>
+          </a:xfrm>
+          <a:prstGeom prst="line">
+            <a:avLst/>
+          </a:prstGeom>
+          <a:ln>
+            <a:solidFill>
+              <a:srgbClr val="FF0000"/>
+            </a:solidFill>
+          </a:ln>
+        </p:spPr>
+        <p:style>
+          <a:lnRef idx="1">
+            <a:schemeClr val="accent1"/>
+          </a:lnRef>
+          <a:fillRef idx="0">
+            <a:schemeClr val="accent1"/>
+          </a:fillRef>
+          <a:effectRef idx="0">
+            <a:schemeClr val="accent1"/>
+          </a:effectRef>
+          <a:fontRef idx="minor">
+            <a:schemeClr val="tx1"/>
+          </a:fontRef>
+        </p:style>
+      </p:cxnSp>
+      <p:cxnSp>
+        <p:nvCxnSpPr>
+          <p:cNvPr id="15" name="Straight Connector 14">
+            <a:extLst>
+              <a:ext uri="{FF2B5EF4-FFF2-40B4-BE49-F238E27FC236}">
+                <a16:creationId xmlns:a16="http://schemas.microsoft.com/office/drawing/2014/main" id="{6FB20F05-29DE-420F-84BF-B4F7D463B9B7}"/>
+              </a:ext>
+            </a:extLst>
+          </p:cNvPr>
+          <p:cNvCxnSpPr/>
+          <p:nvPr/>
+        </p:nvCxnSpPr>
+        <p:spPr>
+          <a:xfrm flipH="1">
+            <a:off x="1260922" y="4038600"/>
+            <a:ext cx="2301376" cy="547651"/>
+          </a:xfrm>
+          <a:prstGeom prst="line">
+            <a:avLst/>
+          </a:prstGeom>
+          <a:ln>
+            <a:solidFill>
+              <a:srgbClr val="FF0000"/>
+            </a:solidFill>
+          </a:ln>
+        </p:spPr>
+        <p:style>
+          <a:lnRef idx="1">
+            <a:schemeClr val="accent1"/>
+          </a:lnRef>
+          <a:fillRef idx="0">
+            <a:schemeClr val="accent1"/>
+          </a:fillRef>
+          <a:effectRef idx="0">
+            <a:schemeClr val="accent1"/>
+          </a:effectRef>
+          <a:fontRef idx="minor">
+            <a:schemeClr val="tx1"/>
+          </a:fontRef>
+        </p:style>
+      </p:cxnSp>
+      <p:sp>
+        <p:nvSpPr>
+          <p:cNvPr id="59" name="Rectangle 8">
+            <a:extLst>
+              <a:ext uri="{FF2B5EF4-FFF2-40B4-BE49-F238E27FC236}">
+                <a16:creationId xmlns:a16="http://schemas.microsoft.com/office/drawing/2014/main" id="{B7F56DA1-93CB-44EF-AD2D-89B6431820DE}"/>
+              </a:ext>
+            </a:extLst>
+          </p:cNvPr>
+          <p:cNvSpPr/>
+          <p:nvPr/>
+        </p:nvSpPr>
+        <p:spPr>
+          <a:xfrm>
+            <a:off x="7655498" y="3291287"/>
+            <a:ext cx="882473" cy="285783"/>
+          </a:xfrm>
+          <a:prstGeom prst="rect">
+            <a:avLst/>
+          </a:prstGeom>
+          <a:ln w="19050">
+            <a:solidFill>
+              <a:srgbClr val="7030A0"/>
+            </a:solidFill>
+          </a:ln>
+          <a:effectLst/>
+        </p:spPr>
+        <p:style>
+          <a:lnRef idx="1">
+            <a:schemeClr val="accent4"/>
+          </a:lnRef>
+          <a:fillRef idx="2">
+            <a:schemeClr val="accent4"/>
+          </a:fillRef>
+          <a:effectRef idx="1">
+            <a:schemeClr val="accent4"/>
+          </a:effectRef>
+          <a:fontRef idx="minor">
+            <a:schemeClr val="dk1"/>
+          </a:fontRef>
+        </p:style>
+        <p:txBody>
+          <a:bodyPr rtlCol="0" anchor="ctr"/>
+          <a:lstStyle/>
+          <a:p>
+            <a:pPr algn="ctr"/>
+            <a:r>
+              <a:rPr lang="en-US" sz="1050" dirty="0">
+                <a:solidFill>
+                  <a:srgbClr val="7030A0"/>
+                </a:solidFill>
+              </a:rPr>
+              <a:t>Description</a:t>
+            </a:r>
+            <a:endParaRPr lang="en-SG" sz="1050" dirty="0">
+              <a:solidFill>
+                <a:srgbClr val="7030A0"/>
+              </a:solidFill>
+            </a:endParaRPr>
+          </a:p>
+        </p:txBody>
+      </p:sp>
+      <p:sp>
+        <p:nvSpPr>
+          <p:cNvPr id="67" name="Rectangle 8">
+            <a:extLst>
+              <a:ext uri="{FF2B5EF4-FFF2-40B4-BE49-F238E27FC236}">
+                <a16:creationId xmlns:a16="http://schemas.microsoft.com/office/drawing/2014/main" id="{23B3FED3-E861-4A31-AD2A-DD32C2578DB6}"/>
+              </a:ext>
+            </a:extLst>
+          </p:cNvPr>
+          <p:cNvSpPr/>
+          <p:nvPr/>
+        </p:nvSpPr>
+        <p:spPr>
+          <a:xfrm>
+            <a:off x="7655500" y="3613676"/>
+            <a:ext cx="882471" cy="285783"/>
+          </a:xfrm>
+          <a:prstGeom prst="rect">
+            <a:avLst/>
+          </a:prstGeom>
+          <a:ln w="19050">
+            <a:solidFill>
+              <a:srgbClr val="7030A0"/>
+            </a:solidFill>
+          </a:ln>
+          <a:effectLst/>
+        </p:spPr>
+        <p:style>
+          <a:lnRef idx="1">
+            <a:schemeClr val="accent4"/>
+          </a:lnRef>
+          <a:fillRef idx="2">
+            <a:schemeClr val="accent4"/>
+          </a:fillRef>
+          <a:effectRef idx="1">
+            <a:schemeClr val="accent4"/>
+          </a:effectRef>
+          <a:fontRef idx="minor">
+            <a:schemeClr val="dk1"/>
+          </a:fontRef>
+        </p:style>
+        <p:txBody>
+          <a:bodyPr rtlCol="0" anchor="ctr"/>
+          <a:lstStyle/>
+          <a:p>
+            <a:pPr algn="ctr"/>
+            <a:r>
+              <a:rPr lang="en-US" sz="1050" dirty="0">
+                <a:solidFill>
+                  <a:srgbClr val="7030A0"/>
+                </a:solidFill>
+              </a:rPr>
+              <a:t>Venue</a:t>
+            </a:r>
+            <a:endParaRPr lang="en-SG" sz="1050" dirty="0">
+              <a:solidFill>
+                <a:srgbClr val="7030A0"/>
+              </a:solidFill>
+            </a:endParaRPr>
+          </a:p>
+        </p:txBody>
+      </p:sp>
+      <p:sp>
+        <p:nvSpPr>
+          <p:cNvPr id="71" name="Rectangle 8">
+            <a:extLst>
+              <a:ext uri="{FF2B5EF4-FFF2-40B4-BE49-F238E27FC236}">
+                <a16:creationId xmlns:a16="http://schemas.microsoft.com/office/drawing/2014/main" id="{BA8AE7BF-C3D4-4D02-858A-35C92D538AE8}"/>
+              </a:ext>
+            </a:extLst>
+          </p:cNvPr>
+          <p:cNvSpPr/>
+          <p:nvPr/>
+        </p:nvSpPr>
+        <p:spPr>
+          <a:xfrm>
+            <a:off x="7655500" y="3936065"/>
+            <a:ext cx="882471" cy="285783"/>
+          </a:xfrm>
+          <a:prstGeom prst="rect">
+            <a:avLst/>
+          </a:prstGeom>
+          <a:ln w="19050">
+            <a:solidFill>
+              <a:srgbClr val="7030A0"/>
+            </a:solidFill>
+          </a:ln>
+          <a:effectLst/>
+        </p:spPr>
+        <p:style>
+          <a:lnRef idx="1">
+            <a:schemeClr val="accent4"/>
+          </a:lnRef>
+          <a:fillRef idx="2">
+            <a:schemeClr val="accent4"/>
+          </a:fillRef>
+          <a:effectRef idx="1">
+            <a:schemeClr val="accent4"/>
+          </a:effectRef>
+          <a:fontRef idx="minor">
+            <a:schemeClr val="dk1"/>
+          </a:fontRef>
+        </p:style>
+        <p:txBody>
+          <a:bodyPr rtlCol="0" anchor="ctr"/>
+          <a:lstStyle/>
+          <a:p>
+            <a:pPr algn="ctr"/>
+            <a:r>
+              <a:rPr lang="en-SG" sz="1050" dirty="0" err="1">
+                <a:solidFill>
+                  <a:srgbClr val="7030A0"/>
+                </a:solidFill>
+              </a:rPr>
+              <a:t>RepeatType</a:t>
+            </a:r>
+            <a:endParaRPr lang="en-SG" sz="1050" dirty="0">
+              <a:solidFill>
+                <a:srgbClr val="7030A0"/>
+              </a:solidFill>
+            </a:endParaRPr>
+          </a:p>
+        </p:txBody>
+      </p:sp>
+      <p:sp>
+        <p:nvSpPr>
+          <p:cNvPr id="72" name="Rectangle 8">
+            <a:extLst>
+              <a:ext uri="{FF2B5EF4-FFF2-40B4-BE49-F238E27FC236}">
+                <a16:creationId xmlns:a16="http://schemas.microsoft.com/office/drawing/2014/main" id="{FFD04EED-CC8E-40B7-954B-F783775782E4}"/>
+              </a:ext>
+            </a:extLst>
+          </p:cNvPr>
+          <p:cNvSpPr/>
+          <p:nvPr/>
+        </p:nvSpPr>
+        <p:spPr>
+          <a:xfrm>
+            <a:off x="7655500" y="4255033"/>
+            <a:ext cx="882471" cy="285783"/>
+          </a:xfrm>
+          <a:prstGeom prst="rect">
+            <a:avLst/>
+          </a:prstGeom>
+          <a:ln w="19050">
+            <a:solidFill>
+              <a:srgbClr val="7030A0"/>
+            </a:solidFill>
+          </a:ln>
+          <a:effectLst/>
+        </p:spPr>
+        <p:style>
+          <a:lnRef idx="1">
+            <a:schemeClr val="accent4"/>
+          </a:lnRef>
+          <a:fillRef idx="2">
+            <a:schemeClr val="accent4"/>
+          </a:fillRef>
+          <a:effectRef idx="1">
+            <a:schemeClr val="accent4"/>
+          </a:effectRef>
+          <a:fontRef idx="minor">
+            <a:schemeClr val="dk1"/>
+          </a:fontRef>
+        </p:style>
+        <p:txBody>
+          <a:bodyPr rtlCol="0" anchor="ctr"/>
+          <a:lstStyle/>
+          <a:p>
+            <a:pPr algn="ctr"/>
+            <a:r>
+              <a:rPr lang="en-SG" sz="1050" dirty="0" err="1">
+                <a:solidFill>
+                  <a:srgbClr val="7030A0"/>
+                </a:solidFill>
+              </a:rPr>
+              <a:t>DateTime</a:t>
+            </a:r>
+            <a:endParaRPr lang="en-SG" sz="1050" dirty="0">
+              <a:solidFill>
+                <a:srgbClr val="7030A0"/>
+              </a:solidFill>
+            </a:endParaRPr>
+          </a:p>
+        </p:txBody>
+      </p:sp>
+      <p:sp>
+        <p:nvSpPr>
+          <p:cNvPr id="73" name="Rectangle 8">
+            <a:extLst>
+              <a:ext uri="{FF2B5EF4-FFF2-40B4-BE49-F238E27FC236}">
+                <a16:creationId xmlns:a16="http://schemas.microsoft.com/office/drawing/2014/main" id="{ADD89C8F-A2C4-40D8-851D-4B6A244C54D5}"/>
+              </a:ext>
+            </a:extLst>
+          </p:cNvPr>
+          <p:cNvSpPr/>
+          <p:nvPr/>
+        </p:nvSpPr>
+        <p:spPr>
+          <a:xfrm>
+            <a:off x="7655498" y="4574001"/>
+            <a:ext cx="882472" cy="285783"/>
+          </a:xfrm>
+          <a:prstGeom prst="rect">
+            <a:avLst/>
+          </a:prstGeom>
+          <a:ln w="19050">
+            <a:solidFill>
+              <a:srgbClr val="7030A0"/>
+            </a:solidFill>
+          </a:ln>
+          <a:effectLst/>
+        </p:spPr>
+        <p:style>
+          <a:lnRef idx="1">
+            <a:schemeClr val="accent4"/>
+          </a:lnRef>
+          <a:fillRef idx="2">
+            <a:schemeClr val="accent4"/>
+          </a:fillRef>
+          <a:effectRef idx="1">
+            <a:schemeClr val="accent4"/>
+          </a:effectRef>
+          <a:fontRef idx="minor">
+            <a:schemeClr val="dk1"/>
+          </a:fontRef>
+        </p:style>
+        <p:txBody>
+          <a:bodyPr rtlCol="0" anchor="ctr"/>
+          <a:lstStyle/>
+          <a:p>
+            <a:pPr algn="ctr"/>
+            <a:r>
+              <a:rPr lang="en-SG" sz="1050" dirty="0">
+                <a:solidFill>
+                  <a:srgbClr val="7030A0"/>
+                </a:solidFill>
+              </a:rPr>
+              <a:t>Set&lt;Tags&gt;</a:t>
+            </a:r>
+          </a:p>
+        </p:txBody>
+      </p:sp>
+      <p:sp>
+        <p:nvSpPr>
+          <p:cNvPr id="74" name="Rectangle 8">
+            <a:extLst>
+              <a:ext uri="{FF2B5EF4-FFF2-40B4-BE49-F238E27FC236}">
+                <a16:creationId xmlns:a16="http://schemas.microsoft.com/office/drawing/2014/main" id="{6753CF5B-9F28-4512-B8D7-46DB5FAC3C0B}"/>
+              </a:ext>
+            </a:extLst>
+          </p:cNvPr>
+          <p:cNvSpPr/>
+          <p:nvPr/>
+        </p:nvSpPr>
+        <p:spPr>
+          <a:xfrm>
+            <a:off x="7162800" y="4892969"/>
+            <a:ext cx="1375170" cy="285783"/>
+          </a:xfrm>
+          <a:prstGeom prst="rect">
+            <a:avLst/>
+          </a:prstGeom>
+          <a:ln w="19050">
+            <a:solidFill>
+              <a:srgbClr val="7030A0"/>
+            </a:solidFill>
+          </a:ln>
+          <a:effectLst/>
+        </p:spPr>
+        <p:style>
+          <a:lnRef idx="1">
+            <a:schemeClr val="accent4"/>
+          </a:lnRef>
+          <a:fillRef idx="2">
+            <a:schemeClr val="accent4"/>
+          </a:fillRef>
+          <a:effectRef idx="1">
+            <a:schemeClr val="accent4"/>
+          </a:effectRef>
+          <a:fontRef idx="minor">
+            <a:schemeClr val="dk1"/>
+          </a:fontRef>
+        </p:style>
+        <p:txBody>
+          <a:bodyPr rtlCol="0" anchor="ctr"/>
+          <a:lstStyle/>
+          <a:p>
+            <a:pPr algn="ctr"/>
+            <a:r>
+              <a:rPr lang="en-SG" sz="1050" dirty="0" err="1">
+                <a:solidFill>
+                  <a:srgbClr val="7030A0"/>
+                </a:solidFill>
+              </a:rPr>
+              <a:t>ReminderDurationList</a:t>
+            </a:r>
+            <a:endParaRPr lang="en-SG" sz="1050" dirty="0">
+              <a:solidFill>
+                <a:srgbClr val="7030A0"/>
+              </a:solidFill>
+            </a:endParaRPr>
+          </a:p>
+        </p:txBody>
+      </p:sp>
+      <p:cxnSp>
+        <p:nvCxnSpPr>
+          <p:cNvPr id="87" name="Elbow Connector 80">
+            <a:extLst>
+              <a:ext uri="{FF2B5EF4-FFF2-40B4-BE49-F238E27FC236}">
+                <a16:creationId xmlns:a16="http://schemas.microsoft.com/office/drawing/2014/main" id="{5F5D5412-A653-4928-B1CD-93048D3A5014}"/>
+              </a:ext>
+            </a:extLst>
+          </p:cNvPr>
+          <p:cNvCxnSpPr>
+            <a:cxnSpLocks/>
+            <a:endCxn id="83" idx="1"/>
+          </p:cNvCxnSpPr>
+          <p:nvPr/>
+        </p:nvCxnSpPr>
+        <p:spPr>
+          <a:xfrm>
+            <a:off x="7429602" y="2783780"/>
+            <a:ext cx="225896" cy="4445"/>
+          </a:xfrm>
+          <a:prstGeom prst="bentConnector3">
+            <a:avLst>
+              <a:gd name="adj1" fmla="val 5024"/>
+            </a:avLst>
+          </a:prstGeom>
+          <a:ln w="19050">
+            <a:solidFill>
+              <a:srgbClr val="7030A0"/>
+            </a:solidFill>
+            <a:headEnd type="none" w="med" len="med"/>
+            <a:tailEnd type="arrow" w="med" len="med"/>
+          </a:ln>
+          <a:effectLst/>
+        </p:spPr>
+        <p:style>
+          <a:lnRef idx="1">
+            <a:schemeClr val="accent2"/>
+          </a:lnRef>
+          <a:fillRef idx="2">
+            <a:schemeClr val="accent2"/>
+          </a:fillRef>
+          <a:effectRef idx="1">
+            <a:schemeClr val="accent2"/>
+          </a:effectRef>
+          <a:fontRef idx="minor">
+            <a:schemeClr val="dk1"/>
+          </a:fontRef>
+        </p:style>
+      </p:cxnSp>
+      <p:cxnSp>
+        <p:nvCxnSpPr>
+          <p:cNvPr id="103" name="Straight Connector 102">
+            <a:extLst>
+              <a:ext uri="{FF2B5EF4-FFF2-40B4-BE49-F238E27FC236}">
+                <a16:creationId xmlns:a16="http://schemas.microsoft.com/office/drawing/2014/main" id="{4129CCAF-CA38-4C28-9EA7-481430A4CDA0}"/>
+              </a:ext>
+            </a:extLst>
+          </p:cNvPr>
+          <p:cNvCxnSpPr>
+            <a:cxnSpLocks/>
+            <a:stCxn id="78" idx="3"/>
+          </p:cNvCxnSpPr>
+          <p:nvPr/>
+        </p:nvCxnSpPr>
+        <p:spPr>
+          <a:xfrm>
+            <a:off x="7267953" y="3028366"/>
+            <a:ext cx="161649" cy="0"/>
+          </a:xfrm>
+          <a:prstGeom prst="line">
+            <a:avLst/>
+          </a:prstGeom>
+          <a:ln w="19050">
+            <a:solidFill>
+              <a:srgbClr val="7030A0"/>
+            </a:solidFill>
+          </a:ln>
+        </p:spPr>
+        <p:style>
+          <a:lnRef idx="1">
+            <a:schemeClr val="accent1"/>
+          </a:lnRef>
+          <a:fillRef idx="0">
+            <a:schemeClr val="accent1"/>
+          </a:fillRef>
+          <a:effectRef idx="0">
+            <a:schemeClr val="accent1"/>
+          </a:effectRef>
+          <a:fontRef idx="minor">
+            <a:schemeClr val="tx1"/>
+          </a:fontRef>
+        </p:style>
+      </p:cxnSp>
+      <p:cxnSp>
+        <p:nvCxnSpPr>
+          <p:cNvPr id="115" name="Elbow Connector 78">
+            <a:extLst>
+              <a:ext uri="{FF2B5EF4-FFF2-40B4-BE49-F238E27FC236}">
+                <a16:creationId xmlns:a16="http://schemas.microsoft.com/office/drawing/2014/main" id="{2B86269B-D94F-41D7-B892-ACF040803723}"/>
+              </a:ext>
+            </a:extLst>
+          </p:cNvPr>
+          <p:cNvCxnSpPr>
+            <a:cxnSpLocks/>
+            <a:endCxn id="74" idx="1"/>
+          </p:cNvCxnSpPr>
+          <p:nvPr/>
+        </p:nvCxnSpPr>
+        <p:spPr>
+          <a:xfrm rot="5400000">
+            <a:off x="6292454" y="3898712"/>
+            <a:ext cx="2007496" cy="266803"/>
+          </a:xfrm>
+          <a:prstGeom prst="bentConnector4">
+            <a:avLst>
+              <a:gd name="adj1" fmla="val 89038"/>
+              <a:gd name="adj2" fmla="val 172986"/>
+            </a:avLst>
+          </a:prstGeom>
+          <a:ln w="19050">
+            <a:solidFill>
+              <a:srgbClr val="7030A0"/>
+            </a:solidFill>
+            <a:headEnd type="none" w="med" len="med"/>
+            <a:tailEnd type="arrow" w="med" len="med"/>
+          </a:ln>
+          <a:effectLst/>
+        </p:spPr>
+        <p:style>
+          <a:lnRef idx="1">
+            <a:schemeClr val="accent2"/>
+          </a:lnRef>
+          <a:fillRef idx="2">
+            <a:schemeClr val="accent2"/>
+          </a:fillRef>
+          <a:effectRef idx="1">
+            <a:schemeClr val="accent2"/>
+          </a:effectRef>
+          <a:fontRef idx="minor">
+            <a:schemeClr val="dk1"/>
+          </a:fontRef>
+        </p:style>
+      </p:cxnSp>
+      <p:cxnSp>
+        <p:nvCxnSpPr>
+          <p:cNvPr id="125" name="Elbow Connector 85">
+            <a:extLst>
+              <a:ext uri="{FF2B5EF4-FFF2-40B4-BE49-F238E27FC236}">
+                <a16:creationId xmlns:a16="http://schemas.microsoft.com/office/drawing/2014/main" id="{DD5AAE2E-C9E5-460E-A449-3E5868439F79}"/>
+              </a:ext>
+            </a:extLst>
+          </p:cNvPr>
+          <p:cNvCxnSpPr>
+            <a:cxnSpLocks/>
+            <a:endCxn id="67" idx="1"/>
+          </p:cNvCxnSpPr>
+          <p:nvPr/>
+        </p:nvCxnSpPr>
+        <p:spPr>
+          <a:xfrm flipV="1">
+            <a:off x="7428651" y="3756568"/>
+            <a:ext cx="226849" cy="588"/>
+          </a:xfrm>
+          <a:prstGeom prst="bentConnector3">
+            <a:avLst>
+              <a:gd name="adj1" fmla="val 50000"/>
+            </a:avLst>
+          </a:prstGeom>
+          <a:ln w="19050">
+            <a:solidFill>
+              <a:srgbClr val="7030A0"/>
+            </a:solidFill>
+            <a:headEnd type="none" w="med" len="med"/>
+            <a:tailEnd type="arrow" w="med" len="med"/>
+          </a:ln>
+          <a:effectLst/>
+        </p:spPr>
+        <p:style>
+          <a:lnRef idx="1">
+            <a:schemeClr val="accent2"/>
+          </a:lnRef>
+          <a:fillRef idx="2">
+            <a:schemeClr val="accent2"/>
+          </a:fillRef>
+          <a:effectRef idx="1">
+            <a:schemeClr val="accent2"/>
+          </a:effectRef>
+          <a:fontRef idx="minor">
+            <a:schemeClr val="dk1"/>
+          </a:fontRef>
+        </p:style>
+      </p:cxnSp>
+      <p:cxnSp>
+        <p:nvCxnSpPr>
+          <p:cNvPr id="132" name="Elbow Connector 85">
+            <a:extLst>
+              <a:ext uri="{FF2B5EF4-FFF2-40B4-BE49-F238E27FC236}">
+                <a16:creationId xmlns:a16="http://schemas.microsoft.com/office/drawing/2014/main" id="{C85872CF-BACD-4692-B713-7ADAE7347F8F}"/>
+              </a:ext>
+            </a:extLst>
+          </p:cNvPr>
+          <p:cNvCxnSpPr>
+            <a:cxnSpLocks/>
+            <a:endCxn id="71" idx="1"/>
+          </p:cNvCxnSpPr>
+          <p:nvPr/>
+        </p:nvCxnSpPr>
+        <p:spPr>
+          <a:xfrm flipV="1">
+            <a:off x="7428175" y="4078957"/>
+            <a:ext cx="227325" cy="2"/>
+          </a:xfrm>
+          <a:prstGeom prst="bentConnector3">
+            <a:avLst>
+              <a:gd name="adj1" fmla="val 50000"/>
+            </a:avLst>
+          </a:prstGeom>
+          <a:ln w="19050">
+            <a:solidFill>
+              <a:srgbClr val="7030A0"/>
+            </a:solidFill>
+            <a:headEnd type="none" w="med" len="med"/>
+            <a:tailEnd type="arrow" w="med" len="med"/>
+          </a:ln>
+          <a:effectLst/>
+        </p:spPr>
+        <p:style>
+          <a:lnRef idx="1">
+            <a:schemeClr val="accent2"/>
+          </a:lnRef>
+          <a:fillRef idx="2">
+            <a:schemeClr val="accent2"/>
+          </a:fillRef>
+          <a:effectRef idx="1">
+            <a:schemeClr val="accent2"/>
+          </a:effectRef>
+          <a:fontRef idx="minor">
+            <a:schemeClr val="dk1"/>
+          </a:fontRef>
+        </p:style>
+      </p:cxnSp>
+      <p:cxnSp>
+        <p:nvCxnSpPr>
+          <p:cNvPr id="134" name="Elbow Connector 85">
+            <a:extLst>
+              <a:ext uri="{FF2B5EF4-FFF2-40B4-BE49-F238E27FC236}">
+                <a16:creationId xmlns:a16="http://schemas.microsoft.com/office/drawing/2014/main" id="{31A63630-0E12-4DA6-B5C3-96EDD8DC8B44}"/>
+              </a:ext>
+            </a:extLst>
+          </p:cNvPr>
+          <p:cNvCxnSpPr>
+            <a:cxnSpLocks/>
+            <a:endCxn id="72" idx="1"/>
+          </p:cNvCxnSpPr>
+          <p:nvPr/>
+        </p:nvCxnSpPr>
+        <p:spPr>
+          <a:xfrm>
+            <a:off x="7428175" y="4397924"/>
+            <a:ext cx="227325" cy="1"/>
+          </a:xfrm>
+          <a:prstGeom prst="bentConnector3">
+            <a:avLst>
+              <a:gd name="adj1" fmla="val 50000"/>
+            </a:avLst>
+          </a:prstGeom>
+          <a:ln w="19050">
+            <a:solidFill>
+              <a:srgbClr val="7030A0"/>
+            </a:solidFill>
+            <a:headEnd type="none" w="med" len="med"/>
+            <a:tailEnd type="arrow" w="med" len="med"/>
+          </a:ln>
+          <a:effectLst/>
+        </p:spPr>
+        <p:style>
+          <a:lnRef idx="1">
+            <a:schemeClr val="accent2"/>
+          </a:lnRef>
+          <a:fillRef idx="2">
+            <a:schemeClr val="accent2"/>
+          </a:fillRef>
+          <a:effectRef idx="1">
+            <a:schemeClr val="accent2"/>
+          </a:effectRef>
+          <a:fontRef idx="minor">
+            <a:schemeClr val="dk1"/>
+          </a:fontRef>
+        </p:style>
+      </p:cxnSp>
+      <p:cxnSp>
+        <p:nvCxnSpPr>
+          <p:cNvPr id="137" name="Elbow Connector 85">
+            <a:extLst>
+              <a:ext uri="{FF2B5EF4-FFF2-40B4-BE49-F238E27FC236}">
+                <a16:creationId xmlns:a16="http://schemas.microsoft.com/office/drawing/2014/main" id="{C2597991-2378-4AEA-8783-E32D18A65EA2}"/>
+              </a:ext>
+            </a:extLst>
+          </p:cNvPr>
+          <p:cNvCxnSpPr>
+            <a:cxnSpLocks/>
+            <a:endCxn id="73" idx="1"/>
+          </p:cNvCxnSpPr>
+          <p:nvPr/>
+        </p:nvCxnSpPr>
+        <p:spPr>
+          <a:xfrm>
+            <a:off x="7428175" y="4716890"/>
+            <a:ext cx="227323" cy="3"/>
+          </a:xfrm>
+          <a:prstGeom prst="bentConnector3">
+            <a:avLst>
+              <a:gd name="adj1" fmla="val 50000"/>
+            </a:avLst>
+          </a:prstGeom>
+          <a:ln w="19050">
+            <a:solidFill>
+              <a:srgbClr val="7030A0"/>
+            </a:solidFill>
+            <a:headEnd type="none" w="med" len="med"/>
+            <a:tailEnd type="arrow" w="med" len="med"/>
           </a:ln>
           <a:effectLst/>
         </p:spPr>

--- a/docs/diagrams/ModelComponentClassDiagram.pptx
+++ b/docs/diagrams/ModelComponentClassDiagram.pptx
@@ -208,7 +208,7 @@
           <a:p>
             <a:fld id="{F5CC4B3F-88C1-4FFA-B1B6-F41C21DC6924}" type="datetimeFigureOut">
               <a:rPr lang="en-US" smtClean="0"/>
-              <a:t>6/27/2018</a:t>
+              <a:t>10/29/18</a:t>
             </a:fld>
             <a:endParaRPr lang="en-US"/>
           </a:p>
@@ -654,7 +654,7 @@
           <a:p>
             <a:fld id="{78C97017-6FC3-485B-9764-EAC9E56C1D49}" type="datetimeFigureOut">
               <a:rPr lang="en-US" smtClean="0"/>
-              <a:t>6/27/2018</a:t>
+              <a:t>10/29/18</a:t>
             </a:fld>
             <a:endParaRPr lang="en-US"/>
           </a:p>
@@ -822,7 +822,7 @@
           <a:p>
             <a:fld id="{78C97017-6FC3-485B-9764-EAC9E56C1D49}" type="datetimeFigureOut">
               <a:rPr lang="en-US" smtClean="0"/>
-              <a:t>6/27/2018</a:t>
+              <a:t>10/29/18</a:t>
             </a:fld>
             <a:endParaRPr lang="en-US"/>
           </a:p>
@@ -1000,7 +1000,7 @@
           <a:p>
             <a:fld id="{78C97017-6FC3-485B-9764-EAC9E56C1D49}" type="datetimeFigureOut">
               <a:rPr lang="en-US" smtClean="0"/>
-              <a:t>6/27/2018</a:t>
+              <a:t>10/29/18</a:t>
             </a:fld>
             <a:endParaRPr lang="en-US"/>
           </a:p>
@@ -1168,7 +1168,7 @@
           <a:p>
             <a:fld id="{78C97017-6FC3-485B-9764-EAC9E56C1D49}" type="datetimeFigureOut">
               <a:rPr lang="en-US" smtClean="0"/>
-              <a:t>6/27/2018</a:t>
+              <a:t>10/29/18</a:t>
             </a:fld>
             <a:endParaRPr lang="en-US"/>
           </a:p>
@@ -1413,7 +1413,7 @@
           <a:p>
             <a:fld id="{78C97017-6FC3-485B-9764-EAC9E56C1D49}" type="datetimeFigureOut">
               <a:rPr lang="en-US" smtClean="0"/>
-              <a:t>6/27/2018</a:t>
+              <a:t>10/29/18</a:t>
             </a:fld>
             <a:endParaRPr lang="en-US"/>
           </a:p>
@@ -1698,7 +1698,7 @@
           <a:p>
             <a:fld id="{78C97017-6FC3-485B-9764-EAC9E56C1D49}" type="datetimeFigureOut">
               <a:rPr lang="en-US" smtClean="0"/>
-              <a:t>6/27/2018</a:t>
+              <a:t>10/29/18</a:t>
             </a:fld>
             <a:endParaRPr lang="en-US"/>
           </a:p>
@@ -2117,7 +2117,7 @@
           <a:p>
             <a:fld id="{78C97017-6FC3-485B-9764-EAC9E56C1D49}" type="datetimeFigureOut">
               <a:rPr lang="en-US" smtClean="0"/>
-              <a:t>6/27/2018</a:t>
+              <a:t>10/29/18</a:t>
             </a:fld>
             <a:endParaRPr lang="en-US"/>
           </a:p>
@@ -2234,7 +2234,7 @@
           <a:p>
             <a:fld id="{78C97017-6FC3-485B-9764-EAC9E56C1D49}" type="datetimeFigureOut">
               <a:rPr lang="en-US" smtClean="0"/>
-              <a:t>6/27/2018</a:t>
+              <a:t>10/29/18</a:t>
             </a:fld>
             <a:endParaRPr lang="en-US"/>
           </a:p>
@@ -2329,7 +2329,7 @@
           <a:p>
             <a:fld id="{78C97017-6FC3-485B-9764-EAC9E56C1D49}" type="datetimeFigureOut">
               <a:rPr lang="en-US" smtClean="0"/>
-              <a:t>6/27/2018</a:t>
+              <a:t>10/29/18</a:t>
             </a:fld>
             <a:endParaRPr lang="en-US"/>
           </a:p>
@@ -2604,7 +2604,7 @@
           <a:p>
             <a:fld id="{78C97017-6FC3-485B-9764-EAC9E56C1D49}" type="datetimeFigureOut">
               <a:rPr lang="en-US" smtClean="0"/>
-              <a:t>6/27/2018</a:t>
+              <a:t>10/29/18</a:t>
             </a:fld>
             <a:endParaRPr lang="en-US"/>
           </a:p>
@@ -2856,7 +2856,7 @@
           <a:p>
             <a:fld id="{78C97017-6FC3-485B-9764-EAC9E56C1D49}" type="datetimeFigureOut">
               <a:rPr lang="en-US" smtClean="0"/>
-              <a:t>6/27/2018</a:t>
+              <a:t>10/29/18</a:t>
             </a:fld>
             <a:endParaRPr lang="en-US"/>
           </a:p>
@@ -3067,7 +3067,7 @@
           <a:p>
             <a:fld id="{78C97017-6FC3-485B-9764-EAC9E56C1D49}" type="datetimeFigureOut">
               <a:rPr lang="en-US" smtClean="0"/>
-              <a:t>6/27/2018</a:t>
+              <a:t>10/29/18</a:t>
             </a:fld>
             <a:endParaRPr lang="en-US"/>
           </a:p>
@@ -3994,7 +3994,7 @@
           <a:p>
             <a:pPr algn="ctr"/>
             <a:r>
-              <a:rPr lang="en-US" sz="1050" dirty="0" err="1" smtClean="0">
+              <a:rPr lang="en-US" sz="1050" dirty="0" err="1">
                 <a:solidFill>
                   <a:srgbClr val="7030A0"/>
                 </a:solidFill>
@@ -5023,14 +5023,6 @@
               </a:rPr>
               <a:t>&lt;&lt;interface&gt;&gt;</a:t>
             </a:r>
-            <a:r>
-              <a:rPr lang="en-US" sz="1050">
-                <a:solidFill>
-                  <a:srgbClr val="7030A0"/>
-                </a:solidFill>
-              </a:rPr>
-              <a:t/>
-            </a:r>
             <a:br>
               <a:rPr lang="en-US" sz="1050">
                 <a:solidFill>
@@ -5641,6 +5633,271 @@
           </a:fontRef>
         </p:style>
       </p:cxnSp>
+      <p:sp>
+        <p:nvSpPr>
+          <p:cNvPr id="56" name="Rectangle 8">
+            <a:extLst>
+              <a:ext uri="{FF2B5EF4-FFF2-40B4-BE49-F238E27FC236}">
+                <a16:creationId xmlns:a16="http://schemas.microsoft.com/office/drawing/2014/main" id="{44A68FBC-FE38-6A47-B8B1-B9D1CC30CDB3}"/>
+              </a:ext>
+            </a:extLst>
+          </p:cNvPr>
+          <p:cNvSpPr/>
+          <p:nvPr/>
+        </p:nvSpPr>
+        <p:spPr>
+          <a:xfrm>
+            <a:off x="7710323" y="3875891"/>
+            <a:ext cx="708186" cy="285783"/>
+          </a:xfrm>
+          <a:prstGeom prst="rect">
+            <a:avLst/>
+          </a:prstGeom>
+          <a:ln w="19050">
+            <a:solidFill>
+              <a:srgbClr val="7030A0"/>
+            </a:solidFill>
+          </a:ln>
+          <a:effectLst/>
+        </p:spPr>
+        <p:style>
+          <a:lnRef idx="1">
+            <a:schemeClr val="accent4"/>
+          </a:lnRef>
+          <a:fillRef idx="2">
+            <a:schemeClr val="accent4"/>
+          </a:fillRef>
+          <a:effectRef idx="1">
+            <a:schemeClr val="accent4"/>
+          </a:effectRef>
+          <a:fontRef idx="minor">
+            <a:schemeClr val="dk1"/>
+          </a:fontRef>
+        </p:style>
+        <p:txBody>
+          <a:bodyPr rtlCol="0" anchor="ctr"/>
+          <a:lstStyle/>
+          <a:p>
+            <a:pPr algn="ctr"/>
+            <a:r>
+              <a:rPr lang="en-US" sz="1050" dirty="0">
+                <a:solidFill>
+                  <a:srgbClr val="7030A0"/>
+                </a:solidFill>
+              </a:rPr>
+              <a:t>Picture</a:t>
+            </a:r>
+            <a:endParaRPr lang="en-SG" sz="1050" dirty="0">
+              <a:solidFill>
+                <a:srgbClr val="7030A0"/>
+              </a:solidFill>
+            </a:endParaRPr>
+          </a:p>
+        </p:txBody>
+      </p:sp>
+      <p:cxnSp>
+        <p:nvCxnSpPr>
+          <p:cNvPr id="57" name="Elbow Connector 56">
+            <a:extLst>
+              <a:ext uri="{FF2B5EF4-FFF2-40B4-BE49-F238E27FC236}">
+                <a16:creationId xmlns:a16="http://schemas.microsoft.com/office/drawing/2014/main" id="{C0A55773-7FA5-3C42-9D6A-56C4F92FA03E}"/>
+              </a:ext>
+            </a:extLst>
+          </p:cNvPr>
+          <p:cNvCxnSpPr>
+            <a:cxnSpLocks/>
+            <a:stCxn id="78" idx="3"/>
+            <a:endCxn id="56" idx="1"/>
+          </p:cNvCxnSpPr>
+          <p:nvPr/>
+        </p:nvCxnSpPr>
+        <p:spPr>
+          <a:xfrm>
+            <a:off x="7277995" y="3034891"/>
+            <a:ext cx="432328" cy="983892"/>
+          </a:xfrm>
+          <a:prstGeom prst="bentConnector3">
+            <a:avLst/>
+          </a:prstGeom>
+          <a:ln w="19050">
+            <a:solidFill>
+              <a:srgbClr val="7030A0"/>
+            </a:solidFill>
+            <a:headEnd type="none" w="med" len="med"/>
+            <a:tailEnd type="arrow" w="med" len="med"/>
+          </a:ln>
+          <a:effectLst/>
+        </p:spPr>
+        <p:style>
+          <a:lnRef idx="1">
+            <a:schemeClr val="accent2"/>
+          </a:lnRef>
+          <a:fillRef idx="2">
+            <a:schemeClr val="accent2"/>
+          </a:fillRef>
+          <a:effectRef idx="1">
+            <a:schemeClr val="accent2"/>
+          </a:effectRef>
+          <a:fontRef idx="minor">
+            <a:schemeClr val="dk1"/>
+          </a:fontRef>
+        </p:style>
+      </p:cxnSp>
+      <p:sp>
+        <p:nvSpPr>
+          <p:cNvPr id="59" name="Rectangle 8">
+            <a:extLst>
+              <a:ext uri="{FF2B5EF4-FFF2-40B4-BE49-F238E27FC236}">
+                <a16:creationId xmlns:a16="http://schemas.microsoft.com/office/drawing/2014/main" id="{4318DFB2-15C3-A447-86D0-3BF8FDB07849}"/>
+              </a:ext>
+            </a:extLst>
+          </p:cNvPr>
+          <p:cNvSpPr/>
+          <p:nvPr/>
+        </p:nvSpPr>
+        <p:spPr>
+          <a:xfrm>
+            <a:off x="7710323" y="4198022"/>
+            <a:ext cx="708186" cy="285783"/>
+          </a:xfrm>
+          <a:prstGeom prst="rect">
+            <a:avLst/>
+          </a:prstGeom>
+          <a:ln w="19050">
+            <a:solidFill>
+              <a:srgbClr val="7030A0"/>
+            </a:solidFill>
+          </a:ln>
+          <a:effectLst/>
+        </p:spPr>
+        <p:style>
+          <a:lnRef idx="1">
+            <a:schemeClr val="accent4"/>
+          </a:lnRef>
+          <a:fillRef idx="2">
+            <a:schemeClr val="accent4"/>
+          </a:fillRef>
+          <a:effectRef idx="1">
+            <a:schemeClr val="accent4"/>
+          </a:effectRef>
+          <a:fontRef idx="minor">
+            <a:schemeClr val="dk1"/>
+          </a:fontRef>
+        </p:style>
+        <p:txBody>
+          <a:bodyPr rtlCol="0" anchor="ctr"/>
+          <a:lstStyle/>
+          <a:p>
+            <a:pPr algn="ctr"/>
+            <a:r>
+              <a:rPr lang="en-US" sz="1050" dirty="0">
+                <a:solidFill>
+                  <a:srgbClr val="7030A0"/>
+                </a:solidFill>
+              </a:rPr>
+              <a:t>Meeting</a:t>
+            </a:r>
+            <a:endParaRPr lang="en-SG" sz="1050" dirty="0">
+              <a:solidFill>
+                <a:srgbClr val="7030A0"/>
+              </a:solidFill>
+            </a:endParaRPr>
+          </a:p>
+        </p:txBody>
+      </p:sp>
+      <p:cxnSp>
+        <p:nvCxnSpPr>
+          <p:cNvPr id="67" name="Elbow Connector 66">
+            <a:extLst>
+              <a:ext uri="{FF2B5EF4-FFF2-40B4-BE49-F238E27FC236}">
+                <a16:creationId xmlns:a16="http://schemas.microsoft.com/office/drawing/2014/main" id="{7DBB57D4-99C0-4347-965C-6038FE3C0DE7}"/>
+              </a:ext>
+            </a:extLst>
+          </p:cNvPr>
+          <p:cNvCxnSpPr>
+            <a:cxnSpLocks/>
+            <a:stCxn id="78" idx="3"/>
+            <a:endCxn id="59" idx="1"/>
+          </p:cNvCxnSpPr>
+          <p:nvPr/>
+        </p:nvCxnSpPr>
+        <p:spPr>
+          <a:xfrm>
+            <a:off x="7277995" y="3034891"/>
+            <a:ext cx="432328" cy="1306023"/>
+          </a:xfrm>
+          <a:prstGeom prst="bentConnector3">
+            <a:avLst/>
+          </a:prstGeom>
+          <a:ln w="19050">
+            <a:solidFill>
+              <a:srgbClr val="7030A0"/>
+            </a:solidFill>
+            <a:headEnd type="none" w="med" len="med"/>
+            <a:tailEnd type="arrow" w="med" len="med"/>
+          </a:ln>
+          <a:effectLst/>
+        </p:spPr>
+        <p:style>
+          <a:lnRef idx="1">
+            <a:schemeClr val="accent2"/>
+          </a:lnRef>
+          <a:fillRef idx="2">
+            <a:schemeClr val="accent2"/>
+          </a:fillRef>
+          <a:effectRef idx="1">
+            <a:schemeClr val="accent2"/>
+          </a:effectRef>
+          <a:fontRef idx="minor">
+            <a:schemeClr val="dk1"/>
+          </a:fontRef>
+        </p:style>
+      </p:cxnSp>
+      <p:sp>
+        <p:nvSpPr>
+          <p:cNvPr id="71" name="TextBox 70">
+            <a:extLst>
+              <a:ext uri="{FF2B5EF4-FFF2-40B4-BE49-F238E27FC236}">
+                <a16:creationId xmlns:a16="http://schemas.microsoft.com/office/drawing/2014/main" id="{18CCA75B-7859-A747-9C78-7B2DE7C77B82}"/>
+              </a:ext>
+            </a:extLst>
+          </p:cNvPr>
+          <p:cNvSpPr txBox="1"/>
+          <p:nvPr/>
+        </p:nvSpPr>
+        <p:spPr>
+          <a:xfrm>
+            <a:off x="7467600" y="4365618"/>
+            <a:ext cx="189257" cy="134247"/>
+          </a:xfrm>
+          <a:prstGeom prst="rect">
+            <a:avLst/>
+          </a:prstGeom>
+          <a:noFill/>
+        </p:spPr>
+        <p:txBody>
+          <a:bodyPr wrap="square" lIns="0" tIns="0" rIns="0" bIns="0" rtlCol="0">
+            <a:noAutofit/>
+          </a:bodyPr>
+          <a:lstStyle/>
+          <a:p>
+            <a:pPr algn="ctr"/>
+            <a:r>
+              <a:rPr lang="en-US" sz="1100" dirty="0">
+                <a:solidFill>
+                  <a:srgbClr val="7030A0"/>
+                </a:solidFill>
+              </a:rPr>
+              <a:t>*</a:t>
+            </a:r>
+            <a:endParaRPr lang="en-SG" sz="1100" dirty="0">
+              <a:solidFill>
+                <a:srgbClr val="7030A0"/>
+              </a:solidFill>
+            </a:endParaRPr>
+          </a:p>
+        </p:txBody>
+      </p:sp>
     </p:spTree>
     <p:extLst>
       <p:ext uri="{BB962C8B-B14F-4D97-AF65-F5344CB8AC3E}">

--- a/docs/diagrams/ModelComponentClassDiagram.pptx
+++ b/docs/diagrams/ModelComponentClassDiagram.pptx
@@ -208,7 +208,7 @@
           <a:p>
             <a:fld id="{F5CC4B3F-88C1-4FFA-B1B6-F41C21DC6924}" type="datetimeFigureOut">
               <a:rPr lang="en-US" smtClean="0"/>
-              <a:t>6/27/2018</a:t>
+              <a:t>10/29/2018</a:t>
             </a:fld>
             <a:endParaRPr lang="en-US"/>
           </a:p>
@@ -654,7 +654,7 @@
           <a:p>
             <a:fld id="{78C97017-6FC3-485B-9764-EAC9E56C1D49}" type="datetimeFigureOut">
               <a:rPr lang="en-US" smtClean="0"/>
-              <a:t>6/27/2018</a:t>
+              <a:t>10/29/2018</a:t>
             </a:fld>
             <a:endParaRPr lang="en-US"/>
           </a:p>
@@ -822,7 +822,7 @@
           <a:p>
             <a:fld id="{78C97017-6FC3-485B-9764-EAC9E56C1D49}" type="datetimeFigureOut">
               <a:rPr lang="en-US" smtClean="0"/>
-              <a:t>6/27/2018</a:t>
+              <a:t>10/29/2018</a:t>
             </a:fld>
             <a:endParaRPr lang="en-US"/>
           </a:p>
@@ -1000,7 +1000,7 @@
           <a:p>
             <a:fld id="{78C97017-6FC3-485B-9764-EAC9E56C1D49}" type="datetimeFigureOut">
               <a:rPr lang="en-US" smtClean="0"/>
-              <a:t>6/27/2018</a:t>
+              <a:t>10/29/2018</a:t>
             </a:fld>
             <a:endParaRPr lang="en-US"/>
           </a:p>
@@ -1168,7 +1168,7 @@
           <a:p>
             <a:fld id="{78C97017-6FC3-485B-9764-EAC9E56C1D49}" type="datetimeFigureOut">
               <a:rPr lang="en-US" smtClean="0"/>
-              <a:t>6/27/2018</a:t>
+              <a:t>10/29/2018</a:t>
             </a:fld>
             <a:endParaRPr lang="en-US"/>
           </a:p>
@@ -1413,7 +1413,7 @@
           <a:p>
             <a:fld id="{78C97017-6FC3-485B-9764-EAC9E56C1D49}" type="datetimeFigureOut">
               <a:rPr lang="en-US" smtClean="0"/>
-              <a:t>6/27/2018</a:t>
+              <a:t>10/29/2018</a:t>
             </a:fld>
             <a:endParaRPr lang="en-US"/>
           </a:p>
@@ -1698,7 +1698,7 @@
           <a:p>
             <a:fld id="{78C97017-6FC3-485B-9764-EAC9E56C1D49}" type="datetimeFigureOut">
               <a:rPr lang="en-US" smtClean="0"/>
-              <a:t>6/27/2018</a:t>
+              <a:t>10/29/2018</a:t>
             </a:fld>
             <a:endParaRPr lang="en-US"/>
           </a:p>
@@ -2117,7 +2117,7 @@
           <a:p>
             <a:fld id="{78C97017-6FC3-485B-9764-EAC9E56C1D49}" type="datetimeFigureOut">
               <a:rPr lang="en-US" smtClean="0"/>
-              <a:t>6/27/2018</a:t>
+              <a:t>10/29/2018</a:t>
             </a:fld>
             <a:endParaRPr lang="en-US"/>
           </a:p>
@@ -2234,7 +2234,7 @@
           <a:p>
             <a:fld id="{78C97017-6FC3-485B-9764-EAC9E56C1D49}" type="datetimeFigureOut">
               <a:rPr lang="en-US" smtClean="0"/>
-              <a:t>6/27/2018</a:t>
+              <a:t>10/29/2018</a:t>
             </a:fld>
             <a:endParaRPr lang="en-US"/>
           </a:p>
@@ -2329,7 +2329,7 @@
           <a:p>
             <a:fld id="{78C97017-6FC3-485B-9764-EAC9E56C1D49}" type="datetimeFigureOut">
               <a:rPr lang="en-US" smtClean="0"/>
-              <a:t>6/27/2018</a:t>
+              <a:t>10/29/2018</a:t>
             </a:fld>
             <a:endParaRPr lang="en-US"/>
           </a:p>
@@ -2604,7 +2604,7 @@
           <a:p>
             <a:fld id="{78C97017-6FC3-485B-9764-EAC9E56C1D49}" type="datetimeFigureOut">
               <a:rPr lang="en-US" smtClean="0"/>
-              <a:t>6/27/2018</a:t>
+              <a:t>10/29/2018</a:t>
             </a:fld>
             <a:endParaRPr lang="en-US"/>
           </a:p>
@@ -2856,7 +2856,7 @@
           <a:p>
             <a:fld id="{78C97017-6FC3-485B-9764-EAC9E56C1D49}" type="datetimeFigureOut">
               <a:rPr lang="en-US" smtClean="0"/>
-              <a:t>6/27/2018</a:t>
+              <a:t>10/29/2018</a:t>
             </a:fld>
             <a:endParaRPr lang="en-US"/>
           </a:p>
@@ -3067,7 +3067,7 @@
           <a:p>
             <a:fld id="{78C97017-6FC3-485B-9764-EAC9E56C1D49}" type="datetimeFigureOut">
               <a:rPr lang="en-US" smtClean="0"/>
-              <a:t>6/27/2018</a:t>
+              <a:t>10/29/2018</a:t>
             </a:fld>
             <a:endParaRPr lang="en-US"/>
           </a:p>
@@ -3994,7 +3994,7 @@
           <a:p>
             <a:pPr algn="ctr"/>
             <a:r>
-              <a:rPr lang="en-US" sz="1050" dirty="0" err="1" smtClean="0">
+              <a:rPr lang="en-US" sz="1050" dirty="0" err="1">
                 <a:solidFill>
                   <a:srgbClr val="7030A0"/>
                 </a:solidFill>
@@ -5023,14 +5023,6 @@
               </a:rPr>
               <a:t>&lt;&lt;interface&gt;&gt;</a:t>
             </a:r>
-            <a:r>
-              <a:rPr lang="en-US" sz="1050">
-                <a:solidFill>
-                  <a:srgbClr val="7030A0"/>
-                </a:solidFill>
-              </a:rPr>
-              <a:t/>
-            </a:r>
             <a:br>
               <a:rPr lang="en-US" sz="1050">
                 <a:solidFill>
@@ -5641,6 +5633,440 @@
           </a:fontRef>
         </p:style>
       </p:cxnSp>
+      <p:sp>
+        <p:nvSpPr>
+          <p:cNvPr id="56" name="Rectangle 8">
+            <a:extLst>
+              <a:ext uri="{FF2B5EF4-FFF2-40B4-BE49-F238E27FC236}">
+                <a16:creationId xmlns:a16="http://schemas.microsoft.com/office/drawing/2014/main" id="{A5BCAA18-C1A9-4471-B824-2B7C20A13086}"/>
+              </a:ext>
+            </a:extLst>
+          </p:cNvPr>
+          <p:cNvSpPr/>
+          <p:nvPr/>
+        </p:nvSpPr>
+        <p:spPr>
+          <a:xfrm>
+            <a:off x="4112504" y="3279142"/>
+            <a:ext cx="1060683" cy="364396"/>
+          </a:xfrm>
+          <a:prstGeom prst="rect">
+            <a:avLst/>
+          </a:prstGeom>
+          <a:ln w="19050">
+            <a:solidFill>
+              <a:srgbClr val="7030A0"/>
+            </a:solidFill>
+          </a:ln>
+          <a:effectLst/>
+        </p:spPr>
+        <p:style>
+          <a:lnRef idx="1">
+            <a:schemeClr val="accent4"/>
+          </a:lnRef>
+          <a:fillRef idx="2">
+            <a:schemeClr val="accent4"/>
+          </a:fillRef>
+          <a:effectRef idx="1">
+            <a:schemeClr val="accent4"/>
+          </a:effectRef>
+          <a:fontRef idx="minor">
+            <a:schemeClr val="dk1"/>
+          </a:fontRef>
+        </p:style>
+        <p:txBody>
+          <a:bodyPr rtlCol="0" anchor="ctr"/>
+          <a:lstStyle/>
+          <a:p>
+            <a:pPr algn="ctr"/>
+            <a:r>
+              <a:rPr lang="en-US" sz="1050" dirty="0">
+                <a:solidFill>
+                  <a:srgbClr val="7030A0"/>
+                </a:solidFill>
+              </a:rPr>
+              <a:t>User</a:t>
+            </a:r>
+            <a:endParaRPr lang="en-SG" sz="1050" dirty="0">
+              <a:solidFill>
+                <a:srgbClr val="7030A0"/>
+              </a:solidFill>
+            </a:endParaRPr>
+          </a:p>
+        </p:txBody>
+      </p:sp>
+      <p:cxnSp>
+        <p:nvCxnSpPr>
+          <p:cNvPr id="57" name="Elbow Connector 80">
+            <a:extLst>
+              <a:ext uri="{FF2B5EF4-FFF2-40B4-BE49-F238E27FC236}">
+                <a16:creationId xmlns:a16="http://schemas.microsoft.com/office/drawing/2014/main" id="{206B00BE-9BC1-4197-936D-D6509E411F8E}"/>
+              </a:ext>
+            </a:extLst>
+          </p:cNvPr>
+          <p:cNvCxnSpPr>
+            <a:cxnSpLocks/>
+          </p:cNvCxnSpPr>
+          <p:nvPr/>
+        </p:nvCxnSpPr>
+        <p:spPr>
+          <a:xfrm>
+            <a:off x="2315329" y="3337877"/>
+            <a:ext cx="1797943" cy="1"/>
+          </a:xfrm>
+          <a:prstGeom prst="bentConnector3">
+            <a:avLst/>
+          </a:prstGeom>
+          <a:ln w="19050">
+            <a:solidFill>
+              <a:srgbClr val="7030A0"/>
+            </a:solidFill>
+            <a:headEnd type="none" w="med" len="med"/>
+            <a:tailEnd type="arrow" w="med" len="med"/>
+          </a:ln>
+          <a:effectLst/>
+        </p:spPr>
+        <p:style>
+          <a:lnRef idx="1">
+            <a:schemeClr val="accent2"/>
+          </a:lnRef>
+          <a:fillRef idx="2">
+            <a:schemeClr val="accent2"/>
+          </a:fillRef>
+          <a:effectRef idx="1">
+            <a:schemeClr val="accent2"/>
+          </a:effectRef>
+          <a:fontRef idx="minor">
+            <a:schemeClr val="dk1"/>
+          </a:fontRef>
+        </p:style>
+      </p:cxnSp>
+      <p:cxnSp>
+        <p:nvCxnSpPr>
+          <p:cNvPr id="59" name="Elbow Connector 78">
+            <a:extLst>
+              <a:ext uri="{FF2B5EF4-FFF2-40B4-BE49-F238E27FC236}">
+                <a16:creationId xmlns:a16="http://schemas.microsoft.com/office/drawing/2014/main" id="{05A3C0F3-B5E5-40F8-BE46-7C8C8E1E2DDA}"/>
+              </a:ext>
+            </a:extLst>
+          </p:cNvPr>
+          <p:cNvCxnSpPr>
+            <a:cxnSpLocks/>
+          </p:cNvCxnSpPr>
+          <p:nvPr/>
+        </p:nvCxnSpPr>
+        <p:spPr>
+          <a:xfrm flipV="1">
+            <a:off x="5188605" y="3189457"/>
+            <a:ext cx="1206868" cy="282413"/>
+          </a:xfrm>
+          <a:prstGeom prst="bentConnector3">
+            <a:avLst>
+              <a:gd name="adj1" fmla="val 100104"/>
+            </a:avLst>
+          </a:prstGeom>
+          <a:ln w="19050">
+            <a:solidFill>
+              <a:srgbClr val="7030A0"/>
+            </a:solidFill>
+            <a:headEnd type="none" w="med" len="med"/>
+            <a:tailEnd type="arrow" w="med" len="med"/>
+          </a:ln>
+          <a:effectLst/>
+        </p:spPr>
+        <p:style>
+          <a:lnRef idx="1">
+            <a:schemeClr val="accent2"/>
+          </a:lnRef>
+          <a:fillRef idx="2">
+            <a:schemeClr val="accent2"/>
+          </a:fillRef>
+          <a:effectRef idx="1">
+            <a:schemeClr val="accent2"/>
+          </a:effectRef>
+          <a:fontRef idx="minor">
+            <a:schemeClr val="dk1"/>
+          </a:fontRef>
+        </p:style>
+      </p:cxnSp>
+      <p:sp>
+        <p:nvSpPr>
+          <p:cNvPr id="67" name="TextBox 66">
+            <a:extLst>
+              <a:ext uri="{FF2B5EF4-FFF2-40B4-BE49-F238E27FC236}">
+                <a16:creationId xmlns:a16="http://schemas.microsoft.com/office/drawing/2014/main" id="{53EB1FFA-C4CA-4035-91B6-3DF14D69153A}"/>
+              </a:ext>
+            </a:extLst>
+          </p:cNvPr>
+          <p:cNvSpPr txBox="1"/>
+          <p:nvPr/>
+        </p:nvSpPr>
+        <p:spPr>
+          <a:xfrm>
+            <a:off x="6232605" y="3277824"/>
+            <a:ext cx="189257" cy="178683"/>
+          </a:xfrm>
+          <a:prstGeom prst="rect">
+            <a:avLst/>
+          </a:prstGeom>
+          <a:noFill/>
+        </p:spPr>
+        <p:txBody>
+          <a:bodyPr wrap="square" lIns="0" tIns="0" rIns="0" bIns="0" rtlCol="0">
+            <a:noAutofit/>
+          </a:bodyPr>
+          <a:lstStyle/>
+          <a:p>
+            <a:pPr algn="ctr"/>
+            <a:r>
+              <a:rPr lang="en-US" sz="1100" dirty="0">
+                <a:solidFill>
+                  <a:srgbClr val="7030A0"/>
+                </a:solidFill>
+              </a:rPr>
+              <a:t>1</a:t>
+            </a:r>
+            <a:endParaRPr lang="en-SG" sz="1100" dirty="0">
+              <a:solidFill>
+                <a:srgbClr val="7030A0"/>
+              </a:solidFill>
+            </a:endParaRPr>
+          </a:p>
+        </p:txBody>
+      </p:sp>
+      <p:sp>
+        <p:nvSpPr>
+          <p:cNvPr id="71" name="TextBox 70">
+            <a:extLst>
+              <a:ext uri="{FF2B5EF4-FFF2-40B4-BE49-F238E27FC236}">
+                <a16:creationId xmlns:a16="http://schemas.microsoft.com/office/drawing/2014/main" id="{2CA481D5-F435-4D74-88A9-F0E8C3B88B44}"/>
+              </a:ext>
+            </a:extLst>
+          </p:cNvPr>
+          <p:cNvSpPr txBox="1"/>
+          <p:nvPr/>
+        </p:nvSpPr>
+        <p:spPr>
+          <a:xfrm>
+            <a:off x="3016588" y="3174117"/>
+            <a:ext cx="763996" cy="178683"/>
+          </a:xfrm>
+          <a:prstGeom prst="rect">
+            <a:avLst/>
+          </a:prstGeom>
+          <a:noFill/>
+        </p:spPr>
+        <p:txBody>
+          <a:bodyPr wrap="square" lIns="0" tIns="0" rIns="0" bIns="0" rtlCol="0">
+            <a:noAutofit/>
+          </a:bodyPr>
+          <a:lstStyle/>
+          <a:p>
+            <a:pPr algn="ctr"/>
+            <a:r>
+              <a:rPr lang="en-SG" sz="1100" dirty="0" err="1">
+                <a:solidFill>
+                  <a:srgbClr val="7030A0"/>
+                </a:solidFill>
+              </a:rPr>
+              <a:t>loggedInUser</a:t>
+            </a:r>
+            <a:endParaRPr lang="en-SG" sz="1100" dirty="0">
+              <a:solidFill>
+                <a:srgbClr val="7030A0"/>
+              </a:solidFill>
+            </a:endParaRPr>
+          </a:p>
+        </p:txBody>
+      </p:sp>
+      <p:sp>
+        <p:nvSpPr>
+          <p:cNvPr id="72" name="TextBox 71">
+            <a:extLst>
+              <a:ext uri="{FF2B5EF4-FFF2-40B4-BE49-F238E27FC236}">
+                <a16:creationId xmlns:a16="http://schemas.microsoft.com/office/drawing/2014/main" id="{E86E6784-C8AB-48D8-BCAD-1CA78DD7E9C9}"/>
+              </a:ext>
+            </a:extLst>
+          </p:cNvPr>
+          <p:cNvSpPr txBox="1"/>
+          <p:nvPr/>
+        </p:nvSpPr>
+        <p:spPr>
+          <a:xfrm>
+            <a:off x="2506271" y="3157505"/>
+            <a:ext cx="189257" cy="178683"/>
+          </a:xfrm>
+          <a:prstGeom prst="rect">
+            <a:avLst/>
+          </a:prstGeom>
+          <a:noFill/>
+        </p:spPr>
+        <p:txBody>
+          <a:bodyPr wrap="square" lIns="0" tIns="0" rIns="0" bIns="0" rtlCol="0">
+            <a:noAutofit/>
+          </a:bodyPr>
+          <a:lstStyle/>
+          <a:p>
+            <a:pPr algn="ctr"/>
+            <a:r>
+              <a:rPr lang="en-US" sz="1100" dirty="0">
+                <a:solidFill>
+                  <a:srgbClr val="7030A0"/>
+                </a:solidFill>
+              </a:rPr>
+              <a:t>1</a:t>
+            </a:r>
+            <a:endParaRPr lang="en-SG" sz="1100" dirty="0">
+              <a:solidFill>
+                <a:srgbClr val="7030A0"/>
+              </a:solidFill>
+            </a:endParaRPr>
+          </a:p>
+        </p:txBody>
+      </p:sp>
+      <p:sp>
+        <p:nvSpPr>
+          <p:cNvPr id="73" name="TextBox 72">
+            <a:extLst>
+              <a:ext uri="{FF2B5EF4-FFF2-40B4-BE49-F238E27FC236}">
+                <a16:creationId xmlns:a16="http://schemas.microsoft.com/office/drawing/2014/main" id="{262EE62B-678F-4E9F-9D4B-4BD4100B8F5E}"/>
+              </a:ext>
+            </a:extLst>
+          </p:cNvPr>
+          <p:cNvSpPr txBox="1"/>
+          <p:nvPr/>
+        </p:nvSpPr>
+        <p:spPr>
+          <a:xfrm>
+            <a:off x="3871602" y="3164096"/>
+            <a:ext cx="261699" cy="178683"/>
+          </a:xfrm>
+          <a:prstGeom prst="rect">
+            <a:avLst/>
+          </a:prstGeom>
+          <a:noFill/>
+        </p:spPr>
+        <p:txBody>
+          <a:bodyPr wrap="square" lIns="0" tIns="0" rIns="0" bIns="0" rtlCol="0">
+            <a:noAutofit/>
+          </a:bodyPr>
+          <a:lstStyle/>
+          <a:p>
+            <a:pPr algn="ctr"/>
+            <a:r>
+              <a:rPr lang="en-US" sz="1100" dirty="0">
+                <a:solidFill>
+                  <a:srgbClr val="7030A0"/>
+                </a:solidFill>
+              </a:rPr>
+              <a:t>0..1</a:t>
+            </a:r>
+            <a:endParaRPr lang="en-SG" sz="1100" dirty="0">
+              <a:solidFill>
+                <a:srgbClr val="7030A0"/>
+              </a:solidFill>
+            </a:endParaRPr>
+          </a:p>
+        </p:txBody>
+      </p:sp>
+      <p:sp>
+        <p:nvSpPr>
+          <p:cNvPr id="77" name="Flowchart: Decision 96">
+            <a:extLst>
+              <a:ext uri="{FF2B5EF4-FFF2-40B4-BE49-F238E27FC236}">
+                <a16:creationId xmlns:a16="http://schemas.microsoft.com/office/drawing/2014/main" id="{A0175B2F-A575-4869-BD69-98E1345C399A}"/>
+              </a:ext>
+            </a:extLst>
+          </p:cNvPr>
+          <p:cNvSpPr/>
+          <p:nvPr/>
+        </p:nvSpPr>
+        <p:spPr>
+          <a:xfrm>
+            <a:off x="2373780" y="3248121"/>
+            <a:ext cx="236048" cy="173380"/>
+          </a:xfrm>
+          <a:prstGeom prst="flowChartDecision">
+            <a:avLst/>
+          </a:prstGeom>
+          <a:solidFill>
+            <a:srgbClr val="7030A0"/>
+          </a:solidFill>
+          <a:ln w="19050">
+            <a:solidFill>
+              <a:srgbClr val="7030A0"/>
+            </a:solidFill>
+          </a:ln>
+          <a:effectLst/>
+        </p:spPr>
+        <p:style>
+          <a:lnRef idx="1">
+            <a:schemeClr val="accent6"/>
+          </a:lnRef>
+          <a:fillRef idx="2">
+            <a:schemeClr val="accent6"/>
+          </a:fillRef>
+          <a:effectRef idx="1">
+            <a:schemeClr val="accent6"/>
+          </a:effectRef>
+          <a:fontRef idx="minor">
+            <a:schemeClr val="dk1"/>
+          </a:fontRef>
+        </p:style>
+        <p:txBody>
+          <a:bodyPr rtlCol="0" anchor="ctr"/>
+          <a:lstStyle/>
+          <a:p>
+            <a:pPr algn="ctr"/>
+            <a:endParaRPr lang="en-US" sz="1050"/>
+          </a:p>
+        </p:txBody>
+      </p:sp>
+      <p:sp>
+        <p:nvSpPr>
+          <p:cNvPr id="82" name="TextBox 81">
+            <a:extLst>
+              <a:ext uri="{FF2B5EF4-FFF2-40B4-BE49-F238E27FC236}">
+                <a16:creationId xmlns:a16="http://schemas.microsoft.com/office/drawing/2014/main" id="{8CED8A60-5AE0-406E-B322-7B55C5E7BFC6}"/>
+              </a:ext>
+            </a:extLst>
+          </p:cNvPr>
+          <p:cNvSpPr txBox="1"/>
+          <p:nvPr/>
+        </p:nvSpPr>
+        <p:spPr>
+          <a:xfrm>
+            <a:off x="5149889" y="3315077"/>
+            <a:ext cx="189257" cy="178683"/>
+          </a:xfrm>
+          <a:prstGeom prst="rect">
+            <a:avLst/>
+          </a:prstGeom>
+          <a:noFill/>
+        </p:spPr>
+        <p:txBody>
+          <a:bodyPr wrap="square" lIns="0" tIns="0" rIns="0" bIns="0" rtlCol="0">
+            <a:noAutofit/>
+          </a:bodyPr>
+          <a:lstStyle/>
+          <a:p>
+            <a:pPr algn="ctr"/>
+            <a:r>
+              <a:rPr lang="en-US" sz="1100" dirty="0">
+                <a:solidFill>
+                  <a:srgbClr val="7030A0"/>
+                </a:solidFill>
+              </a:rPr>
+              <a:t>1</a:t>
+            </a:r>
+            <a:endParaRPr lang="en-SG" sz="1100" dirty="0">
+              <a:solidFill>
+                <a:srgbClr val="7030A0"/>
+              </a:solidFill>
+            </a:endParaRPr>
+          </a:p>
+        </p:txBody>
+      </p:sp>
     </p:spTree>
     <p:extLst>
       <p:ext uri="{BB962C8B-B14F-4D97-AF65-F5344CB8AC3E}">

--- a/docs/diagrams/ModelComponentClassDiagram.pptx
+++ b/docs/diagrams/ModelComponentClassDiagram.pptx
@@ -126,14 +126,6 @@
 </p:presentation>
 </file>
 
-<file path=ppt/revisionInfo.xml><?xml version="1.0" encoding="utf-8"?>
-<p1510:revInfo xmlns:a="http://schemas.openxmlformats.org/drawingml/2006/main" xmlns:r="http://schemas.openxmlformats.org/officeDocument/2006/relationships" xmlns:p1510="http://schemas.microsoft.com/office/powerpoint/2015/10/main">
-  <p1510:revLst>
-    <p1510:client id="{32AC4DC2-D8E3-4BEF-8B2D-59700D6CE4F2}" v="8" dt="2018-10-17T02:09:22.717"/>
-  </p1510:revLst>
-</p1510:revInfo>
-</file>
-
 <file path=ppt/changesInfos/changesInfo1.xml><?xml version="1.0" encoding="utf-8"?>
 <pc:chgInfo xmlns:a="http://schemas.openxmlformats.org/drawingml/2006/main" xmlns:r="http://schemas.openxmlformats.org/officeDocument/2006/relationships" xmlns:ac="http://schemas.microsoft.com/office/drawing/2013/main/command" xmlns:pc="http://schemas.microsoft.com/office/powerpoint/2013/main/command">
   <pc:docChgLst>
@@ -219,6 +211,414 @@
             <pc:docMk/>
             <pc:sldMk cId="2396968029" sldId="263"/>
             <ac:cxnSpMk id="107" creationId="{00000000-0000-0000-0000-000000000000}"/>
+          </ac:cxnSpMkLst>
+        </pc:cxnChg>
+      </pc:sldChg>
+    </pc:docChg>
+  </pc:docChgLst>
+  <pc:docChgLst>
+    <pc:chgData name="Shengmin Leong" userId="075411cc4697ef0d" providerId="LiveId" clId="{CC3032D4-0828-4756-9212-7143605D2EB9}"/>
+    <pc:docChg chg="custSel modSld">
+      <pc:chgData name="Shengmin Leong" userId="075411cc4697ef0d" providerId="LiveId" clId="{CC3032D4-0828-4756-9212-7143605D2EB9}" dt="2018-10-31T00:56:02.653" v="2"/>
+      <pc:docMkLst>
+        <pc:docMk/>
+      </pc:docMkLst>
+      <pc:sldChg chg="addSp delSp modSp">
+        <pc:chgData name="Shengmin Leong" userId="075411cc4697ef0d" providerId="LiveId" clId="{CC3032D4-0828-4756-9212-7143605D2EB9}" dt="2018-10-31T00:56:02.653" v="2"/>
+        <pc:sldMkLst>
+          <pc:docMk/>
+          <pc:sldMk cId="2396968029" sldId="263"/>
+        </pc:sldMkLst>
+        <pc:spChg chg="del">
+          <ac:chgData name="Shengmin Leong" userId="075411cc4697ef0d" providerId="LiveId" clId="{CC3032D4-0828-4756-9212-7143605D2EB9}" dt="2018-10-31T00:56:01.775" v="1" actId="478"/>
+          <ac:spMkLst>
+            <pc:docMk/>
+            <pc:sldMk cId="2396968029" sldId="263"/>
+            <ac:spMk id="2" creationId="{00000000-0000-0000-0000-000000000000}"/>
+          </ac:spMkLst>
+        </pc:spChg>
+        <pc:spChg chg="del">
+          <ac:chgData name="Shengmin Leong" userId="075411cc4697ef0d" providerId="LiveId" clId="{CC3032D4-0828-4756-9212-7143605D2EB9}" dt="2018-10-31T00:56:01.775" v="1" actId="478"/>
+          <ac:spMkLst>
+            <pc:docMk/>
+            <pc:sldMk cId="2396968029" sldId="263"/>
+            <ac:spMk id="9" creationId="{00000000-0000-0000-0000-000000000000}"/>
+          </ac:spMkLst>
+        </pc:spChg>
+        <pc:spChg chg="del">
+          <ac:chgData name="Shengmin Leong" userId="075411cc4697ef0d" providerId="LiveId" clId="{CC3032D4-0828-4756-9212-7143605D2EB9}" dt="2018-10-31T00:56:01.775" v="1" actId="478"/>
+          <ac:spMkLst>
+            <pc:docMk/>
+            <pc:sldMk cId="2396968029" sldId="263"/>
+            <ac:spMk id="42" creationId="{00000000-0000-0000-0000-000000000000}"/>
+          </ac:spMkLst>
+        </pc:spChg>
+        <pc:spChg chg="del">
+          <ac:chgData name="Shengmin Leong" userId="075411cc4697ef0d" providerId="LiveId" clId="{CC3032D4-0828-4756-9212-7143605D2EB9}" dt="2018-10-31T00:56:01.775" v="1" actId="478"/>
+          <ac:spMkLst>
+            <pc:docMk/>
+            <pc:sldMk cId="2396968029" sldId="263"/>
+            <ac:spMk id="46" creationId="{00000000-0000-0000-0000-000000000000}"/>
+          </ac:spMkLst>
+        </pc:spChg>
+        <pc:spChg chg="del">
+          <ac:chgData name="Shengmin Leong" userId="075411cc4697ef0d" providerId="LiveId" clId="{CC3032D4-0828-4756-9212-7143605D2EB9}" dt="2018-10-31T00:56:01.775" v="1" actId="478"/>
+          <ac:spMkLst>
+            <pc:docMk/>
+            <pc:sldMk cId="2396968029" sldId="263"/>
+            <ac:spMk id="48" creationId="{00000000-0000-0000-0000-000000000000}"/>
+          </ac:spMkLst>
+        </pc:spChg>
+        <pc:spChg chg="del">
+          <ac:chgData name="Shengmin Leong" userId="075411cc4697ef0d" providerId="LiveId" clId="{CC3032D4-0828-4756-9212-7143605D2EB9}" dt="2018-10-31T00:56:01.775" v="1" actId="478"/>
+          <ac:spMkLst>
+            <pc:docMk/>
+            <pc:sldMk cId="2396968029" sldId="263"/>
+            <ac:spMk id="49" creationId="{00000000-0000-0000-0000-000000000000}"/>
+          </ac:spMkLst>
+        </pc:spChg>
+        <pc:spChg chg="del">
+          <ac:chgData name="Shengmin Leong" userId="075411cc4697ef0d" providerId="LiveId" clId="{CC3032D4-0828-4756-9212-7143605D2EB9}" dt="2018-10-31T00:56:01.775" v="1" actId="478"/>
+          <ac:spMkLst>
+            <pc:docMk/>
+            <pc:sldMk cId="2396968029" sldId="263"/>
+            <ac:spMk id="50" creationId="{B3FA9D57-880F-49C4-AD0B-A64E30D6F403}"/>
+          </ac:spMkLst>
+        </pc:spChg>
+        <pc:spChg chg="del">
+          <ac:chgData name="Shengmin Leong" userId="075411cc4697ef0d" providerId="LiveId" clId="{CC3032D4-0828-4756-9212-7143605D2EB9}" dt="2018-10-31T00:56:01.775" v="1" actId="478"/>
+          <ac:spMkLst>
+            <pc:docMk/>
+            <pc:sldMk cId="2396968029" sldId="263"/>
+            <ac:spMk id="51" creationId="{00000000-0000-0000-0000-000000000000}"/>
+          </ac:spMkLst>
+        </pc:spChg>
+        <pc:spChg chg="del">
+          <ac:chgData name="Shengmin Leong" userId="075411cc4697ef0d" providerId="LiveId" clId="{CC3032D4-0828-4756-9212-7143605D2EB9}" dt="2018-10-31T00:56:01.775" v="1" actId="478"/>
+          <ac:spMkLst>
+            <pc:docMk/>
+            <pc:sldMk cId="2396968029" sldId="263"/>
+            <ac:spMk id="52" creationId="{ABDCDBD2-131A-4B66-A2F2-43BBEE82C773}"/>
+          </ac:spMkLst>
+        </pc:spChg>
+        <pc:spChg chg="del">
+          <ac:chgData name="Shengmin Leong" userId="075411cc4697ef0d" providerId="LiveId" clId="{CC3032D4-0828-4756-9212-7143605D2EB9}" dt="2018-10-31T00:56:01.775" v="1" actId="478"/>
+          <ac:spMkLst>
+            <pc:docMk/>
+            <pc:sldMk cId="2396968029" sldId="263"/>
+            <ac:spMk id="54" creationId="{00000000-0000-0000-0000-000000000000}"/>
+          </ac:spMkLst>
+        </pc:spChg>
+        <pc:spChg chg="del">
+          <ac:chgData name="Shengmin Leong" userId="075411cc4697ef0d" providerId="LiveId" clId="{CC3032D4-0828-4756-9212-7143605D2EB9}" dt="2018-10-31T00:56:01.775" v="1" actId="478"/>
+          <ac:spMkLst>
+            <pc:docMk/>
+            <pc:sldMk cId="2396968029" sldId="263"/>
+            <ac:spMk id="55" creationId="{00000000-0000-0000-0000-000000000000}"/>
+          </ac:spMkLst>
+        </pc:spChg>
+        <pc:spChg chg="del">
+          <ac:chgData name="Shengmin Leong" userId="075411cc4697ef0d" providerId="LiveId" clId="{CC3032D4-0828-4756-9212-7143605D2EB9}" dt="2018-10-31T00:56:01.775" v="1" actId="478"/>
+          <ac:spMkLst>
+            <pc:docMk/>
+            <pc:sldMk cId="2396968029" sldId="263"/>
+            <ac:spMk id="56" creationId="{522734A2-9DE4-4648-B36D-5EC0360751F3}"/>
+          </ac:spMkLst>
+        </pc:spChg>
+        <pc:spChg chg="del">
+          <ac:chgData name="Shengmin Leong" userId="075411cc4697ef0d" providerId="LiveId" clId="{CC3032D4-0828-4756-9212-7143605D2EB9}" dt="2018-10-31T00:56:01.775" v="1" actId="478"/>
+          <ac:spMkLst>
+            <pc:docMk/>
+            <pc:sldMk cId="2396968029" sldId="263"/>
+            <ac:spMk id="61" creationId="{00000000-0000-0000-0000-000000000000}"/>
+          </ac:spMkLst>
+        </pc:spChg>
+        <pc:spChg chg="del">
+          <ac:chgData name="Shengmin Leong" userId="075411cc4697ef0d" providerId="LiveId" clId="{CC3032D4-0828-4756-9212-7143605D2EB9}" dt="2018-10-31T00:56:01.775" v="1" actId="478"/>
+          <ac:spMkLst>
+            <pc:docMk/>
+            <pc:sldMk cId="2396968029" sldId="263"/>
+            <ac:spMk id="62" creationId="{00000000-0000-0000-0000-000000000000}"/>
+          </ac:spMkLst>
+        </pc:spChg>
+        <pc:spChg chg="del">
+          <ac:chgData name="Shengmin Leong" userId="075411cc4697ef0d" providerId="LiveId" clId="{CC3032D4-0828-4756-9212-7143605D2EB9}" dt="2018-10-31T00:56:01.775" v="1" actId="478"/>
+          <ac:spMkLst>
+            <pc:docMk/>
+            <pc:sldMk cId="2396968029" sldId="263"/>
+            <ac:spMk id="63" creationId="{00000000-0000-0000-0000-000000000000}"/>
+          </ac:spMkLst>
+        </pc:spChg>
+        <pc:spChg chg="del">
+          <ac:chgData name="Shengmin Leong" userId="075411cc4697ef0d" providerId="LiveId" clId="{CC3032D4-0828-4756-9212-7143605D2EB9}" dt="2018-10-31T00:56:01.775" v="1" actId="478"/>
+          <ac:spMkLst>
+            <pc:docMk/>
+            <pc:sldMk cId="2396968029" sldId="263"/>
+            <ac:spMk id="65" creationId="{00000000-0000-0000-0000-000000000000}"/>
+          </ac:spMkLst>
+        </pc:spChg>
+        <pc:spChg chg="del">
+          <ac:chgData name="Shengmin Leong" userId="075411cc4697ef0d" providerId="LiveId" clId="{CC3032D4-0828-4756-9212-7143605D2EB9}" dt="2018-10-31T00:56:01.775" v="1" actId="478"/>
+          <ac:spMkLst>
+            <pc:docMk/>
+            <pc:sldMk cId="2396968029" sldId="263"/>
+            <ac:spMk id="66" creationId="{00000000-0000-0000-0000-000000000000}"/>
+          </ac:spMkLst>
+        </pc:spChg>
+        <pc:spChg chg="del">
+          <ac:chgData name="Shengmin Leong" userId="075411cc4697ef0d" providerId="LiveId" clId="{CC3032D4-0828-4756-9212-7143605D2EB9}" dt="2018-10-31T00:56:01.775" v="1" actId="478"/>
+          <ac:spMkLst>
+            <pc:docMk/>
+            <pc:sldMk cId="2396968029" sldId="263"/>
+            <ac:spMk id="68" creationId="{00000000-0000-0000-0000-000000000000}"/>
+          </ac:spMkLst>
+        </pc:spChg>
+        <pc:spChg chg="del">
+          <ac:chgData name="Shengmin Leong" userId="075411cc4697ef0d" providerId="LiveId" clId="{CC3032D4-0828-4756-9212-7143605D2EB9}" dt="2018-10-31T00:56:01.775" v="1" actId="478"/>
+          <ac:spMkLst>
+            <pc:docMk/>
+            <pc:sldMk cId="2396968029" sldId="263"/>
+            <ac:spMk id="70" creationId="{00000000-0000-0000-0000-000000000000}"/>
+          </ac:spMkLst>
+        </pc:spChg>
+        <pc:spChg chg="del">
+          <ac:chgData name="Shengmin Leong" userId="075411cc4697ef0d" providerId="LiveId" clId="{CC3032D4-0828-4756-9212-7143605D2EB9}" dt="2018-10-31T00:56:01.775" v="1" actId="478"/>
+          <ac:spMkLst>
+            <pc:docMk/>
+            <pc:sldMk cId="2396968029" sldId="263"/>
+            <ac:spMk id="76" creationId="{00000000-0000-0000-0000-000000000000}"/>
+          </ac:spMkLst>
+        </pc:spChg>
+        <pc:spChg chg="del">
+          <ac:chgData name="Shengmin Leong" userId="075411cc4697ef0d" providerId="LiveId" clId="{CC3032D4-0828-4756-9212-7143605D2EB9}" dt="2018-10-31T00:56:01.775" v="1" actId="478"/>
+          <ac:spMkLst>
+            <pc:docMk/>
+            <pc:sldMk cId="2396968029" sldId="263"/>
+            <ac:spMk id="78" creationId="{00000000-0000-0000-0000-000000000000}"/>
+          </ac:spMkLst>
+        </pc:spChg>
+        <pc:spChg chg="del">
+          <ac:chgData name="Shengmin Leong" userId="075411cc4697ef0d" providerId="LiveId" clId="{CC3032D4-0828-4756-9212-7143605D2EB9}" dt="2018-10-31T00:56:01.775" v="1" actId="478"/>
+          <ac:spMkLst>
+            <pc:docMk/>
+            <pc:sldMk cId="2396968029" sldId="263"/>
+            <ac:spMk id="80" creationId="{00000000-0000-0000-0000-000000000000}"/>
+          </ac:spMkLst>
+        </pc:spChg>
+        <pc:spChg chg="del">
+          <ac:chgData name="Shengmin Leong" userId="075411cc4697ef0d" providerId="LiveId" clId="{CC3032D4-0828-4756-9212-7143605D2EB9}" dt="2018-10-31T00:56:01.775" v="1" actId="478"/>
+          <ac:spMkLst>
+            <pc:docMk/>
+            <pc:sldMk cId="2396968029" sldId="263"/>
+            <ac:spMk id="83" creationId="{00000000-0000-0000-0000-000000000000}"/>
+          </ac:spMkLst>
+        </pc:spChg>
+        <pc:spChg chg="del">
+          <ac:chgData name="Shengmin Leong" userId="075411cc4697ef0d" providerId="LiveId" clId="{CC3032D4-0828-4756-9212-7143605D2EB9}" dt="2018-10-31T00:56:01.775" v="1" actId="478"/>
+          <ac:spMkLst>
+            <pc:docMk/>
+            <pc:sldMk cId="2396968029" sldId="263"/>
+            <ac:spMk id="85" creationId="{00000000-0000-0000-0000-000000000000}"/>
+          </ac:spMkLst>
+        </pc:spChg>
+        <pc:spChg chg="del">
+          <ac:chgData name="Shengmin Leong" userId="075411cc4697ef0d" providerId="LiveId" clId="{CC3032D4-0828-4756-9212-7143605D2EB9}" dt="2018-10-31T00:56:01.775" v="1" actId="478"/>
+          <ac:spMkLst>
+            <pc:docMk/>
+            <pc:sldMk cId="2396968029" sldId="263"/>
+            <ac:spMk id="99" creationId="{00000000-0000-0000-0000-000000000000}"/>
+          </ac:spMkLst>
+        </pc:spChg>
+        <pc:spChg chg="del">
+          <ac:chgData name="Shengmin Leong" userId="075411cc4697ef0d" providerId="LiveId" clId="{CC3032D4-0828-4756-9212-7143605D2EB9}" dt="2018-10-31T00:56:01.775" v="1" actId="478"/>
+          <ac:spMkLst>
+            <pc:docMk/>
+            <pc:sldMk cId="2396968029" sldId="263"/>
+            <ac:spMk id="100" creationId="{00000000-0000-0000-0000-000000000000}"/>
+          </ac:spMkLst>
+        </pc:spChg>
+        <pc:spChg chg="del">
+          <ac:chgData name="Shengmin Leong" userId="075411cc4697ef0d" providerId="LiveId" clId="{CC3032D4-0828-4756-9212-7143605D2EB9}" dt="2018-10-31T00:56:01.775" v="1" actId="478"/>
+          <ac:spMkLst>
+            <pc:docMk/>
+            <pc:sldMk cId="2396968029" sldId="263"/>
+            <ac:spMk id="114" creationId="{00000000-0000-0000-0000-000000000000}"/>
+          </ac:spMkLst>
+        </pc:spChg>
+        <pc:spChg chg="del">
+          <ac:chgData name="Shengmin Leong" userId="075411cc4697ef0d" providerId="LiveId" clId="{CC3032D4-0828-4756-9212-7143605D2EB9}" dt="2018-10-31T00:55:59.188" v="0" actId="478"/>
+          <ac:spMkLst>
+            <pc:docMk/>
+            <pc:sldMk cId="2396968029" sldId="263"/>
+            <ac:spMk id="118" creationId="{00000000-0000-0000-0000-000000000000}"/>
+          </ac:spMkLst>
+        </pc:spChg>
+        <pc:spChg chg="del">
+          <ac:chgData name="Shengmin Leong" userId="075411cc4697ef0d" providerId="LiveId" clId="{CC3032D4-0828-4756-9212-7143605D2EB9}" dt="2018-10-31T00:56:01.775" v="1" actId="478"/>
+          <ac:spMkLst>
+            <pc:docMk/>
+            <pc:sldMk cId="2396968029" sldId="263"/>
+            <ac:spMk id="119" creationId="{00000000-0000-0000-0000-000000000000}"/>
+          </ac:spMkLst>
+        </pc:spChg>
+        <pc:spChg chg="del">
+          <ac:chgData name="Shengmin Leong" userId="075411cc4697ef0d" providerId="LiveId" clId="{CC3032D4-0828-4756-9212-7143605D2EB9}" dt="2018-10-31T00:56:01.775" v="1" actId="478"/>
+          <ac:spMkLst>
+            <pc:docMk/>
+            <pc:sldMk cId="2396968029" sldId="263"/>
+            <ac:spMk id="120" creationId="{00000000-0000-0000-0000-000000000000}"/>
+          </ac:spMkLst>
+        </pc:spChg>
+        <pc:spChg chg="del">
+          <ac:chgData name="Shengmin Leong" userId="075411cc4697ef0d" providerId="LiveId" clId="{CC3032D4-0828-4756-9212-7143605D2EB9}" dt="2018-10-31T00:56:01.775" v="1" actId="478"/>
+          <ac:spMkLst>
+            <pc:docMk/>
+            <pc:sldMk cId="2396968029" sldId="263"/>
+            <ac:spMk id="122" creationId="{00000000-0000-0000-0000-000000000000}"/>
+          </ac:spMkLst>
+        </pc:spChg>
+        <pc:picChg chg="add mod">
+          <ac:chgData name="Shengmin Leong" userId="075411cc4697ef0d" providerId="LiveId" clId="{CC3032D4-0828-4756-9212-7143605D2EB9}" dt="2018-10-31T00:56:02.653" v="2"/>
+          <ac:picMkLst>
+            <pc:docMk/>
+            <pc:sldMk cId="2396968029" sldId="263"/>
+            <ac:picMk id="4" creationId="{CA464AFE-92EC-45C3-8294-35E6B6A5F030}"/>
+          </ac:picMkLst>
+        </pc:picChg>
+        <pc:cxnChg chg="del">
+          <ac:chgData name="Shengmin Leong" userId="075411cc4697ef0d" providerId="LiveId" clId="{CC3032D4-0828-4756-9212-7143605D2EB9}" dt="2018-10-31T00:56:01.775" v="1" actId="478"/>
+          <ac:cxnSpMkLst>
+            <pc:docMk/>
+            <pc:sldMk cId="2396968029" sldId="263"/>
+            <ac:cxnSpMk id="10" creationId="{16BFE9BF-858E-462D-8FC6-7CDE7EA2A24C}"/>
+          </ac:cxnSpMkLst>
+        </pc:cxnChg>
+        <pc:cxnChg chg="del mod">
+          <ac:chgData name="Shengmin Leong" userId="075411cc4697ef0d" providerId="LiveId" clId="{CC3032D4-0828-4756-9212-7143605D2EB9}" dt="2018-10-31T00:56:01.775" v="1" actId="478"/>
+          <ac:cxnSpMkLst>
+            <pc:docMk/>
+            <pc:sldMk cId="2396968029" sldId="263"/>
+            <ac:cxnSpMk id="21" creationId="{00000000-0000-0000-0000-000000000000}"/>
+          </ac:cxnSpMkLst>
+        </pc:cxnChg>
+        <pc:cxnChg chg="del mod">
+          <ac:chgData name="Shengmin Leong" userId="075411cc4697ef0d" providerId="LiveId" clId="{CC3032D4-0828-4756-9212-7143605D2EB9}" dt="2018-10-31T00:56:01.775" v="1" actId="478"/>
+          <ac:cxnSpMkLst>
+            <pc:docMk/>
+            <pc:sldMk cId="2396968029" sldId="263"/>
+            <ac:cxnSpMk id="47" creationId="{00000000-0000-0000-0000-000000000000}"/>
+          </ac:cxnSpMkLst>
+        </pc:cxnChg>
+        <pc:cxnChg chg="del mod">
+          <ac:chgData name="Shengmin Leong" userId="075411cc4697ef0d" providerId="LiveId" clId="{CC3032D4-0828-4756-9212-7143605D2EB9}" dt="2018-10-31T00:56:01.775" v="1" actId="478"/>
+          <ac:cxnSpMkLst>
+            <pc:docMk/>
+            <pc:sldMk cId="2396968029" sldId="263"/>
+            <ac:cxnSpMk id="53" creationId="{B97967F8-618A-448B-81FD-CDFD4AF0EC64}"/>
+          </ac:cxnSpMkLst>
+        </pc:cxnChg>
+        <pc:cxnChg chg="del mod">
+          <ac:chgData name="Shengmin Leong" userId="075411cc4697ef0d" providerId="LiveId" clId="{CC3032D4-0828-4756-9212-7143605D2EB9}" dt="2018-10-31T00:56:01.775" v="1" actId="478"/>
+          <ac:cxnSpMkLst>
+            <pc:docMk/>
+            <pc:sldMk cId="2396968029" sldId="263"/>
+            <ac:cxnSpMk id="58" creationId="{00000000-0000-0000-0000-000000000000}"/>
+          </ac:cxnSpMkLst>
+        </pc:cxnChg>
+        <pc:cxnChg chg="del">
+          <ac:chgData name="Shengmin Leong" userId="075411cc4697ef0d" providerId="LiveId" clId="{CC3032D4-0828-4756-9212-7143605D2EB9}" dt="2018-10-31T00:56:01.775" v="1" actId="478"/>
+          <ac:cxnSpMkLst>
+            <pc:docMk/>
+            <pc:sldMk cId="2396968029" sldId="263"/>
+            <ac:cxnSpMk id="59" creationId="{DB7E4EA4-22F1-4C6D-BB42-7A1EBD5EA1B8}"/>
+          </ac:cxnSpMkLst>
+        </pc:cxnChg>
+        <pc:cxnChg chg="del mod">
+          <ac:chgData name="Shengmin Leong" userId="075411cc4697ef0d" providerId="LiveId" clId="{CC3032D4-0828-4756-9212-7143605D2EB9}" dt="2018-10-31T00:56:01.775" v="1" actId="478"/>
+          <ac:cxnSpMkLst>
+            <pc:docMk/>
+            <pc:sldMk cId="2396968029" sldId="263"/>
+            <ac:cxnSpMk id="60" creationId="{00000000-0000-0000-0000-000000000000}"/>
+          </ac:cxnSpMkLst>
+        </pc:cxnChg>
+        <pc:cxnChg chg="del mod">
+          <ac:chgData name="Shengmin Leong" userId="075411cc4697ef0d" providerId="LiveId" clId="{CC3032D4-0828-4756-9212-7143605D2EB9}" dt="2018-10-31T00:56:01.775" v="1" actId="478"/>
+          <ac:cxnSpMkLst>
+            <pc:docMk/>
+            <pc:sldMk cId="2396968029" sldId="263"/>
+            <ac:cxnSpMk id="64" creationId="{00000000-0000-0000-0000-000000000000}"/>
+          </ac:cxnSpMkLst>
+        </pc:cxnChg>
+        <pc:cxnChg chg="del mod">
+          <ac:chgData name="Shengmin Leong" userId="075411cc4697ef0d" providerId="LiveId" clId="{CC3032D4-0828-4756-9212-7143605D2EB9}" dt="2018-10-31T00:56:01.775" v="1" actId="478"/>
+          <ac:cxnSpMkLst>
+            <pc:docMk/>
+            <pc:sldMk cId="2396968029" sldId="263"/>
+            <ac:cxnSpMk id="69" creationId="{00000000-0000-0000-0000-000000000000}"/>
+          </ac:cxnSpMkLst>
+        </pc:cxnChg>
+        <pc:cxnChg chg="del">
+          <ac:chgData name="Shengmin Leong" userId="075411cc4697ef0d" providerId="LiveId" clId="{CC3032D4-0828-4756-9212-7143605D2EB9}" dt="2018-10-31T00:56:01.775" v="1" actId="478"/>
+          <ac:cxnSpMkLst>
+            <pc:docMk/>
+            <pc:sldMk cId="2396968029" sldId="263"/>
+            <ac:cxnSpMk id="75" creationId="{00000000-0000-0000-0000-000000000000}"/>
+          </ac:cxnSpMkLst>
+        </pc:cxnChg>
+        <pc:cxnChg chg="del">
+          <ac:chgData name="Shengmin Leong" userId="075411cc4697ef0d" providerId="LiveId" clId="{CC3032D4-0828-4756-9212-7143605D2EB9}" dt="2018-10-31T00:56:01.775" v="1" actId="478"/>
+          <ac:cxnSpMkLst>
+            <pc:docMk/>
+            <pc:sldMk cId="2396968029" sldId="263"/>
+            <ac:cxnSpMk id="79" creationId="{00000000-0000-0000-0000-000000000000}"/>
+          </ac:cxnSpMkLst>
+        </pc:cxnChg>
+        <pc:cxnChg chg="del mod">
+          <ac:chgData name="Shengmin Leong" userId="075411cc4697ef0d" providerId="LiveId" clId="{CC3032D4-0828-4756-9212-7143605D2EB9}" dt="2018-10-31T00:56:01.775" v="1" actId="478"/>
+          <ac:cxnSpMkLst>
+            <pc:docMk/>
+            <pc:sldMk cId="2396968029" sldId="263"/>
+            <ac:cxnSpMk id="81" creationId="{00000000-0000-0000-0000-000000000000}"/>
+          </ac:cxnSpMkLst>
+        </pc:cxnChg>
+        <pc:cxnChg chg="del mod">
+          <ac:chgData name="Shengmin Leong" userId="075411cc4697ef0d" providerId="LiveId" clId="{CC3032D4-0828-4756-9212-7143605D2EB9}" dt="2018-10-31T00:56:01.775" v="1" actId="478"/>
+          <ac:cxnSpMkLst>
+            <pc:docMk/>
+            <pc:sldMk cId="2396968029" sldId="263"/>
+            <ac:cxnSpMk id="84" creationId="{00000000-0000-0000-0000-000000000000}"/>
+          </ac:cxnSpMkLst>
+        </pc:cxnChg>
+        <pc:cxnChg chg="del mod">
+          <ac:chgData name="Shengmin Leong" userId="075411cc4697ef0d" providerId="LiveId" clId="{CC3032D4-0828-4756-9212-7143605D2EB9}" dt="2018-10-31T00:56:01.775" v="1" actId="478"/>
+          <ac:cxnSpMkLst>
+            <pc:docMk/>
+            <pc:sldMk cId="2396968029" sldId="263"/>
+            <ac:cxnSpMk id="86" creationId="{00000000-0000-0000-0000-000000000000}"/>
+          </ac:cxnSpMkLst>
+        </pc:cxnChg>
+        <pc:cxnChg chg="del mod">
+          <ac:chgData name="Shengmin Leong" userId="075411cc4697ef0d" providerId="LiveId" clId="{CC3032D4-0828-4756-9212-7143605D2EB9}" dt="2018-10-31T00:56:01.775" v="1" actId="478"/>
+          <ac:cxnSpMkLst>
+            <pc:docMk/>
+            <pc:sldMk cId="2396968029" sldId="263"/>
+            <ac:cxnSpMk id="97" creationId="{00000000-0000-0000-0000-000000000000}"/>
+          </ac:cxnSpMkLst>
+        </pc:cxnChg>
+        <pc:cxnChg chg="del mod">
+          <ac:chgData name="Shengmin Leong" userId="075411cc4697ef0d" providerId="LiveId" clId="{CC3032D4-0828-4756-9212-7143605D2EB9}" dt="2018-10-31T00:56:01.775" v="1" actId="478"/>
+          <ac:cxnSpMkLst>
+            <pc:docMk/>
+            <pc:sldMk cId="2396968029" sldId="263"/>
+            <ac:cxnSpMk id="107" creationId="{00000000-0000-0000-0000-000000000000}"/>
+          </ac:cxnSpMkLst>
+        </pc:cxnChg>
+        <pc:cxnChg chg="del mod">
+          <ac:chgData name="Shengmin Leong" userId="075411cc4697ef0d" providerId="LiveId" clId="{CC3032D4-0828-4756-9212-7143605D2EB9}" dt="2018-10-31T00:56:01.775" v="1" actId="478"/>
+          <ac:cxnSpMkLst>
+            <pc:docMk/>
+            <pc:sldMk cId="2396968029" sldId="263"/>
+            <ac:cxnSpMk id="124" creationId="{00000000-0000-0000-0000-000000000000}"/>
           </ac:cxnSpMkLst>
         </pc:cxnChg>
       </pc:sldChg>
@@ -309,7 +709,7 @@
           <a:p>
             <a:fld id="{F5CC4B3F-88C1-4FFA-B1B6-F41C21DC6924}" type="datetimeFigureOut">
               <a:rPr lang="en-US" smtClean="0"/>
-              <a:t>10/17/2018</a:t>
+              <a:t>10/31/2018</a:t>
             </a:fld>
             <a:endParaRPr lang="en-US"/>
           </a:p>
@@ -576,6 +976,93 @@
 </p:notesMaster>
 </file>
 
+<file path=ppt/notesSlides/notesSlide1.xml><?xml version="1.0" encoding="utf-8"?>
+<p:notes xmlns:a="http://schemas.openxmlformats.org/drawingml/2006/main" xmlns:r="http://schemas.openxmlformats.org/officeDocument/2006/relationships" xmlns:p="http://schemas.openxmlformats.org/presentationml/2006/main">
+  <p:cSld>
+    <p:spTree>
+      <p:nvGrpSpPr>
+        <p:cNvPr id="1" name=""/>
+        <p:cNvGrpSpPr/>
+        <p:nvPr/>
+      </p:nvGrpSpPr>
+      <p:grpSpPr>
+        <a:xfrm>
+          <a:off x="0" y="0"/>
+          <a:ext cx="0" cy="0"/>
+          <a:chOff x="0" y="0"/>
+          <a:chExt cx="0" cy="0"/>
+        </a:xfrm>
+      </p:grpSpPr>
+      <p:sp>
+        <p:nvSpPr>
+          <p:cNvPr id="2" name="Slide Image Placeholder 1"/>
+          <p:cNvSpPr>
+            <a:spLocks noGrp="1" noRot="1" noChangeAspect="1"/>
+          </p:cNvSpPr>
+          <p:nvPr>
+            <p:ph type="sldImg"/>
+          </p:nvPr>
+        </p:nvSpPr>
+        <p:spPr/>
+      </p:sp>
+      <p:sp>
+        <p:nvSpPr>
+          <p:cNvPr id="3" name="Notes Placeholder 2"/>
+          <p:cNvSpPr>
+            <a:spLocks noGrp="1"/>
+          </p:cNvSpPr>
+          <p:nvPr>
+            <p:ph type="body" idx="1"/>
+          </p:nvPr>
+        </p:nvSpPr>
+        <p:spPr/>
+        <p:txBody>
+          <a:bodyPr/>
+          <a:lstStyle/>
+          <a:p>
+            <a:r>
+              <a:rPr lang="en-US" dirty="0"/>
+              <a:t>https://www.draw.io/?lightbox=1&amp;highlight=0000ff&amp;edit=_blank&amp;layers=1&amp;nav=1&amp;title=ModelClassDiagram.xml#R7V1bc6M2FP41funMZgCBgMfYybad6WWn2W23j9goNl0MKZBbf32FQVx0hCPbEiae3YedIMTtfOd%2BjuQZWmxffsyCh82vaUjimWWELzN0M7Ms18P0%2F3LgtRqwTb8aWGdRWA2Z7cBd9B%2BpB4169DEKSd6bWKRpXEQP%2FcFVmiRkVfTGgixLn%2FvT7tO4%2F9SHYE3AwN0qiOHoX1FYbKpRzzHa8Z9ItN6wJ5tGfWYZrL6ts%2FQxqZ83s9D97l91ehuwe9Xz800Qps%2BdIXQ7Q4ssTYvqr%2B3LgsQlaRnZqus%2BDpxt3jsjSSFzAaoueAriR8LeePdexSujxe5rSDnfnKH58yYqyN1DsCrPPlPw6dim2Mb16fsojhdpnGa7a9HCm98u6LPneZGl3wg7k6QJvXye0ttERckinkEP4bvXn%2FNEsoK8dIbqb%2FmRpFtSZK90CjvL6FrzHcL18XOLIvbqsU0HQYTqwaDmnHVz75Z69I%2BagGJi2gJi4pg%2BYb6kf6yL3TdWA%2Fcp%2FcaSfxmp8L%2BPaTUB2beG4S%2B6Q9W1tZRVN6DvUt2jf1863HkWhyQlYtGHSwhLF8N6KIijdUIPVxQaQsfnJSQRlZfr%2BsQ2CsPyMUL%2BaDnI0IO6zaHuQtRtAeiWAsxdiPnCml3Po5JQ9yUZ6OG8wWeZ8YiF0RM%2F1CD4BwnC35P49a8o38zT9JsY5WasdysO%2B2EZvZnfGLdIExI%2BRMJEIvlTAAUyIRY8GUhI9Xx9mGbFJl2nSRDftqMcs3bIFgb5plGDeRFkxXVpaejAMk5X39jgx6h8wd3FJAnZlFqO6Ejn%2FD%2BkKF5r4xc8FmkpHM07%2FZKmD%2FXDKB7Z69fyoiuHHf5d32MQtDx9zFb1V3u1CQ2yNWGz6rGSIHuRzUgcFNFT3zCKYNpdSr83eO1MeEipIOSdO38qB1qGaUSVOQqO07dX%2FHzf2Tef%2FlG9QcswzadI8ZA3qMI7wiUQx%2FOLHjLfFj1fk%2BT5EoLXygITl55A9SWDHtVyYVp9KSQvUfGVzaJ%2F%2F90Xi69dkWnPHSslrqSQdNUbczkOExzA6Q1YjQvt9G9RvXp91T6RMcQi1tyo%2BmBwoyOkh7FghxG%2B5GQfL6QPJIF49zijA%2F4gjOcAyOPI6hnH4cPbTHAjhfg4Wi2krD3jBR8yQ0cVSImuyYLEroWzJ2HhTIx68DqOuZcdLE6Pc%2FNPtnCmwEs6zGNdDgUkw5HHsAmcWxh%2F%2FLjjqoKikJbBxAdfWTjYp72NPWATRdGg7QwzgaxNNAXR4JF0%2Fn2Zk%2BwpWMbklygvTiR443N0CK6K3JhjXUH03WRKlNNbEImN4v3Xrj3v%2FMs798AxahXgXqPXU4BYoABljaO0ApTFQpgJGQOLMAq2aRJ%2B3kTJ%2FnhMaGqkIWM%2B6JVNua71Q9m5TySLKM3KRMkBJkyEoK%2FFhEGbw%2FsyviflywzbwhOcFFdvGC8ju6oY5SDgdYOMHQ5klwN5wM881OFptHnjwHAp6Dfe69D57DuUOUhYwH8gB7DzfX4NkmBNspPzAMNOUD9BOyuDufKfGntt8ZEhdq4cYLFFSQNHQdJAmGsZw0jUIr1H6PtmRKfsizJzyvXBACLp8p%2BydmYZcbAkcReBJqOKOk%2Bu4TufCZeJFrWjg6yR0KGHNUADObfLMZNtfpvL3NEYCmQL6Nnj%2FCsBmEy1nTsJzie10f4kuM2lCA6dj3y1FtO3VXJe6107rtPL8hrenmLIUUGayojgOK70J8uVtsVxpefu5zJ%2BPtrvx9l80NGff7ofB%2F2LP0mWU%2B%2BKhG0F5%2FC8iQLHCyFQxRI4Xk0zQ69mrSBVwqI7xfIKKjKniCPMhSg375rkDDI64is52hL8PizAKGxHaMRnT%2BJ3QhVRXiEhT5COFMkYUiBjzoju2ThZLymZYu5x157ZyrNY0h0hFgDhSxL9%2B0hK%2FV%2Fl0s%2FDmXxt1xFof1GiXIn2F%2BU3xoi7J6H0hQ6Xcy4GNQ09rnPPFLu97giB2zy9lKgAJOX9StIYwe6Wnh%2F5OQuSPFjt0nYTcSc9gTrBmtSJycpMur3JoSzBjr0nx8JMp0yDhU2lKp5hZA5jZF6ZPTXzwbgaTN%2B8C%2BxcdD7w9HbtjGqje97B0WCYE%2Bntsbn%2BEvxWymP%2F%2FNMTcZBTJmKhsHXFVQV9S5TyMBxdVkpdO871jpKLdLsNkrCMIkjSqwGe1JWjgthOn9TYFsS9joDQtoqqnkwv8Put6nXcaAv40VL6rFnPdo6SH4QLpim%2B5CT7lJH7A7i3qV9rLVfzbq5jirKmriY%2FF%2BkNm3u8vIqDPI9Ws731zyF2PqQT9%2BSeeWQLuFnP0hKJMlhjUhS3tNiYfxLab%2Bf5%2BVhtwQ3pbZ04Qz1%2BsAR8CiMi2eUber1EzOf%2F3%2BCeN%2Bafzj3QFaqyop%2BD9ZSSopbAbdGVFHUEhRNdEiXtqWhO1btQYtSn6o%2BTGL7Fz%2Bnpz0Pnny4xsLecysoxclKu2WY8ZAzCJC80mE%2F9WaKwyhFJjQJnH0%2BiyDV6XxiTkq7kYOXFZGkQJPZw%2BA6CbhD0rnj4DoIMCO6IIEwhTz0t6rOi02g1BkGo8J7kxD1bOYjtzvQdKUmkztbAUrdcfkdK%2BVLGgUDC8%2FruNJZbCAdu5LIlkE1JXs9iK9cUr3AefC9%2Bvqc2UvK0tJa%2BX4Z9U7UoT1FJb1YGCzVlrRDAN07yB8SxDlypry2KhVXTu%2BCJhNdbypfnyoa57BJ%2BtWa31OHrIYg3QkeP9daWPYqKe4dUQ6Sk2BGsIzpfh6sDKwG%2FBVu45c5ITGtzTItgCleXFNuwPvcDIAPcATEjefRfubVGzVK1waWznfnMuaEjJcfk9eZEs3YrxJjcl7fiN0IsSm6a5%2BUeh8n68461PtiKdCS%2FmwmCmT7hkhEV1IUZUKgk3jV1Qc3OhApXG3WhFF86dfF4vOtYl68ZeGcB6l1t1IVJtwvjXYvfo5LtUDIGdaFvemHURSbX1YMMQQVLF30xrPveBMVk%2FCcHAUpoi4IuX0uyT2TUtceTYxdSl%2FJRQTISxqKWi%2FMRWsc%2BfJjf09DAgPLCvj0VlIfl0QvToJjXGoJ1rtr4GtqnS9MaNhd1CdZqaqMujLo%2BZdFqKubJMcwRm01cGCT9QbZBdq5NHAA1LDwiNUxL6crRA7NtJ21nX703lyt7M%2B9WJTuVV3xc7hdDmj1L1W%2FOwNK13b7LLJ4K9zrQaGjjXePyoxrEFRKt8XxN07j4VKjN7VzoMEs5CnmhVX6O8s0d9ZuJsH%2F6spx55HGaA7mSu0Yqob4J%2FXnj6urC%2BBtjrhwqcOlFP6OjhsLQ0aIUvjAFPfjzGiP8ZpQp87NrF%2BbMqXfc%2BG2GPdS%2FhXSrDtcSo9EDNAV7ifwcAuilPUDA7lKEH%2FIA3TGXDpjWCJvQWUc0EpwhtDEtrEdEeM6W%2FGWZU5vQsGFxrHDiTo4WdGjnaRqT4IT9DNTKjg%2F9T32S448kOdJNdm83w59Pqri1ySeLmjRMzD%2Frpvwf45IpCVT50%2FhpTgWSgf1%2B4IsNGPhq86vqhbLat6J6Byal2vpQu0lp4NVtUlRvDizYGnJaJgULlj9rMymCJeHk5SHKLllTuVwOCVvQhivSVPSw%2FUnvilvbn01Ht%2F8D</a:t>
+            </a:r>
+          </a:p>
+        </p:txBody>
+      </p:sp>
+      <p:sp>
+        <p:nvSpPr>
+          <p:cNvPr id="4" name="Slide Number Placeholder 3"/>
+          <p:cNvSpPr>
+            <a:spLocks noGrp="1"/>
+          </p:cNvSpPr>
+          <p:nvPr>
+            <p:ph type="sldNum" sz="quarter" idx="5"/>
+          </p:nvPr>
+        </p:nvSpPr>
+        <p:spPr/>
+        <p:txBody>
+          <a:bodyPr/>
+          <a:lstStyle/>
+          <a:p>
+            <a:fld id="{5A7AB025-77E3-4BD1-A2FD-B3183DBA47A3}" type="slidenum">
+              <a:rPr lang="en-US" smtClean="0"/>
+              <a:t>1</a:t>
+            </a:fld>
+            <a:endParaRPr lang="en-US"/>
+          </a:p>
+        </p:txBody>
+      </p:sp>
+    </p:spTree>
+    <p:extLst>
+      <p:ext uri="{BB962C8B-B14F-4D97-AF65-F5344CB8AC3E}">
+        <p14:creationId xmlns:p14="http://schemas.microsoft.com/office/powerpoint/2010/main" val="3306609672"/>
+      </p:ext>
+    </p:extLst>
+  </p:cSld>
+  <p:clrMapOvr>
+    <a:masterClrMapping/>
+  </p:clrMapOvr>
+</p:notes>
+</file>
+
 <file path=ppt/slideLayouts/slideLayout1.xml><?xml version="1.0" encoding="utf-8"?>
 <p:sldLayout xmlns:a="http://schemas.openxmlformats.org/drawingml/2006/main" xmlns:r="http://schemas.openxmlformats.org/officeDocument/2006/relationships" xmlns:p="http://schemas.openxmlformats.org/presentationml/2006/main" type="title" preserve="1">
   <p:cSld name="Title Slide">
@@ -755,7 +1242,7 @@
           <a:p>
             <a:fld id="{78C97017-6FC3-485B-9764-EAC9E56C1D49}" type="datetimeFigureOut">
               <a:rPr lang="en-US" smtClean="0"/>
-              <a:t>10/17/2018</a:t>
+              <a:t>10/31/2018</a:t>
             </a:fld>
             <a:endParaRPr lang="en-US"/>
           </a:p>
@@ -923,7 +1410,7 @@
           <a:p>
             <a:fld id="{78C97017-6FC3-485B-9764-EAC9E56C1D49}" type="datetimeFigureOut">
               <a:rPr lang="en-US" smtClean="0"/>
-              <a:t>10/17/2018</a:t>
+              <a:t>10/31/2018</a:t>
             </a:fld>
             <a:endParaRPr lang="en-US"/>
           </a:p>
@@ -1101,7 +1588,7 @@
           <a:p>
             <a:fld id="{78C97017-6FC3-485B-9764-EAC9E56C1D49}" type="datetimeFigureOut">
               <a:rPr lang="en-US" smtClean="0"/>
-              <a:t>10/17/2018</a:t>
+              <a:t>10/31/2018</a:t>
             </a:fld>
             <a:endParaRPr lang="en-US"/>
           </a:p>
@@ -1269,7 +1756,7 @@
           <a:p>
             <a:fld id="{78C97017-6FC3-485B-9764-EAC9E56C1D49}" type="datetimeFigureOut">
               <a:rPr lang="en-US" smtClean="0"/>
-              <a:t>10/17/2018</a:t>
+              <a:t>10/31/2018</a:t>
             </a:fld>
             <a:endParaRPr lang="en-US"/>
           </a:p>
@@ -1514,7 +2001,7 @@
           <a:p>
             <a:fld id="{78C97017-6FC3-485B-9764-EAC9E56C1D49}" type="datetimeFigureOut">
               <a:rPr lang="en-US" smtClean="0"/>
-              <a:t>10/17/2018</a:t>
+              <a:t>10/31/2018</a:t>
             </a:fld>
             <a:endParaRPr lang="en-US"/>
           </a:p>
@@ -1799,7 +2286,7 @@
           <a:p>
             <a:fld id="{78C97017-6FC3-485B-9764-EAC9E56C1D49}" type="datetimeFigureOut">
               <a:rPr lang="en-US" smtClean="0"/>
-              <a:t>10/17/2018</a:t>
+              <a:t>10/31/2018</a:t>
             </a:fld>
             <a:endParaRPr lang="en-US"/>
           </a:p>
@@ -2218,7 +2705,7 @@
           <a:p>
             <a:fld id="{78C97017-6FC3-485B-9764-EAC9E56C1D49}" type="datetimeFigureOut">
               <a:rPr lang="en-US" smtClean="0"/>
-              <a:t>10/17/2018</a:t>
+              <a:t>10/31/2018</a:t>
             </a:fld>
             <a:endParaRPr lang="en-US"/>
           </a:p>
@@ -2335,7 +2822,7 @@
           <a:p>
             <a:fld id="{78C97017-6FC3-485B-9764-EAC9E56C1D49}" type="datetimeFigureOut">
               <a:rPr lang="en-US" smtClean="0"/>
-              <a:t>10/17/2018</a:t>
+              <a:t>10/31/2018</a:t>
             </a:fld>
             <a:endParaRPr lang="en-US"/>
           </a:p>
@@ -2430,7 +2917,7 @@
           <a:p>
             <a:fld id="{78C97017-6FC3-485B-9764-EAC9E56C1D49}" type="datetimeFigureOut">
               <a:rPr lang="en-US" smtClean="0"/>
-              <a:t>10/17/2018</a:t>
+              <a:t>10/31/2018</a:t>
             </a:fld>
             <a:endParaRPr lang="en-US"/>
           </a:p>
@@ -2705,7 +3192,7 @@
           <a:p>
             <a:fld id="{78C97017-6FC3-485B-9764-EAC9E56C1D49}" type="datetimeFigureOut">
               <a:rPr lang="en-US" smtClean="0"/>
-              <a:t>10/17/2018</a:t>
+              <a:t>10/31/2018</a:t>
             </a:fld>
             <a:endParaRPr lang="en-US"/>
           </a:p>
@@ -2957,7 +3444,7 @@
           <a:p>
             <a:fld id="{78C97017-6FC3-485B-9764-EAC9E56C1D49}" type="datetimeFigureOut">
               <a:rPr lang="en-US" smtClean="0"/>
-              <a:t>10/17/2018</a:t>
+              <a:t>10/31/2018</a:t>
             </a:fld>
             <a:endParaRPr lang="en-US"/>
           </a:p>
@@ -3168,7 +3655,7 @@
           <a:p>
             <a:fld id="{78C97017-6FC3-485B-9764-EAC9E56C1D49}" type="datetimeFigureOut">
               <a:rPr lang="en-US" smtClean="0"/>
-              <a:t>10/17/2018</a:t>
+              <a:t>10/31/2018</a:t>
             </a:fld>
             <a:endParaRPr lang="en-US"/>
           </a:p>
@@ -3543,2348 +4030,42 @@
           <a:chExt cx="0" cy="0"/>
         </a:xfrm>
       </p:grpSpPr>
-      <p:sp>
-        <p:nvSpPr>
-          <p:cNvPr id="118" name="Rectangle 65"/>
-          <p:cNvSpPr/>
+      <p:pic>
+        <p:nvPicPr>
+          <p:cNvPr id="4" name="Picture 3">
+            <a:extLst>
+              <a:ext uri="{FF2B5EF4-FFF2-40B4-BE49-F238E27FC236}">
+                <a16:creationId xmlns:a16="http://schemas.microsoft.com/office/drawing/2014/main" id="{CA464AFE-92EC-45C3-8294-35E6B6A5F030}"/>
+              </a:ext>
+            </a:extLst>
+          </p:cNvPr>
+          <p:cNvPicPr>
+            <a:picLocks noChangeAspect="1"/>
+          </p:cNvPicPr>
           <p:nvPr/>
-        </p:nvSpPr>
+        </p:nvPicPr>
+        <p:blipFill>
+          <a:blip r:embed="rId3">
+            <a:extLst>
+              <a:ext uri="{28A0092B-C50C-407E-A947-70E740481C1C}">
+                <a14:useLocalDpi xmlns:a14="http://schemas.microsoft.com/office/drawing/2010/main" val="0"/>
+              </a:ext>
+            </a:extLst>
+          </a:blip>
+          <a:stretch>
+            <a:fillRect/>
+          </a:stretch>
+        </p:blipFill>
         <p:spPr>
           <a:xfrm>
-            <a:off x="1119865" y="1600200"/>
-            <a:ext cx="7490735" cy="3124200"/>
-          </a:xfrm>
-          <a:prstGeom prst="roundRect">
-            <a:avLst>
-              <a:gd name="adj" fmla="val 3484"/>
-            </a:avLst>
-          </a:prstGeom>
-          <a:solidFill>
-            <a:schemeClr val="accent4">
-              <a:lumMod val="20000"/>
-              <a:lumOff val="80000"/>
-            </a:schemeClr>
-          </a:solidFill>
-          <a:ln w="19050">
-            <a:noFill/>
-          </a:ln>
-          <a:effectLst/>
-        </p:spPr>
-        <p:style>
-          <a:lnRef idx="1">
-            <a:schemeClr val="accent2"/>
-          </a:lnRef>
-          <a:fillRef idx="2">
-            <a:schemeClr val="accent2"/>
-          </a:fillRef>
-          <a:effectRef idx="1">
-            <a:schemeClr val="accent2"/>
-          </a:effectRef>
-          <a:fontRef idx="minor">
-            <a:schemeClr val="dk1"/>
-          </a:fontRef>
-        </p:style>
-        <p:txBody>
-          <a:bodyPr rtlCol="0" anchor="t"/>
-          <a:lstStyle/>
-          <a:p>
-            <a:r>
-              <a:rPr lang="en-US" sz="1200" b="1" dirty="0">
-                <a:solidFill>
-                  <a:srgbClr val="7030A0"/>
-                </a:solidFill>
-              </a:rPr>
-              <a:t>Model</a:t>
-            </a:r>
-            <a:endParaRPr lang="en-SG" sz="1200" b="1" dirty="0">
-              <a:solidFill>
-                <a:srgbClr val="7030A0"/>
-              </a:solidFill>
-            </a:endParaRPr>
-          </a:p>
-        </p:txBody>
-      </p:sp>
-      <p:sp>
-        <p:nvSpPr>
-          <p:cNvPr id="2" name="Rectangle 8"/>
-          <p:cNvSpPr/>
-          <p:nvPr/>
-        </p:nvSpPr>
-        <p:spPr>
-          <a:xfrm>
-            <a:off x="2877180" y="3463240"/>
-            <a:ext cx="1093635" cy="346760"/>
+            <a:off x="1076325" y="1852612"/>
+            <a:ext cx="6991350" cy="3152775"/>
           </a:xfrm>
           <a:prstGeom prst="rect">
             <a:avLst/>
           </a:prstGeom>
-          <a:solidFill>
-            <a:srgbClr val="7030A0"/>
-          </a:solidFill>
-          <a:ln w="19050">
-            <a:solidFill>
-              <a:srgbClr val="7030A0"/>
-            </a:solidFill>
-          </a:ln>
-          <a:effectLst/>
         </p:spPr>
-        <p:style>
-          <a:lnRef idx="1">
-            <a:schemeClr val="accent2"/>
-          </a:lnRef>
-          <a:fillRef idx="2">
-            <a:schemeClr val="accent2"/>
-          </a:fillRef>
-          <a:effectRef idx="1">
-            <a:schemeClr val="accent2"/>
-          </a:effectRef>
-          <a:fontRef idx="minor">
-            <a:schemeClr val="dk1"/>
-          </a:fontRef>
-        </p:style>
-        <p:txBody>
-          <a:bodyPr rtlCol="0" anchor="ctr"/>
-          <a:lstStyle/>
-          <a:p>
-            <a:pPr algn="ctr"/>
-            <a:r>
-              <a:rPr lang="en-US" sz="1050" dirty="0" err="1">
-                <a:solidFill>
-                  <a:schemeClr val="bg1"/>
-                </a:solidFill>
-              </a:rPr>
-              <a:t>UserPref</a:t>
-            </a:r>
-            <a:endParaRPr lang="en-SG" sz="1050" dirty="0">
-              <a:solidFill>
-                <a:schemeClr val="bg1"/>
-              </a:solidFill>
-            </a:endParaRPr>
-          </a:p>
-        </p:txBody>
-      </p:sp>
-      <p:sp>
-        <p:nvSpPr>
-          <p:cNvPr id="9" name="Rectangle 62"/>
-          <p:cNvSpPr/>
-          <p:nvPr/>
-        </p:nvSpPr>
-        <p:spPr>
-          <a:xfrm rot="16200000">
-            <a:off x="1661548" y="3097750"/>
-            <a:ext cx="1093635" cy="346760"/>
-          </a:xfrm>
-          <a:prstGeom prst="rect">
-            <a:avLst/>
-          </a:prstGeom>
-          <a:solidFill>
-            <a:srgbClr val="7030A0"/>
-          </a:solidFill>
-          <a:ln w="19050">
-            <a:solidFill>
-              <a:srgbClr val="7030A0"/>
-            </a:solidFill>
-          </a:ln>
-          <a:effectLst/>
-        </p:spPr>
-        <p:style>
-          <a:lnRef idx="1">
-            <a:schemeClr val="accent2"/>
-          </a:lnRef>
-          <a:fillRef idx="2">
-            <a:schemeClr val="accent2"/>
-          </a:fillRef>
-          <a:effectRef idx="1">
-            <a:schemeClr val="accent2"/>
-          </a:effectRef>
-          <a:fontRef idx="minor">
-            <a:schemeClr val="dk1"/>
-          </a:fontRef>
-        </p:style>
-        <p:txBody>
-          <a:bodyPr rtlCol="0" anchor="ctr"/>
-          <a:lstStyle/>
-          <a:p>
-            <a:pPr algn="ctr"/>
-            <a:r>
-              <a:rPr lang="en-US" sz="1050" dirty="0" err="1">
-                <a:solidFill>
-                  <a:schemeClr val="bg1"/>
-                </a:solidFill>
-              </a:rPr>
-              <a:t>ModelManager</a:t>
-            </a:r>
-            <a:endParaRPr lang="en-SG" sz="1050" dirty="0">
-              <a:solidFill>
-                <a:schemeClr val="bg1"/>
-              </a:solidFill>
-            </a:endParaRPr>
-          </a:p>
-        </p:txBody>
-      </p:sp>
-      <p:cxnSp>
-        <p:nvCxnSpPr>
-          <p:cNvPr id="107" name="Elbow Connector 106"/>
-          <p:cNvCxnSpPr>
-            <a:cxnSpLocks/>
-            <a:stCxn id="9" idx="1"/>
-            <a:endCxn id="62" idx="2"/>
-          </p:cNvCxnSpPr>
-          <p:nvPr/>
-        </p:nvCxnSpPr>
-        <p:spPr>
-          <a:xfrm rot="5400000" flipH="1" flipV="1">
-            <a:off x="4131507" y="1281685"/>
-            <a:ext cx="613122" cy="4459404"/>
-          </a:xfrm>
-          <a:prstGeom prst="bentConnector3">
-            <a:avLst>
-              <a:gd name="adj1" fmla="val -26668"/>
-            </a:avLst>
-          </a:prstGeom>
-          <a:ln w="19050">
-            <a:solidFill>
-              <a:srgbClr val="7030A0"/>
-            </a:solidFill>
-            <a:prstDash val="solid"/>
-            <a:headEnd type="none" w="med" len="med"/>
-            <a:tailEnd type="arrow" w="med" len="med"/>
-          </a:ln>
-          <a:effectLst/>
-        </p:spPr>
-        <p:style>
-          <a:lnRef idx="1">
-            <a:schemeClr val="accent2"/>
-          </a:lnRef>
-          <a:fillRef idx="2">
-            <a:schemeClr val="accent2"/>
-          </a:fillRef>
-          <a:effectRef idx="1">
-            <a:schemeClr val="accent2"/>
-          </a:effectRef>
-          <a:fontRef idx="minor">
-            <a:schemeClr val="dk1"/>
-          </a:fontRef>
-        </p:style>
-      </p:cxnSp>
-      <p:sp>
-        <p:nvSpPr>
-          <p:cNvPr id="119" name="Rectangle 62"/>
-          <p:cNvSpPr/>
-          <p:nvPr/>
-        </p:nvSpPr>
-        <p:spPr>
-          <a:xfrm rot="16200000">
-            <a:off x="956202" y="2861202"/>
-            <a:ext cx="1093635" cy="346760"/>
-          </a:xfrm>
-          <a:prstGeom prst="rect">
-            <a:avLst/>
-          </a:prstGeom>
-          <a:solidFill>
-            <a:srgbClr val="7030A0"/>
-          </a:solidFill>
-          <a:ln w="19050">
-            <a:solidFill>
-              <a:srgbClr val="7030A0"/>
-            </a:solidFill>
-          </a:ln>
-          <a:effectLst/>
-        </p:spPr>
-        <p:style>
-          <a:lnRef idx="1">
-            <a:schemeClr val="accent2"/>
-          </a:lnRef>
-          <a:fillRef idx="2">
-            <a:schemeClr val="accent2"/>
-          </a:fillRef>
-          <a:effectRef idx="1">
-            <a:schemeClr val="accent2"/>
-          </a:effectRef>
-          <a:fontRef idx="minor">
-            <a:schemeClr val="dk1"/>
-          </a:fontRef>
-        </p:style>
-        <p:txBody>
-          <a:bodyPr rtlCol="0" anchor="ctr"/>
-          <a:lstStyle/>
-          <a:p>
-            <a:pPr algn="ctr"/>
-            <a:r>
-              <a:rPr lang="en-US" sz="1050" dirty="0">
-                <a:solidFill>
-                  <a:schemeClr val="bg1"/>
-                </a:solidFill>
-              </a:rPr>
-              <a:t>&lt;&lt;interface&gt;&gt;</a:t>
-            </a:r>
-          </a:p>
-          <a:p>
-            <a:pPr algn="ctr"/>
-            <a:r>
-              <a:rPr lang="en-US" sz="1050" dirty="0">
-                <a:solidFill>
-                  <a:schemeClr val="bg1"/>
-                </a:solidFill>
-              </a:rPr>
-              <a:t>Model</a:t>
-            </a:r>
-            <a:endParaRPr lang="en-SG" sz="1050" dirty="0">
-              <a:solidFill>
-                <a:schemeClr val="bg1"/>
-              </a:solidFill>
-            </a:endParaRPr>
-          </a:p>
-        </p:txBody>
-      </p:sp>
-      <p:sp>
-        <p:nvSpPr>
-          <p:cNvPr id="120" name="Isosceles Triangle 102"/>
-          <p:cNvSpPr/>
-          <p:nvPr/>
-        </p:nvSpPr>
-        <p:spPr>
-          <a:xfrm rot="16200000">
-            <a:off x="1626910" y="2952291"/>
-            <a:ext cx="270504" cy="175523"/>
-          </a:xfrm>
-          <a:prstGeom prst="triangle">
-            <a:avLst/>
-          </a:prstGeom>
-          <a:solidFill>
-            <a:srgbClr val="7030A0"/>
-          </a:solidFill>
-          <a:ln w="19050">
-            <a:solidFill>
-              <a:srgbClr val="7030A0"/>
-            </a:solidFill>
-          </a:ln>
-          <a:effectLst/>
-        </p:spPr>
-        <p:style>
-          <a:lnRef idx="1">
-            <a:schemeClr val="accent6"/>
-          </a:lnRef>
-          <a:fillRef idx="2">
-            <a:schemeClr val="accent6"/>
-          </a:fillRef>
-          <a:effectRef idx="1">
-            <a:schemeClr val="accent6"/>
-          </a:effectRef>
-          <a:fontRef idx="minor">
-            <a:schemeClr val="dk1"/>
-          </a:fontRef>
-        </p:style>
-        <p:txBody>
-          <a:bodyPr rtlCol="0" anchor="ctr"/>
-          <a:lstStyle/>
-          <a:p>
-            <a:pPr algn="ctr"/>
-            <a:endParaRPr lang="en-SG" sz="1050"/>
-          </a:p>
-        </p:txBody>
-      </p:sp>
-      <p:cxnSp>
-        <p:nvCxnSpPr>
-          <p:cNvPr id="58" name="Straight Arrow Connector 57"/>
-          <p:cNvCxnSpPr>
-            <a:stCxn id="42" idx="3"/>
-            <a:endCxn id="2" idx="1"/>
-          </p:cNvCxnSpPr>
-          <p:nvPr/>
-        </p:nvCxnSpPr>
-        <p:spPr>
-          <a:xfrm>
-            <a:off x="2609828" y="3636620"/>
-            <a:ext cx="267352" cy="0"/>
-          </a:xfrm>
-          <a:prstGeom prst="straightConnector1">
-            <a:avLst/>
-          </a:prstGeom>
-          <a:ln w="19050">
-            <a:solidFill>
-              <a:srgbClr val="7030A0"/>
-            </a:solidFill>
-            <a:headEnd type="none" w="med" len="med"/>
-            <a:tailEnd type="arrow" w="med" len="med"/>
-          </a:ln>
-          <a:effectLst/>
-        </p:spPr>
-        <p:style>
-          <a:lnRef idx="1">
-            <a:schemeClr val="accent2"/>
-          </a:lnRef>
-          <a:fillRef idx="2">
-            <a:schemeClr val="accent2"/>
-          </a:fillRef>
-          <a:effectRef idx="1">
-            <a:schemeClr val="accent2"/>
-          </a:effectRef>
-          <a:fontRef idx="minor">
-            <a:schemeClr val="dk1"/>
-          </a:fontRef>
-        </p:style>
-      </p:cxnSp>
-      <p:cxnSp>
-        <p:nvCxnSpPr>
-          <p:cNvPr id="75" name="Elbow Connector 122"/>
-          <p:cNvCxnSpPr/>
-          <p:nvPr/>
-        </p:nvCxnSpPr>
-        <p:spPr>
-          <a:xfrm>
-            <a:off x="910091" y="3040053"/>
-            <a:ext cx="419548" cy="2860"/>
-          </a:xfrm>
-          <a:prstGeom prst="bentConnector3">
-            <a:avLst>
-              <a:gd name="adj1" fmla="val 50000"/>
-            </a:avLst>
-          </a:prstGeom>
-          <a:ln w="19050">
-            <a:solidFill>
-              <a:schemeClr val="bg1">
-                <a:lumMod val="75000"/>
-              </a:schemeClr>
-            </a:solidFill>
-            <a:prstDash val="sysDot"/>
-            <a:headEnd type="none" w="med" len="med"/>
-            <a:tailEnd type="arrow" w="med" len="med"/>
-          </a:ln>
-          <a:effectLst/>
-        </p:spPr>
-        <p:style>
-          <a:lnRef idx="1">
-            <a:schemeClr val="accent2"/>
-          </a:lnRef>
-          <a:fillRef idx="2">
-            <a:schemeClr val="accent2"/>
-          </a:fillRef>
-          <a:effectRef idx="1">
-            <a:schemeClr val="accent2"/>
-          </a:effectRef>
-          <a:fontRef idx="minor">
-            <a:schemeClr val="dk1"/>
-          </a:fontRef>
-        </p:style>
-      </p:cxnSp>
-      <p:cxnSp>
-        <p:nvCxnSpPr>
-          <p:cNvPr id="21" name="Straight Connector 20"/>
-          <p:cNvCxnSpPr>
-            <a:stCxn id="120" idx="3"/>
-          </p:cNvCxnSpPr>
-          <p:nvPr/>
-        </p:nvCxnSpPr>
-        <p:spPr>
-          <a:xfrm flipV="1">
-            <a:off x="1849924" y="3040052"/>
-            <a:ext cx="216105" cy="1"/>
-          </a:xfrm>
-          <a:prstGeom prst="line">
-            <a:avLst/>
-          </a:prstGeom>
-          <a:ln w="19050">
-            <a:solidFill>
-              <a:srgbClr val="7030A0"/>
-            </a:solidFill>
-            <a:prstDash val="sysDot"/>
-            <a:headEnd type="none" w="med" len="med"/>
-            <a:tailEnd type="none" w="med" len="med"/>
-          </a:ln>
-          <a:effectLst/>
-        </p:spPr>
-        <p:style>
-          <a:lnRef idx="1">
-            <a:schemeClr val="accent2"/>
-          </a:lnRef>
-          <a:fillRef idx="2">
-            <a:schemeClr val="accent2"/>
-          </a:fillRef>
-          <a:effectRef idx="1">
-            <a:schemeClr val="accent2"/>
-          </a:effectRef>
-          <a:fontRef idx="minor">
-            <a:schemeClr val="dk1"/>
-          </a:fontRef>
-        </p:style>
-      </p:cxnSp>
-      <p:sp>
-        <p:nvSpPr>
-          <p:cNvPr id="42" name="Flowchart: Decision 96"/>
-          <p:cNvSpPr/>
-          <p:nvPr/>
-        </p:nvSpPr>
-        <p:spPr>
-          <a:xfrm>
-            <a:off x="2373780" y="3549930"/>
-            <a:ext cx="236048" cy="173380"/>
-          </a:xfrm>
-          <a:prstGeom prst="flowChartDecision">
-            <a:avLst/>
-          </a:prstGeom>
-          <a:noFill/>
-          <a:ln w="19050">
-            <a:solidFill>
-              <a:srgbClr val="7030A0"/>
-            </a:solidFill>
-          </a:ln>
-          <a:effectLst/>
-        </p:spPr>
-        <p:style>
-          <a:lnRef idx="1">
-            <a:schemeClr val="accent6"/>
-          </a:lnRef>
-          <a:fillRef idx="2">
-            <a:schemeClr val="accent6"/>
-          </a:fillRef>
-          <a:effectRef idx="1">
-            <a:schemeClr val="accent6"/>
-          </a:effectRef>
-          <a:fontRef idx="minor">
-            <a:schemeClr val="dk1"/>
-          </a:fontRef>
-        </p:style>
-        <p:txBody>
-          <a:bodyPr rtlCol="0" anchor="ctr"/>
-          <a:lstStyle/>
-          <a:p>
-            <a:pPr algn="ctr"/>
-            <a:endParaRPr lang="en-US" sz="1050"/>
-          </a:p>
-        </p:txBody>
-      </p:sp>
-      <p:sp>
-        <p:nvSpPr>
-          <p:cNvPr id="46" name="Rectangle 8"/>
-          <p:cNvSpPr/>
-          <p:nvPr/>
-        </p:nvSpPr>
-        <p:spPr>
-          <a:xfrm>
-            <a:off x="2825280" y="2846162"/>
-            <a:ext cx="1490560" cy="334856"/>
-          </a:xfrm>
-          <a:prstGeom prst="rect">
-            <a:avLst/>
-          </a:prstGeom>
-          <a:ln w="19050">
-            <a:solidFill>
-              <a:srgbClr val="7030A0"/>
-            </a:solidFill>
-          </a:ln>
-          <a:effectLst/>
-        </p:spPr>
-        <p:style>
-          <a:lnRef idx="1">
-            <a:schemeClr val="accent4"/>
-          </a:lnRef>
-          <a:fillRef idx="2">
-            <a:schemeClr val="accent4"/>
-          </a:fillRef>
-          <a:effectRef idx="1">
-            <a:schemeClr val="accent4"/>
-          </a:effectRef>
-          <a:fontRef idx="minor">
-            <a:schemeClr val="dk1"/>
-          </a:fontRef>
-        </p:style>
-        <p:txBody>
-          <a:bodyPr rtlCol="0" anchor="ctr"/>
-          <a:lstStyle/>
-          <a:p>
-            <a:pPr algn="ctr"/>
-            <a:r>
-              <a:rPr lang="en-US" sz="1050" dirty="0" err="1">
-                <a:solidFill>
-                  <a:srgbClr val="7030A0"/>
-                </a:solidFill>
-              </a:rPr>
-              <a:t>VersionedWishBook</a:t>
-            </a:r>
-            <a:endParaRPr lang="en-SG" sz="1050" dirty="0">
-              <a:solidFill>
-                <a:srgbClr val="7030A0"/>
-              </a:solidFill>
-            </a:endParaRPr>
-          </a:p>
-        </p:txBody>
-      </p:sp>
-      <p:cxnSp>
-        <p:nvCxnSpPr>
-          <p:cNvPr id="47" name="Straight Arrow Connector 46"/>
-          <p:cNvCxnSpPr>
-            <a:stCxn id="48" idx="3"/>
-            <a:endCxn id="46" idx="1"/>
-          </p:cNvCxnSpPr>
-          <p:nvPr/>
-        </p:nvCxnSpPr>
-        <p:spPr>
-          <a:xfrm>
-            <a:off x="2624360" y="3003033"/>
-            <a:ext cx="200920" cy="10557"/>
-          </a:xfrm>
-          <a:prstGeom prst="straightConnector1">
-            <a:avLst/>
-          </a:prstGeom>
-          <a:ln w="19050">
-            <a:solidFill>
-              <a:srgbClr val="7030A0"/>
-            </a:solidFill>
-            <a:headEnd type="none" w="med" len="med"/>
-            <a:tailEnd type="arrow" w="med" len="med"/>
-          </a:ln>
-          <a:effectLst/>
-        </p:spPr>
-        <p:style>
-          <a:lnRef idx="1">
-            <a:schemeClr val="accent2"/>
-          </a:lnRef>
-          <a:fillRef idx="2">
-            <a:schemeClr val="accent2"/>
-          </a:fillRef>
-          <a:effectRef idx="1">
-            <a:schemeClr val="accent2"/>
-          </a:effectRef>
-          <a:fontRef idx="minor">
-            <a:schemeClr val="dk1"/>
-          </a:fontRef>
-        </p:style>
-      </p:cxnSp>
-      <p:sp>
-        <p:nvSpPr>
-          <p:cNvPr id="48" name="Flowchart: Decision 96"/>
-          <p:cNvSpPr/>
-          <p:nvPr/>
-        </p:nvSpPr>
-        <p:spPr>
-          <a:xfrm>
-            <a:off x="2388312" y="2916343"/>
-            <a:ext cx="236048" cy="173380"/>
-          </a:xfrm>
-          <a:prstGeom prst="flowChartDecision">
-            <a:avLst/>
-          </a:prstGeom>
-          <a:noFill/>
-          <a:ln w="19050">
-            <a:solidFill>
-              <a:srgbClr val="7030A0"/>
-            </a:solidFill>
-          </a:ln>
-          <a:effectLst/>
-        </p:spPr>
-        <p:style>
-          <a:lnRef idx="1">
-            <a:schemeClr val="accent6"/>
-          </a:lnRef>
-          <a:fillRef idx="2">
-            <a:schemeClr val="accent6"/>
-          </a:fillRef>
-          <a:effectRef idx="1">
-            <a:schemeClr val="accent6"/>
-          </a:effectRef>
-          <a:fontRef idx="minor">
-            <a:schemeClr val="dk1"/>
-          </a:fontRef>
-        </p:style>
-        <p:txBody>
-          <a:bodyPr rtlCol="0" anchor="ctr"/>
-          <a:lstStyle/>
-          <a:p>
-            <a:pPr algn="ctr"/>
-            <a:endParaRPr lang="en-US" sz="1050"/>
-          </a:p>
-        </p:txBody>
-      </p:sp>
-      <p:sp>
-        <p:nvSpPr>
-          <p:cNvPr id="49" name="Rectangle 8"/>
-          <p:cNvSpPr/>
-          <p:nvPr/>
-        </p:nvSpPr>
-        <p:spPr>
-          <a:xfrm>
-            <a:off x="4692650" y="2846162"/>
-            <a:ext cx="1156969" cy="346760"/>
-          </a:xfrm>
-          <a:prstGeom prst="rect">
-            <a:avLst/>
-          </a:prstGeom>
-          <a:ln w="19050">
-            <a:solidFill>
-              <a:srgbClr val="7030A0"/>
-            </a:solidFill>
-          </a:ln>
-          <a:effectLst/>
-        </p:spPr>
-        <p:style>
-          <a:lnRef idx="1">
-            <a:schemeClr val="accent4"/>
-          </a:lnRef>
-          <a:fillRef idx="2">
-            <a:schemeClr val="accent4"/>
-          </a:fillRef>
-          <a:effectRef idx="1">
-            <a:schemeClr val="accent4"/>
-          </a:effectRef>
-          <a:fontRef idx="minor">
-            <a:schemeClr val="dk1"/>
-          </a:fontRef>
-        </p:style>
-        <p:txBody>
-          <a:bodyPr rtlCol="0" anchor="ctr"/>
-          <a:lstStyle/>
-          <a:p>
-            <a:pPr algn="ctr"/>
-            <a:r>
-              <a:rPr lang="en-US" sz="1050" dirty="0" err="1">
-                <a:solidFill>
-                  <a:srgbClr val="7030A0"/>
-                </a:solidFill>
-              </a:rPr>
-              <a:t>UniqueWishList</a:t>
-            </a:r>
-            <a:endParaRPr lang="en-SG" sz="1050" dirty="0">
-              <a:solidFill>
-                <a:srgbClr val="7030A0"/>
-              </a:solidFill>
-            </a:endParaRPr>
-          </a:p>
-        </p:txBody>
-      </p:sp>
-      <p:sp>
-        <p:nvSpPr>
-          <p:cNvPr id="51" name="Flowchart: Decision 96"/>
-          <p:cNvSpPr/>
-          <p:nvPr/>
-        </p:nvSpPr>
-        <p:spPr>
-          <a:xfrm>
-            <a:off x="4324972" y="2920532"/>
-            <a:ext cx="236048" cy="173380"/>
-          </a:xfrm>
-          <a:prstGeom prst="flowChartDecision">
-            <a:avLst/>
-          </a:prstGeom>
-          <a:solidFill>
-            <a:srgbClr val="7030A0"/>
-          </a:solidFill>
-          <a:ln w="19050">
-            <a:solidFill>
-              <a:srgbClr val="7030A0"/>
-            </a:solidFill>
-          </a:ln>
-          <a:effectLst/>
-        </p:spPr>
-        <p:style>
-          <a:lnRef idx="1">
-            <a:schemeClr val="accent6"/>
-          </a:lnRef>
-          <a:fillRef idx="2">
-            <a:schemeClr val="accent6"/>
-          </a:fillRef>
-          <a:effectRef idx="1">
-            <a:schemeClr val="accent6"/>
-          </a:effectRef>
-          <a:fontRef idx="minor">
-            <a:schemeClr val="dk1"/>
-          </a:fontRef>
-        </p:style>
-        <p:txBody>
-          <a:bodyPr rtlCol="0" anchor="ctr"/>
-          <a:lstStyle/>
-          <a:p>
-            <a:pPr algn="ctr"/>
-            <a:endParaRPr lang="en-US" sz="1050"/>
-          </a:p>
-        </p:txBody>
-      </p:sp>
-      <p:sp>
-        <p:nvSpPr>
-          <p:cNvPr id="62" name="Rectangle 8"/>
-          <p:cNvSpPr/>
-          <p:nvPr/>
-        </p:nvSpPr>
-        <p:spPr>
-          <a:xfrm>
-            <a:off x="6313677" y="2858066"/>
-            <a:ext cx="708186" cy="346760"/>
-          </a:xfrm>
-          <a:prstGeom prst="rect">
-            <a:avLst/>
-          </a:prstGeom>
-          <a:ln w="19050">
-            <a:solidFill>
-              <a:srgbClr val="7030A0"/>
-            </a:solidFill>
-          </a:ln>
-          <a:effectLst/>
-        </p:spPr>
-        <p:style>
-          <a:lnRef idx="1">
-            <a:schemeClr val="accent4"/>
-          </a:lnRef>
-          <a:fillRef idx="2">
-            <a:schemeClr val="accent4"/>
-          </a:fillRef>
-          <a:effectRef idx="1">
-            <a:schemeClr val="accent4"/>
-          </a:effectRef>
-          <a:fontRef idx="minor">
-            <a:schemeClr val="dk1"/>
-          </a:fontRef>
-        </p:style>
-        <p:txBody>
-          <a:bodyPr rtlCol="0" anchor="ctr"/>
-          <a:lstStyle/>
-          <a:p>
-            <a:pPr algn="ctr"/>
-            <a:r>
-              <a:rPr lang="en-US" sz="1050" dirty="0">
-                <a:solidFill>
-                  <a:srgbClr val="7030A0"/>
-                </a:solidFill>
-              </a:rPr>
-              <a:t>Wish</a:t>
-            </a:r>
-            <a:endParaRPr lang="en-SG" sz="1050" dirty="0">
-              <a:solidFill>
-                <a:srgbClr val="7030A0"/>
-              </a:solidFill>
-            </a:endParaRPr>
-          </a:p>
-        </p:txBody>
-      </p:sp>
-      <p:sp>
-        <p:nvSpPr>
-          <p:cNvPr id="63" name="Flowchart: Decision 96"/>
-          <p:cNvSpPr/>
-          <p:nvPr/>
-        </p:nvSpPr>
-        <p:spPr>
-          <a:xfrm>
-            <a:off x="5858751" y="2941676"/>
-            <a:ext cx="236048" cy="173380"/>
-          </a:xfrm>
-          <a:prstGeom prst="flowChartDecision">
-            <a:avLst/>
-          </a:prstGeom>
-          <a:noFill/>
-          <a:ln w="19050">
-            <a:solidFill>
-              <a:srgbClr val="7030A0"/>
-            </a:solidFill>
-          </a:ln>
-          <a:effectLst/>
-        </p:spPr>
-        <p:style>
-          <a:lnRef idx="1">
-            <a:schemeClr val="accent6"/>
-          </a:lnRef>
-          <a:fillRef idx="2">
-            <a:schemeClr val="accent6"/>
-          </a:fillRef>
-          <a:effectRef idx="1">
-            <a:schemeClr val="accent6"/>
-          </a:effectRef>
-          <a:fontRef idx="minor">
-            <a:schemeClr val="dk1"/>
-          </a:fontRef>
-        </p:style>
-        <p:txBody>
-          <a:bodyPr rtlCol="0" anchor="ctr"/>
-          <a:lstStyle/>
-          <a:p>
-            <a:pPr algn="ctr"/>
-            <a:endParaRPr lang="en-US" sz="1050"/>
-          </a:p>
-        </p:txBody>
-      </p:sp>
-      <p:cxnSp>
-        <p:nvCxnSpPr>
-          <p:cNvPr id="64" name="Elbow Connector 63"/>
-          <p:cNvCxnSpPr>
-            <a:stCxn id="63" idx="3"/>
-            <a:endCxn id="62" idx="1"/>
-          </p:cNvCxnSpPr>
-          <p:nvPr/>
-        </p:nvCxnSpPr>
-        <p:spPr>
-          <a:xfrm>
-            <a:off x="6094799" y="3028366"/>
-            <a:ext cx="218878" cy="3080"/>
-          </a:xfrm>
-          <a:prstGeom prst="bentConnector3">
-            <a:avLst/>
-          </a:prstGeom>
-          <a:ln w="19050">
-            <a:solidFill>
-              <a:srgbClr val="7030A0"/>
-            </a:solidFill>
-            <a:headEnd type="none" w="med" len="med"/>
-            <a:tailEnd type="arrow" w="med" len="med"/>
-          </a:ln>
-          <a:effectLst/>
-        </p:spPr>
-        <p:style>
-          <a:lnRef idx="1">
-            <a:schemeClr val="accent2"/>
-          </a:lnRef>
-          <a:fillRef idx="2">
-            <a:schemeClr val="accent2"/>
-          </a:fillRef>
-          <a:effectRef idx="1">
-            <a:schemeClr val="accent2"/>
-          </a:effectRef>
-          <a:fontRef idx="minor">
-            <a:schemeClr val="dk1"/>
-          </a:fontRef>
-        </p:style>
-      </p:cxnSp>
-      <p:sp>
-        <p:nvSpPr>
-          <p:cNvPr id="76" name="Rectangle 8"/>
-          <p:cNvSpPr/>
-          <p:nvPr/>
-        </p:nvSpPr>
-        <p:spPr>
-          <a:xfrm>
-            <a:off x="7712397" y="2564238"/>
-            <a:ext cx="708186" cy="285783"/>
-          </a:xfrm>
-          <a:prstGeom prst="rect">
-            <a:avLst/>
-          </a:prstGeom>
-          <a:ln w="19050">
-            <a:solidFill>
-              <a:srgbClr val="7030A0"/>
-            </a:solidFill>
-          </a:ln>
-          <a:effectLst/>
-        </p:spPr>
-        <p:style>
-          <a:lnRef idx="1">
-            <a:schemeClr val="accent4"/>
-          </a:lnRef>
-          <a:fillRef idx="2">
-            <a:schemeClr val="accent4"/>
-          </a:fillRef>
-          <a:effectRef idx="1">
-            <a:schemeClr val="accent4"/>
-          </a:effectRef>
-          <a:fontRef idx="minor">
-            <a:schemeClr val="dk1"/>
-          </a:fontRef>
-        </p:style>
-        <p:txBody>
-          <a:bodyPr rtlCol="0" anchor="ctr"/>
-          <a:lstStyle/>
-          <a:p>
-            <a:pPr algn="ctr"/>
-            <a:r>
-              <a:rPr lang="en-US" sz="1050" dirty="0">
-                <a:solidFill>
-                  <a:srgbClr val="7030A0"/>
-                </a:solidFill>
-              </a:rPr>
-              <a:t>Name</a:t>
-            </a:r>
-            <a:endParaRPr lang="en-SG" sz="1050" dirty="0">
-              <a:solidFill>
-                <a:srgbClr val="7030A0"/>
-              </a:solidFill>
-            </a:endParaRPr>
-          </a:p>
-        </p:txBody>
-      </p:sp>
-      <p:sp>
-        <p:nvSpPr>
-          <p:cNvPr id="78" name="Flowchart: Decision 96"/>
-          <p:cNvSpPr/>
-          <p:nvPr/>
-        </p:nvSpPr>
-        <p:spPr>
-          <a:xfrm>
-            <a:off x="7041947" y="2948201"/>
-            <a:ext cx="236048" cy="173380"/>
-          </a:xfrm>
-          <a:prstGeom prst="flowChartDecision">
-            <a:avLst/>
-          </a:prstGeom>
-          <a:solidFill>
-            <a:srgbClr val="7030A0"/>
-          </a:solidFill>
-          <a:ln w="19050">
-            <a:solidFill>
-              <a:srgbClr val="7030A0"/>
-            </a:solidFill>
-          </a:ln>
-          <a:effectLst/>
-        </p:spPr>
-        <p:style>
-          <a:lnRef idx="1">
-            <a:schemeClr val="accent6"/>
-          </a:lnRef>
-          <a:fillRef idx="2">
-            <a:schemeClr val="accent6"/>
-          </a:fillRef>
-          <a:effectRef idx="1">
-            <a:schemeClr val="accent6"/>
-          </a:effectRef>
-          <a:fontRef idx="minor">
-            <a:schemeClr val="dk1"/>
-          </a:fontRef>
-        </p:style>
-        <p:txBody>
-          <a:bodyPr rtlCol="0" anchor="ctr"/>
-          <a:lstStyle/>
-          <a:p>
-            <a:pPr algn="ctr"/>
-            <a:endParaRPr lang="en-US" sz="1050"/>
-          </a:p>
-        </p:txBody>
-      </p:sp>
-      <p:cxnSp>
-        <p:nvCxnSpPr>
-          <p:cNvPr id="79" name="Elbow Connector 78"/>
-          <p:cNvCxnSpPr>
-            <a:cxnSpLocks/>
-          </p:cNvCxnSpPr>
-          <p:nvPr/>
-        </p:nvCxnSpPr>
-        <p:spPr>
-          <a:xfrm flipV="1">
-            <a:off x="7277995" y="2706821"/>
-            <a:ext cx="434402" cy="327761"/>
-          </a:xfrm>
-          <a:prstGeom prst="bentConnector3">
-            <a:avLst/>
-          </a:prstGeom>
-          <a:ln w="19050">
-            <a:solidFill>
-              <a:srgbClr val="7030A0"/>
-            </a:solidFill>
-            <a:headEnd type="none" w="med" len="med"/>
-            <a:tailEnd type="arrow" w="med" len="med"/>
-          </a:ln>
-          <a:effectLst/>
-        </p:spPr>
-        <p:style>
-          <a:lnRef idx="1">
-            <a:schemeClr val="accent2"/>
-          </a:lnRef>
-          <a:fillRef idx="2">
-            <a:schemeClr val="accent2"/>
-          </a:fillRef>
-          <a:effectRef idx="1">
-            <a:schemeClr val="accent2"/>
-          </a:effectRef>
-          <a:fontRef idx="minor">
-            <a:schemeClr val="dk1"/>
-          </a:fontRef>
-        </p:style>
-      </p:cxnSp>
-      <p:sp>
-        <p:nvSpPr>
-          <p:cNvPr id="80" name="Rectangle 8"/>
-          <p:cNvSpPr/>
-          <p:nvPr/>
-        </p:nvSpPr>
-        <p:spPr>
-          <a:xfrm>
-            <a:off x="7712397" y="2887216"/>
-            <a:ext cx="708186" cy="285783"/>
-          </a:xfrm>
-          <a:prstGeom prst="rect">
-            <a:avLst/>
-          </a:prstGeom>
-          <a:ln w="19050">
-            <a:solidFill>
-              <a:srgbClr val="7030A0"/>
-            </a:solidFill>
-          </a:ln>
-          <a:effectLst/>
-        </p:spPr>
-        <p:style>
-          <a:lnRef idx="1">
-            <a:schemeClr val="accent4"/>
-          </a:lnRef>
-          <a:fillRef idx="2">
-            <a:schemeClr val="accent4"/>
-          </a:fillRef>
-          <a:effectRef idx="1">
-            <a:schemeClr val="accent4"/>
-          </a:effectRef>
-          <a:fontRef idx="minor">
-            <a:schemeClr val="dk1"/>
-          </a:fontRef>
-        </p:style>
-        <p:txBody>
-          <a:bodyPr rtlCol="0" anchor="ctr"/>
-          <a:lstStyle/>
-          <a:p>
-            <a:pPr algn="ctr"/>
-            <a:r>
-              <a:rPr lang="en-US" sz="1050" dirty="0" err="1">
-                <a:solidFill>
-                  <a:srgbClr val="7030A0"/>
-                </a:solidFill>
-              </a:rPr>
-              <a:t>SavedAmount</a:t>
-            </a:r>
-            <a:endParaRPr lang="en-SG" sz="1050" dirty="0">
-              <a:solidFill>
-                <a:srgbClr val="7030A0"/>
-              </a:solidFill>
-            </a:endParaRPr>
-          </a:p>
-        </p:txBody>
-      </p:sp>
-      <p:cxnSp>
-        <p:nvCxnSpPr>
-          <p:cNvPr id="81" name="Elbow Connector 80"/>
-          <p:cNvCxnSpPr>
-            <a:stCxn id="78" idx="3"/>
-            <a:endCxn id="80" idx="1"/>
-          </p:cNvCxnSpPr>
-          <p:nvPr/>
-        </p:nvCxnSpPr>
-        <p:spPr>
-          <a:xfrm flipV="1">
-            <a:off x="7277995" y="3030108"/>
-            <a:ext cx="434402" cy="4783"/>
-          </a:xfrm>
-          <a:prstGeom prst="bentConnector3">
-            <a:avLst/>
-          </a:prstGeom>
-          <a:ln w="19050">
-            <a:solidFill>
-              <a:srgbClr val="7030A0"/>
-            </a:solidFill>
-            <a:headEnd type="none" w="med" len="med"/>
-            <a:tailEnd type="arrow" w="med" len="med"/>
-          </a:ln>
-          <a:effectLst/>
-        </p:spPr>
-        <p:style>
-          <a:lnRef idx="1">
-            <a:schemeClr val="accent2"/>
-          </a:lnRef>
-          <a:fillRef idx="2">
-            <a:schemeClr val="accent2"/>
-          </a:fillRef>
-          <a:effectRef idx="1">
-            <a:schemeClr val="accent2"/>
-          </a:effectRef>
-          <a:fontRef idx="minor">
-            <a:schemeClr val="dk1"/>
-          </a:fontRef>
-        </p:style>
-      </p:cxnSp>
-      <p:sp>
-        <p:nvSpPr>
-          <p:cNvPr id="83" name="Rectangle 8"/>
-          <p:cNvSpPr/>
-          <p:nvPr/>
-        </p:nvSpPr>
-        <p:spPr>
-          <a:xfrm>
-            <a:off x="7712397" y="3210194"/>
-            <a:ext cx="708186" cy="285783"/>
-          </a:xfrm>
-          <a:prstGeom prst="rect">
-            <a:avLst/>
-          </a:prstGeom>
-          <a:ln w="19050">
-            <a:solidFill>
-              <a:srgbClr val="7030A0"/>
-            </a:solidFill>
-          </a:ln>
-          <a:effectLst/>
-        </p:spPr>
-        <p:style>
-          <a:lnRef idx="1">
-            <a:schemeClr val="accent4"/>
-          </a:lnRef>
-          <a:fillRef idx="2">
-            <a:schemeClr val="accent4"/>
-          </a:fillRef>
-          <a:effectRef idx="1">
-            <a:schemeClr val="accent4"/>
-          </a:effectRef>
-          <a:fontRef idx="minor">
-            <a:schemeClr val="dk1"/>
-          </a:fontRef>
-        </p:style>
-        <p:txBody>
-          <a:bodyPr rtlCol="0" anchor="ctr"/>
-          <a:lstStyle/>
-          <a:p>
-            <a:pPr algn="ctr"/>
-            <a:r>
-              <a:rPr lang="en-US" sz="1050">
-                <a:solidFill>
-                  <a:srgbClr val="7030A0"/>
-                </a:solidFill>
-              </a:rPr>
-              <a:t>Price</a:t>
-            </a:r>
-            <a:endParaRPr lang="en-SG" sz="1050" dirty="0">
-              <a:solidFill>
-                <a:srgbClr val="7030A0"/>
-              </a:solidFill>
-            </a:endParaRPr>
-          </a:p>
-        </p:txBody>
-      </p:sp>
-      <p:cxnSp>
-        <p:nvCxnSpPr>
-          <p:cNvPr id="84" name="Elbow Connector 83"/>
-          <p:cNvCxnSpPr>
-            <a:stCxn id="78" idx="3"/>
-            <a:endCxn id="83" idx="1"/>
-          </p:cNvCxnSpPr>
-          <p:nvPr/>
-        </p:nvCxnSpPr>
-        <p:spPr>
-          <a:xfrm>
-            <a:off x="7277995" y="3034891"/>
-            <a:ext cx="434402" cy="318195"/>
-          </a:xfrm>
-          <a:prstGeom prst="bentConnector3">
-            <a:avLst/>
-          </a:prstGeom>
-          <a:ln w="19050">
-            <a:solidFill>
-              <a:srgbClr val="7030A0"/>
-            </a:solidFill>
-            <a:headEnd type="none" w="med" len="med"/>
-            <a:tailEnd type="arrow" w="med" len="med"/>
-          </a:ln>
-          <a:effectLst/>
-        </p:spPr>
-        <p:style>
-          <a:lnRef idx="1">
-            <a:schemeClr val="accent2"/>
-          </a:lnRef>
-          <a:fillRef idx="2">
-            <a:schemeClr val="accent2"/>
-          </a:fillRef>
-          <a:effectRef idx="1">
-            <a:schemeClr val="accent2"/>
-          </a:effectRef>
-          <a:fontRef idx="minor">
-            <a:schemeClr val="dk1"/>
-          </a:fontRef>
-        </p:style>
-      </p:cxnSp>
-      <p:sp>
-        <p:nvSpPr>
-          <p:cNvPr id="85" name="Rectangle 8"/>
-          <p:cNvSpPr/>
-          <p:nvPr/>
-        </p:nvSpPr>
-        <p:spPr>
-          <a:xfrm>
-            <a:off x="7712397" y="3533171"/>
-            <a:ext cx="708186" cy="285783"/>
-          </a:xfrm>
-          <a:prstGeom prst="rect">
-            <a:avLst/>
-          </a:prstGeom>
-          <a:ln w="19050">
-            <a:solidFill>
-              <a:srgbClr val="7030A0"/>
-            </a:solidFill>
-          </a:ln>
-          <a:effectLst/>
-        </p:spPr>
-        <p:style>
-          <a:lnRef idx="1">
-            <a:schemeClr val="accent4"/>
-          </a:lnRef>
-          <a:fillRef idx="2">
-            <a:schemeClr val="accent4"/>
-          </a:fillRef>
-          <a:effectRef idx="1">
-            <a:schemeClr val="accent4"/>
-          </a:effectRef>
-          <a:fontRef idx="minor">
-            <a:schemeClr val="dk1"/>
-          </a:fontRef>
-        </p:style>
-        <p:txBody>
-          <a:bodyPr rtlCol="0" anchor="ctr"/>
-          <a:lstStyle/>
-          <a:p>
-            <a:pPr algn="ctr"/>
-            <a:r>
-              <a:rPr lang="en-US" sz="1050" dirty="0">
-                <a:solidFill>
-                  <a:srgbClr val="7030A0"/>
-                </a:solidFill>
-              </a:rPr>
-              <a:t>URL</a:t>
-            </a:r>
-            <a:endParaRPr lang="en-SG" sz="1050" dirty="0">
-              <a:solidFill>
-                <a:srgbClr val="7030A0"/>
-              </a:solidFill>
-            </a:endParaRPr>
-          </a:p>
-        </p:txBody>
-      </p:sp>
-      <p:cxnSp>
-        <p:nvCxnSpPr>
-          <p:cNvPr id="86" name="Elbow Connector 85"/>
-          <p:cNvCxnSpPr>
-            <a:stCxn id="78" idx="3"/>
-            <a:endCxn id="85" idx="1"/>
-          </p:cNvCxnSpPr>
-          <p:nvPr/>
-        </p:nvCxnSpPr>
-        <p:spPr>
-          <a:xfrm>
-            <a:off x="7277995" y="3034891"/>
-            <a:ext cx="434402" cy="641172"/>
-          </a:xfrm>
-          <a:prstGeom prst="bentConnector3">
-            <a:avLst/>
-          </a:prstGeom>
-          <a:ln w="19050">
-            <a:solidFill>
-              <a:srgbClr val="7030A0"/>
-            </a:solidFill>
-            <a:headEnd type="none" w="med" len="med"/>
-            <a:tailEnd type="arrow" w="med" len="med"/>
-          </a:ln>
-          <a:effectLst/>
-        </p:spPr>
-        <p:style>
-          <a:lnRef idx="1">
-            <a:schemeClr val="accent2"/>
-          </a:lnRef>
-          <a:fillRef idx="2">
-            <a:schemeClr val="accent2"/>
-          </a:fillRef>
-          <a:effectRef idx="1">
-            <a:schemeClr val="accent2"/>
-          </a:effectRef>
-          <a:fontRef idx="minor">
-            <a:schemeClr val="dk1"/>
-          </a:fontRef>
-        </p:style>
-      </p:cxnSp>
-      <p:cxnSp>
-        <p:nvCxnSpPr>
-          <p:cNvPr id="97" name="Elbow Connector 63"/>
-          <p:cNvCxnSpPr>
-            <a:stCxn id="99" idx="3"/>
-          </p:cNvCxnSpPr>
-          <p:nvPr/>
-        </p:nvCxnSpPr>
-        <p:spPr>
-          <a:xfrm rot="5400000">
-            <a:off x="3553611" y="2687559"/>
-            <a:ext cx="293825" cy="5938"/>
-          </a:xfrm>
-          <a:prstGeom prst="bentConnector3">
-            <a:avLst>
-              <a:gd name="adj1" fmla="val 50000"/>
-            </a:avLst>
-          </a:prstGeom>
-          <a:ln w="19050">
-            <a:solidFill>
-              <a:srgbClr val="7030A0"/>
-            </a:solidFill>
-            <a:prstDash val="sysDot"/>
-            <a:headEnd type="none" w="med" len="med"/>
-            <a:tailEnd type="none" w="med" len="med"/>
-          </a:ln>
-          <a:effectLst/>
-        </p:spPr>
-        <p:style>
-          <a:lnRef idx="1">
-            <a:schemeClr val="accent2"/>
-          </a:lnRef>
-          <a:fillRef idx="2">
-            <a:schemeClr val="accent2"/>
-          </a:fillRef>
-          <a:effectRef idx="1">
-            <a:schemeClr val="accent2"/>
-          </a:effectRef>
-          <a:fontRef idx="minor">
-            <a:schemeClr val="dk1"/>
-          </a:fontRef>
-        </p:style>
-      </p:cxnSp>
-      <p:sp>
-        <p:nvSpPr>
-          <p:cNvPr id="99" name="Isosceles Triangle 102"/>
-          <p:cNvSpPr/>
-          <p:nvPr/>
-        </p:nvSpPr>
-        <p:spPr>
-          <a:xfrm rot="10800000" flipV="1">
-            <a:off x="3562299" y="2386554"/>
-            <a:ext cx="282387" cy="157062"/>
-          </a:xfrm>
-          <a:prstGeom prst="triangle">
-            <a:avLst/>
-          </a:prstGeom>
-          <a:ln w="19050">
-            <a:solidFill>
-              <a:srgbClr val="7030A0"/>
-            </a:solidFill>
-          </a:ln>
-          <a:effectLst/>
-        </p:spPr>
-        <p:style>
-          <a:lnRef idx="1">
-            <a:schemeClr val="accent4"/>
-          </a:lnRef>
-          <a:fillRef idx="2">
-            <a:schemeClr val="accent4"/>
-          </a:fillRef>
-          <a:effectRef idx="1">
-            <a:schemeClr val="accent4"/>
-          </a:effectRef>
-          <a:fontRef idx="minor">
-            <a:schemeClr val="dk1"/>
-          </a:fontRef>
-        </p:style>
-        <p:txBody>
-          <a:bodyPr rtlCol="0" anchor="ctr"/>
-          <a:lstStyle/>
-          <a:p>
-            <a:pPr algn="ctr"/>
-            <a:endParaRPr lang="en-SG" sz="1050" b="1">
-              <a:solidFill>
-                <a:srgbClr val="92D050"/>
-              </a:solidFill>
-            </a:endParaRPr>
-          </a:p>
-        </p:txBody>
-      </p:sp>
-      <p:sp>
-        <p:nvSpPr>
-          <p:cNvPr id="100" name="Rectangle 8"/>
-          <p:cNvSpPr/>
-          <p:nvPr/>
-        </p:nvSpPr>
-        <p:spPr>
-          <a:xfrm>
-            <a:off x="1260922" y="1998350"/>
-            <a:ext cx="1443661" cy="364396"/>
-          </a:xfrm>
-          <a:prstGeom prst="rect">
-            <a:avLst/>
-          </a:prstGeom>
-          <a:ln w="19050">
-            <a:solidFill>
-              <a:srgbClr val="7030A0"/>
-            </a:solidFill>
-          </a:ln>
-          <a:effectLst/>
-        </p:spPr>
-        <p:style>
-          <a:lnRef idx="1">
-            <a:schemeClr val="accent4"/>
-          </a:lnRef>
-          <a:fillRef idx="2">
-            <a:schemeClr val="accent4"/>
-          </a:fillRef>
-          <a:effectRef idx="1">
-            <a:schemeClr val="accent4"/>
-          </a:effectRef>
-          <a:fontRef idx="minor">
-            <a:schemeClr val="dk1"/>
-          </a:fontRef>
-        </p:style>
-        <p:txBody>
-          <a:bodyPr rtlCol="0" anchor="ctr"/>
-          <a:lstStyle/>
-          <a:p>
-            <a:pPr algn="ctr"/>
-            <a:r>
-              <a:rPr lang="en-US" sz="1050" dirty="0">
-                <a:solidFill>
-                  <a:srgbClr val="7030A0"/>
-                </a:solidFill>
-              </a:rPr>
-              <a:t>&lt;&lt;interface&gt;&gt;</a:t>
-            </a:r>
-            <a:br>
-              <a:rPr lang="en-US" sz="1050" dirty="0">
-                <a:solidFill>
-                  <a:srgbClr val="7030A0"/>
-                </a:solidFill>
-              </a:rPr>
-            </a:br>
-            <a:r>
-              <a:rPr lang="en-US" sz="1050" dirty="0" err="1">
-                <a:solidFill>
-                  <a:srgbClr val="7030A0"/>
-                </a:solidFill>
-              </a:rPr>
-              <a:t>ReadOnlyWishBook</a:t>
-            </a:r>
-            <a:endParaRPr lang="en-SG" sz="1050" dirty="0">
-              <a:solidFill>
-                <a:srgbClr val="7030A0"/>
-              </a:solidFill>
-            </a:endParaRPr>
-          </a:p>
-        </p:txBody>
-      </p:sp>
-      <p:sp>
-        <p:nvSpPr>
-          <p:cNvPr id="114" name="TextBox 113"/>
-          <p:cNvSpPr txBox="1"/>
-          <p:nvPr/>
-        </p:nvSpPr>
-        <p:spPr>
-          <a:xfrm rot="16200000">
-            <a:off x="6362886" y="3586305"/>
-            <a:ext cx="881018" cy="261610"/>
-          </a:xfrm>
-          <a:prstGeom prst="rect">
-            <a:avLst/>
-          </a:prstGeom>
-          <a:noFill/>
-        </p:spPr>
-        <p:txBody>
-          <a:bodyPr wrap="square" rtlCol="0">
-            <a:spAutoFit/>
-          </a:bodyPr>
-          <a:lstStyle/>
-          <a:p>
-            <a:pPr algn="r"/>
-            <a:r>
-              <a:rPr lang="en-US" sz="1100" dirty="0">
-                <a:solidFill>
-                  <a:srgbClr val="7030A0"/>
-                </a:solidFill>
-              </a:rPr>
-              <a:t>filtered list</a:t>
-            </a:r>
-            <a:endParaRPr lang="en-SG" sz="1100" dirty="0">
-              <a:solidFill>
-                <a:srgbClr val="7030A0"/>
-              </a:solidFill>
-            </a:endParaRPr>
-          </a:p>
-        </p:txBody>
-      </p:sp>
-      <p:sp>
-        <p:nvSpPr>
-          <p:cNvPr id="122" name="Rectangle 8"/>
-          <p:cNvSpPr/>
-          <p:nvPr/>
-        </p:nvSpPr>
-        <p:spPr>
-          <a:xfrm>
-            <a:off x="2057401" y="4239491"/>
-            <a:ext cx="1066800" cy="346760"/>
-          </a:xfrm>
-          <a:prstGeom prst="rect">
-            <a:avLst/>
-          </a:prstGeom>
-          <a:ln w="19050">
-            <a:solidFill>
-              <a:srgbClr val="7030A0"/>
-            </a:solidFill>
-          </a:ln>
-          <a:effectLst/>
-        </p:spPr>
-        <p:style>
-          <a:lnRef idx="1">
-            <a:schemeClr val="accent4"/>
-          </a:lnRef>
-          <a:fillRef idx="2">
-            <a:schemeClr val="accent4"/>
-          </a:fillRef>
-          <a:effectRef idx="1">
-            <a:schemeClr val="accent4"/>
-          </a:effectRef>
-          <a:fontRef idx="minor">
-            <a:schemeClr val="dk1"/>
-          </a:fontRef>
-        </p:style>
-        <p:txBody>
-          <a:bodyPr rtlCol="0" anchor="ctr"/>
-          <a:lstStyle/>
-          <a:p>
-            <a:pPr algn="ctr"/>
-            <a:r>
-              <a:rPr lang="en-US" sz="1050" dirty="0">
-                <a:solidFill>
-                  <a:srgbClr val="7030A0"/>
-                </a:solidFill>
-              </a:rPr>
-              <a:t>&lt;&lt;interface&gt;&gt;</a:t>
-            </a:r>
-            <a:br>
-              <a:rPr lang="en-US" sz="1050" dirty="0">
-                <a:solidFill>
-                  <a:srgbClr val="7030A0"/>
-                </a:solidFill>
-              </a:rPr>
-            </a:br>
-            <a:r>
-              <a:rPr lang="en-US" sz="1050" dirty="0" err="1">
-                <a:solidFill>
-                  <a:srgbClr val="7030A0"/>
-                </a:solidFill>
-              </a:rPr>
-              <a:t>ObservableList</a:t>
-            </a:r>
-            <a:endParaRPr lang="en-SG" sz="1050" dirty="0">
-              <a:solidFill>
-                <a:srgbClr val="7030A0"/>
-              </a:solidFill>
-            </a:endParaRPr>
-          </a:p>
-        </p:txBody>
-      </p:sp>
-      <p:cxnSp>
-        <p:nvCxnSpPr>
-          <p:cNvPr id="124" name="Elbow Connector 122"/>
-          <p:cNvCxnSpPr>
-            <a:stCxn id="119" idx="1"/>
-            <a:endCxn id="122" idx="1"/>
-          </p:cNvCxnSpPr>
-          <p:nvPr/>
-        </p:nvCxnSpPr>
-        <p:spPr>
-          <a:xfrm rot="16200000" flipH="1">
-            <a:off x="1364475" y="3719944"/>
-            <a:ext cx="831471" cy="554381"/>
-          </a:xfrm>
-          <a:prstGeom prst="bentConnector2">
-            <a:avLst/>
-          </a:prstGeom>
-          <a:ln w="19050">
-            <a:solidFill>
-              <a:srgbClr val="7030A0"/>
-            </a:solidFill>
-            <a:prstDash val="sysDot"/>
-            <a:headEnd type="none" w="med" len="med"/>
-            <a:tailEnd type="arrow" w="med" len="med"/>
-          </a:ln>
-          <a:effectLst/>
-        </p:spPr>
-        <p:style>
-          <a:lnRef idx="1">
-            <a:schemeClr val="accent2"/>
-          </a:lnRef>
-          <a:fillRef idx="2">
-            <a:schemeClr val="accent2"/>
-          </a:fillRef>
-          <a:effectRef idx="1">
-            <a:schemeClr val="accent2"/>
-          </a:effectRef>
-          <a:fontRef idx="minor">
-            <a:schemeClr val="dk1"/>
-          </a:fontRef>
-        </p:style>
-      </p:cxnSp>
-      <p:sp>
-        <p:nvSpPr>
-          <p:cNvPr id="54" name="TextBox 53"/>
-          <p:cNvSpPr txBox="1"/>
-          <p:nvPr/>
-        </p:nvSpPr>
-        <p:spPr>
-          <a:xfrm>
-            <a:off x="4429979" y="3111479"/>
-            <a:ext cx="189257" cy="178683"/>
-          </a:xfrm>
-          <a:prstGeom prst="rect">
-            <a:avLst/>
-          </a:prstGeom>
-          <a:noFill/>
-        </p:spPr>
-        <p:txBody>
-          <a:bodyPr wrap="square" lIns="0" tIns="0" rIns="0" bIns="0" rtlCol="0">
-            <a:noAutofit/>
-          </a:bodyPr>
-          <a:lstStyle/>
-          <a:p>
-            <a:pPr algn="ctr"/>
-            <a:r>
-              <a:rPr lang="en-US" sz="1100" dirty="0">
-                <a:solidFill>
-                  <a:srgbClr val="7030A0"/>
-                </a:solidFill>
-              </a:rPr>
-              <a:t>1</a:t>
-            </a:r>
-            <a:endParaRPr lang="en-SG" sz="1100" dirty="0">
-              <a:solidFill>
-                <a:srgbClr val="7030A0"/>
-              </a:solidFill>
-            </a:endParaRPr>
-          </a:p>
-        </p:txBody>
-      </p:sp>
-      <p:sp>
-        <p:nvSpPr>
-          <p:cNvPr id="61" name="TextBox 60"/>
-          <p:cNvSpPr txBox="1"/>
-          <p:nvPr/>
-        </p:nvSpPr>
-        <p:spPr>
-          <a:xfrm>
-            <a:off x="6135256" y="3097917"/>
-            <a:ext cx="189257" cy="178683"/>
-          </a:xfrm>
-          <a:prstGeom prst="rect">
-            <a:avLst/>
-          </a:prstGeom>
-          <a:noFill/>
-        </p:spPr>
-        <p:txBody>
-          <a:bodyPr wrap="square" lIns="0" tIns="0" rIns="0" bIns="0" rtlCol="0">
-            <a:noAutofit/>
-          </a:bodyPr>
-          <a:lstStyle/>
-          <a:p>
-            <a:pPr algn="ctr"/>
-            <a:r>
-              <a:rPr lang="en-US" sz="1100" dirty="0">
-                <a:solidFill>
-                  <a:srgbClr val="7030A0"/>
-                </a:solidFill>
-              </a:rPr>
-              <a:t>*</a:t>
-            </a:r>
-            <a:endParaRPr lang="en-SG" sz="1100" dirty="0">
-              <a:solidFill>
-                <a:srgbClr val="7030A0"/>
-              </a:solidFill>
-            </a:endParaRPr>
-          </a:p>
-        </p:txBody>
-      </p:sp>
-      <p:sp>
-        <p:nvSpPr>
-          <p:cNvPr id="65" name="TextBox 64"/>
-          <p:cNvSpPr txBox="1"/>
-          <p:nvPr/>
-        </p:nvSpPr>
-        <p:spPr>
-          <a:xfrm>
-            <a:off x="2573394" y="2756715"/>
-            <a:ext cx="170110" cy="137542"/>
-          </a:xfrm>
-          <a:prstGeom prst="rect">
-            <a:avLst/>
-          </a:prstGeom>
-          <a:noFill/>
-        </p:spPr>
-        <p:txBody>
-          <a:bodyPr wrap="square" lIns="0" tIns="0" rIns="0" bIns="0" rtlCol="0">
-            <a:noAutofit/>
-          </a:bodyPr>
-          <a:lstStyle/>
-          <a:p>
-            <a:pPr algn="ctr"/>
-            <a:r>
-              <a:rPr lang="en-US" sz="1100" dirty="0">
-                <a:solidFill>
-                  <a:srgbClr val="7030A0"/>
-                </a:solidFill>
-              </a:rPr>
-              <a:t>1</a:t>
-            </a:r>
-            <a:endParaRPr lang="en-SG" sz="1100" dirty="0">
-              <a:solidFill>
-                <a:srgbClr val="7030A0"/>
-              </a:solidFill>
-            </a:endParaRPr>
-          </a:p>
-        </p:txBody>
-      </p:sp>
-      <p:sp>
-        <p:nvSpPr>
-          <p:cNvPr id="66" name="TextBox 65"/>
-          <p:cNvSpPr txBox="1"/>
-          <p:nvPr/>
-        </p:nvSpPr>
-        <p:spPr>
-          <a:xfrm>
-            <a:off x="2707070" y="3667737"/>
-            <a:ext cx="189257" cy="178683"/>
-          </a:xfrm>
-          <a:prstGeom prst="rect">
-            <a:avLst/>
-          </a:prstGeom>
-          <a:noFill/>
-        </p:spPr>
-        <p:txBody>
-          <a:bodyPr wrap="square" lIns="0" tIns="0" rIns="0" bIns="0" rtlCol="0">
-            <a:noAutofit/>
-          </a:bodyPr>
-          <a:lstStyle/>
-          <a:p>
-            <a:pPr algn="ctr"/>
-            <a:r>
-              <a:rPr lang="en-US" sz="1100" dirty="0">
-                <a:solidFill>
-                  <a:srgbClr val="7030A0"/>
-                </a:solidFill>
-              </a:rPr>
-              <a:t>1</a:t>
-            </a:r>
-            <a:endParaRPr lang="en-SG" sz="1100" dirty="0">
-              <a:solidFill>
-                <a:srgbClr val="7030A0"/>
-              </a:solidFill>
-            </a:endParaRPr>
-          </a:p>
-        </p:txBody>
-      </p:sp>
-      <p:sp>
-        <p:nvSpPr>
-          <p:cNvPr id="70" name="TextBox 69"/>
-          <p:cNvSpPr txBox="1"/>
-          <p:nvPr/>
-        </p:nvSpPr>
-        <p:spPr>
-          <a:xfrm>
-            <a:off x="6449896" y="3204826"/>
-            <a:ext cx="189257" cy="178683"/>
-          </a:xfrm>
-          <a:prstGeom prst="rect">
-            <a:avLst/>
-          </a:prstGeom>
-          <a:noFill/>
-        </p:spPr>
-        <p:txBody>
-          <a:bodyPr wrap="square" lIns="0" tIns="0" rIns="0" bIns="0" rtlCol="0">
-            <a:noAutofit/>
-          </a:bodyPr>
-          <a:lstStyle/>
-          <a:p>
-            <a:pPr algn="ctr"/>
-            <a:r>
-              <a:rPr lang="en-US" sz="1100" dirty="0">
-                <a:solidFill>
-                  <a:srgbClr val="7030A0"/>
-                </a:solidFill>
-              </a:rPr>
-              <a:t>1</a:t>
-            </a:r>
-            <a:endParaRPr lang="en-SG" sz="1100" dirty="0">
-              <a:solidFill>
-                <a:srgbClr val="7030A0"/>
-              </a:solidFill>
-            </a:endParaRPr>
-          </a:p>
-        </p:txBody>
-      </p:sp>
-      <p:sp>
-        <p:nvSpPr>
-          <p:cNvPr id="52" name="Rectangle 8">
-            <a:extLst>
-              <a:ext uri="{FF2B5EF4-FFF2-40B4-BE49-F238E27FC236}">
-                <a16:creationId xmlns:a16="http://schemas.microsoft.com/office/drawing/2014/main" id="{ABDCDBD2-131A-4B66-A2F2-43BBEE82C773}"/>
-              </a:ext>
-            </a:extLst>
-          </p:cNvPr>
-          <p:cNvSpPr/>
-          <p:nvPr/>
-        </p:nvSpPr>
-        <p:spPr>
-          <a:xfrm>
-            <a:off x="7712397" y="2228817"/>
-            <a:ext cx="708186" cy="285783"/>
-          </a:xfrm>
-          <a:prstGeom prst="rect">
-            <a:avLst/>
-          </a:prstGeom>
-          <a:ln w="19050">
-            <a:solidFill>
-              <a:srgbClr val="7030A0"/>
-            </a:solidFill>
-          </a:ln>
-          <a:effectLst/>
-        </p:spPr>
-        <p:style>
-          <a:lnRef idx="1">
-            <a:schemeClr val="accent4"/>
-          </a:lnRef>
-          <a:fillRef idx="2">
-            <a:schemeClr val="accent4"/>
-          </a:fillRef>
-          <a:effectRef idx="1">
-            <a:schemeClr val="accent4"/>
-          </a:effectRef>
-          <a:fontRef idx="minor">
-            <a:schemeClr val="dk1"/>
-          </a:fontRef>
-        </p:style>
-        <p:txBody>
-          <a:bodyPr rtlCol="0" anchor="ctr"/>
-          <a:lstStyle/>
-          <a:p>
-            <a:pPr algn="ctr"/>
-            <a:r>
-              <a:rPr lang="en-US" sz="1050" dirty="0">
-                <a:solidFill>
-                  <a:srgbClr val="7030A0"/>
-                </a:solidFill>
-              </a:rPr>
-              <a:t>Tag</a:t>
-            </a:r>
-            <a:endParaRPr lang="en-SG" sz="1050" dirty="0">
-              <a:solidFill>
-                <a:srgbClr val="7030A0"/>
-              </a:solidFill>
-            </a:endParaRPr>
-          </a:p>
-        </p:txBody>
-      </p:sp>
-      <p:cxnSp>
-        <p:nvCxnSpPr>
-          <p:cNvPr id="53" name="Elbow Connector 78">
-            <a:extLst>
-              <a:ext uri="{FF2B5EF4-FFF2-40B4-BE49-F238E27FC236}">
-                <a16:creationId xmlns:a16="http://schemas.microsoft.com/office/drawing/2014/main" id="{B97967F8-618A-448B-81FD-CDFD4AF0EC64}"/>
-              </a:ext>
-            </a:extLst>
-          </p:cNvPr>
-          <p:cNvCxnSpPr>
-            <a:cxnSpLocks/>
-            <a:stCxn id="78" idx="3"/>
-            <a:endCxn id="52" idx="1"/>
-          </p:cNvCxnSpPr>
-          <p:nvPr/>
-        </p:nvCxnSpPr>
-        <p:spPr>
-          <a:xfrm flipV="1">
-            <a:off x="7277995" y="2371709"/>
-            <a:ext cx="434402" cy="663182"/>
-          </a:xfrm>
-          <a:prstGeom prst="bentConnector3">
-            <a:avLst>
-              <a:gd name="adj1" fmla="val 50000"/>
-            </a:avLst>
-          </a:prstGeom>
-          <a:ln w="19050">
-            <a:solidFill>
-              <a:srgbClr val="7030A0"/>
-            </a:solidFill>
-            <a:headEnd type="none" w="med" len="med"/>
-            <a:tailEnd type="arrow" w="med" len="med"/>
-          </a:ln>
-          <a:effectLst/>
-        </p:spPr>
-        <p:style>
-          <a:lnRef idx="1">
-            <a:schemeClr val="accent2"/>
-          </a:lnRef>
-          <a:fillRef idx="2">
-            <a:schemeClr val="accent2"/>
-          </a:fillRef>
-          <a:effectRef idx="1">
-            <a:schemeClr val="accent2"/>
-          </a:effectRef>
-          <a:fontRef idx="minor">
-            <a:schemeClr val="dk1"/>
-          </a:fontRef>
-        </p:style>
-      </p:cxnSp>
-      <p:sp>
-        <p:nvSpPr>
-          <p:cNvPr id="50" name="TextBox 49">
-            <a:extLst>
-              <a:ext uri="{FF2B5EF4-FFF2-40B4-BE49-F238E27FC236}">
-                <a16:creationId xmlns:a16="http://schemas.microsoft.com/office/drawing/2014/main" id="{B3FA9D57-880F-49C4-AD0B-A64E30D6F403}"/>
-              </a:ext>
-            </a:extLst>
-          </p:cNvPr>
-          <p:cNvSpPr txBox="1"/>
-          <p:nvPr/>
-        </p:nvSpPr>
-        <p:spPr>
-          <a:xfrm>
-            <a:off x="7466243" y="2255711"/>
-            <a:ext cx="189257" cy="178683"/>
-          </a:xfrm>
-          <a:prstGeom prst="rect">
-            <a:avLst/>
-          </a:prstGeom>
-          <a:noFill/>
-        </p:spPr>
-        <p:txBody>
-          <a:bodyPr wrap="square" lIns="0" tIns="0" rIns="0" bIns="0" rtlCol="0">
-            <a:noAutofit/>
-          </a:bodyPr>
-          <a:lstStyle/>
-          <a:p>
-            <a:pPr algn="ctr"/>
-            <a:r>
-              <a:rPr lang="en-US" sz="1100" dirty="0">
-                <a:solidFill>
-                  <a:srgbClr val="7030A0"/>
-                </a:solidFill>
-              </a:rPr>
-              <a:t>*</a:t>
-            </a:r>
-            <a:endParaRPr lang="en-SG" sz="1100" dirty="0">
-              <a:solidFill>
-                <a:srgbClr val="7030A0"/>
-              </a:solidFill>
-            </a:endParaRPr>
-          </a:p>
-        </p:txBody>
-      </p:sp>
-      <p:sp>
-        <p:nvSpPr>
-          <p:cNvPr id="55" name="Rectangle 8"/>
-          <p:cNvSpPr/>
-          <p:nvPr/>
-        </p:nvSpPr>
-        <p:spPr>
-          <a:xfrm>
-            <a:off x="3170181" y="1998350"/>
-            <a:ext cx="1060683" cy="364396"/>
-          </a:xfrm>
-          <a:prstGeom prst="rect">
-            <a:avLst/>
-          </a:prstGeom>
-          <a:ln w="19050">
-            <a:solidFill>
-              <a:srgbClr val="7030A0"/>
-            </a:solidFill>
-          </a:ln>
-          <a:effectLst/>
-        </p:spPr>
-        <p:style>
-          <a:lnRef idx="1">
-            <a:schemeClr val="accent4"/>
-          </a:lnRef>
-          <a:fillRef idx="2">
-            <a:schemeClr val="accent4"/>
-          </a:fillRef>
-          <a:effectRef idx="1">
-            <a:schemeClr val="accent4"/>
-          </a:effectRef>
-          <a:fontRef idx="minor">
-            <a:schemeClr val="dk1"/>
-          </a:fontRef>
-        </p:style>
-        <p:txBody>
-          <a:bodyPr rtlCol="0" anchor="ctr"/>
-          <a:lstStyle/>
-          <a:p>
-            <a:pPr algn="ctr"/>
-            <a:r>
-              <a:rPr lang="en-SG" sz="1050" dirty="0" err="1">
-                <a:solidFill>
-                  <a:srgbClr val="7030A0"/>
-                </a:solidFill>
-              </a:rPr>
-              <a:t>WishBook</a:t>
-            </a:r>
-            <a:endParaRPr lang="en-SG" sz="1050" dirty="0">
-              <a:solidFill>
-                <a:srgbClr val="7030A0"/>
-              </a:solidFill>
-            </a:endParaRPr>
-          </a:p>
-        </p:txBody>
-      </p:sp>
-      <p:cxnSp>
-        <p:nvCxnSpPr>
-          <p:cNvPr id="60" name="Straight Arrow Connector 59"/>
-          <p:cNvCxnSpPr>
-            <a:stCxn id="51" idx="1"/>
-            <a:endCxn id="49" idx="1"/>
-          </p:cNvCxnSpPr>
-          <p:nvPr/>
-        </p:nvCxnSpPr>
-        <p:spPr>
-          <a:xfrm>
-            <a:off x="4324972" y="3007222"/>
-            <a:ext cx="367678" cy="12320"/>
-          </a:xfrm>
-          <a:prstGeom prst="straightConnector1">
-            <a:avLst/>
-          </a:prstGeom>
-          <a:ln w="19050">
-            <a:solidFill>
-              <a:srgbClr val="7030A0"/>
-            </a:solidFill>
-            <a:headEnd type="none" w="med" len="med"/>
-            <a:tailEnd type="arrow" w="med" len="med"/>
-          </a:ln>
-          <a:effectLst/>
-        </p:spPr>
-        <p:style>
-          <a:lnRef idx="1">
-            <a:schemeClr val="accent2"/>
-          </a:lnRef>
-          <a:fillRef idx="2">
-            <a:schemeClr val="accent2"/>
-          </a:fillRef>
-          <a:effectRef idx="1">
-            <a:schemeClr val="accent2"/>
-          </a:effectRef>
-          <a:fontRef idx="minor">
-            <a:schemeClr val="dk1"/>
-          </a:fontRef>
-        </p:style>
-      </p:cxnSp>
-      <p:sp>
-        <p:nvSpPr>
-          <p:cNvPr id="68" name="Isosceles Triangle 102"/>
-          <p:cNvSpPr/>
-          <p:nvPr/>
-        </p:nvSpPr>
-        <p:spPr>
-          <a:xfrm rot="16200000">
-            <a:off x="2669073" y="2069158"/>
-            <a:ext cx="271014" cy="187417"/>
-          </a:xfrm>
-          <a:prstGeom prst="triangle">
-            <a:avLst>
-              <a:gd name="adj" fmla="val 44517"/>
-            </a:avLst>
-          </a:prstGeom>
-          <a:solidFill>
-            <a:schemeClr val="accent4">
-              <a:lumMod val="20000"/>
-              <a:lumOff val="80000"/>
-            </a:schemeClr>
-          </a:solidFill>
-          <a:ln w="19050">
-            <a:solidFill>
-              <a:srgbClr val="7030A0"/>
-            </a:solidFill>
-          </a:ln>
-          <a:effectLst/>
-        </p:spPr>
-        <p:style>
-          <a:lnRef idx="1">
-            <a:schemeClr val="accent6"/>
-          </a:lnRef>
-          <a:fillRef idx="2">
-            <a:schemeClr val="accent6"/>
-          </a:fillRef>
-          <a:effectRef idx="1">
-            <a:schemeClr val="accent6"/>
-          </a:effectRef>
-          <a:fontRef idx="minor">
-            <a:schemeClr val="dk1"/>
-          </a:fontRef>
-        </p:style>
-        <p:txBody>
-          <a:bodyPr rtlCol="0" anchor="ctr"/>
-          <a:lstStyle/>
-          <a:p>
-            <a:pPr algn="ctr"/>
-            <a:endParaRPr lang="en-SG" sz="1050"/>
-          </a:p>
-        </p:txBody>
-      </p:sp>
-      <p:cxnSp>
-        <p:nvCxnSpPr>
-          <p:cNvPr id="69" name="Elbow Connector 63"/>
-          <p:cNvCxnSpPr>
-            <a:stCxn id="68" idx="3"/>
-            <a:endCxn id="55" idx="1"/>
-          </p:cNvCxnSpPr>
-          <p:nvPr/>
-        </p:nvCxnSpPr>
-        <p:spPr>
-          <a:xfrm>
-            <a:off x="2898289" y="2177727"/>
-            <a:ext cx="271892" cy="2821"/>
-          </a:xfrm>
-          <a:prstGeom prst="bentConnector3">
-            <a:avLst>
-              <a:gd name="adj1" fmla="val 50000"/>
-            </a:avLst>
-          </a:prstGeom>
-          <a:ln w="19050">
-            <a:solidFill>
-              <a:srgbClr val="7030A0"/>
-            </a:solidFill>
-            <a:prstDash val="sysDot"/>
-            <a:headEnd type="none" w="med" len="med"/>
-            <a:tailEnd type="none" w="med" len="med"/>
-          </a:ln>
-          <a:effectLst/>
-        </p:spPr>
-        <p:style>
-          <a:lnRef idx="1">
-            <a:schemeClr val="accent2"/>
-          </a:lnRef>
-          <a:fillRef idx="2">
-            <a:schemeClr val="accent2"/>
-          </a:fillRef>
-          <a:effectRef idx="1">
-            <a:schemeClr val="accent2"/>
-          </a:effectRef>
-          <a:fontRef idx="minor">
-            <a:schemeClr val="dk1"/>
-          </a:fontRef>
-        </p:style>
-      </p:cxnSp>
-      <p:sp>
-        <p:nvSpPr>
-          <p:cNvPr id="56" name="Rectangle 8">
-            <a:extLst>
-              <a:ext uri="{FF2B5EF4-FFF2-40B4-BE49-F238E27FC236}">
-                <a16:creationId xmlns:a16="http://schemas.microsoft.com/office/drawing/2014/main" id="{522734A2-9DE4-4648-B36D-5EC0360751F3}"/>
-              </a:ext>
-            </a:extLst>
-          </p:cNvPr>
-          <p:cNvSpPr/>
-          <p:nvPr/>
-        </p:nvSpPr>
-        <p:spPr>
-          <a:xfrm>
-            <a:off x="7712102" y="3865088"/>
-            <a:ext cx="708186" cy="285783"/>
-          </a:xfrm>
-          <a:prstGeom prst="rect">
-            <a:avLst/>
-          </a:prstGeom>
-          <a:ln w="19050">
-            <a:solidFill>
-              <a:srgbClr val="7030A0"/>
-            </a:solidFill>
-          </a:ln>
-          <a:effectLst/>
-        </p:spPr>
-        <p:style>
-          <a:lnRef idx="1">
-            <a:schemeClr val="accent4"/>
-          </a:lnRef>
-          <a:fillRef idx="2">
-            <a:schemeClr val="accent4"/>
-          </a:fillRef>
-          <a:effectRef idx="1">
-            <a:schemeClr val="accent4"/>
-          </a:effectRef>
-          <a:fontRef idx="minor">
-            <a:schemeClr val="dk1"/>
-          </a:fontRef>
-        </p:style>
-        <p:txBody>
-          <a:bodyPr rtlCol="0" anchor="ctr"/>
-          <a:lstStyle/>
-          <a:p>
-            <a:pPr algn="ctr"/>
-            <a:r>
-              <a:rPr lang="en-US" sz="1050" dirty="0">
-                <a:solidFill>
-                  <a:srgbClr val="7030A0"/>
-                </a:solidFill>
-              </a:rPr>
-              <a:t>Duration</a:t>
-            </a:r>
-            <a:endParaRPr lang="en-SG" sz="1050" dirty="0">
-              <a:solidFill>
-                <a:srgbClr val="7030A0"/>
-              </a:solidFill>
-            </a:endParaRPr>
-          </a:p>
-        </p:txBody>
-      </p:sp>
-      <p:cxnSp>
-        <p:nvCxnSpPr>
-          <p:cNvPr id="59" name="Elbow Connector 80">
-            <a:extLst>
-              <a:ext uri="{FF2B5EF4-FFF2-40B4-BE49-F238E27FC236}">
-                <a16:creationId xmlns:a16="http://schemas.microsoft.com/office/drawing/2014/main" id="{DB7E4EA4-22F1-4C6D-BB42-7A1EBD5EA1B8}"/>
-              </a:ext>
-            </a:extLst>
-          </p:cNvPr>
-          <p:cNvCxnSpPr>
-            <a:cxnSpLocks/>
-          </p:cNvCxnSpPr>
-          <p:nvPr/>
-        </p:nvCxnSpPr>
-        <p:spPr>
-          <a:xfrm>
-            <a:off x="7495196" y="4033817"/>
-            <a:ext cx="233863" cy="1"/>
-          </a:xfrm>
-          <a:prstGeom prst="bentConnector3">
-            <a:avLst/>
-          </a:prstGeom>
-          <a:ln w="19050">
-            <a:solidFill>
-              <a:srgbClr val="7030A0"/>
-            </a:solidFill>
-            <a:headEnd type="none" w="med" len="med"/>
-            <a:tailEnd type="arrow" w="med" len="med"/>
-          </a:ln>
-          <a:effectLst/>
-        </p:spPr>
-        <p:style>
-          <a:lnRef idx="1">
-            <a:schemeClr val="accent2"/>
-          </a:lnRef>
-          <a:fillRef idx="2">
-            <a:schemeClr val="accent2"/>
-          </a:fillRef>
-          <a:effectRef idx="1">
-            <a:schemeClr val="accent2"/>
-          </a:effectRef>
-          <a:fontRef idx="minor">
-            <a:schemeClr val="dk1"/>
-          </a:fontRef>
-        </p:style>
-      </p:cxnSp>
-      <p:cxnSp>
-        <p:nvCxnSpPr>
-          <p:cNvPr id="10" name="Straight Connector 9">
-            <a:extLst>
-              <a:ext uri="{FF2B5EF4-FFF2-40B4-BE49-F238E27FC236}">
-                <a16:creationId xmlns:a16="http://schemas.microsoft.com/office/drawing/2014/main" id="{16BFE9BF-858E-462D-8FC6-7CDE7EA2A24C}"/>
-              </a:ext>
-            </a:extLst>
-          </p:cNvPr>
-          <p:cNvCxnSpPr>
-            <a:cxnSpLocks/>
-          </p:cNvCxnSpPr>
-          <p:nvPr/>
-        </p:nvCxnSpPr>
-        <p:spPr>
-          <a:xfrm>
-            <a:off x="7496784" y="3676656"/>
-            <a:ext cx="0" cy="366885"/>
-          </a:xfrm>
-          <a:prstGeom prst="line">
-            <a:avLst/>
-          </a:prstGeom>
-          <a:ln>
-            <a:solidFill>
-              <a:srgbClr val="7030A0"/>
-            </a:solidFill>
-          </a:ln>
-        </p:spPr>
-        <p:style>
-          <a:lnRef idx="2">
-            <a:schemeClr val="accent4"/>
-          </a:lnRef>
-          <a:fillRef idx="0">
-            <a:schemeClr val="accent4"/>
-          </a:fillRef>
-          <a:effectRef idx="1">
-            <a:schemeClr val="accent4"/>
-          </a:effectRef>
-          <a:fontRef idx="minor">
-            <a:schemeClr val="tx1"/>
-          </a:fontRef>
-        </p:style>
-      </p:cxnSp>
+      </p:pic>
     </p:spTree>
     <p:extLst>
       <p:ext uri="{BB962C8B-B14F-4D97-AF65-F5344CB8AC3E}">

--- a/docs/diagrams/ModelComponentClassDiagram.pptx
+++ b/docs/diagrams/ModelComponentClassDiagram.pptx
@@ -208,7 +208,7 @@
           <a:p>
             <a:fld id="{F5CC4B3F-88C1-4FFA-B1B6-F41C21DC6924}" type="datetimeFigureOut">
               <a:rPr lang="en-US" smtClean="0"/>
-              <a:t>6/27/2018</a:t>
+              <a:t>11/1/18</a:t>
             </a:fld>
             <a:endParaRPr lang="en-US"/>
           </a:p>
@@ -654,7 +654,7 @@
           <a:p>
             <a:fld id="{78C97017-6FC3-485B-9764-EAC9E56C1D49}" type="datetimeFigureOut">
               <a:rPr lang="en-US" smtClean="0"/>
-              <a:t>6/27/2018</a:t>
+              <a:t>11/1/18</a:t>
             </a:fld>
             <a:endParaRPr lang="en-US"/>
           </a:p>
@@ -822,7 +822,7 @@
           <a:p>
             <a:fld id="{78C97017-6FC3-485B-9764-EAC9E56C1D49}" type="datetimeFigureOut">
               <a:rPr lang="en-US" smtClean="0"/>
-              <a:t>6/27/2018</a:t>
+              <a:t>11/1/18</a:t>
             </a:fld>
             <a:endParaRPr lang="en-US"/>
           </a:p>
@@ -1000,7 +1000,7 @@
           <a:p>
             <a:fld id="{78C97017-6FC3-485B-9764-EAC9E56C1D49}" type="datetimeFigureOut">
               <a:rPr lang="en-US" smtClean="0"/>
-              <a:t>6/27/2018</a:t>
+              <a:t>11/1/18</a:t>
             </a:fld>
             <a:endParaRPr lang="en-US"/>
           </a:p>
@@ -1168,7 +1168,7 @@
           <a:p>
             <a:fld id="{78C97017-6FC3-485B-9764-EAC9E56C1D49}" type="datetimeFigureOut">
               <a:rPr lang="en-US" smtClean="0"/>
-              <a:t>6/27/2018</a:t>
+              <a:t>11/1/18</a:t>
             </a:fld>
             <a:endParaRPr lang="en-US"/>
           </a:p>
@@ -1413,7 +1413,7 @@
           <a:p>
             <a:fld id="{78C97017-6FC3-485B-9764-EAC9E56C1D49}" type="datetimeFigureOut">
               <a:rPr lang="en-US" smtClean="0"/>
-              <a:t>6/27/2018</a:t>
+              <a:t>11/1/18</a:t>
             </a:fld>
             <a:endParaRPr lang="en-US"/>
           </a:p>
@@ -1698,7 +1698,7 @@
           <a:p>
             <a:fld id="{78C97017-6FC3-485B-9764-EAC9E56C1D49}" type="datetimeFigureOut">
               <a:rPr lang="en-US" smtClean="0"/>
-              <a:t>6/27/2018</a:t>
+              <a:t>11/1/18</a:t>
             </a:fld>
             <a:endParaRPr lang="en-US"/>
           </a:p>
@@ -2117,7 +2117,7 @@
           <a:p>
             <a:fld id="{78C97017-6FC3-485B-9764-EAC9E56C1D49}" type="datetimeFigureOut">
               <a:rPr lang="en-US" smtClean="0"/>
-              <a:t>6/27/2018</a:t>
+              <a:t>11/1/18</a:t>
             </a:fld>
             <a:endParaRPr lang="en-US"/>
           </a:p>
@@ -2234,7 +2234,7 @@
           <a:p>
             <a:fld id="{78C97017-6FC3-485B-9764-EAC9E56C1D49}" type="datetimeFigureOut">
               <a:rPr lang="en-US" smtClean="0"/>
-              <a:t>6/27/2018</a:t>
+              <a:t>11/1/18</a:t>
             </a:fld>
             <a:endParaRPr lang="en-US"/>
           </a:p>
@@ -2329,7 +2329,7 @@
           <a:p>
             <a:fld id="{78C97017-6FC3-485B-9764-EAC9E56C1D49}" type="datetimeFigureOut">
               <a:rPr lang="en-US" smtClean="0"/>
-              <a:t>6/27/2018</a:t>
+              <a:t>11/1/18</a:t>
             </a:fld>
             <a:endParaRPr lang="en-US"/>
           </a:p>
@@ -2604,7 +2604,7 @@
           <a:p>
             <a:fld id="{78C97017-6FC3-485B-9764-EAC9E56C1D49}" type="datetimeFigureOut">
               <a:rPr lang="en-US" smtClean="0"/>
-              <a:t>6/27/2018</a:t>
+              <a:t>11/1/18</a:t>
             </a:fld>
             <a:endParaRPr lang="en-US"/>
           </a:p>
@@ -2856,7 +2856,7 @@
           <a:p>
             <a:fld id="{78C97017-6FC3-485B-9764-EAC9E56C1D49}" type="datetimeFigureOut">
               <a:rPr lang="en-US" smtClean="0"/>
-              <a:t>6/27/2018</a:t>
+              <a:t>11/1/18</a:t>
             </a:fld>
             <a:endParaRPr lang="en-US"/>
           </a:p>
@@ -3067,7 +3067,7 @@
           <a:p>
             <a:fld id="{78C97017-6FC3-485B-9764-EAC9E56C1D49}" type="datetimeFigureOut">
               <a:rPr lang="en-US" smtClean="0"/>
-              <a:t>6/27/2018</a:t>
+              <a:t>11/1/18</a:t>
             </a:fld>
             <a:endParaRPr lang="en-US"/>
           </a:p>
@@ -3961,8 +3961,8 @@
         </p:nvSpPr>
         <p:spPr>
           <a:xfrm>
-            <a:off x="2825280" y="2846162"/>
-            <a:ext cx="1490560" cy="334856"/>
+            <a:off x="3168003" y="2846162"/>
+            <a:ext cx="1083556" cy="334856"/>
           </a:xfrm>
           <a:prstGeom prst="rect">
             <a:avLst/>
@@ -3994,12 +3994,68 @@
           <a:p>
             <a:pPr algn="ctr"/>
             <a:r>
-              <a:rPr lang="en-US" sz="1050" dirty="0" err="1" smtClean="0">
+              <a:rPr lang="en-US" sz="900" dirty="0" err="1" smtClean="0">
                 <a:solidFill>
                   <a:srgbClr val="7030A0"/>
                 </a:solidFill>
               </a:rPr>
-              <a:t>VersionedAddressBook</a:t>
+              <a:t>UniquePlaylistList</a:t>
+            </a:r>
+            <a:endParaRPr lang="en-SG" sz="900" dirty="0">
+              <a:solidFill>
+                <a:srgbClr val="7030A0"/>
+              </a:solidFill>
+            </a:endParaRPr>
+          </a:p>
+        </p:txBody>
+      </p:sp>
+      <p:sp>
+        <p:nvSpPr>
+          <p:cNvPr id="49" name="Rectangle 8"/>
+          <p:cNvSpPr/>
+          <p:nvPr/>
+        </p:nvSpPr>
+        <p:spPr>
+          <a:xfrm>
+            <a:off x="4692650" y="2846162"/>
+            <a:ext cx="1156969" cy="346760"/>
+          </a:xfrm>
+          <a:prstGeom prst="rect">
+            <a:avLst/>
+          </a:prstGeom>
+          <a:ln w="19050">
+            <a:solidFill>
+              <a:srgbClr val="7030A0"/>
+            </a:solidFill>
+          </a:ln>
+          <a:effectLst/>
+        </p:spPr>
+        <p:style>
+          <a:lnRef idx="1">
+            <a:schemeClr val="accent4"/>
+          </a:lnRef>
+          <a:fillRef idx="2">
+            <a:schemeClr val="accent4"/>
+          </a:fillRef>
+          <a:effectRef idx="1">
+            <a:schemeClr val="accent4"/>
+          </a:effectRef>
+          <a:fontRef idx="minor">
+            <a:schemeClr val="dk1"/>
+          </a:fontRef>
+        </p:style>
+        <p:txBody>
+          <a:bodyPr rtlCol="0" anchor="ctr"/>
+          <a:lstStyle/>
+          <a:p>
+            <a:pPr algn="ctr"/>
+            <a:r>
+              <a:rPr lang="en-US" sz="1050" dirty="0" smtClean="0">
+                <a:solidFill>
+                  <a:srgbClr val="7030A0"/>
+                </a:solidFill>
+              </a:rPr>
+              <a:t>Playlist</a:t>
             </a:r>
             <a:endParaRPr lang="en-SG" sz="1050" dirty="0">
               <a:solidFill>
@@ -4009,21 +4065,169 @@
           </a:p>
         </p:txBody>
       </p:sp>
+      <p:sp>
+        <p:nvSpPr>
+          <p:cNvPr id="51" name="Flowchart: Decision 96"/>
+          <p:cNvSpPr/>
+          <p:nvPr/>
+        </p:nvSpPr>
+        <p:spPr>
+          <a:xfrm>
+            <a:off x="4252043" y="2935625"/>
+            <a:ext cx="236048" cy="173380"/>
+          </a:xfrm>
+          <a:prstGeom prst="flowChartDecision">
+            <a:avLst/>
+          </a:prstGeom>
+          <a:solidFill>
+            <a:srgbClr val="7030A0"/>
+          </a:solidFill>
+          <a:ln w="19050">
+            <a:solidFill>
+              <a:srgbClr val="7030A0"/>
+            </a:solidFill>
+          </a:ln>
+          <a:effectLst/>
+        </p:spPr>
+        <p:style>
+          <a:lnRef idx="1">
+            <a:schemeClr val="accent6"/>
+          </a:lnRef>
+          <a:fillRef idx="2">
+            <a:schemeClr val="accent6"/>
+          </a:fillRef>
+          <a:effectRef idx="1">
+            <a:schemeClr val="accent6"/>
+          </a:effectRef>
+          <a:fontRef idx="minor">
+            <a:schemeClr val="dk1"/>
+          </a:fontRef>
+        </p:style>
+        <p:txBody>
+          <a:bodyPr rtlCol="0" anchor="ctr"/>
+          <a:lstStyle/>
+          <a:p>
+            <a:pPr algn="ctr"/>
+            <a:endParaRPr lang="en-US" sz="1050"/>
+          </a:p>
+        </p:txBody>
+      </p:sp>
+      <p:sp>
+        <p:nvSpPr>
+          <p:cNvPr id="62" name="Rectangle 8"/>
+          <p:cNvSpPr/>
+          <p:nvPr/>
+        </p:nvSpPr>
+        <p:spPr>
+          <a:xfrm>
+            <a:off x="6313677" y="2858066"/>
+            <a:ext cx="708186" cy="346760"/>
+          </a:xfrm>
+          <a:prstGeom prst="rect">
+            <a:avLst/>
+          </a:prstGeom>
+          <a:ln w="19050">
+            <a:solidFill>
+              <a:srgbClr val="7030A0"/>
+            </a:solidFill>
+          </a:ln>
+          <a:effectLst/>
+        </p:spPr>
+        <p:style>
+          <a:lnRef idx="1">
+            <a:schemeClr val="accent4"/>
+          </a:lnRef>
+          <a:fillRef idx="2">
+            <a:schemeClr val="accent4"/>
+          </a:fillRef>
+          <a:effectRef idx="1">
+            <a:schemeClr val="accent4"/>
+          </a:effectRef>
+          <a:fontRef idx="minor">
+            <a:schemeClr val="dk1"/>
+          </a:fontRef>
+        </p:style>
+        <p:txBody>
+          <a:bodyPr rtlCol="0" anchor="ctr"/>
+          <a:lstStyle/>
+          <a:p>
+            <a:pPr algn="ctr"/>
+            <a:r>
+              <a:rPr lang="en-US" sz="1050" dirty="0" smtClean="0">
+                <a:solidFill>
+                  <a:srgbClr val="7030A0"/>
+                </a:solidFill>
+              </a:rPr>
+              <a:t>Track</a:t>
+            </a:r>
+            <a:endParaRPr lang="en-SG" sz="1050" dirty="0">
+              <a:solidFill>
+                <a:srgbClr val="7030A0"/>
+              </a:solidFill>
+            </a:endParaRPr>
+          </a:p>
+        </p:txBody>
+      </p:sp>
+      <p:sp>
+        <p:nvSpPr>
+          <p:cNvPr id="63" name="Flowchart: Decision 96"/>
+          <p:cNvSpPr/>
+          <p:nvPr/>
+        </p:nvSpPr>
+        <p:spPr>
+          <a:xfrm>
+            <a:off x="5858751" y="2941676"/>
+            <a:ext cx="236048" cy="173380"/>
+          </a:xfrm>
+          <a:prstGeom prst="flowChartDecision">
+            <a:avLst/>
+          </a:prstGeom>
+          <a:noFill/>
+          <a:ln w="19050">
+            <a:solidFill>
+              <a:srgbClr val="7030A0"/>
+            </a:solidFill>
+          </a:ln>
+          <a:effectLst/>
+        </p:spPr>
+        <p:style>
+          <a:lnRef idx="1">
+            <a:schemeClr val="accent6"/>
+          </a:lnRef>
+          <a:fillRef idx="2">
+            <a:schemeClr val="accent6"/>
+          </a:fillRef>
+          <a:effectRef idx="1">
+            <a:schemeClr val="accent6"/>
+          </a:effectRef>
+          <a:fontRef idx="minor">
+            <a:schemeClr val="dk1"/>
+          </a:fontRef>
+        </p:style>
+        <p:txBody>
+          <a:bodyPr rtlCol="0" anchor="ctr"/>
+          <a:lstStyle/>
+          <a:p>
+            <a:pPr algn="ctr"/>
+            <a:endParaRPr lang="en-US" sz="1050"/>
+          </a:p>
+        </p:txBody>
+      </p:sp>
       <p:cxnSp>
         <p:nvCxnSpPr>
-          <p:cNvPr id="47" name="Straight Arrow Connector 46"/>
+          <p:cNvPr id="64" name="Elbow Connector 63"/>
           <p:cNvCxnSpPr>
-            <a:stCxn id="48" idx="3"/>
-            <a:endCxn id="46" idx="1"/>
+            <a:stCxn id="63" idx="3"/>
+            <a:endCxn id="62" idx="1"/>
           </p:cNvCxnSpPr>
           <p:nvPr/>
         </p:nvCxnSpPr>
         <p:spPr>
           <a:xfrm>
-            <a:off x="2624360" y="3003033"/>
-            <a:ext cx="200920" cy="10557"/>
-          </a:xfrm>
-          <a:prstGeom prst="straightConnector1">
+            <a:off x="6094799" y="3028366"/>
+            <a:ext cx="218878" cy="3080"/>
+          </a:xfrm>
+          <a:prstGeom prst="bentConnector3">
             <a:avLst/>
           </a:prstGeom>
           <a:ln w="19050">
@@ -4052,19 +4256,77 @@
       </p:cxnSp>
       <p:sp>
         <p:nvSpPr>
-          <p:cNvPr id="48" name="Flowchart: Decision 96"/>
+          <p:cNvPr id="76" name="Rectangle 8"/>
           <p:cNvSpPr/>
           <p:nvPr/>
         </p:nvSpPr>
         <p:spPr>
           <a:xfrm>
-            <a:off x="2388312" y="2916343"/>
+            <a:off x="7712397" y="2865764"/>
+            <a:ext cx="708186" cy="285783"/>
+          </a:xfrm>
+          <a:prstGeom prst="rect">
+            <a:avLst/>
+          </a:prstGeom>
+          <a:ln w="19050">
+            <a:solidFill>
+              <a:srgbClr val="7030A0"/>
+            </a:solidFill>
+          </a:ln>
+          <a:effectLst/>
+        </p:spPr>
+        <p:style>
+          <a:lnRef idx="1">
+            <a:schemeClr val="accent4"/>
+          </a:lnRef>
+          <a:fillRef idx="2">
+            <a:schemeClr val="accent4"/>
+          </a:fillRef>
+          <a:effectRef idx="1">
+            <a:schemeClr val="accent4"/>
+          </a:effectRef>
+          <a:fontRef idx="minor">
+            <a:schemeClr val="dk1"/>
+          </a:fontRef>
+        </p:style>
+        <p:txBody>
+          <a:bodyPr rtlCol="0" anchor="ctr"/>
+          <a:lstStyle/>
+          <a:p>
+            <a:pPr algn="ctr"/>
+            <a:r>
+              <a:rPr lang="en-US" sz="1050" dirty="0">
+                <a:solidFill>
+                  <a:srgbClr val="7030A0"/>
+                </a:solidFill>
+              </a:rPr>
+              <a:t>Name</a:t>
+            </a:r>
+            <a:endParaRPr lang="en-SG" sz="1050" dirty="0">
+              <a:solidFill>
+                <a:srgbClr val="7030A0"/>
+              </a:solidFill>
+            </a:endParaRPr>
+          </a:p>
+        </p:txBody>
+      </p:sp>
+      <p:sp>
+        <p:nvSpPr>
+          <p:cNvPr id="78" name="Flowchart: Decision 96"/>
+          <p:cNvSpPr/>
+          <p:nvPr/>
+        </p:nvSpPr>
+        <p:spPr>
+          <a:xfrm>
+            <a:off x="7041947" y="2948201"/>
             <a:ext cx="236048" cy="173380"/>
           </a:xfrm>
           <a:prstGeom prst="flowChartDecision">
             <a:avLst/>
           </a:prstGeom>
-          <a:noFill/>
+          <a:solidFill>
+            <a:srgbClr val="7030A0"/>
+          </a:solidFill>
           <a:ln w="19050">
             <a:solidFill>
               <a:srgbClr val="7030A0"/>
@@ -4095,456 +4357,11 @@
           </a:p>
         </p:txBody>
       </p:sp>
-      <p:sp>
-        <p:nvSpPr>
-          <p:cNvPr id="49" name="Rectangle 8"/>
-          <p:cNvSpPr/>
-          <p:nvPr/>
-        </p:nvSpPr>
-        <p:spPr>
-          <a:xfrm>
-            <a:off x="4692650" y="2846162"/>
-            <a:ext cx="1156969" cy="346760"/>
-          </a:xfrm>
-          <a:prstGeom prst="rect">
-            <a:avLst/>
-          </a:prstGeom>
-          <a:ln w="19050">
-            <a:solidFill>
-              <a:srgbClr val="7030A0"/>
-            </a:solidFill>
-          </a:ln>
-          <a:effectLst/>
-        </p:spPr>
-        <p:style>
-          <a:lnRef idx="1">
-            <a:schemeClr val="accent4"/>
-          </a:lnRef>
-          <a:fillRef idx="2">
-            <a:schemeClr val="accent4"/>
-          </a:fillRef>
-          <a:effectRef idx="1">
-            <a:schemeClr val="accent4"/>
-          </a:effectRef>
-          <a:fontRef idx="minor">
-            <a:schemeClr val="dk1"/>
-          </a:fontRef>
-        </p:style>
-        <p:txBody>
-          <a:bodyPr rtlCol="0" anchor="ctr"/>
-          <a:lstStyle/>
-          <a:p>
-            <a:pPr algn="ctr"/>
-            <a:r>
-              <a:rPr lang="en-US" sz="1050" dirty="0" err="1">
-                <a:solidFill>
-                  <a:srgbClr val="7030A0"/>
-                </a:solidFill>
-              </a:rPr>
-              <a:t>UniquePersonList</a:t>
-            </a:r>
-            <a:endParaRPr lang="en-SG" sz="1050" dirty="0">
-              <a:solidFill>
-                <a:srgbClr val="7030A0"/>
-              </a:solidFill>
-            </a:endParaRPr>
-          </a:p>
-        </p:txBody>
-      </p:sp>
-      <p:sp>
-        <p:nvSpPr>
-          <p:cNvPr id="51" name="Flowchart: Decision 96"/>
-          <p:cNvSpPr/>
-          <p:nvPr/>
-        </p:nvSpPr>
-        <p:spPr>
-          <a:xfrm>
-            <a:off x="4324972" y="2920532"/>
-            <a:ext cx="236048" cy="173380"/>
-          </a:xfrm>
-          <a:prstGeom prst="flowChartDecision">
-            <a:avLst/>
-          </a:prstGeom>
-          <a:solidFill>
-            <a:srgbClr val="7030A0"/>
-          </a:solidFill>
-          <a:ln w="19050">
-            <a:solidFill>
-              <a:srgbClr val="7030A0"/>
-            </a:solidFill>
-          </a:ln>
-          <a:effectLst/>
-        </p:spPr>
-        <p:style>
-          <a:lnRef idx="1">
-            <a:schemeClr val="accent6"/>
-          </a:lnRef>
-          <a:fillRef idx="2">
-            <a:schemeClr val="accent6"/>
-          </a:fillRef>
-          <a:effectRef idx="1">
-            <a:schemeClr val="accent6"/>
-          </a:effectRef>
-          <a:fontRef idx="minor">
-            <a:schemeClr val="dk1"/>
-          </a:fontRef>
-        </p:style>
-        <p:txBody>
-          <a:bodyPr rtlCol="0" anchor="ctr"/>
-          <a:lstStyle/>
-          <a:p>
-            <a:pPr algn="ctr"/>
-            <a:endParaRPr lang="en-US" sz="1050"/>
-          </a:p>
-        </p:txBody>
-      </p:sp>
-      <p:sp>
-        <p:nvSpPr>
-          <p:cNvPr id="62" name="Rectangle 8"/>
-          <p:cNvSpPr/>
-          <p:nvPr/>
-        </p:nvSpPr>
-        <p:spPr>
-          <a:xfrm>
-            <a:off x="6313677" y="2858066"/>
-            <a:ext cx="708186" cy="346760"/>
-          </a:xfrm>
-          <a:prstGeom prst="rect">
-            <a:avLst/>
-          </a:prstGeom>
-          <a:ln w="19050">
-            <a:solidFill>
-              <a:srgbClr val="7030A0"/>
-            </a:solidFill>
-          </a:ln>
-          <a:effectLst/>
-        </p:spPr>
-        <p:style>
-          <a:lnRef idx="1">
-            <a:schemeClr val="accent4"/>
-          </a:lnRef>
-          <a:fillRef idx="2">
-            <a:schemeClr val="accent4"/>
-          </a:fillRef>
-          <a:effectRef idx="1">
-            <a:schemeClr val="accent4"/>
-          </a:effectRef>
-          <a:fontRef idx="minor">
-            <a:schemeClr val="dk1"/>
-          </a:fontRef>
-        </p:style>
-        <p:txBody>
-          <a:bodyPr rtlCol="0" anchor="ctr"/>
-          <a:lstStyle/>
-          <a:p>
-            <a:pPr algn="ctr"/>
-            <a:r>
-              <a:rPr lang="en-US" sz="1050" dirty="0">
-                <a:solidFill>
-                  <a:srgbClr val="7030A0"/>
-                </a:solidFill>
-              </a:rPr>
-              <a:t>Person</a:t>
-            </a:r>
-            <a:endParaRPr lang="en-SG" sz="1050" dirty="0">
-              <a:solidFill>
-                <a:srgbClr val="7030A0"/>
-              </a:solidFill>
-            </a:endParaRPr>
-          </a:p>
-        </p:txBody>
-      </p:sp>
-      <p:sp>
-        <p:nvSpPr>
-          <p:cNvPr id="63" name="Flowchart: Decision 96"/>
-          <p:cNvSpPr/>
-          <p:nvPr/>
-        </p:nvSpPr>
-        <p:spPr>
-          <a:xfrm>
-            <a:off x="5858751" y="2941676"/>
-            <a:ext cx="236048" cy="173380"/>
-          </a:xfrm>
-          <a:prstGeom prst="flowChartDecision">
-            <a:avLst/>
-          </a:prstGeom>
-          <a:noFill/>
-          <a:ln w="19050">
-            <a:solidFill>
-              <a:srgbClr val="7030A0"/>
-            </a:solidFill>
-          </a:ln>
-          <a:effectLst/>
-        </p:spPr>
-        <p:style>
-          <a:lnRef idx="1">
-            <a:schemeClr val="accent6"/>
-          </a:lnRef>
-          <a:fillRef idx="2">
-            <a:schemeClr val="accent6"/>
-          </a:fillRef>
-          <a:effectRef idx="1">
-            <a:schemeClr val="accent6"/>
-          </a:effectRef>
-          <a:fontRef idx="minor">
-            <a:schemeClr val="dk1"/>
-          </a:fontRef>
-        </p:style>
-        <p:txBody>
-          <a:bodyPr rtlCol="0" anchor="ctr"/>
-          <a:lstStyle/>
-          <a:p>
-            <a:pPr algn="ctr"/>
-            <a:endParaRPr lang="en-US" sz="1050"/>
-          </a:p>
-        </p:txBody>
-      </p:sp>
-      <p:cxnSp>
-        <p:nvCxnSpPr>
-          <p:cNvPr id="64" name="Elbow Connector 63"/>
-          <p:cNvCxnSpPr>
-            <a:stCxn id="63" idx="3"/>
-            <a:endCxn id="62" idx="1"/>
-          </p:cNvCxnSpPr>
-          <p:nvPr/>
-        </p:nvCxnSpPr>
-        <p:spPr>
-          <a:xfrm>
-            <a:off x="6094799" y="3028366"/>
-            <a:ext cx="218878" cy="3080"/>
-          </a:xfrm>
-          <a:prstGeom prst="bentConnector3">
-            <a:avLst/>
-          </a:prstGeom>
-          <a:ln w="19050">
-            <a:solidFill>
-              <a:srgbClr val="7030A0"/>
-            </a:solidFill>
-            <a:headEnd type="none" w="med" len="med"/>
-            <a:tailEnd type="arrow" w="med" len="med"/>
-          </a:ln>
-          <a:effectLst/>
-        </p:spPr>
-        <p:style>
-          <a:lnRef idx="1">
-            <a:schemeClr val="accent2"/>
-          </a:lnRef>
-          <a:fillRef idx="2">
-            <a:schemeClr val="accent2"/>
-          </a:fillRef>
-          <a:effectRef idx="1">
-            <a:schemeClr val="accent2"/>
-          </a:effectRef>
-          <a:fontRef idx="minor">
-            <a:schemeClr val="dk1"/>
-          </a:fontRef>
-        </p:style>
-      </p:cxnSp>
-      <p:sp>
-        <p:nvSpPr>
-          <p:cNvPr id="76" name="Rectangle 8"/>
-          <p:cNvSpPr/>
-          <p:nvPr/>
-        </p:nvSpPr>
-        <p:spPr>
-          <a:xfrm>
-            <a:off x="7712397" y="2564238"/>
-            <a:ext cx="708186" cy="285783"/>
-          </a:xfrm>
-          <a:prstGeom prst="rect">
-            <a:avLst/>
-          </a:prstGeom>
-          <a:ln w="19050">
-            <a:solidFill>
-              <a:srgbClr val="7030A0"/>
-            </a:solidFill>
-          </a:ln>
-          <a:effectLst/>
-        </p:spPr>
-        <p:style>
-          <a:lnRef idx="1">
-            <a:schemeClr val="accent4"/>
-          </a:lnRef>
-          <a:fillRef idx="2">
-            <a:schemeClr val="accent4"/>
-          </a:fillRef>
-          <a:effectRef idx="1">
-            <a:schemeClr val="accent4"/>
-          </a:effectRef>
-          <a:fontRef idx="minor">
-            <a:schemeClr val="dk1"/>
-          </a:fontRef>
-        </p:style>
-        <p:txBody>
-          <a:bodyPr rtlCol="0" anchor="ctr"/>
-          <a:lstStyle/>
-          <a:p>
-            <a:pPr algn="ctr"/>
-            <a:r>
-              <a:rPr lang="en-US" sz="1050" dirty="0">
-                <a:solidFill>
-                  <a:srgbClr val="7030A0"/>
-                </a:solidFill>
-              </a:rPr>
-              <a:t>Name</a:t>
-            </a:r>
-            <a:endParaRPr lang="en-SG" sz="1050" dirty="0">
-              <a:solidFill>
-                <a:srgbClr val="7030A0"/>
-              </a:solidFill>
-            </a:endParaRPr>
-          </a:p>
-        </p:txBody>
-      </p:sp>
-      <p:sp>
-        <p:nvSpPr>
-          <p:cNvPr id="78" name="Flowchart: Decision 96"/>
-          <p:cNvSpPr/>
-          <p:nvPr/>
-        </p:nvSpPr>
-        <p:spPr>
-          <a:xfrm>
-            <a:off x="7041947" y="2948201"/>
-            <a:ext cx="236048" cy="173380"/>
-          </a:xfrm>
-          <a:prstGeom prst="flowChartDecision">
-            <a:avLst/>
-          </a:prstGeom>
-          <a:solidFill>
-            <a:srgbClr val="7030A0"/>
-          </a:solidFill>
-          <a:ln w="19050">
-            <a:solidFill>
-              <a:srgbClr val="7030A0"/>
-            </a:solidFill>
-          </a:ln>
-          <a:effectLst/>
-        </p:spPr>
-        <p:style>
-          <a:lnRef idx="1">
-            <a:schemeClr val="accent6"/>
-          </a:lnRef>
-          <a:fillRef idx="2">
-            <a:schemeClr val="accent6"/>
-          </a:fillRef>
-          <a:effectRef idx="1">
-            <a:schemeClr val="accent6"/>
-          </a:effectRef>
-          <a:fontRef idx="minor">
-            <a:schemeClr val="dk1"/>
-          </a:fontRef>
-        </p:style>
-        <p:txBody>
-          <a:bodyPr rtlCol="0" anchor="ctr"/>
-          <a:lstStyle/>
-          <a:p>
-            <a:pPr algn="ctr"/>
-            <a:endParaRPr lang="en-US" sz="1050"/>
-          </a:p>
-        </p:txBody>
-      </p:sp>
-      <p:cxnSp>
-        <p:nvCxnSpPr>
-          <p:cNvPr id="79" name="Elbow Connector 78"/>
-          <p:cNvCxnSpPr>
-            <a:cxnSpLocks/>
-          </p:cNvCxnSpPr>
-          <p:nvPr/>
-        </p:nvCxnSpPr>
-        <p:spPr>
-          <a:xfrm flipV="1">
-            <a:off x="7277995" y="2706821"/>
-            <a:ext cx="434402" cy="327761"/>
-          </a:xfrm>
-          <a:prstGeom prst="bentConnector3">
-            <a:avLst/>
-          </a:prstGeom>
-          <a:ln w="19050">
-            <a:solidFill>
-              <a:srgbClr val="7030A0"/>
-            </a:solidFill>
-            <a:headEnd type="none" w="med" len="med"/>
-            <a:tailEnd type="arrow" w="med" len="med"/>
-          </a:ln>
-          <a:effectLst/>
-        </p:spPr>
-        <p:style>
-          <a:lnRef idx="1">
-            <a:schemeClr val="accent2"/>
-          </a:lnRef>
-          <a:fillRef idx="2">
-            <a:schemeClr val="accent2"/>
-          </a:fillRef>
-          <a:effectRef idx="1">
-            <a:schemeClr val="accent2"/>
-          </a:effectRef>
-          <a:fontRef idx="minor">
-            <a:schemeClr val="dk1"/>
-          </a:fontRef>
-        </p:style>
-      </p:cxnSp>
-      <p:sp>
-        <p:nvSpPr>
-          <p:cNvPr id="80" name="Rectangle 8"/>
-          <p:cNvSpPr/>
-          <p:nvPr/>
-        </p:nvSpPr>
-        <p:spPr>
-          <a:xfrm>
-            <a:off x="7712397" y="2887216"/>
-            <a:ext cx="708186" cy="285783"/>
-          </a:xfrm>
-          <a:prstGeom prst="rect">
-            <a:avLst/>
-          </a:prstGeom>
-          <a:ln w="19050">
-            <a:solidFill>
-              <a:srgbClr val="7030A0"/>
-            </a:solidFill>
-          </a:ln>
-          <a:effectLst/>
-        </p:spPr>
-        <p:style>
-          <a:lnRef idx="1">
-            <a:schemeClr val="accent4"/>
-          </a:lnRef>
-          <a:fillRef idx="2">
-            <a:schemeClr val="accent4"/>
-          </a:fillRef>
-          <a:effectRef idx="1">
-            <a:schemeClr val="accent4"/>
-          </a:effectRef>
-          <a:fontRef idx="minor">
-            <a:schemeClr val="dk1"/>
-          </a:fontRef>
-        </p:style>
-        <p:txBody>
-          <a:bodyPr rtlCol="0" anchor="ctr"/>
-          <a:lstStyle/>
-          <a:p>
-            <a:pPr algn="ctr"/>
-            <a:r>
-              <a:rPr lang="en-US" sz="1050" dirty="0">
-                <a:solidFill>
-                  <a:srgbClr val="7030A0"/>
-                </a:solidFill>
-              </a:rPr>
-              <a:t>Phone</a:t>
-            </a:r>
-            <a:endParaRPr lang="en-SG" sz="1050" dirty="0">
-              <a:solidFill>
-                <a:srgbClr val="7030A0"/>
-              </a:solidFill>
-            </a:endParaRPr>
-          </a:p>
-        </p:txBody>
-      </p:sp>
       <p:cxnSp>
         <p:nvCxnSpPr>
           <p:cNvPr id="81" name="Elbow Connector 80"/>
           <p:cNvCxnSpPr>
             <a:stCxn id="78" idx="3"/>
-            <a:endCxn id="80" idx="1"/>
           </p:cNvCxnSpPr>
           <p:nvPr/>
         </p:nvCxnSpPr>
@@ -4552,200 +4369,6 @@
           <a:xfrm flipV="1">
             <a:off x="7277995" y="3030108"/>
             <a:ext cx="434402" cy="4783"/>
-          </a:xfrm>
-          <a:prstGeom prst="bentConnector3">
-            <a:avLst/>
-          </a:prstGeom>
-          <a:ln w="19050">
-            <a:solidFill>
-              <a:srgbClr val="7030A0"/>
-            </a:solidFill>
-            <a:headEnd type="none" w="med" len="med"/>
-            <a:tailEnd type="arrow" w="med" len="med"/>
-          </a:ln>
-          <a:effectLst/>
-        </p:spPr>
-        <p:style>
-          <a:lnRef idx="1">
-            <a:schemeClr val="accent2"/>
-          </a:lnRef>
-          <a:fillRef idx="2">
-            <a:schemeClr val="accent2"/>
-          </a:fillRef>
-          <a:effectRef idx="1">
-            <a:schemeClr val="accent2"/>
-          </a:effectRef>
-          <a:fontRef idx="minor">
-            <a:schemeClr val="dk1"/>
-          </a:fontRef>
-        </p:style>
-      </p:cxnSp>
-      <p:sp>
-        <p:nvSpPr>
-          <p:cNvPr id="83" name="Rectangle 8"/>
-          <p:cNvSpPr/>
-          <p:nvPr/>
-        </p:nvSpPr>
-        <p:spPr>
-          <a:xfrm>
-            <a:off x="7712397" y="3210194"/>
-            <a:ext cx="708186" cy="285783"/>
-          </a:xfrm>
-          <a:prstGeom prst="rect">
-            <a:avLst/>
-          </a:prstGeom>
-          <a:ln w="19050">
-            <a:solidFill>
-              <a:srgbClr val="7030A0"/>
-            </a:solidFill>
-          </a:ln>
-          <a:effectLst/>
-        </p:spPr>
-        <p:style>
-          <a:lnRef idx="1">
-            <a:schemeClr val="accent4"/>
-          </a:lnRef>
-          <a:fillRef idx="2">
-            <a:schemeClr val="accent4"/>
-          </a:fillRef>
-          <a:effectRef idx="1">
-            <a:schemeClr val="accent4"/>
-          </a:effectRef>
-          <a:fontRef idx="minor">
-            <a:schemeClr val="dk1"/>
-          </a:fontRef>
-        </p:style>
-        <p:txBody>
-          <a:bodyPr rtlCol="0" anchor="ctr"/>
-          <a:lstStyle/>
-          <a:p>
-            <a:pPr algn="ctr"/>
-            <a:r>
-              <a:rPr lang="en-US" sz="1050" dirty="0">
-                <a:solidFill>
-                  <a:srgbClr val="7030A0"/>
-                </a:solidFill>
-              </a:rPr>
-              <a:t>Email</a:t>
-            </a:r>
-            <a:endParaRPr lang="en-SG" sz="1050" dirty="0">
-              <a:solidFill>
-                <a:srgbClr val="7030A0"/>
-              </a:solidFill>
-            </a:endParaRPr>
-          </a:p>
-        </p:txBody>
-      </p:sp>
-      <p:cxnSp>
-        <p:nvCxnSpPr>
-          <p:cNvPr id="84" name="Elbow Connector 83"/>
-          <p:cNvCxnSpPr>
-            <a:stCxn id="78" idx="3"/>
-            <a:endCxn id="83" idx="1"/>
-          </p:cNvCxnSpPr>
-          <p:nvPr/>
-        </p:nvCxnSpPr>
-        <p:spPr>
-          <a:xfrm>
-            <a:off x="7277995" y="3034891"/>
-            <a:ext cx="434402" cy="318195"/>
-          </a:xfrm>
-          <a:prstGeom prst="bentConnector3">
-            <a:avLst/>
-          </a:prstGeom>
-          <a:ln w="19050">
-            <a:solidFill>
-              <a:srgbClr val="7030A0"/>
-            </a:solidFill>
-            <a:headEnd type="none" w="med" len="med"/>
-            <a:tailEnd type="arrow" w="med" len="med"/>
-          </a:ln>
-          <a:effectLst/>
-        </p:spPr>
-        <p:style>
-          <a:lnRef idx="1">
-            <a:schemeClr val="accent2"/>
-          </a:lnRef>
-          <a:fillRef idx="2">
-            <a:schemeClr val="accent2"/>
-          </a:fillRef>
-          <a:effectRef idx="1">
-            <a:schemeClr val="accent2"/>
-          </a:effectRef>
-          <a:fontRef idx="minor">
-            <a:schemeClr val="dk1"/>
-          </a:fontRef>
-        </p:style>
-      </p:cxnSp>
-      <p:sp>
-        <p:nvSpPr>
-          <p:cNvPr id="85" name="Rectangle 8"/>
-          <p:cNvSpPr/>
-          <p:nvPr/>
-        </p:nvSpPr>
-        <p:spPr>
-          <a:xfrm>
-            <a:off x="7712397" y="3533171"/>
-            <a:ext cx="708186" cy="285783"/>
-          </a:xfrm>
-          <a:prstGeom prst="rect">
-            <a:avLst/>
-          </a:prstGeom>
-          <a:ln w="19050">
-            <a:solidFill>
-              <a:srgbClr val="7030A0"/>
-            </a:solidFill>
-          </a:ln>
-          <a:effectLst/>
-        </p:spPr>
-        <p:style>
-          <a:lnRef idx="1">
-            <a:schemeClr val="accent4"/>
-          </a:lnRef>
-          <a:fillRef idx="2">
-            <a:schemeClr val="accent4"/>
-          </a:fillRef>
-          <a:effectRef idx="1">
-            <a:schemeClr val="accent4"/>
-          </a:effectRef>
-          <a:fontRef idx="minor">
-            <a:schemeClr val="dk1"/>
-          </a:fontRef>
-        </p:style>
-        <p:txBody>
-          <a:bodyPr rtlCol="0" anchor="ctr"/>
-          <a:lstStyle/>
-          <a:p>
-            <a:pPr algn="ctr"/>
-            <a:r>
-              <a:rPr lang="en-US" sz="1050" dirty="0">
-                <a:solidFill>
-                  <a:srgbClr val="7030A0"/>
-                </a:solidFill>
-              </a:rPr>
-              <a:t>Address</a:t>
-            </a:r>
-            <a:endParaRPr lang="en-SG" sz="1050" dirty="0">
-              <a:solidFill>
-                <a:srgbClr val="7030A0"/>
-              </a:solidFill>
-            </a:endParaRPr>
-          </a:p>
-        </p:txBody>
-      </p:sp>
-      <p:cxnSp>
-        <p:nvCxnSpPr>
-          <p:cNvPr id="86" name="Elbow Connector 85"/>
-          <p:cNvCxnSpPr>
-            <a:stCxn id="78" idx="3"/>
-            <a:endCxn id="85" idx="1"/>
-          </p:cNvCxnSpPr>
-          <p:nvPr/>
-        </p:nvCxnSpPr>
-        <p:spPr>
-          <a:xfrm>
-            <a:off x="7277995" y="3034891"/>
-            <a:ext cx="434402" cy="641172"/>
           </a:xfrm>
           <a:prstGeom prst="bentConnector3">
             <a:avLst/>
@@ -4921,12 +4544,12 @@
               </a:rPr>
             </a:br>
             <a:r>
-              <a:rPr lang="en-US" sz="1050" dirty="0" err="1">
+              <a:rPr lang="en-US" sz="1050" dirty="0" err="1" smtClean="0">
                 <a:solidFill>
                   <a:srgbClr val="7030A0"/>
                 </a:solidFill>
               </a:rPr>
-              <a:t>ReadOnlyAddressBook</a:t>
+              <a:t>ReadOnlyLibrary</a:t>
             </a:r>
             <a:endParaRPr lang="en-SG" sz="1050" dirty="0">
               <a:solidFill>
@@ -4944,8 +4567,8 @@
         </p:nvSpPr>
         <p:spPr>
           <a:xfrm rot="16200000">
-            <a:off x="6362886" y="3586305"/>
-            <a:ext cx="881018" cy="261610"/>
+            <a:off x="6364735" y="3580160"/>
+            <a:ext cx="949329" cy="369332"/>
           </a:xfrm>
           <a:prstGeom prst="rect">
             <a:avLst/>
@@ -4960,14 +4583,25 @@
           <a:p>
             <a:pPr algn="r"/>
             <a:r>
-              <a:rPr lang="en-US" sz="1100" dirty="0">
+              <a:rPr lang="en-US" sz="900" smtClean="0">
                 <a:solidFill>
                   <a:srgbClr val="7030A0"/>
                 </a:solidFill>
               </a:rPr>
-              <a:t>filtered list</a:t>
-            </a:r>
-            <a:endParaRPr lang="en-SG" sz="1100" dirty="0">
+              <a:t>Filtered</a:t>
+            </a:r>
+          </a:p>
+          <a:p>
+            <a:pPr algn="r"/>
+            <a:r>
+              <a:rPr lang="en-US" sz="900" dirty="0" err="1" smtClean="0">
+                <a:solidFill>
+                  <a:srgbClr val="7030A0"/>
+                </a:solidFill>
+              </a:rPr>
+              <a:t>TrackList</a:t>
+            </a:r>
+            <a:endParaRPr lang="en-SG" sz="900" dirty="0">
               <a:solidFill>
                 <a:srgbClr val="7030A0"/>
               </a:solidFill>
@@ -5104,7 +4738,7 @@
         </p:nvSpPr>
         <p:spPr>
           <a:xfrm>
-            <a:off x="4429979" y="3111479"/>
+            <a:off x="4535143" y="3111479"/>
             <a:ext cx="189257" cy="178683"/>
           </a:xfrm>
           <a:prstGeom prst="rect">
@@ -5176,14 +4810,14 @@
       </p:sp>
       <p:sp>
         <p:nvSpPr>
-          <p:cNvPr id="65" name="TextBox 64"/>
+          <p:cNvPr id="66" name="TextBox 65"/>
           <p:cNvSpPr txBox="1"/>
           <p:nvPr/>
         </p:nvSpPr>
         <p:spPr>
           <a:xfrm>
-            <a:off x="2573394" y="2756715"/>
-            <a:ext cx="170110" cy="137542"/>
+            <a:off x="2707070" y="3667737"/>
+            <a:ext cx="189257" cy="178683"/>
           </a:xfrm>
           <a:prstGeom prst="rect">
             <a:avLst/>
@@ -5215,13 +4849,13 @@
       </p:sp>
       <p:sp>
         <p:nvSpPr>
-          <p:cNvPr id="66" name="TextBox 65"/>
+          <p:cNvPr id="70" name="TextBox 69"/>
           <p:cNvSpPr txBox="1"/>
           <p:nvPr/>
         </p:nvSpPr>
         <p:spPr>
           <a:xfrm>
-            <a:off x="2707070" y="3667737"/>
+            <a:off x="6449896" y="3204826"/>
             <a:ext cx="189257" cy="178683"/>
           </a:xfrm>
           <a:prstGeom prst="rect">
@@ -5254,59 +4888,14 @@
       </p:sp>
       <p:sp>
         <p:nvSpPr>
-          <p:cNvPr id="70" name="TextBox 69"/>
-          <p:cNvSpPr txBox="1"/>
-          <p:nvPr/>
-        </p:nvSpPr>
-        <p:spPr>
-          <a:xfrm>
-            <a:off x="6449896" y="3204826"/>
-            <a:ext cx="189257" cy="178683"/>
-          </a:xfrm>
-          <a:prstGeom prst="rect">
-            <a:avLst/>
-          </a:prstGeom>
-          <a:noFill/>
-        </p:spPr>
-        <p:txBody>
-          <a:bodyPr wrap="square" lIns="0" tIns="0" rIns="0" bIns="0" rtlCol="0">
-            <a:noAutofit/>
-          </a:bodyPr>
-          <a:lstStyle/>
-          <a:p>
-            <a:pPr algn="ctr"/>
-            <a:r>
-              <a:rPr lang="en-US" sz="1100" dirty="0">
-                <a:solidFill>
-                  <a:srgbClr val="7030A0"/>
-                </a:solidFill>
-              </a:rPr>
-              <a:t>1</a:t>
-            </a:r>
-            <a:endParaRPr lang="en-SG" sz="1100" dirty="0">
-              <a:solidFill>
-                <a:srgbClr val="7030A0"/>
-              </a:solidFill>
-            </a:endParaRPr>
-          </a:p>
-        </p:txBody>
-      </p:sp>
-      <p:sp>
-        <p:nvSpPr>
-          <p:cNvPr id="52" name="Rectangle 8">
-            <a:extLst>
-              <a:ext uri="{FF2B5EF4-FFF2-40B4-BE49-F238E27FC236}">
-                <a16:creationId xmlns:a16="http://schemas.microsoft.com/office/drawing/2014/main" id="{ABDCDBD2-131A-4B66-A2F2-43BBEE82C773}"/>
-              </a:ext>
-            </a:extLst>
-          </p:cNvPr>
+          <p:cNvPr id="55" name="Rectangle 8"/>
           <p:cNvSpPr/>
           <p:nvPr/>
         </p:nvSpPr>
         <p:spPr>
           <a:xfrm>
-            <a:off x="7712397" y="2228817"/>
-            <a:ext cx="708186" cy="285783"/>
+            <a:off x="3170181" y="1998350"/>
+            <a:ext cx="1060683" cy="364396"/>
           </a:xfrm>
           <a:prstGeom prst="rect">
             <a:avLst/>
@@ -5338,12 +4927,12 @@
           <a:p>
             <a:pPr algn="ctr"/>
             <a:r>
-              <a:rPr lang="en-US" sz="1050" dirty="0">
+              <a:rPr lang="en-US" sz="1050" dirty="0" smtClean="0">
                 <a:solidFill>
                   <a:srgbClr val="7030A0"/>
                 </a:solidFill>
               </a:rPr>
-              <a:t>Tag</a:t>
+              <a:t>Library</a:t>
             </a:r>
             <a:endParaRPr lang="en-SG" sz="1050" dirty="0">
               <a:solidFill>
@@ -5355,168 +4944,17 @@
       </p:sp>
       <p:cxnSp>
         <p:nvCxnSpPr>
-          <p:cNvPr id="53" name="Elbow Connector 78">
-            <a:extLst>
-              <a:ext uri="{FF2B5EF4-FFF2-40B4-BE49-F238E27FC236}">
-                <a16:creationId xmlns:a16="http://schemas.microsoft.com/office/drawing/2014/main" id="{B97967F8-618A-448B-81FD-CDFD4AF0EC64}"/>
-              </a:ext>
-            </a:extLst>
-          </p:cNvPr>
-          <p:cNvCxnSpPr>
-            <a:cxnSpLocks/>
-            <a:stCxn id="78" idx="3"/>
-            <a:endCxn id="52" idx="1"/>
-          </p:cNvCxnSpPr>
-          <p:nvPr/>
-        </p:nvCxnSpPr>
-        <p:spPr>
-          <a:xfrm flipV="1">
-            <a:off x="7277995" y="2371709"/>
-            <a:ext cx="434402" cy="663182"/>
-          </a:xfrm>
-          <a:prstGeom prst="bentConnector3">
-            <a:avLst>
-              <a:gd name="adj1" fmla="val 50000"/>
-            </a:avLst>
-          </a:prstGeom>
-          <a:ln w="19050">
-            <a:solidFill>
-              <a:srgbClr val="7030A0"/>
-            </a:solidFill>
-            <a:headEnd type="none" w="med" len="med"/>
-            <a:tailEnd type="arrow" w="med" len="med"/>
-          </a:ln>
-          <a:effectLst/>
-        </p:spPr>
-        <p:style>
-          <a:lnRef idx="1">
-            <a:schemeClr val="accent2"/>
-          </a:lnRef>
-          <a:fillRef idx="2">
-            <a:schemeClr val="accent2"/>
-          </a:fillRef>
-          <a:effectRef idx="1">
-            <a:schemeClr val="accent2"/>
-          </a:effectRef>
-          <a:fontRef idx="minor">
-            <a:schemeClr val="dk1"/>
-          </a:fontRef>
-        </p:style>
-      </p:cxnSp>
-      <p:sp>
-        <p:nvSpPr>
-          <p:cNvPr id="50" name="TextBox 49">
-            <a:extLst>
-              <a:ext uri="{FF2B5EF4-FFF2-40B4-BE49-F238E27FC236}">
-                <a16:creationId xmlns:a16="http://schemas.microsoft.com/office/drawing/2014/main" id="{B3FA9D57-880F-49C4-AD0B-A64E30D6F403}"/>
-              </a:ext>
-            </a:extLst>
-          </p:cNvPr>
-          <p:cNvSpPr txBox="1"/>
-          <p:nvPr/>
-        </p:nvSpPr>
-        <p:spPr>
-          <a:xfrm>
-            <a:off x="7466243" y="2255711"/>
-            <a:ext cx="189257" cy="178683"/>
-          </a:xfrm>
-          <a:prstGeom prst="rect">
-            <a:avLst/>
-          </a:prstGeom>
-          <a:noFill/>
-        </p:spPr>
-        <p:txBody>
-          <a:bodyPr wrap="square" lIns="0" tIns="0" rIns="0" bIns="0" rtlCol="0">
-            <a:noAutofit/>
-          </a:bodyPr>
-          <a:lstStyle/>
-          <a:p>
-            <a:pPr algn="ctr"/>
-            <a:r>
-              <a:rPr lang="en-US" sz="1100" dirty="0">
-                <a:solidFill>
-                  <a:srgbClr val="7030A0"/>
-                </a:solidFill>
-              </a:rPr>
-              <a:t>*</a:t>
-            </a:r>
-            <a:endParaRPr lang="en-SG" sz="1100" dirty="0">
-              <a:solidFill>
-                <a:srgbClr val="7030A0"/>
-              </a:solidFill>
-            </a:endParaRPr>
-          </a:p>
-        </p:txBody>
-      </p:sp>
-      <p:sp>
-        <p:nvSpPr>
-          <p:cNvPr id="55" name="Rectangle 8"/>
-          <p:cNvSpPr/>
-          <p:nvPr/>
-        </p:nvSpPr>
-        <p:spPr>
-          <a:xfrm>
-            <a:off x="3170181" y="1998350"/>
-            <a:ext cx="1060683" cy="364396"/>
-          </a:xfrm>
-          <a:prstGeom prst="rect">
-            <a:avLst/>
-          </a:prstGeom>
-          <a:ln w="19050">
-            <a:solidFill>
-              <a:srgbClr val="7030A0"/>
-            </a:solidFill>
-          </a:ln>
-          <a:effectLst/>
-        </p:spPr>
-        <p:style>
-          <a:lnRef idx="1">
-            <a:schemeClr val="accent4"/>
-          </a:lnRef>
-          <a:fillRef idx="2">
-            <a:schemeClr val="accent4"/>
-          </a:fillRef>
-          <a:effectRef idx="1">
-            <a:schemeClr val="accent4"/>
-          </a:effectRef>
-          <a:fontRef idx="minor">
-            <a:schemeClr val="dk1"/>
-          </a:fontRef>
-        </p:style>
-        <p:txBody>
-          <a:bodyPr rtlCol="0" anchor="ctr"/>
-          <a:lstStyle/>
-          <a:p>
-            <a:pPr algn="ctr"/>
-            <a:r>
-              <a:rPr lang="en-US" sz="1050" dirty="0" err="1">
-                <a:solidFill>
-                  <a:srgbClr val="7030A0"/>
-                </a:solidFill>
-              </a:rPr>
-              <a:t>AddressBook</a:t>
-            </a:r>
-            <a:endParaRPr lang="en-SG" sz="1050" dirty="0">
-              <a:solidFill>
-                <a:srgbClr val="7030A0"/>
-              </a:solidFill>
-            </a:endParaRPr>
-          </a:p>
-        </p:txBody>
-      </p:sp>
-      <p:cxnSp>
-        <p:nvCxnSpPr>
           <p:cNvPr id="60" name="Straight Arrow Connector 59"/>
           <p:cNvCxnSpPr>
-            <a:stCxn id="51" idx="1"/>
+            <a:stCxn id="51" idx="3"/>
             <a:endCxn id="49" idx="1"/>
           </p:cNvCxnSpPr>
           <p:nvPr/>
         </p:nvCxnSpPr>
         <p:spPr>
-          <a:xfrm>
-            <a:off x="4324972" y="3007222"/>
-            <a:ext cx="367678" cy="12320"/>
+          <a:xfrm flipV="1">
+            <a:off x="4488091" y="3019542"/>
+            <a:ext cx="204559" cy="2773"/>
           </a:xfrm>
           <a:prstGeom prst="straightConnector1">
             <a:avLst/>
@@ -5641,6 +5079,306 @@
           </a:fontRef>
         </p:style>
       </p:cxnSp>
+      <p:cxnSp>
+        <p:nvCxnSpPr>
+          <p:cNvPr id="56" name="Elbow Connector 55"/>
+          <p:cNvCxnSpPr>
+            <a:cxnSpLocks/>
+          </p:cNvCxnSpPr>
+          <p:nvPr/>
+        </p:nvCxnSpPr>
+        <p:spPr>
+          <a:xfrm flipV="1">
+            <a:off x="2195835" y="3199877"/>
+            <a:ext cx="3062769" cy="780478"/>
+          </a:xfrm>
+          <a:prstGeom prst="bentConnector2">
+            <a:avLst/>
+          </a:prstGeom>
+          <a:ln w="19050">
+            <a:solidFill>
+              <a:srgbClr val="7030A0"/>
+            </a:solidFill>
+            <a:prstDash val="solid"/>
+            <a:headEnd type="none" w="med" len="med"/>
+            <a:tailEnd type="arrow" w="med" len="med"/>
+          </a:ln>
+          <a:effectLst/>
+        </p:spPr>
+        <p:style>
+          <a:lnRef idx="1">
+            <a:schemeClr val="accent2"/>
+          </a:lnRef>
+          <a:fillRef idx="2">
+            <a:schemeClr val="accent2"/>
+          </a:fillRef>
+          <a:effectRef idx="1">
+            <a:schemeClr val="accent2"/>
+          </a:effectRef>
+          <a:fontRef idx="minor">
+            <a:schemeClr val="dk1"/>
+          </a:fontRef>
+        </p:style>
+      </p:cxnSp>
+      <p:sp>
+        <p:nvSpPr>
+          <p:cNvPr id="57" name="TextBox 56"/>
+          <p:cNvSpPr txBox="1"/>
+          <p:nvPr/>
+        </p:nvSpPr>
+        <p:spPr>
+          <a:xfrm rot="16200000">
+            <a:off x="4868007" y="3671979"/>
+            <a:ext cx="1143689" cy="369332"/>
+          </a:xfrm>
+          <a:prstGeom prst="rect">
+            <a:avLst/>
+          </a:prstGeom>
+          <a:noFill/>
+        </p:spPr>
+        <p:txBody>
+          <a:bodyPr wrap="square" rtlCol="0">
+            <a:spAutoFit/>
+          </a:bodyPr>
+          <a:lstStyle/>
+          <a:p>
+            <a:pPr algn="r"/>
+            <a:r>
+              <a:rPr lang="en-US" sz="900" smtClean="0">
+                <a:solidFill>
+                  <a:srgbClr val="7030A0"/>
+                </a:solidFill>
+              </a:rPr>
+              <a:t>Filtered</a:t>
+            </a:r>
+          </a:p>
+          <a:p>
+            <a:pPr algn="r"/>
+            <a:r>
+              <a:rPr lang="en-US" sz="900" dirty="0" err="1" smtClean="0">
+                <a:solidFill>
+                  <a:srgbClr val="7030A0"/>
+                </a:solidFill>
+              </a:rPr>
+              <a:t>PlaylistList</a:t>
+            </a:r>
+            <a:endParaRPr lang="en-SG" sz="900" dirty="0">
+              <a:solidFill>
+                <a:srgbClr val="7030A0"/>
+              </a:solidFill>
+            </a:endParaRPr>
+          </a:p>
+        </p:txBody>
+      </p:sp>
+      <p:sp>
+        <p:nvSpPr>
+          <p:cNvPr id="59" name="TextBox 58"/>
+          <p:cNvSpPr txBox="1"/>
+          <p:nvPr/>
+        </p:nvSpPr>
+        <p:spPr>
+          <a:xfrm>
+            <a:off x="4990879" y="3195460"/>
+            <a:ext cx="316917" cy="178683"/>
+          </a:xfrm>
+          <a:prstGeom prst="rect">
+            <a:avLst/>
+          </a:prstGeom>
+          <a:noFill/>
+        </p:spPr>
+        <p:txBody>
+          <a:bodyPr wrap="square" lIns="0" tIns="0" rIns="0" bIns="0" rtlCol="0">
+            <a:noAutofit/>
+          </a:bodyPr>
+          <a:lstStyle/>
+          <a:p>
+            <a:pPr algn="ctr"/>
+            <a:r>
+              <a:rPr lang="en-US" sz="1100" dirty="0">
+                <a:solidFill>
+                  <a:srgbClr val="7030A0"/>
+                </a:solidFill>
+              </a:rPr>
+              <a:t>1</a:t>
+            </a:r>
+            <a:endParaRPr lang="en-SG" sz="1100" dirty="0">
+              <a:solidFill>
+                <a:srgbClr val="7030A0"/>
+              </a:solidFill>
+            </a:endParaRPr>
+          </a:p>
+        </p:txBody>
+      </p:sp>
+      <p:sp>
+        <p:nvSpPr>
+          <p:cNvPr id="71" name="TextBox 70"/>
+          <p:cNvSpPr txBox="1"/>
+          <p:nvPr/>
+        </p:nvSpPr>
+        <p:spPr>
+          <a:xfrm>
+            <a:off x="3168002" y="2362200"/>
+            <a:ext cx="279638" cy="243710"/>
+          </a:xfrm>
+          <a:prstGeom prst="rect">
+            <a:avLst/>
+          </a:prstGeom>
+          <a:noFill/>
+        </p:spPr>
+        <p:txBody>
+          <a:bodyPr wrap="square" lIns="0" tIns="0" rIns="0" bIns="0" rtlCol="0">
+            <a:noAutofit/>
+          </a:bodyPr>
+          <a:lstStyle/>
+          <a:p>
+            <a:r>
+              <a:rPr lang="en-US" sz="1100" smtClean="0">
+                <a:solidFill>
+                  <a:srgbClr val="7030A0"/>
+                </a:solidFill>
+              </a:rPr>
+              <a:t>1 </a:t>
+            </a:r>
+            <a:endParaRPr lang="en-SG" sz="1100" dirty="0">
+              <a:solidFill>
+                <a:srgbClr val="7030A0"/>
+              </a:solidFill>
+            </a:endParaRPr>
+          </a:p>
+        </p:txBody>
+      </p:sp>
+      <p:sp>
+        <p:nvSpPr>
+          <p:cNvPr id="73" name="Flowchart: Decision 96"/>
+          <p:cNvSpPr/>
+          <p:nvPr/>
+        </p:nvSpPr>
+        <p:spPr>
+          <a:xfrm>
+            <a:off x="2354752" y="3178954"/>
+            <a:ext cx="236048" cy="173380"/>
+          </a:xfrm>
+          <a:prstGeom prst="flowChartDecision">
+            <a:avLst/>
+          </a:prstGeom>
+          <a:solidFill>
+            <a:srgbClr val="7030A0"/>
+          </a:solidFill>
+          <a:ln w="19050">
+            <a:solidFill>
+              <a:srgbClr val="7030A0"/>
+            </a:solidFill>
+          </a:ln>
+          <a:effectLst/>
+        </p:spPr>
+        <p:style>
+          <a:lnRef idx="1">
+            <a:schemeClr val="accent6"/>
+          </a:lnRef>
+          <a:fillRef idx="2">
+            <a:schemeClr val="accent6"/>
+          </a:fillRef>
+          <a:effectRef idx="1">
+            <a:schemeClr val="accent6"/>
+          </a:effectRef>
+          <a:fontRef idx="minor">
+            <a:schemeClr val="dk1"/>
+          </a:fontRef>
+        </p:style>
+        <p:txBody>
+          <a:bodyPr rtlCol="0" anchor="ctr"/>
+          <a:lstStyle/>
+          <a:p>
+            <a:pPr algn="ctr"/>
+            <a:endParaRPr lang="en-US" sz="1050"/>
+          </a:p>
+        </p:txBody>
+      </p:sp>
+      <p:cxnSp>
+        <p:nvCxnSpPr>
+          <p:cNvPr id="87" name="Elbow Connector 86"/>
+          <p:cNvCxnSpPr>
+            <a:cxnSpLocks/>
+            <a:stCxn id="73" idx="3"/>
+            <a:endCxn id="71" idx="0"/>
+          </p:cNvCxnSpPr>
+          <p:nvPr/>
+        </p:nvCxnSpPr>
+        <p:spPr>
+          <a:xfrm flipV="1">
+            <a:off x="2590800" y="2362200"/>
+            <a:ext cx="717021" cy="903444"/>
+          </a:xfrm>
+          <a:prstGeom prst="bentConnector4">
+            <a:avLst>
+              <a:gd name="adj1" fmla="val 40250"/>
+              <a:gd name="adj2" fmla="val 69597"/>
+            </a:avLst>
+          </a:prstGeom>
+          <a:ln w="19050">
+            <a:solidFill>
+              <a:srgbClr val="7030A0"/>
+            </a:solidFill>
+            <a:prstDash val="solid"/>
+            <a:headEnd type="none" w="med" len="med"/>
+            <a:tailEnd type="arrow" w="med" len="med"/>
+          </a:ln>
+          <a:effectLst/>
+        </p:spPr>
+        <p:style>
+          <a:lnRef idx="1">
+            <a:schemeClr val="accent2"/>
+          </a:lnRef>
+          <a:fillRef idx="2">
+            <a:schemeClr val="accent2"/>
+          </a:fillRef>
+          <a:effectRef idx="1">
+            <a:schemeClr val="accent2"/>
+          </a:effectRef>
+          <a:fontRef idx="minor">
+            <a:schemeClr val="dk1"/>
+          </a:fontRef>
+        </p:style>
+      </p:cxnSp>
+      <p:sp>
+        <p:nvSpPr>
+          <p:cNvPr id="102" name="TextBox 101"/>
+          <p:cNvSpPr txBox="1"/>
+          <p:nvPr/>
+        </p:nvSpPr>
+        <p:spPr>
+          <a:xfrm>
+            <a:off x="7467600" y="3141487"/>
+            <a:ext cx="244385" cy="211313"/>
+          </a:xfrm>
+          <a:prstGeom prst="rect">
+            <a:avLst/>
+          </a:prstGeom>
+          <a:noFill/>
+        </p:spPr>
+        <p:txBody>
+          <a:bodyPr wrap="square" lIns="0" tIns="0" rIns="0" bIns="0" rtlCol="0">
+            <a:noAutofit/>
+          </a:bodyPr>
+          <a:lstStyle/>
+          <a:p>
+            <a:pPr algn="ctr"/>
+            <a:r>
+              <a:rPr lang="en-US" sz="1100" dirty="0">
+                <a:solidFill>
+                  <a:srgbClr val="7030A0"/>
+                </a:solidFill>
+              </a:rPr>
+              <a:t>1</a:t>
+            </a:r>
+            <a:endParaRPr lang="en-SG" sz="1100" dirty="0">
+              <a:solidFill>
+                <a:srgbClr val="7030A0"/>
+              </a:solidFill>
+            </a:endParaRPr>
+          </a:p>
+        </p:txBody>
+      </p:sp>
     </p:spTree>
     <p:extLst>
       <p:ext uri="{BB962C8B-B14F-4D97-AF65-F5344CB8AC3E}">

--- a/docs/diagrams/ModelComponentClassDiagram.pptx
+++ b/docs/diagrams/ModelComponentClassDiagram.pptx
@@ -208,7 +208,7 @@
           <a:p>
             <a:fld id="{F5CC4B3F-88C1-4FFA-B1B6-F41C21DC6924}" type="datetimeFigureOut">
               <a:rPr lang="en-US" smtClean="0"/>
-              <a:t>10/14/2018</a:t>
+              <a:t>11/5/2018</a:t>
             </a:fld>
             <a:endParaRPr lang="en-US"/>
           </a:p>
@@ -654,7 +654,7 @@
           <a:p>
             <a:fld id="{78C97017-6FC3-485B-9764-EAC9E56C1D49}" type="datetimeFigureOut">
               <a:rPr lang="en-US" smtClean="0"/>
-              <a:t>10/14/2018</a:t>
+              <a:t>11/5/2018</a:t>
             </a:fld>
             <a:endParaRPr lang="en-US"/>
           </a:p>
@@ -822,7 +822,7 @@
           <a:p>
             <a:fld id="{78C97017-6FC3-485B-9764-EAC9E56C1D49}" type="datetimeFigureOut">
               <a:rPr lang="en-US" smtClean="0"/>
-              <a:t>10/14/2018</a:t>
+              <a:t>11/5/2018</a:t>
             </a:fld>
             <a:endParaRPr lang="en-US"/>
           </a:p>
@@ -1000,7 +1000,7 @@
           <a:p>
             <a:fld id="{78C97017-6FC3-485B-9764-EAC9E56C1D49}" type="datetimeFigureOut">
               <a:rPr lang="en-US" smtClean="0"/>
-              <a:t>10/14/2018</a:t>
+              <a:t>11/5/2018</a:t>
             </a:fld>
             <a:endParaRPr lang="en-US"/>
           </a:p>
@@ -1168,7 +1168,7 @@
           <a:p>
             <a:fld id="{78C97017-6FC3-485B-9764-EAC9E56C1D49}" type="datetimeFigureOut">
               <a:rPr lang="en-US" smtClean="0"/>
-              <a:t>10/14/2018</a:t>
+              <a:t>11/5/2018</a:t>
             </a:fld>
             <a:endParaRPr lang="en-US"/>
           </a:p>
@@ -1413,7 +1413,7 @@
           <a:p>
             <a:fld id="{78C97017-6FC3-485B-9764-EAC9E56C1D49}" type="datetimeFigureOut">
               <a:rPr lang="en-US" smtClean="0"/>
-              <a:t>10/14/2018</a:t>
+              <a:t>11/5/2018</a:t>
             </a:fld>
             <a:endParaRPr lang="en-US"/>
           </a:p>
@@ -1698,7 +1698,7 @@
           <a:p>
             <a:fld id="{78C97017-6FC3-485B-9764-EAC9E56C1D49}" type="datetimeFigureOut">
               <a:rPr lang="en-US" smtClean="0"/>
-              <a:t>10/14/2018</a:t>
+              <a:t>11/5/2018</a:t>
             </a:fld>
             <a:endParaRPr lang="en-US"/>
           </a:p>
@@ -2117,7 +2117,7 @@
           <a:p>
             <a:fld id="{78C97017-6FC3-485B-9764-EAC9E56C1D49}" type="datetimeFigureOut">
               <a:rPr lang="en-US" smtClean="0"/>
-              <a:t>10/14/2018</a:t>
+              <a:t>11/5/2018</a:t>
             </a:fld>
             <a:endParaRPr lang="en-US"/>
           </a:p>
@@ -2234,7 +2234,7 @@
           <a:p>
             <a:fld id="{78C97017-6FC3-485B-9764-EAC9E56C1D49}" type="datetimeFigureOut">
               <a:rPr lang="en-US" smtClean="0"/>
-              <a:t>10/14/2018</a:t>
+              <a:t>11/5/2018</a:t>
             </a:fld>
             <a:endParaRPr lang="en-US"/>
           </a:p>
@@ -2329,7 +2329,7 @@
           <a:p>
             <a:fld id="{78C97017-6FC3-485B-9764-EAC9E56C1D49}" type="datetimeFigureOut">
               <a:rPr lang="en-US" smtClean="0"/>
-              <a:t>10/14/2018</a:t>
+              <a:t>11/5/2018</a:t>
             </a:fld>
             <a:endParaRPr lang="en-US"/>
           </a:p>
@@ -2604,7 +2604,7 @@
           <a:p>
             <a:fld id="{78C97017-6FC3-485B-9764-EAC9E56C1D49}" type="datetimeFigureOut">
               <a:rPr lang="en-US" smtClean="0"/>
-              <a:t>10/14/2018</a:t>
+              <a:t>11/5/2018</a:t>
             </a:fld>
             <a:endParaRPr lang="en-US"/>
           </a:p>
@@ -2856,7 +2856,7 @@
           <a:p>
             <a:fld id="{78C97017-6FC3-485B-9764-EAC9E56C1D49}" type="datetimeFigureOut">
               <a:rPr lang="en-US" smtClean="0"/>
-              <a:t>10/14/2018</a:t>
+              <a:t>11/5/2018</a:t>
             </a:fld>
             <a:endParaRPr lang="en-US"/>
           </a:p>
@@ -3067,7 +3067,7 @@
           <a:p>
             <a:fld id="{78C97017-6FC3-485B-9764-EAC9E56C1D49}" type="datetimeFigureOut">
               <a:rPr lang="en-US" smtClean="0"/>
-              <a:t>10/14/2018</a:t>
+              <a:t>11/5/2018</a:t>
             </a:fld>
             <a:endParaRPr lang="en-US"/>
           </a:p>
@@ -5098,7 +5098,7 @@
         </p:nvSpPr>
         <p:spPr>
           <a:xfrm>
-            <a:off x="4429979" y="3111479"/>
+            <a:off x="4535143" y="3048000"/>
             <a:ext cx="189257" cy="178683"/>
           </a:xfrm>
           <a:prstGeom prst="rect">
@@ -5176,7 +5176,7 @@
         </p:nvSpPr>
         <p:spPr>
           <a:xfrm>
-            <a:off x="2573394" y="2756715"/>
+            <a:off x="2650717" y="2782616"/>
             <a:ext cx="170110" cy="137542"/>
           </a:xfrm>
           <a:prstGeom prst="rect">

--- a/docs/diagrams/ModelComponentClassDiagram.pptx
+++ b/docs/diagrams/ModelComponentClassDiagram.pptx
@@ -5921,7 +5921,7 @@
         </p:nvSpPr>
         <p:spPr>
           <a:xfrm>
-            <a:off x="6248400" y="2209800"/>
+            <a:off x="6324600" y="2209800"/>
             <a:ext cx="189257" cy="178683"/>
           </a:xfrm>
           <a:prstGeom prst="rect">
@@ -6264,8 +6264,8 @@
         </p:nvSpPr>
         <p:spPr>
           <a:xfrm>
-            <a:off x="6078908" y="2347620"/>
-            <a:ext cx="708186" cy="346760"/>
+            <a:off x="6078907" y="2347620"/>
+            <a:ext cx="893633" cy="328141"/>
           </a:xfrm>
           <a:prstGeom prst="rect">
             <a:avLst/>
@@ -6297,12 +6297,12 @@
           <a:p>
             <a:pPr algn="ctr"/>
             <a:r>
-              <a:rPr lang="en-US" sz="1050" dirty="0">
+              <a:rPr lang="en-US" sz="1050" dirty="0" err="1">
                 <a:solidFill>
                   <a:srgbClr val="7030A0"/>
                 </a:solidFill>
               </a:rPr>
-              <a:t>Poll</a:t>
+              <a:t>AbstractPoll</a:t>
             </a:r>
             <a:endParaRPr lang="en-SG" sz="1050" dirty="0">
               <a:solidFill>
@@ -6380,12 +6380,12 @@
         </p:nvCxnSpPr>
         <p:spPr>
           <a:xfrm flipH="1">
-            <a:off x="6433001" y="1713340"/>
-            <a:ext cx="465238" cy="634280"/>
+            <a:off x="6525724" y="1713340"/>
+            <a:ext cx="372515" cy="634280"/>
           </a:xfrm>
           <a:prstGeom prst="bentConnector4">
             <a:avLst>
-              <a:gd name="adj1" fmla="val -49136"/>
+              <a:gd name="adj1" fmla="val -61367"/>
               <a:gd name="adj2" fmla="val 56834"/>
             </a:avLst>
           </a:prstGeom>
@@ -6525,8 +6525,8 @@
         </p:nvCxnSpPr>
         <p:spPr>
           <a:xfrm rot="10800000" flipV="1">
-            <a:off x="5802718" y="2521000"/>
-            <a:ext cx="276191" cy="318258"/>
+            <a:off x="5802719" y="2511691"/>
+            <a:ext cx="276188" cy="327566"/>
           </a:xfrm>
           <a:prstGeom prst="bentConnector2">
             <a:avLst/>

--- a/docs/diagrams/ModelComponentClassDiagram.pptx
+++ b/docs/diagrams/ModelComponentClassDiagram.pptx
@@ -208,7 +208,7 @@
           <a:p>
             <a:fld id="{F5CC4B3F-88C1-4FFA-B1B6-F41C21DC6924}" type="datetimeFigureOut">
               <a:rPr lang="en-US" smtClean="0"/>
-              <a:t>6/27/2018</a:t>
+              <a:t>11/6/2018</a:t>
             </a:fld>
             <a:endParaRPr lang="en-US"/>
           </a:p>
@@ -654,7 +654,7 @@
           <a:p>
             <a:fld id="{78C97017-6FC3-485B-9764-EAC9E56C1D49}" type="datetimeFigureOut">
               <a:rPr lang="en-US" smtClean="0"/>
-              <a:t>6/27/2018</a:t>
+              <a:t>11/6/2018</a:t>
             </a:fld>
             <a:endParaRPr lang="en-US"/>
           </a:p>
@@ -822,7 +822,7 @@
           <a:p>
             <a:fld id="{78C97017-6FC3-485B-9764-EAC9E56C1D49}" type="datetimeFigureOut">
               <a:rPr lang="en-US" smtClean="0"/>
-              <a:t>6/27/2018</a:t>
+              <a:t>11/6/2018</a:t>
             </a:fld>
             <a:endParaRPr lang="en-US"/>
           </a:p>
@@ -1000,7 +1000,7 @@
           <a:p>
             <a:fld id="{78C97017-6FC3-485B-9764-EAC9E56C1D49}" type="datetimeFigureOut">
               <a:rPr lang="en-US" smtClean="0"/>
-              <a:t>6/27/2018</a:t>
+              <a:t>11/6/2018</a:t>
             </a:fld>
             <a:endParaRPr lang="en-US"/>
           </a:p>
@@ -1168,7 +1168,7 @@
           <a:p>
             <a:fld id="{78C97017-6FC3-485B-9764-EAC9E56C1D49}" type="datetimeFigureOut">
               <a:rPr lang="en-US" smtClean="0"/>
-              <a:t>6/27/2018</a:t>
+              <a:t>11/6/2018</a:t>
             </a:fld>
             <a:endParaRPr lang="en-US"/>
           </a:p>
@@ -1413,7 +1413,7 @@
           <a:p>
             <a:fld id="{78C97017-6FC3-485B-9764-EAC9E56C1D49}" type="datetimeFigureOut">
               <a:rPr lang="en-US" smtClean="0"/>
-              <a:t>6/27/2018</a:t>
+              <a:t>11/6/2018</a:t>
             </a:fld>
             <a:endParaRPr lang="en-US"/>
           </a:p>
@@ -1698,7 +1698,7 @@
           <a:p>
             <a:fld id="{78C97017-6FC3-485B-9764-EAC9E56C1D49}" type="datetimeFigureOut">
               <a:rPr lang="en-US" smtClean="0"/>
-              <a:t>6/27/2018</a:t>
+              <a:t>11/6/2018</a:t>
             </a:fld>
             <a:endParaRPr lang="en-US"/>
           </a:p>
@@ -2117,7 +2117,7 @@
           <a:p>
             <a:fld id="{78C97017-6FC3-485B-9764-EAC9E56C1D49}" type="datetimeFigureOut">
               <a:rPr lang="en-US" smtClean="0"/>
-              <a:t>6/27/2018</a:t>
+              <a:t>11/6/2018</a:t>
             </a:fld>
             <a:endParaRPr lang="en-US"/>
           </a:p>
@@ -2234,7 +2234,7 @@
           <a:p>
             <a:fld id="{78C97017-6FC3-485B-9764-EAC9E56C1D49}" type="datetimeFigureOut">
               <a:rPr lang="en-US" smtClean="0"/>
-              <a:t>6/27/2018</a:t>
+              <a:t>11/6/2018</a:t>
             </a:fld>
             <a:endParaRPr lang="en-US"/>
           </a:p>
@@ -2329,7 +2329,7 @@
           <a:p>
             <a:fld id="{78C97017-6FC3-485B-9764-EAC9E56C1D49}" type="datetimeFigureOut">
               <a:rPr lang="en-US" smtClean="0"/>
-              <a:t>6/27/2018</a:t>
+              <a:t>11/6/2018</a:t>
             </a:fld>
             <a:endParaRPr lang="en-US"/>
           </a:p>
@@ -2604,7 +2604,7 @@
           <a:p>
             <a:fld id="{78C97017-6FC3-485B-9764-EAC9E56C1D49}" type="datetimeFigureOut">
               <a:rPr lang="en-US" smtClean="0"/>
-              <a:t>6/27/2018</a:t>
+              <a:t>11/6/2018</a:t>
             </a:fld>
             <a:endParaRPr lang="en-US"/>
           </a:p>
@@ -2856,7 +2856,7 @@
           <a:p>
             <a:fld id="{78C97017-6FC3-485B-9764-EAC9E56C1D49}" type="datetimeFigureOut">
               <a:rPr lang="en-US" smtClean="0"/>
-              <a:t>6/27/2018</a:t>
+              <a:t>11/6/2018</a:t>
             </a:fld>
             <a:endParaRPr lang="en-US"/>
           </a:p>
@@ -3067,7 +3067,7 @@
           <a:p>
             <a:fld id="{78C97017-6FC3-485B-9764-EAC9E56C1D49}" type="datetimeFigureOut">
               <a:rPr lang="en-US" smtClean="0"/>
-              <a:t>6/27/2018</a:t>
+              <a:t>11/6/2018</a:t>
             </a:fld>
             <a:endParaRPr lang="en-US"/>
           </a:p>
@@ -3547,7 +3547,7 @@
           <a:p>
             <a:pPr algn="ctr"/>
             <a:r>
-              <a:rPr lang="en-US" sz="1050" dirty="0" err="1">
+              <a:rPr lang="en-US" sz="1050" dirty="0">
                 <a:solidFill>
                   <a:schemeClr val="bg1"/>
                 </a:solidFill>
@@ -3606,7 +3606,7 @@
           <a:p>
             <a:pPr algn="ctr"/>
             <a:r>
-              <a:rPr lang="en-US" sz="1050" dirty="0" err="1">
+              <a:rPr lang="en-US" sz="1050" dirty="0">
                 <a:solidFill>
                   <a:schemeClr val="bg1"/>
                 </a:solidFill>
@@ -3994,12 +3994,12 @@
           <a:p>
             <a:pPr algn="ctr"/>
             <a:r>
-              <a:rPr lang="en-US" sz="1050" dirty="0" err="1" smtClean="0">
+              <a:rPr lang="en-US" sz="1050" dirty="0">
                 <a:solidFill>
                   <a:srgbClr val="7030A0"/>
                 </a:solidFill>
               </a:rPr>
-              <a:t>VersionedAddressBook</a:t>
+              <a:t>VersionedArticleList</a:t>
             </a:r>
             <a:endParaRPr lang="en-SG" sz="1050" dirty="0">
               <a:solidFill>
@@ -4136,12 +4136,12 @@
           <a:p>
             <a:pPr algn="ctr"/>
             <a:r>
-              <a:rPr lang="en-US" sz="1050" dirty="0" err="1">
+              <a:rPr lang="en-US" sz="1050" dirty="0">
                 <a:solidFill>
                   <a:srgbClr val="7030A0"/>
                 </a:solidFill>
               </a:rPr>
-              <a:t>UniquePersonList</a:t>
+              <a:t>UniqueArticleList</a:t>
             </a:r>
             <a:endParaRPr lang="en-SG" sz="1050" dirty="0">
               <a:solidFill>
@@ -4244,7 +4244,7 @@
                   <a:srgbClr val="7030A0"/>
                 </a:solidFill>
               </a:rPr>
-              <a:t>Person</a:t>
+              <a:t>Article</a:t>
             </a:r>
             <a:endParaRPr lang="en-SG" sz="1050" dirty="0">
               <a:solidFill>
@@ -4342,62 +4342,6 @@
       </p:cxnSp>
       <p:sp>
         <p:nvSpPr>
-          <p:cNvPr id="76" name="Rectangle 8"/>
-          <p:cNvSpPr/>
-          <p:nvPr/>
-        </p:nvSpPr>
-        <p:spPr>
-          <a:xfrm>
-            <a:off x="7712397" y="2564238"/>
-            <a:ext cx="708186" cy="285783"/>
-          </a:xfrm>
-          <a:prstGeom prst="rect">
-            <a:avLst/>
-          </a:prstGeom>
-          <a:ln w="19050">
-            <a:solidFill>
-              <a:srgbClr val="7030A0"/>
-            </a:solidFill>
-          </a:ln>
-          <a:effectLst/>
-        </p:spPr>
-        <p:style>
-          <a:lnRef idx="1">
-            <a:schemeClr val="accent4"/>
-          </a:lnRef>
-          <a:fillRef idx="2">
-            <a:schemeClr val="accent4"/>
-          </a:fillRef>
-          <a:effectRef idx="1">
-            <a:schemeClr val="accent4"/>
-          </a:effectRef>
-          <a:fontRef idx="minor">
-            <a:schemeClr val="dk1"/>
-          </a:fontRef>
-        </p:style>
-        <p:txBody>
-          <a:bodyPr rtlCol="0" anchor="ctr"/>
-          <a:lstStyle/>
-          <a:p>
-            <a:pPr algn="ctr"/>
-            <a:r>
-              <a:rPr lang="en-US" sz="1050" dirty="0">
-                <a:solidFill>
-                  <a:srgbClr val="7030A0"/>
-                </a:solidFill>
-              </a:rPr>
-              <a:t>Name</a:t>
-            </a:r>
-            <a:endParaRPr lang="en-SG" sz="1050" dirty="0">
-              <a:solidFill>
-                <a:srgbClr val="7030A0"/>
-              </a:solidFill>
-            </a:endParaRPr>
-          </a:p>
-        </p:txBody>
-      </p:sp>
-      <p:sp>
-        <p:nvSpPr>
           <p:cNvPr id="78" name="Flowchart: Decision 96"/>
           <p:cNvSpPr/>
           <p:nvPr/>
@@ -4453,8 +4397,8 @@
         </p:nvCxnSpPr>
         <p:spPr>
           <a:xfrm flipV="1">
-            <a:off x="7277995" y="2706821"/>
-            <a:ext cx="434402" cy="327761"/>
+            <a:off x="7277994" y="2607090"/>
+            <a:ext cx="434402" cy="434393"/>
           </a:xfrm>
           <a:prstGeom prst="bentConnector3">
             <a:avLst/>
@@ -4483,68 +4427,12 @@
           </a:fontRef>
         </p:style>
       </p:cxnSp>
-      <p:sp>
-        <p:nvSpPr>
-          <p:cNvPr id="80" name="Rectangle 8"/>
-          <p:cNvSpPr/>
-          <p:nvPr/>
-        </p:nvSpPr>
-        <p:spPr>
-          <a:xfrm>
-            <a:off x="7712397" y="2887216"/>
-            <a:ext cx="708186" cy="285783"/>
-          </a:xfrm>
-          <a:prstGeom prst="rect">
-            <a:avLst/>
-          </a:prstGeom>
-          <a:ln w="19050">
-            <a:solidFill>
-              <a:srgbClr val="7030A0"/>
-            </a:solidFill>
-          </a:ln>
-          <a:effectLst/>
-        </p:spPr>
-        <p:style>
-          <a:lnRef idx="1">
-            <a:schemeClr val="accent4"/>
-          </a:lnRef>
-          <a:fillRef idx="2">
-            <a:schemeClr val="accent4"/>
-          </a:fillRef>
-          <a:effectRef idx="1">
-            <a:schemeClr val="accent4"/>
-          </a:effectRef>
-          <a:fontRef idx="minor">
-            <a:schemeClr val="dk1"/>
-          </a:fontRef>
-        </p:style>
-        <p:txBody>
-          <a:bodyPr rtlCol="0" anchor="ctr"/>
-          <a:lstStyle/>
-          <a:p>
-            <a:pPr algn="ctr"/>
-            <a:r>
-              <a:rPr lang="en-US" sz="1050" dirty="0">
-                <a:solidFill>
-                  <a:srgbClr val="7030A0"/>
-                </a:solidFill>
-              </a:rPr>
-              <a:t>Phone</a:t>
-            </a:r>
-            <a:endParaRPr lang="en-SG" sz="1050" dirty="0">
-              <a:solidFill>
-                <a:srgbClr val="7030A0"/>
-              </a:solidFill>
-            </a:endParaRPr>
-          </a:p>
-        </p:txBody>
-      </p:sp>
       <p:cxnSp>
         <p:nvCxnSpPr>
           <p:cNvPr id="81" name="Elbow Connector 80"/>
           <p:cNvCxnSpPr>
+            <a:cxnSpLocks/>
             <a:stCxn id="78" idx="3"/>
-            <a:endCxn id="80" idx="1"/>
           </p:cNvCxnSpPr>
           <p:nvPr/>
         </p:nvCxnSpPr>
@@ -4580,68 +4468,12 @@
           </a:fontRef>
         </p:style>
       </p:cxnSp>
-      <p:sp>
-        <p:nvSpPr>
-          <p:cNvPr id="83" name="Rectangle 8"/>
-          <p:cNvSpPr/>
-          <p:nvPr/>
-        </p:nvSpPr>
-        <p:spPr>
-          <a:xfrm>
-            <a:off x="7712397" y="3210194"/>
-            <a:ext cx="708186" cy="285783"/>
-          </a:xfrm>
-          <a:prstGeom prst="rect">
-            <a:avLst/>
-          </a:prstGeom>
-          <a:ln w="19050">
-            <a:solidFill>
-              <a:srgbClr val="7030A0"/>
-            </a:solidFill>
-          </a:ln>
-          <a:effectLst/>
-        </p:spPr>
-        <p:style>
-          <a:lnRef idx="1">
-            <a:schemeClr val="accent4"/>
-          </a:lnRef>
-          <a:fillRef idx="2">
-            <a:schemeClr val="accent4"/>
-          </a:fillRef>
-          <a:effectRef idx="1">
-            <a:schemeClr val="accent4"/>
-          </a:effectRef>
-          <a:fontRef idx="minor">
-            <a:schemeClr val="dk1"/>
-          </a:fontRef>
-        </p:style>
-        <p:txBody>
-          <a:bodyPr rtlCol="0" anchor="ctr"/>
-          <a:lstStyle/>
-          <a:p>
-            <a:pPr algn="ctr"/>
-            <a:r>
-              <a:rPr lang="en-US" sz="1050" dirty="0">
-                <a:solidFill>
-                  <a:srgbClr val="7030A0"/>
-                </a:solidFill>
-              </a:rPr>
-              <a:t>Email</a:t>
-            </a:r>
-            <a:endParaRPr lang="en-SG" sz="1050" dirty="0">
-              <a:solidFill>
-                <a:srgbClr val="7030A0"/>
-              </a:solidFill>
-            </a:endParaRPr>
-          </a:p>
-        </p:txBody>
-      </p:sp>
       <p:cxnSp>
         <p:nvCxnSpPr>
           <p:cNvPr id="84" name="Elbow Connector 83"/>
           <p:cNvCxnSpPr>
+            <a:cxnSpLocks/>
             <a:stCxn id="78" idx="3"/>
-            <a:endCxn id="83" idx="1"/>
           </p:cNvCxnSpPr>
           <p:nvPr/>
         </p:nvCxnSpPr>
@@ -4677,68 +4509,12 @@
           </a:fontRef>
         </p:style>
       </p:cxnSp>
-      <p:sp>
-        <p:nvSpPr>
-          <p:cNvPr id="85" name="Rectangle 8"/>
-          <p:cNvSpPr/>
-          <p:nvPr/>
-        </p:nvSpPr>
-        <p:spPr>
-          <a:xfrm>
-            <a:off x="7712397" y="3533171"/>
-            <a:ext cx="708186" cy="285783"/>
-          </a:xfrm>
-          <a:prstGeom prst="rect">
-            <a:avLst/>
-          </a:prstGeom>
-          <a:ln w="19050">
-            <a:solidFill>
-              <a:srgbClr val="7030A0"/>
-            </a:solidFill>
-          </a:ln>
-          <a:effectLst/>
-        </p:spPr>
-        <p:style>
-          <a:lnRef idx="1">
-            <a:schemeClr val="accent4"/>
-          </a:lnRef>
-          <a:fillRef idx="2">
-            <a:schemeClr val="accent4"/>
-          </a:fillRef>
-          <a:effectRef idx="1">
-            <a:schemeClr val="accent4"/>
-          </a:effectRef>
-          <a:fontRef idx="minor">
-            <a:schemeClr val="dk1"/>
-          </a:fontRef>
-        </p:style>
-        <p:txBody>
-          <a:bodyPr rtlCol="0" anchor="ctr"/>
-          <a:lstStyle/>
-          <a:p>
-            <a:pPr algn="ctr"/>
-            <a:r>
-              <a:rPr lang="en-US" sz="1050" dirty="0">
-                <a:solidFill>
-                  <a:srgbClr val="7030A0"/>
-                </a:solidFill>
-              </a:rPr>
-              <a:t>Address</a:t>
-            </a:r>
-            <a:endParaRPr lang="en-SG" sz="1050" dirty="0">
-              <a:solidFill>
-                <a:srgbClr val="7030A0"/>
-              </a:solidFill>
-            </a:endParaRPr>
-          </a:p>
-        </p:txBody>
-      </p:sp>
       <p:cxnSp>
         <p:nvCxnSpPr>
           <p:cNvPr id="86" name="Elbow Connector 85"/>
           <p:cNvCxnSpPr>
+            <a:cxnSpLocks/>
             <a:stCxn id="78" idx="3"/>
-            <a:endCxn id="85" idx="1"/>
           </p:cNvCxnSpPr>
           <p:nvPr/>
         </p:nvCxnSpPr>
@@ -4921,12 +4697,12 @@
               </a:rPr>
             </a:br>
             <a:r>
-              <a:rPr lang="en-US" sz="1050" dirty="0" err="1">
+              <a:rPr lang="en-US" sz="1050" dirty="0">
                 <a:solidFill>
                   <a:srgbClr val="7030A0"/>
                 </a:solidFill>
               </a:rPr>
-              <a:t>ReadOnlyAddressBook</a:t>
+              <a:t>ReadOnlyArticleList</a:t>
             </a:r>
             <a:endParaRPr lang="en-SG" sz="1050" dirty="0">
               <a:solidFill>
@@ -5023,23 +4799,15 @@
               </a:rPr>
               <a:t>&lt;&lt;interface&gt;&gt;</a:t>
             </a:r>
-            <a:r>
-              <a:rPr lang="en-US" sz="1050">
-                <a:solidFill>
-                  <a:srgbClr val="7030A0"/>
-                </a:solidFill>
-              </a:rPr>
-              <a:t/>
-            </a:r>
             <a:br>
-              <a:rPr lang="en-US" sz="1050">
+              <a:rPr lang="en-US" sz="1050" dirty="0">
                 <a:solidFill>
                   <a:srgbClr val="7030A0"/>
                 </a:solidFill>
               </a:rPr>
             </a:br>
             <a:r>
-              <a:rPr lang="en-US" sz="1050" dirty="0" err="1">
+              <a:rPr lang="en-US" sz="1050" dirty="0">
                 <a:solidFill>
                   <a:srgbClr val="7030A0"/>
                 </a:solidFill>
@@ -5305,8 +5073,8 @@
         </p:nvSpPr>
         <p:spPr>
           <a:xfrm>
-            <a:off x="7712397" y="2228817"/>
-            <a:ext cx="708186" cy="285783"/>
+            <a:off x="7712396" y="1695987"/>
+            <a:ext cx="805995" cy="307936"/>
           </a:xfrm>
           <a:prstGeom prst="rect">
             <a:avLst/>
@@ -5371,8 +5139,8 @@
         </p:nvCxnSpPr>
         <p:spPr>
           <a:xfrm flipV="1">
-            <a:off x="7277995" y="2371709"/>
-            <a:ext cx="434402" cy="663182"/>
+            <a:off x="7277995" y="1849955"/>
+            <a:ext cx="434401" cy="1184936"/>
           </a:xfrm>
           <a:prstGeom prst="bentConnector3">
             <a:avLst>
@@ -5417,7 +5185,7 @@
         </p:nvSpPr>
         <p:spPr>
           <a:xfrm>
-            <a:off x="7466243" y="2255711"/>
+            <a:off x="7472916" y="1678092"/>
             <a:ext cx="189257" cy="178683"/>
           </a:xfrm>
           <a:prstGeom prst="rect">
@@ -5489,12 +5257,12 @@
           <a:p>
             <a:pPr algn="ctr"/>
             <a:r>
-              <a:rPr lang="en-US" sz="1050" dirty="0" err="1">
+              <a:rPr lang="en-US" sz="1050" dirty="0">
                 <a:solidFill>
                   <a:srgbClr val="7030A0"/>
                 </a:solidFill>
               </a:rPr>
-              <a:t>AddressBook</a:t>
+              <a:t>ArticleList</a:t>
             </a:r>
             <a:endParaRPr lang="en-SG" sz="1050" dirty="0">
               <a:solidFill>
@@ -5623,6 +5391,579 @@
             <a:prstDash val="sysDot"/>
             <a:headEnd type="none" w="med" len="med"/>
             <a:tailEnd type="none" w="med" len="med"/>
+          </a:ln>
+          <a:effectLst/>
+        </p:spPr>
+        <p:style>
+          <a:lnRef idx="1">
+            <a:schemeClr val="accent2"/>
+          </a:lnRef>
+          <a:fillRef idx="2">
+            <a:schemeClr val="accent2"/>
+          </a:fillRef>
+          <a:effectRef idx="1">
+            <a:schemeClr val="accent2"/>
+          </a:effectRef>
+          <a:fontRef idx="minor">
+            <a:schemeClr val="dk1"/>
+          </a:fontRef>
+        </p:style>
+      </p:cxnSp>
+      <p:sp>
+        <p:nvSpPr>
+          <p:cNvPr id="56" name="Rectangle 8">
+            <a:extLst>
+              <a:ext uri="{FF2B5EF4-FFF2-40B4-BE49-F238E27FC236}">
+                <a16:creationId xmlns:a16="http://schemas.microsoft.com/office/drawing/2014/main" id="{40BEC33A-8F5C-4D41-B4D7-00C73B22546E}"/>
+              </a:ext>
+            </a:extLst>
+          </p:cNvPr>
+          <p:cNvSpPr/>
+          <p:nvPr/>
+        </p:nvSpPr>
+        <p:spPr>
+          <a:xfrm>
+            <a:off x="7707395" y="2077557"/>
+            <a:ext cx="821566" cy="285783"/>
+          </a:xfrm>
+          <a:prstGeom prst="rect">
+            <a:avLst/>
+          </a:prstGeom>
+          <a:ln w="19050">
+            <a:solidFill>
+              <a:srgbClr val="7030A0"/>
+            </a:solidFill>
+          </a:ln>
+          <a:effectLst/>
+        </p:spPr>
+        <p:style>
+          <a:lnRef idx="1">
+            <a:schemeClr val="accent4"/>
+          </a:lnRef>
+          <a:fillRef idx="2">
+            <a:schemeClr val="accent4"/>
+          </a:fillRef>
+          <a:effectRef idx="1">
+            <a:schemeClr val="accent4"/>
+          </a:effectRef>
+          <a:fontRef idx="minor">
+            <a:schemeClr val="dk1"/>
+          </a:fontRef>
+        </p:style>
+        <p:txBody>
+          <a:bodyPr rtlCol="0" anchor="ctr"/>
+          <a:lstStyle/>
+          <a:p>
+            <a:pPr algn="ctr"/>
+            <a:r>
+              <a:rPr lang="en-US" sz="1050" dirty="0">
+                <a:solidFill>
+                  <a:srgbClr val="7030A0"/>
+                </a:solidFill>
+              </a:rPr>
+              <a:t>Name</a:t>
+            </a:r>
+            <a:endParaRPr lang="en-SG" sz="1050" dirty="0">
+              <a:solidFill>
+                <a:srgbClr val="7030A0"/>
+              </a:solidFill>
+            </a:endParaRPr>
+          </a:p>
+        </p:txBody>
+      </p:sp>
+      <p:sp>
+        <p:nvSpPr>
+          <p:cNvPr id="57" name="Rectangle 8">
+            <a:extLst>
+              <a:ext uri="{FF2B5EF4-FFF2-40B4-BE49-F238E27FC236}">
+                <a16:creationId xmlns:a16="http://schemas.microsoft.com/office/drawing/2014/main" id="{11FEFB53-F370-4CE7-ACE9-CDF6BEAAA553}"/>
+              </a:ext>
+            </a:extLst>
+          </p:cNvPr>
+          <p:cNvSpPr/>
+          <p:nvPr/>
+        </p:nvSpPr>
+        <p:spPr>
+          <a:xfrm>
+            <a:off x="7721407" y="3209068"/>
+            <a:ext cx="796985" cy="269089"/>
+          </a:xfrm>
+          <a:prstGeom prst="rect">
+            <a:avLst/>
+          </a:prstGeom>
+          <a:ln w="19050">
+            <a:solidFill>
+              <a:srgbClr val="7030A0"/>
+            </a:solidFill>
+          </a:ln>
+          <a:effectLst/>
+        </p:spPr>
+        <p:style>
+          <a:lnRef idx="1">
+            <a:schemeClr val="accent4"/>
+          </a:lnRef>
+          <a:fillRef idx="2">
+            <a:schemeClr val="accent4"/>
+          </a:fillRef>
+          <a:effectRef idx="1">
+            <a:schemeClr val="accent4"/>
+          </a:effectRef>
+          <a:fontRef idx="minor">
+            <a:schemeClr val="dk1"/>
+          </a:fontRef>
+        </p:style>
+        <p:txBody>
+          <a:bodyPr rtlCol="0" anchor="ctr"/>
+          <a:lstStyle/>
+          <a:p>
+            <a:pPr algn="ctr"/>
+            <a:r>
+              <a:rPr lang="en-US" sz="1050" dirty="0">
+                <a:solidFill>
+                  <a:srgbClr val="7030A0"/>
+                </a:solidFill>
+              </a:rPr>
+              <a:t>Phone</a:t>
+            </a:r>
+            <a:endParaRPr lang="en-SG" sz="1050" dirty="0">
+              <a:solidFill>
+                <a:srgbClr val="7030A0"/>
+              </a:solidFill>
+            </a:endParaRPr>
+          </a:p>
+        </p:txBody>
+      </p:sp>
+      <p:sp>
+        <p:nvSpPr>
+          <p:cNvPr id="59" name="Rectangle 8">
+            <a:extLst>
+              <a:ext uri="{FF2B5EF4-FFF2-40B4-BE49-F238E27FC236}">
+                <a16:creationId xmlns:a16="http://schemas.microsoft.com/office/drawing/2014/main" id="{75A33C1C-83F2-4049-ABC3-A4C4924C4DFE}"/>
+              </a:ext>
+            </a:extLst>
+          </p:cNvPr>
+          <p:cNvSpPr/>
+          <p:nvPr/>
+        </p:nvSpPr>
+        <p:spPr>
+          <a:xfrm>
+            <a:off x="7721111" y="3562781"/>
+            <a:ext cx="813946" cy="269089"/>
+          </a:xfrm>
+          <a:prstGeom prst="rect">
+            <a:avLst/>
+          </a:prstGeom>
+          <a:ln w="19050">
+            <a:solidFill>
+              <a:srgbClr val="7030A0"/>
+            </a:solidFill>
+          </a:ln>
+          <a:effectLst/>
+        </p:spPr>
+        <p:style>
+          <a:lnRef idx="1">
+            <a:schemeClr val="accent4"/>
+          </a:lnRef>
+          <a:fillRef idx="2">
+            <a:schemeClr val="accent4"/>
+          </a:fillRef>
+          <a:effectRef idx="1">
+            <a:schemeClr val="accent4"/>
+          </a:effectRef>
+          <a:fontRef idx="minor">
+            <a:schemeClr val="dk1"/>
+          </a:fontRef>
+        </p:style>
+        <p:txBody>
+          <a:bodyPr rtlCol="0" anchor="ctr"/>
+          <a:lstStyle/>
+          <a:p>
+            <a:pPr algn="ctr"/>
+            <a:r>
+              <a:rPr lang="en-US" sz="1050" dirty="0">
+                <a:solidFill>
+                  <a:srgbClr val="7030A0"/>
+                </a:solidFill>
+              </a:rPr>
+              <a:t>Email</a:t>
+            </a:r>
+            <a:endParaRPr lang="en-SG" sz="1050" dirty="0">
+              <a:solidFill>
+                <a:srgbClr val="7030A0"/>
+              </a:solidFill>
+            </a:endParaRPr>
+          </a:p>
+        </p:txBody>
+      </p:sp>
+      <p:sp>
+        <p:nvSpPr>
+          <p:cNvPr id="67" name="Rectangle 8">
+            <a:extLst>
+              <a:ext uri="{FF2B5EF4-FFF2-40B4-BE49-F238E27FC236}">
+                <a16:creationId xmlns:a16="http://schemas.microsoft.com/office/drawing/2014/main" id="{5476D04B-ED75-4714-B621-FCD64AF4B573}"/>
+              </a:ext>
+            </a:extLst>
+          </p:cNvPr>
+          <p:cNvSpPr/>
+          <p:nvPr/>
+        </p:nvSpPr>
+        <p:spPr>
+          <a:xfrm>
+            <a:off x="7712396" y="2865922"/>
+            <a:ext cx="821566" cy="284777"/>
+          </a:xfrm>
+          <a:prstGeom prst="rect">
+            <a:avLst/>
+          </a:prstGeom>
+          <a:ln w="19050">
+            <a:solidFill>
+              <a:srgbClr val="7030A0"/>
+            </a:solidFill>
+          </a:ln>
+          <a:effectLst/>
+        </p:spPr>
+        <p:style>
+          <a:lnRef idx="1">
+            <a:schemeClr val="accent4"/>
+          </a:lnRef>
+          <a:fillRef idx="2">
+            <a:schemeClr val="accent4"/>
+          </a:fillRef>
+          <a:effectRef idx="1">
+            <a:schemeClr val="accent4"/>
+          </a:effectRef>
+          <a:fontRef idx="minor">
+            <a:schemeClr val="dk1"/>
+          </a:fontRef>
+        </p:style>
+        <p:txBody>
+          <a:bodyPr rtlCol="0" anchor="ctr"/>
+          <a:lstStyle/>
+          <a:p>
+            <a:pPr algn="ctr"/>
+            <a:r>
+              <a:rPr lang="en-US" sz="1050" dirty="0">
+                <a:solidFill>
+                  <a:srgbClr val="7030A0"/>
+                </a:solidFill>
+              </a:rPr>
+              <a:t>Finder</a:t>
+            </a:r>
+            <a:endParaRPr lang="en-SG" sz="1050" dirty="0">
+              <a:solidFill>
+                <a:srgbClr val="7030A0"/>
+              </a:solidFill>
+            </a:endParaRPr>
+          </a:p>
+        </p:txBody>
+      </p:sp>
+      <p:sp>
+        <p:nvSpPr>
+          <p:cNvPr id="71" name="Rectangle 8">
+            <a:extLst>
+              <a:ext uri="{FF2B5EF4-FFF2-40B4-BE49-F238E27FC236}">
+                <a16:creationId xmlns:a16="http://schemas.microsoft.com/office/drawing/2014/main" id="{7E9C5D8F-73CB-4816-8A46-287E2288A13C}"/>
+              </a:ext>
+            </a:extLst>
+          </p:cNvPr>
+          <p:cNvSpPr/>
+          <p:nvPr/>
+        </p:nvSpPr>
+        <p:spPr>
+          <a:xfrm>
+            <a:off x="7721110" y="2464107"/>
+            <a:ext cx="821567" cy="285783"/>
+          </a:xfrm>
+          <a:prstGeom prst="rect">
+            <a:avLst/>
+          </a:prstGeom>
+          <a:ln w="19050">
+            <a:solidFill>
+              <a:srgbClr val="7030A0"/>
+            </a:solidFill>
+          </a:ln>
+          <a:effectLst/>
+        </p:spPr>
+        <p:style>
+          <a:lnRef idx="1">
+            <a:schemeClr val="accent4"/>
+          </a:lnRef>
+          <a:fillRef idx="2">
+            <a:schemeClr val="accent4"/>
+          </a:fillRef>
+          <a:effectRef idx="1">
+            <a:schemeClr val="accent4"/>
+          </a:effectRef>
+          <a:fontRef idx="minor">
+            <a:schemeClr val="dk1"/>
+          </a:fontRef>
+        </p:style>
+        <p:txBody>
+          <a:bodyPr rtlCol="0" anchor="ctr"/>
+          <a:lstStyle/>
+          <a:p>
+            <a:pPr algn="ctr"/>
+            <a:r>
+              <a:rPr lang="en-SG" sz="1050" dirty="0">
+                <a:solidFill>
+                  <a:srgbClr val="7030A0"/>
+                </a:solidFill>
+              </a:rPr>
+              <a:t>Description</a:t>
+            </a:r>
+          </a:p>
+        </p:txBody>
+      </p:sp>
+      <p:sp>
+        <p:nvSpPr>
+          <p:cNvPr id="72" name="Rectangle 8">
+            <a:extLst>
+              <a:ext uri="{FF2B5EF4-FFF2-40B4-BE49-F238E27FC236}">
+                <a16:creationId xmlns:a16="http://schemas.microsoft.com/office/drawing/2014/main" id="{7EDC7DD4-5FDA-4CAC-B5CF-21D3E13D5FCB}"/>
+              </a:ext>
+            </a:extLst>
+          </p:cNvPr>
+          <p:cNvSpPr/>
+          <p:nvPr/>
+        </p:nvSpPr>
+        <p:spPr>
+          <a:xfrm>
+            <a:off x="7717301" y="3927457"/>
+            <a:ext cx="821566" cy="285783"/>
+          </a:xfrm>
+          <a:prstGeom prst="rect">
+            <a:avLst/>
+          </a:prstGeom>
+          <a:ln w="19050">
+            <a:solidFill>
+              <a:srgbClr val="7030A0"/>
+            </a:solidFill>
+          </a:ln>
+          <a:effectLst/>
+        </p:spPr>
+        <p:style>
+          <a:lnRef idx="1">
+            <a:schemeClr val="accent4"/>
+          </a:lnRef>
+          <a:fillRef idx="2">
+            <a:schemeClr val="accent4"/>
+          </a:fillRef>
+          <a:effectRef idx="1">
+            <a:schemeClr val="accent4"/>
+          </a:effectRef>
+          <a:fontRef idx="minor">
+            <a:schemeClr val="dk1"/>
+          </a:fontRef>
+        </p:style>
+        <p:txBody>
+          <a:bodyPr rtlCol="0" anchor="ctr"/>
+          <a:lstStyle/>
+          <a:p>
+            <a:pPr algn="ctr"/>
+            <a:r>
+              <a:rPr lang="en-US" sz="1050" dirty="0">
+                <a:solidFill>
+                  <a:srgbClr val="7030A0"/>
+                </a:solidFill>
+              </a:rPr>
+              <a:t>Owner</a:t>
+            </a:r>
+            <a:endParaRPr lang="en-SG" sz="1050" dirty="0">
+              <a:solidFill>
+                <a:srgbClr val="7030A0"/>
+              </a:solidFill>
+            </a:endParaRPr>
+          </a:p>
+        </p:txBody>
+      </p:sp>
+      <p:sp>
+        <p:nvSpPr>
+          <p:cNvPr id="73" name="Rectangle 8">
+            <a:extLst>
+              <a:ext uri="{FF2B5EF4-FFF2-40B4-BE49-F238E27FC236}">
+                <a16:creationId xmlns:a16="http://schemas.microsoft.com/office/drawing/2014/main" id="{0CB8BE5B-6D9D-47A5-95F6-5160AD5DF2D9}"/>
+              </a:ext>
+            </a:extLst>
+          </p:cNvPr>
+          <p:cNvSpPr/>
+          <p:nvPr/>
+        </p:nvSpPr>
+        <p:spPr>
+          <a:xfrm>
+            <a:off x="7707394" y="4336767"/>
+            <a:ext cx="821567" cy="285783"/>
+          </a:xfrm>
+          <a:prstGeom prst="rect">
+            <a:avLst/>
+          </a:prstGeom>
+          <a:ln w="19050">
+            <a:solidFill>
+              <a:srgbClr val="7030A0"/>
+            </a:solidFill>
+          </a:ln>
+          <a:effectLst/>
+        </p:spPr>
+        <p:style>
+          <a:lnRef idx="1">
+            <a:schemeClr val="accent4"/>
+          </a:lnRef>
+          <a:fillRef idx="2">
+            <a:schemeClr val="accent4"/>
+          </a:fillRef>
+          <a:effectRef idx="1">
+            <a:schemeClr val="accent4"/>
+          </a:effectRef>
+          <a:fontRef idx="minor">
+            <a:schemeClr val="dk1"/>
+          </a:fontRef>
+        </p:style>
+        <p:txBody>
+          <a:bodyPr rtlCol="0" anchor="ctr"/>
+          <a:lstStyle/>
+          <a:p>
+            <a:pPr algn="ctr"/>
+            <a:r>
+              <a:rPr lang="en-US" sz="1050" dirty="0">
+                <a:solidFill>
+                  <a:srgbClr val="7030A0"/>
+                </a:solidFill>
+              </a:rPr>
+              <a:t>isResolved</a:t>
+            </a:r>
+            <a:endParaRPr lang="en-SG" sz="1050" dirty="0">
+              <a:solidFill>
+                <a:srgbClr val="7030A0"/>
+              </a:solidFill>
+            </a:endParaRPr>
+          </a:p>
+        </p:txBody>
+      </p:sp>
+      <p:cxnSp>
+        <p:nvCxnSpPr>
+          <p:cNvPr id="74" name="Elbow Connector 78">
+            <a:extLst>
+              <a:ext uri="{FF2B5EF4-FFF2-40B4-BE49-F238E27FC236}">
+                <a16:creationId xmlns:a16="http://schemas.microsoft.com/office/drawing/2014/main" id="{B7250CE9-E78F-438B-B836-A1F45406C6C1}"/>
+              </a:ext>
+            </a:extLst>
+          </p:cNvPr>
+          <p:cNvCxnSpPr>
+            <a:cxnSpLocks/>
+          </p:cNvCxnSpPr>
+          <p:nvPr/>
+        </p:nvCxnSpPr>
+        <p:spPr>
+          <a:xfrm rot="5400000" flipH="1" flipV="1">
+            <a:off x="7196586" y="2531995"/>
+            <a:ext cx="806993" cy="224626"/>
+          </a:xfrm>
+          <a:prstGeom prst="bentConnector3">
+            <a:avLst>
+              <a:gd name="adj1" fmla="val 100045"/>
+            </a:avLst>
+          </a:prstGeom>
+          <a:ln w="19050">
+            <a:solidFill>
+              <a:srgbClr val="7030A0"/>
+            </a:solidFill>
+            <a:headEnd type="none" w="med" len="med"/>
+            <a:tailEnd type="arrow" w="med" len="med"/>
+          </a:ln>
+          <a:effectLst/>
+        </p:spPr>
+        <p:style>
+          <a:lnRef idx="1">
+            <a:schemeClr val="accent2"/>
+          </a:lnRef>
+          <a:fillRef idx="2">
+            <a:schemeClr val="accent2"/>
+          </a:fillRef>
+          <a:effectRef idx="1">
+            <a:schemeClr val="accent2"/>
+          </a:effectRef>
+          <a:fontRef idx="minor">
+            <a:schemeClr val="dk1"/>
+          </a:fontRef>
+        </p:style>
+      </p:cxnSp>
+      <p:cxnSp>
+        <p:nvCxnSpPr>
+          <p:cNvPr id="77" name="Elbow Connector 85">
+            <a:extLst>
+              <a:ext uri="{FF2B5EF4-FFF2-40B4-BE49-F238E27FC236}">
+                <a16:creationId xmlns:a16="http://schemas.microsoft.com/office/drawing/2014/main" id="{4A9B9B27-5236-4711-B678-382C1DBDF023}"/>
+              </a:ext>
+            </a:extLst>
+          </p:cNvPr>
+          <p:cNvCxnSpPr>
+            <a:cxnSpLocks/>
+          </p:cNvCxnSpPr>
+          <p:nvPr/>
+        </p:nvCxnSpPr>
+        <p:spPr>
+          <a:xfrm rot="16200000" flipH="1">
+            <a:off x="7258687" y="3661091"/>
+            <a:ext cx="690217" cy="217201"/>
+          </a:xfrm>
+          <a:prstGeom prst="bentConnector3">
+            <a:avLst>
+              <a:gd name="adj1" fmla="val 99680"/>
+            </a:avLst>
+          </a:prstGeom>
+          <a:ln w="19050">
+            <a:solidFill>
+              <a:srgbClr val="7030A0"/>
+            </a:solidFill>
+            <a:headEnd type="none" w="med" len="med"/>
+            <a:tailEnd type="arrow" w="med" len="med"/>
+          </a:ln>
+          <a:effectLst/>
+        </p:spPr>
+        <p:style>
+          <a:lnRef idx="1">
+            <a:schemeClr val="accent2"/>
+          </a:lnRef>
+          <a:fillRef idx="2">
+            <a:schemeClr val="accent2"/>
+          </a:fillRef>
+          <a:effectRef idx="1">
+            <a:schemeClr val="accent2"/>
+          </a:effectRef>
+          <a:fontRef idx="minor">
+            <a:schemeClr val="dk1"/>
+          </a:fontRef>
+        </p:style>
+      </p:cxnSp>
+      <p:cxnSp>
+        <p:nvCxnSpPr>
+          <p:cNvPr id="82" name="Elbow Connector 85">
+            <a:extLst>
+              <a:ext uri="{FF2B5EF4-FFF2-40B4-BE49-F238E27FC236}">
+                <a16:creationId xmlns:a16="http://schemas.microsoft.com/office/drawing/2014/main" id="{F900A5CD-C1AE-4DFE-8CD7-893D10A8A4DC}"/>
+              </a:ext>
+            </a:extLst>
+          </p:cNvPr>
+          <p:cNvCxnSpPr>
+            <a:cxnSpLocks/>
+          </p:cNvCxnSpPr>
+          <p:nvPr/>
+        </p:nvCxnSpPr>
+        <p:spPr>
+          <a:xfrm rot="16200000" flipH="1">
+            <a:off x="7258686" y="4049018"/>
+            <a:ext cx="690217" cy="217201"/>
+          </a:xfrm>
+          <a:prstGeom prst="bentConnector3">
+            <a:avLst>
+              <a:gd name="adj1" fmla="val 99680"/>
+            </a:avLst>
+          </a:prstGeom>
+          <a:ln w="19050">
+            <a:solidFill>
+              <a:srgbClr val="7030A0"/>
+            </a:solidFill>
+            <a:headEnd type="none" w="med" len="med"/>
+            <a:tailEnd type="arrow" w="med" len="med"/>
           </a:ln>
           <a:effectLst/>
         </p:spPr>

--- a/docs/diagrams/ModelComponentClassDiagram.pptx
+++ b/docs/diagrams/ModelComponentClassDiagram.pptx
@@ -5,10 +5,11 @@
     <p:sldMasterId id="2147483648" r:id="rId1"/>
   </p:sldMasterIdLst>
   <p:notesMasterIdLst>
-    <p:notesMasterId r:id="rId3"/>
+    <p:notesMasterId r:id="rId4"/>
   </p:notesMasterIdLst>
   <p:sldIdLst>
     <p:sldId id="263" r:id="rId2"/>
+    <p:sldId id="264" r:id="rId3"/>
   </p:sldIdLst>
   <p:sldSz cx="9144000" cy="6858000" type="screen4x3"/>
   <p:notesSz cx="6858000" cy="9144000"/>
@@ -208,7 +209,7 @@
           <a:p>
             <a:fld id="{F5CC4B3F-88C1-4FFA-B1B6-F41C21DC6924}" type="datetimeFigureOut">
               <a:rPr lang="en-US" smtClean="0"/>
-              <a:t>6/27/2018</a:t>
+              <a:t>11/7/2018</a:t>
             </a:fld>
             <a:endParaRPr lang="en-US"/>
           </a:p>
@@ -654,7 +655,7 @@
           <a:p>
             <a:fld id="{78C97017-6FC3-485B-9764-EAC9E56C1D49}" type="datetimeFigureOut">
               <a:rPr lang="en-US" smtClean="0"/>
-              <a:t>6/27/2018</a:t>
+              <a:t>11/7/2018</a:t>
             </a:fld>
             <a:endParaRPr lang="en-US"/>
           </a:p>
@@ -822,7 +823,7 @@
           <a:p>
             <a:fld id="{78C97017-6FC3-485B-9764-EAC9E56C1D49}" type="datetimeFigureOut">
               <a:rPr lang="en-US" smtClean="0"/>
-              <a:t>6/27/2018</a:t>
+              <a:t>11/7/2018</a:t>
             </a:fld>
             <a:endParaRPr lang="en-US"/>
           </a:p>
@@ -1000,7 +1001,7 @@
           <a:p>
             <a:fld id="{78C97017-6FC3-485B-9764-EAC9E56C1D49}" type="datetimeFigureOut">
               <a:rPr lang="en-US" smtClean="0"/>
-              <a:t>6/27/2018</a:t>
+              <a:t>11/7/2018</a:t>
             </a:fld>
             <a:endParaRPr lang="en-US"/>
           </a:p>
@@ -1168,7 +1169,7 @@
           <a:p>
             <a:fld id="{78C97017-6FC3-485B-9764-EAC9E56C1D49}" type="datetimeFigureOut">
               <a:rPr lang="en-US" smtClean="0"/>
-              <a:t>6/27/2018</a:t>
+              <a:t>11/7/2018</a:t>
             </a:fld>
             <a:endParaRPr lang="en-US"/>
           </a:p>
@@ -1413,7 +1414,7 @@
           <a:p>
             <a:fld id="{78C97017-6FC3-485B-9764-EAC9E56C1D49}" type="datetimeFigureOut">
               <a:rPr lang="en-US" smtClean="0"/>
-              <a:t>6/27/2018</a:t>
+              <a:t>11/7/2018</a:t>
             </a:fld>
             <a:endParaRPr lang="en-US"/>
           </a:p>
@@ -1698,7 +1699,7 @@
           <a:p>
             <a:fld id="{78C97017-6FC3-485B-9764-EAC9E56C1D49}" type="datetimeFigureOut">
               <a:rPr lang="en-US" smtClean="0"/>
-              <a:t>6/27/2018</a:t>
+              <a:t>11/7/2018</a:t>
             </a:fld>
             <a:endParaRPr lang="en-US"/>
           </a:p>
@@ -2117,7 +2118,7 @@
           <a:p>
             <a:fld id="{78C97017-6FC3-485B-9764-EAC9E56C1D49}" type="datetimeFigureOut">
               <a:rPr lang="en-US" smtClean="0"/>
-              <a:t>6/27/2018</a:t>
+              <a:t>11/7/2018</a:t>
             </a:fld>
             <a:endParaRPr lang="en-US"/>
           </a:p>
@@ -2234,7 +2235,7 @@
           <a:p>
             <a:fld id="{78C97017-6FC3-485B-9764-EAC9E56C1D49}" type="datetimeFigureOut">
               <a:rPr lang="en-US" smtClean="0"/>
-              <a:t>6/27/2018</a:t>
+              <a:t>11/7/2018</a:t>
             </a:fld>
             <a:endParaRPr lang="en-US"/>
           </a:p>
@@ -2329,7 +2330,7 @@
           <a:p>
             <a:fld id="{78C97017-6FC3-485B-9764-EAC9E56C1D49}" type="datetimeFigureOut">
               <a:rPr lang="en-US" smtClean="0"/>
-              <a:t>6/27/2018</a:t>
+              <a:t>11/7/2018</a:t>
             </a:fld>
             <a:endParaRPr lang="en-US"/>
           </a:p>
@@ -2604,7 +2605,7 @@
           <a:p>
             <a:fld id="{78C97017-6FC3-485B-9764-EAC9E56C1D49}" type="datetimeFigureOut">
               <a:rPr lang="en-US" smtClean="0"/>
-              <a:t>6/27/2018</a:t>
+              <a:t>11/7/2018</a:t>
             </a:fld>
             <a:endParaRPr lang="en-US"/>
           </a:p>
@@ -2856,7 +2857,7 @@
           <a:p>
             <a:fld id="{78C97017-6FC3-485B-9764-EAC9E56C1D49}" type="datetimeFigureOut">
               <a:rPr lang="en-US" smtClean="0"/>
-              <a:t>6/27/2018</a:t>
+              <a:t>11/7/2018</a:t>
             </a:fld>
             <a:endParaRPr lang="en-US"/>
           </a:p>
@@ -3067,7 +3068,7 @@
           <a:p>
             <a:fld id="{78C97017-6FC3-485B-9764-EAC9E56C1D49}" type="datetimeFigureOut">
               <a:rPr lang="en-US" smtClean="0"/>
-              <a:t>6/27/2018</a:t>
+              <a:t>11/7/2018</a:t>
             </a:fld>
             <a:endParaRPr lang="en-US"/>
           </a:p>
@@ -3994,7 +3995,7 @@
           <a:p>
             <a:pPr algn="ctr"/>
             <a:r>
-              <a:rPr lang="en-US" sz="1050" dirty="0" err="1" smtClean="0">
+              <a:rPr lang="en-US" sz="1050" dirty="0" err="1">
                 <a:solidFill>
                   <a:srgbClr val="7030A0"/>
                 </a:solidFill>
@@ -5023,14 +5024,6 @@
               </a:rPr>
               <a:t>&lt;&lt;interface&gt;&gt;</a:t>
             </a:r>
-            <a:r>
-              <a:rPr lang="en-US" sz="1050">
-                <a:solidFill>
-                  <a:srgbClr val="7030A0"/>
-                </a:solidFill>
-              </a:rPr>
-              <a:t/>
-            </a:r>
             <a:br>
               <a:rPr lang="en-US" sz="1050">
                 <a:solidFill>
@@ -5645,6 +5638,4513 @@
     <p:extLst>
       <p:ext uri="{BB962C8B-B14F-4D97-AF65-F5344CB8AC3E}">
         <p14:creationId xmlns:p14="http://schemas.microsoft.com/office/powerpoint/2010/main" val="2396968029"/>
+      </p:ext>
+    </p:extLst>
+  </p:cSld>
+  <p:clrMapOvr>
+    <a:masterClrMapping/>
+  </p:clrMapOvr>
+</p:sld>
+</file>
+
+<file path=ppt/slides/slide2.xml><?xml version="1.0" encoding="utf-8"?>
+<p:sld xmlns:a="http://schemas.openxmlformats.org/drawingml/2006/main" xmlns:r="http://schemas.openxmlformats.org/officeDocument/2006/relationships" xmlns:p="http://schemas.openxmlformats.org/presentationml/2006/main">
+  <p:cSld>
+    <p:spTree>
+      <p:nvGrpSpPr>
+        <p:cNvPr id="1" name=""/>
+        <p:cNvGrpSpPr/>
+        <p:nvPr/>
+      </p:nvGrpSpPr>
+      <p:grpSpPr>
+        <a:xfrm>
+          <a:off x="0" y="0"/>
+          <a:ext cx="0" cy="0"/>
+          <a:chOff x="0" y="0"/>
+          <a:chExt cx="0" cy="0"/>
+        </a:xfrm>
+      </p:grpSpPr>
+      <p:sp>
+        <p:nvSpPr>
+          <p:cNvPr id="2" name="Rectangle 65">
+            <a:extLst>
+              <a:ext uri="{FF2B5EF4-FFF2-40B4-BE49-F238E27FC236}">
+                <a16:creationId xmlns:a16="http://schemas.microsoft.com/office/drawing/2014/main" id="{85A1F6EF-9B73-4300-995F-DD0FDF84C724}"/>
+              </a:ext>
+            </a:extLst>
+          </p:cNvPr>
+          <p:cNvSpPr/>
+          <p:nvPr/>
+        </p:nvSpPr>
+        <p:spPr>
+          <a:xfrm>
+            <a:off x="711651" y="1781500"/>
+            <a:ext cx="7871735" cy="3295000"/>
+          </a:xfrm>
+          <a:prstGeom prst="roundRect">
+            <a:avLst>
+              <a:gd name="adj" fmla="val 3484"/>
+            </a:avLst>
+          </a:prstGeom>
+          <a:solidFill>
+            <a:schemeClr val="accent4">
+              <a:lumMod val="20000"/>
+              <a:lumOff val="80000"/>
+            </a:schemeClr>
+          </a:solidFill>
+          <a:ln w="19050">
+            <a:noFill/>
+          </a:ln>
+          <a:effectLst/>
+        </p:spPr>
+        <p:style>
+          <a:lnRef idx="1">
+            <a:schemeClr val="accent2"/>
+          </a:lnRef>
+          <a:fillRef idx="2">
+            <a:schemeClr val="accent2"/>
+          </a:fillRef>
+          <a:effectRef idx="1">
+            <a:schemeClr val="accent2"/>
+          </a:effectRef>
+          <a:fontRef idx="minor">
+            <a:schemeClr val="dk1"/>
+          </a:fontRef>
+        </p:style>
+        <p:txBody>
+          <a:bodyPr rtlCol="0" anchor="t"/>
+          <a:lstStyle>
+            <a:defPPr>
+              <a:defRPr lang="en-US"/>
+            </a:defPPr>
+            <a:lvl1pPr marL="0" algn="l" defTabSz="914400" rtl="0" eaLnBrk="1" latinLnBrk="0" hangingPunct="1">
+              <a:defRPr sz="1800" kern="1200">
+                <a:solidFill>
+                  <a:schemeClr val="dk1"/>
+                </a:solidFill>
+                <a:latin typeface="+mn-lt"/>
+                <a:ea typeface="+mn-ea"/>
+                <a:cs typeface="+mn-cs"/>
+              </a:defRPr>
+            </a:lvl1pPr>
+            <a:lvl2pPr marL="457200" algn="l" defTabSz="914400" rtl="0" eaLnBrk="1" latinLnBrk="0" hangingPunct="1">
+              <a:defRPr sz="1800" kern="1200">
+                <a:solidFill>
+                  <a:schemeClr val="dk1"/>
+                </a:solidFill>
+                <a:latin typeface="+mn-lt"/>
+                <a:ea typeface="+mn-ea"/>
+                <a:cs typeface="+mn-cs"/>
+              </a:defRPr>
+            </a:lvl2pPr>
+            <a:lvl3pPr marL="914400" algn="l" defTabSz="914400" rtl="0" eaLnBrk="1" latinLnBrk="0" hangingPunct="1">
+              <a:defRPr sz="1800" kern="1200">
+                <a:solidFill>
+                  <a:schemeClr val="dk1"/>
+                </a:solidFill>
+                <a:latin typeface="+mn-lt"/>
+                <a:ea typeface="+mn-ea"/>
+                <a:cs typeface="+mn-cs"/>
+              </a:defRPr>
+            </a:lvl3pPr>
+            <a:lvl4pPr marL="1371600" algn="l" defTabSz="914400" rtl="0" eaLnBrk="1" latinLnBrk="0" hangingPunct="1">
+              <a:defRPr sz="1800" kern="1200">
+                <a:solidFill>
+                  <a:schemeClr val="dk1"/>
+                </a:solidFill>
+                <a:latin typeface="+mn-lt"/>
+                <a:ea typeface="+mn-ea"/>
+                <a:cs typeface="+mn-cs"/>
+              </a:defRPr>
+            </a:lvl4pPr>
+            <a:lvl5pPr marL="1828800" algn="l" defTabSz="914400" rtl="0" eaLnBrk="1" latinLnBrk="0" hangingPunct="1">
+              <a:defRPr sz="1800" kern="1200">
+                <a:solidFill>
+                  <a:schemeClr val="dk1"/>
+                </a:solidFill>
+                <a:latin typeface="+mn-lt"/>
+                <a:ea typeface="+mn-ea"/>
+                <a:cs typeface="+mn-cs"/>
+              </a:defRPr>
+            </a:lvl5pPr>
+            <a:lvl6pPr marL="2286000" algn="l" defTabSz="914400" rtl="0" eaLnBrk="1" latinLnBrk="0" hangingPunct="1">
+              <a:defRPr sz="1800" kern="1200">
+                <a:solidFill>
+                  <a:schemeClr val="dk1"/>
+                </a:solidFill>
+                <a:latin typeface="+mn-lt"/>
+                <a:ea typeface="+mn-ea"/>
+                <a:cs typeface="+mn-cs"/>
+              </a:defRPr>
+            </a:lvl6pPr>
+            <a:lvl7pPr marL="2743200" algn="l" defTabSz="914400" rtl="0" eaLnBrk="1" latinLnBrk="0" hangingPunct="1">
+              <a:defRPr sz="1800" kern="1200">
+                <a:solidFill>
+                  <a:schemeClr val="dk1"/>
+                </a:solidFill>
+                <a:latin typeface="+mn-lt"/>
+                <a:ea typeface="+mn-ea"/>
+                <a:cs typeface="+mn-cs"/>
+              </a:defRPr>
+            </a:lvl7pPr>
+            <a:lvl8pPr marL="3200400" algn="l" defTabSz="914400" rtl="0" eaLnBrk="1" latinLnBrk="0" hangingPunct="1">
+              <a:defRPr sz="1800" kern="1200">
+                <a:solidFill>
+                  <a:schemeClr val="dk1"/>
+                </a:solidFill>
+                <a:latin typeface="+mn-lt"/>
+                <a:ea typeface="+mn-ea"/>
+                <a:cs typeface="+mn-cs"/>
+              </a:defRPr>
+            </a:lvl8pPr>
+            <a:lvl9pPr marL="3657600" algn="l" defTabSz="914400" rtl="0" eaLnBrk="1" latinLnBrk="0" hangingPunct="1">
+              <a:defRPr sz="1800" kern="1200">
+                <a:solidFill>
+                  <a:schemeClr val="dk1"/>
+                </a:solidFill>
+                <a:latin typeface="+mn-lt"/>
+                <a:ea typeface="+mn-ea"/>
+                <a:cs typeface="+mn-cs"/>
+              </a:defRPr>
+            </a:lvl9pPr>
+          </a:lstStyle>
+          <a:p>
+            <a:r>
+              <a:rPr lang="en-US" sz="1200" b="1" dirty="0">
+                <a:solidFill>
+                  <a:srgbClr val="7030A0"/>
+                </a:solidFill>
+              </a:rPr>
+              <a:t>Model</a:t>
+            </a:r>
+            <a:endParaRPr lang="en-SG" sz="1200" b="1" dirty="0">
+              <a:solidFill>
+                <a:srgbClr val="7030A0"/>
+              </a:solidFill>
+            </a:endParaRPr>
+          </a:p>
+        </p:txBody>
+      </p:sp>
+      <p:sp>
+        <p:nvSpPr>
+          <p:cNvPr id="3" name="Rectangle 2">
+            <a:extLst>
+              <a:ext uri="{FF2B5EF4-FFF2-40B4-BE49-F238E27FC236}">
+                <a16:creationId xmlns:a16="http://schemas.microsoft.com/office/drawing/2014/main" id="{358E3575-F362-4493-9B56-32936AFB16B0}"/>
+              </a:ext>
+            </a:extLst>
+          </p:cNvPr>
+          <p:cNvSpPr/>
+          <p:nvPr/>
+        </p:nvSpPr>
+        <p:spPr>
+          <a:xfrm>
+            <a:off x="2527704" y="3363860"/>
+            <a:ext cx="1093635" cy="346760"/>
+          </a:xfrm>
+          <a:prstGeom prst="rect">
+            <a:avLst/>
+          </a:prstGeom>
+          <a:solidFill>
+            <a:srgbClr val="7030A0"/>
+          </a:solidFill>
+          <a:ln w="19050">
+            <a:solidFill>
+              <a:srgbClr val="7030A0"/>
+            </a:solidFill>
+          </a:ln>
+          <a:effectLst/>
+        </p:spPr>
+        <p:style>
+          <a:lnRef idx="1">
+            <a:schemeClr val="accent2"/>
+          </a:lnRef>
+          <a:fillRef idx="2">
+            <a:schemeClr val="accent2"/>
+          </a:fillRef>
+          <a:effectRef idx="1">
+            <a:schemeClr val="accent2"/>
+          </a:effectRef>
+          <a:fontRef idx="minor">
+            <a:schemeClr val="dk1"/>
+          </a:fontRef>
+        </p:style>
+        <p:txBody>
+          <a:bodyPr rtlCol="0" anchor="ctr"/>
+          <a:lstStyle>
+            <a:defPPr>
+              <a:defRPr lang="en-US"/>
+            </a:defPPr>
+            <a:lvl1pPr marL="0" algn="l" defTabSz="914400" rtl="0" eaLnBrk="1" latinLnBrk="0" hangingPunct="1">
+              <a:defRPr sz="1800" kern="1200">
+                <a:solidFill>
+                  <a:schemeClr val="dk1"/>
+                </a:solidFill>
+                <a:latin typeface="+mn-lt"/>
+                <a:ea typeface="+mn-ea"/>
+                <a:cs typeface="+mn-cs"/>
+              </a:defRPr>
+            </a:lvl1pPr>
+            <a:lvl2pPr marL="457200" algn="l" defTabSz="914400" rtl="0" eaLnBrk="1" latinLnBrk="0" hangingPunct="1">
+              <a:defRPr sz="1800" kern="1200">
+                <a:solidFill>
+                  <a:schemeClr val="dk1"/>
+                </a:solidFill>
+                <a:latin typeface="+mn-lt"/>
+                <a:ea typeface="+mn-ea"/>
+                <a:cs typeface="+mn-cs"/>
+              </a:defRPr>
+            </a:lvl2pPr>
+            <a:lvl3pPr marL="914400" algn="l" defTabSz="914400" rtl="0" eaLnBrk="1" latinLnBrk="0" hangingPunct="1">
+              <a:defRPr sz="1800" kern="1200">
+                <a:solidFill>
+                  <a:schemeClr val="dk1"/>
+                </a:solidFill>
+                <a:latin typeface="+mn-lt"/>
+                <a:ea typeface="+mn-ea"/>
+                <a:cs typeface="+mn-cs"/>
+              </a:defRPr>
+            </a:lvl3pPr>
+            <a:lvl4pPr marL="1371600" algn="l" defTabSz="914400" rtl="0" eaLnBrk="1" latinLnBrk="0" hangingPunct="1">
+              <a:defRPr sz="1800" kern="1200">
+                <a:solidFill>
+                  <a:schemeClr val="dk1"/>
+                </a:solidFill>
+                <a:latin typeface="+mn-lt"/>
+                <a:ea typeface="+mn-ea"/>
+                <a:cs typeface="+mn-cs"/>
+              </a:defRPr>
+            </a:lvl4pPr>
+            <a:lvl5pPr marL="1828800" algn="l" defTabSz="914400" rtl="0" eaLnBrk="1" latinLnBrk="0" hangingPunct="1">
+              <a:defRPr sz="1800" kern="1200">
+                <a:solidFill>
+                  <a:schemeClr val="dk1"/>
+                </a:solidFill>
+                <a:latin typeface="+mn-lt"/>
+                <a:ea typeface="+mn-ea"/>
+                <a:cs typeface="+mn-cs"/>
+              </a:defRPr>
+            </a:lvl5pPr>
+            <a:lvl6pPr marL="2286000" algn="l" defTabSz="914400" rtl="0" eaLnBrk="1" latinLnBrk="0" hangingPunct="1">
+              <a:defRPr sz="1800" kern="1200">
+                <a:solidFill>
+                  <a:schemeClr val="dk1"/>
+                </a:solidFill>
+                <a:latin typeface="+mn-lt"/>
+                <a:ea typeface="+mn-ea"/>
+                <a:cs typeface="+mn-cs"/>
+              </a:defRPr>
+            </a:lvl6pPr>
+            <a:lvl7pPr marL="2743200" algn="l" defTabSz="914400" rtl="0" eaLnBrk="1" latinLnBrk="0" hangingPunct="1">
+              <a:defRPr sz="1800" kern="1200">
+                <a:solidFill>
+                  <a:schemeClr val="dk1"/>
+                </a:solidFill>
+                <a:latin typeface="+mn-lt"/>
+                <a:ea typeface="+mn-ea"/>
+                <a:cs typeface="+mn-cs"/>
+              </a:defRPr>
+            </a:lvl7pPr>
+            <a:lvl8pPr marL="3200400" algn="l" defTabSz="914400" rtl="0" eaLnBrk="1" latinLnBrk="0" hangingPunct="1">
+              <a:defRPr sz="1800" kern="1200">
+                <a:solidFill>
+                  <a:schemeClr val="dk1"/>
+                </a:solidFill>
+                <a:latin typeface="+mn-lt"/>
+                <a:ea typeface="+mn-ea"/>
+                <a:cs typeface="+mn-cs"/>
+              </a:defRPr>
+            </a:lvl8pPr>
+            <a:lvl9pPr marL="3657600" algn="l" defTabSz="914400" rtl="0" eaLnBrk="1" latinLnBrk="0" hangingPunct="1">
+              <a:defRPr sz="1800" kern="1200">
+                <a:solidFill>
+                  <a:schemeClr val="dk1"/>
+                </a:solidFill>
+                <a:latin typeface="+mn-lt"/>
+                <a:ea typeface="+mn-ea"/>
+                <a:cs typeface="+mn-cs"/>
+              </a:defRPr>
+            </a:lvl9pPr>
+          </a:lstStyle>
+          <a:p>
+            <a:pPr algn="ctr"/>
+            <a:r>
+              <a:rPr lang="en-US" sz="1050" dirty="0" err="1">
+                <a:solidFill>
+                  <a:schemeClr val="bg1"/>
+                </a:solidFill>
+              </a:rPr>
+              <a:t>UserPref</a:t>
+            </a:r>
+            <a:endParaRPr lang="en-SG" sz="1050" dirty="0">
+              <a:solidFill>
+                <a:schemeClr val="bg1"/>
+              </a:solidFill>
+            </a:endParaRPr>
+          </a:p>
+        </p:txBody>
+      </p:sp>
+      <p:sp>
+        <p:nvSpPr>
+          <p:cNvPr id="4" name="Rectangle 3">
+            <a:extLst>
+              <a:ext uri="{FF2B5EF4-FFF2-40B4-BE49-F238E27FC236}">
+                <a16:creationId xmlns:a16="http://schemas.microsoft.com/office/drawing/2014/main" id="{EADEC54B-FC5C-4776-B370-142658BCA249}"/>
+              </a:ext>
+            </a:extLst>
+          </p:cNvPr>
+          <p:cNvSpPr/>
+          <p:nvPr/>
+        </p:nvSpPr>
+        <p:spPr>
+          <a:xfrm rot="16200000">
+            <a:off x="911469" y="3398973"/>
+            <a:ext cx="1889188" cy="341105"/>
+          </a:xfrm>
+          <a:prstGeom prst="rect">
+            <a:avLst/>
+          </a:prstGeom>
+          <a:solidFill>
+            <a:srgbClr val="7030A0"/>
+          </a:solidFill>
+          <a:ln w="19050">
+            <a:solidFill>
+              <a:srgbClr val="7030A0"/>
+            </a:solidFill>
+          </a:ln>
+          <a:effectLst/>
+        </p:spPr>
+        <p:style>
+          <a:lnRef idx="1">
+            <a:schemeClr val="accent2"/>
+          </a:lnRef>
+          <a:fillRef idx="2">
+            <a:schemeClr val="accent2"/>
+          </a:fillRef>
+          <a:effectRef idx="1">
+            <a:schemeClr val="accent2"/>
+          </a:effectRef>
+          <a:fontRef idx="minor">
+            <a:schemeClr val="dk1"/>
+          </a:fontRef>
+        </p:style>
+        <p:txBody>
+          <a:bodyPr rtlCol="0" anchor="ctr"/>
+          <a:lstStyle>
+            <a:defPPr>
+              <a:defRPr lang="en-US"/>
+            </a:defPPr>
+            <a:lvl1pPr marL="0" algn="l" defTabSz="914400" rtl="0" eaLnBrk="1" latinLnBrk="0" hangingPunct="1">
+              <a:defRPr sz="1800" kern="1200">
+                <a:solidFill>
+                  <a:schemeClr val="dk1"/>
+                </a:solidFill>
+                <a:latin typeface="+mn-lt"/>
+                <a:ea typeface="+mn-ea"/>
+                <a:cs typeface="+mn-cs"/>
+              </a:defRPr>
+            </a:lvl1pPr>
+            <a:lvl2pPr marL="457200" algn="l" defTabSz="914400" rtl="0" eaLnBrk="1" latinLnBrk="0" hangingPunct="1">
+              <a:defRPr sz="1800" kern="1200">
+                <a:solidFill>
+                  <a:schemeClr val="dk1"/>
+                </a:solidFill>
+                <a:latin typeface="+mn-lt"/>
+                <a:ea typeface="+mn-ea"/>
+                <a:cs typeface="+mn-cs"/>
+              </a:defRPr>
+            </a:lvl2pPr>
+            <a:lvl3pPr marL="914400" algn="l" defTabSz="914400" rtl="0" eaLnBrk="1" latinLnBrk="0" hangingPunct="1">
+              <a:defRPr sz="1800" kern="1200">
+                <a:solidFill>
+                  <a:schemeClr val="dk1"/>
+                </a:solidFill>
+                <a:latin typeface="+mn-lt"/>
+                <a:ea typeface="+mn-ea"/>
+                <a:cs typeface="+mn-cs"/>
+              </a:defRPr>
+            </a:lvl3pPr>
+            <a:lvl4pPr marL="1371600" algn="l" defTabSz="914400" rtl="0" eaLnBrk="1" latinLnBrk="0" hangingPunct="1">
+              <a:defRPr sz="1800" kern="1200">
+                <a:solidFill>
+                  <a:schemeClr val="dk1"/>
+                </a:solidFill>
+                <a:latin typeface="+mn-lt"/>
+                <a:ea typeface="+mn-ea"/>
+                <a:cs typeface="+mn-cs"/>
+              </a:defRPr>
+            </a:lvl4pPr>
+            <a:lvl5pPr marL="1828800" algn="l" defTabSz="914400" rtl="0" eaLnBrk="1" latinLnBrk="0" hangingPunct="1">
+              <a:defRPr sz="1800" kern="1200">
+                <a:solidFill>
+                  <a:schemeClr val="dk1"/>
+                </a:solidFill>
+                <a:latin typeface="+mn-lt"/>
+                <a:ea typeface="+mn-ea"/>
+                <a:cs typeface="+mn-cs"/>
+              </a:defRPr>
+            </a:lvl5pPr>
+            <a:lvl6pPr marL="2286000" algn="l" defTabSz="914400" rtl="0" eaLnBrk="1" latinLnBrk="0" hangingPunct="1">
+              <a:defRPr sz="1800" kern="1200">
+                <a:solidFill>
+                  <a:schemeClr val="dk1"/>
+                </a:solidFill>
+                <a:latin typeface="+mn-lt"/>
+                <a:ea typeface="+mn-ea"/>
+                <a:cs typeface="+mn-cs"/>
+              </a:defRPr>
+            </a:lvl6pPr>
+            <a:lvl7pPr marL="2743200" algn="l" defTabSz="914400" rtl="0" eaLnBrk="1" latinLnBrk="0" hangingPunct="1">
+              <a:defRPr sz="1800" kern="1200">
+                <a:solidFill>
+                  <a:schemeClr val="dk1"/>
+                </a:solidFill>
+                <a:latin typeface="+mn-lt"/>
+                <a:ea typeface="+mn-ea"/>
+                <a:cs typeface="+mn-cs"/>
+              </a:defRPr>
+            </a:lvl7pPr>
+            <a:lvl8pPr marL="3200400" algn="l" defTabSz="914400" rtl="0" eaLnBrk="1" latinLnBrk="0" hangingPunct="1">
+              <a:defRPr sz="1800" kern="1200">
+                <a:solidFill>
+                  <a:schemeClr val="dk1"/>
+                </a:solidFill>
+                <a:latin typeface="+mn-lt"/>
+                <a:ea typeface="+mn-ea"/>
+                <a:cs typeface="+mn-cs"/>
+              </a:defRPr>
+            </a:lvl8pPr>
+            <a:lvl9pPr marL="3657600" algn="l" defTabSz="914400" rtl="0" eaLnBrk="1" latinLnBrk="0" hangingPunct="1">
+              <a:defRPr sz="1800" kern="1200">
+                <a:solidFill>
+                  <a:schemeClr val="dk1"/>
+                </a:solidFill>
+                <a:latin typeface="+mn-lt"/>
+                <a:ea typeface="+mn-ea"/>
+                <a:cs typeface="+mn-cs"/>
+              </a:defRPr>
+            </a:lvl9pPr>
+          </a:lstStyle>
+          <a:p>
+            <a:pPr algn="ctr"/>
+            <a:r>
+              <a:rPr lang="en-US" sz="1050" dirty="0" err="1">
+                <a:solidFill>
+                  <a:schemeClr val="bg1"/>
+                </a:solidFill>
+              </a:rPr>
+              <a:t>ModelManager</a:t>
+            </a:r>
+            <a:endParaRPr lang="en-SG" sz="1050" dirty="0">
+              <a:solidFill>
+                <a:schemeClr val="bg1"/>
+              </a:solidFill>
+            </a:endParaRPr>
+          </a:p>
+        </p:txBody>
+      </p:sp>
+      <p:cxnSp>
+        <p:nvCxnSpPr>
+          <p:cNvPr id="5" name="Elbow Connector 106">
+            <a:extLst>
+              <a:ext uri="{FF2B5EF4-FFF2-40B4-BE49-F238E27FC236}">
+                <a16:creationId xmlns:a16="http://schemas.microsoft.com/office/drawing/2014/main" id="{025E034A-D3CC-4607-8D14-C6A91F2ABA43}"/>
+              </a:ext>
+            </a:extLst>
+          </p:cNvPr>
+          <p:cNvCxnSpPr>
+            <a:cxnSpLocks/>
+            <a:stCxn id="4" idx="1"/>
+            <a:endCxn id="17" idx="2"/>
+          </p:cNvCxnSpPr>
+          <p:nvPr/>
+        </p:nvCxnSpPr>
+        <p:spPr>
+          <a:xfrm rot="5400000" flipH="1" flipV="1">
+            <a:off x="3270932" y="1652591"/>
+            <a:ext cx="1446661" cy="4276398"/>
+          </a:xfrm>
+          <a:prstGeom prst="bentConnector3">
+            <a:avLst>
+              <a:gd name="adj1" fmla="val -6541"/>
+            </a:avLst>
+          </a:prstGeom>
+          <a:ln w="19050">
+            <a:solidFill>
+              <a:srgbClr val="7030A0"/>
+            </a:solidFill>
+            <a:prstDash val="solid"/>
+            <a:headEnd type="none" w="med" len="med"/>
+            <a:tailEnd type="arrow" w="med" len="med"/>
+          </a:ln>
+          <a:effectLst/>
+        </p:spPr>
+        <p:style>
+          <a:lnRef idx="1">
+            <a:schemeClr val="accent2"/>
+          </a:lnRef>
+          <a:fillRef idx="2">
+            <a:schemeClr val="accent2"/>
+          </a:fillRef>
+          <a:effectRef idx="1">
+            <a:schemeClr val="accent2"/>
+          </a:effectRef>
+          <a:fontRef idx="minor">
+            <a:schemeClr val="dk1"/>
+          </a:fontRef>
+        </p:style>
+      </p:cxnSp>
+      <p:sp>
+        <p:nvSpPr>
+          <p:cNvPr id="6" name="Rectangle 5">
+            <a:extLst>
+              <a:ext uri="{FF2B5EF4-FFF2-40B4-BE49-F238E27FC236}">
+                <a16:creationId xmlns:a16="http://schemas.microsoft.com/office/drawing/2014/main" id="{F614AC2E-8EC6-4756-837C-325BD50222A2}"/>
+              </a:ext>
+            </a:extLst>
+          </p:cNvPr>
+          <p:cNvSpPr/>
+          <p:nvPr/>
+        </p:nvSpPr>
+        <p:spPr>
+          <a:xfrm rot="16200000">
+            <a:off x="606726" y="2761822"/>
+            <a:ext cx="1093635" cy="346760"/>
+          </a:xfrm>
+          <a:prstGeom prst="rect">
+            <a:avLst/>
+          </a:prstGeom>
+          <a:solidFill>
+            <a:srgbClr val="7030A0"/>
+          </a:solidFill>
+          <a:ln w="19050">
+            <a:solidFill>
+              <a:srgbClr val="7030A0"/>
+            </a:solidFill>
+          </a:ln>
+          <a:effectLst/>
+        </p:spPr>
+        <p:style>
+          <a:lnRef idx="1">
+            <a:schemeClr val="accent2"/>
+          </a:lnRef>
+          <a:fillRef idx="2">
+            <a:schemeClr val="accent2"/>
+          </a:fillRef>
+          <a:effectRef idx="1">
+            <a:schemeClr val="accent2"/>
+          </a:effectRef>
+          <a:fontRef idx="minor">
+            <a:schemeClr val="dk1"/>
+          </a:fontRef>
+        </p:style>
+        <p:txBody>
+          <a:bodyPr rtlCol="0" anchor="ctr"/>
+          <a:lstStyle>
+            <a:defPPr>
+              <a:defRPr lang="en-US"/>
+            </a:defPPr>
+            <a:lvl1pPr marL="0" algn="l" defTabSz="914400" rtl="0" eaLnBrk="1" latinLnBrk="0" hangingPunct="1">
+              <a:defRPr sz="1800" kern="1200">
+                <a:solidFill>
+                  <a:schemeClr val="dk1"/>
+                </a:solidFill>
+                <a:latin typeface="+mn-lt"/>
+                <a:ea typeface="+mn-ea"/>
+                <a:cs typeface="+mn-cs"/>
+              </a:defRPr>
+            </a:lvl1pPr>
+            <a:lvl2pPr marL="457200" algn="l" defTabSz="914400" rtl="0" eaLnBrk="1" latinLnBrk="0" hangingPunct="1">
+              <a:defRPr sz="1800" kern="1200">
+                <a:solidFill>
+                  <a:schemeClr val="dk1"/>
+                </a:solidFill>
+                <a:latin typeface="+mn-lt"/>
+                <a:ea typeface="+mn-ea"/>
+                <a:cs typeface="+mn-cs"/>
+              </a:defRPr>
+            </a:lvl2pPr>
+            <a:lvl3pPr marL="914400" algn="l" defTabSz="914400" rtl="0" eaLnBrk="1" latinLnBrk="0" hangingPunct="1">
+              <a:defRPr sz="1800" kern="1200">
+                <a:solidFill>
+                  <a:schemeClr val="dk1"/>
+                </a:solidFill>
+                <a:latin typeface="+mn-lt"/>
+                <a:ea typeface="+mn-ea"/>
+                <a:cs typeface="+mn-cs"/>
+              </a:defRPr>
+            </a:lvl3pPr>
+            <a:lvl4pPr marL="1371600" algn="l" defTabSz="914400" rtl="0" eaLnBrk="1" latinLnBrk="0" hangingPunct="1">
+              <a:defRPr sz="1800" kern="1200">
+                <a:solidFill>
+                  <a:schemeClr val="dk1"/>
+                </a:solidFill>
+                <a:latin typeface="+mn-lt"/>
+                <a:ea typeface="+mn-ea"/>
+                <a:cs typeface="+mn-cs"/>
+              </a:defRPr>
+            </a:lvl4pPr>
+            <a:lvl5pPr marL="1828800" algn="l" defTabSz="914400" rtl="0" eaLnBrk="1" latinLnBrk="0" hangingPunct="1">
+              <a:defRPr sz="1800" kern="1200">
+                <a:solidFill>
+                  <a:schemeClr val="dk1"/>
+                </a:solidFill>
+                <a:latin typeface="+mn-lt"/>
+                <a:ea typeface="+mn-ea"/>
+                <a:cs typeface="+mn-cs"/>
+              </a:defRPr>
+            </a:lvl5pPr>
+            <a:lvl6pPr marL="2286000" algn="l" defTabSz="914400" rtl="0" eaLnBrk="1" latinLnBrk="0" hangingPunct="1">
+              <a:defRPr sz="1800" kern="1200">
+                <a:solidFill>
+                  <a:schemeClr val="dk1"/>
+                </a:solidFill>
+                <a:latin typeface="+mn-lt"/>
+                <a:ea typeface="+mn-ea"/>
+                <a:cs typeface="+mn-cs"/>
+              </a:defRPr>
+            </a:lvl6pPr>
+            <a:lvl7pPr marL="2743200" algn="l" defTabSz="914400" rtl="0" eaLnBrk="1" latinLnBrk="0" hangingPunct="1">
+              <a:defRPr sz="1800" kern="1200">
+                <a:solidFill>
+                  <a:schemeClr val="dk1"/>
+                </a:solidFill>
+                <a:latin typeface="+mn-lt"/>
+                <a:ea typeface="+mn-ea"/>
+                <a:cs typeface="+mn-cs"/>
+              </a:defRPr>
+            </a:lvl7pPr>
+            <a:lvl8pPr marL="3200400" algn="l" defTabSz="914400" rtl="0" eaLnBrk="1" latinLnBrk="0" hangingPunct="1">
+              <a:defRPr sz="1800" kern="1200">
+                <a:solidFill>
+                  <a:schemeClr val="dk1"/>
+                </a:solidFill>
+                <a:latin typeface="+mn-lt"/>
+                <a:ea typeface="+mn-ea"/>
+                <a:cs typeface="+mn-cs"/>
+              </a:defRPr>
+            </a:lvl8pPr>
+            <a:lvl9pPr marL="3657600" algn="l" defTabSz="914400" rtl="0" eaLnBrk="1" latinLnBrk="0" hangingPunct="1">
+              <a:defRPr sz="1800" kern="1200">
+                <a:solidFill>
+                  <a:schemeClr val="dk1"/>
+                </a:solidFill>
+                <a:latin typeface="+mn-lt"/>
+                <a:ea typeface="+mn-ea"/>
+                <a:cs typeface="+mn-cs"/>
+              </a:defRPr>
+            </a:lvl9pPr>
+          </a:lstStyle>
+          <a:p>
+            <a:pPr algn="ctr"/>
+            <a:r>
+              <a:rPr lang="en-US" sz="1050" dirty="0">
+                <a:solidFill>
+                  <a:schemeClr val="bg1"/>
+                </a:solidFill>
+              </a:rPr>
+              <a:t>&lt;&lt;interface&gt;&gt;</a:t>
+            </a:r>
+          </a:p>
+          <a:p>
+            <a:pPr algn="ctr"/>
+            <a:r>
+              <a:rPr lang="en-US" sz="1050" dirty="0">
+                <a:solidFill>
+                  <a:schemeClr val="bg1"/>
+                </a:solidFill>
+              </a:rPr>
+              <a:t>Model</a:t>
+            </a:r>
+            <a:endParaRPr lang="en-SG" sz="1050" dirty="0">
+              <a:solidFill>
+                <a:schemeClr val="bg1"/>
+              </a:solidFill>
+            </a:endParaRPr>
+          </a:p>
+        </p:txBody>
+      </p:sp>
+      <p:sp>
+        <p:nvSpPr>
+          <p:cNvPr id="7" name="Isosceles Triangle 6">
+            <a:extLst>
+              <a:ext uri="{FF2B5EF4-FFF2-40B4-BE49-F238E27FC236}">
+                <a16:creationId xmlns:a16="http://schemas.microsoft.com/office/drawing/2014/main" id="{143E6252-905F-4C58-A7C2-442C601DA657}"/>
+              </a:ext>
+            </a:extLst>
+          </p:cNvPr>
+          <p:cNvSpPr/>
+          <p:nvPr/>
+        </p:nvSpPr>
+        <p:spPr>
+          <a:xfrm rot="16200000">
+            <a:off x="1277434" y="2852911"/>
+            <a:ext cx="270504" cy="175523"/>
+          </a:xfrm>
+          <a:prstGeom prst="triangle">
+            <a:avLst/>
+          </a:prstGeom>
+          <a:solidFill>
+            <a:srgbClr val="7030A0"/>
+          </a:solidFill>
+          <a:ln w="19050">
+            <a:solidFill>
+              <a:srgbClr val="7030A0"/>
+            </a:solidFill>
+          </a:ln>
+          <a:effectLst/>
+        </p:spPr>
+        <p:style>
+          <a:lnRef idx="1">
+            <a:schemeClr val="accent6"/>
+          </a:lnRef>
+          <a:fillRef idx="2">
+            <a:schemeClr val="accent6"/>
+          </a:fillRef>
+          <a:effectRef idx="1">
+            <a:schemeClr val="accent6"/>
+          </a:effectRef>
+          <a:fontRef idx="minor">
+            <a:schemeClr val="dk1"/>
+          </a:fontRef>
+        </p:style>
+        <p:txBody>
+          <a:bodyPr rtlCol="0" anchor="ctr"/>
+          <a:lstStyle>
+            <a:defPPr>
+              <a:defRPr lang="en-US"/>
+            </a:defPPr>
+            <a:lvl1pPr marL="0" algn="l" defTabSz="914400" rtl="0" eaLnBrk="1" latinLnBrk="0" hangingPunct="1">
+              <a:defRPr sz="1800" kern="1200">
+                <a:solidFill>
+                  <a:schemeClr val="dk1"/>
+                </a:solidFill>
+                <a:latin typeface="+mn-lt"/>
+                <a:ea typeface="+mn-ea"/>
+                <a:cs typeface="+mn-cs"/>
+              </a:defRPr>
+            </a:lvl1pPr>
+            <a:lvl2pPr marL="457200" algn="l" defTabSz="914400" rtl="0" eaLnBrk="1" latinLnBrk="0" hangingPunct="1">
+              <a:defRPr sz="1800" kern="1200">
+                <a:solidFill>
+                  <a:schemeClr val="dk1"/>
+                </a:solidFill>
+                <a:latin typeface="+mn-lt"/>
+                <a:ea typeface="+mn-ea"/>
+                <a:cs typeface="+mn-cs"/>
+              </a:defRPr>
+            </a:lvl2pPr>
+            <a:lvl3pPr marL="914400" algn="l" defTabSz="914400" rtl="0" eaLnBrk="1" latinLnBrk="0" hangingPunct="1">
+              <a:defRPr sz="1800" kern="1200">
+                <a:solidFill>
+                  <a:schemeClr val="dk1"/>
+                </a:solidFill>
+                <a:latin typeface="+mn-lt"/>
+                <a:ea typeface="+mn-ea"/>
+                <a:cs typeface="+mn-cs"/>
+              </a:defRPr>
+            </a:lvl3pPr>
+            <a:lvl4pPr marL="1371600" algn="l" defTabSz="914400" rtl="0" eaLnBrk="1" latinLnBrk="0" hangingPunct="1">
+              <a:defRPr sz="1800" kern="1200">
+                <a:solidFill>
+                  <a:schemeClr val="dk1"/>
+                </a:solidFill>
+                <a:latin typeface="+mn-lt"/>
+                <a:ea typeface="+mn-ea"/>
+                <a:cs typeface="+mn-cs"/>
+              </a:defRPr>
+            </a:lvl4pPr>
+            <a:lvl5pPr marL="1828800" algn="l" defTabSz="914400" rtl="0" eaLnBrk="1" latinLnBrk="0" hangingPunct="1">
+              <a:defRPr sz="1800" kern="1200">
+                <a:solidFill>
+                  <a:schemeClr val="dk1"/>
+                </a:solidFill>
+                <a:latin typeface="+mn-lt"/>
+                <a:ea typeface="+mn-ea"/>
+                <a:cs typeface="+mn-cs"/>
+              </a:defRPr>
+            </a:lvl5pPr>
+            <a:lvl6pPr marL="2286000" algn="l" defTabSz="914400" rtl="0" eaLnBrk="1" latinLnBrk="0" hangingPunct="1">
+              <a:defRPr sz="1800" kern="1200">
+                <a:solidFill>
+                  <a:schemeClr val="dk1"/>
+                </a:solidFill>
+                <a:latin typeface="+mn-lt"/>
+                <a:ea typeface="+mn-ea"/>
+                <a:cs typeface="+mn-cs"/>
+              </a:defRPr>
+            </a:lvl6pPr>
+            <a:lvl7pPr marL="2743200" algn="l" defTabSz="914400" rtl="0" eaLnBrk="1" latinLnBrk="0" hangingPunct="1">
+              <a:defRPr sz="1800" kern="1200">
+                <a:solidFill>
+                  <a:schemeClr val="dk1"/>
+                </a:solidFill>
+                <a:latin typeface="+mn-lt"/>
+                <a:ea typeface="+mn-ea"/>
+                <a:cs typeface="+mn-cs"/>
+              </a:defRPr>
+            </a:lvl7pPr>
+            <a:lvl8pPr marL="3200400" algn="l" defTabSz="914400" rtl="0" eaLnBrk="1" latinLnBrk="0" hangingPunct="1">
+              <a:defRPr sz="1800" kern="1200">
+                <a:solidFill>
+                  <a:schemeClr val="dk1"/>
+                </a:solidFill>
+                <a:latin typeface="+mn-lt"/>
+                <a:ea typeface="+mn-ea"/>
+                <a:cs typeface="+mn-cs"/>
+              </a:defRPr>
+            </a:lvl8pPr>
+            <a:lvl9pPr marL="3657600" algn="l" defTabSz="914400" rtl="0" eaLnBrk="1" latinLnBrk="0" hangingPunct="1">
+              <a:defRPr sz="1800" kern="1200">
+                <a:solidFill>
+                  <a:schemeClr val="dk1"/>
+                </a:solidFill>
+                <a:latin typeface="+mn-lt"/>
+                <a:ea typeface="+mn-ea"/>
+                <a:cs typeface="+mn-cs"/>
+              </a:defRPr>
+            </a:lvl9pPr>
+          </a:lstStyle>
+          <a:p>
+            <a:pPr algn="ctr"/>
+            <a:endParaRPr lang="en-SG" sz="1050"/>
+          </a:p>
+        </p:txBody>
+      </p:sp>
+      <p:cxnSp>
+        <p:nvCxnSpPr>
+          <p:cNvPr id="8" name="Straight Arrow Connector 7">
+            <a:extLst>
+              <a:ext uri="{FF2B5EF4-FFF2-40B4-BE49-F238E27FC236}">
+                <a16:creationId xmlns:a16="http://schemas.microsoft.com/office/drawing/2014/main" id="{2D919701-BB1C-487F-A085-EEC53096F933}"/>
+              </a:ext>
+            </a:extLst>
+          </p:cNvPr>
+          <p:cNvCxnSpPr>
+            <a:stCxn id="11" idx="3"/>
+            <a:endCxn id="3" idx="1"/>
+          </p:cNvCxnSpPr>
+          <p:nvPr/>
+        </p:nvCxnSpPr>
+        <p:spPr>
+          <a:xfrm>
+            <a:off x="2260352" y="3537240"/>
+            <a:ext cx="267352" cy="0"/>
+          </a:xfrm>
+          <a:prstGeom prst="straightConnector1">
+            <a:avLst/>
+          </a:prstGeom>
+          <a:ln w="19050">
+            <a:solidFill>
+              <a:srgbClr val="7030A0"/>
+            </a:solidFill>
+            <a:headEnd type="none" w="med" len="med"/>
+            <a:tailEnd type="arrow" w="med" len="med"/>
+          </a:ln>
+          <a:effectLst/>
+        </p:spPr>
+        <p:style>
+          <a:lnRef idx="1">
+            <a:schemeClr val="accent2"/>
+          </a:lnRef>
+          <a:fillRef idx="2">
+            <a:schemeClr val="accent2"/>
+          </a:fillRef>
+          <a:effectRef idx="1">
+            <a:schemeClr val="accent2"/>
+          </a:effectRef>
+          <a:fontRef idx="minor">
+            <a:schemeClr val="dk1"/>
+          </a:fontRef>
+        </p:style>
+      </p:cxnSp>
+      <p:cxnSp>
+        <p:nvCxnSpPr>
+          <p:cNvPr id="9" name="Elbow Connector 122">
+            <a:extLst>
+              <a:ext uri="{FF2B5EF4-FFF2-40B4-BE49-F238E27FC236}">
+                <a16:creationId xmlns:a16="http://schemas.microsoft.com/office/drawing/2014/main" id="{E28D3962-8C24-4F69-8599-32365F05BC3D}"/>
+              </a:ext>
+            </a:extLst>
+          </p:cNvPr>
+          <p:cNvCxnSpPr/>
+          <p:nvPr/>
+        </p:nvCxnSpPr>
+        <p:spPr>
+          <a:xfrm>
+            <a:off x="560615" y="2940673"/>
+            <a:ext cx="419548" cy="2860"/>
+          </a:xfrm>
+          <a:prstGeom prst="bentConnector3">
+            <a:avLst>
+              <a:gd name="adj1" fmla="val 50000"/>
+            </a:avLst>
+          </a:prstGeom>
+          <a:ln w="19050">
+            <a:solidFill>
+              <a:schemeClr val="bg1">
+                <a:lumMod val="75000"/>
+              </a:schemeClr>
+            </a:solidFill>
+            <a:prstDash val="sysDot"/>
+            <a:headEnd type="none" w="med" len="med"/>
+            <a:tailEnd type="arrow" w="med" len="med"/>
+          </a:ln>
+          <a:effectLst/>
+        </p:spPr>
+        <p:style>
+          <a:lnRef idx="1">
+            <a:schemeClr val="accent2"/>
+          </a:lnRef>
+          <a:fillRef idx="2">
+            <a:schemeClr val="accent2"/>
+          </a:fillRef>
+          <a:effectRef idx="1">
+            <a:schemeClr val="accent2"/>
+          </a:effectRef>
+          <a:fontRef idx="minor">
+            <a:schemeClr val="dk1"/>
+          </a:fontRef>
+        </p:style>
+      </p:cxnSp>
+      <p:cxnSp>
+        <p:nvCxnSpPr>
+          <p:cNvPr id="10" name="Straight Connector 9">
+            <a:extLst>
+              <a:ext uri="{FF2B5EF4-FFF2-40B4-BE49-F238E27FC236}">
+                <a16:creationId xmlns:a16="http://schemas.microsoft.com/office/drawing/2014/main" id="{89FC67AD-044F-4312-B8E8-A0EC8C84154A}"/>
+              </a:ext>
+            </a:extLst>
+          </p:cNvPr>
+          <p:cNvCxnSpPr>
+            <a:stCxn id="7" idx="3"/>
+          </p:cNvCxnSpPr>
+          <p:nvPr/>
+        </p:nvCxnSpPr>
+        <p:spPr>
+          <a:xfrm flipV="1">
+            <a:off x="1500448" y="2940672"/>
+            <a:ext cx="216105" cy="1"/>
+          </a:xfrm>
+          <a:prstGeom prst="line">
+            <a:avLst/>
+          </a:prstGeom>
+          <a:ln w="19050">
+            <a:solidFill>
+              <a:srgbClr val="7030A0"/>
+            </a:solidFill>
+            <a:prstDash val="sysDot"/>
+            <a:headEnd type="none" w="med" len="med"/>
+            <a:tailEnd type="none" w="med" len="med"/>
+          </a:ln>
+          <a:effectLst/>
+        </p:spPr>
+        <p:style>
+          <a:lnRef idx="1">
+            <a:schemeClr val="accent2"/>
+          </a:lnRef>
+          <a:fillRef idx="2">
+            <a:schemeClr val="accent2"/>
+          </a:fillRef>
+          <a:effectRef idx="1">
+            <a:schemeClr val="accent2"/>
+          </a:effectRef>
+          <a:fontRef idx="minor">
+            <a:schemeClr val="dk1"/>
+          </a:fontRef>
+        </p:style>
+      </p:cxnSp>
+      <p:sp>
+        <p:nvSpPr>
+          <p:cNvPr id="11" name="Flowchart: Decision 10">
+            <a:extLst>
+              <a:ext uri="{FF2B5EF4-FFF2-40B4-BE49-F238E27FC236}">
+                <a16:creationId xmlns:a16="http://schemas.microsoft.com/office/drawing/2014/main" id="{03775C6D-9FE5-4064-91FF-7756FA94C4C7}"/>
+              </a:ext>
+            </a:extLst>
+          </p:cNvPr>
+          <p:cNvSpPr/>
+          <p:nvPr/>
+        </p:nvSpPr>
+        <p:spPr>
+          <a:xfrm>
+            <a:off x="2024304" y="3450550"/>
+            <a:ext cx="236048" cy="173380"/>
+          </a:xfrm>
+          <a:prstGeom prst="flowChartDecision">
+            <a:avLst/>
+          </a:prstGeom>
+          <a:noFill/>
+          <a:ln w="19050">
+            <a:solidFill>
+              <a:srgbClr val="7030A0"/>
+            </a:solidFill>
+          </a:ln>
+          <a:effectLst/>
+        </p:spPr>
+        <p:style>
+          <a:lnRef idx="1">
+            <a:schemeClr val="accent6"/>
+          </a:lnRef>
+          <a:fillRef idx="2">
+            <a:schemeClr val="accent6"/>
+          </a:fillRef>
+          <a:effectRef idx="1">
+            <a:schemeClr val="accent6"/>
+          </a:effectRef>
+          <a:fontRef idx="minor">
+            <a:schemeClr val="dk1"/>
+          </a:fontRef>
+        </p:style>
+        <p:txBody>
+          <a:bodyPr rtlCol="0" anchor="ctr"/>
+          <a:lstStyle>
+            <a:defPPr>
+              <a:defRPr lang="en-US"/>
+            </a:defPPr>
+            <a:lvl1pPr marL="0" algn="l" defTabSz="914400" rtl="0" eaLnBrk="1" latinLnBrk="0" hangingPunct="1">
+              <a:defRPr sz="1800" kern="1200">
+                <a:solidFill>
+                  <a:schemeClr val="dk1"/>
+                </a:solidFill>
+                <a:latin typeface="+mn-lt"/>
+                <a:ea typeface="+mn-ea"/>
+                <a:cs typeface="+mn-cs"/>
+              </a:defRPr>
+            </a:lvl1pPr>
+            <a:lvl2pPr marL="457200" algn="l" defTabSz="914400" rtl="0" eaLnBrk="1" latinLnBrk="0" hangingPunct="1">
+              <a:defRPr sz="1800" kern="1200">
+                <a:solidFill>
+                  <a:schemeClr val="dk1"/>
+                </a:solidFill>
+                <a:latin typeface="+mn-lt"/>
+                <a:ea typeface="+mn-ea"/>
+                <a:cs typeface="+mn-cs"/>
+              </a:defRPr>
+            </a:lvl2pPr>
+            <a:lvl3pPr marL="914400" algn="l" defTabSz="914400" rtl="0" eaLnBrk="1" latinLnBrk="0" hangingPunct="1">
+              <a:defRPr sz="1800" kern="1200">
+                <a:solidFill>
+                  <a:schemeClr val="dk1"/>
+                </a:solidFill>
+                <a:latin typeface="+mn-lt"/>
+                <a:ea typeface="+mn-ea"/>
+                <a:cs typeface="+mn-cs"/>
+              </a:defRPr>
+            </a:lvl3pPr>
+            <a:lvl4pPr marL="1371600" algn="l" defTabSz="914400" rtl="0" eaLnBrk="1" latinLnBrk="0" hangingPunct="1">
+              <a:defRPr sz="1800" kern="1200">
+                <a:solidFill>
+                  <a:schemeClr val="dk1"/>
+                </a:solidFill>
+                <a:latin typeface="+mn-lt"/>
+                <a:ea typeface="+mn-ea"/>
+                <a:cs typeface="+mn-cs"/>
+              </a:defRPr>
+            </a:lvl4pPr>
+            <a:lvl5pPr marL="1828800" algn="l" defTabSz="914400" rtl="0" eaLnBrk="1" latinLnBrk="0" hangingPunct="1">
+              <a:defRPr sz="1800" kern="1200">
+                <a:solidFill>
+                  <a:schemeClr val="dk1"/>
+                </a:solidFill>
+                <a:latin typeface="+mn-lt"/>
+                <a:ea typeface="+mn-ea"/>
+                <a:cs typeface="+mn-cs"/>
+              </a:defRPr>
+            </a:lvl5pPr>
+            <a:lvl6pPr marL="2286000" algn="l" defTabSz="914400" rtl="0" eaLnBrk="1" latinLnBrk="0" hangingPunct="1">
+              <a:defRPr sz="1800" kern="1200">
+                <a:solidFill>
+                  <a:schemeClr val="dk1"/>
+                </a:solidFill>
+                <a:latin typeface="+mn-lt"/>
+                <a:ea typeface="+mn-ea"/>
+                <a:cs typeface="+mn-cs"/>
+              </a:defRPr>
+            </a:lvl6pPr>
+            <a:lvl7pPr marL="2743200" algn="l" defTabSz="914400" rtl="0" eaLnBrk="1" latinLnBrk="0" hangingPunct="1">
+              <a:defRPr sz="1800" kern="1200">
+                <a:solidFill>
+                  <a:schemeClr val="dk1"/>
+                </a:solidFill>
+                <a:latin typeface="+mn-lt"/>
+                <a:ea typeface="+mn-ea"/>
+                <a:cs typeface="+mn-cs"/>
+              </a:defRPr>
+            </a:lvl7pPr>
+            <a:lvl8pPr marL="3200400" algn="l" defTabSz="914400" rtl="0" eaLnBrk="1" latinLnBrk="0" hangingPunct="1">
+              <a:defRPr sz="1800" kern="1200">
+                <a:solidFill>
+                  <a:schemeClr val="dk1"/>
+                </a:solidFill>
+                <a:latin typeface="+mn-lt"/>
+                <a:ea typeface="+mn-ea"/>
+                <a:cs typeface="+mn-cs"/>
+              </a:defRPr>
+            </a:lvl8pPr>
+            <a:lvl9pPr marL="3657600" algn="l" defTabSz="914400" rtl="0" eaLnBrk="1" latinLnBrk="0" hangingPunct="1">
+              <a:defRPr sz="1800" kern="1200">
+                <a:solidFill>
+                  <a:schemeClr val="dk1"/>
+                </a:solidFill>
+                <a:latin typeface="+mn-lt"/>
+                <a:ea typeface="+mn-ea"/>
+                <a:cs typeface="+mn-cs"/>
+              </a:defRPr>
+            </a:lvl9pPr>
+          </a:lstStyle>
+          <a:p>
+            <a:pPr algn="ctr"/>
+            <a:endParaRPr lang="en-US" sz="1050"/>
+          </a:p>
+        </p:txBody>
+      </p:sp>
+      <p:sp>
+        <p:nvSpPr>
+          <p:cNvPr id="12" name="Rectangle 11">
+            <a:extLst>
+              <a:ext uri="{FF2B5EF4-FFF2-40B4-BE49-F238E27FC236}">
+                <a16:creationId xmlns:a16="http://schemas.microsoft.com/office/drawing/2014/main" id="{53677A7F-C62E-4E7D-A738-01356C5CB02A}"/>
+              </a:ext>
+            </a:extLst>
+          </p:cNvPr>
+          <p:cNvSpPr/>
+          <p:nvPr/>
+        </p:nvSpPr>
+        <p:spPr>
+          <a:xfrm>
+            <a:off x="2475805" y="2746782"/>
+            <a:ext cx="1164082" cy="358664"/>
+          </a:xfrm>
+          <a:prstGeom prst="rect">
+            <a:avLst/>
+          </a:prstGeom>
+          <a:ln w="19050">
+            <a:solidFill>
+              <a:srgbClr val="7030A0"/>
+            </a:solidFill>
+          </a:ln>
+          <a:effectLst/>
+        </p:spPr>
+        <p:style>
+          <a:lnRef idx="1">
+            <a:schemeClr val="accent4"/>
+          </a:lnRef>
+          <a:fillRef idx="2">
+            <a:schemeClr val="accent4"/>
+          </a:fillRef>
+          <a:effectRef idx="1">
+            <a:schemeClr val="accent4"/>
+          </a:effectRef>
+          <a:fontRef idx="minor">
+            <a:schemeClr val="dk1"/>
+          </a:fontRef>
+        </p:style>
+        <p:txBody>
+          <a:bodyPr rtlCol="0" anchor="ctr"/>
+          <a:lstStyle>
+            <a:defPPr>
+              <a:defRPr lang="en-US"/>
+            </a:defPPr>
+            <a:lvl1pPr marL="0" algn="l" defTabSz="914400" rtl="0" eaLnBrk="1" latinLnBrk="0" hangingPunct="1">
+              <a:defRPr sz="1800" kern="1200">
+                <a:solidFill>
+                  <a:schemeClr val="dk1"/>
+                </a:solidFill>
+                <a:latin typeface="+mn-lt"/>
+                <a:ea typeface="+mn-ea"/>
+                <a:cs typeface="+mn-cs"/>
+              </a:defRPr>
+            </a:lvl1pPr>
+            <a:lvl2pPr marL="457200" algn="l" defTabSz="914400" rtl="0" eaLnBrk="1" latinLnBrk="0" hangingPunct="1">
+              <a:defRPr sz="1800" kern="1200">
+                <a:solidFill>
+                  <a:schemeClr val="dk1"/>
+                </a:solidFill>
+                <a:latin typeface="+mn-lt"/>
+                <a:ea typeface="+mn-ea"/>
+                <a:cs typeface="+mn-cs"/>
+              </a:defRPr>
+            </a:lvl2pPr>
+            <a:lvl3pPr marL="914400" algn="l" defTabSz="914400" rtl="0" eaLnBrk="1" latinLnBrk="0" hangingPunct="1">
+              <a:defRPr sz="1800" kern="1200">
+                <a:solidFill>
+                  <a:schemeClr val="dk1"/>
+                </a:solidFill>
+                <a:latin typeface="+mn-lt"/>
+                <a:ea typeface="+mn-ea"/>
+                <a:cs typeface="+mn-cs"/>
+              </a:defRPr>
+            </a:lvl3pPr>
+            <a:lvl4pPr marL="1371600" algn="l" defTabSz="914400" rtl="0" eaLnBrk="1" latinLnBrk="0" hangingPunct="1">
+              <a:defRPr sz="1800" kern="1200">
+                <a:solidFill>
+                  <a:schemeClr val="dk1"/>
+                </a:solidFill>
+                <a:latin typeface="+mn-lt"/>
+                <a:ea typeface="+mn-ea"/>
+                <a:cs typeface="+mn-cs"/>
+              </a:defRPr>
+            </a:lvl4pPr>
+            <a:lvl5pPr marL="1828800" algn="l" defTabSz="914400" rtl="0" eaLnBrk="1" latinLnBrk="0" hangingPunct="1">
+              <a:defRPr sz="1800" kern="1200">
+                <a:solidFill>
+                  <a:schemeClr val="dk1"/>
+                </a:solidFill>
+                <a:latin typeface="+mn-lt"/>
+                <a:ea typeface="+mn-ea"/>
+                <a:cs typeface="+mn-cs"/>
+              </a:defRPr>
+            </a:lvl5pPr>
+            <a:lvl6pPr marL="2286000" algn="l" defTabSz="914400" rtl="0" eaLnBrk="1" latinLnBrk="0" hangingPunct="1">
+              <a:defRPr sz="1800" kern="1200">
+                <a:solidFill>
+                  <a:schemeClr val="dk1"/>
+                </a:solidFill>
+                <a:latin typeface="+mn-lt"/>
+                <a:ea typeface="+mn-ea"/>
+                <a:cs typeface="+mn-cs"/>
+              </a:defRPr>
+            </a:lvl6pPr>
+            <a:lvl7pPr marL="2743200" algn="l" defTabSz="914400" rtl="0" eaLnBrk="1" latinLnBrk="0" hangingPunct="1">
+              <a:defRPr sz="1800" kern="1200">
+                <a:solidFill>
+                  <a:schemeClr val="dk1"/>
+                </a:solidFill>
+                <a:latin typeface="+mn-lt"/>
+                <a:ea typeface="+mn-ea"/>
+                <a:cs typeface="+mn-cs"/>
+              </a:defRPr>
+            </a:lvl7pPr>
+            <a:lvl8pPr marL="3200400" algn="l" defTabSz="914400" rtl="0" eaLnBrk="1" latinLnBrk="0" hangingPunct="1">
+              <a:defRPr sz="1800" kern="1200">
+                <a:solidFill>
+                  <a:schemeClr val="dk1"/>
+                </a:solidFill>
+                <a:latin typeface="+mn-lt"/>
+                <a:ea typeface="+mn-ea"/>
+                <a:cs typeface="+mn-cs"/>
+              </a:defRPr>
+            </a:lvl8pPr>
+            <a:lvl9pPr marL="3657600" algn="l" defTabSz="914400" rtl="0" eaLnBrk="1" latinLnBrk="0" hangingPunct="1">
+              <a:defRPr sz="1800" kern="1200">
+                <a:solidFill>
+                  <a:schemeClr val="dk1"/>
+                </a:solidFill>
+                <a:latin typeface="+mn-lt"/>
+                <a:ea typeface="+mn-ea"/>
+                <a:cs typeface="+mn-cs"/>
+              </a:defRPr>
+            </a:lvl9pPr>
+          </a:lstStyle>
+          <a:p>
+            <a:pPr algn="ctr"/>
+            <a:r>
+              <a:rPr lang="en-US" sz="1050" dirty="0">
+                <a:solidFill>
+                  <a:srgbClr val="7030A0"/>
+                </a:solidFill>
+              </a:rPr>
+              <a:t>Canvas</a:t>
+            </a:r>
+            <a:endParaRPr lang="en-SG" sz="1050" dirty="0">
+              <a:solidFill>
+                <a:srgbClr val="7030A0"/>
+              </a:solidFill>
+            </a:endParaRPr>
+          </a:p>
+        </p:txBody>
+      </p:sp>
+      <p:cxnSp>
+        <p:nvCxnSpPr>
+          <p:cNvPr id="13" name="Straight Arrow Connector 12">
+            <a:extLst>
+              <a:ext uri="{FF2B5EF4-FFF2-40B4-BE49-F238E27FC236}">
+                <a16:creationId xmlns:a16="http://schemas.microsoft.com/office/drawing/2014/main" id="{FD3F1007-844C-4ED3-A675-A5E67CB507D1}"/>
+              </a:ext>
+            </a:extLst>
+          </p:cNvPr>
+          <p:cNvCxnSpPr>
+            <a:cxnSpLocks/>
+            <a:stCxn id="14" idx="3"/>
+            <a:endCxn id="12" idx="1"/>
+          </p:cNvCxnSpPr>
+          <p:nvPr/>
+        </p:nvCxnSpPr>
+        <p:spPr>
+          <a:xfrm>
+            <a:off x="2274884" y="2903653"/>
+            <a:ext cx="200921" cy="22461"/>
+          </a:xfrm>
+          <a:prstGeom prst="straightConnector1">
+            <a:avLst/>
+          </a:prstGeom>
+          <a:ln w="19050">
+            <a:solidFill>
+              <a:srgbClr val="7030A0"/>
+            </a:solidFill>
+            <a:headEnd type="none" w="med" len="med"/>
+            <a:tailEnd type="arrow" w="med" len="med"/>
+          </a:ln>
+          <a:effectLst/>
+        </p:spPr>
+        <p:style>
+          <a:lnRef idx="1">
+            <a:schemeClr val="accent2"/>
+          </a:lnRef>
+          <a:fillRef idx="2">
+            <a:schemeClr val="accent2"/>
+          </a:fillRef>
+          <a:effectRef idx="1">
+            <a:schemeClr val="accent2"/>
+          </a:effectRef>
+          <a:fontRef idx="minor">
+            <a:schemeClr val="dk1"/>
+          </a:fontRef>
+        </p:style>
+      </p:cxnSp>
+      <p:sp>
+        <p:nvSpPr>
+          <p:cNvPr id="14" name="Flowchart: Decision 13">
+            <a:extLst>
+              <a:ext uri="{FF2B5EF4-FFF2-40B4-BE49-F238E27FC236}">
+                <a16:creationId xmlns:a16="http://schemas.microsoft.com/office/drawing/2014/main" id="{168D9F39-4C1B-45C2-A4D1-B5A83233D828}"/>
+              </a:ext>
+            </a:extLst>
+          </p:cNvPr>
+          <p:cNvSpPr/>
+          <p:nvPr/>
+        </p:nvSpPr>
+        <p:spPr>
+          <a:xfrm>
+            <a:off x="2038836" y="2816963"/>
+            <a:ext cx="236048" cy="173380"/>
+          </a:xfrm>
+          <a:prstGeom prst="flowChartDecision">
+            <a:avLst/>
+          </a:prstGeom>
+          <a:noFill/>
+          <a:ln w="19050">
+            <a:solidFill>
+              <a:srgbClr val="7030A0"/>
+            </a:solidFill>
+          </a:ln>
+          <a:effectLst/>
+        </p:spPr>
+        <p:style>
+          <a:lnRef idx="1">
+            <a:schemeClr val="accent6"/>
+          </a:lnRef>
+          <a:fillRef idx="2">
+            <a:schemeClr val="accent6"/>
+          </a:fillRef>
+          <a:effectRef idx="1">
+            <a:schemeClr val="accent6"/>
+          </a:effectRef>
+          <a:fontRef idx="minor">
+            <a:schemeClr val="dk1"/>
+          </a:fontRef>
+        </p:style>
+        <p:txBody>
+          <a:bodyPr rtlCol="0" anchor="ctr"/>
+          <a:lstStyle>
+            <a:defPPr>
+              <a:defRPr lang="en-US"/>
+            </a:defPPr>
+            <a:lvl1pPr marL="0" algn="l" defTabSz="914400" rtl="0" eaLnBrk="1" latinLnBrk="0" hangingPunct="1">
+              <a:defRPr sz="1800" kern="1200">
+                <a:solidFill>
+                  <a:schemeClr val="dk1"/>
+                </a:solidFill>
+                <a:latin typeface="+mn-lt"/>
+                <a:ea typeface="+mn-ea"/>
+                <a:cs typeface="+mn-cs"/>
+              </a:defRPr>
+            </a:lvl1pPr>
+            <a:lvl2pPr marL="457200" algn="l" defTabSz="914400" rtl="0" eaLnBrk="1" latinLnBrk="0" hangingPunct="1">
+              <a:defRPr sz="1800" kern="1200">
+                <a:solidFill>
+                  <a:schemeClr val="dk1"/>
+                </a:solidFill>
+                <a:latin typeface="+mn-lt"/>
+                <a:ea typeface="+mn-ea"/>
+                <a:cs typeface="+mn-cs"/>
+              </a:defRPr>
+            </a:lvl2pPr>
+            <a:lvl3pPr marL="914400" algn="l" defTabSz="914400" rtl="0" eaLnBrk="1" latinLnBrk="0" hangingPunct="1">
+              <a:defRPr sz="1800" kern="1200">
+                <a:solidFill>
+                  <a:schemeClr val="dk1"/>
+                </a:solidFill>
+                <a:latin typeface="+mn-lt"/>
+                <a:ea typeface="+mn-ea"/>
+                <a:cs typeface="+mn-cs"/>
+              </a:defRPr>
+            </a:lvl3pPr>
+            <a:lvl4pPr marL="1371600" algn="l" defTabSz="914400" rtl="0" eaLnBrk="1" latinLnBrk="0" hangingPunct="1">
+              <a:defRPr sz="1800" kern="1200">
+                <a:solidFill>
+                  <a:schemeClr val="dk1"/>
+                </a:solidFill>
+                <a:latin typeface="+mn-lt"/>
+                <a:ea typeface="+mn-ea"/>
+                <a:cs typeface="+mn-cs"/>
+              </a:defRPr>
+            </a:lvl4pPr>
+            <a:lvl5pPr marL="1828800" algn="l" defTabSz="914400" rtl="0" eaLnBrk="1" latinLnBrk="0" hangingPunct="1">
+              <a:defRPr sz="1800" kern="1200">
+                <a:solidFill>
+                  <a:schemeClr val="dk1"/>
+                </a:solidFill>
+                <a:latin typeface="+mn-lt"/>
+                <a:ea typeface="+mn-ea"/>
+                <a:cs typeface="+mn-cs"/>
+              </a:defRPr>
+            </a:lvl5pPr>
+            <a:lvl6pPr marL="2286000" algn="l" defTabSz="914400" rtl="0" eaLnBrk="1" latinLnBrk="0" hangingPunct="1">
+              <a:defRPr sz="1800" kern="1200">
+                <a:solidFill>
+                  <a:schemeClr val="dk1"/>
+                </a:solidFill>
+                <a:latin typeface="+mn-lt"/>
+                <a:ea typeface="+mn-ea"/>
+                <a:cs typeface="+mn-cs"/>
+              </a:defRPr>
+            </a:lvl6pPr>
+            <a:lvl7pPr marL="2743200" algn="l" defTabSz="914400" rtl="0" eaLnBrk="1" latinLnBrk="0" hangingPunct="1">
+              <a:defRPr sz="1800" kern="1200">
+                <a:solidFill>
+                  <a:schemeClr val="dk1"/>
+                </a:solidFill>
+                <a:latin typeface="+mn-lt"/>
+                <a:ea typeface="+mn-ea"/>
+                <a:cs typeface="+mn-cs"/>
+              </a:defRPr>
+            </a:lvl7pPr>
+            <a:lvl8pPr marL="3200400" algn="l" defTabSz="914400" rtl="0" eaLnBrk="1" latinLnBrk="0" hangingPunct="1">
+              <a:defRPr sz="1800" kern="1200">
+                <a:solidFill>
+                  <a:schemeClr val="dk1"/>
+                </a:solidFill>
+                <a:latin typeface="+mn-lt"/>
+                <a:ea typeface="+mn-ea"/>
+                <a:cs typeface="+mn-cs"/>
+              </a:defRPr>
+            </a:lvl8pPr>
+            <a:lvl9pPr marL="3657600" algn="l" defTabSz="914400" rtl="0" eaLnBrk="1" latinLnBrk="0" hangingPunct="1">
+              <a:defRPr sz="1800" kern="1200">
+                <a:solidFill>
+                  <a:schemeClr val="dk1"/>
+                </a:solidFill>
+                <a:latin typeface="+mn-lt"/>
+                <a:ea typeface="+mn-ea"/>
+                <a:cs typeface="+mn-cs"/>
+              </a:defRPr>
+            </a:lvl9pPr>
+          </a:lstStyle>
+          <a:p>
+            <a:pPr algn="ctr"/>
+            <a:endParaRPr lang="en-US" sz="1050"/>
+          </a:p>
+        </p:txBody>
+      </p:sp>
+      <p:sp>
+        <p:nvSpPr>
+          <p:cNvPr id="15" name="Rectangle 14">
+            <a:extLst>
+              <a:ext uri="{FF2B5EF4-FFF2-40B4-BE49-F238E27FC236}">
+                <a16:creationId xmlns:a16="http://schemas.microsoft.com/office/drawing/2014/main" id="{378F7DC9-FC9B-40FC-920D-F425E4F1C313}"/>
+              </a:ext>
+            </a:extLst>
+          </p:cNvPr>
+          <p:cNvSpPr/>
+          <p:nvPr/>
+        </p:nvSpPr>
+        <p:spPr>
+          <a:xfrm>
+            <a:off x="4024055" y="2746782"/>
+            <a:ext cx="1090496" cy="326837"/>
+          </a:xfrm>
+          <a:prstGeom prst="rect">
+            <a:avLst/>
+          </a:prstGeom>
+          <a:ln w="19050">
+            <a:solidFill>
+              <a:srgbClr val="7030A0"/>
+            </a:solidFill>
+          </a:ln>
+          <a:effectLst/>
+        </p:spPr>
+        <p:style>
+          <a:lnRef idx="1">
+            <a:schemeClr val="accent4"/>
+          </a:lnRef>
+          <a:fillRef idx="2">
+            <a:schemeClr val="accent4"/>
+          </a:fillRef>
+          <a:effectRef idx="1">
+            <a:schemeClr val="accent4"/>
+          </a:effectRef>
+          <a:fontRef idx="minor">
+            <a:schemeClr val="dk1"/>
+          </a:fontRef>
+        </p:style>
+        <p:txBody>
+          <a:bodyPr rtlCol="0" anchor="ctr"/>
+          <a:lstStyle>
+            <a:defPPr>
+              <a:defRPr lang="en-US"/>
+            </a:defPPr>
+            <a:lvl1pPr marL="0" algn="l" defTabSz="914400" rtl="0" eaLnBrk="1" latinLnBrk="0" hangingPunct="1">
+              <a:defRPr sz="1800" kern="1200">
+                <a:solidFill>
+                  <a:schemeClr val="dk1"/>
+                </a:solidFill>
+                <a:latin typeface="+mn-lt"/>
+                <a:ea typeface="+mn-ea"/>
+                <a:cs typeface="+mn-cs"/>
+              </a:defRPr>
+            </a:lvl1pPr>
+            <a:lvl2pPr marL="457200" algn="l" defTabSz="914400" rtl="0" eaLnBrk="1" latinLnBrk="0" hangingPunct="1">
+              <a:defRPr sz="1800" kern="1200">
+                <a:solidFill>
+                  <a:schemeClr val="dk1"/>
+                </a:solidFill>
+                <a:latin typeface="+mn-lt"/>
+                <a:ea typeface="+mn-ea"/>
+                <a:cs typeface="+mn-cs"/>
+              </a:defRPr>
+            </a:lvl2pPr>
+            <a:lvl3pPr marL="914400" algn="l" defTabSz="914400" rtl="0" eaLnBrk="1" latinLnBrk="0" hangingPunct="1">
+              <a:defRPr sz="1800" kern="1200">
+                <a:solidFill>
+                  <a:schemeClr val="dk1"/>
+                </a:solidFill>
+                <a:latin typeface="+mn-lt"/>
+                <a:ea typeface="+mn-ea"/>
+                <a:cs typeface="+mn-cs"/>
+              </a:defRPr>
+            </a:lvl3pPr>
+            <a:lvl4pPr marL="1371600" algn="l" defTabSz="914400" rtl="0" eaLnBrk="1" latinLnBrk="0" hangingPunct="1">
+              <a:defRPr sz="1800" kern="1200">
+                <a:solidFill>
+                  <a:schemeClr val="dk1"/>
+                </a:solidFill>
+                <a:latin typeface="+mn-lt"/>
+                <a:ea typeface="+mn-ea"/>
+                <a:cs typeface="+mn-cs"/>
+              </a:defRPr>
+            </a:lvl4pPr>
+            <a:lvl5pPr marL="1828800" algn="l" defTabSz="914400" rtl="0" eaLnBrk="1" latinLnBrk="0" hangingPunct="1">
+              <a:defRPr sz="1800" kern="1200">
+                <a:solidFill>
+                  <a:schemeClr val="dk1"/>
+                </a:solidFill>
+                <a:latin typeface="+mn-lt"/>
+                <a:ea typeface="+mn-ea"/>
+                <a:cs typeface="+mn-cs"/>
+              </a:defRPr>
+            </a:lvl5pPr>
+            <a:lvl6pPr marL="2286000" algn="l" defTabSz="914400" rtl="0" eaLnBrk="1" latinLnBrk="0" hangingPunct="1">
+              <a:defRPr sz="1800" kern="1200">
+                <a:solidFill>
+                  <a:schemeClr val="dk1"/>
+                </a:solidFill>
+                <a:latin typeface="+mn-lt"/>
+                <a:ea typeface="+mn-ea"/>
+                <a:cs typeface="+mn-cs"/>
+              </a:defRPr>
+            </a:lvl6pPr>
+            <a:lvl7pPr marL="2743200" algn="l" defTabSz="914400" rtl="0" eaLnBrk="1" latinLnBrk="0" hangingPunct="1">
+              <a:defRPr sz="1800" kern="1200">
+                <a:solidFill>
+                  <a:schemeClr val="dk1"/>
+                </a:solidFill>
+                <a:latin typeface="+mn-lt"/>
+                <a:ea typeface="+mn-ea"/>
+                <a:cs typeface="+mn-cs"/>
+              </a:defRPr>
+            </a:lvl7pPr>
+            <a:lvl8pPr marL="3200400" algn="l" defTabSz="914400" rtl="0" eaLnBrk="1" latinLnBrk="0" hangingPunct="1">
+              <a:defRPr sz="1800" kern="1200">
+                <a:solidFill>
+                  <a:schemeClr val="dk1"/>
+                </a:solidFill>
+                <a:latin typeface="+mn-lt"/>
+                <a:ea typeface="+mn-ea"/>
+                <a:cs typeface="+mn-cs"/>
+              </a:defRPr>
+            </a:lvl8pPr>
+            <a:lvl9pPr marL="3657600" algn="l" defTabSz="914400" rtl="0" eaLnBrk="1" latinLnBrk="0" hangingPunct="1">
+              <a:defRPr sz="1800" kern="1200">
+                <a:solidFill>
+                  <a:schemeClr val="dk1"/>
+                </a:solidFill>
+                <a:latin typeface="+mn-lt"/>
+                <a:ea typeface="+mn-ea"/>
+                <a:cs typeface="+mn-cs"/>
+              </a:defRPr>
+            </a:lvl9pPr>
+          </a:lstStyle>
+          <a:p>
+            <a:pPr algn="ctr"/>
+            <a:r>
+              <a:rPr lang="en-SG" sz="1050" dirty="0">
+                <a:solidFill>
+                  <a:srgbClr val="7030A0"/>
+                </a:solidFill>
+              </a:rPr>
+              <a:t>Layer</a:t>
+            </a:r>
+          </a:p>
+        </p:txBody>
+      </p:sp>
+      <p:sp>
+        <p:nvSpPr>
+          <p:cNvPr id="16" name="Flowchart: Decision 15">
+            <a:extLst>
+              <a:ext uri="{FF2B5EF4-FFF2-40B4-BE49-F238E27FC236}">
+                <a16:creationId xmlns:a16="http://schemas.microsoft.com/office/drawing/2014/main" id="{6DECB15A-3565-42D5-AD43-D8D68968333C}"/>
+              </a:ext>
+            </a:extLst>
+          </p:cNvPr>
+          <p:cNvSpPr/>
+          <p:nvPr/>
+        </p:nvSpPr>
+        <p:spPr>
+          <a:xfrm>
+            <a:off x="3664814" y="2838522"/>
+            <a:ext cx="236048" cy="173380"/>
+          </a:xfrm>
+          <a:prstGeom prst="flowChartDecision">
+            <a:avLst/>
+          </a:prstGeom>
+          <a:solidFill>
+            <a:srgbClr val="7030A0"/>
+          </a:solidFill>
+          <a:ln w="19050">
+            <a:solidFill>
+              <a:srgbClr val="7030A0"/>
+            </a:solidFill>
+          </a:ln>
+          <a:effectLst/>
+        </p:spPr>
+        <p:style>
+          <a:lnRef idx="1">
+            <a:schemeClr val="accent6"/>
+          </a:lnRef>
+          <a:fillRef idx="2">
+            <a:schemeClr val="accent6"/>
+          </a:fillRef>
+          <a:effectRef idx="1">
+            <a:schemeClr val="accent6"/>
+          </a:effectRef>
+          <a:fontRef idx="minor">
+            <a:schemeClr val="dk1"/>
+          </a:fontRef>
+        </p:style>
+        <p:txBody>
+          <a:bodyPr rtlCol="0" anchor="ctr"/>
+          <a:lstStyle>
+            <a:defPPr>
+              <a:defRPr lang="en-US"/>
+            </a:defPPr>
+            <a:lvl1pPr marL="0" algn="l" defTabSz="914400" rtl="0" eaLnBrk="1" latinLnBrk="0" hangingPunct="1">
+              <a:defRPr sz="1800" kern="1200">
+                <a:solidFill>
+                  <a:schemeClr val="dk1"/>
+                </a:solidFill>
+                <a:latin typeface="+mn-lt"/>
+                <a:ea typeface="+mn-ea"/>
+                <a:cs typeface="+mn-cs"/>
+              </a:defRPr>
+            </a:lvl1pPr>
+            <a:lvl2pPr marL="457200" algn="l" defTabSz="914400" rtl="0" eaLnBrk="1" latinLnBrk="0" hangingPunct="1">
+              <a:defRPr sz="1800" kern="1200">
+                <a:solidFill>
+                  <a:schemeClr val="dk1"/>
+                </a:solidFill>
+                <a:latin typeface="+mn-lt"/>
+                <a:ea typeface="+mn-ea"/>
+                <a:cs typeface="+mn-cs"/>
+              </a:defRPr>
+            </a:lvl2pPr>
+            <a:lvl3pPr marL="914400" algn="l" defTabSz="914400" rtl="0" eaLnBrk="1" latinLnBrk="0" hangingPunct="1">
+              <a:defRPr sz="1800" kern="1200">
+                <a:solidFill>
+                  <a:schemeClr val="dk1"/>
+                </a:solidFill>
+                <a:latin typeface="+mn-lt"/>
+                <a:ea typeface="+mn-ea"/>
+                <a:cs typeface="+mn-cs"/>
+              </a:defRPr>
+            </a:lvl3pPr>
+            <a:lvl4pPr marL="1371600" algn="l" defTabSz="914400" rtl="0" eaLnBrk="1" latinLnBrk="0" hangingPunct="1">
+              <a:defRPr sz="1800" kern="1200">
+                <a:solidFill>
+                  <a:schemeClr val="dk1"/>
+                </a:solidFill>
+                <a:latin typeface="+mn-lt"/>
+                <a:ea typeface="+mn-ea"/>
+                <a:cs typeface="+mn-cs"/>
+              </a:defRPr>
+            </a:lvl4pPr>
+            <a:lvl5pPr marL="1828800" algn="l" defTabSz="914400" rtl="0" eaLnBrk="1" latinLnBrk="0" hangingPunct="1">
+              <a:defRPr sz="1800" kern="1200">
+                <a:solidFill>
+                  <a:schemeClr val="dk1"/>
+                </a:solidFill>
+                <a:latin typeface="+mn-lt"/>
+                <a:ea typeface="+mn-ea"/>
+                <a:cs typeface="+mn-cs"/>
+              </a:defRPr>
+            </a:lvl5pPr>
+            <a:lvl6pPr marL="2286000" algn="l" defTabSz="914400" rtl="0" eaLnBrk="1" latinLnBrk="0" hangingPunct="1">
+              <a:defRPr sz="1800" kern="1200">
+                <a:solidFill>
+                  <a:schemeClr val="dk1"/>
+                </a:solidFill>
+                <a:latin typeface="+mn-lt"/>
+                <a:ea typeface="+mn-ea"/>
+                <a:cs typeface="+mn-cs"/>
+              </a:defRPr>
+            </a:lvl6pPr>
+            <a:lvl7pPr marL="2743200" algn="l" defTabSz="914400" rtl="0" eaLnBrk="1" latinLnBrk="0" hangingPunct="1">
+              <a:defRPr sz="1800" kern="1200">
+                <a:solidFill>
+                  <a:schemeClr val="dk1"/>
+                </a:solidFill>
+                <a:latin typeface="+mn-lt"/>
+                <a:ea typeface="+mn-ea"/>
+                <a:cs typeface="+mn-cs"/>
+              </a:defRPr>
+            </a:lvl7pPr>
+            <a:lvl8pPr marL="3200400" algn="l" defTabSz="914400" rtl="0" eaLnBrk="1" latinLnBrk="0" hangingPunct="1">
+              <a:defRPr sz="1800" kern="1200">
+                <a:solidFill>
+                  <a:schemeClr val="dk1"/>
+                </a:solidFill>
+                <a:latin typeface="+mn-lt"/>
+                <a:ea typeface="+mn-ea"/>
+                <a:cs typeface="+mn-cs"/>
+              </a:defRPr>
+            </a:lvl8pPr>
+            <a:lvl9pPr marL="3657600" algn="l" defTabSz="914400" rtl="0" eaLnBrk="1" latinLnBrk="0" hangingPunct="1">
+              <a:defRPr sz="1800" kern="1200">
+                <a:solidFill>
+                  <a:schemeClr val="dk1"/>
+                </a:solidFill>
+                <a:latin typeface="+mn-lt"/>
+                <a:ea typeface="+mn-ea"/>
+                <a:cs typeface="+mn-cs"/>
+              </a:defRPr>
+            </a:lvl9pPr>
+          </a:lstStyle>
+          <a:p>
+            <a:pPr algn="ctr"/>
+            <a:endParaRPr lang="en-US" sz="1050"/>
+          </a:p>
+        </p:txBody>
+      </p:sp>
+      <p:sp>
+        <p:nvSpPr>
+          <p:cNvPr id="17" name="Rectangle 16">
+            <a:extLst>
+              <a:ext uri="{FF2B5EF4-FFF2-40B4-BE49-F238E27FC236}">
+                <a16:creationId xmlns:a16="http://schemas.microsoft.com/office/drawing/2014/main" id="{28E8DF38-F5C5-4C40-B38A-B946A2891B14}"/>
+              </a:ext>
+            </a:extLst>
+          </p:cNvPr>
+          <p:cNvSpPr/>
+          <p:nvPr/>
+        </p:nvSpPr>
+        <p:spPr>
+          <a:xfrm>
+            <a:off x="5592536" y="2758686"/>
+            <a:ext cx="1079851" cy="308773"/>
+          </a:xfrm>
+          <a:prstGeom prst="rect">
+            <a:avLst/>
+          </a:prstGeom>
+          <a:ln w="19050">
+            <a:solidFill>
+              <a:srgbClr val="7030A0"/>
+            </a:solidFill>
+          </a:ln>
+          <a:effectLst/>
+        </p:spPr>
+        <p:style>
+          <a:lnRef idx="1">
+            <a:schemeClr val="accent4"/>
+          </a:lnRef>
+          <a:fillRef idx="2">
+            <a:schemeClr val="accent4"/>
+          </a:fillRef>
+          <a:effectRef idx="1">
+            <a:schemeClr val="accent4"/>
+          </a:effectRef>
+          <a:fontRef idx="minor">
+            <a:schemeClr val="dk1"/>
+          </a:fontRef>
+        </p:style>
+        <p:txBody>
+          <a:bodyPr rtlCol="0" anchor="ctr"/>
+          <a:lstStyle>
+            <a:defPPr>
+              <a:defRPr lang="en-US"/>
+            </a:defPPr>
+            <a:lvl1pPr marL="0" algn="l" defTabSz="914400" rtl="0" eaLnBrk="1" latinLnBrk="0" hangingPunct="1">
+              <a:defRPr sz="1800" kern="1200">
+                <a:solidFill>
+                  <a:schemeClr val="dk1"/>
+                </a:solidFill>
+                <a:latin typeface="+mn-lt"/>
+                <a:ea typeface="+mn-ea"/>
+                <a:cs typeface="+mn-cs"/>
+              </a:defRPr>
+            </a:lvl1pPr>
+            <a:lvl2pPr marL="457200" algn="l" defTabSz="914400" rtl="0" eaLnBrk="1" latinLnBrk="0" hangingPunct="1">
+              <a:defRPr sz="1800" kern="1200">
+                <a:solidFill>
+                  <a:schemeClr val="dk1"/>
+                </a:solidFill>
+                <a:latin typeface="+mn-lt"/>
+                <a:ea typeface="+mn-ea"/>
+                <a:cs typeface="+mn-cs"/>
+              </a:defRPr>
+            </a:lvl2pPr>
+            <a:lvl3pPr marL="914400" algn="l" defTabSz="914400" rtl="0" eaLnBrk="1" latinLnBrk="0" hangingPunct="1">
+              <a:defRPr sz="1800" kern="1200">
+                <a:solidFill>
+                  <a:schemeClr val="dk1"/>
+                </a:solidFill>
+                <a:latin typeface="+mn-lt"/>
+                <a:ea typeface="+mn-ea"/>
+                <a:cs typeface="+mn-cs"/>
+              </a:defRPr>
+            </a:lvl3pPr>
+            <a:lvl4pPr marL="1371600" algn="l" defTabSz="914400" rtl="0" eaLnBrk="1" latinLnBrk="0" hangingPunct="1">
+              <a:defRPr sz="1800" kern="1200">
+                <a:solidFill>
+                  <a:schemeClr val="dk1"/>
+                </a:solidFill>
+                <a:latin typeface="+mn-lt"/>
+                <a:ea typeface="+mn-ea"/>
+                <a:cs typeface="+mn-cs"/>
+              </a:defRPr>
+            </a:lvl4pPr>
+            <a:lvl5pPr marL="1828800" algn="l" defTabSz="914400" rtl="0" eaLnBrk="1" latinLnBrk="0" hangingPunct="1">
+              <a:defRPr sz="1800" kern="1200">
+                <a:solidFill>
+                  <a:schemeClr val="dk1"/>
+                </a:solidFill>
+                <a:latin typeface="+mn-lt"/>
+                <a:ea typeface="+mn-ea"/>
+                <a:cs typeface="+mn-cs"/>
+              </a:defRPr>
+            </a:lvl5pPr>
+            <a:lvl6pPr marL="2286000" algn="l" defTabSz="914400" rtl="0" eaLnBrk="1" latinLnBrk="0" hangingPunct="1">
+              <a:defRPr sz="1800" kern="1200">
+                <a:solidFill>
+                  <a:schemeClr val="dk1"/>
+                </a:solidFill>
+                <a:latin typeface="+mn-lt"/>
+                <a:ea typeface="+mn-ea"/>
+                <a:cs typeface="+mn-cs"/>
+              </a:defRPr>
+            </a:lvl6pPr>
+            <a:lvl7pPr marL="2743200" algn="l" defTabSz="914400" rtl="0" eaLnBrk="1" latinLnBrk="0" hangingPunct="1">
+              <a:defRPr sz="1800" kern="1200">
+                <a:solidFill>
+                  <a:schemeClr val="dk1"/>
+                </a:solidFill>
+                <a:latin typeface="+mn-lt"/>
+                <a:ea typeface="+mn-ea"/>
+                <a:cs typeface="+mn-cs"/>
+              </a:defRPr>
+            </a:lvl7pPr>
+            <a:lvl8pPr marL="3200400" algn="l" defTabSz="914400" rtl="0" eaLnBrk="1" latinLnBrk="0" hangingPunct="1">
+              <a:defRPr sz="1800" kern="1200">
+                <a:solidFill>
+                  <a:schemeClr val="dk1"/>
+                </a:solidFill>
+                <a:latin typeface="+mn-lt"/>
+                <a:ea typeface="+mn-ea"/>
+                <a:cs typeface="+mn-cs"/>
+              </a:defRPr>
+            </a:lvl8pPr>
+            <a:lvl9pPr marL="3657600" algn="l" defTabSz="914400" rtl="0" eaLnBrk="1" latinLnBrk="0" hangingPunct="1">
+              <a:defRPr sz="1800" kern="1200">
+                <a:solidFill>
+                  <a:schemeClr val="dk1"/>
+                </a:solidFill>
+                <a:latin typeface="+mn-lt"/>
+                <a:ea typeface="+mn-ea"/>
+                <a:cs typeface="+mn-cs"/>
+              </a:defRPr>
+            </a:lvl9pPr>
+          </a:lstStyle>
+          <a:p>
+            <a:pPr algn="ctr"/>
+            <a:r>
+              <a:rPr lang="en-US" sz="1050" dirty="0" err="1">
+                <a:solidFill>
+                  <a:srgbClr val="7030A0"/>
+                </a:solidFill>
+              </a:rPr>
+              <a:t>PreviewImage</a:t>
+            </a:r>
+            <a:endParaRPr lang="en-SG" sz="1050" dirty="0">
+              <a:solidFill>
+                <a:srgbClr val="7030A0"/>
+              </a:solidFill>
+            </a:endParaRPr>
+          </a:p>
+        </p:txBody>
+      </p:sp>
+      <p:sp>
+        <p:nvSpPr>
+          <p:cNvPr id="18" name="Flowchart: Decision 17">
+            <a:extLst>
+              <a:ext uri="{FF2B5EF4-FFF2-40B4-BE49-F238E27FC236}">
+                <a16:creationId xmlns:a16="http://schemas.microsoft.com/office/drawing/2014/main" id="{ABF3014D-2165-45DC-A596-5D38B822FB8F}"/>
+              </a:ext>
+            </a:extLst>
+          </p:cNvPr>
+          <p:cNvSpPr/>
+          <p:nvPr/>
+        </p:nvSpPr>
+        <p:spPr>
+          <a:xfrm>
+            <a:off x="5126774" y="2828036"/>
+            <a:ext cx="236048" cy="173380"/>
+          </a:xfrm>
+          <a:prstGeom prst="flowChartDecision">
+            <a:avLst/>
+          </a:prstGeom>
+          <a:noFill/>
+          <a:ln w="19050">
+            <a:solidFill>
+              <a:srgbClr val="7030A0"/>
+            </a:solidFill>
+          </a:ln>
+          <a:effectLst/>
+        </p:spPr>
+        <p:style>
+          <a:lnRef idx="1">
+            <a:schemeClr val="accent6"/>
+          </a:lnRef>
+          <a:fillRef idx="2">
+            <a:schemeClr val="accent6"/>
+          </a:fillRef>
+          <a:effectRef idx="1">
+            <a:schemeClr val="accent6"/>
+          </a:effectRef>
+          <a:fontRef idx="minor">
+            <a:schemeClr val="dk1"/>
+          </a:fontRef>
+        </p:style>
+        <p:txBody>
+          <a:bodyPr rtlCol="0" anchor="ctr"/>
+          <a:lstStyle>
+            <a:defPPr>
+              <a:defRPr lang="en-US"/>
+            </a:defPPr>
+            <a:lvl1pPr marL="0" algn="l" defTabSz="914400" rtl="0" eaLnBrk="1" latinLnBrk="0" hangingPunct="1">
+              <a:defRPr sz="1800" kern="1200">
+                <a:solidFill>
+                  <a:schemeClr val="dk1"/>
+                </a:solidFill>
+                <a:latin typeface="+mn-lt"/>
+                <a:ea typeface="+mn-ea"/>
+                <a:cs typeface="+mn-cs"/>
+              </a:defRPr>
+            </a:lvl1pPr>
+            <a:lvl2pPr marL="457200" algn="l" defTabSz="914400" rtl="0" eaLnBrk="1" latinLnBrk="0" hangingPunct="1">
+              <a:defRPr sz="1800" kern="1200">
+                <a:solidFill>
+                  <a:schemeClr val="dk1"/>
+                </a:solidFill>
+                <a:latin typeface="+mn-lt"/>
+                <a:ea typeface="+mn-ea"/>
+                <a:cs typeface="+mn-cs"/>
+              </a:defRPr>
+            </a:lvl2pPr>
+            <a:lvl3pPr marL="914400" algn="l" defTabSz="914400" rtl="0" eaLnBrk="1" latinLnBrk="0" hangingPunct="1">
+              <a:defRPr sz="1800" kern="1200">
+                <a:solidFill>
+                  <a:schemeClr val="dk1"/>
+                </a:solidFill>
+                <a:latin typeface="+mn-lt"/>
+                <a:ea typeface="+mn-ea"/>
+                <a:cs typeface="+mn-cs"/>
+              </a:defRPr>
+            </a:lvl3pPr>
+            <a:lvl4pPr marL="1371600" algn="l" defTabSz="914400" rtl="0" eaLnBrk="1" latinLnBrk="0" hangingPunct="1">
+              <a:defRPr sz="1800" kern="1200">
+                <a:solidFill>
+                  <a:schemeClr val="dk1"/>
+                </a:solidFill>
+                <a:latin typeface="+mn-lt"/>
+                <a:ea typeface="+mn-ea"/>
+                <a:cs typeface="+mn-cs"/>
+              </a:defRPr>
+            </a:lvl4pPr>
+            <a:lvl5pPr marL="1828800" algn="l" defTabSz="914400" rtl="0" eaLnBrk="1" latinLnBrk="0" hangingPunct="1">
+              <a:defRPr sz="1800" kern="1200">
+                <a:solidFill>
+                  <a:schemeClr val="dk1"/>
+                </a:solidFill>
+                <a:latin typeface="+mn-lt"/>
+                <a:ea typeface="+mn-ea"/>
+                <a:cs typeface="+mn-cs"/>
+              </a:defRPr>
+            </a:lvl5pPr>
+            <a:lvl6pPr marL="2286000" algn="l" defTabSz="914400" rtl="0" eaLnBrk="1" latinLnBrk="0" hangingPunct="1">
+              <a:defRPr sz="1800" kern="1200">
+                <a:solidFill>
+                  <a:schemeClr val="dk1"/>
+                </a:solidFill>
+                <a:latin typeface="+mn-lt"/>
+                <a:ea typeface="+mn-ea"/>
+                <a:cs typeface="+mn-cs"/>
+              </a:defRPr>
+            </a:lvl6pPr>
+            <a:lvl7pPr marL="2743200" algn="l" defTabSz="914400" rtl="0" eaLnBrk="1" latinLnBrk="0" hangingPunct="1">
+              <a:defRPr sz="1800" kern="1200">
+                <a:solidFill>
+                  <a:schemeClr val="dk1"/>
+                </a:solidFill>
+                <a:latin typeface="+mn-lt"/>
+                <a:ea typeface="+mn-ea"/>
+                <a:cs typeface="+mn-cs"/>
+              </a:defRPr>
+            </a:lvl7pPr>
+            <a:lvl8pPr marL="3200400" algn="l" defTabSz="914400" rtl="0" eaLnBrk="1" latinLnBrk="0" hangingPunct="1">
+              <a:defRPr sz="1800" kern="1200">
+                <a:solidFill>
+                  <a:schemeClr val="dk1"/>
+                </a:solidFill>
+                <a:latin typeface="+mn-lt"/>
+                <a:ea typeface="+mn-ea"/>
+                <a:cs typeface="+mn-cs"/>
+              </a:defRPr>
+            </a:lvl8pPr>
+            <a:lvl9pPr marL="3657600" algn="l" defTabSz="914400" rtl="0" eaLnBrk="1" latinLnBrk="0" hangingPunct="1">
+              <a:defRPr sz="1800" kern="1200">
+                <a:solidFill>
+                  <a:schemeClr val="dk1"/>
+                </a:solidFill>
+                <a:latin typeface="+mn-lt"/>
+                <a:ea typeface="+mn-ea"/>
+                <a:cs typeface="+mn-cs"/>
+              </a:defRPr>
+            </a:lvl9pPr>
+          </a:lstStyle>
+          <a:p>
+            <a:pPr algn="ctr"/>
+            <a:endParaRPr lang="en-US" sz="1050"/>
+          </a:p>
+        </p:txBody>
+      </p:sp>
+      <p:cxnSp>
+        <p:nvCxnSpPr>
+          <p:cNvPr id="19" name="Elbow Connector 63">
+            <a:extLst>
+              <a:ext uri="{FF2B5EF4-FFF2-40B4-BE49-F238E27FC236}">
+                <a16:creationId xmlns:a16="http://schemas.microsoft.com/office/drawing/2014/main" id="{21C9ADD8-A383-4999-B294-E187344F13BA}"/>
+              </a:ext>
+            </a:extLst>
+          </p:cNvPr>
+          <p:cNvCxnSpPr>
+            <a:cxnSpLocks/>
+            <a:stCxn id="18" idx="3"/>
+          </p:cNvCxnSpPr>
+          <p:nvPr/>
+        </p:nvCxnSpPr>
+        <p:spPr>
+          <a:xfrm>
+            <a:off x="5362822" y="2914726"/>
+            <a:ext cx="218878" cy="3080"/>
+          </a:xfrm>
+          <a:prstGeom prst="bentConnector3">
+            <a:avLst/>
+          </a:prstGeom>
+          <a:ln w="19050">
+            <a:solidFill>
+              <a:srgbClr val="7030A0"/>
+            </a:solidFill>
+            <a:headEnd type="none" w="med" len="med"/>
+            <a:tailEnd type="arrow" w="med" len="med"/>
+          </a:ln>
+          <a:effectLst/>
+        </p:spPr>
+        <p:style>
+          <a:lnRef idx="1">
+            <a:schemeClr val="accent2"/>
+          </a:lnRef>
+          <a:fillRef idx="2">
+            <a:schemeClr val="accent2"/>
+          </a:fillRef>
+          <a:effectRef idx="1">
+            <a:schemeClr val="accent2"/>
+          </a:effectRef>
+          <a:fontRef idx="minor">
+            <a:schemeClr val="dk1"/>
+          </a:fontRef>
+        </p:style>
+      </p:cxnSp>
+      <p:sp>
+        <p:nvSpPr>
+          <p:cNvPr id="20" name="Flowchart: Decision 19">
+            <a:extLst>
+              <a:ext uri="{FF2B5EF4-FFF2-40B4-BE49-F238E27FC236}">
+                <a16:creationId xmlns:a16="http://schemas.microsoft.com/office/drawing/2014/main" id="{DAFEC663-9529-4EDB-A0F3-3536FCBDAFAA}"/>
+              </a:ext>
+            </a:extLst>
+          </p:cNvPr>
+          <p:cNvSpPr/>
+          <p:nvPr/>
+        </p:nvSpPr>
+        <p:spPr>
+          <a:xfrm>
+            <a:off x="6692471" y="2848821"/>
+            <a:ext cx="236048" cy="173380"/>
+          </a:xfrm>
+          <a:prstGeom prst="flowChartDecision">
+            <a:avLst/>
+          </a:prstGeom>
+          <a:solidFill>
+            <a:srgbClr val="7030A0"/>
+          </a:solidFill>
+          <a:ln w="19050">
+            <a:solidFill>
+              <a:srgbClr val="7030A0"/>
+            </a:solidFill>
+          </a:ln>
+          <a:effectLst/>
+        </p:spPr>
+        <p:style>
+          <a:lnRef idx="1">
+            <a:schemeClr val="accent6"/>
+          </a:lnRef>
+          <a:fillRef idx="2">
+            <a:schemeClr val="accent6"/>
+          </a:fillRef>
+          <a:effectRef idx="1">
+            <a:schemeClr val="accent6"/>
+          </a:effectRef>
+          <a:fontRef idx="minor">
+            <a:schemeClr val="dk1"/>
+          </a:fontRef>
+        </p:style>
+        <p:txBody>
+          <a:bodyPr rtlCol="0" anchor="ctr"/>
+          <a:lstStyle>
+            <a:defPPr>
+              <a:defRPr lang="en-US"/>
+            </a:defPPr>
+            <a:lvl1pPr marL="0" algn="l" defTabSz="914400" rtl="0" eaLnBrk="1" latinLnBrk="0" hangingPunct="1">
+              <a:defRPr sz="1800" kern="1200">
+                <a:solidFill>
+                  <a:schemeClr val="dk1"/>
+                </a:solidFill>
+                <a:latin typeface="+mn-lt"/>
+                <a:ea typeface="+mn-ea"/>
+                <a:cs typeface="+mn-cs"/>
+              </a:defRPr>
+            </a:lvl1pPr>
+            <a:lvl2pPr marL="457200" algn="l" defTabSz="914400" rtl="0" eaLnBrk="1" latinLnBrk="0" hangingPunct="1">
+              <a:defRPr sz="1800" kern="1200">
+                <a:solidFill>
+                  <a:schemeClr val="dk1"/>
+                </a:solidFill>
+                <a:latin typeface="+mn-lt"/>
+                <a:ea typeface="+mn-ea"/>
+                <a:cs typeface="+mn-cs"/>
+              </a:defRPr>
+            </a:lvl2pPr>
+            <a:lvl3pPr marL="914400" algn="l" defTabSz="914400" rtl="0" eaLnBrk="1" latinLnBrk="0" hangingPunct="1">
+              <a:defRPr sz="1800" kern="1200">
+                <a:solidFill>
+                  <a:schemeClr val="dk1"/>
+                </a:solidFill>
+                <a:latin typeface="+mn-lt"/>
+                <a:ea typeface="+mn-ea"/>
+                <a:cs typeface="+mn-cs"/>
+              </a:defRPr>
+            </a:lvl3pPr>
+            <a:lvl4pPr marL="1371600" algn="l" defTabSz="914400" rtl="0" eaLnBrk="1" latinLnBrk="0" hangingPunct="1">
+              <a:defRPr sz="1800" kern="1200">
+                <a:solidFill>
+                  <a:schemeClr val="dk1"/>
+                </a:solidFill>
+                <a:latin typeface="+mn-lt"/>
+                <a:ea typeface="+mn-ea"/>
+                <a:cs typeface="+mn-cs"/>
+              </a:defRPr>
+            </a:lvl4pPr>
+            <a:lvl5pPr marL="1828800" algn="l" defTabSz="914400" rtl="0" eaLnBrk="1" latinLnBrk="0" hangingPunct="1">
+              <a:defRPr sz="1800" kern="1200">
+                <a:solidFill>
+                  <a:schemeClr val="dk1"/>
+                </a:solidFill>
+                <a:latin typeface="+mn-lt"/>
+                <a:ea typeface="+mn-ea"/>
+                <a:cs typeface="+mn-cs"/>
+              </a:defRPr>
+            </a:lvl5pPr>
+            <a:lvl6pPr marL="2286000" algn="l" defTabSz="914400" rtl="0" eaLnBrk="1" latinLnBrk="0" hangingPunct="1">
+              <a:defRPr sz="1800" kern="1200">
+                <a:solidFill>
+                  <a:schemeClr val="dk1"/>
+                </a:solidFill>
+                <a:latin typeface="+mn-lt"/>
+                <a:ea typeface="+mn-ea"/>
+                <a:cs typeface="+mn-cs"/>
+              </a:defRPr>
+            </a:lvl6pPr>
+            <a:lvl7pPr marL="2743200" algn="l" defTabSz="914400" rtl="0" eaLnBrk="1" latinLnBrk="0" hangingPunct="1">
+              <a:defRPr sz="1800" kern="1200">
+                <a:solidFill>
+                  <a:schemeClr val="dk1"/>
+                </a:solidFill>
+                <a:latin typeface="+mn-lt"/>
+                <a:ea typeface="+mn-ea"/>
+                <a:cs typeface="+mn-cs"/>
+              </a:defRPr>
+            </a:lvl7pPr>
+            <a:lvl8pPr marL="3200400" algn="l" defTabSz="914400" rtl="0" eaLnBrk="1" latinLnBrk="0" hangingPunct="1">
+              <a:defRPr sz="1800" kern="1200">
+                <a:solidFill>
+                  <a:schemeClr val="dk1"/>
+                </a:solidFill>
+                <a:latin typeface="+mn-lt"/>
+                <a:ea typeface="+mn-ea"/>
+                <a:cs typeface="+mn-cs"/>
+              </a:defRPr>
+            </a:lvl8pPr>
+            <a:lvl9pPr marL="3657600" algn="l" defTabSz="914400" rtl="0" eaLnBrk="1" latinLnBrk="0" hangingPunct="1">
+              <a:defRPr sz="1800" kern="1200">
+                <a:solidFill>
+                  <a:schemeClr val="dk1"/>
+                </a:solidFill>
+                <a:latin typeface="+mn-lt"/>
+                <a:ea typeface="+mn-ea"/>
+                <a:cs typeface="+mn-cs"/>
+              </a:defRPr>
+            </a:lvl9pPr>
+          </a:lstStyle>
+          <a:p>
+            <a:pPr algn="ctr"/>
+            <a:endParaRPr lang="en-US" sz="1050"/>
+          </a:p>
+        </p:txBody>
+      </p:sp>
+      <p:sp>
+        <p:nvSpPr>
+          <p:cNvPr id="21" name="Rectangle 20">
+            <a:extLst>
+              <a:ext uri="{FF2B5EF4-FFF2-40B4-BE49-F238E27FC236}">
+                <a16:creationId xmlns:a16="http://schemas.microsoft.com/office/drawing/2014/main" id="{C93B4F9D-2589-4CDC-91B5-3E5C5F950F91}"/>
+              </a:ext>
+            </a:extLst>
+          </p:cNvPr>
+          <p:cNvSpPr/>
+          <p:nvPr/>
+        </p:nvSpPr>
+        <p:spPr>
+          <a:xfrm>
+            <a:off x="7301671" y="3679328"/>
+            <a:ext cx="1139743" cy="308773"/>
+          </a:xfrm>
+          <a:prstGeom prst="rect">
+            <a:avLst/>
+          </a:prstGeom>
+          <a:ln w="19050">
+            <a:solidFill>
+              <a:srgbClr val="7030A0"/>
+            </a:solidFill>
+          </a:ln>
+          <a:effectLst/>
+        </p:spPr>
+        <p:style>
+          <a:lnRef idx="1">
+            <a:schemeClr val="accent4"/>
+          </a:lnRef>
+          <a:fillRef idx="2">
+            <a:schemeClr val="accent4"/>
+          </a:fillRef>
+          <a:effectRef idx="1">
+            <a:schemeClr val="accent4"/>
+          </a:effectRef>
+          <a:fontRef idx="minor">
+            <a:schemeClr val="dk1"/>
+          </a:fontRef>
+        </p:style>
+        <p:txBody>
+          <a:bodyPr rtlCol="0" anchor="ctr"/>
+          <a:lstStyle>
+            <a:defPPr>
+              <a:defRPr lang="en-US"/>
+            </a:defPPr>
+            <a:lvl1pPr marL="0" algn="l" defTabSz="914400" rtl="0" eaLnBrk="1" latinLnBrk="0" hangingPunct="1">
+              <a:defRPr sz="1800" kern="1200">
+                <a:solidFill>
+                  <a:schemeClr val="dk1"/>
+                </a:solidFill>
+                <a:latin typeface="+mn-lt"/>
+                <a:ea typeface="+mn-ea"/>
+                <a:cs typeface="+mn-cs"/>
+              </a:defRPr>
+            </a:lvl1pPr>
+            <a:lvl2pPr marL="457200" algn="l" defTabSz="914400" rtl="0" eaLnBrk="1" latinLnBrk="0" hangingPunct="1">
+              <a:defRPr sz="1800" kern="1200">
+                <a:solidFill>
+                  <a:schemeClr val="dk1"/>
+                </a:solidFill>
+                <a:latin typeface="+mn-lt"/>
+                <a:ea typeface="+mn-ea"/>
+                <a:cs typeface="+mn-cs"/>
+              </a:defRPr>
+            </a:lvl2pPr>
+            <a:lvl3pPr marL="914400" algn="l" defTabSz="914400" rtl="0" eaLnBrk="1" latinLnBrk="0" hangingPunct="1">
+              <a:defRPr sz="1800" kern="1200">
+                <a:solidFill>
+                  <a:schemeClr val="dk1"/>
+                </a:solidFill>
+                <a:latin typeface="+mn-lt"/>
+                <a:ea typeface="+mn-ea"/>
+                <a:cs typeface="+mn-cs"/>
+              </a:defRPr>
+            </a:lvl3pPr>
+            <a:lvl4pPr marL="1371600" algn="l" defTabSz="914400" rtl="0" eaLnBrk="1" latinLnBrk="0" hangingPunct="1">
+              <a:defRPr sz="1800" kern="1200">
+                <a:solidFill>
+                  <a:schemeClr val="dk1"/>
+                </a:solidFill>
+                <a:latin typeface="+mn-lt"/>
+                <a:ea typeface="+mn-ea"/>
+                <a:cs typeface="+mn-cs"/>
+              </a:defRPr>
+            </a:lvl4pPr>
+            <a:lvl5pPr marL="1828800" algn="l" defTabSz="914400" rtl="0" eaLnBrk="1" latinLnBrk="0" hangingPunct="1">
+              <a:defRPr sz="1800" kern="1200">
+                <a:solidFill>
+                  <a:schemeClr val="dk1"/>
+                </a:solidFill>
+                <a:latin typeface="+mn-lt"/>
+                <a:ea typeface="+mn-ea"/>
+                <a:cs typeface="+mn-cs"/>
+              </a:defRPr>
+            </a:lvl5pPr>
+            <a:lvl6pPr marL="2286000" algn="l" defTabSz="914400" rtl="0" eaLnBrk="1" latinLnBrk="0" hangingPunct="1">
+              <a:defRPr sz="1800" kern="1200">
+                <a:solidFill>
+                  <a:schemeClr val="dk1"/>
+                </a:solidFill>
+                <a:latin typeface="+mn-lt"/>
+                <a:ea typeface="+mn-ea"/>
+                <a:cs typeface="+mn-cs"/>
+              </a:defRPr>
+            </a:lvl6pPr>
+            <a:lvl7pPr marL="2743200" algn="l" defTabSz="914400" rtl="0" eaLnBrk="1" latinLnBrk="0" hangingPunct="1">
+              <a:defRPr sz="1800" kern="1200">
+                <a:solidFill>
+                  <a:schemeClr val="dk1"/>
+                </a:solidFill>
+                <a:latin typeface="+mn-lt"/>
+                <a:ea typeface="+mn-ea"/>
+                <a:cs typeface="+mn-cs"/>
+              </a:defRPr>
+            </a:lvl7pPr>
+            <a:lvl8pPr marL="3200400" algn="l" defTabSz="914400" rtl="0" eaLnBrk="1" latinLnBrk="0" hangingPunct="1">
+              <a:defRPr sz="1800" kern="1200">
+                <a:solidFill>
+                  <a:schemeClr val="dk1"/>
+                </a:solidFill>
+                <a:latin typeface="+mn-lt"/>
+                <a:ea typeface="+mn-ea"/>
+                <a:cs typeface="+mn-cs"/>
+              </a:defRPr>
+            </a:lvl8pPr>
+            <a:lvl9pPr marL="3657600" algn="l" defTabSz="914400" rtl="0" eaLnBrk="1" latinLnBrk="0" hangingPunct="1">
+              <a:defRPr sz="1800" kern="1200">
+                <a:solidFill>
+                  <a:schemeClr val="dk1"/>
+                </a:solidFill>
+                <a:latin typeface="+mn-lt"/>
+                <a:ea typeface="+mn-ea"/>
+                <a:cs typeface="+mn-cs"/>
+              </a:defRPr>
+            </a:lvl9pPr>
+          </a:lstStyle>
+          <a:p>
+            <a:pPr algn="ctr"/>
+            <a:r>
+              <a:rPr lang="en-US" sz="1050" dirty="0">
+                <a:solidFill>
+                  <a:srgbClr val="7030A0"/>
+                </a:solidFill>
+              </a:rPr>
+              <a:t>Transformation</a:t>
+            </a:r>
+            <a:endParaRPr lang="en-SG" sz="1050" dirty="0">
+              <a:solidFill>
+                <a:srgbClr val="7030A0"/>
+              </a:solidFill>
+            </a:endParaRPr>
+          </a:p>
+        </p:txBody>
+      </p:sp>
+      <p:sp>
+        <p:nvSpPr>
+          <p:cNvPr id="22" name="TextBox 113">
+            <a:extLst>
+              <a:ext uri="{FF2B5EF4-FFF2-40B4-BE49-F238E27FC236}">
+                <a16:creationId xmlns:a16="http://schemas.microsoft.com/office/drawing/2014/main" id="{41BBE5FE-603D-4D11-AF7D-2CF481FD74B2}"/>
+              </a:ext>
+            </a:extLst>
+          </p:cNvPr>
+          <p:cNvSpPr txBox="1"/>
+          <p:nvPr/>
+        </p:nvSpPr>
+        <p:spPr>
+          <a:xfrm rot="16200000">
+            <a:off x="6013410" y="3486925"/>
+            <a:ext cx="881018" cy="261610"/>
+          </a:xfrm>
+          <a:prstGeom prst="rect">
+            <a:avLst/>
+          </a:prstGeom>
+          <a:noFill/>
+        </p:spPr>
+        <p:txBody>
+          <a:bodyPr wrap="square" rtlCol="0">
+            <a:spAutoFit/>
+          </a:bodyPr>
+          <a:lstStyle>
+            <a:defPPr>
+              <a:defRPr lang="en-US"/>
+            </a:defPPr>
+            <a:lvl1pPr marL="0" algn="l" defTabSz="914400" rtl="0" eaLnBrk="1" latinLnBrk="0" hangingPunct="1">
+              <a:defRPr sz="1800" kern="1200">
+                <a:solidFill>
+                  <a:schemeClr val="tx1"/>
+                </a:solidFill>
+                <a:latin typeface="+mn-lt"/>
+                <a:ea typeface="+mn-ea"/>
+                <a:cs typeface="+mn-cs"/>
+              </a:defRPr>
+            </a:lvl1pPr>
+            <a:lvl2pPr marL="457200" algn="l" defTabSz="914400" rtl="0" eaLnBrk="1" latinLnBrk="0" hangingPunct="1">
+              <a:defRPr sz="1800" kern="1200">
+                <a:solidFill>
+                  <a:schemeClr val="tx1"/>
+                </a:solidFill>
+                <a:latin typeface="+mn-lt"/>
+                <a:ea typeface="+mn-ea"/>
+                <a:cs typeface="+mn-cs"/>
+              </a:defRPr>
+            </a:lvl2pPr>
+            <a:lvl3pPr marL="914400" algn="l" defTabSz="914400" rtl="0" eaLnBrk="1" latinLnBrk="0" hangingPunct="1">
+              <a:defRPr sz="1800" kern="1200">
+                <a:solidFill>
+                  <a:schemeClr val="tx1"/>
+                </a:solidFill>
+                <a:latin typeface="+mn-lt"/>
+                <a:ea typeface="+mn-ea"/>
+                <a:cs typeface="+mn-cs"/>
+              </a:defRPr>
+            </a:lvl3pPr>
+            <a:lvl4pPr marL="1371600" algn="l" defTabSz="914400" rtl="0" eaLnBrk="1" latinLnBrk="0" hangingPunct="1">
+              <a:defRPr sz="1800" kern="1200">
+                <a:solidFill>
+                  <a:schemeClr val="tx1"/>
+                </a:solidFill>
+                <a:latin typeface="+mn-lt"/>
+                <a:ea typeface="+mn-ea"/>
+                <a:cs typeface="+mn-cs"/>
+              </a:defRPr>
+            </a:lvl4pPr>
+            <a:lvl5pPr marL="1828800" algn="l" defTabSz="914400" rtl="0" eaLnBrk="1" latinLnBrk="0" hangingPunct="1">
+              <a:defRPr sz="1800" kern="1200">
+                <a:solidFill>
+                  <a:schemeClr val="tx1"/>
+                </a:solidFill>
+                <a:latin typeface="+mn-lt"/>
+                <a:ea typeface="+mn-ea"/>
+                <a:cs typeface="+mn-cs"/>
+              </a:defRPr>
+            </a:lvl5pPr>
+            <a:lvl6pPr marL="2286000" algn="l" defTabSz="914400" rtl="0" eaLnBrk="1" latinLnBrk="0" hangingPunct="1">
+              <a:defRPr sz="1800" kern="1200">
+                <a:solidFill>
+                  <a:schemeClr val="tx1"/>
+                </a:solidFill>
+                <a:latin typeface="+mn-lt"/>
+                <a:ea typeface="+mn-ea"/>
+                <a:cs typeface="+mn-cs"/>
+              </a:defRPr>
+            </a:lvl6pPr>
+            <a:lvl7pPr marL="2743200" algn="l" defTabSz="914400" rtl="0" eaLnBrk="1" latinLnBrk="0" hangingPunct="1">
+              <a:defRPr sz="1800" kern="1200">
+                <a:solidFill>
+                  <a:schemeClr val="tx1"/>
+                </a:solidFill>
+                <a:latin typeface="+mn-lt"/>
+                <a:ea typeface="+mn-ea"/>
+                <a:cs typeface="+mn-cs"/>
+              </a:defRPr>
+            </a:lvl7pPr>
+            <a:lvl8pPr marL="3200400" algn="l" defTabSz="914400" rtl="0" eaLnBrk="1" latinLnBrk="0" hangingPunct="1">
+              <a:defRPr sz="1800" kern="1200">
+                <a:solidFill>
+                  <a:schemeClr val="tx1"/>
+                </a:solidFill>
+                <a:latin typeface="+mn-lt"/>
+                <a:ea typeface="+mn-ea"/>
+                <a:cs typeface="+mn-cs"/>
+              </a:defRPr>
+            </a:lvl8pPr>
+            <a:lvl9pPr marL="3657600" algn="l" defTabSz="914400" rtl="0" eaLnBrk="1" latinLnBrk="0" hangingPunct="1">
+              <a:defRPr sz="1800" kern="1200">
+                <a:solidFill>
+                  <a:schemeClr val="tx1"/>
+                </a:solidFill>
+                <a:latin typeface="+mn-lt"/>
+                <a:ea typeface="+mn-ea"/>
+                <a:cs typeface="+mn-cs"/>
+              </a:defRPr>
+            </a:lvl9pPr>
+          </a:lstStyle>
+          <a:p>
+            <a:pPr algn="r"/>
+            <a:r>
+              <a:rPr lang="en-US" sz="1100" dirty="0">
+                <a:solidFill>
+                  <a:srgbClr val="7030A0"/>
+                </a:solidFill>
+              </a:rPr>
+              <a:t>filtered list</a:t>
+            </a:r>
+            <a:endParaRPr lang="en-SG" sz="1100" dirty="0">
+              <a:solidFill>
+                <a:srgbClr val="7030A0"/>
+              </a:solidFill>
+            </a:endParaRPr>
+          </a:p>
+        </p:txBody>
+      </p:sp>
+      <p:sp>
+        <p:nvSpPr>
+          <p:cNvPr id="23" name="TextBox 53">
+            <a:extLst>
+              <a:ext uri="{FF2B5EF4-FFF2-40B4-BE49-F238E27FC236}">
+                <a16:creationId xmlns:a16="http://schemas.microsoft.com/office/drawing/2014/main" id="{B6F19BA6-DAC3-4DCB-BDCC-0F16449F8FCA}"/>
+              </a:ext>
+            </a:extLst>
+          </p:cNvPr>
+          <p:cNvSpPr txBox="1"/>
+          <p:nvPr/>
+        </p:nvSpPr>
+        <p:spPr>
+          <a:xfrm>
+            <a:off x="3824756" y="2993665"/>
+            <a:ext cx="189257" cy="178683"/>
+          </a:xfrm>
+          <a:prstGeom prst="rect">
+            <a:avLst/>
+          </a:prstGeom>
+          <a:noFill/>
+        </p:spPr>
+        <p:txBody>
+          <a:bodyPr wrap="square" lIns="0" tIns="0" rIns="0" bIns="0" rtlCol="0">
+            <a:noAutofit/>
+          </a:bodyPr>
+          <a:lstStyle>
+            <a:defPPr>
+              <a:defRPr lang="en-US"/>
+            </a:defPPr>
+            <a:lvl1pPr marL="0" algn="l" defTabSz="914400" rtl="0" eaLnBrk="1" latinLnBrk="0" hangingPunct="1">
+              <a:defRPr sz="1800" kern="1200">
+                <a:solidFill>
+                  <a:schemeClr val="tx1"/>
+                </a:solidFill>
+                <a:latin typeface="+mn-lt"/>
+                <a:ea typeface="+mn-ea"/>
+                <a:cs typeface="+mn-cs"/>
+              </a:defRPr>
+            </a:lvl1pPr>
+            <a:lvl2pPr marL="457200" algn="l" defTabSz="914400" rtl="0" eaLnBrk="1" latinLnBrk="0" hangingPunct="1">
+              <a:defRPr sz="1800" kern="1200">
+                <a:solidFill>
+                  <a:schemeClr val="tx1"/>
+                </a:solidFill>
+                <a:latin typeface="+mn-lt"/>
+                <a:ea typeface="+mn-ea"/>
+                <a:cs typeface="+mn-cs"/>
+              </a:defRPr>
+            </a:lvl2pPr>
+            <a:lvl3pPr marL="914400" algn="l" defTabSz="914400" rtl="0" eaLnBrk="1" latinLnBrk="0" hangingPunct="1">
+              <a:defRPr sz="1800" kern="1200">
+                <a:solidFill>
+                  <a:schemeClr val="tx1"/>
+                </a:solidFill>
+                <a:latin typeface="+mn-lt"/>
+                <a:ea typeface="+mn-ea"/>
+                <a:cs typeface="+mn-cs"/>
+              </a:defRPr>
+            </a:lvl3pPr>
+            <a:lvl4pPr marL="1371600" algn="l" defTabSz="914400" rtl="0" eaLnBrk="1" latinLnBrk="0" hangingPunct="1">
+              <a:defRPr sz="1800" kern="1200">
+                <a:solidFill>
+                  <a:schemeClr val="tx1"/>
+                </a:solidFill>
+                <a:latin typeface="+mn-lt"/>
+                <a:ea typeface="+mn-ea"/>
+                <a:cs typeface="+mn-cs"/>
+              </a:defRPr>
+            </a:lvl4pPr>
+            <a:lvl5pPr marL="1828800" algn="l" defTabSz="914400" rtl="0" eaLnBrk="1" latinLnBrk="0" hangingPunct="1">
+              <a:defRPr sz="1800" kern="1200">
+                <a:solidFill>
+                  <a:schemeClr val="tx1"/>
+                </a:solidFill>
+                <a:latin typeface="+mn-lt"/>
+                <a:ea typeface="+mn-ea"/>
+                <a:cs typeface="+mn-cs"/>
+              </a:defRPr>
+            </a:lvl5pPr>
+            <a:lvl6pPr marL="2286000" algn="l" defTabSz="914400" rtl="0" eaLnBrk="1" latinLnBrk="0" hangingPunct="1">
+              <a:defRPr sz="1800" kern="1200">
+                <a:solidFill>
+                  <a:schemeClr val="tx1"/>
+                </a:solidFill>
+                <a:latin typeface="+mn-lt"/>
+                <a:ea typeface="+mn-ea"/>
+                <a:cs typeface="+mn-cs"/>
+              </a:defRPr>
+            </a:lvl6pPr>
+            <a:lvl7pPr marL="2743200" algn="l" defTabSz="914400" rtl="0" eaLnBrk="1" latinLnBrk="0" hangingPunct="1">
+              <a:defRPr sz="1800" kern="1200">
+                <a:solidFill>
+                  <a:schemeClr val="tx1"/>
+                </a:solidFill>
+                <a:latin typeface="+mn-lt"/>
+                <a:ea typeface="+mn-ea"/>
+                <a:cs typeface="+mn-cs"/>
+              </a:defRPr>
+            </a:lvl7pPr>
+            <a:lvl8pPr marL="3200400" algn="l" defTabSz="914400" rtl="0" eaLnBrk="1" latinLnBrk="0" hangingPunct="1">
+              <a:defRPr sz="1800" kern="1200">
+                <a:solidFill>
+                  <a:schemeClr val="tx1"/>
+                </a:solidFill>
+                <a:latin typeface="+mn-lt"/>
+                <a:ea typeface="+mn-ea"/>
+                <a:cs typeface="+mn-cs"/>
+              </a:defRPr>
+            </a:lvl8pPr>
+            <a:lvl9pPr marL="3657600" algn="l" defTabSz="914400" rtl="0" eaLnBrk="1" latinLnBrk="0" hangingPunct="1">
+              <a:defRPr sz="1800" kern="1200">
+                <a:solidFill>
+                  <a:schemeClr val="tx1"/>
+                </a:solidFill>
+                <a:latin typeface="+mn-lt"/>
+                <a:ea typeface="+mn-ea"/>
+                <a:cs typeface="+mn-cs"/>
+              </a:defRPr>
+            </a:lvl9pPr>
+          </a:lstStyle>
+          <a:p>
+            <a:pPr algn="ctr"/>
+            <a:r>
+              <a:rPr lang="en-US" sz="1100" dirty="0">
+                <a:solidFill>
+                  <a:srgbClr val="7030A0"/>
+                </a:solidFill>
+              </a:rPr>
+              <a:t>*</a:t>
+            </a:r>
+            <a:endParaRPr lang="en-SG" sz="1100" dirty="0">
+              <a:solidFill>
+                <a:srgbClr val="7030A0"/>
+              </a:solidFill>
+            </a:endParaRPr>
+          </a:p>
+        </p:txBody>
+      </p:sp>
+      <p:sp>
+        <p:nvSpPr>
+          <p:cNvPr id="24" name="TextBox 60">
+            <a:extLst>
+              <a:ext uri="{FF2B5EF4-FFF2-40B4-BE49-F238E27FC236}">
+                <a16:creationId xmlns:a16="http://schemas.microsoft.com/office/drawing/2014/main" id="{74606B01-9B98-4294-BB98-207C610C0B3E}"/>
+              </a:ext>
+            </a:extLst>
+          </p:cNvPr>
+          <p:cNvSpPr txBox="1"/>
+          <p:nvPr/>
+        </p:nvSpPr>
+        <p:spPr>
+          <a:xfrm>
+            <a:off x="5403279" y="2984277"/>
+            <a:ext cx="189257" cy="178683"/>
+          </a:xfrm>
+          <a:prstGeom prst="rect">
+            <a:avLst/>
+          </a:prstGeom>
+          <a:noFill/>
+        </p:spPr>
+        <p:txBody>
+          <a:bodyPr wrap="square" lIns="0" tIns="0" rIns="0" bIns="0" rtlCol="0">
+            <a:noAutofit/>
+          </a:bodyPr>
+          <a:lstStyle>
+            <a:defPPr>
+              <a:defRPr lang="en-US"/>
+            </a:defPPr>
+            <a:lvl1pPr marL="0" algn="l" defTabSz="914400" rtl="0" eaLnBrk="1" latinLnBrk="0" hangingPunct="1">
+              <a:defRPr sz="1800" kern="1200">
+                <a:solidFill>
+                  <a:schemeClr val="tx1"/>
+                </a:solidFill>
+                <a:latin typeface="+mn-lt"/>
+                <a:ea typeface="+mn-ea"/>
+                <a:cs typeface="+mn-cs"/>
+              </a:defRPr>
+            </a:lvl1pPr>
+            <a:lvl2pPr marL="457200" algn="l" defTabSz="914400" rtl="0" eaLnBrk="1" latinLnBrk="0" hangingPunct="1">
+              <a:defRPr sz="1800" kern="1200">
+                <a:solidFill>
+                  <a:schemeClr val="tx1"/>
+                </a:solidFill>
+                <a:latin typeface="+mn-lt"/>
+                <a:ea typeface="+mn-ea"/>
+                <a:cs typeface="+mn-cs"/>
+              </a:defRPr>
+            </a:lvl2pPr>
+            <a:lvl3pPr marL="914400" algn="l" defTabSz="914400" rtl="0" eaLnBrk="1" latinLnBrk="0" hangingPunct="1">
+              <a:defRPr sz="1800" kern="1200">
+                <a:solidFill>
+                  <a:schemeClr val="tx1"/>
+                </a:solidFill>
+                <a:latin typeface="+mn-lt"/>
+                <a:ea typeface="+mn-ea"/>
+                <a:cs typeface="+mn-cs"/>
+              </a:defRPr>
+            </a:lvl3pPr>
+            <a:lvl4pPr marL="1371600" algn="l" defTabSz="914400" rtl="0" eaLnBrk="1" latinLnBrk="0" hangingPunct="1">
+              <a:defRPr sz="1800" kern="1200">
+                <a:solidFill>
+                  <a:schemeClr val="tx1"/>
+                </a:solidFill>
+                <a:latin typeface="+mn-lt"/>
+                <a:ea typeface="+mn-ea"/>
+                <a:cs typeface="+mn-cs"/>
+              </a:defRPr>
+            </a:lvl4pPr>
+            <a:lvl5pPr marL="1828800" algn="l" defTabSz="914400" rtl="0" eaLnBrk="1" latinLnBrk="0" hangingPunct="1">
+              <a:defRPr sz="1800" kern="1200">
+                <a:solidFill>
+                  <a:schemeClr val="tx1"/>
+                </a:solidFill>
+                <a:latin typeface="+mn-lt"/>
+                <a:ea typeface="+mn-ea"/>
+                <a:cs typeface="+mn-cs"/>
+              </a:defRPr>
+            </a:lvl5pPr>
+            <a:lvl6pPr marL="2286000" algn="l" defTabSz="914400" rtl="0" eaLnBrk="1" latinLnBrk="0" hangingPunct="1">
+              <a:defRPr sz="1800" kern="1200">
+                <a:solidFill>
+                  <a:schemeClr val="tx1"/>
+                </a:solidFill>
+                <a:latin typeface="+mn-lt"/>
+                <a:ea typeface="+mn-ea"/>
+                <a:cs typeface="+mn-cs"/>
+              </a:defRPr>
+            </a:lvl6pPr>
+            <a:lvl7pPr marL="2743200" algn="l" defTabSz="914400" rtl="0" eaLnBrk="1" latinLnBrk="0" hangingPunct="1">
+              <a:defRPr sz="1800" kern="1200">
+                <a:solidFill>
+                  <a:schemeClr val="tx1"/>
+                </a:solidFill>
+                <a:latin typeface="+mn-lt"/>
+                <a:ea typeface="+mn-ea"/>
+                <a:cs typeface="+mn-cs"/>
+              </a:defRPr>
+            </a:lvl7pPr>
+            <a:lvl8pPr marL="3200400" algn="l" defTabSz="914400" rtl="0" eaLnBrk="1" latinLnBrk="0" hangingPunct="1">
+              <a:defRPr sz="1800" kern="1200">
+                <a:solidFill>
+                  <a:schemeClr val="tx1"/>
+                </a:solidFill>
+                <a:latin typeface="+mn-lt"/>
+                <a:ea typeface="+mn-ea"/>
+                <a:cs typeface="+mn-cs"/>
+              </a:defRPr>
+            </a:lvl8pPr>
+            <a:lvl9pPr marL="3657600" algn="l" defTabSz="914400" rtl="0" eaLnBrk="1" latinLnBrk="0" hangingPunct="1">
+              <a:defRPr sz="1800" kern="1200">
+                <a:solidFill>
+                  <a:schemeClr val="tx1"/>
+                </a:solidFill>
+                <a:latin typeface="+mn-lt"/>
+                <a:ea typeface="+mn-ea"/>
+                <a:cs typeface="+mn-cs"/>
+              </a:defRPr>
+            </a:lvl9pPr>
+          </a:lstStyle>
+          <a:p>
+            <a:pPr algn="ctr"/>
+            <a:r>
+              <a:rPr lang="en-US" sz="1100" dirty="0">
+                <a:solidFill>
+                  <a:srgbClr val="7030A0"/>
+                </a:solidFill>
+              </a:rPr>
+              <a:t>*</a:t>
+            </a:r>
+            <a:endParaRPr lang="en-SG" sz="1100" dirty="0">
+              <a:solidFill>
+                <a:srgbClr val="7030A0"/>
+              </a:solidFill>
+            </a:endParaRPr>
+          </a:p>
+        </p:txBody>
+      </p:sp>
+      <p:sp>
+        <p:nvSpPr>
+          <p:cNvPr id="25" name="TextBox 64">
+            <a:extLst>
+              <a:ext uri="{FF2B5EF4-FFF2-40B4-BE49-F238E27FC236}">
+                <a16:creationId xmlns:a16="http://schemas.microsoft.com/office/drawing/2014/main" id="{D2164D58-84CB-4202-AB00-A0D23E5F8180}"/>
+              </a:ext>
+            </a:extLst>
+          </p:cNvPr>
+          <p:cNvSpPr txBox="1"/>
+          <p:nvPr/>
+        </p:nvSpPr>
+        <p:spPr>
+          <a:xfrm>
+            <a:off x="2223918" y="2657335"/>
+            <a:ext cx="170110" cy="137542"/>
+          </a:xfrm>
+          <a:prstGeom prst="rect">
+            <a:avLst/>
+          </a:prstGeom>
+          <a:noFill/>
+        </p:spPr>
+        <p:txBody>
+          <a:bodyPr wrap="square" lIns="0" tIns="0" rIns="0" bIns="0" rtlCol="0">
+            <a:noAutofit/>
+          </a:bodyPr>
+          <a:lstStyle>
+            <a:defPPr>
+              <a:defRPr lang="en-US"/>
+            </a:defPPr>
+            <a:lvl1pPr marL="0" algn="l" defTabSz="914400" rtl="0" eaLnBrk="1" latinLnBrk="0" hangingPunct="1">
+              <a:defRPr sz="1800" kern="1200">
+                <a:solidFill>
+                  <a:schemeClr val="tx1"/>
+                </a:solidFill>
+                <a:latin typeface="+mn-lt"/>
+                <a:ea typeface="+mn-ea"/>
+                <a:cs typeface="+mn-cs"/>
+              </a:defRPr>
+            </a:lvl1pPr>
+            <a:lvl2pPr marL="457200" algn="l" defTabSz="914400" rtl="0" eaLnBrk="1" latinLnBrk="0" hangingPunct="1">
+              <a:defRPr sz="1800" kern="1200">
+                <a:solidFill>
+                  <a:schemeClr val="tx1"/>
+                </a:solidFill>
+                <a:latin typeface="+mn-lt"/>
+                <a:ea typeface="+mn-ea"/>
+                <a:cs typeface="+mn-cs"/>
+              </a:defRPr>
+            </a:lvl2pPr>
+            <a:lvl3pPr marL="914400" algn="l" defTabSz="914400" rtl="0" eaLnBrk="1" latinLnBrk="0" hangingPunct="1">
+              <a:defRPr sz="1800" kern="1200">
+                <a:solidFill>
+                  <a:schemeClr val="tx1"/>
+                </a:solidFill>
+                <a:latin typeface="+mn-lt"/>
+                <a:ea typeface="+mn-ea"/>
+                <a:cs typeface="+mn-cs"/>
+              </a:defRPr>
+            </a:lvl3pPr>
+            <a:lvl4pPr marL="1371600" algn="l" defTabSz="914400" rtl="0" eaLnBrk="1" latinLnBrk="0" hangingPunct="1">
+              <a:defRPr sz="1800" kern="1200">
+                <a:solidFill>
+                  <a:schemeClr val="tx1"/>
+                </a:solidFill>
+                <a:latin typeface="+mn-lt"/>
+                <a:ea typeface="+mn-ea"/>
+                <a:cs typeface="+mn-cs"/>
+              </a:defRPr>
+            </a:lvl4pPr>
+            <a:lvl5pPr marL="1828800" algn="l" defTabSz="914400" rtl="0" eaLnBrk="1" latinLnBrk="0" hangingPunct="1">
+              <a:defRPr sz="1800" kern="1200">
+                <a:solidFill>
+                  <a:schemeClr val="tx1"/>
+                </a:solidFill>
+                <a:latin typeface="+mn-lt"/>
+                <a:ea typeface="+mn-ea"/>
+                <a:cs typeface="+mn-cs"/>
+              </a:defRPr>
+            </a:lvl5pPr>
+            <a:lvl6pPr marL="2286000" algn="l" defTabSz="914400" rtl="0" eaLnBrk="1" latinLnBrk="0" hangingPunct="1">
+              <a:defRPr sz="1800" kern="1200">
+                <a:solidFill>
+                  <a:schemeClr val="tx1"/>
+                </a:solidFill>
+                <a:latin typeface="+mn-lt"/>
+                <a:ea typeface="+mn-ea"/>
+                <a:cs typeface="+mn-cs"/>
+              </a:defRPr>
+            </a:lvl6pPr>
+            <a:lvl7pPr marL="2743200" algn="l" defTabSz="914400" rtl="0" eaLnBrk="1" latinLnBrk="0" hangingPunct="1">
+              <a:defRPr sz="1800" kern="1200">
+                <a:solidFill>
+                  <a:schemeClr val="tx1"/>
+                </a:solidFill>
+                <a:latin typeface="+mn-lt"/>
+                <a:ea typeface="+mn-ea"/>
+                <a:cs typeface="+mn-cs"/>
+              </a:defRPr>
+            </a:lvl7pPr>
+            <a:lvl8pPr marL="3200400" algn="l" defTabSz="914400" rtl="0" eaLnBrk="1" latinLnBrk="0" hangingPunct="1">
+              <a:defRPr sz="1800" kern="1200">
+                <a:solidFill>
+                  <a:schemeClr val="tx1"/>
+                </a:solidFill>
+                <a:latin typeface="+mn-lt"/>
+                <a:ea typeface="+mn-ea"/>
+                <a:cs typeface="+mn-cs"/>
+              </a:defRPr>
+            </a:lvl8pPr>
+            <a:lvl9pPr marL="3657600" algn="l" defTabSz="914400" rtl="0" eaLnBrk="1" latinLnBrk="0" hangingPunct="1">
+              <a:defRPr sz="1800" kern="1200">
+                <a:solidFill>
+                  <a:schemeClr val="tx1"/>
+                </a:solidFill>
+                <a:latin typeface="+mn-lt"/>
+                <a:ea typeface="+mn-ea"/>
+                <a:cs typeface="+mn-cs"/>
+              </a:defRPr>
+            </a:lvl9pPr>
+          </a:lstStyle>
+          <a:p>
+            <a:pPr algn="ctr"/>
+            <a:r>
+              <a:rPr lang="en-US" sz="1100" dirty="0">
+                <a:solidFill>
+                  <a:srgbClr val="7030A0"/>
+                </a:solidFill>
+              </a:rPr>
+              <a:t>1</a:t>
+            </a:r>
+            <a:endParaRPr lang="en-SG" sz="1100" dirty="0">
+              <a:solidFill>
+                <a:srgbClr val="7030A0"/>
+              </a:solidFill>
+            </a:endParaRPr>
+          </a:p>
+        </p:txBody>
+      </p:sp>
+      <p:sp>
+        <p:nvSpPr>
+          <p:cNvPr id="26" name="TextBox 65">
+            <a:extLst>
+              <a:ext uri="{FF2B5EF4-FFF2-40B4-BE49-F238E27FC236}">
+                <a16:creationId xmlns:a16="http://schemas.microsoft.com/office/drawing/2014/main" id="{4BA89F16-FBBB-4655-97E8-6DC9439AB83B}"/>
+              </a:ext>
+            </a:extLst>
+          </p:cNvPr>
+          <p:cNvSpPr txBox="1"/>
+          <p:nvPr/>
+        </p:nvSpPr>
+        <p:spPr>
+          <a:xfrm>
+            <a:off x="2357594" y="3568357"/>
+            <a:ext cx="189257" cy="178683"/>
+          </a:xfrm>
+          <a:prstGeom prst="rect">
+            <a:avLst/>
+          </a:prstGeom>
+          <a:noFill/>
+        </p:spPr>
+        <p:txBody>
+          <a:bodyPr wrap="square" lIns="0" tIns="0" rIns="0" bIns="0" rtlCol="0">
+            <a:noAutofit/>
+          </a:bodyPr>
+          <a:lstStyle>
+            <a:defPPr>
+              <a:defRPr lang="en-US"/>
+            </a:defPPr>
+            <a:lvl1pPr marL="0" algn="l" defTabSz="914400" rtl="0" eaLnBrk="1" latinLnBrk="0" hangingPunct="1">
+              <a:defRPr sz="1800" kern="1200">
+                <a:solidFill>
+                  <a:schemeClr val="tx1"/>
+                </a:solidFill>
+                <a:latin typeface="+mn-lt"/>
+                <a:ea typeface="+mn-ea"/>
+                <a:cs typeface="+mn-cs"/>
+              </a:defRPr>
+            </a:lvl1pPr>
+            <a:lvl2pPr marL="457200" algn="l" defTabSz="914400" rtl="0" eaLnBrk="1" latinLnBrk="0" hangingPunct="1">
+              <a:defRPr sz="1800" kern="1200">
+                <a:solidFill>
+                  <a:schemeClr val="tx1"/>
+                </a:solidFill>
+                <a:latin typeface="+mn-lt"/>
+                <a:ea typeface="+mn-ea"/>
+                <a:cs typeface="+mn-cs"/>
+              </a:defRPr>
+            </a:lvl2pPr>
+            <a:lvl3pPr marL="914400" algn="l" defTabSz="914400" rtl="0" eaLnBrk="1" latinLnBrk="0" hangingPunct="1">
+              <a:defRPr sz="1800" kern="1200">
+                <a:solidFill>
+                  <a:schemeClr val="tx1"/>
+                </a:solidFill>
+                <a:latin typeface="+mn-lt"/>
+                <a:ea typeface="+mn-ea"/>
+                <a:cs typeface="+mn-cs"/>
+              </a:defRPr>
+            </a:lvl3pPr>
+            <a:lvl4pPr marL="1371600" algn="l" defTabSz="914400" rtl="0" eaLnBrk="1" latinLnBrk="0" hangingPunct="1">
+              <a:defRPr sz="1800" kern="1200">
+                <a:solidFill>
+                  <a:schemeClr val="tx1"/>
+                </a:solidFill>
+                <a:latin typeface="+mn-lt"/>
+                <a:ea typeface="+mn-ea"/>
+                <a:cs typeface="+mn-cs"/>
+              </a:defRPr>
+            </a:lvl4pPr>
+            <a:lvl5pPr marL="1828800" algn="l" defTabSz="914400" rtl="0" eaLnBrk="1" latinLnBrk="0" hangingPunct="1">
+              <a:defRPr sz="1800" kern="1200">
+                <a:solidFill>
+                  <a:schemeClr val="tx1"/>
+                </a:solidFill>
+                <a:latin typeface="+mn-lt"/>
+                <a:ea typeface="+mn-ea"/>
+                <a:cs typeface="+mn-cs"/>
+              </a:defRPr>
+            </a:lvl5pPr>
+            <a:lvl6pPr marL="2286000" algn="l" defTabSz="914400" rtl="0" eaLnBrk="1" latinLnBrk="0" hangingPunct="1">
+              <a:defRPr sz="1800" kern="1200">
+                <a:solidFill>
+                  <a:schemeClr val="tx1"/>
+                </a:solidFill>
+                <a:latin typeface="+mn-lt"/>
+                <a:ea typeface="+mn-ea"/>
+                <a:cs typeface="+mn-cs"/>
+              </a:defRPr>
+            </a:lvl6pPr>
+            <a:lvl7pPr marL="2743200" algn="l" defTabSz="914400" rtl="0" eaLnBrk="1" latinLnBrk="0" hangingPunct="1">
+              <a:defRPr sz="1800" kern="1200">
+                <a:solidFill>
+                  <a:schemeClr val="tx1"/>
+                </a:solidFill>
+                <a:latin typeface="+mn-lt"/>
+                <a:ea typeface="+mn-ea"/>
+                <a:cs typeface="+mn-cs"/>
+              </a:defRPr>
+            </a:lvl7pPr>
+            <a:lvl8pPr marL="3200400" algn="l" defTabSz="914400" rtl="0" eaLnBrk="1" latinLnBrk="0" hangingPunct="1">
+              <a:defRPr sz="1800" kern="1200">
+                <a:solidFill>
+                  <a:schemeClr val="tx1"/>
+                </a:solidFill>
+                <a:latin typeface="+mn-lt"/>
+                <a:ea typeface="+mn-ea"/>
+                <a:cs typeface="+mn-cs"/>
+              </a:defRPr>
+            </a:lvl8pPr>
+            <a:lvl9pPr marL="3657600" algn="l" defTabSz="914400" rtl="0" eaLnBrk="1" latinLnBrk="0" hangingPunct="1">
+              <a:defRPr sz="1800" kern="1200">
+                <a:solidFill>
+                  <a:schemeClr val="tx1"/>
+                </a:solidFill>
+                <a:latin typeface="+mn-lt"/>
+                <a:ea typeface="+mn-ea"/>
+                <a:cs typeface="+mn-cs"/>
+              </a:defRPr>
+            </a:lvl9pPr>
+          </a:lstStyle>
+          <a:p>
+            <a:pPr algn="ctr"/>
+            <a:r>
+              <a:rPr lang="en-US" sz="1100" dirty="0">
+                <a:solidFill>
+                  <a:srgbClr val="7030A0"/>
+                </a:solidFill>
+              </a:rPr>
+              <a:t>1</a:t>
+            </a:r>
+            <a:endParaRPr lang="en-SG" sz="1100" dirty="0">
+              <a:solidFill>
+                <a:srgbClr val="7030A0"/>
+              </a:solidFill>
+            </a:endParaRPr>
+          </a:p>
+        </p:txBody>
+      </p:sp>
+      <p:sp>
+        <p:nvSpPr>
+          <p:cNvPr id="27" name="TextBox 69">
+            <a:extLst>
+              <a:ext uri="{FF2B5EF4-FFF2-40B4-BE49-F238E27FC236}">
+                <a16:creationId xmlns:a16="http://schemas.microsoft.com/office/drawing/2014/main" id="{98DA216B-AB9E-4345-9224-59BE81D9C0CB}"/>
+              </a:ext>
+            </a:extLst>
+          </p:cNvPr>
+          <p:cNvSpPr txBox="1"/>
+          <p:nvPr/>
+        </p:nvSpPr>
+        <p:spPr>
+          <a:xfrm>
+            <a:off x="6100420" y="3105446"/>
+            <a:ext cx="189257" cy="178683"/>
+          </a:xfrm>
+          <a:prstGeom prst="rect">
+            <a:avLst/>
+          </a:prstGeom>
+          <a:noFill/>
+        </p:spPr>
+        <p:txBody>
+          <a:bodyPr wrap="square" lIns="0" tIns="0" rIns="0" bIns="0" rtlCol="0">
+            <a:noAutofit/>
+          </a:bodyPr>
+          <a:lstStyle>
+            <a:defPPr>
+              <a:defRPr lang="en-US"/>
+            </a:defPPr>
+            <a:lvl1pPr marL="0" algn="l" defTabSz="914400" rtl="0" eaLnBrk="1" latinLnBrk="0" hangingPunct="1">
+              <a:defRPr sz="1800" kern="1200">
+                <a:solidFill>
+                  <a:schemeClr val="tx1"/>
+                </a:solidFill>
+                <a:latin typeface="+mn-lt"/>
+                <a:ea typeface="+mn-ea"/>
+                <a:cs typeface="+mn-cs"/>
+              </a:defRPr>
+            </a:lvl1pPr>
+            <a:lvl2pPr marL="457200" algn="l" defTabSz="914400" rtl="0" eaLnBrk="1" latinLnBrk="0" hangingPunct="1">
+              <a:defRPr sz="1800" kern="1200">
+                <a:solidFill>
+                  <a:schemeClr val="tx1"/>
+                </a:solidFill>
+                <a:latin typeface="+mn-lt"/>
+                <a:ea typeface="+mn-ea"/>
+                <a:cs typeface="+mn-cs"/>
+              </a:defRPr>
+            </a:lvl2pPr>
+            <a:lvl3pPr marL="914400" algn="l" defTabSz="914400" rtl="0" eaLnBrk="1" latinLnBrk="0" hangingPunct="1">
+              <a:defRPr sz="1800" kern="1200">
+                <a:solidFill>
+                  <a:schemeClr val="tx1"/>
+                </a:solidFill>
+                <a:latin typeface="+mn-lt"/>
+                <a:ea typeface="+mn-ea"/>
+                <a:cs typeface="+mn-cs"/>
+              </a:defRPr>
+            </a:lvl3pPr>
+            <a:lvl4pPr marL="1371600" algn="l" defTabSz="914400" rtl="0" eaLnBrk="1" latinLnBrk="0" hangingPunct="1">
+              <a:defRPr sz="1800" kern="1200">
+                <a:solidFill>
+                  <a:schemeClr val="tx1"/>
+                </a:solidFill>
+                <a:latin typeface="+mn-lt"/>
+                <a:ea typeface="+mn-ea"/>
+                <a:cs typeface="+mn-cs"/>
+              </a:defRPr>
+            </a:lvl4pPr>
+            <a:lvl5pPr marL="1828800" algn="l" defTabSz="914400" rtl="0" eaLnBrk="1" latinLnBrk="0" hangingPunct="1">
+              <a:defRPr sz="1800" kern="1200">
+                <a:solidFill>
+                  <a:schemeClr val="tx1"/>
+                </a:solidFill>
+                <a:latin typeface="+mn-lt"/>
+                <a:ea typeface="+mn-ea"/>
+                <a:cs typeface="+mn-cs"/>
+              </a:defRPr>
+            </a:lvl5pPr>
+            <a:lvl6pPr marL="2286000" algn="l" defTabSz="914400" rtl="0" eaLnBrk="1" latinLnBrk="0" hangingPunct="1">
+              <a:defRPr sz="1800" kern="1200">
+                <a:solidFill>
+                  <a:schemeClr val="tx1"/>
+                </a:solidFill>
+                <a:latin typeface="+mn-lt"/>
+                <a:ea typeface="+mn-ea"/>
+                <a:cs typeface="+mn-cs"/>
+              </a:defRPr>
+            </a:lvl6pPr>
+            <a:lvl7pPr marL="2743200" algn="l" defTabSz="914400" rtl="0" eaLnBrk="1" latinLnBrk="0" hangingPunct="1">
+              <a:defRPr sz="1800" kern="1200">
+                <a:solidFill>
+                  <a:schemeClr val="tx1"/>
+                </a:solidFill>
+                <a:latin typeface="+mn-lt"/>
+                <a:ea typeface="+mn-ea"/>
+                <a:cs typeface="+mn-cs"/>
+              </a:defRPr>
+            </a:lvl7pPr>
+            <a:lvl8pPr marL="3200400" algn="l" defTabSz="914400" rtl="0" eaLnBrk="1" latinLnBrk="0" hangingPunct="1">
+              <a:defRPr sz="1800" kern="1200">
+                <a:solidFill>
+                  <a:schemeClr val="tx1"/>
+                </a:solidFill>
+                <a:latin typeface="+mn-lt"/>
+                <a:ea typeface="+mn-ea"/>
+                <a:cs typeface="+mn-cs"/>
+              </a:defRPr>
+            </a:lvl8pPr>
+            <a:lvl9pPr marL="3657600" algn="l" defTabSz="914400" rtl="0" eaLnBrk="1" latinLnBrk="0" hangingPunct="1">
+              <a:defRPr sz="1800" kern="1200">
+                <a:solidFill>
+                  <a:schemeClr val="tx1"/>
+                </a:solidFill>
+                <a:latin typeface="+mn-lt"/>
+                <a:ea typeface="+mn-ea"/>
+                <a:cs typeface="+mn-cs"/>
+              </a:defRPr>
+            </a:lvl9pPr>
+          </a:lstStyle>
+          <a:p>
+            <a:pPr algn="ctr"/>
+            <a:r>
+              <a:rPr lang="en-US" sz="1100" dirty="0">
+                <a:solidFill>
+                  <a:srgbClr val="7030A0"/>
+                </a:solidFill>
+              </a:rPr>
+              <a:t>1</a:t>
+            </a:r>
+            <a:endParaRPr lang="en-SG" sz="1100" dirty="0">
+              <a:solidFill>
+                <a:srgbClr val="7030A0"/>
+              </a:solidFill>
+            </a:endParaRPr>
+          </a:p>
+        </p:txBody>
+      </p:sp>
+      <p:sp>
+        <p:nvSpPr>
+          <p:cNvPr id="28" name="Rectangle 27">
+            <a:extLst>
+              <a:ext uri="{FF2B5EF4-FFF2-40B4-BE49-F238E27FC236}">
+                <a16:creationId xmlns:a16="http://schemas.microsoft.com/office/drawing/2014/main" id="{ABDCDBD2-131A-4B66-A2F2-43BBEE82C773}"/>
+              </a:ext>
+            </a:extLst>
+          </p:cNvPr>
+          <p:cNvSpPr/>
+          <p:nvPr/>
+        </p:nvSpPr>
+        <p:spPr>
+          <a:xfrm>
+            <a:off x="7272268" y="2780815"/>
+            <a:ext cx="1230396" cy="308773"/>
+          </a:xfrm>
+          <a:prstGeom prst="rect">
+            <a:avLst/>
+          </a:prstGeom>
+          <a:ln w="19050">
+            <a:solidFill>
+              <a:srgbClr val="7030A0"/>
+            </a:solidFill>
+          </a:ln>
+          <a:effectLst/>
+        </p:spPr>
+        <p:style>
+          <a:lnRef idx="1">
+            <a:schemeClr val="accent4"/>
+          </a:lnRef>
+          <a:fillRef idx="2">
+            <a:schemeClr val="accent4"/>
+          </a:fillRef>
+          <a:effectRef idx="1">
+            <a:schemeClr val="accent4"/>
+          </a:effectRef>
+          <a:fontRef idx="minor">
+            <a:schemeClr val="dk1"/>
+          </a:fontRef>
+        </p:style>
+        <p:txBody>
+          <a:bodyPr rtlCol="0" anchor="ctr"/>
+          <a:lstStyle>
+            <a:defPPr>
+              <a:defRPr lang="en-US"/>
+            </a:defPPr>
+            <a:lvl1pPr marL="0" algn="l" defTabSz="914400" rtl="0" eaLnBrk="1" latinLnBrk="0" hangingPunct="1">
+              <a:defRPr sz="1800" kern="1200">
+                <a:solidFill>
+                  <a:schemeClr val="dk1"/>
+                </a:solidFill>
+                <a:latin typeface="+mn-lt"/>
+                <a:ea typeface="+mn-ea"/>
+                <a:cs typeface="+mn-cs"/>
+              </a:defRPr>
+            </a:lvl1pPr>
+            <a:lvl2pPr marL="457200" algn="l" defTabSz="914400" rtl="0" eaLnBrk="1" latinLnBrk="0" hangingPunct="1">
+              <a:defRPr sz="1800" kern="1200">
+                <a:solidFill>
+                  <a:schemeClr val="dk1"/>
+                </a:solidFill>
+                <a:latin typeface="+mn-lt"/>
+                <a:ea typeface="+mn-ea"/>
+                <a:cs typeface="+mn-cs"/>
+              </a:defRPr>
+            </a:lvl2pPr>
+            <a:lvl3pPr marL="914400" algn="l" defTabSz="914400" rtl="0" eaLnBrk="1" latinLnBrk="0" hangingPunct="1">
+              <a:defRPr sz="1800" kern="1200">
+                <a:solidFill>
+                  <a:schemeClr val="dk1"/>
+                </a:solidFill>
+                <a:latin typeface="+mn-lt"/>
+                <a:ea typeface="+mn-ea"/>
+                <a:cs typeface="+mn-cs"/>
+              </a:defRPr>
+            </a:lvl3pPr>
+            <a:lvl4pPr marL="1371600" algn="l" defTabSz="914400" rtl="0" eaLnBrk="1" latinLnBrk="0" hangingPunct="1">
+              <a:defRPr sz="1800" kern="1200">
+                <a:solidFill>
+                  <a:schemeClr val="dk1"/>
+                </a:solidFill>
+                <a:latin typeface="+mn-lt"/>
+                <a:ea typeface="+mn-ea"/>
+                <a:cs typeface="+mn-cs"/>
+              </a:defRPr>
+            </a:lvl4pPr>
+            <a:lvl5pPr marL="1828800" algn="l" defTabSz="914400" rtl="0" eaLnBrk="1" latinLnBrk="0" hangingPunct="1">
+              <a:defRPr sz="1800" kern="1200">
+                <a:solidFill>
+                  <a:schemeClr val="dk1"/>
+                </a:solidFill>
+                <a:latin typeface="+mn-lt"/>
+                <a:ea typeface="+mn-ea"/>
+                <a:cs typeface="+mn-cs"/>
+              </a:defRPr>
+            </a:lvl5pPr>
+            <a:lvl6pPr marL="2286000" algn="l" defTabSz="914400" rtl="0" eaLnBrk="1" latinLnBrk="0" hangingPunct="1">
+              <a:defRPr sz="1800" kern="1200">
+                <a:solidFill>
+                  <a:schemeClr val="dk1"/>
+                </a:solidFill>
+                <a:latin typeface="+mn-lt"/>
+                <a:ea typeface="+mn-ea"/>
+                <a:cs typeface="+mn-cs"/>
+              </a:defRPr>
+            </a:lvl6pPr>
+            <a:lvl7pPr marL="2743200" algn="l" defTabSz="914400" rtl="0" eaLnBrk="1" latinLnBrk="0" hangingPunct="1">
+              <a:defRPr sz="1800" kern="1200">
+                <a:solidFill>
+                  <a:schemeClr val="dk1"/>
+                </a:solidFill>
+                <a:latin typeface="+mn-lt"/>
+                <a:ea typeface="+mn-ea"/>
+                <a:cs typeface="+mn-cs"/>
+              </a:defRPr>
+            </a:lvl7pPr>
+            <a:lvl8pPr marL="3200400" algn="l" defTabSz="914400" rtl="0" eaLnBrk="1" latinLnBrk="0" hangingPunct="1">
+              <a:defRPr sz="1800" kern="1200">
+                <a:solidFill>
+                  <a:schemeClr val="dk1"/>
+                </a:solidFill>
+                <a:latin typeface="+mn-lt"/>
+                <a:ea typeface="+mn-ea"/>
+                <a:cs typeface="+mn-cs"/>
+              </a:defRPr>
+            </a:lvl8pPr>
+            <a:lvl9pPr marL="3657600" algn="l" defTabSz="914400" rtl="0" eaLnBrk="1" latinLnBrk="0" hangingPunct="1">
+              <a:defRPr sz="1800" kern="1200">
+                <a:solidFill>
+                  <a:schemeClr val="dk1"/>
+                </a:solidFill>
+                <a:latin typeface="+mn-lt"/>
+                <a:ea typeface="+mn-ea"/>
+                <a:cs typeface="+mn-cs"/>
+              </a:defRPr>
+            </a:lvl9pPr>
+          </a:lstStyle>
+          <a:p>
+            <a:pPr algn="ctr"/>
+            <a:r>
+              <a:rPr lang="en-SG" sz="1050" dirty="0" err="1">
+                <a:solidFill>
+                  <a:srgbClr val="7030A0"/>
+                </a:solidFill>
+              </a:rPr>
+              <a:t>TransformationSet</a:t>
+            </a:r>
+            <a:endParaRPr lang="en-SG" sz="1050" dirty="0">
+              <a:solidFill>
+                <a:srgbClr val="7030A0"/>
+              </a:solidFill>
+            </a:endParaRPr>
+          </a:p>
+        </p:txBody>
+      </p:sp>
+      <p:cxnSp>
+        <p:nvCxnSpPr>
+          <p:cNvPr id="29" name="Elbow Connector 78">
+            <a:extLst>
+              <a:ext uri="{FF2B5EF4-FFF2-40B4-BE49-F238E27FC236}">
+                <a16:creationId xmlns:a16="http://schemas.microsoft.com/office/drawing/2014/main" id="{B97967F8-618A-448B-81FD-CDFD4AF0EC64}"/>
+              </a:ext>
+            </a:extLst>
+          </p:cNvPr>
+          <p:cNvCxnSpPr>
+            <a:cxnSpLocks/>
+            <a:stCxn id="20" idx="3"/>
+            <a:endCxn id="28" idx="1"/>
+          </p:cNvCxnSpPr>
+          <p:nvPr/>
+        </p:nvCxnSpPr>
+        <p:spPr>
+          <a:xfrm flipV="1">
+            <a:off x="6928519" y="2935202"/>
+            <a:ext cx="343749" cy="309"/>
+          </a:xfrm>
+          <a:prstGeom prst="bentConnector3">
+            <a:avLst>
+              <a:gd name="adj1" fmla="val 50000"/>
+            </a:avLst>
+          </a:prstGeom>
+          <a:ln w="19050">
+            <a:solidFill>
+              <a:srgbClr val="7030A0"/>
+            </a:solidFill>
+            <a:headEnd type="none" w="med" len="med"/>
+            <a:tailEnd type="arrow" w="med" len="med"/>
+          </a:ln>
+          <a:effectLst/>
+        </p:spPr>
+        <p:style>
+          <a:lnRef idx="1">
+            <a:schemeClr val="accent2"/>
+          </a:lnRef>
+          <a:fillRef idx="2">
+            <a:schemeClr val="accent2"/>
+          </a:fillRef>
+          <a:effectRef idx="1">
+            <a:schemeClr val="accent2"/>
+          </a:effectRef>
+          <a:fontRef idx="minor">
+            <a:schemeClr val="dk1"/>
+          </a:fontRef>
+        </p:style>
+      </p:cxnSp>
+      <p:sp>
+        <p:nvSpPr>
+          <p:cNvPr id="30" name="TextBox 49">
+            <a:extLst>
+              <a:ext uri="{FF2B5EF4-FFF2-40B4-BE49-F238E27FC236}">
+                <a16:creationId xmlns:a16="http://schemas.microsoft.com/office/drawing/2014/main" id="{B3FA9D57-880F-49C4-AD0B-A64E30D6F403}"/>
+              </a:ext>
+            </a:extLst>
+          </p:cNvPr>
+          <p:cNvSpPr txBox="1"/>
+          <p:nvPr/>
+        </p:nvSpPr>
+        <p:spPr>
+          <a:xfrm>
+            <a:off x="7083011" y="2993665"/>
+            <a:ext cx="189257" cy="178683"/>
+          </a:xfrm>
+          <a:prstGeom prst="rect">
+            <a:avLst/>
+          </a:prstGeom>
+          <a:noFill/>
+        </p:spPr>
+        <p:txBody>
+          <a:bodyPr wrap="square" lIns="0" tIns="0" rIns="0" bIns="0" rtlCol="0">
+            <a:noAutofit/>
+          </a:bodyPr>
+          <a:lstStyle>
+            <a:defPPr>
+              <a:defRPr lang="en-US"/>
+            </a:defPPr>
+            <a:lvl1pPr marL="0" algn="l" defTabSz="914400" rtl="0" eaLnBrk="1" latinLnBrk="0" hangingPunct="1">
+              <a:defRPr sz="1800" kern="1200">
+                <a:solidFill>
+                  <a:schemeClr val="tx1"/>
+                </a:solidFill>
+                <a:latin typeface="+mn-lt"/>
+                <a:ea typeface="+mn-ea"/>
+                <a:cs typeface="+mn-cs"/>
+              </a:defRPr>
+            </a:lvl1pPr>
+            <a:lvl2pPr marL="457200" algn="l" defTabSz="914400" rtl="0" eaLnBrk="1" latinLnBrk="0" hangingPunct="1">
+              <a:defRPr sz="1800" kern="1200">
+                <a:solidFill>
+                  <a:schemeClr val="tx1"/>
+                </a:solidFill>
+                <a:latin typeface="+mn-lt"/>
+                <a:ea typeface="+mn-ea"/>
+                <a:cs typeface="+mn-cs"/>
+              </a:defRPr>
+            </a:lvl2pPr>
+            <a:lvl3pPr marL="914400" algn="l" defTabSz="914400" rtl="0" eaLnBrk="1" latinLnBrk="0" hangingPunct="1">
+              <a:defRPr sz="1800" kern="1200">
+                <a:solidFill>
+                  <a:schemeClr val="tx1"/>
+                </a:solidFill>
+                <a:latin typeface="+mn-lt"/>
+                <a:ea typeface="+mn-ea"/>
+                <a:cs typeface="+mn-cs"/>
+              </a:defRPr>
+            </a:lvl3pPr>
+            <a:lvl4pPr marL="1371600" algn="l" defTabSz="914400" rtl="0" eaLnBrk="1" latinLnBrk="0" hangingPunct="1">
+              <a:defRPr sz="1800" kern="1200">
+                <a:solidFill>
+                  <a:schemeClr val="tx1"/>
+                </a:solidFill>
+                <a:latin typeface="+mn-lt"/>
+                <a:ea typeface="+mn-ea"/>
+                <a:cs typeface="+mn-cs"/>
+              </a:defRPr>
+            </a:lvl4pPr>
+            <a:lvl5pPr marL="1828800" algn="l" defTabSz="914400" rtl="0" eaLnBrk="1" latinLnBrk="0" hangingPunct="1">
+              <a:defRPr sz="1800" kern="1200">
+                <a:solidFill>
+                  <a:schemeClr val="tx1"/>
+                </a:solidFill>
+                <a:latin typeface="+mn-lt"/>
+                <a:ea typeface="+mn-ea"/>
+                <a:cs typeface="+mn-cs"/>
+              </a:defRPr>
+            </a:lvl5pPr>
+            <a:lvl6pPr marL="2286000" algn="l" defTabSz="914400" rtl="0" eaLnBrk="1" latinLnBrk="0" hangingPunct="1">
+              <a:defRPr sz="1800" kern="1200">
+                <a:solidFill>
+                  <a:schemeClr val="tx1"/>
+                </a:solidFill>
+                <a:latin typeface="+mn-lt"/>
+                <a:ea typeface="+mn-ea"/>
+                <a:cs typeface="+mn-cs"/>
+              </a:defRPr>
+            </a:lvl6pPr>
+            <a:lvl7pPr marL="2743200" algn="l" defTabSz="914400" rtl="0" eaLnBrk="1" latinLnBrk="0" hangingPunct="1">
+              <a:defRPr sz="1800" kern="1200">
+                <a:solidFill>
+                  <a:schemeClr val="tx1"/>
+                </a:solidFill>
+                <a:latin typeface="+mn-lt"/>
+                <a:ea typeface="+mn-ea"/>
+                <a:cs typeface="+mn-cs"/>
+              </a:defRPr>
+            </a:lvl7pPr>
+            <a:lvl8pPr marL="3200400" algn="l" defTabSz="914400" rtl="0" eaLnBrk="1" latinLnBrk="0" hangingPunct="1">
+              <a:defRPr sz="1800" kern="1200">
+                <a:solidFill>
+                  <a:schemeClr val="tx1"/>
+                </a:solidFill>
+                <a:latin typeface="+mn-lt"/>
+                <a:ea typeface="+mn-ea"/>
+                <a:cs typeface="+mn-cs"/>
+              </a:defRPr>
+            </a:lvl8pPr>
+            <a:lvl9pPr marL="3657600" algn="l" defTabSz="914400" rtl="0" eaLnBrk="1" latinLnBrk="0" hangingPunct="1">
+              <a:defRPr sz="1800" kern="1200">
+                <a:solidFill>
+                  <a:schemeClr val="tx1"/>
+                </a:solidFill>
+                <a:latin typeface="+mn-lt"/>
+                <a:ea typeface="+mn-ea"/>
+                <a:cs typeface="+mn-cs"/>
+              </a:defRPr>
+            </a:lvl9pPr>
+          </a:lstStyle>
+          <a:p>
+            <a:pPr algn="ctr"/>
+            <a:r>
+              <a:rPr lang="en-SG" sz="1100" dirty="0">
+                <a:solidFill>
+                  <a:srgbClr val="7030A0"/>
+                </a:solidFill>
+              </a:rPr>
+              <a:t>1</a:t>
+            </a:r>
+          </a:p>
+        </p:txBody>
+      </p:sp>
+      <p:cxnSp>
+        <p:nvCxnSpPr>
+          <p:cNvPr id="31" name="Straight Arrow Connector 30">
+            <a:extLst>
+              <a:ext uri="{FF2B5EF4-FFF2-40B4-BE49-F238E27FC236}">
+                <a16:creationId xmlns:a16="http://schemas.microsoft.com/office/drawing/2014/main" id="{D5C8DA70-B1B4-4610-9F5A-08424DC37C4A}"/>
+              </a:ext>
+            </a:extLst>
+          </p:cNvPr>
+          <p:cNvCxnSpPr>
+            <a:cxnSpLocks/>
+            <a:stCxn id="16" idx="1"/>
+          </p:cNvCxnSpPr>
+          <p:nvPr/>
+        </p:nvCxnSpPr>
+        <p:spPr>
+          <a:xfrm>
+            <a:off x="3664814" y="2925212"/>
+            <a:ext cx="367679" cy="2359"/>
+          </a:xfrm>
+          <a:prstGeom prst="straightConnector1">
+            <a:avLst/>
+          </a:prstGeom>
+          <a:ln w="19050">
+            <a:solidFill>
+              <a:srgbClr val="7030A0"/>
+            </a:solidFill>
+            <a:headEnd type="none" w="med" len="med"/>
+            <a:tailEnd type="arrow" w="med" len="med"/>
+          </a:ln>
+          <a:effectLst/>
+        </p:spPr>
+        <p:style>
+          <a:lnRef idx="1">
+            <a:schemeClr val="accent2"/>
+          </a:lnRef>
+          <a:fillRef idx="2">
+            <a:schemeClr val="accent2"/>
+          </a:fillRef>
+          <a:effectRef idx="1">
+            <a:schemeClr val="accent2"/>
+          </a:effectRef>
+          <a:fontRef idx="minor">
+            <a:schemeClr val="dk1"/>
+          </a:fontRef>
+        </p:style>
+      </p:cxnSp>
+      <p:sp>
+        <p:nvSpPr>
+          <p:cNvPr id="32" name="Rectangle 31">
+            <a:extLst>
+              <a:ext uri="{FF2B5EF4-FFF2-40B4-BE49-F238E27FC236}">
+                <a16:creationId xmlns:a16="http://schemas.microsoft.com/office/drawing/2014/main" id="{1DBAB672-8E3E-4741-8AD2-80AEEF2D1767}"/>
+              </a:ext>
+            </a:extLst>
+          </p:cNvPr>
+          <p:cNvSpPr/>
+          <p:nvPr/>
+        </p:nvSpPr>
+        <p:spPr>
+          <a:xfrm>
+            <a:off x="2551286" y="4013530"/>
+            <a:ext cx="1093635" cy="346760"/>
+          </a:xfrm>
+          <a:prstGeom prst="rect">
+            <a:avLst/>
+          </a:prstGeom>
+          <a:solidFill>
+            <a:srgbClr val="7030A0"/>
+          </a:solidFill>
+          <a:ln w="19050">
+            <a:solidFill>
+              <a:srgbClr val="7030A0"/>
+            </a:solidFill>
+          </a:ln>
+          <a:effectLst/>
+        </p:spPr>
+        <p:style>
+          <a:lnRef idx="1">
+            <a:schemeClr val="accent2"/>
+          </a:lnRef>
+          <a:fillRef idx="2">
+            <a:schemeClr val="accent2"/>
+          </a:fillRef>
+          <a:effectRef idx="1">
+            <a:schemeClr val="accent2"/>
+          </a:effectRef>
+          <a:fontRef idx="minor">
+            <a:schemeClr val="dk1"/>
+          </a:fontRef>
+        </p:style>
+        <p:txBody>
+          <a:bodyPr rtlCol="0" anchor="ctr"/>
+          <a:lstStyle>
+            <a:defPPr>
+              <a:defRPr lang="en-US"/>
+            </a:defPPr>
+            <a:lvl1pPr marL="0" algn="l" defTabSz="914400" rtl="0" eaLnBrk="1" latinLnBrk="0" hangingPunct="1">
+              <a:defRPr sz="1800" kern="1200">
+                <a:solidFill>
+                  <a:schemeClr val="dk1"/>
+                </a:solidFill>
+                <a:latin typeface="+mn-lt"/>
+                <a:ea typeface="+mn-ea"/>
+                <a:cs typeface="+mn-cs"/>
+              </a:defRPr>
+            </a:lvl1pPr>
+            <a:lvl2pPr marL="457200" algn="l" defTabSz="914400" rtl="0" eaLnBrk="1" latinLnBrk="0" hangingPunct="1">
+              <a:defRPr sz="1800" kern="1200">
+                <a:solidFill>
+                  <a:schemeClr val="dk1"/>
+                </a:solidFill>
+                <a:latin typeface="+mn-lt"/>
+                <a:ea typeface="+mn-ea"/>
+                <a:cs typeface="+mn-cs"/>
+              </a:defRPr>
+            </a:lvl2pPr>
+            <a:lvl3pPr marL="914400" algn="l" defTabSz="914400" rtl="0" eaLnBrk="1" latinLnBrk="0" hangingPunct="1">
+              <a:defRPr sz="1800" kern="1200">
+                <a:solidFill>
+                  <a:schemeClr val="dk1"/>
+                </a:solidFill>
+                <a:latin typeface="+mn-lt"/>
+                <a:ea typeface="+mn-ea"/>
+                <a:cs typeface="+mn-cs"/>
+              </a:defRPr>
+            </a:lvl3pPr>
+            <a:lvl4pPr marL="1371600" algn="l" defTabSz="914400" rtl="0" eaLnBrk="1" latinLnBrk="0" hangingPunct="1">
+              <a:defRPr sz="1800" kern="1200">
+                <a:solidFill>
+                  <a:schemeClr val="dk1"/>
+                </a:solidFill>
+                <a:latin typeface="+mn-lt"/>
+                <a:ea typeface="+mn-ea"/>
+                <a:cs typeface="+mn-cs"/>
+              </a:defRPr>
+            </a:lvl4pPr>
+            <a:lvl5pPr marL="1828800" algn="l" defTabSz="914400" rtl="0" eaLnBrk="1" latinLnBrk="0" hangingPunct="1">
+              <a:defRPr sz="1800" kern="1200">
+                <a:solidFill>
+                  <a:schemeClr val="dk1"/>
+                </a:solidFill>
+                <a:latin typeface="+mn-lt"/>
+                <a:ea typeface="+mn-ea"/>
+                <a:cs typeface="+mn-cs"/>
+              </a:defRPr>
+            </a:lvl5pPr>
+            <a:lvl6pPr marL="2286000" algn="l" defTabSz="914400" rtl="0" eaLnBrk="1" latinLnBrk="0" hangingPunct="1">
+              <a:defRPr sz="1800" kern="1200">
+                <a:solidFill>
+                  <a:schemeClr val="dk1"/>
+                </a:solidFill>
+                <a:latin typeface="+mn-lt"/>
+                <a:ea typeface="+mn-ea"/>
+                <a:cs typeface="+mn-cs"/>
+              </a:defRPr>
+            </a:lvl6pPr>
+            <a:lvl7pPr marL="2743200" algn="l" defTabSz="914400" rtl="0" eaLnBrk="1" latinLnBrk="0" hangingPunct="1">
+              <a:defRPr sz="1800" kern="1200">
+                <a:solidFill>
+                  <a:schemeClr val="dk1"/>
+                </a:solidFill>
+                <a:latin typeface="+mn-lt"/>
+                <a:ea typeface="+mn-ea"/>
+                <a:cs typeface="+mn-cs"/>
+              </a:defRPr>
+            </a:lvl7pPr>
+            <a:lvl8pPr marL="3200400" algn="l" defTabSz="914400" rtl="0" eaLnBrk="1" latinLnBrk="0" hangingPunct="1">
+              <a:defRPr sz="1800" kern="1200">
+                <a:solidFill>
+                  <a:schemeClr val="dk1"/>
+                </a:solidFill>
+                <a:latin typeface="+mn-lt"/>
+                <a:ea typeface="+mn-ea"/>
+                <a:cs typeface="+mn-cs"/>
+              </a:defRPr>
+            </a:lvl8pPr>
+            <a:lvl9pPr marL="3657600" algn="l" defTabSz="914400" rtl="0" eaLnBrk="1" latinLnBrk="0" hangingPunct="1">
+              <a:defRPr sz="1800" kern="1200">
+                <a:solidFill>
+                  <a:schemeClr val="dk1"/>
+                </a:solidFill>
+                <a:latin typeface="+mn-lt"/>
+                <a:ea typeface="+mn-ea"/>
+                <a:cs typeface="+mn-cs"/>
+              </a:defRPr>
+            </a:lvl9pPr>
+          </a:lstStyle>
+          <a:p>
+            <a:pPr algn="ctr"/>
+            <a:r>
+              <a:rPr lang="en-SG" sz="1050" dirty="0" err="1">
+                <a:solidFill>
+                  <a:schemeClr val="bg1"/>
+                </a:solidFill>
+              </a:rPr>
+              <a:t>PhotoHandler</a:t>
+            </a:r>
+            <a:endParaRPr lang="en-SG" sz="1050" dirty="0">
+              <a:solidFill>
+                <a:schemeClr val="bg1"/>
+              </a:solidFill>
+            </a:endParaRPr>
+          </a:p>
+        </p:txBody>
+      </p:sp>
+      <p:cxnSp>
+        <p:nvCxnSpPr>
+          <p:cNvPr id="33" name="Straight Arrow Connector 32">
+            <a:extLst>
+              <a:ext uri="{FF2B5EF4-FFF2-40B4-BE49-F238E27FC236}">
+                <a16:creationId xmlns:a16="http://schemas.microsoft.com/office/drawing/2014/main" id="{A7FDE149-B9D2-4FD6-9505-BA0AAB498679}"/>
+              </a:ext>
+            </a:extLst>
+          </p:cNvPr>
+          <p:cNvCxnSpPr>
+            <a:stCxn id="34" idx="3"/>
+            <a:endCxn id="32" idx="1"/>
+          </p:cNvCxnSpPr>
+          <p:nvPr/>
+        </p:nvCxnSpPr>
+        <p:spPr>
+          <a:xfrm>
+            <a:off x="2283934" y="4186910"/>
+            <a:ext cx="267352" cy="0"/>
+          </a:xfrm>
+          <a:prstGeom prst="straightConnector1">
+            <a:avLst/>
+          </a:prstGeom>
+          <a:ln w="19050">
+            <a:solidFill>
+              <a:srgbClr val="7030A0"/>
+            </a:solidFill>
+            <a:headEnd type="none" w="med" len="med"/>
+            <a:tailEnd type="arrow" w="med" len="med"/>
+          </a:ln>
+          <a:effectLst/>
+        </p:spPr>
+        <p:style>
+          <a:lnRef idx="1">
+            <a:schemeClr val="accent2"/>
+          </a:lnRef>
+          <a:fillRef idx="2">
+            <a:schemeClr val="accent2"/>
+          </a:fillRef>
+          <a:effectRef idx="1">
+            <a:schemeClr val="accent2"/>
+          </a:effectRef>
+          <a:fontRef idx="minor">
+            <a:schemeClr val="dk1"/>
+          </a:fontRef>
+        </p:style>
+      </p:cxnSp>
+      <p:sp>
+        <p:nvSpPr>
+          <p:cNvPr id="34" name="Flowchart: Decision 33">
+            <a:extLst>
+              <a:ext uri="{FF2B5EF4-FFF2-40B4-BE49-F238E27FC236}">
+                <a16:creationId xmlns:a16="http://schemas.microsoft.com/office/drawing/2014/main" id="{B42B388F-F4DA-4C54-AC81-A003FA923364}"/>
+              </a:ext>
+            </a:extLst>
+          </p:cNvPr>
+          <p:cNvSpPr/>
+          <p:nvPr/>
+        </p:nvSpPr>
+        <p:spPr>
+          <a:xfrm>
+            <a:off x="2047886" y="4100220"/>
+            <a:ext cx="236048" cy="173380"/>
+          </a:xfrm>
+          <a:prstGeom prst="flowChartDecision">
+            <a:avLst/>
+          </a:prstGeom>
+          <a:noFill/>
+          <a:ln w="19050">
+            <a:solidFill>
+              <a:srgbClr val="7030A0"/>
+            </a:solidFill>
+          </a:ln>
+          <a:effectLst/>
+        </p:spPr>
+        <p:style>
+          <a:lnRef idx="1">
+            <a:schemeClr val="accent6"/>
+          </a:lnRef>
+          <a:fillRef idx="2">
+            <a:schemeClr val="accent6"/>
+          </a:fillRef>
+          <a:effectRef idx="1">
+            <a:schemeClr val="accent6"/>
+          </a:effectRef>
+          <a:fontRef idx="minor">
+            <a:schemeClr val="dk1"/>
+          </a:fontRef>
+        </p:style>
+        <p:txBody>
+          <a:bodyPr rtlCol="0" anchor="ctr"/>
+          <a:lstStyle>
+            <a:defPPr>
+              <a:defRPr lang="en-US"/>
+            </a:defPPr>
+            <a:lvl1pPr marL="0" algn="l" defTabSz="914400" rtl="0" eaLnBrk="1" latinLnBrk="0" hangingPunct="1">
+              <a:defRPr sz="1800" kern="1200">
+                <a:solidFill>
+                  <a:schemeClr val="dk1"/>
+                </a:solidFill>
+                <a:latin typeface="+mn-lt"/>
+                <a:ea typeface="+mn-ea"/>
+                <a:cs typeface="+mn-cs"/>
+              </a:defRPr>
+            </a:lvl1pPr>
+            <a:lvl2pPr marL="457200" algn="l" defTabSz="914400" rtl="0" eaLnBrk="1" latinLnBrk="0" hangingPunct="1">
+              <a:defRPr sz="1800" kern="1200">
+                <a:solidFill>
+                  <a:schemeClr val="dk1"/>
+                </a:solidFill>
+                <a:latin typeface="+mn-lt"/>
+                <a:ea typeface="+mn-ea"/>
+                <a:cs typeface="+mn-cs"/>
+              </a:defRPr>
+            </a:lvl2pPr>
+            <a:lvl3pPr marL="914400" algn="l" defTabSz="914400" rtl="0" eaLnBrk="1" latinLnBrk="0" hangingPunct="1">
+              <a:defRPr sz="1800" kern="1200">
+                <a:solidFill>
+                  <a:schemeClr val="dk1"/>
+                </a:solidFill>
+                <a:latin typeface="+mn-lt"/>
+                <a:ea typeface="+mn-ea"/>
+                <a:cs typeface="+mn-cs"/>
+              </a:defRPr>
+            </a:lvl3pPr>
+            <a:lvl4pPr marL="1371600" algn="l" defTabSz="914400" rtl="0" eaLnBrk="1" latinLnBrk="0" hangingPunct="1">
+              <a:defRPr sz="1800" kern="1200">
+                <a:solidFill>
+                  <a:schemeClr val="dk1"/>
+                </a:solidFill>
+                <a:latin typeface="+mn-lt"/>
+                <a:ea typeface="+mn-ea"/>
+                <a:cs typeface="+mn-cs"/>
+              </a:defRPr>
+            </a:lvl4pPr>
+            <a:lvl5pPr marL="1828800" algn="l" defTabSz="914400" rtl="0" eaLnBrk="1" latinLnBrk="0" hangingPunct="1">
+              <a:defRPr sz="1800" kern="1200">
+                <a:solidFill>
+                  <a:schemeClr val="dk1"/>
+                </a:solidFill>
+                <a:latin typeface="+mn-lt"/>
+                <a:ea typeface="+mn-ea"/>
+                <a:cs typeface="+mn-cs"/>
+              </a:defRPr>
+            </a:lvl5pPr>
+            <a:lvl6pPr marL="2286000" algn="l" defTabSz="914400" rtl="0" eaLnBrk="1" latinLnBrk="0" hangingPunct="1">
+              <a:defRPr sz="1800" kern="1200">
+                <a:solidFill>
+                  <a:schemeClr val="dk1"/>
+                </a:solidFill>
+                <a:latin typeface="+mn-lt"/>
+                <a:ea typeface="+mn-ea"/>
+                <a:cs typeface="+mn-cs"/>
+              </a:defRPr>
+            </a:lvl6pPr>
+            <a:lvl7pPr marL="2743200" algn="l" defTabSz="914400" rtl="0" eaLnBrk="1" latinLnBrk="0" hangingPunct="1">
+              <a:defRPr sz="1800" kern="1200">
+                <a:solidFill>
+                  <a:schemeClr val="dk1"/>
+                </a:solidFill>
+                <a:latin typeface="+mn-lt"/>
+                <a:ea typeface="+mn-ea"/>
+                <a:cs typeface="+mn-cs"/>
+              </a:defRPr>
+            </a:lvl7pPr>
+            <a:lvl8pPr marL="3200400" algn="l" defTabSz="914400" rtl="0" eaLnBrk="1" latinLnBrk="0" hangingPunct="1">
+              <a:defRPr sz="1800" kern="1200">
+                <a:solidFill>
+                  <a:schemeClr val="dk1"/>
+                </a:solidFill>
+                <a:latin typeface="+mn-lt"/>
+                <a:ea typeface="+mn-ea"/>
+                <a:cs typeface="+mn-cs"/>
+              </a:defRPr>
+            </a:lvl8pPr>
+            <a:lvl9pPr marL="3657600" algn="l" defTabSz="914400" rtl="0" eaLnBrk="1" latinLnBrk="0" hangingPunct="1">
+              <a:defRPr sz="1800" kern="1200">
+                <a:solidFill>
+                  <a:schemeClr val="dk1"/>
+                </a:solidFill>
+                <a:latin typeface="+mn-lt"/>
+                <a:ea typeface="+mn-ea"/>
+                <a:cs typeface="+mn-cs"/>
+              </a:defRPr>
+            </a:lvl9pPr>
+          </a:lstStyle>
+          <a:p>
+            <a:pPr algn="ctr"/>
+            <a:endParaRPr lang="en-US" sz="1050"/>
+          </a:p>
+        </p:txBody>
+      </p:sp>
+      <p:sp>
+        <p:nvSpPr>
+          <p:cNvPr id="35" name="TextBox 66">
+            <a:extLst>
+              <a:ext uri="{FF2B5EF4-FFF2-40B4-BE49-F238E27FC236}">
+                <a16:creationId xmlns:a16="http://schemas.microsoft.com/office/drawing/2014/main" id="{E13E0DFC-A658-4D17-BA97-0EA25E92C07C}"/>
+              </a:ext>
+            </a:extLst>
+          </p:cNvPr>
+          <p:cNvSpPr txBox="1"/>
+          <p:nvPr/>
+        </p:nvSpPr>
+        <p:spPr>
+          <a:xfrm>
+            <a:off x="2381176" y="4218027"/>
+            <a:ext cx="189257" cy="178683"/>
+          </a:xfrm>
+          <a:prstGeom prst="rect">
+            <a:avLst/>
+          </a:prstGeom>
+          <a:noFill/>
+        </p:spPr>
+        <p:txBody>
+          <a:bodyPr wrap="square" lIns="0" tIns="0" rIns="0" bIns="0" rtlCol="0">
+            <a:noAutofit/>
+          </a:bodyPr>
+          <a:lstStyle>
+            <a:defPPr>
+              <a:defRPr lang="en-US"/>
+            </a:defPPr>
+            <a:lvl1pPr marL="0" algn="l" defTabSz="914400" rtl="0" eaLnBrk="1" latinLnBrk="0" hangingPunct="1">
+              <a:defRPr sz="1800" kern="1200">
+                <a:solidFill>
+                  <a:schemeClr val="tx1"/>
+                </a:solidFill>
+                <a:latin typeface="+mn-lt"/>
+                <a:ea typeface="+mn-ea"/>
+                <a:cs typeface="+mn-cs"/>
+              </a:defRPr>
+            </a:lvl1pPr>
+            <a:lvl2pPr marL="457200" algn="l" defTabSz="914400" rtl="0" eaLnBrk="1" latinLnBrk="0" hangingPunct="1">
+              <a:defRPr sz="1800" kern="1200">
+                <a:solidFill>
+                  <a:schemeClr val="tx1"/>
+                </a:solidFill>
+                <a:latin typeface="+mn-lt"/>
+                <a:ea typeface="+mn-ea"/>
+                <a:cs typeface="+mn-cs"/>
+              </a:defRPr>
+            </a:lvl2pPr>
+            <a:lvl3pPr marL="914400" algn="l" defTabSz="914400" rtl="0" eaLnBrk="1" latinLnBrk="0" hangingPunct="1">
+              <a:defRPr sz="1800" kern="1200">
+                <a:solidFill>
+                  <a:schemeClr val="tx1"/>
+                </a:solidFill>
+                <a:latin typeface="+mn-lt"/>
+                <a:ea typeface="+mn-ea"/>
+                <a:cs typeface="+mn-cs"/>
+              </a:defRPr>
+            </a:lvl3pPr>
+            <a:lvl4pPr marL="1371600" algn="l" defTabSz="914400" rtl="0" eaLnBrk="1" latinLnBrk="0" hangingPunct="1">
+              <a:defRPr sz="1800" kern="1200">
+                <a:solidFill>
+                  <a:schemeClr val="tx1"/>
+                </a:solidFill>
+                <a:latin typeface="+mn-lt"/>
+                <a:ea typeface="+mn-ea"/>
+                <a:cs typeface="+mn-cs"/>
+              </a:defRPr>
+            </a:lvl4pPr>
+            <a:lvl5pPr marL="1828800" algn="l" defTabSz="914400" rtl="0" eaLnBrk="1" latinLnBrk="0" hangingPunct="1">
+              <a:defRPr sz="1800" kern="1200">
+                <a:solidFill>
+                  <a:schemeClr val="tx1"/>
+                </a:solidFill>
+                <a:latin typeface="+mn-lt"/>
+                <a:ea typeface="+mn-ea"/>
+                <a:cs typeface="+mn-cs"/>
+              </a:defRPr>
+            </a:lvl5pPr>
+            <a:lvl6pPr marL="2286000" algn="l" defTabSz="914400" rtl="0" eaLnBrk="1" latinLnBrk="0" hangingPunct="1">
+              <a:defRPr sz="1800" kern="1200">
+                <a:solidFill>
+                  <a:schemeClr val="tx1"/>
+                </a:solidFill>
+                <a:latin typeface="+mn-lt"/>
+                <a:ea typeface="+mn-ea"/>
+                <a:cs typeface="+mn-cs"/>
+              </a:defRPr>
+            </a:lvl6pPr>
+            <a:lvl7pPr marL="2743200" algn="l" defTabSz="914400" rtl="0" eaLnBrk="1" latinLnBrk="0" hangingPunct="1">
+              <a:defRPr sz="1800" kern="1200">
+                <a:solidFill>
+                  <a:schemeClr val="tx1"/>
+                </a:solidFill>
+                <a:latin typeface="+mn-lt"/>
+                <a:ea typeface="+mn-ea"/>
+                <a:cs typeface="+mn-cs"/>
+              </a:defRPr>
+            </a:lvl7pPr>
+            <a:lvl8pPr marL="3200400" algn="l" defTabSz="914400" rtl="0" eaLnBrk="1" latinLnBrk="0" hangingPunct="1">
+              <a:defRPr sz="1800" kern="1200">
+                <a:solidFill>
+                  <a:schemeClr val="tx1"/>
+                </a:solidFill>
+                <a:latin typeface="+mn-lt"/>
+                <a:ea typeface="+mn-ea"/>
+                <a:cs typeface="+mn-cs"/>
+              </a:defRPr>
+            </a:lvl8pPr>
+            <a:lvl9pPr marL="3657600" algn="l" defTabSz="914400" rtl="0" eaLnBrk="1" latinLnBrk="0" hangingPunct="1">
+              <a:defRPr sz="1800" kern="1200">
+                <a:solidFill>
+                  <a:schemeClr val="tx1"/>
+                </a:solidFill>
+                <a:latin typeface="+mn-lt"/>
+                <a:ea typeface="+mn-ea"/>
+                <a:cs typeface="+mn-cs"/>
+              </a:defRPr>
+            </a:lvl9pPr>
+          </a:lstStyle>
+          <a:p>
+            <a:pPr algn="ctr"/>
+            <a:r>
+              <a:rPr lang="en-US" sz="1100" dirty="0">
+                <a:solidFill>
+                  <a:srgbClr val="7030A0"/>
+                </a:solidFill>
+              </a:rPr>
+              <a:t>1</a:t>
+            </a:r>
+            <a:endParaRPr lang="en-SG" sz="1100" dirty="0">
+              <a:solidFill>
+                <a:srgbClr val="7030A0"/>
+              </a:solidFill>
+            </a:endParaRPr>
+          </a:p>
+        </p:txBody>
+      </p:sp>
+      <p:sp>
+        <p:nvSpPr>
+          <p:cNvPr id="36" name="TextBox 70">
+            <a:extLst>
+              <a:ext uri="{FF2B5EF4-FFF2-40B4-BE49-F238E27FC236}">
+                <a16:creationId xmlns:a16="http://schemas.microsoft.com/office/drawing/2014/main" id="{56BB0E97-0A9D-4B68-B66F-0DCB291DF6AC}"/>
+              </a:ext>
+            </a:extLst>
+          </p:cNvPr>
+          <p:cNvSpPr txBox="1"/>
+          <p:nvPr/>
+        </p:nvSpPr>
+        <p:spPr>
+          <a:xfrm>
+            <a:off x="7641382" y="3528387"/>
+            <a:ext cx="189257" cy="178683"/>
+          </a:xfrm>
+          <a:prstGeom prst="rect">
+            <a:avLst/>
+          </a:prstGeom>
+          <a:noFill/>
+        </p:spPr>
+        <p:txBody>
+          <a:bodyPr wrap="square" lIns="0" tIns="0" rIns="0" bIns="0" rtlCol="0">
+            <a:noAutofit/>
+          </a:bodyPr>
+          <a:lstStyle>
+            <a:defPPr>
+              <a:defRPr lang="en-US"/>
+            </a:defPPr>
+            <a:lvl1pPr marL="0" algn="l" defTabSz="914400" rtl="0" eaLnBrk="1" latinLnBrk="0" hangingPunct="1">
+              <a:defRPr sz="1800" kern="1200">
+                <a:solidFill>
+                  <a:schemeClr val="tx1"/>
+                </a:solidFill>
+                <a:latin typeface="+mn-lt"/>
+                <a:ea typeface="+mn-ea"/>
+                <a:cs typeface="+mn-cs"/>
+              </a:defRPr>
+            </a:lvl1pPr>
+            <a:lvl2pPr marL="457200" algn="l" defTabSz="914400" rtl="0" eaLnBrk="1" latinLnBrk="0" hangingPunct="1">
+              <a:defRPr sz="1800" kern="1200">
+                <a:solidFill>
+                  <a:schemeClr val="tx1"/>
+                </a:solidFill>
+                <a:latin typeface="+mn-lt"/>
+                <a:ea typeface="+mn-ea"/>
+                <a:cs typeface="+mn-cs"/>
+              </a:defRPr>
+            </a:lvl2pPr>
+            <a:lvl3pPr marL="914400" algn="l" defTabSz="914400" rtl="0" eaLnBrk="1" latinLnBrk="0" hangingPunct="1">
+              <a:defRPr sz="1800" kern="1200">
+                <a:solidFill>
+                  <a:schemeClr val="tx1"/>
+                </a:solidFill>
+                <a:latin typeface="+mn-lt"/>
+                <a:ea typeface="+mn-ea"/>
+                <a:cs typeface="+mn-cs"/>
+              </a:defRPr>
+            </a:lvl3pPr>
+            <a:lvl4pPr marL="1371600" algn="l" defTabSz="914400" rtl="0" eaLnBrk="1" latinLnBrk="0" hangingPunct="1">
+              <a:defRPr sz="1800" kern="1200">
+                <a:solidFill>
+                  <a:schemeClr val="tx1"/>
+                </a:solidFill>
+                <a:latin typeface="+mn-lt"/>
+                <a:ea typeface="+mn-ea"/>
+                <a:cs typeface="+mn-cs"/>
+              </a:defRPr>
+            </a:lvl4pPr>
+            <a:lvl5pPr marL="1828800" algn="l" defTabSz="914400" rtl="0" eaLnBrk="1" latinLnBrk="0" hangingPunct="1">
+              <a:defRPr sz="1800" kern="1200">
+                <a:solidFill>
+                  <a:schemeClr val="tx1"/>
+                </a:solidFill>
+                <a:latin typeface="+mn-lt"/>
+                <a:ea typeface="+mn-ea"/>
+                <a:cs typeface="+mn-cs"/>
+              </a:defRPr>
+            </a:lvl5pPr>
+            <a:lvl6pPr marL="2286000" algn="l" defTabSz="914400" rtl="0" eaLnBrk="1" latinLnBrk="0" hangingPunct="1">
+              <a:defRPr sz="1800" kern="1200">
+                <a:solidFill>
+                  <a:schemeClr val="tx1"/>
+                </a:solidFill>
+                <a:latin typeface="+mn-lt"/>
+                <a:ea typeface="+mn-ea"/>
+                <a:cs typeface="+mn-cs"/>
+              </a:defRPr>
+            </a:lvl6pPr>
+            <a:lvl7pPr marL="2743200" algn="l" defTabSz="914400" rtl="0" eaLnBrk="1" latinLnBrk="0" hangingPunct="1">
+              <a:defRPr sz="1800" kern="1200">
+                <a:solidFill>
+                  <a:schemeClr val="tx1"/>
+                </a:solidFill>
+                <a:latin typeface="+mn-lt"/>
+                <a:ea typeface="+mn-ea"/>
+                <a:cs typeface="+mn-cs"/>
+              </a:defRPr>
+            </a:lvl7pPr>
+            <a:lvl8pPr marL="3200400" algn="l" defTabSz="914400" rtl="0" eaLnBrk="1" latinLnBrk="0" hangingPunct="1">
+              <a:defRPr sz="1800" kern="1200">
+                <a:solidFill>
+                  <a:schemeClr val="tx1"/>
+                </a:solidFill>
+                <a:latin typeface="+mn-lt"/>
+                <a:ea typeface="+mn-ea"/>
+                <a:cs typeface="+mn-cs"/>
+              </a:defRPr>
+            </a:lvl8pPr>
+            <a:lvl9pPr marL="3657600" algn="l" defTabSz="914400" rtl="0" eaLnBrk="1" latinLnBrk="0" hangingPunct="1">
+              <a:defRPr sz="1800" kern="1200">
+                <a:solidFill>
+                  <a:schemeClr val="tx1"/>
+                </a:solidFill>
+                <a:latin typeface="+mn-lt"/>
+                <a:ea typeface="+mn-ea"/>
+                <a:cs typeface="+mn-cs"/>
+              </a:defRPr>
+            </a:lvl9pPr>
+          </a:lstStyle>
+          <a:p>
+            <a:pPr algn="ctr"/>
+            <a:r>
+              <a:rPr lang="en-US" sz="1100" dirty="0">
+                <a:solidFill>
+                  <a:srgbClr val="7030A0"/>
+                </a:solidFill>
+              </a:rPr>
+              <a:t>*</a:t>
+            </a:r>
+            <a:endParaRPr lang="en-SG" sz="1100" dirty="0">
+              <a:solidFill>
+                <a:srgbClr val="7030A0"/>
+              </a:solidFill>
+            </a:endParaRPr>
+          </a:p>
+        </p:txBody>
+      </p:sp>
+      <p:cxnSp>
+        <p:nvCxnSpPr>
+          <p:cNvPr id="37" name="Elbow Connector 78">
+            <a:extLst>
+              <a:ext uri="{FF2B5EF4-FFF2-40B4-BE49-F238E27FC236}">
+                <a16:creationId xmlns:a16="http://schemas.microsoft.com/office/drawing/2014/main" id="{E8EF87CE-55DE-4B74-9FE3-9395A3ED294D}"/>
+              </a:ext>
+            </a:extLst>
+          </p:cNvPr>
+          <p:cNvCxnSpPr>
+            <a:cxnSpLocks/>
+            <a:endCxn id="21" idx="0"/>
+          </p:cNvCxnSpPr>
+          <p:nvPr/>
+        </p:nvCxnSpPr>
+        <p:spPr>
+          <a:xfrm rot="5400000">
+            <a:off x="7701332" y="3509115"/>
+            <a:ext cx="340424" cy="2"/>
+          </a:xfrm>
+          <a:prstGeom prst="bentConnector3">
+            <a:avLst>
+              <a:gd name="adj1" fmla="val 50000"/>
+            </a:avLst>
+          </a:prstGeom>
+          <a:ln w="19050">
+            <a:solidFill>
+              <a:srgbClr val="7030A0"/>
+            </a:solidFill>
+            <a:headEnd type="none" w="med" len="med"/>
+            <a:tailEnd type="arrow" w="med" len="med"/>
+          </a:ln>
+          <a:effectLst/>
+        </p:spPr>
+        <p:style>
+          <a:lnRef idx="1">
+            <a:schemeClr val="accent2"/>
+          </a:lnRef>
+          <a:fillRef idx="2">
+            <a:schemeClr val="accent2"/>
+          </a:fillRef>
+          <a:effectRef idx="1">
+            <a:schemeClr val="accent2"/>
+          </a:effectRef>
+          <a:fontRef idx="minor">
+            <a:schemeClr val="dk1"/>
+          </a:fontRef>
+        </p:style>
+      </p:cxnSp>
+      <p:sp>
+        <p:nvSpPr>
+          <p:cNvPr id="38" name="Flowchart: Decision 37">
+            <a:extLst>
+              <a:ext uri="{FF2B5EF4-FFF2-40B4-BE49-F238E27FC236}">
+                <a16:creationId xmlns:a16="http://schemas.microsoft.com/office/drawing/2014/main" id="{08488E21-4EA4-4FFD-B5E1-1E005B758404}"/>
+              </a:ext>
+            </a:extLst>
+          </p:cNvPr>
+          <p:cNvSpPr/>
+          <p:nvPr/>
+        </p:nvSpPr>
+        <p:spPr>
+          <a:xfrm rot="5400000">
+            <a:off x="7752482" y="3127556"/>
+            <a:ext cx="236048" cy="173380"/>
+          </a:xfrm>
+          <a:prstGeom prst="flowChartDecision">
+            <a:avLst/>
+          </a:prstGeom>
+          <a:noFill/>
+          <a:ln w="19050">
+            <a:solidFill>
+              <a:srgbClr val="7030A0"/>
+            </a:solidFill>
+          </a:ln>
+          <a:effectLst/>
+        </p:spPr>
+        <p:style>
+          <a:lnRef idx="1">
+            <a:schemeClr val="accent6"/>
+          </a:lnRef>
+          <a:fillRef idx="2">
+            <a:schemeClr val="accent6"/>
+          </a:fillRef>
+          <a:effectRef idx="1">
+            <a:schemeClr val="accent6"/>
+          </a:effectRef>
+          <a:fontRef idx="minor">
+            <a:schemeClr val="dk1"/>
+          </a:fontRef>
+        </p:style>
+        <p:txBody>
+          <a:bodyPr rtlCol="0" anchor="ctr"/>
+          <a:lstStyle>
+            <a:defPPr>
+              <a:defRPr lang="en-US"/>
+            </a:defPPr>
+            <a:lvl1pPr marL="0" algn="l" defTabSz="914400" rtl="0" eaLnBrk="1" latinLnBrk="0" hangingPunct="1">
+              <a:defRPr sz="1800" kern="1200">
+                <a:solidFill>
+                  <a:schemeClr val="dk1"/>
+                </a:solidFill>
+                <a:latin typeface="+mn-lt"/>
+                <a:ea typeface="+mn-ea"/>
+                <a:cs typeface="+mn-cs"/>
+              </a:defRPr>
+            </a:lvl1pPr>
+            <a:lvl2pPr marL="457200" algn="l" defTabSz="914400" rtl="0" eaLnBrk="1" latinLnBrk="0" hangingPunct="1">
+              <a:defRPr sz="1800" kern="1200">
+                <a:solidFill>
+                  <a:schemeClr val="dk1"/>
+                </a:solidFill>
+                <a:latin typeface="+mn-lt"/>
+                <a:ea typeface="+mn-ea"/>
+                <a:cs typeface="+mn-cs"/>
+              </a:defRPr>
+            </a:lvl2pPr>
+            <a:lvl3pPr marL="914400" algn="l" defTabSz="914400" rtl="0" eaLnBrk="1" latinLnBrk="0" hangingPunct="1">
+              <a:defRPr sz="1800" kern="1200">
+                <a:solidFill>
+                  <a:schemeClr val="dk1"/>
+                </a:solidFill>
+                <a:latin typeface="+mn-lt"/>
+                <a:ea typeface="+mn-ea"/>
+                <a:cs typeface="+mn-cs"/>
+              </a:defRPr>
+            </a:lvl3pPr>
+            <a:lvl4pPr marL="1371600" algn="l" defTabSz="914400" rtl="0" eaLnBrk="1" latinLnBrk="0" hangingPunct="1">
+              <a:defRPr sz="1800" kern="1200">
+                <a:solidFill>
+                  <a:schemeClr val="dk1"/>
+                </a:solidFill>
+                <a:latin typeface="+mn-lt"/>
+                <a:ea typeface="+mn-ea"/>
+                <a:cs typeface="+mn-cs"/>
+              </a:defRPr>
+            </a:lvl4pPr>
+            <a:lvl5pPr marL="1828800" algn="l" defTabSz="914400" rtl="0" eaLnBrk="1" latinLnBrk="0" hangingPunct="1">
+              <a:defRPr sz="1800" kern="1200">
+                <a:solidFill>
+                  <a:schemeClr val="dk1"/>
+                </a:solidFill>
+                <a:latin typeface="+mn-lt"/>
+                <a:ea typeface="+mn-ea"/>
+                <a:cs typeface="+mn-cs"/>
+              </a:defRPr>
+            </a:lvl5pPr>
+            <a:lvl6pPr marL="2286000" algn="l" defTabSz="914400" rtl="0" eaLnBrk="1" latinLnBrk="0" hangingPunct="1">
+              <a:defRPr sz="1800" kern="1200">
+                <a:solidFill>
+                  <a:schemeClr val="dk1"/>
+                </a:solidFill>
+                <a:latin typeface="+mn-lt"/>
+                <a:ea typeface="+mn-ea"/>
+                <a:cs typeface="+mn-cs"/>
+              </a:defRPr>
+            </a:lvl6pPr>
+            <a:lvl7pPr marL="2743200" algn="l" defTabSz="914400" rtl="0" eaLnBrk="1" latinLnBrk="0" hangingPunct="1">
+              <a:defRPr sz="1800" kern="1200">
+                <a:solidFill>
+                  <a:schemeClr val="dk1"/>
+                </a:solidFill>
+                <a:latin typeface="+mn-lt"/>
+                <a:ea typeface="+mn-ea"/>
+                <a:cs typeface="+mn-cs"/>
+              </a:defRPr>
+            </a:lvl7pPr>
+            <a:lvl8pPr marL="3200400" algn="l" defTabSz="914400" rtl="0" eaLnBrk="1" latinLnBrk="0" hangingPunct="1">
+              <a:defRPr sz="1800" kern="1200">
+                <a:solidFill>
+                  <a:schemeClr val="dk1"/>
+                </a:solidFill>
+                <a:latin typeface="+mn-lt"/>
+                <a:ea typeface="+mn-ea"/>
+                <a:cs typeface="+mn-cs"/>
+              </a:defRPr>
+            </a:lvl8pPr>
+            <a:lvl9pPr marL="3657600" algn="l" defTabSz="914400" rtl="0" eaLnBrk="1" latinLnBrk="0" hangingPunct="1">
+              <a:defRPr sz="1800" kern="1200">
+                <a:solidFill>
+                  <a:schemeClr val="dk1"/>
+                </a:solidFill>
+                <a:latin typeface="+mn-lt"/>
+                <a:ea typeface="+mn-ea"/>
+                <a:cs typeface="+mn-cs"/>
+              </a:defRPr>
+            </a:lvl9pPr>
+          </a:lstStyle>
+          <a:p>
+            <a:pPr algn="ctr"/>
+            <a:endParaRPr lang="en-US" sz="1050"/>
+          </a:p>
+        </p:txBody>
+      </p:sp>
+    </p:spTree>
+    <p:extLst>
+      <p:ext uri="{BB962C8B-B14F-4D97-AF65-F5344CB8AC3E}">
+        <p14:creationId xmlns:p14="http://schemas.microsoft.com/office/powerpoint/2010/main" val="4212746851"/>
       </p:ext>
     </p:extLst>
   </p:cSld>

--- a/docs/diagrams/ModelComponentClassDiagram.pptx
+++ b/docs/diagrams/ModelComponentClassDiagram.pptx
@@ -208,7 +208,7 @@
           <a:p>
             <a:fld id="{F5CC4B3F-88C1-4FFA-B1B6-F41C21DC6924}" type="datetimeFigureOut">
               <a:rPr lang="en-US" smtClean="0"/>
-              <a:t>6/27/2018</a:t>
+              <a:t>11/11/2018</a:t>
             </a:fld>
             <a:endParaRPr lang="en-US"/>
           </a:p>
@@ -654,7 +654,7 @@
           <a:p>
             <a:fld id="{78C97017-6FC3-485B-9764-EAC9E56C1D49}" type="datetimeFigureOut">
               <a:rPr lang="en-US" smtClean="0"/>
-              <a:t>6/27/2018</a:t>
+              <a:t>11/11/2018</a:t>
             </a:fld>
             <a:endParaRPr lang="en-US"/>
           </a:p>
@@ -822,7 +822,7 @@
           <a:p>
             <a:fld id="{78C97017-6FC3-485B-9764-EAC9E56C1D49}" type="datetimeFigureOut">
               <a:rPr lang="en-US" smtClean="0"/>
-              <a:t>6/27/2018</a:t>
+              <a:t>11/11/2018</a:t>
             </a:fld>
             <a:endParaRPr lang="en-US"/>
           </a:p>
@@ -1000,7 +1000,7 @@
           <a:p>
             <a:fld id="{78C97017-6FC3-485B-9764-EAC9E56C1D49}" type="datetimeFigureOut">
               <a:rPr lang="en-US" smtClean="0"/>
-              <a:t>6/27/2018</a:t>
+              <a:t>11/11/2018</a:t>
             </a:fld>
             <a:endParaRPr lang="en-US"/>
           </a:p>
@@ -1168,7 +1168,7 @@
           <a:p>
             <a:fld id="{78C97017-6FC3-485B-9764-EAC9E56C1D49}" type="datetimeFigureOut">
               <a:rPr lang="en-US" smtClean="0"/>
-              <a:t>6/27/2018</a:t>
+              <a:t>11/11/2018</a:t>
             </a:fld>
             <a:endParaRPr lang="en-US"/>
           </a:p>
@@ -1413,7 +1413,7 @@
           <a:p>
             <a:fld id="{78C97017-6FC3-485B-9764-EAC9E56C1D49}" type="datetimeFigureOut">
               <a:rPr lang="en-US" smtClean="0"/>
-              <a:t>6/27/2018</a:t>
+              <a:t>11/11/2018</a:t>
             </a:fld>
             <a:endParaRPr lang="en-US"/>
           </a:p>
@@ -1698,7 +1698,7 @@
           <a:p>
             <a:fld id="{78C97017-6FC3-485B-9764-EAC9E56C1D49}" type="datetimeFigureOut">
               <a:rPr lang="en-US" smtClean="0"/>
-              <a:t>6/27/2018</a:t>
+              <a:t>11/11/2018</a:t>
             </a:fld>
             <a:endParaRPr lang="en-US"/>
           </a:p>
@@ -2117,7 +2117,7 @@
           <a:p>
             <a:fld id="{78C97017-6FC3-485B-9764-EAC9E56C1D49}" type="datetimeFigureOut">
               <a:rPr lang="en-US" smtClean="0"/>
-              <a:t>6/27/2018</a:t>
+              <a:t>11/11/2018</a:t>
             </a:fld>
             <a:endParaRPr lang="en-US"/>
           </a:p>
@@ -2234,7 +2234,7 @@
           <a:p>
             <a:fld id="{78C97017-6FC3-485B-9764-EAC9E56C1D49}" type="datetimeFigureOut">
               <a:rPr lang="en-US" smtClean="0"/>
-              <a:t>6/27/2018</a:t>
+              <a:t>11/11/2018</a:t>
             </a:fld>
             <a:endParaRPr lang="en-US"/>
           </a:p>
@@ -2329,7 +2329,7 @@
           <a:p>
             <a:fld id="{78C97017-6FC3-485B-9764-EAC9E56C1D49}" type="datetimeFigureOut">
               <a:rPr lang="en-US" smtClean="0"/>
-              <a:t>6/27/2018</a:t>
+              <a:t>11/11/2018</a:t>
             </a:fld>
             <a:endParaRPr lang="en-US"/>
           </a:p>
@@ -2604,7 +2604,7 @@
           <a:p>
             <a:fld id="{78C97017-6FC3-485B-9764-EAC9E56C1D49}" type="datetimeFigureOut">
               <a:rPr lang="en-US" smtClean="0"/>
-              <a:t>6/27/2018</a:t>
+              <a:t>11/11/2018</a:t>
             </a:fld>
             <a:endParaRPr lang="en-US"/>
           </a:p>
@@ -2856,7 +2856,7 @@
           <a:p>
             <a:fld id="{78C97017-6FC3-485B-9764-EAC9E56C1D49}" type="datetimeFigureOut">
               <a:rPr lang="en-US" smtClean="0"/>
-              <a:t>6/27/2018</a:t>
+              <a:t>11/11/2018</a:t>
             </a:fld>
             <a:endParaRPr lang="en-US"/>
           </a:p>
@@ -3067,7 +3067,7 @@
           <a:p>
             <a:fld id="{78C97017-6FC3-485B-9764-EAC9E56C1D49}" type="datetimeFigureOut">
               <a:rPr lang="en-US" smtClean="0"/>
-              <a:t>6/27/2018</a:t>
+              <a:t>11/11/2018</a:t>
             </a:fld>
             <a:endParaRPr lang="en-US"/>
           </a:p>
@@ -3450,8 +3450,8 @@
         </p:nvSpPr>
         <p:spPr>
           <a:xfrm>
-            <a:off x="1119865" y="1600200"/>
-            <a:ext cx="7490735" cy="3124200"/>
+            <a:off x="826632" y="609600"/>
+            <a:ext cx="7555368" cy="6008360"/>
           </a:xfrm>
           <a:prstGeom prst="roundRect">
             <a:avLst>
@@ -3505,72 +3505,13 @@
       </p:sp>
       <p:sp>
         <p:nvSpPr>
-          <p:cNvPr id="2" name="Rectangle 8"/>
-          <p:cNvSpPr/>
-          <p:nvPr/>
-        </p:nvSpPr>
-        <p:spPr>
-          <a:xfrm>
-            <a:off x="2877180" y="3463240"/>
-            <a:ext cx="1093635" cy="346760"/>
-          </a:xfrm>
-          <a:prstGeom prst="rect">
-            <a:avLst/>
-          </a:prstGeom>
-          <a:solidFill>
-            <a:srgbClr val="7030A0"/>
-          </a:solidFill>
-          <a:ln w="19050">
-            <a:solidFill>
-              <a:srgbClr val="7030A0"/>
-            </a:solidFill>
-          </a:ln>
-          <a:effectLst/>
-        </p:spPr>
-        <p:style>
-          <a:lnRef idx="1">
-            <a:schemeClr val="accent2"/>
-          </a:lnRef>
-          <a:fillRef idx="2">
-            <a:schemeClr val="accent2"/>
-          </a:fillRef>
-          <a:effectRef idx="1">
-            <a:schemeClr val="accent2"/>
-          </a:effectRef>
-          <a:fontRef idx="minor">
-            <a:schemeClr val="dk1"/>
-          </a:fontRef>
-        </p:style>
-        <p:txBody>
-          <a:bodyPr rtlCol="0" anchor="ctr"/>
-          <a:lstStyle/>
-          <a:p>
-            <a:pPr algn="ctr"/>
-            <a:r>
-              <a:rPr lang="en-US" sz="1050" dirty="0" err="1">
-                <a:solidFill>
-                  <a:schemeClr val="bg1"/>
-                </a:solidFill>
-              </a:rPr>
-              <a:t>UserPref</a:t>
-            </a:r>
-            <a:endParaRPr lang="en-SG" sz="1050" dirty="0">
-              <a:solidFill>
-                <a:schemeClr val="bg1"/>
-              </a:solidFill>
-            </a:endParaRPr>
-          </a:p>
-        </p:txBody>
-      </p:sp>
-      <p:sp>
-        <p:nvSpPr>
           <p:cNvPr id="9" name="Rectangle 62"/>
           <p:cNvSpPr/>
           <p:nvPr/>
         </p:nvSpPr>
         <p:spPr>
           <a:xfrm rot="16200000">
-            <a:off x="1661548" y="3097750"/>
+            <a:off x="1368315" y="2107150"/>
             <a:ext cx="1093635" cy="346760"/>
           </a:xfrm>
           <a:prstGeom prst="rect">
@@ -3633,7 +3574,7 @@
         </p:nvCxnSpPr>
         <p:spPr>
           <a:xfrm rot="5400000" flipH="1" flipV="1">
-            <a:off x="4131507" y="1281685"/>
+            <a:off x="3838274" y="291085"/>
             <a:ext cx="613122" cy="4459404"/>
           </a:xfrm>
           <a:prstGeom prst="bentConnector3">
@@ -3674,7 +3615,7 @@
         </p:nvSpPr>
         <p:spPr>
           <a:xfrm rot="16200000">
-            <a:off x="956202" y="2861202"/>
+            <a:off x="662969" y="1870602"/>
             <a:ext cx="1093635" cy="346760"/>
           </a:xfrm>
           <a:prstGeom prst="rect">
@@ -3744,7 +3685,7 @@
         </p:nvSpPr>
         <p:spPr>
           <a:xfrm rot="16200000">
-            <a:off x="1626910" y="2952291"/>
+            <a:off x="1333677" y="1961691"/>
             <a:ext cx="270504" cy="175523"/>
           </a:xfrm>
           <a:prstGeom prst="triangle">
@@ -3779,51 +3720,13 @@
           <a:lstStyle/>
           <a:p>
             <a:pPr algn="ctr"/>
-            <a:endParaRPr lang="en-SG" sz="1050"/>
-          </a:p>
-        </p:txBody>
-      </p:sp>
-      <p:cxnSp>
-        <p:nvCxnSpPr>
-          <p:cNvPr id="58" name="Straight Arrow Connector 57"/>
-          <p:cNvCxnSpPr>
-            <a:stCxn id="42" idx="3"/>
-            <a:endCxn id="2" idx="1"/>
-          </p:cNvCxnSpPr>
-          <p:nvPr/>
-        </p:nvCxnSpPr>
-        <p:spPr>
-          <a:xfrm>
-            <a:off x="2609828" y="3636620"/>
-            <a:ext cx="267352" cy="0"/>
-          </a:xfrm>
-          <a:prstGeom prst="straightConnector1">
-            <a:avLst/>
-          </a:prstGeom>
-          <a:ln w="19050">
-            <a:solidFill>
-              <a:srgbClr val="7030A0"/>
-            </a:solidFill>
-            <a:headEnd type="none" w="med" len="med"/>
-            <a:tailEnd type="arrow" w="med" len="med"/>
-          </a:ln>
-          <a:effectLst/>
-        </p:spPr>
-        <p:style>
-          <a:lnRef idx="1">
-            <a:schemeClr val="accent2"/>
-          </a:lnRef>
-          <a:fillRef idx="2">
-            <a:schemeClr val="accent2"/>
-          </a:fillRef>
-          <a:effectRef idx="1">
-            <a:schemeClr val="accent2"/>
-          </a:effectRef>
-          <a:fontRef idx="minor">
-            <a:schemeClr val="dk1"/>
-          </a:fontRef>
-        </p:style>
-      </p:cxnSp>
+            <a:r>
+              <a:rPr lang="en-SG" sz="1050" dirty="0"/>
+              <a:t>X`</a:t>
+            </a:r>
+          </a:p>
+        </p:txBody>
+      </p:sp>
       <p:cxnSp>
         <p:nvCxnSpPr>
           <p:cNvPr id="75" name="Elbow Connector 122"/>
@@ -3832,7 +3735,7 @@
         </p:nvCxnSpPr>
         <p:spPr>
           <a:xfrm>
-            <a:off x="910091" y="3040053"/>
+            <a:off x="616858" y="2049453"/>
             <a:ext cx="419548" cy="2860"/>
           </a:xfrm>
           <a:prstGeom prst="bentConnector3">
@@ -3877,7 +3780,7 @@
         </p:nvCxnSpPr>
         <p:spPr>
           <a:xfrm flipV="1">
-            <a:off x="1849924" y="3040052"/>
+            <a:off x="1556691" y="2049452"/>
             <a:ext cx="216105" cy="1"/>
           </a:xfrm>
           <a:prstGeom prst="line">
@@ -3910,13 +3813,110 @@
       </p:cxnSp>
       <p:sp>
         <p:nvSpPr>
-          <p:cNvPr id="42" name="Flowchart: Decision 96"/>
+          <p:cNvPr id="46" name="Rectangle 8"/>
           <p:cNvSpPr/>
           <p:nvPr/>
         </p:nvSpPr>
         <p:spPr>
           <a:xfrm>
-            <a:off x="2373780" y="3549930"/>
+            <a:off x="2532047" y="1855562"/>
+            <a:ext cx="1490560" cy="334856"/>
+          </a:xfrm>
+          <a:prstGeom prst="rect">
+            <a:avLst/>
+          </a:prstGeom>
+          <a:ln w="19050">
+            <a:solidFill>
+              <a:srgbClr val="7030A0"/>
+            </a:solidFill>
+          </a:ln>
+          <a:effectLst/>
+        </p:spPr>
+        <p:style>
+          <a:lnRef idx="1">
+            <a:schemeClr val="accent4"/>
+          </a:lnRef>
+          <a:fillRef idx="2">
+            <a:schemeClr val="accent4"/>
+          </a:fillRef>
+          <a:effectRef idx="1">
+            <a:schemeClr val="accent4"/>
+          </a:effectRef>
+          <a:fontRef idx="minor">
+            <a:schemeClr val="dk1"/>
+          </a:fontRef>
+        </p:style>
+        <p:txBody>
+          <a:bodyPr rtlCol="0" anchor="ctr"/>
+          <a:lstStyle/>
+          <a:p>
+            <a:pPr algn="ctr"/>
+            <a:r>
+              <a:rPr lang="en-US" sz="1050" dirty="0" err="1">
+                <a:solidFill>
+                  <a:srgbClr val="7030A0"/>
+                </a:solidFill>
+              </a:rPr>
+              <a:t>VersionedScheduler</a:t>
+            </a:r>
+            <a:endParaRPr lang="en-SG" sz="1050" dirty="0">
+              <a:solidFill>
+                <a:srgbClr val="7030A0"/>
+              </a:solidFill>
+            </a:endParaRPr>
+          </a:p>
+        </p:txBody>
+      </p:sp>
+      <p:cxnSp>
+        <p:nvCxnSpPr>
+          <p:cNvPr id="47" name="Straight Arrow Connector 46"/>
+          <p:cNvCxnSpPr>
+            <a:stCxn id="48" idx="3"/>
+            <a:endCxn id="46" idx="1"/>
+          </p:cNvCxnSpPr>
+          <p:nvPr/>
+        </p:nvCxnSpPr>
+        <p:spPr>
+          <a:xfrm>
+            <a:off x="2331127" y="2012433"/>
+            <a:ext cx="200920" cy="10557"/>
+          </a:xfrm>
+          <a:prstGeom prst="straightConnector1">
+            <a:avLst/>
+          </a:prstGeom>
+          <a:ln w="19050">
+            <a:solidFill>
+              <a:srgbClr val="7030A0"/>
+            </a:solidFill>
+            <a:headEnd type="none" w="med" len="med"/>
+            <a:tailEnd type="arrow" w="med" len="med"/>
+          </a:ln>
+          <a:effectLst/>
+        </p:spPr>
+        <p:style>
+          <a:lnRef idx="1">
+            <a:schemeClr val="accent2"/>
+          </a:lnRef>
+          <a:fillRef idx="2">
+            <a:schemeClr val="accent2"/>
+          </a:fillRef>
+          <a:effectRef idx="1">
+            <a:schemeClr val="accent2"/>
+          </a:effectRef>
+          <a:fontRef idx="minor">
+            <a:schemeClr val="dk1"/>
+          </a:fontRef>
+        </p:style>
+      </p:cxnSp>
+      <p:sp>
+        <p:nvSpPr>
+          <p:cNvPr id="48" name="Flowchart: Decision 96"/>
+          <p:cNvSpPr/>
+          <p:nvPr/>
+        </p:nvSpPr>
+        <p:spPr>
+          <a:xfrm>
+            <a:off x="2095079" y="1925743"/>
             <a:ext cx="236048" cy="173380"/>
           </a:xfrm>
           <a:prstGeom prst="flowChartDecision">
@@ -3955,14 +3955,14 @@
       </p:sp>
       <p:sp>
         <p:nvSpPr>
-          <p:cNvPr id="46" name="Rectangle 8"/>
+          <p:cNvPr id="49" name="Rectangle 8"/>
           <p:cNvSpPr/>
           <p:nvPr/>
         </p:nvSpPr>
         <p:spPr>
           <a:xfrm>
-            <a:off x="2825280" y="2846162"/>
-            <a:ext cx="1490560" cy="334856"/>
+            <a:off x="4399417" y="1855562"/>
+            <a:ext cx="1156969" cy="346760"/>
           </a:xfrm>
           <a:prstGeom prst="rect">
             <a:avLst/>
@@ -3994,12 +3994,27 @@
           <a:p>
             <a:pPr algn="ctr"/>
             <a:r>
-              <a:rPr lang="en-US" sz="1050" dirty="0" err="1" smtClean="0">
+              <a:rPr lang="en-US" sz="1050" dirty="0">
                 <a:solidFill>
                   <a:srgbClr val="7030A0"/>
                 </a:solidFill>
               </a:rPr>
-              <a:t>VersionedAddressBook</a:t>
+              <a:t>Unique</a:t>
+            </a:r>
+            <a:br>
+              <a:rPr lang="en-US" sz="1050" dirty="0">
+                <a:solidFill>
+                  <a:srgbClr val="7030A0"/>
+                </a:solidFill>
+              </a:rPr>
+            </a:br>
+            <a:r>
+              <a:rPr lang="en-US" sz="1050" dirty="0" err="1">
+                <a:solidFill>
+                  <a:srgbClr val="7030A0"/>
+                </a:solidFill>
+              </a:rPr>
+              <a:t>CalendarEventList</a:t>
             </a:r>
             <a:endParaRPr lang="en-SG" sz="1050" dirty="0">
               <a:solidFill>
@@ -4009,62 +4024,23 @@
           </a:p>
         </p:txBody>
       </p:sp>
-      <p:cxnSp>
-        <p:nvCxnSpPr>
-          <p:cNvPr id="47" name="Straight Arrow Connector 46"/>
-          <p:cNvCxnSpPr>
-            <a:stCxn id="48" idx="3"/>
-            <a:endCxn id="46" idx="1"/>
-          </p:cNvCxnSpPr>
-          <p:nvPr/>
-        </p:nvCxnSpPr>
-        <p:spPr>
-          <a:xfrm>
-            <a:off x="2624360" y="3003033"/>
-            <a:ext cx="200920" cy="10557"/>
-          </a:xfrm>
-          <a:prstGeom prst="straightConnector1">
-            <a:avLst/>
-          </a:prstGeom>
-          <a:ln w="19050">
-            <a:solidFill>
-              <a:srgbClr val="7030A0"/>
-            </a:solidFill>
-            <a:headEnd type="none" w="med" len="med"/>
-            <a:tailEnd type="arrow" w="med" len="med"/>
-          </a:ln>
-          <a:effectLst/>
-        </p:spPr>
-        <p:style>
-          <a:lnRef idx="1">
-            <a:schemeClr val="accent2"/>
-          </a:lnRef>
-          <a:fillRef idx="2">
-            <a:schemeClr val="accent2"/>
-          </a:fillRef>
-          <a:effectRef idx="1">
-            <a:schemeClr val="accent2"/>
-          </a:effectRef>
-          <a:fontRef idx="minor">
-            <a:schemeClr val="dk1"/>
-          </a:fontRef>
-        </p:style>
-      </p:cxnSp>
-      <p:sp>
-        <p:nvSpPr>
-          <p:cNvPr id="48" name="Flowchart: Decision 96"/>
+      <p:sp>
+        <p:nvSpPr>
+          <p:cNvPr id="51" name="Flowchart: Decision 96"/>
           <p:cNvSpPr/>
           <p:nvPr/>
         </p:nvSpPr>
         <p:spPr>
           <a:xfrm>
-            <a:off x="2388312" y="2916343"/>
+            <a:off x="4031739" y="1929932"/>
             <a:ext cx="236048" cy="173380"/>
           </a:xfrm>
           <a:prstGeom prst="flowChartDecision">
             <a:avLst/>
           </a:prstGeom>
-          <a:noFill/>
+          <a:solidFill>
+            <a:srgbClr val="7030A0"/>
+          </a:solidFill>
           <a:ln w="19050">
             <a:solidFill>
               <a:srgbClr val="7030A0"/>
@@ -4097,14 +4073,14 @@
       </p:sp>
       <p:sp>
         <p:nvSpPr>
-          <p:cNvPr id="49" name="Rectangle 8"/>
+          <p:cNvPr id="62" name="Rectangle 8"/>
           <p:cNvSpPr/>
           <p:nvPr/>
         </p:nvSpPr>
         <p:spPr>
           <a:xfrm>
-            <a:off x="4692650" y="2846162"/>
-            <a:ext cx="1156969" cy="346760"/>
+            <a:off x="6020444" y="1867466"/>
+            <a:ext cx="708186" cy="346760"/>
           </a:xfrm>
           <a:prstGeom prst="rect">
             <a:avLst/>
@@ -4141,7 +4117,7 @@
                   <a:srgbClr val="7030A0"/>
                 </a:solidFill>
               </a:rPr>
-              <a:t>UniquePersonList</a:t>
+              <a:t>CalendarEvent</a:t>
             </a:r>
             <a:endParaRPr lang="en-SG" sz="1050" dirty="0">
               <a:solidFill>
@@ -4153,21 +4129,19 @@
       </p:sp>
       <p:sp>
         <p:nvSpPr>
-          <p:cNvPr id="51" name="Flowchart: Decision 96"/>
+          <p:cNvPr id="63" name="Flowchart: Decision 96"/>
           <p:cNvSpPr/>
           <p:nvPr/>
         </p:nvSpPr>
         <p:spPr>
           <a:xfrm>
-            <a:off x="4324972" y="2920532"/>
+            <a:off x="5565518" y="1951076"/>
             <a:ext cx="236048" cy="173380"/>
           </a:xfrm>
           <a:prstGeom prst="flowChartDecision">
             <a:avLst/>
           </a:prstGeom>
-          <a:solidFill>
-            <a:srgbClr val="7030A0"/>
-          </a:solidFill>
+          <a:noFill/>
           <a:ln w="19050">
             <a:solidFill>
               <a:srgbClr val="7030A0"/>
@@ -4198,16 +4172,57 @@
           </a:p>
         </p:txBody>
       </p:sp>
-      <p:sp>
-        <p:nvSpPr>
-          <p:cNvPr id="62" name="Rectangle 8"/>
+      <p:cxnSp>
+        <p:nvCxnSpPr>
+          <p:cNvPr id="64" name="Elbow Connector 63"/>
+          <p:cNvCxnSpPr>
+            <a:stCxn id="63" idx="3"/>
+            <a:endCxn id="62" idx="1"/>
+          </p:cNvCxnSpPr>
+          <p:nvPr/>
+        </p:nvCxnSpPr>
+        <p:spPr>
+          <a:xfrm>
+            <a:off x="5801566" y="2037766"/>
+            <a:ext cx="218878" cy="3080"/>
+          </a:xfrm>
+          <a:prstGeom prst="bentConnector3">
+            <a:avLst/>
+          </a:prstGeom>
+          <a:ln w="19050">
+            <a:solidFill>
+              <a:srgbClr val="7030A0"/>
+            </a:solidFill>
+            <a:headEnd type="none" w="med" len="med"/>
+            <a:tailEnd type="arrow" w="med" len="med"/>
+          </a:ln>
+          <a:effectLst/>
+        </p:spPr>
+        <p:style>
+          <a:lnRef idx="1">
+            <a:schemeClr val="accent2"/>
+          </a:lnRef>
+          <a:fillRef idx="2">
+            <a:schemeClr val="accent2"/>
+          </a:fillRef>
+          <a:effectRef idx="1">
+            <a:schemeClr val="accent2"/>
+          </a:effectRef>
+          <a:fontRef idx="minor">
+            <a:schemeClr val="dk1"/>
+          </a:fontRef>
+        </p:style>
+      </p:cxnSp>
+      <p:sp>
+        <p:nvSpPr>
+          <p:cNvPr id="76" name="Rectangle 8"/>
           <p:cNvSpPr/>
           <p:nvPr/>
         </p:nvSpPr>
         <p:spPr>
           <a:xfrm>
-            <a:off x="6313677" y="2858066"/>
-            <a:ext cx="708186" cy="346760"/>
+            <a:off x="7425106" y="1667934"/>
+            <a:ext cx="804494" cy="285783"/>
           </a:xfrm>
           <a:prstGeom prst="rect">
             <a:avLst/>
@@ -4244,7 +4259,7 @@
                   <a:srgbClr val="7030A0"/>
                 </a:solidFill>
               </a:rPr>
-              <a:t>Person</a:t>
+              <a:t>Title</a:t>
             </a:r>
             <a:endParaRPr lang="en-SG" sz="1050" dirty="0">
               <a:solidFill>
@@ -4256,19 +4271,21 @@
       </p:sp>
       <p:sp>
         <p:nvSpPr>
-          <p:cNvPr id="63" name="Flowchart: Decision 96"/>
+          <p:cNvPr id="78" name="Flowchart: Decision 96"/>
           <p:cNvSpPr/>
           <p:nvPr/>
         </p:nvSpPr>
         <p:spPr>
           <a:xfrm>
-            <a:off x="5858751" y="2941676"/>
+            <a:off x="6748714" y="1957601"/>
             <a:ext cx="236048" cy="173380"/>
           </a:xfrm>
           <a:prstGeom prst="flowChartDecision">
             <a:avLst/>
           </a:prstGeom>
-          <a:noFill/>
+          <a:solidFill>
+            <a:srgbClr val="7030A0"/>
+          </a:solidFill>
           <a:ln w="19050">
             <a:solidFill>
               <a:srgbClr val="7030A0"/>
@@ -4301,17 +4318,18 @@
       </p:sp>
       <p:cxnSp>
         <p:nvCxnSpPr>
-          <p:cNvPr id="64" name="Elbow Connector 63"/>
+          <p:cNvPr id="79" name="Elbow Connector 78"/>
           <p:cNvCxnSpPr>
-            <a:stCxn id="63" idx="3"/>
-            <a:endCxn id="62" idx="1"/>
+            <a:cxnSpLocks/>
+            <a:stCxn id="78" idx="3"/>
+            <a:endCxn id="76" idx="1"/>
           </p:cNvCxnSpPr>
           <p:nvPr/>
         </p:nvCxnSpPr>
         <p:spPr>
-          <a:xfrm>
-            <a:off x="6094799" y="3028366"/>
-            <a:ext cx="218878" cy="3080"/>
+          <a:xfrm flipV="1">
+            <a:off x="6984762" y="1810826"/>
+            <a:ext cx="440344" cy="233465"/>
           </a:xfrm>
           <a:prstGeom prst="bentConnector3">
             <a:avLst/>
@@ -4342,14 +4360,14 @@
       </p:cxnSp>
       <p:sp>
         <p:nvSpPr>
-          <p:cNvPr id="76" name="Rectangle 8"/>
+          <p:cNvPr id="83" name="Rectangle 8"/>
           <p:cNvSpPr/>
           <p:nvPr/>
         </p:nvSpPr>
         <p:spPr>
           <a:xfrm>
-            <a:off x="7712397" y="2564238"/>
-            <a:ext cx="708186" cy="285783"/>
+            <a:off x="7419164" y="2099735"/>
+            <a:ext cx="804492" cy="285783"/>
           </a:xfrm>
           <a:prstGeom prst="rect">
             <a:avLst/>
@@ -4386,7 +4404,7 @@
                   <a:srgbClr val="7030A0"/>
                 </a:solidFill>
               </a:rPr>
-              <a:t>Name</a:t>
+              <a:t>Description</a:t>
             </a:r>
             <a:endParaRPr lang="en-SG" sz="1050" dirty="0">
               <a:solidFill>
@@ -4396,65 +4414,20 @@
           </a:p>
         </p:txBody>
       </p:sp>
-      <p:sp>
-        <p:nvSpPr>
-          <p:cNvPr id="78" name="Flowchart: Decision 96"/>
-          <p:cNvSpPr/>
-          <p:nvPr/>
-        </p:nvSpPr>
-        <p:spPr>
-          <a:xfrm>
-            <a:off x="7041947" y="2948201"/>
-            <a:ext cx="236048" cy="173380"/>
-          </a:xfrm>
-          <a:prstGeom prst="flowChartDecision">
-            <a:avLst/>
-          </a:prstGeom>
-          <a:solidFill>
-            <a:srgbClr val="7030A0"/>
-          </a:solidFill>
-          <a:ln w="19050">
-            <a:solidFill>
-              <a:srgbClr val="7030A0"/>
-            </a:solidFill>
-          </a:ln>
-          <a:effectLst/>
-        </p:spPr>
-        <p:style>
-          <a:lnRef idx="1">
-            <a:schemeClr val="accent6"/>
-          </a:lnRef>
-          <a:fillRef idx="2">
-            <a:schemeClr val="accent6"/>
-          </a:fillRef>
-          <a:effectRef idx="1">
-            <a:schemeClr val="accent6"/>
-          </a:effectRef>
-          <a:fontRef idx="minor">
-            <a:schemeClr val="dk1"/>
-          </a:fontRef>
-        </p:style>
-        <p:txBody>
-          <a:bodyPr rtlCol="0" anchor="ctr"/>
-          <a:lstStyle/>
-          <a:p>
-            <a:pPr algn="ctr"/>
-            <a:endParaRPr lang="en-US" sz="1050"/>
-          </a:p>
-        </p:txBody>
-      </p:sp>
       <p:cxnSp>
         <p:nvCxnSpPr>
-          <p:cNvPr id="79" name="Elbow Connector 78"/>
+          <p:cNvPr id="84" name="Elbow Connector 83"/>
           <p:cNvCxnSpPr>
             <a:cxnSpLocks/>
+            <a:stCxn id="78" idx="3"/>
+            <a:endCxn id="83" idx="1"/>
           </p:cNvCxnSpPr>
           <p:nvPr/>
         </p:nvCxnSpPr>
         <p:spPr>
-          <a:xfrm flipV="1">
-            <a:off x="7277995" y="2706821"/>
-            <a:ext cx="434402" cy="327761"/>
+          <a:xfrm>
+            <a:off x="6984762" y="2044291"/>
+            <a:ext cx="434402" cy="198336"/>
           </a:xfrm>
           <a:prstGeom prst="bentConnector3">
             <a:avLst/>
@@ -4485,14 +4458,14 @@
       </p:cxnSp>
       <p:sp>
         <p:nvSpPr>
-          <p:cNvPr id="80" name="Rectangle 8"/>
+          <p:cNvPr id="85" name="Rectangle 8"/>
           <p:cNvSpPr/>
           <p:nvPr/>
         </p:nvSpPr>
         <p:spPr>
           <a:xfrm>
-            <a:off x="7712397" y="2887216"/>
-            <a:ext cx="708186" cy="285783"/>
+            <a:off x="7419164" y="2542571"/>
+            <a:ext cx="804492" cy="285783"/>
           </a:xfrm>
           <a:prstGeom prst="rect">
             <a:avLst/>
@@ -4524,12 +4497,27 @@
           <a:p>
             <a:pPr algn="ctr"/>
             <a:r>
+              <a:rPr lang="en-US" sz="1050" dirty="0" err="1">
+                <a:solidFill>
+                  <a:srgbClr val="7030A0"/>
+                </a:solidFill>
+              </a:rPr>
+              <a:t>DateTime</a:t>
+            </a:r>
+            <a:br>
               <a:rPr lang="en-US" sz="1050" dirty="0">
                 <a:solidFill>
                   <a:srgbClr val="7030A0"/>
                 </a:solidFill>
               </a:rPr>
-              <a:t>Phone</a:t>
+            </a:br>
+            <a:r>
+              <a:rPr lang="en-US" sz="1050" dirty="0">
+                <a:solidFill>
+                  <a:srgbClr val="7030A0"/>
+                </a:solidFill>
+              </a:rPr>
+              <a:t>Info</a:t>
             </a:r>
             <a:endParaRPr lang="en-SG" sz="1050" dirty="0">
               <a:solidFill>
@@ -4541,17 +4529,18 @@
       </p:sp>
       <p:cxnSp>
         <p:nvCxnSpPr>
-          <p:cNvPr id="81" name="Elbow Connector 80"/>
+          <p:cNvPr id="86" name="Elbow Connector 85"/>
           <p:cNvCxnSpPr>
+            <a:cxnSpLocks/>
             <a:stCxn id="78" idx="3"/>
-            <a:endCxn id="80" idx="1"/>
+            <a:endCxn id="85" idx="1"/>
           </p:cNvCxnSpPr>
           <p:nvPr/>
         </p:nvCxnSpPr>
         <p:spPr>
-          <a:xfrm flipV="1">
-            <a:off x="7277995" y="3030108"/>
-            <a:ext cx="434402" cy="4783"/>
+          <a:xfrm>
+            <a:off x="6984762" y="2044291"/>
+            <a:ext cx="434402" cy="641172"/>
           </a:xfrm>
           <a:prstGeom prst="bentConnector3">
             <a:avLst/>
@@ -4580,18 +4569,61 @@
           </a:fontRef>
         </p:style>
       </p:cxnSp>
-      <p:sp>
-        <p:nvSpPr>
-          <p:cNvPr id="83" name="Rectangle 8"/>
+      <p:cxnSp>
+        <p:nvCxnSpPr>
+          <p:cNvPr id="97" name="Elbow Connector 63"/>
+          <p:cNvCxnSpPr>
+            <a:stCxn id="99" idx="3"/>
+          </p:cNvCxnSpPr>
+          <p:nvPr/>
+        </p:nvCxnSpPr>
+        <p:spPr>
+          <a:xfrm rot="5400000">
+            <a:off x="3260378" y="1696959"/>
+            <a:ext cx="293825" cy="5938"/>
+          </a:xfrm>
+          <a:prstGeom prst="bentConnector3">
+            <a:avLst>
+              <a:gd name="adj1" fmla="val 50000"/>
+            </a:avLst>
+          </a:prstGeom>
+          <a:ln w="19050">
+            <a:solidFill>
+              <a:srgbClr val="7030A0"/>
+            </a:solidFill>
+            <a:prstDash val="sysDot"/>
+            <a:headEnd type="none" w="med" len="med"/>
+            <a:tailEnd type="none" w="med" len="med"/>
+          </a:ln>
+          <a:effectLst/>
+        </p:spPr>
+        <p:style>
+          <a:lnRef idx="1">
+            <a:schemeClr val="accent2"/>
+          </a:lnRef>
+          <a:fillRef idx="2">
+            <a:schemeClr val="accent2"/>
+          </a:fillRef>
+          <a:effectRef idx="1">
+            <a:schemeClr val="accent2"/>
+          </a:effectRef>
+          <a:fontRef idx="minor">
+            <a:schemeClr val="dk1"/>
+          </a:fontRef>
+        </p:style>
+      </p:cxnSp>
+      <p:sp>
+        <p:nvSpPr>
+          <p:cNvPr id="99" name="Isosceles Triangle 102"/>
           <p:cNvSpPr/>
           <p:nvPr/>
         </p:nvSpPr>
         <p:spPr>
-          <a:xfrm>
-            <a:off x="7712397" y="3210194"/>
-            <a:ext cx="708186" cy="285783"/>
-          </a:xfrm>
-          <a:prstGeom prst="rect">
+          <a:xfrm rot="10800000" flipV="1">
+            <a:off x="3269066" y="1395954"/>
+            <a:ext cx="282387" cy="157062"/>
+          </a:xfrm>
+          <a:prstGeom prst="triangle">
             <a:avLst/>
           </a:prstGeom>
           <a:ln w="19050">
@@ -4620,73 +4652,24 @@
           <a:lstStyle/>
           <a:p>
             <a:pPr algn="ctr"/>
-            <a:r>
-              <a:rPr lang="en-US" sz="1050" dirty="0">
-                <a:solidFill>
-                  <a:srgbClr val="7030A0"/>
-                </a:solidFill>
-              </a:rPr>
-              <a:t>Email</a:t>
-            </a:r>
-            <a:endParaRPr lang="en-SG" sz="1050" dirty="0">
+            <a:endParaRPr lang="en-SG" sz="1050" b="1">
               <a:solidFill>
-                <a:srgbClr val="7030A0"/>
+                <a:srgbClr val="92D050"/>
               </a:solidFill>
             </a:endParaRPr>
           </a:p>
         </p:txBody>
       </p:sp>
-      <p:cxnSp>
-        <p:nvCxnSpPr>
-          <p:cNvPr id="84" name="Elbow Connector 83"/>
-          <p:cNvCxnSpPr>
-            <a:stCxn id="78" idx="3"/>
-            <a:endCxn id="83" idx="1"/>
-          </p:cNvCxnSpPr>
-          <p:nvPr/>
-        </p:nvCxnSpPr>
-        <p:spPr>
-          <a:xfrm>
-            <a:off x="7277995" y="3034891"/>
-            <a:ext cx="434402" cy="318195"/>
-          </a:xfrm>
-          <a:prstGeom prst="bentConnector3">
-            <a:avLst/>
-          </a:prstGeom>
-          <a:ln w="19050">
-            <a:solidFill>
-              <a:srgbClr val="7030A0"/>
-            </a:solidFill>
-            <a:headEnd type="none" w="med" len="med"/>
-            <a:tailEnd type="arrow" w="med" len="med"/>
-          </a:ln>
-          <a:effectLst/>
-        </p:spPr>
-        <p:style>
-          <a:lnRef idx="1">
-            <a:schemeClr val="accent2"/>
-          </a:lnRef>
-          <a:fillRef idx="2">
-            <a:schemeClr val="accent2"/>
-          </a:fillRef>
-          <a:effectRef idx="1">
-            <a:schemeClr val="accent2"/>
-          </a:effectRef>
-          <a:fontRef idx="minor">
-            <a:schemeClr val="dk1"/>
-          </a:fontRef>
-        </p:style>
-      </p:cxnSp>
-      <p:sp>
-        <p:nvSpPr>
-          <p:cNvPr id="85" name="Rectangle 8"/>
+      <p:sp>
+        <p:nvSpPr>
+          <p:cNvPr id="100" name="Rectangle 8"/>
           <p:cNvSpPr/>
           <p:nvPr/>
         </p:nvSpPr>
         <p:spPr>
           <a:xfrm>
-            <a:off x="7712397" y="3533171"/>
-            <a:ext cx="708186" cy="285783"/>
+            <a:off x="967689" y="1007750"/>
+            <a:ext cx="1443661" cy="364396"/>
           </a:xfrm>
           <a:prstGeom prst="rect">
             <a:avLst/>
@@ -4723,7 +4706,22 @@
                   <a:srgbClr val="7030A0"/>
                 </a:solidFill>
               </a:rPr>
-              <a:t>Address</a:t>
+              <a:t>&lt;&lt;interface&gt;&gt;</a:t>
+            </a:r>
+            <a:br>
+              <a:rPr lang="en-US" sz="1050" dirty="0">
+                <a:solidFill>
+                  <a:srgbClr val="7030A0"/>
+                </a:solidFill>
+              </a:rPr>
+            </a:br>
+            <a:r>
+              <a:rPr lang="en-US" sz="1050" dirty="0" err="1">
+                <a:solidFill>
+                  <a:srgbClr val="7030A0"/>
+                </a:solidFill>
+              </a:rPr>
+              <a:t>ReadOnlyScheduler</a:t>
             </a:r>
             <a:endParaRPr lang="en-SG" sz="1050" dirty="0">
               <a:solidFill>
@@ -4733,102 +4731,57 @@
           </a:p>
         </p:txBody>
       </p:sp>
-      <p:cxnSp>
-        <p:nvCxnSpPr>
-          <p:cNvPr id="86" name="Elbow Connector 85"/>
-          <p:cNvCxnSpPr>
-            <a:stCxn id="78" idx="3"/>
-            <a:endCxn id="85" idx="1"/>
-          </p:cNvCxnSpPr>
+      <p:sp>
+        <p:nvSpPr>
+          <p:cNvPr id="114" name="TextBox 113"/>
+          <p:cNvSpPr txBox="1"/>
           <p:nvPr/>
-        </p:nvCxnSpPr>
-        <p:spPr>
-          <a:xfrm>
-            <a:off x="7277995" y="3034891"/>
-            <a:ext cx="434402" cy="641172"/>
-          </a:xfrm>
-          <a:prstGeom prst="bentConnector3">
+        </p:nvSpPr>
+        <p:spPr>
+          <a:xfrm rot="16200000">
+            <a:off x="6069653" y="2595705"/>
+            <a:ext cx="881018" cy="261610"/>
+          </a:xfrm>
+          <a:prstGeom prst="rect">
             <a:avLst/>
           </a:prstGeom>
-          <a:ln w="19050">
-            <a:solidFill>
-              <a:srgbClr val="7030A0"/>
-            </a:solidFill>
-            <a:headEnd type="none" w="med" len="med"/>
-            <a:tailEnd type="arrow" w="med" len="med"/>
-          </a:ln>
-          <a:effectLst/>
-        </p:spPr>
-        <p:style>
-          <a:lnRef idx="1">
-            <a:schemeClr val="accent2"/>
-          </a:lnRef>
-          <a:fillRef idx="2">
-            <a:schemeClr val="accent2"/>
-          </a:fillRef>
-          <a:effectRef idx="1">
-            <a:schemeClr val="accent2"/>
-          </a:effectRef>
-          <a:fontRef idx="minor">
-            <a:schemeClr val="dk1"/>
-          </a:fontRef>
-        </p:style>
-      </p:cxnSp>
-      <p:cxnSp>
-        <p:nvCxnSpPr>
-          <p:cNvPr id="97" name="Elbow Connector 63"/>
-          <p:cNvCxnSpPr>
-            <a:stCxn id="99" idx="3"/>
-          </p:cNvCxnSpPr>
-          <p:nvPr/>
-        </p:nvCxnSpPr>
-        <p:spPr>
-          <a:xfrm rot="5400000">
-            <a:off x="3553611" y="2687559"/>
-            <a:ext cx="293825" cy="5938"/>
-          </a:xfrm>
-          <a:prstGeom prst="bentConnector3">
-            <a:avLst>
-              <a:gd name="adj1" fmla="val 50000"/>
-            </a:avLst>
-          </a:prstGeom>
-          <a:ln w="19050">
-            <a:solidFill>
-              <a:srgbClr val="7030A0"/>
-            </a:solidFill>
-            <a:prstDash val="sysDot"/>
-            <a:headEnd type="none" w="med" len="med"/>
-            <a:tailEnd type="none" w="med" len="med"/>
-          </a:ln>
-          <a:effectLst/>
-        </p:spPr>
-        <p:style>
-          <a:lnRef idx="1">
-            <a:schemeClr val="accent2"/>
-          </a:lnRef>
-          <a:fillRef idx="2">
-            <a:schemeClr val="accent2"/>
-          </a:fillRef>
-          <a:effectRef idx="1">
-            <a:schemeClr val="accent2"/>
-          </a:effectRef>
-          <a:fontRef idx="minor">
-            <a:schemeClr val="dk1"/>
-          </a:fontRef>
-        </p:style>
-      </p:cxnSp>
-      <p:sp>
-        <p:nvSpPr>
-          <p:cNvPr id="99" name="Isosceles Triangle 102"/>
+          <a:noFill/>
+        </p:spPr>
+        <p:txBody>
+          <a:bodyPr wrap="square" rtlCol="0">
+            <a:spAutoFit/>
+          </a:bodyPr>
+          <a:lstStyle/>
+          <a:p>
+            <a:pPr algn="r"/>
+            <a:r>
+              <a:rPr lang="en-US" sz="1100" dirty="0">
+                <a:solidFill>
+                  <a:srgbClr val="7030A0"/>
+                </a:solidFill>
+              </a:rPr>
+              <a:t>filtered list</a:t>
+            </a:r>
+            <a:endParaRPr lang="en-SG" sz="1100" dirty="0">
+              <a:solidFill>
+                <a:srgbClr val="7030A0"/>
+              </a:solidFill>
+            </a:endParaRPr>
+          </a:p>
+        </p:txBody>
+      </p:sp>
+      <p:sp>
+        <p:nvSpPr>
+          <p:cNvPr id="122" name="Rectangle 8"/>
           <p:cNvSpPr/>
           <p:nvPr/>
         </p:nvSpPr>
         <p:spPr>
-          <a:xfrm rot="10800000" flipV="1">
-            <a:off x="3562299" y="2386554"/>
-            <a:ext cx="282387" cy="157062"/>
-          </a:xfrm>
-          <a:prstGeom prst="triangle">
+          <a:xfrm>
+            <a:off x="1764168" y="3248891"/>
+            <a:ext cx="1066800" cy="346760"/>
+          </a:xfrm>
+          <a:prstGeom prst="rect">
             <a:avLst/>
           </a:prstGeom>
           <a:ln w="19050">
@@ -4857,54 +4810,6 @@
           <a:lstStyle/>
           <a:p>
             <a:pPr algn="ctr"/>
-            <a:endParaRPr lang="en-SG" sz="1050" b="1">
-              <a:solidFill>
-                <a:srgbClr val="92D050"/>
-              </a:solidFill>
-            </a:endParaRPr>
-          </a:p>
-        </p:txBody>
-      </p:sp>
-      <p:sp>
-        <p:nvSpPr>
-          <p:cNvPr id="100" name="Rectangle 8"/>
-          <p:cNvSpPr/>
-          <p:nvPr/>
-        </p:nvSpPr>
-        <p:spPr>
-          <a:xfrm>
-            <a:off x="1260922" y="1998350"/>
-            <a:ext cx="1443661" cy="364396"/>
-          </a:xfrm>
-          <a:prstGeom prst="rect">
-            <a:avLst/>
-          </a:prstGeom>
-          <a:ln w="19050">
-            <a:solidFill>
-              <a:srgbClr val="7030A0"/>
-            </a:solidFill>
-          </a:ln>
-          <a:effectLst/>
-        </p:spPr>
-        <p:style>
-          <a:lnRef idx="1">
-            <a:schemeClr val="accent4"/>
-          </a:lnRef>
-          <a:fillRef idx="2">
-            <a:schemeClr val="accent4"/>
-          </a:fillRef>
-          <a:effectRef idx="1">
-            <a:schemeClr val="accent4"/>
-          </a:effectRef>
-          <a:fontRef idx="minor">
-            <a:schemeClr val="dk1"/>
-          </a:fontRef>
-        </p:style>
-        <p:txBody>
-          <a:bodyPr rtlCol="0" anchor="ctr"/>
-          <a:lstStyle/>
-          <a:p>
-            <a:pPr algn="ctr"/>
             <a:r>
               <a:rPr lang="en-US" sz="1050" dirty="0">
                 <a:solidFill>
@@ -4912,124 +4817,6 @@
                 </a:solidFill>
               </a:rPr>
               <a:t>&lt;&lt;interface&gt;&gt;</a:t>
-            </a:r>
-            <a:br>
-              <a:rPr lang="en-US" sz="1050" dirty="0">
-                <a:solidFill>
-                  <a:srgbClr val="7030A0"/>
-                </a:solidFill>
-              </a:rPr>
-            </a:br>
-            <a:r>
-              <a:rPr lang="en-US" sz="1050" dirty="0" err="1">
-                <a:solidFill>
-                  <a:srgbClr val="7030A0"/>
-                </a:solidFill>
-              </a:rPr>
-              <a:t>ReadOnlyAddressBook</a:t>
-            </a:r>
-            <a:endParaRPr lang="en-SG" sz="1050" dirty="0">
-              <a:solidFill>
-                <a:srgbClr val="7030A0"/>
-              </a:solidFill>
-            </a:endParaRPr>
-          </a:p>
-        </p:txBody>
-      </p:sp>
-      <p:sp>
-        <p:nvSpPr>
-          <p:cNvPr id="114" name="TextBox 113"/>
-          <p:cNvSpPr txBox="1"/>
-          <p:nvPr/>
-        </p:nvSpPr>
-        <p:spPr>
-          <a:xfrm rot="16200000">
-            <a:off x="6362886" y="3586305"/>
-            <a:ext cx="881018" cy="261610"/>
-          </a:xfrm>
-          <a:prstGeom prst="rect">
-            <a:avLst/>
-          </a:prstGeom>
-          <a:noFill/>
-        </p:spPr>
-        <p:txBody>
-          <a:bodyPr wrap="square" rtlCol="0">
-            <a:spAutoFit/>
-          </a:bodyPr>
-          <a:lstStyle/>
-          <a:p>
-            <a:pPr algn="r"/>
-            <a:r>
-              <a:rPr lang="en-US" sz="1100" dirty="0">
-                <a:solidFill>
-                  <a:srgbClr val="7030A0"/>
-                </a:solidFill>
-              </a:rPr>
-              <a:t>filtered list</a:t>
-            </a:r>
-            <a:endParaRPr lang="en-SG" sz="1100" dirty="0">
-              <a:solidFill>
-                <a:srgbClr val="7030A0"/>
-              </a:solidFill>
-            </a:endParaRPr>
-          </a:p>
-        </p:txBody>
-      </p:sp>
-      <p:sp>
-        <p:nvSpPr>
-          <p:cNvPr id="122" name="Rectangle 8"/>
-          <p:cNvSpPr/>
-          <p:nvPr/>
-        </p:nvSpPr>
-        <p:spPr>
-          <a:xfrm>
-            <a:off x="2057401" y="4239491"/>
-            <a:ext cx="1066800" cy="346760"/>
-          </a:xfrm>
-          <a:prstGeom prst="rect">
-            <a:avLst/>
-          </a:prstGeom>
-          <a:ln w="19050">
-            <a:solidFill>
-              <a:srgbClr val="7030A0"/>
-            </a:solidFill>
-          </a:ln>
-          <a:effectLst/>
-        </p:spPr>
-        <p:style>
-          <a:lnRef idx="1">
-            <a:schemeClr val="accent4"/>
-          </a:lnRef>
-          <a:fillRef idx="2">
-            <a:schemeClr val="accent4"/>
-          </a:fillRef>
-          <a:effectRef idx="1">
-            <a:schemeClr val="accent4"/>
-          </a:effectRef>
-          <a:fontRef idx="minor">
-            <a:schemeClr val="dk1"/>
-          </a:fontRef>
-        </p:style>
-        <p:txBody>
-          <a:bodyPr rtlCol="0" anchor="ctr"/>
-          <a:lstStyle/>
-          <a:p>
-            <a:pPr algn="ctr"/>
-            <a:r>
-              <a:rPr lang="en-US" sz="1050" dirty="0">
-                <a:solidFill>
-                  <a:srgbClr val="7030A0"/>
-                </a:solidFill>
-              </a:rPr>
-              <a:t>&lt;&lt;interface&gt;&gt;</a:t>
-            </a:r>
-            <a:r>
-              <a:rPr lang="en-US" sz="1050">
-                <a:solidFill>
-                  <a:srgbClr val="7030A0"/>
-                </a:solidFill>
-              </a:rPr>
-              <a:t/>
             </a:r>
             <a:br>
               <a:rPr lang="en-US" sz="1050">
@@ -5065,7 +4852,7 @@
         </p:nvCxnSpPr>
         <p:spPr>
           <a:xfrm rot="16200000" flipH="1">
-            <a:off x="1364475" y="3719944"/>
+            <a:off x="1071242" y="2729344"/>
             <a:ext cx="831471" cy="554381"/>
           </a:xfrm>
           <a:prstGeom prst="bentConnector2">
@@ -5104,7 +4891,7 @@
         </p:nvSpPr>
         <p:spPr>
           <a:xfrm>
-            <a:off x="4429979" y="3111479"/>
+            <a:off x="4136746" y="2120879"/>
             <a:ext cx="189257" cy="178683"/>
           </a:xfrm>
           <a:prstGeom prst="rect">
@@ -5143,7 +4930,7 @@
         </p:nvSpPr>
         <p:spPr>
           <a:xfrm>
-            <a:off x="6135256" y="3097917"/>
+            <a:off x="5842023" y="2107317"/>
             <a:ext cx="189257" cy="178683"/>
           </a:xfrm>
           <a:prstGeom prst="rect">
@@ -5182,7 +4969,7 @@
         </p:nvSpPr>
         <p:spPr>
           <a:xfrm>
-            <a:off x="2573394" y="2756715"/>
+            <a:off x="2280161" y="1766115"/>
             <a:ext cx="170110" cy="137542"/>
           </a:xfrm>
           <a:prstGeom prst="rect">
@@ -5215,52 +5002,13 @@
       </p:sp>
       <p:sp>
         <p:nvSpPr>
-          <p:cNvPr id="66" name="TextBox 65"/>
-          <p:cNvSpPr txBox="1"/>
-          <p:nvPr/>
-        </p:nvSpPr>
-        <p:spPr>
-          <a:xfrm>
-            <a:off x="2707070" y="3667737"/>
-            <a:ext cx="189257" cy="178683"/>
-          </a:xfrm>
-          <a:prstGeom prst="rect">
-            <a:avLst/>
-          </a:prstGeom>
-          <a:noFill/>
-        </p:spPr>
-        <p:txBody>
-          <a:bodyPr wrap="square" lIns="0" tIns="0" rIns="0" bIns="0" rtlCol="0">
-            <a:noAutofit/>
-          </a:bodyPr>
-          <a:lstStyle/>
-          <a:p>
-            <a:pPr algn="ctr"/>
-            <a:r>
-              <a:rPr lang="en-US" sz="1100" dirty="0">
-                <a:solidFill>
-                  <a:srgbClr val="7030A0"/>
-                </a:solidFill>
-              </a:rPr>
-              <a:t>1</a:t>
-            </a:r>
-            <a:endParaRPr lang="en-SG" sz="1100" dirty="0">
-              <a:solidFill>
-                <a:srgbClr val="7030A0"/>
-              </a:solidFill>
-            </a:endParaRPr>
-          </a:p>
-        </p:txBody>
-      </p:sp>
-      <p:sp>
-        <p:nvSpPr>
           <p:cNvPr id="70" name="TextBox 69"/>
           <p:cNvSpPr txBox="1"/>
           <p:nvPr/>
         </p:nvSpPr>
         <p:spPr>
           <a:xfrm>
-            <a:off x="6449896" y="3204826"/>
+            <a:off x="6156663" y="2214226"/>
             <a:ext cx="189257" cy="178683"/>
           </a:xfrm>
           <a:prstGeom prst="rect">
@@ -5305,8 +5053,8 @@
         </p:nvSpPr>
         <p:spPr>
           <a:xfrm>
-            <a:off x="7712397" y="2228817"/>
-            <a:ext cx="708186" cy="285783"/>
+            <a:off x="7419164" y="1238217"/>
+            <a:ext cx="804494" cy="285783"/>
           </a:xfrm>
           <a:prstGeom prst="rect">
             <a:avLst/>
@@ -5371,7 +5119,7 @@
         </p:nvCxnSpPr>
         <p:spPr>
           <a:xfrm flipV="1">
-            <a:off x="7277995" y="2371709"/>
+            <a:off x="6984762" y="1381109"/>
             <a:ext cx="434402" cy="663182"/>
           </a:xfrm>
           <a:prstGeom prst="bentConnector3">
@@ -5417,7 +5165,7 @@
         </p:nvSpPr>
         <p:spPr>
           <a:xfrm>
-            <a:off x="7466243" y="2255711"/>
+            <a:off x="7173010" y="1265111"/>
             <a:ext cx="189257" cy="178683"/>
           </a:xfrm>
           <a:prstGeom prst="rect">
@@ -5456,7 +5204,7 @@
         </p:nvSpPr>
         <p:spPr>
           <a:xfrm>
-            <a:off x="3170181" y="1998350"/>
+            <a:off x="2876948" y="1007750"/>
             <a:ext cx="1060683" cy="364396"/>
           </a:xfrm>
           <a:prstGeom prst="rect">
@@ -5489,12 +5237,12 @@
           <a:p>
             <a:pPr algn="ctr"/>
             <a:r>
-              <a:rPr lang="en-US" sz="1050" dirty="0" err="1">
+              <a:rPr lang="en-US" sz="1050" dirty="0">
                 <a:solidFill>
                   <a:srgbClr val="7030A0"/>
                 </a:solidFill>
               </a:rPr>
-              <a:t>AddressBook</a:t>
+              <a:t>Scheduler</a:t>
             </a:r>
             <a:endParaRPr lang="en-SG" sz="1050" dirty="0">
               <a:solidFill>
@@ -5515,7 +5263,7 @@
         </p:nvCxnSpPr>
         <p:spPr>
           <a:xfrm>
-            <a:off x="4324972" y="3007222"/>
+            <a:off x="4031739" y="2016622"/>
             <a:ext cx="367678" cy="12320"/>
           </a:xfrm>
           <a:prstGeom prst="straightConnector1">
@@ -5553,7 +5301,7 @@
         </p:nvSpPr>
         <p:spPr>
           <a:xfrm rot="16200000">
-            <a:off x="2669073" y="2069158"/>
+            <a:off x="2375840" y="1078558"/>
             <a:ext cx="271014" cy="187417"/>
           </a:xfrm>
           <a:prstGeom prst="triangle">
@@ -5608,7 +5356,7 @@
         </p:nvCxnSpPr>
         <p:spPr>
           <a:xfrm>
-            <a:off x="2898289" y="2177727"/>
+            <a:off x="2605056" y="1187127"/>
             <a:ext cx="271892" cy="2821"/>
           </a:xfrm>
           <a:prstGeom prst="bentConnector3">
@@ -5641,6 +5389,2135 @@
           </a:fontRef>
         </p:style>
       </p:cxnSp>
+      <p:sp>
+        <p:nvSpPr>
+          <p:cNvPr id="59" name="Rectangle 62">
+            <a:extLst>
+              <a:ext uri="{FF2B5EF4-FFF2-40B4-BE49-F238E27FC236}">
+                <a16:creationId xmlns:a16="http://schemas.microsoft.com/office/drawing/2014/main" id="{77741929-F4C3-493A-A066-081E935CC9B2}"/>
+              </a:ext>
+            </a:extLst>
+          </p:cNvPr>
+          <p:cNvSpPr/>
+          <p:nvPr/>
+        </p:nvSpPr>
+        <p:spPr>
+          <a:xfrm rot="16200000">
+            <a:off x="1368315" y="4941257"/>
+            <a:ext cx="1093635" cy="346760"/>
+          </a:xfrm>
+          <a:prstGeom prst="rect">
+            <a:avLst/>
+          </a:prstGeom>
+          <a:solidFill>
+            <a:srgbClr val="7030A0"/>
+          </a:solidFill>
+          <a:ln w="19050">
+            <a:solidFill>
+              <a:srgbClr val="7030A0"/>
+            </a:solidFill>
+          </a:ln>
+          <a:effectLst/>
+        </p:spPr>
+        <p:style>
+          <a:lnRef idx="1">
+            <a:schemeClr val="accent2"/>
+          </a:lnRef>
+          <a:fillRef idx="2">
+            <a:schemeClr val="accent2"/>
+          </a:fillRef>
+          <a:effectRef idx="1">
+            <a:schemeClr val="accent2"/>
+          </a:effectRef>
+          <a:fontRef idx="minor">
+            <a:schemeClr val="dk1"/>
+          </a:fontRef>
+        </p:style>
+        <p:txBody>
+          <a:bodyPr rtlCol="0" anchor="ctr"/>
+          <a:lstStyle/>
+          <a:p>
+            <a:pPr algn="ctr"/>
+            <a:r>
+              <a:rPr lang="en-US" sz="1050" dirty="0" err="1">
+                <a:solidFill>
+                  <a:schemeClr val="bg1"/>
+                </a:solidFill>
+              </a:rPr>
+              <a:t>ModelToDo</a:t>
+            </a:r>
+            <a:br>
+              <a:rPr lang="en-US" sz="1050" dirty="0">
+                <a:solidFill>
+                  <a:schemeClr val="bg1"/>
+                </a:solidFill>
+              </a:rPr>
+            </a:br>
+            <a:r>
+              <a:rPr lang="en-US" sz="1050" dirty="0">
+                <a:solidFill>
+                  <a:schemeClr val="bg1"/>
+                </a:solidFill>
+              </a:rPr>
+              <a:t>Manager</a:t>
+            </a:r>
+            <a:endParaRPr lang="en-SG" sz="1050" dirty="0">
+              <a:solidFill>
+                <a:schemeClr val="bg1"/>
+              </a:solidFill>
+            </a:endParaRPr>
+          </a:p>
+        </p:txBody>
+      </p:sp>
+      <p:cxnSp>
+        <p:nvCxnSpPr>
+          <p:cNvPr id="67" name="Elbow Connector 106">
+            <a:extLst>
+              <a:ext uri="{FF2B5EF4-FFF2-40B4-BE49-F238E27FC236}">
+                <a16:creationId xmlns:a16="http://schemas.microsoft.com/office/drawing/2014/main" id="{098BFD69-E389-4A67-A3D7-32A863BB36D5}"/>
+              </a:ext>
+            </a:extLst>
+          </p:cNvPr>
+          <p:cNvCxnSpPr>
+            <a:cxnSpLocks/>
+            <a:stCxn id="59" idx="1"/>
+            <a:endCxn id="92" idx="2"/>
+          </p:cNvCxnSpPr>
+          <p:nvPr/>
+        </p:nvCxnSpPr>
+        <p:spPr>
+          <a:xfrm rot="5400000" flipH="1" flipV="1">
+            <a:off x="3838274" y="3125192"/>
+            <a:ext cx="613122" cy="4459404"/>
+          </a:xfrm>
+          <a:prstGeom prst="bentConnector3">
+            <a:avLst>
+              <a:gd name="adj1" fmla="val -26668"/>
+            </a:avLst>
+          </a:prstGeom>
+          <a:ln w="19050">
+            <a:solidFill>
+              <a:srgbClr val="7030A0"/>
+            </a:solidFill>
+            <a:prstDash val="solid"/>
+            <a:headEnd type="none" w="med" len="med"/>
+            <a:tailEnd type="arrow" w="med" len="med"/>
+          </a:ln>
+          <a:effectLst/>
+        </p:spPr>
+        <p:style>
+          <a:lnRef idx="1">
+            <a:schemeClr val="accent2"/>
+          </a:lnRef>
+          <a:fillRef idx="2">
+            <a:schemeClr val="accent2"/>
+          </a:fillRef>
+          <a:effectRef idx="1">
+            <a:schemeClr val="accent2"/>
+          </a:effectRef>
+          <a:fontRef idx="minor">
+            <a:schemeClr val="dk1"/>
+          </a:fontRef>
+        </p:style>
+      </p:cxnSp>
+      <p:sp>
+        <p:nvSpPr>
+          <p:cNvPr id="71" name="Rectangle 62">
+            <a:extLst>
+              <a:ext uri="{FF2B5EF4-FFF2-40B4-BE49-F238E27FC236}">
+                <a16:creationId xmlns:a16="http://schemas.microsoft.com/office/drawing/2014/main" id="{4721E6E8-B009-4755-999D-C5AEFE54F7AB}"/>
+              </a:ext>
+            </a:extLst>
+          </p:cNvPr>
+          <p:cNvSpPr/>
+          <p:nvPr/>
+        </p:nvSpPr>
+        <p:spPr>
+          <a:xfrm rot="16200000">
+            <a:off x="662969" y="4704709"/>
+            <a:ext cx="1093635" cy="346760"/>
+          </a:xfrm>
+          <a:prstGeom prst="rect">
+            <a:avLst/>
+          </a:prstGeom>
+          <a:solidFill>
+            <a:srgbClr val="7030A0"/>
+          </a:solidFill>
+          <a:ln w="19050">
+            <a:solidFill>
+              <a:srgbClr val="7030A0"/>
+            </a:solidFill>
+          </a:ln>
+          <a:effectLst/>
+        </p:spPr>
+        <p:style>
+          <a:lnRef idx="1">
+            <a:schemeClr val="accent2"/>
+          </a:lnRef>
+          <a:fillRef idx="2">
+            <a:schemeClr val="accent2"/>
+          </a:fillRef>
+          <a:effectRef idx="1">
+            <a:schemeClr val="accent2"/>
+          </a:effectRef>
+          <a:fontRef idx="minor">
+            <a:schemeClr val="dk1"/>
+          </a:fontRef>
+        </p:style>
+        <p:txBody>
+          <a:bodyPr rtlCol="0" anchor="ctr"/>
+          <a:lstStyle/>
+          <a:p>
+            <a:pPr algn="ctr"/>
+            <a:r>
+              <a:rPr lang="en-US" sz="1050" dirty="0">
+                <a:solidFill>
+                  <a:schemeClr val="bg1"/>
+                </a:solidFill>
+              </a:rPr>
+              <a:t>&lt;&lt;interface&gt;&gt;</a:t>
+            </a:r>
+          </a:p>
+          <a:p>
+            <a:pPr algn="ctr"/>
+            <a:r>
+              <a:rPr lang="en-US" sz="1050" dirty="0" err="1">
+                <a:solidFill>
+                  <a:schemeClr val="bg1"/>
+                </a:solidFill>
+              </a:rPr>
+              <a:t>ModelToDo</a:t>
+            </a:r>
+            <a:endParaRPr lang="en-SG" sz="1050" dirty="0">
+              <a:solidFill>
+                <a:schemeClr val="bg1"/>
+              </a:solidFill>
+            </a:endParaRPr>
+          </a:p>
+        </p:txBody>
+      </p:sp>
+      <p:sp>
+        <p:nvSpPr>
+          <p:cNvPr id="72" name="Isosceles Triangle 102">
+            <a:extLst>
+              <a:ext uri="{FF2B5EF4-FFF2-40B4-BE49-F238E27FC236}">
+                <a16:creationId xmlns:a16="http://schemas.microsoft.com/office/drawing/2014/main" id="{14AD668E-96D9-451A-95D0-FD3365824211}"/>
+              </a:ext>
+            </a:extLst>
+          </p:cNvPr>
+          <p:cNvSpPr/>
+          <p:nvPr/>
+        </p:nvSpPr>
+        <p:spPr>
+          <a:xfrm rot="16200000">
+            <a:off x="1333677" y="4795798"/>
+            <a:ext cx="270504" cy="175523"/>
+          </a:xfrm>
+          <a:prstGeom prst="triangle">
+            <a:avLst/>
+          </a:prstGeom>
+          <a:solidFill>
+            <a:srgbClr val="7030A0"/>
+          </a:solidFill>
+          <a:ln w="19050">
+            <a:solidFill>
+              <a:srgbClr val="7030A0"/>
+            </a:solidFill>
+          </a:ln>
+          <a:effectLst/>
+        </p:spPr>
+        <p:style>
+          <a:lnRef idx="1">
+            <a:schemeClr val="accent6"/>
+          </a:lnRef>
+          <a:fillRef idx="2">
+            <a:schemeClr val="accent6"/>
+          </a:fillRef>
+          <a:effectRef idx="1">
+            <a:schemeClr val="accent6"/>
+          </a:effectRef>
+          <a:fontRef idx="minor">
+            <a:schemeClr val="dk1"/>
+          </a:fontRef>
+        </p:style>
+        <p:txBody>
+          <a:bodyPr rtlCol="0" anchor="ctr"/>
+          <a:lstStyle/>
+          <a:p>
+            <a:pPr algn="ctr"/>
+            <a:endParaRPr lang="en-SG" sz="1050"/>
+          </a:p>
+        </p:txBody>
+      </p:sp>
+      <p:cxnSp>
+        <p:nvCxnSpPr>
+          <p:cNvPr id="74" name="Elbow Connector 122">
+            <a:extLst>
+              <a:ext uri="{FF2B5EF4-FFF2-40B4-BE49-F238E27FC236}">
+                <a16:creationId xmlns:a16="http://schemas.microsoft.com/office/drawing/2014/main" id="{004CC82F-DA1D-4F53-944D-3D0FCE3CD8A5}"/>
+              </a:ext>
+            </a:extLst>
+          </p:cNvPr>
+          <p:cNvCxnSpPr/>
+          <p:nvPr/>
+        </p:nvCxnSpPr>
+        <p:spPr>
+          <a:xfrm>
+            <a:off x="616858" y="4883560"/>
+            <a:ext cx="419548" cy="2860"/>
+          </a:xfrm>
+          <a:prstGeom prst="bentConnector3">
+            <a:avLst>
+              <a:gd name="adj1" fmla="val 50000"/>
+            </a:avLst>
+          </a:prstGeom>
+          <a:ln w="19050">
+            <a:solidFill>
+              <a:schemeClr val="bg1">
+                <a:lumMod val="75000"/>
+              </a:schemeClr>
+            </a:solidFill>
+            <a:prstDash val="sysDot"/>
+            <a:headEnd type="none" w="med" len="med"/>
+            <a:tailEnd type="arrow" w="med" len="med"/>
+          </a:ln>
+          <a:effectLst/>
+        </p:spPr>
+        <p:style>
+          <a:lnRef idx="1">
+            <a:schemeClr val="accent2"/>
+          </a:lnRef>
+          <a:fillRef idx="2">
+            <a:schemeClr val="accent2"/>
+          </a:fillRef>
+          <a:effectRef idx="1">
+            <a:schemeClr val="accent2"/>
+          </a:effectRef>
+          <a:fontRef idx="minor">
+            <a:schemeClr val="dk1"/>
+          </a:fontRef>
+        </p:style>
+      </p:cxnSp>
+      <p:cxnSp>
+        <p:nvCxnSpPr>
+          <p:cNvPr id="77" name="Straight Connector 76">
+            <a:extLst>
+              <a:ext uri="{FF2B5EF4-FFF2-40B4-BE49-F238E27FC236}">
+                <a16:creationId xmlns:a16="http://schemas.microsoft.com/office/drawing/2014/main" id="{2E5080EF-F40D-4644-B9C7-FA66C1696F58}"/>
+              </a:ext>
+            </a:extLst>
+          </p:cNvPr>
+          <p:cNvCxnSpPr>
+            <a:stCxn id="72" idx="3"/>
+          </p:cNvCxnSpPr>
+          <p:nvPr/>
+        </p:nvCxnSpPr>
+        <p:spPr>
+          <a:xfrm flipV="1">
+            <a:off x="1556691" y="4883559"/>
+            <a:ext cx="216105" cy="1"/>
+          </a:xfrm>
+          <a:prstGeom prst="line">
+            <a:avLst/>
+          </a:prstGeom>
+          <a:ln w="19050">
+            <a:solidFill>
+              <a:srgbClr val="7030A0"/>
+            </a:solidFill>
+            <a:prstDash val="sysDot"/>
+            <a:headEnd type="none" w="med" len="med"/>
+            <a:tailEnd type="none" w="med" len="med"/>
+          </a:ln>
+          <a:effectLst/>
+        </p:spPr>
+        <p:style>
+          <a:lnRef idx="1">
+            <a:schemeClr val="accent2"/>
+          </a:lnRef>
+          <a:fillRef idx="2">
+            <a:schemeClr val="accent2"/>
+          </a:fillRef>
+          <a:effectRef idx="1">
+            <a:schemeClr val="accent2"/>
+          </a:effectRef>
+          <a:fontRef idx="minor">
+            <a:schemeClr val="dk1"/>
+          </a:fontRef>
+        </p:style>
+      </p:cxnSp>
+      <p:sp>
+        <p:nvSpPr>
+          <p:cNvPr id="87" name="Rectangle 8">
+            <a:extLst>
+              <a:ext uri="{FF2B5EF4-FFF2-40B4-BE49-F238E27FC236}">
+                <a16:creationId xmlns:a16="http://schemas.microsoft.com/office/drawing/2014/main" id="{3AC99979-71CD-4469-B703-1EC2CCEE8772}"/>
+              </a:ext>
+            </a:extLst>
+          </p:cNvPr>
+          <p:cNvSpPr/>
+          <p:nvPr/>
+        </p:nvSpPr>
+        <p:spPr>
+          <a:xfrm>
+            <a:off x="2532047" y="4689669"/>
+            <a:ext cx="1490560" cy="334856"/>
+          </a:xfrm>
+          <a:prstGeom prst="rect">
+            <a:avLst/>
+          </a:prstGeom>
+          <a:ln w="19050">
+            <a:solidFill>
+              <a:srgbClr val="7030A0"/>
+            </a:solidFill>
+          </a:ln>
+          <a:effectLst/>
+        </p:spPr>
+        <p:style>
+          <a:lnRef idx="1">
+            <a:schemeClr val="accent4"/>
+          </a:lnRef>
+          <a:fillRef idx="2">
+            <a:schemeClr val="accent4"/>
+          </a:fillRef>
+          <a:effectRef idx="1">
+            <a:schemeClr val="accent4"/>
+          </a:effectRef>
+          <a:fontRef idx="minor">
+            <a:schemeClr val="dk1"/>
+          </a:fontRef>
+        </p:style>
+        <p:txBody>
+          <a:bodyPr rtlCol="0" anchor="ctr"/>
+          <a:lstStyle/>
+          <a:p>
+            <a:pPr algn="ctr"/>
+            <a:r>
+              <a:rPr lang="en-US" sz="1050" dirty="0" err="1">
+                <a:solidFill>
+                  <a:srgbClr val="7030A0"/>
+                </a:solidFill>
+              </a:rPr>
+              <a:t>VersionedToDoList</a:t>
+            </a:r>
+            <a:endParaRPr lang="en-SG" sz="1050" dirty="0">
+              <a:solidFill>
+                <a:srgbClr val="7030A0"/>
+              </a:solidFill>
+            </a:endParaRPr>
+          </a:p>
+        </p:txBody>
+      </p:sp>
+      <p:cxnSp>
+        <p:nvCxnSpPr>
+          <p:cNvPr id="88" name="Straight Arrow Connector 87">
+            <a:extLst>
+              <a:ext uri="{FF2B5EF4-FFF2-40B4-BE49-F238E27FC236}">
+                <a16:creationId xmlns:a16="http://schemas.microsoft.com/office/drawing/2014/main" id="{68DC735D-B384-4700-A47F-4A5D4C95639F}"/>
+              </a:ext>
+            </a:extLst>
+          </p:cNvPr>
+          <p:cNvCxnSpPr>
+            <a:stCxn id="89" idx="3"/>
+            <a:endCxn id="87" idx="1"/>
+          </p:cNvCxnSpPr>
+          <p:nvPr/>
+        </p:nvCxnSpPr>
+        <p:spPr>
+          <a:xfrm>
+            <a:off x="2331127" y="4846540"/>
+            <a:ext cx="200920" cy="10557"/>
+          </a:xfrm>
+          <a:prstGeom prst="straightConnector1">
+            <a:avLst/>
+          </a:prstGeom>
+          <a:ln w="19050">
+            <a:solidFill>
+              <a:srgbClr val="7030A0"/>
+            </a:solidFill>
+            <a:headEnd type="none" w="med" len="med"/>
+            <a:tailEnd type="arrow" w="med" len="med"/>
+          </a:ln>
+          <a:effectLst/>
+        </p:spPr>
+        <p:style>
+          <a:lnRef idx="1">
+            <a:schemeClr val="accent2"/>
+          </a:lnRef>
+          <a:fillRef idx="2">
+            <a:schemeClr val="accent2"/>
+          </a:fillRef>
+          <a:effectRef idx="1">
+            <a:schemeClr val="accent2"/>
+          </a:effectRef>
+          <a:fontRef idx="minor">
+            <a:schemeClr val="dk1"/>
+          </a:fontRef>
+        </p:style>
+      </p:cxnSp>
+      <p:sp>
+        <p:nvSpPr>
+          <p:cNvPr id="89" name="Flowchart: Decision 96">
+            <a:extLst>
+              <a:ext uri="{FF2B5EF4-FFF2-40B4-BE49-F238E27FC236}">
+                <a16:creationId xmlns:a16="http://schemas.microsoft.com/office/drawing/2014/main" id="{14164E03-2CBB-4071-838E-1E4B2D8165F3}"/>
+              </a:ext>
+            </a:extLst>
+          </p:cNvPr>
+          <p:cNvSpPr/>
+          <p:nvPr/>
+        </p:nvSpPr>
+        <p:spPr>
+          <a:xfrm>
+            <a:off x="2095079" y="4759850"/>
+            <a:ext cx="236048" cy="173380"/>
+          </a:xfrm>
+          <a:prstGeom prst="flowChartDecision">
+            <a:avLst/>
+          </a:prstGeom>
+          <a:noFill/>
+          <a:ln w="19050">
+            <a:solidFill>
+              <a:srgbClr val="7030A0"/>
+            </a:solidFill>
+          </a:ln>
+          <a:effectLst/>
+        </p:spPr>
+        <p:style>
+          <a:lnRef idx="1">
+            <a:schemeClr val="accent6"/>
+          </a:lnRef>
+          <a:fillRef idx="2">
+            <a:schemeClr val="accent6"/>
+          </a:fillRef>
+          <a:effectRef idx="1">
+            <a:schemeClr val="accent6"/>
+          </a:effectRef>
+          <a:fontRef idx="minor">
+            <a:schemeClr val="dk1"/>
+          </a:fontRef>
+        </p:style>
+        <p:txBody>
+          <a:bodyPr rtlCol="0" anchor="ctr"/>
+          <a:lstStyle/>
+          <a:p>
+            <a:pPr algn="ctr"/>
+            <a:endParaRPr lang="en-US" sz="1050"/>
+          </a:p>
+        </p:txBody>
+      </p:sp>
+      <p:sp>
+        <p:nvSpPr>
+          <p:cNvPr id="90" name="Rectangle 8">
+            <a:extLst>
+              <a:ext uri="{FF2B5EF4-FFF2-40B4-BE49-F238E27FC236}">
+                <a16:creationId xmlns:a16="http://schemas.microsoft.com/office/drawing/2014/main" id="{A1FC14F8-D350-4C28-8BA8-A9FB088A280E}"/>
+              </a:ext>
+            </a:extLst>
+          </p:cNvPr>
+          <p:cNvSpPr/>
+          <p:nvPr/>
+        </p:nvSpPr>
+        <p:spPr>
+          <a:xfrm>
+            <a:off x="4399417" y="4689669"/>
+            <a:ext cx="1156969" cy="346760"/>
+          </a:xfrm>
+          <a:prstGeom prst="rect">
+            <a:avLst/>
+          </a:prstGeom>
+          <a:ln w="19050">
+            <a:solidFill>
+              <a:srgbClr val="7030A0"/>
+            </a:solidFill>
+          </a:ln>
+          <a:effectLst/>
+        </p:spPr>
+        <p:style>
+          <a:lnRef idx="1">
+            <a:schemeClr val="accent4"/>
+          </a:lnRef>
+          <a:fillRef idx="2">
+            <a:schemeClr val="accent4"/>
+          </a:fillRef>
+          <a:effectRef idx="1">
+            <a:schemeClr val="accent4"/>
+          </a:effectRef>
+          <a:fontRef idx="minor">
+            <a:schemeClr val="dk1"/>
+          </a:fontRef>
+        </p:style>
+        <p:txBody>
+          <a:bodyPr rtlCol="0" anchor="ctr"/>
+          <a:lstStyle/>
+          <a:p>
+            <a:pPr algn="ctr"/>
+            <a:r>
+              <a:rPr lang="en-US" sz="1050" dirty="0">
+                <a:solidFill>
+                  <a:srgbClr val="7030A0"/>
+                </a:solidFill>
+              </a:rPr>
+              <a:t>Unique</a:t>
+            </a:r>
+            <a:br>
+              <a:rPr lang="en-US" sz="1050" dirty="0">
+                <a:solidFill>
+                  <a:srgbClr val="7030A0"/>
+                </a:solidFill>
+              </a:rPr>
+            </a:br>
+            <a:r>
+              <a:rPr lang="en-US" sz="1050" dirty="0" err="1">
+                <a:solidFill>
+                  <a:srgbClr val="7030A0"/>
+                </a:solidFill>
+              </a:rPr>
+              <a:t>ToDoEventList</a:t>
+            </a:r>
+            <a:endParaRPr lang="en-SG" sz="1050" dirty="0">
+              <a:solidFill>
+                <a:srgbClr val="7030A0"/>
+              </a:solidFill>
+            </a:endParaRPr>
+          </a:p>
+        </p:txBody>
+      </p:sp>
+      <p:sp>
+        <p:nvSpPr>
+          <p:cNvPr id="91" name="Flowchart: Decision 96">
+            <a:extLst>
+              <a:ext uri="{FF2B5EF4-FFF2-40B4-BE49-F238E27FC236}">
+                <a16:creationId xmlns:a16="http://schemas.microsoft.com/office/drawing/2014/main" id="{21450865-A725-47A8-A4E8-468EB2B7149A}"/>
+              </a:ext>
+            </a:extLst>
+          </p:cNvPr>
+          <p:cNvSpPr/>
+          <p:nvPr/>
+        </p:nvSpPr>
+        <p:spPr>
+          <a:xfrm>
+            <a:off x="4031739" y="4764039"/>
+            <a:ext cx="236048" cy="173380"/>
+          </a:xfrm>
+          <a:prstGeom prst="flowChartDecision">
+            <a:avLst/>
+          </a:prstGeom>
+          <a:solidFill>
+            <a:srgbClr val="7030A0"/>
+          </a:solidFill>
+          <a:ln w="19050">
+            <a:solidFill>
+              <a:srgbClr val="7030A0"/>
+            </a:solidFill>
+          </a:ln>
+          <a:effectLst/>
+        </p:spPr>
+        <p:style>
+          <a:lnRef idx="1">
+            <a:schemeClr val="accent6"/>
+          </a:lnRef>
+          <a:fillRef idx="2">
+            <a:schemeClr val="accent6"/>
+          </a:fillRef>
+          <a:effectRef idx="1">
+            <a:schemeClr val="accent6"/>
+          </a:effectRef>
+          <a:fontRef idx="minor">
+            <a:schemeClr val="dk1"/>
+          </a:fontRef>
+        </p:style>
+        <p:txBody>
+          <a:bodyPr rtlCol="0" anchor="ctr"/>
+          <a:lstStyle/>
+          <a:p>
+            <a:pPr algn="ctr"/>
+            <a:endParaRPr lang="en-US" sz="1050"/>
+          </a:p>
+        </p:txBody>
+      </p:sp>
+      <p:sp>
+        <p:nvSpPr>
+          <p:cNvPr id="92" name="Rectangle 8">
+            <a:extLst>
+              <a:ext uri="{FF2B5EF4-FFF2-40B4-BE49-F238E27FC236}">
+                <a16:creationId xmlns:a16="http://schemas.microsoft.com/office/drawing/2014/main" id="{082BD429-B017-4841-AD89-68919EA1EDE9}"/>
+              </a:ext>
+            </a:extLst>
+          </p:cNvPr>
+          <p:cNvSpPr/>
+          <p:nvPr/>
+        </p:nvSpPr>
+        <p:spPr>
+          <a:xfrm>
+            <a:off x="6020444" y="4701573"/>
+            <a:ext cx="708186" cy="346760"/>
+          </a:xfrm>
+          <a:prstGeom prst="rect">
+            <a:avLst/>
+          </a:prstGeom>
+          <a:ln w="19050">
+            <a:solidFill>
+              <a:srgbClr val="7030A0"/>
+            </a:solidFill>
+          </a:ln>
+          <a:effectLst/>
+        </p:spPr>
+        <p:style>
+          <a:lnRef idx="1">
+            <a:schemeClr val="accent4"/>
+          </a:lnRef>
+          <a:fillRef idx="2">
+            <a:schemeClr val="accent4"/>
+          </a:fillRef>
+          <a:effectRef idx="1">
+            <a:schemeClr val="accent4"/>
+          </a:effectRef>
+          <a:fontRef idx="minor">
+            <a:schemeClr val="dk1"/>
+          </a:fontRef>
+        </p:style>
+        <p:txBody>
+          <a:bodyPr rtlCol="0" anchor="ctr"/>
+          <a:lstStyle/>
+          <a:p>
+            <a:pPr algn="ctr"/>
+            <a:r>
+              <a:rPr lang="en-US" sz="1050" dirty="0" err="1">
+                <a:solidFill>
+                  <a:srgbClr val="7030A0"/>
+                </a:solidFill>
+              </a:rPr>
+              <a:t>ToDoList</a:t>
+            </a:r>
+            <a:br>
+              <a:rPr lang="en-US" sz="1050" dirty="0">
+                <a:solidFill>
+                  <a:srgbClr val="7030A0"/>
+                </a:solidFill>
+              </a:rPr>
+            </a:br>
+            <a:r>
+              <a:rPr lang="en-US" sz="1050" dirty="0">
+                <a:solidFill>
+                  <a:srgbClr val="7030A0"/>
+                </a:solidFill>
+              </a:rPr>
+              <a:t>Event</a:t>
+            </a:r>
+            <a:endParaRPr lang="en-SG" sz="1050" dirty="0">
+              <a:solidFill>
+                <a:srgbClr val="7030A0"/>
+              </a:solidFill>
+            </a:endParaRPr>
+          </a:p>
+        </p:txBody>
+      </p:sp>
+      <p:sp>
+        <p:nvSpPr>
+          <p:cNvPr id="93" name="Flowchart: Decision 96">
+            <a:extLst>
+              <a:ext uri="{FF2B5EF4-FFF2-40B4-BE49-F238E27FC236}">
+                <a16:creationId xmlns:a16="http://schemas.microsoft.com/office/drawing/2014/main" id="{3583ACD8-4B7B-441D-A5F5-39BAC05550AD}"/>
+              </a:ext>
+            </a:extLst>
+          </p:cNvPr>
+          <p:cNvSpPr/>
+          <p:nvPr/>
+        </p:nvSpPr>
+        <p:spPr>
+          <a:xfrm>
+            <a:off x="5565518" y="4785183"/>
+            <a:ext cx="236048" cy="173380"/>
+          </a:xfrm>
+          <a:prstGeom prst="flowChartDecision">
+            <a:avLst/>
+          </a:prstGeom>
+          <a:noFill/>
+          <a:ln w="19050">
+            <a:solidFill>
+              <a:srgbClr val="7030A0"/>
+            </a:solidFill>
+          </a:ln>
+          <a:effectLst/>
+        </p:spPr>
+        <p:style>
+          <a:lnRef idx="1">
+            <a:schemeClr val="accent6"/>
+          </a:lnRef>
+          <a:fillRef idx="2">
+            <a:schemeClr val="accent6"/>
+          </a:fillRef>
+          <a:effectRef idx="1">
+            <a:schemeClr val="accent6"/>
+          </a:effectRef>
+          <a:fontRef idx="minor">
+            <a:schemeClr val="dk1"/>
+          </a:fontRef>
+        </p:style>
+        <p:txBody>
+          <a:bodyPr rtlCol="0" anchor="ctr"/>
+          <a:lstStyle/>
+          <a:p>
+            <a:pPr algn="ctr"/>
+            <a:endParaRPr lang="en-US" sz="1050"/>
+          </a:p>
+        </p:txBody>
+      </p:sp>
+      <p:cxnSp>
+        <p:nvCxnSpPr>
+          <p:cNvPr id="94" name="Elbow Connector 63">
+            <a:extLst>
+              <a:ext uri="{FF2B5EF4-FFF2-40B4-BE49-F238E27FC236}">
+                <a16:creationId xmlns:a16="http://schemas.microsoft.com/office/drawing/2014/main" id="{55D71627-369C-41AA-A4D2-3BDB1FFC593C}"/>
+              </a:ext>
+            </a:extLst>
+          </p:cNvPr>
+          <p:cNvCxnSpPr>
+            <a:stCxn id="93" idx="3"/>
+            <a:endCxn id="92" idx="1"/>
+          </p:cNvCxnSpPr>
+          <p:nvPr/>
+        </p:nvCxnSpPr>
+        <p:spPr>
+          <a:xfrm>
+            <a:off x="5801566" y="4871873"/>
+            <a:ext cx="218878" cy="3080"/>
+          </a:xfrm>
+          <a:prstGeom prst="bentConnector3">
+            <a:avLst/>
+          </a:prstGeom>
+          <a:ln w="19050">
+            <a:solidFill>
+              <a:srgbClr val="7030A0"/>
+            </a:solidFill>
+            <a:headEnd type="none" w="med" len="med"/>
+            <a:tailEnd type="arrow" w="med" len="med"/>
+          </a:ln>
+          <a:effectLst/>
+        </p:spPr>
+        <p:style>
+          <a:lnRef idx="1">
+            <a:schemeClr val="accent2"/>
+          </a:lnRef>
+          <a:fillRef idx="2">
+            <a:schemeClr val="accent2"/>
+          </a:fillRef>
+          <a:effectRef idx="1">
+            <a:schemeClr val="accent2"/>
+          </a:effectRef>
+          <a:fontRef idx="minor">
+            <a:schemeClr val="dk1"/>
+          </a:fontRef>
+        </p:style>
+      </p:cxnSp>
+      <p:sp>
+        <p:nvSpPr>
+          <p:cNvPr id="95" name="Rectangle 8">
+            <a:extLst>
+              <a:ext uri="{FF2B5EF4-FFF2-40B4-BE49-F238E27FC236}">
+                <a16:creationId xmlns:a16="http://schemas.microsoft.com/office/drawing/2014/main" id="{54F56653-D660-40D4-86E8-9981D52DF8E9}"/>
+              </a:ext>
+            </a:extLst>
+          </p:cNvPr>
+          <p:cNvSpPr/>
+          <p:nvPr/>
+        </p:nvSpPr>
+        <p:spPr>
+          <a:xfrm>
+            <a:off x="7419163" y="4407745"/>
+            <a:ext cx="804497" cy="285783"/>
+          </a:xfrm>
+          <a:prstGeom prst="rect">
+            <a:avLst/>
+          </a:prstGeom>
+          <a:ln w="19050">
+            <a:solidFill>
+              <a:srgbClr val="7030A0"/>
+            </a:solidFill>
+          </a:ln>
+          <a:effectLst/>
+        </p:spPr>
+        <p:style>
+          <a:lnRef idx="1">
+            <a:schemeClr val="accent4"/>
+          </a:lnRef>
+          <a:fillRef idx="2">
+            <a:schemeClr val="accent4"/>
+          </a:fillRef>
+          <a:effectRef idx="1">
+            <a:schemeClr val="accent4"/>
+          </a:effectRef>
+          <a:fontRef idx="minor">
+            <a:schemeClr val="dk1"/>
+          </a:fontRef>
+        </p:style>
+        <p:txBody>
+          <a:bodyPr rtlCol="0" anchor="ctr"/>
+          <a:lstStyle/>
+          <a:p>
+            <a:pPr algn="ctr"/>
+            <a:r>
+              <a:rPr lang="en-US" sz="1050" dirty="0">
+                <a:solidFill>
+                  <a:srgbClr val="7030A0"/>
+                </a:solidFill>
+              </a:rPr>
+              <a:t>Title</a:t>
+            </a:r>
+            <a:endParaRPr lang="en-SG" sz="1050" dirty="0">
+              <a:solidFill>
+                <a:srgbClr val="7030A0"/>
+              </a:solidFill>
+            </a:endParaRPr>
+          </a:p>
+        </p:txBody>
+      </p:sp>
+      <p:sp>
+        <p:nvSpPr>
+          <p:cNvPr id="96" name="Flowchart: Decision 96">
+            <a:extLst>
+              <a:ext uri="{FF2B5EF4-FFF2-40B4-BE49-F238E27FC236}">
+                <a16:creationId xmlns:a16="http://schemas.microsoft.com/office/drawing/2014/main" id="{A6F93594-E20F-4F84-9E68-01687229166B}"/>
+              </a:ext>
+            </a:extLst>
+          </p:cNvPr>
+          <p:cNvSpPr/>
+          <p:nvPr/>
+        </p:nvSpPr>
+        <p:spPr>
+          <a:xfrm>
+            <a:off x="6748714" y="4791708"/>
+            <a:ext cx="236048" cy="173380"/>
+          </a:xfrm>
+          <a:prstGeom prst="flowChartDecision">
+            <a:avLst/>
+          </a:prstGeom>
+          <a:solidFill>
+            <a:srgbClr val="7030A0"/>
+          </a:solidFill>
+          <a:ln w="19050">
+            <a:solidFill>
+              <a:srgbClr val="7030A0"/>
+            </a:solidFill>
+          </a:ln>
+          <a:effectLst/>
+        </p:spPr>
+        <p:style>
+          <a:lnRef idx="1">
+            <a:schemeClr val="accent6"/>
+          </a:lnRef>
+          <a:fillRef idx="2">
+            <a:schemeClr val="accent6"/>
+          </a:fillRef>
+          <a:effectRef idx="1">
+            <a:schemeClr val="accent6"/>
+          </a:effectRef>
+          <a:fontRef idx="minor">
+            <a:schemeClr val="dk1"/>
+          </a:fontRef>
+        </p:style>
+        <p:txBody>
+          <a:bodyPr rtlCol="0" anchor="ctr"/>
+          <a:lstStyle/>
+          <a:p>
+            <a:pPr algn="ctr"/>
+            <a:endParaRPr lang="en-US" sz="1050"/>
+          </a:p>
+        </p:txBody>
+      </p:sp>
+      <p:cxnSp>
+        <p:nvCxnSpPr>
+          <p:cNvPr id="98" name="Elbow Connector 78">
+            <a:extLst>
+              <a:ext uri="{FF2B5EF4-FFF2-40B4-BE49-F238E27FC236}">
+                <a16:creationId xmlns:a16="http://schemas.microsoft.com/office/drawing/2014/main" id="{EA1F398E-B717-4FB1-A311-FC0D2497E7D0}"/>
+              </a:ext>
+            </a:extLst>
+          </p:cNvPr>
+          <p:cNvCxnSpPr>
+            <a:cxnSpLocks/>
+          </p:cNvCxnSpPr>
+          <p:nvPr/>
+        </p:nvCxnSpPr>
+        <p:spPr>
+          <a:xfrm flipV="1">
+            <a:off x="6984762" y="4550328"/>
+            <a:ext cx="434402" cy="327761"/>
+          </a:xfrm>
+          <a:prstGeom prst="bentConnector3">
+            <a:avLst/>
+          </a:prstGeom>
+          <a:ln w="19050">
+            <a:solidFill>
+              <a:srgbClr val="7030A0"/>
+            </a:solidFill>
+            <a:headEnd type="none" w="med" len="med"/>
+            <a:tailEnd type="arrow" w="med" len="med"/>
+          </a:ln>
+          <a:effectLst/>
+        </p:spPr>
+        <p:style>
+          <a:lnRef idx="1">
+            <a:schemeClr val="accent2"/>
+          </a:lnRef>
+          <a:fillRef idx="2">
+            <a:schemeClr val="accent2"/>
+          </a:fillRef>
+          <a:effectRef idx="1">
+            <a:schemeClr val="accent2"/>
+          </a:effectRef>
+          <a:fontRef idx="minor">
+            <a:schemeClr val="dk1"/>
+          </a:fontRef>
+        </p:style>
+      </p:cxnSp>
+      <p:sp>
+        <p:nvSpPr>
+          <p:cNvPr id="101" name="Rectangle 8">
+            <a:extLst>
+              <a:ext uri="{FF2B5EF4-FFF2-40B4-BE49-F238E27FC236}">
+                <a16:creationId xmlns:a16="http://schemas.microsoft.com/office/drawing/2014/main" id="{F68C63D2-4A82-4602-9EB9-FB75C676E8FF}"/>
+              </a:ext>
+            </a:extLst>
+          </p:cNvPr>
+          <p:cNvSpPr/>
+          <p:nvPr/>
+        </p:nvSpPr>
+        <p:spPr>
+          <a:xfrm>
+            <a:off x="7419164" y="4730723"/>
+            <a:ext cx="804496" cy="285783"/>
+          </a:xfrm>
+          <a:prstGeom prst="rect">
+            <a:avLst/>
+          </a:prstGeom>
+          <a:ln w="19050">
+            <a:solidFill>
+              <a:srgbClr val="7030A0"/>
+            </a:solidFill>
+          </a:ln>
+          <a:effectLst/>
+        </p:spPr>
+        <p:style>
+          <a:lnRef idx="1">
+            <a:schemeClr val="accent4"/>
+          </a:lnRef>
+          <a:fillRef idx="2">
+            <a:schemeClr val="accent4"/>
+          </a:fillRef>
+          <a:effectRef idx="1">
+            <a:schemeClr val="accent4"/>
+          </a:effectRef>
+          <a:fontRef idx="minor">
+            <a:schemeClr val="dk1"/>
+          </a:fontRef>
+        </p:style>
+        <p:txBody>
+          <a:bodyPr rtlCol="0" anchor="ctr"/>
+          <a:lstStyle/>
+          <a:p>
+            <a:pPr algn="ctr"/>
+            <a:r>
+              <a:rPr lang="en-US" sz="1050" dirty="0">
+                <a:solidFill>
+                  <a:srgbClr val="7030A0"/>
+                </a:solidFill>
+              </a:rPr>
+              <a:t>Description</a:t>
+            </a:r>
+            <a:endParaRPr lang="en-SG" sz="1050" dirty="0">
+              <a:solidFill>
+                <a:srgbClr val="7030A0"/>
+              </a:solidFill>
+            </a:endParaRPr>
+          </a:p>
+        </p:txBody>
+      </p:sp>
+      <p:cxnSp>
+        <p:nvCxnSpPr>
+          <p:cNvPr id="102" name="Elbow Connector 80">
+            <a:extLst>
+              <a:ext uri="{FF2B5EF4-FFF2-40B4-BE49-F238E27FC236}">
+                <a16:creationId xmlns:a16="http://schemas.microsoft.com/office/drawing/2014/main" id="{671E1955-5F00-4770-913F-B7AF5AD4F7EA}"/>
+              </a:ext>
+            </a:extLst>
+          </p:cNvPr>
+          <p:cNvCxnSpPr>
+            <a:cxnSpLocks/>
+            <a:stCxn id="96" idx="3"/>
+            <a:endCxn id="101" idx="1"/>
+          </p:cNvCxnSpPr>
+          <p:nvPr/>
+        </p:nvCxnSpPr>
+        <p:spPr>
+          <a:xfrm flipV="1">
+            <a:off x="6984762" y="4873615"/>
+            <a:ext cx="434402" cy="4783"/>
+          </a:xfrm>
+          <a:prstGeom prst="bentConnector3">
+            <a:avLst/>
+          </a:prstGeom>
+          <a:ln w="19050">
+            <a:solidFill>
+              <a:srgbClr val="7030A0"/>
+            </a:solidFill>
+            <a:headEnd type="none" w="med" len="med"/>
+            <a:tailEnd type="arrow" w="med" len="med"/>
+          </a:ln>
+          <a:effectLst/>
+        </p:spPr>
+        <p:style>
+          <a:lnRef idx="1">
+            <a:schemeClr val="accent2"/>
+          </a:lnRef>
+          <a:fillRef idx="2">
+            <a:schemeClr val="accent2"/>
+          </a:fillRef>
+          <a:effectRef idx="1">
+            <a:schemeClr val="accent2"/>
+          </a:effectRef>
+          <a:fontRef idx="minor">
+            <a:schemeClr val="dk1"/>
+          </a:fontRef>
+        </p:style>
+      </p:cxnSp>
+      <p:sp>
+        <p:nvSpPr>
+          <p:cNvPr id="103" name="Rectangle 8">
+            <a:extLst>
+              <a:ext uri="{FF2B5EF4-FFF2-40B4-BE49-F238E27FC236}">
+                <a16:creationId xmlns:a16="http://schemas.microsoft.com/office/drawing/2014/main" id="{53150BB5-3309-43D2-BC6A-F3C0562638CF}"/>
+              </a:ext>
+            </a:extLst>
+          </p:cNvPr>
+          <p:cNvSpPr/>
+          <p:nvPr/>
+        </p:nvSpPr>
+        <p:spPr>
+          <a:xfrm>
+            <a:off x="7419163" y="5053701"/>
+            <a:ext cx="804495" cy="285783"/>
+          </a:xfrm>
+          <a:prstGeom prst="rect">
+            <a:avLst/>
+          </a:prstGeom>
+          <a:ln w="19050">
+            <a:solidFill>
+              <a:srgbClr val="7030A0"/>
+            </a:solidFill>
+          </a:ln>
+          <a:effectLst/>
+        </p:spPr>
+        <p:style>
+          <a:lnRef idx="1">
+            <a:schemeClr val="accent4"/>
+          </a:lnRef>
+          <a:fillRef idx="2">
+            <a:schemeClr val="accent4"/>
+          </a:fillRef>
+          <a:effectRef idx="1">
+            <a:schemeClr val="accent4"/>
+          </a:effectRef>
+          <a:fontRef idx="minor">
+            <a:schemeClr val="dk1"/>
+          </a:fontRef>
+        </p:style>
+        <p:txBody>
+          <a:bodyPr rtlCol="0" anchor="ctr"/>
+          <a:lstStyle/>
+          <a:p>
+            <a:pPr algn="ctr"/>
+            <a:r>
+              <a:rPr lang="en-US" sz="1050" dirty="0">
+                <a:solidFill>
+                  <a:srgbClr val="7030A0"/>
+                </a:solidFill>
+              </a:rPr>
+              <a:t>Priority</a:t>
+            </a:r>
+            <a:endParaRPr lang="en-SG" sz="1050" dirty="0">
+              <a:solidFill>
+                <a:srgbClr val="7030A0"/>
+              </a:solidFill>
+            </a:endParaRPr>
+          </a:p>
+        </p:txBody>
+      </p:sp>
+      <p:cxnSp>
+        <p:nvCxnSpPr>
+          <p:cNvPr id="104" name="Elbow Connector 83">
+            <a:extLst>
+              <a:ext uri="{FF2B5EF4-FFF2-40B4-BE49-F238E27FC236}">
+                <a16:creationId xmlns:a16="http://schemas.microsoft.com/office/drawing/2014/main" id="{2949C83F-44E5-4A5B-A157-58940A8E0E03}"/>
+              </a:ext>
+            </a:extLst>
+          </p:cNvPr>
+          <p:cNvCxnSpPr>
+            <a:cxnSpLocks/>
+            <a:stCxn id="96" idx="3"/>
+            <a:endCxn id="103" idx="1"/>
+          </p:cNvCxnSpPr>
+          <p:nvPr/>
+        </p:nvCxnSpPr>
+        <p:spPr>
+          <a:xfrm>
+            <a:off x="6984762" y="4878398"/>
+            <a:ext cx="434401" cy="318195"/>
+          </a:xfrm>
+          <a:prstGeom prst="bentConnector3">
+            <a:avLst/>
+          </a:prstGeom>
+          <a:ln w="19050">
+            <a:solidFill>
+              <a:srgbClr val="7030A0"/>
+            </a:solidFill>
+            <a:headEnd type="none" w="med" len="med"/>
+            <a:tailEnd type="arrow" w="med" len="med"/>
+          </a:ln>
+          <a:effectLst/>
+        </p:spPr>
+        <p:style>
+          <a:lnRef idx="1">
+            <a:schemeClr val="accent2"/>
+          </a:lnRef>
+          <a:fillRef idx="2">
+            <a:schemeClr val="accent2"/>
+          </a:fillRef>
+          <a:effectRef idx="1">
+            <a:schemeClr val="accent2"/>
+          </a:effectRef>
+          <a:fontRef idx="minor">
+            <a:schemeClr val="dk1"/>
+          </a:fontRef>
+        </p:style>
+      </p:cxnSp>
+      <p:cxnSp>
+        <p:nvCxnSpPr>
+          <p:cNvPr id="108" name="Elbow Connector 63">
+            <a:extLst>
+              <a:ext uri="{FF2B5EF4-FFF2-40B4-BE49-F238E27FC236}">
+                <a16:creationId xmlns:a16="http://schemas.microsoft.com/office/drawing/2014/main" id="{977A662F-4501-4B4E-A671-D86042C38F5A}"/>
+              </a:ext>
+            </a:extLst>
+          </p:cNvPr>
+          <p:cNvCxnSpPr>
+            <a:stCxn id="109" idx="3"/>
+          </p:cNvCxnSpPr>
+          <p:nvPr/>
+        </p:nvCxnSpPr>
+        <p:spPr>
+          <a:xfrm rot="5400000">
+            <a:off x="3260378" y="4531066"/>
+            <a:ext cx="293825" cy="5938"/>
+          </a:xfrm>
+          <a:prstGeom prst="bentConnector3">
+            <a:avLst>
+              <a:gd name="adj1" fmla="val 50000"/>
+            </a:avLst>
+          </a:prstGeom>
+          <a:ln w="19050">
+            <a:solidFill>
+              <a:srgbClr val="7030A0"/>
+            </a:solidFill>
+            <a:prstDash val="sysDot"/>
+            <a:headEnd type="none" w="med" len="med"/>
+            <a:tailEnd type="none" w="med" len="med"/>
+          </a:ln>
+          <a:effectLst/>
+        </p:spPr>
+        <p:style>
+          <a:lnRef idx="1">
+            <a:schemeClr val="accent2"/>
+          </a:lnRef>
+          <a:fillRef idx="2">
+            <a:schemeClr val="accent2"/>
+          </a:fillRef>
+          <a:effectRef idx="1">
+            <a:schemeClr val="accent2"/>
+          </a:effectRef>
+          <a:fontRef idx="minor">
+            <a:schemeClr val="dk1"/>
+          </a:fontRef>
+        </p:style>
+      </p:cxnSp>
+      <p:sp>
+        <p:nvSpPr>
+          <p:cNvPr id="109" name="Isosceles Triangle 102">
+            <a:extLst>
+              <a:ext uri="{FF2B5EF4-FFF2-40B4-BE49-F238E27FC236}">
+                <a16:creationId xmlns:a16="http://schemas.microsoft.com/office/drawing/2014/main" id="{4F794515-718B-46BD-B68B-9260E785356A}"/>
+              </a:ext>
+            </a:extLst>
+          </p:cNvPr>
+          <p:cNvSpPr/>
+          <p:nvPr/>
+        </p:nvSpPr>
+        <p:spPr>
+          <a:xfrm rot="10800000" flipV="1">
+            <a:off x="3269066" y="4230061"/>
+            <a:ext cx="282387" cy="157062"/>
+          </a:xfrm>
+          <a:prstGeom prst="triangle">
+            <a:avLst/>
+          </a:prstGeom>
+          <a:ln w="19050">
+            <a:solidFill>
+              <a:srgbClr val="7030A0"/>
+            </a:solidFill>
+          </a:ln>
+          <a:effectLst/>
+        </p:spPr>
+        <p:style>
+          <a:lnRef idx="1">
+            <a:schemeClr val="accent4"/>
+          </a:lnRef>
+          <a:fillRef idx="2">
+            <a:schemeClr val="accent4"/>
+          </a:fillRef>
+          <a:effectRef idx="1">
+            <a:schemeClr val="accent4"/>
+          </a:effectRef>
+          <a:fontRef idx="minor">
+            <a:schemeClr val="dk1"/>
+          </a:fontRef>
+        </p:style>
+        <p:txBody>
+          <a:bodyPr rtlCol="0" anchor="ctr"/>
+          <a:lstStyle/>
+          <a:p>
+            <a:pPr algn="ctr"/>
+            <a:endParaRPr lang="en-SG" sz="1050" b="1">
+              <a:solidFill>
+                <a:srgbClr val="92D050"/>
+              </a:solidFill>
+            </a:endParaRPr>
+          </a:p>
+        </p:txBody>
+      </p:sp>
+      <p:sp>
+        <p:nvSpPr>
+          <p:cNvPr id="110" name="Rectangle 8">
+            <a:extLst>
+              <a:ext uri="{FF2B5EF4-FFF2-40B4-BE49-F238E27FC236}">
+                <a16:creationId xmlns:a16="http://schemas.microsoft.com/office/drawing/2014/main" id="{C6B5F5F5-4B06-4178-8562-D802ECE80D63}"/>
+              </a:ext>
+            </a:extLst>
+          </p:cNvPr>
+          <p:cNvSpPr/>
+          <p:nvPr/>
+        </p:nvSpPr>
+        <p:spPr>
+          <a:xfrm>
+            <a:off x="967689" y="3841857"/>
+            <a:ext cx="1443661" cy="364396"/>
+          </a:xfrm>
+          <a:prstGeom prst="rect">
+            <a:avLst/>
+          </a:prstGeom>
+          <a:ln w="19050">
+            <a:solidFill>
+              <a:srgbClr val="7030A0"/>
+            </a:solidFill>
+          </a:ln>
+          <a:effectLst/>
+        </p:spPr>
+        <p:style>
+          <a:lnRef idx="1">
+            <a:schemeClr val="accent4"/>
+          </a:lnRef>
+          <a:fillRef idx="2">
+            <a:schemeClr val="accent4"/>
+          </a:fillRef>
+          <a:effectRef idx="1">
+            <a:schemeClr val="accent4"/>
+          </a:effectRef>
+          <a:fontRef idx="minor">
+            <a:schemeClr val="dk1"/>
+          </a:fontRef>
+        </p:style>
+        <p:txBody>
+          <a:bodyPr rtlCol="0" anchor="ctr"/>
+          <a:lstStyle/>
+          <a:p>
+            <a:pPr algn="ctr"/>
+            <a:r>
+              <a:rPr lang="en-US" sz="1050" dirty="0">
+                <a:solidFill>
+                  <a:srgbClr val="7030A0"/>
+                </a:solidFill>
+              </a:rPr>
+              <a:t>&lt;&lt;interface&gt;&gt;</a:t>
+            </a:r>
+            <a:br>
+              <a:rPr lang="en-US" sz="1050" dirty="0">
+                <a:solidFill>
+                  <a:srgbClr val="7030A0"/>
+                </a:solidFill>
+              </a:rPr>
+            </a:br>
+            <a:r>
+              <a:rPr lang="en-US" sz="1050" dirty="0" err="1">
+                <a:solidFill>
+                  <a:srgbClr val="7030A0"/>
+                </a:solidFill>
+              </a:rPr>
+              <a:t>ReadOnlyToDoList</a:t>
+            </a:r>
+            <a:endParaRPr lang="en-SG" sz="1050" dirty="0">
+              <a:solidFill>
+                <a:srgbClr val="7030A0"/>
+              </a:solidFill>
+            </a:endParaRPr>
+          </a:p>
+        </p:txBody>
+      </p:sp>
+      <p:sp>
+        <p:nvSpPr>
+          <p:cNvPr id="111" name="TextBox 110">
+            <a:extLst>
+              <a:ext uri="{FF2B5EF4-FFF2-40B4-BE49-F238E27FC236}">
+                <a16:creationId xmlns:a16="http://schemas.microsoft.com/office/drawing/2014/main" id="{4BE1F50C-6E59-4B2A-87CA-99EF63CDF05A}"/>
+              </a:ext>
+            </a:extLst>
+          </p:cNvPr>
+          <p:cNvSpPr txBox="1"/>
+          <p:nvPr/>
+        </p:nvSpPr>
+        <p:spPr>
+          <a:xfrm rot="16200000">
+            <a:off x="6069653" y="5429812"/>
+            <a:ext cx="881018" cy="261610"/>
+          </a:xfrm>
+          <a:prstGeom prst="rect">
+            <a:avLst/>
+          </a:prstGeom>
+          <a:noFill/>
+        </p:spPr>
+        <p:txBody>
+          <a:bodyPr wrap="square" rtlCol="0">
+            <a:spAutoFit/>
+          </a:bodyPr>
+          <a:lstStyle/>
+          <a:p>
+            <a:pPr algn="r"/>
+            <a:r>
+              <a:rPr lang="en-US" sz="1100" dirty="0">
+                <a:solidFill>
+                  <a:srgbClr val="7030A0"/>
+                </a:solidFill>
+              </a:rPr>
+              <a:t>filtered list</a:t>
+            </a:r>
+            <a:endParaRPr lang="en-SG" sz="1100" dirty="0">
+              <a:solidFill>
+                <a:srgbClr val="7030A0"/>
+              </a:solidFill>
+            </a:endParaRPr>
+          </a:p>
+        </p:txBody>
+      </p:sp>
+      <p:sp>
+        <p:nvSpPr>
+          <p:cNvPr id="112" name="Rectangle 8">
+            <a:extLst>
+              <a:ext uri="{FF2B5EF4-FFF2-40B4-BE49-F238E27FC236}">
+                <a16:creationId xmlns:a16="http://schemas.microsoft.com/office/drawing/2014/main" id="{B8A5CB37-1CA6-4DDE-B120-35F9FCF4C53D}"/>
+              </a:ext>
+            </a:extLst>
+          </p:cNvPr>
+          <p:cNvSpPr/>
+          <p:nvPr/>
+        </p:nvSpPr>
+        <p:spPr>
+          <a:xfrm>
+            <a:off x="1764168" y="6082998"/>
+            <a:ext cx="1066800" cy="346760"/>
+          </a:xfrm>
+          <a:prstGeom prst="rect">
+            <a:avLst/>
+          </a:prstGeom>
+          <a:ln w="19050">
+            <a:solidFill>
+              <a:srgbClr val="7030A0"/>
+            </a:solidFill>
+          </a:ln>
+          <a:effectLst/>
+        </p:spPr>
+        <p:style>
+          <a:lnRef idx="1">
+            <a:schemeClr val="accent4"/>
+          </a:lnRef>
+          <a:fillRef idx="2">
+            <a:schemeClr val="accent4"/>
+          </a:fillRef>
+          <a:effectRef idx="1">
+            <a:schemeClr val="accent4"/>
+          </a:effectRef>
+          <a:fontRef idx="minor">
+            <a:schemeClr val="dk1"/>
+          </a:fontRef>
+        </p:style>
+        <p:txBody>
+          <a:bodyPr rtlCol="0" anchor="ctr"/>
+          <a:lstStyle/>
+          <a:p>
+            <a:pPr algn="ctr"/>
+            <a:r>
+              <a:rPr lang="en-US" sz="1050" dirty="0">
+                <a:solidFill>
+                  <a:srgbClr val="7030A0"/>
+                </a:solidFill>
+              </a:rPr>
+              <a:t>&lt;&lt;interface&gt;&gt;</a:t>
+            </a:r>
+            <a:br>
+              <a:rPr lang="en-US" sz="1050">
+                <a:solidFill>
+                  <a:srgbClr val="7030A0"/>
+                </a:solidFill>
+              </a:rPr>
+            </a:br>
+            <a:r>
+              <a:rPr lang="en-US" sz="1050" dirty="0" err="1">
+                <a:solidFill>
+                  <a:srgbClr val="7030A0"/>
+                </a:solidFill>
+              </a:rPr>
+              <a:t>ObservableList</a:t>
+            </a:r>
+            <a:endParaRPr lang="en-SG" sz="1050" dirty="0">
+              <a:solidFill>
+                <a:srgbClr val="7030A0"/>
+              </a:solidFill>
+            </a:endParaRPr>
+          </a:p>
+        </p:txBody>
+      </p:sp>
+      <p:cxnSp>
+        <p:nvCxnSpPr>
+          <p:cNvPr id="113" name="Elbow Connector 122">
+            <a:extLst>
+              <a:ext uri="{FF2B5EF4-FFF2-40B4-BE49-F238E27FC236}">
+                <a16:creationId xmlns:a16="http://schemas.microsoft.com/office/drawing/2014/main" id="{8624D4A9-E426-4CA0-A283-8B785F215B7C}"/>
+              </a:ext>
+            </a:extLst>
+          </p:cNvPr>
+          <p:cNvCxnSpPr>
+            <a:stCxn id="71" idx="1"/>
+            <a:endCxn id="112" idx="1"/>
+          </p:cNvCxnSpPr>
+          <p:nvPr/>
+        </p:nvCxnSpPr>
+        <p:spPr>
+          <a:xfrm rot="16200000" flipH="1">
+            <a:off x="1071242" y="5563451"/>
+            <a:ext cx="831471" cy="554381"/>
+          </a:xfrm>
+          <a:prstGeom prst="bentConnector2">
+            <a:avLst/>
+          </a:prstGeom>
+          <a:ln w="19050">
+            <a:solidFill>
+              <a:srgbClr val="7030A0"/>
+            </a:solidFill>
+            <a:prstDash val="sysDot"/>
+            <a:headEnd type="none" w="med" len="med"/>
+            <a:tailEnd type="arrow" w="med" len="med"/>
+          </a:ln>
+          <a:effectLst/>
+        </p:spPr>
+        <p:style>
+          <a:lnRef idx="1">
+            <a:schemeClr val="accent2"/>
+          </a:lnRef>
+          <a:fillRef idx="2">
+            <a:schemeClr val="accent2"/>
+          </a:fillRef>
+          <a:effectRef idx="1">
+            <a:schemeClr val="accent2"/>
+          </a:effectRef>
+          <a:fontRef idx="minor">
+            <a:schemeClr val="dk1"/>
+          </a:fontRef>
+        </p:style>
+      </p:cxnSp>
+      <p:sp>
+        <p:nvSpPr>
+          <p:cNvPr id="115" name="TextBox 114">
+            <a:extLst>
+              <a:ext uri="{FF2B5EF4-FFF2-40B4-BE49-F238E27FC236}">
+                <a16:creationId xmlns:a16="http://schemas.microsoft.com/office/drawing/2014/main" id="{E4A80469-4B0E-4B04-999B-97F42F141E37}"/>
+              </a:ext>
+            </a:extLst>
+          </p:cNvPr>
+          <p:cNvSpPr txBox="1"/>
+          <p:nvPr/>
+        </p:nvSpPr>
+        <p:spPr>
+          <a:xfrm>
+            <a:off x="4136746" y="4954986"/>
+            <a:ext cx="189257" cy="178683"/>
+          </a:xfrm>
+          <a:prstGeom prst="rect">
+            <a:avLst/>
+          </a:prstGeom>
+          <a:noFill/>
+        </p:spPr>
+        <p:txBody>
+          <a:bodyPr wrap="square" lIns="0" tIns="0" rIns="0" bIns="0" rtlCol="0">
+            <a:noAutofit/>
+          </a:bodyPr>
+          <a:lstStyle/>
+          <a:p>
+            <a:pPr algn="ctr"/>
+            <a:r>
+              <a:rPr lang="en-US" sz="1100" dirty="0">
+                <a:solidFill>
+                  <a:srgbClr val="7030A0"/>
+                </a:solidFill>
+              </a:rPr>
+              <a:t>1</a:t>
+            </a:r>
+            <a:endParaRPr lang="en-SG" sz="1100" dirty="0">
+              <a:solidFill>
+                <a:srgbClr val="7030A0"/>
+              </a:solidFill>
+            </a:endParaRPr>
+          </a:p>
+        </p:txBody>
+      </p:sp>
+      <p:sp>
+        <p:nvSpPr>
+          <p:cNvPr id="116" name="TextBox 115">
+            <a:extLst>
+              <a:ext uri="{FF2B5EF4-FFF2-40B4-BE49-F238E27FC236}">
+                <a16:creationId xmlns:a16="http://schemas.microsoft.com/office/drawing/2014/main" id="{52A05B6D-690E-4B62-AA1E-561FA1E4B07C}"/>
+              </a:ext>
+            </a:extLst>
+          </p:cNvPr>
+          <p:cNvSpPr txBox="1"/>
+          <p:nvPr/>
+        </p:nvSpPr>
+        <p:spPr>
+          <a:xfrm>
+            <a:off x="5842023" y="4941424"/>
+            <a:ext cx="189257" cy="178683"/>
+          </a:xfrm>
+          <a:prstGeom prst="rect">
+            <a:avLst/>
+          </a:prstGeom>
+          <a:noFill/>
+        </p:spPr>
+        <p:txBody>
+          <a:bodyPr wrap="square" lIns="0" tIns="0" rIns="0" bIns="0" rtlCol="0">
+            <a:noAutofit/>
+          </a:bodyPr>
+          <a:lstStyle/>
+          <a:p>
+            <a:pPr algn="ctr"/>
+            <a:r>
+              <a:rPr lang="en-US" sz="1100" dirty="0">
+                <a:solidFill>
+                  <a:srgbClr val="7030A0"/>
+                </a:solidFill>
+              </a:rPr>
+              <a:t>*</a:t>
+            </a:r>
+            <a:endParaRPr lang="en-SG" sz="1100" dirty="0">
+              <a:solidFill>
+                <a:srgbClr val="7030A0"/>
+              </a:solidFill>
+            </a:endParaRPr>
+          </a:p>
+        </p:txBody>
+      </p:sp>
+      <p:sp>
+        <p:nvSpPr>
+          <p:cNvPr id="117" name="TextBox 116">
+            <a:extLst>
+              <a:ext uri="{FF2B5EF4-FFF2-40B4-BE49-F238E27FC236}">
+                <a16:creationId xmlns:a16="http://schemas.microsoft.com/office/drawing/2014/main" id="{8BF3A5C5-1119-4494-AB51-1F1FAEED4793}"/>
+              </a:ext>
+            </a:extLst>
+          </p:cNvPr>
+          <p:cNvSpPr txBox="1"/>
+          <p:nvPr/>
+        </p:nvSpPr>
+        <p:spPr>
+          <a:xfrm>
+            <a:off x="2280161" y="4600222"/>
+            <a:ext cx="170110" cy="137542"/>
+          </a:xfrm>
+          <a:prstGeom prst="rect">
+            <a:avLst/>
+          </a:prstGeom>
+          <a:noFill/>
+        </p:spPr>
+        <p:txBody>
+          <a:bodyPr wrap="square" lIns="0" tIns="0" rIns="0" bIns="0" rtlCol="0">
+            <a:noAutofit/>
+          </a:bodyPr>
+          <a:lstStyle/>
+          <a:p>
+            <a:pPr algn="ctr"/>
+            <a:r>
+              <a:rPr lang="en-US" sz="1100" dirty="0">
+                <a:solidFill>
+                  <a:srgbClr val="7030A0"/>
+                </a:solidFill>
+              </a:rPr>
+              <a:t>1</a:t>
+            </a:r>
+            <a:endParaRPr lang="en-SG" sz="1100" dirty="0">
+              <a:solidFill>
+                <a:srgbClr val="7030A0"/>
+              </a:solidFill>
+            </a:endParaRPr>
+          </a:p>
+        </p:txBody>
+      </p:sp>
+      <p:sp>
+        <p:nvSpPr>
+          <p:cNvPr id="123" name="TextBox 122">
+            <a:extLst>
+              <a:ext uri="{FF2B5EF4-FFF2-40B4-BE49-F238E27FC236}">
+                <a16:creationId xmlns:a16="http://schemas.microsoft.com/office/drawing/2014/main" id="{B29BFEC7-4789-4CFF-8F09-3F658B62B522}"/>
+              </a:ext>
+            </a:extLst>
+          </p:cNvPr>
+          <p:cNvSpPr txBox="1"/>
+          <p:nvPr/>
+        </p:nvSpPr>
+        <p:spPr>
+          <a:xfrm>
+            <a:off x="6156663" y="5048333"/>
+            <a:ext cx="189257" cy="178683"/>
+          </a:xfrm>
+          <a:prstGeom prst="rect">
+            <a:avLst/>
+          </a:prstGeom>
+          <a:noFill/>
+        </p:spPr>
+        <p:txBody>
+          <a:bodyPr wrap="square" lIns="0" tIns="0" rIns="0" bIns="0" rtlCol="0">
+            <a:noAutofit/>
+          </a:bodyPr>
+          <a:lstStyle/>
+          <a:p>
+            <a:pPr algn="ctr"/>
+            <a:r>
+              <a:rPr lang="en-US" sz="1100" dirty="0">
+                <a:solidFill>
+                  <a:srgbClr val="7030A0"/>
+                </a:solidFill>
+              </a:rPr>
+              <a:t>1</a:t>
+            </a:r>
+            <a:endParaRPr lang="en-SG" sz="1100" dirty="0">
+              <a:solidFill>
+                <a:srgbClr val="7030A0"/>
+              </a:solidFill>
+            </a:endParaRPr>
+          </a:p>
+        </p:txBody>
+      </p:sp>
+      <p:sp>
+        <p:nvSpPr>
+          <p:cNvPr id="128" name="Rectangle 8">
+            <a:extLst>
+              <a:ext uri="{FF2B5EF4-FFF2-40B4-BE49-F238E27FC236}">
+                <a16:creationId xmlns:a16="http://schemas.microsoft.com/office/drawing/2014/main" id="{3ACA7BAE-CB96-4EC9-BAD9-987E91FC0D5F}"/>
+              </a:ext>
+            </a:extLst>
+          </p:cNvPr>
+          <p:cNvSpPr/>
+          <p:nvPr/>
+        </p:nvSpPr>
+        <p:spPr>
+          <a:xfrm>
+            <a:off x="2876948" y="3841857"/>
+            <a:ext cx="1060683" cy="364396"/>
+          </a:xfrm>
+          <a:prstGeom prst="rect">
+            <a:avLst/>
+          </a:prstGeom>
+          <a:ln w="19050">
+            <a:solidFill>
+              <a:srgbClr val="7030A0"/>
+            </a:solidFill>
+          </a:ln>
+          <a:effectLst/>
+        </p:spPr>
+        <p:style>
+          <a:lnRef idx="1">
+            <a:schemeClr val="accent4"/>
+          </a:lnRef>
+          <a:fillRef idx="2">
+            <a:schemeClr val="accent4"/>
+          </a:fillRef>
+          <a:effectRef idx="1">
+            <a:schemeClr val="accent4"/>
+          </a:effectRef>
+          <a:fontRef idx="minor">
+            <a:schemeClr val="dk1"/>
+          </a:fontRef>
+        </p:style>
+        <p:txBody>
+          <a:bodyPr rtlCol="0" anchor="ctr"/>
+          <a:lstStyle/>
+          <a:p>
+            <a:pPr algn="ctr"/>
+            <a:r>
+              <a:rPr lang="en-US" sz="1050" dirty="0" err="1">
+                <a:solidFill>
+                  <a:srgbClr val="7030A0"/>
+                </a:solidFill>
+              </a:rPr>
+              <a:t>ToDoList</a:t>
+            </a:r>
+            <a:endParaRPr lang="en-SG" sz="1050" dirty="0">
+              <a:solidFill>
+                <a:srgbClr val="7030A0"/>
+              </a:solidFill>
+            </a:endParaRPr>
+          </a:p>
+        </p:txBody>
+      </p:sp>
+      <p:cxnSp>
+        <p:nvCxnSpPr>
+          <p:cNvPr id="129" name="Straight Arrow Connector 128">
+            <a:extLst>
+              <a:ext uri="{FF2B5EF4-FFF2-40B4-BE49-F238E27FC236}">
+                <a16:creationId xmlns:a16="http://schemas.microsoft.com/office/drawing/2014/main" id="{96DC4927-AD7F-4285-9957-1F9896CA7932}"/>
+              </a:ext>
+            </a:extLst>
+          </p:cNvPr>
+          <p:cNvCxnSpPr>
+            <a:stCxn id="91" idx="1"/>
+            <a:endCxn id="90" idx="1"/>
+          </p:cNvCxnSpPr>
+          <p:nvPr/>
+        </p:nvCxnSpPr>
+        <p:spPr>
+          <a:xfrm>
+            <a:off x="4031739" y="4850729"/>
+            <a:ext cx="367678" cy="12320"/>
+          </a:xfrm>
+          <a:prstGeom prst="straightConnector1">
+            <a:avLst/>
+          </a:prstGeom>
+          <a:ln w="19050">
+            <a:solidFill>
+              <a:srgbClr val="7030A0"/>
+            </a:solidFill>
+            <a:headEnd type="none" w="med" len="med"/>
+            <a:tailEnd type="arrow" w="med" len="med"/>
+          </a:ln>
+          <a:effectLst/>
+        </p:spPr>
+        <p:style>
+          <a:lnRef idx="1">
+            <a:schemeClr val="accent2"/>
+          </a:lnRef>
+          <a:fillRef idx="2">
+            <a:schemeClr val="accent2"/>
+          </a:fillRef>
+          <a:effectRef idx="1">
+            <a:schemeClr val="accent2"/>
+          </a:effectRef>
+          <a:fontRef idx="minor">
+            <a:schemeClr val="dk1"/>
+          </a:fontRef>
+        </p:style>
+      </p:cxnSp>
+      <p:sp>
+        <p:nvSpPr>
+          <p:cNvPr id="130" name="Isosceles Triangle 102">
+            <a:extLst>
+              <a:ext uri="{FF2B5EF4-FFF2-40B4-BE49-F238E27FC236}">
+                <a16:creationId xmlns:a16="http://schemas.microsoft.com/office/drawing/2014/main" id="{0EF4A6D4-2AE7-4F73-A650-8FC7DDF5154B}"/>
+              </a:ext>
+            </a:extLst>
+          </p:cNvPr>
+          <p:cNvSpPr/>
+          <p:nvPr/>
+        </p:nvSpPr>
+        <p:spPr>
+          <a:xfrm rot="16200000">
+            <a:off x="2375840" y="3912665"/>
+            <a:ext cx="271014" cy="187417"/>
+          </a:xfrm>
+          <a:prstGeom prst="triangle">
+            <a:avLst>
+              <a:gd name="adj" fmla="val 44517"/>
+            </a:avLst>
+          </a:prstGeom>
+          <a:solidFill>
+            <a:schemeClr val="accent4">
+              <a:lumMod val="20000"/>
+              <a:lumOff val="80000"/>
+            </a:schemeClr>
+          </a:solidFill>
+          <a:ln w="19050">
+            <a:solidFill>
+              <a:srgbClr val="7030A0"/>
+            </a:solidFill>
+          </a:ln>
+          <a:effectLst/>
+        </p:spPr>
+        <p:style>
+          <a:lnRef idx="1">
+            <a:schemeClr val="accent6"/>
+          </a:lnRef>
+          <a:fillRef idx="2">
+            <a:schemeClr val="accent6"/>
+          </a:fillRef>
+          <a:effectRef idx="1">
+            <a:schemeClr val="accent6"/>
+          </a:effectRef>
+          <a:fontRef idx="minor">
+            <a:schemeClr val="dk1"/>
+          </a:fontRef>
+        </p:style>
+        <p:txBody>
+          <a:bodyPr rtlCol="0" anchor="ctr"/>
+          <a:lstStyle/>
+          <a:p>
+            <a:pPr algn="ctr"/>
+            <a:endParaRPr lang="en-SG" sz="1050"/>
+          </a:p>
+        </p:txBody>
+      </p:sp>
+      <p:cxnSp>
+        <p:nvCxnSpPr>
+          <p:cNvPr id="131" name="Elbow Connector 63">
+            <a:extLst>
+              <a:ext uri="{FF2B5EF4-FFF2-40B4-BE49-F238E27FC236}">
+                <a16:creationId xmlns:a16="http://schemas.microsoft.com/office/drawing/2014/main" id="{A8C7D7EF-F5F7-493F-9568-6D8DF3337FBA}"/>
+              </a:ext>
+            </a:extLst>
+          </p:cNvPr>
+          <p:cNvCxnSpPr>
+            <a:stCxn id="130" idx="3"/>
+            <a:endCxn id="128" idx="1"/>
+          </p:cNvCxnSpPr>
+          <p:nvPr/>
+        </p:nvCxnSpPr>
+        <p:spPr>
+          <a:xfrm>
+            <a:off x="2605056" y="4021234"/>
+            <a:ext cx="271892" cy="2821"/>
+          </a:xfrm>
+          <a:prstGeom prst="bentConnector3">
+            <a:avLst>
+              <a:gd name="adj1" fmla="val 50000"/>
+            </a:avLst>
+          </a:prstGeom>
+          <a:ln w="19050">
+            <a:solidFill>
+              <a:srgbClr val="7030A0"/>
+            </a:solidFill>
+            <a:prstDash val="sysDot"/>
+            <a:headEnd type="none" w="med" len="med"/>
+            <a:tailEnd type="none" w="med" len="med"/>
+          </a:ln>
+          <a:effectLst/>
+        </p:spPr>
+        <p:style>
+          <a:lnRef idx="1">
+            <a:schemeClr val="accent2"/>
+          </a:lnRef>
+          <a:fillRef idx="2">
+            <a:schemeClr val="accent2"/>
+          </a:fillRef>
+          <a:effectRef idx="1">
+            <a:schemeClr val="accent2"/>
+          </a:effectRef>
+          <a:fontRef idx="minor">
+            <a:schemeClr val="dk1"/>
+          </a:fontRef>
+        </p:style>
+      </p:cxnSp>
+      <p:cxnSp>
+        <p:nvCxnSpPr>
+          <p:cNvPr id="132" name="Elbow Connector 63">
+            <a:extLst>
+              <a:ext uri="{FF2B5EF4-FFF2-40B4-BE49-F238E27FC236}">
+                <a16:creationId xmlns:a16="http://schemas.microsoft.com/office/drawing/2014/main" id="{702D314F-2672-4BFF-8B3E-9090023C14AD}"/>
+              </a:ext>
+            </a:extLst>
+          </p:cNvPr>
+          <p:cNvCxnSpPr>
+            <a:stCxn id="133" idx="3"/>
+          </p:cNvCxnSpPr>
+          <p:nvPr/>
+        </p:nvCxnSpPr>
+        <p:spPr>
+          <a:xfrm rot="5400000">
+            <a:off x="6222533" y="1715967"/>
+            <a:ext cx="293825" cy="5938"/>
+          </a:xfrm>
+          <a:prstGeom prst="bentConnector3">
+            <a:avLst>
+              <a:gd name="adj1" fmla="val 50000"/>
+            </a:avLst>
+          </a:prstGeom>
+          <a:ln w="19050">
+            <a:solidFill>
+              <a:srgbClr val="7030A0"/>
+            </a:solidFill>
+            <a:prstDash val="sysDot"/>
+            <a:headEnd type="none" w="med" len="med"/>
+            <a:tailEnd type="none" w="med" len="med"/>
+          </a:ln>
+          <a:effectLst/>
+        </p:spPr>
+        <p:style>
+          <a:lnRef idx="1">
+            <a:schemeClr val="accent2"/>
+          </a:lnRef>
+          <a:fillRef idx="2">
+            <a:schemeClr val="accent2"/>
+          </a:fillRef>
+          <a:effectRef idx="1">
+            <a:schemeClr val="accent2"/>
+          </a:effectRef>
+          <a:fontRef idx="minor">
+            <a:schemeClr val="dk1"/>
+          </a:fontRef>
+        </p:style>
+      </p:cxnSp>
+      <p:sp>
+        <p:nvSpPr>
+          <p:cNvPr id="133" name="Isosceles Triangle 102">
+            <a:extLst>
+              <a:ext uri="{FF2B5EF4-FFF2-40B4-BE49-F238E27FC236}">
+                <a16:creationId xmlns:a16="http://schemas.microsoft.com/office/drawing/2014/main" id="{B480E4D9-E884-431D-841C-CC96D1D0350E}"/>
+              </a:ext>
+            </a:extLst>
+          </p:cNvPr>
+          <p:cNvSpPr/>
+          <p:nvPr/>
+        </p:nvSpPr>
+        <p:spPr>
+          <a:xfrm rot="10800000" flipV="1">
+            <a:off x="6231221" y="1414962"/>
+            <a:ext cx="282387" cy="157062"/>
+          </a:xfrm>
+          <a:prstGeom prst="triangle">
+            <a:avLst/>
+          </a:prstGeom>
+          <a:ln w="19050">
+            <a:solidFill>
+              <a:srgbClr val="7030A0"/>
+            </a:solidFill>
+          </a:ln>
+          <a:effectLst/>
+        </p:spPr>
+        <p:style>
+          <a:lnRef idx="1">
+            <a:schemeClr val="accent4"/>
+          </a:lnRef>
+          <a:fillRef idx="2">
+            <a:schemeClr val="accent4"/>
+          </a:fillRef>
+          <a:effectRef idx="1">
+            <a:schemeClr val="accent4"/>
+          </a:effectRef>
+          <a:fontRef idx="minor">
+            <a:schemeClr val="dk1"/>
+          </a:fontRef>
+        </p:style>
+        <p:txBody>
+          <a:bodyPr rtlCol="0" anchor="ctr"/>
+          <a:lstStyle/>
+          <a:p>
+            <a:pPr algn="ctr"/>
+            <a:endParaRPr lang="en-SG" sz="1050" b="1">
+              <a:solidFill>
+                <a:srgbClr val="92D050"/>
+              </a:solidFill>
+            </a:endParaRPr>
+          </a:p>
+        </p:txBody>
+      </p:sp>
+      <p:sp>
+        <p:nvSpPr>
+          <p:cNvPr id="134" name="Rectangle 8">
+            <a:extLst>
+              <a:ext uri="{FF2B5EF4-FFF2-40B4-BE49-F238E27FC236}">
+                <a16:creationId xmlns:a16="http://schemas.microsoft.com/office/drawing/2014/main" id="{0F8A023E-1B83-407B-9671-57FADB873CD2}"/>
+              </a:ext>
+            </a:extLst>
+          </p:cNvPr>
+          <p:cNvSpPr/>
+          <p:nvPr/>
+        </p:nvSpPr>
+        <p:spPr>
+          <a:xfrm>
+            <a:off x="5839649" y="1016712"/>
+            <a:ext cx="1060683" cy="364396"/>
+          </a:xfrm>
+          <a:prstGeom prst="rect">
+            <a:avLst/>
+          </a:prstGeom>
+          <a:ln w="19050">
+            <a:solidFill>
+              <a:srgbClr val="7030A0"/>
+            </a:solidFill>
+          </a:ln>
+          <a:effectLst/>
+        </p:spPr>
+        <p:style>
+          <a:lnRef idx="1">
+            <a:schemeClr val="accent4"/>
+          </a:lnRef>
+          <a:fillRef idx="2">
+            <a:schemeClr val="accent4"/>
+          </a:fillRef>
+          <a:effectRef idx="1">
+            <a:schemeClr val="accent4"/>
+          </a:effectRef>
+          <a:fontRef idx="minor">
+            <a:schemeClr val="dk1"/>
+          </a:fontRef>
+        </p:style>
+        <p:txBody>
+          <a:bodyPr rtlCol="0" anchor="ctr"/>
+          <a:lstStyle/>
+          <a:p>
+            <a:pPr algn="ctr"/>
+            <a:r>
+              <a:rPr lang="en-US" sz="1050" dirty="0">
+                <a:solidFill>
+                  <a:srgbClr val="7030A0"/>
+                </a:solidFill>
+              </a:rPr>
+              <a:t>Appointment</a:t>
+            </a:r>
+            <a:br>
+              <a:rPr lang="en-US" sz="1050" dirty="0">
+                <a:solidFill>
+                  <a:srgbClr val="7030A0"/>
+                </a:solidFill>
+              </a:rPr>
+            </a:br>
+            <a:r>
+              <a:rPr lang="en-US" sz="1050" dirty="0" err="1">
+                <a:solidFill>
+                  <a:srgbClr val="7030A0"/>
+                </a:solidFill>
+              </a:rPr>
+              <a:t>ImplLocal</a:t>
+            </a:r>
+            <a:endParaRPr lang="en-SG" sz="1050" dirty="0">
+              <a:solidFill>
+                <a:srgbClr val="7030A0"/>
+              </a:solidFill>
+            </a:endParaRPr>
+          </a:p>
+        </p:txBody>
+      </p:sp>
     </p:spTree>
     <p:extLst>
       <p:ext uri="{BB962C8B-B14F-4D97-AF65-F5344CB8AC3E}">

--- a/docs/diagrams/ModelComponentClassDiagram.pptx
+++ b/docs/diagrams/ModelComponentClassDiagram.pptx
@@ -208,7 +208,7 @@
           <a:p>
             <a:fld id="{F5CC4B3F-88C1-4FFA-B1B6-F41C21DC6924}" type="datetimeFigureOut">
               <a:rPr lang="en-US" smtClean="0"/>
-              <a:t>10/29/18</a:t>
+              <a:t>11/11/18</a:t>
             </a:fld>
             <a:endParaRPr lang="en-US"/>
           </a:p>
@@ -654,7 +654,7 @@
           <a:p>
             <a:fld id="{78C97017-6FC3-485B-9764-EAC9E56C1D49}" type="datetimeFigureOut">
               <a:rPr lang="en-US" smtClean="0"/>
-              <a:t>10/29/18</a:t>
+              <a:t>11/11/18</a:t>
             </a:fld>
             <a:endParaRPr lang="en-US"/>
           </a:p>
@@ -822,7 +822,7 @@
           <a:p>
             <a:fld id="{78C97017-6FC3-485B-9764-EAC9E56C1D49}" type="datetimeFigureOut">
               <a:rPr lang="en-US" smtClean="0"/>
-              <a:t>10/29/18</a:t>
+              <a:t>11/11/18</a:t>
             </a:fld>
             <a:endParaRPr lang="en-US"/>
           </a:p>
@@ -1000,7 +1000,7 @@
           <a:p>
             <a:fld id="{78C97017-6FC3-485B-9764-EAC9E56C1D49}" type="datetimeFigureOut">
               <a:rPr lang="en-US" smtClean="0"/>
-              <a:t>10/29/18</a:t>
+              <a:t>11/11/18</a:t>
             </a:fld>
             <a:endParaRPr lang="en-US"/>
           </a:p>
@@ -1168,7 +1168,7 @@
           <a:p>
             <a:fld id="{78C97017-6FC3-485B-9764-EAC9E56C1D49}" type="datetimeFigureOut">
               <a:rPr lang="en-US" smtClean="0"/>
-              <a:t>10/29/18</a:t>
+              <a:t>11/11/18</a:t>
             </a:fld>
             <a:endParaRPr lang="en-US"/>
           </a:p>
@@ -1413,7 +1413,7 @@
           <a:p>
             <a:fld id="{78C97017-6FC3-485B-9764-EAC9E56C1D49}" type="datetimeFigureOut">
               <a:rPr lang="en-US" smtClean="0"/>
-              <a:t>10/29/18</a:t>
+              <a:t>11/11/18</a:t>
             </a:fld>
             <a:endParaRPr lang="en-US"/>
           </a:p>
@@ -1698,7 +1698,7 @@
           <a:p>
             <a:fld id="{78C97017-6FC3-485B-9764-EAC9E56C1D49}" type="datetimeFigureOut">
               <a:rPr lang="en-US" smtClean="0"/>
-              <a:t>10/29/18</a:t>
+              <a:t>11/11/18</a:t>
             </a:fld>
             <a:endParaRPr lang="en-US"/>
           </a:p>
@@ -2117,7 +2117,7 @@
           <a:p>
             <a:fld id="{78C97017-6FC3-485B-9764-EAC9E56C1D49}" type="datetimeFigureOut">
               <a:rPr lang="en-US" smtClean="0"/>
-              <a:t>10/29/18</a:t>
+              <a:t>11/11/18</a:t>
             </a:fld>
             <a:endParaRPr lang="en-US"/>
           </a:p>
@@ -2234,7 +2234,7 @@
           <a:p>
             <a:fld id="{78C97017-6FC3-485B-9764-EAC9E56C1D49}" type="datetimeFigureOut">
               <a:rPr lang="en-US" smtClean="0"/>
-              <a:t>10/29/18</a:t>
+              <a:t>11/11/18</a:t>
             </a:fld>
             <a:endParaRPr lang="en-US"/>
           </a:p>
@@ -2329,7 +2329,7 @@
           <a:p>
             <a:fld id="{78C97017-6FC3-485B-9764-EAC9E56C1D49}" type="datetimeFigureOut">
               <a:rPr lang="en-US" smtClean="0"/>
-              <a:t>10/29/18</a:t>
+              <a:t>11/11/18</a:t>
             </a:fld>
             <a:endParaRPr lang="en-US"/>
           </a:p>
@@ -2604,7 +2604,7 @@
           <a:p>
             <a:fld id="{78C97017-6FC3-485B-9764-EAC9E56C1D49}" type="datetimeFigureOut">
               <a:rPr lang="en-US" smtClean="0"/>
-              <a:t>10/29/18</a:t>
+              <a:t>11/11/18</a:t>
             </a:fld>
             <a:endParaRPr lang="en-US"/>
           </a:p>
@@ -2856,7 +2856,7 @@
           <a:p>
             <a:fld id="{78C97017-6FC3-485B-9764-EAC9E56C1D49}" type="datetimeFigureOut">
               <a:rPr lang="en-US" smtClean="0"/>
-              <a:t>10/29/18</a:t>
+              <a:t>11/11/18</a:t>
             </a:fld>
             <a:endParaRPr lang="en-US"/>
           </a:p>
@@ -3067,7 +3067,7 @@
           <a:p>
             <a:fld id="{78C97017-6FC3-485B-9764-EAC9E56C1D49}" type="datetimeFigureOut">
               <a:rPr lang="en-US" smtClean="0"/>
-              <a:t>10/29/18</a:t>
+              <a:t>11/11/18</a:t>
             </a:fld>
             <a:endParaRPr lang="en-US"/>
           </a:p>
@@ -5855,10 +5855,10 @@
       </p:cxnSp>
       <p:sp>
         <p:nvSpPr>
-          <p:cNvPr id="71" name="TextBox 70">
+          <p:cNvPr id="72" name="TextBox 71">
             <a:extLst>
               <a:ext uri="{FF2B5EF4-FFF2-40B4-BE49-F238E27FC236}">
-                <a16:creationId xmlns:a16="http://schemas.microsoft.com/office/drawing/2014/main" id="{18CCA75B-7859-A747-9C78-7B2DE7C77B82}"/>
+                <a16:creationId xmlns:a16="http://schemas.microsoft.com/office/drawing/2014/main" id="{B51558DC-A788-884A-945C-E539802FC220}"/>
               </a:ext>
             </a:extLst>
           </p:cNvPr>
@@ -5867,8 +5867,188 @@
         </p:nvSpPr>
         <p:spPr>
           <a:xfrm>
-            <a:off x="7467600" y="4365618"/>
-            <a:ext cx="189257" cy="134247"/>
+            <a:off x="7471315" y="3569104"/>
+            <a:ext cx="189257" cy="178683"/>
+          </a:xfrm>
+          <a:prstGeom prst="rect">
+            <a:avLst/>
+          </a:prstGeom>
+          <a:noFill/>
+        </p:spPr>
+        <p:txBody>
+          <a:bodyPr wrap="square" lIns="0" tIns="0" rIns="0" bIns="0" rtlCol="0">
+            <a:noAutofit/>
+          </a:bodyPr>
+          <a:lstStyle/>
+          <a:p>
+            <a:pPr algn="ctr"/>
+            <a:r>
+              <a:rPr lang="en-US" sz="1100" dirty="0">
+                <a:solidFill>
+                  <a:srgbClr val="7030A0"/>
+                </a:solidFill>
+              </a:rPr>
+              <a:t>*</a:t>
+            </a:r>
+            <a:endParaRPr lang="en-SG" sz="1100" dirty="0">
+              <a:solidFill>
+                <a:srgbClr val="7030A0"/>
+              </a:solidFill>
+            </a:endParaRPr>
+          </a:p>
+        </p:txBody>
+      </p:sp>
+      <p:sp>
+        <p:nvSpPr>
+          <p:cNvPr id="73" name="TextBox 72">
+            <a:extLst>
+              <a:ext uri="{FF2B5EF4-FFF2-40B4-BE49-F238E27FC236}">
+                <a16:creationId xmlns:a16="http://schemas.microsoft.com/office/drawing/2014/main" id="{AB36D6A6-0E56-324A-9B98-8FEB25B51B22}"/>
+              </a:ext>
+            </a:extLst>
+          </p:cNvPr>
+          <p:cNvSpPr txBox="1"/>
+          <p:nvPr/>
+        </p:nvSpPr>
+        <p:spPr>
+          <a:xfrm>
+            <a:off x="7466243" y="3226715"/>
+            <a:ext cx="189257" cy="178683"/>
+          </a:xfrm>
+          <a:prstGeom prst="rect">
+            <a:avLst/>
+          </a:prstGeom>
+          <a:noFill/>
+        </p:spPr>
+        <p:txBody>
+          <a:bodyPr wrap="square" lIns="0" tIns="0" rIns="0" bIns="0" rtlCol="0">
+            <a:noAutofit/>
+          </a:bodyPr>
+          <a:lstStyle/>
+          <a:p>
+            <a:pPr algn="ctr"/>
+            <a:r>
+              <a:rPr lang="en-US" sz="1100" dirty="0">
+                <a:solidFill>
+                  <a:srgbClr val="7030A0"/>
+                </a:solidFill>
+              </a:rPr>
+              <a:t>*</a:t>
+            </a:r>
+            <a:endParaRPr lang="en-SG" sz="1100" dirty="0">
+              <a:solidFill>
+                <a:srgbClr val="7030A0"/>
+              </a:solidFill>
+            </a:endParaRPr>
+          </a:p>
+        </p:txBody>
+      </p:sp>
+      <p:sp>
+        <p:nvSpPr>
+          <p:cNvPr id="74" name="TextBox 73">
+            <a:extLst>
+              <a:ext uri="{FF2B5EF4-FFF2-40B4-BE49-F238E27FC236}">
+                <a16:creationId xmlns:a16="http://schemas.microsoft.com/office/drawing/2014/main" id="{AD40CE73-E00B-5446-9DD1-3CE423DCA73E}"/>
+              </a:ext>
+            </a:extLst>
+          </p:cNvPr>
+          <p:cNvSpPr txBox="1"/>
+          <p:nvPr/>
+        </p:nvSpPr>
+        <p:spPr>
+          <a:xfrm>
+            <a:off x="7466243" y="3897632"/>
+            <a:ext cx="189257" cy="178683"/>
+          </a:xfrm>
+          <a:prstGeom prst="rect">
+            <a:avLst/>
+          </a:prstGeom>
+          <a:noFill/>
+        </p:spPr>
+        <p:txBody>
+          <a:bodyPr wrap="square" lIns="0" tIns="0" rIns="0" bIns="0" rtlCol="0">
+            <a:noAutofit/>
+          </a:bodyPr>
+          <a:lstStyle/>
+          <a:p>
+            <a:pPr algn="ctr"/>
+            <a:r>
+              <a:rPr lang="en-US" sz="1100" dirty="0">
+                <a:solidFill>
+                  <a:srgbClr val="7030A0"/>
+                </a:solidFill>
+              </a:rPr>
+              <a:t>*</a:t>
+            </a:r>
+            <a:endParaRPr lang="en-SG" sz="1100" dirty="0">
+              <a:solidFill>
+                <a:srgbClr val="7030A0"/>
+              </a:solidFill>
+            </a:endParaRPr>
+          </a:p>
+        </p:txBody>
+      </p:sp>
+      <p:sp>
+        <p:nvSpPr>
+          <p:cNvPr id="77" name="TextBox 76">
+            <a:extLst>
+              <a:ext uri="{FF2B5EF4-FFF2-40B4-BE49-F238E27FC236}">
+                <a16:creationId xmlns:a16="http://schemas.microsoft.com/office/drawing/2014/main" id="{62958F7C-3819-A942-BE2C-2D1B0BE98CEA}"/>
+              </a:ext>
+            </a:extLst>
+          </p:cNvPr>
+          <p:cNvSpPr txBox="1"/>
+          <p:nvPr/>
+        </p:nvSpPr>
+        <p:spPr>
+          <a:xfrm>
+            <a:off x="7467600" y="4214952"/>
+            <a:ext cx="189257" cy="178683"/>
+          </a:xfrm>
+          <a:prstGeom prst="rect">
+            <a:avLst/>
+          </a:prstGeom>
+          <a:noFill/>
+        </p:spPr>
+        <p:txBody>
+          <a:bodyPr wrap="square" lIns="0" tIns="0" rIns="0" bIns="0" rtlCol="0">
+            <a:noAutofit/>
+          </a:bodyPr>
+          <a:lstStyle/>
+          <a:p>
+            <a:pPr algn="ctr"/>
+            <a:r>
+              <a:rPr lang="en-US" sz="1100" dirty="0">
+                <a:solidFill>
+                  <a:srgbClr val="7030A0"/>
+                </a:solidFill>
+              </a:rPr>
+              <a:t>*</a:t>
+            </a:r>
+            <a:endParaRPr lang="en-SG" sz="1100" dirty="0">
+              <a:solidFill>
+                <a:srgbClr val="7030A0"/>
+              </a:solidFill>
+            </a:endParaRPr>
+          </a:p>
+        </p:txBody>
+      </p:sp>
+      <p:sp>
+        <p:nvSpPr>
+          <p:cNvPr id="82" name="TextBox 81">
+            <a:extLst>
+              <a:ext uri="{FF2B5EF4-FFF2-40B4-BE49-F238E27FC236}">
+                <a16:creationId xmlns:a16="http://schemas.microsoft.com/office/drawing/2014/main" id="{16942ECC-6F8F-B947-8701-57BDC43EE2F9}"/>
+              </a:ext>
+            </a:extLst>
+          </p:cNvPr>
+          <p:cNvSpPr txBox="1"/>
+          <p:nvPr/>
+        </p:nvSpPr>
+        <p:spPr>
+          <a:xfrm>
+            <a:off x="7466243" y="2930200"/>
+            <a:ext cx="189257" cy="178683"/>
           </a:xfrm>
           <a:prstGeom prst="rect">
             <a:avLst/>

--- a/docs/diagrams/ModelComponentClassDiagram.pptx
+++ b/docs/diagrams/ModelComponentClassDiagram.pptx
@@ -3451,7 +3451,7 @@
         <p:spPr>
           <a:xfrm>
             <a:off x="1119865" y="1600200"/>
-            <a:ext cx="7490735" cy="3124200"/>
+            <a:ext cx="7566935" cy="3124200"/>
           </a:xfrm>
           <a:prstGeom prst="roundRect">
             <a:avLst>
@@ -4348,7 +4348,7 @@
         </p:nvSpPr>
         <p:spPr>
           <a:xfrm>
-            <a:off x="7712397" y="2564238"/>
+            <a:off x="7774474" y="2564238"/>
             <a:ext cx="708186" cy="285783"/>
           </a:xfrm>
           <a:prstGeom prst="rect">
@@ -4448,16 +4448,19 @@
           <p:cNvPr id="79" name="Elbow Connector 78"/>
           <p:cNvCxnSpPr>
             <a:cxnSpLocks/>
+            <a:endCxn id="76" idx="1"/>
           </p:cNvCxnSpPr>
           <p:nvPr/>
         </p:nvCxnSpPr>
         <p:spPr>
           <a:xfrm flipV="1">
-            <a:off x="7277995" y="2706821"/>
-            <a:ext cx="434402" cy="327761"/>
+            <a:off x="7150055" y="2707130"/>
+            <a:ext cx="624419" cy="327454"/>
           </a:xfrm>
           <a:prstGeom prst="bentConnector3">
-            <a:avLst/>
+            <a:avLst>
+              <a:gd name="adj1" fmla="val 50073"/>
+            </a:avLst>
           </a:prstGeom>
           <a:ln w="19050">
             <a:solidFill>
@@ -4491,7 +4494,7 @@
         </p:nvSpPr>
         <p:spPr>
           <a:xfrm>
-            <a:off x="7712397" y="2887216"/>
+            <a:off x="7774474" y="2891690"/>
             <a:ext cx="708186" cy="285783"/>
           </a:xfrm>
           <a:prstGeom prst="rect">
@@ -4550,8 +4553,8 @@
         </p:nvCxnSpPr>
         <p:spPr>
           <a:xfrm flipV="1">
-            <a:off x="7277995" y="3030108"/>
-            <a:ext cx="434402" cy="4783"/>
+            <a:off x="7277995" y="3034582"/>
+            <a:ext cx="496479" cy="309"/>
           </a:xfrm>
           <a:prstGeom prst="bentConnector3">
             <a:avLst/>
@@ -4588,7 +4591,7 @@
         </p:nvSpPr>
         <p:spPr>
           <a:xfrm>
-            <a:off x="7712397" y="3210194"/>
+            <a:off x="7774474" y="3210194"/>
             <a:ext cx="708186" cy="285783"/>
           </a:xfrm>
           <a:prstGeom prst="rect">
@@ -4648,10 +4651,12 @@
         <p:spPr>
           <a:xfrm>
             <a:off x="7277995" y="3034891"/>
-            <a:ext cx="434402" cy="318195"/>
+            <a:ext cx="496479" cy="318195"/>
           </a:xfrm>
           <a:prstGeom prst="bentConnector3">
-            <a:avLst/>
+            <a:avLst>
+              <a:gd name="adj1" fmla="val 36750"/>
+            </a:avLst>
           </a:prstGeom>
           <a:ln w="19050">
             <a:solidFill>
@@ -4685,7 +4690,7 @@
         </p:nvSpPr>
         <p:spPr>
           <a:xfrm>
-            <a:off x="7712397" y="3533171"/>
+            <a:off x="7774474" y="3533171"/>
             <a:ext cx="708186" cy="285783"/>
           </a:xfrm>
           <a:prstGeom prst="rect">
@@ -4745,10 +4750,12 @@
         <p:spPr>
           <a:xfrm>
             <a:off x="7277995" y="3034891"/>
-            <a:ext cx="434402" cy="641172"/>
+            <a:ext cx="496479" cy="641172"/>
           </a:xfrm>
           <a:prstGeom prst="bentConnector3">
-            <a:avLst/>
+            <a:avLst>
+              <a:gd name="adj1" fmla="val 36750"/>
+            </a:avLst>
           </a:prstGeom>
           <a:ln w="19050">
             <a:solidFill>
@@ -5297,7 +5304,7 @@
         </p:nvSpPr>
         <p:spPr>
           <a:xfrm>
-            <a:off x="7712397" y="2228817"/>
+            <a:off x="7774474" y="2228817"/>
             <a:ext cx="708186" cy="285783"/>
           </a:xfrm>
           <a:prstGeom prst="rect">
@@ -5364,11 +5371,11 @@
         <p:spPr>
           <a:xfrm flipV="1">
             <a:off x="7277995" y="2371709"/>
-            <a:ext cx="434402" cy="663182"/>
+            <a:ext cx="496479" cy="663182"/>
           </a:xfrm>
           <a:prstGeom prst="bentConnector3">
             <a:avLst>
-              <a:gd name="adj1" fmla="val 50000"/>
+              <a:gd name="adj1" fmla="val 36750"/>
             </a:avLst>
           </a:prstGeom>
           <a:ln w="19050">
@@ -5647,7 +5654,7 @@
         </p:nvSpPr>
         <p:spPr>
           <a:xfrm>
-            <a:off x="7710323" y="3875891"/>
+            <a:off x="7772400" y="3875891"/>
             <a:ext cx="708186" cy="285783"/>
           </a:xfrm>
           <a:prstGeom prst="rect">
@@ -5714,10 +5721,12 @@
         <p:spPr>
           <a:xfrm>
             <a:off x="7277995" y="3034891"/>
-            <a:ext cx="432328" cy="983892"/>
+            <a:ext cx="494405" cy="983892"/>
           </a:xfrm>
           <a:prstGeom prst="bentConnector3">
-            <a:avLst/>
+            <a:avLst>
+              <a:gd name="adj1" fmla="val 36694"/>
+            </a:avLst>
           </a:prstGeom>
           <a:ln w="19050">
             <a:solidFill>
@@ -5757,7 +5766,7 @@
         </p:nvSpPr>
         <p:spPr>
           <a:xfrm>
-            <a:off x="7710323" y="4198022"/>
+            <a:off x="7772400" y="4198022"/>
             <a:ext cx="708186" cy="285783"/>
           </a:xfrm>
           <a:prstGeom prst="rect">
@@ -5824,10 +5833,12 @@
         <p:spPr>
           <a:xfrm>
             <a:off x="7277995" y="3034891"/>
-            <a:ext cx="432328" cy="1306023"/>
+            <a:ext cx="494405" cy="1306023"/>
           </a:xfrm>
           <a:prstGeom prst="bentConnector3">
-            <a:avLst/>
+            <a:avLst>
+              <a:gd name="adj1" fmla="val 36694"/>
+            </a:avLst>
           </a:prstGeom>
           <a:ln w="19050">
             <a:solidFill>
@@ -5855,186 +5866,6 @@
       </p:cxnSp>
       <p:sp>
         <p:nvSpPr>
-          <p:cNvPr id="72" name="TextBox 71">
-            <a:extLst>
-              <a:ext uri="{FF2B5EF4-FFF2-40B4-BE49-F238E27FC236}">
-                <a16:creationId xmlns:a16="http://schemas.microsoft.com/office/drawing/2014/main" id="{B51558DC-A788-884A-945C-E539802FC220}"/>
-              </a:ext>
-            </a:extLst>
-          </p:cNvPr>
-          <p:cNvSpPr txBox="1"/>
-          <p:nvPr/>
-        </p:nvSpPr>
-        <p:spPr>
-          <a:xfrm>
-            <a:off x="7471315" y="3569104"/>
-            <a:ext cx="189257" cy="178683"/>
-          </a:xfrm>
-          <a:prstGeom prst="rect">
-            <a:avLst/>
-          </a:prstGeom>
-          <a:noFill/>
-        </p:spPr>
-        <p:txBody>
-          <a:bodyPr wrap="square" lIns="0" tIns="0" rIns="0" bIns="0" rtlCol="0">
-            <a:noAutofit/>
-          </a:bodyPr>
-          <a:lstStyle/>
-          <a:p>
-            <a:pPr algn="ctr"/>
-            <a:r>
-              <a:rPr lang="en-US" sz="1100" dirty="0">
-                <a:solidFill>
-                  <a:srgbClr val="7030A0"/>
-                </a:solidFill>
-              </a:rPr>
-              <a:t>*</a:t>
-            </a:r>
-            <a:endParaRPr lang="en-SG" sz="1100" dirty="0">
-              <a:solidFill>
-                <a:srgbClr val="7030A0"/>
-              </a:solidFill>
-            </a:endParaRPr>
-          </a:p>
-        </p:txBody>
-      </p:sp>
-      <p:sp>
-        <p:nvSpPr>
-          <p:cNvPr id="73" name="TextBox 72">
-            <a:extLst>
-              <a:ext uri="{FF2B5EF4-FFF2-40B4-BE49-F238E27FC236}">
-                <a16:creationId xmlns:a16="http://schemas.microsoft.com/office/drawing/2014/main" id="{AB36D6A6-0E56-324A-9B98-8FEB25B51B22}"/>
-              </a:ext>
-            </a:extLst>
-          </p:cNvPr>
-          <p:cNvSpPr txBox="1"/>
-          <p:nvPr/>
-        </p:nvSpPr>
-        <p:spPr>
-          <a:xfrm>
-            <a:off x="7466243" y="3226715"/>
-            <a:ext cx="189257" cy="178683"/>
-          </a:xfrm>
-          <a:prstGeom prst="rect">
-            <a:avLst/>
-          </a:prstGeom>
-          <a:noFill/>
-        </p:spPr>
-        <p:txBody>
-          <a:bodyPr wrap="square" lIns="0" tIns="0" rIns="0" bIns="0" rtlCol="0">
-            <a:noAutofit/>
-          </a:bodyPr>
-          <a:lstStyle/>
-          <a:p>
-            <a:pPr algn="ctr"/>
-            <a:r>
-              <a:rPr lang="en-US" sz="1100" dirty="0">
-                <a:solidFill>
-                  <a:srgbClr val="7030A0"/>
-                </a:solidFill>
-              </a:rPr>
-              <a:t>*</a:t>
-            </a:r>
-            <a:endParaRPr lang="en-SG" sz="1100" dirty="0">
-              <a:solidFill>
-                <a:srgbClr val="7030A0"/>
-              </a:solidFill>
-            </a:endParaRPr>
-          </a:p>
-        </p:txBody>
-      </p:sp>
-      <p:sp>
-        <p:nvSpPr>
-          <p:cNvPr id="74" name="TextBox 73">
-            <a:extLst>
-              <a:ext uri="{FF2B5EF4-FFF2-40B4-BE49-F238E27FC236}">
-                <a16:creationId xmlns:a16="http://schemas.microsoft.com/office/drawing/2014/main" id="{AD40CE73-E00B-5446-9DD1-3CE423DCA73E}"/>
-              </a:ext>
-            </a:extLst>
-          </p:cNvPr>
-          <p:cNvSpPr txBox="1"/>
-          <p:nvPr/>
-        </p:nvSpPr>
-        <p:spPr>
-          <a:xfrm>
-            <a:off x="7466243" y="3897632"/>
-            <a:ext cx="189257" cy="178683"/>
-          </a:xfrm>
-          <a:prstGeom prst="rect">
-            <a:avLst/>
-          </a:prstGeom>
-          <a:noFill/>
-        </p:spPr>
-        <p:txBody>
-          <a:bodyPr wrap="square" lIns="0" tIns="0" rIns="0" bIns="0" rtlCol="0">
-            <a:noAutofit/>
-          </a:bodyPr>
-          <a:lstStyle/>
-          <a:p>
-            <a:pPr algn="ctr"/>
-            <a:r>
-              <a:rPr lang="en-US" sz="1100" dirty="0">
-                <a:solidFill>
-                  <a:srgbClr val="7030A0"/>
-                </a:solidFill>
-              </a:rPr>
-              <a:t>*</a:t>
-            </a:r>
-            <a:endParaRPr lang="en-SG" sz="1100" dirty="0">
-              <a:solidFill>
-                <a:srgbClr val="7030A0"/>
-              </a:solidFill>
-            </a:endParaRPr>
-          </a:p>
-        </p:txBody>
-      </p:sp>
-      <p:sp>
-        <p:nvSpPr>
-          <p:cNvPr id="77" name="TextBox 76">
-            <a:extLst>
-              <a:ext uri="{FF2B5EF4-FFF2-40B4-BE49-F238E27FC236}">
-                <a16:creationId xmlns:a16="http://schemas.microsoft.com/office/drawing/2014/main" id="{62958F7C-3819-A942-BE2C-2D1B0BE98CEA}"/>
-              </a:ext>
-            </a:extLst>
-          </p:cNvPr>
-          <p:cNvSpPr txBox="1"/>
-          <p:nvPr/>
-        </p:nvSpPr>
-        <p:spPr>
-          <a:xfrm>
-            <a:off x="7467600" y="4214952"/>
-            <a:ext cx="189257" cy="178683"/>
-          </a:xfrm>
-          <a:prstGeom prst="rect">
-            <a:avLst/>
-          </a:prstGeom>
-          <a:noFill/>
-        </p:spPr>
-        <p:txBody>
-          <a:bodyPr wrap="square" lIns="0" tIns="0" rIns="0" bIns="0" rtlCol="0">
-            <a:noAutofit/>
-          </a:bodyPr>
-          <a:lstStyle/>
-          <a:p>
-            <a:pPr algn="ctr"/>
-            <a:r>
-              <a:rPr lang="en-US" sz="1100" dirty="0">
-                <a:solidFill>
-                  <a:srgbClr val="7030A0"/>
-                </a:solidFill>
-              </a:rPr>
-              <a:t>*</a:t>
-            </a:r>
-            <a:endParaRPr lang="en-SG" sz="1100" dirty="0">
-              <a:solidFill>
-                <a:srgbClr val="7030A0"/>
-              </a:solidFill>
-            </a:endParaRPr>
-          </a:p>
-        </p:txBody>
-      </p:sp>
-      <p:sp>
-        <p:nvSpPr>
           <p:cNvPr id="82" name="TextBox 81">
             <a:extLst>
               <a:ext uri="{FF2B5EF4-FFF2-40B4-BE49-F238E27FC236}">
@@ -6047,8 +5878,8 @@
         </p:nvSpPr>
         <p:spPr>
           <a:xfrm>
-            <a:off x="7466243" y="2930200"/>
-            <a:ext cx="189257" cy="178683"/>
+            <a:off x="7457641" y="2880539"/>
+            <a:ext cx="245497" cy="178683"/>
           </a:xfrm>
           <a:prstGeom prst="rect">
             <a:avLst/>
@@ -6063,14 +5894,239 @@
           <a:p>
             <a:pPr algn="ctr"/>
             <a:r>
-              <a:rPr lang="en-US" sz="1100" dirty="0">
+              <a:rPr lang="en-US" sz="1000" dirty="0">
                 <a:solidFill>
                   <a:srgbClr val="7030A0"/>
                 </a:solidFill>
               </a:rPr>
-              <a:t>*</a:t>
-            </a:r>
-            <a:endParaRPr lang="en-SG" sz="1100" dirty="0">
+              <a:t>0..1</a:t>
+            </a:r>
+            <a:endParaRPr lang="en-SG" sz="1000" dirty="0">
+              <a:solidFill>
+                <a:srgbClr val="7030A0"/>
+              </a:solidFill>
+            </a:endParaRPr>
+          </a:p>
+        </p:txBody>
+      </p:sp>
+      <p:sp>
+        <p:nvSpPr>
+          <p:cNvPr id="71" name="TextBox 70">
+            <a:extLst>
+              <a:ext uri="{FF2B5EF4-FFF2-40B4-BE49-F238E27FC236}">
+                <a16:creationId xmlns:a16="http://schemas.microsoft.com/office/drawing/2014/main" id="{F90E15F2-0D99-D94E-9CD5-22A96D217D04}"/>
+              </a:ext>
+            </a:extLst>
+          </p:cNvPr>
+          <p:cNvSpPr txBox="1"/>
+          <p:nvPr/>
+        </p:nvSpPr>
+        <p:spPr>
+          <a:xfrm>
+            <a:off x="7457641" y="3204826"/>
+            <a:ext cx="245497" cy="178683"/>
+          </a:xfrm>
+          <a:prstGeom prst="rect">
+            <a:avLst/>
+          </a:prstGeom>
+          <a:noFill/>
+        </p:spPr>
+        <p:txBody>
+          <a:bodyPr wrap="square" lIns="0" tIns="0" rIns="0" bIns="0" rtlCol="0">
+            <a:noAutofit/>
+          </a:bodyPr>
+          <a:lstStyle/>
+          <a:p>
+            <a:pPr algn="ctr"/>
+            <a:r>
+              <a:rPr lang="en-US" sz="1000" dirty="0">
+                <a:solidFill>
+                  <a:srgbClr val="7030A0"/>
+                </a:solidFill>
+              </a:rPr>
+              <a:t>0..1</a:t>
+            </a:r>
+            <a:endParaRPr lang="en-SG" sz="1000" dirty="0">
+              <a:solidFill>
+                <a:srgbClr val="7030A0"/>
+              </a:solidFill>
+            </a:endParaRPr>
+          </a:p>
+        </p:txBody>
+      </p:sp>
+      <p:sp>
+        <p:nvSpPr>
+          <p:cNvPr id="87" name="TextBox 86">
+            <a:extLst>
+              <a:ext uri="{FF2B5EF4-FFF2-40B4-BE49-F238E27FC236}">
+                <a16:creationId xmlns:a16="http://schemas.microsoft.com/office/drawing/2014/main" id="{C882BADB-C9A4-274E-8494-BB9E7894CB7F}"/>
+              </a:ext>
+            </a:extLst>
+          </p:cNvPr>
+          <p:cNvSpPr txBox="1"/>
+          <p:nvPr/>
+        </p:nvSpPr>
+        <p:spPr>
+          <a:xfrm>
+            <a:off x="7466243" y="3505200"/>
+            <a:ext cx="245497" cy="178683"/>
+          </a:xfrm>
+          <a:prstGeom prst="rect">
+            <a:avLst/>
+          </a:prstGeom>
+          <a:noFill/>
+        </p:spPr>
+        <p:txBody>
+          <a:bodyPr wrap="square" lIns="0" tIns="0" rIns="0" bIns="0" rtlCol="0">
+            <a:noAutofit/>
+          </a:bodyPr>
+          <a:lstStyle/>
+          <a:p>
+            <a:pPr algn="ctr"/>
+            <a:r>
+              <a:rPr lang="en-US" sz="1000" dirty="0">
+                <a:solidFill>
+                  <a:srgbClr val="7030A0"/>
+                </a:solidFill>
+              </a:rPr>
+              <a:t>0..1</a:t>
+            </a:r>
+            <a:endParaRPr lang="en-SG" sz="1000" dirty="0">
+              <a:solidFill>
+                <a:srgbClr val="7030A0"/>
+              </a:solidFill>
+            </a:endParaRPr>
+          </a:p>
+        </p:txBody>
+      </p:sp>
+      <p:sp>
+        <p:nvSpPr>
+          <p:cNvPr id="88" name="TextBox 87">
+            <a:extLst>
+              <a:ext uri="{FF2B5EF4-FFF2-40B4-BE49-F238E27FC236}">
+                <a16:creationId xmlns:a16="http://schemas.microsoft.com/office/drawing/2014/main" id="{93E1E4D9-C0DE-DF40-97B2-B42E7F37B0D1}"/>
+              </a:ext>
+            </a:extLst>
+          </p:cNvPr>
+          <p:cNvSpPr txBox="1"/>
+          <p:nvPr/>
+        </p:nvSpPr>
+        <p:spPr>
+          <a:xfrm>
+            <a:off x="7466243" y="3869284"/>
+            <a:ext cx="245497" cy="178683"/>
+          </a:xfrm>
+          <a:prstGeom prst="rect">
+            <a:avLst/>
+          </a:prstGeom>
+          <a:noFill/>
+        </p:spPr>
+        <p:txBody>
+          <a:bodyPr wrap="square" lIns="0" tIns="0" rIns="0" bIns="0" rtlCol="0">
+            <a:noAutofit/>
+          </a:bodyPr>
+          <a:lstStyle/>
+          <a:p>
+            <a:pPr algn="ctr"/>
+            <a:r>
+              <a:rPr lang="en-US" sz="1000" dirty="0">
+                <a:solidFill>
+                  <a:srgbClr val="7030A0"/>
+                </a:solidFill>
+              </a:rPr>
+              <a:t>0..1</a:t>
+            </a:r>
+            <a:endParaRPr lang="en-SG" sz="1000" dirty="0">
+              <a:solidFill>
+                <a:srgbClr val="7030A0"/>
+              </a:solidFill>
+            </a:endParaRPr>
+          </a:p>
+        </p:txBody>
+      </p:sp>
+      <p:sp>
+        <p:nvSpPr>
+          <p:cNvPr id="89" name="TextBox 88">
+            <a:extLst>
+              <a:ext uri="{FF2B5EF4-FFF2-40B4-BE49-F238E27FC236}">
+                <a16:creationId xmlns:a16="http://schemas.microsoft.com/office/drawing/2014/main" id="{F967F76E-A7F0-FD49-8508-DB46B97FB1B8}"/>
+              </a:ext>
+            </a:extLst>
+          </p:cNvPr>
+          <p:cNvSpPr txBox="1"/>
+          <p:nvPr/>
+        </p:nvSpPr>
+        <p:spPr>
+          <a:xfrm>
+            <a:off x="7457640" y="4193571"/>
+            <a:ext cx="245497" cy="178683"/>
+          </a:xfrm>
+          <a:prstGeom prst="rect">
+            <a:avLst/>
+          </a:prstGeom>
+          <a:noFill/>
+        </p:spPr>
+        <p:txBody>
+          <a:bodyPr wrap="square" lIns="0" tIns="0" rIns="0" bIns="0" rtlCol="0">
+            <a:noAutofit/>
+          </a:bodyPr>
+          <a:lstStyle/>
+          <a:p>
+            <a:pPr algn="ctr"/>
+            <a:r>
+              <a:rPr lang="en-US" sz="1000" dirty="0">
+                <a:solidFill>
+                  <a:srgbClr val="7030A0"/>
+                </a:solidFill>
+              </a:rPr>
+              <a:t>0..1</a:t>
+            </a:r>
+            <a:endParaRPr lang="en-SG" sz="1000" dirty="0">
+              <a:solidFill>
+                <a:srgbClr val="7030A0"/>
+              </a:solidFill>
+            </a:endParaRPr>
+          </a:p>
+        </p:txBody>
+      </p:sp>
+      <p:sp>
+        <p:nvSpPr>
+          <p:cNvPr id="72" name="TextBox 71">
+            <a:extLst>
+              <a:ext uri="{FF2B5EF4-FFF2-40B4-BE49-F238E27FC236}">
+                <a16:creationId xmlns:a16="http://schemas.microsoft.com/office/drawing/2014/main" id="{FDC1F88B-E476-4B4F-B6A8-C6ED22CB78B4}"/>
+              </a:ext>
+            </a:extLst>
+          </p:cNvPr>
+          <p:cNvSpPr txBox="1"/>
+          <p:nvPr/>
+        </p:nvSpPr>
+        <p:spPr>
+          <a:xfrm>
+            <a:off x="7447773" y="2564517"/>
+            <a:ext cx="245497" cy="178683"/>
+          </a:xfrm>
+          <a:prstGeom prst="rect">
+            <a:avLst/>
+          </a:prstGeom>
+          <a:noFill/>
+        </p:spPr>
+        <p:txBody>
+          <a:bodyPr wrap="square" lIns="0" tIns="0" rIns="0" bIns="0" rtlCol="0">
+            <a:noAutofit/>
+          </a:bodyPr>
+          <a:lstStyle/>
+          <a:p>
+            <a:pPr algn="ctr"/>
+            <a:r>
+              <a:rPr lang="en-US" sz="1000" dirty="0">
+                <a:solidFill>
+                  <a:srgbClr val="7030A0"/>
+                </a:solidFill>
+              </a:rPr>
+              <a:t>1</a:t>
+            </a:r>
+            <a:endParaRPr lang="en-SG" sz="1000" dirty="0">
               <a:solidFill>
                 <a:srgbClr val="7030A0"/>
               </a:solidFill>

--- a/docs/diagrams/ModelComponentClassDiagram.pptx
+++ b/docs/diagrams/ModelComponentClassDiagram.pptx
@@ -208,7 +208,7 @@
           <a:p>
             <a:fld id="{F5CC4B3F-88C1-4FFA-B1B6-F41C21DC6924}" type="datetimeFigureOut">
               <a:rPr lang="en-US" smtClean="0"/>
-              <a:t>6/27/2018</a:t>
+              <a:t>11/11/2018</a:t>
             </a:fld>
             <a:endParaRPr lang="en-US"/>
           </a:p>
@@ -654,7 +654,7 @@
           <a:p>
             <a:fld id="{78C97017-6FC3-485B-9764-EAC9E56C1D49}" type="datetimeFigureOut">
               <a:rPr lang="en-US" smtClean="0"/>
-              <a:t>6/27/2018</a:t>
+              <a:t>11/11/2018</a:t>
             </a:fld>
             <a:endParaRPr lang="en-US"/>
           </a:p>
@@ -822,7 +822,7 @@
           <a:p>
             <a:fld id="{78C97017-6FC3-485B-9764-EAC9E56C1D49}" type="datetimeFigureOut">
               <a:rPr lang="en-US" smtClean="0"/>
-              <a:t>6/27/2018</a:t>
+              <a:t>11/11/2018</a:t>
             </a:fld>
             <a:endParaRPr lang="en-US"/>
           </a:p>
@@ -1000,7 +1000,7 @@
           <a:p>
             <a:fld id="{78C97017-6FC3-485B-9764-EAC9E56C1D49}" type="datetimeFigureOut">
               <a:rPr lang="en-US" smtClean="0"/>
-              <a:t>6/27/2018</a:t>
+              <a:t>11/11/2018</a:t>
             </a:fld>
             <a:endParaRPr lang="en-US"/>
           </a:p>
@@ -1168,7 +1168,7 @@
           <a:p>
             <a:fld id="{78C97017-6FC3-485B-9764-EAC9E56C1D49}" type="datetimeFigureOut">
               <a:rPr lang="en-US" smtClean="0"/>
-              <a:t>6/27/2018</a:t>
+              <a:t>11/11/2018</a:t>
             </a:fld>
             <a:endParaRPr lang="en-US"/>
           </a:p>
@@ -1413,7 +1413,7 @@
           <a:p>
             <a:fld id="{78C97017-6FC3-485B-9764-EAC9E56C1D49}" type="datetimeFigureOut">
               <a:rPr lang="en-US" smtClean="0"/>
-              <a:t>6/27/2018</a:t>
+              <a:t>11/11/2018</a:t>
             </a:fld>
             <a:endParaRPr lang="en-US"/>
           </a:p>
@@ -1698,7 +1698,7 @@
           <a:p>
             <a:fld id="{78C97017-6FC3-485B-9764-EAC9E56C1D49}" type="datetimeFigureOut">
               <a:rPr lang="en-US" smtClean="0"/>
-              <a:t>6/27/2018</a:t>
+              <a:t>11/11/2018</a:t>
             </a:fld>
             <a:endParaRPr lang="en-US"/>
           </a:p>
@@ -2117,7 +2117,7 @@
           <a:p>
             <a:fld id="{78C97017-6FC3-485B-9764-EAC9E56C1D49}" type="datetimeFigureOut">
               <a:rPr lang="en-US" smtClean="0"/>
-              <a:t>6/27/2018</a:t>
+              <a:t>11/11/2018</a:t>
             </a:fld>
             <a:endParaRPr lang="en-US"/>
           </a:p>
@@ -2234,7 +2234,7 @@
           <a:p>
             <a:fld id="{78C97017-6FC3-485B-9764-EAC9E56C1D49}" type="datetimeFigureOut">
               <a:rPr lang="en-US" smtClean="0"/>
-              <a:t>6/27/2018</a:t>
+              <a:t>11/11/2018</a:t>
             </a:fld>
             <a:endParaRPr lang="en-US"/>
           </a:p>
@@ -2329,7 +2329,7 @@
           <a:p>
             <a:fld id="{78C97017-6FC3-485B-9764-EAC9E56C1D49}" type="datetimeFigureOut">
               <a:rPr lang="en-US" smtClean="0"/>
-              <a:t>6/27/2018</a:t>
+              <a:t>11/11/2018</a:t>
             </a:fld>
             <a:endParaRPr lang="en-US"/>
           </a:p>
@@ -2604,7 +2604,7 @@
           <a:p>
             <a:fld id="{78C97017-6FC3-485B-9764-EAC9E56C1D49}" type="datetimeFigureOut">
               <a:rPr lang="en-US" smtClean="0"/>
-              <a:t>6/27/2018</a:t>
+              <a:t>11/11/2018</a:t>
             </a:fld>
             <a:endParaRPr lang="en-US"/>
           </a:p>
@@ -2856,7 +2856,7 @@
           <a:p>
             <a:fld id="{78C97017-6FC3-485B-9764-EAC9E56C1D49}" type="datetimeFigureOut">
               <a:rPr lang="en-US" smtClean="0"/>
-              <a:t>6/27/2018</a:t>
+              <a:t>11/11/2018</a:t>
             </a:fld>
             <a:endParaRPr lang="en-US"/>
           </a:p>
@@ -3067,7 +3067,7 @@
           <a:p>
             <a:fld id="{78C97017-6FC3-485B-9764-EAC9E56C1D49}" type="datetimeFigureOut">
               <a:rPr lang="en-US" smtClean="0"/>
-              <a:t>6/27/2018</a:t>
+              <a:t>11/11/2018</a:t>
             </a:fld>
             <a:endParaRPr lang="en-US"/>
           </a:p>
@@ -3450,8 +3450,8 @@
         </p:nvSpPr>
         <p:spPr>
           <a:xfrm>
-            <a:off x="1119865" y="1600200"/>
-            <a:ext cx="7490735" cy="3124200"/>
+            <a:off x="685800" y="76200"/>
+            <a:ext cx="7795535" cy="4880661"/>
           </a:xfrm>
           <a:prstGeom prst="roundRect">
             <a:avLst>
@@ -3511,7 +3511,7 @@
         </p:nvSpPr>
         <p:spPr>
           <a:xfrm>
-            <a:off x="2877180" y="3463240"/>
+            <a:off x="2443115" y="2211482"/>
             <a:ext cx="1093635" cy="346760"/>
           </a:xfrm>
           <a:prstGeom prst="rect">
@@ -3570,8 +3570,8 @@
         </p:nvSpPr>
         <p:spPr>
           <a:xfrm rot="16200000">
-            <a:off x="1661548" y="3097750"/>
-            <a:ext cx="1093635" cy="346760"/>
+            <a:off x="999722" y="1729173"/>
+            <a:ext cx="1528636" cy="326238"/>
           </a:xfrm>
           <a:prstGeom prst="rect">
             <a:avLst/>
@@ -3626,20 +3626,17 @@
           <p:cNvPr id="107" name="Elbow Connector 106"/>
           <p:cNvCxnSpPr>
             <a:cxnSpLocks/>
-            <a:stCxn id="9" idx="1"/>
             <a:endCxn id="62" idx="2"/>
           </p:cNvCxnSpPr>
           <p:nvPr/>
         </p:nvCxnSpPr>
         <p:spPr>
-          <a:xfrm rot="5400000" flipH="1" flipV="1">
-            <a:off x="4131507" y="1281685"/>
-            <a:ext cx="613122" cy="4459404"/>
-          </a:xfrm>
-          <a:prstGeom prst="bentConnector3">
-            <a:avLst>
-              <a:gd name="adj1" fmla="val -26668"/>
-            </a:avLst>
+          <a:xfrm flipV="1">
+            <a:off x="1808398" y="1608488"/>
+            <a:ext cx="4425307" cy="1212808"/>
+          </a:xfrm>
+          <a:prstGeom prst="bentConnector2">
+            <a:avLst/>
           </a:prstGeom>
           <a:ln w="19050">
             <a:solidFill>
@@ -3674,7 +3671,7 @@
         </p:nvSpPr>
         <p:spPr>
           <a:xfrm rot="16200000">
-            <a:off x="956202" y="2861202"/>
+            <a:off x="522137" y="1264864"/>
             <a:ext cx="1093635" cy="346760"/>
           </a:xfrm>
           <a:prstGeom prst="rect">
@@ -3744,7 +3741,7 @@
         </p:nvSpPr>
         <p:spPr>
           <a:xfrm rot="16200000">
-            <a:off x="1626910" y="2952291"/>
+            <a:off x="1192845" y="1355953"/>
             <a:ext cx="270504" cy="175523"/>
           </a:xfrm>
           <a:prstGeom prst="triangle">
@@ -3794,7 +3791,7 @@
         </p:nvCxnSpPr>
         <p:spPr>
           <a:xfrm>
-            <a:off x="2609828" y="3636620"/>
+            <a:off x="2175763" y="2384862"/>
             <a:ext cx="267352" cy="0"/>
           </a:xfrm>
           <a:prstGeom prst="straightConnector1">
@@ -3832,7 +3829,7 @@
         </p:nvCxnSpPr>
         <p:spPr>
           <a:xfrm>
-            <a:off x="910091" y="3040053"/>
+            <a:off x="476026" y="1443715"/>
             <a:ext cx="419548" cy="2860"/>
           </a:xfrm>
           <a:prstGeom prst="bentConnector3">
@@ -3877,7 +3874,7 @@
         </p:nvCxnSpPr>
         <p:spPr>
           <a:xfrm flipV="1">
-            <a:off x="1849924" y="3040052"/>
+            <a:off x="1415859" y="1443714"/>
             <a:ext cx="216105" cy="1"/>
           </a:xfrm>
           <a:prstGeom prst="line">
@@ -3916,7 +3913,7 @@
         </p:nvSpPr>
         <p:spPr>
           <a:xfrm>
-            <a:off x="2373780" y="3549930"/>
+            <a:off x="1939715" y="2298172"/>
             <a:ext cx="236048" cy="173380"/>
           </a:xfrm>
           <a:prstGeom prst="flowChartDecision">
@@ -3961,8 +3958,8 @@
         </p:nvSpPr>
         <p:spPr>
           <a:xfrm>
-            <a:off x="2825280" y="2846162"/>
-            <a:ext cx="1490560" cy="334856"/>
+            <a:off x="2391215" y="1249823"/>
+            <a:ext cx="1490560" cy="869179"/>
           </a:xfrm>
           <a:prstGeom prst="rect">
             <a:avLst/>
@@ -4020,8 +4017,8 @@
         </p:nvCxnSpPr>
         <p:spPr>
           <a:xfrm>
-            <a:off x="2624360" y="3003033"/>
-            <a:ext cx="200920" cy="10557"/>
+            <a:off x="2181723" y="1682596"/>
+            <a:ext cx="209492" cy="1817"/>
           </a:xfrm>
           <a:prstGeom prst="straightConnector1">
             <a:avLst/>
@@ -4058,7 +4055,7 @@
         </p:nvSpPr>
         <p:spPr>
           <a:xfrm>
-            <a:off x="2388312" y="2916343"/>
+            <a:off x="1945675" y="1595906"/>
             <a:ext cx="236048" cy="173380"/>
           </a:xfrm>
           <a:prstGeom prst="flowChartDecision">
@@ -4103,7 +4100,7 @@
         </p:nvSpPr>
         <p:spPr>
           <a:xfrm>
-            <a:off x="4692650" y="2846162"/>
+            <a:off x="4258585" y="1249824"/>
             <a:ext cx="1156969" cy="346760"/>
           </a:xfrm>
           <a:prstGeom prst="rect">
@@ -4159,7 +4156,7 @@
         </p:nvSpPr>
         <p:spPr>
           <a:xfrm>
-            <a:off x="4324972" y="2920532"/>
+            <a:off x="3890907" y="1324194"/>
             <a:ext cx="236048" cy="173380"/>
           </a:xfrm>
           <a:prstGeom prst="flowChartDecision">
@@ -4206,7 +4203,7 @@
         </p:nvSpPr>
         <p:spPr>
           <a:xfrm>
-            <a:off x="6313677" y="2858066"/>
+            <a:off x="5879612" y="1261728"/>
             <a:ext cx="708186" cy="346760"/>
           </a:xfrm>
           <a:prstGeom prst="rect">
@@ -4262,7 +4259,7 @@
         </p:nvSpPr>
         <p:spPr>
           <a:xfrm>
-            <a:off x="5858751" y="2941676"/>
+            <a:off x="5424686" y="1345338"/>
             <a:ext cx="236048" cy="173380"/>
           </a:xfrm>
           <a:prstGeom prst="flowChartDecision">
@@ -4310,7 +4307,7 @@
         </p:nvCxnSpPr>
         <p:spPr>
           <a:xfrm>
-            <a:off x="6094799" y="3028366"/>
+            <a:off x="5660734" y="1432028"/>
             <a:ext cx="218878" cy="3080"/>
           </a:xfrm>
           <a:prstGeom prst="bentConnector3">
@@ -4348,7 +4345,7 @@
         </p:nvSpPr>
         <p:spPr>
           <a:xfrm>
-            <a:off x="7712397" y="2564238"/>
+            <a:off x="7278332" y="967900"/>
             <a:ext cx="708186" cy="285783"/>
           </a:xfrm>
           <a:prstGeom prst="rect">
@@ -4404,7 +4401,7 @@
         </p:nvSpPr>
         <p:spPr>
           <a:xfrm>
-            <a:off x="7041947" y="2948201"/>
+            <a:off x="6607882" y="1351863"/>
             <a:ext cx="236048" cy="173380"/>
           </a:xfrm>
           <a:prstGeom prst="flowChartDecision">
@@ -4453,7 +4450,7 @@
         </p:nvCxnSpPr>
         <p:spPr>
           <a:xfrm flipV="1">
-            <a:off x="7277995" y="2706821"/>
+            <a:off x="6843930" y="1110483"/>
             <a:ext cx="434402" cy="327761"/>
           </a:xfrm>
           <a:prstGeom prst="bentConnector3">
@@ -4491,7 +4488,7 @@
         </p:nvSpPr>
         <p:spPr>
           <a:xfrm>
-            <a:off x="7712397" y="2887216"/>
+            <a:off x="7278332" y="1290878"/>
             <a:ext cx="708186" cy="285783"/>
           </a:xfrm>
           <a:prstGeom prst="rect">
@@ -4550,7 +4547,7 @@
         </p:nvCxnSpPr>
         <p:spPr>
           <a:xfrm flipV="1">
-            <a:off x="7277995" y="3030108"/>
+            <a:off x="6843930" y="1433770"/>
             <a:ext cx="434402" cy="4783"/>
           </a:xfrm>
           <a:prstGeom prst="bentConnector3">
@@ -4588,7 +4585,7 @@
         </p:nvSpPr>
         <p:spPr>
           <a:xfrm>
-            <a:off x="7712397" y="3210194"/>
+            <a:off x="7278332" y="1613856"/>
             <a:ext cx="708186" cy="285783"/>
           </a:xfrm>
           <a:prstGeom prst="rect">
@@ -4647,7 +4644,7 @@
         </p:nvCxnSpPr>
         <p:spPr>
           <a:xfrm>
-            <a:off x="7277995" y="3034891"/>
+            <a:off x="6843930" y="1438553"/>
             <a:ext cx="434402" cy="318195"/>
           </a:xfrm>
           <a:prstGeom prst="bentConnector3">
@@ -4685,7 +4682,7 @@
         </p:nvSpPr>
         <p:spPr>
           <a:xfrm>
-            <a:off x="7712397" y="3533171"/>
+            <a:off x="7278332" y="1945623"/>
             <a:ext cx="708186" cy="285783"/>
           </a:xfrm>
           <a:prstGeom prst="rect">
@@ -4744,8 +4741,8 @@
         </p:nvCxnSpPr>
         <p:spPr>
           <a:xfrm>
-            <a:off x="7277995" y="3034891"/>
-            <a:ext cx="434402" cy="641172"/>
+            <a:off x="6843930" y="1438553"/>
+            <a:ext cx="434402" cy="649962"/>
           </a:xfrm>
           <a:prstGeom prst="bentConnector3">
             <a:avLst/>
@@ -4784,7 +4781,7 @@
         </p:nvCxnSpPr>
         <p:spPr>
           <a:xfrm rot="5400000">
-            <a:off x="3553611" y="2687559"/>
+            <a:off x="3119546" y="1091221"/>
             <a:ext cx="293825" cy="5938"/>
           </a:xfrm>
           <a:prstGeom prst="bentConnector3">
@@ -4825,7 +4822,7 @@
         </p:nvSpPr>
         <p:spPr>
           <a:xfrm rot="10800000" flipV="1">
-            <a:off x="3562299" y="2386554"/>
+            <a:off x="3128234" y="790216"/>
             <a:ext cx="282387" cy="157062"/>
           </a:xfrm>
           <a:prstGeom prst="triangle">
@@ -4873,7 +4870,7 @@
         </p:nvSpPr>
         <p:spPr>
           <a:xfrm>
-            <a:off x="1260922" y="1998350"/>
+            <a:off x="826857" y="402012"/>
             <a:ext cx="1443661" cy="364396"/>
           </a:xfrm>
           <a:prstGeom prst="rect">
@@ -4944,7 +4941,7 @@
         </p:nvSpPr>
         <p:spPr>
           <a:xfrm rot="16200000">
-            <a:off x="6362886" y="3586305"/>
+            <a:off x="5928821" y="1989967"/>
             <a:ext cx="881018" cy="261610"/>
           </a:xfrm>
           <a:prstGeom prst="rect">
@@ -4983,7 +4980,7 @@
         </p:nvSpPr>
         <p:spPr>
           <a:xfrm>
-            <a:off x="2057401" y="4239491"/>
+            <a:off x="1623336" y="3086102"/>
             <a:ext cx="1066800" cy="346760"/>
           </a:xfrm>
           <a:prstGeom prst="rect">
@@ -5065,8 +5062,8 @@
         </p:nvCxnSpPr>
         <p:spPr>
           <a:xfrm rot="16200000" flipH="1">
-            <a:off x="1364475" y="3719944"/>
-            <a:ext cx="831471" cy="554381"/>
+            <a:off x="708935" y="2345081"/>
+            <a:ext cx="1274420" cy="554381"/>
           </a:xfrm>
           <a:prstGeom prst="bentConnector2">
             <a:avLst/>
@@ -5104,7 +5101,7 @@
         </p:nvSpPr>
         <p:spPr>
           <a:xfrm>
-            <a:off x="4429979" y="3111479"/>
+            <a:off x="3995914" y="1515141"/>
             <a:ext cx="189257" cy="178683"/>
           </a:xfrm>
           <a:prstGeom prst="rect">
@@ -5143,7 +5140,7 @@
         </p:nvSpPr>
         <p:spPr>
           <a:xfrm>
-            <a:off x="6135256" y="3097917"/>
+            <a:off x="5701191" y="1501579"/>
             <a:ext cx="189257" cy="178683"/>
           </a:xfrm>
           <a:prstGeom prst="rect">
@@ -5182,7 +5179,7 @@
         </p:nvSpPr>
         <p:spPr>
           <a:xfrm>
-            <a:off x="2573394" y="2756715"/>
+            <a:off x="2139329" y="1160377"/>
             <a:ext cx="170110" cy="137542"/>
           </a:xfrm>
           <a:prstGeom prst="rect">
@@ -5221,7 +5218,7 @@
         </p:nvSpPr>
         <p:spPr>
           <a:xfrm>
-            <a:off x="2707070" y="3667737"/>
+            <a:off x="2273005" y="2415979"/>
             <a:ext cx="189257" cy="178683"/>
           </a:xfrm>
           <a:prstGeom prst="rect">
@@ -5260,7 +5257,7 @@
         </p:nvSpPr>
         <p:spPr>
           <a:xfrm>
-            <a:off x="6449896" y="3204826"/>
+            <a:off x="6015831" y="1608488"/>
             <a:ext cx="189257" cy="178683"/>
           </a:xfrm>
           <a:prstGeom prst="rect">
@@ -5305,7 +5302,7 @@
         </p:nvSpPr>
         <p:spPr>
           <a:xfrm>
-            <a:off x="7712397" y="2228817"/>
+            <a:off x="7278332" y="632479"/>
             <a:ext cx="708186" cy="285783"/>
           </a:xfrm>
           <a:prstGeom prst="rect">
@@ -5371,7 +5368,7 @@
         </p:nvCxnSpPr>
         <p:spPr>
           <a:xfrm flipV="1">
-            <a:off x="7277995" y="2371709"/>
+            <a:off x="6843930" y="775371"/>
             <a:ext cx="434402" cy="663182"/>
           </a:xfrm>
           <a:prstGeom prst="bentConnector3">
@@ -5417,7 +5414,7 @@
         </p:nvSpPr>
         <p:spPr>
           <a:xfrm>
-            <a:off x="7466243" y="2255711"/>
+            <a:off x="7032178" y="659373"/>
             <a:ext cx="189257" cy="178683"/>
           </a:xfrm>
           <a:prstGeom prst="rect">
@@ -5456,7 +5453,7 @@
         </p:nvSpPr>
         <p:spPr>
           <a:xfrm>
-            <a:off x="3170181" y="1998350"/>
+            <a:off x="2736116" y="402012"/>
             <a:ext cx="1060683" cy="364396"/>
           </a:xfrm>
           <a:prstGeom prst="rect">
@@ -5515,7 +5512,7 @@
         </p:nvCxnSpPr>
         <p:spPr>
           <a:xfrm>
-            <a:off x="4324972" y="3007222"/>
+            <a:off x="3890907" y="1410884"/>
             <a:ext cx="367678" cy="12320"/>
           </a:xfrm>
           <a:prstGeom prst="straightConnector1">
@@ -5553,7 +5550,7 @@
         </p:nvSpPr>
         <p:spPr>
           <a:xfrm rot="16200000">
-            <a:off x="2669073" y="2069158"/>
+            <a:off x="2235008" y="472820"/>
             <a:ext cx="271014" cy="187417"/>
           </a:xfrm>
           <a:prstGeom prst="triangle">
@@ -5608,7 +5605,7 @@
         </p:nvCxnSpPr>
         <p:spPr>
           <a:xfrm>
-            <a:off x="2898289" y="2177727"/>
+            <a:off x="2464224" y="581389"/>
             <a:ext cx="271892" cy="2821"/>
           </a:xfrm>
           <a:prstGeom prst="bentConnector3">
@@ -5641,6 +5638,1106 @@
           </a:fontRef>
         </p:style>
       </p:cxnSp>
+      <p:sp>
+        <p:nvSpPr>
+          <p:cNvPr id="71" name="Rectangle 8"/>
+          <p:cNvSpPr/>
+          <p:nvPr/>
+        </p:nvSpPr>
+        <p:spPr>
+          <a:xfrm>
+            <a:off x="4256488" y="1772243"/>
+            <a:ext cx="1156969" cy="346760"/>
+          </a:xfrm>
+          <a:prstGeom prst="rect">
+            <a:avLst/>
+          </a:prstGeom>
+          <a:ln w="19050">
+            <a:solidFill>
+              <a:srgbClr val="7030A0"/>
+            </a:solidFill>
+          </a:ln>
+          <a:effectLst/>
+        </p:spPr>
+        <p:style>
+          <a:lnRef idx="1">
+            <a:schemeClr val="accent4"/>
+          </a:lnRef>
+          <a:fillRef idx="2">
+            <a:schemeClr val="accent4"/>
+          </a:fillRef>
+          <a:effectRef idx="1">
+            <a:schemeClr val="accent4"/>
+          </a:effectRef>
+          <a:fontRef idx="minor">
+            <a:schemeClr val="dk1"/>
+          </a:fontRef>
+        </p:style>
+        <p:txBody>
+          <a:bodyPr rtlCol="0" anchor="ctr"/>
+          <a:lstStyle/>
+          <a:p>
+            <a:pPr algn="ctr"/>
+            <a:r>
+              <a:rPr lang="en-US" sz="1050" dirty="0" err="1">
+                <a:solidFill>
+                  <a:srgbClr val="7030A0"/>
+                </a:solidFill>
+              </a:rPr>
+              <a:t>UniquePersonList</a:t>
+            </a:r>
+            <a:endParaRPr lang="en-SG" sz="1050" dirty="0">
+              <a:solidFill>
+                <a:srgbClr val="7030A0"/>
+              </a:solidFill>
+            </a:endParaRPr>
+          </a:p>
+        </p:txBody>
+      </p:sp>
+      <p:sp>
+        <p:nvSpPr>
+          <p:cNvPr id="72" name="Flowchart: Decision 96"/>
+          <p:cNvSpPr/>
+          <p:nvPr/>
+        </p:nvSpPr>
+        <p:spPr>
+          <a:xfrm>
+            <a:off x="3888810" y="1846613"/>
+            <a:ext cx="236048" cy="173380"/>
+          </a:xfrm>
+          <a:prstGeom prst="flowChartDecision">
+            <a:avLst/>
+          </a:prstGeom>
+          <a:solidFill>
+            <a:srgbClr val="7030A0"/>
+          </a:solidFill>
+          <a:ln w="19050">
+            <a:solidFill>
+              <a:srgbClr val="7030A0"/>
+            </a:solidFill>
+          </a:ln>
+          <a:effectLst/>
+        </p:spPr>
+        <p:style>
+          <a:lnRef idx="1">
+            <a:schemeClr val="accent6"/>
+          </a:lnRef>
+          <a:fillRef idx="2">
+            <a:schemeClr val="accent6"/>
+          </a:fillRef>
+          <a:effectRef idx="1">
+            <a:schemeClr val="accent6"/>
+          </a:effectRef>
+          <a:fontRef idx="minor">
+            <a:schemeClr val="dk1"/>
+          </a:fontRef>
+        </p:style>
+        <p:txBody>
+          <a:bodyPr rtlCol="0" anchor="ctr"/>
+          <a:lstStyle/>
+          <a:p>
+            <a:pPr algn="ctr"/>
+            <a:endParaRPr lang="en-US" sz="1050"/>
+          </a:p>
+        </p:txBody>
+      </p:sp>
+      <p:sp>
+        <p:nvSpPr>
+          <p:cNvPr id="73" name="TextBox 72"/>
+          <p:cNvSpPr txBox="1"/>
+          <p:nvPr/>
+        </p:nvSpPr>
+        <p:spPr>
+          <a:xfrm>
+            <a:off x="3993817" y="2037560"/>
+            <a:ext cx="189257" cy="178683"/>
+          </a:xfrm>
+          <a:prstGeom prst="rect">
+            <a:avLst/>
+          </a:prstGeom>
+          <a:noFill/>
+        </p:spPr>
+        <p:txBody>
+          <a:bodyPr wrap="square" lIns="0" tIns="0" rIns="0" bIns="0" rtlCol="0">
+            <a:noAutofit/>
+          </a:bodyPr>
+          <a:lstStyle/>
+          <a:p>
+            <a:pPr algn="ctr"/>
+            <a:r>
+              <a:rPr lang="en-US" sz="1100" dirty="0">
+                <a:solidFill>
+                  <a:srgbClr val="7030A0"/>
+                </a:solidFill>
+              </a:rPr>
+              <a:t>1</a:t>
+            </a:r>
+            <a:endParaRPr lang="en-SG" sz="1100" dirty="0">
+              <a:solidFill>
+                <a:srgbClr val="7030A0"/>
+              </a:solidFill>
+            </a:endParaRPr>
+          </a:p>
+        </p:txBody>
+      </p:sp>
+      <p:cxnSp>
+        <p:nvCxnSpPr>
+          <p:cNvPr id="74" name="Straight Arrow Connector 73"/>
+          <p:cNvCxnSpPr>
+            <a:stCxn id="72" idx="1"/>
+            <a:endCxn id="71" idx="1"/>
+          </p:cNvCxnSpPr>
+          <p:nvPr/>
+        </p:nvCxnSpPr>
+        <p:spPr>
+          <a:xfrm>
+            <a:off x="3888810" y="1933303"/>
+            <a:ext cx="367678" cy="12320"/>
+          </a:xfrm>
+          <a:prstGeom prst="straightConnector1">
+            <a:avLst/>
+          </a:prstGeom>
+          <a:ln w="19050">
+            <a:solidFill>
+              <a:srgbClr val="7030A0"/>
+            </a:solidFill>
+            <a:headEnd type="none" w="med" len="med"/>
+            <a:tailEnd type="arrow" w="med" len="med"/>
+          </a:ln>
+          <a:effectLst/>
+        </p:spPr>
+        <p:style>
+          <a:lnRef idx="1">
+            <a:schemeClr val="accent2"/>
+          </a:lnRef>
+          <a:fillRef idx="2">
+            <a:schemeClr val="accent2"/>
+          </a:fillRef>
+          <a:effectRef idx="1">
+            <a:schemeClr val="accent2"/>
+          </a:effectRef>
+          <a:fontRef idx="minor">
+            <a:schemeClr val="dk1"/>
+          </a:fontRef>
+        </p:style>
+      </p:cxnSp>
+      <p:sp>
+        <p:nvSpPr>
+          <p:cNvPr id="87" name="Flowchart: Decision 96"/>
+          <p:cNvSpPr/>
+          <p:nvPr/>
+        </p:nvSpPr>
+        <p:spPr>
+          <a:xfrm rot="5400000">
+            <a:off x="4675964" y="2162241"/>
+            <a:ext cx="236048" cy="173380"/>
+          </a:xfrm>
+          <a:prstGeom prst="flowChartDecision">
+            <a:avLst/>
+          </a:prstGeom>
+          <a:noFill/>
+          <a:ln w="19050">
+            <a:solidFill>
+              <a:srgbClr val="7030A0"/>
+            </a:solidFill>
+          </a:ln>
+          <a:effectLst/>
+        </p:spPr>
+        <p:style>
+          <a:lnRef idx="1">
+            <a:schemeClr val="accent6"/>
+          </a:lnRef>
+          <a:fillRef idx="2">
+            <a:schemeClr val="accent6"/>
+          </a:fillRef>
+          <a:effectRef idx="1">
+            <a:schemeClr val="accent6"/>
+          </a:effectRef>
+          <a:fontRef idx="minor">
+            <a:schemeClr val="dk1"/>
+          </a:fontRef>
+        </p:style>
+        <p:txBody>
+          <a:bodyPr rtlCol="0" anchor="ctr"/>
+          <a:lstStyle/>
+          <a:p>
+            <a:pPr algn="ctr"/>
+            <a:endParaRPr lang="en-US" sz="1050"/>
+          </a:p>
+        </p:txBody>
+      </p:sp>
+      <p:cxnSp>
+        <p:nvCxnSpPr>
+          <p:cNvPr id="88" name="Elbow Connector 87"/>
+          <p:cNvCxnSpPr>
+            <a:stCxn id="87" idx="3"/>
+            <a:endCxn id="90" idx="1"/>
+          </p:cNvCxnSpPr>
+          <p:nvPr/>
+        </p:nvCxnSpPr>
+        <p:spPr>
+          <a:xfrm rot="16200000" flipH="1">
+            <a:off x="4493280" y="2667663"/>
+            <a:ext cx="1697876" cy="1096460"/>
+          </a:xfrm>
+          <a:prstGeom prst="bentConnector2">
+            <a:avLst/>
+          </a:prstGeom>
+          <a:ln w="19050">
+            <a:solidFill>
+              <a:srgbClr val="7030A0"/>
+            </a:solidFill>
+            <a:headEnd type="none" w="med" len="med"/>
+            <a:tailEnd type="arrow" w="med" len="med"/>
+          </a:ln>
+          <a:effectLst/>
+        </p:spPr>
+        <p:style>
+          <a:lnRef idx="1">
+            <a:schemeClr val="accent2"/>
+          </a:lnRef>
+          <a:fillRef idx="2">
+            <a:schemeClr val="accent2"/>
+          </a:fillRef>
+          <a:effectRef idx="1">
+            <a:schemeClr val="accent2"/>
+          </a:effectRef>
+          <a:fontRef idx="minor">
+            <a:schemeClr val="dk1"/>
+          </a:fontRef>
+        </p:style>
+      </p:cxnSp>
+      <p:sp>
+        <p:nvSpPr>
+          <p:cNvPr id="89" name="TextBox 88"/>
+          <p:cNvSpPr txBox="1"/>
+          <p:nvPr/>
+        </p:nvSpPr>
+        <p:spPr>
+          <a:xfrm>
+            <a:off x="5660734" y="3888800"/>
+            <a:ext cx="189257" cy="178683"/>
+          </a:xfrm>
+          <a:prstGeom prst="rect">
+            <a:avLst/>
+          </a:prstGeom>
+          <a:noFill/>
+        </p:spPr>
+        <p:txBody>
+          <a:bodyPr wrap="square" lIns="0" tIns="0" rIns="0" bIns="0" rtlCol="0">
+            <a:noAutofit/>
+          </a:bodyPr>
+          <a:lstStyle/>
+          <a:p>
+            <a:pPr algn="ctr"/>
+            <a:r>
+              <a:rPr lang="en-US" sz="1100" dirty="0">
+                <a:solidFill>
+                  <a:srgbClr val="7030A0"/>
+                </a:solidFill>
+              </a:rPr>
+              <a:t>*</a:t>
+            </a:r>
+            <a:endParaRPr lang="en-SG" sz="1100" dirty="0">
+              <a:solidFill>
+                <a:srgbClr val="7030A0"/>
+              </a:solidFill>
+            </a:endParaRPr>
+          </a:p>
+        </p:txBody>
+      </p:sp>
+      <p:sp>
+        <p:nvSpPr>
+          <p:cNvPr id="90" name="Rectangle 8"/>
+          <p:cNvSpPr/>
+          <p:nvPr/>
+        </p:nvSpPr>
+        <p:spPr>
+          <a:xfrm>
+            <a:off x="5890448" y="3891451"/>
+            <a:ext cx="708186" cy="346760"/>
+          </a:xfrm>
+          <a:prstGeom prst="rect">
+            <a:avLst/>
+          </a:prstGeom>
+          <a:ln w="19050">
+            <a:solidFill>
+              <a:srgbClr val="7030A0"/>
+            </a:solidFill>
+          </a:ln>
+          <a:effectLst/>
+        </p:spPr>
+        <p:style>
+          <a:lnRef idx="1">
+            <a:schemeClr val="accent4"/>
+          </a:lnRef>
+          <a:fillRef idx="2">
+            <a:schemeClr val="accent4"/>
+          </a:fillRef>
+          <a:effectRef idx="1">
+            <a:schemeClr val="accent4"/>
+          </a:effectRef>
+          <a:fontRef idx="minor">
+            <a:schemeClr val="dk1"/>
+          </a:fontRef>
+        </p:style>
+        <p:txBody>
+          <a:bodyPr rtlCol="0" anchor="ctr"/>
+          <a:lstStyle/>
+          <a:p>
+            <a:pPr algn="ctr"/>
+            <a:r>
+              <a:rPr lang="en-US" sz="1050" dirty="0" smtClean="0">
+                <a:solidFill>
+                  <a:srgbClr val="7030A0"/>
+                </a:solidFill>
+              </a:rPr>
+              <a:t>Medicine</a:t>
+            </a:r>
+            <a:endParaRPr lang="en-SG" sz="1050" dirty="0">
+              <a:solidFill>
+                <a:srgbClr val="7030A0"/>
+              </a:solidFill>
+            </a:endParaRPr>
+          </a:p>
+        </p:txBody>
+      </p:sp>
+      <p:cxnSp>
+        <p:nvCxnSpPr>
+          <p:cNvPr id="91" name="Elbow Connector 90"/>
+          <p:cNvCxnSpPr>
+            <a:cxnSpLocks/>
+            <a:endCxn id="90" idx="0"/>
+          </p:cNvCxnSpPr>
+          <p:nvPr/>
+        </p:nvCxnSpPr>
+        <p:spPr>
+          <a:xfrm>
+            <a:off x="1690953" y="2950262"/>
+            <a:ext cx="4553588" cy="941189"/>
+          </a:xfrm>
+          <a:prstGeom prst="bentConnector2">
+            <a:avLst/>
+          </a:prstGeom>
+          <a:ln w="19050">
+            <a:solidFill>
+              <a:srgbClr val="7030A0"/>
+            </a:solidFill>
+            <a:prstDash val="solid"/>
+            <a:headEnd type="none" w="med" len="med"/>
+            <a:tailEnd type="arrow" w="med" len="med"/>
+          </a:ln>
+          <a:effectLst/>
+        </p:spPr>
+        <p:style>
+          <a:lnRef idx="1">
+            <a:schemeClr val="accent2"/>
+          </a:lnRef>
+          <a:fillRef idx="2">
+            <a:schemeClr val="accent2"/>
+          </a:fillRef>
+          <a:effectRef idx="1">
+            <a:schemeClr val="accent2"/>
+          </a:effectRef>
+          <a:fontRef idx="minor">
+            <a:schemeClr val="dk1"/>
+          </a:fontRef>
+        </p:style>
+      </p:cxnSp>
+      <p:cxnSp>
+        <p:nvCxnSpPr>
+          <p:cNvPr id="24" name="Straight Connector 23"/>
+          <p:cNvCxnSpPr/>
+          <p:nvPr/>
+        </p:nvCxnSpPr>
+        <p:spPr>
+          <a:xfrm>
+            <a:off x="1815721" y="2640473"/>
+            <a:ext cx="1" cy="178973"/>
+          </a:xfrm>
+          <a:prstGeom prst="line">
+            <a:avLst/>
+          </a:prstGeom>
+          <a:ln w="19050">
+            <a:solidFill>
+              <a:srgbClr val="7030A0"/>
+            </a:solidFill>
+          </a:ln>
+        </p:spPr>
+        <p:style>
+          <a:lnRef idx="1">
+            <a:schemeClr val="accent1"/>
+          </a:lnRef>
+          <a:fillRef idx="0">
+            <a:schemeClr val="accent1"/>
+          </a:fillRef>
+          <a:effectRef idx="0">
+            <a:schemeClr val="accent1"/>
+          </a:effectRef>
+          <a:fontRef idx="minor">
+            <a:schemeClr val="tx1"/>
+          </a:fontRef>
+        </p:style>
+      </p:cxnSp>
+      <p:cxnSp>
+        <p:nvCxnSpPr>
+          <p:cNvPr id="92" name="Straight Connector 91"/>
+          <p:cNvCxnSpPr/>
+          <p:nvPr/>
+        </p:nvCxnSpPr>
+        <p:spPr>
+          <a:xfrm flipH="1">
+            <a:off x="1690953" y="2656610"/>
+            <a:ext cx="990" cy="297994"/>
+          </a:xfrm>
+          <a:prstGeom prst="line">
+            <a:avLst/>
+          </a:prstGeom>
+          <a:ln w="19050">
+            <a:solidFill>
+              <a:srgbClr val="7030A0"/>
+            </a:solidFill>
+          </a:ln>
+        </p:spPr>
+        <p:style>
+          <a:lnRef idx="1">
+            <a:schemeClr val="accent1"/>
+          </a:lnRef>
+          <a:fillRef idx="0">
+            <a:schemeClr val="accent1"/>
+          </a:fillRef>
+          <a:effectRef idx="0">
+            <a:schemeClr val="accent1"/>
+          </a:effectRef>
+          <a:fontRef idx="minor">
+            <a:schemeClr val="tx1"/>
+          </a:fontRef>
+        </p:style>
+      </p:cxnSp>
+      <p:sp>
+        <p:nvSpPr>
+          <p:cNvPr id="93" name="TextBox 92"/>
+          <p:cNvSpPr txBox="1"/>
+          <p:nvPr/>
+        </p:nvSpPr>
+        <p:spPr>
+          <a:xfrm rot="16200000">
+            <a:off x="5934837" y="3259967"/>
+            <a:ext cx="881018" cy="261610"/>
+          </a:xfrm>
+          <a:prstGeom prst="rect">
+            <a:avLst/>
+          </a:prstGeom>
+          <a:noFill/>
+        </p:spPr>
+        <p:txBody>
+          <a:bodyPr wrap="square" rtlCol="0">
+            <a:spAutoFit/>
+          </a:bodyPr>
+          <a:lstStyle/>
+          <a:p>
+            <a:pPr algn="r"/>
+            <a:r>
+              <a:rPr lang="en-US" sz="1100" dirty="0">
+                <a:solidFill>
+                  <a:srgbClr val="7030A0"/>
+                </a:solidFill>
+              </a:rPr>
+              <a:t>filtered list</a:t>
+            </a:r>
+            <a:endParaRPr lang="en-SG" sz="1100" dirty="0">
+              <a:solidFill>
+                <a:srgbClr val="7030A0"/>
+              </a:solidFill>
+            </a:endParaRPr>
+          </a:p>
+        </p:txBody>
+      </p:sp>
+      <p:sp>
+        <p:nvSpPr>
+          <p:cNvPr id="94" name="Rectangle 8"/>
+          <p:cNvSpPr/>
+          <p:nvPr/>
+        </p:nvSpPr>
+        <p:spPr>
+          <a:xfrm>
+            <a:off x="7271699" y="3586609"/>
+            <a:ext cx="1076694" cy="285783"/>
+          </a:xfrm>
+          <a:prstGeom prst="rect">
+            <a:avLst/>
+          </a:prstGeom>
+          <a:ln w="19050">
+            <a:solidFill>
+              <a:srgbClr val="7030A0"/>
+            </a:solidFill>
+          </a:ln>
+          <a:effectLst/>
+        </p:spPr>
+        <p:style>
+          <a:lnRef idx="1">
+            <a:schemeClr val="accent4"/>
+          </a:lnRef>
+          <a:fillRef idx="2">
+            <a:schemeClr val="accent4"/>
+          </a:fillRef>
+          <a:effectRef idx="1">
+            <a:schemeClr val="accent4"/>
+          </a:effectRef>
+          <a:fontRef idx="minor">
+            <a:schemeClr val="dk1"/>
+          </a:fontRef>
+        </p:style>
+        <p:txBody>
+          <a:bodyPr rtlCol="0" anchor="ctr"/>
+          <a:lstStyle/>
+          <a:p>
+            <a:pPr algn="ctr"/>
+            <a:r>
+              <a:rPr lang="en-US" sz="1050" dirty="0" err="1" smtClean="0">
+                <a:solidFill>
+                  <a:srgbClr val="7030A0"/>
+                </a:solidFill>
+              </a:rPr>
+              <a:t>MinimumStockQuantity</a:t>
+            </a:r>
+            <a:endParaRPr lang="en-SG" sz="1050" dirty="0">
+              <a:solidFill>
+                <a:srgbClr val="7030A0"/>
+              </a:solidFill>
+            </a:endParaRPr>
+          </a:p>
+        </p:txBody>
+      </p:sp>
+      <p:sp>
+        <p:nvSpPr>
+          <p:cNvPr id="95" name="Flowchart: Decision 96"/>
+          <p:cNvSpPr/>
+          <p:nvPr/>
+        </p:nvSpPr>
+        <p:spPr>
+          <a:xfrm>
+            <a:off x="6601249" y="3970572"/>
+            <a:ext cx="236048" cy="173380"/>
+          </a:xfrm>
+          <a:prstGeom prst="flowChartDecision">
+            <a:avLst/>
+          </a:prstGeom>
+          <a:solidFill>
+            <a:srgbClr val="7030A0"/>
+          </a:solidFill>
+          <a:ln w="19050">
+            <a:solidFill>
+              <a:srgbClr val="7030A0"/>
+            </a:solidFill>
+          </a:ln>
+          <a:effectLst/>
+        </p:spPr>
+        <p:style>
+          <a:lnRef idx="1">
+            <a:schemeClr val="accent6"/>
+          </a:lnRef>
+          <a:fillRef idx="2">
+            <a:schemeClr val="accent6"/>
+          </a:fillRef>
+          <a:effectRef idx="1">
+            <a:schemeClr val="accent6"/>
+          </a:effectRef>
+          <a:fontRef idx="minor">
+            <a:schemeClr val="dk1"/>
+          </a:fontRef>
+        </p:style>
+        <p:txBody>
+          <a:bodyPr rtlCol="0" anchor="ctr"/>
+          <a:lstStyle/>
+          <a:p>
+            <a:pPr algn="ctr"/>
+            <a:endParaRPr lang="en-US" sz="1050"/>
+          </a:p>
+        </p:txBody>
+      </p:sp>
+      <p:cxnSp>
+        <p:nvCxnSpPr>
+          <p:cNvPr id="96" name="Elbow Connector 95"/>
+          <p:cNvCxnSpPr>
+            <a:cxnSpLocks/>
+          </p:cNvCxnSpPr>
+          <p:nvPr/>
+        </p:nvCxnSpPr>
+        <p:spPr>
+          <a:xfrm flipV="1">
+            <a:off x="6837297" y="3729192"/>
+            <a:ext cx="434402" cy="327761"/>
+          </a:xfrm>
+          <a:prstGeom prst="bentConnector3">
+            <a:avLst/>
+          </a:prstGeom>
+          <a:ln w="19050">
+            <a:solidFill>
+              <a:srgbClr val="7030A0"/>
+            </a:solidFill>
+            <a:headEnd type="none" w="med" len="med"/>
+            <a:tailEnd type="arrow" w="med" len="med"/>
+          </a:ln>
+          <a:effectLst/>
+        </p:spPr>
+        <p:style>
+          <a:lnRef idx="1">
+            <a:schemeClr val="accent2"/>
+          </a:lnRef>
+          <a:fillRef idx="2">
+            <a:schemeClr val="accent2"/>
+          </a:fillRef>
+          <a:effectRef idx="1">
+            <a:schemeClr val="accent2"/>
+          </a:effectRef>
+          <a:fontRef idx="minor">
+            <a:schemeClr val="dk1"/>
+          </a:fontRef>
+        </p:style>
+      </p:cxnSp>
+      <p:sp>
+        <p:nvSpPr>
+          <p:cNvPr id="98" name="Rectangle 8"/>
+          <p:cNvSpPr/>
+          <p:nvPr/>
+        </p:nvSpPr>
+        <p:spPr>
+          <a:xfrm>
+            <a:off x="7271699" y="3909587"/>
+            <a:ext cx="1076694" cy="285783"/>
+          </a:xfrm>
+          <a:prstGeom prst="rect">
+            <a:avLst/>
+          </a:prstGeom>
+          <a:ln w="19050">
+            <a:solidFill>
+              <a:srgbClr val="7030A0"/>
+            </a:solidFill>
+          </a:ln>
+          <a:effectLst/>
+        </p:spPr>
+        <p:style>
+          <a:lnRef idx="1">
+            <a:schemeClr val="accent4"/>
+          </a:lnRef>
+          <a:fillRef idx="2">
+            <a:schemeClr val="accent4"/>
+          </a:fillRef>
+          <a:effectRef idx="1">
+            <a:schemeClr val="accent4"/>
+          </a:effectRef>
+          <a:fontRef idx="minor">
+            <a:schemeClr val="dk1"/>
+          </a:fontRef>
+        </p:style>
+        <p:txBody>
+          <a:bodyPr rtlCol="0" anchor="ctr"/>
+          <a:lstStyle/>
+          <a:p>
+            <a:pPr algn="ctr"/>
+            <a:r>
+              <a:rPr lang="en-US" sz="1050" dirty="0" err="1" smtClean="0">
+                <a:solidFill>
+                  <a:srgbClr val="7030A0"/>
+                </a:solidFill>
+              </a:rPr>
+              <a:t>PricePerUnit</a:t>
+            </a:r>
+            <a:endParaRPr lang="en-SG" sz="1050" dirty="0">
+              <a:solidFill>
+                <a:srgbClr val="7030A0"/>
+              </a:solidFill>
+            </a:endParaRPr>
+          </a:p>
+        </p:txBody>
+      </p:sp>
+      <p:cxnSp>
+        <p:nvCxnSpPr>
+          <p:cNvPr id="101" name="Elbow Connector 100"/>
+          <p:cNvCxnSpPr>
+            <a:stCxn id="95" idx="3"/>
+            <a:endCxn id="98" idx="1"/>
+          </p:cNvCxnSpPr>
+          <p:nvPr/>
+        </p:nvCxnSpPr>
+        <p:spPr>
+          <a:xfrm flipV="1">
+            <a:off x="6837297" y="4052479"/>
+            <a:ext cx="434402" cy="4783"/>
+          </a:xfrm>
+          <a:prstGeom prst="bentConnector3">
+            <a:avLst/>
+          </a:prstGeom>
+          <a:ln w="19050">
+            <a:solidFill>
+              <a:srgbClr val="7030A0"/>
+            </a:solidFill>
+            <a:headEnd type="none" w="med" len="med"/>
+            <a:tailEnd type="arrow" w="med" len="med"/>
+          </a:ln>
+          <a:effectLst/>
+        </p:spPr>
+        <p:style>
+          <a:lnRef idx="1">
+            <a:schemeClr val="accent2"/>
+          </a:lnRef>
+          <a:fillRef idx="2">
+            <a:schemeClr val="accent2"/>
+          </a:fillRef>
+          <a:effectRef idx="1">
+            <a:schemeClr val="accent2"/>
+          </a:effectRef>
+          <a:fontRef idx="minor">
+            <a:schemeClr val="dk1"/>
+          </a:fontRef>
+        </p:style>
+      </p:cxnSp>
+      <p:sp>
+        <p:nvSpPr>
+          <p:cNvPr id="102" name="Rectangle 8"/>
+          <p:cNvSpPr/>
+          <p:nvPr/>
+        </p:nvSpPr>
+        <p:spPr>
+          <a:xfrm>
+            <a:off x="7271699" y="4232565"/>
+            <a:ext cx="1076694" cy="285783"/>
+          </a:xfrm>
+          <a:prstGeom prst="rect">
+            <a:avLst/>
+          </a:prstGeom>
+          <a:ln w="19050">
+            <a:solidFill>
+              <a:srgbClr val="7030A0"/>
+            </a:solidFill>
+          </a:ln>
+          <a:effectLst/>
+        </p:spPr>
+        <p:style>
+          <a:lnRef idx="1">
+            <a:schemeClr val="accent4"/>
+          </a:lnRef>
+          <a:fillRef idx="2">
+            <a:schemeClr val="accent4"/>
+          </a:fillRef>
+          <a:effectRef idx="1">
+            <a:schemeClr val="accent4"/>
+          </a:effectRef>
+          <a:fontRef idx="minor">
+            <a:schemeClr val="dk1"/>
+          </a:fontRef>
+        </p:style>
+        <p:txBody>
+          <a:bodyPr rtlCol="0" anchor="ctr"/>
+          <a:lstStyle/>
+          <a:p>
+            <a:pPr algn="ctr"/>
+            <a:r>
+              <a:rPr lang="en-US" sz="1050" dirty="0" err="1" smtClean="0">
+                <a:solidFill>
+                  <a:srgbClr val="7030A0"/>
+                </a:solidFill>
+              </a:rPr>
+              <a:t>SerialNumber</a:t>
+            </a:r>
+            <a:endParaRPr lang="en-SG" sz="1050" dirty="0">
+              <a:solidFill>
+                <a:srgbClr val="7030A0"/>
+              </a:solidFill>
+            </a:endParaRPr>
+          </a:p>
+        </p:txBody>
+      </p:sp>
+      <p:cxnSp>
+        <p:nvCxnSpPr>
+          <p:cNvPr id="103" name="Elbow Connector 102"/>
+          <p:cNvCxnSpPr>
+            <a:stCxn id="95" idx="3"/>
+            <a:endCxn id="102" idx="1"/>
+          </p:cNvCxnSpPr>
+          <p:nvPr/>
+        </p:nvCxnSpPr>
+        <p:spPr>
+          <a:xfrm>
+            <a:off x="6837297" y="4057262"/>
+            <a:ext cx="434402" cy="318195"/>
+          </a:xfrm>
+          <a:prstGeom prst="bentConnector3">
+            <a:avLst/>
+          </a:prstGeom>
+          <a:ln w="19050">
+            <a:solidFill>
+              <a:srgbClr val="7030A0"/>
+            </a:solidFill>
+            <a:headEnd type="none" w="med" len="med"/>
+            <a:tailEnd type="arrow" w="med" len="med"/>
+          </a:ln>
+          <a:effectLst/>
+        </p:spPr>
+        <p:style>
+          <a:lnRef idx="1">
+            <a:schemeClr val="accent2"/>
+          </a:lnRef>
+          <a:fillRef idx="2">
+            <a:schemeClr val="accent2"/>
+          </a:fillRef>
+          <a:effectRef idx="1">
+            <a:schemeClr val="accent2"/>
+          </a:effectRef>
+          <a:fontRef idx="minor">
+            <a:schemeClr val="dk1"/>
+          </a:fontRef>
+        </p:style>
+      </p:cxnSp>
+      <p:sp>
+        <p:nvSpPr>
+          <p:cNvPr id="104" name="Rectangle 8"/>
+          <p:cNvSpPr/>
+          <p:nvPr/>
+        </p:nvSpPr>
+        <p:spPr>
+          <a:xfrm>
+            <a:off x="7271699" y="4564332"/>
+            <a:ext cx="1076694" cy="285783"/>
+          </a:xfrm>
+          <a:prstGeom prst="rect">
+            <a:avLst/>
+          </a:prstGeom>
+          <a:ln w="19050">
+            <a:solidFill>
+              <a:srgbClr val="7030A0"/>
+            </a:solidFill>
+          </a:ln>
+          <a:effectLst/>
+        </p:spPr>
+        <p:style>
+          <a:lnRef idx="1">
+            <a:schemeClr val="accent4"/>
+          </a:lnRef>
+          <a:fillRef idx="2">
+            <a:schemeClr val="accent4"/>
+          </a:fillRef>
+          <a:effectRef idx="1">
+            <a:schemeClr val="accent4"/>
+          </a:effectRef>
+          <a:fontRef idx="minor">
+            <a:schemeClr val="dk1"/>
+          </a:fontRef>
+        </p:style>
+        <p:txBody>
+          <a:bodyPr rtlCol="0" anchor="ctr"/>
+          <a:lstStyle/>
+          <a:p>
+            <a:pPr algn="ctr"/>
+            <a:r>
+              <a:rPr lang="en-SG" sz="1050" dirty="0" smtClean="0">
+                <a:solidFill>
+                  <a:srgbClr val="7030A0"/>
+                </a:solidFill>
+              </a:rPr>
+              <a:t>Stock</a:t>
+            </a:r>
+            <a:endParaRPr lang="en-SG" sz="1050" dirty="0">
+              <a:solidFill>
+                <a:srgbClr val="7030A0"/>
+              </a:solidFill>
+            </a:endParaRPr>
+          </a:p>
+        </p:txBody>
+      </p:sp>
+      <p:cxnSp>
+        <p:nvCxnSpPr>
+          <p:cNvPr id="105" name="Elbow Connector 104"/>
+          <p:cNvCxnSpPr>
+            <a:stCxn id="95" idx="3"/>
+            <a:endCxn id="104" idx="1"/>
+          </p:cNvCxnSpPr>
+          <p:nvPr/>
+        </p:nvCxnSpPr>
+        <p:spPr>
+          <a:xfrm>
+            <a:off x="6837297" y="4057262"/>
+            <a:ext cx="434402" cy="649962"/>
+          </a:xfrm>
+          <a:prstGeom prst="bentConnector3">
+            <a:avLst/>
+          </a:prstGeom>
+          <a:ln w="19050">
+            <a:solidFill>
+              <a:srgbClr val="7030A0"/>
+            </a:solidFill>
+            <a:headEnd type="none" w="med" len="med"/>
+            <a:tailEnd type="arrow" w="med" len="med"/>
+          </a:ln>
+          <a:effectLst/>
+        </p:spPr>
+        <p:style>
+          <a:lnRef idx="1">
+            <a:schemeClr val="accent2"/>
+          </a:lnRef>
+          <a:fillRef idx="2">
+            <a:schemeClr val="accent2"/>
+          </a:fillRef>
+          <a:effectRef idx="1">
+            <a:schemeClr val="accent2"/>
+          </a:effectRef>
+          <a:fontRef idx="minor">
+            <a:schemeClr val="dk1"/>
+          </a:fontRef>
+        </p:style>
+      </p:cxnSp>
+      <p:sp>
+        <p:nvSpPr>
+          <p:cNvPr id="106" name="Rectangle 8">
+            <a:extLst>
+              <a:ext uri="{FF2B5EF4-FFF2-40B4-BE49-F238E27FC236}">
+                <a16:creationId xmlns:a16="http://schemas.microsoft.com/office/drawing/2014/main" id="{ABDCDBD2-131A-4B66-A2F2-43BBEE82C773}"/>
+              </a:ext>
+            </a:extLst>
+          </p:cNvPr>
+          <p:cNvSpPr/>
+          <p:nvPr/>
+        </p:nvSpPr>
+        <p:spPr>
+          <a:xfrm>
+            <a:off x="7271699" y="3251188"/>
+            <a:ext cx="1076694" cy="285783"/>
+          </a:xfrm>
+          <a:prstGeom prst="rect">
+            <a:avLst/>
+          </a:prstGeom>
+          <a:ln w="19050">
+            <a:solidFill>
+              <a:srgbClr val="7030A0"/>
+            </a:solidFill>
+          </a:ln>
+          <a:effectLst/>
+        </p:spPr>
+        <p:style>
+          <a:lnRef idx="1">
+            <a:schemeClr val="accent4"/>
+          </a:lnRef>
+          <a:fillRef idx="2">
+            <a:schemeClr val="accent4"/>
+          </a:fillRef>
+          <a:effectRef idx="1">
+            <a:schemeClr val="accent4"/>
+          </a:effectRef>
+          <a:fontRef idx="minor">
+            <a:schemeClr val="dk1"/>
+          </a:fontRef>
+        </p:style>
+        <p:txBody>
+          <a:bodyPr rtlCol="0" anchor="ctr"/>
+          <a:lstStyle/>
+          <a:p>
+            <a:pPr algn="ctr"/>
+            <a:r>
+              <a:rPr lang="en-SG" sz="1050" dirty="0" err="1" smtClean="0">
+                <a:solidFill>
+                  <a:srgbClr val="7030A0"/>
+                </a:solidFill>
+              </a:rPr>
+              <a:t>MedicineName</a:t>
+            </a:r>
+            <a:endParaRPr lang="en-SG" sz="1050" dirty="0">
+              <a:solidFill>
+                <a:srgbClr val="7030A0"/>
+              </a:solidFill>
+            </a:endParaRPr>
+          </a:p>
+        </p:txBody>
+      </p:sp>
+      <p:cxnSp>
+        <p:nvCxnSpPr>
+          <p:cNvPr id="108" name="Elbow Connector 78">
+            <a:extLst>
+              <a:ext uri="{FF2B5EF4-FFF2-40B4-BE49-F238E27FC236}">
+                <a16:creationId xmlns:a16="http://schemas.microsoft.com/office/drawing/2014/main" id="{B97967F8-618A-448B-81FD-CDFD4AF0EC64}"/>
+              </a:ext>
+            </a:extLst>
+          </p:cNvPr>
+          <p:cNvCxnSpPr>
+            <a:cxnSpLocks/>
+            <a:stCxn id="95" idx="3"/>
+            <a:endCxn id="106" idx="1"/>
+          </p:cNvCxnSpPr>
+          <p:nvPr/>
+        </p:nvCxnSpPr>
+        <p:spPr>
+          <a:xfrm flipV="1">
+            <a:off x="6837297" y="3394080"/>
+            <a:ext cx="434402" cy="663182"/>
+          </a:xfrm>
+          <a:prstGeom prst="bentConnector3">
+            <a:avLst>
+              <a:gd name="adj1" fmla="val 50000"/>
+            </a:avLst>
+          </a:prstGeom>
+          <a:ln w="19050">
+            <a:solidFill>
+              <a:srgbClr val="7030A0"/>
+            </a:solidFill>
+            <a:headEnd type="none" w="med" len="med"/>
+            <a:tailEnd type="arrow" w="med" len="med"/>
+          </a:ln>
+          <a:effectLst/>
+        </p:spPr>
+        <p:style>
+          <a:lnRef idx="1">
+            <a:schemeClr val="accent2"/>
+          </a:lnRef>
+          <a:fillRef idx="2">
+            <a:schemeClr val="accent2"/>
+          </a:fillRef>
+          <a:effectRef idx="1">
+            <a:schemeClr val="accent2"/>
+          </a:effectRef>
+          <a:fontRef idx="minor">
+            <a:schemeClr val="dk1"/>
+          </a:fontRef>
+        </p:style>
+      </p:cxnSp>
+      <p:sp>
+        <p:nvSpPr>
+          <p:cNvPr id="110" name="TextBox 109"/>
+          <p:cNvSpPr txBox="1"/>
+          <p:nvPr/>
+        </p:nvSpPr>
+        <p:spPr>
+          <a:xfrm>
+            <a:off x="6034057" y="3652581"/>
+            <a:ext cx="189257" cy="178683"/>
+          </a:xfrm>
+          <a:prstGeom prst="rect">
+            <a:avLst/>
+          </a:prstGeom>
+          <a:noFill/>
+        </p:spPr>
+        <p:txBody>
+          <a:bodyPr wrap="square" lIns="0" tIns="0" rIns="0" bIns="0" rtlCol="0">
+            <a:noAutofit/>
+          </a:bodyPr>
+          <a:lstStyle/>
+          <a:p>
+            <a:pPr algn="ctr"/>
+            <a:r>
+              <a:rPr lang="en-US" sz="1100" dirty="0">
+                <a:solidFill>
+                  <a:srgbClr val="7030A0"/>
+                </a:solidFill>
+              </a:rPr>
+              <a:t>1</a:t>
+            </a:r>
+            <a:endParaRPr lang="en-SG" sz="1100" dirty="0">
+              <a:solidFill>
+                <a:srgbClr val="7030A0"/>
+              </a:solidFill>
+            </a:endParaRPr>
+          </a:p>
+        </p:txBody>
+      </p:sp>
     </p:spTree>
     <p:extLst>
       <p:ext uri="{BB962C8B-B14F-4D97-AF65-F5344CB8AC3E}">

--- a/docs/diagrams/ModelComponentClassDiagram.pptx
+++ b/docs/diagrams/ModelComponentClassDiagram.pptx
@@ -208,7 +208,7 @@
           <a:p>
             <a:fld id="{F5CC4B3F-88C1-4FFA-B1B6-F41C21DC6924}" type="datetimeFigureOut">
               <a:rPr lang="en-US" smtClean="0"/>
-              <a:t>6/27/2018</a:t>
+              <a:t>11/11/2018</a:t>
             </a:fld>
             <a:endParaRPr lang="en-US"/>
           </a:p>
@@ -654,7 +654,7 @@
           <a:p>
             <a:fld id="{78C97017-6FC3-485B-9764-EAC9E56C1D49}" type="datetimeFigureOut">
               <a:rPr lang="en-US" smtClean="0"/>
-              <a:t>6/27/2018</a:t>
+              <a:t>11/11/2018</a:t>
             </a:fld>
             <a:endParaRPr lang="en-US"/>
           </a:p>
@@ -822,7 +822,7 @@
           <a:p>
             <a:fld id="{78C97017-6FC3-485B-9764-EAC9E56C1D49}" type="datetimeFigureOut">
               <a:rPr lang="en-US" smtClean="0"/>
-              <a:t>6/27/2018</a:t>
+              <a:t>11/11/2018</a:t>
             </a:fld>
             <a:endParaRPr lang="en-US"/>
           </a:p>
@@ -1000,7 +1000,7 @@
           <a:p>
             <a:fld id="{78C97017-6FC3-485B-9764-EAC9E56C1D49}" type="datetimeFigureOut">
               <a:rPr lang="en-US" smtClean="0"/>
-              <a:t>6/27/2018</a:t>
+              <a:t>11/11/2018</a:t>
             </a:fld>
             <a:endParaRPr lang="en-US"/>
           </a:p>
@@ -1168,7 +1168,7 @@
           <a:p>
             <a:fld id="{78C97017-6FC3-485B-9764-EAC9E56C1D49}" type="datetimeFigureOut">
               <a:rPr lang="en-US" smtClean="0"/>
-              <a:t>6/27/2018</a:t>
+              <a:t>11/11/2018</a:t>
             </a:fld>
             <a:endParaRPr lang="en-US"/>
           </a:p>
@@ -1413,7 +1413,7 @@
           <a:p>
             <a:fld id="{78C97017-6FC3-485B-9764-EAC9E56C1D49}" type="datetimeFigureOut">
               <a:rPr lang="en-US" smtClean="0"/>
-              <a:t>6/27/2018</a:t>
+              <a:t>11/11/2018</a:t>
             </a:fld>
             <a:endParaRPr lang="en-US"/>
           </a:p>
@@ -1698,7 +1698,7 @@
           <a:p>
             <a:fld id="{78C97017-6FC3-485B-9764-EAC9E56C1D49}" type="datetimeFigureOut">
               <a:rPr lang="en-US" smtClean="0"/>
-              <a:t>6/27/2018</a:t>
+              <a:t>11/11/2018</a:t>
             </a:fld>
             <a:endParaRPr lang="en-US"/>
           </a:p>
@@ -2117,7 +2117,7 @@
           <a:p>
             <a:fld id="{78C97017-6FC3-485B-9764-EAC9E56C1D49}" type="datetimeFigureOut">
               <a:rPr lang="en-US" smtClean="0"/>
-              <a:t>6/27/2018</a:t>
+              <a:t>11/11/2018</a:t>
             </a:fld>
             <a:endParaRPr lang="en-US"/>
           </a:p>
@@ -2234,7 +2234,7 @@
           <a:p>
             <a:fld id="{78C97017-6FC3-485B-9764-EAC9E56C1D49}" type="datetimeFigureOut">
               <a:rPr lang="en-US" smtClean="0"/>
-              <a:t>6/27/2018</a:t>
+              <a:t>11/11/2018</a:t>
             </a:fld>
             <a:endParaRPr lang="en-US"/>
           </a:p>
@@ -2329,7 +2329,7 @@
           <a:p>
             <a:fld id="{78C97017-6FC3-485B-9764-EAC9E56C1D49}" type="datetimeFigureOut">
               <a:rPr lang="en-US" smtClean="0"/>
-              <a:t>6/27/2018</a:t>
+              <a:t>11/11/2018</a:t>
             </a:fld>
             <a:endParaRPr lang="en-US"/>
           </a:p>
@@ -2604,7 +2604,7 @@
           <a:p>
             <a:fld id="{78C97017-6FC3-485B-9764-EAC9E56C1D49}" type="datetimeFigureOut">
               <a:rPr lang="en-US" smtClean="0"/>
-              <a:t>6/27/2018</a:t>
+              <a:t>11/11/2018</a:t>
             </a:fld>
             <a:endParaRPr lang="en-US"/>
           </a:p>
@@ -2856,7 +2856,7 @@
           <a:p>
             <a:fld id="{78C97017-6FC3-485B-9764-EAC9E56C1D49}" type="datetimeFigureOut">
               <a:rPr lang="en-US" smtClean="0"/>
-              <a:t>6/27/2018</a:t>
+              <a:t>11/11/2018</a:t>
             </a:fld>
             <a:endParaRPr lang="en-US"/>
           </a:p>
@@ -3067,7 +3067,7 @@
           <a:p>
             <a:fld id="{78C97017-6FC3-485B-9764-EAC9E56C1D49}" type="datetimeFigureOut">
               <a:rPr lang="en-US" smtClean="0"/>
-              <a:t>6/27/2018</a:t>
+              <a:t>11/11/2018</a:t>
             </a:fld>
             <a:endParaRPr lang="en-US"/>
           </a:p>
@@ -3450,8 +3450,8 @@
         </p:nvSpPr>
         <p:spPr>
           <a:xfrm>
-            <a:off x="1119865" y="1600200"/>
-            <a:ext cx="7490735" cy="3124200"/>
+            <a:off x="1119865" y="1464960"/>
+            <a:ext cx="7795535" cy="4091920"/>
           </a:xfrm>
           <a:prstGeom prst="roundRect">
             <a:avLst>
@@ -3994,14 +3994,14 @@
           <a:p>
             <a:pPr algn="ctr"/>
             <a:r>
-              <a:rPr lang="en-US" sz="1050" dirty="0" err="1" smtClean="0">
+              <a:rPr lang="en-US" sz="1000" dirty="0" err="1">
                 <a:solidFill>
                   <a:srgbClr val="7030A0"/>
                 </a:solidFill>
               </a:rPr>
-              <a:t>VersionedAddressBook</a:t>
-            </a:r>
-            <a:endParaRPr lang="en-SG" sz="1050" dirty="0">
+              <a:t>VersionedCarparkFinder</a:t>
+            </a:r>
+            <a:endParaRPr lang="en-SG" sz="1000" dirty="0">
               <a:solidFill>
                 <a:srgbClr val="7030A0"/>
               </a:solidFill>
@@ -4136,14 +4136,14 @@
           <a:p>
             <a:pPr algn="ctr"/>
             <a:r>
-              <a:rPr lang="en-US" sz="1050" dirty="0" err="1">
+              <a:rPr lang="en-US" sz="1000" dirty="0" err="1">
                 <a:solidFill>
                   <a:srgbClr val="7030A0"/>
                 </a:solidFill>
               </a:rPr>
-              <a:t>UniquePersonList</a:t>
-            </a:r>
-            <a:endParaRPr lang="en-SG" sz="1050" dirty="0">
+              <a:t>UniqueCarparkList</a:t>
+            </a:r>
+            <a:endParaRPr lang="en-SG" sz="1000" dirty="0">
               <a:solidFill>
                 <a:srgbClr val="7030A0"/>
               </a:solidFill>
@@ -4244,7 +4244,7 @@
                   <a:srgbClr val="7030A0"/>
                 </a:solidFill>
               </a:rPr>
-              <a:t>Person</a:t>
+              <a:t>Carpark</a:t>
             </a:r>
             <a:endParaRPr lang="en-SG" sz="1050" dirty="0">
               <a:solidFill>
@@ -4349,7 +4349,7 @@
         <p:spPr>
           <a:xfrm>
             <a:off x="7712397" y="2564238"/>
-            <a:ext cx="708186" cy="285783"/>
+            <a:ext cx="1048698" cy="285783"/>
           </a:xfrm>
           <a:prstGeom prst="rect">
             <a:avLst/>
@@ -4381,12 +4381,12 @@
           <a:p>
             <a:pPr algn="ctr"/>
             <a:r>
-              <a:rPr lang="en-US" sz="1050" dirty="0">
+              <a:rPr lang="en-US" sz="1050" dirty="0" err="1">
                 <a:solidFill>
                   <a:srgbClr val="7030A0"/>
                 </a:solidFill>
               </a:rPr>
-              <a:t>Name</a:t>
+              <a:t>NightParking</a:t>
             </a:r>
             <a:endParaRPr lang="en-SG" sz="1050" dirty="0">
               <a:solidFill>
@@ -4491,8 +4491,8 @@
         </p:nvSpPr>
         <p:spPr>
           <a:xfrm>
-            <a:off x="7712397" y="2887216"/>
-            <a:ext cx="708186" cy="285783"/>
+            <a:off x="7712396" y="2887216"/>
+            <a:ext cx="1048699" cy="285783"/>
           </a:xfrm>
           <a:prstGeom prst="rect">
             <a:avLst/>
@@ -4524,12 +4524,12 @@
           <a:p>
             <a:pPr algn="ctr"/>
             <a:r>
-              <a:rPr lang="en-US" sz="1050" dirty="0">
+              <a:rPr lang="en-US" sz="1050" dirty="0" err="1">
                 <a:solidFill>
                   <a:srgbClr val="7030A0"/>
                 </a:solidFill>
               </a:rPr>
-              <a:t>Phone</a:t>
+              <a:t>FreeParking</a:t>
             </a:r>
             <a:endParaRPr lang="en-SG" sz="1050" dirty="0">
               <a:solidFill>
@@ -4543,6 +4543,7 @@
         <p:nvCxnSpPr>
           <p:cNvPr id="81" name="Elbow Connector 80"/>
           <p:cNvCxnSpPr>
+            <a:cxnSpLocks/>
             <a:stCxn id="78" idx="3"/>
             <a:endCxn id="80" idx="1"/>
           </p:cNvCxnSpPr>
@@ -4551,7 +4552,7 @@
         <p:spPr>
           <a:xfrm flipV="1">
             <a:off x="7277995" y="3030108"/>
-            <a:ext cx="434402" cy="4783"/>
+            <a:ext cx="434401" cy="4783"/>
           </a:xfrm>
           <a:prstGeom prst="bentConnector3">
             <a:avLst/>
@@ -4589,7 +4590,7 @@
         <p:spPr>
           <a:xfrm>
             <a:off x="7712397" y="3210194"/>
-            <a:ext cx="708186" cy="285783"/>
+            <a:ext cx="1048698" cy="285783"/>
           </a:xfrm>
           <a:prstGeom prst="rect">
             <a:avLst/>
@@ -4621,12 +4622,12 @@
           <a:p>
             <a:pPr algn="ctr"/>
             <a:r>
-              <a:rPr lang="en-US" sz="1050" dirty="0">
+              <a:rPr lang="en-SG" sz="1050" dirty="0" err="1">
                 <a:solidFill>
                   <a:srgbClr val="7030A0"/>
                 </a:solidFill>
               </a:rPr>
-              <a:t>Email</a:t>
+              <a:t>CarparkType</a:t>
             </a:r>
             <a:endParaRPr lang="en-SG" sz="1050" dirty="0">
               <a:solidFill>
@@ -4640,6 +4641,7 @@
         <p:nvCxnSpPr>
           <p:cNvPr id="84" name="Elbow Connector 83"/>
           <p:cNvCxnSpPr>
+            <a:cxnSpLocks/>
             <a:stCxn id="78" idx="3"/>
             <a:endCxn id="83" idx="1"/>
           </p:cNvCxnSpPr>
@@ -4685,8 +4687,8 @@
         </p:nvSpPr>
         <p:spPr>
           <a:xfrm>
-            <a:off x="7712397" y="3533171"/>
-            <a:ext cx="708186" cy="285783"/>
+            <a:off x="7712396" y="3533171"/>
+            <a:ext cx="1050604" cy="285783"/>
           </a:xfrm>
           <a:prstGeom prst="rect">
             <a:avLst/>
@@ -4718,12 +4720,12 @@
           <a:p>
             <a:pPr algn="ctr"/>
             <a:r>
-              <a:rPr lang="en-US" sz="1050" dirty="0">
+              <a:rPr lang="en-US" sz="1050" dirty="0" err="1">
                 <a:solidFill>
                   <a:srgbClr val="7030A0"/>
                 </a:solidFill>
               </a:rPr>
-              <a:t>Address</a:t>
+              <a:t>TotalLots</a:t>
             </a:r>
             <a:endParaRPr lang="en-SG" sz="1050" dirty="0">
               <a:solidFill>
@@ -4737,6 +4739,7 @@
         <p:nvCxnSpPr>
           <p:cNvPr id="86" name="Elbow Connector 85"/>
           <p:cNvCxnSpPr>
+            <a:cxnSpLocks/>
             <a:stCxn id="78" idx="3"/>
             <a:endCxn id="85" idx="1"/>
           </p:cNvCxnSpPr>
@@ -4745,7 +4748,7 @@
         <p:spPr>
           <a:xfrm>
             <a:off x="7277995" y="3034891"/>
-            <a:ext cx="434402" cy="641172"/>
+            <a:ext cx="434401" cy="641172"/>
           </a:xfrm>
           <a:prstGeom prst="bentConnector3">
             <a:avLst/>
@@ -4906,7 +4909,7 @@
           <a:p>
             <a:pPr algn="ctr"/>
             <a:r>
-              <a:rPr lang="en-US" sz="1050" dirty="0">
+              <a:rPr lang="en-US" sz="1000" dirty="0">
                 <a:solidFill>
                   <a:srgbClr val="7030A0"/>
                 </a:solidFill>
@@ -4914,21 +4917,21 @@
               <a:t>&lt;&lt;interface&gt;&gt;</a:t>
             </a:r>
             <a:br>
-              <a:rPr lang="en-US" sz="1050" dirty="0">
+              <a:rPr lang="en-US" sz="1000" dirty="0">
                 <a:solidFill>
                   <a:srgbClr val="7030A0"/>
                 </a:solidFill>
               </a:rPr>
             </a:br>
             <a:r>
-              <a:rPr lang="en-US" sz="1050" dirty="0" err="1">
+              <a:rPr lang="en-US" sz="1000" dirty="0" err="1">
                 <a:solidFill>
                   <a:srgbClr val="7030A0"/>
                 </a:solidFill>
               </a:rPr>
-              <a:t>ReadOnlyAddressBook</a:t>
-            </a:r>
-            <a:endParaRPr lang="en-SG" sz="1050" dirty="0">
+              <a:t>ReadOnlyCarparkFinder</a:t>
+            </a:r>
+            <a:endParaRPr lang="en-SG" sz="1000" dirty="0">
               <a:solidFill>
                 <a:srgbClr val="7030A0"/>
               </a:solidFill>
@@ -5023,14 +5026,6 @@
               </a:rPr>
               <a:t>&lt;&lt;interface&gt;&gt;</a:t>
             </a:r>
-            <a:r>
-              <a:rPr lang="en-US" sz="1050">
-                <a:solidFill>
-                  <a:srgbClr val="7030A0"/>
-                </a:solidFill>
-              </a:rPr>
-              <a:t/>
-            </a:r>
             <a:br>
               <a:rPr lang="en-US" sz="1050">
                 <a:solidFill>
@@ -5305,8 +5300,8 @@
         </p:nvSpPr>
         <p:spPr>
           <a:xfrm>
-            <a:off x="7712397" y="2228817"/>
-            <a:ext cx="708186" cy="285783"/>
+            <a:off x="7710492" y="1601614"/>
+            <a:ext cx="1052508" cy="285783"/>
           </a:xfrm>
           <a:prstGeom prst="rect">
             <a:avLst/>
@@ -5371,8 +5366,8 @@
         </p:nvCxnSpPr>
         <p:spPr>
           <a:xfrm flipV="1">
-            <a:off x="7277995" y="2371709"/>
-            <a:ext cx="434402" cy="663182"/>
+            <a:off x="7277995" y="1744506"/>
+            <a:ext cx="432497" cy="1290385"/>
           </a:xfrm>
           <a:prstGeom prst="bentConnector3">
             <a:avLst>
@@ -5417,7 +5412,7 @@
         </p:nvSpPr>
         <p:spPr>
           <a:xfrm>
-            <a:off x="7466243" y="2255711"/>
+            <a:off x="7466243" y="1752600"/>
             <a:ext cx="189257" cy="178683"/>
           </a:xfrm>
           <a:prstGeom prst="rect">
@@ -5494,7 +5489,7 @@
                   <a:srgbClr val="7030A0"/>
                 </a:solidFill>
               </a:rPr>
-              <a:t>AddressBook</a:t>
+              <a:t>CarparkFinder</a:t>
             </a:r>
             <a:endParaRPr lang="en-SG" sz="1050" dirty="0">
               <a:solidFill>
@@ -5623,6 +5618,790 @@
             <a:prstDash val="sysDot"/>
             <a:headEnd type="none" w="med" len="med"/>
             <a:tailEnd type="none" w="med" len="med"/>
+          </a:ln>
+          <a:effectLst/>
+        </p:spPr>
+        <p:style>
+          <a:lnRef idx="1">
+            <a:schemeClr val="accent2"/>
+          </a:lnRef>
+          <a:fillRef idx="2">
+            <a:schemeClr val="accent2"/>
+          </a:fillRef>
+          <a:effectRef idx="1">
+            <a:schemeClr val="accent2"/>
+          </a:effectRef>
+          <a:fontRef idx="minor">
+            <a:schemeClr val="dk1"/>
+          </a:fontRef>
+        </p:style>
+      </p:cxnSp>
+      <p:sp>
+        <p:nvSpPr>
+          <p:cNvPr id="56" name="Rectangle 8">
+            <a:extLst>
+              <a:ext uri="{FF2B5EF4-FFF2-40B4-BE49-F238E27FC236}">
+                <a16:creationId xmlns:a16="http://schemas.microsoft.com/office/drawing/2014/main" id="{F06B5D46-1A16-4A27-A653-A2253F999AF3}"/>
+              </a:ext>
+            </a:extLst>
+          </p:cNvPr>
+          <p:cNvSpPr/>
+          <p:nvPr/>
+        </p:nvSpPr>
+        <p:spPr>
+          <a:xfrm>
+            <a:off x="7710492" y="3853518"/>
+            <a:ext cx="1050603" cy="285783"/>
+          </a:xfrm>
+          <a:prstGeom prst="rect">
+            <a:avLst/>
+          </a:prstGeom>
+          <a:ln w="19050">
+            <a:solidFill>
+              <a:srgbClr val="7030A0"/>
+            </a:solidFill>
+          </a:ln>
+          <a:effectLst/>
+        </p:spPr>
+        <p:style>
+          <a:lnRef idx="1">
+            <a:schemeClr val="accent4"/>
+          </a:lnRef>
+          <a:fillRef idx="2">
+            <a:schemeClr val="accent4"/>
+          </a:fillRef>
+          <a:effectRef idx="1">
+            <a:schemeClr val="accent4"/>
+          </a:effectRef>
+          <a:fontRef idx="minor">
+            <a:schemeClr val="dk1"/>
+          </a:fontRef>
+        </p:style>
+        <p:txBody>
+          <a:bodyPr rtlCol="0" anchor="ctr"/>
+          <a:lstStyle/>
+          <a:p>
+            <a:pPr algn="ctr"/>
+            <a:r>
+              <a:rPr lang="en-US" sz="1050" dirty="0" err="1">
+                <a:solidFill>
+                  <a:srgbClr val="7030A0"/>
+                </a:solidFill>
+              </a:rPr>
+              <a:t>LotsAvailable</a:t>
+            </a:r>
+            <a:endParaRPr lang="en-SG" sz="1050" dirty="0">
+              <a:solidFill>
+                <a:srgbClr val="7030A0"/>
+              </a:solidFill>
+            </a:endParaRPr>
+          </a:p>
+        </p:txBody>
+      </p:sp>
+      <p:cxnSp>
+        <p:nvCxnSpPr>
+          <p:cNvPr id="57" name="Elbow Connector 85">
+            <a:extLst>
+              <a:ext uri="{FF2B5EF4-FFF2-40B4-BE49-F238E27FC236}">
+                <a16:creationId xmlns:a16="http://schemas.microsoft.com/office/drawing/2014/main" id="{ABB3D550-F64A-4842-9C00-BD6C92D61AF1}"/>
+              </a:ext>
+            </a:extLst>
+          </p:cNvPr>
+          <p:cNvCxnSpPr>
+            <a:cxnSpLocks/>
+            <a:stCxn id="78" idx="3"/>
+            <a:endCxn id="56" idx="1"/>
+          </p:cNvCxnSpPr>
+          <p:nvPr/>
+        </p:nvCxnSpPr>
+        <p:spPr>
+          <a:xfrm>
+            <a:off x="7277995" y="3034891"/>
+            <a:ext cx="432497" cy="961519"/>
+          </a:xfrm>
+          <a:prstGeom prst="bentConnector3">
+            <a:avLst>
+              <a:gd name="adj1" fmla="val 50000"/>
+            </a:avLst>
+          </a:prstGeom>
+          <a:ln w="19050">
+            <a:solidFill>
+              <a:srgbClr val="7030A0"/>
+            </a:solidFill>
+            <a:headEnd type="none" w="med" len="med"/>
+            <a:tailEnd type="arrow" w="med" len="med"/>
+          </a:ln>
+          <a:effectLst/>
+        </p:spPr>
+        <p:style>
+          <a:lnRef idx="1">
+            <a:schemeClr val="accent2"/>
+          </a:lnRef>
+          <a:fillRef idx="2">
+            <a:schemeClr val="accent2"/>
+          </a:fillRef>
+          <a:effectRef idx="1">
+            <a:schemeClr val="accent2"/>
+          </a:effectRef>
+          <a:fontRef idx="minor">
+            <a:schemeClr val="dk1"/>
+          </a:fontRef>
+        </p:style>
+      </p:cxnSp>
+      <p:sp>
+        <p:nvSpPr>
+          <p:cNvPr id="67" name="Rectangle 8">
+            <a:extLst>
+              <a:ext uri="{FF2B5EF4-FFF2-40B4-BE49-F238E27FC236}">
+                <a16:creationId xmlns:a16="http://schemas.microsoft.com/office/drawing/2014/main" id="{C617D867-8625-4CEA-9F6A-BA4FF7FBFD4E}"/>
+              </a:ext>
+            </a:extLst>
+          </p:cNvPr>
+          <p:cNvSpPr/>
+          <p:nvPr/>
+        </p:nvSpPr>
+        <p:spPr>
+          <a:xfrm>
+            <a:off x="7712397" y="2245734"/>
+            <a:ext cx="1048698" cy="285783"/>
+          </a:xfrm>
+          <a:prstGeom prst="rect">
+            <a:avLst/>
+          </a:prstGeom>
+          <a:ln w="19050">
+            <a:solidFill>
+              <a:srgbClr val="7030A0"/>
+            </a:solidFill>
+          </a:ln>
+          <a:effectLst/>
+        </p:spPr>
+        <p:style>
+          <a:lnRef idx="1">
+            <a:schemeClr val="accent4"/>
+          </a:lnRef>
+          <a:fillRef idx="2">
+            <a:schemeClr val="accent4"/>
+          </a:fillRef>
+          <a:effectRef idx="1">
+            <a:schemeClr val="accent4"/>
+          </a:effectRef>
+          <a:fontRef idx="minor">
+            <a:schemeClr val="dk1"/>
+          </a:fontRef>
+        </p:style>
+        <p:txBody>
+          <a:bodyPr rtlCol="0" anchor="ctr"/>
+          <a:lstStyle/>
+          <a:p>
+            <a:pPr algn="ctr"/>
+            <a:r>
+              <a:rPr lang="en-US" sz="1050" dirty="0" err="1">
+                <a:solidFill>
+                  <a:srgbClr val="7030A0"/>
+                </a:solidFill>
+              </a:rPr>
+              <a:t>ShortTerm</a:t>
+            </a:r>
+            <a:endParaRPr lang="en-SG" sz="1050" dirty="0">
+              <a:solidFill>
+                <a:srgbClr val="7030A0"/>
+              </a:solidFill>
+            </a:endParaRPr>
+          </a:p>
+        </p:txBody>
+      </p:sp>
+      <p:cxnSp>
+        <p:nvCxnSpPr>
+          <p:cNvPr id="71" name="Elbow Connector 78">
+            <a:extLst>
+              <a:ext uri="{FF2B5EF4-FFF2-40B4-BE49-F238E27FC236}">
+                <a16:creationId xmlns:a16="http://schemas.microsoft.com/office/drawing/2014/main" id="{C3CA42D5-8C0B-4F8A-B22F-0D016111E3C6}"/>
+              </a:ext>
+            </a:extLst>
+          </p:cNvPr>
+          <p:cNvCxnSpPr>
+            <a:cxnSpLocks/>
+            <a:stCxn id="78" idx="3"/>
+            <a:endCxn id="67" idx="1"/>
+          </p:cNvCxnSpPr>
+          <p:nvPr/>
+        </p:nvCxnSpPr>
+        <p:spPr>
+          <a:xfrm flipV="1">
+            <a:off x="7277995" y="2388626"/>
+            <a:ext cx="434402" cy="646265"/>
+          </a:xfrm>
+          <a:prstGeom prst="bentConnector3">
+            <a:avLst>
+              <a:gd name="adj1" fmla="val 50000"/>
+            </a:avLst>
+          </a:prstGeom>
+          <a:ln w="19050">
+            <a:solidFill>
+              <a:srgbClr val="7030A0"/>
+            </a:solidFill>
+            <a:headEnd type="none" w="med" len="med"/>
+            <a:tailEnd type="arrow" w="med" len="med"/>
+          </a:ln>
+          <a:effectLst/>
+        </p:spPr>
+        <p:style>
+          <a:lnRef idx="1">
+            <a:schemeClr val="accent2"/>
+          </a:lnRef>
+          <a:fillRef idx="2">
+            <a:schemeClr val="accent2"/>
+          </a:fillRef>
+          <a:effectRef idx="1">
+            <a:schemeClr val="accent2"/>
+          </a:effectRef>
+          <a:fontRef idx="minor">
+            <a:schemeClr val="dk1"/>
+          </a:fontRef>
+        </p:style>
+      </p:cxnSp>
+      <p:sp>
+        <p:nvSpPr>
+          <p:cNvPr id="72" name="Rectangle 8">
+            <a:extLst>
+              <a:ext uri="{FF2B5EF4-FFF2-40B4-BE49-F238E27FC236}">
+                <a16:creationId xmlns:a16="http://schemas.microsoft.com/office/drawing/2014/main" id="{02194139-5986-42C0-B28E-A4915DC52995}"/>
+              </a:ext>
+            </a:extLst>
+          </p:cNvPr>
+          <p:cNvSpPr/>
+          <p:nvPr/>
+        </p:nvSpPr>
+        <p:spPr>
+          <a:xfrm>
+            <a:off x="7711444" y="1921961"/>
+            <a:ext cx="1048698" cy="285783"/>
+          </a:xfrm>
+          <a:prstGeom prst="rect">
+            <a:avLst/>
+          </a:prstGeom>
+          <a:ln w="19050">
+            <a:solidFill>
+              <a:srgbClr val="7030A0"/>
+            </a:solidFill>
+          </a:ln>
+          <a:effectLst/>
+        </p:spPr>
+        <p:style>
+          <a:lnRef idx="1">
+            <a:schemeClr val="accent4"/>
+          </a:lnRef>
+          <a:fillRef idx="2">
+            <a:schemeClr val="accent4"/>
+          </a:fillRef>
+          <a:effectRef idx="1">
+            <a:schemeClr val="accent4"/>
+          </a:effectRef>
+          <a:fontRef idx="minor">
+            <a:schemeClr val="dk1"/>
+          </a:fontRef>
+        </p:style>
+        <p:txBody>
+          <a:bodyPr rtlCol="0" anchor="ctr"/>
+          <a:lstStyle/>
+          <a:p>
+            <a:pPr algn="ctr"/>
+            <a:r>
+              <a:rPr lang="en-SG" sz="1050" dirty="0" err="1">
+                <a:solidFill>
+                  <a:srgbClr val="7030A0"/>
+                </a:solidFill>
+              </a:rPr>
+              <a:t>TypeOfParking</a:t>
+            </a:r>
+            <a:endParaRPr lang="en-SG" sz="1050" dirty="0">
+              <a:solidFill>
+                <a:srgbClr val="7030A0"/>
+              </a:solidFill>
+            </a:endParaRPr>
+          </a:p>
+        </p:txBody>
+      </p:sp>
+      <p:sp>
+        <p:nvSpPr>
+          <p:cNvPr id="73" name="Rectangle 8">
+            <a:extLst>
+              <a:ext uri="{FF2B5EF4-FFF2-40B4-BE49-F238E27FC236}">
+                <a16:creationId xmlns:a16="http://schemas.microsoft.com/office/drawing/2014/main" id="{42A73BC4-684C-4F16-BC53-DBC4877CBE81}"/>
+              </a:ext>
+            </a:extLst>
+          </p:cNvPr>
+          <p:cNvSpPr/>
+          <p:nvPr/>
+        </p:nvSpPr>
+        <p:spPr>
+          <a:xfrm>
+            <a:off x="7709539" y="4172610"/>
+            <a:ext cx="1050603" cy="285783"/>
+          </a:xfrm>
+          <a:prstGeom prst="rect">
+            <a:avLst/>
+          </a:prstGeom>
+          <a:ln w="19050">
+            <a:solidFill>
+              <a:srgbClr val="7030A0"/>
+            </a:solidFill>
+          </a:ln>
+          <a:effectLst/>
+        </p:spPr>
+        <p:style>
+          <a:lnRef idx="1">
+            <a:schemeClr val="accent4"/>
+          </a:lnRef>
+          <a:fillRef idx="2">
+            <a:schemeClr val="accent4"/>
+          </a:fillRef>
+          <a:effectRef idx="1">
+            <a:schemeClr val="accent4"/>
+          </a:effectRef>
+          <a:fontRef idx="minor">
+            <a:schemeClr val="dk1"/>
+          </a:fontRef>
+        </p:style>
+        <p:txBody>
+          <a:bodyPr rtlCol="0" anchor="ctr"/>
+          <a:lstStyle/>
+          <a:p>
+            <a:pPr algn="ctr"/>
+            <a:r>
+              <a:rPr lang="en-US" sz="1050" dirty="0" err="1">
+                <a:solidFill>
+                  <a:srgbClr val="7030A0"/>
+                </a:solidFill>
+              </a:rPr>
+              <a:t>PostalCode</a:t>
+            </a:r>
+            <a:endParaRPr lang="en-SG" sz="1050" dirty="0">
+              <a:solidFill>
+                <a:srgbClr val="7030A0"/>
+              </a:solidFill>
+            </a:endParaRPr>
+          </a:p>
+        </p:txBody>
+      </p:sp>
+      <p:sp>
+        <p:nvSpPr>
+          <p:cNvPr id="74" name="Rectangle 8">
+            <a:extLst>
+              <a:ext uri="{FF2B5EF4-FFF2-40B4-BE49-F238E27FC236}">
+                <a16:creationId xmlns:a16="http://schemas.microsoft.com/office/drawing/2014/main" id="{5FD8F69B-7CFC-4A33-AF1A-9094D9BD3BDF}"/>
+              </a:ext>
+            </a:extLst>
+          </p:cNvPr>
+          <p:cNvSpPr/>
+          <p:nvPr/>
+        </p:nvSpPr>
+        <p:spPr>
+          <a:xfrm>
+            <a:off x="7709539" y="4491702"/>
+            <a:ext cx="1050603" cy="285783"/>
+          </a:xfrm>
+          <a:prstGeom prst="rect">
+            <a:avLst/>
+          </a:prstGeom>
+          <a:ln w="19050">
+            <a:solidFill>
+              <a:srgbClr val="7030A0"/>
+            </a:solidFill>
+          </a:ln>
+          <a:effectLst/>
+        </p:spPr>
+        <p:style>
+          <a:lnRef idx="1">
+            <a:schemeClr val="accent4"/>
+          </a:lnRef>
+          <a:fillRef idx="2">
+            <a:schemeClr val="accent4"/>
+          </a:fillRef>
+          <a:effectRef idx="1">
+            <a:schemeClr val="accent4"/>
+          </a:effectRef>
+          <a:fontRef idx="minor">
+            <a:schemeClr val="dk1"/>
+          </a:fontRef>
+        </p:style>
+        <p:txBody>
+          <a:bodyPr rtlCol="0" anchor="ctr"/>
+          <a:lstStyle/>
+          <a:p>
+            <a:pPr algn="ctr"/>
+            <a:r>
+              <a:rPr lang="en-US" sz="1050" dirty="0">
+                <a:solidFill>
+                  <a:srgbClr val="7030A0"/>
+                </a:solidFill>
+              </a:rPr>
+              <a:t>Coordinate</a:t>
+            </a:r>
+            <a:endParaRPr lang="en-SG" sz="1050" dirty="0">
+              <a:solidFill>
+                <a:srgbClr val="7030A0"/>
+              </a:solidFill>
+            </a:endParaRPr>
+          </a:p>
+        </p:txBody>
+      </p:sp>
+      <p:sp>
+        <p:nvSpPr>
+          <p:cNvPr id="77" name="Rectangle 8">
+            <a:extLst>
+              <a:ext uri="{FF2B5EF4-FFF2-40B4-BE49-F238E27FC236}">
+                <a16:creationId xmlns:a16="http://schemas.microsoft.com/office/drawing/2014/main" id="{69D7E389-DB1B-458B-9562-9DE5138835A2}"/>
+              </a:ext>
+            </a:extLst>
+          </p:cNvPr>
+          <p:cNvSpPr/>
+          <p:nvPr/>
+        </p:nvSpPr>
+        <p:spPr>
+          <a:xfrm>
+            <a:off x="7709538" y="4810794"/>
+            <a:ext cx="1050603" cy="285783"/>
+          </a:xfrm>
+          <a:prstGeom prst="rect">
+            <a:avLst/>
+          </a:prstGeom>
+          <a:ln w="19050">
+            <a:solidFill>
+              <a:srgbClr val="7030A0"/>
+            </a:solidFill>
+          </a:ln>
+          <a:effectLst/>
+        </p:spPr>
+        <p:style>
+          <a:lnRef idx="1">
+            <a:schemeClr val="accent4"/>
+          </a:lnRef>
+          <a:fillRef idx="2">
+            <a:schemeClr val="accent4"/>
+          </a:fillRef>
+          <a:effectRef idx="1">
+            <a:schemeClr val="accent4"/>
+          </a:effectRef>
+          <a:fontRef idx="minor">
+            <a:schemeClr val="dk1"/>
+          </a:fontRef>
+        </p:style>
+        <p:txBody>
+          <a:bodyPr rtlCol="0" anchor="ctr"/>
+          <a:lstStyle/>
+          <a:p>
+            <a:pPr algn="ctr"/>
+            <a:r>
+              <a:rPr lang="en-US" sz="1050" dirty="0" err="1">
+                <a:solidFill>
+                  <a:srgbClr val="7030A0"/>
+                </a:solidFill>
+              </a:rPr>
+              <a:t>CarparkNumber</a:t>
+            </a:r>
+            <a:endParaRPr lang="en-SG" sz="1050" dirty="0">
+              <a:solidFill>
+                <a:srgbClr val="7030A0"/>
+              </a:solidFill>
+            </a:endParaRPr>
+          </a:p>
+        </p:txBody>
+      </p:sp>
+      <p:sp>
+        <p:nvSpPr>
+          <p:cNvPr id="82" name="Rectangle 8">
+            <a:extLst>
+              <a:ext uri="{FF2B5EF4-FFF2-40B4-BE49-F238E27FC236}">
+                <a16:creationId xmlns:a16="http://schemas.microsoft.com/office/drawing/2014/main" id="{D284BC5B-02B5-47C8-A5E2-2FD3D8F79CAF}"/>
+              </a:ext>
+            </a:extLst>
+          </p:cNvPr>
+          <p:cNvSpPr/>
+          <p:nvPr/>
+        </p:nvSpPr>
+        <p:spPr>
+          <a:xfrm>
+            <a:off x="7709538" y="5134703"/>
+            <a:ext cx="1050603" cy="285783"/>
+          </a:xfrm>
+          <a:prstGeom prst="rect">
+            <a:avLst/>
+          </a:prstGeom>
+          <a:ln w="19050">
+            <a:solidFill>
+              <a:srgbClr val="7030A0"/>
+            </a:solidFill>
+          </a:ln>
+          <a:effectLst/>
+        </p:spPr>
+        <p:style>
+          <a:lnRef idx="1">
+            <a:schemeClr val="accent4"/>
+          </a:lnRef>
+          <a:fillRef idx="2">
+            <a:schemeClr val="accent4"/>
+          </a:fillRef>
+          <a:effectRef idx="1">
+            <a:schemeClr val="accent4"/>
+          </a:effectRef>
+          <a:fontRef idx="minor">
+            <a:schemeClr val="dk1"/>
+          </a:fontRef>
+        </p:style>
+        <p:txBody>
+          <a:bodyPr rtlCol="0" anchor="ctr"/>
+          <a:lstStyle/>
+          <a:p>
+            <a:pPr algn="ctr"/>
+            <a:r>
+              <a:rPr lang="en-US" sz="1050" dirty="0">
+                <a:solidFill>
+                  <a:srgbClr val="7030A0"/>
+                </a:solidFill>
+              </a:rPr>
+              <a:t>Address</a:t>
+            </a:r>
+            <a:endParaRPr lang="en-SG" sz="1050" dirty="0">
+              <a:solidFill>
+                <a:srgbClr val="7030A0"/>
+              </a:solidFill>
+            </a:endParaRPr>
+          </a:p>
+        </p:txBody>
+      </p:sp>
+      <p:cxnSp>
+        <p:nvCxnSpPr>
+          <p:cNvPr id="87" name="Elbow Connector 85">
+            <a:extLst>
+              <a:ext uri="{FF2B5EF4-FFF2-40B4-BE49-F238E27FC236}">
+                <a16:creationId xmlns:a16="http://schemas.microsoft.com/office/drawing/2014/main" id="{DC87F921-2F5C-4DD4-9F0F-878CDA2AF657}"/>
+              </a:ext>
+            </a:extLst>
+          </p:cNvPr>
+          <p:cNvCxnSpPr>
+            <a:cxnSpLocks/>
+            <a:stCxn id="78" idx="3"/>
+            <a:endCxn id="73" idx="1"/>
+          </p:cNvCxnSpPr>
+          <p:nvPr/>
+        </p:nvCxnSpPr>
+        <p:spPr>
+          <a:xfrm>
+            <a:off x="7277995" y="3034891"/>
+            <a:ext cx="431544" cy="1280611"/>
+          </a:xfrm>
+          <a:prstGeom prst="bentConnector3">
+            <a:avLst>
+              <a:gd name="adj1" fmla="val 50000"/>
+            </a:avLst>
+          </a:prstGeom>
+          <a:ln w="19050">
+            <a:solidFill>
+              <a:srgbClr val="7030A0"/>
+            </a:solidFill>
+            <a:headEnd type="none" w="med" len="med"/>
+            <a:tailEnd type="arrow" w="med" len="med"/>
+          </a:ln>
+          <a:effectLst/>
+        </p:spPr>
+        <p:style>
+          <a:lnRef idx="1">
+            <a:schemeClr val="accent2"/>
+          </a:lnRef>
+          <a:fillRef idx="2">
+            <a:schemeClr val="accent2"/>
+          </a:fillRef>
+          <a:effectRef idx="1">
+            <a:schemeClr val="accent2"/>
+          </a:effectRef>
+          <a:fontRef idx="minor">
+            <a:schemeClr val="dk1"/>
+          </a:fontRef>
+        </p:style>
+      </p:cxnSp>
+      <p:cxnSp>
+        <p:nvCxnSpPr>
+          <p:cNvPr id="88" name="Elbow Connector 85">
+            <a:extLst>
+              <a:ext uri="{FF2B5EF4-FFF2-40B4-BE49-F238E27FC236}">
+                <a16:creationId xmlns:a16="http://schemas.microsoft.com/office/drawing/2014/main" id="{D95D5E06-6A90-49F4-9597-A3D357874131}"/>
+              </a:ext>
+            </a:extLst>
+          </p:cNvPr>
+          <p:cNvCxnSpPr>
+            <a:cxnSpLocks/>
+            <a:stCxn id="78" idx="3"/>
+            <a:endCxn id="74" idx="1"/>
+          </p:cNvCxnSpPr>
+          <p:nvPr/>
+        </p:nvCxnSpPr>
+        <p:spPr>
+          <a:xfrm>
+            <a:off x="7277995" y="3034891"/>
+            <a:ext cx="431544" cy="1599703"/>
+          </a:xfrm>
+          <a:prstGeom prst="bentConnector3">
+            <a:avLst>
+              <a:gd name="adj1" fmla="val 50000"/>
+            </a:avLst>
+          </a:prstGeom>
+          <a:ln w="19050">
+            <a:solidFill>
+              <a:srgbClr val="7030A0"/>
+            </a:solidFill>
+            <a:headEnd type="none" w="med" len="med"/>
+            <a:tailEnd type="arrow" w="med" len="med"/>
+          </a:ln>
+          <a:effectLst/>
+        </p:spPr>
+        <p:style>
+          <a:lnRef idx="1">
+            <a:schemeClr val="accent2"/>
+          </a:lnRef>
+          <a:fillRef idx="2">
+            <a:schemeClr val="accent2"/>
+          </a:fillRef>
+          <a:effectRef idx="1">
+            <a:schemeClr val="accent2"/>
+          </a:effectRef>
+          <a:fontRef idx="minor">
+            <a:schemeClr val="dk1"/>
+          </a:fontRef>
+        </p:style>
+      </p:cxnSp>
+      <p:cxnSp>
+        <p:nvCxnSpPr>
+          <p:cNvPr id="89" name="Elbow Connector 85">
+            <a:extLst>
+              <a:ext uri="{FF2B5EF4-FFF2-40B4-BE49-F238E27FC236}">
+                <a16:creationId xmlns:a16="http://schemas.microsoft.com/office/drawing/2014/main" id="{7E953D47-7845-4781-ABA5-D1333BD38EB5}"/>
+              </a:ext>
+            </a:extLst>
+          </p:cNvPr>
+          <p:cNvCxnSpPr>
+            <a:cxnSpLocks/>
+            <a:stCxn id="78" idx="3"/>
+            <a:endCxn id="77" idx="1"/>
+          </p:cNvCxnSpPr>
+          <p:nvPr/>
+        </p:nvCxnSpPr>
+        <p:spPr>
+          <a:xfrm>
+            <a:off x="7277995" y="3034891"/>
+            <a:ext cx="431543" cy="1918795"/>
+          </a:xfrm>
+          <a:prstGeom prst="bentConnector3">
+            <a:avLst>
+              <a:gd name="adj1" fmla="val 50000"/>
+            </a:avLst>
+          </a:prstGeom>
+          <a:ln w="19050">
+            <a:solidFill>
+              <a:srgbClr val="7030A0"/>
+            </a:solidFill>
+            <a:headEnd type="none" w="med" len="med"/>
+            <a:tailEnd type="arrow" w="med" len="med"/>
+          </a:ln>
+          <a:effectLst/>
+        </p:spPr>
+        <p:style>
+          <a:lnRef idx="1">
+            <a:schemeClr val="accent2"/>
+          </a:lnRef>
+          <a:fillRef idx="2">
+            <a:schemeClr val="accent2"/>
+          </a:fillRef>
+          <a:effectRef idx="1">
+            <a:schemeClr val="accent2"/>
+          </a:effectRef>
+          <a:fontRef idx="minor">
+            <a:schemeClr val="dk1"/>
+          </a:fontRef>
+        </p:style>
+      </p:cxnSp>
+      <p:cxnSp>
+        <p:nvCxnSpPr>
+          <p:cNvPr id="90" name="Elbow Connector 85">
+            <a:extLst>
+              <a:ext uri="{FF2B5EF4-FFF2-40B4-BE49-F238E27FC236}">
+                <a16:creationId xmlns:a16="http://schemas.microsoft.com/office/drawing/2014/main" id="{20E87EC0-0FB7-4840-B690-19005A5EA600}"/>
+              </a:ext>
+            </a:extLst>
+          </p:cNvPr>
+          <p:cNvCxnSpPr>
+            <a:cxnSpLocks/>
+            <a:stCxn id="78" idx="3"/>
+            <a:endCxn id="82" idx="1"/>
+          </p:cNvCxnSpPr>
+          <p:nvPr/>
+        </p:nvCxnSpPr>
+        <p:spPr>
+          <a:xfrm>
+            <a:off x="7277995" y="3034891"/>
+            <a:ext cx="431543" cy="2242704"/>
+          </a:xfrm>
+          <a:prstGeom prst="bentConnector3">
+            <a:avLst>
+              <a:gd name="adj1" fmla="val 50000"/>
+            </a:avLst>
+          </a:prstGeom>
+          <a:ln w="19050">
+            <a:solidFill>
+              <a:srgbClr val="7030A0"/>
+            </a:solidFill>
+            <a:headEnd type="none" w="med" len="med"/>
+            <a:tailEnd type="arrow" w="med" len="med"/>
+          </a:ln>
+          <a:effectLst/>
+        </p:spPr>
+        <p:style>
+          <a:lnRef idx="1">
+            <a:schemeClr val="accent2"/>
+          </a:lnRef>
+          <a:fillRef idx="2">
+            <a:schemeClr val="accent2"/>
+          </a:fillRef>
+          <a:effectRef idx="1">
+            <a:schemeClr val="accent2"/>
+          </a:effectRef>
+          <a:fontRef idx="minor">
+            <a:schemeClr val="dk1"/>
+          </a:fontRef>
+        </p:style>
+      </p:cxnSp>
+      <p:cxnSp>
+        <p:nvCxnSpPr>
+          <p:cNvPr id="94" name="Elbow Connector 78">
+            <a:extLst>
+              <a:ext uri="{FF2B5EF4-FFF2-40B4-BE49-F238E27FC236}">
+                <a16:creationId xmlns:a16="http://schemas.microsoft.com/office/drawing/2014/main" id="{0DD123EB-1DBD-45F5-A359-EE9576635FE9}"/>
+              </a:ext>
+            </a:extLst>
+          </p:cNvPr>
+          <p:cNvCxnSpPr>
+            <a:cxnSpLocks/>
+            <a:stCxn id="78" idx="3"/>
+            <a:endCxn id="72" idx="1"/>
+          </p:cNvCxnSpPr>
+          <p:nvPr/>
+        </p:nvCxnSpPr>
+        <p:spPr>
+          <a:xfrm flipV="1">
+            <a:off x="7277995" y="2064853"/>
+            <a:ext cx="433449" cy="970038"/>
+          </a:xfrm>
+          <a:prstGeom prst="bentConnector3">
+            <a:avLst>
+              <a:gd name="adj1" fmla="val 50000"/>
+            </a:avLst>
+          </a:prstGeom>
+          <a:ln w="19050">
+            <a:solidFill>
+              <a:srgbClr val="7030A0"/>
+            </a:solidFill>
+            <a:headEnd type="none" w="med" len="med"/>
+            <a:tailEnd type="arrow" w="med" len="med"/>
           </a:ln>
           <a:effectLst/>
         </p:spPr>

--- a/docs/diagrams/ModelComponentClassDiagram.pptx
+++ b/docs/diagrams/ModelComponentClassDiagram.pptx
@@ -5,10 +5,11 @@
     <p:sldMasterId id="2147483648" r:id="rId1"/>
   </p:sldMasterIdLst>
   <p:notesMasterIdLst>
-    <p:notesMasterId r:id="rId3"/>
+    <p:notesMasterId r:id="rId4"/>
   </p:notesMasterIdLst>
   <p:sldIdLst>
     <p:sldId id="263" r:id="rId2"/>
+    <p:sldId id="264" r:id="rId3"/>
   </p:sldIdLst>
   <p:sldSz cx="9144000" cy="6858000" type="screen4x3"/>
   <p:notesSz cx="6858000" cy="9144000"/>
@@ -208,7 +209,7 @@
           <a:p>
             <a:fld id="{F5CC4B3F-88C1-4FFA-B1B6-F41C21DC6924}" type="datetimeFigureOut">
               <a:rPr lang="en-US" smtClean="0"/>
-              <a:t>17-Oct-18</a:t>
+              <a:t>11/12/2018</a:t>
             </a:fld>
             <a:endParaRPr lang="en-US"/>
           </a:p>
@@ -654,7 +655,7 @@
           <a:p>
             <a:fld id="{78C97017-6FC3-485B-9764-EAC9E56C1D49}" type="datetimeFigureOut">
               <a:rPr lang="en-US" smtClean="0"/>
-              <a:t>17-Oct-18</a:t>
+              <a:t>11/12/2018</a:t>
             </a:fld>
             <a:endParaRPr lang="en-US"/>
           </a:p>
@@ -822,7 +823,7 @@
           <a:p>
             <a:fld id="{78C97017-6FC3-485B-9764-EAC9E56C1D49}" type="datetimeFigureOut">
               <a:rPr lang="en-US" smtClean="0"/>
-              <a:t>17-Oct-18</a:t>
+              <a:t>11/12/2018</a:t>
             </a:fld>
             <a:endParaRPr lang="en-US"/>
           </a:p>
@@ -1000,7 +1001,7 @@
           <a:p>
             <a:fld id="{78C97017-6FC3-485B-9764-EAC9E56C1D49}" type="datetimeFigureOut">
               <a:rPr lang="en-US" smtClean="0"/>
-              <a:t>17-Oct-18</a:t>
+              <a:t>11/12/2018</a:t>
             </a:fld>
             <a:endParaRPr lang="en-US"/>
           </a:p>
@@ -1168,7 +1169,7 @@
           <a:p>
             <a:fld id="{78C97017-6FC3-485B-9764-EAC9E56C1D49}" type="datetimeFigureOut">
               <a:rPr lang="en-US" smtClean="0"/>
-              <a:t>17-Oct-18</a:t>
+              <a:t>11/12/2018</a:t>
             </a:fld>
             <a:endParaRPr lang="en-US"/>
           </a:p>
@@ -1413,7 +1414,7 @@
           <a:p>
             <a:fld id="{78C97017-6FC3-485B-9764-EAC9E56C1D49}" type="datetimeFigureOut">
               <a:rPr lang="en-US" smtClean="0"/>
-              <a:t>17-Oct-18</a:t>
+              <a:t>11/12/2018</a:t>
             </a:fld>
             <a:endParaRPr lang="en-US"/>
           </a:p>
@@ -1698,7 +1699,7 @@
           <a:p>
             <a:fld id="{78C97017-6FC3-485B-9764-EAC9E56C1D49}" type="datetimeFigureOut">
               <a:rPr lang="en-US" smtClean="0"/>
-              <a:t>17-Oct-18</a:t>
+              <a:t>11/12/2018</a:t>
             </a:fld>
             <a:endParaRPr lang="en-US"/>
           </a:p>
@@ -2117,7 +2118,7 @@
           <a:p>
             <a:fld id="{78C97017-6FC3-485B-9764-EAC9E56C1D49}" type="datetimeFigureOut">
               <a:rPr lang="en-US" smtClean="0"/>
-              <a:t>17-Oct-18</a:t>
+              <a:t>11/12/2018</a:t>
             </a:fld>
             <a:endParaRPr lang="en-US"/>
           </a:p>
@@ -2234,7 +2235,7 @@
           <a:p>
             <a:fld id="{78C97017-6FC3-485B-9764-EAC9E56C1D49}" type="datetimeFigureOut">
               <a:rPr lang="en-US" smtClean="0"/>
-              <a:t>17-Oct-18</a:t>
+              <a:t>11/12/2018</a:t>
             </a:fld>
             <a:endParaRPr lang="en-US"/>
           </a:p>
@@ -2329,7 +2330,7 @@
           <a:p>
             <a:fld id="{78C97017-6FC3-485B-9764-EAC9E56C1D49}" type="datetimeFigureOut">
               <a:rPr lang="en-US" smtClean="0"/>
-              <a:t>17-Oct-18</a:t>
+              <a:t>11/12/2018</a:t>
             </a:fld>
             <a:endParaRPr lang="en-US"/>
           </a:p>
@@ -2604,7 +2605,7 @@
           <a:p>
             <a:fld id="{78C97017-6FC3-485B-9764-EAC9E56C1D49}" type="datetimeFigureOut">
               <a:rPr lang="en-US" smtClean="0"/>
-              <a:t>17-Oct-18</a:t>
+              <a:t>11/12/2018</a:t>
             </a:fld>
             <a:endParaRPr lang="en-US"/>
           </a:p>
@@ -2856,7 +2857,7 @@
           <a:p>
             <a:fld id="{78C97017-6FC3-485B-9764-EAC9E56C1D49}" type="datetimeFigureOut">
               <a:rPr lang="en-US" smtClean="0"/>
-              <a:t>17-Oct-18</a:t>
+              <a:t>11/12/2018</a:t>
             </a:fld>
             <a:endParaRPr lang="en-US"/>
           </a:p>
@@ -3067,7 +3068,7 @@
           <a:p>
             <a:fld id="{78C97017-6FC3-485B-9764-EAC9E56C1D49}" type="datetimeFigureOut">
               <a:rPr lang="en-US" smtClean="0"/>
-              <a:t>17-Oct-18</a:t>
+              <a:t>11/12/2018</a:t>
             </a:fld>
             <a:endParaRPr lang="en-US"/>
           </a:p>
@@ -3450,8 +3451,8 @@
         </p:nvSpPr>
         <p:spPr>
           <a:xfrm>
-            <a:off x="1119865" y="1600200"/>
-            <a:ext cx="7490735" cy="3124200"/>
+            <a:off x="950341" y="691645"/>
+            <a:ext cx="11778118" cy="5474710"/>
           </a:xfrm>
           <a:prstGeom prst="roundRect">
             <a:avLst>
@@ -3488,7 +3489,7 @@
           <a:lstStyle/>
           <a:p>
             <a:r>
-              <a:rPr lang="en-US" sz="1200" b="1" dirty="0">
+              <a:rPr lang="en-US" sz="1200" b="1">
                 <a:solidFill>
                   <a:srgbClr val="7030A0"/>
                 </a:solidFill>
@@ -3626,19 +3627,17 @@
           <p:cNvPr id="107" name="Elbow Connector 106"/>
           <p:cNvCxnSpPr>
             <a:cxnSpLocks/>
-            <a:stCxn id="9" idx="1"/>
-            <a:endCxn id="62" idx="2"/>
           </p:cNvCxnSpPr>
           <p:nvPr/>
         </p:nvCxnSpPr>
         <p:spPr>
           <a:xfrm rot="5400000" flipH="1" flipV="1">
-            <a:off x="4131507" y="1281685"/>
+            <a:off x="4149080" y="1282024"/>
             <a:ext cx="613122" cy="4459404"/>
           </a:xfrm>
           <a:prstGeom prst="bentConnector3">
             <a:avLst>
-              <a:gd name="adj1" fmla="val -26668"/>
+              <a:gd name="adj1" fmla="val -34125"/>
             </a:avLst>
           </a:prstGeom>
           <a:ln w="19050">
@@ -3962,7 +3961,7 @@
         <p:spPr>
           <a:xfrm>
             <a:off x="2825280" y="2846162"/>
-            <a:ext cx="1490560" cy="334856"/>
+            <a:ext cx="1588902" cy="334856"/>
           </a:xfrm>
           <a:prstGeom prst="rect">
             <a:avLst/>
@@ -3999,7 +3998,7 @@
                   <a:srgbClr val="7030A0"/>
                 </a:solidFill>
               </a:rPr>
-              <a:t>VersionedExpenseList</a:t>
+              <a:t>VersionedExpenseTracker</a:t>
             </a:r>
             <a:endParaRPr lang="en-SG" sz="1050" dirty="0">
               <a:solidFill>
@@ -4013,6 +4012,7 @@
         <p:nvCxnSpPr>
           <p:cNvPr id="47" name="Straight Arrow Connector 46"/>
           <p:cNvCxnSpPr>
+            <a:cxnSpLocks/>
             <a:stCxn id="48" idx="3"/>
             <a:endCxn id="46" idx="1"/>
           </p:cNvCxnSpPr>
@@ -4103,7 +4103,7 @@
         </p:nvSpPr>
         <p:spPr>
           <a:xfrm>
-            <a:off x="4692650" y="2846162"/>
+            <a:off x="4754640" y="2846162"/>
             <a:ext cx="1156969" cy="346760"/>
           </a:xfrm>
           <a:prstGeom prst="rect">
@@ -4141,7 +4141,7 @@
                   <a:srgbClr val="7030A0"/>
                 </a:solidFill>
               </a:rPr>
-              <a:t>UniqueExpenseList</a:t>
+              <a:t>ExpenseList</a:t>
             </a:r>
             <a:endParaRPr lang="en-SG" sz="1050" dirty="0">
               <a:solidFill>
@@ -4159,7 +4159,7 @@
         </p:nvSpPr>
         <p:spPr>
           <a:xfrm>
-            <a:off x="4324972" y="2920532"/>
+            <a:off x="4419289" y="2935005"/>
             <a:ext cx="236048" cy="173380"/>
           </a:xfrm>
           <a:prstGeom prst="flowChartDecision">
@@ -4262,7 +4262,7 @@
         </p:nvSpPr>
         <p:spPr>
           <a:xfrm>
-            <a:off x="5858751" y="2941676"/>
+            <a:off x="5921651" y="2943417"/>
             <a:ext cx="236048" cy="173380"/>
           </a:xfrm>
           <a:prstGeom prst="flowChartDecision">
@@ -4310,8 +4310,8 @@
         </p:nvCxnSpPr>
         <p:spPr>
           <a:xfrm>
-            <a:off x="6094799" y="3028366"/>
-            <a:ext cx="218878" cy="3080"/>
+            <a:off x="6157699" y="3030107"/>
+            <a:ext cx="155978" cy="1339"/>
           </a:xfrm>
           <a:prstGeom prst="bentConnector3">
             <a:avLst/>
@@ -4785,7 +4785,7 @@
         </p:nvCxnSpPr>
         <p:spPr>
           <a:xfrm rot="5400000">
-            <a:off x="3436063" y="2595635"/>
+            <a:off x="2635823" y="2631723"/>
             <a:ext cx="453787" cy="5934"/>
           </a:xfrm>
           <a:prstGeom prst="bentConnector3">
@@ -4826,7 +4826,7 @@
         </p:nvSpPr>
         <p:spPr>
           <a:xfrm rot="10800000" flipV="1">
-            <a:off x="3524730" y="2136919"/>
+            <a:off x="2724490" y="2173007"/>
             <a:ext cx="282387" cy="234790"/>
           </a:xfrm>
           <a:prstGeom prst="triangle">
@@ -4874,8 +4874,8 @@
         </p:nvSpPr>
         <p:spPr>
           <a:xfrm>
-            <a:off x="1260922" y="1998350"/>
-            <a:ext cx="1443661" cy="364396"/>
+            <a:off x="1208889" y="1099627"/>
+            <a:ext cx="1625870" cy="364396"/>
           </a:xfrm>
           <a:prstGeom prst="rect">
             <a:avLst/>
@@ -4927,7 +4927,7 @@
                   <a:srgbClr val="7030A0"/>
                 </a:solidFill>
               </a:rPr>
-              <a:t>ReadOnlyExpenseList</a:t>
+              <a:t>ReadOnlyExpenseTracker</a:t>
             </a:r>
             <a:endParaRPr lang="en-SG" sz="1050" dirty="0">
               <a:solidFill>
@@ -4984,7 +4984,7 @@
         </p:nvSpPr>
         <p:spPr>
           <a:xfrm>
-            <a:off x="2057401" y="4239491"/>
+            <a:off x="2090960" y="5566480"/>
             <a:ext cx="1066800" cy="346760"/>
           </a:xfrm>
           <a:prstGeom prst="rect">
@@ -5058,8 +5058,8 @@
         </p:nvCxnSpPr>
         <p:spPr>
           <a:xfrm rot="16200000" flipH="1">
-            <a:off x="1364475" y="3719944"/>
-            <a:ext cx="831471" cy="554381"/>
+            <a:off x="717760" y="4366660"/>
+            <a:ext cx="2158460" cy="587940"/>
           </a:xfrm>
           <a:prstGeom prst="bentConnector2">
             <a:avLst/>
@@ -5097,7 +5097,7 @@
         </p:nvSpPr>
         <p:spPr>
           <a:xfrm>
-            <a:off x="4429979" y="3111479"/>
+            <a:off x="4414182" y="3081724"/>
             <a:ext cx="189257" cy="178683"/>
           </a:xfrm>
           <a:prstGeom prst="rect">
@@ -5175,8 +5175,8 @@
         </p:nvSpPr>
         <p:spPr>
           <a:xfrm>
-            <a:off x="2573394" y="2756715"/>
-            <a:ext cx="170110" cy="137542"/>
+            <a:off x="2438400" y="2734677"/>
+            <a:ext cx="282020" cy="159580"/>
           </a:xfrm>
           <a:prstGeom prst="rect">
             <a:avLst/>
@@ -5196,7 +5196,7 @@
                   <a:srgbClr val="7030A0"/>
                 </a:solidFill>
               </a:rPr>
-              <a:t>1</a:t>
+              <a:t>0..1</a:t>
             </a:r>
             <a:endParaRPr lang="en-SG" sz="1100" dirty="0">
               <a:solidFill>
@@ -5449,7 +5449,7 @@
         </p:nvSpPr>
         <p:spPr>
           <a:xfrm>
-            <a:off x="3188676" y="1772523"/>
+            <a:off x="2388436" y="1808611"/>
             <a:ext cx="1060683" cy="364396"/>
           </a:xfrm>
           <a:prstGeom prst="rect">
@@ -5487,7 +5487,7 @@
                   <a:srgbClr val="7030A0"/>
                 </a:solidFill>
               </a:rPr>
-              <a:t>ExpenseList</a:t>
+              <a:t>ExpenseTracker</a:t>
             </a:r>
             <a:endParaRPr lang="en-SG" sz="1050" dirty="0">
               <a:solidFill>
@@ -5501,15 +5501,16 @@
         <p:nvCxnSpPr>
           <p:cNvPr id="60" name="Straight Arrow Connector 59"/>
           <p:cNvCxnSpPr>
+            <a:cxnSpLocks/>
             <a:stCxn id="51" idx="1"/>
             <a:endCxn id="49" idx="1"/>
           </p:cNvCxnSpPr>
           <p:nvPr/>
         </p:nvCxnSpPr>
         <p:spPr>
-          <a:xfrm>
-            <a:off x="4324972" y="3007222"/>
-            <a:ext cx="367678" cy="12320"/>
+          <a:xfrm flipV="1">
+            <a:off x="4419289" y="3019542"/>
+            <a:ext cx="335351" cy="2153"/>
           </a:xfrm>
           <a:prstGeom prst="straightConnector1">
             <a:avLst/>
@@ -5538,27 +5539,71 @@
           </a:fontRef>
         </p:style>
       </p:cxnSp>
-      <p:sp>
-        <p:nvSpPr>
-          <p:cNvPr id="68" name="Isosceles Triangle 102"/>
+      <p:cxnSp>
+        <p:nvCxnSpPr>
+          <p:cNvPr id="69" name="Elbow Connector 63"/>
+          <p:cNvCxnSpPr>
+            <a:cxnSpLocks/>
+            <a:stCxn id="143" idx="3"/>
+            <a:endCxn id="55" idx="1"/>
+          </p:cNvCxnSpPr>
+          <p:nvPr/>
+        </p:nvCxnSpPr>
+        <p:spPr>
+          <a:xfrm rot="16200000" flipH="1">
+            <a:off x="2024857" y="1627230"/>
+            <a:ext cx="273010" cy="454148"/>
+          </a:xfrm>
+          <a:prstGeom prst="bentConnector2">
+            <a:avLst/>
+          </a:prstGeom>
+          <a:ln w="19050">
+            <a:solidFill>
+              <a:srgbClr val="7030A0"/>
+            </a:solidFill>
+            <a:prstDash val="sysDot"/>
+            <a:headEnd type="none" w="med" len="med"/>
+            <a:tailEnd type="none" w="med" len="med"/>
+          </a:ln>
+          <a:effectLst/>
+        </p:spPr>
+        <p:style>
+          <a:lnRef idx="1">
+            <a:schemeClr val="accent2"/>
+          </a:lnRef>
+          <a:fillRef idx="2">
+            <a:schemeClr val="accent2"/>
+          </a:fillRef>
+          <a:effectRef idx="1">
+            <a:schemeClr val="accent2"/>
+          </a:effectRef>
+          <a:fontRef idx="minor">
+            <a:schemeClr val="dk1"/>
+          </a:fontRef>
+        </p:style>
+      </p:cxnSp>
+      <p:sp>
+        <p:nvSpPr>
+          <p:cNvPr id="57" name="Flowchart: Decision 96">
+            <a:extLst>
+              <a:ext uri="{FF2B5EF4-FFF2-40B4-BE49-F238E27FC236}">
+                <a16:creationId xmlns:a16="http://schemas.microsoft.com/office/drawing/2014/main" id="{9241C989-C446-4022-B1D6-BE372FCB4B17}"/>
+              </a:ext>
+            </a:extLst>
+          </p:cNvPr>
           <p:cNvSpPr/>
           <p:nvPr/>
         </p:nvSpPr>
         <p:spPr>
-          <a:xfrm rot="16200000">
-            <a:off x="2669073" y="2069158"/>
-            <a:ext cx="271014" cy="187417"/>
-          </a:xfrm>
-          <a:prstGeom prst="triangle">
-            <a:avLst>
-              <a:gd name="adj" fmla="val 44517"/>
-            </a:avLst>
+          <a:xfrm rot="19275448">
+            <a:off x="3768863" y="2671965"/>
+            <a:ext cx="236048" cy="173380"/>
+          </a:xfrm>
+          <a:prstGeom prst="flowChartDecision">
+            <a:avLst/>
           </a:prstGeom>
           <a:solidFill>
-            <a:schemeClr val="accent4">
-              <a:lumMod val="20000"/>
-              <a:lumOff val="80000"/>
-            </a:schemeClr>
+            <a:srgbClr val="7030A0"/>
           </a:solidFill>
           <a:ln w="19050">
             <a:solidFill>
@@ -5586,36 +5631,38 @@
           <a:lstStyle/>
           <a:p>
             <a:pPr algn="ctr"/>
-            <a:endParaRPr lang="en-SG" sz="1050"/>
+            <a:endParaRPr lang="en-US" sz="1050"/>
           </a:p>
         </p:txBody>
       </p:sp>
       <p:cxnSp>
         <p:nvCxnSpPr>
-          <p:cNvPr id="69" name="Elbow Connector 63"/>
+          <p:cNvPr id="59" name="Straight Arrow Connector 58">
+            <a:extLst>
+              <a:ext uri="{FF2B5EF4-FFF2-40B4-BE49-F238E27FC236}">
+                <a16:creationId xmlns:a16="http://schemas.microsoft.com/office/drawing/2014/main" id="{42B4C1A2-2EC5-466A-BF33-9DE4C4BBAF61}"/>
+              </a:ext>
+            </a:extLst>
+          </p:cNvPr>
           <p:cNvCxnSpPr>
-            <a:stCxn id="68" idx="3"/>
-            <a:endCxn id="55" idx="1"/>
+            <a:cxnSpLocks/>
           </p:cNvCxnSpPr>
           <p:nvPr/>
         </p:nvCxnSpPr>
         <p:spPr>
           <a:xfrm flipV="1">
-            <a:off x="2898289" y="1954721"/>
-            <a:ext cx="290387" cy="223006"/>
-          </a:xfrm>
-          <a:prstGeom prst="bentConnector3">
-            <a:avLst>
-              <a:gd name="adj1" fmla="val 50000"/>
-            </a:avLst>
+            <a:off x="3916207" y="2126098"/>
+            <a:ext cx="649992" cy="616294"/>
+          </a:xfrm>
+          <a:prstGeom prst="straightConnector1">
+            <a:avLst/>
           </a:prstGeom>
           <a:ln w="19050">
             <a:solidFill>
               <a:srgbClr val="7030A0"/>
             </a:solidFill>
-            <a:prstDash val="sysDot"/>
             <a:headEnd type="none" w="med" len="med"/>
-            <a:tailEnd type="none" w="med" len="med"/>
+            <a:tailEnd type="arrow" w="med" len="med"/>
           </a:ln>
           <a:effectLst/>
         </p:spPr>
@@ -5636,10 +5683,10 @@
       </p:cxnSp>
       <p:sp>
         <p:nvSpPr>
-          <p:cNvPr id="57" name="Flowchart: Decision 96">
+          <p:cNvPr id="67" name="Rectangle 8">
             <a:extLst>
               <a:ext uri="{FF2B5EF4-FFF2-40B4-BE49-F238E27FC236}">
-                <a16:creationId xmlns:a16="http://schemas.microsoft.com/office/drawing/2014/main" id="{9241C989-C446-4022-B1D6-BE372FCB4B17}"/>
+                <a16:creationId xmlns:a16="http://schemas.microsoft.com/office/drawing/2014/main" id="{EB6BD525-82EB-4837-B112-2FB548EC0625}"/>
               </a:ext>
             </a:extLst>
           </p:cNvPr>
@@ -5647,16 +5694,336 @@
           <p:nvPr/>
         </p:nvSpPr>
         <p:spPr>
-          <a:xfrm rot="19275448">
-            <a:off x="4018543" y="2671914"/>
+          <a:xfrm>
+            <a:off x="4572000" y="1849581"/>
+            <a:ext cx="1060683" cy="364396"/>
+          </a:xfrm>
+          <a:prstGeom prst="rect">
+            <a:avLst/>
+          </a:prstGeom>
+          <a:ln w="19050">
+            <a:solidFill>
+              <a:srgbClr val="7030A0"/>
+            </a:solidFill>
+          </a:ln>
+          <a:effectLst/>
+        </p:spPr>
+        <p:style>
+          <a:lnRef idx="1">
+            <a:schemeClr val="accent4"/>
+          </a:lnRef>
+          <a:fillRef idx="2">
+            <a:schemeClr val="accent4"/>
+          </a:fillRef>
+          <a:effectRef idx="1">
+            <a:schemeClr val="accent4"/>
+          </a:effectRef>
+          <a:fontRef idx="minor">
+            <a:schemeClr val="dk1"/>
+          </a:fontRef>
+        </p:style>
+        <p:txBody>
+          <a:bodyPr rtlCol="0" anchor="ctr"/>
+          <a:lstStyle/>
+          <a:p>
+            <a:pPr algn="ctr"/>
+            <a:r>
+              <a:rPr lang="en-US" sz="1050" dirty="0">
+                <a:solidFill>
+                  <a:srgbClr val="7030A0"/>
+                </a:solidFill>
+              </a:rPr>
+              <a:t>Username</a:t>
+            </a:r>
+            <a:endParaRPr lang="en-SG" sz="1050" dirty="0">
+              <a:solidFill>
+                <a:srgbClr val="7030A0"/>
+              </a:solidFill>
+            </a:endParaRPr>
+          </a:p>
+        </p:txBody>
+      </p:sp>
+      <p:cxnSp>
+        <p:nvCxnSpPr>
+          <p:cNvPr id="72" name="Straight Arrow Connector 71">
+            <a:extLst>
+              <a:ext uri="{FF2B5EF4-FFF2-40B4-BE49-F238E27FC236}">
+                <a16:creationId xmlns:a16="http://schemas.microsoft.com/office/drawing/2014/main" id="{56DD3681-EA0C-4CFC-ACB8-127AF46BFF7C}"/>
+              </a:ext>
+            </a:extLst>
+          </p:cNvPr>
+          <p:cNvCxnSpPr>
+            <a:cxnSpLocks/>
+          </p:cNvCxnSpPr>
+          <p:nvPr/>
+        </p:nvCxnSpPr>
+        <p:spPr>
+          <a:xfrm>
+            <a:off x="4184054" y="3190030"/>
+            <a:ext cx="259852" cy="345993"/>
+          </a:xfrm>
+          <a:prstGeom prst="straightConnector1">
+            <a:avLst/>
+          </a:prstGeom>
+          <a:ln w="19050">
+            <a:solidFill>
+              <a:srgbClr val="7030A0"/>
+            </a:solidFill>
+            <a:headEnd type="none" w="med" len="med"/>
+            <a:tailEnd type="arrow" w="med" len="med"/>
+          </a:ln>
+          <a:effectLst/>
+        </p:spPr>
+        <p:style>
+          <a:lnRef idx="1">
+            <a:schemeClr val="accent2"/>
+          </a:lnRef>
+          <a:fillRef idx="2">
+            <a:schemeClr val="accent2"/>
+          </a:fillRef>
+          <a:effectRef idx="1">
+            <a:schemeClr val="accent2"/>
+          </a:effectRef>
+          <a:fontRef idx="minor">
+            <a:schemeClr val="dk1"/>
+          </a:fontRef>
+        </p:style>
+      </p:cxnSp>
+      <p:sp>
+        <p:nvSpPr>
+          <p:cNvPr id="73" name="Rectangle 8">
+            <a:extLst>
+              <a:ext uri="{FF2B5EF4-FFF2-40B4-BE49-F238E27FC236}">
+                <a16:creationId xmlns:a16="http://schemas.microsoft.com/office/drawing/2014/main" id="{7AF1E458-09B0-4AFA-A202-744F87B8568E}"/>
+              </a:ext>
+            </a:extLst>
+          </p:cNvPr>
+          <p:cNvSpPr/>
+          <p:nvPr/>
+        </p:nvSpPr>
+        <p:spPr>
+          <a:xfrm>
+            <a:off x="4555798" y="1368474"/>
+            <a:ext cx="1060683" cy="364396"/>
+          </a:xfrm>
+          <a:prstGeom prst="rect">
+            <a:avLst/>
+          </a:prstGeom>
+          <a:ln w="19050">
+            <a:solidFill>
+              <a:srgbClr val="7030A0"/>
+            </a:solidFill>
+          </a:ln>
+          <a:effectLst/>
+        </p:spPr>
+        <p:style>
+          <a:lnRef idx="1">
+            <a:schemeClr val="accent4"/>
+          </a:lnRef>
+          <a:fillRef idx="2">
+            <a:schemeClr val="accent4"/>
+          </a:fillRef>
+          <a:effectRef idx="1">
+            <a:schemeClr val="accent4"/>
+          </a:effectRef>
+          <a:fontRef idx="minor">
+            <a:schemeClr val="dk1"/>
+          </a:fontRef>
+        </p:style>
+        <p:txBody>
+          <a:bodyPr rtlCol="0" anchor="ctr"/>
+          <a:lstStyle/>
+          <a:p>
+            <a:pPr algn="ctr"/>
+            <a:r>
+              <a:rPr lang="en-US" sz="1050" dirty="0" err="1">
+                <a:solidFill>
+                  <a:srgbClr val="7030A0"/>
+                </a:solidFill>
+              </a:rPr>
+              <a:t>TotalBudget</a:t>
+            </a:r>
+            <a:endParaRPr lang="en-SG" sz="1050" dirty="0">
+              <a:solidFill>
+                <a:srgbClr val="7030A0"/>
+              </a:solidFill>
+            </a:endParaRPr>
+          </a:p>
+        </p:txBody>
+      </p:sp>
+      <p:sp>
+        <p:nvSpPr>
+          <p:cNvPr id="56" name="TextBox 55">
+            <a:extLst>
+              <a:ext uri="{FF2B5EF4-FFF2-40B4-BE49-F238E27FC236}">
+                <a16:creationId xmlns:a16="http://schemas.microsoft.com/office/drawing/2014/main" id="{66FD5DCD-6857-432F-A12E-8C44D682F30C}"/>
+              </a:ext>
+            </a:extLst>
+          </p:cNvPr>
+          <p:cNvSpPr txBox="1"/>
+          <p:nvPr/>
+        </p:nvSpPr>
+        <p:spPr>
+          <a:xfrm>
+            <a:off x="3185762" y="2643336"/>
+            <a:ext cx="141264" cy="196945"/>
+          </a:xfrm>
+          <a:prstGeom prst="rect">
+            <a:avLst/>
+          </a:prstGeom>
+          <a:noFill/>
+        </p:spPr>
+        <p:txBody>
+          <a:bodyPr wrap="square" lIns="0" tIns="0" rIns="0" bIns="0" rtlCol="0">
+            <a:noAutofit/>
+          </a:bodyPr>
+          <a:lstStyle/>
+          <a:p>
+            <a:pPr algn="ctr"/>
+            <a:r>
+              <a:rPr lang="en-US" sz="1100" dirty="0">
+                <a:solidFill>
+                  <a:srgbClr val="7030A0"/>
+                </a:solidFill>
+              </a:rPr>
+              <a:t>1</a:t>
+            </a:r>
+            <a:endParaRPr lang="en-SG" sz="1100" dirty="0">
+              <a:solidFill>
+                <a:srgbClr val="7030A0"/>
+              </a:solidFill>
+            </a:endParaRPr>
+          </a:p>
+        </p:txBody>
+      </p:sp>
+      <p:sp>
+        <p:nvSpPr>
+          <p:cNvPr id="74" name="TextBox 73">
+            <a:extLst>
+              <a:ext uri="{FF2B5EF4-FFF2-40B4-BE49-F238E27FC236}">
+                <a16:creationId xmlns:a16="http://schemas.microsoft.com/office/drawing/2014/main" id="{3F05B4B8-EC37-47C9-B923-AACA4D03EC00}"/>
+              </a:ext>
+            </a:extLst>
+          </p:cNvPr>
+          <p:cNvSpPr txBox="1"/>
+          <p:nvPr/>
+        </p:nvSpPr>
+        <p:spPr>
+          <a:xfrm>
+            <a:off x="4384181" y="3277249"/>
+            <a:ext cx="189257" cy="178683"/>
+          </a:xfrm>
+          <a:prstGeom prst="rect">
+            <a:avLst/>
+          </a:prstGeom>
+          <a:noFill/>
+        </p:spPr>
+        <p:txBody>
+          <a:bodyPr wrap="square" lIns="0" tIns="0" rIns="0" bIns="0" rtlCol="0">
+            <a:noAutofit/>
+          </a:bodyPr>
+          <a:lstStyle/>
+          <a:p>
+            <a:pPr algn="ctr"/>
+            <a:r>
+              <a:rPr lang="en-US" sz="1100" dirty="0">
+                <a:solidFill>
+                  <a:srgbClr val="7030A0"/>
+                </a:solidFill>
+              </a:rPr>
+              <a:t>1</a:t>
+            </a:r>
+            <a:endParaRPr lang="en-SG" sz="1100" dirty="0">
+              <a:solidFill>
+                <a:srgbClr val="7030A0"/>
+              </a:solidFill>
+            </a:endParaRPr>
+          </a:p>
+        </p:txBody>
+      </p:sp>
+      <p:sp>
+        <p:nvSpPr>
+          <p:cNvPr id="93" name="Rectangle 8">
+            <a:extLst>
+              <a:ext uri="{FF2B5EF4-FFF2-40B4-BE49-F238E27FC236}">
+                <a16:creationId xmlns:a16="http://schemas.microsoft.com/office/drawing/2014/main" id="{7A68C7AF-E96F-42CB-B3B2-A468884897B5}"/>
+              </a:ext>
+            </a:extLst>
+          </p:cNvPr>
+          <p:cNvSpPr/>
+          <p:nvPr/>
+        </p:nvSpPr>
+        <p:spPr>
+          <a:xfrm>
+            <a:off x="2938338" y="4648275"/>
+            <a:ext cx="1604481" cy="346760"/>
+          </a:xfrm>
+          <a:prstGeom prst="rect">
+            <a:avLst/>
+          </a:prstGeom>
+          <a:ln w="19050">
+            <a:solidFill>
+              <a:srgbClr val="7030A0"/>
+            </a:solidFill>
+          </a:ln>
+          <a:effectLst/>
+        </p:spPr>
+        <p:style>
+          <a:lnRef idx="1">
+            <a:schemeClr val="accent4"/>
+          </a:lnRef>
+          <a:fillRef idx="2">
+            <a:schemeClr val="accent4"/>
+          </a:fillRef>
+          <a:effectRef idx="1">
+            <a:schemeClr val="accent4"/>
+          </a:effectRef>
+          <a:fontRef idx="minor">
+            <a:schemeClr val="dk1"/>
+          </a:fontRef>
+        </p:style>
+        <p:txBody>
+          <a:bodyPr rtlCol="0" anchor="ctr"/>
+          <a:lstStyle/>
+          <a:p>
+            <a:pPr algn="ctr"/>
+            <a:r>
+              <a:rPr lang="en-US" sz="1050" dirty="0" err="1">
+                <a:solidFill>
+                  <a:srgbClr val="7030A0"/>
+                </a:solidFill>
+              </a:rPr>
+              <a:t>EncryptedExpenseTracker</a:t>
+            </a:r>
+            <a:endParaRPr lang="en-SG" sz="1050" dirty="0">
+              <a:solidFill>
+                <a:srgbClr val="7030A0"/>
+              </a:solidFill>
+            </a:endParaRPr>
+          </a:p>
+        </p:txBody>
+      </p:sp>
+      <p:sp>
+        <p:nvSpPr>
+          <p:cNvPr id="98" name="Flowchart: Decision 96">
+            <a:extLst>
+              <a:ext uri="{FF2B5EF4-FFF2-40B4-BE49-F238E27FC236}">
+                <a16:creationId xmlns:a16="http://schemas.microsoft.com/office/drawing/2014/main" id="{F49C8E26-E03B-4D4A-A140-4BBDEAE3E128}"/>
+              </a:ext>
+            </a:extLst>
+          </p:cNvPr>
+          <p:cNvSpPr/>
+          <p:nvPr/>
+        </p:nvSpPr>
+        <p:spPr>
+          <a:xfrm rot="5400000">
+            <a:off x="1990490" y="3866510"/>
             <a:ext cx="236048" cy="173380"/>
           </a:xfrm>
           <a:prstGeom prst="flowChartDecision">
             <a:avLst/>
           </a:prstGeom>
-          <a:solidFill>
-            <a:srgbClr val="7030A0"/>
-          </a:solidFill>
+          <a:noFill/>
           <a:ln w="19050">
             <a:solidFill>
               <a:srgbClr val="7030A0"/>
@@ -5687,58 +6054,57 @@
           </a:p>
         </p:txBody>
       </p:sp>
-      <p:cxnSp>
-        <p:nvCxnSpPr>
-          <p:cNvPr id="59" name="Straight Arrow Connector 58">
+      <p:sp>
+        <p:nvSpPr>
+          <p:cNvPr id="101" name="TextBox 100">
             <a:extLst>
               <a:ext uri="{FF2B5EF4-FFF2-40B4-BE49-F238E27FC236}">
-                <a16:creationId xmlns:a16="http://schemas.microsoft.com/office/drawing/2014/main" id="{42B4C1A2-2EC5-466A-BF33-9DE4C4BBAF61}"/>
+                <a16:creationId xmlns:a16="http://schemas.microsoft.com/office/drawing/2014/main" id="{FA9A2D3D-549A-45DF-A1E7-9DB84E2C7E72}"/>
               </a:ext>
             </a:extLst>
           </p:cNvPr>
-          <p:cNvCxnSpPr>
-            <a:cxnSpLocks/>
-          </p:cNvCxnSpPr>
-          <p:nvPr/>
-        </p:nvCxnSpPr>
-        <p:spPr>
-          <a:xfrm flipV="1">
-            <a:off x="4067285" y="2543335"/>
-            <a:ext cx="330451" cy="286754"/>
-          </a:xfrm>
-          <a:prstGeom prst="straightConnector1">
-            <a:avLst/>
-          </a:prstGeom>
-          <a:ln w="19050">
-            <a:solidFill>
-              <a:srgbClr val="7030A0"/>
-            </a:solidFill>
-            <a:headEnd type="none" w="med" len="med"/>
-            <a:tailEnd type="arrow" w="med" len="med"/>
-          </a:ln>
-          <a:effectLst/>
-        </p:spPr>
-        <p:style>
-          <a:lnRef idx="1">
-            <a:schemeClr val="accent2"/>
-          </a:lnRef>
-          <a:fillRef idx="2">
-            <a:schemeClr val="accent2"/>
-          </a:fillRef>
-          <a:effectRef idx="1">
-            <a:schemeClr val="accent2"/>
-          </a:effectRef>
-          <a:fontRef idx="minor">
-            <a:schemeClr val="dk1"/>
-          </a:fontRef>
-        </p:style>
-      </p:cxnSp>
-      <p:sp>
-        <p:nvSpPr>
-          <p:cNvPr id="67" name="Rectangle 8">
+          <p:cNvSpPr txBox="1"/>
+          <p:nvPr/>
+        </p:nvSpPr>
+        <p:spPr>
+          <a:xfrm>
+            <a:off x="4154730" y="4687564"/>
+            <a:ext cx="189257" cy="178683"/>
+          </a:xfrm>
+          <a:prstGeom prst="rect">
+            <a:avLst/>
+          </a:prstGeom>
+          <a:noFill/>
+        </p:spPr>
+        <p:txBody>
+          <a:bodyPr wrap="square" lIns="0" tIns="0" rIns="0" bIns="0" rtlCol="0">
+            <a:noAutofit/>
+          </a:bodyPr>
+          <a:lstStyle/>
+          <a:p>
+            <a:pPr algn="ctr"/>
+            <a:r>
+              <a:rPr lang="en-US" sz="1100" dirty="0">
+                <a:solidFill>
+                  <a:srgbClr val="7030A0"/>
+                </a:solidFill>
+              </a:rPr>
+              <a:t>*</a:t>
+            </a:r>
+            <a:endParaRPr lang="en-SG" sz="1100" dirty="0">
+              <a:solidFill>
+                <a:srgbClr val="7030A0"/>
+              </a:solidFill>
+            </a:endParaRPr>
+          </a:p>
+        </p:txBody>
+      </p:sp>
+      <p:sp>
+        <p:nvSpPr>
+          <p:cNvPr id="102" name="Rectangle 8">
             <a:extLst>
               <a:ext uri="{FF2B5EF4-FFF2-40B4-BE49-F238E27FC236}">
-                <a16:creationId xmlns:a16="http://schemas.microsoft.com/office/drawing/2014/main" id="{EB6BD525-82EB-4837-B112-2FB548EC0625}"/>
+                <a16:creationId xmlns:a16="http://schemas.microsoft.com/office/drawing/2014/main" id="{C8DBC216-84B2-4E49-A2B4-907F03B2084D}"/>
               </a:ext>
             </a:extLst>
           </p:cNvPr>
@@ -5747,8 +6113,8 @@
         </p:nvSpPr>
         <p:spPr>
           <a:xfrm>
-            <a:off x="4397736" y="2162866"/>
-            <a:ext cx="1060683" cy="364396"/>
+            <a:off x="7213488" y="4648905"/>
+            <a:ext cx="1216521" cy="346760"/>
           </a:xfrm>
           <a:prstGeom prst="rect">
             <a:avLst/>
@@ -5780,12 +6146,12 @@
           <a:p>
             <a:pPr algn="ctr"/>
             <a:r>
-              <a:rPr lang="en-US" sz="1050" dirty="0">
+              <a:rPr lang="en-US" sz="1050" dirty="0" err="1">
                 <a:solidFill>
                   <a:srgbClr val="7030A0"/>
                 </a:solidFill>
               </a:rPr>
-              <a:t>Username</a:t>
+              <a:t>EncryptedExpense</a:t>
             </a:r>
             <a:endParaRPr lang="en-SG" sz="1050" dirty="0">
               <a:solidFill>
@@ -5797,10 +6163,10 @@
       </p:sp>
       <p:sp>
         <p:nvSpPr>
-          <p:cNvPr id="71" name="Flowchart: Decision 96">
+          <p:cNvPr id="103" name="Flowchart: Decision 96">
             <a:extLst>
               <a:ext uri="{FF2B5EF4-FFF2-40B4-BE49-F238E27FC236}">
-                <a16:creationId xmlns:a16="http://schemas.microsoft.com/office/drawing/2014/main" id="{4EA3F6E2-EF59-4697-A044-C3CF0E50C0DB}"/>
+                <a16:creationId xmlns:a16="http://schemas.microsoft.com/office/drawing/2014/main" id="{8CE92261-BE33-45D2-8CF9-3DC66C7B452D}"/>
               </a:ext>
             </a:extLst>
           </p:cNvPr>
@@ -5808,8 +6174,8 @@
           <p:nvPr/>
         </p:nvSpPr>
         <p:spPr>
-          <a:xfrm rot="2951580">
-            <a:off x="4155346" y="3205241"/>
+          <a:xfrm>
+            <a:off x="4561929" y="4738328"/>
             <a:ext cx="236048" cy="173380"/>
           </a:xfrm>
           <a:prstGeom prst="flowChartDecision">
@@ -5850,25 +6216,29 @@
       </p:sp>
       <p:cxnSp>
         <p:nvCxnSpPr>
-          <p:cNvPr id="72" name="Straight Arrow Connector 71">
+          <p:cNvPr id="104" name="Elbow Connector 63">
             <a:extLst>
               <a:ext uri="{FF2B5EF4-FFF2-40B4-BE49-F238E27FC236}">
-                <a16:creationId xmlns:a16="http://schemas.microsoft.com/office/drawing/2014/main" id="{56DD3681-EA0C-4CFC-ACB8-127AF46BFF7C}"/>
+                <a16:creationId xmlns:a16="http://schemas.microsoft.com/office/drawing/2014/main" id="{AB06B4D7-5772-4A31-9703-7E1D3C8FD1D2}"/>
               </a:ext>
             </a:extLst>
           </p:cNvPr>
           <p:cNvCxnSpPr>
             <a:cxnSpLocks/>
+            <a:stCxn id="103" idx="3"/>
+            <a:endCxn id="215" idx="1"/>
           </p:cNvCxnSpPr>
           <p:nvPr/>
         </p:nvCxnSpPr>
         <p:spPr>
-          <a:xfrm>
-            <a:off x="4184054" y="3190030"/>
-            <a:ext cx="259852" cy="345993"/>
-          </a:xfrm>
-          <a:prstGeom prst="straightConnector1">
-            <a:avLst/>
+          <a:xfrm flipV="1">
+            <a:off x="4797977" y="4821693"/>
+            <a:ext cx="399257" cy="3325"/>
+          </a:xfrm>
+          <a:prstGeom prst="bentConnector3">
+            <a:avLst>
+              <a:gd name="adj1" fmla="val 50000"/>
+            </a:avLst>
           </a:prstGeom>
           <a:ln w="19050">
             <a:solidFill>
@@ -5896,10 +6266,55 @@
       </p:cxnSp>
       <p:sp>
         <p:nvSpPr>
-          <p:cNvPr id="73" name="Rectangle 8">
+          <p:cNvPr id="108" name="TextBox 107">
             <a:extLst>
               <a:ext uri="{FF2B5EF4-FFF2-40B4-BE49-F238E27FC236}">
-                <a16:creationId xmlns:a16="http://schemas.microsoft.com/office/drawing/2014/main" id="{7AF1E458-09B0-4AFA-A202-744F87B8568E}"/>
+                <a16:creationId xmlns:a16="http://schemas.microsoft.com/office/drawing/2014/main" id="{0A29332C-EF4C-480A-A3DD-79FC02C7AAC2}"/>
+              </a:ext>
+            </a:extLst>
+          </p:cNvPr>
+          <p:cNvSpPr txBox="1"/>
+          <p:nvPr/>
+        </p:nvSpPr>
+        <p:spPr>
+          <a:xfrm>
+            <a:off x="4535232" y="4544366"/>
+            <a:ext cx="189257" cy="178683"/>
+          </a:xfrm>
+          <a:prstGeom prst="rect">
+            <a:avLst/>
+          </a:prstGeom>
+          <a:noFill/>
+        </p:spPr>
+        <p:txBody>
+          <a:bodyPr wrap="square" lIns="0" tIns="0" rIns="0" bIns="0" rtlCol="0">
+            <a:noAutofit/>
+          </a:bodyPr>
+          <a:lstStyle/>
+          <a:p>
+            <a:pPr algn="ctr"/>
+            <a:r>
+              <a:rPr lang="en-US" sz="1100" dirty="0">
+                <a:solidFill>
+                  <a:srgbClr val="7030A0"/>
+                </a:solidFill>
+              </a:rPr>
+              <a:t>1</a:t>
+            </a:r>
+            <a:endParaRPr lang="en-SG" sz="1100" dirty="0">
+              <a:solidFill>
+                <a:srgbClr val="7030A0"/>
+              </a:solidFill>
+            </a:endParaRPr>
+          </a:p>
+        </p:txBody>
+      </p:sp>
+      <p:sp>
+        <p:nvSpPr>
+          <p:cNvPr id="110" name="Flowchart: Decision 96">
+            <a:extLst>
+              <a:ext uri="{FF2B5EF4-FFF2-40B4-BE49-F238E27FC236}">
+                <a16:creationId xmlns:a16="http://schemas.microsoft.com/office/drawing/2014/main" id="{024F3240-0CC7-4DB7-AB52-1146C8F06503}"/>
               </a:ext>
             </a:extLst>
           </p:cNvPr>
@@ -5908,8 +6323,61 @@
         </p:nvSpPr>
         <p:spPr>
           <a:xfrm>
-            <a:off x="4347966" y="3540856"/>
-            <a:ext cx="1060683" cy="364396"/>
+            <a:off x="8452640" y="4735353"/>
+            <a:ext cx="236048" cy="173380"/>
+          </a:xfrm>
+          <a:prstGeom prst="flowChartDecision">
+            <a:avLst/>
+          </a:prstGeom>
+          <a:solidFill>
+            <a:srgbClr val="7030A0"/>
+          </a:solidFill>
+          <a:ln w="19050">
+            <a:solidFill>
+              <a:srgbClr val="7030A0"/>
+            </a:solidFill>
+          </a:ln>
+          <a:effectLst/>
+        </p:spPr>
+        <p:style>
+          <a:lnRef idx="1">
+            <a:schemeClr val="accent6"/>
+          </a:lnRef>
+          <a:fillRef idx="2">
+            <a:schemeClr val="accent6"/>
+          </a:fillRef>
+          <a:effectRef idx="1">
+            <a:schemeClr val="accent6"/>
+          </a:effectRef>
+          <a:fontRef idx="minor">
+            <a:schemeClr val="dk1"/>
+          </a:fontRef>
+        </p:style>
+        <p:txBody>
+          <a:bodyPr rtlCol="0" anchor="ctr"/>
+          <a:lstStyle/>
+          <a:p>
+            <a:pPr algn="ctr"/>
+            <a:endParaRPr lang="en-US" sz="1050" dirty="0"/>
+          </a:p>
+        </p:txBody>
+      </p:sp>
+      <p:sp>
+        <p:nvSpPr>
+          <p:cNvPr id="111" name="Rectangle 8">
+            <a:extLst>
+              <a:ext uri="{FF2B5EF4-FFF2-40B4-BE49-F238E27FC236}">
+                <a16:creationId xmlns:a16="http://schemas.microsoft.com/office/drawing/2014/main" id="{32420E9D-A511-4D30-B4EE-249B4B50A4F7}"/>
+              </a:ext>
+            </a:extLst>
+          </p:cNvPr>
+          <p:cNvSpPr/>
+          <p:nvPr/>
+        </p:nvSpPr>
+        <p:spPr>
+          <a:xfrm>
+            <a:off x="9070559" y="4361956"/>
+            <a:ext cx="1262822" cy="285783"/>
           </a:xfrm>
           <a:prstGeom prst="rect">
             <a:avLst/>
@@ -5941,12 +6409,2496 @@
           <a:p>
             <a:pPr algn="ctr"/>
             <a:r>
+              <a:rPr lang="en-US" sz="1050" dirty="0" err="1">
+                <a:solidFill>
+                  <a:srgbClr val="7030A0"/>
+                </a:solidFill>
+              </a:rPr>
+              <a:t>EncryptedName</a:t>
+            </a:r>
+            <a:endParaRPr lang="en-SG" sz="1050" dirty="0">
+              <a:solidFill>
+                <a:srgbClr val="7030A0"/>
+              </a:solidFill>
+            </a:endParaRPr>
+          </a:p>
+        </p:txBody>
+      </p:sp>
+      <p:sp>
+        <p:nvSpPr>
+          <p:cNvPr id="112" name="Rectangle 8">
+            <a:extLst>
+              <a:ext uri="{FF2B5EF4-FFF2-40B4-BE49-F238E27FC236}">
+                <a16:creationId xmlns:a16="http://schemas.microsoft.com/office/drawing/2014/main" id="{7DCD12C5-4F35-4C1E-A62A-73408347940A}"/>
+              </a:ext>
+            </a:extLst>
+          </p:cNvPr>
+          <p:cNvSpPr/>
+          <p:nvPr/>
+        </p:nvSpPr>
+        <p:spPr>
+          <a:xfrm>
+            <a:off x="9072434" y="4682544"/>
+            <a:ext cx="1262822" cy="285783"/>
+          </a:xfrm>
+          <a:prstGeom prst="rect">
+            <a:avLst/>
+          </a:prstGeom>
+          <a:ln w="19050">
+            <a:solidFill>
+              <a:srgbClr val="7030A0"/>
+            </a:solidFill>
+          </a:ln>
+          <a:effectLst/>
+        </p:spPr>
+        <p:style>
+          <a:lnRef idx="1">
+            <a:schemeClr val="accent4"/>
+          </a:lnRef>
+          <a:fillRef idx="2">
+            <a:schemeClr val="accent4"/>
+          </a:fillRef>
+          <a:effectRef idx="1">
+            <a:schemeClr val="accent4"/>
+          </a:effectRef>
+          <a:fontRef idx="minor">
+            <a:schemeClr val="dk1"/>
+          </a:fontRef>
+        </p:style>
+        <p:txBody>
+          <a:bodyPr rtlCol="0" anchor="ctr"/>
+          <a:lstStyle/>
+          <a:p>
+            <a:pPr algn="ctr"/>
+            <a:r>
+              <a:rPr lang="en-US" sz="1050" dirty="0" err="1">
+                <a:solidFill>
+                  <a:srgbClr val="7030A0"/>
+                </a:solidFill>
+              </a:rPr>
+              <a:t>EncryptedDate</a:t>
+            </a:r>
+            <a:endParaRPr lang="en-SG" sz="1050" dirty="0">
+              <a:solidFill>
+                <a:srgbClr val="7030A0"/>
+              </a:solidFill>
+            </a:endParaRPr>
+          </a:p>
+        </p:txBody>
+      </p:sp>
+      <p:sp>
+        <p:nvSpPr>
+          <p:cNvPr id="113" name="Rectangle 8">
+            <a:extLst>
+              <a:ext uri="{FF2B5EF4-FFF2-40B4-BE49-F238E27FC236}">
+                <a16:creationId xmlns:a16="http://schemas.microsoft.com/office/drawing/2014/main" id="{1F456832-6384-4BA0-A9B9-CC1E0871716B}"/>
+              </a:ext>
+            </a:extLst>
+          </p:cNvPr>
+          <p:cNvSpPr/>
+          <p:nvPr/>
+        </p:nvSpPr>
+        <p:spPr>
+          <a:xfrm>
+            <a:off x="9072434" y="5005522"/>
+            <a:ext cx="1262822" cy="285783"/>
+          </a:xfrm>
+          <a:prstGeom prst="rect">
+            <a:avLst/>
+          </a:prstGeom>
+          <a:ln w="19050">
+            <a:solidFill>
+              <a:srgbClr val="7030A0"/>
+            </a:solidFill>
+          </a:ln>
+          <a:effectLst/>
+        </p:spPr>
+        <p:style>
+          <a:lnRef idx="1">
+            <a:schemeClr val="accent4"/>
+          </a:lnRef>
+          <a:fillRef idx="2">
+            <a:schemeClr val="accent4"/>
+          </a:fillRef>
+          <a:effectRef idx="1">
+            <a:schemeClr val="accent4"/>
+          </a:effectRef>
+          <a:fontRef idx="minor">
+            <a:schemeClr val="dk1"/>
+          </a:fontRef>
+        </p:style>
+        <p:txBody>
+          <a:bodyPr rtlCol="0" anchor="ctr"/>
+          <a:lstStyle/>
+          <a:p>
+            <a:pPr algn="ctr"/>
+            <a:r>
+              <a:rPr lang="en-US" sz="1050" dirty="0" err="1">
+                <a:solidFill>
+                  <a:srgbClr val="7030A0"/>
+                </a:solidFill>
+              </a:rPr>
+              <a:t>EncryptedCategory</a:t>
+            </a:r>
+            <a:endParaRPr lang="en-SG" sz="1050" dirty="0">
+              <a:solidFill>
+                <a:srgbClr val="7030A0"/>
+              </a:solidFill>
+            </a:endParaRPr>
+          </a:p>
+        </p:txBody>
+      </p:sp>
+      <p:sp>
+        <p:nvSpPr>
+          <p:cNvPr id="115" name="Rectangle 8">
+            <a:extLst>
+              <a:ext uri="{FF2B5EF4-FFF2-40B4-BE49-F238E27FC236}">
+                <a16:creationId xmlns:a16="http://schemas.microsoft.com/office/drawing/2014/main" id="{334758D4-901E-4A0A-82FF-144C44EE6999}"/>
+              </a:ext>
+            </a:extLst>
+          </p:cNvPr>
+          <p:cNvSpPr/>
+          <p:nvPr/>
+        </p:nvSpPr>
+        <p:spPr>
+          <a:xfrm>
+            <a:off x="9072434" y="5328499"/>
+            <a:ext cx="1262822" cy="285783"/>
+          </a:xfrm>
+          <a:prstGeom prst="rect">
+            <a:avLst/>
+          </a:prstGeom>
+          <a:ln w="19050">
+            <a:solidFill>
+              <a:srgbClr val="7030A0"/>
+            </a:solidFill>
+          </a:ln>
+          <a:effectLst/>
+        </p:spPr>
+        <p:style>
+          <a:lnRef idx="1">
+            <a:schemeClr val="accent4"/>
+          </a:lnRef>
+          <a:fillRef idx="2">
+            <a:schemeClr val="accent4"/>
+          </a:fillRef>
+          <a:effectRef idx="1">
+            <a:schemeClr val="accent4"/>
+          </a:effectRef>
+          <a:fontRef idx="minor">
+            <a:schemeClr val="dk1"/>
+          </a:fontRef>
+        </p:style>
+        <p:txBody>
+          <a:bodyPr rtlCol="0" anchor="ctr"/>
+          <a:lstStyle/>
+          <a:p>
+            <a:pPr algn="ctr"/>
+            <a:r>
+              <a:rPr lang="en-US" sz="1050" dirty="0" err="1">
+                <a:solidFill>
+                  <a:srgbClr val="7030A0"/>
+                </a:solidFill>
+              </a:rPr>
+              <a:t>EncryptedCost</a:t>
+            </a:r>
+            <a:endParaRPr lang="en-SG" sz="1050" dirty="0">
+              <a:solidFill>
+                <a:srgbClr val="7030A0"/>
+              </a:solidFill>
+            </a:endParaRPr>
+          </a:p>
+        </p:txBody>
+      </p:sp>
+      <p:sp>
+        <p:nvSpPr>
+          <p:cNvPr id="116" name="Rectangle 8">
+            <a:extLst>
+              <a:ext uri="{FF2B5EF4-FFF2-40B4-BE49-F238E27FC236}">
+                <a16:creationId xmlns:a16="http://schemas.microsoft.com/office/drawing/2014/main" id="{B7706810-0E57-45C2-B082-3C46326EB0E5}"/>
+              </a:ext>
+            </a:extLst>
+          </p:cNvPr>
+          <p:cNvSpPr/>
+          <p:nvPr/>
+        </p:nvSpPr>
+        <p:spPr>
+          <a:xfrm>
+            <a:off x="9072434" y="5654851"/>
+            <a:ext cx="1262822" cy="285783"/>
+          </a:xfrm>
+          <a:prstGeom prst="rect">
+            <a:avLst/>
+          </a:prstGeom>
+          <a:ln w="19050">
+            <a:solidFill>
+              <a:srgbClr val="7030A0"/>
+            </a:solidFill>
+          </a:ln>
+          <a:effectLst/>
+        </p:spPr>
+        <p:style>
+          <a:lnRef idx="1">
+            <a:schemeClr val="accent4"/>
+          </a:lnRef>
+          <a:fillRef idx="2">
+            <a:schemeClr val="accent4"/>
+          </a:fillRef>
+          <a:effectRef idx="1">
+            <a:schemeClr val="accent4"/>
+          </a:effectRef>
+          <a:fontRef idx="minor">
+            <a:schemeClr val="dk1"/>
+          </a:fontRef>
+        </p:style>
+        <p:txBody>
+          <a:bodyPr rtlCol="0" anchor="ctr"/>
+          <a:lstStyle/>
+          <a:p>
+            <a:pPr algn="ctr"/>
+            <a:r>
+              <a:rPr lang="en-US" sz="1050" dirty="0" err="1">
+                <a:solidFill>
+                  <a:srgbClr val="7030A0"/>
+                </a:solidFill>
+              </a:rPr>
+              <a:t>EncryptedTag</a:t>
+            </a:r>
+            <a:endParaRPr lang="en-SG" sz="1050" dirty="0">
+              <a:solidFill>
+                <a:srgbClr val="7030A0"/>
+              </a:solidFill>
+            </a:endParaRPr>
+          </a:p>
+        </p:txBody>
+      </p:sp>
+      <p:cxnSp>
+        <p:nvCxnSpPr>
+          <p:cNvPr id="117" name="Elbow Connector 78">
+            <a:extLst>
+              <a:ext uri="{FF2B5EF4-FFF2-40B4-BE49-F238E27FC236}">
+                <a16:creationId xmlns:a16="http://schemas.microsoft.com/office/drawing/2014/main" id="{C8A90992-46E6-4033-9A5E-DCBB5986B459}"/>
+              </a:ext>
+            </a:extLst>
+          </p:cNvPr>
+          <p:cNvCxnSpPr>
+            <a:cxnSpLocks/>
+          </p:cNvCxnSpPr>
+          <p:nvPr/>
+        </p:nvCxnSpPr>
+        <p:spPr>
+          <a:xfrm flipV="1">
+            <a:off x="8638032" y="4493936"/>
+            <a:ext cx="434402" cy="327761"/>
+          </a:xfrm>
+          <a:prstGeom prst="bentConnector3">
+            <a:avLst/>
+          </a:prstGeom>
+          <a:ln w="19050">
+            <a:solidFill>
+              <a:srgbClr val="7030A0"/>
+            </a:solidFill>
+            <a:headEnd type="none" w="med" len="med"/>
+            <a:tailEnd type="arrow" w="med" len="med"/>
+          </a:ln>
+          <a:effectLst/>
+        </p:spPr>
+        <p:style>
+          <a:lnRef idx="1">
+            <a:schemeClr val="accent2"/>
+          </a:lnRef>
+          <a:fillRef idx="2">
+            <a:schemeClr val="accent2"/>
+          </a:fillRef>
+          <a:effectRef idx="1">
+            <a:schemeClr val="accent2"/>
+          </a:effectRef>
+          <a:fontRef idx="minor">
+            <a:schemeClr val="dk1"/>
+          </a:fontRef>
+        </p:style>
+      </p:cxnSp>
+      <p:cxnSp>
+        <p:nvCxnSpPr>
+          <p:cNvPr id="121" name="Elbow Connector 80">
+            <a:extLst>
+              <a:ext uri="{FF2B5EF4-FFF2-40B4-BE49-F238E27FC236}">
+                <a16:creationId xmlns:a16="http://schemas.microsoft.com/office/drawing/2014/main" id="{DDEA6D5D-B67D-4C91-A54E-3099820F6891}"/>
+              </a:ext>
+            </a:extLst>
+          </p:cNvPr>
+          <p:cNvCxnSpPr>
+            <a:cxnSpLocks/>
+          </p:cNvCxnSpPr>
+          <p:nvPr/>
+        </p:nvCxnSpPr>
+        <p:spPr>
+          <a:xfrm flipV="1">
+            <a:off x="8638032" y="4817223"/>
+            <a:ext cx="434402" cy="4783"/>
+          </a:xfrm>
+          <a:prstGeom prst="bentConnector3">
+            <a:avLst/>
+          </a:prstGeom>
+          <a:ln w="19050">
+            <a:solidFill>
+              <a:srgbClr val="7030A0"/>
+            </a:solidFill>
+            <a:headEnd type="none" w="med" len="med"/>
+            <a:tailEnd type="arrow" w="med" len="med"/>
+          </a:ln>
+          <a:effectLst/>
+        </p:spPr>
+        <p:style>
+          <a:lnRef idx="1">
+            <a:schemeClr val="accent2"/>
+          </a:lnRef>
+          <a:fillRef idx="2">
+            <a:schemeClr val="accent2"/>
+          </a:fillRef>
+          <a:effectRef idx="1">
+            <a:schemeClr val="accent2"/>
+          </a:effectRef>
+          <a:fontRef idx="minor">
+            <a:schemeClr val="dk1"/>
+          </a:fontRef>
+        </p:style>
+      </p:cxnSp>
+      <p:cxnSp>
+        <p:nvCxnSpPr>
+          <p:cNvPr id="123" name="Elbow Connector 83">
+            <a:extLst>
+              <a:ext uri="{FF2B5EF4-FFF2-40B4-BE49-F238E27FC236}">
+                <a16:creationId xmlns:a16="http://schemas.microsoft.com/office/drawing/2014/main" id="{5A7CA9D0-D7B1-432E-9748-ED98614C9EC8}"/>
+              </a:ext>
+            </a:extLst>
+          </p:cNvPr>
+          <p:cNvCxnSpPr>
+            <a:cxnSpLocks/>
+          </p:cNvCxnSpPr>
+          <p:nvPr/>
+        </p:nvCxnSpPr>
+        <p:spPr>
+          <a:xfrm>
+            <a:off x="8638032" y="4822006"/>
+            <a:ext cx="434402" cy="318195"/>
+          </a:xfrm>
+          <a:prstGeom prst="bentConnector3">
+            <a:avLst/>
+          </a:prstGeom>
+          <a:ln w="19050">
+            <a:solidFill>
+              <a:srgbClr val="7030A0"/>
+            </a:solidFill>
+            <a:headEnd type="none" w="med" len="med"/>
+            <a:tailEnd type="arrow" w="med" len="med"/>
+          </a:ln>
+          <a:effectLst/>
+        </p:spPr>
+        <p:style>
+          <a:lnRef idx="1">
+            <a:schemeClr val="accent2"/>
+          </a:lnRef>
+          <a:fillRef idx="2">
+            <a:schemeClr val="accent2"/>
+          </a:fillRef>
+          <a:effectRef idx="1">
+            <a:schemeClr val="accent2"/>
+          </a:effectRef>
+          <a:fontRef idx="minor">
+            <a:schemeClr val="dk1"/>
+          </a:fontRef>
+        </p:style>
+      </p:cxnSp>
+      <p:cxnSp>
+        <p:nvCxnSpPr>
+          <p:cNvPr id="125" name="Elbow Connector 85">
+            <a:extLst>
+              <a:ext uri="{FF2B5EF4-FFF2-40B4-BE49-F238E27FC236}">
+                <a16:creationId xmlns:a16="http://schemas.microsoft.com/office/drawing/2014/main" id="{0748B171-13FC-4B44-A59C-F252C8B65059}"/>
+              </a:ext>
+            </a:extLst>
+          </p:cNvPr>
+          <p:cNvCxnSpPr>
+            <a:cxnSpLocks/>
+          </p:cNvCxnSpPr>
+          <p:nvPr/>
+        </p:nvCxnSpPr>
+        <p:spPr>
+          <a:xfrm>
+            <a:off x="8638032" y="4822006"/>
+            <a:ext cx="434402" cy="641172"/>
+          </a:xfrm>
+          <a:prstGeom prst="bentConnector3">
+            <a:avLst/>
+          </a:prstGeom>
+          <a:ln w="19050">
+            <a:solidFill>
+              <a:srgbClr val="7030A0"/>
+            </a:solidFill>
+            <a:headEnd type="none" w="med" len="med"/>
+            <a:tailEnd type="arrow" w="med" len="med"/>
+          </a:ln>
+          <a:effectLst/>
+        </p:spPr>
+        <p:style>
+          <a:lnRef idx="1">
+            <a:schemeClr val="accent2"/>
+          </a:lnRef>
+          <a:fillRef idx="2">
+            <a:schemeClr val="accent2"/>
+          </a:fillRef>
+          <a:effectRef idx="1">
+            <a:schemeClr val="accent2"/>
+          </a:effectRef>
+          <a:fontRef idx="minor">
+            <a:schemeClr val="dk1"/>
+          </a:fontRef>
+        </p:style>
+      </p:cxnSp>
+      <p:cxnSp>
+        <p:nvCxnSpPr>
+          <p:cNvPr id="136" name="Elbow Connector 78">
+            <a:extLst>
+              <a:ext uri="{FF2B5EF4-FFF2-40B4-BE49-F238E27FC236}">
+                <a16:creationId xmlns:a16="http://schemas.microsoft.com/office/drawing/2014/main" id="{193A68EC-CBA7-44C1-8FB2-48CE757C0658}"/>
+              </a:ext>
+            </a:extLst>
+          </p:cNvPr>
+          <p:cNvCxnSpPr>
+            <a:cxnSpLocks/>
+            <a:endCxn id="140" idx="1"/>
+          </p:cNvCxnSpPr>
+          <p:nvPr/>
+        </p:nvCxnSpPr>
+        <p:spPr>
+          <a:xfrm>
+            <a:off x="10376592" y="4486647"/>
+            <a:ext cx="667032" cy="338372"/>
+          </a:xfrm>
+          <a:prstGeom prst="bentConnector3">
+            <a:avLst>
+              <a:gd name="adj1" fmla="val 27153"/>
+            </a:avLst>
+          </a:prstGeom>
+          <a:ln w="19050">
+            <a:solidFill>
+              <a:srgbClr val="7030A0"/>
+            </a:solidFill>
+            <a:prstDash val="sysDot"/>
+            <a:headEnd type="none" w="med" len="med"/>
+            <a:tailEnd type="arrow" w="med" len="med"/>
+          </a:ln>
+          <a:effectLst/>
+        </p:spPr>
+        <p:style>
+          <a:lnRef idx="1">
+            <a:schemeClr val="accent2"/>
+          </a:lnRef>
+          <a:fillRef idx="2">
+            <a:schemeClr val="accent2"/>
+          </a:fillRef>
+          <a:effectRef idx="1">
+            <a:schemeClr val="accent2"/>
+          </a:effectRef>
+          <a:fontRef idx="minor">
+            <a:schemeClr val="dk1"/>
+          </a:fontRef>
+        </p:style>
+      </p:cxnSp>
+      <p:cxnSp>
+        <p:nvCxnSpPr>
+          <p:cNvPr id="137" name="Elbow Connector 80">
+            <a:extLst>
+              <a:ext uri="{FF2B5EF4-FFF2-40B4-BE49-F238E27FC236}">
+                <a16:creationId xmlns:a16="http://schemas.microsoft.com/office/drawing/2014/main" id="{EE8C0C01-8712-455D-B0E2-9325E2583A31}"/>
+              </a:ext>
+            </a:extLst>
+          </p:cNvPr>
+          <p:cNvCxnSpPr>
+            <a:cxnSpLocks/>
+            <a:stCxn id="112" idx="3"/>
+            <a:endCxn id="140" idx="1"/>
+          </p:cNvCxnSpPr>
+          <p:nvPr/>
+        </p:nvCxnSpPr>
+        <p:spPr>
+          <a:xfrm flipV="1">
+            <a:off x="10335256" y="4825019"/>
+            <a:ext cx="708368" cy="417"/>
+          </a:xfrm>
+          <a:prstGeom prst="bentConnector3">
+            <a:avLst/>
+          </a:prstGeom>
+          <a:ln w="19050">
+            <a:solidFill>
+              <a:srgbClr val="7030A0"/>
+            </a:solidFill>
+            <a:prstDash val="sysDot"/>
+            <a:headEnd type="none" w="med" len="med"/>
+            <a:tailEnd type="arrow" w="med" len="med"/>
+          </a:ln>
+          <a:effectLst/>
+        </p:spPr>
+        <p:style>
+          <a:lnRef idx="1">
+            <a:schemeClr val="accent2"/>
+          </a:lnRef>
+          <a:fillRef idx="2">
+            <a:schemeClr val="accent2"/>
+          </a:fillRef>
+          <a:effectRef idx="1">
+            <a:schemeClr val="accent2"/>
+          </a:effectRef>
+          <a:fontRef idx="minor">
+            <a:schemeClr val="dk1"/>
+          </a:fontRef>
+        </p:style>
+      </p:cxnSp>
+      <p:cxnSp>
+        <p:nvCxnSpPr>
+          <p:cNvPr id="138" name="Elbow Connector 83">
+            <a:extLst>
+              <a:ext uri="{FF2B5EF4-FFF2-40B4-BE49-F238E27FC236}">
+                <a16:creationId xmlns:a16="http://schemas.microsoft.com/office/drawing/2014/main" id="{172E5409-E59A-4DD9-BB43-43FFB8A76E48}"/>
+              </a:ext>
+            </a:extLst>
+          </p:cNvPr>
+          <p:cNvCxnSpPr>
+            <a:cxnSpLocks/>
+            <a:endCxn id="140" idx="1"/>
+          </p:cNvCxnSpPr>
+          <p:nvPr/>
+        </p:nvCxnSpPr>
+        <p:spPr>
+          <a:xfrm flipV="1">
+            <a:off x="10376592" y="4825019"/>
+            <a:ext cx="667032" cy="307894"/>
+          </a:xfrm>
+          <a:prstGeom prst="bentConnector3">
+            <a:avLst>
+              <a:gd name="adj1" fmla="val 27153"/>
+            </a:avLst>
+          </a:prstGeom>
+          <a:ln w="19050">
+            <a:solidFill>
+              <a:srgbClr val="7030A0"/>
+            </a:solidFill>
+            <a:prstDash val="sysDot"/>
+            <a:headEnd type="none" w="med" len="med"/>
+            <a:tailEnd type="arrow" w="med" len="med"/>
+          </a:ln>
+          <a:effectLst/>
+        </p:spPr>
+        <p:style>
+          <a:lnRef idx="1">
+            <a:schemeClr val="accent2"/>
+          </a:lnRef>
+          <a:fillRef idx="2">
+            <a:schemeClr val="accent2"/>
+          </a:fillRef>
+          <a:effectRef idx="1">
+            <a:schemeClr val="accent2"/>
+          </a:effectRef>
+          <a:fontRef idx="minor">
+            <a:schemeClr val="dk1"/>
+          </a:fontRef>
+        </p:style>
+      </p:cxnSp>
+      <p:cxnSp>
+        <p:nvCxnSpPr>
+          <p:cNvPr id="139" name="Elbow Connector 85">
+            <a:extLst>
+              <a:ext uri="{FF2B5EF4-FFF2-40B4-BE49-F238E27FC236}">
+                <a16:creationId xmlns:a16="http://schemas.microsoft.com/office/drawing/2014/main" id="{F23E0581-ACAE-4A95-BADA-5A70121994B1}"/>
+              </a:ext>
+            </a:extLst>
+          </p:cNvPr>
+          <p:cNvCxnSpPr>
+            <a:cxnSpLocks/>
+          </p:cNvCxnSpPr>
+          <p:nvPr/>
+        </p:nvCxnSpPr>
+        <p:spPr>
+          <a:xfrm flipV="1">
+            <a:off x="10344911" y="4821697"/>
+            <a:ext cx="698713" cy="634192"/>
+          </a:xfrm>
+          <a:prstGeom prst="bentConnector3">
+            <a:avLst>
+              <a:gd name="adj1" fmla="val 30370"/>
+            </a:avLst>
+          </a:prstGeom>
+          <a:ln w="19050">
+            <a:solidFill>
+              <a:srgbClr val="7030A0"/>
+            </a:solidFill>
+            <a:prstDash val="sysDot"/>
+            <a:headEnd type="none" w="med" len="med"/>
+            <a:tailEnd type="arrow" w="med" len="med"/>
+          </a:ln>
+          <a:effectLst/>
+        </p:spPr>
+        <p:style>
+          <a:lnRef idx="1">
+            <a:schemeClr val="accent2"/>
+          </a:lnRef>
+          <a:fillRef idx="2">
+            <a:schemeClr val="accent2"/>
+          </a:fillRef>
+          <a:effectRef idx="1">
+            <a:schemeClr val="accent2"/>
+          </a:effectRef>
+          <a:fontRef idx="minor">
+            <a:schemeClr val="dk1"/>
+          </a:fontRef>
+        </p:style>
+      </p:cxnSp>
+      <p:sp>
+        <p:nvSpPr>
+          <p:cNvPr id="140" name="Rectangle 8">
+            <a:extLst>
+              <a:ext uri="{FF2B5EF4-FFF2-40B4-BE49-F238E27FC236}">
+                <a16:creationId xmlns:a16="http://schemas.microsoft.com/office/drawing/2014/main" id="{9F80F549-D66B-48CA-84A7-5B6610E1339C}"/>
+              </a:ext>
+            </a:extLst>
+          </p:cNvPr>
+          <p:cNvSpPr/>
+          <p:nvPr/>
+        </p:nvSpPr>
+        <p:spPr>
+          <a:xfrm>
+            <a:off x="11043624" y="4682127"/>
+            <a:ext cx="1455170" cy="285783"/>
+          </a:xfrm>
+          <a:prstGeom prst="rect">
+            <a:avLst/>
+          </a:prstGeom>
+          <a:ln w="19050">
+            <a:solidFill>
+              <a:srgbClr val="7030A0"/>
+            </a:solidFill>
+          </a:ln>
+          <a:effectLst/>
+        </p:spPr>
+        <p:style>
+          <a:lnRef idx="1">
+            <a:schemeClr val="accent4"/>
+          </a:lnRef>
+          <a:fillRef idx="2">
+            <a:schemeClr val="accent4"/>
+          </a:fillRef>
+          <a:effectRef idx="1">
+            <a:schemeClr val="accent4"/>
+          </a:effectRef>
+          <a:fontRef idx="minor">
+            <a:schemeClr val="dk1"/>
+          </a:fontRef>
+        </p:style>
+        <p:txBody>
+          <a:bodyPr rtlCol="0" anchor="ctr"/>
+          <a:lstStyle/>
+          <a:p>
+            <a:pPr algn="ctr"/>
+            <a:r>
+              <a:rPr lang="en-US" sz="1050" dirty="0" err="1">
+                <a:solidFill>
+                  <a:srgbClr val="7030A0"/>
+                </a:solidFill>
+              </a:rPr>
+              <a:t>EncryptedExpenseField</a:t>
+            </a:r>
+            <a:endParaRPr lang="en-SG" sz="1050" dirty="0">
+              <a:solidFill>
+                <a:srgbClr val="7030A0"/>
+              </a:solidFill>
+            </a:endParaRPr>
+          </a:p>
+        </p:txBody>
+      </p:sp>
+      <p:sp>
+        <p:nvSpPr>
+          <p:cNvPr id="141" name="Isosceles Triangle 102">
+            <a:extLst>
+              <a:ext uri="{FF2B5EF4-FFF2-40B4-BE49-F238E27FC236}">
+                <a16:creationId xmlns:a16="http://schemas.microsoft.com/office/drawing/2014/main" id="{84C02228-3136-43EF-B798-130E23434E27}"/>
+              </a:ext>
+            </a:extLst>
+          </p:cNvPr>
+          <p:cNvSpPr/>
+          <p:nvPr/>
+        </p:nvSpPr>
+        <p:spPr>
+          <a:xfrm rot="5400000" flipH="1">
+            <a:off x="10780318" y="4723925"/>
+            <a:ext cx="271014" cy="187417"/>
+          </a:xfrm>
+          <a:prstGeom prst="triangle">
+            <a:avLst>
+              <a:gd name="adj" fmla="val 44517"/>
+            </a:avLst>
+          </a:prstGeom>
+          <a:solidFill>
+            <a:schemeClr val="accent4">
+              <a:lumMod val="20000"/>
+              <a:lumOff val="80000"/>
+            </a:schemeClr>
+          </a:solidFill>
+          <a:ln w="19050">
+            <a:solidFill>
+              <a:srgbClr val="7030A0"/>
+            </a:solidFill>
+          </a:ln>
+          <a:effectLst/>
+        </p:spPr>
+        <p:style>
+          <a:lnRef idx="1">
+            <a:schemeClr val="accent6"/>
+          </a:lnRef>
+          <a:fillRef idx="2">
+            <a:schemeClr val="accent6"/>
+          </a:fillRef>
+          <a:effectRef idx="1">
+            <a:schemeClr val="accent6"/>
+          </a:effectRef>
+          <a:fontRef idx="minor">
+            <a:schemeClr val="dk1"/>
+          </a:fontRef>
+        </p:style>
+        <p:txBody>
+          <a:bodyPr rtlCol="0" anchor="ctr"/>
+          <a:lstStyle/>
+          <a:p>
+            <a:pPr algn="ctr"/>
+            <a:endParaRPr lang="en-SG" sz="1050"/>
+          </a:p>
+        </p:txBody>
+      </p:sp>
+      <p:cxnSp>
+        <p:nvCxnSpPr>
+          <p:cNvPr id="164" name="Elbow Connector 78">
+            <a:extLst>
+              <a:ext uri="{FF2B5EF4-FFF2-40B4-BE49-F238E27FC236}">
+                <a16:creationId xmlns:a16="http://schemas.microsoft.com/office/drawing/2014/main" id="{C05864FB-4AF7-4E34-97EA-82F126AC7912}"/>
+              </a:ext>
+            </a:extLst>
+          </p:cNvPr>
+          <p:cNvCxnSpPr>
+            <a:cxnSpLocks/>
+          </p:cNvCxnSpPr>
+          <p:nvPr/>
+        </p:nvCxnSpPr>
+        <p:spPr>
+          <a:xfrm>
+            <a:off x="8452762" y="2698966"/>
+            <a:ext cx="667032" cy="338372"/>
+          </a:xfrm>
+          <a:prstGeom prst="bentConnector3">
+            <a:avLst>
+              <a:gd name="adj1" fmla="val 27153"/>
+            </a:avLst>
+          </a:prstGeom>
+          <a:ln w="19050">
+            <a:solidFill>
+              <a:srgbClr val="7030A0"/>
+            </a:solidFill>
+            <a:prstDash val="sysDot"/>
+            <a:headEnd type="none" w="med" len="med"/>
+            <a:tailEnd type="arrow" w="med" len="med"/>
+          </a:ln>
+          <a:effectLst/>
+        </p:spPr>
+        <p:style>
+          <a:lnRef idx="1">
+            <a:schemeClr val="accent2"/>
+          </a:lnRef>
+          <a:fillRef idx="2">
+            <a:schemeClr val="accent2"/>
+          </a:fillRef>
+          <a:effectRef idx="1">
+            <a:schemeClr val="accent2"/>
+          </a:effectRef>
+          <a:fontRef idx="minor">
+            <a:schemeClr val="dk1"/>
+          </a:fontRef>
+        </p:style>
+      </p:cxnSp>
+      <p:cxnSp>
+        <p:nvCxnSpPr>
+          <p:cNvPr id="165" name="Elbow Connector 80">
+            <a:extLst>
+              <a:ext uri="{FF2B5EF4-FFF2-40B4-BE49-F238E27FC236}">
+                <a16:creationId xmlns:a16="http://schemas.microsoft.com/office/drawing/2014/main" id="{89F7C8EA-6DA5-4DD1-A300-ACA99667EADE}"/>
+              </a:ext>
+            </a:extLst>
+          </p:cNvPr>
+          <p:cNvCxnSpPr>
+            <a:cxnSpLocks/>
+          </p:cNvCxnSpPr>
+          <p:nvPr/>
+        </p:nvCxnSpPr>
+        <p:spPr>
+          <a:xfrm flipV="1">
+            <a:off x="8411426" y="3037338"/>
+            <a:ext cx="708368" cy="417"/>
+          </a:xfrm>
+          <a:prstGeom prst="bentConnector3">
+            <a:avLst/>
+          </a:prstGeom>
+          <a:ln w="19050">
+            <a:solidFill>
+              <a:srgbClr val="7030A0"/>
+            </a:solidFill>
+            <a:prstDash val="sysDot"/>
+            <a:headEnd type="none" w="med" len="med"/>
+            <a:tailEnd type="arrow" w="med" len="med"/>
+          </a:ln>
+          <a:effectLst/>
+        </p:spPr>
+        <p:style>
+          <a:lnRef idx="1">
+            <a:schemeClr val="accent2"/>
+          </a:lnRef>
+          <a:fillRef idx="2">
+            <a:schemeClr val="accent2"/>
+          </a:fillRef>
+          <a:effectRef idx="1">
+            <a:schemeClr val="accent2"/>
+          </a:effectRef>
+          <a:fontRef idx="minor">
+            <a:schemeClr val="dk1"/>
+          </a:fontRef>
+        </p:style>
+      </p:cxnSp>
+      <p:cxnSp>
+        <p:nvCxnSpPr>
+          <p:cNvPr id="166" name="Elbow Connector 83">
+            <a:extLst>
+              <a:ext uri="{FF2B5EF4-FFF2-40B4-BE49-F238E27FC236}">
+                <a16:creationId xmlns:a16="http://schemas.microsoft.com/office/drawing/2014/main" id="{F0EC0EBA-21AA-49A4-AF4D-DC0EA53113F1}"/>
+              </a:ext>
+            </a:extLst>
+          </p:cNvPr>
+          <p:cNvCxnSpPr>
+            <a:cxnSpLocks/>
+          </p:cNvCxnSpPr>
+          <p:nvPr/>
+        </p:nvCxnSpPr>
+        <p:spPr>
+          <a:xfrm flipV="1">
+            <a:off x="8452762" y="3037338"/>
+            <a:ext cx="667032" cy="307894"/>
+          </a:xfrm>
+          <a:prstGeom prst="bentConnector3">
+            <a:avLst>
+              <a:gd name="adj1" fmla="val 27153"/>
+            </a:avLst>
+          </a:prstGeom>
+          <a:ln w="19050">
+            <a:solidFill>
+              <a:srgbClr val="7030A0"/>
+            </a:solidFill>
+            <a:prstDash val="sysDot"/>
+            <a:headEnd type="none" w="med" len="med"/>
+            <a:tailEnd type="arrow" w="med" len="med"/>
+          </a:ln>
+          <a:effectLst/>
+        </p:spPr>
+        <p:style>
+          <a:lnRef idx="1">
+            <a:schemeClr val="accent2"/>
+          </a:lnRef>
+          <a:fillRef idx="2">
+            <a:schemeClr val="accent2"/>
+          </a:fillRef>
+          <a:effectRef idx="1">
+            <a:schemeClr val="accent2"/>
+          </a:effectRef>
+          <a:fontRef idx="minor">
+            <a:schemeClr val="dk1"/>
+          </a:fontRef>
+        </p:style>
+      </p:cxnSp>
+      <p:cxnSp>
+        <p:nvCxnSpPr>
+          <p:cNvPr id="167" name="Elbow Connector 85">
+            <a:extLst>
+              <a:ext uri="{FF2B5EF4-FFF2-40B4-BE49-F238E27FC236}">
+                <a16:creationId xmlns:a16="http://schemas.microsoft.com/office/drawing/2014/main" id="{3CC436C6-A87A-47CA-A296-480F0C939B5D}"/>
+              </a:ext>
+            </a:extLst>
+          </p:cNvPr>
+          <p:cNvCxnSpPr>
+            <a:cxnSpLocks/>
+          </p:cNvCxnSpPr>
+          <p:nvPr/>
+        </p:nvCxnSpPr>
+        <p:spPr>
+          <a:xfrm flipV="1">
+            <a:off x="8421081" y="3034016"/>
+            <a:ext cx="698713" cy="634192"/>
+          </a:xfrm>
+          <a:prstGeom prst="bentConnector3">
+            <a:avLst>
+              <a:gd name="adj1" fmla="val 30370"/>
+            </a:avLst>
+          </a:prstGeom>
+          <a:ln w="19050">
+            <a:solidFill>
+              <a:srgbClr val="7030A0"/>
+            </a:solidFill>
+            <a:prstDash val="sysDot"/>
+            <a:headEnd type="none" w="med" len="med"/>
+            <a:tailEnd type="arrow" w="med" len="med"/>
+          </a:ln>
+          <a:effectLst/>
+        </p:spPr>
+        <p:style>
+          <a:lnRef idx="1">
+            <a:schemeClr val="accent2"/>
+          </a:lnRef>
+          <a:fillRef idx="2">
+            <a:schemeClr val="accent2"/>
+          </a:fillRef>
+          <a:effectRef idx="1">
+            <a:schemeClr val="accent2"/>
+          </a:effectRef>
+          <a:fontRef idx="minor">
+            <a:schemeClr val="dk1"/>
+          </a:fontRef>
+        </p:style>
+      </p:cxnSp>
+      <p:sp>
+        <p:nvSpPr>
+          <p:cNvPr id="168" name="Isosceles Triangle 102">
+            <a:extLst>
+              <a:ext uri="{FF2B5EF4-FFF2-40B4-BE49-F238E27FC236}">
+                <a16:creationId xmlns:a16="http://schemas.microsoft.com/office/drawing/2014/main" id="{AF0DBA42-6F62-4801-B38E-FAB934C8AE7F}"/>
+              </a:ext>
+            </a:extLst>
+          </p:cNvPr>
+          <p:cNvSpPr/>
+          <p:nvPr/>
+        </p:nvSpPr>
+        <p:spPr>
+          <a:xfrm rot="5400000" flipH="1">
+            <a:off x="8856488" y="2936244"/>
+            <a:ext cx="271014" cy="187417"/>
+          </a:xfrm>
+          <a:prstGeom prst="triangle">
+            <a:avLst>
+              <a:gd name="adj" fmla="val 44517"/>
+            </a:avLst>
+          </a:prstGeom>
+          <a:solidFill>
+            <a:schemeClr val="accent4">
+              <a:lumMod val="20000"/>
+              <a:lumOff val="80000"/>
+            </a:schemeClr>
+          </a:solidFill>
+          <a:ln w="19050">
+            <a:solidFill>
+              <a:srgbClr val="7030A0"/>
+            </a:solidFill>
+          </a:ln>
+          <a:effectLst/>
+        </p:spPr>
+        <p:style>
+          <a:lnRef idx="1">
+            <a:schemeClr val="accent6"/>
+          </a:lnRef>
+          <a:fillRef idx="2">
+            <a:schemeClr val="accent6"/>
+          </a:fillRef>
+          <a:effectRef idx="1">
+            <a:schemeClr val="accent6"/>
+          </a:effectRef>
+          <a:fontRef idx="minor">
+            <a:schemeClr val="dk1"/>
+          </a:fontRef>
+        </p:style>
+        <p:txBody>
+          <a:bodyPr rtlCol="0" anchor="ctr"/>
+          <a:lstStyle/>
+          <a:p>
+            <a:pPr algn="ctr"/>
+            <a:endParaRPr lang="en-SG" sz="1050"/>
+          </a:p>
+        </p:txBody>
+      </p:sp>
+      <p:sp>
+        <p:nvSpPr>
+          <p:cNvPr id="175" name="Rectangle 8">
+            <a:extLst>
+              <a:ext uri="{FF2B5EF4-FFF2-40B4-BE49-F238E27FC236}">
+                <a16:creationId xmlns:a16="http://schemas.microsoft.com/office/drawing/2014/main" id="{98240ED5-0C4F-4067-B4CD-E28346EDBBFD}"/>
+              </a:ext>
+            </a:extLst>
+          </p:cNvPr>
+          <p:cNvSpPr/>
+          <p:nvPr/>
+        </p:nvSpPr>
+        <p:spPr>
+          <a:xfrm>
+            <a:off x="9129267" y="2895235"/>
+            <a:ext cx="1455170" cy="285783"/>
+          </a:xfrm>
+          <a:prstGeom prst="rect">
+            <a:avLst/>
+          </a:prstGeom>
+          <a:ln w="19050">
+            <a:solidFill>
+              <a:srgbClr val="7030A0"/>
+            </a:solidFill>
+          </a:ln>
+          <a:effectLst/>
+        </p:spPr>
+        <p:style>
+          <a:lnRef idx="1">
+            <a:schemeClr val="accent4"/>
+          </a:lnRef>
+          <a:fillRef idx="2">
+            <a:schemeClr val="accent4"/>
+          </a:fillRef>
+          <a:effectRef idx="1">
+            <a:schemeClr val="accent4"/>
+          </a:effectRef>
+          <a:fontRef idx="minor">
+            <a:schemeClr val="dk1"/>
+          </a:fontRef>
+        </p:style>
+        <p:txBody>
+          <a:bodyPr rtlCol="0" anchor="ctr"/>
+          <a:lstStyle/>
+          <a:p>
+            <a:pPr algn="ctr"/>
+            <a:r>
+              <a:rPr lang="en-US" sz="1050" dirty="0" err="1">
+                <a:solidFill>
+                  <a:srgbClr val="7030A0"/>
+                </a:solidFill>
+              </a:rPr>
+              <a:t>ExpenseField</a:t>
+            </a:r>
+            <a:endParaRPr lang="en-SG" sz="1050" dirty="0">
+              <a:solidFill>
+                <a:srgbClr val="7030A0"/>
+              </a:solidFill>
+            </a:endParaRPr>
+          </a:p>
+        </p:txBody>
+      </p:sp>
+      <p:cxnSp>
+        <p:nvCxnSpPr>
+          <p:cNvPr id="180" name="Connector: Elbow 179">
+            <a:extLst>
+              <a:ext uri="{FF2B5EF4-FFF2-40B4-BE49-F238E27FC236}">
+                <a16:creationId xmlns:a16="http://schemas.microsoft.com/office/drawing/2014/main" id="{8B3D13A0-5370-4DBB-A656-3DF1F0C9B2A4}"/>
+              </a:ext>
+            </a:extLst>
+          </p:cNvPr>
+          <p:cNvCxnSpPr>
+            <a:cxnSpLocks/>
+          </p:cNvCxnSpPr>
+          <p:nvPr/>
+        </p:nvCxnSpPr>
+        <p:spPr>
+          <a:xfrm rot="5400000" flipH="1" flipV="1">
+            <a:off x="3503602" y="2274858"/>
+            <a:ext cx="2372161" cy="1886004"/>
+          </a:xfrm>
+          <a:prstGeom prst="bentConnector4">
+            <a:avLst>
+              <a:gd name="adj1" fmla="val 8915"/>
+              <a:gd name="adj2" fmla="val 387668"/>
+            </a:avLst>
+          </a:prstGeom>
+          <a:ln w="19050">
+            <a:solidFill>
+              <a:srgbClr val="7030A0"/>
+            </a:solidFill>
+            <a:headEnd type="none" w="med" len="med"/>
+            <a:tailEnd type="arrow" w="med" len="med"/>
+          </a:ln>
+          <a:effectLst/>
+        </p:spPr>
+        <p:style>
+          <a:lnRef idx="1">
+            <a:schemeClr val="accent2"/>
+          </a:lnRef>
+          <a:fillRef idx="2">
+            <a:schemeClr val="accent2"/>
+          </a:fillRef>
+          <a:effectRef idx="1">
+            <a:schemeClr val="accent2"/>
+          </a:effectRef>
+          <a:fontRef idx="minor">
+            <a:schemeClr val="dk1"/>
+          </a:fontRef>
+        </p:style>
+      </p:cxnSp>
+      <p:cxnSp>
+        <p:nvCxnSpPr>
+          <p:cNvPr id="199" name="Connector: Elbow 198">
+            <a:extLst>
+              <a:ext uri="{FF2B5EF4-FFF2-40B4-BE49-F238E27FC236}">
+                <a16:creationId xmlns:a16="http://schemas.microsoft.com/office/drawing/2014/main" id="{6813B1EC-5B34-46B3-AEB6-3CBC23592441}"/>
+              </a:ext>
+            </a:extLst>
+          </p:cNvPr>
+          <p:cNvCxnSpPr>
+            <a:cxnSpLocks/>
+            <a:stCxn id="110" idx="3"/>
+            <a:endCxn id="116" idx="1"/>
+          </p:cNvCxnSpPr>
+          <p:nvPr/>
+        </p:nvCxnSpPr>
+        <p:spPr>
+          <a:xfrm>
+            <a:off x="8688688" y="4822043"/>
+            <a:ext cx="383746" cy="975700"/>
+          </a:xfrm>
+          <a:prstGeom prst="bentConnector3">
+            <a:avLst>
+              <a:gd name="adj1" fmla="val 42057"/>
+            </a:avLst>
+          </a:prstGeom>
+          <a:ln w="19050">
+            <a:solidFill>
+              <a:srgbClr val="7030A0"/>
+            </a:solidFill>
+            <a:headEnd type="none" w="med" len="med"/>
+            <a:tailEnd type="arrow" w="med" len="med"/>
+          </a:ln>
+          <a:effectLst/>
+        </p:spPr>
+        <p:style>
+          <a:lnRef idx="1">
+            <a:schemeClr val="accent2"/>
+          </a:lnRef>
+          <a:fillRef idx="2">
+            <a:schemeClr val="accent2"/>
+          </a:fillRef>
+          <a:effectRef idx="1">
+            <a:schemeClr val="accent2"/>
+          </a:effectRef>
+          <a:fontRef idx="minor">
+            <a:schemeClr val="dk1"/>
+          </a:fontRef>
+        </p:style>
+      </p:cxnSp>
+      <p:sp>
+        <p:nvSpPr>
+          <p:cNvPr id="215" name="Rectangle 8">
+            <a:extLst>
+              <a:ext uri="{FF2B5EF4-FFF2-40B4-BE49-F238E27FC236}">
+                <a16:creationId xmlns:a16="http://schemas.microsoft.com/office/drawing/2014/main" id="{8D041509-4418-4D3D-9B44-6D80172DA467}"/>
+              </a:ext>
+            </a:extLst>
+          </p:cNvPr>
+          <p:cNvSpPr/>
+          <p:nvPr/>
+        </p:nvSpPr>
+        <p:spPr>
+          <a:xfrm>
+            <a:off x="5197234" y="4648313"/>
+            <a:ext cx="1402246" cy="346760"/>
+          </a:xfrm>
+          <a:prstGeom prst="rect">
+            <a:avLst/>
+          </a:prstGeom>
+          <a:ln w="19050">
+            <a:solidFill>
+              <a:srgbClr val="7030A0"/>
+            </a:solidFill>
+          </a:ln>
+          <a:effectLst/>
+        </p:spPr>
+        <p:style>
+          <a:lnRef idx="1">
+            <a:schemeClr val="accent4"/>
+          </a:lnRef>
+          <a:fillRef idx="2">
+            <a:schemeClr val="accent4"/>
+          </a:fillRef>
+          <a:effectRef idx="1">
+            <a:schemeClr val="accent4"/>
+          </a:effectRef>
+          <a:fontRef idx="minor">
+            <a:schemeClr val="dk1"/>
+          </a:fontRef>
+        </p:style>
+        <p:txBody>
+          <a:bodyPr rtlCol="0" anchor="ctr"/>
+          <a:lstStyle/>
+          <a:p>
+            <a:pPr algn="ctr"/>
+            <a:r>
+              <a:rPr lang="en-US" sz="1050" dirty="0" err="1">
+                <a:solidFill>
+                  <a:srgbClr val="7030A0"/>
+                </a:solidFill>
+              </a:rPr>
+              <a:t>EncrypedExpenseList</a:t>
+            </a:r>
+            <a:endParaRPr lang="en-SG" sz="1050" dirty="0">
+              <a:solidFill>
+                <a:srgbClr val="7030A0"/>
+              </a:solidFill>
+            </a:endParaRPr>
+          </a:p>
+        </p:txBody>
+      </p:sp>
+      <p:sp>
+        <p:nvSpPr>
+          <p:cNvPr id="222" name="Flowchart: Decision 96">
+            <a:extLst>
+              <a:ext uri="{FF2B5EF4-FFF2-40B4-BE49-F238E27FC236}">
+                <a16:creationId xmlns:a16="http://schemas.microsoft.com/office/drawing/2014/main" id="{F83D9F7A-0AA9-4293-9C3E-8631E1C2B1DA}"/>
+              </a:ext>
+            </a:extLst>
+          </p:cNvPr>
+          <p:cNvSpPr/>
+          <p:nvPr/>
+        </p:nvSpPr>
+        <p:spPr>
+          <a:xfrm>
+            <a:off x="6609135" y="4730533"/>
+            <a:ext cx="236048" cy="173380"/>
+          </a:xfrm>
+          <a:prstGeom prst="flowChartDecision">
+            <a:avLst/>
+          </a:prstGeom>
+          <a:noFill/>
+          <a:ln w="19050">
+            <a:solidFill>
+              <a:srgbClr val="7030A0"/>
+            </a:solidFill>
+          </a:ln>
+          <a:effectLst/>
+        </p:spPr>
+        <p:style>
+          <a:lnRef idx="1">
+            <a:schemeClr val="accent6"/>
+          </a:lnRef>
+          <a:fillRef idx="2">
+            <a:schemeClr val="accent6"/>
+          </a:fillRef>
+          <a:effectRef idx="1">
+            <a:schemeClr val="accent6"/>
+          </a:effectRef>
+          <a:fontRef idx="minor">
+            <a:schemeClr val="dk1"/>
+          </a:fontRef>
+        </p:style>
+        <p:txBody>
+          <a:bodyPr rtlCol="0" anchor="ctr"/>
+          <a:lstStyle/>
+          <a:p>
+            <a:pPr algn="ctr"/>
+            <a:endParaRPr lang="en-US" sz="1050"/>
+          </a:p>
+        </p:txBody>
+      </p:sp>
+      <p:cxnSp>
+        <p:nvCxnSpPr>
+          <p:cNvPr id="223" name="Elbow Connector 63">
+            <a:extLst>
+              <a:ext uri="{FF2B5EF4-FFF2-40B4-BE49-F238E27FC236}">
+                <a16:creationId xmlns:a16="http://schemas.microsoft.com/office/drawing/2014/main" id="{7EF57187-E8C6-47B9-9906-FDE900E4EA4F}"/>
+              </a:ext>
+            </a:extLst>
+          </p:cNvPr>
+          <p:cNvCxnSpPr>
+            <a:cxnSpLocks/>
+            <a:stCxn id="222" idx="3"/>
+            <a:endCxn id="102" idx="1"/>
+          </p:cNvCxnSpPr>
+          <p:nvPr/>
+        </p:nvCxnSpPr>
+        <p:spPr>
+          <a:xfrm>
+            <a:off x="6845183" y="4817223"/>
+            <a:ext cx="368305" cy="5062"/>
+          </a:xfrm>
+          <a:prstGeom prst="bentConnector3">
+            <a:avLst>
+              <a:gd name="adj1" fmla="val 50000"/>
+            </a:avLst>
+          </a:prstGeom>
+          <a:ln w="19050">
+            <a:solidFill>
+              <a:srgbClr val="7030A0"/>
+            </a:solidFill>
+            <a:headEnd type="none" w="med" len="med"/>
+            <a:tailEnd type="arrow" w="med" len="med"/>
+          </a:ln>
+          <a:effectLst/>
+        </p:spPr>
+        <p:style>
+          <a:lnRef idx="1">
+            <a:schemeClr val="accent2"/>
+          </a:lnRef>
+          <a:fillRef idx="2">
+            <a:schemeClr val="accent2"/>
+          </a:fillRef>
+          <a:effectRef idx="1">
+            <a:schemeClr val="accent2"/>
+          </a:effectRef>
+          <a:fontRef idx="minor">
+            <a:schemeClr val="dk1"/>
+          </a:fontRef>
+        </p:style>
+      </p:cxnSp>
+      <p:sp>
+        <p:nvSpPr>
+          <p:cNvPr id="229" name="TextBox 228">
+            <a:extLst>
+              <a:ext uri="{FF2B5EF4-FFF2-40B4-BE49-F238E27FC236}">
+                <a16:creationId xmlns:a16="http://schemas.microsoft.com/office/drawing/2014/main" id="{422C36CD-E5DA-413E-AAD8-321E4CC2909A}"/>
+              </a:ext>
+            </a:extLst>
+          </p:cNvPr>
+          <p:cNvSpPr txBox="1"/>
+          <p:nvPr/>
+        </p:nvSpPr>
+        <p:spPr>
+          <a:xfrm>
+            <a:off x="6744772" y="4650364"/>
+            <a:ext cx="189257" cy="178683"/>
+          </a:xfrm>
+          <a:prstGeom prst="rect">
+            <a:avLst/>
+          </a:prstGeom>
+          <a:noFill/>
+        </p:spPr>
+        <p:txBody>
+          <a:bodyPr wrap="square" lIns="0" tIns="0" rIns="0" bIns="0" rtlCol="0">
+            <a:noAutofit/>
+          </a:bodyPr>
+          <a:lstStyle/>
+          <a:p>
+            <a:pPr algn="ctr"/>
+            <a:r>
+              <a:rPr lang="en-US" sz="1100">
+                <a:solidFill>
+                  <a:srgbClr val="7030A0"/>
+                </a:solidFill>
+              </a:rPr>
+              <a:t>*</a:t>
+            </a:r>
+            <a:endParaRPr lang="en-SG" sz="1100" dirty="0">
+              <a:solidFill>
+                <a:srgbClr val="7030A0"/>
+              </a:solidFill>
+            </a:endParaRPr>
+          </a:p>
+        </p:txBody>
+      </p:sp>
+      <p:sp>
+        <p:nvSpPr>
+          <p:cNvPr id="232" name="TextBox 231">
+            <a:extLst>
+              <a:ext uri="{FF2B5EF4-FFF2-40B4-BE49-F238E27FC236}">
+                <a16:creationId xmlns:a16="http://schemas.microsoft.com/office/drawing/2014/main" id="{6B51C57E-2376-4821-9F1C-7A655BA0C4F5}"/>
+              </a:ext>
+            </a:extLst>
+          </p:cNvPr>
+          <p:cNvSpPr txBox="1"/>
+          <p:nvPr/>
+        </p:nvSpPr>
+        <p:spPr>
+          <a:xfrm>
+            <a:off x="8838119" y="4302245"/>
+            <a:ext cx="189257" cy="178683"/>
+          </a:xfrm>
+          <a:prstGeom prst="rect">
+            <a:avLst/>
+          </a:prstGeom>
+          <a:noFill/>
+        </p:spPr>
+        <p:txBody>
+          <a:bodyPr wrap="square" lIns="0" tIns="0" rIns="0" bIns="0" rtlCol="0">
+            <a:noAutofit/>
+          </a:bodyPr>
+          <a:lstStyle/>
+          <a:p>
+            <a:pPr algn="ctr"/>
+            <a:r>
+              <a:rPr lang="en-US" sz="1100" dirty="0">
+                <a:solidFill>
+                  <a:srgbClr val="7030A0"/>
+                </a:solidFill>
+              </a:rPr>
+              <a:t>1</a:t>
+            </a:r>
+            <a:endParaRPr lang="en-SG" sz="1100" dirty="0">
+              <a:solidFill>
+                <a:srgbClr val="7030A0"/>
+              </a:solidFill>
+            </a:endParaRPr>
+          </a:p>
+        </p:txBody>
+      </p:sp>
+      <p:sp>
+        <p:nvSpPr>
+          <p:cNvPr id="233" name="TextBox 232">
+            <a:extLst>
+              <a:ext uri="{FF2B5EF4-FFF2-40B4-BE49-F238E27FC236}">
+                <a16:creationId xmlns:a16="http://schemas.microsoft.com/office/drawing/2014/main" id="{FCBEA62A-6031-43D0-9BD2-EA87DBE4E962}"/>
+              </a:ext>
+            </a:extLst>
+          </p:cNvPr>
+          <p:cNvSpPr txBox="1"/>
+          <p:nvPr/>
+        </p:nvSpPr>
+        <p:spPr>
+          <a:xfrm>
+            <a:off x="8826793" y="4866725"/>
+            <a:ext cx="189257" cy="178683"/>
+          </a:xfrm>
+          <a:prstGeom prst="rect">
+            <a:avLst/>
+          </a:prstGeom>
+          <a:noFill/>
+        </p:spPr>
+        <p:txBody>
+          <a:bodyPr wrap="square" lIns="0" tIns="0" rIns="0" bIns="0" rtlCol="0">
+            <a:noAutofit/>
+          </a:bodyPr>
+          <a:lstStyle/>
+          <a:p>
+            <a:pPr algn="ctr"/>
+            <a:r>
+              <a:rPr lang="en-US" sz="1100" dirty="0">
+                <a:solidFill>
+                  <a:srgbClr val="7030A0"/>
+                </a:solidFill>
+              </a:rPr>
+              <a:t>1</a:t>
+            </a:r>
+            <a:endParaRPr lang="en-SG" sz="1100" dirty="0">
+              <a:solidFill>
+                <a:srgbClr val="7030A0"/>
+              </a:solidFill>
+            </a:endParaRPr>
+          </a:p>
+        </p:txBody>
+      </p:sp>
+      <p:sp>
+        <p:nvSpPr>
+          <p:cNvPr id="235" name="TextBox 234">
+            <a:extLst>
+              <a:ext uri="{FF2B5EF4-FFF2-40B4-BE49-F238E27FC236}">
+                <a16:creationId xmlns:a16="http://schemas.microsoft.com/office/drawing/2014/main" id="{C73A95CA-603B-4E0B-BF13-DC320E9587B7}"/>
+              </a:ext>
+            </a:extLst>
+          </p:cNvPr>
+          <p:cNvSpPr txBox="1"/>
+          <p:nvPr/>
+        </p:nvSpPr>
+        <p:spPr>
+          <a:xfrm>
+            <a:off x="8826793" y="5242550"/>
+            <a:ext cx="189257" cy="178683"/>
+          </a:xfrm>
+          <a:prstGeom prst="rect">
+            <a:avLst/>
+          </a:prstGeom>
+          <a:noFill/>
+        </p:spPr>
+        <p:txBody>
+          <a:bodyPr wrap="square" lIns="0" tIns="0" rIns="0" bIns="0" rtlCol="0">
+            <a:noAutofit/>
+          </a:bodyPr>
+          <a:lstStyle/>
+          <a:p>
+            <a:pPr algn="ctr"/>
+            <a:r>
+              <a:rPr lang="en-US" sz="1100" dirty="0">
+                <a:solidFill>
+                  <a:srgbClr val="7030A0"/>
+                </a:solidFill>
+              </a:rPr>
+              <a:t>1</a:t>
+            </a:r>
+            <a:endParaRPr lang="en-SG" sz="1100" dirty="0">
+              <a:solidFill>
+                <a:srgbClr val="7030A0"/>
+              </a:solidFill>
+            </a:endParaRPr>
+          </a:p>
+        </p:txBody>
+      </p:sp>
+      <p:sp>
+        <p:nvSpPr>
+          <p:cNvPr id="236" name="TextBox 235">
+            <a:extLst>
+              <a:ext uri="{FF2B5EF4-FFF2-40B4-BE49-F238E27FC236}">
+                <a16:creationId xmlns:a16="http://schemas.microsoft.com/office/drawing/2014/main" id="{F653CC9F-070B-4BDE-8CE8-81FD5A9BCAD7}"/>
+              </a:ext>
+            </a:extLst>
+          </p:cNvPr>
+          <p:cNvSpPr txBox="1"/>
+          <p:nvPr/>
+        </p:nvSpPr>
+        <p:spPr>
+          <a:xfrm>
+            <a:off x="8826794" y="5622690"/>
+            <a:ext cx="186508" cy="219735"/>
+          </a:xfrm>
+          <a:prstGeom prst="rect">
+            <a:avLst/>
+          </a:prstGeom>
+          <a:noFill/>
+        </p:spPr>
+        <p:txBody>
+          <a:bodyPr wrap="square" lIns="0" tIns="0" rIns="0" bIns="0" rtlCol="0">
+            <a:noAutofit/>
+          </a:bodyPr>
+          <a:lstStyle/>
+          <a:p>
+            <a:pPr algn="ctr"/>
+            <a:r>
+              <a:rPr lang="en-US" sz="1100" dirty="0">
+                <a:solidFill>
+                  <a:srgbClr val="7030A0"/>
+                </a:solidFill>
+              </a:rPr>
+              <a:t>*</a:t>
+            </a:r>
+            <a:endParaRPr lang="en-SG" sz="1100" dirty="0">
+              <a:solidFill>
+                <a:srgbClr val="7030A0"/>
+              </a:solidFill>
+            </a:endParaRPr>
+          </a:p>
+        </p:txBody>
+      </p:sp>
+      <p:sp>
+        <p:nvSpPr>
+          <p:cNvPr id="239" name="TextBox 238">
+            <a:extLst>
+              <a:ext uri="{FF2B5EF4-FFF2-40B4-BE49-F238E27FC236}">
+                <a16:creationId xmlns:a16="http://schemas.microsoft.com/office/drawing/2014/main" id="{A5EDF5DE-7297-446C-A46E-A2734CCE9242}"/>
+              </a:ext>
+            </a:extLst>
+          </p:cNvPr>
+          <p:cNvSpPr txBox="1"/>
+          <p:nvPr/>
+        </p:nvSpPr>
+        <p:spPr>
+          <a:xfrm>
+            <a:off x="7466826" y="3150492"/>
+            <a:ext cx="189257" cy="178683"/>
+          </a:xfrm>
+          <a:prstGeom prst="rect">
+            <a:avLst/>
+          </a:prstGeom>
+          <a:noFill/>
+        </p:spPr>
+        <p:txBody>
+          <a:bodyPr wrap="square" lIns="0" tIns="0" rIns="0" bIns="0" rtlCol="0">
+            <a:noAutofit/>
+          </a:bodyPr>
+          <a:lstStyle/>
+          <a:p>
+            <a:pPr algn="ctr"/>
+            <a:r>
+              <a:rPr lang="en-US" sz="1100" dirty="0">
+                <a:solidFill>
+                  <a:srgbClr val="7030A0"/>
+                </a:solidFill>
+              </a:rPr>
+              <a:t>1</a:t>
+            </a:r>
+            <a:endParaRPr lang="en-SG" sz="1100" dirty="0">
+              <a:solidFill>
+                <a:srgbClr val="7030A0"/>
+              </a:solidFill>
+            </a:endParaRPr>
+          </a:p>
+        </p:txBody>
+      </p:sp>
+      <p:sp>
+        <p:nvSpPr>
+          <p:cNvPr id="240" name="TextBox 239">
+            <a:extLst>
+              <a:ext uri="{FF2B5EF4-FFF2-40B4-BE49-F238E27FC236}">
+                <a16:creationId xmlns:a16="http://schemas.microsoft.com/office/drawing/2014/main" id="{AD67FD7B-890B-4871-ADBE-DA8C21CE9E22}"/>
+              </a:ext>
+            </a:extLst>
+          </p:cNvPr>
+          <p:cNvSpPr txBox="1"/>
+          <p:nvPr/>
+        </p:nvSpPr>
+        <p:spPr>
+          <a:xfrm>
+            <a:off x="7466825" y="3479484"/>
+            <a:ext cx="189257" cy="178683"/>
+          </a:xfrm>
+          <a:prstGeom prst="rect">
+            <a:avLst/>
+          </a:prstGeom>
+          <a:noFill/>
+        </p:spPr>
+        <p:txBody>
+          <a:bodyPr wrap="square" lIns="0" tIns="0" rIns="0" bIns="0" rtlCol="0">
+            <a:noAutofit/>
+          </a:bodyPr>
+          <a:lstStyle/>
+          <a:p>
+            <a:pPr algn="ctr"/>
+            <a:r>
+              <a:rPr lang="en-US" sz="1100" dirty="0">
+                <a:solidFill>
+                  <a:srgbClr val="7030A0"/>
+                </a:solidFill>
+              </a:rPr>
+              <a:t>1</a:t>
+            </a:r>
+            <a:endParaRPr lang="en-SG" sz="1100" dirty="0">
+              <a:solidFill>
+                <a:srgbClr val="7030A0"/>
+              </a:solidFill>
+            </a:endParaRPr>
+          </a:p>
+        </p:txBody>
+      </p:sp>
+      <p:sp>
+        <p:nvSpPr>
+          <p:cNvPr id="241" name="TextBox 240">
+            <a:extLst>
+              <a:ext uri="{FF2B5EF4-FFF2-40B4-BE49-F238E27FC236}">
+                <a16:creationId xmlns:a16="http://schemas.microsoft.com/office/drawing/2014/main" id="{019ABE8A-D918-48A3-B951-CB7564FAA8DD}"/>
+              </a:ext>
+            </a:extLst>
+          </p:cNvPr>
+          <p:cNvSpPr txBox="1"/>
+          <p:nvPr/>
+        </p:nvSpPr>
+        <p:spPr>
+          <a:xfrm>
+            <a:off x="7466244" y="2522124"/>
+            <a:ext cx="189257" cy="178683"/>
+          </a:xfrm>
+          <a:prstGeom prst="rect">
+            <a:avLst/>
+          </a:prstGeom>
+          <a:noFill/>
+        </p:spPr>
+        <p:txBody>
+          <a:bodyPr wrap="square" lIns="0" tIns="0" rIns="0" bIns="0" rtlCol="0">
+            <a:noAutofit/>
+          </a:bodyPr>
+          <a:lstStyle/>
+          <a:p>
+            <a:pPr algn="ctr"/>
+            <a:r>
+              <a:rPr lang="en-US" sz="1100" dirty="0">
+                <a:solidFill>
+                  <a:srgbClr val="7030A0"/>
+                </a:solidFill>
+              </a:rPr>
+              <a:t>1</a:t>
+            </a:r>
+            <a:endParaRPr lang="en-SG" sz="1100" dirty="0">
+              <a:solidFill>
+                <a:srgbClr val="7030A0"/>
+              </a:solidFill>
+            </a:endParaRPr>
+          </a:p>
+        </p:txBody>
+      </p:sp>
+      <p:sp>
+        <p:nvSpPr>
+          <p:cNvPr id="242" name="TextBox 241">
+            <a:extLst>
+              <a:ext uri="{FF2B5EF4-FFF2-40B4-BE49-F238E27FC236}">
+                <a16:creationId xmlns:a16="http://schemas.microsoft.com/office/drawing/2014/main" id="{8F03C1E7-321A-48C6-8D70-ED18A964188C}"/>
+              </a:ext>
+            </a:extLst>
+          </p:cNvPr>
+          <p:cNvSpPr txBox="1"/>
+          <p:nvPr/>
+        </p:nvSpPr>
+        <p:spPr>
+          <a:xfrm>
+            <a:off x="7466243" y="2851116"/>
+            <a:ext cx="189257" cy="178683"/>
+          </a:xfrm>
+          <a:prstGeom prst="rect">
+            <a:avLst/>
+          </a:prstGeom>
+          <a:noFill/>
+        </p:spPr>
+        <p:txBody>
+          <a:bodyPr wrap="square" lIns="0" tIns="0" rIns="0" bIns="0" rtlCol="0">
+            <a:noAutofit/>
+          </a:bodyPr>
+          <a:lstStyle/>
+          <a:p>
+            <a:pPr algn="ctr"/>
+            <a:r>
+              <a:rPr lang="en-US" sz="1100" dirty="0">
+                <a:solidFill>
+                  <a:srgbClr val="7030A0"/>
+                </a:solidFill>
+              </a:rPr>
+              <a:t>1</a:t>
+            </a:r>
+            <a:endParaRPr lang="en-SG" sz="1100" dirty="0">
+              <a:solidFill>
+                <a:srgbClr val="7030A0"/>
+              </a:solidFill>
+            </a:endParaRPr>
+          </a:p>
+        </p:txBody>
+      </p:sp>
+      <p:sp>
+        <p:nvSpPr>
+          <p:cNvPr id="106" name="Flowchart: Decision 96">
+            <a:extLst>
+              <a:ext uri="{FF2B5EF4-FFF2-40B4-BE49-F238E27FC236}">
+                <a16:creationId xmlns:a16="http://schemas.microsoft.com/office/drawing/2014/main" id="{98ECE193-7E0B-45C8-95F0-66F9CA2503D5}"/>
+              </a:ext>
+            </a:extLst>
+          </p:cNvPr>
+          <p:cNvSpPr/>
+          <p:nvPr/>
+        </p:nvSpPr>
+        <p:spPr>
+          <a:xfrm rot="16200000">
+            <a:off x="3617450" y="4437841"/>
+            <a:ext cx="236048" cy="173380"/>
+          </a:xfrm>
+          <a:prstGeom prst="flowChartDecision">
+            <a:avLst/>
+          </a:prstGeom>
+          <a:solidFill>
+            <a:srgbClr val="7030A0"/>
+          </a:solidFill>
+          <a:ln w="19050">
+            <a:solidFill>
+              <a:srgbClr val="7030A0"/>
+            </a:solidFill>
+          </a:ln>
+          <a:effectLst/>
+        </p:spPr>
+        <p:style>
+          <a:lnRef idx="1">
+            <a:schemeClr val="accent6"/>
+          </a:lnRef>
+          <a:fillRef idx="2">
+            <a:schemeClr val="accent6"/>
+          </a:fillRef>
+          <a:effectRef idx="1">
+            <a:schemeClr val="accent6"/>
+          </a:effectRef>
+          <a:fontRef idx="minor">
+            <a:schemeClr val="dk1"/>
+          </a:fontRef>
+        </p:style>
+        <p:txBody>
+          <a:bodyPr rtlCol="0" anchor="ctr"/>
+          <a:lstStyle/>
+          <a:p>
+            <a:pPr algn="ctr"/>
+            <a:endParaRPr lang="en-US" sz="1050"/>
+          </a:p>
+        </p:txBody>
+      </p:sp>
+      <p:sp>
+        <p:nvSpPr>
+          <p:cNvPr id="127" name="Rectangle 8">
+            <a:extLst>
+              <a:ext uri="{FF2B5EF4-FFF2-40B4-BE49-F238E27FC236}">
+                <a16:creationId xmlns:a16="http://schemas.microsoft.com/office/drawing/2014/main" id="{A4CA2C57-BEE9-4FEC-8CC2-2F868AC6F2F0}"/>
+              </a:ext>
+            </a:extLst>
+          </p:cNvPr>
+          <p:cNvSpPr/>
+          <p:nvPr/>
+        </p:nvSpPr>
+        <p:spPr>
+          <a:xfrm>
+            <a:off x="4560221" y="2363742"/>
+            <a:ext cx="1358518" cy="364396"/>
+          </a:xfrm>
+          <a:prstGeom prst="rect">
+            <a:avLst/>
+          </a:prstGeom>
+          <a:ln w="19050">
+            <a:solidFill>
+              <a:srgbClr val="7030A0"/>
+            </a:solidFill>
+          </a:ln>
+          <a:effectLst/>
+        </p:spPr>
+        <p:style>
+          <a:lnRef idx="1">
+            <a:schemeClr val="accent4"/>
+          </a:lnRef>
+          <a:fillRef idx="2">
+            <a:schemeClr val="accent4"/>
+          </a:fillRef>
+          <a:effectRef idx="1">
+            <a:schemeClr val="accent4"/>
+          </a:effectRef>
+          <a:fontRef idx="minor">
+            <a:schemeClr val="dk1"/>
+          </a:fontRef>
+        </p:style>
+        <p:txBody>
+          <a:bodyPr rtlCol="0" anchor="ctr"/>
+          <a:lstStyle/>
+          <a:p>
+            <a:pPr algn="ctr"/>
+            <a:r>
+              <a:rPr lang="en-US" sz="1050" dirty="0" err="1">
+                <a:solidFill>
+                  <a:srgbClr val="7030A0"/>
+                </a:solidFill>
+              </a:rPr>
+              <a:t>NotificationHandler</a:t>
+            </a:r>
+            <a:endParaRPr lang="en-SG" sz="1050" dirty="0">
+              <a:solidFill>
+                <a:srgbClr val="7030A0"/>
+              </a:solidFill>
+            </a:endParaRPr>
+          </a:p>
+        </p:txBody>
+      </p:sp>
+      <p:sp>
+        <p:nvSpPr>
+          <p:cNvPr id="128" name="Flowchart: Decision 96">
+            <a:extLst>
+              <a:ext uri="{FF2B5EF4-FFF2-40B4-BE49-F238E27FC236}">
+                <a16:creationId xmlns:a16="http://schemas.microsoft.com/office/drawing/2014/main" id="{D0FFADED-F41A-44E3-9900-8BC89E6CD25B}"/>
+              </a:ext>
+            </a:extLst>
+          </p:cNvPr>
+          <p:cNvSpPr/>
+          <p:nvPr/>
+        </p:nvSpPr>
+        <p:spPr>
+          <a:xfrm rot="19275448">
+            <a:off x="4120729" y="2671965"/>
+            <a:ext cx="236048" cy="173380"/>
+          </a:xfrm>
+          <a:prstGeom prst="flowChartDecision">
+            <a:avLst/>
+          </a:prstGeom>
+          <a:solidFill>
+            <a:srgbClr val="7030A0"/>
+          </a:solidFill>
+          <a:ln w="19050">
+            <a:solidFill>
+              <a:srgbClr val="7030A0"/>
+            </a:solidFill>
+          </a:ln>
+          <a:effectLst/>
+        </p:spPr>
+        <p:style>
+          <a:lnRef idx="1">
+            <a:schemeClr val="accent6"/>
+          </a:lnRef>
+          <a:fillRef idx="2">
+            <a:schemeClr val="accent6"/>
+          </a:fillRef>
+          <a:effectRef idx="1">
+            <a:schemeClr val="accent6"/>
+          </a:effectRef>
+          <a:fontRef idx="minor">
+            <a:schemeClr val="dk1"/>
+          </a:fontRef>
+        </p:style>
+        <p:txBody>
+          <a:bodyPr rtlCol="0" anchor="ctr"/>
+          <a:lstStyle/>
+          <a:p>
+            <a:pPr algn="ctr"/>
+            <a:endParaRPr lang="en-US" sz="1050"/>
+          </a:p>
+        </p:txBody>
+      </p:sp>
+      <p:cxnSp>
+        <p:nvCxnSpPr>
+          <p:cNvPr id="129" name="Straight Arrow Connector 128">
+            <a:extLst>
+              <a:ext uri="{FF2B5EF4-FFF2-40B4-BE49-F238E27FC236}">
+                <a16:creationId xmlns:a16="http://schemas.microsoft.com/office/drawing/2014/main" id="{955D15F1-20B8-48B7-A7FD-C8E3E7CEE3B8}"/>
+              </a:ext>
+            </a:extLst>
+          </p:cNvPr>
+          <p:cNvCxnSpPr>
+            <a:cxnSpLocks/>
+          </p:cNvCxnSpPr>
+          <p:nvPr/>
+        </p:nvCxnSpPr>
+        <p:spPr>
+          <a:xfrm flipV="1">
+            <a:off x="4137829" y="2493105"/>
+            <a:ext cx="420182" cy="366382"/>
+          </a:xfrm>
+          <a:prstGeom prst="straightConnector1">
+            <a:avLst/>
+          </a:prstGeom>
+          <a:ln w="19050">
+            <a:solidFill>
+              <a:srgbClr val="7030A0"/>
+            </a:solidFill>
+            <a:headEnd type="none" w="med" len="med"/>
+            <a:tailEnd type="arrow" w="med" len="med"/>
+          </a:ln>
+          <a:effectLst/>
+        </p:spPr>
+        <p:style>
+          <a:lnRef idx="1">
+            <a:schemeClr val="accent2"/>
+          </a:lnRef>
+          <a:fillRef idx="2">
+            <a:schemeClr val="accent2"/>
+          </a:fillRef>
+          <a:effectRef idx="1">
+            <a:schemeClr val="accent2"/>
+          </a:effectRef>
+          <a:fontRef idx="minor">
+            <a:schemeClr val="dk1"/>
+          </a:fontRef>
+        </p:style>
+      </p:cxnSp>
+      <p:sp>
+        <p:nvSpPr>
+          <p:cNvPr id="131" name="TextBox 130">
+            <a:extLst>
+              <a:ext uri="{FF2B5EF4-FFF2-40B4-BE49-F238E27FC236}">
+                <a16:creationId xmlns:a16="http://schemas.microsoft.com/office/drawing/2014/main" id="{B42953C3-EDC8-4768-AB67-0E8A3336709E}"/>
+              </a:ext>
+            </a:extLst>
+          </p:cNvPr>
+          <p:cNvSpPr txBox="1"/>
+          <p:nvPr/>
+        </p:nvSpPr>
+        <p:spPr>
+          <a:xfrm>
+            <a:off x="4348657" y="2653775"/>
+            <a:ext cx="141264" cy="196945"/>
+          </a:xfrm>
+          <a:prstGeom prst="rect">
+            <a:avLst/>
+          </a:prstGeom>
+          <a:noFill/>
+        </p:spPr>
+        <p:txBody>
+          <a:bodyPr wrap="square" lIns="0" tIns="0" rIns="0" bIns="0" rtlCol="0">
+            <a:noAutofit/>
+          </a:bodyPr>
+          <a:lstStyle/>
+          <a:p>
+            <a:pPr algn="ctr"/>
+            <a:r>
+              <a:rPr lang="en-US" sz="1100" dirty="0">
+                <a:solidFill>
+                  <a:srgbClr val="7030A0"/>
+                </a:solidFill>
+              </a:rPr>
+              <a:t>1</a:t>
+            </a:r>
+            <a:endParaRPr lang="en-SG" sz="1100" dirty="0">
+              <a:solidFill>
+                <a:srgbClr val="7030A0"/>
+              </a:solidFill>
+            </a:endParaRPr>
+          </a:p>
+        </p:txBody>
+      </p:sp>
+      <p:cxnSp>
+        <p:nvCxnSpPr>
+          <p:cNvPr id="28" name="Connector: Elbow 27">
+            <a:extLst>
+              <a:ext uri="{FF2B5EF4-FFF2-40B4-BE49-F238E27FC236}">
+                <a16:creationId xmlns:a16="http://schemas.microsoft.com/office/drawing/2014/main" id="{0D77A606-559F-4CAE-BD0A-360C560957D2}"/>
+              </a:ext>
+            </a:extLst>
+          </p:cNvPr>
+          <p:cNvCxnSpPr>
+            <a:endCxn id="93" idx="1"/>
+          </p:cNvCxnSpPr>
+          <p:nvPr/>
+        </p:nvCxnSpPr>
+        <p:spPr>
+          <a:xfrm>
+            <a:off x="2090960" y="4071224"/>
+            <a:ext cx="847378" cy="750431"/>
+          </a:xfrm>
+          <a:prstGeom prst="bentConnector3">
+            <a:avLst>
+              <a:gd name="adj1" fmla="val 542"/>
+            </a:avLst>
+          </a:prstGeom>
+          <a:ln w="19050">
+            <a:solidFill>
+              <a:srgbClr val="7030A0"/>
+            </a:solidFill>
+            <a:headEnd type="none" w="med" len="med"/>
+            <a:tailEnd type="arrow" w="med" len="med"/>
+          </a:ln>
+          <a:effectLst/>
+        </p:spPr>
+        <p:style>
+          <a:lnRef idx="1">
+            <a:schemeClr val="accent2"/>
+          </a:lnRef>
+          <a:fillRef idx="2">
+            <a:schemeClr val="accent2"/>
+          </a:fillRef>
+          <a:effectRef idx="1">
+            <a:schemeClr val="accent2"/>
+          </a:effectRef>
+          <a:fontRef idx="minor">
+            <a:schemeClr val="dk1"/>
+          </a:fontRef>
+        </p:style>
+      </p:cxnSp>
+      <p:sp>
+        <p:nvSpPr>
+          <p:cNvPr id="142" name="TextBox 141">
+            <a:extLst>
+              <a:ext uri="{FF2B5EF4-FFF2-40B4-BE49-F238E27FC236}">
+                <a16:creationId xmlns:a16="http://schemas.microsoft.com/office/drawing/2014/main" id="{E9CE5B1C-0FD6-4AE5-A11B-5369F60F02B8}"/>
+              </a:ext>
+            </a:extLst>
+          </p:cNvPr>
+          <p:cNvSpPr txBox="1"/>
+          <p:nvPr/>
+        </p:nvSpPr>
+        <p:spPr>
+          <a:xfrm>
+            <a:off x="1909353" y="4035215"/>
+            <a:ext cx="141264" cy="196945"/>
+          </a:xfrm>
+          <a:prstGeom prst="rect">
+            <a:avLst/>
+          </a:prstGeom>
+          <a:noFill/>
+        </p:spPr>
+        <p:txBody>
+          <a:bodyPr wrap="square" lIns="0" tIns="0" rIns="0" bIns="0" rtlCol="0">
+            <a:noAutofit/>
+          </a:bodyPr>
+          <a:lstStyle/>
+          <a:p>
+            <a:pPr algn="ctr"/>
+            <a:r>
+              <a:rPr lang="en-US" sz="1100" dirty="0">
+                <a:solidFill>
+                  <a:srgbClr val="7030A0"/>
+                </a:solidFill>
+              </a:rPr>
+              <a:t>*</a:t>
+            </a:r>
+            <a:endParaRPr lang="en-SG" sz="1100" dirty="0">
+              <a:solidFill>
+                <a:srgbClr val="7030A0"/>
+              </a:solidFill>
+            </a:endParaRPr>
+          </a:p>
+        </p:txBody>
+      </p:sp>
+      <p:sp>
+        <p:nvSpPr>
+          <p:cNvPr id="143" name="Isosceles Triangle 102">
+            <a:extLst>
+              <a:ext uri="{FF2B5EF4-FFF2-40B4-BE49-F238E27FC236}">
+                <a16:creationId xmlns:a16="http://schemas.microsoft.com/office/drawing/2014/main" id="{3BC74D5E-27E0-466E-AB96-6F0186BDB570}"/>
+              </a:ext>
+            </a:extLst>
+          </p:cNvPr>
+          <p:cNvSpPr/>
+          <p:nvPr/>
+        </p:nvSpPr>
+        <p:spPr>
+          <a:xfrm rot="10800000" flipV="1">
+            <a:off x="1793095" y="1483009"/>
+            <a:ext cx="282387" cy="234790"/>
+          </a:xfrm>
+          <a:prstGeom prst="triangle">
+            <a:avLst/>
+          </a:prstGeom>
+          <a:noFill/>
+          <a:ln w="19050">
+            <a:solidFill>
+              <a:srgbClr val="7030A0"/>
+            </a:solidFill>
+          </a:ln>
+          <a:effectLst/>
+        </p:spPr>
+        <p:style>
+          <a:lnRef idx="1">
+            <a:schemeClr val="accent4"/>
+          </a:lnRef>
+          <a:fillRef idx="2">
+            <a:schemeClr val="accent4"/>
+          </a:fillRef>
+          <a:effectRef idx="1">
+            <a:schemeClr val="accent4"/>
+          </a:effectRef>
+          <a:fontRef idx="minor">
+            <a:schemeClr val="dk1"/>
+          </a:fontRef>
+        </p:style>
+        <p:txBody>
+          <a:bodyPr rtlCol="0" anchor="ctr"/>
+          <a:lstStyle/>
+          <a:p>
+            <a:pPr algn="ctr"/>
+            <a:endParaRPr lang="en-SG" sz="1050" b="1">
+              <a:solidFill>
+                <a:srgbClr val="92D050"/>
+              </a:solidFill>
+            </a:endParaRPr>
+          </a:p>
+        </p:txBody>
+      </p:sp>
+      <p:sp>
+        <p:nvSpPr>
+          <p:cNvPr id="144" name="Flowchart: Decision 96">
+            <a:extLst>
+              <a:ext uri="{FF2B5EF4-FFF2-40B4-BE49-F238E27FC236}">
+                <a16:creationId xmlns:a16="http://schemas.microsoft.com/office/drawing/2014/main" id="{66978988-FE18-4376-A6CA-D49D076C53C2}"/>
+              </a:ext>
+            </a:extLst>
+          </p:cNvPr>
+          <p:cNvSpPr/>
+          <p:nvPr/>
+        </p:nvSpPr>
+        <p:spPr>
+          <a:xfrm rot="19275448">
+            <a:off x="3161499" y="2671966"/>
+            <a:ext cx="236048" cy="173380"/>
+          </a:xfrm>
+          <a:prstGeom prst="flowChartDecision">
+            <a:avLst/>
+          </a:prstGeom>
+          <a:solidFill>
+            <a:srgbClr val="7030A0"/>
+          </a:solidFill>
+          <a:ln w="19050">
+            <a:solidFill>
+              <a:srgbClr val="7030A0"/>
+            </a:solidFill>
+          </a:ln>
+          <a:effectLst/>
+        </p:spPr>
+        <p:style>
+          <a:lnRef idx="1">
+            <a:schemeClr val="accent6"/>
+          </a:lnRef>
+          <a:fillRef idx="2">
+            <a:schemeClr val="accent6"/>
+          </a:fillRef>
+          <a:effectRef idx="1">
+            <a:schemeClr val="accent6"/>
+          </a:effectRef>
+          <a:fontRef idx="minor">
+            <a:schemeClr val="dk1"/>
+          </a:fontRef>
+        </p:style>
+        <p:txBody>
+          <a:bodyPr rtlCol="0" anchor="ctr"/>
+          <a:lstStyle/>
+          <a:p>
+            <a:pPr algn="ctr"/>
+            <a:endParaRPr lang="en-US" sz="1050"/>
+          </a:p>
+        </p:txBody>
+      </p:sp>
+      <p:cxnSp>
+        <p:nvCxnSpPr>
+          <p:cNvPr id="145" name="Straight Arrow Connector 144">
+            <a:extLst>
+              <a:ext uri="{FF2B5EF4-FFF2-40B4-BE49-F238E27FC236}">
+                <a16:creationId xmlns:a16="http://schemas.microsoft.com/office/drawing/2014/main" id="{2BCFCBB4-55CB-4693-8E75-55EAE8B546F1}"/>
+              </a:ext>
+            </a:extLst>
+          </p:cNvPr>
+          <p:cNvCxnSpPr>
+            <a:cxnSpLocks/>
+            <a:endCxn id="73" idx="1"/>
+          </p:cNvCxnSpPr>
+          <p:nvPr/>
+        </p:nvCxnSpPr>
+        <p:spPr>
+          <a:xfrm flipV="1">
+            <a:off x="3308843" y="1550672"/>
+            <a:ext cx="1246955" cy="1191722"/>
+          </a:xfrm>
+          <a:prstGeom prst="straightConnector1">
+            <a:avLst/>
+          </a:prstGeom>
+          <a:ln w="19050">
+            <a:solidFill>
+              <a:srgbClr val="7030A0"/>
+            </a:solidFill>
+            <a:headEnd type="none" w="med" len="med"/>
+            <a:tailEnd type="arrow" w="med" len="med"/>
+          </a:ln>
+          <a:effectLst/>
+        </p:spPr>
+        <p:style>
+          <a:lnRef idx="1">
+            <a:schemeClr val="accent2"/>
+          </a:lnRef>
+          <a:fillRef idx="2">
+            <a:schemeClr val="accent2"/>
+          </a:fillRef>
+          <a:effectRef idx="1">
+            <a:schemeClr val="accent2"/>
+          </a:effectRef>
+          <a:fontRef idx="minor">
+            <a:schemeClr val="dk1"/>
+          </a:fontRef>
+        </p:style>
+      </p:cxnSp>
+      <p:sp>
+        <p:nvSpPr>
+          <p:cNvPr id="146" name="TextBox 145">
+            <a:extLst>
+              <a:ext uri="{FF2B5EF4-FFF2-40B4-BE49-F238E27FC236}">
+                <a16:creationId xmlns:a16="http://schemas.microsoft.com/office/drawing/2014/main" id="{302F8270-FBB2-4119-8890-099AE34344A4}"/>
+              </a:ext>
+            </a:extLst>
+          </p:cNvPr>
+          <p:cNvSpPr txBox="1"/>
+          <p:nvPr/>
+        </p:nvSpPr>
+        <p:spPr>
+          <a:xfrm>
+            <a:off x="3970253" y="2615659"/>
+            <a:ext cx="141264" cy="196945"/>
+          </a:xfrm>
+          <a:prstGeom prst="rect">
+            <a:avLst/>
+          </a:prstGeom>
+          <a:noFill/>
+        </p:spPr>
+        <p:txBody>
+          <a:bodyPr wrap="square" lIns="0" tIns="0" rIns="0" bIns="0" rtlCol="0">
+            <a:noAutofit/>
+          </a:bodyPr>
+          <a:lstStyle/>
+          <a:p>
+            <a:pPr algn="ctr"/>
+            <a:r>
+              <a:rPr lang="en-US" sz="1100" dirty="0">
+                <a:solidFill>
+                  <a:srgbClr val="7030A0"/>
+                </a:solidFill>
+              </a:rPr>
+              <a:t>1</a:t>
+            </a:r>
+            <a:endParaRPr lang="en-SG" sz="1100" dirty="0">
+              <a:solidFill>
+                <a:srgbClr val="7030A0"/>
+              </a:solidFill>
+            </a:endParaRPr>
+          </a:p>
+        </p:txBody>
+      </p:sp>
+      <p:sp>
+        <p:nvSpPr>
+          <p:cNvPr id="147" name="TextBox 146">
+            <a:extLst>
+              <a:ext uri="{FF2B5EF4-FFF2-40B4-BE49-F238E27FC236}">
+                <a16:creationId xmlns:a16="http://schemas.microsoft.com/office/drawing/2014/main" id="{5346D2B2-372D-4022-9D51-EEB288A203A0}"/>
+              </a:ext>
+            </a:extLst>
+          </p:cNvPr>
+          <p:cNvSpPr txBox="1"/>
+          <p:nvPr/>
+        </p:nvSpPr>
+        <p:spPr>
+          <a:xfrm>
+            <a:off x="3397122" y="2633817"/>
+            <a:ext cx="141264" cy="196945"/>
+          </a:xfrm>
+          <a:prstGeom prst="rect">
+            <a:avLst/>
+          </a:prstGeom>
+          <a:noFill/>
+        </p:spPr>
+        <p:txBody>
+          <a:bodyPr wrap="square" lIns="0" tIns="0" rIns="0" bIns="0" rtlCol="0">
+            <a:noAutofit/>
+          </a:bodyPr>
+          <a:lstStyle/>
+          <a:p>
+            <a:pPr algn="ctr"/>
+            <a:r>
+              <a:rPr lang="en-US" sz="1100" dirty="0">
+                <a:solidFill>
+                  <a:srgbClr val="7030A0"/>
+                </a:solidFill>
+              </a:rPr>
+              <a:t>1</a:t>
+            </a:r>
+            <a:endParaRPr lang="en-SG" sz="1100" dirty="0">
+              <a:solidFill>
+                <a:srgbClr val="7030A0"/>
+              </a:solidFill>
+            </a:endParaRPr>
+          </a:p>
+        </p:txBody>
+      </p:sp>
+      <p:cxnSp>
+        <p:nvCxnSpPr>
+          <p:cNvPr id="227" name="Connector: Elbow 226">
+            <a:extLst>
+              <a:ext uri="{FF2B5EF4-FFF2-40B4-BE49-F238E27FC236}">
+                <a16:creationId xmlns:a16="http://schemas.microsoft.com/office/drawing/2014/main" id="{18FE85F5-0A05-40D3-B822-2AE0BB6221C5}"/>
+              </a:ext>
+            </a:extLst>
+          </p:cNvPr>
+          <p:cNvCxnSpPr>
+            <a:endCxn id="127" idx="3"/>
+          </p:cNvCxnSpPr>
+          <p:nvPr/>
+        </p:nvCxnSpPr>
+        <p:spPr>
+          <a:xfrm rot="5400000">
+            <a:off x="5859128" y="2091390"/>
+            <a:ext cx="514161" cy="394938"/>
+          </a:xfrm>
+          <a:prstGeom prst="bentConnector2">
+            <a:avLst/>
+          </a:prstGeom>
+          <a:ln w="19050">
+            <a:solidFill>
+              <a:srgbClr val="7030A0"/>
+            </a:solidFill>
+            <a:headEnd type="none" w="med" len="med"/>
+            <a:tailEnd type="arrow" w="med" len="med"/>
+          </a:ln>
+          <a:effectLst/>
+        </p:spPr>
+        <p:style>
+          <a:lnRef idx="1">
+            <a:schemeClr val="accent2"/>
+          </a:lnRef>
+          <a:fillRef idx="2">
+            <a:schemeClr val="accent2"/>
+          </a:fillRef>
+          <a:effectRef idx="1">
+            <a:schemeClr val="accent2"/>
+          </a:effectRef>
+          <a:fontRef idx="minor">
+            <a:schemeClr val="dk1"/>
+          </a:fontRef>
+        </p:style>
+      </p:cxnSp>
+      <p:cxnSp>
+        <p:nvCxnSpPr>
+          <p:cNvPr id="237" name="Connector: Elbow 236">
+            <a:extLst>
+              <a:ext uri="{FF2B5EF4-FFF2-40B4-BE49-F238E27FC236}">
+                <a16:creationId xmlns:a16="http://schemas.microsoft.com/office/drawing/2014/main" id="{F17E6661-E9C0-4363-B6D6-0D855E9798AA}"/>
+              </a:ext>
+            </a:extLst>
+          </p:cNvPr>
+          <p:cNvCxnSpPr>
+            <a:endCxn id="73" idx="3"/>
+          </p:cNvCxnSpPr>
+          <p:nvPr/>
+        </p:nvCxnSpPr>
+        <p:spPr>
+          <a:xfrm rot="10800000">
+            <a:off x="5616481" y="1550672"/>
+            <a:ext cx="697196" cy="477368"/>
+          </a:xfrm>
+          <a:prstGeom prst="bentConnector3">
+            <a:avLst>
+              <a:gd name="adj1" fmla="val 473"/>
+            </a:avLst>
+          </a:prstGeom>
+          <a:ln w="19050">
+            <a:solidFill>
+              <a:srgbClr val="7030A0"/>
+            </a:solidFill>
+            <a:headEnd type="none" w="med" len="med"/>
+            <a:tailEnd type="arrow" w="med" len="med"/>
+          </a:ln>
+          <a:effectLst/>
+        </p:spPr>
+        <p:style>
+          <a:lnRef idx="1">
+            <a:schemeClr val="accent2"/>
+          </a:lnRef>
+          <a:fillRef idx="2">
+            <a:schemeClr val="accent2"/>
+          </a:fillRef>
+          <a:effectRef idx="1">
+            <a:schemeClr val="accent2"/>
+          </a:effectRef>
+          <a:fontRef idx="minor">
+            <a:schemeClr val="dk1"/>
+          </a:fontRef>
+        </p:style>
+      </p:cxnSp>
+      <p:sp>
+        <p:nvSpPr>
+          <p:cNvPr id="126" name="Rectangle 8">
+            <a:extLst>
+              <a:ext uri="{FF2B5EF4-FFF2-40B4-BE49-F238E27FC236}">
+                <a16:creationId xmlns:a16="http://schemas.microsoft.com/office/drawing/2014/main" id="{FD458B3B-3924-430A-B355-44DCAE03E61E}"/>
+              </a:ext>
+            </a:extLst>
+          </p:cNvPr>
+          <p:cNvSpPr/>
+          <p:nvPr/>
+        </p:nvSpPr>
+        <p:spPr>
+          <a:xfrm>
+            <a:off x="4546321" y="906191"/>
+            <a:ext cx="1060683" cy="364396"/>
+          </a:xfrm>
+          <a:prstGeom prst="rect">
+            <a:avLst/>
+          </a:prstGeom>
+          <a:ln w="19050">
+            <a:solidFill>
+              <a:srgbClr val="7030A0"/>
+            </a:solidFill>
+          </a:ln>
+          <a:effectLst/>
+        </p:spPr>
+        <p:style>
+          <a:lnRef idx="1">
+            <a:schemeClr val="accent4"/>
+          </a:lnRef>
+          <a:fillRef idx="2">
+            <a:schemeClr val="accent4"/>
+          </a:fillRef>
+          <a:effectRef idx="1">
+            <a:schemeClr val="accent4"/>
+          </a:effectRef>
+          <a:fontRef idx="minor">
+            <a:schemeClr val="dk1"/>
+          </a:fontRef>
+        </p:style>
+        <p:txBody>
+          <a:bodyPr rtlCol="0" anchor="ctr"/>
+          <a:lstStyle/>
+          <a:p>
+            <a:pPr algn="ctr"/>
+            <a:r>
               <a:rPr lang="en-US" sz="1050" dirty="0">
                 <a:solidFill>
                   <a:srgbClr val="7030A0"/>
                 </a:solidFill>
               </a:rPr>
-              <a:t>Budget</a:t>
+              <a:t>Password</a:t>
             </a:r>
             <a:endParaRPr lang="en-SG" sz="1050" dirty="0">
               <a:solidFill>
@@ -5956,10 +8908,2807 @@
           </a:p>
         </p:txBody>
       </p:sp>
+      <p:sp>
+        <p:nvSpPr>
+          <p:cNvPr id="130" name="Flowchart: Decision 96">
+            <a:extLst>
+              <a:ext uri="{FF2B5EF4-FFF2-40B4-BE49-F238E27FC236}">
+                <a16:creationId xmlns:a16="http://schemas.microsoft.com/office/drawing/2014/main" id="{AB744B0D-7672-446B-98E3-65388A78D2F7}"/>
+              </a:ext>
+            </a:extLst>
+          </p:cNvPr>
+          <p:cNvSpPr/>
+          <p:nvPr/>
+        </p:nvSpPr>
+        <p:spPr>
+          <a:xfrm rot="19275448">
+            <a:off x="2935783" y="2665940"/>
+            <a:ext cx="236048" cy="173380"/>
+          </a:xfrm>
+          <a:prstGeom prst="flowChartDecision">
+            <a:avLst/>
+          </a:prstGeom>
+          <a:noFill/>
+          <a:ln w="19050">
+            <a:solidFill>
+              <a:srgbClr val="7030A0"/>
+            </a:solidFill>
+          </a:ln>
+          <a:effectLst/>
+        </p:spPr>
+        <p:style>
+          <a:lnRef idx="1">
+            <a:schemeClr val="accent6"/>
+          </a:lnRef>
+          <a:fillRef idx="2">
+            <a:schemeClr val="accent6"/>
+          </a:fillRef>
+          <a:effectRef idx="1">
+            <a:schemeClr val="accent6"/>
+          </a:effectRef>
+          <a:fontRef idx="minor">
+            <a:schemeClr val="dk1"/>
+          </a:fontRef>
+        </p:style>
+        <p:txBody>
+          <a:bodyPr rtlCol="0" anchor="ctr"/>
+          <a:lstStyle/>
+          <a:p>
+            <a:pPr algn="ctr"/>
+            <a:endParaRPr lang="en-US" sz="1050"/>
+          </a:p>
+        </p:txBody>
+      </p:sp>
+      <p:cxnSp>
+        <p:nvCxnSpPr>
+          <p:cNvPr id="132" name="Straight Arrow Connector 131">
+            <a:extLst>
+              <a:ext uri="{FF2B5EF4-FFF2-40B4-BE49-F238E27FC236}">
+                <a16:creationId xmlns:a16="http://schemas.microsoft.com/office/drawing/2014/main" id="{80E07241-A307-42B4-B2EA-3B1CE83EDB1F}"/>
+              </a:ext>
+            </a:extLst>
+          </p:cNvPr>
+          <p:cNvCxnSpPr>
+            <a:cxnSpLocks/>
+            <a:stCxn id="130" idx="3"/>
+            <a:endCxn id="126" idx="1"/>
+          </p:cNvCxnSpPr>
+          <p:nvPr/>
+        </p:nvCxnSpPr>
+        <p:spPr>
+          <a:xfrm flipV="1">
+            <a:off x="3145862" y="1088389"/>
+            <a:ext cx="1400459" cy="1590379"/>
+          </a:xfrm>
+          <a:prstGeom prst="straightConnector1">
+            <a:avLst/>
+          </a:prstGeom>
+          <a:ln w="19050">
+            <a:solidFill>
+              <a:srgbClr val="7030A0"/>
+            </a:solidFill>
+            <a:headEnd type="none" w="med" len="med"/>
+            <a:tailEnd type="arrow" w="med" len="med"/>
+          </a:ln>
+          <a:effectLst/>
+        </p:spPr>
+        <p:style>
+          <a:lnRef idx="1">
+            <a:schemeClr val="accent2"/>
+          </a:lnRef>
+          <a:fillRef idx="2">
+            <a:schemeClr val="accent2"/>
+          </a:fillRef>
+          <a:effectRef idx="1">
+            <a:schemeClr val="accent2"/>
+          </a:effectRef>
+          <a:fontRef idx="minor">
+            <a:schemeClr val="dk1"/>
+          </a:fontRef>
+        </p:style>
+      </p:cxnSp>
+      <p:sp>
+        <p:nvSpPr>
+          <p:cNvPr id="133" name="TextBox 132">
+            <a:extLst>
+              <a:ext uri="{FF2B5EF4-FFF2-40B4-BE49-F238E27FC236}">
+                <a16:creationId xmlns:a16="http://schemas.microsoft.com/office/drawing/2014/main" id="{0867E1FC-509D-425E-BD28-6EEE79C7933E}"/>
+              </a:ext>
+            </a:extLst>
+          </p:cNvPr>
+          <p:cNvSpPr txBox="1"/>
+          <p:nvPr/>
+        </p:nvSpPr>
+        <p:spPr>
+          <a:xfrm>
+            <a:off x="2913849" y="2459659"/>
+            <a:ext cx="294172" cy="139714"/>
+          </a:xfrm>
+          <a:prstGeom prst="rect">
+            <a:avLst/>
+          </a:prstGeom>
+          <a:noFill/>
+        </p:spPr>
+        <p:txBody>
+          <a:bodyPr wrap="square" lIns="0" tIns="0" rIns="0" bIns="0" rtlCol="0">
+            <a:noAutofit/>
+          </a:bodyPr>
+          <a:lstStyle/>
+          <a:p>
+            <a:pPr algn="ctr"/>
+            <a:r>
+              <a:rPr lang="en-US" sz="1100" dirty="0">
+                <a:solidFill>
+                  <a:srgbClr val="7030A0"/>
+                </a:solidFill>
+              </a:rPr>
+              <a:t>0..1</a:t>
+            </a:r>
+            <a:endParaRPr lang="en-SG" sz="1100" dirty="0">
+              <a:solidFill>
+                <a:srgbClr val="7030A0"/>
+              </a:solidFill>
+            </a:endParaRPr>
+          </a:p>
+        </p:txBody>
+      </p:sp>
+      <p:sp>
+        <p:nvSpPr>
+          <p:cNvPr id="148" name="TextBox 147">
+            <a:extLst>
+              <a:ext uri="{FF2B5EF4-FFF2-40B4-BE49-F238E27FC236}">
+                <a16:creationId xmlns:a16="http://schemas.microsoft.com/office/drawing/2014/main" id="{711943AD-4BE2-442A-B1C5-3BA229CDC0DF}"/>
+              </a:ext>
+            </a:extLst>
+          </p:cNvPr>
+          <p:cNvSpPr txBox="1"/>
+          <p:nvPr/>
+        </p:nvSpPr>
+        <p:spPr>
+          <a:xfrm>
+            <a:off x="5734022" y="1335259"/>
+            <a:ext cx="189257" cy="178683"/>
+          </a:xfrm>
+          <a:prstGeom prst="rect">
+            <a:avLst/>
+          </a:prstGeom>
+          <a:noFill/>
+        </p:spPr>
+        <p:txBody>
+          <a:bodyPr wrap="square" lIns="0" tIns="0" rIns="0" bIns="0" rtlCol="0">
+            <a:noAutofit/>
+          </a:bodyPr>
+          <a:lstStyle/>
+          <a:p>
+            <a:pPr algn="ctr"/>
+            <a:r>
+              <a:rPr lang="en-US" sz="1100" dirty="0">
+                <a:solidFill>
+                  <a:srgbClr val="7030A0"/>
+                </a:solidFill>
+              </a:rPr>
+              <a:t>1</a:t>
+            </a:r>
+            <a:endParaRPr lang="en-SG" sz="1100" dirty="0">
+              <a:solidFill>
+                <a:srgbClr val="7030A0"/>
+              </a:solidFill>
+            </a:endParaRPr>
+          </a:p>
+        </p:txBody>
+      </p:sp>
+      <p:sp>
+        <p:nvSpPr>
+          <p:cNvPr id="149" name="TextBox 148">
+            <a:extLst>
+              <a:ext uri="{FF2B5EF4-FFF2-40B4-BE49-F238E27FC236}">
+                <a16:creationId xmlns:a16="http://schemas.microsoft.com/office/drawing/2014/main" id="{393EF236-97BD-4787-B1A2-41AFD3FE4F48}"/>
+              </a:ext>
+            </a:extLst>
+          </p:cNvPr>
+          <p:cNvSpPr txBox="1"/>
+          <p:nvPr/>
+        </p:nvSpPr>
+        <p:spPr>
+          <a:xfrm>
+            <a:off x="5803728" y="1806434"/>
+            <a:ext cx="189257" cy="178683"/>
+          </a:xfrm>
+          <a:prstGeom prst="rect">
+            <a:avLst/>
+          </a:prstGeom>
+          <a:noFill/>
+        </p:spPr>
+        <p:txBody>
+          <a:bodyPr wrap="square" lIns="0" tIns="0" rIns="0" bIns="0" rtlCol="0">
+            <a:noAutofit/>
+          </a:bodyPr>
+          <a:lstStyle/>
+          <a:p>
+            <a:pPr algn="ctr"/>
+            <a:r>
+              <a:rPr lang="en-US" sz="1100" dirty="0">
+                <a:solidFill>
+                  <a:srgbClr val="7030A0"/>
+                </a:solidFill>
+              </a:rPr>
+              <a:t>1</a:t>
+            </a:r>
+            <a:endParaRPr lang="en-SG" sz="1100" dirty="0">
+              <a:solidFill>
+                <a:srgbClr val="7030A0"/>
+              </a:solidFill>
+            </a:endParaRPr>
+          </a:p>
+        </p:txBody>
+      </p:sp>
+      <p:sp>
+        <p:nvSpPr>
+          <p:cNvPr id="150" name="TextBox 149">
+            <a:extLst>
+              <a:ext uri="{FF2B5EF4-FFF2-40B4-BE49-F238E27FC236}">
+                <a16:creationId xmlns:a16="http://schemas.microsoft.com/office/drawing/2014/main" id="{1571866B-66D5-4791-8282-EEC3E2776FA5}"/>
+              </a:ext>
+            </a:extLst>
+          </p:cNvPr>
+          <p:cNvSpPr txBox="1"/>
+          <p:nvPr/>
+        </p:nvSpPr>
+        <p:spPr>
+          <a:xfrm>
+            <a:off x="6039675" y="2317685"/>
+            <a:ext cx="189257" cy="178683"/>
+          </a:xfrm>
+          <a:prstGeom prst="rect">
+            <a:avLst/>
+          </a:prstGeom>
+          <a:noFill/>
+        </p:spPr>
+        <p:txBody>
+          <a:bodyPr wrap="square" lIns="0" tIns="0" rIns="0" bIns="0" rtlCol="0">
+            <a:noAutofit/>
+          </a:bodyPr>
+          <a:lstStyle/>
+          <a:p>
+            <a:pPr algn="ctr"/>
+            <a:r>
+              <a:rPr lang="en-US" sz="1100" dirty="0">
+                <a:solidFill>
+                  <a:srgbClr val="7030A0"/>
+                </a:solidFill>
+              </a:rPr>
+              <a:t>1</a:t>
+            </a:r>
+            <a:endParaRPr lang="en-SG" sz="1100" dirty="0">
+              <a:solidFill>
+                <a:srgbClr val="7030A0"/>
+              </a:solidFill>
+            </a:endParaRPr>
+          </a:p>
+        </p:txBody>
+      </p:sp>
+      <p:sp>
+        <p:nvSpPr>
+          <p:cNvPr id="151" name="TextBox 150">
+            <a:extLst>
+              <a:ext uri="{FF2B5EF4-FFF2-40B4-BE49-F238E27FC236}">
+                <a16:creationId xmlns:a16="http://schemas.microsoft.com/office/drawing/2014/main" id="{8A6AEC43-54D7-4FC8-B617-2D03171EDC3C}"/>
+              </a:ext>
+            </a:extLst>
+          </p:cNvPr>
+          <p:cNvSpPr txBox="1"/>
+          <p:nvPr/>
+        </p:nvSpPr>
+        <p:spPr>
+          <a:xfrm>
+            <a:off x="5775822" y="845280"/>
+            <a:ext cx="359434" cy="60911"/>
+          </a:xfrm>
+          <a:prstGeom prst="rect">
+            <a:avLst/>
+          </a:prstGeom>
+          <a:noFill/>
+        </p:spPr>
+        <p:txBody>
+          <a:bodyPr wrap="square" lIns="0" tIns="0" rIns="0" bIns="0" rtlCol="0">
+            <a:noAutofit/>
+          </a:bodyPr>
+          <a:lstStyle/>
+          <a:p>
+            <a:pPr algn="ctr"/>
+            <a:r>
+              <a:rPr lang="en-US" sz="1100" dirty="0">
+                <a:solidFill>
+                  <a:srgbClr val="7030A0"/>
+                </a:solidFill>
+              </a:rPr>
+              <a:t>0..1</a:t>
+            </a:r>
+            <a:endParaRPr lang="en-SG" sz="1100" dirty="0">
+              <a:solidFill>
+                <a:srgbClr val="7030A0"/>
+              </a:solidFill>
+            </a:endParaRPr>
+          </a:p>
+        </p:txBody>
+      </p:sp>
+      <p:cxnSp>
+        <p:nvCxnSpPr>
+          <p:cNvPr id="152" name="Connector: Elbow 151">
+            <a:extLst>
+              <a:ext uri="{FF2B5EF4-FFF2-40B4-BE49-F238E27FC236}">
+                <a16:creationId xmlns:a16="http://schemas.microsoft.com/office/drawing/2014/main" id="{C8B55EF6-5D43-4757-8903-2121EA51A666}"/>
+              </a:ext>
+            </a:extLst>
+          </p:cNvPr>
+          <p:cNvCxnSpPr>
+            <a:cxnSpLocks/>
+            <a:endCxn id="126" idx="3"/>
+          </p:cNvCxnSpPr>
+          <p:nvPr/>
+        </p:nvCxnSpPr>
+        <p:spPr>
+          <a:xfrm rot="16200000" flipV="1">
+            <a:off x="5488950" y="1206443"/>
+            <a:ext cx="942782" cy="706673"/>
+          </a:xfrm>
+          <a:prstGeom prst="bentConnector2">
+            <a:avLst/>
+          </a:prstGeom>
+          <a:ln w="19050">
+            <a:solidFill>
+              <a:srgbClr val="7030A0"/>
+            </a:solidFill>
+            <a:headEnd type="none" w="med" len="med"/>
+            <a:tailEnd type="arrow" w="med" len="med"/>
+          </a:ln>
+          <a:effectLst/>
+        </p:spPr>
+        <p:style>
+          <a:lnRef idx="1">
+            <a:schemeClr val="accent2"/>
+          </a:lnRef>
+          <a:fillRef idx="2">
+            <a:schemeClr val="accent2"/>
+          </a:fillRef>
+          <a:effectRef idx="1">
+            <a:schemeClr val="accent2"/>
+          </a:effectRef>
+          <a:fontRef idx="minor">
+            <a:schemeClr val="dk1"/>
+          </a:fontRef>
+        </p:style>
+      </p:cxnSp>
+      <p:sp>
+        <p:nvSpPr>
+          <p:cNvPr id="155" name="TextBox 154">
+            <a:extLst>
+              <a:ext uri="{FF2B5EF4-FFF2-40B4-BE49-F238E27FC236}">
+                <a16:creationId xmlns:a16="http://schemas.microsoft.com/office/drawing/2014/main" id="{40F9545B-B4BB-45AA-9735-0F5FC5B5CC4D}"/>
+              </a:ext>
+            </a:extLst>
+          </p:cNvPr>
+          <p:cNvSpPr txBox="1"/>
+          <p:nvPr/>
+        </p:nvSpPr>
+        <p:spPr>
+          <a:xfrm>
+            <a:off x="8838119" y="4625118"/>
+            <a:ext cx="189257" cy="178683"/>
+          </a:xfrm>
+          <a:prstGeom prst="rect">
+            <a:avLst/>
+          </a:prstGeom>
+          <a:noFill/>
+        </p:spPr>
+        <p:txBody>
+          <a:bodyPr wrap="square" lIns="0" tIns="0" rIns="0" bIns="0" rtlCol="0">
+            <a:noAutofit/>
+          </a:bodyPr>
+          <a:lstStyle/>
+          <a:p>
+            <a:pPr algn="ctr"/>
+            <a:r>
+              <a:rPr lang="en-US" sz="1100" dirty="0">
+                <a:solidFill>
+                  <a:srgbClr val="7030A0"/>
+                </a:solidFill>
+              </a:rPr>
+              <a:t>1</a:t>
+            </a:r>
+            <a:endParaRPr lang="en-SG" sz="1100" dirty="0">
+              <a:solidFill>
+                <a:srgbClr val="7030A0"/>
+              </a:solidFill>
+            </a:endParaRPr>
+          </a:p>
+        </p:txBody>
+      </p:sp>
     </p:spTree>
     <p:extLst>
       <p:ext uri="{BB962C8B-B14F-4D97-AF65-F5344CB8AC3E}">
         <p14:creationId xmlns:p14="http://schemas.microsoft.com/office/powerpoint/2010/main" val="2396968029"/>
+      </p:ext>
+    </p:extLst>
+  </p:cSld>
+  <p:clrMapOvr>
+    <a:masterClrMapping/>
+  </p:clrMapOvr>
+</p:sld>
+</file>
+
+<file path=ppt/slides/slide2.xml><?xml version="1.0" encoding="utf-8"?>
+<p:sld xmlns:a="http://schemas.openxmlformats.org/drawingml/2006/main" xmlns:r="http://schemas.openxmlformats.org/officeDocument/2006/relationships" xmlns:p="http://schemas.openxmlformats.org/presentationml/2006/main">
+  <p:cSld>
+    <p:spTree>
+      <p:nvGrpSpPr>
+        <p:cNvPr id="1" name=""/>
+        <p:cNvGrpSpPr/>
+        <p:nvPr/>
+      </p:nvGrpSpPr>
+      <p:grpSpPr>
+        <a:xfrm>
+          <a:off x="0" y="0"/>
+          <a:ext cx="0" cy="0"/>
+          <a:chOff x="0" y="0"/>
+          <a:chExt cx="0" cy="0"/>
+        </a:xfrm>
+      </p:grpSpPr>
+      <p:sp>
+        <p:nvSpPr>
+          <p:cNvPr id="54" name="Rectangle 65">
+            <a:extLst>
+              <a:ext uri="{FF2B5EF4-FFF2-40B4-BE49-F238E27FC236}">
+                <a16:creationId xmlns:a16="http://schemas.microsoft.com/office/drawing/2014/main" id="{8A684EA8-1344-4BD1-8F5C-AFF1577A7068}"/>
+              </a:ext>
+            </a:extLst>
+          </p:cNvPr>
+          <p:cNvSpPr/>
+          <p:nvPr/>
+        </p:nvSpPr>
+        <p:spPr>
+          <a:xfrm>
+            <a:off x="947282" y="2209800"/>
+            <a:ext cx="10254118" cy="2438400"/>
+          </a:xfrm>
+          <a:prstGeom prst="roundRect">
+            <a:avLst>
+              <a:gd name="adj" fmla="val 3484"/>
+            </a:avLst>
+          </a:prstGeom>
+          <a:solidFill>
+            <a:schemeClr val="accent4">
+              <a:lumMod val="20000"/>
+              <a:lumOff val="80000"/>
+            </a:schemeClr>
+          </a:solidFill>
+          <a:ln w="19050">
+            <a:noFill/>
+          </a:ln>
+          <a:effectLst/>
+        </p:spPr>
+        <p:style>
+          <a:lnRef idx="1">
+            <a:schemeClr val="accent2"/>
+          </a:lnRef>
+          <a:fillRef idx="2">
+            <a:schemeClr val="accent2"/>
+          </a:fillRef>
+          <a:effectRef idx="1">
+            <a:schemeClr val="accent2"/>
+          </a:effectRef>
+          <a:fontRef idx="minor">
+            <a:schemeClr val="dk1"/>
+          </a:fontRef>
+        </p:style>
+        <p:txBody>
+          <a:bodyPr rtlCol="0" anchor="t"/>
+          <a:lstStyle/>
+          <a:p>
+            <a:r>
+              <a:rPr lang="en-US" sz="1200" b="1">
+                <a:solidFill>
+                  <a:srgbClr val="7030A0"/>
+                </a:solidFill>
+              </a:rPr>
+              <a:t>Model</a:t>
+            </a:r>
+            <a:endParaRPr lang="en-SG" sz="1200" b="1" dirty="0">
+              <a:solidFill>
+                <a:srgbClr val="7030A0"/>
+              </a:solidFill>
+            </a:endParaRPr>
+          </a:p>
+        </p:txBody>
+      </p:sp>
+      <p:sp>
+        <p:nvSpPr>
+          <p:cNvPr id="2" name="Rectangle 8">
+            <a:extLst>
+              <a:ext uri="{FF2B5EF4-FFF2-40B4-BE49-F238E27FC236}">
+                <a16:creationId xmlns:a16="http://schemas.microsoft.com/office/drawing/2014/main" id="{0118D99D-20E4-4E53-8DD4-031DB4F23DCA}"/>
+              </a:ext>
+            </a:extLst>
+          </p:cNvPr>
+          <p:cNvSpPr/>
+          <p:nvPr/>
+        </p:nvSpPr>
+        <p:spPr>
+          <a:xfrm>
+            <a:off x="1219200" y="2971800"/>
+            <a:ext cx="1604481" cy="346760"/>
+          </a:xfrm>
+          <a:prstGeom prst="rect">
+            <a:avLst/>
+          </a:prstGeom>
+          <a:ln w="19050">
+            <a:solidFill>
+              <a:srgbClr val="7030A0"/>
+            </a:solidFill>
+          </a:ln>
+          <a:effectLst/>
+        </p:spPr>
+        <p:style>
+          <a:lnRef idx="1">
+            <a:schemeClr val="accent4"/>
+          </a:lnRef>
+          <a:fillRef idx="2">
+            <a:schemeClr val="accent4"/>
+          </a:fillRef>
+          <a:effectRef idx="1">
+            <a:schemeClr val="accent4"/>
+          </a:effectRef>
+          <a:fontRef idx="minor">
+            <a:schemeClr val="dk1"/>
+          </a:fontRef>
+        </p:style>
+        <p:txBody>
+          <a:bodyPr rtlCol="0" anchor="ctr"/>
+          <a:lstStyle/>
+          <a:p>
+            <a:pPr algn="ctr"/>
+            <a:r>
+              <a:rPr lang="en-US" sz="1050" dirty="0" err="1">
+                <a:solidFill>
+                  <a:srgbClr val="7030A0"/>
+                </a:solidFill>
+              </a:rPr>
+              <a:t>EncryptedExpenseTracker</a:t>
+            </a:r>
+            <a:endParaRPr lang="en-SG" sz="1050" dirty="0">
+              <a:solidFill>
+                <a:srgbClr val="7030A0"/>
+              </a:solidFill>
+            </a:endParaRPr>
+          </a:p>
+        </p:txBody>
+      </p:sp>
+      <p:sp>
+        <p:nvSpPr>
+          <p:cNvPr id="3" name="TextBox 2">
+            <a:extLst>
+              <a:ext uri="{FF2B5EF4-FFF2-40B4-BE49-F238E27FC236}">
+                <a16:creationId xmlns:a16="http://schemas.microsoft.com/office/drawing/2014/main" id="{164201B1-59E4-48FC-A284-8BCE251B1C5B}"/>
+              </a:ext>
+            </a:extLst>
+          </p:cNvPr>
+          <p:cNvSpPr txBox="1"/>
+          <p:nvPr/>
+        </p:nvSpPr>
+        <p:spPr>
+          <a:xfrm>
+            <a:off x="2435592" y="3011089"/>
+            <a:ext cx="189257" cy="178683"/>
+          </a:xfrm>
+          <a:prstGeom prst="rect">
+            <a:avLst/>
+          </a:prstGeom>
+          <a:noFill/>
+        </p:spPr>
+        <p:txBody>
+          <a:bodyPr wrap="square" lIns="0" tIns="0" rIns="0" bIns="0" rtlCol="0">
+            <a:noAutofit/>
+          </a:bodyPr>
+          <a:lstStyle/>
+          <a:p>
+            <a:pPr algn="ctr"/>
+            <a:endParaRPr lang="en-SG" sz="1100" dirty="0">
+              <a:solidFill>
+                <a:srgbClr val="7030A0"/>
+              </a:solidFill>
+            </a:endParaRPr>
+          </a:p>
+        </p:txBody>
+      </p:sp>
+      <p:sp>
+        <p:nvSpPr>
+          <p:cNvPr id="4" name="Rectangle 8">
+            <a:extLst>
+              <a:ext uri="{FF2B5EF4-FFF2-40B4-BE49-F238E27FC236}">
+                <a16:creationId xmlns:a16="http://schemas.microsoft.com/office/drawing/2014/main" id="{0ECF21A7-434E-4BFD-AD3A-51FF80CFB321}"/>
+              </a:ext>
+            </a:extLst>
+          </p:cNvPr>
+          <p:cNvSpPr/>
+          <p:nvPr/>
+        </p:nvSpPr>
+        <p:spPr>
+          <a:xfrm>
+            <a:off x="5494350" y="2972430"/>
+            <a:ext cx="1216521" cy="346760"/>
+          </a:xfrm>
+          <a:prstGeom prst="rect">
+            <a:avLst/>
+          </a:prstGeom>
+          <a:ln w="19050">
+            <a:solidFill>
+              <a:srgbClr val="7030A0"/>
+            </a:solidFill>
+          </a:ln>
+          <a:effectLst/>
+        </p:spPr>
+        <p:style>
+          <a:lnRef idx="1">
+            <a:schemeClr val="accent4"/>
+          </a:lnRef>
+          <a:fillRef idx="2">
+            <a:schemeClr val="accent4"/>
+          </a:fillRef>
+          <a:effectRef idx="1">
+            <a:schemeClr val="accent4"/>
+          </a:effectRef>
+          <a:fontRef idx="minor">
+            <a:schemeClr val="dk1"/>
+          </a:fontRef>
+        </p:style>
+        <p:txBody>
+          <a:bodyPr rtlCol="0" anchor="ctr"/>
+          <a:lstStyle/>
+          <a:p>
+            <a:pPr algn="ctr"/>
+            <a:r>
+              <a:rPr lang="en-US" sz="1050" dirty="0" err="1">
+                <a:solidFill>
+                  <a:srgbClr val="7030A0"/>
+                </a:solidFill>
+              </a:rPr>
+              <a:t>EncryptedExpense</a:t>
+            </a:r>
+            <a:endParaRPr lang="en-SG" sz="1050" dirty="0">
+              <a:solidFill>
+                <a:srgbClr val="7030A0"/>
+              </a:solidFill>
+            </a:endParaRPr>
+          </a:p>
+        </p:txBody>
+      </p:sp>
+      <p:sp>
+        <p:nvSpPr>
+          <p:cNvPr id="5" name="Flowchart: Decision 96">
+            <a:extLst>
+              <a:ext uri="{FF2B5EF4-FFF2-40B4-BE49-F238E27FC236}">
+                <a16:creationId xmlns:a16="http://schemas.microsoft.com/office/drawing/2014/main" id="{664A956C-B44C-4EDB-A14D-D0984B592FB8}"/>
+              </a:ext>
+            </a:extLst>
+          </p:cNvPr>
+          <p:cNvSpPr/>
+          <p:nvPr/>
+        </p:nvSpPr>
+        <p:spPr>
+          <a:xfrm>
+            <a:off x="2842791" y="3061853"/>
+            <a:ext cx="236048" cy="173380"/>
+          </a:xfrm>
+          <a:prstGeom prst="flowChartDecision">
+            <a:avLst/>
+          </a:prstGeom>
+          <a:solidFill>
+            <a:srgbClr val="7030A0"/>
+          </a:solidFill>
+          <a:ln w="19050">
+            <a:solidFill>
+              <a:srgbClr val="7030A0"/>
+            </a:solidFill>
+          </a:ln>
+          <a:effectLst/>
+        </p:spPr>
+        <p:style>
+          <a:lnRef idx="1">
+            <a:schemeClr val="accent6"/>
+          </a:lnRef>
+          <a:fillRef idx="2">
+            <a:schemeClr val="accent6"/>
+          </a:fillRef>
+          <a:effectRef idx="1">
+            <a:schemeClr val="accent6"/>
+          </a:effectRef>
+          <a:fontRef idx="minor">
+            <a:schemeClr val="dk1"/>
+          </a:fontRef>
+        </p:style>
+        <p:txBody>
+          <a:bodyPr rtlCol="0" anchor="ctr"/>
+          <a:lstStyle/>
+          <a:p>
+            <a:pPr algn="ctr"/>
+            <a:endParaRPr lang="en-US" sz="1050"/>
+          </a:p>
+        </p:txBody>
+      </p:sp>
+      <p:cxnSp>
+        <p:nvCxnSpPr>
+          <p:cNvPr id="6" name="Elbow Connector 63">
+            <a:extLst>
+              <a:ext uri="{FF2B5EF4-FFF2-40B4-BE49-F238E27FC236}">
+                <a16:creationId xmlns:a16="http://schemas.microsoft.com/office/drawing/2014/main" id="{487FA634-C028-489C-A063-8A833ADAB529}"/>
+              </a:ext>
+            </a:extLst>
+          </p:cNvPr>
+          <p:cNvCxnSpPr>
+            <a:cxnSpLocks/>
+            <a:stCxn id="5" idx="3"/>
+            <a:endCxn id="25" idx="1"/>
+          </p:cNvCxnSpPr>
+          <p:nvPr/>
+        </p:nvCxnSpPr>
+        <p:spPr>
+          <a:xfrm flipV="1">
+            <a:off x="3078839" y="3145218"/>
+            <a:ext cx="399257" cy="3325"/>
+          </a:xfrm>
+          <a:prstGeom prst="bentConnector3">
+            <a:avLst>
+              <a:gd name="adj1" fmla="val 50000"/>
+            </a:avLst>
+          </a:prstGeom>
+          <a:ln w="19050">
+            <a:solidFill>
+              <a:srgbClr val="7030A0"/>
+            </a:solidFill>
+            <a:headEnd type="none" w="med" len="med"/>
+            <a:tailEnd type="arrow" w="med" len="med"/>
+          </a:ln>
+          <a:effectLst/>
+        </p:spPr>
+        <p:style>
+          <a:lnRef idx="1">
+            <a:schemeClr val="accent2"/>
+          </a:lnRef>
+          <a:fillRef idx="2">
+            <a:schemeClr val="accent2"/>
+          </a:fillRef>
+          <a:effectRef idx="1">
+            <a:schemeClr val="accent2"/>
+          </a:effectRef>
+          <a:fontRef idx="minor">
+            <a:schemeClr val="dk1"/>
+          </a:fontRef>
+        </p:style>
+      </p:cxnSp>
+      <p:sp>
+        <p:nvSpPr>
+          <p:cNvPr id="7" name="TextBox 6">
+            <a:extLst>
+              <a:ext uri="{FF2B5EF4-FFF2-40B4-BE49-F238E27FC236}">
+                <a16:creationId xmlns:a16="http://schemas.microsoft.com/office/drawing/2014/main" id="{A860D8E4-D59A-4AAE-8993-8542A914C990}"/>
+              </a:ext>
+            </a:extLst>
+          </p:cNvPr>
+          <p:cNvSpPr txBox="1"/>
+          <p:nvPr/>
+        </p:nvSpPr>
+        <p:spPr>
+          <a:xfrm>
+            <a:off x="3259314" y="2564861"/>
+            <a:ext cx="189257" cy="178683"/>
+          </a:xfrm>
+          <a:prstGeom prst="rect">
+            <a:avLst/>
+          </a:prstGeom>
+          <a:noFill/>
+        </p:spPr>
+        <p:txBody>
+          <a:bodyPr wrap="square" lIns="0" tIns="0" rIns="0" bIns="0" rtlCol="0">
+            <a:noAutofit/>
+          </a:bodyPr>
+          <a:lstStyle/>
+          <a:p>
+            <a:pPr algn="ctr"/>
+            <a:r>
+              <a:rPr lang="en-US" sz="1100" dirty="0">
+                <a:solidFill>
+                  <a:srgbClr val="7030A0"/>
+                </a:solidFill>
+              </a:rPr>
+              <a:t>1</a:t>
+            </a:r>
+            <a:endParaRPr lang="en-SG" sz="1100" dirty="0">
+              <a:solidFill>
+                <a:srgbClr val="7030A0"/>
+              </a:solidFill>
+            </a:endParaRPr>
+          </a:p>
+        </p:txBody>
+      </p:sp>
+      <p:sp>
+        <p:nvSpPr>
+          <p:cNvPr id="8" name="Flowchart: Decision 96">
+            <a:extLst>
+              <a:ext uri="{FF2B5EF4-FFF2-40B4-BE49-F238E27FC236}">
+                <a16:creationId xmlns:a16="http://schemas.microsoft.com/office/drawing/2014/main" id="{8256DCA8-B193-4C63-9978-F446165A5044}"/>
+              </a:ext>
+            </a:extLst>
+          </p:cNvPr>
+          <p:cNvSpPr/>
+          <p:nvPr/>
+        </p:nvSpPr>
+        <p:spPr>
+          <a:xfrm>
+            <a:off x="6733502" y="3058878"/>
+            <a:ext cx="236048" cy="173380"/>
+          </a:xfrm>
+          <a:prstGeom prst="flowChartDecision">
+            <a:avLst/>
+          </a:prstGeom>
+          <a:solidFill>
+            <a:srgbClr val="7030A0"/>
+          </a:solidFill>
+          <a:ln w="19050">
+            <a:solidFill>
+              <a:srgbClr val="7030A0"/>
+            </a:solidFill>
+          </a:ln>
+          <a:effectLst/>
+        </p:spPr>
+        <p:style>
+          <a:lnRef idx="1">
+            <a:schemeClr val="accent6"/>
+          </a:lnRef>
+          <a:fillRef idx="2">
+            <a:schemeClr val="accent6"/>
+          </a:fillRef>
+          <a:effectRef idx="1">
+            <a:schemeClr val="accent6"/>
+          </a:effectRef>
+          <a:fontRef idx="minor">
+            <a:schemeClr val="dk1"/>
+          </a:fontRef>
+        </p:style>
+        <p:txBody>
+          <a:bodyPr rtlCol="0" anchor="ctr"/>
+          <a:lstStyle/>
+          <a:p>
+            <a:pPr algn="ctr"/>
+            <a:endParaRPr lang="en-US" sz="1050" dirty="0"/>
+          </a:p>
+        </p:txBody>
+      </p:sp>
+      <p:sp>
+        <p:nvSpPr>
+          <p:cNvPr id="9" name="Rectangle 8">
+            <a:extLst>
+              <a:ext uri="{FF2B5EF4-FFF2-40B4-BE49-F238E27FC236}">
+                <a16:creationId xmlns:a16="http://schemas.microsoft.com/office/drawing/2014/main" id="{E07F0E0A-8EDF-4203-8ABA-B91683CC2AAE}"/>
+              </a:ext>
+            </a:extLst>
+          </p:cNvPr>
+          <p:cNvSpPr/>
+          <p:nvPr/>
+        </p:nvSpPr>
+        <p:spPr>
+          <a:xfrm>
+            <a:off x="7351421" y="2685481"/>
+            <a:ext cx="1262822" cy="285783"/>
+          </a:xfrm>
+          <a:prstGeom prst="rect">
+            <a:avLst/>
+          </a:prstGeom>
+          <a:ln w="19050">
+            <a:solidFill>
+              <a:srgbClr val="7030A0"/>
+            </a:solidFill>
+          </a:ln>
+          <a:effectLst/>
+        </p:spPr>
+        <p:style>
+          <a:lnRef idx="1">
+            <a:schemeClr val="accent4"/>
+          </a:lnRef>
+          <a:fillRef idx="2">
+            <a:schemeClr val="accent4"/>
+          </a:fillRef>
+          <a:effectRef idx="1">
+            <a:schemeClr val="accent4"/>
+          </a:effectRef>
+          <a:fontRef idx="minor">
+            <a:schemeClr val="dk1"/>
+          </a:fontRef>
+        </p:style>
+        <p:txBody>
+          <a:bodyPr rtlCol="0" anchor="ctr"/>
+          <a:lstStyle/>
+          <a:p>
+            <a:pPr algn="ctr"/>
+            <a:r>
+              <a:rPr lang="en-US" sz="1050" dirty="0" err="1">
+                <a:solidFill>
+                  <a:srgbClr val="7030A0"/>
+                </a:solidFill>
+              </a:rPr>
+              <a:t>EncryptedName</a:t>
+            </a:r>
+            <a:endParaRPr lang="en-SG" sz="1050" dirty="0">
+              <a:solidFill>
+                <a:srgbClr val="7030A0"/>
+              </a:solidFill>
+            </a:endParaRPr>
+          </a:p>
+        </p:txBody>
+      </p:sp>
+      <p:sp>
+        <p:nvSpPr>
+          <p:cNvPr id="10" name="Rectangle 8">
+            <a:extLst>
+              <a:ext uri="{FF2B5EF4-FFF2-40B4-BE49-F238E27FC236}">
+                <a16:creationId xmlns:a16="http://schemas.microsoft.com/office/drawing/2014/main" id="{9923978B-D5FE-4056-9F13-E660D1100A84}"/>
+              </a:ext>
+            </a:extLst>
+          </p:cNvPr>
+          <p:cNvSpPr/>
+          <p:nvPr/>
+        </p:nvSpPr>
+        <p:spPr>
+          <a:xfrm>
+            <a:off x="7353296" y="3006069"/>
+            <a:ext cx="1262822" cy="285783"/>
+          </a:xfrm>
+          <a:prstGeom prst="rect">
+            <a:avLst/>
+          </a:prstGeom>
+          <a:ln w="19050">
+            <a:solidFill>
+              <a:srgbClr val="7030A0"/>
+            </a:solidFill>
+          </a:ln>
+          <a:effectLst/>
+        </p:spPr>
+        <p:style>
+          <a:lnRef idx="1">
+            <a:schemeClr val="accent4"/>
+          </a:lnRef>
+          <a:fillRef idx="2">
+            <a:schemeClr val="accent4"/>
+          </a:fillRef>
+          <a:effectRef idx="1">
+            <a:schemeClr val="accent4"/>
+          </a:effectRef>
+          <a:fontRef idx="minor">
+            <a:schemeClr val="dk1"/>
+          </a:fontRef>
+        </p:style>
+        <p:txBody>
+          <a:bodyPr rtlCol="0" anchor="ctr"/>
+          <a:lstStyle/>
+          <a:p>
+            <a:pPr algn="ctr"/>
+            <a:r>
+              <a:rPr lang="en-US" sz="1050" dirty="0" err="1">
+                <a:solidFill>
+                  <a:srgbClr val="7030A0"/>
+                </a:solidFill>
+              </a:rPr>
+              <a:t>EncryptedDate</a:t>
+            </a:r>
+            <a:endParaRPr lang="en-SG" sz="1050" dirty="0">
+              <a:solidFill>
+                <a:srgbClr val="7030A0"/>
+              </a:solidFill>
+            </a:endParaRPr>
+          </a:p>
+        </p:txBody>
+      </p:sp>
+      <p:sp>
+        <p:nvSpPr>
+          <p:cNvPr id="11" name="Rectangle 8">
+            <a:extLst>
+              <a:ext uri="{FF2B5EF4-FFF2-40B4-BE49-F238E27FC236}">
+                <a16:creationId xmlns:a16="http://schemas.microsoft.com/office/drawing/2014/main" id="{FFD4E178-EBEB-4616-8DC7-9469F596B917}"/>
+              </a:ext>
+            </a:extLst>
+          </p:cNvPr>
+          <p:cNvSpPr/>
+          <p:nvPr/>
+        </p:nvSpPr>
+        <p:spPr>
+          <a:xfrm>
+            <a:off x="7353296" y="3329047"/>
+            <a:ext cx="1262822" cy="285783"/>
+          </a:xfrm>
+          <a:prstGeom prst="rect">
+            <a:avLst/>
+          </a:prstGeom>
+          <a:ln w="19050">
+            <a:solidFill>
+              <a:srgbClr val="7030A0"/>
+            </a:solidFill>
+          </a:ln>
+          <a:effectLst/>
+        </p:spPr>
+        <p:style>
+          <a:lnRef idx="1">
+            <a:schemeClr val="accent4"/>
+          </a:lnRef>
+          <a:fillRef idx="2">
+            <a:schemeClr val="accent4"/>
+          </a:fillRef>
+          <a:effectRef idx="1">
+            <a:schemeClr val="accent4"/>
+          </a:effectRef>
+          <a:fontRef idx="minor">
+            <a:schemeClr val="dk1"/>
+          </a:fontRef>
+        </p:style>
+        <p:txBody>
+          <a:bodyPr rtlCol="0" anchor="ctr"/>
+          <a:lstStyle/>
+          <a:p>
+            <a:pPr algn="ctr"/>
+            <a:r>
+              <a:rPr lang="en-US" sz="1050" dirty="0" err="1">
+                <a:solidFill>
+                  <a:srgbClr val="7030A0"/>
+                </a:solidFill>
+              </a:rPr>
+              <a:t>EncryptedCategory</a:t>
+            </a:r>
+            <a:endParaRPr lang="en-SG" sz="1050" dirty="0">
+              <a:solidFill>
+                <a:srgbClr val="7030A0"/>
+              </a:solidFill>
+            </a:endParaRPr>
+          </a:p>
+        </p:txBody>
+      </p:sp>
+      <p:sp>
+        <p:nvSpPr>
+          <p:cNvPr id="12" name="Rectangle 8">
+            <a:extLst>
+              <a:ext uri="{FF2B5EF4-FFF2-40B4-BE49-F238E27FC236}">
+                <a16:creationId xmlns:a16="http://schemas.microsoft.com/office/drawing/2014/main" id="{40E5B798-57F8-4D0B-9807-C301580A72AF}"/>
+              </a:ext>
+            </a:extLst>
+          </p:cNvPr>
+          <p:cNvSpPr/>
+          <p:nvPr/>
+        </p:nvSpPr>
+        <p:spPr>
+          <a:xfrm>
+            <a:off x="7353296" y="3652024"/>
+            <a:ext cx="1262822" cy="285783"/>
+          </a:xfrm>
+          <a:prstGeom prst="rect">
+            <a:avLst/>
+          </a:prstGeom>
+          <a:ln w="19050">
+            <a:solidFill>
+              <a:srgbClr val="7030A0"/>
+            </a:solidFill>
+          </a:ln>
+          <a:effectLst/>
+        </p:spPr>
+        <p:style>
+          <a:lnRef idx="1">
+            <a:schemeClr val="accent4"/>
+          </a:lnRef>
+          <a:fillRef idx="2">
+            <a:schemeClr val="accent4"/>
+          </a:fillRef>
+          <a:effectRef idx="1">
+            <a:schemeClr val="accent4"/>
+          </a:effectRef>
+          <a:fontRef idx="minor">
+            <a:schemeClr val="dk1"/>
+          </a:fontRef>
+        </p:style>
+        <p:txBody>
+          <a:bodyPr rtlCol="0" anchor="ctr"/>
+          <a:lstStyle/>
+          <a:p>
+            <a:pPr algn="ctr"/>
+            <a:r>
+              <a:rPr lang="en-US" sz="1050" dirty="0" err="1">
+                <a:solidFill>
+                  <a:srgbClr val="7030A0"/>
+                </a:solidFill>
+              </a:rPr>
+              <a:t>EncryptedCost</a:t>
+            </a:r>
+            <a:endParaRPr lang="en-SG" sz="1050" dirty="0">
+              <a:solidFill>
+                <a:srgbClr val="7030A0"/>
+              </a:solidFill>
+            </a:endParaRPr>
+          </a:p>
+        </p:txBody>
+      </p:sp>
+      <p:sp>
+        <p:nvSpPr>
+          <p:cNvPr id="13" name="Rectangle 8">
+            <a:extLst>
+              <a:ext uri="{FF2B5EF4-FFF2-40B4-BE49-F238E27FC236}">
+                <a16:creationId xmlns:a16="http://schemas.microsoft.com/office/drawing/2014/main" id="{70E913C3-CF33-40CD-B5F9-0847235409AC}"/>
+              </a:ext>
+            </a:extLst>
+          </p:cNvPr>
+          <p:cNvSpPr/>
+          <p:nvPr/>
+        </p:nvSpPr>
+        <p:spPr>
+          <a:xfrm>
+            <a:off x="7353296" y="3978376"/>
+            <a:ext cx="1262822" cy="285783"/>
+          </a:xfrm>
+          <a:prstGeom prst="rect">
+            <a:avLst/>
+          </a:prstGeom>
+          <a:ln w="19050">
+            <a:solidFill>
+              <a:srgbClr val="7030A0"/>
+            </a:solidFill>
+          </a:ln>
+          <a:effectLst/>
+        </p:spPr>
+        <p:style>
+          <a:lnRef idx="1">
+            <a:schemeClr val="accent4"/>
+          </a:lnRef>
+          <a:fillRef idx="2">
+            <a:schemeClr val="accent4"/>
+          </a:fillRef>
+          <a:effectRef idx="1">
+            <a:schemeClr val="accent4"/>
+          </a:effectRef>
+          <a:fontRef idx="minor">
+            <a:schemeClr val="dk1"/>
+          </a:fontRef>
+        </p:style>
+        <p:txBody>
+          <a:bodyPr rtlCol="0" anchor="ctr"/>
+          <a:lstStyle/>
+          <a:p>
+            <a:pPr algn="ctr"/>
+            <a:r>
+              <a:rPr lang="en-US" sz="1050" dirty="0" err="1">
+                <a:solidFill>
+                  <a:srgbClr val="7030A0"/>
+                </a:solidFill>
+              </a:rPr>
+              <a:t>EncryptedTag</a:t>
+            </a:r>
+            <a:endParaRPr lang="en-SG" sz="1050" dirty="0">
+              <a:solidFill>
+                <a:srgbClr val="7030A0"/>
+              </a:solidFill>
+            </a:endParaRPr>
+          </a:p>
+        </p:txBody>
+      </p:sp>
+      <p:cxnSp>
+        <p:nvCxnSpPr>
+          <p:cNvPr id="14" name="Elbow Connector 78">
+            <a:extLst>
+              <a:ext uri="{FF2B5EF4-FFF2-40B4-BE49-F238E27FC236}">
+                <a16:creationId xmlns:a16="http://schemas.microsoft.com/office/drawing/2014/main" id="{09F3962D-F620-4E78-A624-3174DE255F72}"/>
+              </a:ext>
+            </a:extLst>
+          </p:cNvPr>
+          <p:cNvCxnSpPr>
+            <a:cxnSpLocks/>
+          </p:cNvCxnSpPr>
+          <p:nvPr/>
+        </p:nvCxnSpPr>
+        <p:spPr>
+          <a:xfrm flipV="1">
+            <a:off x="6918894" y="2817461"/>
+            <a:ext cx="434402" cy="327761"/>
+          </a:xfrm>
+          <a:prstGeom prst="bentConnector3">
+            <a:avLst/>
+          </a:prstGeom>
+          <a:ln w="19050">
+            <a:solidFill>
+              <a:srgbClr val="7030A0"/>
+            </a:solidFill>
+            <a:headEnd type="none" w="med" len="med"/>
+            <a:tailEnd type="arrow" w="med" len="med"/>
+          </a:ln>
+          <a:effectLst/>
+        </p:spPr>
+        <p:style>
+          <a:lnRef idx="1">
+            <a:schemeClr val="accent2"/>
+          </a:lnRef>
+          <a:fillRef idx="2">
+            <a:schemeClr val="accent2"/>
+          </a:fillRef>
+          <a:effectRef idx="1">
+            <a:schemeClr val="accent2"/>
+          </a:effectRef>
+          <a:fontRef idx="minor">
+            <a:schemeClr val="dk1"/>
+          </a:fontRef>
+        </p:style>
+      </p:cxnSp>
+      <p:cxnSp>
+        <p:nvCxnSpPr>
+          <p:cNvPr id="15" name="Elbow Connector 80">
+            <a:extLst>
+              <a:ext uri="{FF2B5EF4-FFF2-40B4-BE49-F238E27FC236}">
+                <a16:creationId xmlns:a16="http://schemas.microsoft.com/office/drawing/2014/main" id="{F71503D1-FA96-481A-BCD2-5047E6AB47CA}"/>
+              </a:ext>
+            </a:extLst>
+          </p:cNvPr>
+          <p:cNvCxnSpPr>
+            <a:cxnSpLocks/>
+          </p:cNvCxnSpPr>
+          <p:nvPr/>
+        </p:nvCxnSpPr>
+        <p:spPr>
+          <a:xfrm flipV="1">
+            <a:off x="6918894" y="3140748"/>
+            <a:ext cx="434402" cy="4783"/>
+          </a:xfrm>
+          <a:prstGeom prst="bentConnector3">
+            <a:avLst/>
+          </a:prstGeom>
+          <a:ln w="19050">
+            <a:solidFill>
+              <a:srgbClr val="7030A0"/>
+            </a:solidFill>
+            <a:headEnd type="none" w="med" len="med"/>
+            <a:tailEnd type="arrow" w="med" len="med"/>
+          </a:ln>
+          <a:effectLst/>
+        </p:spPr>
+        <p:style>
+          <a:lnRef idx="1">
+            <a:schemeClr val="accent2"/>
+          </a:lnRef>
+          <a:fillRef idx="2">
+            <a:schemeClr val="accent2"/>
+          </a:fillRef>
+          <a:effectRef idx="1">
+            <a:schemeClr val="accent2"/>
+          </a:effectRef>
+          <a:fontRef idx="minor">
+            <a:schemeClr val="dk1"/>
+          </a:fontRef>
+        </p:style>
+      </p:cxnSp>
+      <p:cxnSp>
+        <p:nvCxnSpPr>
+          <p:cNvPr id="16" name="Elbow Connector 83">
+            <a:extLst>
+              <a:ext uri="{FF2B5EF4-FFF2-40B4-BE49-F238E27FC236}">
+                <a16:creationId xmlns:a16="http://schemas.microsoft.com/office/drawing/2014/main" id="{6CF811D3-FA13-46BA-86F5-0F15DA255B43}"/>
+              </a:ext>
+            </a:extLst>
+          </p:cNvPr>
+          <p:cNvCxnSpPr>
+            <a:cxnSpLocks/>
+          </p:cNvCxnSpPr>
+          <p:nvPr/>
+        </p:nvCxnSpPr>
+        <p:spPr>
+          <a:xfrm>
+            <a:off x="6918894" y="3145531"/>
+            <a:ext cx="434402" cy="318195"/>
+          </a:xfrm>
+          <a:prstGeom prst="bentConnector3">
+            <a:avLst/>
+          </a:prstGeom>
+          <a:ln w="19050">
+            <a:solidFill>
+              <a:srgbClr val="7030A0"/>
+            </a:solidFill>
+            <a:headEnd type="none" w="med" len="med"/>
+            <a:tailEnd type="arrow" w="med" len="med"/>
+          </a:ln>
+          <a:effectLst/>
+        </p:spPr>
+        <p:style>
+          <a:lnRef idx="1">
+            <a:schemeClr val="accent2"/>
+          </a:lnRef>
+          <a:fillRef idx="2">
+            <a:schemeClr val="accent2"/>
+          </a:fillRef>
+          <a:effectRef idx="1">
+            <a:schemeClr val="accent2"/>
+          </a:effectRef>
+          <a:fontRef idx="minor">
+            <a:schemeClr val="dk1"/>
+          </a:fontRef>
+        </p:style>
+      </p:cxnSp>
+      <p:cxnSp>
+        <p:nvCxnSpPr>
+          <p:cNvPr id="17" name="Elbow Connector 85">
+            <a:extLst>
+              <a:ext uri="{FF2B5EF4-FFF2-40B4-BE49-F238E27FC236}">
+                <a16:creationId xmlns:a16="http://schemas.microsoft.com/office/drawing/2014/main" id="{F8C6F6DC-CC51-4896-9469-D46EF3C2BEDC}"/>
+              </a:ext>
+            </a:extLst>
+          </p:cNvPr>
+          <p:cNvCxnSpPr>
+            <a:cxnSpLocks/>
+          </p:cNvCxnSpPr>
+          <p:nvPr/>
+        </p:nvCxnSpPr>
+        <p:spPr>
+          <a:xfrm>
+            <a:off x="6918894" y="3145531"/>
+            <a:ext cx="434402" cy="641172"/>
+          </a:xfrm>
+          <a:prstGeom prst="bentConnector3">
+            <a:avLst/>
+          </a:prstGeom>
+          <a:ln w="19050">
+            <a:solidFill>
+              <a:srgbClr val="7030A0"/>
+            </a:solidFill>
+            <a:headEnd type="none" w="med" len="med"/>
+            <a:tailEnd type="arrow" w="med" len="med"/>
+          </a:ln>
+          <a:effectLst/>
+        </p:spPr>
+        <p:style>
+          <a:lnRef idx="1">
+            <a:schemeClr val="accent2"/>
+          </a:lnRef>
+          <a:fillRef idx="2">
+            <a:schemeClr val="accent2"/>
+          </a:fillRef>
+          <a:effectRef idx="1">
+            <a:schemeClr val="accent2"/>
+          </a:effectRef>
+          <a:fontRef idx="minor">
+            <a:schemeClr val="dk1"/>
+          </a:fontRef>
+        </p:style>
+      </p:cxnSp>
+      <p:cxnSp>
+        <p:nvCxnSpPr>
+          <p:cNvPr id="18" name="Elbow Connector 78">
+            <a:extLst>
+              <a:ext uri="{FF2B5EF4-FFF2-40B4-BE49-F238E27FC236}">
+                <a16:creationId xmlns:a16="http://schemas.microsoft.com/office/drawing/2014/main" id="{3BF15F48-7A82-4089-8887-ABDE72F2E01D}"/>
+              </a:ext>
+            </a:extLst>
+          </p:cNvPr>
+          <p:cNvCxnSpPr>
+            <a:cxnSpLocks/>
+            <a:endCxn id="22" idx="1"/>
+          </p:cNvCxnSpPr>
+          <p:nvPr/>
+        </p:nvCxnSpPr>
+        <p:spPr>
+          <a:xfrm>
+            <a:off x="8657454" y="2810172"/>
+            <a:ext cx="667032" cy="338372"/>
+          </a:xfrm>
+          <a:prstGeom prst="bentConnector3">
+            <a:avLst>
+              <a:gd name="adj1" fmla="val 27153"/>
+            </a:avLst>
+          </a:prstGeom>
+          <a:ln w="19050">
+            <a:solidFill>
+              <a:srgbClr val="7030A0"/>
+            </a:solidFill>
+            <a:prstDash val="sysDot"/>
+            <a:headEnd type="none" w="med" len="med"/>
+            <a:tailEnd type="arrow" w="med" len="med"/>
+          </a:ln>
+          <a:effectLst/>
+        </p:spPr>
+        <p:style>
+          <a:lnRef idx="1">
+            <a:schemeClr val="accent2"/>
+          </a:lnRef>
+          <a:fillRef idx="2">
+            <a:schemeClr val="accent2"/>
+          </a:fillRef>
+          <a:effectRef idx="1">
+            <a:schemeClr val="accent2"/>
+          </a:effectRef>
+          <a:fontRef idx="minor">
+            <a:schemeClr val="dk1"/>
+          </a:fontRef>
+        </p:style>
+      </p:cxnSp>
+      <p:cxnSp>
+        <p:nvCxnSpPr>
+          <p:cNvPr id="19" name="Elbow Connector 80">
+            <a:extLst>
+              <a:ext uri="{FF2B5EF4-FFF2-40B4-BE49-F238E27FC236}">
+                <a16:creationId xmlns:a16="http://schemas.microsoft.com/office/drawing/2014/main" id="{5F247168-D603-4663-98E0-4DFBFC707BB3}"/>
+              </a:ext>
+            </a:extLst>
+          </p:cNvPr>
+          <p:cNvCxnSpPr>
+            <a:cxnSpLocks/>
+            <a:stCxn id="10" idx="3"/>
+            <a:endCxn id="22" idx="1"/>
+          </p:cNvCxnSpPr>
+          <p:nvPr/>
+        </p:nvCxnSpPr>
+        <p:spPr>
+          <a:xfrm flipV="1">
+            <a:off x="8616118" y="3148544"/>
+            <a:ext cx="708368" cy="417"/>
+          </a:xfrm>
+          <a:prstGeom prst="bentConnector3">
+            <a:avLst/>
+          </a:prstGeom>
+          <a:ln w="19050">
+            <a:solidFill>
+              <a:srgbClr val="7030A0"/>
+            </a:solidFill>
+            <a:prstDash val="sysDot"/>
+            <a:headEnd type="none" w="med" len="med"/>
+            <a:tailEnd type="arrow" w="med" len="med"/>
+          </a:ln>
+          <a:effectLst/>
+        </p:spPr>
+        <p:style>
+          <a:lnRef idx="1">
+            <a:schemeClr val="accent2"/>
+          </a:lnRef>
+          <a:fillRef idx="2">
+            <a:schemeClr val="accent2"/>
+          </a:fillRef>
+          <a:effectRef idx="1">
+            <a:schemeClr val="accent2"/>
+          </a:effectRef>
+          <a:fontRef idx="minor">
+            <a:schemeClr val="dk1"/>
+          </a:fontRef>
+        </p:style>
+      </p:cxnSp>
+      <p:cxnSp>
+        <p:nvCxnSpPr>
+          <p:cNvPr id="20" name="Elbow Connector 83">
+            <a:extLst>
+              <a:ext uri="{FF2B5EF4-FFF2-40B4-BE49-F238E27FC236}">
+                <a16:creationId xmlns:a16="http://schemas.microsoft.com/office/drawing/2014/main" id="{52382E9F-526F-45E9-93E9-6995123A4D06}"/>
+              </a:ext>
+            </a:extLst>
+          </p:cNvPr>
+          <p:cNvCxnSpPr>
+            <a:cxnSpLocks/>
+            <a:endCxn id="22" idx="1"/>
+          </p:cNvCxnSpPr>
+          <p:nvPr/>
+        </p:nvCxnSpPr>
+        <p:spPr>
+          <a:xfrm flipV="1">
+            <a:off x="8657454" y="3148544"/>
+            <a:ext cx="667032" cy="307894"/>
+          </a:xfrm>
+          <a:prstGeom prst="bentConnector3">
+            <a:avLst>
+              <a:gd name="adj1" fmla="val 27153"/>
+            </a:avLst>
+          </a:prstGeom>
+          <a:ln w="19050">
+            <a:solidFill>
+              <a:srgbClr val="7030A0"/>
+            </a:solidFill>
+            <a:prstDash val="sysDot"/>
+            <a:headEnd type="none" w="med" len="med"/>
+            <a:tailEnd type="arrow" w="med" len="med"/>
+          </a:ln>
+          <a:effectLst/>
+        </p:spPr>
+        <p:style>
+          <a:lnRef idx="1">
+            <a:schemeClr val="accent2"/>
+          </a:lnRef>
+          <a:fillRef idx="2">
+            <a:schemeClr val="accent2"/>
+          </a:fillRef>
+          <a:effectRef idx="1">
+            <a:schemeClr val="accent2"/>
+          </a:effectRef>
+          <a:fontRef idx="minor">
+            <a:schemeClr val="dk1"/>
+          </a:fontRef>
+        </p:style>
+      </p:cxnSp>
+      <p:cxnSp>
+        <p:nvCxnSpPr>
+          <p:cNvPr id="21" name="Elbow Connector 85">
+            <a:extLst>
+              <a:ext uri="{FF2B5EF4-FFF2-40B4-BE49-F238E27FC236}">
+                <a16:creationId xmlns:a16="http://schemas.microsoft.com/office/drawing/2014/main" id="{9A67B43A-4BD4-45D2-A69D-9D7F6A67E2D3}"/>
+              </a:ext>
+            </a:extLst>
+          </p:cNvPr>
+          <p:cNvCxnSpPr>
+            <a:cxnSpLocks/>
+          </p:cNvCxnSpPr>
+          <p:nvPr/>
+        </p:nvCxnSpPr>
+        <p:spPr>
+          <a:xfrm flipV="1">
+            <a:off x="8625773" y="3145222"/>
+            <a:ext cx="698713" cy="634192"/>
+          </a:xfrm>
+          <a:prstGeom prst="bentConnector3">
+            <a:avLst>
+              <a:gd name="adj1" fmla="val 30370"/>
+            </a:avLst>
+          </a:prstGeom>
+          <a:ln w="19050">
+            <a:solidFill>
+              <a:srgbClr val="7030A0"/>
+            </a:solidFill>
+            <a:prstDash val="sysDot"/>
+            <a:headEnd type="none" w="med" len="med"/>
+            <a:tailEnd type="arrow" w="med" len="med"/>
+          </a:ln>
+          <a:effectLst/>
+        </p:spPr>
+        <p:style>
+          <a:lnRef idx="1">
+            <a:schemeClr val="accent2"/>
+          </a:lnRef>
+          <a:fillRef idx="2">
+            <a:schemeClr val="accent2"/>
+          </a:fillRef>
+          <a:effectRef idx="1">
+            <a:schemeClr val="accent2"/>
+          </a:effectRef>
+          <a:fontRef idx="minor">
+            <a:schemeClr val="dk1"/>
+          </a:fontRef>
+        </p:style>
+      </p:cxnSp>
+      <p:sp>
+        <p:nvSpPr>
+          <p:cNvPr id="22" name="Rectangle 8">
+            <a:extLst>
+              <a:ext uri="{FF2B5EF4-FFF2-40B4-BE49-F238E27FC236}">
+                <a16:creationId xmlns:a16="http://schemas.microsoft.com/office/drawing/2014/main" id="{4790175E-E8D9-4D40-821A-3FBC90CAD462}"/>
+              </a:ext>
+            </a:extLst>
+          </p:cNvPr>
+          <p:cNvSpPr/>
+          <p:nvPr/>
+        </p:nvSpPr>
+        <p:spPr>
+          <a:xfrm>
+            <a:off x="9324486" y="3005652"/>
+            <a:ext cx="1455170" cy="285783"/>
+          </a:xfrm>
+          <a:prstGeom prst="rect">
+            <a:avLst/>
+          </a:prstGeom>
+          <a:ln w="19050">
+            <a:solidFill>
+              <a:srgbClr val="7030A0"/>
+            </a:solidFill>
+          </a:ln>
+          <a:effectLst/>
+        </p:spPr>
+        <p:style>
+          <a:lnRef idx="1">
+            <a:schemeClr val="accent4"/>
+          </a:lnRef>
+          <a:fillRef idx="2">
+            <a:schemeClr val="accent4"/>
+          </a:fillRef>
+          <a:effectRef idx="1">
+            <a:schemeClr val="accent4"/>
+          </a:effectRef>
+          <a:fontRef idx="minor">
+            <a:schemeClr val="dk1"/>
+          </a:fontRef>
+        </p:style>
+        <p:txBody>
+          <a:bodyPr rtlCol="0" anchor="ctr"/>
+          <a:lstStyle/>
+          <a:p>
+            <a:pPr algn="ctr"/>
+            <a:r>
+              <a:rPr lang="en-US" sz="1050" dirty="0" err="1">
+                <a:solidFill>
+                  <a:srgbClr val="7030A0"/>
+                </a:solidFill>
+              </a:rPr>
+              <a:t>EncryptedExpenseField</a:t>
+            </a:r>
+            <a:endParaRPr lang="en-SG" sz="1050" dirty="0">
+              <a:solidFill>
+                <a:srgbClr val="7030A0"/>
+              </a:solidFill>
+            </a:endParaRPr>
+          </a:p>
+        </p:txBody>
+      </p:sp>
+      <p:sp>
+        <p:nvSpPr>
+          <p:cNvPr id="23" name="Isosceles Triangle 102">
+            <a:extLst>
+              <a:ext uri="{FF2B5EF4-FFF2-40B4-BE49-F238E27FC236}">
+                <a16:creationId xmlns:a16="http://schemas.microsoft.com/office/drawing/2014/main" id="{5529A565-A2CF-484C-A8BC-194A414C04B8}"/>
+              </a:ext>
+            </a:extLst>
+          </p:cNvPr>
+          <p:cNvSpPr/>
+          <p:nvPr/>
+        </p:nvSpPr>
+        <p:spPr>
+          <a:xfrm rot="5400000" flipH="1">
+            <a:off x="9061180" y="3047450"/>
+            <a:ext cx="271014" cy="187417"/>
+          </a:xfrm>
+          <a:prstGeom prst="triangle">
+            <a:avLst>
+              <a:gd name="adj" fmla="val 44517"/>
+            </a:avLst>
+          </a:prstGeom>
+          <a:solidFill>
+            <a:schemeClr val="accent4">
+              <a:lumMod val="20000"/>
+              <a:lumOff val="80000"/>
+            </a:schemeClr>
+          </a:solidFill>
+          <a:ln w="19050">
+            <a:solidFill>
+              <a:srgbClr val="7030A0"/>
+            </a:solidFill>
+          </a:ln>
+          <a:effectLst/>
+        </p:spPr>
+        <p:style>
+          <a:lnRef idx="1">
+            <a:schemeClr val="accent6"/>
+          </a:lnRef>
+          <a:fillRef idx="2">
+            <a:schemeClr val="accent6"/>
+          </a:fillRef>
+          <a:effectRef idx="1">
+            <a:schemeClr val="accent6"/>
+          </a:effectRef>
+          <a:fontRef idx="minor">
+            <a:schemeClr val="dk1"/>
+          </a:fontRef>
+        </p:style>
+        <p:txBody>
+          <a:bodyPr rtlCol="0" anchor="ctr"/>
+          <a:lstStyle/>
+          <a:p>
+            <a:pPr algn="ctr"/>
+            <a:endParaRPr lang="en-SG" sz="1050"/>
+          </a:p>
+        </p:txBody>
+      </p:sp>
+      <p:cxnSp>
+        <p:nvCxnSpPr>
+          <p:cNvPr id="24" name="Connector: Elbow 23">
+            <a:extLst>
+              <a:ext uri="{FF2B5EF4-FFF2-40B4-BE49-F238E27FC236}">
+                <a16:creationId xmlns:a16="http://schemas.microsoft.com/office/drawing/2014/main" id="{76F0D2B4-E798-45CB-9885-3B00346359AF}"/>
+              </a:ext>
+            </a:extLst>
+          </p:cNvPr>
+          <p:cNvCxnSpPr>
+            <a:cxnSpLocks/>
+            <a:stCxn id="8" idx="3"/>
+            <a:endCxn id="13" idx="1"/>
+          </p:cNvCxnSpPr>
+          <p:nvPr/>
+        </p:nvCxnSpPr>
+        <p:spPr>
+          <a:xfrm>
+            <a:off x="6969550" y="3145568"/>
+            <a:ext cx="383746" cy="975700"/>
+          </a:xfrm>
+          <a:prstGeom prst="bentConnector3">
+            <a:avLst>
+              <a:gd name="adj1" fmla="val 42057"/>
+            </a:avLst>
+          </a:prstGeom>
+          <a:ln w="19050">
+            <a:solidFill>
+              <a:srgbClr val="7030A0"/>
+            </a:solidFill>
+            <a:headEnd type="none" w="med" len="med"/>
+            <a:tailEnd type="arrow" w="med" len="med"/>
+          </a:ln>
+          <a:effectLst/>
+        </p:spPr>
+        <p:style>
+          <a:lnRef idx="1">
+            <a:schemeClr val="accent2"/>
+          </a:lnRef>
+          <a:fillRef idx="2">
+            <a:schemeClr val="accent2"/>
+          </a:fillRef>
+          <a:effectRef idx="1">
+            <a:schemeClr val="accent2"/>
+          </a:effectRef>
+          <a:fontRef idx="minor">
+            <a:schemeClr val="dk1"/>
+          </a:fontRef>
+        </p:style>
+      </p:cxnSp>
+      <p:sp>
+        <p:nvSpPr>
+          <p:cNvPr id="25" name="Rectangle 8">
+            <a:extLst>
+              <a:ext uri="{FF2B5EF4-FFF2-40B4-BE49-F238E27FC236}">
+                <a16:creationId xmlns:a16="http://schemas.microsoft.com/office/drawing/2014/main" id="{DEAD1706-56FD-4B2E-8FAE-660284AF7FA4}"/>
+              </a:ext>
+            </a:extLst>
+          </p:cNvPr>
+          <p:cNvSpPr/>
+          <p:nvPr/>
+        </p:nvSpPr>
+        <p:spPr>
+          <a:xfrm>
+            <a:off x="3478096" y="2971838"/>
+            <a:ext cx="1402246" cy="346760"/>
+          </a:xfrm>
+          <a:prstGeom prst="rect">
+            <a:avLst/>
+          </a:prstGeom>
+          <a:ln w="19050">
+            <a:solidFill>
+              <a:srgbClr val="7030A0"/>
+            </a:solidFill>
+          </a:ln>
+          <a:effectLst/>
+        </p:spPr>
+        <p:style>
+          <a:lnRef idx="1">
+            <a:schemeClr val="accent4"/>
+          </a:lnRef>
+          <a:fillRef idx="2">
+            <a:schemeClr val="accent4"/>
+          </a:fillRef>
+          <a:effectRef idx="1">
+            <a:schemeClr val="accent4"/>
+          </a:effectRef>
+          <a:fontRef idx="minor">
+            <a:schemeClr val="dk1"/>
+          </a:fontRef>
+        </p:style>
+        <p:txBody>
+          <a:bodyPr rtlCol="0" anchor="ctr"/>
+          <a:lstStyle/>
+          <a:p>
+            <a:pPr algn="ctr"/>
+            <a:r>
+              <a:rPr lang="en-US" sz="1050" dirty="0" err="1">
+                <a:solidFill>
+                  <a:srgbClr val="7030A0"/>
+                </a:solidFill>
+              </a:rPr>
+              <a:t>EncrypedExpenseList</a:t>
+            </a:r>
+            <a:endParaRPr lang="en-SG" sz="1050" dirty="0">
+              <a:solidFill>
+                <a:srgbClr val="7030A0"/>
+              </a:solidFill>
+            </a:endParaRPr>
+          </a:p>
+        </p:txBody>
+      </p:sp>
+      <p:sp>
+        <p:nvSpPr>
+          <p:cNvPr id="26" name="Flowchart: Decision 96">
+            <a:extLst>
+              <a:ext uri="{FF2B5EF4-FFF2-40B4-BE49-F238E27FC236}">
+                <a16:creationId xmlns:a16="http://schemas.microsoft.com/office/drawing/2014/main" id="{759F1A00-D069-4504-BFDA-A7892E1246D6}"/>
+              </a:ext>
+            </a:extLst>
+          </p:cNvPr>
+          <p:cNvSpPr/>
+          <p:nvPr/>
+        </p:nvSpPr>
+        <p:spPr>
+          <a:xfrm>
+            <a:off x="4889997" y="3054058"/>
+            <a:ext cx="236048" cy="173380"/>
+          </a:xfrm>
+          <a:prstGeom prst="flowChartDecision">
+            <a:avLst/>
+          </a:prstGeom>
+          <a:noFill/>
+          <a:ln w="19050">
+            <a:solidFill>
+              <a:srgbClr val="7030A0"/>
+            </a:solidFill>
+          </a:ln>
+          <a:effectLst/>
+        </p:spPr>
+        <p:style>
+          <a:lnRef idx="1">
+            <a:schemeClr val="accent6"/>
+          </a:lnRef>
+          <a:fillRef idx="2">
+            <a:schemeClr val="accent6"/>
+          </a:fillRef>
+          <a:effectRef idx="1">
+            <a:schemeClr val="accent6"/>
+          </a:effectRef>
+          <a:fontRef idx="minor">
+            <a:schemeClr val="dk1"/>
+          </a:fontRef>
+        </p:style>
+        <p:txBody>
+          <a:bodyPr rtlCol="0" anchor="ctr"/>
+          <a:lstStyle/>
+          <a:p>
+            <a:pPr algn="ctr"/>
+            <a:endParaRPr lang="en-US" sz="1050"/>
+          </a:p>
+        </p:txBody>
+      </p:sp>
+      <p:cxnSp>
+        <p:nvCxnSpPr>
+          <p:cNvPr id="27" name="Elbow Connector 63">
+            <a:extLst>
+              <a:ext uri="{FF2B5EF4-FFF2-40B4-BE49-F238E27FC236}">
+                <a16:creationId xmlns:a16="http://schemas.microsoft.com/office/drawing/2014/main" id="{1424A63B-BC3A-467A-81F9-5B4937630DBE}"/>
+              </a:ext>
+            </a:extLst>
+          </p:cNvPr>
+          <p:cNvCxnSpPr>
+            <a:cxnSpLocks/>
+            <a:stCxn id="26" idx="3"/>
+            <a:endCxn id="4" idx="1"/>
+          </p:cNvCxnSpPr>
+          <p:nvPr/>
+        </p:nvCxnSpPr>
+        <p:spPr>
+          <a:xfrm>
+            <a:off x="5126045" y="3140748"/>
+            <a:ext cx="368305" cy="5062"/>
+          </a:xfrm>
+          <a:prstGeom prst="bentConnector3">
+            <a:avLst>
+              <a:gd name="adj1" fmla="val 50000"/>
+            </a:avLst>
+          </a:prstGeom>
+          <a:ln w="19050">
+            <a:solidFill>
+              <a:srgbClr val="7030A0"/>
+            </a:solidFill>
+            <a:headEnd type="none" w="med" len="med"/>
+            <a:tailEnd type="arrow" w="med" len="med"/>
+          </a:ln>
+          <a:effectLst/>
+        </p:spPr>
+        <p:style>
+          <a:lnRef idx="1">
+            <a:schemeClr val="accent2"/>
+          </a:lnRef>
+          <a:fillRef idx="2">
+            <a:schemeClr val="accent2"/>
+          </a:fillRef>
+          <a:effectRef idx="1">
+            <a:schemeClr val="accent2"/>
+          </a:effectRef>
+          <a:fontRef idx="minor">
+            <a:schemeClr val="dk1"/>
+          </a:fontRef>
+        </p:style>
+      </p:cxnSp>
+      <p:sp>
+        <p:nvSpPr>
+          <p:cNvPr id="28" name="TextBox 27">
+            <a:extLst>
+              <a:ext uri="{FF2B5EF4-FFF2-40B4-BE49-F238E27FC236}">
+                <a16:creationId xmlns:a16="http://schemas.microsoft.com/office/drawing/2014/main" id="{939AC375-5033-4923-919A-9C1B70988A65}"/>
+              </a:ext>
+            </a:extLst>
+          </p:cNvPr>
+          <p:cNvSpPr txBox="1"/>
+          <p:nvPr/>
+        </p:nvSpPr>
+        <p:spPr>
+          <a:xfrm>
+            <a:off x="5025634" y="2973889"/>
+            <a:ext cx="189257" cy="178683"/>
+          </a:xfrm>
+          <a:prstGeom prst="rect">
+            <a:avLst/>
+          </a:prstGeom>
+          <a:noFill/>
+        </p:spPr>
+        <p:txBody>
+          <a:bodyPr wrap="square" lIns="0" tIns="0" rIns="0" bIns="0" rtlCol="0">
+            <a:noAutofit/>
+          </a:bodyPr>
+          <a:lstStyle/>
+          <a:p>
+            <a:pPr algn="ctr"/>
+            <a:r>
+              <a:rPr lang="en-US" sz="1100">
+                <a:solidFill>
+                  <a:srgbClr val="7030A0"/>
+                </a:solidFill>
+              </a:rPr>
+              <a:t>*</a:t>
+            </a:r>
+            <a:endParaRPr lang="en-SG" sz="1100" dirty="0">
+              <a:solidFill>
+                <a:srgbClr val="7030A0"/>
+              </a:solidFill>
+            </a:endParaRPr>
+          </a:p>
+        </p:txBody>
+      </p:sp>
+      <p:sp>
+        <p:nvSpPr>
+          <p:cNvPr id="29" name="TextBox 28">
+            <a:extLst>
+              <a:ext uri="{FF2B5EF4-FFF2-40B4-BE49-F238E27FC236}">
+                <a16:creationId xmlns:a16="http://schemas.microsoft.com/office/drawing/2014/main" id="{C1BB510D-B9FC-4AC0-8A81-2C48FE3E596D}"/>
+              </a:ext>
+            </a:extLst>
+          </p:cNvPr>
+          <p:cNvSpPr txBox="1"/>
+          <p:nvPr/>
+        </p:nvSpPr>
+        <p:spPr>
+          <a:xfrm>
+            <a:off x="7107655" y="2957233"/>
+            <a:ext cx="189257" cy="178683"/>
+          </a:xfrm>
+          <a:prstGeom prst="rect">
+            <a:avLst/>
+          </a:prstGeom>
+          <a:noFill/>
+        </p:spPr>
+        <p:txBody>
+          <a:bodyPr wrap="square" lIns="0" tIns="0" rIns="0" bIns="0" rtlCol="0">
+            <a:noAutofit/>
+          </a:bodyPr>
+          <a:lstStyle/>
+          <a:p>
+            <a:pPr algn="ctr"/>
+            <a:r>
+              <a:rPr lang="en-US" sz="1100" dirty="0">
+                <a:solidFill>
+                  <a:srgbClr val="7030A0"/>
+                </a:solidFill>
+              </a:rPr>
+              <a:t>1</a:t>
+            </a:r>
+            <a:endParaRPr lang="en-SG" sz="1100" dirty="0">
+              <a:solidFill>
+                <a:srgbClr val="7030A0"/>
+              </a:solidFill>
+            </a:endParaRPr>
+          </a:p>
+        </p:txBody>
+      </p:sp>
+      <p:sp>
+        <p:nvSpPr>
+          <p:cNvPr id="30" name="TextBox 29">
+            <a:extLst>
+              <a:ext uri="{FF2B5EF4-FFF2-40B4-BE49-F238E27FC236}">
+                <a16:creationId xmlns:a16="http://schemas.microsoft.com/office/drawing/2014/main" id="{1A8991F7-C709-4B4D-B617-9EB382B786FA}"/>
+              </a:ext>
+            </a:extLst>
+          </p:cNvPr>
+          <p:cNvSpPr txBox="1"/>
+          <p:nvPr/>
+        </p:nvSpPr>
+        <p:spPr>
+          <a:xfrm>
+            <a:off x="7107655" y="3190250"/>
+            <a:ext cx="189257" cy="178683"/>
+          </a:xfrm>
+          <a:prstGeom prst="rect">
+            <a:avLst/>
+          </a:prstGeom>
+          <a:noFill/>
+        </p:spPr>
+        <p:txBody>
+          <a:bodyPr wrap="square" lIns="0" tIns="0" rIns="0" bIns="0" rtlCol="0">
+            <a:noAutofit/>
+          </a:bodyPr>
+          <a:lstStyle/>
+          <a:p>
+            <a:pPr algn="ctr"/>
+            <a:r>
+              <a:rPr lang="en-US" sz="1100" dirty="0">
+                <a:solidFill>
+                  <a:srgbClr val="7030A0"/>
+                </a:solidFill>
+              </a:rPr>
+              <a:t>1</a:t>
+            </a:r>
+            <a:endParaRPr lang="en-SG" sz="1100" dirty="0">
+              <a:solidFill>
+                <a:srgbClr val="7030A0"/>
+              </a:solidFill>
+            </a:endParaRPr>
+          </a:p>
+        </p:txBody>
+      </p:sp>
+      <p:sp>
+        <p:nvSpPr>
+          <p:cNvPr id="31" name="TextBox 30">
+            <a:extLst>
+              <a:ext uri="{FF2B5EF4-FFF2-40B4-BE49-F238E27FC236}">
+                <a16:creationId xmlns:a16="http://schemas.microsoft.com/office/drawing/2014/main" id="{96E65E8E-AEB1-4E2F-B285-7D3C8EFD6C77}"/>
+              </a:ext>
+            </a:extLst>
+          </p:cNvPr>
+          <p:cNvSpPr txBox="1"/>
+          <p:nvPr/>
+        </p:nvSpPr>
+        <p:spPr>
+          <a:xfrm>
+            <a:off x="7107655" y="3566075"/>
+            <a:ext cx="189257" cy="178683"/>
+          </a:xfrm>
+          <a:prstGeom prst="rect">
+            <a:avLst/>
+          </a:prstGeom>
+          <a:noFill/>
+        </p:spPr>
+        <p:txBody>
+          <a:bodyPr wrap="square" lIns="0" tIns="0" rIns="0" bIns="0" rtlCol="0">
+            <a:noAutofit/>
+          </a:bodyPr>
+          <a:lstStyle/>
+          <a:p>
+            <a:pPr algn="ctr"/>
+            <a:r>
+              <a:rPr lang="en-US" sz="1100" dirty="0">
+                <a:solidFill>
+                  <a:srgbClr val="7030A0"/>
+                </a:solidFill>
+              </a:rPr>
+              <a:t>1</a:t>
+            </a:r>
+            <a:endParaRPr lang="en-SG" sz="1100" dirty="0">
+              <a:solidFill>
+                <a:srgbClr val="7030A0"/>
+              </a:solidFill>
+            </a:endParaRPr>
+          </a:p>
+        </p:txBody>
+      </p:sp>
+      <p:sp>
+        <p:nvSpPr>
+          <p:cNvPr id="32" name="TextBox 31">
+            <a:extLst>
+              <a:ext uri="{FF2B5EF4-FFF2-40B4-BE49-F238E27FC236}">
+                <a16:creationId xmlns:a16="http://schemas.microsoft.com/office/drawing/2014/main" id="{E5C908BE-D343-450D-A8BD-D106177CAFD3}"/>
+              </a:ext>
+            </a:extLst>
+          </p:cNvPr>
+          <p:cNvSpPr txBox="1"/>
+          <p:nvPr/>
+        </p:nvSpPr>
+        <p:spPr>
+          <a:xfrm>
+            <a:off x="7107656" y="3946215"/>
+            <a:ext cx="186508" cy="219735"/>
+          </a:xfrm>
+          <a:prstGeom prst="rect">
+            <a:avLst/>
+          </a:prstGeom>
+          <a:noFill/>
+        </p:spPr>
+        <p:txBody>
+          <a:bodyPr wrap="square" lIns="0" tIns="0" rIns="0" bIns="0" rtlCol="0">
+            <a:noAutofit/>
+          </a:bodyPr>
+          <a:lstStyle/>
+          <a:p>
+            <a:pPr algn="ctr"/>
+            <a:r>
+              <a:rPr lang="en-US" sz="1100" dirty="0">
+                <a:solidFill>
+                  <a:srgbClr val="7030A0"/>
+                </a:solidFill>
+              </a:rPr>
+              <a:t>*</a:t>
+            </a:r>
+            <a:endParaRPr lang="en-SG" sz="1100" dirty="0">
+              <a:solidFill>
+                <a:srgbClr val="7030A0"/>
+              </a:solidFill>
+            </a:endParaRPr>
+          </a:p>
+        </p:txBody>
+      </p:sp>
+      <p:sp>
+        <p:nvSpPr>
+          <p:cNvPr id="34" name="Rectangle 8">
+            <a:extLst>
+              <a:ext uri="{FF2B5EF4-FFF2-40B4-BE49-F238E27FC236}">
+                <a16:creationId xmlns:a16="http://schemas.microsoft.com/office/drawing/2014/main" id="{A7E8D25F-A75E-4C89-99E1-037EEEBB7564}"/>
+              </a:ext>
+            </a:extLst>
+          </p:cNvPr>
+          <p:cNvSpPr/>
+          <p:nvPr/>
+        </p:nvSpPr>
+        <p:spPr>
+          <a:xfrm>
+            <a:off x="3471113" y="2579633"/>
+            <a:ext cx="1060683" cy="364396"/>
+          </a:xfrm>
+          <a:prstGeom prst="rect">
+            <a:avLst/>
+          </a:prstGeom>
+          <a:ln w="19050">
+            <a:solidFill>
+              <a:srgbClr val="7030A0"/>
+            </a:solidFill>
+          </a:ln>
+          <a:effectLst/>
+        </p:spPr>
+        <p:style>
+          <a:lnRef idx="1">
+            <a:schemeClr val="accent4"/>
+          </a:lnRef>
+          <a:fillRef idx="2">
+            <a:schemeClr val="accent4"/>
+          </a:fillRef>
+          <a:effectRef idx="1">
+            <a:schemeClr val="accent4"/>
+          </a:effectRef>
+          <a:fontRef idx="minor">
+            <a:schemeClr val="dk1"/>
+          </a:fontRef>
+        </p:style>
+        <p:txBody>
+          <a:bodyPr rtlCol="0" anchor="ctr"/>
+          <a:lstStyle/>
+          <a:p>
+            <a:pPr algn="ctr"/>
+            <a:r>
+              <a:rPr lang="en-US" sz="1050" dirty="0">
+                <a:solidFill>
+                  <a:srgbClr val="7030A0"/>
+                </a:solidFill>
+              </a:rPr>
+              <a:t>Username</a:t>
+            </a:r>
+            <a:endParaRPr lang="en-SG" sz="1050" dirty="0">
+              <a:solidFill>
+                <a:srgbClr val="7030A0"/>
+              </a:solidFill>
+            </a:endParaRPr>
+          </a:p>
+        </p:txBody>
+      </p:sp>
+      <p:sp>
+        <p:nvSpPr>
+          <p:cNvPr id="35" name="Rectangle 8">
+            <a:extLst>
+              <a:ext uri="{FF2B5EF4-FFF2-40B4-BE49-F238E27FC236}">
+                <a16:creationId xmlns:a16="http://schemas.microsoft.com/office/drawing/2014/main" id="{39DC7C6D-D2AF-4A00-97E6-B870D8B6A00C}"/>
+              </a:ext>
+            </a:extLst>
+          </p:cNvPr>
+          <p:cNvSpPr/>
+          <p:nvPr/>
+        </p:nvSpPr>
+        <p:spPr>
+          <a:xfrm>
+            <a:off x="3474248" y="3344977"/>
+            <a:ext cx="1060683" cy="364396"/>
+          </a:xfrm>
+          <a:prstGeom prst="rect">
+            <a:avLst/>
+          </a:prstGeom>
+          <a:ln w="19050">
+            <a:solidFill>
+              <a:srgbClr val="7030A0"/>
+            </a:solidFill>
+          </a:ln>
+          <a:effectLst/>
+        </p:spPr>
+        <p:style>
+          <a:lnRef idx="1">
+            <a:schemeClr val="accent4"/>
+          </a:lnRef>
+          <a:fillRef idx="2">
+            <a:schemeClr val="accent4"/>
+          </a:fillRef>
+          <a:effectRef idx="1">
+            <a:schemeClr val="accent4"/>
+          </a:effectRef>
+          <a:fontRef idx="minor">
+            <a:schemeClr val="dk1"/>
+          </a:fontRef>
+        </p:style>
+        <p:txBody>
+          <a:bodyPr rtlCol="0" anchor="ctr"/>
+          <a:lstStyle/>
+          <a:p>
+            <a:pPr algn="ctr"/>
+            <a:r>
+              <a:rPr lang="en-US" sz="1050" dirty="0" err="1">
+                <a:solidFill>
+                  <a:srgbClr val="7030A0"/>
+                </a:solidFill>
+              </a:rPr>
+              <a:t>TotalBudget</a:t>
+            </a:r>
+            <a:endParaRPr lang="en-SG" sz="1050" dirty="0">
+              <a:solidFill>
+                <a:srgbClr val="7030A0"/>
+              </a:solidFill>
+            </a:endParaRPr>
+          </a:p>
+        </p:txBody>
+      </p:sp>
+      <p:sp>
+        <p:nvSpPr>
+          <p:cNvPr id="36" name="Rectangle 8">
+            <a:extLst>
+              <a:ext uri="{FF2B5EF4-FFF2-40B4-BE49-F238E27FC236}">
+                <a16:creationId xmlns:a16="http://schemas.microsoft.com/office/drawing/2014/main" id="{6455698D-FEE3-4262-B99C-DCF459BD8835}"/>
+              </a:ext>
+            </a:extLst>
+          </p:cNvPr>
+          <p:cNvSpPr/>
+          <p:nvPr/>
+        </p:nvSpPr>
+        <p:spPr>
+          <a:xfrm>
+            <a:off x="3473047" y="3735752"/>
+            <a:ext cx="1358518" cy="364396"/>
+          </a:xfrm>
+          <a:prstGeom prst="rect">
+            <a:avLst/>
+          </a:prstGeom>
+          <a:ln w="19050">
+            <a:solidFill>
+              <a:srgbClr val="7030A0"/>
+            </a:solidFill>
+          </a:ln>
+          <a:effectLst/>
+        </p:spPr>
+        <p:style>
+          <a:lnRef idx="1">
+            <a:schemeClr val="accent4"/>
+          </a:lnRef>
+          <a:fillRef idx="2">
+            <a:schemeClr val="accent4"/>
+          </a:fillRef>
+          <a:effectRef idx="1">
+            <a:schemeClr val="accent4"/>
+          </a:effectRef>
+          <a:fontRef idx="minor">
+            <a:schemeClr val="dk1"/>
+          </a:fontRef>
+        </p:style>
+        <p:txBody>
+          <a:bodyPr rtlCol="0" anchor="ctr"/>
+          <a:lstStyle/>
+          <a:p>
+            <a:pPr algn="ctr"/>
+            <a:r>
+              <a:rPr lang="en-US" sz="1050" dirty="0" err="1">
+                <a:solidFill>
+                  <a:srgbClr val="7030A0"/>
+                </a:solidFill>
+              </a:rPr>
+              <a:t>NotificationHandler</a:t>
+            </a:r>
+            <a:endParaRPr lang="en-SG" sz="1050" dirty="0">
+              <a:solidFill>
+                <a:srgbClr val="7030A0"/>
+              </a:solidFill>
+            </a:endParaRPr>
+          </a:p>
+        </p:txBody>
+      </p:sp>
+      <p:cxnSp>
+        <p:nvCxnSpPr>
+          <p:cNvPr id="37" name="Elbow Connector 63">
+            <a:extLst>
+              <a:ext uri="{FF2B5EF4-FFF2-40B4-BE49-F238E27FC236}">
+                <a16:creationId xmlns:a16="http://schemas.microsoft.com/office/drawing/2014/main" id="{60858CCB-BA5F-49E0-BFB1-CABE0FD828B4}"/>
+              </a:ext>
+            </a:extLst>
+          </p:cNvPr>
+          <p:cNvCxnSpPr>
+            <a:cxnSpLocks/>
+            <a:endCxn id="34" idx="1"/>
+          </p:cNvCxnSpPr>
+          <p:nvPr/>
+        </p:nvCxnSpPr>
+        <p:spPr>
+          <a:xfrm flipV="1">
+            <a:off x="3078838" y="2761831"/>
+            <a:ext cx="392275" cy="386712"/>
+          </a:xfrm>
+          <a:prstGeom prst="bentConnector3">
+            <a:avLst>
+              <a:gd name="adj1" fmla="val 50000"/>
+            </a:avLst>
+          </a:prstGeom>
+          <a:ln w="19050">
+            <a:solidFill>
+              <a:srgbClr val="7030A0"/>
+            </a:solidFill>
+            <a:headEnd type="none" w="med" len="med"/>
+            <a:tailEnd type="arrow" w="med" len="med"/>
+          </a:ln>
+          <a:effectLst/>
+        </p:spPr>
+        <p:style>
+          <a:lnRef idx="1">
+            <a:schemeClr val="accent2"/>
+          </a:lnRef>
+          <a:fillRef idx="2">
+            <a:schemeClr val="accent2"/>
+          </a:fillRef>
+          <a:effectRef idx="1">
+            <a:schemeClr val="accent2"/>
+          </a:effectRef>
+          <a:fontRef idx="minor">
+            <a:schemeClr val="dk1"/>
+          </a:fontRef>
+        </p:style>
+      </p:cxnSp>
+      <p:cxnSp>
+        <p:nvCxnSpPr>
+          <p:cNvPr id="40" name="Elbow Connector 63">
+            <a:extLst>
+              <a:ext uri="{FF2B5EF4-FFF2-40B4-BE49-F238E27FC236}">
+                <a16:creationId xmlns:a16="http://schemas.microsoft.com/office/drawing/2014/main" id="{82BD0D52-3A53-492E-8F77-EFF1F9319215}"/>
+              </a:ext>
+            </a:extLst>
+          </p:cNvPr>
+          <p:cNvCxnSpPr>
+            <a:cxnSpLocks/>
+            <a:stCxn id="5" idx="3"/>
+            <a:endCxn id="35" idx="1"/>
+          </p:cNvCxnSpPr>
+          <p:nvPr/>
+        </p:nvCxnSpPr>
+        <p:spPr>
+          <a:xfrm>
+            <a:off x="3078839" y="3148543"/>
+            <a:ext cx="395409" cy="378632"/>
+          </a:xfrm>
+          <a:prstGeom prst="bentConnector3">
+            <a:avLst>
+              <a:gd name="adj1" fmla="val 50000"/>
+            </a:avLst>
+          </a:prstGeom>
+          <a:ln w="19050">
+            <a:solidFill>
+              <a:srgbClr val="7030A0"/>
+            </a:solidFill>
+            <a:headEnd type="none" w="med" len="med"/>
+            <a:tailEnd type="arrow" w="med" len="med"/>
+          </a:ln>
+          <a:effectLst/>
+        </p:spPr>
+        <p:style>
+          <a:lnRef idx="1">
+            <a:schemeClr val="accent2"/>
+          </a:lnRef>
+          <a:fillRef idx="2">
+            <a:schemeClr val="accent2"/>
+          </a:fillRef>
+          <a:effectRef idx="1">
+            <a:schemeClr val="accent2"/>
+          </a:effectRef>
+          <a:fontRef idx="minor">
+            <a:schemeClr val="dk1"/>
+          </a:fontRef>
+        </p:style>
+      </p:cxnSp>
+      <p:cxnSp>
+        <p:nvCxnSpPr>
+          <p:cNvPr id="43" name="Elbow Connector 63">
+            <a:extLst>
+              <a:ext uri="{FF2B5EF4-FFF2-40B4-BE49-F238E27FC236}">
+                <a16:creationId xmlns:a16="http://schemas.microsoft.com/office/drawing/2014/main" id="{E21FD1E7-C477-45F4-8E4C-66D872C6641F}"/>
+              </a:ext>
+            </a:extLst>
+          </p:cNvPr>
+          <p:cNvCxnSpPr>
+            <a:cxnSpLocks/>
+            <a:stCxn id="5" idx="3"/>
+            <a:endCxn id="36" idx="1"/>
+          </p:cNvCxnSpPr>
+          <p:nvPr/>
+        </p:nvCxnSpPr>
+        <p:spPr>
+          <a:xfrm>
+            <a:off x="3078839" y="3148543"/>
+            <a:ext cx="394208" cy="769407"/>
+          </a:xfrm>
+          <a:prstGeom prst="bentConnector3">
+            <a:avLst>
+              <a:gd name="adj1" fmla="val 50000"/>
+            </a:avLst>
+          </a:prstGeom>
+          <a:ln w="19050">
+            <a:solidFill>
+              <a:srgbClr val="7030A0"/>
+            </a:solidFill>
+            <a:headEnd type="none" w="med" len="med"/>
+            <a:tailEnd type="arrow" w="med" len="med"/>
+          </a:ln>
+          <a:effectLst/>
+        </p:spPr>
+        <p:style>
+          <a:lnRef idx="1">
+            <a:schemeClr val="accent2"/>
+          </a:lnRef>
+          <a:fillRef idx="2">
+            <a:schemeClr val="accent2"/>
+          </a:fillRef>
+          <a:effectRef idx="1">
+            <a:schemeClr val="accent2"/>
+          </a:effectRef>
+          <a:fontRef idx="minor">
+            <a:schemeClr val="dk1"/>
+          </a:fontRef>
+        </p:style>
+      </p:cxnSp>
+      <p:sp>
+        <p:nvSpPr>
+          <p:cNvPr id="57" name="TextBox 56">
+            <a:extLst>
+              <a:ext uri="{FF2B5EF4-FFF2-40B4-BE49-F238E27FC236}">
+                <a16:creationId xmlns:a16="http://schemas.microsoft.com/office/drawing/2014/main" id="{CE97FDB3-DFC3-4CCE-BCD1-C2627C65C10D}"/>
+              </a:ext>
+            </a:extLst>
+          </p:cNvPr>
+          <p:cNvSpPr txBox="1"/>
+          <p:nvPr/>
+        </p:nvSpPr>
+        <p:spPr>
+          <a:xfrm>
+            <a:off x="7118953" y="2625770"/>
+            <a:ext cx="189257" cy="178683"/>
+          </a:xfrm>
+          <a:prstGeom prst="rect">
+            <a:avLst/>
+          </a:prstGeom>
+          <a:noFill/>
+        </p:spPr>
+        <p:txBody>
+          <a:bodyPr wrap="square" lIns="0" tIns="0" rIns="0" bIns="0" rtlCol="0">
+            <a:noAutofit/>
+          </a:bodyPr>
+          <a:lstStyle/>
+          <a:p>
+            <a:pPr algn="ctr"/>
+            <a:r>
+              <a:rPr lang="en-US" sz="1100" dirty="0">
+                <a:solidFill>
+                  <a:srgbClr val="7030A0"/>
+                </a:solidFill>
+              </a:rPr>
+              <a:t>1</a:t>
+            </a:r>
+            <a:endParaRPr lang="en-SG" sz="1100" dirty="0">
+              <a:solidFill>
+                <a:srgbClr val="7030A0"/>
+              </a:solidFill>
+            </a:endParaRPr>
+          </a:p>
+        </p:txBody>
+      </p:sp>
+      <p:sp>
+        <p:nvSpPr>
+          <p:cNvPr id="58" name="Rectangle 8">
+            <a:extLst>
+              <a:ext uri="{FF2B5EF4-FFF2-40B4-BE49-F238E27FC236}">
+                <a16:creationId xmlns:a16="http://schemas.microsoft.com/office/drawing/2014/main" id="{0109D1B0-8133-4021-BDF0-21C9F4EE0D16}"/>
+              </a:ext>
+            </a:extLst>
+          </p:cNvPr>
+          <p:cNvSpPr/>
+          <p:nvPr/>
+        </p:nvSpPr>
+        <p:spPr>
+          <a:xfrm>
+            <a:off x="3464470" y="4112829"/>
+            <a:ext cx="1358518" cy="364396"/>
+          </a:xfrm>
+          <a:prstGeom prst="rect">
+            <a:avLst/>
+          </a:prstGeom>
+          <a:ln w="19050">
+            <a:solidFill>
+              <a:srgbClr val="7030A0"/>
+            </a:solidFill>
+          </a:ln>
+          <a:effectLst/>
+        </p:spPr>
+        <p:style>
+          <a:lnRef idx="1">
+            <a:schemeClr val="accent4"/>
+          </a:lnRef>
+          <a:fillRef idx="2">
+            <a:schemeClr val="accent4"/>
+          </a:fillRef>
+          <a:effectRef idx="1">
+            <a:schemeClr val="accent4"/>
+          </a:effectRef>
+          <a:fontRef idx="minor">
+            <a:schemeClr val="dk1"/>
+          </a:fontRef>
+        </p:style>
+        <p:txBody>
+          <a:bodyPr rtlCol="0" anchor="ctr"/>
+          <a:lstStyle/>
+          <a:p>
+            <a:pPr algn="ctr"/>
+            <a:r>
+              <a:rPr lang="en-US" sz="1050" dirty="0">
+                <a:solidFill>
+                  <a:srgbClr val="7030A0"/>
+                </a:solidFill>
+              </a:rPr>
+              <a:t>Password</a:t>
+            </a:r>
+            <a:endParaRPr lang="en-SG" sz="1050" dirty="0">
+              <a:solidFill>
+                <a:srgbClr val="7030A0"/>
+              </a:solidFill>
+            </a:endParaRPr>
+          </a:p>
+        </p:txBody>
+      </p:sp>
+      <p:cxnSp>
+        <p:nvCxnSpPr>
+          <p:cNvPr id="59" name="Elbow Connector 63">
+            <a:extLst>
+              <a:ext uri="{FF2B5EF4-FFF2-40B4-BE49-F238E27FC236}">
+                <a16:creationId xmlns:a16="http://schemas.microsoft.com/office/drawing/2014/main" id="{B9EDEBD6-63A9-4126-B7B9-BF2A007F3511}"/>
+              </a:ext>
+            </a:extLst>
+          </p:cNvPr>
+          <p:cNvCxnSpPr>
+            <a:cxnSpLocks/>
+            <a:stCxn id="5" idx="3"/>
+            <a:endCxn id="58" idx="1"/>
+          </p:cNvCxnSpPr>
+          <p:nvPr/>
+        </p:nvCxnSpPr>
+        <p:spPr>
+          <a:xfrm>
+            <a:off x="3078839" y="3148543"/>
+            <a:ext cx="385631" cy="1146484"/>
+          </a:xfrm>
+          <a:prstGeom prst="bentConnector3">
+            <a:avLst>
+              <a:gd name="adj1" fmla="val 50000"/>
+            </a:avLst>
+          </a:prstGeom>
+          <a:ln w="19050">
+            <a:solidFill>
+              <a:srgbClr val="7030A0"/>
+            </a:solidFill>
+            <a:headEnd type="none" w="med" len="med"/>
+            <a:tailEnd type="arrow" w="med" len="med"/>
+          </a:ln>
+          <a:effectLst/>
+        </p:spPr>
+        <p:style>
+          <a:lnRef idx="1">
+            <a:schemeClr val="accent2"/>
+          </a:lnRef>
+          <a:fillRef idx="2">
+            <a:schemeClr val="accent2"/>
+          </a:fillRef>
+          <a:effectRef idx="1">
+            <a:schemeClr val="accent2"/>
+          </a:effectRef>
+          <a:fontRef idx="minor">
+            <a:schemeClr val="dk1"/>
+          </a:fontRef>
+        </p:style>
+      </p:cxnSp>
+      <p:sp>
+        <p:nvSpPr>
+          <p:cNvPr id="68" name="TextBox 67">
+            <a:extLst>
+              <a:ext uri="{FF2B5EF4-FFF2-40B4-BE49-F238E27FC236}">
+                <a16:creationId xmlns:a16="http://schemas.microsoft.com/office/drawing/2014/main" id="{5C643DD3-145D-4839-9377-82660DBD58CB}"/>
+              </a:ext>
+            </a:extLst>
+          </p:cNvPr>
+          <p:cNvSpPr txBox="1"/>
+          <p:nvPr/>
+        </p:nvSpPr>
+        <p:spPr>
+          <a:xfrm>
+            <a:off x="3273731" y="2916309"/>
+            <a:ext cx="189257" cy="178683"/>
+          </a:xfrm>
+          <a:prstGeom prst="rect">
+            <a:avLst/>
+          </a:prstGeom>
+          <a:noFill/>
+        </p:spPr>
+        <p:txBody>
+          <a:bodyPr wrap="square" lIns="0" tIns="0" rIns="0" bIns="0" rtlCol="0">
+            <a:noAutofit/>
+          </a:bodyPr>
+          <a:lstStyle/>
+          <a:p>
+            <a:pPr algn="ctr"/>
+            <a:r>
+              <a:rPr lang="en-US" sz="1100" dirty="0">
+                <a:solidFill>
+                  <a:srgbClr val="7030A0"/>
+                </a:solidFill>
+              </a:rPr>
+              <a:t>1</a:t>
+            </a:r>
+            <a:endParaRPr lang="en-SG" sz="1100" dirty="0">
+              <a:solidFill>
+                <a:srgbClr val="7030A0"/>
+              </a:solidFill>
+            </a:endParaRPr>
+          </a:p>
+        </p:txBody>
+      </p:sp>
+      <p:sp>
+        <p:nvSpPr>
+          <p:cNvPr id="69" name="TextBox 68">
+            <a:extLst>
+              <a:ext uri="{FF2B5EF4-FFF2-40B4-BE49-F238E27FC236}">
+                <a16:creationId xmlns:a16="http://schemas.microsoft.com/office/drawing/2014/main" id="{37B42BD2-EBC2-4641-B8D9-465B13B5757B}"/>
+              </a:ext>
+            </a:extLst>
+          </p:cNvPr>
+          <p:cNvSpPr txBox="1"/>
+          <p:nvPr/>
+        </p:nvSpPr>
+        <p:spPr>
+          <a:xfrm>
+            <a:off x="3250841" y="3328354"/>
+            <a:ext cx="189257" cy="178683"/>
+          </a:xfrm>
+          <a:prstGeom prst="rect">
+            <a:avLst/>
+          </a:prstGeom>
+          <a:noFill/>
+        </p:spPr>
+        <p:txBody>
+          <a:bodyPr wrap="square" lIns="0" tIns="0" rIns="0" bIns="0" rtlCol="0">
+            <a:noAutofit/>
+          </a:bodyPr>
+          <a:lstStyle/>
+          <a:p>
+            <a:pPr algn="ctr"/>
+            <a:r>
+              <a:rPr lang="en-US" sz="1100" dirty="0">
+                <a:solidFill>
+                  <a:srgbClr val="7030A0"/>
+                </a:solidFill>
+              </a:rPr>
+              <a:t>1</a:t>
+            </a:r>
+            <a:endParaRPr lang="en-SG" sz="1100" dirty="0">
+              <a:solidFill>
+                <a:srgbClr val="7030A0"/>
+              </a:solidFill>
+            </a:endParaRPr>
+          </a:p>
+        </p:txBody>
+      </p:sp>
+      <p:sp>
+        <p:nvSpPr>
+          <p:cNvPr id="70" name="TextBox 69">
+            <a:extLst>
+              <a:ext uri="{FF2B5EF4-FFF2-40B4-BE49-F238E27FC236}">
+                <a16:creationId xmlns:a16="http://schemas.microsoft.com/office/drawing/2014/main" id="{15D49FC8-34C7-4A6A-83EC-2EFD91AA90A9}"/>
+              </a:ext>
+            </a:extLst>
+          </p:cNvPr>
+          <p:cNvSpPr txBox="1"/>
+          <p:nvPr/>
+        </p:nvSpPr>
+        <p:spPr>
+          <a:xfrm>
+            <a:off x="3245978" y="3735752"/>
+            <a:ext cx="189257" cy="178683"/>
+          </a:xfrm>
+          <a:prstGeom prst="rect">
+            <a:avLst/>
+          </a:prstGeom>
+          <a:noFill/>
+        </p:spPr>
+        <p:txBody>
+          <a:bodyPr wrap="square" lIns="0" tIns="0" rIns="0" bIns="0" rtlCol="0">
+            <a:noAutofit/>
+          </a:bodyPr>
+          <a:lstStyle/>
+          <a:p>
+            <a:pPr algn="ctr"/>
+            <a:r>
+              <a:rPr lang="en-US" sz="1100" dirty="0">
+                <a:solidFill>
+                  <a:srgbClr val="7030A0"/>
+                </a:solidFill>
+              </a:rPr>
+              <a:t>1</a:t>
+            </a:r>
+            <a:endParaRPr lang="en-SG" sz="1100" dirty="0">
+              <a:solidFill>
+                <a:srgbClr val="7030A0"/>
+              </a:solidFill>
+            </a:endParaRPr>
+          </a:p>
+        </p:txBody>
+      </p:sp>
+      <p:sp>
+        <p:nvSpPr>
+          <p:cNvPr id="71" name="TextBox 70">
+            <a:extLst>
+              <a:ext uri="{FF2B5EF4-FFF2-40B4-BE49-F238E27FC236}">
+                <a16:creationId xmlns:a16="http://schemas.microsoft.com/office/drawing/2014/main" id="{CB423116-52FC-4DCC-A517-4EE79F15ECA4}"/>
+              </a:ext>
+            </a:extLst>
+          </p:cNvPr>
+          <p:cNvSpPr txBox="1"/>
+          <p:nvPr/>
+        </p:nvSpPr>
+        <p:spPr>
+          <a:xfrm>
+            <a:off x="3155491" y="4321406"/>
+            <a:ext cx="330378" cy="166398"/>
+          </a:xfrm>
+          <a:prstGeom prst="rect">
+            <a:avLst/>
+          </a:prstGeom>
+          <a:noFill/>
+        </p:spPr>
+        <p:txBody>
+          <a:bodyPr wrap="square" lIns="0" tIns="0" rIns="0" bIns="0" rtlCol="0">
+            <a:noAutofit/>
+          </a:bodyPr>
+          <a:lstStyle/>
+          <a:p>
+            <a:pPr algn="ctr"/>
+            <a:r>
+              <a:rPr lang="en-US" sz="1100" dirty="0">
+                <a:solidFill>
+                  <a:srgbClr val="7030A0"/>
+                </a:solidFill>
+              </a:rPr>
+              <a:t>0..1</a:t>
+            </a:r>
+            <a:endParaRPr lang="en-SG" sz="1100" dirty="0">
+              <a:solidFill>
+                <a:srgbClr val="7030A0"/>
+              </a:solidFill>
+            </a:endParaRPr>
+          </a:p>
+        </p:txBody>
+      </p:sp>
+    </p:spTree>
+    <p:extLst>
+      <p:ext uri="{BB962C8B-B14F-4D97-AF65-F5344CB8AC3E}">
+        <p14:creationId xmlns:p14="http://schemas.microsoft.com/office/powerpoint/2010/main" val="1754706620"/>
       </p:ext>
     </p:extLst>
   </p:cSld>

--- a/docs/diagrams/ModelComponentClassDiagram.pptx
+++ b/docs/diagrams/ModelComponentClassDiagram.pptx
@@ -129,6 +129,414 @@
 <file path=ppt/changesInfos/changesInfo1.xml><?xml version="1.0" encoding="utf-8"?>
 <pc:chgInfo xmlns:a="http://schemas.openxmlformats.org/drawingml/2006/main" xmlns:r="http://schemas.openxmlformats.org/officeDocument/2006/relationships" xmlns:ac="http://schemas.microsoft.com/office/drawing/2013/main/command" xmlns:pc="http://schemas.microsoft.com/office/powerpoint/2013/main/command">
   <pc:docChgLst>
+    <pc:chgData name="Shengmin Leong" userId="075411cc4697ef0d" providerId="LiveId" clId="{CC3032D4-0828-4756-9212-7143605D2EB9}"/>
+    <pc:docChg chg="custSel modSld">
+      <pc:chgData name="Shengmin Leong" userId="075411cc4697ef0d" providerId="LiveId" clId="{CC3032D4-0828-4756-9212-7143605D2EB9}" dt="2018-10-31T00:56:02.653" v="2"/>
+      <pc:docMkLst>
+        <pc:docMk/>
+      </pc:docMkLst>
+      <pc:sldChg chg="addSp delSp modSp">
+        <pc:chgData name="Shengmin Leong" userId="075411cc4697ef0d" providerId="LiveId" clId="{CC3032D4-0828-4756-9212-7143605D2EB9}" dt="2018-10-31T00:56:02.653" v="2"/>
+        <pc:sldMkLst>
+          <pc:docMk/>
+          <pc:sldMk cId="2396968029" sldId="263"/>
+        </pc:sldMkLst>
+        <pc:spChg chg="del">
+          <ac:chgData name="Shengmin Leong" userId="075411cc4697ef0d" providerId="LiveId" clId="{CC3032D4-0828-4756-9212-7143605D2EB9}" dt="2018-10-31T00:56:01.775" v="1" actId="478"/>
+          <ac:spMkLst>
+            <pc:docMk/>
+            <pc:sldMk cId="2396968029" sldId="263"/>
+            <ac:spMk id="2" creationId="{00000000-0000-0000-0000-000000000000}"/>
+          </ac:spMkLst>
+        </pc:spChg>
+        <pc:spChg chg="del">
+          <ac:chgData name="Shengmin Leong" userId="075411cc4697ef0d" providerId="LiveId" clId="{CC3032D4-0828-4756-9212-7143605D2EB9}" dt="2018-10-31T00:56:01.775" v="1" actId="478"/>
+          <ac:spMkLst>
+            <pc:docMk/>
+            <pc:sldMk cId="2396968029" sldId="263"/>
+            <ac:spMk id="9" creationId="{00000000-0000-0000-0000-000000000000}"/>
+          </ac:spMkLst>
+        </pc:spChg>
+        <pc:spChg chg="del">
+          <ac:chgData name="Shengmin Leong" userId="075411cc4697ef0d" providerId="LiveId" clId="{CC3032D4-0828-4756-9212-7143605D2EB9}" dt="2018-10-31T00:56:01.775" v="1" actId="478"/>
+          <ac:spMkLst>
+            <pc:docMk/>
+            <pc:sldMk cId="2396968029" sldId="263"/>
+            <ac:spMk id="42" creationId="{00000000-0000-0000-0000-000000000000}"/>
+          </ac:spMkLst>
+        </pc:spChg>
+        <pc:spChg chg="del">
+          <ac:chgData name="Shengmin Leong" userId="075411cc4697ef0d" providerId="LiveId" clId="{CC3032D4-0828-4756-9212-7143605D2EB9}" dt="2018-10-31T00:56:01.775" v="1" actId="478"/>
+          <ac:spMkLst>
+            <pc:docMk/>
+            <pc:sldMk cId="2396968029" sldId="263"/>
+            <ac:spMk id="46" creationId="{00000000-0000-0000-0000-000000000000}"/>
+          </ac:spMkLst>
+        </pc:spChg>
+        <pc:spChg chg="del">
+          <ac:chgData name="Shengmin Leong" userId="075411cc4697ef0d" providerId="LiveId" clId="{CC3032D4-0828-4756-9212-7143605D2EB9}" dt="2018-10-31T00:56:01.775" v="1" actId="478"/>
+          <ac:spMkLst>
+            <pc:docMk/>
+            <pc:sldMk cId="2396968029" sldId="263"/>
+            <ac:spMk id="48" creationId="{00000000-0000-0000-0000-000000000000}"/>
+          </ac:spMkLst>
+        </pc:spChg>
+        <pc:spChg chg="del">
+          <ac:chgData name="Shengmin Leong" userId="075411cc4697ef0d" providerId="LiveId" clId="{CC3032D4-0828-4756-9212-7143605D2EB9}" dt="2018-10-31T00:56:01.775" v="1" actId="478"/>
+          <ac:spMkLst>
+            <pc:docMk/>
+            <pc:sldMk cId="2396968029" sldId="263"/>
+            <ac:spMk id="49" creationId="{00000000-0000-0000-0000-000000000000}"/>
+          </ac:spMkLst>
+        </pc:spChg>
+        <pc:spChg chg="del">
+          <ac:chgData name="Shengmin Leong" userId="075411cc4697ef0d" providerId="LiveId" clId="{CC3032D4-0828-4756-9212-7143605D2EB9}" dt="2018-10-31T00:56:01.775" v="1" actId="478"/>
+          <ac:spMkLst>
+            <pc:docMk/>
+            <pc:sldMk cId="2396968029" sldId="263"/>
+            <ac:spMk id="50" creationId="{B3FA9D57-880F-49C4-AD0B-A64E30D6F403}"/>
+          </ac:spMkLst>
+        </pc:spChg>
+        <pc:spChg chg="del">
+          <ac:chgData name="Shengmin Leong" userId="075411cc4697ef0d" providerId="LiveId" clId="{CC3032D4-0828-4756-9212-7143605D2EB9}" dt="2018-10-31T00:56:01.775" v="1" actId="478"/>
+          <ac:spMkLst>
+            <pc:docMk/>
+            <pc:sldMk cId="2396968029" sldId="263"/>
+            <ac:spMk id="51" creationId="{00000000-0000-0000-0000-000000000000}"/>
+          </ac:spMkLst>
+        </pc:spChg>
+        <pc:spChg chg="del">
+          <ac:chgData name="Shengmin Leong" userId="075411cc4697ef0d" providerId="LiveId" clId="{CC3032D4-0828-4756-9212-7143605D2EB9}" dt="2018-10-31T00:56:01.775" v="1" actId="478"/>
+          <ac:spMkLst>
+            <pc:docMk/>
+            <pc:sldMk cId="2396968029" sldId="263"/>
+            <ac:spMk id="52" creationId="{ABDCDBD2-131A-4B66-A2F2-43BBEE82C773}"/>
+          </ac:spMkLst>
+        </pc:spChg>
+        <pc:spChg chg="del">
+          <ac:chgData name="Shengmin Leong" userId="075411cc4697ef0d" providerId="LiveId" clId="{CC3032D4-0828-4756-9212-7143605D2EB9}" dt="2018-10-31T00:56:01.775" v="1" actId="478"/>
+          <ac:spMkLst>
+            <pc:docMk/>
+            <pc:sldMk cId="2396968029" sldId="263"/>
+            <ac:spMk id="54" creationId="{00000000-0000-0000-0000-000000000000}"/>
+          </ac:spMkLst>
+        </pc:spChg>
+        <pc:spChg chg="del">
+          <ac:chgData name="Shengmin Leong" userId="075411cc4697ef0d" providerId="LiveId" clId="{CC3032D4-0828-4756-9212-7143605D2EB9}" dt="2018-10-31T00:56:01.775" v="1" actId="478"/>
+          <ac:spMkLst>
+            <pc:docMk/>
+            <pc:sldMk cId="2396968029" sldId="263"/>
+            <ac:spMk id="55" creationId="{00000000-0000-0000-0000-000000000000}"/>
+          </ac:spMkLst>
+        </pc:spChg>
+        <pc:spChg chg="del">
+          <ac:chgData name="Shengmin Leong" userId="075411cc4697ef0d" providerId="LiveId" clId="{CC3032D4-0828-4756-9212-7143605D2EB9}" dt="2018-10-31T00:56:01.775" v="1" actId="478"/>
+          <ac:spMkLst>
+            <pc:docMk/>
+            <pc:sldMk cId="2396968029" sldId="263"/>
+            <ac:spMk id="56" creationId="{522734A2-9DE4-4648-B36D-5EC0360751F3}"/>
+          </ac:spMkLst>
+        </pc:spChg>
+        <pc:spChg chg="del">
+          <ac:chgData name="Shengmin Leong" userId="075411cc4697ef0d" providerId="LiveId" clId="{CC3032D4-0828-4756-9212-7143605D2EB9}" dt="2018-10-31T00:56:01.775" v="1" actId="478"/>
+          <ac:spMkLst>
+            <pc:docMk/>
+            <pc:sldMk cId="2396968029" sldId="263"/>
+            <ac:spMk id="61" creationId="{00000000-0000-0000-0000-000000000000}"/>
+          </ac:spMkLst>
+        </pc:spChg>
+        <pc:spChg chg="del">
+          <ac:chgData name="Shengmin Leong" userId="075411cc4697ef0d" providerId="LiveId" clId="{CC3032D4-0828-4756-9212-7143605D2EB9}" dt="2018-10-31T00:56:01.775" v="1" actId="478"/>
+          <ac:spMkLst>
+            <pc:docMk/>
+            <pc:sldMk cId="2396968029" sldId="263"/>
+            <ac:spMk id="62" creationId="{00000000-0000-0000-0000-000000000000}"/>
+          </ac:spMkLst>
+        </pc:spChg>
+        <pc:spChg chg="del">
+          <ac:chgData name="Shengmin Leong" userId="075411cc4697ef0d" providerId="LiveId" clId="{CC3032D4-0828-4756-9212-7143605D2EB9}" dt="2018-10-31T00:56:01.775" v="1" actId="478"/>
+          <ac:spMkLst>
+            <pc:docMk/>
+            <pc:sldMk cId="2396968029" sldId="263"/>
+            <ac:spMk id="63" creationId="{00000000-0000-0000-0000-000000000000}"/>
+          </ac:spMkLst>
+        </pc:spChg>
+        <pc:spChg chg="del">
+          <ac:chgData name="Shengmin Leong" userId="075411cc4697ef0d" providerId="LiveId" clId="{CC3032D4-0828-4756-9212-7143605D2EB9}" dt="2018-10-31T00:56:01.775" v="1" actId="478"/>
+          <ac:spMkLst>
+            <pc:docMk/>
+            <pc:sldMk cId="2396968029" sldId="263"/>
+            <ac:spMk id="65" creationId="{00000000-0000-0000-0000-000000000000}"/>
+          </ac:spMkLst>
+        </pc:spChg>
+        <pc:spChg chg="del">
+          <ac:chgData name="Shengmin Leong" userId="075411cc4697ef0d" providerId="LiveId" clId="{CC3032D4-0828-4756-9212-7143605D2EB9}" dt="2018-10-31T00:56:01.775" v="1" actId="478"/>
+          <ac:spMkLst>
+            <pc:docMk/>
+            <pc:sldMk cId="2396968029" sldId="263"/>
+            <ac:spMk id="66" creationId="{00000000-0000-0000-0000-000000000000}"/>
+          </ac:spMkLst>
+        </pc:spChg>
+        <pc:spChg chg="del">
+          <ac:chgData name="Shengmin Leong" userId="075411cc4697ef0d" providerId="LiveId" clId="{CC3032D4-0828-4756-9212-7143605D2EB9}" dt="2018-10-31T00:56:01.775" v="1" actId="478"/>
+          <ac:spMkLst>
+            <pc:docMk/>
+            <pc:sldMk cId="2396968029" sldId="263"/>
+            <ac:spMk id="68" creationId="{00000000-0000-0000-0000-000000000000}"/>
+          </ac:spMkLst>
+        </pc:spChg>
+        <pc:spChg chg="del">
+          <ac:chgData name="Shengmin Leong" userId="075411cc4697ef0d" providerId="LiveId" clId="{CC3032D4-0828-4756-9212-7143605D2EB9}" dt="2018-10-31T00:56:01.775" v="1" actId="478"/>
+          <ac:spMkLst>
+            <pc:docMk/>
+            <pc:sldMk cId="2396968029" sldId="263"/>
+            <ac:spMk id="70" creationId="{00000000-0000-0000-0000-000000000000}"/>
+          </ac:spMkLst>
+        </pc:spChg>
+        <pc:spChg chg="del">
+          <ac:chgData name="Shengmin Leong" userId="075411cc4697ef0d" providerId="LiveId" clId="{CC3032D4-0828-4756-9212-7143605D2EB9}" dt="2018-10-31T00:56:01.775" v="1" actId="478"/>
+          <ac:spMkLst>
+            <pc:docMk/>
+            <pc:sldMk cId="2396968029" sldId="263"/>
+            <ac:spMk id="76" creationId="{00000000-0000-0000-0000-000000000000}"/>
+          </ac:spMkLst>
+        </pc:spChg>
+        <pc:spChg chg="del">
+          <ac:chgData name="Shengmin Leong" userId="075411cc4697ef0d" providerId="LiveId" clId="{CC3032D4-0828-4756-9212-7143605D2EB9}" dt="2018-10-31T00:56:01.775" v="1" actId="478"/>
+          <ac:spMkLst>
+            <pc:docMk/>
+            <pc:sldMk cId="2396968029" sldId="263"/>
+            <ac:spMk id="78" creationId="{00000000-0000-0000-0000-000000000000}"/>
+          </ac:spMkLst>
+        </pc:spChg>
+        <pc:spChg chg="del">
+          <ac:chgData name="Shengmin Leong" userId="075411cc4697ef0d" providerId="LiveId" clId="{CC3032D4-0828-4756-9212-7143605D2EB9}" dt="2018-10-31T00:56:01.775" v="1" actId="478"/>
+          <ac:spMkLst>
+            <pc:docMk/>
+            <pc:sldMk cId="2396968029" sldId="263"/>
+            <ac:spMk id="80" creationId="{00000000-0000-0000-0000-000000000000}"/>
+          </ac:spMkLst>
+        </pc:spChg>
+        <pc:spChg chg="del">
+          <ac:chgData name="Shengmin Leong" userId="075411cc4697ef0d" providerId="LiveId" clId="{CC3032D4-0828-4756-9212-7143605D2EB9}" dt="2018-10-31T00:56:01.775" v="1" actId="478"/>
+          <ac:spMkLst>
+            <pc:docMk/>
+            <pc:sldMk cId="2396968029" sldId="263"/>
+            <ac:spMk id="83" creationId="{00000000-0000-0000-0000-000000000000}"/>
+          </ac:spMkLst>
+        </pc:spChg>
+        <pc:spChg chg="del">
+          <ac:chgData name="Shengmin Leong" userId="075411cc4697ef0d" providerId="LiveId" clId="{CC3032D4-0828-4756-9212-7143605D2EB9}" dt="2018-10-31T00:56:01.775" v="1" actId="478"/>
+          <ac:spMkLst>
+            <pc:docMk/>
+            <pc:sldMk cId="2396968029" sldId="263"/>
+            <ac:spMk id="85" creationId="{00000000-0000-0000-0000-000000000000}"/>
+          </ac:spMkLst>
+        </pc:spChg>
+        <pc:spChg chg="del">
+          <ac:chgData name="Shengmin Leong" userId="075411cc4697ef0d" providerId="LiveId" clId="{CC3032D4-0828-4756-9212-7143605D2EB9}" dt="2018-10-31T00:56:01.775" v="1" actId="478"/>
+          <ac:spMkLst>
+            <pc:docMk/>
+            <pc:sldMk cId="2396968029" sldId="263"/>
+            <ac:spMk id="99" creationId="{00000000-0000-0000-0000-000000000000}"/>
+          </ac:spMkLst>
+        </pc:spChg>
+        <pc:spChg chg="del">
+          <ac:chgData name="Shengmin Leong" userId="075411cc4697ef0d" providerId="LiveId" clId="{CC3032D4-0828-4756-9212-7143605D2EB9}" dt="2018-10-31T00:56:01.775" v="1" actId="478"/>
+          <ac:spMkLst>
+            <pc:docMk/>
+            <pc:sldMk cId="2396968029" sldId="263"/>
+            <ac:spMk id="100" creationId="{00000000-0000-0000-0000-000000000000}"/>
+          </ac:spMkLst>
+        </pc:spChg>
+        <pc:spChg chg="del">
+          <ac:chgData name="Shengmin Leong" userId="075411cc4697ef0d" providerId="LiveId" clId="{CC3032D4-0828-4756-9212-7143605D2EB9}" dt="2018-10-31T00:56:01.775" v="1" actId="478"/>
+          <ac:spMkLst>
+            <pc:docMk/>
+            <pc:sldMk cId="2396968029" sldId="263"/>
+            <ac:spMk id="114" creationId="{00000000-0000-0000-0000-000000000000}"/>
+          </ac:spMkLst>
+        </pc:spChg>
+        <pc:spChg chg="del">
+          <ac:chgData name="Shengmin Leong" userId="075411cc4697ef0d" providerId="LiveId" clId="{CC3032D4-0828-4756-9212-7143605D2EB9}" dt="2018-10-31T00:55:59.188" v="0" actId="478"/>
+          <ac:spMkLst>
+            <pc:docMk/>
+            <pc:sldMk cId="2396968029" sldId="263"/>
+            <ac:spMk id="118" creationId="{00000000-0000-0000-0000-000000000000}"/>
+          </ac:spMkLst>
+        </pc:spChg>
+        <pc:spChg chg="del">
+          <ac:chgData name="Shengmin Leong" userId="075411cc4697ef0d" providerId="LiveId" clId="{CC3032D4-0828-4756-9212-7143605D2EB9}" dt="2018-10-31T00:56:01.775" v="1" actId="478"/>
+          <ac:spMkLst>
+            <pc:docMk/>
+            <pc:sldMk cId="2396968029" sldId="263"/>
+            <ac:spMk id="119" creationId="{00000000-0000-0000-0000-000000000000}"/>
+          </ac:spMkLst>
+        </pc:spChg>
+        <pc:spChg chg="del">
+          <ac:chgData name="Shengmin Leong" userId="075411cc4697ef0d" providerId="LiveId" clId="{CC3032D4-0828-4756-9212-7143605D2EB9}" dt="2018-10-31T00:56:01.775" v="1" actId="478"/>
+          <ac:spMkLst>
+            <pc:docMk/>
+            <pc:sldMk cId="2396968029" sldId="263"/>
+            <ac:spMk id="120" creationId="{00000000-0000-0000-0000-000000000000}"/>
+          </ac:spMkLst>
+        </pc:spChg>
+        <pc:spChg chg="del">
+          <ac:chgData name="Shengmin Leong" userId="075411cc4697ef0d" providerId="LiveId" clId="{CC3032D4-0828-4756-9212-7143605D2EB9}" dt="2018-10-31T00:56:01.775" v="1" actId="478"/>
+          <ac:spMkLst>
+            <pc:docMk/>
+            <pc:sldMk cId="2396968029" sldId="263"/>
+            <ac:spMk id="122" creationId="{00000000-0000-0000-0000-000000000000}"/>
+          </ac:spMkLst>
+        </pc:spChg>
+        <pc:picChg chg="add mod">
+          <ac:chgData name="Shengmin Leong" userId="075411cc4697ef0d" providerId="LiveId" clId="{CC3032D4-0828-4756-9212-7143605D2EB9}" dt="2018-10-31T00:56:02.653" v="2"/>
+          <ac:picMkLst>
+            <pc:docMk/>
+            <pc:sldMk cId="2396968029" sldId="263"/>
+            <ac:picMk id="4" creationId="{CA464AFE-92EC-45C3-8294-35E6B6A5F030}"/>
+          </ac:picMkLst>
+        </pc:picChg>
+        <pc:cxnChg chg="del">
+          <ac:chgData name="Shengmin Leong" userId="075411cc4697ef0d" providerId="LiveId" clId="{CC3032D4-0828-4756-9212-7143605D2EB9}" dt="2018-10-31T00:56:01.775" v="1" actId="478"/>
+          <ac:cxnSpMkLst>
+            <pc:docMk/>
+            <pc:sldMk cId="2396968029" sldId="263"/>
+            <ac:cxnSpMk id="10" creationId="{16BFE9BF-858E-462D-8FC6-7CDE7EA2A24C}"/>
+          </ac:cxnSpMkLst>
+        </pc:cxnChg>
+        <pc:cxnChg chg="del mod">
+          <ac:chgData name="Shengmin Leong" userId="075411cc4697ef0d" providerId="LiveId" clId="{CC3032D4-0828-4756-9212-7143605D2EB9}" dt="2018-10-31T00:56:01.775" v="1" actId="478"/>
+          <ac:cxnSpMkLst>
+            <pc:docMk/>
+            <pc:sldMk cId="2396968029" sldId="263"/>
+            <ac:cxnSpMk id="21" creationId="{00000000-0000-0000-0000-000000000000}"/>
+          </ac:cxnSpMkLst>
+        </pc:cxnChg>
+        <pc:cxnChg chg="del mod">
+          <ac:chgData name="Shengmin Leong" userId="075411cc4697ef0d" providerId="LiveId" clId="{CC3032D4-0828-4756-9212-7143605D2EB9}" dt="2018-10-31T00:56:01.775" v="1" actId="478"/>
+          <ac:cxnSpMkLst>
+            <pc:docMk/>
+            <pc:sldMk cId="2396968029" sldId="263"/>
+            <ac:cxnSpMk id="47" creationId="{00000000-0000-0000-0000-000000000000}"/>
+          </ac:cxnSpMkLst>
+        </pc:cxnChg>
+        <pc:cxnChg chg="del mod">
+          <ac:chgData name="Shengmin Leong" userId="075411cc4697ef0d" providerId="LiveId" clId="{CC3032D4-0828-4756-9212-7143605D2EB9}" dt="2018-10-31T00:56:01.775" v="1" actId="478"/>
+          <ac:cxnSpMkLst>
+            <pc:docMk/>
+            <pc:sldMk cId="2396968029" sldId="263"/>
+            <ac:cxnSpMk id="53" creationId="{B97967F8-618A-448B-81FD-CDFD4AF0EC64}"/>
+          </ac:cxnSpMkLst>
+        </pc:cxnChg>
+        <pc:cxnChg chg="del mod">
+          <ac:chgData name="Shengmin Leong" userId="075411cc4697ef0d" providerId="LiveId" clId="{CC3032D4-0828-4756-9212-7143605D2EB9}" dt="2018-10-31T00:56:01.775" v="1" actId="478"/>
+          <ac:cxnSpMkLst>
+            <pc:docMk/>
+            <pc:sldMk cId="2396968029" sldId="263"/>
+            <ac:cxnSpMk id="58" creationId="{00000000-0000-0000-0000-000000000000}"/>
+          </ac:cxnSpMkLst>
+        </pc:cxnChg>
+        <pc:cxnChg chg="del">
+          <ac:chgData name="Shengmin Leong" userId="075411cc4697ef0d" providerId="LiveId" clId="{CC3032D4-0828-4756-9212-7143605D2EB9}" dt="2018-10-31T00:56:01.775" v="1" actId="478"/>
+          <ac:cxnSpMkLst>
+            <pc:docMk/>
+            <pc:sldMk cId="2396968029" sldId="263"/>
+            <ac:cxnSpMk id="59" creationId="{DB7E4EA4-22F1-4C6D-BB42-7A1EBD5EA1B8}"/>
+          </ac:cxnSpMkLst>
+        </pc:cxnChg>
+        <pc:cxnChg chg="del mod">
+          <ac:chgData name="Shengmin Leong" userId="075411cc4697ef0d" providerId="LiveId" clId="{CC3032D4-0828-4756-9212-7143605D2EB9}" dt="2018-10-31T00:56:01.775" v="1" actId="478"/>
+          <ac:cxnSpMkLst>
+            <pc:docMk/>
+            <pc:sldMk cId="2396968029" sldId="263"/>
+            <ac:cxnSpMk id="60" creationId="{00000000-0000-0000-0000-000000000000}"/>
+          </ac:cxnSpMkLst>
+        </pc:cxnChg>
+        <pc:cxnChg chg="del mod">
+          <ac:chgData name="Shengmin Leong" userId="075411cc4697ef0d" providerId="LiveId" clId="{CC3032D4-0828-4756-9212-7143605D2EB9}" dt="2018-10-31T00:56:01.775" v="1" actId="478"/>
+          <ac:cxnSpMkLst>
+            <pc:docMk/>
+            <pc:sldMk cId="2396968029" sldId="263"/>
+            <ac:cxnSpMk id="64" creationId="{00000000-0000-0000-0000-000000000000}"/>
+          </ac:cxnSpMkLst>
+        </pc:cxnChg>
+        <pc:cxnChg chg="del mod">
+          <ac:chgData name="Shengmin Leong" userId="075411cc4697ef0d" providerId="LiveId" clId="{CC3032D4-0828-4756-9212-7143605D2EB9}" dt="2018-10-31T00:56:01.775" v="1" actId="478"/>
+          <ac:cxnSpMkLst>
+            <pc:docMk/>
+            <pc:sldMk cId="2396968029" sldId="263"/>
+            <ac:cxnSpMk id="69" creationId="{00000000-0000-0000-0000-000000000000}"/>
+          </ac:cxnSpMkLst>
+        </pc:cxnChg>
+        <pc:cxnChg chg="del">
+          <ac:chgData name="Shengmin Leong" userId="075411cc4697ef0d" providerId="LiveId" clId="{CC3032D4-0828-4756-9212-7143605D2EB9}" dt="2018-10-31T00:56:01.775" v="1" actId="478"/>
+          <ac:cxnSpMkLst>
+            <pc:docMk/>
+            <pc:sldMk cId="2396968029" sldId="263"/>
+            <ac:cxnSpMk id="75" creationId="{00000000-0000-0000-0000-000000000000}"/>
+          </ac:cxnSpMkLst>
+        </pc:cxnChg>
+        <pc:cxnChg chg="del">
+          <ac:chgData name="Shengmin Leong" userId="075411cc4697ef0d" providerId="LiveId" clId="{CC3032D4-0828-4756-9212-7143605D2EB9}" dt="2018-10-31T00:56:01.775" v="1" actId="478"/>
+          <ac:cxnSpMkLst>
+            <pc:docMk/>
+            <pc:sldMk cId="2396968029" sldId="263"/>
+            <ac:cxnSpMk id="79" creationId="{00000000-0000-0000-0000-000000000000}"/>
+          </ac:cxnSpMkLst>
+        </pc:cxnChg>
+        <pc:cxnChg chg="del mod">
+          <ac:chgData name="Shengmin Leong" userId="075411cc4697ef0d" providerId="LiveId" clId="{CC3032D4-0828-4756-9212-7143605D2EB9}" dt="2018-10-31T00:56:01.775" v="1" actId="478"/>
+          <ac:cxnSpMkLst>
+            <pc:docMk/>
+            <pc:sldMk cId="2396968029" sldId="263"/>
+            <ac:cxnSpMk id="81" creationId="{00000000-0000-0000-0000-000000000000}"/>
+          </ac:cxnSpMkLst>
+        </pc:cxnChg>
+        <pc:cxnChg chg="del mod">
+          <ac:chgData name="Shengmin Leong" userId="075411cc4697ef0d" providerId="LiveId" clId="{CC3032D4-0828-4756-9212-7143605D2EB9}" dt="2018-10-31T00:56:01.775" v="1" actId="478"/>
+          <ac:cxnSpMkLst>
+            <pc:docMk/>
+            <pc:sldMk cId="2396968029" sldId="263"/>
+            <ac:cxnSpMk id="84" creationId="{00000000-0000-0000-0000-000000000000}"/>
+          </ac:cxnSpMkLst>
+        </pc:cxnChg>
+        <pc:cxnChg chg="del mod">
+          <ac:chgData name="Shengmin Leong" userId="075411cc4697ef0d" providerId="LiveId" clId="{CC3032D4-0828-4756-9212-7143605D2EB9}" dt="2018-10-31T00:56:01.775" v="1" actId="478"/>
+          <ac:cxnSpMkLst>
+            <pc:docMk/>
+            <pc:sldMk cId="2396968029" sldId="263"/>
+            <ac:cxnSpMk id="86" creationId="{00000000-0000-0000-0000-000000000000}"/>
+          </ac:cxnSpMkLst>
+        </pc:cxnChg>
+        <pc:cxnChg chg="del mod">
+          <ac:chgData name="Shengmin Leong" userId="075411cc4697ef0d" providerId="LiveId" clId="{CC3032D4-0828-4756-9212-7143605D2EB9}" dt="2018-10-31T00:56:01.775" v="1" actId="478"/>
+          <ac:cxnSpMkLst>
+            <pc:docMk/>
+            <pc:sldMk cId="2396968029" sldId="263"/>
+            <ac:cxnSpMk id="97" creationId="{00000000-0000-0000-0000-000000000000}"/>
+          </ac:cxnSpMkLst>
+        </pc:cxnChg>
+        <pc:cxnChg chg="del mod">
+          <ac:chgData name="Shengmin Leong" userId="075411cc4697ef0d" providerId="LiveId" clId="{CC3032D4-0828-4756-9212-7143605D2EB9}" dt="2018-10-31T00:56:01.775" v="1" actId="478"/>
+          <ac:cxnSpMkLst>
+            <pc:docMk/>
+            <pc:sldMk cId="2396968029" sldId="263"/>
+            <ac:cxnSpMk id="107" creationId="{00000000-0000-0000-0000-000000000000}"/>
+          </ac:cxnSpMkLst>
+        </pc:cxnChg>
+        <pc:cxnChg chg="del mod">
+          <ac:chgData name="Shengmin Leong" userId="075411cc4697ef0d" providerId="LiveId" clId="{CC3032D4-0828-4756-9212-7143605D2EB9}" dt="2018-10-31T00:56:01.775" v="1" actId="478"/>
+          <ac:cxnSpMkLst>
+            <pc:docMk/>
+            <pc:sldMk cId="2396968029" sldId="263"/>
+            <ac:cxnSpMk id="124" creationId="{00000000-0000-0000-0000-000000000000}"/>
+          </ac:cxnSpMkLst>
+        </pc:cxnChg>
+      </pc:sldChg>
+    </pc:docChg>
+  </pc:docChgLst>
+  <pc:docChgLst>
     <pc:chgData name="Lionel Tan Junzer" userId="04b849c6f1991e6b" providerId="LiveId" clId="{32AC4DC2-D8E3-4BEF-8B2D-59700D6CE4F2}"/>
     <pc:docChg chg="undo custSel modSld">
       <pc:chgData name="Lionel Tan Junzer" userId="04b849c6f1991e6b" providerId="LiveId" clId="{32AC4DC2-D8E3-4BEF-8B2D-59700D6CE4F2}" dt="2018-10-17T02:10:30.376" v="106" actId="1038"/>
@@ -211,414 +619,6 @@
             <pc:docMk/>
             <pc:sldMk cId="2396968029" sldId="263"/>
             <ac:cxnSpMk id="107" creationId="{00000000-0000-0000-0000-000000000000}"/>
-          </ac:cxnSpMkLst>
-        </pc:cxnChg>
-      </pc:sldChg>
-    </pc:docChg>
-  </pc:docChgLst>
-  <pc:docChgLst>
-    <pc:chgData name="Shengmin Leong" userId="075411cc4697ef0d" providerId="LiveId" clId="{CC3032D4-0828-4756-9212-7143605D2EB9}"/>
-    <pc:docChg chg="custSel modSld">
-      <pc:chgData name="Shengmin Leong" userId="075411cc4697ef0d" providerId="LiveId" clId="{CC3032D4-0828-4756-9212-7143605D2EB9}" dt="2018-10-31T00:56:02.653" v="2"/>
-      <pc:docMkLst>
-        <pc:docMk/>
-      </pc:docMkLst>
-      <pc:sldChg chg="addSp delSp modSp">
-        <pc:chgData name="Shengmin Leong" userId="075411cc4697ef0d" providerId="LiveId" clId="{CC3032D4-0828-4756-9212-7143605D2EB9}" dt="2018-10-31T00:56:02.653" v="2"/>
-        <pc:sldMkLst>
-          <pc:docMk/>
-          <pc:sldMk cId="2396968029" sldId="263"/>
-        </pc:sldMkLst>
-        <pc:spChg chg="del">
-          <ac:chgData name="Shengmin Leong" userId="075411cc4697ef0d" providerId="LiveId" clId="{CC3032D4-0828-4756-9212-7143605D2EB9}" dt="2018-10-31T00:56:01.775" v="1" actId="478"/>
-          <ac:spMkLst>
-            <pc:docMk/>
-            <pc:sldMk cId="2396968029" sldId="263"/>
-            <ac:spMk id="2" creationId="{00000000-0000-0000-0000-000000000000}"/>
-          </ac:spMkLst>
-        </pc:spChg>
-        <pc:spChg chg="del">
-          <ac:chgData name="Shengmin Leong" userId="075411cc4697ef0d" providerId="LiveId" clId="{CC3032D4-0828-4756-9212-7143605D2EB9}" dt="2018-10-31T00:56:01.775" v="1" actId="478"/>
-          <ac:spMkLst>
-            <pc:docMk/>
-            <pc:sldMk cId="2396968029" sldId="263"/>
-            <ac:spMk id="9" creationId="{00000000-0000-0000-0000-000000000000}"/>
-          </ac:spMkLst>
-        </pc:spChg>
-        <pc:spChg chg="del">
-          <ac:chgData name="Shengmin Leong" userId="075411cc4697ef0d" providerId="LiveId" clId="{CC3032D4-0828-4756-9212-7143605D2EB9}" dt="2018-10-31T00:56:01.775" v="1" actId="478"/>
-          <ac:spMkLst>
-            <pc:docMk/>
-            <pc:sldMk cId="2396968029" sldId="263"/>
-            <ac:spMk id="42" creationId="{00000000-0000-0000-0000-000000000000}"/>
-          </ac:spMkLst>
-        </pc:spChg>
-        <pc:spChg chg="del">
-          <ac:chgData name="Shengmin Leong" userId="075411cc4697ef0d" providerId="LiveId" clId="{CC3032D4-0828-4756-9212-7143605D2EB9}" dt="2018-10-31T00:56:01.775" v="1" actId="478"/>
-          <ac:spMkLst>
-            <pc:docMk/>
-            <pc:sldMk cId="2396968029" sldId="263"/>
-            <ac:spMk id="46" creationId="{00000000-0000-0000-0000-000000000000}"/>
-          </ac:spMkLst>
-        </pc:spChg>
-        <pc:spChg chg="del">
-          <ac:chgData name="Shengmin Leong" userId="075411cc4697ef0d" providerId="LiveId" clId="{CC3032D4-0828-4756-9212-7143605D2EB9}" dt="2018-10-31T00:56:01.775" v="1" actId="478"/>
-          <ac:spMkLst>
-            <pc:docMk/>
-            <pc:sldMk cId="2396968029" sldId="263"/>
-            <ac:spMk id="48" creationId="{00000000-0000-0000-0000-000000000000}"/>
-          </ac:spMkLst>
-        </pc:spChg>
-        <pc:spChg chg="del">
-          <ac:chgData name="Shengmin Leong" userId="075411cc4697ef0d" providerId="LiveId" clId="{CC3032D4-0828-4756-9212-7143605D2EB9}" dt="2018-10-31T00:56:01.775" v="1" actId="478"/>
-          <ac:spMkLst>
-            <pc:docMk/>
-            <pc:sldMk cId="2396968029" sldId="263"/>
-            <ac:spMk id="49" creationId="{00000000-0000-0000-0000-000000000000}"/>
-          </ac:spMkLst>
-        </pc:spChg>
-        <pc:spChg chg="del">
-          <ac:chgData name="Shengmin Leong" userId="075411cc4697ef0d" providerId="LiveId" clId="{CC3032D4-0828-4756-9212-7143605D2EB9}" dt="2018-10-31T00:56:01.775" v="1" actId="478"/>
-          <ac:spMkLst>
-            <pc:docMk/>
-            <pc:sldMk cId="2396968029" sldId="263"/>
-            <ac:spMk id="50" creationId="{B3FA9D57-880F-49C4-AD0B-A64E30D6F403}"/>
-          </ac:spMkLst>
-        </pc:spChg>
-        <pc:spChg chg="del">
-          <ac:chgData name="Shengmin Leong" userId="075411cc4697ef0d" providerId="LiveId" clId="{CC3032D4-0828-4756-9212-7143605D2EB9}" dt="2018-10-31T00:56:01.775" v="1" actId="478"/>
-          <ac:spMkLst>
-            <pc:docMk/>
-            <pc:sldMk cId="2396968029" sldId="263"/>
-            <ac:spMk id="51" creationId="{00000000-0000-0000-0000-000000000000}"/>
-          </ac:spMkLst>
-        </pc:spChg>
-        <pc:spChg chg="del">
-          <ac:chgData name="Shengmin Leong" userId="075411cc4697ef0d" providerId="LiveId" clId="{CC3032D4-0828-4756-9212-7143605D2EB9}" dt="2018-10-31T00:56:01.775" v="1" actId="478"/>
-          <ac:spMkLst>
-            <pc:docMk/>
-            <pc:sldMk cId="2396968029" sldId="263"/>
-            <ac:spMk id="52" creationId="{ABDCDBD2-131A-4B66-A2F2-43BBEE82C773}"/>
-          </ac:spMkLst>
-        </pc:spChg>
-        <pc:spChg chg="del">
-          <ac:chgData name="Shengmin Leong" userId="075411cc4697ef0d" providerId="LiveId" clId="{CC3032D4-0828-4756-9212-7143605D2EB9}" dt="2018-10-31T00:56:01.775" v="1" actId="478"/>
-          <ac:spMkLst>
-            <pc:docMk/>
-            <pc:sldMk cId="2396968029" sldId="263"/>
-            <ac:spMk id="54" creationId="{00000000-0000-0000-0000-000000000000}"/>
-          </ac:spMkLst>
-        </pc:spChg>
-        <pc:spChg chg="del">
-          <ac:chgData name="Shengmin Leong" userId="075411cc4697ef0d" providerId="LiveId" clId="{CC3032D4-0828-4756-9212-7143605D2EB9}" dt="2018-10-31T00:56:01.775" v="1" actId="478"/>
-          <ac:spMkLst>
-            <pc:docMk/>
-            <pc:sldMk cId="2396968029" sldId="263"/>
-            <ac:spMk id="55" creationId="{00000000-0000-0000-0000-000000000000}"/>
-          </ac:spMkLst>
-        </pc:spChg>
-        <pc:spChg chg="del">
-          <ac:chgData name="Shengmin Leong" userId="075411cc4697ef0d" providerId="LiveId" clId="{CC3032D4-0828-4756-9212-7143605D2EB9}" dt="2018-10-31T00:56:01.775" v="1" actId="478"/>
-          <ac:spMkLst>
-            <pc:docMk/>
-            <pc:sldMk cId="2396968029" sldId="263"/>
-            <ac:spMk id="56" creationId="{522734A2-9DE4-4648-B36D-5EC0360751F3}"/>
-          </ac:spMkLst>
-        </pc:spChg>
-        <pc:spChg chg="del">
-          <ac:chgData name="Shengmin Leong" userId="075411cc4697ef0d" providerId="LiveId" clId="{CC3032D4-0828-4756-9212-7143605D2EB9}" dt="2018-10-31T00:56:01.775" v="1" actId="478"/>
-          <ac:spMkLst>
-            <pc:docMk/>
-            <pc:sldMk cId="2396968029" sldId="263"/>
-            <ac:spMk id="61" creationId="{00000000-0000-0000-0000-000000000000}"/>
-          </ac:spMkLst>
-        </pc:spChg>
-        <pc:spChg chg="del">
-          <ac:chgData name="Shengmin Leong" userId="075411cc4697ef0d" providerId="LiveId" clId="{CC3032D4-0828-4756-9212-7143605D2EB9}" dt="2018-10-31T00:56:01.775" v="1" actId="478"/>
-          <ac:spMkLst>
-            <pc:docMk/>
-            <pc:sldMk cId="2396968029" sldId="263"/>
-            <ac:spMk id="62" creationId="{00000000-0000-0000-0000-000000000000}"/>
-          </ac:spMkLst>
-        </pc:spChg>
-        <pc:spChg chg="del">
-          <ac:chgData name="Shengmin Leong" userId="075411cc4697ef0d" providerId="LiveId" clId="{CC3032D4-0828-4756-9212-7143605D2EB9}" dt="2018-10-31T00:56:01.775" v="1" actId="478"/>
-          <ac:spMkLst>
-            <pc:docMk/>
-            <pc:sldMk cId="2396968029" sldId="263"/>
-            <ac:spMk id="63" creationId="{00000000-0000-0000-0000-000000000000}"/>
-          </ac:spMkLst>
-        </pc:spChg>
-        <pc:spChg chg="del">
-          <ac:chgData name="Shengmin Leong" userId="075411cc4697ef0d" providerId="LiveId" clId="{CC3032D4-0828-4756-9212-7143605D2EB9}" dt="2018-10-31T00:56:01.775" v="1" actId="478"/>
-          <ac:spMkLst>
-            <pc:docMk/>
-            <pc:sldMk cId="2396968029" sldId="263"/>
-            <ac:spMk id="65" creationId="{00000000-0000-0000-0000-000000000000}"/>
-          </ac:spMkLst>
-        </pc:spChg>
-        <pc:spChg chg="del">
-          <ac:chgData name="Shengmin Leong" userId="075411cc4697ef0d" providerId="LiveId" clId="{CC3032D4-0828-4756-9212-7143605D2EB9}" dt="2018-10-31T00:56:01.775" v="1" actId="478"/>
-          <ac:spMkLst>
-            <pc:docMk/>
-            <pc:sldMk cId="2396968029" sldId="263"/>
-            <ac:spMk id="66" creationId="{00000000-0000-0000-0000-000000000000}"/>
-          </ac:spMkLst>
-        </pc:spChg>
-        <pc:spChg chg="del">
-          <ac:chgData name="Shengmin Leong" userId="075411cc4697ef0d" providerId="LiveId" clId="{CC3032D4-0828-4756-9212-7143605D2EB9}" dt="2018-10-31T00:56:01.775" v="1" actId="478"/>
-          <ac:spMkLst>
-            <pc:docMk/>
-            <pc:sldMk cId="2396968029" sldId="263"/>
-            <ac:spMk id="68" creationId="{00000000-0000-0000-0000-000000000000}"/>
-          </ac:spMkLst>
-        </pc:spChg>
-        <pc:spChg chg="del">
-          <ac:chgData name="Shengmin Leong" userId="075411cc4697ef0d" providerId="LiveId" clId="{CC3032D4-0828-4756-9212-7143605D2EB9}" dt="2018-10-31T00:56:01.775" v="1" actId="478"/>
-          <ac:spMkLst>
-            <pc:docMk/>
-            <pc:sldMk cId="2396968029" sldId="263"/>
-            <ac:spMk id="70" creationId="{00000000-0000-0000-0000-000000000000}"/>
-          </ac:spMkLst>
-        </pc:spChg>
-        <pc:spChg chg="del">
-          <ac:chgData name="Shengmin Leong" userId="075411cc4697ef0d" providerId="LiveId" clId="{CC3032D4-0828-4756-9212-7143605D2EB9}" dt="2018-10-31T00:56:01.775" v="1" actId="478"/>
-          <ac:spMkLst>
-            <pc:docMk/>
-            <pc:sldMk cId="2396968029" sldId="263"/>
-            <ac:spMk id="76" creationId="{00000000-0000-0000-0000-000000000000}"/>
-          </ac:spMkLst>
-        </pc:spChg>
-        <pc:spChg chg="del">
-          <ac:chgData name="Shengmin Leong" userId="075411cc4697ef0d" providerId="LiveId" clId="{CC3032D4-0828-4756-9212-7143605D2EB9}" dt="2018-10-31T00:56:01.775" v="1" actId="478"/>
-          <ac:spMkLst>
-            <pc:docMk/>
-            <pc:sldMk cId="2396968029" sldId="263"/>
-            <ac:spMk id="78" creationId="{00000000-0000-0000-0000-000000000000}"/>
-          </ac:spMkLst>
-        </pc:spChg>
-        <pc:spChg chg="del">
-          <ac:chgData name="Shengmin Leong" userId="075411cc4697ef0d" providerId="LiveId" clId="{CC3032D4-0828-4756-9212-7143605D2EB9}" dt="2018-10-31T00:56:01.775" v="1" actId="478"/>
-          <ac:spMkLst>
-            <pc:docMk/>
-            <pc:sldMk cId="2396968029" sldId="263"/>
-            <ac:spMk id="80" creationId="{00000000-0000-0000-0000-000000000000}"/>
-          </ac:spMkLst>
-        </pc:spChg>
-        <pc:spChg chg="del">
-          <ac:chgData name="Shengmin Leong" userId="075411cc4697ef0d" providerId="LiveId" clId="{CC3032D4-0828-4756-9212-7143605D2EB9}" dt="2018-10-31T00:56:01.775" v="1" actId="478"/>
-          <ac:spMkLst>
-            <pc:docMk/>
-            <pc:sldMk cId="2396968029" sldId="263"/>
-            <ac:spMk id="83" creationId="{00000000-0000-0000-0000-000000000000}"/>
-          </ac:spMkLst>
-        </pc:spChg>
-        <pc:spChg chg="del">
-          <ac:chgData name="Shengmin Leong" userId="075411cc4697ef0d" providerId="LiveId" clId="{CC3032D4-0828-4756-9212-7143605D2EB9}" dt="2018-10-31T00:56:01.775" v="1" actId="478"/>
-          <ac:spMkLst>
-            <pc:docMk/>
-            <pc:sldMk cId="2396968029" sldId="263"/>
-            <ac:spMk id="85" creationId="{00000000-0000-0000-0000-000000000000}"/>
-          </ac:spMkLst>
-        </pc:spChg>
-        <pc:spChg chg="del">
-          <ac:chgData name="Shengmin Leong" userId="075411cc4697ef0d" providerId="LiveId" clId="{CC3032D4-0828-4756-9212-7143605D2EB9}" dt="2018-10-31T00:56:01.775" v="1" actId="478"/>
-          <ac:spMkLst>
-            <pc:docMk/>
-            <pc:sldMk cId="2396968029" sldId="263"/>
-            <ac:spMk id="99" creationId="{00000000-0000-0000-0000-000000000000}"/>
-          </ac:spMkLst>
-        </pc:spChg>
-        <pc:spChg chg="del">
-          <ac:chgData name="Shengmin Leong" userId="075411cc4697ef0d" providerId="LiveId" clId="{CC3032D4-0828-4756-9212-7143605D2EB9}" dt="2018-10-31T00:56:01.775" v="1" actId="478"/>
-          <ac:spMkLst>
-            <pc:docMk/>
-            <pc:sldMk cId="2396968029" sldId="263"/>
-            <ac:spMk id="100" creationId="{00000000-0000-0000-0000-000000000000}"/>
-          </ac:spMkLst>
-        </pc:spChg>
-        <pc:spChg chg="del">
-          <ac:chgData name="Shengmin Leong" userId="075411cc4697ef0d" providerId="LiveId" clId="{CC3032D4-0828-4756-9212-7143605D2EB9}" dt="2018-10-31T00:56:01.775" v="1" actId="478"/>
-          <ac:spMkLst>
-            <pc:docMk/>
-            <pc:sldMk cId="2396968029" sldId="263"/>
-            <ac:spMk id="114" creationId="{00000000-0000-0000-0000-000000000000}"/>
-          </ac:spMkLst>
-        </pc:spChg>
-        <pc:spChg chg="del">
-          <ac:chgData name="Shengmin Leong" userId="075411cc4697ef0d" providerId="LiveId" clId="{CC3032D4-0828-4756-9212-7143605D2EB9}" dt="2018-10-31T00:55:59.188" v="0" actId="478"/>
-          <ac:spMkLst>
-            <pc:docMk/>
-            <pc:sldMk cId="2396968029" sldId="263"/>
-            <ac:spMk id="118" creationId="{00000000-0000-0000-0000-000000000000}"/>
-          </ac:spMkLst>
-        </pc:spChg>
-        <pc:spChg chg="del">
-          <ac:chgData name="Shengmin Leong" userId="075411cc4697ef0d" providerId="LiveId" clId="{CC3032D4-0828-4756-9212-7143605D2EB9}" dt="2018-10-31T00:56:01.775" v="1" actId="478"/>
-          <ac:spMkLst>
-            <pc:docMk/>
-            <pc:sldMk cId="2396968029" sldId="263"/>
-            <ac:spMk id="119" creationId="{00000000-0000-0000-0000-000000000000}"/>
-          </ac:spMkLst>
-        </pc:spChg>
-        <pc:spChg chg="del">
-          <ac:chgData name="Shengmin Leong" userId="075411cc4697ef0d" providerId="LiveId" clId="{CC3032D4-0828-4756-9212-7143605D2EB9}" dt="2018-10-31T00:56:01.775" v="1" actId="478"/>
-          <ac:spMkLst>
-            <pc:docMk/>
-            <pc:sldMk cId="2396968029" sldId="263"/>
-            <ac:spMk id="120" creationId="{00000000-0000-0000-0000-000000000000}"/>
-          </ac:spMkLst>
-        </pc:spChg>
-        <pc:spChg chg="del">
-          <ac:chgData name="Shengmin Leong" userId="075411cc4697ef0d" providerId="LiveId" clId="{CC3032D4-0828-4756-9212-7143605D2EB9}" dt="2018-10-31T00:56:01.775" v="1" actId="478"/>
-          <ac:spMkLst>
-            <pc:docMk/>
-            <pc:sldMk cId="2396968029" sldId="263"/>
-            <ac:spMk id="122" creationId="{00000000-0000-0000-0000-000000000000}"/>
-          </ac:spMkLst>
-        </pc:spChg>
-        <pc:picChg chg="add mod">
-          <ac:chgData name="Shengmin Leong" userId="075411cc4697ef0d" providerId="LiveId" clId="{CC3032D4-0828-4756-9212-7143605D2EB9}" dt="2018-10-31T00:56:02.653" v="2"/>
-          <ac:picMkLst>
-            <pc:docMk/>
-            <pc:sldMk cId="2396968029" sldId="263"/>
-            <ac:picMk id="4" creationId="{CA464AFE-92EC-45C3-8294-35E6B6A5F030}"/>
-          </ac:picMkLst>
-        </pc:picChg>
-        <pc:cxnChg chg="del">
-          <ac:chgData name="Shengmin Leong" userId="075411cc4697ef0d" providerId="LiveId" clId="{CC3032D4-0828-4756-9212-7143605D2EB9}" dt="2018-10-31T00:56:01.775" v="1" actId="478"/>
-          <ac:cxnSpMkLst>
-            <pc:docMk/>
-            <pc:sldMk cId="2396968029" sldId="263"/>
-            <ac:cxnSpMk id="10" creationId="{16BFE9BF-858E-462D-8FC6-7CDE7EA2A24C}"/>
-          </ac:cxnSpMkLst>
-        </pc:cxnChg>
-        <pc:cxnChg chg="del mod">
-          <ac:chgData name="Shengmin Leong" userId="075411cc4697ef0d" providerId="LiveId" clId="{CC3032D4-0828-4756-9212-7143605D2EB9}" dt="2018-10-31T00:56:01.775" v="1" actId="478"/>
-          <ac:cxnSpMkLst>
-            <pc:docMk/>
-            <pc:sldMk cId="2396968029" sldId="263"/>
-            <ac:cxnSpMk id="21" creationId="{00000000-0000-0000-0000-000000000000}"/>
-          </ac:cxnSpMkLst>
-        </pc:cxnChg>
-        <pc:cxnChg chg="del mod">
-          <ac:chgData name="Shengmin Leong" userId="075411cc4697ef0d" providerId="LiveId" clId="{CC3032D4-0828-4756-9212-7143605D2EB9}" dt="2018-10-31T00:56:01.775" v="1" actId="478"/>
-          <ac:cxnSpMkLst>
-            <pc:docMk/>
-            <pc:sldMk cId="2396968029" sldId="263"/>
-            <ac:cxnSpMk id="47" creationId="{00000000-0000-0000-0000-000000000000}"/>
-          </ac:cxnSpMkLst>
-        </pc:cxnChg>
-        <pc:cxnChg chg="del mod">
-          <ac:chgData name="Shengmin Leong" userId="075411cc4697ef0d" providerId="LiveId" clId="{CC3032D4-0828-4756-9212-7143605D2EB9}" dt="2018-10-31T00:56:01.775" v="1" actId="478"/>
-          <ac:cxnSpMkLst>
-            <pc:docMk/>
-            <pc:sldMk cId="2396968029" sldId="263"/>
-            <ac:cxnSpMk id="53" creationId="{B97967F8-618A-448B-81FD-CDFD4AF0EC64}"/>
-          </ac:cxnSpMkLst>
-        </pc:cxnChg>
-        <pc:cxnChg chg="del mod">
-          <ac:chgData name="Shengmin Leong" userId="075411cc4697ef0d" providerId="LiveId" clId="{CC3032D4-0828-4756-9212-7143605D2EB9}" dt="2018-10-31T00:56:01.775" v="1" actId="478"/>
-          <ac:cxnSpMkLst>
-            <pc:docMk/>
-            <pc:sldMk cId="2396968029" sldId="263"/>
-            <ac:cxnSpMk id="58" creationId="{00000000-0000-0000-0000-000000000000}"/>
-          </ac:cxnSpMkLst>
-        </pc:cxnChg>
-        <pc:cxnChg chg="del">
-          <ac:chgData name="Shengmin Leong" userId="075411cc4697ef0d" providerId="LiveId" clId="{CC3032D4-0828-4756-9212-7143605D2EB9}" dt="2018-10-31T00:56:01.775" v="1" actId="478"/>
-          <ac:cxnSpMkLst>
-            <pc:docMk/>
-            <pc:sldMk cId="2396968029" sldId="263"/>
-            <ac:cxnSpMk id="59" creationId="{DB7E4EA4-22F1-4C6D-BB42-7A1EBD5EA1B8}"/>
-          </ac:cxnSpMkLst>
-        </pc:cxnChg>
-        <pc:cxnChg chg="del mod">
-          <ac:chgData name="Shengmin Leong" userId="075411cc4697ef0d" providerId="LiveId" clId="{CC3032D4-0828-4756-9212-7143605D2EB9}" dt="2018-10-31T00:56:01.775" v="1" actId="478"/>
-          <ac:cxnSpMkLst>
-            <pc:docMk/>
-            <pc:sldMk cId="2396968029" sldId="263"/>
-            <ac:cxnSpMk id="60" creationId="{00000000-0000-0000-0000-000000000000}"/>
-          </ac:cxnSpMkLst>
-        </pc:cxnChg>
-        <pc:cxnChg chg="del mod">
-          <ac:chgData name="Shengmin Leong" userId="075411cc4697ef0d" providerId="LiveId" clId="{CC3032D4-0828-4756-9212-7143605D2EB9}" dt="2018-10-31T00:56:01.775" v="1" actId="478"/>
-          <ac:cxnSpMkLst>
-            <pc:docMk/>
-            <pc:sldMk cId="2396968029" sldId="263"/>
-            <ac:cxnSpMk id="64" creationId="{00000000-0000-0000-0000-000000000000}"/>
-          </ac:cxnSpMkLst>
-        </pc:cxnChg>
-        <pc:cxnChg chg="del mod">
-          <ac:chgData name="Shengmin Leong" userId="075411cc4697ef0d" providerId="LiveId" clId="{CC3032D4-0828-4756-9212-7143605D2EB9}" dt="2018-10-31T00:56:01.775" v="1" actId="478"/>
-          <ac:cxnSpMkLst>
-            <pc:docMk/>
-            <pc:sldMk cId="2396968029" sldId="263"/>
-            <ac:cxnSpMk id="69" creationId="{00000000-0000-0000-0000-000000000000}"/>
-          </ac:cxnSpMkLst>
-        </pc:cxnChg>
-        <pc:cxnChg chg="del">
-          <ac:chgData name="Shengmin Leong" userId="075411cc4697ef0d" providerId="LiveId" clId="{CC3032D4-0828-4756-9212-7143605D2EB9}" dt="2018-10-31T00:56:01.775" v="1" actId="478"/>
-          <ac:cxnSpMkLst>
-            <pc:docMk/>
-            <pc:sldMk cId="2396968029" sldId="263"/>
-            <ac:cxnSpMk id="75" creationId="{00000000-0000-0000-0000-000000000000}"/>
-          </ac:cxnSpMkLst>
-        </pc:cxnChg>
-        <pc:cxnChg chg="del">
-          <ac:chgData name="Shengmin Leong" userId="075411cc4697ef0d" providerId="LiveId" clId="{CC3032D4-0828-4756-9212-7143605D2EB9}" dt="2018-10-31T00:56:01.775" v="1" actId="478"/>
-          <ac:cxnSpMkLst>
-            <pc:docMk/>
-            <pc:sldMk cId="2396968029" sldId="263"/>
-            <ac:cxnSpMk id="79" creationId="{00000000-0000-0000-0000-000000000000}"/>
-          </ac:cxnSpMkLst>
-        </pc:cxnChg>
-        <pc:cxnChg chg="del mod">
-          <ac:chgData name="Shengmin Leong" userId="075411cc4697ef0d" providerId="LiveId" clId="{CC3032D4-0828-4756-9212-7143605D2EB9}" dt="2018-10-31T00:56:01.775" v="1" actId="478"/>
-          <ac:cxnSpMkLst>
-            <pc:docMk/>
-            <pc:sldMk cId="2396968029" sldId="263"/>
-            <ac:cxnSpMk id="81" creationId="{00000000-0000-0000-0000-000000000000}"/>
-          </ac:cxnSpMkLst>
-        </pc:cxnChg>
-        <pc:cxnChg chg="del mod">
-          <ac:chgData name="Shengmin Leong" userId="075411cc4697ef0d" providerId="LiveId" clId="{CC3032D4-0828-4756-9212-7143605D2EB9}" dt="2018-10-31T00:56:01.775" v="1" actId="478"/>
-          <ac:cxnSpMkLst>
-            <pc:docMk/>
-            <pc:sldMk cId="2396968029" sldId="263"/>
-            <ac:cxnSpMk id="84" creationId="{00000000-0000-0000-0000-000000000000}"/>
-          </ac:cxnSpMkLst>
-        </pc:cxnChg>
-        <pc:cxnChg chg="del mod">
-          <ac:chgData name="Shengmin Leong" userId="075411cc4697ef0d" providerId="LiveId" clId="{CC3032D4-0828-4756-9212-7143605D2EB9}" dt="2018-10-31T00:56:01.775" v="1" actId="478"/>
-          <ac:cxnSpMkLst>
-            <pc:docMk/>
-            <pc:sldMk cId="2396968029" sldId="263"/>
-            <ac:cxnSpMk id="86" creationId="{00000000-0000-0000-0000-000000000000}"/>
-          </ac:cxnSpMkLst>
-        </pc:cxnChg>
-        <pc:cxnChg chg="del mod">
-          <ac:chgData name="Shengmin Leong" userId="075411cc4697ef0d" providerId="LiveId" clId="{CC3032D4-0828-4756-9212-7143605D2EB9}" dt="2018-10-31T00:56:01.775" v="1" actId="478"/>
-          <ac:cxnSpMkLst>
-            <pc:docMk/>
-            <pc:sldMk cId="2396968029" sldId="263"/>
-            <ac:cxnSpMk id="97" creationId="{00000000-0000-0000-0000-000000000000}"/>
-          </ac:cxnSpMkLst>
-        </pc:cxnChg>
-        <pc:cxnChg chg="del mod">
-          <ac:chgData name="Shengmin Leong" userId="075411cc4697ef0d" providerId="LiveId" clId="{CC3032D4-0828-4756-9212-7143605D2EB9}" dt="2018-10-31T00:56:01.775" v="1" actId="478"/>
-          <ac:cxnSpMkLst>
-            <pc:docMk/>
-            <pc:sldMk cId="2396968029" sldId="263"/>
-            <ac:cxnSpMk id="107" creationId="{00000000-0000-0000-0000-000000000000}"/>
-          </ac:cxnSpMkLst>
-        </pc:cxnChg>
-        <pc:cxnChg chg="del mod">
-          <ac:chgData name="Shengmin Leong" userId="075411cc4697ef0d" providerId="LiveId" clId="{CC3032D4-0828-4756-9212-7143605D2EB9}" dt="2018-10-31T00:56:01.775" v="1" actId="478"/>
-          <ac:cxnSpMkLst>
-            <pc:docMk/>
-            <pc:sldMk cId="2396968029" sldId="263"/>
-            <ac:cxnSpMk id="124" creationId="{00000000-0000-0000-0000-000000000000}"/>
           </ac:cxnSpMkLst>
         </pc:cxnChg>
       </pc:sldChg>
@@ -709,7 +709,7 @@
           <a:p>
             <a:fld id="{F5CC4B3F-88C1-4FFA-B1B6-F41C21DC6924}" type="datetimeFigureOut">
               <a:rPr lang="en-US" smtClean="0"/>
-              <a:t>10/31/2018</a:t>
+              <a:t>11/12/2018</a:t>
             </a:fld>
             <a:endParaRPr lang="en-US"/>
           </a:p>
@@ -1242,7 +1242,7 @@
           <a:p>
             <a:fld id="{78C97017-6FC3-485B-9764-EAC9E56C1D49}" type="datetimeFigureOut">
               <a:rPr lang="en-US" smtClean="0"/>
-              <a:t>10/31/2018</a:t>
+              <a:t>11/12/2018</a:t>
             </a:fld>
             <a:endParaRPr lang="en-US"/>
           </a:p>
@@ -1410,7 +1410,7 @@
           <a:p>
             <a:fld id="{78C97017-6FC3-485B-9764-EAC9E56C1D49}" type="datetimeFigureOut">
               <a:rPr lang="en-US" smtClean="0"/>
-              <a:t>10/31/2018</a:t>
+              <a:t>11/12/2018</a:t>
             </a:fld>
             <a:endParaRPr lang="en-US"/>
           </a:p>
@@ -1588,7 +1588,7 @@
           <a:p>
             <a:fld id="{78C97017-6FC3-485B-9764-EAC9E56C1D49}" type="datetimeFigureOut">
               <a:rPr lang="en-US" smtClean="0"/>
-              <a:t>10/31/2018</a:t>
+              <a:t>11/12/2018</a:t>
             </a:fld>
             <a:endParaRPr lang="en-US"/>
           </a:p>
@@ -1756,7 +1756,7 @@
           <a:p>
             <a:fld id="{78C97017-6FC3-485B-9764-EAC9E56C1D49}" type="datetimeFigureOut">
               <a:rPr lang="en-US" smtClean="0"/>
-              <a:t>10/31/2018</a:t>
+              <a:t>11/12/2018</a:t>
             </a:fld>
             <a:endParaRPr lang="en-US"/>
           </a:p>
@@ -2001,7 +2001,7 @@
           <a:p>
             <a:fld id="{78C97017-6FC3-485B-9764-EAC9E56C1D49}" type="datetimeFigureOut">
               <a:rPr lang="en-US" smtClean="0"/>
-              <a:t>10/31/2018</a:t>
+              <a:t>11/12/2018</a:t>
             </a:fld>
             <a:endParaRPr lang="en-US"/>
           </a:p>
@@ -2286,7 +2286,7 @@
           <a:p>
             <a:fld id="{78C97017-6FC3-485B-9764-EAC9E56C1D49}" type="datetimeFigureOut">
               <a:rPr lang="en-US" smtClean="0"/>
-              <a:t>10/31/2018</a:t>
+              <a:t>11/12/2018</a:t>
             </a:fld>
             <a:endParaRPr lang="en-US"/>
           </a:p>
@@ -2705,7 +2705,7 @@
           <a:p>
             <a:fld id="{78C97017-6FC3-485B-9764-EAC9E56C1D49}" type="datetimeFigureOut">
               <a:rPr lang="en-US" smtClean="0"/>
-              <a:t>10/31/2018</a:t>
+              <a:t>11/12/2018</a:t>
             </a:fld>
             <a:endParaRPr lang="en-US"/>
           </a:p>
@@ -2822,7 +2822,7 @@
           <a:p>
             <a:fld id="{78C97017-6FC3-485B-9764-EAC9E56C1D49}" type="datetimeFigureOut">
               <a:rPr lang="en-US" smtClean="0"/>
-              <a:t>10/31/2018</a:t>
+              <a:t>11/12/2018</a:t>
             </a:fld>
             <a:endParaRPr lang="en-US"/>
           </a:p>
@@ -2917,7 +2917,7 @@
           <a:p>
             <a:fld id="{78C97017-6FC3-485B-9764-EAC9E56C1D49}" type="datetimeFigureOut">
               <a:rPr lang="en-US" smtClean="0"/>
-              <a:t>10/31/2018</a:t>
+              <a:t>11/12/2018</a:t>
             </a:fld>
             <a:endParaRPr lang="en-US"/>
           </a:p>
@@ -3192,7 +3192,7 @@
           <a:p>
             <a:fld id="{78C97017-6FC3-485B-9764-EAC9E56C1D49}" type="datetimeFigureOut">
               <a:rPr lang="en-US" smtClean="0"/>
-              <a:t>10/31/2018</a:t>
+              <a:t>11/12/2018</a:t>
             </a:fld>
             <a:endParaRPr lang="en-US"/>
           </a:p>
@@ -3444,7 +3444,7 @@
           <a:p>
             <a:fld id="{78C97017-6FC3-485B-9764-EAC9E56C1D49}" type="datetimeFigureOut">
               <a:rPr lang="en-US" smtClean="0"/>
-              <a:t>10/31/2018</a:t>
+              <a:t>11/12/2018</a:t>
             </a:fld>
             <a:endParaRPr lang="en-US"/>
           </a:p>
@@ -3655,7 +3655,7 @@
           <a:p>
             <a:fld id="{78C97017-6FC3-485B-9764-EAC9E56C1D49}" type="datetimeFigureOut">
               <a:rPr lang="en-US" smtClean="0"/>
-              <a:t>10/31/2018</a:t>
+              <a:t>11/12/2018</a:t>
             </a:fld>
             <a:endParaRPr lang="en-US"/>
           </a:p>
@@ -4032,10 +4032,10 @@
       </p:grpSpPr>
       <p:pic>
         <p:nvPicPr>
-          <p:cNvPr id="4" name="Picture 3">
+          <p:cNvPr id="3" name="Picture 2">
             <a:extLst>
               <a:ext uri="{FF2B5EF4-FFF2-40B4-BE49-F238E27FC236}">
-                <a16:creationId xmlns:a16="http://schemas.microsoft.com/office/drawing/2014/main" id="{CA464AFE-92EC-45C3-8294-35E6B6A5F030}"/>
+                <a16:creationId xmlns:a16="http://schemas.microsoft.com/office/drawing/2014/main" id="{F1216A5D-3739-44DA-9281-BFE2A0297DC9}"/>
               </a:ext>
             </a:extLst>
           </p:cNvPr>

--- a/docs/diagrams/ModelComponentClassDiagram.pptx
+++ b/docs/diagrams/ModelComponentClassDiagram.pptx
@@ -208,7 +208,7 @@
           <a:p>
             <a:fld id="{F5CC4B3F-88C1-4FFA-B1B6-F41C21DC6924}" type="datetimeFigureOut">
               <a:rPr lang="en-US" smtClean="0"/>
-              <a:t>6/27/2018</a:t>
+              <a:t>11/12/2018</a:t>
             </a:fld>
             <a:endParaRPr lang="en-US"/>
           </a:p>
@@ -654,7 +654,7 @@
           <a:p>
             <a:fld id="{78C97017-6FC3-485B-9764-EAC9E56C1D49}" type="datetimeFigureOut">
               <a:rPr lang="en-US" smtClean="0"/>
-              <a:t>6/27/2018</a:t>
+              <a:t>11/12/2018</a:t>
             </a:fld>
             <a:endParaRPr lang="en-US"/>
           </a:p>
@@ -822,7 +822,7 @@
           <a:p>
             <a:fld id="{78C97017-6FC3-485B-9764-EAC9E56C1D49}" type="datetimeFigureOut">
               <a:rPr lang="en-US" smtClean="0"/>
-              <a:t>6/27/2018</a:t>
+              <a:t>11/12/2018</a:t>
             </a:fld>
             <a:endParaRPr lang="en-US"/>
           </a:p>
@@ -1000,7 +1000,7 @@
           <a:p>
             <a:fld id="{78C97017-6FC3-485B-9764-EAC9E56C1D49}" type="datetimeFigureOut">
               <a:rPr lang="en-US" smtClean="0"/>
-              <a:t>6/27/2018</a:t>
+              <a:t>11/12/2018</a:t>
             </a:fld>
             <a:endParaRPr lang="en-US"/>
           </a:p>
@@ -1168,7 +1168,7 @@
           <a:p>
             <a:fld id="{78C97017-6FC3-485B-9764-EAC9E56C1D49}" type="datetimeFigureOut">
               <a:rPr lang="en-US" smtClean="0"/>
-              <a:t>6/27/2018</a:t>
+              <a:t>11/12/2018</a:t>
             </a:fld>
             <a:endParaRPr lang="en-US"/>
           </a:p>
@@ -1413,7 +1413,7 @@
           <a:p>
             <a:fld id="{78C97017-6FC3-485B-9764-EAC9E56C1D49}" type="datetimeFigureOut">
               <a:rPr lang="en-US" smtClean="0"/>
-              <a:t>6/27/2018</a:t>
+              <a:t>11/12/2018</a:t>
             </a:fld>
             <a:endParaRPr lang="en-US"/>
           </a:p>
@@ -1698,7 +1698,7 @@
           <a:p>
             <a:fld id="{78C97017-6FC3-485B-9764-EAC9E56C1D49}" type="datetimeFigureOut">
               <a:rPr lang="en-US" smtClean="0"/>
-              <a:t>6/27/2018</a:t>
+              <a:t>11/12/2018</a:t>
             </a:fld>
             <a:endParaRPr lang="en-US"/>
           </a:p>
@@ -2117,7 +2117,7 @@
           <a:p>
             <a:fld id="{78C97017-6FC3-485B-9764-EAC9E56C1D49}" type="datetimeFigureOut">
               <a:rPr lang="en-US" smtClean="0"/>
-              <a:t>6/27/2018</a:t>
+              <a:t>11/12/2018</a:t>
             </a:fld>
             <a:endParaRPr lang="en-US"/>
           </a:p>
@@ -2234,7 +2234,7 @@
           <a:p>
             <a:fld id="{78C97017-6FC3-485B-9764-EAC9E56C1D49}" type="datetimeFigureOut">
               <a:rPr lang="en-US" smtClean="0"/>
-              <a:t>6/27/2018</a:t>
+              <a:t>11/12/2018</a:t>
             </a:fld>
             <a:endParaRPr lang="en-US"/>
           </a:p>
@@ -2329,7 +2329,7 @@
           <a:p>
             <a:fld id="{78C97017-6FC3-485B-9764-EAC9E56C1D49}" type="datetimeFigureOut">
               <a:rPr lang="en-US" smtClean="0"/>
-              <a:t>6/27/2018</a:t>
+              <a:t>11/12/2018</a:t>
             </a:fld>
             <a:endParaRPr lang="en-US"/>
           </a:p>
@@ -2604,7 +2604,7 @@
           <a:p>
             <a:fld id="{78C97017-6FC3-485B-9764-EAC9E56C1D49}" type="datetimeFigureOut">
               <a:rPr lang="en-US" smtClean="0"/>
-              <a:t>6/27/2018</a:t>
+              <a:t>11/12/2018</a:t>
             </a:fld>
             <a:endParaRPr lang="en-US"/>
           </a:p>
@@ -2856,7 +2856,7 @@
           <a:p>
             <a:fld id="{78C97017-6FC3-485B-9764-EAC9E56C1D49}" type="datetimeFigureOut">
               <a:rPr lang="en-US" smtClean="0"/>
-              <a:t>6/27/2018</a:t>
+              <a:t>11/12/2018</a:t>
             </a:fld>
             <a:endParaRPr lang="en-US"/>
           </a:p>
@@ -3067,7 +3067,7 @@
           <a:p>
             <a:fld id="{78C97017-6FC3-485B-9764-EAC9E56C1D49}" type="datetimeFigureOut">
               <a:rPr lang="en-US" smtClean="0"/>
-              <a:t>6/27/2018</a:t>
+              <a:t>11/12/2018</a:t>
             </a:fld>
             <a:endParaRPr lang="en-US"/>
           </a:p>
@@ -3450,8 +3450,8 @@
         </p:nvSpPr>
         <p:spPr>
           <a:xfrm>
-            <a:off x="1119865" y="1600200"/>
-            <a:ext cx="7490735" cy="3124200"/>
+            <a:off x="309109" y="1610899"/>
+            <a:ext cx="8530091" cy="3124200"/>
           </a:xfrm>
           <a:prstGeom prst="roundRect">
             <a:avLst>
@@ -3511,7 +3511,7 @@
         </p:nvSpPr>
         <p:spPr>
           <a:xfrm>
-            <a:off x="2877180" y="3463240"/>
+            <a:off x="2119489" y="3463240"/>
             <a:ext cx="1093635" cy="346760"/>
           </a:xfrm>
           <a:prstGeom prst="rect">
@@ -3570,7 +3570,7 @@
         </p:nvSpPr>
         <p:spPr>
           <a:xfrm rot="16200000">
-            <a:off x="1661548" y="3097750"/>
+            <a:off x="903857" y="3097750"/>
             <a:ext cx="1093635" cy="346760"/>
           </a:xfrm>
           <a:prstGeom prst="rect">
@@ -3633,7 +3633,7 @@
         </p:nvCxnSpPr>
         <p:spPr>
           <a:xfrm rot="5400000" flipH="1" flipV="1">
-            <a:off x="4131507" y="1281685"/>
+            <a:off x="3373816" y="1281685"/>
             <a:ext cx="613122" cy="4459404"/>
           </a:xfrm>
           <a:prstGeom prst="bentConnector3">
@@ -3674,7 +3674,7 @@
         </p:nvSpPr>
         <p:spPr>
           <a:xfrm rot="16200000">
-            <a:off x="956202" y="2861202"/>
+            <a:off x="198511" y="2861202"/>
             <a:ext cx="1093635" cy="346760"/>
           </a:xfrm>
           <a:prstGeom prst="rect">
@@ -3744,7 +3744,7 @@
         </p:nvSpPr>
         <p:spPr>
           <a:xfrm rot="16200000">
-            <a:off x="1626910" y="2952291"/>
+            <a:off x="869219" y="2952291"/>
             <a:ext cx="270504" cy="175523"/>
           </a:xfrm>
           <a:prstGeom prst="triangle">
@@ -3794,7 +3794,7 @@
         </p:nvCxnSpPr>
         <p:spPr>
           <a:xfrm>
-            <a:off x="2609828" y="3636620"/>
+            <a:off x="1852137" y="3636620"/>
             <a:ext cx="267352" cy="0"/>
           </a:xfrm>
           <a:prstGeom prst="straightConnector1">
@@ -3832,7 +3832,7 @@
         </p:nvCxnSpPr>
         <p:spPr>
           <a:xfrm>
-            <a:off x="910091" y="3040053"/>
+            <a:off x="152400" y="3040053"/>
             <a:ext cx="419548" cy="2860"/>
           </a:xfrm>
           <a:prstGeom prst="bentConnector3">
@@ -3877,7 +3877,7 @@
         </p:nvCxnSpPr>
         <p:spPr>
           <a:xfrm flipV="1">
-            <a:off x="1849924" y="3040052"/>
+            <a:off x="1092233" y="3040052"/>
             <a:ext cx="216105" cy="1"/>
           </a:xfrm>
           <a:prstGeom prst="line">
@@ -3916,7 +3916,7 @@
         </p:nvSpPr>
         <p:spPr>
           <a:xfrm>
-            <a:off x="2373780" y="3549930"/>
+            <a:off x="1616089" y="3549930"/>
             <a:ext cx="236048" cy="173380"/>
           </a:xfrm>
           <a:prstGeom prst="flowChartDecision">
@@ -3961,7 +3961,7 @@
         </p:nvSpPr>
         <p:spPr>
           <a:xfrm>
-            <a:off x="2825280" y="2846162"/>
+            <a:off x="2067589" y="2846162"/>
             <a:ext cx="1490560" cy="334856"/>
           </a:xfrm>
           <a:prstGeom prst="rect">
@@ -3994,12 +3994,12 @@
           <a:p>
             <a:pPr algn="ctr"/>
             <a:r>
-              <a:rPr lang="en-US" sz="1050" dirty="0" err="1" smtClean="0">
+              <a:rPr lang="en-US" sz="1050" dirty="0" err="1">
                 <a:solidFill>
                   <a:srgbClr val="7030A0"/>
                 </a:solidFill>
               </a:rPr>
-              <a:t>VersionedAddressBook</a:t>
+              <a:t>VersionedThanePark</a:t>
             </a:r>
             <a:endParaRPr lang="en-SG" sz="1050" dirty="0">
               <a:solidFill>
@@ -4020,7 +4020,7 @@
         </p:nvCxnSpPr>
         <p:spPr>
           <a:xfrm>
-            <a:off x="2624360" y="3003033"/>
+            <a:off x="1866669" y="3003033"/>
             <a:ext cx="200920" cy="10557"/>
           </a:xfrm>
           <a:prstGeom prst="straightConnector1">
@@ -4058,7 +4058,7 @@
         </p:nvSpPr>
         <p:spPr>
           <a:xfrm>
-            <a:off x="2388312" y="2916343"/>
+            <a:off x="1630621" y="2916343"/>
             <a:ext cx="236048" cy="173380"/>
           </a:xfrm>
           <a:prstGeom prst="flowChartDecision">
@@ -4103,7 +4103,7 @@
         </p:nvSpPr>
         <p:spPr>
           <a:xfrm>
-            <a:off x="4692650" y="2846162"/>
+            <a:off x="3934959" y="2846162"/>
             <a:ext cx="1156969" cy="346760"/>
           </a:xfrm>
           <a:prstGeom prst="rect">
@@ -4141,7 +4141,7 @@
                   <a:srgbClr val="7030A0"/>
                 </a:solidFill>
               </a:rPr>
-              <a:t>UniquePersonList</a:t>
+              <a:t>UniqueRideList</a:t>
             </a:r>
             <a:endParaRPr lang="en-SG" sz="1050" dirty="0">
               <a:solidFill>
@@ -4159,7 +4159,7 @@
         </p:nvSpPr>
         <p:spPr>
           <a:xfrm>
-            <a:off x="4324972" y="2920532"/>
+            <a:off x="3567281" y="2920532"/>
             <a:ext cx="236048" cy="173380"/>
           </a:xfrm>
           <a:prstGeom prst="flowChartDecision">
@@ -4206,7 +4206,7 @@
         </p:nvSpPr>
         <p:spPr>
           <a:xfrm>
-            <a:off x="6313677" y="2858066"/>
+            <a:off x="5555986" y="2858066"/>
             <a:ext cx="708186" cy="346760"/>
           </a:xfrm>
           <a:prstGeom prst="rect">
@@ -4244,7 +4244,7 @@
                   <a:srgbClr val="7030A0"/>
                 </a:solidFill>
               </a:rPr>
-              <a:t>Person</a:t>
+              <a:t>Ride</a:t>
             </a:r>
             <a:endParaRPr lang="en-SG" sz="1050" dirty="0">
               <a:solidFill>
@@ -4262,7 +4262,7 @@
         </p:nvSpPr>
         <p:spPr>
           <a:xfrm>
-            <a:off x="5858751" y="2941676"/>
+            <a:off x="5101060" y="2941676"/>
             <a:ext cx="236048" cy="173380"/>
           </a:xfrm>
           <a:prstGeom prst="flowChartDecision">
@@ -4310,7 +4310,7 @@
         </p:nvCxnSpPr>
         <p:spPr>
           <a:xfrm>
-            <a:off x="6094799" y="3028366"/>
+            <a:off x="5337108" y="3028366"/>
             <a:ext cx="218878" cy="3080"/>
           </a:xfrm>
           <a:prstGeom prst="bentConnector3">
@@ -4348,8 +4348,8 @@
         </p:nvSpPr>
         <p:spPr>
           <a:xfrm>
-            <a:off x="7712397" y="2564238"/>
-            <a:ext cx="708186" cy="285783"/>
+            <a:off x="6954706" y="2564238"/>
+            <a:ext cx="970094" cy="273203"/>
           </a:xfrm>
           <a:prstGeom prst="rect">
             <a:avLst/>
@@ -4404,7 +4404,7 @@
         </p:nvSpPr>
         <p:spPr>
           <a:xfrm>
-            <a:off x="7041947" y="2948201"/>
+            <a:off x="6284256" y="2948201"/>
             <a:ext cx="236048" cy="173380"/>
           </a:xfrm>
           <a:prstGeom prst="flowChartDecision">
@@ -4453,7 +4453,7 @@
         </p:nvCxnSpPr>
         <p:spPr>
           <a:xfrm flipV="1">
-            <a:off x="7277995" y="2706821"/>
+            <a:off x="6520304" y="2706821"/>
             <a:ext cx="434402" cy="327761"/>
           </a:xfrm>
           <a:prstGeom prst="bentConnector3">
@@ -4491,8 +4491,8 @@
         </p:nvSpPr>
         <p:spPr>
           <a:xfrm>
-            <a:off x="7712397" y="2887216"/>
-            <a:ext cx="708186" cy="285783"/>
+            <a:off x="6954706" y="2887216"/>
+            <a:ext cx="970094" cy="293802"/>
           </a:xfrm>
           <a:prstGeom prst="rect">
             <a:avLst/>
@@ -4529,7 +4529,7 @@
                   <a:srgbClr val="7030A0"/>
                 </a:solidFill>
               </a:rPr>
-              <a:t>Phone</a:t>
+              <a:t>Maintenance</a:t>
             </a:r>
             <a:endParaRPr lang="en-SG" sz="1050" dirty="0">
               <a:solidFill>
@@ -4543,6 +4543,7 @@
         <p:nvCxnSpPr>
           <p:cNvPr id="81" name="Elbow Connector 80"/>
           <p:cNvCxnSpPr>
+            <a:cxnSpLocks/>
             <a:stCxn id="78" idx="3"/>
             <a:endCxn id="80" idx="1"/>
           </p:cNvCxnSpPr>
@@ -4550,8 +4551,8 @@
         </p:nvCxnSpPr>
         <p:spPr>
           <a:xfrm flipV="1">
-            <a:off x="7277995" y="3030108"/>
-            <a:ext cx="434402" cy="4783"/>
+            <a:off x="6520304" y="3034117"/>
+            <a:ext cx="434402" cy="774"/>
           </a:xfrm>
           <a:prstGeom prst="bentConnector3">
             <a:avLst/>
@@ -4588,8 +4589,8 @@
         </p:nvSpPr>
         <p:spPr>
           <a:xfrm>
-            <a:off x="7712397" y="3210194"/>
-            <a:ext cx="708186" cy="285783"/>
+            <a:off x="6954706" y="3210194"/>
+            <a:ext cx="970094" cy="293802"/>
           </a:xfrm>
           <a:prstGeom prst="rect">
             <a:avLst/>
@@ -4621,12 +4622,12 @@
           <a:p>
             <a:pPr algn="ctr"/>
             <a:r>
-              <a:rPr lang="en-US" sz="1050" dirty="0">
+              <a:rPr lang="en-US" sz="1050" dirty="0" err="1">
                 <a:solidFill>
                   <a:srgbClr val="7030A0"/>
                 </a:solidFill>
               </a:rPr>
-              <a:t>Email</a:t>
+              <a:t>WaitTime</a:t>
             </a:r>
             <a:endParaRPr lang="en-SG" sz="1050" dirty="0">
               <a:solidFill>
@@ -4640,6 +4641,7 @@
         <p:nvCxnSpPr>
           <p:cNvPr id="84" name="Elbow Connector 83"/>
           <p:cNvCxnSpPr>
+            <a:cxnSpLocks/>
             <a:stCxn id="78" idx="3"/>
             <a:endCxn id="83" idx="1"/>
           </p:cNvCxnSpPr>
@@ -4647,8 +4649,8 @@
         </p:nvCxnSpPr>
         <p:spPr>
           <a:xfrm>
-            <a:off x="7277995" y="3034891"/>
-            <a:ext cx="434402" cy="318195"/>
+            <a:off x="6520304" y="3034891"/>
+            <a:ext cx="434402" cy="322204"/>
           </a:xfrm>
           <a:prstGeom prst="bentConnector3">
             <a:avLst/>
@@ -4685,8 +4687,8 @@
         </p:nvSpPr>
         <p:spPr>
           <a:xfrm>
-            <a:off x="7712397" y="3533171"/>
-            <a:ext cx="708186" cy="285783"/>
+            <a:off x="6954706" y="3533171"/>
+            <a:ext cx="970094" cy="313249"/>
           </a:xfrm>
           <a:prstGeom prst="rect">
             <a:avLst/>
@@ -4723,7 +4725,7 @@
                   <a:srgbClr val="7030A0"/>
                 </a:solidFill>
               </a:rPr>
-              <a:t>Address</a:t>
+              <a:t>Zone</a:t>
             </a:r>
             <a:endParaRPr lang="en-SG" sz="1050" dirty="0">
               <a:solidFill>
@@ -4737,6 +4739,7 @@
         <p:nvCxnSpPr>
           <p:cNvPr id="86" name="Elbow Connector 85"/>
           <p:cNvCxnSpPr>
+            <a:cxnSpLocks/>
             <a:stCxn id="78" idx="3"/>
             <a:endCxn id="85" idx="1"/>
           </p:cNvCxnSpPr>
@@ -4744,8 +4747,8 @@
         </p:nvCxnSpPr>
         <p:spPr>
           <a:xfrm>
-            <a:off x="7277995" y="3034891"/>
-            <a:ext cx="434402" cy="641172"/>
+            <a:off x="6520304" y="3034891"/>
+            <a:ext cx="434402" cy="654905"/>
           </a:xfrm>
           <a:prstGeom prst="bentConnector3">
             <a:avLst/>
@@ -4784,7 +4787,7 @@
         </p:nvCxnSpPr>
         <p:spPr>
           <a:xfrm rot="5400000">
-            <a:off x="3553611" y="2687559"/>
+            <a:off x="2795920" y="2687559"/>
             <a:ext cx="293825" cy="5938"/>
           </a:xfrm>
           <a:prstGeom prst="bentConnector3">
@@ -4825,7 +4828,7 @@
         </p:nvSpPr>
         <p:spPr>
           <a:xfrm rot="10800000" flipV="1">
-            <a:off x="3562299" y="2386554"/>
+            <a:off x="2804608" y="2386554"/>
             <a:ext cx="282387" cy="157062"/>
           </a:xfrm>
           <a:prstGeom prst="triangle">
@@ -4873,7 +4876,7 @@
         </p:nvSpPr>
         <p:spPr>
           <a:xfrm>
-            <a:off x="1260922" y="1998350"/>
+            <a:off x="503231" y="1998350"/>
             <a:ext cx="1443661" cy="364396"/>
           </a:xfrm>
           <a:prstGeom prst="rect">
@@ -4926,7 +4929,7 @@
                   <a:srgbClr val="7030A0"/>
                 </a:solidFill>
               </a:rPr>
-              <a:t>ReadOnlyAddressBook</a:t>
+              <a:t>ReadOnlyThanePark</a:t>
             </a:r>
             <a:endParaRPr lang="en-SG" sz="1050" dirty="0">
               <a:solidFill>
@@ -4944,7 +4947,7 @@
         </p:nvSpPr>
         <p:spPr>
           <a:xfrm rot="16200000">
-            <a:off x="6362886" y="3586305"/>
+            <a:off x="5605195" y="3586305"/>
             <a:ext cx="881018" cy="261610"/>
           </a:xfrm>
           <a:prstGeom prst="rect">
@@ -4983,7 +4986,7 @@
         </p:nvSpPr>
         <p:spPr>
           <a:xfrm>
-            <a:off x="2057401" y="4239491"/>
+            <a:off x="1299710" y="4239491"/>
             <a:ext cx="1066800" cy="346760"/>
           </a:xfrm>
           <a:prstGeom prst="rect">
@@ -5023,14 +5026,6 @@
               </a:rPr>
               <a:t>&lt;&lt;interface&gt;&gt;</a:t>
             </a:r>
-            <a:r>
-              <a:rPr lang="en-US" sz="1050">
-                <a:solidFill>
-                  <a:srgbClr val="7030A0"/>
-                </a:solidFill>
-              </a:rPr>
-              <a:t/>
-            </a:r>
             <a:br>
               <a:rPr lang="en-US" sz="1050">
                 <a:solidFill>
@@ -5065,7 +5060,7 @@
         </p:nvCxnSpPr>
         <p:spPr>
           <a:xfrm rot="16200000" flipH="1">
-            <a:off x="1364475" y="3719944"/>
+            <a:off x="606784" y="3719944"/>
             <a:ext cx="831471" cy="554381"/>
           </a:xfrm>
           <a:prstGeom prst="bentConnector2">
@@ -5104,7 +5099,7 @@
         </p:nvSpPr>
         <p:spPr>
           <a:xfrm>
-            <a:off x="4429979" y="3111479"/>
+            <a:off x="3672288" y="3111479"/>
             <a:ext cx="189257" cy="178683"/>
           </a:xfrm>
           <a:prstGeom prst="rect">
@@ -5143,7 +5138,7 @@
         </p:nvSpPr>
         <p:spPr>
           <a:xfrm>
-            <a:off x="6135256" y="3097917"/>
+            <a:off x="5377565" y="3097917"/>
             <a:ext cx="189257" cy="178683"/>
           </a:xfrm>
           <a:prstGeom prst="rect">
@@ -5182,7 +5177,7 @@
         </p:nvSpPr>
         <p:spPr>
           <a:xfrm>
-            <a:off x="2573394" y="2756715"/>
+            <a:off x="1815703" y="2756715"/>
             <a:ext cx="170110" cy="137542"/>
           </a:xfrm>
           <a:prstGeom prst="rect">
@@ -5221,7 +5216,7 @@
         </p:nvSpPr>
         <p:spPr>
           <a:xfrm>
-            <a:off x="2707070" y="3667737"/>
+            <a:off x="1949379" y="3667737"/>
             <a:ext cx="189257" cy="178683"/>
           </a:xfrm>
           <a:prstGeom prst="rect">
@@ -5260,7 +5255,7 @@
         </p:nvSpPr>
         <p:spPr>
           <a:xfrm>
-            <a:off x="6449896" y="3204826"/>
+            <a:off x="5692205" y="3204826"/>
             <a:ext cx="189257" cy="178683"/>
           </a:xfrm>
           <a:prstGeom prst="rect">
@@ -5305,8 +5300,8 @@
         </p:nvSpPr>
         <p:spPr>
           <a:xfrm>
-            <a:off x="7712397" y="2228817"/>
-            <a:ext cx="708186" cy="285783"/>
+            <a:off x="6954706" y="2228817"/>
+            <a:ext cx="970094" cy="285783"/>
           </a:xfrm>
           <a:prstGeom prst="rect">
             <a:avLst/>
@@ -5371,7 +5366,7 @@
         </p:nvCxnSpPr>
         <p:spPr>
           <a:xfrm flipV="1">
-            <a:off x="7277995" y="2371709"/>
+            <a:off x="6520304" y="2371709"/>
             <a:ext cx="434402" cy="663182"/>
           </a:xfrm>
           <a:prstGeom prst="bentConnector3">
@@ -5417,7 +5412,7 @@
         </p:nvSpPr>
         <p:spPr>
           <a:xfrm>
-            <a:off x="7466243" y="2255711"/>
+            <a:off x="6708552" y="2255711"/>
             <a:ext cx="189257" cy="178683"/>
           </a:xfrm>
           <a:prstGeom prst="rect">
@@ -5456,7 +5451,7 @@
         </p:nvSpPr>
         <p:spPr>
           <a:xfrm>
-            <a:off x="3170181" y="1998350"/>
+            <a:off x="2412490" y="1998350"/>
             <a:ext cx="1060683" cy="364396"/>
           </a:xfrm>
           <a:prstGeom prst="rect">
@@ -5494,7 +5489,7 @@
                   <a:srgbClr val="7030A0"/>
                 </a:solidFill>
               </a:rPr>
-              <a:t>AddressBook</a:t>
+              <a:t>ThanePark</a:t>
             </a:r>
             <a:endParaRPr lang="en-SG" sz="1050" dirty="0">
               <a:solidFill>
@@ -5515,7 +5510,7 @@
         </p:nvCxnSpPr>
         <p:spPr>
           <a:xfrm>
-            <a:off x="4324972" y="3007222"/>
+            <a:off x="3567281" y="3007222"/>
             <a:ext cx="367678" cy="12320"/>
           </a:xfrm>
           <a:prstGeom prst="straightConnector1">
@@ -5553,7 +5548,7 @@
         </p:nvSpPr>
         <p:spPr>
           <a:xfrm rot="16200000">
-            <a:off x="2669073" y="2069158"/>
+            <a:off x="1911382" y="2069158"/>
             <a:ext cx="271014" cy="187417"/>
           </a:xfrm>
           <a:prstGeom prst="triangle">
@@ -5608,7 +5603,7 @@
         </p:nvCxnSpPr>
         <p:spPr>
           <a:xfrm>
-            <a:off x="2898289" y="2177727"/>
+            <a:off x="2140598" y="2177727"/>
             <a:ext cx="271892" cy="2821"/>
           </a:xfrm>
           <a:prstGeom prst="bentConnector3">
@@ -5638,6 +5633,343 @@
           </a:effectRef>
           <a:fontRef idx="minor">
             <a:schemeClr val="dk1"/>
+          </a:fontRef>
+        </p:style>
+      </p:cxnSp>
+      <p:sp>
+        <p:nvSpPr>
+          <p:cNvPr id="56" name="Rectangle 8">
+            <a:extLst>
+              <a:ext uri="{FF2B5EF4-FFF2-40B4-BE49-F238E27FC236}">
+                <a16:creationId xmlns:a16="http://schemas.microsoft.com/office/drawing/2014/main" id="{A65BE6EF-43A3-4EB0-A6BC-4C85D455F6EF}"/>
+              </a:ext>
+            </a:extLst>
+          </p:cNvPr>
+          <p:cNvSpPr/>
+          <p:nvPr/>
+        </p:nvSpPr>
+        <p:spPr>
+          <a:xfrm>
+            <a:off x="6954706" y="3875595"/>
+            <a:ext cx="970094" cy="313249"/>
+          </a:xfrm>
+          <a:prstGeom prst="rect">
+            <a:avLst/>
+          </a:prstGeom>
+          <a:ln w="19050">
+            <a:solidFill>
+              <a:srgbClr val="7030A0"/>
+            </a:solidFill>
+          </a:ln>
+          <a:effectLst/>
+        </p:spPr>
+        <p:style>
+          <a:lnRef idx="1">
+            <a:schemeClr val="accent4"/>
+          </a:lnRef>
+          <a:fillRef idx="2">
+            <a:schemeClr val="accent4"/>
+          </a:fillRef>
+          <a:effectRef idx="1">
+            <a:schemeClr val="accent4"/>
+          </a:effectRef>
+          <a:fontRef idx="minor">
+            <a:schemeClr val="dk1"/>
+          </a:fontRef>
+        </p:style>
+        <p:txBody>
+          <a:bodyPr rtlCol="0" anchor="ctr"/>
+          <a:lstStyle/>
+          <a:p>
+            <a:pPr algn="ctr"/>
+            <a:r>
+              <a:rPr lang="en-US" sz="1050" dirty="0">
+                <a:solidFill>
+                  <a:srgbClr val="7030A0"/>
+                </a:solidFill>
+              </a:rPr>
+              <a:t>Status</a:t>
+            </a:r>
+            <a:endParaRPr lang="en-SG" sz="1050" dirty="0">
+              <a:solidFill>
+                <a:srgbClr val="7030A0"/>
+              </a:solidFill>
+            </a:endParaRPr>
+          </a:p>
+        </p:txBody>
+      </p:sp>
+      <p:cxnSp>
+        <p:nvCxnSpPr>
+          <p:cNvPr id="57" name="Elbow Connector 85">
+            <a:extLst>
+              <a:ext uri="{FF2B5EF4-FFF2-40B4-BE49-F238E27FC236}">
+                <a16:creationId xmlns:a16="http://schemas.microsoft.com/office/drawing/2014/main" id="{980C7468-8164-405E-A329-F6B58A6C129E}"/>
+              </a:ext>
+            </a:extLst>
+          </p:cNvPr>
+          <p:cNvCxnSpPr>
+            <a:cxnSpLocks/>
+            <a:stCxn id="78" idx="3"/>
+            <a:endCxn id="56" idx="1"/>
+          </p:cNvCxnSpPr>
+          <p:nvPr/>
+        </p:nvCxnSpPr>
+        <p:spPr>
+          <a:xfrm>
+            <a:off x="6520304" y="3034891"/>
+            <a:ext cx="434402" cy="997329"/>
+          </a:xfrm>
+          <a:prstGeom prst="bentConnector3">
+            <a:avLst>
+              <a:gd name="adj1" fmla="val 50000"/>
+            </a:avLst>
+          </a:prstGeom>
+          <a:ln w="19050">
+            <a:solidFill>
+              <a:srgbClr val="7030A0"/>
+            </a:solidFill>
+            <a:headEnd type="none" w="med" len="med"/>
+            <a:tailEnd type="arrow" w="med" len="med"/>
+          </a:ln>
+          <a:effectLst/>
+        </p:spPr>
+        <p:style>
+          <a:lnRef idx="1">
+            <a:schemeClr val="accent2"/>
+          </a:lnRef>
+          <a:fillRef idx="2">
+            <a:schemeClr val="accent2"/>
+          </a:fillRef>
+          <a:effectRef idx="1">
+            <a:schemeClr val="accent2"/>
+          </a:effectRef>
+          <a:fontRef idx="minor">
+            <a:schemeClr val="dk1"/>
+          </a:fontRef>
+        </p:style>
+      </p:cxnSp>
+      <p:sp>
+        <p:nvSpPr>
+          <p:cNvPr id="59" name="Isosceles Triangle 102">
+            <a:extLst>
+              <a:ext uri="{FF2B5EF4-FFF2-40B4-BE49-F238E27FC236}">
+                <a16:creationId xmlns:a16="http://schemas.microsoft.com/office/drawing/2014/main" id="{588E80B8-704B-4829-9A9E-38C37690D47F}"/>
+              </a:ext>
+            </a:extLst>
+          </p:cNvPr>
+          <p:cNvSpPr/>
+          <p:nvPr/>
+        </p:nvSpPr>
+        <p:spPr>
+          <a:xfrm rot="5400000">
+            <a:off x="8203013" y="2939994"/>
+            <a:ext cx="270504" cy="175523"/>
+          </a:xfrm>
+          <a:prstGeom prst="triangle">
+            <a:avLst/>
+          </a:prstGeom>
+          <a:solidFill>
+            <a:srgbClr val="7030A0"/>
+          </a:solidFill>
+          <a:ln w="19050">
+            <a:solidFill>
+              <a:srgbClr val="7030A0"/>
+            </a:solidFill>
+          </a:ln>
+          <a:effectLst/>
+        </p:spPr>
+        <p:style>
+          <a:lnRef idx="1">
+            <a:schemeClr val="accent6"/>
+          </a:lnRef>
+          <a:fillRef idx="2">
+            <a:schemeClr val="accent6"/>
+          </a:fillRef>
+          <a:effectRef idx="1">
+            <a:schemeClr val="accent6"/>
+          </a:effectRef>
+          <a:fontRef idx="minor">
+            <a:schemeClr val="dk1"/>
+          </a:fontRef>
+        </p:style>
+        <p:txBody>
+          <a:bodyPr rtlCol="0" anchor="ctr"/>
+          <a:lstStyle/>
+          <a:p>
+            <a:pPr algn="ctr"/>
+            <a:endParaRPr lang="en-SG" sz="1050"/>
+          </a:p>
+        </p:txBody>
+      </p:sp>
+      <p:sp>
+        <p:nvSpPr>
+          <p:cNvPr id="67" name="Rectangle 62">
+            <a:extLst>
+              <a:ext uri="{FF2B5EF4-FFF2-40B4-BE49-F238E27FC236}">
+                <a16:creationId xmlns:a16="http://schemas.microsoft.com/office/drawing/2014/main" id="{D2ECA4E5-9545-4598-8E30-5DC9FF4CE7AC}"/>
+              </a:ext>
+            </a:extLst>
+          </p:cNvPr>
+          <p:cNvSpPr/>
+          <p:nvPr/>
+        </p:nvSpPr>
+        <p:spPr>
+          <a:xfrm rot="5400000">
+            <a:off x="7953099" y="3015542"/>
+            <a:ext cx="1249368" cy="346760"/>
+          </a:xfrm>
+          <a:prstGeom prst="rect">
+            <a:avLst/>
+          </a:prstGeom>
+          <a:solidFill>
+            <a:srgbClr val="7030A0"/>
+          </a:solidFill>
+          <a:ln w="19050">
+            <a:solidFill>
+              <a:srgbClr val="7030A0"/>
+            </a:solidFill>
+          </a:ln>
+          <a:effectLst/>
+        </p:spPr>
+        <p:style>
+          <a:lnRef idx="1">
+            <a:schemeClr val="accent2"/>
+          </a:lnRef>
+          <a:fillRef idx="2">
+            <a:schemeClr val="accent2"/>
+          </a:fillRef>
+          <a:effectRef idx="1">
+            <a:schemeClr val="accent2"/>
+          </a:effectRef>
+          <a:fontRef idx="minor">
+            <a:schemeClr val="dk1"/>
+          </a:fontRef>
+        </p:style>
+        <p:txBody>
+          <a:bodyPr rtlCol="0" anchor="ctr"/>
+          <a:lstStyle/>
+          <a:p>
+            <a:pPr algn="ctr"/>
+            <a:r>
+              <a:rPr lang="en-US" sz="1050" dirty="0">
+                <a:solidFill>
+                  <a:schemeClr val="bg1"/>
+                </a:solidFill>
+              </a:rPr>
+              <a:t>&lt;&lt;interface&gt;&gt;</a:t>
+            </a:r>
+          </a:p>
+          <a:p>
+            <a:pPr algn="ctr"/>
+            <a:r>
+              <a:rPr lang="en-US" sz="1050" dirty="0" err="1">
+                <a:solidFill>
+                  <a:schemeClr val="bg1"/>
+                </a:solidFill>
+              </a:rPr>
+              <a:t>NumericAttribute</a:t>
+            </a:r>
+            <a:endParaRPr lang="en-SG" sz="1050" dirty="0">
+              <a:solidFill>
+                <a:schemeClr val="bg1"/>
+              </a:solidFill>
+            </a:endParaRPr>
+          </a:p>
+        </p:txBody>
+      </p:sp>
+      <p:cxnSp>
+        <p:nvCxnSpPr>
+          <p:cNvPr id="71" name="Straight Connector 70">
+            <a:extLst>
+              <a:ext uri="{FF2B5EF4-FFF2-40B4-BE49-F238E27FC236}">
+                <a16:creationId xmlns:a16="http://schemas.microsoft.com/office/drawing/2014/main" id="{8DA4A785-3304-49D8-874C-56D344CBF718}"/>
+              </a:ext>
+            </a:extLst>
+          </p:cNvPr>
+          <p:cNvCxnSpPr>
+            <a:cxnSpLocks/>
+            <a:endCxn id="59" idx="3"/>
+          </p:cNvCxnSpPr>
+          <p:nvPr/>
+        </p:nvCxnSpPr>
+        <p:spPr>
+          <a:xfrm flipV="1">
+            <a:off x="7924800" y="3027756"/>
+            <a:ext cx="325704" cy="6361"/>
+          </a:xfrm>
+          <a:prstGeom prst="line">
+            <a:avLst/>
+          </a:prstGeom>
+          <a:ln w="19050">
+            <a:solidFill>
+              <a:srgbClr val="7030A0"/>
+            </a:solidFill>
+            <a:prstDash val="sysDot"/>
+            <a:headEnd type="none" w="med" len="med"/>
+            <a:tailEnd type="none" w="med" len="med"/>
+          </a:ln>
+          <a:effectLst/>
+        </p:spPr>
+        <p:style>
+          <a:lnRef idx="1">
+            <a:schemeClr val="accent2"/>
+          </a:lnRef>
+          <a:fillRef idx="2">
+            <a:schemeClr val="accent2"/>
+          </a:fillRef>
+          <a:effectRef idx="1">
+            <a:schemeClr val="accent2"/>
+          </a:effectRef>
+          <a:fontRef idx="minor">
+            <a:schemeClr val="dk1"/>
+          </a:fontRef>
+        </p:style>
+      </p:cxnSp>
+      <p:cxnSp>
+        <p:nvCxnSpPr>
+          <p:cNvPr id="14" name="Connector: Elbow 13">
+            <a:extLst>
+              <a:ext uri="{FF2B5EF4-FFF2-40B4-BE49-F238E27FC236}">
+                <a16:creationId xmlns:a16="http://schemas.microsoft.com/office/drawing/2014/main" id="{15C7506E-4D03-4AA8-8D1F-F4693DD78B58}"/>
+              </a:ext>
+            </a:extLst>
+          </p:cNvPr>
+          <p:cNvCxnSpPr>
+            <a:cxnSpLocks/>
+            <a:stCxn id="83" idx="3"/>
+          </p:cNvCxnSpPr>
+          <p:nvPr/>
+        </p:nvCxnSpPr>
+        <p:spPr>
+          <a:xfrm flipV="1">
+            <a:off x="7924800" y="3041483"/>
+            <a:ext cx="170032" cy="315612"/>
+          </a:xfrm>
+          <a:prstGeom prst="bentConnector2">
+            <a:avLst/>
+          </a:prstGeom>
+          <a:ln w="9525" cap="flat" cmpd="sng" algn="ctr">
+            <a:solidFill>
+              <a:schemeClr val="accent4"/>
+            </a:solidFill>
+            <a:prstDash val="dash"/>
+            <a:round/>
+            <a:headEnd type="none" w="med" len="med"/>
+            <a:tailEnd type="none" w="med" len="med"/>
+          </a:ln>
+        </p:spPr>
+        <p:style>
+          <a:lnRef idx="0">
+            <a:scrgbClr r="0" g="0" b="0"/>
+          </a:lnRef>
+          <a:fillRef idx="0">
+            <a:scrgbClr r="0" g="0" b="0"/>
+          </a:fillRef>
+          <a:effectRef idx="0">
+            <a:scrgbClr r="0" g="0" b="0"/>
+          </a:effectRef>
+          <a:fontRef idx="minor">
+            <a:schemeClr val="tx1"/>
           </a:fontRef>
         </p:style>
       </p:cxnSp>

--- a/docs/diagrams/ModelComponentClassDiagram.pptx
+++ b/docs/diagrams/ModelComponentClassDiagram.pptx
@@ -208,7 +208,7 @@
           <a:p>
             <a:fld id="{F5CC4B3F-88C1-4FFA-B1B6-F41C21DC6924}" type="datetimeFigureOut">
               <a:rPr lang="en-US" smtClean="0"/>
-              <a:t>6/27/2018</a:t>
+              <a:t>11/12/2018</a:t>
             </a:fld>
             <a:endParaRPr lang="en-US"/>
           </a:p>
@@ -475,6 +475,90 @@
 </p:notesMaster>
 </file>
 
+<file path=ppt/notesSlides/notesSlide1.xml><?xml version="1.0" encoding="utf-8"?>
+<p:notes xmlns:a="http://schemas.openxmlformats.org/drawingml/2006/main" xmlns:r="http://schemas.openxmlformats.org/officeDocument/2006/relationships" xmlns:p="http://schemas.openxmlformats.org/presentationml/2006/main">
+  <p:cSld>
+    <p:spTree>
+      <p:nvGrpSpPr>
+        <p:cNvPr id="1" name=""/>
+        <p:cNvGrpSpPr/>
+        <p:nvPr/>
+      </p:nvGrpSpPr>
+      <p:grpSpPr>
+        <a:xfrm>
+          <a:off x="0" y="0"/>
+          <a:ext cx="0" cy="0"/>
+          <a:chOff x="0" y="0"/>
+          <a:chExt cx="0" cy="0"/>
+        </a:xfrm>
+      </p:grpSpPr>
+      <p:sp>
+        <p:nvSpPr>
+          <p:cNvPr id="2" name="Slide Image Placeholder 1"/>
+          <p:cNvSpPr>
+            <a:spLocks noGrp="1" noRot="1" noChangeAspect="1"/>
+          </p:cNvSpPr>
+          <p:nvPr>
+            <p:ph type="sldImg"/>
+          </p:nvPr>
+        </p:nvSpPr>
+        <p:spPr/>
+      </p:sp>
+      <p:sp>
+        <p:nvSpPr>
+          <p:cNvPr id="3" name="Notes Placeholder 2"/>
+          <p:cNvSpPr>
+            <a:spLocks noGrp="1"/>
+          </p:cNvSpPr>
+          <p:nvPr>
+            <p:ph type="body" idx="1"/>
+          </p:nvPr>
+        </p:nvSpPr>
+        <p:spPr/>
+        <p:txBody>
+          <a:bodyPr/>
+          <a:lstStyle/>
+          <a:p>
+            <a:endParaRPr lang="en-SG" dirty="0"/>
+          </a:p>
+        </p:txBody>
+      </p:sp>
+      <p:sp>
+        <p:nvSpPr>
+          <p:cNvPr id="4" name="Slide Number Placeholder 3"/>
+          <p:cNvSpPr>
+            <a:spLocks noGrp="1"/>
+          </p:cNvSpPr>
+          <p:nvPr>
+            <p:ph type="sldNum" sz="quarter" idx="5"/>
+          </p:nvPr>
+        </p:nvSpPr>
+        <p:spPr/>
+        <p:txBody>
+          <a:bodyPr/>
+          <a:lstStyle/>
+          <a:p>
+            <a:fld id="{5A7AB025-77E3-4BD1-A2FD-B3183DBA47A3}" type="slidenum">
+              <a:rPr lang="en-US" smtClean="0"/>
+              <a:t>1</a:t>
+            </a:fld>
+            <a:endParaRPr lang="en-US"/>
+          </a:p>
+        </p:txBody>
+      </p:sp>
+    </p:spTree>
+    <p:extLst>
+      <p:ext uri="{BB962C8B-B14F-4D97-AF65-F5344CB8AC3E}">
+        <p14:creationId xmlns:p14="http://schemas.microsoft.com/office/powerpoint/2010/main" val="1881320659"/>
+      </p:ext>
+    </p:extLst>
+  </p:cSld>
+  <p:clrMapOvr>
+    <a:masterClrMapping/>
+  </p:clrMapOvr>
+</p:notes>
+</file>
+
 <file path=ppt/slideLayouts/slideLayout1.xml><?xml version="1.0" encoding="utf-8"?>
 <p:sldLayout xmlns:a="http://schemas.openxmlformats.org/drawingml/2006/main" xmlns:r="http://schemas.openxmlformats.org/officeDocument/2006/relationships" xmlns:p="http://schemas.openxmlformats.org/presentationml/2006/main" type="title" preserve="1">
   <p:cSld name="Title Slide">
@@ -654,7 +738,7 @@
           <a:p>
             <a:fld id="{78C97017-6FC3-485B-9764-EAC9E56C1D49}" type="datetimeFigureOut">
               <a:rPr lang="en-US" smtClean="0"/>
-              <a:t>6/27/2018</a:t>
+              <a:t>11/12/2018</a:t>
             </a:fld>
             <a:endParaRPr lang="en-US"/>
           </a:p>
@@ -822,7 +906,7 @@
           <a:p>
             <a:fld id="{78C97017-6FC3-485B-9764-EAC9E56C1D49}" type="datetimeFigureOut">
               <a:rPr lang="en-US" smtClean="0"/>
-              <a:t>6/27/2018</a:t>
+              <a:t>11/12/2018</a:t>
             </a:fld>
             <a:endParaRPr lang="en-US"/>
           </a:p>
@@ -1000,7 +1084,7 @@
           <a:p>
             <a:fld id="{78C97017-6FC3-485B-9764-EAC9E56C1D49}" type="datetimeFigureOut">
               <a:rPr lang="en-US" smtClean="0"/>
-              <a:t>6/27/2018</a:t>
+              <a:t>11/12/2018</a:t>
             </a:fld>
             <a:endParaRPr lang="en-US"/>
           </a:p>
@@ -1168,7 +1252,7 @@
           <a:p>
             <a:fld id="{78C97017-6FC3-485B-9764-EAC9E56C1D49}" type="datetimeFigureOut">
               <a:rPr lang="en-US" smtClean="0"/>
-              <a:t>6/27/2018</a:t>
+              <a:t>11/12/2018</a:t>
             </a:fld>
             <a:endParaRPr lang="en-US"/>
           </a:p>
@@ -1413,7 +1497,7 @@
           <a:p>
             <a:fld id="{78C97017-6FC3-485B-9764-EAC9E56C1D49}" type="datetimeFigureOut">
               <a:rPr lang="en-US" smtClean="0"/>
-              <a:t>6/27/2018</a:t>
+              <a:t>11/12/2018</a:t>
             </a:fld>
             <a:endParaRPr lang="en-US"/>
           </a:p>
@@ -1698,7 +1782,7 @@
           <a:p>
             <a:fld id="{78C97017-6FC3-485B-9764-EAC9E56C1D49}" type="datetimeFigureOut">
               <a:rPr lang="en-US" smtClean="0"/>
-              <a:t>6/27/2018</a:t>
+              <a:t>11/12/2018</a:t>
             </a:fld>
             <a:endParaRPr lang="en-US"/>
           </a:p>
@@ -2117,7 +2201,7 @@
           <a:p>
             <a:fld id="{78C97017-6FC3-485B-9764-EAC9E56C1D49}" type="datetimeFigureOut">
               <a:rPr lang="en-US" smtClean="0"/>
-              <a:t>6/27/2018</a:t>
+              <a:t>11/12/2018</a:t>
             </a:fld>
             <a:endParaRPr lang="en-US"/>
           </a:p>
@@ -2234,7 +2318,7 @@
           <a:p>
             <a:fld id="{78C97017-6FC3-485B-9764-EAC9E56C1D49}" type="datetimeFigureOut">
               <a:rPr lang="en-US" smtClean="0"/>
-              <a:t>6/27/2018</a:t>
+              <a:t>11/12/2018</a:t>
             </a:fld>
             <a:endParaRPr lang="en-US"/>
           </a:p>
@@ -2329,7 +2413,7 @@
           <a:p>
             <a:fld id="{78C97017-6FC3-485B-9764-EAC9E56C1D49}" type="datetimeFigureOut">
               <a:rPr lang="en-US" smtClean="0"/>
-              <a:t>6/27/2018</a:t>
+              <a:t>11/12/2018</a:t>
             </a:fld>
             <a:endParaRPr lang="en-US"/>
           </a:p>
@@ -2604,7 +2688,7 @@
           <a:p>
             <a:fld id="{78C97017-6FC3-485B-9764-EAC9E56C1D49}" type="datetimeFigureOut">
               <a:rPr lang="en-US" smtClean="0"/>
-              <a:t>6/27/2018</a:t>
+              <a:t>11/12/2018</a:t>
             </a:fld>
             <a:endParaRPr lang="en-US"/>
           </a:p>
@@ -2856,7 +2940,7 @@
           <a:p>
             <a:fld id="{78C97017-6FC3-485B-9764-EAC9E56C1D49}" type="datetimeFigureOut">
               <a:rPr lang="en-US" smtClean="0"/>
-              <a:t>6/27/2018</a:t>
+              <a:t>11/12/2018</a:t>
             </a:fld>
             <a:endParaRPr lang="en-US"/>
           </a:p>
@@ -3067,7 +3151,7 @@
           <a:p>
             <a:fld id="{78C97017-6FC3-485B-9764-EAC9E56C1D49}" type="datetimeFigureOut">
               <a:rPr lang="en-US" smtClean="0"/>
-              <a:t>6/27/2018</a:t>
+              <a:t>11/12/2018</a:t>
             </a:fld>
             <a:endParaRPr lang="en-US"/>
           </a:p>
@@ -3450,8 +3534,8 @@
         </p:nvSpPr>
         <p:spPr>
           <a:xfrm>
-            <a:off x="1119865" y="1600200"/>
-            <a:ext cx="7490735" cy="3124200"/>
+            <a:off x="279577" y="73711"/>
+            <a:ext cx="8629426" cy="6471280"/>
           </a:xfrm>
           <a:prstGeom prst="roundRect">
             <a:avLst>
@@ -3511,7 +3595,7 @@
         </p:nvSpPr>
         <p:spPr>
           <a:xfrm>
-            <a:off x="2877180" y="3463240"/>
+            <a:off x="2119489" y="1800232"/>
             <a:ext cx="1093635" cy="346760"/>
           </a:xfrm>
           <a:prstGeom prst="rect">
@@ -3570,8 +3654,8 @@
         </p:nvSpPr>
         <p:spPr>
           <a:xfrm rot="16200000">
-            <a:off x="1661548" y="3097750"/>
-            <a:ext cx="1093635" cy="346760"/>
+            <a:off x="-888237" y="3415655"/>
+            <a:ext cx="4677824" cy="346760"/>
           </a:xfrm>
           <a:prstGeom prst="rect">
             <a:avLst/>
@@ -3626,20 +3710,17 @@
           <p:cNvPr id="107" name="Elbow Connector 106"/>
           <p:cNvCxnSpPr>
             <a:cxnSpLocks/>
-            <a:stCxn id="9" idx="1"/>
             <a:endCxn id="62" idx="2"/>
           </p:cNvCxnSpPr>
           <p:nvPr/>
         </p:nvCxnSpPr>
         <p:spPr>
-          <a:xfrm rot="5400000" flipH="1" flipV="1">
-            <a:off x="4131507" y="1281685"/>
-            <a:ext cx="613122" cy="4459404"/>
-          </a:xfrm>
-          <a:prstGeom prst="bentConnector3">
-            <a:avLst>
-              <a:gd name="adj1" fmla="val -26668"/>
-            </a:avLst>
+          <a:xfrm flipV="1">
+            <a:off x="1624055" y="1773283"/>
+            <a:ext cx="4286024" cy="521714"/>
+          </a:xfrm>
+          <a:prstGeom prst="bentConnector2">
+            <a:avLst/>
           </a:prstGeom>
           <a:ln w="19050">
             <a:solidFill>
@@ -3674,7 +3755,7 @@
         </p:nvSpPr>
         <p:spPr>
           <a:xfrm rot="16200000">
-            <a:off x="956202" y="2861202"/>
+            <a:off x="198511" y="1387014"/>
             <a:ext cx="1093635" cy="346760"/>
           </a:xfrm>
           <a:prstGeom prst="rect">
@@ -3744,7 +3825,7 @@
         </p:nvSpPr>
         <p:spPr>
           <a:xfrm rot="16200000">
-            <a:off x="1626910" y="2952291"/>
+            <a:off x="869219" y="1478103"/>
             <a:ext cx="270504" cy="175523"/>
           </a:xfrm>
           <a:prstGeom prst="triangle">
@@ -3794,7 +3875,7 @@
         </p:nvCxnSpPr>
         <p:spPr>
           <a:xfrm>
-            <a:off x="2609828" y="3636620"/>
+            <a:off x="1852137" y="1973612"/>
             <a:ext cx="267352" cy="0"/>
           </a:xfrm>
           <a:prstGeom prst="straightConnector1">
@@ -3832,7 +3913,7 @@
         </p:nvCxnSpPr>
         <p:spPr>
           <a:xfrm>
-            <a:off x="910091" y="3040053"/>
+            <a:off x="152400" y="1565865"/>
             <a:ext cx="419548" cy="2860"/>
           </a:xfrm>
           <a:prstGeom prst="bentConnector3">
@@ -3877,7 +3958,7 @@
         </p:nvCxnSpPr>
         <p:spPr>
           <a:xfrm flipV="1">
-            <a:off x="1849924" y="3040052"/>
+            <a:off x="1092233" y="1565864"/>
             <a:ext cx="216105" cy="1"/>
           </a:xfrm>
           <a:prstGeom prst="line">
@@ -3916,7 +3997,7 @@
         </p:nvSpPr>
         <p:spPr>
           <a:xfrm>
-            <a:off x="2373780" y="3549930"/>
+            <a:off x="1616089" y="1886922"/>
             <a:ext cx="236048" cy="173380"/>
           </a:xfrm>
           <a:prstGeom prst="flowChartDecision">
@@ -3961,7 +4042,7 @@
         </p:nvSpPr>
         <p:spPr>
           <a:xfrm>
-            <a:off x="2825280" y="2846162"/>
+            <a:off x="2067589" y="1371974"/>
             <a:ext cx="1490560" cy="334856"/>
           </a:xfrm>
           <a:prstGeom prst="rect">
@@ -3994,7 +4075,7 @@
           <a:p>
             <a:pPr algn="ctr"/>
             <a:r>
-              <a:rPr lang="en-US" sz="1050" dirty="0" err="1" smtClean="0">
+              <a:rPr lang="en-US" sz="1050" dirty="0" err="1">
                 <a:solidFill>
                   <a:srgbClr val="7030A0"/>
                 </a:solidFill>
@@ -4020,7 +4101,7 @@
         </p:nvCxnSpPr>
         <p:spPr>
           <a:xfrm>
-            <a:off x="2624360" y="3003033"/>
+            <a:off x="1866669" y="1528845"/>
             <a:ext cx="200920" cy="10557"/>
           </a:xfrm>
           <a:prstGeom prst="straightConnector1">
@@ -4058,7 +4139,7 @@
         </p:nvSpPr>
         <p:spPr>
           <a:xfrm>
-            <a:off x="2388312" y="2916343"/>
+            <a:off x="1630621" y="1442155"/>
             <a:ext cx="236048" cy="173380"/>
           </a:xfrm>
           <a:prstGeom prst="flowChartDecision">
@@ -4103,7 +4184,7 @@
         </p:nvSpPr>
         <p:spPr>
           <a:xfrm>
-            <a:off x="4692650" y="2846162"/>
+            <a:off x="3934959" y="1371974"/>
             <a:ext cx="1156969" cy="346760"/>
           </a:xfrm>
           <a:prstGeom prst="rect">
@@ -4159,7 +4240,7 @@
         </p:nvSpPr>
         <p:spPr>
           <a:xfrm>
-            <a:off x="4324972" y="2920532"/>
+            <a:off x="3567281" y="1446344"/>
             <a:ext cx="236048" cy="173380"/>
           </a:xfrm>
           <a:prstGeom prst="flowChartDecision">
@@ -4206,7 +4287,7 @@
         </p:nvSpPr>
         <p:spPr>
           <a:xfrm>
-            <a:off x="6313677" y="2858066"/>
+            <a:off x="5555986" y="1426523"/>
             <a:ext cx="708186" cy="346760"/>
           </a:xfrm>
           <a:prstGeom prst="rect">
@@ -4262,7 +4343,7 @@
         </p:nvSpPr>
         <p:spPr>
           <a:xfrm>
-            <a:off x="5858751" y="2941676"/>
+            <a:off x="5101060" y="1467488"/>
             <a:ext cx="236048" cy="173380"/>
           </a:xfrm>
           <a:prstGeom prst="flowChartDecision">
@@ -4303,14 +4384,13 @@
         <p:nvCxnSpPr>
           <p:cNvPr id="64" name="Elbow Connector 63"/>
           <p:cNvCxnSpPr>
-            <a:stCxn id="63" idx="3"/>
-            <a:endCxn id="62" idx="1"/>
+            <a:cxnSpLocks/>
           </p:cNvCxnSpPr>
           <p:nvPr/>
         </p:nvCxnSpPr>
         <p:spPr>
           <a:xfrm>
-            <a:off x="6094799" y="3028366"/>
+            <a:off x="5337108" y="1554178"/>
             <a:ext cx="218878" cy="3080"/>
           </a:xfrm>
           <a:prstGeom prst="bentConnector3">
@@ -4348,7 +4428,7 @@
         </p:nvSpPr>
         <p:spPr>
           <a:xfrm>
-            <a:off x="7712397" y="2564238"/>
+            <a:off x="6954706" y="1090050"/>
             <a:ext cx="708186" cy="285783"/>
           </a:xfrm>
           <a:prstGeom prst="rect">
@@ -4404,7 +4484,7 @@
         </p:nvSpPr>
         <p:spPr>
           <a:xfrm>
-            <a:off x="7041947" y="2948201"/>
+            <a:off x="6284256" y="1474013"/>
             <a:ext cx="236048" cy="173380"/>
           </a:xfrm>
           <a:prstGeom prst="flowChartDecision">
@@ -4439,7 +4519,7 @@
           <a:lstStyle/>
           <a:p>
             <a:pPr algn="ctr"/>
-            <a:endParaRPr lang="en-US" sz="1050"/>
+            <a:endParaRPr lang="en-US" sz="1050" dirty="0"/>
           </a:p>
         </p:txBody>
       </p:sp>
@@ -4453,7 +4533,7 @@
         </p:nvCxnSpPr>
         <p:spPr>
           <a:xfrm flipV="1">
-            <a:off x="7277995" y="2706821"/>
+            <a:off x="6520304" y="1232633"/>
             <a:ext cx="434402" cy="327761"/>
           </a:xfrm>
           <a:prstGeom prst="bentConnector3">
@@ -4491,7 +4571,7 @@
         </p:nvSpPr>
         <p:spPr>
           <a:xfrm>
-            <a:off x="7712397" y="2887216"/>
+            <a:off x="6954706" y="1413028"/>
             <a:ext cx="708186" cy="285783"/>
           </a:xfrm>
           <a:prstGeom prst="rect">
@@ -4550,7 +4630,7 @@
         </p:nvCxnSpPr>
         <p:spPr>
           <a:xfrm flipV="1">
-            <a:off x="7277995" y="3030108"/>
+            <a:off x="6520304" y="1555920"/>
             <a:ext cx="434402" cy="4783"/>
           </a:xfrm>
           <a:prstGeom prst="bentConnector3">
@@ -4588,7 +4668,7 @@
         </p:nvSpPr>
         <p:spPr>
           <a:xfrm>
-            <a:off x="7712397" y="3210194"/>
+            <a:off x="6954706" y="1736006"/>
             <a:ext cx="708186" cy="285783"/>
           </a:xfrm>
           <a:prstGeom prst="rect">
@@ -4647,7 +4727,7 @@
         </p:nvCxnSpPr>
         <p:spPr>
           <a:xfrm>
-            <a:off x="7277995" y="3034891"/>
+            <a:off x="6520304" y="1560703"/>
             <a:ext cx="434402" cy="318195"/>
           </a:xfrm>
           <a:prstGeom prst="bentConnector3">
@@ -4685,7 +4765,7 @@
         </p:nvSpPr>
         <p:spPr>
           <a:xfrm>
-            <a:off x="7712397" y="3533171"/>
+            <a:off x="6954706" y="2058983"/>
             <a:ext cx="708186" cy="285783"/>
           </a:xfrm>
           <a:prstGeom prst="rect">
@@ -4723,7 +4803,7 @@
                   <a:srgbClr val="7030A0"/>
                 </a:solidFill>
               </a:rPr>
-              <a:t>Address</a:t>
+              <a:t>School</a:t>
             </a:r>
             <a:endParaRPr lang="en-SG" sz="1050" dirty="0">
               <a:solidFill>
@@ -4744,7 +4824,7 @@
         </p:nvCxnSpPr>
         <p:spPr>
           <a:xfrm>
-            <a:off x="7277995" y="3034891"/>
+            <a:off x="6520304" y="1560703"/>
             <a:ext cx="434402" cy="641172"/>
           </a:xfrm>
           <a:prstGeom prst="bentConnector3">
@@ -4784,7 +4864,7 @@
         </p:nvCxnSpPr>
         <p:spPr>
           <a:xfrm rot="5400000">
-            <a:off x="3553611" y="2687559"/>
+            <a:off x="2795920" y="1213371"/>
             <a:ext cx="293825" cy="5938"/>
           </a:xfrm>
           <a:prstGeom prst="bentConnector3">
@@ -4825,7 +4905,7 @@
         </p:nvSpPr>
         <p:spPr>
           <a:xfrm rot="10800000" flipV="1">
-            <a:off x="3562299" y="2386554"/>
+            <a:off x="2804608" y="912366"/>
             <a:ext cx="282387" cy="157062"/>
           </a:xfrm>
           <a:prstGeom prst="triangle">
@@ -4873,7 +4953,7 @@
         </p:nvSpPr>
         <p:spPr>
           <a:xfrm>
-            <a:off x="1260922" y="1998350"/>
+            <a:off x="503231" y="524162"/>
             <a:ext cx="1443661" cy="364396"/>
           </a:xfrm>
           <a:prstGeom prst="rect">
@@ -4944,7 +5024,7 @@
         </p:nvSpPr>
         <p:spPr>
           <a:xfrm rot="16200000">
-            <a:off x="6362886" y="3586305"/>
+            <a:off x="5605195" y="2112117"/>
             <a:ext cx="881018" cy="261610"/>
           </a:xfrm>
           <a:prstGeom prst="rect">
@@ -4983,7 +5063,7 @@
         </p:nvSpPr>
         <p:spPr>
           <a:xfrm>
-            <a:off x="2057401" y="4239491"/>
+            <a:off x="1100740" y="6087360"/>
             <a:ext cx="1066800" cy="346760"/>
           </a:xfrm>
           <a:prstGeom prst="rect">
@@ -5022,14 +5102,6 @@
                 </a:solidFill>
               </a:rPr>
               <a:t>&lt;&lt;interface&gt;&gt;</a:t>
-            </a:r>
-            <a:r>
-              <a:rPr lang="en-US" sz="1050">
-                <a:solidFill>
-                  <a:srgbClr val="7030A0"/>
-                </a:solidFill>
-              </a:rPr>
-              <a:t/>
             </a:r>
             <a:br>
               <a:rPr lang="en-US" sz="1050">
@@ -5065,8 +5137,8 @@
         </p:nvCxnSpPr>
         <p:spPr>
           <a:xfrm rot="16200000" flipH="1">
-            <a:off x="1364475" y="3719944"/>
-            <a:ext cx="831471" cy="554381"/>
+            <a:off x="-1153730" y="4006270"/>
+            <a:ext cx="4153528" cy="355411"/>
           </a:xfrm>
           <a:prstGeom prst="bentConnector2">
             <a:avLst/>
@@ -5104,7 +5176,7 @@
         </p:nvSpPr>
         <p:spPr>
           <a:xfrm>
-            <a:off x="4429979" y="3111479"/>
+            <a:off x="3672288" y="1637291"/>
             <a:ext cx="189257" cy="178683"/>
           </a:xfrm>
           <a:prstGeom prst="rect">
@@ -5143,7 +5215,7 @@
         </p:nvSpPr>
         <p:spPr>
           <a:xfrm>
-            <a:off x="6135256" y="3097917"/>
+            <a:off x="5351681" y="4979958"/>
             <a:ext cx="189257" cy="178683"/>
           </a:xfrm>
           <a:prstGeom prst="rect">
@@ -5182,7 +5254,7 @@
         </p:nvSpPr>
         <p:spPr>
           <a:xfrm>
-            <a:off x="2573394" y="2756715"/>
+            <a:off x="1815703" y="1282527"/>
             <a:ext cx="170110" cy="137542"/>
           </a:xfrm>
           <a:prstGeom prst="rect">
@@ -5221,7 +5293,7 @@
         </p:nvSpPr>
         <p:spPr>
           <a:xfrm>
-            <a:off x="2707070" y="3667737"/>
+            <a:off x="1949379" y="2004729"/>
             <a:ext cx="189257" cy="178683"/>
           </a:xfrm>
           <a:prstGeom prst="rect">
@@ -5260,7 +5332,7 @@
         </p:nvSpPr>
         <p:spPr>
           <a:xfrm>
-            <a:off x="6449896" y="3204826"/>
+            <a:off x="5681554" y="1785280"/>
             <a:ext cx="189257" cy="178683"/>
           </a:xfrm>
           <a:prstGeom prst="rect">
@@ -5305,7 +5377,7 @@
         </p:nvSpPr>
         <p:spPr>
           <a:xfrm>
-            <a:off x="7712397" y="2228817"/>
+            <a:off x="6954706" y="754629"/>
             <a:ext cx="708186" cy="285783"/>
           </a:xfrm>
           <a:prstGeom prst="rect">
@@ -5371,7 +5443,7 @@
         </p:nvCxnSpPr>
         <p:spPr>
           <a:xfrm flipV="1">
-            <a:off x="7277995" y="2371709"/>
+            <a:off x="6520304" y="897521"/>
             <a:ext cx="434402" cy="663182"/>
           </a:xfrm>
           <a:prstGeom prst="bentConnector3">
@@ -5417,7 +5489,7 @@
         </p:nvSpPr>
         <p:spPr>
           <a:xfrm>
-            <a:off x="7466243" y="2255711"/>
+            <a:off x="6708552" y="781523"/>
             <a:ext cx="189257" cy="178683"/>
           </a:xfrm>
           <a:prstGeom prst="rect">
@@ -5456,7 +5528,7 @@
         </p:nvSpPr>
         <p:spPr>
           <a:xfrm>
-            <a:off x="3170181" y="1998350"/>
+            <a:off x="2412490" y="524162"/>
             <a:ext cx="1060683" cy="364396"/>
           </a:xfrm>
           <a:prstGeom prst="rect">
@@ -5515,7 +5587,7 @@
         </p:nvCxnSpPr>
         <p:spPr>
           <a:xfrm>
-            <a:off x="4324972" y="3007222"/>
+            <a:off x="3567281" y="1533034"/>
             <a:ext cx="367678" cy="12320"/>
           </a:xfrm>
           <a:prstGeom prst="straightConnector1">
@@ -5553,7 +5625,7 @@
         </p:nvSpPr>
         <p:spPr>
           <a:xfrm rot="16200000">
-            <a:off x="2669073" y="2069158"/>
+            <a:off x="1911382" y="594970"/>
             <a:ext cx="271014" cy="187417"/>
           </a:xfrm>
           <a:prstGeom prst="triangle">
@@ -5608,7 +5680,7 @@
         </p:nvCxnSpPr>
         <p:spPr>
           <a:xfrm>
-            <a:off x="2898289" y="2177727"/>
+            <a:off x="2140598" y="703539"/>
             <a:ext cx="271892" cy="2821"/>
           </a:xfrm>
           <a:prstGeom prst="bentConnector3">
@@ -5641,6 +5713,3555 @@
           </a:fontRef>
         </p:style>
       </p:cxnSp>
+      <p:cxnSp>
+        <p:nvCxnSpPr>
+          <p:cNvPr id="57" name="Elbow Connector 80">
+            <a:extLst>
+              <a:ext uri="{FF2B5EF4-FFF2-40B4-BE49-F238E27FC236}">
+                <a16:creationId xmlns:a16="http://schemas.microsoft.com/office/drawing/2014/main" id="{816684FD-B719-4883-A19C-D0E6C8F4E1B9}"/>
+              </a:ext>
+            </a:extLst>
+          </p:cNvPr>
+          <p:cNvCxnSpPr>
+            <a:cxnSpLocks/>
+          </p:cNvCxnSpPr>
+          <p:nvPr/>
+        </p:nvCxnSpPr>
+        <p:spPr>
+          <a:xfrm rot="16200000" flipH="1">
+            <a:off x="6700532" y="2238846"/>
+            <a:ext cx="291146" cy="217201"/>
+          </a:xfrm>
+          <a:prstGeom prst="bentConnector3">
+            <a:avLst>
+              <a:gd name="adj1" fmla="val 99728"/>
+            </a:avLst>
+          </a:prstGeom>
+          <a:ln w="19050">
+            <a:solidFill>
+              <a:srgbClr val="7030A0"/>
+            </a:solidFill>
+            <a:headEnd type="none" w="med" len="med"/>
+            <a:tailEnd type="arrow" w="med" len="med"/>
+          </a:ln>
+          <a:effectLst/>
+        </p:spPr>
+        <p:style>
+          <a:lnRef idx="1">
+            <a:schemeClr val="accent2"/>
+          </a:lnRef>
+          <a:fillRef idx="2">
+            <a:schemeClr val="accent2"/>
+          </a:fillRef>
+          <a:effectRef idx="1">
+            <a:schemeClr val="accent2"/>
+          </a:effectRef>
+          <a:fontRef idx="minor">
+            <a:schemeClr val="dk1"/>
+          </a:fontRef>
+        </p:style>
+      </p:cxnSp>
+      <p:sp>
+        <p:nvSpPr>
+          <p:cNvPr id="59" name="Rectangle 8">
+            <a:extLst>
+              <a:ext uri="{FF2B5EF4-FFF2-40B4-BE49-F238E27FC236}">
+                <a16:creationId xmlns:a16="http://schemas.microsoft.com/office/drawing/2014/main" id="{EC267994-76F8-43F9-A36A-E49BCCF23578}"/>
+              </a:ext>
+            </a:extLst>
+          </p:cNvPr>
+          <p:cNvSpPr/>
+          <p:nvPr/>
+        </p:nvSpPr>
+        <p:spPr>
+          <a:xfrm>
+            <a:off x="6954706" y="2383140"/>
+            <a:ext cx="708186" cy="285783"/>
+          </a:xfrm>
+          <a:prstGeom prst="rect">
+            <a:avLst/>
+          </a:prstGeom>
+          <a:ln w="19050">
+            <a:solidFill>
+              <a:srgbClr val="7030A0"/>
+            </a:solidFill>
+          </a:ln>
+          <a:effectLst/>
+        </p:spPr>
+        <p:style>
+          <a:lnRef idx="1">
+            <a:schemeClr val="accent4"/>
+          </a:lnRef>
+          <a:fillRef idx="2">
+            <a:schemeClr val="accent4"/>
+          </a:fillRef>
+          <a:effectRef idx="1">
+            <a:schemeClr val="accent4"/>
+          </a:effectRef>
+          <a:fontRef idx="minor">
+            <a:schemeClr val="dk1"/>
+          </a:fontRef>
+        </p:style>
+        <p:txBody>
+          <a:bodyPr rtlCol="0" anchor="ctr"/>
+          <a:lstStyle/>
+          <a:p>
+            <a:pPr algn="ctr"/>
+            <a:r>
+              <a:rPr lang="en-US" sz="1050" dirty="0">
+                <a:solidFill>
+                  <a:srgbClr val="7030A0"/>
+                </a:solidFill>
+              </a:rPr>
+              <a:t>Room</a:t>
+            </a:r>
+            <a:endParaRPr lang="en-SG" sz="1050" dirty="0">
+              <a:solidFill>
+                <a:srgbClr val="7030A0"/>
+              </a:solidFill>
+            </a:endParaRPr>
+          </a:p>
+        </p:txBody>
+      </p:sp>
+      <p:cxnSp>
+        <p:nvCxnSpPr>
+          <p:cNvPr id="67" name="Elbow Connector 80">
+            <a:extLst>
+              <a:ext uri="{FF2B5EF4-FFF2-40B4-BE49-F238E27FC236}">
+                <a16:creationId xmlns:a16="http://schemas.microsoft.com/office/drawing/2014/main" id="{E4110C18-6675-45C9-87FA-99079731F605}"/>
+              </a:ext>
+            </a:extLst>
+          </p:cNvPr>
+          <p:cNvCxnSpPr>
+            <a:cxnSpLocks/>
+          </p:cNvCxnSpPr>
+          <p:nvPr/>
+        </p:nvCxnSpPr>
+        <p:spPr>
+          <a:xfrm rot="16200000" flipH="1">
+            <a:off x="6700533" y="2532708"/>
+            <a:ext cx="291146" cy="217201"/>
+          </a:xfrm>
+          <a:prstGeom prst="bentConnector3">
+            <a:avLst>
+              <a:gd name="adj1" fmla="val 99728"/>
+            </a:avLst>
+          </a:prstGeom>
+          <a:ln w="19050">
+            <a:solidFill>
+              <a:srgbClr val="7030A0"/>
+            </a:solidFill>
+            <a:headEnd type="none" w="med" len="med"/>
+            <a:tailEnd type="arrow" w="med" len="med"/>
+          </a:ln>
+          <a:effectLst/>
+        </p:spPr>
+        <p:style>
+          <a:lnRef idx="1">
+            <a:schemeClr val="accent2"/>
+          </a:lnRef>
+          <a:fillRef idx="2">
+            <a:schemeClr val="accent2"/>
+          </a:fillRef>
+          <a:effectRef idx="1">
+            <a:schemeClr val="accent2"/>
+          </a:effectRef>
+          <a:fontRef idx="minor">
+            <a:schemeClr val="dk1"/>
+          </a:fontRef>
+        </p:style>
+      </p:cxnSp>
+      <p:sp>
+        <p:nvSpPr>
+          <p:cNvPr id="71" name="Rectangle 8">
+            <a:extLst>
+              <a:ext uri="{FF2B5EF4-FFF2-40B4-BE49-F238E27FC236}">
+                <a16:creationId xmlns:a16="http://schemas.microsoft.com/office/drawing/2014/main" id="{F600A89C-10B6-42A3-8153-B725821F16FD}"/>
+              </a:ext>
+            </a:extLst>
+          </p:cNvPr>
+          <p:cNvSpPr/>
+          <p:nvPr/>
+        </p:nvSpPr>
+        <p:spPr>
+          <a:xfrm>
+            <a:off x="6952802" y="2713466"/>
+            <a:ext cx="708186" cy="285783"/>
+          </a:xfrm>
+          <a:prstGeom prst="rect">
+            <a:avLst/>
+          </a:prstGeom>
+          <a:ln w="19050">
+            <a:solidFill>
+              <a:srgbClr val="7030A0"/>
+            </a:solidFill>
+          </a:ln>
+          <a:effectLst/>
+        </p:spPr>
+        <p:style>
+          <a:lnRef idx="1">
+            <a:schemeClr val="accent4"/>
+          </a:lnRef>
+          <a:fillRef idx="2">
+            <a:schemeClr val="accent4"/>
+          </a:fillRef>
+          <a:effectRef idx="1">
+            <a:schemeClr val="accent4"/>
+          </a:effectRef>
+          <a:fontRef idx="minor">
+            <a:schemeClr val="dk1"/>
+          </a:fontRef>
+        </p:style>
+        <p:txBody>
+          <a:bodyPr rtlCol="0" anchor="ctr"/>
+          <a:lstStyle/>
+          <a:p>
+            <a:pPr algn="ctr"/>
+            <a:r>
+              <a:rPr lang="en-US" sz="1050" dirty="0">
+                <a:solidFill>
+                  <a:srgbClr val="7030A0"/>
+                </a:solidFill>
+              </a:rPr>
+              <a:t>Profile Picture</a:t>
+            </a:r>
+            <a:endParaRPr lang="en-SG" sz="1050" dirty="0">
+              <a:solidFill>
+                <a:srgbClr val="7030A0"/>
+              </a:solidFill>
+            </a:endParaRPr>
+          </a:p>
+        </p:txBody>
+      </p:sp>
+      <p:sp>
+        <p:nvSpPr>
+          <p:cNvPr id="3" name="TextBox 2">
+            <a:extLst>
+              <a:ext uri="{FF2B5EF4-FFF2-40B4-BE49-F238E27FC236}">
+                <a16:creationId xmlns:a16="http://schemas.microsoft.com/office/drawing/2014/main" id="{3F0F2C5F-EEC1-47F5-9C4F-2E769820E96B}"/>
+              </a:ext>
+            </a:extLst>
+          </p:cNvPr>
+          <p:cNvSpPr txBox="1"/>
+          <p:nvPr/>
+        </p:nvSpPr>
+        <p:spPr>
+          <a:xfrm>
+            <a:off x="6589820" y="2769783"/>
+            <a:ext cx="426720" cy="261610"/>
+          </a:xfrm>
+          <a:prstGeom prst="rect">
+            <a:avLst/>
+          </a:prstGeom>
+          <a:noFill/>
+        </p:spPr>
+        <p:txBody>
+          <a:bodyPr wrap="none" rtlCol="0">
+            <a:spAutoFit/>
+          </a:bodyPr>
+          <a:lstStyle/>
+          <a:p>
+            <a:r>
+              <a:rPr lang="en-US" sz="1100" dirty="0">
+                <a:solidFill>
+                  <a:srgbClr val="7030A0"/>
+                </a:solidFill>
+              </a:rPr>
+              <a:t>0…1</a:t>
+            </a:r>
+            <a:endParaRPr lang="en-SG" sz="1100" dirty="0">
+              <a:solidFill>
+                <a:srgbClr val="7030A0"/>
+              </a:solidFill>
+            </a:endParaRPr>
+          </a:p>
+        </p:txBody>
+      </p:sp>
+      <p:cxnSp>
+        <p:nvCxnSpPr>
+          <p:cNvPr id="56" name="Straight Arrow Connector 55">
+            <a:extLst>
+              <a:ext uri="{FF2B5EF4-FFF2-40B4-BE49-F238E27FC236}">
+                <a16:creationId xmlns:a16="http://schemas.microsoft.com/office/drawing/2014/main" id="{1013D745-FE49-4250-BAAC-3ECB8EEEF889}"/>
+              </a:ext>
+            </a:extLst>
+          </p:cNvPr>
+          <p:cNvCxnSpPr>
+            <a:cxnSpLocks/>
+          </p:cNvCxnSpPr>
+          <p:nvPr/>
+        </p:nvCxnSpPr>
+        <p:spPr>
+          <a:xfrm>
+            <a:off x="1834896" y="2990600"/>
+            <a:ext cx="267352" cy="0"/>
+          </a:xfrm>
+          <a:prstGeom prst="straightConnector1">
+            <a:avLst/>
+          </a:prstGeom>
+          <a:ln w="19050">
+            <a:solidFill>
+              <a:srgbClr val="7030A0"/>
+            </a:solidFill>
+            <a:headEnd type="none" w="med" len="med"/>
+            <a:tailEnd type="arrow" w="med" len="med"/>
+          </a:ln>
+          <a:effectLst/>
+        </p:spPr>
+        <p:style>
+          <a:lnRef idx="1">
+            <a:schemeClr val="accent2"/>
+          </a:lnRef>
+          <a:fillRef idx="2">
+            <a:schemeClr val="accent2"/>
+          </a:fillRef>
+          <a:effectRef idx="1">
+            <a:schemeClr val="accent2"/>
+          </a:effectRef>
+          <a:fontRef idx="minor">
+            <a:schemeClr val="dk1"/>
+          </a:fontRef>
+        </p:style>
+      </p:cxnSp>
+      <p:sp>
+        <p:nvSpPr>
+          <p:cNvPr id="72" name="Flowchart: Decision 96">
+            <a:extLst>
+              <a:ext uri="{FF2B5EF4-FFF2-40B4-BE49-F238E27FC236}">
+                <a16:creationId xmlns:a16="http://schemas.microsoft.com/office/drawing/2014/main" id="{5E165B6A-AC84-45C9-AFC1-97880A916EE4}"/>
+              </a:ext>
+            </a:extLst>
+          </p:cNvPr>
+          <p:cNvSpPr/>
+          <p:nvPr/>
+        </p:nvSpPr>
+        <p:spPr>
+          <a:xfrm>
+            <a:off x="1604509" y="2903752"/>
+            <a:ext cx="236048" cy="173380"/>
+          </a:xfrm>
+          <a:prstGeom prst="flowChartDecision">
+            <a:avLst/>
+          </a:prstGeom>
+          <a:noFill/>
+          <a:ln w="19050">
+            <a:solidFill>
+              <a:srgbClr val="7030A0"/>
+            </a:solidFill>
+          </a:ln>
+          <a:effectLst/>
+        </p:spPr>
+        <p:style>
+          <a:lnRef idx="1">
+            <a:schemeClr val="accent6"/>
+          </a:lnRef>
+          <a:fillRef idx="2">
+            <a:schemeClr val="accent6"/>
+          </a:fillRef>
+          <a:effectRef idx="1">
+            <a:schemeClr val="accent6"/>
+          </a:effectRef>
+          <a:fontRef idx="minor">
+            <a:schemeClr val="dk1"/>
+          </a:fontRef>
+        </p:style>
+        <p:txBody>
+          <a:bodyPr rtlCol="0" anchor="ctr"/>
+          <a:lstStyle/>
+          <a:p>
+            <a:pPr algn="ctr"/>
+            <a:endParaRPr lang="en-US" sz="1050"/>
+          </a:p>
+        </p:txBody>
+      </p:sp>
+      <p:sp>
+        <p:nvSpPr>
+          <p:cNvPr id="73" name="TextBox 72">
+            <a:extLst>
+              <a:ext uri="{FF2B5EF4-FFF2-40B4-BE49-F238E27FC236}">
+                <a16:creationId xmlns:a16="http://schemas.microsoft.com/office/drawing/2014/main" id="{6B30C397-20F9-43DA-849C-98E67196EA27}"/>
+              </a:ext>
+            </a:extLst>
+          </p:cNvPr>
+          <p:cNvSpPr txBox="1"/>
+          <p:nvPr/>
+        </p:nvSpPr>
+        <p:spPr>
+          <a:xfrm>
+            <a:off x="1932138" y="3021717"/>
+            <a:ext cx="189257" cy="178683"/>
+          </a:xfrm>
+          <a:prstGeom prst="rect">
+            <a:avLst/>
+          </a:prstGeom>
+          <a:noFill/>
+        </p:spPr>
+        <p:txBody>
+          <a:bodyPr wrap="square" lIns="0" tIns="0" rIns="0" bIns="0" rtlCol="0">
+            <a:noAutofit/>
+          </a:bodyPr>
+          <a:lstStyle/>
+          <a:p>
+            <a:pPr algn="ctr"/>
+            <a:r>
+              <a:rPr lang="en-US" sz="1100" dirty="0">
+                <a:solidFill>
+                  <a:srgbClr val="7030A0"/>
+                </a:solidFill>
+              </a:rPr>
+              <a:t>1</a:t>
+            </a:r>
+            <a:endParaRPr lang="en-SG" sz="1100" dirty="0">
+              <a:solidFill>
+                <a:srgbClr val="7030A0"/>
+              </a:solidFill>
+            </a:endParaRPr>
+          </a:p>
+        </p:txBody>
+      </p:sp>
+      <p:sp>
+        <p:nvSpPr>
+          <p:cNvPr id="74" name="Rectangle 8">
+            <a:extLst>
+              <a:ext uri="{FF2B5EF4-FFF2-40B4-BE49-F238E27FC236}">
+                <a16:creationId xmlns:a16="http://schemas.microsoft.com/office/drawing/2014/main" id="{65251AB0-89C7-4ED9-8A27-B700DDF07CBD}"/>
+              </a:ext>
+            </a:extLst>
+          </p:cNvPr>
+          <p:cNvSpPr/>
+          <p:nvPr/>
+        </p:nvSpPr>
+        <p:spPr>
+          <a:xfrm>
+            <a:off x="2103611" y="2855040"/>
+            <a:ext cx="1473306" cy="334856"/>
+          </a:xfrm>
+          <a:prstGeom prst="rect">
+            <a:avLst/>
+          </a:prstGeom>
+          <a:ln w="19050">
+            <a:solidFill>
+              <a:srgbClr val="7030A0"/>
+            </a:solidFill>
+          </a:ln>
+          <a:effectLst/>
+        </p:spPr>
+        <p:style>
+          <a:lnRef idx="1">
+            <a:schemeClr val="accent4"/>
+          </a:lnRef>
+          <a:fillRef idx="2">
+            <a:schemeClr val="accent4"/>
+          </a:fillRef>
+          <a:effectRef idx="1">
+            <a:schemeClr val="accent4"/>
+          </a:effectRef>
+          <a:fontRef idx="minor">
+            <a:schemeClr val="dk1"/>
+          </a:fontRef>
+        </p:style>
+        <p:txBody>
+          <a:bodyPr rtlCol="0" anchor="ctr"/>
+          <a:lstStyle/>
+          <a:p>
+            <a:pPr algn="ctr"/>
+            <a:r>
+              <a:rPr lang="en-US" sz="1050" dirty="0" err="1">
+                <a:solidFill>
+                  <a:srgbClr val="7030A0"/>
+                </a:solidFill>
+              </a:rPr>
+              <a:t>EmailModel</a:t>
+            </a:r>
+            <a:endParaRPr lang="en-SG" sz="1050" dirty="0">
+              <a:solidFill>
+                <a:srgbClr val="7030A0"/>
+              </a:solidFill>
+            </a:endParaRPr>
+          </a:p>
+        </p:txBody>
+      </p:sp>
+      <p:cxnSp>
+        <p:nvCxnSpPr>
+          <p:cNvPr id="77" name="Straight Arrow Connector 76">
+            <a:extLst>
+              <a:ext uri="{FF2B5EF4-FFF2-40B4-BE49-F238E27FC236}">
+                <a16:creationId xmlns:a16="http://schemas.microsoft.com/office/drawing/2014/main" id="{D4C62A6F-E93B-4E45-A2AD-5728B7FAE8A7}"/>
+              </a:ext>
+            </a:extLst>
+          </p:cNvPr>
+          <p:cNvCxnSpPr>
+            <a:cxnSpLocks/>
+          </p:cNvCxnSpPr>
+          <p:nvPr/>
+        </p:nvCxnSpPr>
+        <p:spPr>
+          <a:xfrm>
+            <a:off x="1834896" y="3981200"/>
+            <a:ext cx="267352" cy="0"/>
+          </a:xfrm>
+          <a:prstGeom prst="straightConnector1">
+            <a:avLst/>
+          </a:prstGeom>
+          <a:ln w="19050">
+            <a:solidFill>
+              <a:srgbClr val="7030A0"/>
+            </a:solidFill>
+            <a:headEnd type="none" w="med" len="med"/>
+            <a:tailEnd type="arrow" w="med" len="med"/>
+          </a:ln>
+          <a:effectLst/>
+        </p:spPr>
+        <p:style>
+          <a:lnRef idx="1">
+            <a:schemeClr val="accent2"/>
+          </a:lnRef>
+          <a:fillRef idx="2">
+            <a:schemeClr val="accent2"/>
+          </a:fillRef>
+          <a:effectRef idx="1">
+            <a:schemeClr val="accent2"/>
+          </a:effectRef>
+          <a:fontRef idx="minor">
+            <a:schemeClr val="dk1"/>
+          </a:fontRef>
+        </p:style>
+      </p:cxnSp>
+      <p:sp>
+        <p:nvSpPr>
+          <p:cNvPr id="82" name="Flowchart: Decision 96">
+            <a:extLst>
+              <a:ext uri="{FF2B5EF4-FFF2-40B4-BE49-F238E27FC236}">
+                <a16:creationId xmlns:a16="http://schemas.microsoft.com/office/drawing/2014/main" id="{DB1EB733-8DB9-4362-BA5A-19D36DDC9392}"/>
+              </a:ext>
+            </a:extLst>
+          </p:cNvPr>
+          <p:cNvSpPr/>
+          <p:nvPr/>
+        </p:nvSpPr>
+        <p:spPr>
+          <a:xfrm>
+            <a:off x="1604509" y="3894352"/>
+            <a:ext cx="236048" cy="173380"/>
+          </a:xfrm>
+          <a:prstGeom prst="flowChartDecision">
+            <a:avLst/>
+          </a:prstGeom>
+          <a:noFill/>
+          <a:ln w="19050">
+            <a:solidFill>
+              <a:srgbClr val="7030A0"/>
+            </a:solidFill>
+          </a:ln>
+          <a:effectLst/>
+        </p:spPr>
+        <p:style>
+          <a:lnRef idx="1">
+            <a:schemeClr val="accent6"/>
+          </a:lnRef>
+          <a:fillRef idx="2">
+            <a:schemeClr val="accent6"/>
+          </a:fillRef>
+          <a:effectRef idx="1">
+            <a:schemeClr val="accent6"/>
+          </a:effectRef>
+          <a:fontRef idx="minor">
+            <a:schemeClr val="dk1"/>
+          </a:fontRef>
+        </p:style>
+        <p:txBody>
+          <a:bodyPr rtlCol="0" anchor="ctr"/>
+          <a:lstStyle/>
+          <a:p>
+            <a:pPr algn="ctr"/>
+            <a:endParaRPr lang="en-US" sz="1050"/>
+          </a:p>
+        </p:txBody>
+      </p:sp>
+      <p:sp>
+        <p:nvSpPr>
+          <p:cNvPr id="87" name="TextBox 86">
+            <a:extLst>
+              <a:ext uri="{FF2B5EF4-FFF2-40B4-BE49-F238E27FC236}">
+                <a16:creationId xmlns:a16="http://schemas.microsoft.com/office/drawing/2014/main" id="{3F7DE92C-A2C8-40E1-AC40-3C4673C073E8}"/>
+              </a:ext>
+            </a:extLst>
+          </p:cNvPr>
+          <p:cNvSpPr txBox="1"/>
+          <p:nvPr/>
+        </p:nvSpPr>
+        <p:spPr>
+          <a:xfrm>
+            <a:off x="1932138" y="4012317"/>
+            <a:ext cx="189257" cy="178683"/>
+          </a:xfrm>
+          <a:prstGeom prst="rect">
+            <a:avLst/>
+          </a:prstGeom>
+          <a:noFill/>
+        </p:spPr>
+        <p:txBody>
+          <a:bodyPr wrap="square" lIns="0" tIns="0" rIns="0" bIns="0" rtlCol="0">
+            <a:noAutofit/>
+          </a:bodyPr>
+          <a:lstStyle/>
+          <a:p>
+            <a:pPr algn="ctr"/>
+            <a:r>
+              <a:rPr lang="en-US" sz="1100" dirty="0">
+                <a:solidFill>
+                  <a:srgbClr val="7030A0"/>
+                </a:solidFill>
+              </a:rPr>
+              <a:t>1</a:t>
+            </a:r>
+            <a:endParaRPr lang="en-SG" sz="1100" dirty="0">
+              <a:solidFill>
+                <a:srgbClr val="7030A0"/>
+              </a:solidFill>
+            </a:endParaRPr>
+          </a:p>
+        </p:txBody>
+      </p:sp>
+      <p:sp>
+        <p:nvSpPr>
+          <p:cNvPr id="88" name="Rectangle 8">
+            <a:extLst>
+              <a:ext uri="{FF2B5EF4-FFF2-40B4-BE49-F238E27FC236}">
+                <a16:creationId xmlns:a16="http://schemas.microsoft.com/office/drawing/2014/main" id="{AC63FD37-457A-46D0-91C9-0090B596CA94}"/>
+              </a:ext>
+            </a:extLst>
+          </p:cNvPr>
+          <p:cNvSpPr/>
+          <p:nvPr/>
+        </p:nvSpPr>
+        <p:spPr>
+          <a:xfrm>
+            <a:off x="2103610" y="3845640"/>
+            <a:ext cx="3154189" cy="334856"/>
+          </a:xfrm>
+          <a:prstGeom prst="rect">
+            <a:avLst/>
+          </a:prstGeom>
+          <a:ln w="19050">
+            <a:solidFill>
+              <a:srgbClr val="7030A0"/>
+            </a:solidFill>
+          </a:ln>
+          <a:effectLst/>
+        </p:spPr>
+        <p:style>
+          <a:lnRef idx="1">
+            <a:schemeClr val="accent4"/>
+          </a:lnRef>
+          <a:fillRef idx="2">
+            <a:schemeClr val="accent4"/>
+          </a:fillRef>
+          <a:effectRef idx="1">
+            <a:schemeClr val="accent4"/>
+          </a:effectRef>
+          <a:fontRef idx="minor">
+            <a:schemeClr val="dk1"/>
+          </a:fontRef>
+        </p:style>
+        <p:txBody>
+          <a:bodyPr rtlCol="0" anchor="ctr"/>
+          <a:lstStyle/>
+          <a:p>
+            <a:pPr algn="ctr"/>
+            <a:r>
+              <a:rPr lang="en-US" sz="1050" dirty="0" err="1">
+                <a:solidFill>
+                  <a:srgbClr val="7030A0"/>
+                </a:solidFill>
+              </a:rPr>
+              <a:t>CalendarModel</a:t>
+            </a:r>
+            <a:endParaRPr lang="en-SG" sz="1050" dirty="0">
+              <a:solidFill>
+                <a:srgbClr val="7030A0"/>
+              </a:solidFill>
+            </a:endParaRPr>
+          </a:p>
+        </p:txBody>
+      </p:sp>
+      <p:cxnSp>
+        <p:nvCxnSpPr>
+          <p:cNvPr id="89" name="Straight Arrow Connector 88">
+            <a:extLst>
+              <a:ext uri="{FF2B5EF4-FFF2-40B4-BE49-F238E27FC236}">
+                <a16:creationId xmlns:a16="http://schemas.microsoft.com/office/drawing/2014/main" id="{A048DA0C-9BE6-4C43-98B5-34D9C1ABD188}"/>
+              </a:ext>
+            </a:extLst>
+          </p:cNvPr>
+          <p:cNvCxnSpPr>
+            <a:cxnSpLocks/>
+          </p:cNvCxnSpPr>
+          <p:nvPr/>
+        </p:nvCxnSpPr>
+        <p:spPr>
+          <a:xfrm>
+            <a:off x="1834896" y="4930312"/>
+            <a:ext cx="267352" cy="0"/>
+          </a:xfrm>
+          <a:prstGeom prst="straightConnector1">
+            <a:avLst/>
+          </a:prstGeom>
+          <a:ln w="19050">
+            <a:solidFill>
+              <a:srgbClr val="7030A0"/>
+            </a:solidFill>
+            <a:headEnd type="none" w="med" len="med"/>
+            <a:tailEnd type="arrow" w="med" len="med"/>
+          </a:ln>
+          <a:effectLst/>
+        </p:spPr>
+        <p:style>
+          <a:lnRef idx="1">
+            <a:schemeClr val="accent2"/>
+          </a:lnRef>
+          <a:fillRef idx="2">
+            <a:schemeClr val="accent2"/>
+          </a:fillRef>
+          <a:effectRef idx="1">
+            <a:schemeClr val="accent2"/>
+          </a:effectRef>
+          <a:fontRef idx="minor">
+            <a:schemeClr val="dk1"/>
+          </a:fontRef>
+        </p:style>
+      </p:cxnSp>
+      <p:sp>
+        <p:nvSpPr>
+          <p:cNvPr id="90" name="Flowchart: Decision 96">
+            <a:extLst>
+              <a:ext uri="{FF2B5EF4-FFF2-40B4-BE49-F238E27FC236}">
+                <a16:creationId xmlns:a16="http://schemas.microsoft.com/office/drawing/2014/main" id="{A0C22B11-E008-421C-979E-46316FEA9EC3}"/>
+              </a:ext>
+            </a:extLst>
+          </p:cNvPr>
+          <p:cNvSpPr/>
+          <p:nvPr/>
+        </p:nvSpPr>
+        <p:spPr>
+          <a:xfrm>
+            <a:off x="1604509" y="4843464"/>
+            <a:ext cx="236048" cy="173380"/>
+          </a:xfrm>
+          <a:prstGeom prst="flowChartDecision">
+            <a:avLst/>
+          </a:prstGeom>
+          <a:noFill/>
+          <a:ln w="19050">
+            <a:solidFill>
+              <a:srgbClr val="7030A0"/>
+            </a:solidFill>
+          </a:ln>
+          <a:effectLst/>
+        </p:spPr>
+        <p:style>
+          <a:lnRef idx="1">
+            <a:schemeClr val="accent6"/>
+          </a:lnRef>
+          <a:fillRef idx="2">
+            <a:schemeClr val="accent6"/>
+          </a:fillRef>
+          <a:effectRef idx="1">
+            <a:schemeClr val="accent6"/>
+          </a:effectRef>
+          <a:fontRef idx="minor">
+            <a:schemeClr val="dk1"/>
+          </a:fontRef>
+        </p:style>
+        <p:txBody>
+          <a:bodyPr rtlCol="0" anchor="ctr"/>
+          <a:lstStyle/>
+          <a:p>
+            <a:pPr algn="ctr"/>
+            <a:endParaRPr lang="en-US" sz="1050"/>
+          </a:p>
+        </p:txBody>
+      </p:sp>
+      <p:sp>
+        <p:nvSpPr>
+          <p:cNvPr id="91" name="TextBox 90">
+            <a:extLst>
+              <a:ext uri="{FF2B5EF4-FFF2-40B4-BE49-F238E27FC236}">
+                <a16:creationId xmlns:a16="http://schemas.microsoft.com/office/drawing/2014/main" id="{F3B2429A-B0EE-4E8C-8C9D-24E649D14671}"/>
+              </a:ext>
+            </a:extLst>
+          </p:cNvPr>
+          <p:cNvSpPr txBox="1"/>
+          <p:nvPr/>
+        </p:nvSpPr>
+        <p:spPr>
+          <a:xfrm>
+            <a:off x="1932138" y="4961429"/>
+            <a:ext cx="189257" cy="178683"/>
+          </a:xfrm>
+          <a:prstGeom prst="rect">
+            <a:avLst/>
+          </a:prstGeom>
+          <a:noFill/>
+        </p:spPr>
+        <p:txBody>
+          <a:bodyPr wrap="square" lIns="0" tIns="0" rIns="0" bIns="0" rtlCol="0">
+            <a:noAutofit/>
+          </a:bodyPr>
+          <a:lstStyle/>
+          <a:p>
+            <a:pPr algn="ctr"/>
+            <a:r>
+              <a:rPr lang="en-US" sz="1100" dirty="0">
+                <a:solidFill>
+                  <a:srgbClr val="7030A0"/>
+                </a:solidFill>
+              </a:rPr>
+              <a:t>1</a:t>
+            </a:r>
+            <a:endParaRPr lang="en-SG" sz="1100" dirty="0">
+              <a:solidFill>
+                <a:srgbClr val="7030A0"/>
+              </a:solidFill>
+            </a:endParaRPr>
+          </a:p>
+        </p:txBody>
+      </p:sp>
+      <p:sp>
+        <p:nvSpPr>
+          <p:cNvPr id="92" name="Rectangle 8">
+            <a:extLst>
+              <a:ext uri="{FF2B5EF4-FFF2-40B4-BE49-F238E27FC236}">
+                <a16:creationId xmlns:a16="http://schemas.microsoft.com/office/drawing/2014/main" id="{855A458F-45F0-43FD-861B-FB93BE4A9C60}"/>
+              </a:ext>
+            </a:extLst>
+          </p:cNvPr>
+          <p:cNvSpPr/>
+          <p:nvPr/>
+        </p:nvSpPr>
+        <p:spPr>
+          <a:xfrm>
+            <a:off x="2103611" y="4794752"/>
+            <a:ext cx="1490560" cy="334856"/>
+          </a:xfrm>
+          <a:prstGeom prst="rect">
+            <a:avLst/>
+          </a:prstGeom>
+          <a:ln w="19050">
+            <a:solidFill>
+              <a:srgbClr val="7030A0"/>
+            </a:solidFill>
+          </a:ln>
+          <a:effectLst/>
+        </p:spPr>
+        <p:style>
+          <a:lnRef idx="1">
+            <a:schemeClr val="accent4"/>
+          </a:lnRef>
+          <a:fillRef idx="2">
+            <a:schemeClr val="accent4"/>
+          </a:fillRef>
+          <a:effectRef idx="1">
+            <a:schemeClr val="accent4"/>
+          </a:effectRef>
+          <a:fontRef idx="minor">
+            <a:schemeClr val="dk1"/>
+          </a:fontRef>
+        </p:style>
+        <p:txBody>
+          <a:bodyPr rtlCol="0" anchor="ctr"/>
+          <a:lstStyle/>
+          <a:p>
+            <a:pPr algn="ctr"/>
+            <a:r>
+              <a:rPr lang="en-US" sz="1050" dirty="0" err="1">
+                <a:solidFill>
+                  <a:srgbClr val="7030A0"/>
+                </a:solidFill>
+              </a:rPr>
+              <a:t>VersionedBudgetBook</a:t>
+            </a:r>
+            <a:endParaRPr lang="en-SG" sz="1050" dirty="0">
+              <a:solidFill>
+                <a:srgbClr val="7030A0"/>
+              </a:solidFill>
+            </a:endParaRPr>
+          </a:p>
+        </p:txBody>
+      </p:sp>
+      <p:sp>
+        <p:nvSpPr>
+          <p:cNvPr id="94" name="Isosceles Triangle 102">
+            <a:extLst>
+              <a:ext uri="{FF2B5EF4-FFF2-40B4-BE49-F238E27FC236}">
+                <a16:creationId xmlns:a16="http://schemas.microsoft.com/office/drawing/2014/main" id="{29342FE9-E5F7-44F2-B788-6E4349310FB1}"/>
+              </a:ext>
+            </a:extLst>
+          </p:cNvPr>
+          <p:cNvSpPr/>
+          <p:nvPr/>
+        </p:nvSpPr>
+        <p:spPr>
+          <a:xfrm rot="16200000" flipV="1">
+            <a:off x="2626730" y="5463479"/>
+            <a:ext cx="282387" cy="157062"/>
+          </a:xfrm>
+          <a:prstGeom prst="triangle">
+            <a:avLst>
+              <a:gd name="adj" fmla="val 52158"/>
+            </a:avLst>
+          </a:prstGeom>
+          <a:ln w="19050">
+            <a:solidFill>
+              <a:srgbClr val="7030A0"/>
+            </a:solidFill>
+          </a:ln>
+          <a:effectLst/>
+        </p:spPr>
+        <p:style>
+          <a:lnRef idx="1">
+            <a:schemeClr val="accent4"/>
+          </a:lnRef>
+          <a:fillRef idx="2">
+            <a:schemeClr val="accent4"/>
+          </a:fillRef>
+          <a:effectRef idx="1">
+            <a:schemeClr val="accent4"/>
+          </a:effectRef>
+          <a:fontRef idx="minor">
+            <a:schemeClr val="dk1"/>
+          </a:fontRef>
+        </p:style>
+        <p:txBody>
+          <a:bodyPr rtlCol="0" anchor="ctr"/>
+          <a:lstStyle/>
+          <a:p>
+            <a:pPr algn="ctr"/>
+            <a:endParaRPr lang="en-SG" sz="1050" b="1">
+              <a:solidFill>
+                <a:srgbClr val="92D050"/>
+              </a:solidFill>
+            </a:endParaRPr>
+          </a:p>
+        </p:txBody>
+      </p:sp>
+      <p:cxnSp>
+        <p:nvCxnSpPr>
+          <p:cNvPr id="33" name="Connector: Elbow 32">
+            <a:extLst>
+              <a:ext uri="{FF2B5EF4-FFF2-40B4-BE49-F238E27FC236}">
+                <a16:creationId xmlns:a16="http://schemas.microsoft.com/office/drawing/2014/main" id="{DF8697C6-502C-4626-900F-03078568A8A8}"/>
+              </a:ext>
+            </a:extLst>
+          </p:cNvPr>
+          <p:cNvCxnSpPr>
+            <a:cxnSpLocks/>
+            <a:endCxn id="94" idx="3"/>
+          </p:cNvCxnSpPr>
+          <p:nvPr/>
+        </p:nvCxnSpPr>
+        <p:spPr>
+          <a:xfrm>
+            <a:off x="2277758" y="5138367"/>
+            <a:ext cx="411635" cy="397550"/>
+          </a:xfrm>
+          <a:prstGeom prst="bentConnector3">
+            <a:avLst>
+              <a:gd name="adj1" fmla="val 2611"/>
+            </a:avLst>
+          </a:prstGeom>
+          <a:ln w="9525" cap="flat" cmpd="sng" algn="ctr">
+            <a:solidFill>
+              <a:srgbClr val="7030A0"/>
+            </a:solidFill>
+            <a:prstDash val="dash"/>
+            <a:round/>
+            <a:headEnd type="none" w="med" len="med"/>
+            <a:tailEnd type="none" w="med" len="med"/>
+          </a:ln>
+        </p:spPr>
+        <p:style>
+          <a:lnRef idx="0">
+            <a:scrgbClr r="0" g="0" b="0"/>
+          </a:lnRef>
+          <a:fillRef idx="0">
+            <a:scrgbClr r="0" g="0" b="0"/>
+          </a:fillRef>
+          <a:effectRef idx="0">
+            <a:scrgbClr r="0" g="0" b="0"/>
+          </a:effectRef>
+          <a:fontRef idx="minor">
+            <a:schemeClr val="tx1"/>
+          </a:fontRef>
+        </p:style>
+      </p:cxnSp>
+      <p:sp>
+        <p:nvSpPr>
+          <p:cNvPr id="96" name="Rectangle 8">
+            <a:extLst>
+              <a:ext uri="{FF2B5EF4-FFF2-40B4-BE49-F238E27FC236}">
+                <a16:creationId xmlns:a16="http://schemas.microsoft.com/office/drawing/2014/main" id="{299631DD-7B12-4894-BDA6-D66935C851A8}"/>
+              </a:ext>
+            </a:extLst>
+          </p:cNvPr>
+          <p:cNvSpPr/>
+          <p:nvPr/>
+        </p:nvSpPr>
+        <p:spPr>
+          <a:xfrm>
+            <a:off x="2870781" y="5366258"/>
+            <a:ext cx="1060683" cy="364396"/>
+          </a:xfrm>
+          <a:prstGeom prst="rect">
+            <a:avLst/>
+          </a:prstGeom>
+          <a:ln w="19050">
+            <a:solidFill>
+              <a:srgbClr val="7030A0"/>
+            </a:solidFill>
+          </a:ln>
+          <a:effectLst/>
+        </p:spPr>
+        <p:style>
+          <a:lnRef idx="1">
+            <a:schemeClr val="accent4"/>
+          </a:lnRef>
+          <a:fillRef idx="2">
+            <a:schemeClr val="accent4"/>
+          </a:fillRef>
+          <a:effectRef idx="1">
+            <a:schemeClr val="accent4"/>
+          </a:effectRef>
+          <a:fontRef idx="minor">
+            <a:schemeClr val="dk1"/>
+          </a:fontRef>
+        </p:style>
+        <p:txBody>
+          <a:bodyPr rtlCol="0" anchor="ctr"/>
+          <a:lstStyle/>
+          <a:p>
+            <a:pPr algn="ctr"/>
+            <a:r>
+              <a:rPr lang="en-US" sz="1050" dirty="0" err="1">
+                <a:solidFill>
+                  <a:srgbClr val="7030A0"/>
+                </a:solidFill>
+              </a:rPr>
+              <a:t>BudgetBook</a:t>
+            </a:r>
+            <a:endParaRPr lang="en-SG" sz="1050" dirty="0">
+              <a:solidFill>
+                <a:srgbClr val="7030A0"/>
+              </a:solidFill>
+            </a:endParaRPr>
+          </a:p>
+        </p:txBody>
+      </p:sp>
+      <p:sp>
+        <p:nvSpPr>
+          <p:cNvPr id="98" name="Isosceles Triangle 102">
+            <a:extLst>
+              <a:ext uri="{FF2B5EF4-FFF2-40B4-BE49-F238E27FC236}">
+                <a16:creationId xmlns:a16="http://schemas.microsoft.com/office/drawing/2014/main" id="{6BEB89B9-430A-4E10-ADF5-1E6EBEDB331D}"/>
+              </a:ext>
+            </a:extLst>
+          </p:cNvPr>
+          <p:cNvSpPr/>
+          <p:nvPr/>
+        </p:nvSpPr>
+        <p:spPr>
+          <a:xfrm rot="5400000">
+            <a:off x="4371804" y="5452195"/>
+            <a:ext cx="271014" cy="187417"/>
+          </a:xfrm>
+          <a:prstGeom prst="triangle">
+            <a:avLst>
+              <a:gd name="adj" fmla="val 44517"/>
+            </a:avLst>
+          </a:prstGeom>
+          <a:solidFill>
+            <a:schemeClr val="accent4">
+              <a:lumMod val="20000"/>
+              <a:lumOff val="80000"/>
+            </a:schemeClr>
+          </a:solidFill>
+          <a:ln w="19050">
+            <a:solidFill>
+              <a:srgbClr val="7030A0"/>
+            </a:solidFill>
+          </a:ln>
+          <a:effectLst/>
+        </p:spPr>
+        <p:style>
+          <a:lnRef idx="1">
+            <a:schemeClr val="accent6"/>
+          </a:lnRef>
+          <a:fillRef idx="2">
+            <a:schemeClr val="accent6"/>
+          </a:fillRef>
+          <a:effectRef idx="1">
+            <a:schemeClr val="accent6"/>
+          </a:effectRef>
+          <a:fontRef idx="minor">
+            <a:schemeClr val="dk1"/>
+          </a:fontRef>
+        </p:style>
+        <p:txBody>
+          <a:bodyPr rtlCol="0" anchor="ctr"/>
+          <a:lstStyle/>
+          <a:p>
+            <a:pPr algn="ctr"/>
+            <a:endParaRPr lang="en-SG" sz="1050"/>
+          </a:p>
+        </p:txBody>
+      </p:sp>
+      <p:cxnSp>
+        <p:nvCxnSpPr>
+          <p:cNvPr id="101" name="Elbow Connector 63">
+            <a:extLst>
+              <a:ext uri="{FF2B5EF4-FFF2-40B4-BE49-F238E27FC236}">
+                <a16:creationId xmlns:a16="http://schemas.microsoft.com/office/drawing/2014/main" id="{2F8ED329-59AB-4B4A-A8EA-AB820F97A47D}"/>
+              </a:ext>
+            </a:extLst>
+          </p:cNvPr>
+          <p:cNvCxnSpPr>
+            <a:cxnSpLocks/>
+          </p:cNvCxnSpPr>
+          <p:nvPr/>
+        </p:nvCxnSpPr>
+        <p:spPr>
+          <a:xfrm flipV="1">
+            <a:off x="3923596" y="5539638"/>
+            <a:ext cx="453851" cy="2698"/>
+          </a:xfrm>
+          <a:prstGeom prst="bentConnector3">
+            <a:avLst>
+              <a:gd name="adj1" fmla="val 50000"/>
+            </a:avLst>
+          </a:prstGeom>
+          <a:ln w="19050">
+            <a:solidFill>
+              <a:srgbClr val="7030A0"/>
+            </a:solidFill>
+            <a:prstDash val="sysDot"/>
+            <a:headEnd type="none" w="med" len="med"/>
+            <a:tailEnd type="none" w="med" len="med"/>
+          </a:ln>
+          <a:effectLst/>
+        </p:spPr>
+        <p:style>
+          <a:lnRef idx="1">
+            <a:schemeClr val="accent2"/>
+          </a:lnRef>
+          <a:fillRef idx="2">
+            <a:schemeClr val="accent2"/>
+          </a:fillRef>
+          <a:effectRef idx="1">
+            <a:schemeClr val="accent2"/>
+          </a:effectRef>
+          <a:fontRef idx="minor">
+            <a:schemeClr val="dk1"/>
+          </a:fontRef>
+        </p:style>
+      </p:cxnSp>
+      <p:sp>
+        <p:nvSpPr>
+          <p:cNvPr id="102" name="Rectangle 8">
+            <a:extLst>
+              <a:ext uri="{FF2B5EF4-FFF2-40B4-BE49-F238E27FC236}">
+                <a16:creationId xmlns:a16="http://schemas.microsoft.com/office/drawing/2014/main" id="{FDEDF741-2827-4532-92DD-F5B1484AE6F3}"/>
+              </a:ext>
+            </a:extLst>
+          </p:cNvPr>
+          <p:cNvSpPr/>
+          <p:nvPr/>
+        </p:nvSpPr>
+        <p:spPr>
+          <a:xfrm>
+            <a:off x="4601020" y="5342148"/>
+            <a:ext cx="1443661" cy="364396"/>
+          </a:xfrm>
+          <a:prstGeom prst="rect">
+            <a:avLst/>
+          </a:prstGeom>
+          <a:ln w="19050">
+            <a:solidFill>
+              <a:srgbClr val="7030A0"/>
+            </a:solidFill>
+          </a:ln>
+          <a:effectLst/>
+        </p:spPr>
+        <p:style>
+          <a:lnRef idx="1">
+            <a:schemeClr val="accent4"/>
+          </a:lnRef>
+          <a:fillRef idx="2">
+            <a:schemeClr val="accent4"/>
+          </a:fillRef>
+          <a:effectRef idx="1">
+            <a:schemeClr val="accent4"/>
+          </a:effectRef>
+          <a:fontRef idx="minor">
+            <a:schemeClr val="dk1"/>
+          </a:fontRef>
+        </p:style>
+        <p:txBody>
+          <a:bodyPr rtlCol="0" anchor="ctr"/>
+          <a:lstStyle/>
+          <a:p>
+            <a:pPr algn="ctr"/>
+            <a:r>
+              <a:rPr lang="en-US" sz="1050" dirty="0">
+                <a:solidFill>
+                  <a:srgbClr val="7030A0"/>
+                </a:solidFill>
+              </a:rPr>
+              <a:t>&lt;&lt;interface&gt;&gt;</a:t>
+            </a:r>
+            <a:br>
+              <a:rPr lang="en-US" sz="1050" dirty="0">
+                <a:solidFill>
+                  <a:srgbClr val="7030A0"/>
+                </a:solidFill>
+              </a:rPr>
+            </a:br>
+            <a:r>
+              <a:rPr lang="en-US" sz="1050" dirty="0" err="1">
+                <a:solidFill>
+                  <a:srgbClr val="7030A0"/>
+                </a:solidFill>
+              </a:rPr>
+              <a:t>ReadOnlyBudgetBook</a:t>
+            </a:r>
+            <a:endParaRPr lang="en-SG" sz="1050" dirty="0">
+              <a:solidFill>
+                <a:srgbClr val="7030A0"/>
+              </a:solidFill>
+            </a:endParaRPr>
+          </a:p>
+        </p:txBody>
+      </p:sp>
+      <p:sp>
+        <p:nvSpPr>
+          <p:cNvPr id="103" name="Rectangle 8">
+            <a:extLst>
+              <a:ext uri="{FF2B5EF4-FFF2-40B4-BE49-F238E27FC236}">
+                <a16:creationId xmlns:a16="http://schemas.microsoft.com/office/drawing/2014/main" id="{89BA662A-A03F-4E33-AC54-2EAF45E72AA0}"/>
+              </a:ext>
+            </a:extLst>
+          </p:cNvPr>
+          <p:cNvSpPr/>
+          <p:nvPr/>
+        </p:nvSpPr>
+        <p:spPr>
+          <a:xfrm>
+            <a:off x="3981003" y="4788049"/>
+            <a:ext cx="1156969" cy="346760"/>
+          </a:xfrm>
+          <a:prstGeom prst="rect">
+            <a:avLst/>
+          </a:prstGeom>
+          <a:ln w="19050">
+            <a:solidFill>
+              <a:srgbClr val="7030A0"/>
+            </a:solidFill>
+          </a:ln>
+          <a:effectLst/>
+        </p:spPr>
+        <p:style>
+          <a:lnRef idx="1">
+            <a:schemeClr val="accent4"/>
+          </a:lnRef>
+          <a:fillRef idx="2">
+            <a:schemeClr val="accent4"/>
+          </a:fillRef>
+          <a:effectRef idx="1">
+            <a:schemeClr val="accent4"/>
+          </a:effectRef>
+          <a:fontRef idx="minor">
+            <a:schemeClr val="dk1"/>
+          </a:fontRef>
+        </p:style>
+        <p:txBody>
+          <a:bodyPr rtlCol="0" anchor="ctr"/>
+          <a:lstStyle/>
+          <a:p>
+            <a:pPr algn="ctr"/>
+            <a:r>
+              <a:rPr lang="en-US" sz="1050" dirty="0" err="1">
+                <a:solidFill>
+                  <a:srgbClr val="7030A0"/>
+                </a:solidFill>
+              </a:rPr>
+              <a:t>UniqueCcaList</a:t>
+            </a:r>
+            <a:endParaRPr lang="en-SG" sz="1050" dirty="0">
+              <a:solidFill>
+                <a:srgbClr val="7030A0"/>
+              </a:solidFill>
+            </a:endParaRPr>
+          </a:p>
+        </p:txBody>
+      </p:sp>
+      <p:sp>
+        <p:nvSpPr>
+          <p:cNvPr id="104" name="Flowchart: Decision 96">
+            <a:extLst>
+              <a:ext uri="{FF2B5EF4-FFF2-40B4-BE49-F238E27FC236}">
+                <a16:creationId xmlns:a16="http://schemas.microsoft.com/office/drawing/2014/main" id="{39D73529-3E37-411F-AA2D-ED2CACCAF6FC}"/>
+              </a:ext>
+            </a:extLst>
+          </p:cNvPr>
+          <p:cNvSpPr/>
+          <p:nvPr/>
+        </p:nvSpPr>
+        <p:spPr>
+          <a:xfrm>
+            <a:off x="3613325" y="4862419"/>
+            <a:ext cx="236048" cy="173380"/>
+          </a:xfrm>
+          <a:prstGeom prst="flowChartDecision">
+            <a:avLst/>
+          </a:prstGeom>
+          <a:solidFill>
+            <a:srgbClr val="7030A0"/>
+          </a:solidFill>
+          <a:ln w="19050">
+            <a:solidFill>
+              <a:srgbClr val="7030A0"/>
+            </a:solidFill>
+          </a:ln>
+          <a:effectLst/>
+        </p:spPr>
+        <p:style>
+          <a:lnRef idx="1">
+            <a:schemeClr val="accent6"/>
+          </a:lnRef>
+          <a:fillRef idx="2">
+            <a:schemeClr val="accent6"/>
+          </a:fillRef>
+          <a:effectRef idx="1">
+            <a:schemeClr val="accent6"/>
+          </a:effectRef>
+          <a:fontRef idx="minor">
+            <a:schemeClr val="dk1"/>
+          </a:fontRef>
+        </p:style>
+        <p:txBody>
+          <a:bodyPr rtlCol="0" anchor="ctr"/>
+          <a:lstStyle/>
+          <a:p>
+            <a:pPr algn="ctr"/>
+            <a:endParaRPr lang="en-US" sz="1050"/>
+          </a:p>
+        </p:txBody>
+      </p:sp>
+      <p:sp>
+        <p:nvSpPr>
+          <p:cNvPr id="105" name="TextBox 104">
+            <a:extLst>
+              <a:ext uri="{FF2B5EF4-FFF2-40B4-BE49-F238E27FC236}">
+                <a16:creationId xmlns:a16="http://schemas.microsoft.com/office/drawing/2014/main" id="{714EBF62-2394-4484-8D55-6C8AA883FD3B}"/>
+              </a:ext>
+            </a:extLst>
+          </p:cNvPr>
+          <p:cNvSpPr txBox="1"/>
+          <p:nvPr/>
+        </p:nvSpPr>
+        <p:spPr>
+          <a:xfrm>
+            <a:off x="3718332" y="5053366"/>
+            <a:ext cx="189257" cy="178683"/>
+          </a:xfrm>
+          <a:prstGeom prst="rect">
+            <a:avLst/>
+          </a:prstGeom>
+          <a:noFill/>
+        </p:spPr>
+        <p:txBody>
+          <a:bodyPr wrap="square" lIns="0" tIns="0" rIns="0" bIns="0" rtlCol="0">
+            <a:noAutofit/>
+          </a:bodyPr>
+          <a:lstStyle/>
+          <a:p>
+            <a:pPr algn="ctr"/>
+            <a:r>
+              <a:rPr lang="en-US" sz="1100" dirty="0">
+                <a:solidFill>
+                  <a:srgbClr val="7030A0"/>
+                </a:solidFill>
+              </a:rPr>
+              <a:t>1</a:t>
+            </a:r>
+            <a:endParaRPr lang="en-SG" sz="1100" dirty="0">
+              <a:solidFill>
+                <a:srgbClr val="7030A0"/>
+              </a:solidFill>
+            </a:endParaRPr>
+          </a:p>
+        </p:txBody>
+      </p:sp>
+      <p:cxnSp>
+        <p:nvCxnSpPr>
+          <p:cNvPr id="106" name="Straight Arrow Connector 105">
+            <a:extLst>
+              <a:ext uri="{FF2B5EF4-FFF2-40B4-BE49-F238E27FC236}">
+                <a16:creationId xmlns:a16="http://schemas.microsoft.com/office/drawing/2014/main" id="{9D233573-D5B0-46BC-A865-62EA504E0464}"/>
+              </a:ext>
+            </a:extLst>
+          </p:cNvPr>
+          <p:cNvCxnSpPr>
+            <a:stCxn id="104" idx="1"/>
+            <a:endCxn id="103" idx="1"/>
+          </p:cNvCxnSpPr>
+          <p:nvPr/>
+        </p:nvCxnSpPr>
+        <p:spPr>
+          <a:xfrm>
+            <a:off x="3613325" y="4949109"/>
+            <a:ext cx="367678" cy="12320"/>
+          </a:xfrm>
+          <a:prstGeom prst="straightConnector1">
+            <a:avLst/>
+          </a:prstGeom>
+          <a:ln w="19050">
+            <a:solidFill>
+              <a:srgbClr val="7030A0"/>
+            </a:solidFill>
+            <a:headEnd type="none" w="med" len="med"/>
+            <a:tailEnd type="arrow" w="med" len="med"/>
+          </a:ln>
+          <a:effectLst/>
+        </p:spPr>
+        <p:style>
+          <a:lnRef idx="1">
+            <a:schemeClr val="accent2"/>
+          </a:lnRef>
+          <a:fillRef idx="2">
+            <a:schemeClr val="accent2"/>
+          </a:fillRef>
+          <a:effectRef idx="1">
+            <a:schemeClr val="accent2"/>
+          </a:effectRef>
+          <a:fontRef idx="minor">
+            <a:schemeClr val="dk1"/>
+          </a:fontRef>
+        </p:style>
+      </p:cxnSp>
+      <p:sp>
+        <p:nvSpPr>
+          <p:cNvPr id="108" name="Flowchart: Decision 96">
+            <a:extLst>
+              <a:ext uri="{FF2B5EF4-FFF2-40B4-BE49-F238E27FC236}">
+                <a16:creationId xmlns:a16="http://schemas.microsoft.com/office/drawing/2014/main" id="{6CE8C138-BD8D-4692-B4ED-A354DDF3B01F}"/>
+              </a:ext>
+            </a:extLst>
+          </p:cNvPr>
+          <p:cNvSpPr/>
+          <p:nvPr/>
+        </p:nvSpPr>
+        <p:spPr>
+          <a:xfrm>
+            <a:off x="5148877" y="4854296"/>
+            <a:ext cx="236048" cy="173380"/>
+          </a:xfrm>
+          <a:prstGeom prst="flowChartDecision">
+            <a:avLst/>
+          </a:prstGeom>
+          <a:noFill/>
+          <a:ln w="19050">
+            <a:solidFill>
+              <a:srgbClr val="7030A0"/>
+            </a:solidFill>
+          </a:ln>
+          <a:effectLst/>
+        </p:spPr>
+        <p:style>
+          <a:lnRef idx="1">
+            <a:schemeClr val="accent6"/>
+          </a:lnRef>
+          <a:fillRef idx="2">
+            <a:schemeClr val="accent6"/>
+          </a:fillRef>
+          <a:effectRef idx="1">
+            <a:schemeClr val="accent6"/>
+          </a:effectRef>
+          <a:fontRef idx="minor">
+            <a:schemeClr val="dk1"/>
+          </a:fontRef>
+        </p:style>
+        <p:txBody>
+          <a:bodyPr rtlCol="0" anchor="ctr"/>
+          <a:lstStyle/>
+          <a:p>
+            <a:pPr algn="ctr"/>
+            <a:endParaRPr lang="en-US" sz="1050"/>
+          </a:p>
+        </p:txBody>
+      </p:sp>
+      <p:cxnSp>
+        <p:nvCxnSpPr>
+          <p:cNvPr id="109" name="Elbow Connector 63">
+            <a:extLst>
+              <a:ext uri="{FF2B5EF4-FFF2-40B4-BE49-F238E27FC236}">
+                <a16:creationId xmlns:a16="http://schemas.microsoft.com/office/drawing/2014/main" id="{32DDDC81-518C-4A9A-97E5-5AF7450DBBD9}"/>
+              </a:ext>
+            </a:extLst>
+          </p:cNvPr>
+          <p:cNvCxnSpPr>
+            <a:cxnSpLocks/>
+          </p:cNvCxnSpPr>
+          <p:nvPr/>
+        </p:nvCxnSpPr>
+        <p:spPr>
+          <a:xfrm>
+            <a:off x="5384925" y="4940986"/>
+            <a:ext cx="218878" cy="3080"/>
+          </a:xfrm>
+          <a:prstGeom prst="bentConnector3">
+            <a:avLst/>
+          </a:prstGeom>
+          <a:ln w="19050">
+            <a:solidFill>
+              <a:srgbClr val="7030A0"/>
+            </a:solidFill>
+            <a:headEnd type="none" w="med" len="med"/>
+            <a:tailEnd type="arrow" w="med" len="med"/>
+          </a:ln>
+          <a:effectLst/>
+        </p:spPr>
+        <p:style>
+          <a:lnRef idx="1">
+            <a:schemeClr val="accent2"/>
+          </a:lnRef>
+          <a:fillRef idx="2">
+            <a:schemeClr val="accent2"/>
+          </a:fillRef>
+          <a:effectRef idx="1">
+            <a:schemeClr val="accent2"/>
+          </a:effectRef>
+          <a:fontRef idx="minor">
+            <a:schemeClr val="dk1"/>
+          </a:fontRef>
+        </p:style>
+      </p:cxnSp>
+      <p:sp>
+        <p:nvSpPr>
+          <p:cNvPr id="110" name="TextBox 109">
+            <a:extLst>
+              <a:ext uri="{FF2B5EF4-FFF2-40B4-BE49-F238E27FC236}">
+                <a16:creationId xmlns:a16="http://schemas.microsoft.com/office/drawing/2014/main" id="{FE230B1F-082D-4078-BF53-51BEAD61BA71}"/>
+              </a:ext>
+            </a:extLst>
+          </p:cNvPr>
+          <p:cNvSpPr txBox="1"/>
+          <p:nvPr/>
+        </p:nvSpPr>
+        <p:spPr>
+          <a:xfrm>
+            <a:off x="5324897" y="1600234"/>
+            <a:ext cx="189257" cy="178683"/>
+          </a:xfrm>
+          <a:prstGeom prst="rect">
+            <a:avLst/>
+          </a:prstGeom>
+          <a:noFill/>
+        </p:spPr>
+        <p:txBody>
+          <a:bodyPr wrap="square" lIns="0" tIns="0" rIns="0" bIns="0" rtlCol="0">
+            <a:noAutofit/>
+          </a:bodyPr>
+          <a:lstStyle/>
+          <a:p>
+            <a:pPr algn="ctr"/>
+            <a:r>
+              <a:rPr lang="en-US" sz="1100" dirty="0">
+                <a:solidFill>
+                  <a:srgbClr val="7030A0"/>
+                </a:solidFill>
+              </a:rPr>
+              <a:t>*</a:t>
+            </a:r>
+            <a:endParaRPr lang="en-SG" sz="1100" dirty="0">
+              <a:solidFill>
+                <a:srgbClr val="7030A0"/>
+              </a:solidFill>
+            </a:endParaRPr>
+          </a:p>
+        </p:txBody>
+      </p:sp>
+      <p:sp>
+        <p:nvSpPr>
+          <p:cNvPr id="111" name="Rectangle 8">
+            <a:extLst>
+              <a:ext uri="{FF2B5EF4-FFF2-40B4-BE49-F238E27FC236}">
+                <a16:creationId xmlns:a16="http://schemas.microsoft.com/office/drawing/2014/main" id="{05AF2043-527E-46B5-B9F9-AA724EE2FB3F}"/>
+              </a:ext>
+            </a:extLst>
+          </p:cNvPr>
+          <p:cNvSpPr/>
+          <p:nvPr/>
+        </p:nvSpPr>
+        <p:spPr>
+          <a:xfrm>
+            <a:off x="5598407" y="4788049"/>
+            <a:ext cx="708186" cy="346760"/>
+          </a:xfrm>
+          <a:prstGeom prst="rect">
+            <a:avLst/>
+          </a:prstGeom>
+          <a:ln w="19050">
+            <a:solidFill>
+              <a:srgbClr val="7030A0"/>
+            </a:solidFill>
+          </a:ln>
+          <a:effectLst/>
+        </p:spPr>
+        <p:style>
+          <a:lnRef idx="1">
+            <a:schemeClr val="accent4"/>
+          </a:lnRef>
+          <a:fillRef idx="2">
+            <a:schemeClr val="accent4"/>
+          </a:fillRef>
+          <a:effectRef idx="1">
+            <a:schemeClr val="accent4"/>
+          </a:effectRef>
+          <a:fontRef idx="minor">
+            <a:schemeClr val="dk1"/>
+          </a:fontRef>
+        </p:style>
+        <p:txBody>
+          <a:bodyPr rtlCol="0" anchor="ctr"/>
+          <a:lstStyle/>
+          <a:p>
+            <a:pPr algn="ctr"/>
+            <a:r>
+              <a:rPr lang="en-US" sz="1050" dirty="0" err="1">
+                <a:solidFill>
+                  <a:srgbClr val="7030A0"/>
+                </a:solidFill>
+              </a:rPr>
+              <a:t>Cca</a:t>
+            </a:r>
+            <a:endParaRPr lang="en-SG" sz="1050" dirty="0">
+              <a:solidFill>
+                <a:srgbClr val="7030A0"/>
+              </a:solidFill>
+            </a:endParaRPr>
+          </a:p>
+        </p:txBody>
+      </p:sp>
+      <p:cxnSp>
+        <p:nvCxnSpPr>
+          <p:cNvPr id="112" name="Elbow Connector 80">
+            <a:extLst>
+              <a:ext uri="{FF2B5EF4-FFF2-40B4-BE49-F238E27FC236}">
+                <a16:creationId xmlns:a16="http://schemas.microsoft.com/office/drawing/2014/main" id="{8434E8C7-391A-4E06-A578-0C7F67DF4A85}"/>
+              </a:ext>
+            </a:extLst>
+          </p:cNvPr>
+          <p:cNvCxnSpPr>
+            <a:cxnSpLocks/>
+          </p:cNvCxnSpPr>
+          <p:nvPr/>
+        </p:nvCxnSpPr>
+        <p:spPr>
+          <a:xfrm>
+            <a:off x="6552488" y="4938552"/>
+            <a:ext cx="429006" cy="1741"/>
+          </a:xfrm>
+          <a:prstGeom prst="bentConnector3">
+            <a:avLst/>
+          </a:prstGeom>
+          <a:ln w="19050">
+            <a:solidFill>
+              <a:srgbClr val="7030A0"/>
+            </a:solidFill>
+            <a:headEnd type="none" w="med" len="med"/>
+            <a:tailEnd type="arrow" w="med" len="med"/>
+          </a:ln>
+          <a:effectLst/>
+        </p:spPr>
+        <p:style>
+          <a:lnRef idx="1">
+            <a:schemeClr val="accent2"/>
+          </a:lnRef>
+          <a:fillRef idx="2">
+            <a:schemeClr val="accent2"/>
+          </a:fillRef>
+          <a:effectRef idx="1">
+            <a:schemeClr val="accent2"/>
+          </a:effectRef>
+          <a:fontRef idx="minor">
+            <a:schemeClr val="dk1"/>
+          </a:fontRef>
+        </p:style>
+      </p:cxnSp>
+      <p:sp>
+        <p:nvSpPr>
+          <p:cNvPr id="113" name="Rectangle 8">
+            <a:extLst>
+              <a:ext uri="{FF2B5EF4-FFF2-40B4-BE49-F238E27FC236}">
+                <a16:creationId xmlns:a16="http://schemas.microsoft.com/office/drawing/2014/main" id="{A820550D-B5CB-4199-8420-23A1B1F794AC}"/>
+              </a:ext>
+            </a:extLst>
+          </p:cNvPr>
+          <p:cNvSpPr/>
+          <p:nvPr/>
+        </p:nvSpPr>
+        <p:spPr>
+          <a:xfrm>
+            <a:off x="6988014" y="4140426"/>
+            <a:ext cx="708186" cy="285783"/>
+          </a:xfrm>
+          <a:prstGeom prst="rect">
+            <a:avLst/>
+          </a:prstGeom>
+          <a:ln w="19050">
+            <a:solidFill>
+              <a:srgbClr val="7030A0"/>
+            </a:solidFill>
+          </a:ln>
+          <a:effectLst/>
+        </p:spPr>
+        <p:style>
+          <a:lnRef idx="1">
+            <a:schemeClr val="accent4"/>
+          </a:lnRef>
+          <a:fillRef idx="2">
+            <a:schemeClr val="accent4"/>
+          </a:fillRef>
+          <a:effectRef idx="1">
+            <a:schemeClr val="accent4"/>
+          </a:effectRef>
+          <a:fontRef idx="minor">
+            <a:schemeClr val="dk1"/>
+          </a:fontRef>
+        </p:style>
+        <p:txBody>
+          <a:bodyPr rtlCol="0" anchor="ctr"/>
+          <a:lstStyle/>
+          <a:p>
+            <a:pPr algn="ctr"/>
+            <a:r>
+              <a:rPr lang="en-US" sz="1050" dirty="0" err="1">
+                <a:solidFill>
+                  <a:srgbClr val="7030A0"/>
+                </a:solidFill>
+              </a:rPr>
+              <a:t>CcaName</a:t>
+            </a:r>
+            <a:endParaRPr lang="en-SG" sz="1050" dirty="0">
+              <a:solidFill>
+                <a:srgbClr val="7030A0"/>
+              </a:solidFill>
+            </a:endParaRPr>
+          </a:p>
+        </p:txBody>
+      </p:sp>
+      <p:cxnSp>
+        <p:nvCxnSpPr>
+          <p:cNvPr id="115" name="Elbow Connector 83">
+            <a:extLst>
+              <a:ext uri="{FF2B5EF4-FFF2-40B4-BE49-F238E27FC236}">
+                <a16:creationId xmlns:a16="http://schemas.microsoft.com/office/drawing/2014/main" id="{78E8DDA5-3FCE-49D2-88A8-1A9A122B4F86}"/>
+              </a:ext>
+            </a:extLst>
+          </p:cNvPr>
+          <p:cNvCxnSpPr/>
+          <p:nvPr/>
+        </p:nvCxnSpPr>
+        <p:spPr>
+          <a:xfrm>
+            <a:off x="6547092" y="4942304"/>
+            <a:ext cx="434402" cy="318195"/>
+          </a:xfrm>
+          <a:prstGeom prst="bentConnector3">
+            <a:avLst/>
+          </a:prstGeom>
+          <a:ln w="19050">
+            <a:solidFill>
+              <a:srgbClr val="7030A0"/>
+            </a:solidFill>
+            <a:headEnd type="none" w="med" len="med"/>
+            <a:tailEnd type="arrow" w="med" len="med"/>
+          </a:ln>
+          <a:effectLst/>
+        </p:spPr>
+        <p:style>
+          <a:lnRef idx="1">
+            <a:schemeClr val="accent2"/>
+          </a:lnRef>
+          <a:fillRef idx="2">
+            <a:schemeClr val="accent2"/>
+          </a:fillRef>
+          <a:effectRef idx="1">
+            <a:schemeClr val="accent2"/>
+          </a:effectRef>
+          <a:fontRef idx="minor">
+            <a:schemeClr val="dk1"/>
+          </a:fontRef>
+        </p:style>
+      </p:cxnSp>
+      <p:sp>
+        <p:nvSpPr>
+          <p:cNvPr id="116" name="Rectangle 8">
+            <a:extLst>
+              <a:ext uri="{FF2B5EF4-FFF2-40B4-BE49-F238E27FC236}">
+                <a16:creationId xmlns:a16="http://schemas.microsoft.com/office/drawing/2014/main" id="{3DE916F4-26CA-4A1B-8D15-3D00784D057C}"/>
+              </a:ext>
+            </a:extLst>
+          </p:cNvPr>
+          <p:cNvSpPr/>
+          <p:nvPr/>
+        </p:nvSpPr>
+        <p:spPr>
+          <a:xfrm>
+            <a:off x="6988014" y="4468715"/>
+            <a:ext cx="708186" cy="285783"/>
+          </a:xfrm>
+          <a:prstGeom prst="rect">
+            <a:avLst/>
+          </a:prstGeom>
+          <a:ln w="19050">
+            <a:solidFill>
+              <a:srgbClr val="7030A0"/>
+            </a:solidFill>
+          </a:ln>
+          <a:effectLst/>
+        </p:spPr>
+        <p:style>
+          <a:lnRef idx="1">
+            <a:schemeClr val="accent4"/>
+          </a:lnRef>
+          <a:fillRef idx="2">
+            <a:schemeClr val="accent4"/>
+          </a:fillRef>
+          <a:effectRef idx="1">
+            <a:schemeClr val="accent4"/>
+          </a:effectRef>
+          <a:fontRef idx="minor">
+            <a:schemeClr val="dk1"/>
+          </a:fontRef>
+        </p:style>
+        <p:txBody>
+          <a:bodyPr rtlCol="0" anchor="ctr"/>
+          <a:lstStyle/>
+          <a:p>
+            <a:pPr algn="ctr"/>
+            <a:r>
+              <a:rPr lang="en-US" sz="1050" dirty="0">
+                <a:solidFill>
+                  <a:srgbClr val="7030A0"/>
+                </a:solidFill>
+              </a:rPr>
+              <a:t>Head</a:t>
+            </a:r>
+            <a:endParaRPr lang="en-SG" sz="1050" dirty="0">
+              <a:solidFill>
+                <a:srgbClr val="7030A0"/>
+              </a:solidFill>
+            </a:endParaRPr>
+          </a:p>
+        </p:txBody>
+      </p:sp>
+      <p:sp>
+        <p:nvSpPr>
+          <p:cNvPr id="117" name="Flowchart: Decision 96">
+            <a:extLst>
+              <a:ext uri="{FF2B5EF4-FFF2-40B4-BE49-F238E27FC236}">
+                <a16:creationId xmlns:a16="http://schemas.microsoft.com/office/drawing/2014/main" id="{993D9E5B-E99A-45FD-9E6E-D76596987515}"/>
+              </a:ext>
+            </a:extLst>
+          </p:cNvPr>
+          <p:cNvSpPr/>
+          <p:nvPr/>
+        </p:nvSpPr>
+        <p:spPr>
+          <a:xfrm>
+            <a:off x="6309943" y="4848934"/>
+            <a:ext cx="236048" cy="173380"/>
+          </a:xfrm>
+          <a:prstGeom prst="flowChartDecision">
+            <a:avLst/>
+          </a:prstGeom>
+          <a:solidFill>
+            <a:srgbClr val="7030A0"/>
+          </a:solidFill>
+          <a:ln w="19050">
+            <a:solidFill>
+              <a:srgbClr val="7030A0"/>
+            </a:solidFill>
+          </a:ln>
+          <a:effectLst/>
+        </p:spPr>
+        <p:style>
+          <a:lnRef idx="1">
+            <a:schemeClr val="accent6"/>
+          </a:lnRef>
+          <a:fillRef idx="2">
+            <a:schemeClr val="accent6"/>
+          </a:fillRef>
+          <a:effectRef idx="1">
+            <a:schemeClr val="accent6"/>
+          </a:effectRef>
+          <a:fontRef idx="minor">
+            <a:schemeClr val="dk1"/>
+          </a:fontRef>
+        </p:style>
+        <p:txBody>
+          <a:bodyPr rtlCol="0" anchor="ctr"/>
+          <a:lstStyle/>
+          <a:p>
+            <a:pPr algn="ctr"/>
+            <a:endParaRPr lang="en-US" sz="1050" dirty="0"/>
+          </a:p>
+        </p:txBody>
+      </p:sp>
+      <p:cxnSp>
+        <p:nvCxnSpPr>
+          <p:cNvPr id="121" name="Elbow Connector 78">
+            <a:extLst>
+              <a:ext uri="{FF2B5EF4-FFF2-40B4-BE49-F238E27FC236}">
+                <a16:creationId xmlns:a16="http://schemas.microsoft.com/office/drawing/2014/main" id="{A94AF2EB-E381-4797-B91B-BCC72D0690A5}"/>
+              </a:ext>
+            </a:extLst>
+          </p:cNvPr>
+          <p:cNvCxnSpPr>
+            <a:cxnSpLocks/>
+          </p:cNvCxnSpPr>
+          <p:nvPr/>
+        </p:nvCxnSpPr>
+        <p:spPr>
+          <a:xfrm flipV="1">
+            <a:off x="6552808" y="4612567"/>
+            <a:ext cx="434402" cy="327761"/>
+          </a:xfrm>
+          <a:prstGeom prst="bentConnector3">
+            <a:avLst/>
+          </a:prstGeom>
+          <a:ln w="19050">
+            <a:solidFill>
+              <a:srgbClr val="7030A0"/>
+            </a:solidFill>
+            <a:headEnd type="none" w="med" len="med"/>
+            <a:tailEnd type="arrow" w="med" len="med"/>
+          </a:ln>
+          <a:effectLst/>
+        </p:spPr>
+        <p:style>
+          <a:lnRef idx="1">
+            <a:schemeClr val="accent2"/>
+          </a:lnRef>
+          <a:fillRef idx="2">
+            <a:schemeClr val="accent2"/>
+          </a:fillRef>
+          <a:effectRef idx="1">
+            <a:schemeClr val="accent2"/>
+          </a:effectRef>
+          <a:fontRef idx="minor">
+            <a:schemeClr val="dk1"/>
+          </a:fontRef>
+        </p:style>
+      </p:cxnSp>
+      <p:cxnSp>
+        <p:nvCxnSpPr>
+          <p:cNvPr id="123" name="Elbow Connector 78">
+            <a:extLst>
+              <a:ext uri="{FF2B5EF4-FFF2-40B4-BE49-F238E27FC236}">
+                <a16:creationId xmlns:a16="http://schemas.microsoft.com/office/drawing/2014/main" id="{E256879A-0074-4CE9-9977-D9186BEF92F1}"/>
+              </a:ext>
+            </a:extLst>
+          </p:cNvPr>
+          <p:cNvCxnSpPr>
+            <a:cxnSpLocks/>
+          </p:cNvCxnSpPr>
+          <p:nvPr/>
+        </p:nvCxnSpPr>
+        <p:spPr>
+          <a:xfrm flipV="1">
+            <a:off x="6552808" y="4278134"/>
+            <a:ext cx="434402" cy="663182"/>
+          </a:xfrm>
+          <a:prstGeom prst="bentConnector3">
+            <a:avLst>
+              <a:gd name="adj1" fmla="val 50000"/>
+            </a:avLst>
+          </a:prstGeom>
+          <a:ln w="19050">
+            <a:solidFill>
+              <a:srgbClr val="7030A0"/>
+            </a:solidFill>
+            <a:headEnd type="none" w="med" len="med"/>
+            <a:tailEnd type="arrow" w="med" len="med"/>
+          </a:ln>
+          <a:effectLst/>
+        </p:spPr>
+        <p:style>
+          <a:lnRef idx="1">
+            <a:schemeClr val="accent2"/>
+          </a:lnRef>
+          <a:fillRef idx="2">
+            <a:schemeClr val="accent2"/>
+          </a:fillRef>
+          <a:effectRef idx="1">
+            <a:schemeClr val="accent2"/>
+          </a:effectRef>
+          <a:fontRef idx="minor">
+            <a:schemeClr val="dk1"/>
+          </a:fontRef>
+        </p:style>
+      </p:cxnSp>
+      <p:sp>
+        <p:nvSpPr>
+          <p:cNvPr id="125" name="Rectangle 8">
+            <a:extLst>
+              <a:ext uri="{FF2B5EF4-FFF2-40B4-BE49-F238E27FC236}">
+                <a16:creationId xmlns:a16="http://schemas.microsoft.com/office/drawing/2014/main" id="{F11C9D45-6F8B-4DDE-9C3C-272F73056C1A}"/>
+              </a:ext>
+            </a:extLst>
+          </p:cNvPr>
+          <p:cNvSpPr/>
+          <p:nvPr/>
+        </p:nvSpPr>
+        <p:spPr>
+          <a:xfrm>
+            <a:off x="6992752" y="4796752"/>
+            <a:ext cx="708186" cy="285783"/>
+          </a:xfrm>
+          <a:prstGeom prst="rect">
+            <a:avLst/>
+          </a:prstGeom>
+          <a:ln w="19050">
+            <a:solidFill>
+              <a:srgbClr val="7030A0"/>
+            </a:solidFill>
+          </a:ln>
+          <a:effectLst/>
+        </p:spPr>
+        <p:style>
+          <a:lnRef idx="1">
+            <a:schemeClr val="accent4"/>
+          </a:lnRef>
+          <a:fillRef idx="2">
+            <a:schemeClr val="accent4"/>
+          </a:fillRef>
+          <a:effectRef idx="1">
+            <a:schemeClr val="accent4"/>
+          </a:effectRef>
+          <a:fontRef idx="minor">
+            <a:schemeClr val="dk1"/>
+          </a:fontRef>
+        </p:style>
+        <p:txBody>
+          <a:bodyPr rtlCol="0" anchor="ctr"/>
+          <a:lstStyle/>
+          <a:p>
+            <a:pPr algn="ctr"/>
+            <a:r>
+              <a:rPr lang="en-US" sz="1050" dirty="0" err="1">
+                <a:solidFill>
+                  <a:srgbClr val="7030A0"/>
+                </a:solidFill>
+              </a:rPr>
+              <a:t>ViceHead</a:t>
+            </a:r>
+            <a:endParaRPr lang="en-SG" sz="1050" dirty="0">
+              <a:solidFill>
+                <a:srgbClr val="7030A0"/>
+              </a:solidFill>
+            </a:endParaRPr>
+          </a:p>
+        </p:txBody>
+      </p:sp>
+      <p:sp>
+        <p:nvSpPr>
+          <p:cNvPr id="126" name="Rectangle 8">
+            <a:extLst>
+              <a:ext uri="{FF2B5EF4-FFF2-40B4-BE49-F238E27FC236}">
+                <a16:creationId xmlns:a16="http://schemas.microsoft.com/office/drawing/2014/main" id="{5F92E899-65FC-4CDF-8ADD-ED6524E5865C}"/>
+              </a:ext>
+            </a:extLst>
+          </p:cNvPr>
+          <p:cNvSpPr/>
+          <p:nvPr/>
+        </p:nvSpPr>
+        <p:spPr>
+          <a:xfrm>
+            <a:off x="6988014" y="5134150"/>
+            <a:ext cx="708186" cy="285783"/>
+          </a:xfrm>
+          <a:prstGeom prst="rect">
+            <a:avLst/>
+          </a:prstGeom>
+          <a:ln w="19050">
+            <a:solidFill>
+              <a:srgbClr val="7030A0"/>
+            </a:solidFill>
+          </a:ln>
+          <a:effectLst/>
+        </p:spPr>
+        <p:style>
+          <a:lnRef idx="1">
+            <a:schemeClr val="accent4"/>
+          </a:lnRef>
+          <a:fillRef idx="2">
+            <a:schemeClr val="accent4"/>
+          </a:fillRef>
+          <a:effectRef idx="1">
+            <a:schemeClr val="accent4"/>
+          </a:effectRef>
+          <a:fontRef idx="minor">
+            <a:schemeClr val="dk1"/>
+          </a:fontRef>
+        </p:style>
+        <p:txBody>
+          <a:bodyPr rtlCol="0" anchor="ctr"/>
+          <a:lstStyle/>
+          <a:p>
+            <a:pPr algn="ctr"/>
+            <a:r>
+              <a:rPr lang="en-US" sz="1050" dirty="0">
+                <a:solidFill>
+                  <a:srgbClr val="7030A0"/>
+                </a:solidFill>
+              </a:rPr>
+              <a:t>Budget</a:t>
+            </a:r>
+            <a:endParaRPr lang="en-SG" sz="1050" dirty="0">
+              <a:solidFill>
+                <a:srgbClr val="7030A0"/>
+              </a:solidFill>
+            </a:endParaRPr>
+          </a:p>
+        </p:txBody>
+      </p:sp>
+      <p:cxnSp>
+        <p:nvCxnSpPr>
+          <p:cNvPr id="127" name="Elbow Connector 85">
+            <a:extLst>
+              <a:ext uri="{FF2B5EF4-FFF2-40B4-BE49-F238E27FC236}">
+                <a16:creationId xmlns:a16="http://schemas.microsoft.com/office/drawing/2014/main" id="{4983B1CC-54DE-409A-A795-3D4545E445DA}"/>
+              </a:ext>
+            </a:extLst>
+          </p:cNvPr>
+          <p:cNvCxnSpPr/>
+          <p:nvPr/>
+        </p:nvCxnSpPr>
+        <p:spPr>
+          <a:xfrm>
+            <a:off x="6545201" y="4940664"/>
+            <a:ext cx="434402" cy="641172"/>
+          </a:xfrm>
+          <a:prstGeom prst="bentConnector3">
+            <a:avLst/>
+          </a:prstGeom>
+          <a:ln w="19050">
+            <a:solidFill>
+              <a:srgbClr val="7030A0"/>
+            </a:solidFill>
+            <a:headEnd type="none" w="med" len="med"/>
+            <a:tailEnd type="arrow" w="med" len="med"/>
+          </a:ln>
+          <a:effectLst/>
+        </p:spPr>
+        <p:style>
+          <a:lnRef idx="1">
+            <a:schemeClr val="accent2"/>
+          </a:lnRef>
+          <a:fillRef idx="2">
+            <a:schemeClr val="accent2"/>
+          </a:fillRef>
+          <a:effectRef idx="1">
+            <a:schemeClr val="accent2"/>
+          </a:effectRef>
+          <a:fontRef idx="minor">
+            <a:schemeClr val="dk1"/>
+          </a:fontRef>
+        </p:style>
+      </p:cxnSp>
+      <p:sp>
+        <p:nvSpPr>
+          <p:cNvPr id="128" name="Rectangle 8">
+            <a:extLst>
+              <a:ext uri="{FF2B5EF4-FFF2-40B4-BE49-F238E27FC236}">
+                <a16:creationId xmlns:a16="http://schemas.microsoft.com/office/drawing/2014/main" id="{D616FA96-6C08-485F-AF20-068C47F744F7}"/>
+              </a:ext>
+            </a:extLst>
+          </p:cNvPr>
+          <p:cNvSpPr/>
+          <p:nvPr/>
+        </p:nvSpPr>
+        <p:spPr>
+          <a:xfrm>
+            <a:off x="6979603" y="5456721"/>
+            <a:ext cx="708186" cy="285783"/>
+          </a:xfrm>
+          <a:prstGeom prst="rect">
+            <a:avLst/>
+          </a:prstGeom>
+          <a:ln w="19050">
+            <a:solidFill>
+              <a:srgbClr val="7030A0"/>
+            </a:solidFill>
+          </a:ln>
+          <a:effectLst/>
+        </p:spPr>
+        <p:style>
+          <a:lnRef idx="1">
+            <a:schemeClr val="accent4"/>
+          </a:lnRef>
+          <a:fillRef idx="2">
+            <a:schemeClr val="accent4"/>
+          </a:fillRef>
+          <a:effectRef idx="1">
+            <a:schemeClr val="accent4"/>
+          </a:effectRef>
+          <a:fontRef idx="minor">
+            <a:schemeClr val="dk1"/>
+          </a:fontRef>
+        </p:style>
+        <p:txBody>
+          <a:bodyPr rtlCol="0" anchor="ctr"/>
+          <a:lstStyle/>
+          <a:p>
+            <a:pPr algn="ctr"/>
+            <a:r>
+              <a:rPr lang="en-US" sz="1050" dirty="0">
+                <a:solidFill>
+                  <a:srgbClr val="7030A0"/>
+                </a:solidFill>
+              </a:rPr>
+              <a:t>Spent</a:t>
+            </a:r>
+            <a:endParaRPr lang="en-SG" sz="1050" dirty="0">
+              <a:solidFill>
+                <a:srgbClr val="7030A0"/>
+              </a:solidFill>
+            </a:endParaRPr>
+          </a:p>
+        </p:txBody>
+      </p:sp>
+      <p:cxnSp>
+        <p:nvCxnSpPr>
+          <p:cNvPr id="129" name="Elbow Connector 80">
+            <a:extLst>
+              <a:ext uri="{FF2B5EF4-FFF2-40B4-BE49-F238E27FC236}">
+                <a16:creationId xmlns:a16="http://schemas.microsoft.com/office/drawing/2014/main" id="{84FE1CEC-E137-481D-A072-7AC2B2A148E8}"/>
+              </a:ext>
+            </a:extLst>
+          </p:cNvPr>
+          <p:cNvCxnSpPr>
+            <a:cxnSpLocks/>
+          </p:cNvCxnSpPr>
+          <p:nvPr/>
+        </p:nvCxnSpPr>
+        <p:spPr>
+          <a:xfrm rot="16200000" flipH="1">
+            <a:off x="6726375" y="5617369"/>
+            <a:ext cx="291146" cy="217201"/>
+          </a:xfrm>
+          <a:prstGeom prst="bentConnector3">
+            <a:avLst>
+              <a:gd name="adj1" fmla="val 99728"/>
+            </a:avLst>
+          </a:prstGeom>
+          <a:ln w="19050">
+            <a:solidFill>
+              <a:srgbClr val="7030A0"/>
+            </a:solidFill>
+            <a:headEnd type="none" w="med" len="med"/>
+            <a:tailEnd type="arrow" w="med" len="med"/>
+          </a:ln>
+          <a:effectLst/>
+        </p:spPr>
+        <p:style>
+          <a:lnRef idx="1">
+            <a:schemeClr val="accent2"/>
+          </a:lnRef>
+          <a:fillRef idx="2">
+            <a:schemeClr val="accent2"/>
+          </a:fillRef>
+          <a:effectRef idx="1">
+            <a:schemeClr val="accent2"/>
+          </a:effectRef>
+          <a:fontRef idx="minor">
+            <a:schemeClr val="dk1"/>
+          </a:fontRef>
+        </p:style>
+      </p:cxnSp>
+      <p:sp>
+        <p:nvSpPr>
+          <p:cNvPr id="130" name="Rectangle 8">
+            <a:extLst>
+              <a:ext uri="{FF2B5EF4-FFF2-40B4-BE49-F238E27FC236}">
+                <a16:creationId xmlns:a16="http://schemas.microsoft.com/office/drawing/2014/main" id="{54EE7080-CBD4-4CA5-88EA-BE06CA3DF2FE}"/>
+              </a:ext>
+            </a:extLst>
+          </p:cNvPr>
+          <p:cNvSpPr/>
+          <p:nvPr/>
+        </p:nvSpPr>
+        <p:spPr>
+          <a:xfrm>
+            <a:off x="6979603" y="5785597"/>
+            <a:ext cx="708186" cy="285783"/>
+          </a:xfrm>
+          <a:prstGeom prst="rect">
+            <a:avLst/>
+          </a:prstGeom>
+          <a:ln w="19050">
+            <a:solidFill>
+              <a:srgbClr val="7030A0"/>
+            </a:solidFill>
+          </a:ln>
+          <a:effectLst/>
+        </p:spPr>
+        <p:style>
+          <a:lnRef idx="1">
+            <a:schemeClr val="accent4"/>
+          </a:lnRef>
+          <a:fillRef idx="2">
+            <a:schemeClr val="accent4"/>
+          </a:fillRef>
+          <a:effectRef idx="1">
+            <a:schemeClr val="accent4"/>
+          </a:effectRef>
+          <a:fontRef idx="minor">
+            <a:schemeClr val="dk1"/>
+          </a:fontRef>
+        </p:style>
+        <p:txBody>
+          <a:bodyPr rtlCol="0" anchor="ctr"/>
+          <a:lstStyle/>
+          <a:p>
+            <a:pPr algn="ctr"/>
+            <a:r>
+              <a:rPr lang="en-US" sz="800" dirty="0">
+                <a:solidFill>
+                  <a:srgbClr val="7030A0"/>
+                </a:solidFill>
+              </a:rPr>
+              <a:t>Outstanding</a:t>
+            </a:r>
+            <a:endParaRPr lang="en-SG" sz="800" dirty="0">
+              <a:solidFill>
+                <a:srgbClr val="7030A0"/>
+              </a:solidFill>
+            </a:endParaRPr>
+          </a:p>
+        </p:txBody>
+      </p:sp>
+      <p:cxnSp>
+        <p:nvCxnSpPr>
+          <p:cNvPr id="131" name="Elbow Connector 80">
+            <a:extLst>
+              <a:ext uri="{FF2B5EF4-FFF2-40B4-BE49-F238E27FC236}">
+                <a16:creationId xmlns:a16="http://schemas.microsoft.com/office/drawing/2014/main" id="{FB545BB2-0DF6-4D53-8917-09A9834B0277}"/>
+              </a:ext>
+            </a:extLst>
+          </p:cNvPr>
+          <p:cNvCxnSpPr>
+            <a:cxnSpLocks/>
+          </p:cNvCxnSpPr>
+          <p:nvPr/>
+        </p:nvCxnSpPr>
+        <p:spPr>
+          <a:xfrm rot="16200000" flipH="1">
+            <a:off x="6722286" y="5917153"/>
+            <a:ext cx="291146" cy="217201"/>
+          </a:xfrm>
+          <a:prstGeom prst="bentConnector3">
+            <a:avLst>
+              <a:gd name="adj1" fmla="val 99728"/>
+            </a:avLst>
+          </a:prstGeom>
+          <a:ln w="19050">
+            <a:solidFill>
+              <a:srgbClr val="7030A0"/>
+            </a:solidFill>
+            <a:headEnd type="none" w="med" len="med"/>
+            <a:tailEnd type="arrow" w="med" len="med"/>
+          </a:ln>
+          <a:effectLst/>
+        </p:spPr>
+        <p:style>
+          <a:lnRef idx="1">
+            <a:schemeClr val="accent2"/>
+          </a:lnRef>
+          <a:fillRef idx="2">
+            <a:schemeClr val="accent2"/>
+          </a:fillRef>
+          <a:effectRef idx="1">
+            <a:schemeClr val="accent2"/>
+          </a:effectRef>
+          <a:fontRef idx="minor">
+            <a:schemeClr val="dk1"/>
+          </a:fontRef>
+        </p:style>
+      </p:cxnSp>
+      <p:sp>
+        <p:nvSpPr>
+          <p:cNvPr id="132" name="Rectangle 8">
+            <a:extLst>
+              <a:ext uri="{FF2B5EF4-FFF2-40B4-BE49-F238E27FC236}">
+                <a16:creationId xmlns:a16="http://schemas.microsoft.com/office/drawing/2014/main" id="{5BC23CEC-28B4-4797-8C13-99867B2D4291}"/>
+              </a:ext>
+            </a:extLst>
+          </p:cNvPr>
+          <p:cNvSpPr/>
+          <p:nvPr/>
+        </p:nvSpPr>
+        <p:spPr>
+          <a:xfrm>
+            <a:off x="6987210" y="6115017"/>
+            <a:ext cx="708186" cy="285783"/>
+          </a:xfrm>
+          <a:prstGeom prst="rect">
+            <a:avLst/>
+          </a:prstGeom>
+          <a:ln w="19050">
+            <a:solidFill>
+              <a:srgbClr val="7030A0"/>
+            </a:solidFill>
+          </a:ln>
+          <a:effectLst/>
+        </p:spPr>
+        <p:style>
+          <a:lnRef idx="1">
+            <a:schemeClr val="accent4"/>
+          </a:lnRef>
+          <a:fillRef idx="2">
+            <a:schemeClr val="accent4"/>
+          </a:fillRef>
+          <a:effectRef idx="1">
+            <a:schemeClr val="accent4"/>
+          </a:effectRef>
+          <a:fontRef idx="minor">
+            <a:schemeClr val="dk1"/>
+          </a:fontRef>
+        </p:style>
+        <p:txBody>
+          <a:bodyPr rtlCol="0" anchor="ctr"/>
+          <a:lstStyle/>
+          <a:p>
+            <a:pPr algn="ctr"/>
+            <a:r>
+              <a:rPr lang="en-US" sz="800" dirty="0">
+                <a:solidFill>
+                  <a:srgbClr val="7030A0"/>
+                </a:solidFill>
+              </a:rPr>
+              <a:t>Set&lt;Entry&gt;</a:t>
+            </a:r>
+            <a:endParaRPr lang="en-SG" sz="800" dirty="0">
+              <a:solidFill>
+                <a:srgbClr val="7030A0"/>
+              </a:solidFill>
+            </a:endParaRPr>
+          </a:p>
+        </p:txBody>
+      </p:sp>
+      <p:sp>
+        <p:nvSpPr>
+          <p:cNvPr id="133" name="Flowchart: Decision 96">
+            <a:extLst>
+              <a:ext uri="{FF2B5EF4-FFF2-40B4-BE49-F238E27FC236}">
+                <a16:creationId xmlns:a16="http://schemas.microsoft.com/office/drawing/2014/main" id="{6E090BB1-9A83-4144-BCD2-423EB7B23E7C}"/>
+              </a:ext>
+            </a:extLst>
+          </p:cNvPr>
+          <p:cNvSpPr/>
+          <p:nvPr/>
+        </p:nvSpPr>
+        <p:spPr>
+          <a:xfrm>
+            <a:off x="3596064" y="2910790"/>
+            <a:ext cx="236048" cy="173380"/>
+          </a:xfrm>
+          <a:prstGeom prst="flowChartDecision">
+            <a:avLst/>
+          </a:prstGeom>
+          <a:solidFill>
+            <a:srgbClr val="7030A0"/>
+          </a:solidFill>
+          <a:ln w="19050">
+            <a:solidFill>
+              <a:srgbClr val="7030A0"/>
+            </a:solidFill>
+          </a:ln>
+          <a:effectLst/>
+        </p:spPr>
+        <p:style>
+          <a:lnRef idx="1">
+            <a:schemeClr val="accent6"/>
+          </a:lnRef>
+          <a:fillRef idx="2">
+            <a:schemeClr val="accent6"/>
+          </a:fillRef>
+          <a:effectRef idx="1">
+            <a:schemeClr val="accent6"/>
+          </a:effectRef>
+          <a:fontRef idx="minor">
+            <a:schemeClr val="dk1"/>
+          </a:fontRef>
+        </p:style>
+        <p:txBody>
+          <a:bodyPr rtlCol="0" anchor="ctr"/>
+          <a:lstStyle/>
+          <a:p>
+            <a:pPr algn="ctr"/>
+            <a:endParaRPr lang="en-US" sz="1050" dirty="0"/>
+          </a:p>
+        </p:txBody>
+      </p:sp>
+      <p:cxnSp>
+        <p:nvCxnSpPr>
+          <p:cNvPr id="134" name="Elbow Connector 80">
+            <a:extLst>
+              <a:ext uri="{FF2B5EF4-FFF2-40B4-BE49-F238E27FC236}">
+                <a16:creationId xmlns:a16="http://schemas.microsoft.com/office/drawing/2014/main" id="{5B943D68-F896-4D3A-9F86-E3D993406443}"/>
+              </a:ext>
+            </a:extLst>
+          </p:cNvPr>
+          <p:cNvCxnSpPr>
+            <a:cxnSpLocks/>
+          </p:cNvCxnSpPr>
+          <p:nvPr/>
+        </p:nvCxnSpPr>
+        <p:spPr>
+          <a:xfrm>
+            <a:off x="3827383" y="2997480"/>
+            <a:ext cx="429006" cy="1741"/>
+          </a:xfrm>
+          <a:prstGeom prst="bentConnector3">
+            <a:avLst/>
+          </a:prstGeom>
+          <a:ln w="19050">
+            <a:solidFill>
+              <a:srgbClr val="7030A0"/>
+            </a:solidFill>
+            <a:headEnd type="none" w="med" len="med"/>
+            <a:tailEnd type="arrow" w="med" len="med"/>
+          </a:ln>
+          <a:effectLst/>
+        </p:spPr>
+        <p:style>
+          <a:lnRef idx="1">
+            <a:schemeClr val="accent2"/>
+          </a:lnRef>
+          <a:fillRef idx="2">
+            <a:schemeClr val="accent2"/>
+          </a:fillRef>
+          <a:effectRef idx="1">
+            <a:schemeClr val="accent2"/>
+          </a:effectRef>
+          <a:fontRef idx="minor">
+            <a:schemeClr val="dk1"/>
+          </a:fontRef>
+        </p:style>
+      </p:cxnSp>
+      <p:sp>
+        <p:nvSpPr>
+          <p:cNvPr id="135" name="Rectangle 8">
+            <a:extLst>
+              <a:ext uri="{FF2B5EF4-FFF2-40B4-BE49-F238E27FC236}">
+                <a16:creationId xmlns:a16="http://schemas.microsoft.com/office/drawing/2014/main" id="{C78C3599-A407-47DA-BA7D-EB2F0D3BEE21}"/>
+              </a:ext>
+            </a:extLst>
+          </p:cNvPr>
+          <p:cNvSpPr/>
+          <p:nvPr/>
+        </p:nvSpPr>
+        <p:spPr>
+          <a:xfrm>
+            <a:off x="4256389" y="2874825"/>
+            <a:ext cx="708186" cy="285783"/>
+          </a:xfrm>
+          <a:prstGeom prst="rect">
+            <a:avLst/>
+          </a:prstGeom>
+          <a:ln w="19050">
+            <a:solidFill>
+              <a:srgbClr val="7030A0"/>
+            </a:solidFill>
+          </a:ln>
+          <a:effectLst/>
+        </p:spPr>
+        <p:style>
+          <a:lnRef idx="1">
+            <a:schemeClr val="accent4"/>
+          </a:lnRef>
+          <a:fillRef idx="2">
+            <a:schemeClr val="accent4"/>
+          </a:fillRef>
+          <a:effectRef idx="1">
+            <a:schemeClr val="accent4"/>
+          </a:effectRef>
+          <a:fontRef idx="minor">
+            <a:schemeClr val="dk1"/>
+          </a:fontRef>
+        </p:style>
+        <p:txBody>
+          <a:bodyPr rtlCol="0" anchor="ctr"/>
+          <a:lstStyle/>
+          <a:p>
+            <a:pPr algn="ctr"/>
+            <a:r>
+              <a:rPr lang="en-US" sz="1050" dirty="0">
+                <a:solidFill>
+                  <a:srgbClr val="7030A0"/>
+                </a:solidFill>
+              </a:rPr>
+              <a:t>String</a:t>
+            </a:r>
+            <a:endParaRPr lang="en-SG" sz="1050" dirty="0">
+              <a:solidFill>
+                <a:srgbClr val="7030A0"/>
+              </a:solidFill>
+            </a:endParaRPr>
+          </a:p>
+        </p:txBody>
+      </p:sp>
+      <p:cxnSp>
+        <p:nvCxnSpPr>
+          <p:cNvPr id="136" name="Elbow Connector 78">
+            <a:extLst>
+              <a:ext uri="{FF2B5EF4-FFF2-40B4-BE49-F238E27FC236}">
+                <a16:creationId xmlns:a16="http://schemas.microsoft.com/office/drawing/2014/main" id="{84A8A6BB-C7A4-4D42-8964-E193B234F857}"/>
+              </a:ext>
+            </a:extLst>
+          </p:cNvPr>
+          <p:cNvCxnSpPr>
+            <a:cxnSpLocks/>
+          </p:cNvCxnSpPr>
+          <p:nvPr/>
+        </p:nvCxnSpPr>
+        <p:spPr>
+          <a:xfrm flipV="1">
+            <a:off x="3846230" y="2672741"/>
+            <a:ext cx="434402" cy="327761"/>
+          </a:xfrm>
+          <a:prstGeom prst="bentConnector3">
+            <a:avLst/>
+          </a:prstGeom>
+          <a:ln w="19050">
+            <a:solidFill>
+              <a:srgbClr val="7030A0"/>
+            </a:solidFill>
+            <a:headEnd type="none" w="med" len="med"/>
+            <a:tailEnd type="arrow" w="med" len="med"/>
+          </a:ln>
+          <a:effectLst/>
+        </p:spPr>
+        <p:style>
+          <a:lnRef idx="1">
+            <a:schemeClr val="accent2"/>
+          </a:lnRef>
+          <a:fillRef idx="2">
+            <a:schemeClr val="accent2"/>
+          </a:fillRef>
+          <a:effectRef idx="1">
+            <a:schemeClr val="accent2"/>
+          </a:effectRef>
+          <a:fontRef idx="minor">
+            <a:schemeClr val="dk1"/>
+          </a:fontRef>
+        </p:style>
+      </p:cxnSp>
+      <p:cxnSp>
+        <p:nvCxnSpPr>
+          <p:cNvPr id="137" name="Elbow Connector 83">
+            <a:extLst>
+              <a:ext uri="{FF2B5EF4-FFF2-40B4-BE49-F238E27FC236}">
+                <a16:creationId xmlns:a16="http://schemas.microsoft.com/office/drawing/2014/main" id="{E95A7BC4-DAB6-4C88-9709-2DE94217D64A}"/>
+              </a:ext>
+            </a:extLst>
+          </p:cNvPr>
+          <p:cNvCxnSpPr/>
+          <p:nvPr/>
+        </p:nvCxnSpPr>
+        <p:spPr>
+          <a:xfrm>
+            <a:off x="3838929" y="2996231"/>
+            <a:ext cx="434402" cy="318195"/>
+          </a:xfrm>
+          <a:prstGeom prst="bentConnector3">
+            <a:avLst/>
+          </a:prstGeom>
+          <a:ln w="19050">
+            <a:solidFill>
+              <a:srgbClr val="7030A0"/>
+            </a:solidFill>
+            <a:headEnd type="none" w="med" len="med"/>
+            <a:tailEnd type="arrow" w="med" len="med"/>
+          </a:ln>
+          <a:effectLst/>
+        </p:spPr>
+        <p:style>
+          <a:lnRef idx="1">
+            <a:schemeClr val="accent2"/>
+          </a:lnRef>
+          <a:fillRef idx="2">
+            <a:schemeClr val="accent2"/>
+          </a:fillRef>
+          <a:effectRef idx="1">
+            <a:schemeClr val="accent2"/>
+          </a:effectRef>
+          <a:fontRef idx="minor">
+            <a:schemeClr val="dk1"/>
+          </a:fontRef>
+        </p:style>
+      </p:cxnSp>
+      <p:sp>
+        <p:nvSpPr>
+          <p:cNvPr id="138" name="Rectangle 8">
+            <a:extLst>
+              <a:ext uri="{FF2B5EF4-FFF2-40B4-BE49-F238E27FC236}">
+                <a16:creationId xmlns:a16="http://schemas.microsoft.com/office/drawing/2014/main" id="{FA1B6BBA-6D01-4BC8-AAB2-DA53ED73F1F4}"/>
+              </a:ext>
+            </a:extLst>
+          </p:cNvPr>
+          <p:cNvSpPr/>
+          <p:nvPr/>
+        </p:nvSpPr>
+        <p:spPr>
+          <a:xfrm>
+            <a:off x="4268511" y="2548703"/>
+            <a:ext cx="708186" cy="285783"/>
+          </a:xfrm>
+          <a:prstGeom prst="rect">
+            <a:avLst/>
+          </a:prstGeom>
+          <a:ln w="19050">
+            <a:solidFill>
+              <a:srgbClr val="7030A0"/>
+            </a:solidFill>
+          </a:ln>
+          <a:effectLst/>
+        </p:spPr>
+        <p:style>
+          <a:lnRef idx="1">
+            <a:schemeClr val="accent4"/>
+          </a:lnRef>
+          <a:fillRef idx="2">
+            <a:schemeClr val="accent4"/>
+          </a:fillRef>
+          <a:effectRef idx="1">
+            <a:schemeClr val="accent4"/>
+          </a:effectRef>
+          <a:fontRef idx="minor">
+            <a:schemeClr val="dk1"/>
+          </a:fontRef>
+        </p:style>
+        <p:txBody>
+          <a:bodyPr rtlCol="0" anchor="ctr"/>
+          <a:lstStyle/>
+          <a:p>
+            <a:pPr algn="ctr"/>
+            <a:r>
+              <a:rPr lang="en-US" sz="1050" dirty="0">
+                <a:solidFill>
+                  <a:srgbClr val="7030A0"/>
+                </a:solidFill>
+              </a:rPr>
+              <a:t>Email</a:t>
+            </a:r>
+            <a:endParaRPr lang="en-SG" sz="1050" dirty="0">
+              <a:solidFill>
+                <a:srgbClr val="7030A0"/>
+              </a:solidFill>
+            </a:endParaRPr>
+          </a:p>
+        </p:txBody>
+      </p:sp>
+      <p:sp>
+        <p:nvSpPr>
+          <p:cNvPr id="139" name="Rectangle 8">
+            <a:extLst>
+              <a:ext uri="{FF2B5EF4-FFF2-40B4-BE49-F238E27FC236}">
+                <a16:creationId xmlns:a16="http://schemas.microsoft.com/office/drawing/2014/main" id="{99D907DC-BCA1-49C1-86DF-EF2B9DE7FC11}"/>
+              </a:ext>
+            </a:extLst>
+          </p:cNvPr>
+          <p:cNvSpPr/>
+          <p:nvPr/>
+        </p:nvSpPr>
+        <p:spPr>
+          <a:xfrm>
+            <a:off x="4256555" y="3219417"/>
+            <a:ext cx="708186" cy="285783"/>
+          </a:xfrm>
+          <a:prstGeom prst="rect">
+            <a:avLst/>
+          </a:prstGeom>
+          <a:ln w="19050">
+            <a:solidFill>
+              <a:srgbClr val="7030A0"/>
+            </a:solidFill>
+          </a:ln>
+          <a:effectLst/>
+        </p:spPr>
+        <p:style>
+          <a:lnRef idx="1">
+            <a:schemeClr val="accent4"/>
+          </a:lnRef>
+          <a:fillRef idx="2">
+            <a:schemeClr val="accent4"/>
+          </a:fillRef>
+          <a:effectRef idx="1">
+            <a:schemeClr val="accent4"/>
+          </a:effectRef>
+          <a:fontRef idx="minor">
+            <a:schemeClr val="dk1"/>
+          </a:fontRef>
+        </p:style>
+        <p:txBody>
+          <a:bodyPr rtlCol="0" anchor="ctr"/>
+          <a:lstStyle/>
+          <a:p>
+            <a:pPr algn="ctr"/>
+            <a:r>
+              <a:rPr lang="en-US" sz="800" dirty="0">
+                <a:solidFill>
+                  <a:srgbClr val="7030A0"/>
+                </a:solidFill>
+              </a:rPr>
+              <a:t>Set&lt;String&gt;</a:t>
+            </a:r>
+            <a:endParaRPr lang="en-SG" sz="800" dirty="0">
+              <a:solidFill>
+                <a:srgbClr val="7030A0"/>
+              </a:solidFill>
+            </a:endParaRPr>
+          </a:p>
+        </p:txBody>
+      </p:sp>
+      <p:cxnSp>
+        <p:nvCxnSpPr>
+          <p:cNvPr id="140" name="Elbow Connector 80">
+            <a:extLst>
+              <a:ext uri="{FF2B5EF4-FFF2-40B4-BE49-F238E27FC236}">
+                <a16:creationId xmlns:a16="http://schemas.microsoft.com/office/drawing/2014/main" id="{2C25EEB4-10D2-4892-B5BD-3BAFD63DE761}"/>
+              </a:ext>
+            </a:extLst>
+          </p:cNvPr>
+          <p:cNvCxnSpPr>
+            <a:cxnSpLocks/>
+          </p:cNvCxnSpPr>
+          <p:nvPr/>
+        </p:nvCxnSpPr>
+        <p:spPr>
+          <a:xfrm>
+            <a:off x="5475677" y="3887480"/>
+            <a:ext cx="429006" cy="1741"/>
+          </a:xfrm>
+          <a:prstGeom prst="bentConnector3">
+            <a:avLst/>
+          </a:prstGeom>
+          <a:ln w="19050">
+            <a:solidFill>
+              <a:srgbClr val="7030A0"/>
+            </a:solidFill>
+            <a:headEnd type="none" w="med" len="med"/>
+            <a:tailEnd type="arrow" w="med" len="med"/>
+          </a:ln>
+          <a:effectLst/>
+        </p:spPr>
+        <p:style>
+          <a:lnRef idx="1">
+            <a:schemeClr val="accent2"/>
+          </a:lnRef>
+          <a:fillRef idx="2">
+            <a:schemeClr val="accent2"/>
+          </a:fillRef>
+          <a:effectRef idx="1">
+            <a:schemeClr val="accent2"/>
+          </a:effectRef>
+          <a:fontRef idx="minor">
+            <a:schemeClr val="dk1"/>
+          </a:fontRef>
+        </p:style>
+      </p:cxnSp>
+      <p:cxnSp>
+        <p:nvCxnSpPr>
+          <p:cNvPr id="141" name="Elbow Connector 83">
+            <a:extLst>
+              <a:ext uri="{FF2B5EF4-FFF2-40B4-BE49-F238E27FC236}">
+                <a16:creationId xmlns:a16="http://schemas.microsoft.com/office/drawing/2014/main" id="{D13C2DEF-8FF5-4317-A9AE-366D7A040EB5}"/>
+              </a:ext>
+            </a:extLst>
+          </p:cNvPr>
+          <p:cNvCxnSpPr/>
+          <p:nvPr/>
+        </p:nvCxnSpPr>
+        <p:spPr>
+          <a:xfrm>
+            <a:off x="5470281" y="3891232"/>
+            <a:ext cx="434402" cy="318195"/>
+          </a:xfrm>
+          <a:prstGeom prst="bentConnector3">
+            <a:avLst/>
+          </a:prstGeom>
+          <a:ln w="19050">
+            <a:solidFill>
+              <a:srgbClr val="7030A0"/>
+            </a:solidFill>
+            <a:headEnd type="none" w="med" len="med"/>
+            <a:tailEnd type="arrow" w="med" len="med"/>
+          </a:ln>
+          <a:effectLst/>
+        </p:spPr>
+        <p:style>
+          <a:lnRef idx="1">
+            <a:schemeClr val="accent2"/>
+          </a:lnRef>
+          <a:fillRef idx="2">
+            <a:schemeClr val="accent2"/>
+          </a:fillRef>
+          <a:effectRef idx="1">
+            <a:schemeClr val="accent2"/>
+          </a:effectRef>
+          <a:fontRef idx="minor">
+            <a:schemeClr val="dk1"/>
+          </a:fontRef>
+        </p:style>
+      </p:cxnSp>
+      <p:cxnSp>
+        <p:nvCxnSpPr>
+          <p:cNvPr id="142" name="Elbow Connector 78">
+            <a:extLst>
+              <a:ext uri="{FF2B5EF4-FFF2-40B4-BE49-F238E27FC236}">
+                <a16:creationId xmlns:a16="http://schemas.microsoft.com/office/drawing/2014/main" id="{E8B284E7-5D5D-4D9A-B316-B9D590A5604E}"/>
+              </a:ext>
+            </a:extLst>
+          </p:cNvPr>
+          <p:cNvCxnSpPr>
+            <a:cxnSpLocks/>
+          </p:cNvCxnSpPr>
+          <p:nvPr/>
+        </p:nvCxnSpPr>
+        <p:spPr>
+          <a:xfrm flipV="1">
+            <a:off x="5475997" y="3561495"/>
+            <a:ext cx="434402" cy="327761"/>
+          </a:xfrm>
+          <a:prstGeom prst="bentConnector3">
+            <a:avLst/>
+          </a:prstGeom>
+          <a:ln w="19050">
+            <a:solidFill>
+              <a:srgbClr val="7030A0"/>
+            </a:solidFill>
+            <a:headEnd type="none" w="med" len="med"/>
+            <a:tailEnd type="arrow" w="med" len="med"/>
+          </a:ln>
+          <a:effectLst/>
+        </p:spPr>
+        <p:style>
+          <a:lnRef idx="1">
+            <a:schemeClr val="accent2"/>
+          </a:lnRef>
+          <a:fillRef idx="2">
+            <a:schemeClr val="accent2"/>
+          </a:fillRef>
+          <a:effectRef idx="1">
+            <a:schemeClr val="accent2"/>
+          </a:effectRef>
+          <a:fontRef idx="minor">
+            <a:schemeClr val="dk1"/>
+          </a:fontRef>
+        </p:style>
+      </p:cxnSp>
+      <p:cxnSp>
+        <p:nvCxnSpPr>
+          <p:cNvPr id="143" name="Elbow Connector 78">
+            <a:extLst>
+              <a:ext uri="{FF2B5EF4-FFF2-40B4-BE49-F238E27FC236}">
+                <a16:creationId xmlns:a16="http://schemas.microsoft.com/office/drawing/2014/main" id="{50DD2866-914A-4BE8-A1E1-2AA6B5CF5CF6}"/>
+              </a:ext>
+            </a:extLst>
+          </p:cNvPr>
+          <p:cNvCxnSpPr>
+            <a:cxnSpLocks/>
+          </p:cNvCxnSpPr>
+          <p:nvPr/>
+        </p:nvCxnSpPr>
+        <p:spPr>
+          <a:xfrm flipV="1">
+            <a:off x="5475997" y="3227062"/>
+            <a:ext cx="434402" cy="663182"/>
+          </a:xfrm>
+          <a:prstGeom prst="bentConnector3">
+            <a:avLst>
+              <a:gd name="adj1" fmla="val 50000"/>
+            </a:avLst>
+          </a:prstGeom>
+          <a:ln w="19050">
+            <a:solidFill>
+              <a:srgbClr val="7030A0"/>
+            </a:solidFill>
+            <a:headEnd type="none" w="med" len="med"/>
+            <a:tailEnd type="arrow" w="med" len="med"/>
+          </a:ln>
+          <a:effectLst/>
+        </p:spPr>
+        <p:style>
+          <a:lnRef idx="1">
+            <a:schemeClr val="accent2"/>
+          </a:lnRef>
+          <a:fillRef idx="2">
+            <a:schemeClr val="accent2"/>
+          </a:fillRef>
+          <a:effectRef idx="1">
+            <a:schemeClr val="accent2"/>
+          </a:effectRef>
+          <a:fontRef idx="minor">
+            <a:schemeClr val="dk1"/>
+          </a:fontRef>
+        </p:style>
+      </p:cxnSp>
+      <p:cxnSp>
+        <p:nvCxnSpPr>
+          <p:cNvPr id="144" name="Elbow Connector 85">
+            <a:extLst>
+              <a:ext uri="{FF2B5EF4-FFF2-40B4-BE49-F238E27FC236}">
+                <a16:creationId xmlns:a16="http://schemas.microsoft.com/office/drawing/2014/main" id="{2D7A1CC2-D300-4A78-9CFE-1964522491EF}"/>
+              </a:ext>
+            </a:extLst>
+          </p:cNvPr>
+          <p:cNvCxnSpPr/>
+          <p:nvPr/>
+        </p:nvCxnSpPr>
+        <p:spPr>
+          <a:xfrm>
+            <a:off x="5468390" y="3889592"/>
+            <a:ext cx="434402" cy="641172"/>
+          </a:xfrm>
+          <a:prstGeom prst="bentConnector3">
+            <a:avLst/>
+          </a:prstGeom>
+          <a:ln w="19050">
+            <a:solidFill>
+              <a:srgbClr val="7030A0"/>
+            </a:solidFill>
+            <a:headEnd type="none" w="med" len="med"/>
+            <a:tailEnd type="arrow" w="med" len="med"/>
+          </a:ln>
+          <a:effectLst/>
+        </p:spPr>
+        <p:style>
+          <a:lnRef idx="1">
+            <a:schemeClr val="accent2"/>
+          </a:lnRef>
+          <a:fillRef idx="2">
+            <a:schemeClr val="accent2"/>
+          </a:fillRef>
+          <a:effectRef idx="1">
+            <a:schemeClr val="accent2"/>
+          </a:effectRef>
+          <a:fontRef idx="minor">
+            <a:schemeClr val="dk1"/>
+          </a:fontRef>
+        </p:style>
+      </p:cxnSp>
+      <p:sp>
+        <p:nvSpPr>
+          <p:cNvPr id="145" name="Rectangle 8">
+            <a:extLst>
+              <a:ext uri="{FF2B5EF4-FFF2-40B4-BE49-F238E27FC236}">
+                <a16:creationId xmlns:a16="http://schemas.microsoft.com/office/drawing/2014/main" id="{E394D00C-E54F-49AC-9972-96FBBEFE6513}"/>
+              </a:ext>
+            </a:extLst>
+          </p:cNvPr>
+          <p:cNvSpPr/>
+          <p:nvPr/>
+        </p:nvSpPr>
+        <p:spPr>
+          <a:xfrm>
+            <a:off x="5910079" y="3084170"/>
+            <a:ext cx="708186" cy="285783"/>
+          </a:xfrm>
+          <a:prstGeom prst="rect">
+            <a:avLst/>
+          </a:prstGeom>
+          <a:ln w="19050">
+            <a:solidFill>
+              <a:srgbClr val="7030A0"/>
+            </a:solidFill>
+          </a:ln>
+          <a:effectLst/>
+        </p:spPr>
+        <p:style>
+          <a:lnRef idx="1">
+            <a:schemeClr val="accent4"/>
+          </a:lnRef>
+          <a:fillRef idx="2">
+            <a:schemeClr val="accent4"/>
+          </a:fillRef>
+          <a:effectRef idx="1">
+            <a:schemeClr val="accent4"/>
+          </a:effectRef>
+          <a:fontRef idx="minor">
+            <a:schemeClr val="dk1"/>
+          </a:fontRef>
+        </p:style>
+        <p:txBody>
+          <a:bodyPr rtlCol="0" anchor="ctr"/>
+          <a:lstStyle/>
+          <a:p>
+            <a:pPr algn="ctr"/>
+            <a:r>
+              <a:rPr lang="en-US" sz="700" dirty="0">
+                <a:solidFill>
+                  <a:srgbClr val="7030A0"/>
+                </a:solidFill>
+              </a:rPr>
+              <a:t>Map&lt;Year, Set&lt;Month&gt;&gt;</a:t>
+            </a:r>
+            <a:endParaRPr lang="en-SG" sz="700" dirty="0">
+              <a:solidFill>
+                <a:srgbClr val="7030A0"/>
+              </a:solidFill>
+            </a:endParaRPr>
+          </a:p>
+        </p:txBody>
+      </p:sp>
+      <p:sp>
+        <p:nvSpPr>
+          <p:cNvPr id="146" name="Rectangle 8">
+            <a:extLst>
+              <a:ext uri="{FF2B5EF4-FFF2-40B4-BE49-F238E27FC236}">
+                <a16:creationId xmlns:a16="http://schemas.microsoft.com/office/drawing/2014/main" id="{29073C5D-12AD-4536-8B98-6C51F7AC1057}"/>
+              </a:ext>
+            </a:extLst>
+          </p:cNvPr>
+          <p:cNvSpPr/>
+          <p:nvPr/>
+        </p:nvSpPr>
+        <p:spPr>
+          <a:xfrm>
+            <a:off x="5910079" y="3412459"/>
+            <a:ext cx="708186" cy="285783"/>
+          </a:xfrm>
+          <a:prstGeom prst="rect">
+            <a:avLst/>
+          </a:prstGeom>
+          <a:ln w="19050">
+            <a:solidFill>
+              <a:srgbClr val="7030A0"/>
+            </a:solidFill>
+          </a:ln>
+          <a:effectLst/>
+        </p:spPr>
+        <p:style>
+          <a:lnRef idx="1">
+            <a:schemeClr val="accent4"/>
+          </a:lnRef>
+          <a:fillRef idx="2">
+            <a:schemeClr val="accent4"/>
+          </a:fillRef>
+          <a:effectRef idx="1">
+            <a:schemeClr val="accent4"/>
+          </a:effectRef>
+          <a:fontRef idx="minor">
+            <a:schemeClr val="dk1"/>
+          </a:fontRef>
+        </p:style>
+        <p:txBody>
+          <a:bodyPr rtlCol="0" anchor="ctr"/>
+          <a:lstStyle/>
+          <a:p>
+            <a:pPr algn="ctr"/>
+            <a:r>
+              <a:rPr lang="en-US" sz="1000" dirty="0">
+                <a:solidFill>
+                  <a:srgbClr val="7030A0"/>
+                </a:solidFill>
+              </a:rPr>
+              <a:t>Calendar</a:t>
+            </a:r>
+            <a:endParaRPr lang="en-SG" sz="1000" dirty="0">
+              <a:solidFill>
+                <a:srgbClr val="7030A0"/>
+              </a:solidFill>
+            </a:endParaRPr>
+          </a:p>
+        </p:txBody>
+      </p:sp>
+      <p:sp>
+        <p:nvSpPr>
+          <p:cNvPr id="147" name="Rectangle 8">
+            <a:extLst>
+              <a:ext uri="{FF2B5EF4-FFF2-40B4-BE49-F238E27FC236}">
+                <a16:creationId xmlns:a16="http://schemas.microsoft.com/office/drawing/2014/main" id="{1BEB7E23-6207-4C6C-8817-29E6F3E59D37}"/>
+              </a:ext>
+            </a:extLst>
+          </p:cNvPr>
+          <p:cNvSpPr/>
+          <p:nvPr/>
+        </p:nvSpPr>
+        <p:spPr>
+          <a:xfrm>
+            <a:off x="5914817" y="3740496"/>
+            <a:ext cx="708186" cy="285783"/>
+          </a:xfrm>
+          <a:prstGeom prst="rect">
+            <a:avLst/>
+          </a:prstGeom>
+          <a:ln w="19050">
+            <a:solidFill>
+              <a:srgbClr val="7030A0"/>
+            </a:solidFill>
+          </a:ln>
+          <a:effectLst/>
+        </p:spPr>
+        <p:style>
+          <a:lnRef idx="1">
+            <a:schemeClr val="accent4"/>
+          </a:lnRef>
+          <a:fillRef idx="2">
+            <a:schemeClr val="accent4"/>
+          </a:fillRef>
+          <a:effectRef idx="1">
+            <a:schemeClr val="accent4"/>
+          </a:effectRef>
+          <a:fontRef idx="minor">
+            <a:schemeClr val="dk1"/>
+          </a:fontRef>
+        </p:style>
+        <p:txBody>
+          <a:bodyPr rtlCol="0" anchor="ctr"/>
+          <a:lstStyle/>
+          <a:p>
+            <a:pPr algn="ctr"/>
+            <a:r>
+              <a:rPr lang="en-US" sz="1050" dirty="0">
+                <a:solidFill>
+                  <a:srgbClr val="7030A0"/>
+                </a:solidFill>
+              </a:rPr>
+              <a:t>String</a:t>
+            </a:r>
+            <a:endParaRPr lang="en-SG" sz="1050" dirty="0">
+              <a:solidFill>
+                <a:srgbClr val="7030A0"/>
+              </a:solidFill>
+            </a:endParaRPr>
+          </a:p>
+        </p:txBody>
+      </p:sp>
+      <p:sp>
+        <p:nvSpPr>
+          <p:cNvPr id="148" name="Rectangle 8">
+            <a:extLst>
+              <a:ext uri="{FF2B5EF4-FFF2-40B4-BE49-F238E27FC236}">
+                <a16:creationId xmlns:a16="http://schemas.microsoft.com/office/drawing/2014/main" id="{8FBA8288-A9BB-4F7D-A90B-6241B5565A61}"/>
+              </a:ext>
+            </a:extLst>
+          </p:cNvPr>
+          <p:cNvSpPr/>
+          <p:nvPr/>
+        </p:nvSpPr>
+        <p:spPr>
+          <a:xfrm>
+            <a:off x="5910079" y="4077894"/>
+            <a:ext cx="708186" cy="285783"/>
+          </a:xfrm>
+          <a:prstGeom prst="rect">
+            <a:avLst/>
+          </a:prstGeom>
+          <a:ln w="19050">
+            <a:solidFill>
+              <a:srgbClr val="7030A0"/>
+            </a:solidFill>
+          </a:ln>
+          <a:effectLst/>
+        </p:spPr>
+        <p:style>
+          <a:lnRef idx="1">
+            <a:schemeClr val="accent4"/>
+          </a:lnRef>
+          <a:fillRef idx="2">
+            <a:schemeClr val="accent4"/>
+          </a:fillRef>
+          <a:effectRef idx="1">
+            <a:schemeClr val="accent4"/>
+          </a:effectRef>
+          <a:fontRef idx="minor">
+            <a:schemeClr val="dk1"/>
+          </a:fontRef>
+        </p:style>
+        <p:txBody>
+          <a:bodyPr rtlCol="0" anchor="ctr"/>
+          <a:lstStyle/>
+          <a:p>
+            <a:pPr algn="ctr"/>
+            <a:r>
+              <a:rPr lang="en-US" sz="1050" dirty="0" err="1">
+                <a:solidFill>
+                  <a:srgbClr val="7030A0"/>
+                </a:solidFill>
+              </a:rPr>
+              <a:t>VEvent</a:t>
+            </a:r>
+            <a:endParaRPr lang="en-SG" sz="1050" dirty="0">
+              <a:solidFill>
+                <a:srgbClr val="7030A0"/>
+              </a:solidFill>
+            </a:endParaRPr>
+          </a:p>
+        </p:txBody>
+      </p:sp>
+      <p:sp>
+        <p:nvSpPr>
+          <p:cNvPr id="149" name="Rectangle 8">
+            <a:extLst>
+              <a:ext uri="{FF2B5EF4-FFF2-40B4-BE49-F238E27FC236}">
+                <a16:creationId xmlns:a16="http://schemas.microsoft.com/office/drawing/2014/main" id="{B11E6677-2A20-470C-A214-51BBD2732F79}"/>
+              </a:ext>
+            </a:extLst>
+          </p:cNvPr>
+          <p:cNvSpPr/>
+          <p:nvPr/>
+        </p:nvSpPr>
+        <p:spPr>
+          <a:xfrm>
+            <a:off x="5901668" y="4400465"/>
+            <a:ext cx="708186" cy="285783"/>
+          </a:xfrm>
+          <a:prstGeom prst="rect">
+            <a:avLst/>
+          </a:prstGeom>
+          <a:ln w="19050">
+            <a:solidFill>
+              <a:srgbClr val="7030A0"/>
+            </a:solidFill>
+          </a:ln>
+          <a:effectLst/>
+        </p:spPr>
+        <p:style>
+          <a:lnRef idx="1">
+            <a:schemeClr val="accent4"/>
+          </a:lnRef>
+          <a:fillRef idx="2">
+            <a:schemeClr val="accent4"/>
+          </a:fillRef>
+          <a:effectRef idx="1">
+            <a:schemeClr val="accent4"/>
+          </a:effectRef>
+          <a:fontRef idx="minor">
+            <a:schemeClr val="dk1"/>
+          </a:fontRef>
+        </p:style>
+        <p:txBody>
+          <a:bodyPr rtlCol="0" anchor="ctr"/>
+          <a:lstStyle/>
+          <a:p>
+            <a:pPr algn="ctr"/>
+            <a:r>
+              <a:rPr lang="en-US" sz="800" dirty="0">
+                <a:solidFill>
+                  <a:srgbClr val="7030A0"/>
+                </a:solidFill>
+              </a:rPr>
+              <a:t>Map&lt;Month, Integer&gt;</a:t>
+            </a:r>
+            <a:endParaRPr lang="en-SG" sz="800" dirty="0">
+              <a:solidFill>
+                <a:srgbClr val="7030A0"/>
+              </a:solidFill>
+            </a:endParaRPr>
+          </a:p>
+        </p:txBody>
+      </p:sp>
+      <p:sp>
+        <p:nvSpPr>
+          <p:cNvPr id="150" name="Flowchart: Decision 96">
+            <a:extLst>
+              <a:ext uri="{FF2B5EF4-FFF2-40B4-BE49-F238E27FC236}">
+                <a16:creationId xmlns:a16="http://schemas.microsoft.com/office/drawing/2014/main" id="{FE7C7041-19E2-41EB-B821-438146FB6BC4}"/>
+              </a:ext>
+            </a:extLst>
+          </p:cNvPr>
+          <p:cNvSpPr/>
+          <p:nvPr/>
+        </p:nvSpPr>
+        <p:spPr>
+          <a:xfrm>
+            <a:off x="5262140" y="3799186"/>
+            <a:ext cx="236048" cy="173380"/>
+          </a:xfrm>
+          <a:prstGeom prst="flowChartDecision">
+            <a:avLst/>
+          </a:prstGeom>
+          <a:solidFill>
+            <a:srgbClr val="7030A0"/>
+          </a:solidFill>
+          <a:ln w="19050">
+            <a:solidFill>
+              <a:srgbClr val="7030A0"/>
+            </a:solidFill>
+          </a:ln>
+          <a:effectLst/>
+        </p:spPr>
+        <p:style>
+          <a:lnRef idx="1">
+            <a:schemeClr val="accent6"/>
+          </a:lnRef>
+          <a:fillRef idx="2">
+            <a:schemeClr val="accent6"/>
+          </a:fillRef>
+          <a:effectRef idx="1">
+            <a:schemeClr val="accent6"/>
+          </a:effectRef>
+          <a:fontRef idx="minor">
+            <a:schemeClr val="dk1"/>
+          </a:fontRef>
+        </p:style>
+        <p:txBody>
+          <a:bodyPr rtlCol="0" anchor="ctr"/>
+          <a:lstStyle/>
+          <a:p>
+            <a:pPr algn="ctr"/>
+            <a:endParaRPr lang="en-US" sz="1050" dirty="0"/>
+          </a:p>
+        </p:txBody>
+      </p:sp>
+      <p:cxnSp>
+        <p:nvCxnSpPr>
+          <p:cNvPr id="45" name="Connector: Elbow 44">
+            <a:extLst>
+              <a:ext uri="{FF2B5EF4-FFF2-40B4-BE49-F238E27FC236}">
+                <a16:creationId xmlns:a16="http://schemas.microsoft.com/office/drawing/2014/main" id="{1F8917C3-E2A3-4E1D-A79D-0F8E2439D63E}"/>
+              </a:ext>
+            </a:extLst>
+          </p:cNvPr>
+          <p:cNvCxnSpPr>
+            <a:cxnSpLocks/>
+          </p:cNvCxnSpPr>
+          <p:nvPr/>
+        </p:nvCxnSpPr>
+        <p:spPr>
+          <a:xfrm>
+            <a:off x="1574415" y="4615794"/>
+            <a:ext cx="4270975" cy="174212"/>
+          </a:xfrm>
+          <a:prstGeom prst="bentConnector2">
+            <a:avLst/>
+          </a:prstGeom>
+          <a:ln>
+            <a:solidFill>
+              <a:srgbClr val="7030A0"/>
+            </a:solidFill>
+            <a:headEnd type="none" w="med" len="med"/>
+            <a:tailEnd type="arrow" w="med" len="med"/>
+          </a:ln>
+        </p:spPr>
+        <p:style>
+          <a:lnRef idx="1">
+            <a:schemeClr val="accent4"/>
+          </a:lnRef>
+          <a:fillRef idx="0">
+            <a:schemeClr val="accent4"/>
+          </a:fillRef>
+          <a:effectRef idx="0">
+            <a:schemeClr val="accent4"/>
+          </a:effectRef>
+          <a:fontRef idx="minor">
+            <a:schemeClr val="tx1"/>
+          </a:fontRef>
+        </p:style>
+      </p:cxnSp>
+      <p:sp>
+        <p:nvSpPr>
+          <p:cNvPr id="158" name="TextBox 157">
+            <a:extLst>
+              <a:ext uri="{FF2B5EF4-FFF2-40B4-BE49-F238E27FC236}">
+                <a16:creationId xmlns:a16="http://schemas.microsoft.com/office/drawing/2014/main" id="{D69E656C-2FF5-4ECD-A8E9-07CEB7E97BE7}"/>
+              </a:ext>
+            </a:extLst>
+          </p:cNvPr>
+          <p:cNvSpPr txBox="1"/>
+          <p:nvPr/>
+        </p:nvSpPr>
+        <p:spPr>
+          <a:xfrm>
+            <a:off x="3794071" y="4395042"/>
+            <a:ext cx="800219" cy="261610"/>
+          </a:xfrm>
+          <a:prstGeom prst="rect">
+            <a:avLst/>
+          </a:prstGeom>
+          <a:noFill/>
+        </p:spPr>
+        <p:txBody>
+          <a:bodyPr wrap="none" rtlCol="0">
+            <a:spAutoFit/>
+          </a:bodyPr>
+          <a:lstStyle/>
+          <a:p>
+            <a:r>
+              <a:rPr lang="en-US" sz="1100" dirty="0">
+                <a:solidFill>
+                  <a:srgbClr val="7030A0"/>
+                </a:solidFill>
+              </a:rPr>
+              <a:t>filtered list</a:t>
+            </a:r>
+            <a:endParaRPr lang="en-SG" sz="1100" dirty="0">
+              <a:solidFill>
+                <a:srgbClr val="7030A0"/>
+              </a:solidFill>
+            </a:endParaRPr>
+          </a:p>
+        </p:txBody>
+      </p:sp>
+      <p:sp>
+        <p:nvSpPr>
+          <p:cNvPr id="159" name="TextBox 158">
+            <a:extLst>
+              <a:ext uri="{FF2B5EF4-FFF2-40B4-BE49-F238E27FC236}">
+                <a16:creationId xmlns:a16="http://schemas.microsoft.com/office/drawing/2014/main" id="{F7B07E1D-5475-46B7-99C2-7B339F61BCAC}"/>
+              </a:ext>
+            </a:extLst>
+          </p:cNvPr>
+          <p:cNvSpPr txBox="1"/>
+          <p:nvPr/>
+        </p:nvSpPr>
+        <p:spPr>
+          <a:xfrm>
+            <a:off x="5579491" y="4580018"/>
+            <a:ext cx="256802" cy="261610"/>
+          </a:xfrm>
+          <a:prstGeom prst="rect">
+            <a:avLst/>
+          </a:prstGeom>
+          <a:noFill/>
+        </p:spPr>
+        <p:txBody>
+          <a:bodyPr wrap="none" rtlCol="0">
+            <a:spAutoFit/>
+          </a:bodyPr>
+          <a:lstStyle/>
+          <a:p>
+            <a:r>
+              <a:rPr lang="en-US" sz="1100" dirty="0">
+                <a:solidFill>
+                  <a:srgbClr val="7030A0"/>
+                </a:solidFill>
+              </a:rPr>
+              <a:t>1</a:t>
+            </a:r>
+            <a:endParaRPr lang="en-SG" sz="1100" dirty="0">
+              <a:solidFill>
+                <a:srgbClr val="7030A0"/>
+              </a:solidFill>
+            </a:endParaRPr>
+          </a:p>
+        </p:txBody>
+      </p:sp>
     </p:spTree>
     <p:extLst>
       <p:ext uri="{BB962C8B-B14F-4D97-AF65-F5344CB8AC3E}">

--- a/docs/diagrams/ModelComponentClassDiagram.pptx
+++ b/docs/diagrams/ModelComponentClassDiagram.pptx
@@ -208,7 +208,7 @@
           <a:p>
             <a:fld id="{F5CC4B3F-88C1-4FFA-B1B6-F41C21DC6924}" type="datetimeFigureOut">
               <a:rPr lang="en-US" smtClean="0"/>
-              <a:t>10/25/2018</a:t>
+              <a:t>11/12/2018</a:t>
             </a:fld>
             <a:endParaRPr lang="en-US"/>
           </a:p>
@@ -654,7 +654,7 @@
           <a:p>
             <a:fld id="{78C97017-6FC3-485B-9764-EAC9E56C1D49}" type="datetimeFigureOut">
               <a:rPr lang="en-US" smtClean="0"/>
-              <a:t>10/25/2018</a:t>
+              <a:t>11/12/2018</a:t>
             </a:fld>
             <a:endParaRPr lang="en-US"/>
           </a:p>
@@ -822,7 +822,7 @@
           <a:p>
             <a:fld id="{78C97017-6FC3-485B-9764-EAC9E56C1D49}" type="datetimeFigureOut">
               <a:rPr lang="en-US" smtClean="0"/>
-              <a:t>10/25/2018</a:t>
+              <a:t>11/12/2018</a:t>
             </a:fld>
             <a:endParaRPr lang="en-US"/>
           </a:p>
@@ -1000,7 +1000,7 @@
           <a:p>
             <a:fld id="{78C97017-6FC3-485B-9764-EAC9E56C1D49}" type="datetimeFigureOut">
               <a:rPr lang="en-US" smtClean="0"/>
-              <a:t>10/25/2018</a:t>
+              <a:t>11/12/2018</a:t>
             </a:fld>
             <a:endParaRPr lang="en-US"/>
           </a:p>
@@ -1168,7 +1168,7 @@
           <a:p>
             <a:fld id="{78C97017-6FC3-485B-9764-EAC9E56C1D49}" type="datetimeFigureOut">
               <a:rPr lang="en-US" smtClean="0"/>
-              <a:t>10/25/2018</a:t>
+              <a:t>11/12/2018</a:t>
             </a:fld>
             <a:endParaRPr lang="en-US"/>
           </a:p>
@@ -1413,7 +1413,7 @@
           <a:p>
             <a:fld id="{78C97017-6FC3-485B-9764-EAC9E56C1D49}" type="datetimeFigureOut">
               <a:rPr lang="en-US" smtClean="0"/>
-              <a:t>10/25/2018</a:t>
+              <a:t>11/12/2018</a:t>
             </a:fld>
             <a:endParaRPr lang="en-US"/>
           </a:p>
@@ -1698,7 +1698,7 @@
           <a:p>
             <a:fld id="{78C97017-6FC3-485B-9764-EAC9E56C1D49}" type="datetimeFigureOut">
               <a:rPr lang="en-US" smtClean="0"/>
-              <a:t>10/25/2018</a:t>
+              <a:t>11/12/2018</a:t>
             </a:fld>
             <a:endParaRPr lang="en-US"/>
           </a:p>
@@ -2117,7 +2117,7 @@
           <a:p>
             <a:fld id="{78C97017-6FC3-485B-9764-EAC9E56C1D49}" type="datetimeFigureOut">
               <a:rPr lang="en-US" smtClean="0"/>
-              <a:t>10/25/2018</a:t>
+              <a:t>11/12/2018</a:t>
             </a:fld>
             <a:endParaRPr lang="en-US"/>
           </a:p>
@@ -2234,7 +2234,7 @@
           <a:p>
             <a:fld id="{78C97017-6FC3-485B-9764-EAC9E56C1D49}" type="datetimeFigureOut">
               <a:rPr lang="en-US" smtClean="0"/>
-              <a:t>10/25/2018</a:t>
+              <a:t>11/12/2018</a:t>
             </a:fld>
             <a:endParaRPr lang="en-US"/>
           </a:p>
@@ -2329,7 +2329,7 @@
           <a:p>
             <a:fld id="{78C97017-6FC3-485B-9764-EAC9E56C1D49}" type="datetimeFigureOut">
               <a:rPr lang="en-US" smtClean="0"/>
-              <a:t>10/25/2018</a:t>
+              <a:t>11/12/2018</a:t>
             </a:fld>
             <a:endParaRPr lang="en-US"/>
           </a:p>
@@ -2604,7 +2604,7 @@
           <a:p>
             <a:fld id="{78C97017-6FC3-485B-9764-EAC9E56C1D49}" type="datetimeFigureOut">
               <a:rPr lang="en-US" smtClean="0"/>
-              <a:t>10/25/2018</a:t>
+              <a:t>11/12/2018</a:t>
             </a:fld>
             <a:endParaRPr lang="en-US"/>
           </a:p>
@@ -2856,7 +2856,7 @@
           <a:p>
             <a:fld id="{78C97017-6FC3-485B-9764-EAC9E56C1D49}" type="datetimeFigureOut">
               <a:rPr lang="en-US" smtClean="0"/>
-              <a:t>10/25/2018</a:t>
+              <a:t>11/12/2018</a:t>
             </a:fld>
             <a:endParaRPr lang="en-US"/>
           </a:p>
@@ -3067,7 +3067,7 @@
           <a:p>
             <a:fld id="{78C97017-6FC3-485B-9764-EAC9E56C1D49}" type="datetimeFigureOut">
               <a:rPr lang="en-US" smtClean="0"/>
-              <a:t>10/25/2018</a:t>
+              <a:t>11/12/2018</a:t>
             </a:fld>
             <a:endParaRPr lang="en-US"/>
           </a:p>
@@ -4097,14 +4097,14 @@
       </p:sp>
       <p:sp>
         <p:nvSpPr>
-          <p:cNvPr id="49" name="Rectangle 8"/>
+          <p:cNvPr id="62" name="Rectangle 8"/>
           <p:cNvSpPr/>
           <p:nvPr/>
         </p:nvSpPr>
         <p:spPr>
           <a:xfrm>
-            <a:off x="4692650" y="2846162"/>
-            <a:ext cx="1156969" cy="346760"/>
+            <a:off x="6313677" y="2858066"/>
+            <a:ext cx="708186" cy="346760"/>
           </a:xfrm>
           <a:prstGeom prst="rect">
             <a:avLst/>
@@ -4136,12 +4136,12 @@
           <a:p>
             <a:pPr algn="ctr"/>
             <a:r>
-              <a:rPr lang="en-US" sz="1050" dirty="0" err="1">
+              <a:rPr lang="en-US" sz="1050" dirty="0">
                 <a:solidFill>
                   <a:srgbClr val="7030A0"/>
                 </a:solidFill>
               </a:rPr>
-              <a:t>UniqueEventList</a:t>
+              <a:t>Event</a:t>
             </a:r>
             <a:endParaRPr lang="en-SG" sz="1050" dirty="0">
               <a:solidFill>
@@ -4153,13 +4153,69 @@
       </p:sp>
       <p:sp>
         <p:nvSpPr>
-          <p:cNvPr id="51" name="Flowchart: Decision 96"/>
+          <p:cNvPr id="76" name="Rectangle 8"/>
           <p:cNvSpPr/>
           <p:nvPr/>
         </p:nvSpPr>
         <p:spPr>
           <a:xfrm>
-            <a:off x="4324972" y="2920532"/>
+            <a:off x="7653592" y="1999377"/>
+            <a:ext cx="884377" cy="285783"/>
+          </a:xfrm>
+          <a:prstGeom prst="rect">
+            <a:avLst/>
+          </a:prstGeom>
+          <a:ln w="19050">
+            <a:solidFill>
+              <a:srgbClr val="7030A0"/>
+            </a:solidFill>
+          </a:ln>
+          <a:effectLst/>
+        </p:spPr>
+        <p:style>
+          <a:lnRef idx="1">
+            <a:schemeClr val="accent4"/>
+          </a:lnRef>
+          <a:fillRef idx="2">
+            <a:schemeClr val="accent4"/>
+          </a:fillRef>
+          <a:effectRef idx="1">
+            <a:schemeClr val="accent4"/>
+          </a:effectRef>
+          <a:fontRef idx="minor">
+            <a:schemeClr val="dk1"/>
+          </a:fontRef>
+        </p:style>
+        <p:txBody>
+          <a:bodyPr rtlCol="0" anchor="ctr"/>
+          <a:lstStyle/>
+          <a:p>
+            <a:pPr algn="ctr"/>
+            <a:r>
+              <a:rPr lang="en-US" sz="1050" dirty="0">
+                <a:solidFill>
+                  <a:srgbClr val="7030A0"/>
+                </a:solidFill>
+              </a:rPr>
+              <a:t>UUID</a:t>
+            </a:r>
+            <a:endParaRPr lang="en-SG" sz="1050" dirty="0">
+              <a:solidFill>
+                <a:srgbClr val="7030A0"/>
+              </a:solidFill>
+            </a:endParaRPr>
+          </a:p>
+        </p:txBody>
+      </p:sp>
+      <p:sp>
+        <p:nvSpPr>
+          <p:cNvPr id="78" name="Flowchart: Decision 96"/>
+          <p:cNvSpPr/>
+          <p:nvPr/>
+        </p:nvSpPr>
+        <p:spPr>
+          <a:xfrm>
+            <a:off x="7031905" y="2941676"/>
             <a:ext cx="236048" cy="173380"/>
           </a:xfrm>
           <a:prstGeom prst="flowChartDecision">
@@ -4198,16 +4254,59 @@
           </a:p>
         </p:txBody>
       </p:sp>
-      <p:sp>
-        <p:nvSpPr>
-          <p:cNvPr id="62" name="Rectangle 8"/>
+      <p:cxnSp>
+        <p:nvCxnSpPr>
+          <p:cNvPr id="79" name="Elbow Connector 78"/>
+          <p:cNvCxnSpPr>
+            <a:cxnSpLocks/>
+            <a:endCxn id="76" idx="1"/>
+          </p:cNvCxnSpPr>
+          <p:nvPr/>
+        </p:nvCxnSpPr>
+        <p:spPr>
+          <a:xfrm>
+            <a:off x="7431508" y="2142269"/>
+            <a:ext cx="222084" cy="12700"/>
+          </a:xfrm>
+          <a:prstGeom prst="bentConnector3">
+            <a:avLst>
+              <a:gd name="adj1" fmla="val 439"/>
+            </a:avLst>
+          </a:prstGeom>
+          <a:ln w="19050">
+            <a:solidFill>
+              <a:srgbClr val="7030A0"/>
+            </a:solidFill>
+            <a:headEnd type="none" w="med" len="med"/>
+            <a:tailEnd type="arrow" w="med" len="med"/>
+          </a:ln>
+          <a:effectLst/>
+        </p:spPr>
+        <p:style>
+          <a:lnRef idx="1">
+            <a:schemeClr val="accent2"/>
+          </a:lnRef>
+          <a:fillRef idx="2">
+            <a:schemeClr val="accent2"/>
+          </a:fillRef>
+          <a:effectRef idx="1">
+            <a:schemeClr val="accent2"/>
+          </a:effectRef>
+          <a:fontRef idx="minor">
+            <a:schemeClr val="dk1"/>
+          </a:fontRef>
+        </p:style>
+      </p:cxnSp>
+      <p:sp>
+        <p:nvSpPr>
+          <p:cNvPr id="80" name="Rectangle 8"/>
           <p:cNvSpPr/>
           <p:nvPr/>
         </p:nvSpPr>
         <p:spPr>
           <a:xfrm>
-            <a:off x="6313677" y="2858066"/>
-            <a:ext cx="708186" cy="346760"/>
+            <a:off x="7655498" y="2322355"/>
+            <a:ext cx="884378" cy="285783"/>
           </a:xfrm>
           <a:prstGeom prst="rect">
             <a:avLst/>
@@ -4239,12 +4338,12 @@
           <a:p>
             <a:pPr algn="ctr"/>
             <a:r>
-              <a:rPr lang="en-US" sz="1050" dirty="0">
+              <a:rPr lang="en-SG" sz="1050" dirty="0" err="1">
                 <a:solidFill>
                   <a:srgbClr val="7030A0"/>
                 </a:solidFill>
               </a:rPr>
-              <a:t>Event</a:t>
+              <a:t>EventName</a:t>
             </a:r>
             <a:endParaRPr lang="en-SG" sz="1050" dirty="0">
               <a:solidFill>
@@ -4254,67 +4353,24 @@
           </a:p>
         </p:txBody>
       </p:sp>
-      <p:sp>
-        <p:nvSpPr>
-          <p:cNvPr id="63" name="Flowchart: Decision 96"/>
-          <p:cNvSpPr/>
-          <p:nvPr/>
-        </p:nvSpPr>
-        <p:spPr>
-          <a:xfrm>
-            <a:off x="5858751" y="2941676"/>
-            <a:ext cx="236048" cy="173380"/>
-          </a:xfrm>
-          <a:prstGeom prst="flowChartDecision">
-            <a:avLst/>
-          </a:prstGeom>
-          <a:noFill/>
-          <a:ln w="19050">
-            <a:solidFill>
-              <a:srgbClr val="7030A0"/>
-            </a:solidFill>
-          </a:ln>
-          <a:effectLst/>
-        </p:spPr>
-        <p:style>
-          <a:lnRef idx="1">
-            <a:schemeClr val="accent6"/>
-          </a:lnRef>
-          <a:fillRef idx="2">
-            <a:schemeClr val="accent6"/>
-          </a:fillRef>
-          <a:effectRef idx="1">
-            <a:schemeClr val="accent6"/>
-          </a:effectRef>
-          <a:fontRef idx="minor">
-            <a:schemeClr val="dk1"/>
-          </a:fontRef>
-        </p:style>
-        <p:txBody>
-          <a:bodyPr rtlCol="0" anchor="ctr"/>
-          <a:lstStyle/>
-          <a:p>
-            <a:pPr algn="ctr"/>
-            <a:endParaRPr lang="en-US" sz="1050"/>
-          </a:p>
-        </p:txBody>
-      </p:sp>
       <p:cxnSp>
         <p:nvCxnSpPr>
-          <p:cNvPr id="64" name="Elbow Connector 63"/>
+          <p:cNvPr id="81" name="Elbow Connector 80"/>
           <p:cNvCxnSpPr>
-            <a:stCxn id="63" idx="3"/>
-            <a:endCxn id="62" idx="1"/>
+            <a:cxnSpLocks/>
+            <a:endCxn id="80" idx="1"/>
           </p:cNvCxnSpPr>
           <p:nvPr/>
         </p:nvCxnSpPr>
         <p:spPr>
-          <a:xfrm>
-            <a:off x="6094799" y="3028366"/>
-            <a:ext cx="218878" cy="3080"/>
+          <a:xfrm flipV="1">
+            <a:off x="7429602" y="2465247"/>
+            <a:ext cx="225896" cy="11517"/>
           </a:xfrm>
           <a:prstGeom prst="bentConnector3">
-            <a:avLst/>
+            <a:avLst>
+              <a:gd name="adj1" fmla="val 1275"/>
+            </a:avLst>
           </a:prstGeom>
           <a:ln w="19050">
             <a:solidFill>
@@ -4342,13 +4398,13 @@
       </p:cxnSp>
       <p:sp>
         <p:nvSpPr>
-          <p:cNvPr id="76" name="Rectangle 8"/>
+          <p:cNvPr id="83" name="Rectangle 8"/>
           <p:cNvSpPr/>
           <p:nvPr/>
         </p:nvSpPr>
         <p:spPr>
           <a:xfrm>
-            <a:off x="7653592" y="1999377"/>
+            <a:off x="7655498" y="2645333"/>
             <a:ext cx="884377" cy="285783"/>
           </a:xfrm>
           <a:prstGeom prst="rect">
@@ -4381,12 +4437,12 @@
           <a:p>
             <a:pPr algn="ctr"/>
             <a:r>
-              <a:rPr lang="en-US" sz="1050" dirty="0">
+              <a:rPr lang="en-US" sz="1050" dirty="0" err="1">
                 <a:solidFill>
                   <a:srgbClr val="7030A0"/>
                 </a:solidFill>
               </a:rPr>
-              <a:t>UUID</a:t>
+              <a:t>DateTime</a:t>
             </a:r>
             <a:endParaRPr lang="en-SG" sz="1050" dirty="0">
               <a:solidFill>
@@ -4396,70 +4452,23 @@
           </a:p>
         </p:txBody>
       </p:sp>
-      <p:sp>
-        <p:nvSpPr>
-          <p:cNvPr id="78" name="Flowchart: Decision 96"/>
-          <p:cNvSpPr/>
-          <p:nvPr/>
-        </p:nvSpPr>
-        <p:spPr>
-          <a:xfrm>
-            <a:off x="7031905" y="2941676"/>
-            <a:ext cx="236048" cy="173380"/>
-          </a:xfrm>
-          <a:prstGeom prst="flowChartDecision">
-            <a:avLst/>
-          </a:prstGeom>
-          <a:solidFill>
-            <a:srgbClr val="7030A0"/>
-          </a:solidFill>
-          <a:ln w="19050">
-            <a:solidFill>
-              <a:srgbClr val="7030A0"/>
-            </a:solidFill>
-          </a:ln>
-          <a:effectLst/>
-        </p:spPr>
-        <p:style>
-          <a:lnRef idx="1">
-            <a:schemeClr val="accent6"/>
-          </a:lnRef>
-          <a:fillRef idx="2">
-            <a:schemeClr val="accent6"/>
-          </a:fillRef>
-          <a:effectRef idx="1">
-            <a:schemeClr val="accent6"/>
-          </a:effectRef>
-          <a:fontRef idx="minor">
-            <a:schemeClr val="dk1"/>
-          </a:fontRef>
-        </p:style>
-        <p:txBody>
-          <a:bodyPr rtlCol="0" anchor="ctr"/>
-          <a:lstStyle/>
-          <a:p>
-            <a:pPr algn="ctr"/>
-            <a:endParaRPr lang="en-US" sz="1050"/>
-          </a:p>
-        </p:txBody>
-      </p:sp>
       <p:cxnSp>
         <p:nvCxnSpPr>
-          <p:cNvPr id="79" name="Elbow Connector 78"/>
+          <p:cNvPr id="84" name="Elbow Connector 83"/>
           <p:cNvCxnSpPr>
             <a:cxnSpLocks/>
-            <a:endCxn id="76" idx="1"/>
+            <a:endCxn id="85" idx="1"/>
           </p:cNvCxnSpPr>
           <p:nvPr/>
         </p:nvCxnSpPr>
         <p:spPr>
           <a:xfrm>
-            <a:off x="7431508" y="2142269"/>
-            <a:ext cx="222084" cy="12700"/>
+            <a:off x="7429602" y="3106619"/>
+            <a:ext cx="225896" cy="4583"/>
           </a:xfrm>
           <a:prstGeom prst="bentConnector3">
             <a:avLst>
-              <a:gd name="adj1" fmla="val 439"/>
+              <a:gd name="adj1" fmla="val 5024"/>
             </a:avLst>
           </a:prstGeom>
           <a:ln w="19050">
@@ -4488,14 +4497,14 @@
       </p:cxnSp>
       <p:sp>
         <p:nvSpPr>
-          <p:cNvPr id="80" name="Rectangle 8"/>
+          <p:cNvPr id="85" name="Rectangle 8"/>
           <p:cNvSpPr/>
           <p:nvPr/>
         </p:nvSpPr>
         <p:spPr>
           <a:xfrm>
-            <a:off x="7655498" y="2322355"/>
-            <a:ext cx="884378" cy="285783"/>
+            <a:off x="7655498" y="2968310"/>
+            <a:ext cx="884377" cy="285783"/>
           </a:xfrm>
           <a:prstGeom prst="rect">
             <a:avLst/>
@@ -4527,12 +4536,12 @@
           <a:p>
             <a:pPr algn="ctr"/>
             <a:r>
-              <a:rPr lang="en-SG" sz="1050" dirty="0" err="1">
+              <a:rPr lang="en-US" sz="1050" dirty="0" err="1">
                 <a:solidFill>
                   <a:srgbClr val="7030A0"/>
                 </a:solidFill>
               </a:rPr>
-              <a:t>EventName</a:t>
+              <a:t>DateTime</a:t>
             </a:r>
             <a:endParaRPr lang="en-SG" sz="1050" dirty="0">
               <a:solidFill>
@@ -4544,21 +4553,21 @@
       </p:sp>
       <p:cxnSp>
         <p:nvCxnSpPr>
-          <p:cNvPr id="81" name="Elbow Connector 80"/>
+          <p:cNvPr id="86" name="Elbow Connector 85"/>
           <p:cNvCxnSpPr>
             <a:cxnSpLocks/>
-            <a:endCxn id="80" idx="1"/>
+            <a:endCxn id="59" idx="1"/>
           </p:cNvCxnSpPr>
           <p:nvPr/>
         </p:nvCxnSpPr>
         <p:spPr>
           <a:xfrm flipV="1">
-            <a:off x="7429602" y="2465247"/>
-            <a:ext cx="225896" cy="11517"/>
+            <a:off x="7428651" y="3434179"/>
+            <a:ext cx="226847" cy="1"/>
           </a:xfrm>
           <a:prstGeom prst="bentConnector3">
             <a:avLst>
-              <a:gd name="adj1" fmla="val 1275"/>
+              <a:gd name="adj1" fmla="val 50000"/>
             </a:avLst>
           </a:prstGeom>
           <a:ln w="19050">
@@ -4585,18 +4594,61 @@
           </a:fontRef>
         </p:style>
       </p:cxnSp>
-      <p:sp>
-        <p:nvSpPr>
-          <p:cNvPr id="83" name="Rectangle 8"/>
+      <p:cxnSp>
+        <p:nvCxnSpPr>
+          <p:cNvPr id="97" name="Elbow Connector 63"/>
+          <p:cNvCxnSpPr>
+            <a:stCxn id="99" idx="3"/>
+          </p:cNvCxnSpPr>
+          <p:nvPr/>
+        </p:nvCxnSpPr>
+        <p:spPr>
+          <a:xfrm rot="5400000">
+            <a:off x="3553611" y="2687559"/>
+            <a:ext cx="293825" cy="5938"/>
+          </a:xfrm>
+          <a:prstGeom prst="bentConnector3">
+            <a:avLst>
+              <a:gd name="adj1" fmla="val 50000"/>
+            </a:avLst>
+          </a:prstGeom>
+          <a:ln w="19050">
+            <a:solidFill>
+              <a:srgbClr val="7030A0"/>
+            </a:solidFill>
+            <a:prstDash val="sysDot"/>
+            <a:headEnd type="none" w="med" len="med"/>
+            <a:tailEnd type="none" w="med" len="med"/>
+          </a:ln>
+          <a:effectLst/>
+        </p:spPr>
+        <p:style>
+          <a:lnRef idx="1">
+            <a:schemeClr val="accent2"/>
+          </a:lnRef>
+          <a:fillRef idx="2">
+            <a:schemeClr val="accent2"/>
+          </a:fillRef>
+          <a:effectRef idx="1">
+            <a:schemeClr val="accent2"/>
+          </a:effectRef>
+          <a:fontRef idx="minor">
+            <a:schemeClr val="dk1"/>
+          </a:fontRef>
+        </p:style>
+      </p:cxnSp>
+      <p:sp>
+        <p:nvSpPr>
+          <p:cNvPr id="99" name="Isosceles Triangle 102"/>
           <p:cNvSpPr/>
           <p:nvPr/>
         </p:nvSpPr>
         <p:spPr>
-          <a:xfrm>
-            <a:off x="7655498" y="2645333"/>
-            <a:ext cx="884377" cy="285783"/>
-          </a:xfrm>
-          <a:prstGeom prst="rect">
+          <a:xfrm rot="10800000" flipV="1">
+            <a:off x="3562299" y="2386554"/>
+            <a:ext cx="282387" cy="157062"/>
+          </a:xfrm>
+          <a:prstGeom prst="triangle">
             <a:avLst/>
           </a:prstGeom>
           <a:ln w="19050">
@@ -4625,75 +4677,24 @@
           <a:lstStyle/>
           <a:p>
             <a:pPr algn="ctr"/>
-            <a:r>
-              <a:rPr lang="en-US" sz="1050" dirty="0" err="1">
-                <a:solidFill>
-                  <a:srgbClr val="7030A0"/>
-                </a:solidFill>
-              </a:rPr>
-              <a:t>DateTime</a:t>
-            </a:r>
-            <a:endParaRPr lang="en-SG" sz="1050" dirty="0">
+            <a:endParaRPr lang="en-SG" sz="1050" b="1">
               <a:solidFill>
-                <a:srgbClr val="7030A0"/>
+                <a:srgbClr val="92D050"/>
               </a:solidFill>
             </a:endParaRPr>
           </a:p>
         </p:txBody>
       </p:sp>
-      <p:cxnSp>
-        <p:nvCxnSpPr>
-          <p:cNvPr id="84" name="Elbow Connector 83"/>
-          <p:cNvCxnSpPr>
-            <a:cxnSpLocks/>
-            <a:endCxn id="85" idx="1"/>
-          </p:cNvCxnSpPr>
-          <p:nvPr/>
-        </p:nvCxnSpPr>
-        <p:spPr>
-          <a:xfrm>
-            <a:off x="7429602" y="3106619"/>
-            <a:ext cx="225896" cy="4583"/>
-          </a:xfrm>
-          <a:prstGeom prst="bentConnector3">
-            <a:avLst>
-              <a:gd name="adj1" fmla="val 5024"/>
-            </a:avLst>
-          </a:prstGeom>
-          <a:ln w="19050">
-            <a:solidFill>
-              <a:srgbClr val="7030A0"/>
-            </a:solidFill>
-            <a:headEnd type="none" w="med" len="med"/>
-            <a:tailEnd type="arrow" w="med" len="med"/>
-          </a:ln>
-          <a:effectLst/>
-        </p:spPr>
-        <p:style>
-          <a:lnRef idx="1">
-            <a:schemeClr val="accent2"/>
-          </a:lnRef>
-          <a:fillRef idx="2">
-            <a:schemeClr val="accent2"/>
-          </a:fillRef>
-          <a:effectRef idx="1">
-            <a:schemeClr val="accent2"/>
-          </a:effectRef>
-          <a:fontRef idx="minor">
-            <a:schemeClr val="dk1"/>
-          </a:fontRef>
-        </p:style>
-      </p:cxnSp>
-      <p:sp>
-        <p:nvSpPr>
-          <p:cNvPr id="85" name="Rectangle 8"/>
+      <p:sp>
+        <p:nvSpPr>
+          <p:cNvPr id="100" name="Rectangle 8"/>
           <p:cNvSpPr/>
           <p:nvPr/>
         </p:nvSpPr>
         <p:spPr>
           <a:xfrm>
-            <a:off x="7655498" y="2968310"/>
-            <a:ext cx="884377" cy="285783"/>
+            <a:off x="1260922" y="1998350"/>
+            <a:ext cx="1443661" cy="364396"/>
           </a:xfrm>
           <a:prstGeom prst="rect">
             <a:avLst/>
@@ -4725,196 +4726,6 @@
           <a:p>
             <a:pPr algn="ctr"/>
             <a:r>
-              <a:rPr lang="en-US" sz="1050" dirty="0" err="1">
-                <a:solidFill>
-                  <a:srgbClr val="7030A0"/>
-                </a:solidFill>
-              </a:rPr>
-              <a:t>DateTime</a:t>
-            </a:r>
-            <a:endParaRPr lang="en-SG" sz="1050" dirty="0">
-              <a:solidFill>
-                <a:srgbClr val="7030A0"/>
-              </a:solidFill>
-            </a:endParaRPr>
-          </a:p>
-        </p:txBody>
-      </p:sp>
-      <p:cxnSp>
-        <p:nvCxnSpPr>
-          <p:cNvPr id="86" name="Elbow Connector 85"/>
-          <p:cNvCxnSpPr>
-            <a:cxnSpLocks/>
-            <a:endCxn id="59" idx="1"/>
-          </p:cNvCxnSpPr>
-          <p:nvPr/>
-        </p:nvCxnSpPr>
-        <p:spPr>
-          <a:xfrm flipV="1">
-            <a:off x="7428651" y="3434179"/>
-            <a:ext cx="226847" cy="1"/>
-          </a:xfrm>
-          <a:prstGeom prst="bentConnector3">
-            <a:avLst>
-              <a:gd name="adj1" fmla="val 50000"/>
-            </a:avLst>
-          </a:prstGeom>
-          <a:ln w="19050">
-            <a:solidFill>
-              <a:srgbClr val="7030A0"/>
-            </a:solidFill>
-            <a:headEnd type="none" w="med" len="med"/>
-            <a:tailEnd type="arrow" w="med" len="med"/>
-          </a:ln>
-          <a:effectLst/>
-        </p:spPr>
-        <p:style>
-          <a:lnRef idx="1">
-            <a:schemeClr val="accent2"/>
-          </a:lnRef>
-          <a:fillRef idx="2">
-            <a:schemeClr val="accent2"/>
-          </a:fillRef>
-          <a:effectRef idx="1">
-            <a:schemeClr val="accent2"/>
-          </a:effectRef>
-          <a:fontRef idx="minor">
-            <a:schemeClr val="dk1"/>
-          </a:fontRef>
-        </p:style>
-      </p:cxnSp>
-      <p:cxnSp>
-        <p:nvCxnSpPr>
-          <p:cNvPr id="97" name="Elbow Connector 63"/>
-          <p:cNvCxnSpPr>
-            <a:stCxn id="99" idx="3"/>
-          </p:cNvCxnSpPr>
-          <p:nvPr/>
-        </p:nvCxnSpPr>
-        <p:spPr>
-          <a:xfrm rot="5400000">
-            <a:off x="3553611" y="2687559"/>
-            <a:ext cx="293825" cy="5938"/>
-          </a:xfrm>
-          <a:prstGeom prst="bentConnector3">
-            <a:avLst>
-              <a:gd name="adj1" fmla="val 50000"/>
-            </a:avLst>
-          </a:prstGeom>
-          <a:ln w="19050">
-            <a:solidFill>
-              <a:srgbClr val="7030A0"/>
-            </a:solidFill>
-            <a:prstDash val="sysDot"/>
-            <a:headEnd type="none" w="med" len="med"/>
-            <a:tailEnd type="none" w="med" len="med"/>
-          </a:ln>
-          <a:effectLst/>
-        </p:spPr>
-        <p:style>
-          <a:lnRef idx="1">
-            <a:schemeClr val="accent2"/>
-          </a:lnRef>
-          <a:fillRef idx="2">
-            <a:schemeClr val="accent2"/>
-          </a:fillRef>
-          <a:effectRef idx="1">
-            <a:schemeClr val="accent2"/>
-          </a:effectRef>
-          <a:fontRef idx="minor">
-            <a:schemeClr val="dk1"/>
-          </a:fontRef>
-        </p:style>
-      </p:cxnSp>
-      <p:sp>
-        <p:nvSpPr>
-          <p:cNvPr id="99" name="Isosceles Triangle 102"/>
-          <p:cNvSpPr/>
-          <p:nvPr/>
-        </p:nvSpPr>
-        <p:spPr>
-          <a:xfrm rot="10800000" flipV="1">
-            <a:off x="3562299" y="2386554"/>
-            <a:ext cx="282387" cy="157062"/>
-          </a:xfrm>
-          <a:prstGeom prst="triangle">
-            <a:avLst/>
-          </a:prstGeom>
-          <a:ln w="19050">
-            <a:solidFill>
-              <a:srgbClr val="7030A0"/>
-            </a:solidFill>
-          </a:ln>
-          <a:effectLst/>
-        </p:spPr>
-        <p:style>
-          <a:lnRef idx="1">
-            <a:schemeClr val="accent4"/>
-          </a:lnRef>
-          <a:fillRef idx="2">
-            <a:schemeClr val="accent4"/>
-          </a:fillRef>
-          <a:effectRef idx="1">
-            <a:schemeClr val="accent4"/>
-          </a:effectRef>
-          <a:fontRef idx="minor">
-            <a:schemeClr val="dk1"/>
-          </a:fontRef>
-        </p:style>
-        <p:txBody>
-          <a:bodyPr rtlCol="0" anchor="ctr"/>
-          <a:lstStyle/>
-          <a:p>
-            <a:pPr algn="ctr"/>
-            <a:endParaRPr lang="en-SG" sz="1050" b="1">
-              <a:solidFill>
-                <a:srgbClr val="92D050"/>
-              </a:solidFill>
-            </a:endParaRPr>
-          </a:p>
-        </p:txBody>
-      </p:sp>
-      <p:sp>
-        <p:nvSpPr>
-          <p:cNvPr id="100" name="Rectangle 8"/>
-          <p:cNvSpPr/>
-          <p:nvPr/>
-        </p:nvSpPr>
-        <p:spPr>
-          <a:xfrm>
-            <a:off x="1260922" y="1998350"/>
-            <a:ext cx="1443661" cy="364396"/>
-          </a:xfrm>
-          <a:prstGeom prst="rect">
-            <a:avLst/>
-          </a:prstGeom>
-          <a:ln w="19050">
-            <a:solidFill>
-              <a:srgbClr val="7030A0"/>
-            </a:solidFill>
-          </a:ln>
-          <a:effectLst/>
-        </p:spPr>
-        <p:style>
-          <a:lnRef idx="1">
-            <a:schemeClr val="accent4"/>
-          </a:lnRef>
-          <a:fillRef idx="2">
-            <a:schemeClr val="accent4"/>
-          </a:fillRef>
-          <a:effectRef idx="1">
-            <a:schemeClr val="accent4"/>
-          </a:effectRef>
-          <a:fontRef idx="minor">
-            <a:schemeClr val="dk1"/>
-          </a:fontRef>
-        </p:style>
-        <p:txBody>
-          <a:bodyPr rtlCol="0" anchor="ctr"/>
-          <a:lstStyle/>
-          <a:p>
-            <a:pPr algn="ctr"/>
-            <a:r>
               <a:rPr lang="en-US" sz="1050" dirty="0">
                 <a:solidFill>
                   <a:srgbClr val="7030A0"/>
@@ -4975,197 +4786,6 @@
                 </a:solidFill>
               </a:rPr>
               <a:t>filtered list</a:t>
-            </a:r>
-            <a:endParaRPr lang="en-SG" sz="1100" dirty="0">
-              <a:solidFill>
-                <a:srgbClr val="7030A0"/>
-              </a:solidFill>
-            </a:endParaRPr>
-          </a:p>
-        </p:txBody>
-      </p:sp>
-      <p:sp>
-        <p:nvSpPr>
-          <p:cNvPr id="122" name="Rectangle 8"/>
-          <p:cNvSpPr/>
-          <p:nvPr/>
-        </p:nvSpPr>
-        <p:spPr>
-          <a:xfrm>
-            <a:off x="2057401" y="4239491"/>
-            <a:ext cx="1066800" cy="346760"/>
-          </a:xfrm>
-          <a:prstGeom prst="rect">
-            <a:avLst/>
-          </a:prstGeom>
-          <a:ln w="19050">
-            <a:solidFill>
-              <a:srgbClr val="7030A0"/>
-            </a:solidFill>
-          </a:ln>
-          <a:effectLst/>
-        </p:spPr>
-        <p:style>
-          <a:lnRef idx="1">
-            <a:schemeClr val="accent4"/>
-          </a:lnRef>
-          <a:fillRef idx="2">
-            <a:schemeClr val="accent4"/>
-          </a:fillRef>
-          <a:effectRef idx="1">
-            <a:schemeClr val="accent4"/>
-          </a:effectRef>
-          <a:fontRef idx="minor">
-            <a:schemeClr val="dk1"/>
-          </a:fontRef>
-        </p:style>
-        <p:txBody>
-          <a:bodyPr rtlCol="0" anchor="ctr"/>
-          <a:lstStyle/>
-          <a:p>
-            <a:pPr algn="ctr"/>
-            <a:r>
-              <a:rPr lang="en-US" sz="1050" dirty="0">
-                <a:solidFill>
-                  <a:srgbClr val="7030A0"/>
-                </a:solidFill>
-              </a:rPr>
-              <a:t>&lt;&lt;interface&gt;&gt;</a:t>
-            </a:r>
-            <a:br>
-              <a:rPr lang="en-US" sz="1050">
-                <a:solidFill>
-                  <a:srgbClr val="7030A0"/>
-                </a:solidFill>
-              </a:rPr>
-            </a:br>
-            <a:r>
-              <a:rPr lang="en-US" sz="1050" dirty="0" err="1">
-                <a:solidFill>
-                  <a:srgbClr val="7030A0"/>
-                </a:solidFill>
-              </a:rPr>
-              <a:t>ObservableList</a:t>
-            </a:r>
-            <a:endParaRPr lang="en-SG" sz="1050" dirty="0">
-              <a:solidFill>
-                <a:srgbClr val="7030A0"/>
-              </a:solidFill>
-            </a:endParaRPr>
-          </a:p>
-        </p:txBody>
-      </p:sp>
-      <p:cxnSp>
-        <p:nvCxnSpPr>
-          <p:cNvPr id="124" name="Elbow Connector 122"/>
-          <p:cNvCxnSpPr>
-            <a:stCxn id="119" idx="1"/>
-            <a:endCxn id="122" idx="1"/>
-          </p:cNvCxnSpPr>
-          <p:nvPr/>
-        </p:nvCxnSpPr>
-        <p:spPr>
-          <a:xfrm rot="16200000" flipH="1">
-            <a:off x="1364475" y="3719944"/>
-            <a:ext cx="831471" cy="554381"/>
-          </a:xfrm>
-          <a:prstGeom prst="bentConnector2">
-            <a:avLst/>
-          </a:prstGeom>
-          <a:ln w="19050">
-            <a:solidFill>
-              <a:srgbClr val="7030A0"/>
-            </a:solidFill>
-            <a:prstDash val="sysDot"/>
-            <a:headEnd type="none" w="med" len="med"/>
-            <a:tailEnd type="arrow" w="med" len="med"/>
-          </a:ln>
-          <a:effectLst/>
-        </p:spPr>
-        <p:style>
-          <a:lnRef idx="1">
-            <a:schemeClr val="accent2"/>
-          </a:lnRef>
-          <a:fillRef idx="2">
-            <a:schemeClr val="accent2"/>
-          </a:fillRef>
-          <a:effectRef idx="1">
-            <a:schemeClr val="accent2"/>
-          </a:effectRef>
-          <a:fontRef idx="minor">
-            <a:schemeClr val="dk1"/>
-          </a:fontRef>
-        </p:style>
-      </p:cxnSp>
-      <p:sp>
-        <p:nvSpPr>
-          <p:cNvPr id="54" name="TextBox 53"/>
-          <p:cNvSpPr txBox="1"/>
-          <p:nvPr/>
-        </p:nvSpPr>
-        <p:spPr>
-          <a:xfrm>
-            <a:off x="4429979" y="3111479"/>
-            <a:ext cx="189257" cy="178683"/>
-          </a:xfrm>
-          <a:prstGeom prst="rect">
-            <a:avLst/>
-          </a:prstGeom>
-          <a:noFill/>
-        </p:spPr>
-        <p:txBody>
-          <a:bodyPr wrap="square" lIns="0" tIns="0" rIns="0" bIns="0" rtlCol="0">
-            <a:noAutofit/>
-          </a:bodyPr>
-          <a:lstStyle/>
-          <a:p>
-            <a:pPr algn="ctr"/>
-            <a:r>
-              <a:rPr lang="en-US" sz="1100" dirty="0">
-                <a:solidFill>
-                  <a:srgbClr val="7030A0"/>
-                </a:solidFill>
-              </a:rPr>
-              <a:t>1</a:t>
-            </a:r>
-            <a:endParaRPr lang="en-SG" sz="1100" dirty="0">
-              <a:solidFill>
-                <a:srgbClr val="7030A0"/>
-              </a:solidFill>
-            </a:endParaRPr>
-          </a:p>
-        </p:txBody>
-      </p:sp>
-      <p:sp>
-        <p:nvSpPr>
-          <p:cNvPr id="61" name="TextBox 60"/>
-          <p:cNvSpPr txBox="1"/>
-          <p:nvPr/>
-        </p:nvSpPr>
-        <p:spPr>
-          <a:xfrm>
-            <a:off x="6135256" y="3097917"/>
-            <a:ext cx="189257" cy="178683"/>
-          </a:xfrm>
-          <a:prstGeom prst="rect">
-            <a:avLst/>
-          </a:prstGeom>
-          <a:noFill/>
-        </p:spPr>
-        <p:txBody>
-          <a:bodyPr wrap="square" lIns="0" tIns="0" rIns="0" bIns="0" rtlCol="0">
-            <a:noAutofit/>
-          </a:bodyPr>
-          <a:lstStyle/>
-          <a:p>
-            <a:pPr algn="ctr"/>
-            <a:r>
-              <a:rPr lang="en-US" sz="1100" dirty="0">
-                <a:solidFill>
-                  <a:srgbClr val="7030A0"/>
-                </a:solidFill>
-              </a:rPr>
-              <a:t>*</a:t>
             </a:r>
             <a:endParaRPr lang="en-SG" sz="1100" dirty="0">
               <a:solidFill>
@@ -5457,47 +5077,6 @@
           </a:p>
         </p:txBody>
       </p:sp>
-      <p:cxnSp>
-        <p:nvCxnSpPr>
-          <p:cNvPr id="60" name="Straight Arrow Connector 59"/>
-          <p:cNvCxnSpPr>
-            <a:stCxn id="51" idx="1"/>
-            <a:endCxn id="49" idx="1"/>
-          </p:cNvCxnSpPr>
-          <p:nvPr/>
-        </p:nvCxnSpPr>
-        <p:spPr>
-          <a:xfrm>
-            <a:off x="4324972" y="3007222"/>
-            <a:ext cx="367678" cy="12320"/>
-          </a:xfrm>
-          <a:prstGeom prst="straightConnector1">
-            <a:avLst/>
-          </a:prstGeom>
-          <a:ln w="19050">
-            <a:solidFill>
-              <a:srgbClr val="7030A0"/>
-            </a:solidFill>
-            <a:headEnd type="none" w="med" len="med"/>
-            <a:tailEnd type="arrow" w="med" len="med"/>
-          </a:ln>
-          <a:effectLst/>
-        </p:spPr>
-        <p:style>
-          <a:lnRef idx="1">
-            <a:schemeClr val="accent2"/>
-          </a:lnRef>
-          <a:fillRef idx="2">
-            <a:schemeClr val="accent2"/>
-          </a:fillRef>
-          <a:effectRef idx="1">
-            <a:schemeClr val="accent2"/>
-          </a:effectRef>
-          <a:fontRef idx="minor">
-            <a:schemeClr val="dk1"/>
-          </a:fontRef>
-        </p:style>
-      </p:cxnSp>
       <p:sp>
         <p:nvSpPr>
           <p:cNvPr id="68" name="Isosceles Triangle 102"/>
@@ -5591,172 +5170,6 @@
           </a:effectRef>
           <a:fontRef idx="minor">
             <a:schemeClr val="dk1"/>
-          </a:fontRef>
-        </p:style>
-      </p:cxnSp>
-      <p:cxnSp>
-        <p:nvCxnSpPr>
-          <p:cNvPr id="4" name="Straight Connector 3">
-            <a:extLst>
-              <a:ext uri="{FF2B5EF4-FFF2-40B4-BE49-F238E27FC236}">
-                <a16:creationId xmlns:a16="http://schemas.microsoft.com/office/drawing/2014/main" id="{BAF0E4D7-A325-414C-8649-6100C4B45263}"/>
-              </a:ext>
-            </a:extLst>
-          </p:cNvPr>
-          <p:cNvCxnSpPr>
-            <a:endCxn id="61" idx="2"/>
-          </p:cNvCxnSpPr>
-          <p:nvPr/>
-        </p:nvCxnSpPr>
-        <p:spPr>
-          <a:xfrm>
-            <a:off x="4315840" y="2724312"/>
-            <a:ext cx="1914045" cy="552288"/>
-          </a:xfrm>
-          <a:prstGeom prst="line">
-            <a:avLst/>
-          </a:prstGeom>
-          <a:ln>
-            <a:solidFill>
-              <a:srgbClr val="FF0000"/>
-            </a:solidFill>
-          </a:ln>
-        </p:spPr>
-        <p:style>
-          <a:lnRef idx="1">
-            <a:schemeClr val="accent1"/>
-          </a:lnRef>
-          <a:fillRef idx="0">
-            <a:schemeClr val="accent1"/>
-          </a:fillRef>
-          <a:effectRef idx="0">
-            <a:schemeClr val="accent1"/>
-          </a:effectRef>
-          <a:fontRef idx="minor">
-            <a:schemeClr val="tx1"/>
-          </a:fontRef>
-        </p:style>
-      </p:cxnSp>
-      <p:cxnSp>
-        <p:nvCxnSpPr>
-          <p:cNvPr id="6" name="Straight Connector 5">
-            <a:extLst>
-              <a:ext uri="{FF2B5EF4-FFF2-40B4-BE49-F238E27FC236}">
-                <a16:creationId xmlns:a16="http://schemas.microsoft.com/office/drawing/2014/main" id="{93C46B44-ECDF-4E08-8AE2-D31AA64FC8B8}"/>
-              </a:ext>
-            </a:extLst>
-          </p:cNvPr>
-          <p:cNvCxnSpPr/>
-          <p:nvPr/>
-        </p:nvCxnSpPr>
-        <p:spPr>
-          <a:xfrm flipV="1">
-            <a:off x="4324972" y="2706821"/>
-            <a:ext cx="1923428" cy="569779"/>
-          </a:xfrm>
-          <a:prstGeom prst="line">
-            <a:avLst/>
-          </a:prstGeom>
-          <a:ln>
-            <a:solidFill>
-              <a:srgbClr val="FF0000"/>
-            </a:solidFill>
-          </a:ln>
-        </p:spPr>
-        <p:style>
-          <a:lnRef idx="1">
-            <a:schemeClr val="accent1"/>
-          </a:lnRef>
-          <a:fillRef idx="0">
-            <a:schemeClr val="accent1"/>
-          </a:fillRef>
-          <a:effectRef idx="0">
-            <a:schemeClr val="accent1"/>
-          </a:effectRef>
-          <a:fontRef idx="minor">
-            <a:schemeClr val="tx1"/>
-          </a:fontRef>
-        </p:style>
-      </p:cxnSp>
-      <p:cxnSp>
-        <p:nvCxnSpPr>
-          <p:cNvPr id="13" name="Straight Connector 12">
-            <a:extLst>
-              <a:ext uri="{FF2B5EF4-FFF2-40B4-BE49-F238E27FC236}">
-                <a16:creationId xmlns:a16="http://schemas.microsoft.com/office/drawing/2014/main" id="{33689476-9609-444A-A7B6-8D5C6DA9080C}"/>
-              </a:ext>
-            </a:extLst>
-          </p:cNvPr>
-          <p:cNvCxnSpPr/>
-          <p:nvPr/>
-        </p:nvCxnSpPr>
-        <p:spPr>
-          <a:xfrm>
-            <a:off x="1260922" y="3723310"/>
-            <a:ext cx="2091878" cy="924890"/>
-          </a:xfrm>
-          <a:prstGeom prst="line">
-            <a:avLst/>
-          </a:prstGeom>
-          <a:ln>
-            <a:solidFill>
-              <a:srgbClr val="FF0000"/>
-            </a:solidFill>
-          </a:ln>
-        </p:spPr>
-        <p:style>
-          <a:lnRef idx="1">
-            <a:schemeClr val="accent1"/>
-          </a:lnRef>
-          <a:fillRef idx="0">
-            <a:schemeClr val="accent1"/>
-          </a:fillRef>
-          <a:effectRef idx="0">
-            <a:schemeClr val="accent1"/>
-          </a:effectRef>
-          <a:fontRef idx="minor">
-            <a:schemeClr val="tx1"/>
-          </a:fontRef>
-        </p:style>
-      </p:cxnSp>
-      <p:cxnSp>
-        <p:nvCxnSpPr>
-          <p:cNvPr id="15" name="Straight Connector 14">
-            <a:extLst>
-              <a:ext uri="{FF2B5EF4-FFF2-40B4-BE49-F238E27FC236}">
-                <a16:creationId xmlns:a16="http://schemas.microsoft.com/office/drawing/2014/main" id="{6FB20F05-29DE-420F-84BF-B4F7D463B9B7}"/>
-              </a:ext>
-            </a:extLst>
-          </p:cNvPr>
-          <p:cNvCxnSpPr/>
-          <p:nvPr/>
-        </p:nvCxnSpPr>
-        <p:spPr>
-          <a:xfrm flipH="1">
-            <a:off x="1260922" y="4038600"/>
-            <a:ext cx="2301376" cy="547651"/>
-          </a:xfrm>
-          <a:prstGeom prst="line">
-            <a:avLst/>
-          </a:prstGeom>
-          <a:ln>
-            <a:solidFill>
-              <a:srgbClr val="FF0000"/>
-            </a:solidFill>
-          </a:ln>
-        </p:spPr>
-        <p:style>
-          <a:lnRef idx="1">
-            <a:schemeClr val="accent1"/>
-          </a:lnRef>
-          <a:fillRef idx="0">
-            <a:schemeClr val="accent1"/>
-          </a:fillRef>
-          <a:effectRef idx="0">
-            <a:schemeClr val="accent1"/>
-          </a:effectRef>
-          <a:fontRef idx="minor">
-            <a:schemeClr val="tx1"/>
           </a:fontRef>
         </p:style>
       </p:cxnSp>

--- a/docs/diagrams/ModelComponentClassDiagram.pptx
+++ b/docs/diagrams/ModelComponentClassDiagram.pptx
@@ -208,7 +208,7 @@
           <a:p>
             <a:fld id="{F5CC4B3F-88C1-4FFA-B1B6-F41C21DC6924}" type="datetimeFigureOut">
               <a:rPr lang="en-US" smtClean="0"/>
-              <a:t>10/24/2018</a:t>
+              <a:t>11/12/2018</a:t>
             </a:fld>
             <a:endParaRPr lang="en-US"/>
           </a:p>
@@ -654,7 +654,7 @@
           <a:p>
             <a:fld id="{78C97017-6FC3-485B-9764-EAC9E56C1D49}" type="datetimeFigureOut">
               <a:rPr lang="en-US" smtClean="0"/>
-              <a:t>10/24/2018</a:t>
+              <a:t>11/12/2018</a:t>
             </a:fld>
             <a:endParaRPr lang="en-US"/>
           </a:p>
@@ -822,7 +822,7 @@
           <a:p>
             <a:fld id="{78C97017-6FC3-485B-9764-EAC9E56C1D49}" type="datetimeFigureOut">
               <a:rPr lang="en-US" smtClean="0"/>
-              <a:t>10/24/2018</a:t>
+              <a:t>11/12/2018</a:t>
             </a:fld>
             <a:endParaRPr lang="en-US"/>
           </a:p>
@@ -1000,7 +1000,7 @@
           <a:p>
             <a:fld id="{78C97017-6FC3-485B-9764-EAC9E56C1D49}" type="datetimeFigureOut">
               <a:rPr lang="en-US" smtClean="0"/>
-              <a:t>10/24/2018</a:t>
+              <a:t>11/12/2018</a:t>
             </a:fld>
             <a:endParaRPr lang="en-US"/>
           </a:p>
@@ -1168,7 +1168,7 @@
           <a:p>
             <a:fld id="{78C97017-6FC3-485B-9764-EAC9E56C1D49}" type="datetimeFigureOut">
               <a:rPr lang="en-US" smtClean="0"/>
-              <a:t>10/24/2018</a:t>
+              <a:t>11/12/2018</a:t>
             </a:fld>
             <a:endParaRPr lang="en-US"/>
           </a:p>
@@ -1413,7 +1413,7 @@
           <a:p>
             <a:fld id="{78C97017-6FC3-485B-9764-EAC9E56C1D49}" type="datetimeFigureOut">
               <a:rPr lang="en-US" smtClean="0"/>
-              <a:t>10/24/2018</a:t>
+              <a:t>11/12/2018</a:t>
             </a:fld>
             <a:endParaRPr lang="en-US"/>
           </a:p>
@@ -1698,7 +1698,7 @@
           <a:p>
             <a:fld id="{78C97017-6FC3-485B-9764-EAC9E56C1D49}" type="datetimeFigureOut">
               <a:rPr lang="en-US" smtClean="0"/>
-              <a:t>10/24/2018</a:t>
+              <a:t>11/12/2018</a:t>
             </a:fld>
             <a:endParaRPr lang="en-US"/>
           </a:p>
@@ -2117,7 +2117,7 @@
           <a:p>
             <a:fld id="{78C97017-6FC3-485B-9764-EAC9E56C1D49}" type="datetimeFigureOut">
               <a:rPr lang="en-US" smtClean="0"/>
-              <a:t>10/24/2018</a:t>
+              <a:t>11/12/2018</a:t>
             </a:fld>
             <a:endParaRPr lang="en-US"/>
           </a:p>
@@ -2234,7 +2234,7 @@
           <a:p>
             <a:fld id="{78C97017-6FC3-485B-9764-EAC9E56C1D49}" type="datetimeFigureOut">
               <a:rPr lang="en-US" smtClean="0"/>
-              <a:t>10/24/2018</a:t>
+              <a:t>11/12/2018</a:t>
             </a:fld>
             <a:endParaRPr lang="en-US"/>
           </a:p>
@@ -2329,7 +2329,7 @@
           <a:p>
             <a:fld id="{78C97017-6FC3-485B-9764-EAC9E56C1D49}" type="datetimeFigureOut">
               <a:rPr lang="en-US" smtClean="0"/>
-              <a:t>10/24/2018</a:t>
+              <a:t>11/12/2018</a:t>
             </a:fld>
             <a:endParaRPr lang="en-US"/>
           </a:p>
@@ -2604,7 +2604,7 @@
           <a:p>
             <a:fld id="{78C97017-6FC3-485B-9764-EAC9E56C1D49}" type="datetimeFigureOut">
               <a:rPr lang="en-US" smtClean="0"/>
-              <a:t>10/24/2018</a:t>
+              <a:t>11/12/2018</a:t>
             </a:fld>
             <a:endParaRPr lang="en-US"/>
           </a:p>
@@ -2856,7 +2856,7 @@
           <a:p>
             <a:fld id="{78C97017-6FC3-485B-9764-EAC9E56C1D49}" type="datetimeFigureOut">
               <a:rPr lang="en-US" smtClean="0"/>
-              <a:t>10/24/2018</a:t>
+              <a:t>11/12/2018</a:t>
             </a:fld>
             <a:endParaRPr lang="en-US"/>
           </a:p>
@@ -3067,7 +3067,7 @@
           <a:p>
             <a:fld id="{78C97017-6FC3-485B-9764-EAC9E56C1D49}" type="datetimeFigureOut">
               <a:rPr lang="en-US" smtClean="0"/>
-              <a:t>10/24/2018</a:t>
+              <a:t>11/12/2018</a:t>
             </a:fld>
             <a:endParaRPr lang="en-US"/>
           </a:p>
@@ -3451,7 +3451,7 @@
         <p:spPr>
           <a:xfrm>
             <a:off x="304800" y="160980"/>
-            <a:ext cx="8744174" cy="7298040"/>
+            <a:ext cx="10820400" cy="7298040"/>
           </a:xfrm>
           <a:prstGeom prst="roundRect">
             <a:avLst>
@@ -4944,7 +4944,7 @@
         </p:nvSpPr>
         <p:spPr>
           <a:xfrm rot="16200000">
-            <a:off x="5547821" y="5340387"/>
+            <a:off x="5481496" y="5491305"/>
             <a:ext cx="881018" cy="261610"/>
           </a:xfrm>
           <a:prstGeom prst="rect">
@@ -6422,8 +6422,8 @@
         </p:nvCxnSpPr>
         <p:spPr>
           <a:xfrm rot="5400000" flipH="1" flipV="1">
-            <a:off x="6126559" y="4031424"/>
-            <a:ext cx="501866" cy="351415"/>
+            <a:off x="6068064" y="3972928"/>
+            <a:ext cx="501866" cy="468406"/>
           </a:xfrm>
           <a:prstGeom prst="bentConnector2">
             <a:avLst/>
@@ -6467,7 +6467,7 @@
         </p:nvSpPr>
         <p:spPr>
           <a:xfrm rot="10800000">
-            <a:off x="6060592" y="4458064"/>
+            <a:off x="5943601" y="4458064"/>
             <a:ext cx="282387" cy="142035"/>
           </a:xfrm>
           <a:prstGeom prst="triangle">
@@ -6526,8 +6526,8 @@
         </p:nvCxnSpPr>
         <p:spPr>
           <a:xfrm rot="16200000" flipH="1">
-            <a:off x="5863061" y="5475858"/>
-            <a:ext cx="1028407" cy="351871"/>
+            <a:off x="5804794" y="5417591"/>
+            <a:ext cx="1028407" cy="468406"/>
           </a:xfrm>
           <a:prstGeom prst="bentConnector2">
             <a:avLst/>
@@ -6571,7 +6571,7 @@
         </p:nvSpPr>
         <p:spPr>
           <a:xfrm rot="10800000" flipV="1">
-            <a:off x="6060136" y="4979047"/>
+            <a:off x="5943601" y="4979047"/>
             <a:ext cx="282387" cy="158544"/>
           </a:xfrm>
           <a:prstGeom prst="triangle">
@@ -7183,7 +7183,7 @@
         </p:nvSpPr>
         <p:spPr>
           <a:xfrm>
-            <a:off x="7560475" y="1565449"/>
+            <a:off x="7560475" y="1201421"/>
             <a:ext cx="1097260" cy="285783"/>
           </a:xfrm>
           <a:prstGeom prst="rect">
@@ -7216,12 +7216,12 @@
           <a:p>
             <a:pPr algn="ctr"/>
             <a:r>
-              <a:rPr lang="en-US" sz="1050" dirty="0">
+              <a:rPr lang="en-US" sz="1050" dirty="0" err="1">
                 <a:solidFill>
                   <a:srgbClr val="7030A0"/>
                 </a:solidFill>
               </a:rPr>
-              <a:t>Doctor Name</a:t>
+              <a:t>AppointmentId</a:t>
             </a:r>
             <a:endParaRPr lang="en-SG" sz="1050" dirty="0">
               <a:solidFill>
@@ -7295,16 +7295,20 @@
           </p:cNvPr>
           <p:cNvCxnSpPr>
             <a:cxnSpLocks/>
+            <a:stCxn id="162" idx="3"/>
+            <a:endCxn id="161" idx="1"/>
           </p:cNvCxnSpPr>
           <p:nvPr/>
         </p:nvCxnSpPr>
         <p:spPr>
           <a:xfrm flipV="1">
-            <a:off x="7126073" y="1708032"/>
-            <a:ext cx="434402" cy="327761"/>
+            <a:off x="7126073" y="1344313"/>
+            <a:ext cx="434402" cy="691789"/>
           </a:xfrm>
           <a:prstGeom prst="bentConnector3">
-            <a:avLst/>
+            <a:avLst>
+              <a:gd name="adj1" fmla="val 50000"/>
+            </a:avLst>
           </a:prstGeom>
           <a:ln w="19050">
             <a:solidFill>
@@ -7344,7 +7348,7 @@
         </p:nvSpPr>
         <p:spPr>
           <a:xfrm>
-            <a:off x="7560474" y="1888427"/>
+            <a:off x="7560474" y="1524399"/>
             <a:ext cx="1097259" cy="285783"/>
           </a:xfrm>
           <a:prstGeom prst="rect">
@@ -7377,12 +7381,12 @@
           <a:p>
             <a:pPr algn="ctr"/>
             <a:r>
-              <a:rPr lang="en-US" sz="1050" dirty="0">
+              <a:rPr lang="en-US" sz="1050" dirty="0" err="1">
                 <a:solidFill>
                   <a:srgbClr val="7030A0"/>
                 </a:solidFill>
               </a:rPr>
-              <a:t>Date Time</a:t>
+              <a:t>DateTime</a:t>
             </a:r>
             <a:endParaRPr lang="en-SG" sz="1050" dirty="0">
               <a:solidFill>
@@ -7410,8 +7414,8 @@
         </p:nvCxnSpPr>
         <p:spPr>
           <a:xfrm flipV="1">
-            <a:off x="7126073" y="2031319"/>
-            <a:ext cx="434401" cy="4783"/>
+            <a:off x="7126073" y="1667291"/>
+            <a:ext cx="434401" cy="368811"/>
           </a:xfrm>
           <a:prstGeom prst="bentConnector3">
             <a:avLst/>
@@ -7454,7 +7458,7 @@
         </p:nvSpPr>
         <p:spPr>
           <a:xfrm>
-            <a:off x="7560475" y="2211405"/>
+            <a:off x="7560475" y="1847377"/>
             <a:ext cx="1097258" cy="285783"/>
           </a:xfrm>
           <a:prstGeom prst="rect">
@@ -7519,9 +7523,9 @@
           <p:nvPr/>
         </p:nvCxnSpPr>
         <p:spPr>
-          <a:xfrm>
-            <a:off x="7126073" y="2036102"/>
-            <a:ext cx="434402" cy="318195"/>
+          <a:xfrm flipV="1">
+            <a:off x="7126073" y="1990269"/>
+            <a:ext cx="434402" cy="45833"/>
           </a:xfrm>
           <a:prstGeom prst="bentConnector3">
             <a:avLst/>
@@ -7564,7 +7568,7 @@
         </p:nvSpPr>
         <p:spPr>
           <a:xfrm>
-            <a:off x="7560474" y="2534382"/>
+            <a:off x="7560474" y="2170354"/>
             <a:ext cx="1097257" cy="285783"/>
           </a:xfrm>
           <a:prstGeom prst="rect">
@@ -7624,14 +7628,14 @@
           <p:cNvCxnSpPr>
             <a:cxnSpLocks/>
             <a:stCxn id="162" idx="3"/>
-            <a:endCxn id="168" idx="1"/>
+            <a:endCxn id="128" idx="1"/>
           </p:cNvCxnSpPr>
           <p:nvPr/>
         </p:nvCxnSpPr>
         <p:spPr>
           <a:xfrm>
             <a:off x="7126073" y="2036102"/>
-            <a:ext cx="434401" cy="641172"/>
+            <a:ext cx="426639" cy="612256"/>
           </a:xfrm>
           <a:prstGeom prst="bentConnector3">
             <a:avLst/>
@@ -7660,163 +7664,6 @@
           </a:fontRef>
         </p:style>
       </p:cxnSp>
-      <p:sp>
-        <p:nvSpPr>
-          <p:cNvPr id="170" name="Rectangle 8">
-            <a:extLst>
-              <a:ext uri="{FF2B5EF4-FFF2-40B4-BE49-F238E27FC236}">
-                <a16:creationId xmlns:a16="http://schemas.microsoft.com/office/drawing/2014/main" id="{A98E8FE3-245F-404B-BB58-B0EEC9EA8706}"/>
-              </a:ext>
-            </a:extLst>
-          </p:cNvPr>
-          <p:cNvSpPr/>
-          <p:nvPr/>
-        </p:nvSpPr>
-        <p:spPr>
-          <a:xfrm>
-            <a:off x="7560474" y="1230028"/>
-            <a:ext cx="1097261" cy="285783"/>
-          </a:xfrm>
-          <a:prstGeom prst="rect">
-            <a:avLst/>
-          </a:prstGeom>
-          <a:ln w="19050">
-            <a:solidFill>
-              <a:srgbClr val="7030A0"/>
-            </a:solidFill>
-          </a:ln>
-          <a:effectLst/>
-        </p:spPr>
-        <p:style>
-          <a:lnRef idx="1">
-            <a:schemeClr val="accent4"/>
-          </a:lnRef>
-          <a:fillRef idx="2">
-            <a:schemeClr val="accent4"/>
-          </a:fillRef>
-          <a:effectRef idx="1">
-            <a:schemeClr val="accent4"/>
-          </a:effectRef>
-          <a:fontRef idx="minor">
-            <a:schemeClr val="dk1"/>
-          </a:fontRef>
-        </p:style>
-        <p:txBody>
-          <a:bodyPr rtlCol="0" anchor="ctr"/>
-          <a:lstStyle/>
-          <a:p>
-            <a:pPr algn="ctr"/>
-            <a:r>
-              <a:rPr lang="en-US" sz="1050" dirty="0">
-                <a:solidFill>
-                  <a:srgbClr val="7030A0"/>
-                </a:solidFill>
-              </a:rPr>
-              <a:t>Appointment</a:t>
-            </a:r>
-            <a:endParaRPr lang="en-SG" sz="1050" dirty="0">
-              <a:solidFill>
-                <a:srgbClr val="7030A0"/>
-              </a:solidFill>
-            </a:endParaRPr>
-          </a:p>
-        </p:txBody>
-      </p:sp>
-      <p:cxnSp>
-        <p:nvCxnSpPr>
-          <p:cNvPr id="171" name="Elbow Connector 78">
-            <a:extLst>
-              <a:ext uri="{FF2B5EF4-FFF2-40B4-BE49-F238E27FC236}">
-                <a16:creationId xmlns:a16="http://schemas.microsoft.com/office/drawing/2014/main" id="{CAAA7D81-8C94-46E8-96A9-4DDB3315D151}"/>
-              </a:ext>
-            </a:extLst>
-          </p:cNvPr>
-          <p:cNvCxnSpPr>
-            <a:cxnSpLocks/>
-            <a:stCxn id="162" idx="3"/>
-            <a:endCxn id="170" idx="1"/>
-          </p:cNvCxnSpPr>
-          <p:nvPr/>
-        </p:nvCxnSpPr>
-        <p:spPr>
-          <a:xfrm flipV="1">
-            <a:off x="7126073" y="1372920"/>
-            <a:ext cx="434401" cy="663182"/>
-          </a:xfrm>
-          <a:prstGeom prst="bentConnector3">
-            <a:avLst>
-              <a:gd name="adj1" fmla="val 50000"/>
-            </a:avLst>
-          </a:prstGeom>
-          <a:ln w="19050">
-            <a:solidFill>
-              <a:srgbClr val="7030A0"/>
-            </a:solidFill>
-            <a:headEnd type="none" w="med" len="med"/>
-            <a:tailEnd type="arrow" w="med" len="med"/>
-          </a:ln>
-          <a:effectLst/>
-        </p:spPr>
-        <p:style>
-          <a:lnRef idx="1">
-            <a:schemeClr val="accent2"/>
-          </a:lnRef>
-          <a:fillRef idx="2">
-            <a:schemeClr val="accent2"/>
-          </a:fillRef>
-          <a:effectRef idx="1">
-            <a:schemeClr val="accent2"/>
-          </a:effectRef>
-          <a:fontRef idx="minor">
-            <a:schemeClr val="dk1"/>
-          </a:fontRef>
-        </p:style>
-      </p:cxnSp>
-      <p:sp>
-        <p:nvSpPr>
-          <p:cNvPr id="172" name="TextBox 171">
-            <a:extLst>
-              <a:ext uri="{FF2B5EF4-FFF2-40B4-BE49-F238E27FC236}">
-                <a16:creationId xmlns:a16="http://schemas.microsoft.com/office/drawing/2014/main" id="{8DBF8281-AF1E-4EC6-8B79-5BAB14CC4213}"/>
-              </a:ext>
-            </a:extLst>
-          </p:cNvPr>
-          <p:cNvSpPr txBox="1"/>
-          <p:nvPr/>
-        </p:nvSpPr>
-        <p:spPr>
-          <a:xfrm>
-            <a:off x="7314321" y="1256922"/>
-            <a:ext cx="189257" cy="178683"/>
-          </a:xfrm>
-          <a:prstGeom prst="rect">
-            <a:avLst/>
-          </a:prstGeom>
-          <a:noFill/>
-        </p:spPr>
-        <p:txBody>
-          <a:bodyPr wrap="square" lIns="0" tIns="0" rIns="0" bIns="0" rtlCol="0">
-            <a:noAutofit/>
-          </a:bodyPr>
-          <a:lstStyle/>
-          <a:p>
-            <a:pPr algn="ctr"/>
-            <a:r>
-              <a:rPr lang="en-US" sz="1100" dirty="0">
-                <a:solidFill>
-                  <a:srgbClr val="7030A0"/>
-                </a:solidFill>
-              </a:rPr>
-              <a:t>*</a:t>
-            </a:r>
-            <a:endParaRPr lang="en-SG" sz="1100" dirty="0">
-              <a:solidFill>
-                <a:srgbClr val="7030A0"/>
-              </a:solidFill>
-            </a:endParaRPr>
-          </a:p>
-        </p:txBody>
-      </p:sp>
       <p:sp>
         <p:nvSpPr>
           <p:cNvPr id="179" name="Flowchart: Decision 96">
@@ -8275,6 +8122,544 @@
           </a:p>
         </p:txBody>
       </p:sp>
+      <p:sp>
+        <p:nvSpPr>
+          <p:cNvPr id="128" name="Rectangle 8">
+            <a:extLst>
+              <a:ext uri="{FF2B5EF4-FFF2-40B4-BE49-F238E27FC236}">
+                <a16:creationId xmlns:a16="http://schemas.microsoft.com/office/drawing/2014/main" id="{F44C287F-6B6A-4E0F-A734-06736E07DC56}"/>
+              </a:ext>
+            </a:extLst>
+          </p:cNvPr>
+          <p:cNvSpPr/>
+          <p:nvPr/>
+        </p:nvSpPr>
+        <p:spPr>
+          <a:xfrm>
+            <a:off x="7552712" y="2505466"/>
+            <a:ext cx="1097257" cy="285783"/>
+          </a:xfrm>
+          <a:prstGeom prst="rect">
+            <a:avLst/>
+          </a:prstGeom>
+          <a:ln w="19050">
+            <a:solidFill>
+              <a:srgbClr val="7030A0"/>
+            </a:solidFill>
+          </a:ln>
+          <a:effectLst/>
+        </p:spPr>
+        <p:style>
+          <a:lnRef idx="1">
+            <a:schemeClr val="accent4"/>
+          </a:lnRef>
+          <a:fillRef idx="2">
+            <a:schemeClr val="accent4"/>
+          </a:fillRef>
+          <a:effectRef idx="1">
+            <a:schemeClr val="accent4"/>
+          </a:effectRef>
+          <a:fontRef idx="minor">
+            <a:schemeClr val="dk1"/>
+          </a:fontRef>
+        </p:style>
+        <p:txBody>
+          <a:bodyPr rtlCol="0" anchor="ctr"/>
+          <a:lstStyle/>
+          <a:p>
+            <a:pPr algn="ctr"/>
+            <a:r>
+              <a:rPr lang="en-US" sz="1050" dirty="0">
+                <a:solidFill>
+                  <a:srgbClr val="7030A0"/>
+                </a:solidFill>
+              </a:rPr>
+              <a:t>Prescriptions</a:t>
+            </a:r>
+            <a:endParaRPr lang="en-SG" sz="1050" dirty="0">
+              <a:solidFill>
+                <a:srgbClr val="7030A0"/>
+              </a:solidFill>
+            </a:endParaRPr>
+          </a:p>
+        </p:txBody>
+      </p:sp>
+      <p:cxnSp>
+        <p:nvCxnSpPr>
+          <p:cNvPr id="129" name="Elbow Connector 85">
+            <a:extLst>
+              <a:ext uri="{FF2B5EF4-FFF2-40B4-BE49-F238E27FC236}">
+                <a16:creationId xmlns:a16="http://schemas.microsoft.com/office/drawing/2014/main" id="{39F4DF71-3726-4B3C-B87C-26D4F2A930F7}"/>
+              </a:ext>
+            </a:extLst>
+          </p:cNvPr>
+          <p:cNvCxnSpPr>
+            <a:cxnSpLocks/>
+            <a:stCxn id="162" idx="3"/>
+            <a:endCxn id="168" idx="1"/>
+          </p:cNvCxnSpPr>
+          <p:nvPr/>
+        </p:nvCxnSpPr>
+        <p:spPr>
+          <a:xfrm>
+            <a:off x="7126073" y="2036102"/>
+            <a:ext cx="434401" cy="277144"/>
+          </a:xfrm>
+          <a:prstGeom prst="bentConnector3">
+            <a:avLst>
+              <a:gd name="adj1" fmla="val 50000"/>
+            </a:avLst>
+          </a:prstGeom>
+          <a:ln w="19050">
+            <a:solidFill>
+              <a:srgbClr val="7030A0"/>
+            </a:solidFill>
+            <a:headEnd type="none" w="med" len="med"/>
+            <a:tailEnd type="arrow" w="med" len="med"/>
+          </a:ln>
+          <a:effectLst/>
+        </p:spPr>
+        <p:style>
+          <a:lnRef idx="1">
+            <a:schemeClr val="accent2"/>
+          </a:lnRef>
+          <a:fillRef idx="2">
+            <a:schemeClr val="accent2"/>
+          </a:fillRef>
+          <a:effectRef idx="1">
+            <a:schemeClr val="accent2"/>
+          </a:effectRef>
+          <a:fontRef idx="minor">
+            <a:schemeClr val="dk1"/>
+          </a:fontRef>
+        </p:style>
+      </p:cxnSp>
+      <p:sp>
+        <p:nvSpPr>
+          <p:cNvPr id="132" name="TextBox 131">
+            <a:extLst>
+              <a:ext uri="{FF2B5EF4-FFF2-40B4-BE49-F238E27FC236}">
+                <a16:creationId xmlns:a16="http://schemas.microsoft.com/office/drawing/2014/main" id="{EFF834DD-0FF2-4291-9BF7-D9476C7E3744}"/>
+              </a:ext>
+            </a:extLst>
+          </p:cNvPr>
+          <p:cNvSpPr txBox="1"/>
+          <p:nvPr/>
+        </p:nvSpPr>
+        <p:spPr>
+          <a:xfrm>
+            <a:off x="7343607" y="2446845"/>
+            <a:ext cx="189257" cy="178683"/>
+          </a:xfrm>
+          <a:prstGeom prst="rect">
+            <a:avLst/>
+          </a:prstGeom>
+          <a:noFill/>
+        </p:spPr>
+        <p:txBody>
+          <a:bodyPr wrap="square" lIns="0" tIns="0" rIns="0" bIns="0" rtlCol="0">
+            <a:noAutofit/>
+          </a:bodyPr>
+          <a:lstStyle/>
+          <a:p>
+            <a:pPr algn="ctr"/>
+            <a:r>
+              <a:rPr lang="en-US" sz="1100" dirty="0">
+                <a:solidFill>
+                  <a:srgbClr val="7030A0"/>
+                </a:solidFill>
+              </a:rPr>
+              <a:t>*</a:t>
+            </a:r>
+            <a:endParaRPr lang="en-SG" sz="1100" dirty="0">
+              <a:solidFill>
+                <a:srgbClr val="7030A0"/>
+              </a:solidFill>
+            </a:endParaRPr>
+          </a:p>
+        </p:txBody>
+      </p:sp>
+      <p:sp>
+        <p:nvSpPr>
+          <p:cNvPr id="133" name="Rectangle 8">
+            <a:extLst>
+              <a:ext uri="{FF2B5EF4-FFF2-40B4-BE49-F238E27FC236}">
+                <a16:creationId xmlns:a16="http://schemas.microsoft.com/office/drawing/2014/main" id="{81005B0C-8746-411A-B94E-D3A683A356BE}"/>
+              </a:ext>
+            </a:extLst>
+          </p:cNvPr>
+          <p:cNvSpPr/>
+          <p:nvPr/>
+        </p:nvSpPr>
+        <p:spPr>
+          <a:xfrm>
+            <a:off x="9318098" y="2171193"/>
+            <a:ext cx="1426101" cy="285783"/>
+          </a:xfrm>
+          <a:prstGeom prst="rect">
+            <a:avLst/>
+          </a:prstGeom>
+          <a:ln w="19050">
+            <a:solidFill>
+              <a:srgbClr val="7030A0"/>
+            </a:solidFill>
+          </a:ln>
+          <a:effectLst/>
+        </p:spPr>
+        <p:style>
+          <a:lnRef idx="1">
+            <a:schemeClr val="accent4"/>
+          </a:lnRef>
+          <a:fillRef idx="2">
+            <a:schemeClr val="accent4"/>
+          </a:fillRef>
+          <a:effectRef idx="1">
+            <a:schemeClr val="accent4"/>
+          </a:effectRef>
+          <a:fontRef idx="minor">
+            <a:schemeClr val="dk1"/>
+          </a:fontRef>
+        </p:style>
+        <p:txBody>
+          <a:bodyPr rtlCol="0" anchor="ctr"/>
+          <a:lstStyle/>
+          <a:p>
+            <a:pPr algn="ctr"/>
+            <a:r>
+              <a:rPr lang="en-US" sz="1050" dirty="0" err="1">
+                <a:solidFill>
+                  <a:srgbClr val="7030A0"/>
+                </a:solidFill>
+              </a:rPr>
+              <a:t>MedicineName</a:t>
+            </a:r>
+            <a:endParaRPr lang="en-SG" sz="1050" dirty="0">
+              <a:solidFill>
+                <a:srgbClr val="7030A0"/>
+              </a:solidFill>
+            </a:endParaRPr>
+          </a:p>
+        </p:txBody>
+      </p:sp>
+      <p:sp>
+        <p:nvSpPr>
+          <p:cNvPr id="138" name="Flowchart: Decision 96">
+            <a:extLst>
+              <a:ext uri="{FF2B5EF4-FFF2-40B4-BE49-F238E27FC236}">
+                <a16:creationId xmlns:a16="http://schemas.microsoft.com/office/drawing/2014/main" id="{65796CF2-B1CF-4D8B-8BE4-EBE5984B2B87}"/>
+              </a:ext>
+            </a:extLst>
+          </p:cNvPr>
+          <p:cNvSpPr/>
+          <p:nvPr/>
+        </p:nvSpPr>
+        <p:spPr>
+          <a:xfrm>
+            <a:off x="8647649" y="2555156"/>
+            <a:ext cx="236048" cy="173380"/>
+          </a:xfrm>
+          <a:prstGeom prst="flowChartDecision">
+            <a:avLst/>
+          </a:prstGeom>
+          <a:solidFill>
+            <a:srgbClr val="7030A0"/>
+          </a:solidFill>
+          <a:ln w="19050">
+            <a:solidFill>
+              <a:srgbClr val="7030A0"/>
+            </a:solidFill>
+          </a:ln>
+          <a:effectLst/>
+        </p:spPr>
+        <p:style>
+          <a:lnRef idx="1">
+            <a:schemeClr val="accent6"/>
+          </a:lnRef>
+          <a:fillRef idx="2">
+            <a:schemeClr val="accent6"/>
+          </a:fillRef>
+          <a:effectRef idx="1">
+            <a:schemeClr val="accent6"/>
+          </a:effectRef>
+          <a:fontRef idx="minor">
+            <a:schemeClr val="dk1"/>
+          </a:fontRef>
+        </p:style>
+        <p:txBody>
+          <a:bodyPr rtlCol="0" anchor="ctr"/>
+          <a:lstStyle/>
+          <a:p>
+            <a:pPr algn="ctr"/>
+            <a:endParaRPr lang="en-US" sz="1050"/>
+          </a:p>
+        </p:txBody>
+      </p:sp>
+      <p:cxnSp>
+        <p:nvCxnSpPr>
+          <p:cNvPr id="139" name="Elbow Connector 78">
+            <a:extLst>
+              <a:ext uri="{FF2B5EF4-FFF2-40B4-BE49-F238E27FC236}">
+                <a16:creationId xmlns:a16="http://schemas.microsoft.com/office/drawing/2014/main" id="{5F33B86C-F36D-45D5-B8BC-9EB756C19C92}"/>
+              </a:ext>
+            </a:extLst>
+          </p:cNvPr>
+          <p:cNvCxnSpPr>
+            <a:cxnSpLocks/>
+          </p:cNvCxnSpPr>
+          <p:nvPr/>
+        </p:nvCxnSpPr>
+        <p:spPr>
+          <a:xfrm flipV="1">
+            <a:off x="8883697" y="2313776"/>
+            <a:ext cx="434402" cy="327761"/>
+          </a:xfrm>
+          <a:prstGeom prst="bentConnector3">
+            <a:avLst/>
+          </a:prstGeom>
+          <a:ln w="19050">
+            <a:solidFill>
+              <a:srgbClr val="7030A0"/>
+            </a:solidFill>
+            <a:headEnd type="none" w="med" len="med"/>
+            <a:tailEnd type="arrow" w="med" len="med"/>
+          </a:ln>
+          <a:effectLst/>
+        </p:spPr>
+        <p:style>
+          <a:lnRef idx="1">
+            <a:schemeClr val="accent2"/>
+          </a:lnRef>
+          <a:fillRef idx="2">
+            <a:schemeClr val="accent2"/>
+          </a:fillRef>
+          <a:effectRef idx="1">
+            <a:schemeClr val="accent2"/>
+          </a:effectRef>
+          <a:fontRef idx="minor">
+            <a:schemeClr val="dk1"/>
+          </a:fontRef>
+        </p:style>
+      </p:cxnSp>
+      <p:sp>
+        <p:nvSpPr>
+          <p:cNvPr id="143" name="Rectangle 8">
+            <a:extLst>
+              <a:ext uri="{FF2B5EF4-FFF2-40B4-BE49-F238E27FC236}">
+                <a16:creationId xmlns:a16="http://schemas.microsoft.com/office/drawing/2014/main" id="{18328B45-DDDF-46CC-AD52-852DEAD0FE05}"/>
+              </a:ext>
+            </a:extLst>
+          </p:cNvPr>
+          <p:cNvSpPr/>
+          <p:nvPr/>
+        </p:nvSpPr>
+        <p:spPr>
+          <a:xfrm>
+            <a:off x="9318098" y="2494171"/>
+            <a:ext cx="1426101" cy="285783"/>
+          </a:xfrm>
+          <a:prstGeom prst="rect">
+            <a:avLst/>
+          </a:prstGeom>
+          <a:ln w="19050">
+            <a:solidFill>
+              <a:srgbClr val="7030A0"/>
+            </a:solidFill>
+          </a:ln>
+          <a:effectLst/>
+        </p:spPr>
+        <p:style>
+          <a:lnRef idx="1">
+            <a:schemeClr val="accent4"/>
+          </a:lnRef>
+          <a:fillRef idx="2">
+            <a:schemeClr val="accent4"/>
+          </a:fillRef>
+          <a:effectRef idx="1">
+            <a:schemeClr val="accent4"/>
+          </a:effectRef>
+          <a:fontRef idx="minor">
+            <a:schemeClr val="dk1"/>
+          </a:fontRef>
+        </p:style>
+        <p:txBody>
+          <a:bodyPr rtlCol="0" anchor="ctr"/>
+          <a:lstStyle/>
+          <a:p>
+            <a:pPr algn="ctr"/>
+            <a:r>
+              <a:rPr lang="en-US" sz="1050" dirty="0">
+                <a:solidFill>
+                  <a:srgbClr val="7030A0"/>
+                </a:solidFill>
+              </a:rPr>
+              <a:t>Dosage</a:t>
+            </a:r>
+            <a:endParaRPr lang="en-SG" sz="1050" dirty="0">
+              <a:solidFill>
+                <a:srgbClr val="7030A0"/>
+              </a:solidFill>
+            </a:endParaRPr>
+          </a:p>
+        </p:txBody>
+      </p:sp>
+      <p:cxnSp>
+        <p:nvCxnSpPr>
+          <p:cNvPr id="148" name="Elbow Connector 80">
+            <a:extLst>
+              <a:ext uri="{FF2B5EF4-FFF2-40B4-BE49-F238E27FC236}">
+                <a16:creationId xmlns:a16="http://schemas.microsoft.com/office/drawing/2014/main" id="{76906538-36FC-404C-AC8E-B564A54363F7}"/>
+              </a:ext>
+            </a:extLst>
+          </p:cNvPr>
+          <p:cNvCxnSpPr>
+            <a:cxnSpLocks/>
+            <a:stCxn id="138" idx="3"/>
+            <a:endCxn id="143" idx="1"/>
+          </p:cNvCxnSpPr>
+          <p:nvPr/>
+        </p:nvCxnSpPr>
+        <p:spPr>
+          <a:xfrm flipV="1">
+            <a:off x="8883697" y="2637063"/>
+            <a:ext cx="434401" cy="4783"/>
+          </a:xfrm>
+          <a:prstGeom prst="bentConnector3">
+            <a:avLst/>
+          </a:prstGeom>
+          <a:ln w="19050">
+            <a:solidFill>
+              <a:srgbClr val="7030A0"/>
+            </a:solidFill>
+            <a:headEnd type="none" w="med" len="med"/>
+            <a:tailEnd type="arrow" w="med" len="med"/>
+          </a:ln>
+          <a:effectLst/>
+        </p:spPr>
+        <p:style>
+          <a:lnRef idx="1">
+            <a:schemeClr val="accent2"/>
+          </a:lnRef>
+          <a:fillRef idx="2">
+            <a:schemeClr val="accent2"/>
+          </a:fillRef>
+          <a:effectRef idx="1">
+            <a:schemeClr val="accent2"/>
+          </a:effectRef>
+          <a:fontRef idx="minor">
+            <a:schemeClr val="dk1"/>
+          </a:fontRef>
+        </p:style>
+      </p:cxnSp>
+      <p:sp>
+        <p:nvSpPr>
+          <p:cNvPr id="149" name="Rectangle 8">
+            <a:extLst>
+              <a:ext uri="{FF2B5EF4-FFF2-40B4-BE49-F238E27FC236}">
+                <a16:creationId xmlns:a16="http://schemas.microsoft.com/office/drawing/2014/main" id="{F22256B3-1714-4049-AB23-A45ED1E9E70E}"/>
+              </a:ext>
+            </a:extLst>
+          </p:cNvPr>
+          <p:cNvSpPr/>
+          <p:nvPr/>
+        </p:nvSpPr>
+        <p:spPr>
+          <a:xfrm>
+            <a:off x="9318098" y="2817149"/>
+            <a:ext cx="1426102" cy="285783"/>
+          </a:xfrm>
+          <a:prstGeom prst="rect">
+            <a:avLst/>
+          </a:prstGeom>
+          <a:ln w="19050">
+            <a:solidFill>
+              <a:srgbClr val="7030A0"/>
+            </a:solidFill>
+          </a:ln>
+          <a:effectLst/>
+        </p:spPr>
+        <p:style>
+          <a:lnRef idx="1">
+            <a:schemeClr val="accent4"/>
+          </a:lnRef>
+          <a:fillRef idx="2">
+            <a:schemeClr val="accent4"/>
+          </a:fillRef>
+          <a:effectRef idx="1">
+            <a:schemeClr val="accent4"/>
+          </a:effectRef>
+          <a:fontRef idx="minor">
+            <a:schemeClr val="dk1"/>
+          </a:fontRef>
+        </p:style>
+        <p:txBody>
+          <a:bodyPr rtlCol="0" anchor="ctr"/>
+          <a:lstStyle/>
+          <a:p>
+            <a:pPr algn="ctr"/>
+            <a:r>
+              <a:rPr lang="en-US" sz="1050" dirty="0" err="1">
+                <a:solidFill>
+                  <a:srgbClr val="7030A0"/>
+                </a:solidFill>
+              </a:rPr>
+              <a:t>ConsumptionPerDay</a:t>
+            </a:r>
+            <a:endParaRPr lang="en-SG" sz="1050" dirty="0">
+              <a:solidFill>
+                <a:srgbClr val="7030A0"/>
+              </a:solidFill>
+            </a:endParaRPr>
+          </a:p>
+        </p:txBody>
+      </p:sp>
+      <p:cxnSp>
+        <p:nvCxnSpPr>
+          <p:cNvPr id="150" name="Elbow Connector 83">
+            <a:extLst>
+              <a:ext uri="{FF2B5EF4-FFF2-40B4-BE49-F238E27FC236}">
+                <a16:creationId xmlns:a16="http://schemas.microsoft.com/office/drawing/2014/main" id="{7321884E-2DC5-4BBA-A8EA-DBBB42FD31C5}"/>
+              </a:ext>
+            </a:extLst>
+          </p:cNvPr>
+          <p:cNvCxnSpPr>
+            <a:cxnSpLocks/>
+            <a:stCxn id="138" idx="3"/>
+            <a:endCxn id="149" idx="1"/>
+          </p:cNvCxnSpPr>
+          <p:nvPr/>
+        </p:nvCxnSpPr>
+        <p:spPr>
+          <a:xfrm>
+            <a:off x="8883697" y="2641846"/>
+            <a:ext cx="434401" cy="318195"/>
+          </a:xfrm>
+          <a:prstGeom prst="bentConnector3">
+            <a:avLst/>
+          </a:prstGeom>
+          <a:ln w="19050">
+            <a:solidFill>
+              <a:srgbClr val="7030A0"/>
+            </a:solidFill>
+            <a:headEnd type="none" w="med" len="med"/>
+            <a:tailEnd type="arrow" w="med" len="med"/>
+          </a:ln>
+          <a:effectLst/>
+        </p:spPr>
+        <p:style>
+          <a:lnRef idx="1">
+            <a:schemeClr val="accent2"/>
+          </a:lnRef>
+          <a:fillRef idx="2">
+            <a:schemeClr val="accent2"/>
+          </a:fillRef>
+          <a:effectRef idx="1">
+            <a:schemeClr val="accent2"/>
+          </a:effectRef>
+          <a:fontRef idx="minor">
+            <a:schemeClr val="dk1"/>
+          </a:fontRef>
+        </p:style>
+      </p:cxnSp>
     </p:spTree>
     <p:extLst>
       <p:ext uri="{BB962C8B-B14F-4D97-AF65-F5344CB8AC3E}">
